--- a/presentations/radical-modsim.pptx
+++ b/presentations/radical-modsim.pptx
@@ -2124,7 +2124,7 @@
               <a:buAutoNum type="arabicPeriod"/>
             </a:pPr>
             <a:r>
-              <a:rPr lang="en-US" dirty="0" smtClean="0">
+              <a:rPr lang="en-US" dirty="0">
                 <a:solidFill>
                   <a:schemeClr val="tx1">
                     <a:lumMod val="65000"/>
@@ -2132,7 +2132,7 @@
                   </a:schemeClr>
                 </a:solidFill>
               </a:rPr>
-              <a:t>Support for Adaptive Applications and Dynamic Resources</a:t>
+              <a:t>Capability Based </a:t>
             </a:r>
           </a:p>
           <a:p>
@@ -2153,18 +2153,8 @@
                   </a:schemeClr>
                 </a:solidFill>
               </a:rPr>
-              <a:t>Capability Based </a:t>
-            </a:r>
-          </a:p>
-          <a:p>
-            <a:pPr marL="800100" lvl="1" indent="-342900">
-              <a:buClr>
-                <a:srgbClr val="000000"/>
-              </a:buClr>
-              <a:buSzPct val="100000"/>
-              <a:buFont typeface="+mj-lt"/>
-              <a:buAutoNum type="arabicPeriod"/>
-            </a:pPr>
+              <a:t>Support </a:t>
+            </a:r>
             <a:r>
               <a:rPr lang="en-US" dirty="0" smtClean="0">
                 <a:solidFill>
@@ -2174,7 +2164,7 @@
                   </a:schemeClr>
                 </a:solidFill>
               </a:rPr>
-              <a:t>…</a:t>
+              <a:t>for Adaptive Applications and Dynamic Resources</a:t>
             </a:r>
           </a:p>
           <a:p>
@@ -2193,7 +2183,18 @@
                   </a:schemeClr>
                 </a:solidFill>
               </a:rPr>
-              <a:t>Role of Modeling</a:t>
+              <a:t>Role </a:t>
+            </a:r>
+            <a:r>
+              <a:rPr lang="en-US" sz="2000" dirty="0" smtClean="0">
+                <a:solidFill>
+                  <a:schemeClr val="tx1">
+                    <a:lumMod val="65000"/>
+                    <a:lumOff val="35000"/>
+                  </a:schemeClr>
+                </a:solidFill>
+              </a:rPr>
+              <a:t>of Modeling</a:t>
             </a:r>
           </a:p>
           <a:p>
@@ -2212,8 +2213,68 @@
                   </a:schemeClr>
                 </a:solidFill>
               </a:rPr>
-              <a:t>A* Conceptual Model for Distributed Application</a:t>
-            </a:r>
+              <a:t>A* </a:t>
+            </a:r>
+            <a:r>
+              <a:rPr lang="en-US" dirty="0" smtClean="0">
+                <a:solidFill>
+                  <a:schemeClr val="tx1">
+                    <a:lumMod val="65000"/>
+                    <a:lumOff val="35000"/>
+                  </a:schemeClr>
+                </a:solidFill>
+              </a:rPr>
+              <a:t>: Conceptual </a:t>
+            </a:r>
+            <a:r>
+              <a:rPr lang="en-US" dirty="0" smtClean="0">
+                <a:solidFill>
+                  <a:schemeClr val="tx1">
+                    <a:lumMod val="65000"/>
+                    <a:lumOff val="35000"/>
+                  </a:schemeClr>
+                </a:solidFill>
+              </a:rPr>
+              <a:t>Model for Distributed </a:t>
+            </a:r>
+            <a:r>
+              <a:rPr lang="en-US" dirty="0" smtClean="0">
+                <a:solidFill>
+                  <a:schemeClr val="tx1">
+                    <a:lumMod val="65000"/>
+                    <a:lumOff val="35000"/>
+                  </a:schemeClr>
+                </a:solidFill>
+              </a:rPr>
+              <a:t>Application</a:t>
+            </a:r>
+          </a:p>
+          <a:p>
+            <a:pPr marL="1208088" lvl="2" indent="-342900">
+              <a:buClr>
+                <a:srgbClr val="000000"/>
+              </a:buClr>
+              <a:buSzPct val="100000"/>
+            </a:pPr>
+            <a:r>
+              <a:rPr lang="en-US" dirty="0" smtClean="0">
+                <a:solidFill>
+                  <a:schemeClr val="tx1">
+                    <a:lumMod val="65000"/>
+                    <a:lumOff val="35000"/>
+                  </a:schemeClr>
+                </a:solidFill>
+              </a:rPr>
+              <a:t>One of many different analytical models of an application</a:t>
+            </a:r>
+            <a:endParaRPr lang="en-US" dirty="0" smtClean="0">
+              <a:solidFill>
+                <a:schemeClr val="tx1">
+                  <a:lumMod val="65000"/>
+                  <a:lumOff val="35000"/>
+                </a:schemeClr>
+              </a:solidFill>
+            </a:endParaRPr>
           </a:p>
           <a:p>
             <a:pPr marL="800100" lvl="1" indent="-342900">
@@ -2231,8 +2292,60 @@
                   </a:schemeClr>
                 </a:solidFill>
               </a:rPr>
-              <a:t>W* Analytical Model of workload </a:t>
-            </a:r>
+              <a:t>W</a:t>
+            </a:r>
+            <a:r>
+              <a:rPr lang="en-US" dirty="0" smtClean="0">
+                <a:solidFill>
+                  <a:schemeClr val="tx1">
+                    <a:lumMod val="65000"/>
+                    <a:lumOff val="35000"/>
+                  </a:schemeClr>
+                </a:solidFill>
+              </a:rPr>
+              <a:t>*: Analytical </a:t>
+            </a:r>
+            <a:r>
+              <a:rPr lang="en-US" dirty="0">
+                <a:solidFill>
+                  <a:schemeClr val="tx1">
+                    <a:lumMod val="65000"/>
+                    <a:lumOff val="35000"/>
+                  </a:schemeClr>
+                </a:solidFill>
+              </a:rPr>
+              <a:t>m</a:t>
+            </a:r>
+            <a:r>
+              <a:rPr lang="en-US" dirty="0" smtClean="0">
+                <a:solidFill>
+                  <a:schemeClr val="tx1">
+                    <a:lumMod val="65000"/>
+                    <a:lumOff val="35000"/>
+                  </a:schemeClr>
+                </a:solidFill>
+              </a:rPr>
+              <a:t>odel </a:t>
+            </a:r>
+            <a:r>
+              <a:rPr lang="en-US" dirty="0" smtClean="0">
+                <a:solidFill>
+                  <a:schemeClr val="tx1">
+                    <a:lumMod val="65000"/>
+                    <a:lumOff val="35000"/>
+                  </a:schemeClr>
+                </a:solidFill>
+              </a:rPr>
+              <a:t>of workload </a:t>
+            </a:r>
+            <a:endParaRPr lang="en-US" dirty="0" smtClean="0">
+              <a:solidFill>
+                <a:schemeClr val="tx1">
+                  <a:lumMod val="65000"/>
+                  <a:lumOff val="35000"/>
+                </a:schemeClr>
+              </a:solidFill>
+            </a:endParaRPr>
           </a:p>
           <a:p>
             <a:pPr marL="1208088" lvl="2" indent="-342900">
@@ -2250,7 +2363,73 @@
                   </a:schemeClr>
                 </a:solidFill>
               </a:rPr>
-              <a:t>with performance and prediction but in this case independent of resources</a:t>
+              <a:t>Outputs concrete executable units, thus provides a measure of</a:t>
+            </a:r>
+            <a:r>
+              <a:rPr lang="en-US" dirty="0" smtClean="0">
+                <a:solidFill>
+                  <a:schemeClr val="tx1">
+                    <a:lumMod val="65000"/>
+                    <a:lumOff val="35000"/>
+                  </a:schemeClr>
+                </a:solidFill>
+              </a:rPr>
+              <a:t> </a:t>
+            </a:r>
+            <a:r>
+              <a:rPr lang="en-US" dirty="0" smtClean="0">
+                <a:solidFill>
+                  <a:schemeClr val="tx1">
+                    <a:lumMod val="65000"/>
+                    <a:lumOff val="35000"/>
+                  </a:schemeClr>
+                </a:solidFill>
+              </a:rPr>
+              <a:t>performance </a:t>
+            </a:r>
+            <a:r>
+              <a:rPr lang="en-US" dirty="0" smtClean="0">
+                <a:solidFill>
+                  <a:schemeClr val="tx1">
+                    <a:lumMod val="65000"/>
+                    <a:lumOff val="35000"/>
+                  </a:schemeClr>
+                </a:solidFill>
+              </a:rPr>
+              <a:t>and prediction </a:t>
+            </a:r>
+            <a:r>
+              <a:rPr lang="en-US" dirty="0" smtClean="0">
+                <a:solidFill>
+                  <a:schemeClr val="tx1">
+                    <a:lumMod val="65000"/>
+                    <a:lumOff val="35000"/>
+                  </a:schemeClr>
+                </a:solidFill>
+              </a:rPr>
+              <a:t>but </a:t>
+            </a:r>
+            <a:r>
+              <a:rPr lang="en-US" dirty="0" smtClean="0">
+                <a:solidFill>
+                  <a:schemeClr val="tx1">
+                    <a:lumMod val="65000"/>
+                    <a:lumOff val="35000"/>
+                  </a:schemeClr>
+                </a:solidFill>
+              </a:rPr>
+              <a:t>independent </a:t>
+            </a:r>
+            <a:r>
+              <a:rPr lang="en-US" dirty="0" smtClean="0">
+                <a:solidFill>
+                  <a:schemeClr val="tx1">
+                    <a:lumMod val="65000"/>
+                    <a:lumOff val="35000"/>
+                  </a:schemeClr>
+                </a:solidFill>
+              </a:rPr>
+              <a:t>of resources</a:t>
             </a:r>
           </a:p>
           <a:p>
@@ -2269,16 +2448,8 @@
                   </a:schemeClr>
                 </a:solidFill>
               </a:rPr>
-              <a:t>P* Conceptual Model for Resources</a:t>
-            </a:r>
-          </a:p>
-          <a:p>
-            <a:pPr marL="800100" lvl="1" indent="-342900">
-              <a:buClr>
-                <a:srgbClr val="000000"/>
-              </a:buClr>
-              <a:buSzPct val="100000"/>
-            </a:pPr>
+              <a:t>P</a:t>
+            </a:r>
             <a:r>
               <a:rPr lang="en-US" dirty="0" smtClean="0">
                 <a:solidFill>
@@ -2288,7 +2459,18 @@
                   </a:schemeClr>
                 </a:solidFill>
               </a:rPr>
-              <a:t>F* Analytical Model of resource federation/overlay</a:t>
+              <a:t>*: Conceptual </a:t>
+            </a:r>
+            <a:r>
+              <a:rPr lang="en-US" dirty="0" smtClean="0">
+                <a:solidFill>
+                  <a:schemeClr val="tx1">
+                    <a:lumMod val="65000"/>
+                    <a:lumOff val="35000"/>
+                  </a:schemeClr>
+                </a:solidFill>
+              </a:rPr>
+              <a:t>Model for Resources</a:t>
             </a:r>
           </a:p>
           <a:p>
@@ -2607,10 +2789,98 @@
             </a:r>
           </a:p>
           <a:p>
+            <a:pPr marL="800100" lvl="1" indent="-342900">
+              <a:buClr>
+                <a:srgbClr val="000000"/>
+              </a:buClr>
+              <a:buSzPct val="100000"/>
+            </a:pPr>
+            <a:r>
+              <a:rPr lang="en-US" dirty="0">
+                <a:solidFill>
+                  <a:schemeClr val="tx1">
+                    <a:lumMod val="65000"/>
+                    <a:lumOff val="35000"/>
+                  </a:schemeClr>
+                </a:solidFill>
+              </a:rPr>
+              <a:t>F*: Analytical Model of resource federation/overlay</a:t>
+            </a:r>
+          </a:p>
+          <a:p>
+            <a:pPr marL="1208088" lvl="2" indent="-342900">
+              <a:buClr>
+                <a:srgbClr val="000000"/>
+              </a:buClr>
+              <a:buSzPct val="100000"/>
+            </a:pPr>
+            <a:r>
+              <a:rPr lang="en-US" dirty="0">
+                <a:solidFill>
+                  <a:schemeClr val="tx1">
+                    <a:lumMod val="65000"/>
+                    <a:lumOff val="35000"/>
+                  </a:schemeClr>
+                </a:solidFill>
+              </a:rPr>
+              <a:t>Determines how different resources might be </a:t>
+            </a:r>
+            <a:r>
+              <a:rPr lang="en-US" dirty="0" smtClean="0">
+                <a:solidFill>
+                  <a:schemeClr val="tx1">
+                    <a:lumMod val="65000"/>
+                    <a:lumOff val="35000"/>
+                  </a:schemeClr>
+                </a:solidFill>
+              </a:rPr>
+              <a:t>federated</a:t>
+            </a:r>
+          </a:p>
+          <a:p>
+            <a:pPr marL="1208088" lvl="2" indent="-342900">
+              <a:buClr>
+                <a:srgbClr val="000000"/>
+              </a:buClr>
+              <a:buSzPct val="100000"/>
+            </a:pPr>
+            <a:r>
+              <a:rPr lang="en-US" dirty="0" smtClean="0">
+                <a:solidFill>
+                  <a:schemeClr val="tx1">
+                    <a:lumMod val="65000"/>
+                    <a:lumOff val="35000"/>
+                  </a:schemeClr>
+                </a:solidFill>
+              </a:rPr>
+              <a:t>In turn builds upon a model/models of infrastructure</a:t>
+            </a:r>
+            <a:endParaRPr lang="en-US" dirty="0">
+              <a:solidFill>
+                <a:schemeClr val="tx1">
+                  <a:lumMod val="65000"/>
+                  <a:lumOff val="35000"/>
+                </a:schemeClr>
+              </a:solidFill>
+            </a:endParaRPr>
+          </a:p>
+          <a:p>
             <a:pPr marL="800100" lvl="1" indent="-342900"/>
             <a:r>
               <a:rPr lang="en-US" sz="1800" dirty="0" smtClean="0"/>
-              <a:t>[A*, W* ]</a:t>
+              <a:t>[</a:t>
+            </a:r>
+            <a:r>
+              <a:rPr lang="en-US" sz="1800" dirty="0" smtClean="0"/>
+              <a:t>A</a:t>
+            </a:r>
+            <a:r>
+              <a:rPr lang="en-US" sz="1800" dirty="0" smtClean="0"/>
+              <a:t>*, </a:t>
+            </a:r>
+            <a:r>
+              <a:rPr lang="en-US" sz="1800" dirty="0" smtClean="0"/>
+              <a:t>W* ]</a:t>
             </a:r>
             <a:r>
               <a:rPr lang="en-US" dirty="0"/>
@@ -2618,12 +2888,50 @@
             </a:r>
             <a:r>
               <a:rPr lang="en-US" dirty="0" smtClean="0"/>
-              <a:t>and [</a:t>
+              <a:t>and [P*, F*</a:t>
             </a:r>
             <a:r>
               <a:rPr lang="en-US" dirty="0" smtClean="0"/>
-              <a:t>P*, F*] --- explain the symmetry </a:t>
-            </a:r>
+              <a:t>]</a:t>
+            </a:r>
+          </a:p>
+          <a:p>
+            <a:pPr marL="1208088" lvl="2" indent="-342900"/>
+            <a:r>
+              <a:rPr lang="en-US" dirty="0" smtClean="0"/>
+              <a:t>A specific instance of A*, is subject to a transformation T which converts into executable units that have </a:t>
+            </a:r>
+            <a:r>
+              <a:rPr lang="en-US" dirty="0" smtClean="0"/>
+              <a:t>performance </a:t>
+            </a:r>
+            <a:r>
+              <a:rPr lang="en-US" dirty="0" smtClean="0"/>
+              <a:t>requirements</a:t>
+            </a:r>
+          </a:p>
+          <a:p>
+            <a:pPr marL="1208088" lvl="2" indent="-342900"/>
+            <a:r>
+              <a:rPr lang="en-US" dirty="0" smtClean="0"/>
+              <a:t>Here A* is an conceptual model, and W* is an analytical model</a:t>
+            </a:r>
+          </a:p>
+          <a:p>
+            <a:pPr marL="1208088" lvl="2" indent="-342900"/>
+            <a:r>
+              <a:rPr lang="en-US" dirty="0" smtClean="0"/>
+              <a:t>P* is a model of Resources, which is subject to a </a:t>
+            </a:r>
+            <a:r>
+              <a:rPr lang="en-US" dirty="0"/>
+              <a:t>transformation (aggregation of resources per F*</a:t>
+            </a:r>
+            <a:r>
+              <a:rPr lang="en-US" dirty="0" smtClean="0"/>
+              <a:t>) R</a:t>
+            </a:r>
+            <a:endParaRPr lang="en-US" dirty="0" smtClean="0"/>
           </a:p>
           <a:p>
             <a:pPr marL="344488" indent="-342900"/>
@@ -2643,22 +2951,31 @@
             <a:pPr marL="800100" lvl="1" indent="-342900"/>
             <a:r>
               <a:rPr lang="en-US" dirty="0" smtClean="0"/>
-              <a:t>If we want a capability [C], what is the set of resources {R} we need to get this [C] with well-defined probability distribution</a:t>
-            </a:r>
+              <a:t>If we want a capability [C], what is the set of resources {R} we need to get this [C] with well-defined probability </a:t>
+            </a:r>
+            <a:r>
+              <a:rPr lang="en-US" dirty="0" smtClean="0"/>
+              <a:t>distribution?</a:t>
+            </a:r>
+            <a:endParaRPr lang="en-US" dirty="0" smtClean="0"/>
           </a:p>
           <a:p>
             <a:pPr marL="800100" lvl="1" indent="-342900"/>
             <a:r>
               <a:rPr lang="en-US" sz="1800" dirty="0" smtClean="0"/>
-              <a:t>Given an application model, what is the workload (</a:t>
-            </a:r>
-            <a:r>
-              <a:rPr lang="en-US" sz="1800" dirty="0" err="1" smtClean="0"/>
-              <a:t>ie</a:t>
+              <a:t>Given an application model, what is the workload </a:t>
             </a:r>
             <a:r>
               <a:rPr lang="en-US" sz="1800" dirty="0" smtClean="0"/>
-              <a:t> performance), independent of the underlying resources</a:t>
+              <a:t>independent </a:t>
+            </a:r>
+            <a:r>
+              <a:rPr lang="en-US" sz="1800" dirty="0" smtClean="0"/>
+              <a:t>of the underlying </a:t>
+            </a:r>
+            <a:r>
+              <a:rPr lang="en-US" sz="1800" dirty="0" smtClean="0"/>
+              <a:t>resources?</a:t>
             </a:r>
             <a:endParaRPr lang="en-US" sz="1800" dirty="0" smtClean="0"/>
           </a:p>

--- a/presentations/radical-modsim.pptx
+++ b/presentations/radical-modsim.pptx
@@ -5,12 +5,22 @@
     <p:sldMasterId id="2147483656" r:id="rId1"/>
   </p:sldMasterIdLst>
   <p:notesMasterIdLst>
-    <p:notesMasterId r:id="rId5"/>
+    <p:notesMasterId r:id="rId15"/>
   </p:notesMasterIdLst>
   <p:sldIdLst>
     <p:sldId id="256" r:id="rId2"/>
     <p:sldId id="269" r:id="rId3"/>
     <p:sldId id="281" r:id="rId4"/>
+    <p:sldId id="291" r:id="rId5"/>
+    <p:sldId id="283" r:id="rId6"/>
+    <p:sldId id="290" r:id="rId7"/>
+    <p:sldId id="285" r:id="rId8"/>
+    <p:sldId id="286" r:id="rId9"/>
+    <p:sldId id="287" r:id="rId10"/>
+    <p:sldId id="288" r:id="rId11"/>
+    <p:sldId id="289" r:id="rId12"/>
+    <p:sldId id="284" r:id="rId13"/>
+    <p:sldId id="282" r:id="rId14"/>
   </p:sldIdLst>
   <p:sldSz cx="9144000" cy="6858000" type="screen4x3"/>
   <p:notesSz cx="6858000" cy="9144000"/>
@@ -646,6 +656,377 @@
 </p:notes>
 </file>
 
+<file path=ppt/notesSlides/notesSlide3.xml><?xml version="1.0" encoding="utf-8"?>
+<p:notes xmlns:a="http://schemas.openxmlformats.org/drawingml/2006/main" xmlns:r="http://schemas.openxmlformats.org/officeDocument/2006/relationships" xmlns:p="http://schemas.openxmlformats.org/presentationml/2006/main" showMasterSp="0" showMasterPhAnim="0">
+  <p:cSld>
+    <p:spTree>
+      <p:nvGrpSpPr>
+        <p:cNvPr id="1" name="Shape 49"/>
+        <p:cNvGrpSpPr/>
+        <p:nvPr/>
+      </p:nvGrpSpPr>
+      <p:grpSpPr>
+        <a:xfrm>
+          <a:off x="0" y="0"/>
+          <a:ext cx="0" cy="0"/>
+          <a:chOff x="0" y="0"/>
+          <a:chExt cx="0" cy="0"/>
+        </a:xfrm>
+      </p:grpSpPr>
+      <p:sp>
+        <p:nvSpPr>
+          <p:cNvPr id="50" name="Shape 50"/>
+          <p:cNvSpPr>
+            <a:spLocks noGrp="1" noRot="1" noChangeAspect="1"/>
+          </p:cNvSpPr>
+          <p:nvPr>
+            <p:ph type="sldImg" idx="2"/>
+          </p:nvPr>
+        </p:nvSpPr>
+        <p:spPr>
+          <a:xfrm>
+            <a:off x="1143000" y="685800"/>
+            <a:ext cx="4572000" cy="3429000"/>
+          </a:xfrm>
+          <a:custGeom>
+            <a:avLst/>
+            <a:gdLst/>
+            <a:ahLst/>
+            <a:cxnLst/>
+            <a:rect l="0" t="0" r="0" b="0"/>
+            <a:pathLst>
+              <a:path w="120000" h="120000" extrusionOk="0">
+                <a:moveTo>
+                  <a:pt x="0" y="0"/>
+                </a:moveTo>
+                <a:lnTo>
+                  <a:pt x="120000" y="0"/>
+                </a:lnTo>
+                <a:lnTo>
+                  <a:pt x="120000" y="120000"/>
+                </a:lnTo>
+                <a:lnTo>
+                  <a:pt x="0" y="120000"/>
+                </a:lnTo>
+                <a:close/>
+              </a:path>
+            </a:pathLst>
+          </a:custGeom>
+        </p:spPr>
+      </p:sp>
+      <p:sp>
+        <p:nvSpPr>
+          <p:cNvPr id="51" name="Shape 51"/>
+          <p:cNvSpPr txBox="1">
+            <a:spLocks noGrp="1"/>
+          </p:cNvSpPr>
+          <p:nvPr>
+            <p:ph type="body" idx="1"/>
+          </p:nvPr>
+        </p:nvSpPr>
+        <p:spPr>
+          <a:xfrm>
+            <a:off x="685800" y="4343400"/>
+            <a:ext cx="5486399" cy="4114800"/>
+          </a:xfrm>
+          <a:prstGeom prst="rect">
+            <a:avLst/>
+          </a:prstGeom>
+        </p:spPr>
+        <p:txBody>
+          <a:bodyPr lIns="91425" tIns="91425" rIns="91425" bIns="91425" anchor="t" anchorCtr="0">
+            <a:noAutofit/>
+          </a:bodyPr>
+          <a:lstStyle/>
+          <a:p>
+            <a:r>
+              <a:rPr lang="en-US" dirty="0" smtClean="0">
+                <a:solidFill>
+                  <a:srgbClr val="606060"/>
+                </a:solidFill>
+              </a:rPr>
+              <a:t>D</a:t>
+            </a:r>
+            <a:r>
+              <a:rPr lang="en" dirty="0" smtClean="0">
+                <a:solidFill>
+                  <a:srgbClr val="606060"/>
+                </a:solidFill>
+              </a:rPr>
+              <a:t>ata generation </a:t>
+            </a:r>
+            <a:r>
+              <a:rPr lang="en-US" dirty="0" smtClean="0">
+                <a:solidFill>
+                  <a:srgbClr val="606060"/>
+                </a:solidFill>
+              </a:rPr>
+              <a:t>doubles every </a:t>
+            </a:r>
+            <a:r>
+              <a:rPr lang="en" dirty="0" smtClean="0">
+                <a:solidFill>
+                  <a:srgbClr val="606060"/>
+                </a:solidFill>
+              </a:rPr>
+              <a:t>&lt;&lt; 12 months</a:t>
+            </a:r>
+            <a:r>
+              <a:rPr lang="en-US" dirty="0" smtClean="0">
+                <a:solidFill>
+                  <a:srgbClr val="606060"/>
+                </a:solidFill>
+              </a:rPr>
+              <a:t>, i.e. faster than the doubling  rate of data storage (roughly 18 months)</a:t>
+            </a:r>
+            <a:endParaRPr dirty="0"/>
+          </a:p>
+        </p:txBody>
+      </p:sp>
+    </p:spTree>
+  </p:cSld>
+  <p:clrMapOvr>
+    <a:masterClrMapping/>
+  </p:clrMapOvr>
+</p:notes>
+</file>
+
+<file path=ppt/notesSlides/notesSlide4.xml><?xml version="1.0" encoding="utf-8"?>
+<p:notes xmlns:a="http://schemas.openxmlformats.org/drawingml/2006/main" xmlns:r="http://schemas.openxmlformats.org/officeDocument/2006/relationships" xmlns:p="http://schemas.openxmlformats.org/presentationml/2006/main" showMasterSp="0" showMasterPhAnim="0">
+  <p:cSld>
+    <p:spTree>
+      <p:nvGrpSpPr>
+        <p:cNvPr id="1" name="Shape 49"/>
+        <p:cNvGrpSpPr/>
+        <p:nvPr/>
+      </p:nvGrpSpPr>
+      <p:grpSpPr>
+        <a:xfrm>
+          <a:off x="0" y="0"/>
+          <a:ext cx="0" cy="0"/>
+          <a:chOff x="0" y="0"/>
+          <a:chExt cx="0" cy="0"/>
+        </a:xfrm>
+      </p:grpSpPr>
+      <p:sp>
+        <p:nvSpPr>
+          <p:cNvPr id="50" name="Shape 50"/>
+          <p:cNvSpPr>
+            <a:spLocks noGrp="1" noRot="1" noChangeAspect="1"/>
+          </p:cNvSpPr>
+          <p:nvPr>
+            <p:ph type="sldImg" idx="2"/>
+          </p:nvPr>
+        </p:nvSpPr>
+        <p:spPr>
+          <a:xfrm>
+            <a:off x="1143000" y="685800"/>
+            <a:ext cx="4572000" cy="3429000"/>
+          </a:xfrm>
+          <a:custGeom>
+            <a:avLst/>
+            <a:gdLst/>
+            <a:ahLst/>
+            <a:cxnLst/>
+            <a:rect l="0" t="0" r="0" b="0"/>
+            <a:pathLst>
+              <a:path w="120000" h="120000" extrusionOk="0">
+                <a:moveTo>
+                  <a:pt x="0" y="0"/>
+                </a:moveTo>
+                <a:lnTo>
+                  <a:pt x="120000" y="0"/>
+                </a:lnTo>
+                <a:lnTo>
+                  <a:pt x="120000" y="120000"/>
+                </a:lnTo>
+                <a:lnTo>
+                  <a:pt x="0" y="120000"/>
+                </a:lnTo>
+                <a:close/>
+              </a:path>
+            </a:pathLst>
+          </a:custGeom>
+        </p:spPr>
+      </p:sp>
+      <p:sp>
+        <p:nvSpPr>
+          <p:cNvPr id="51" name="Shape 51"/>
+          <p:cNvSpPr txBox="1">
+            <a:spLocks noGrp="1"/>
+          </p:cNvSpPr>
+          <p:nvPr>
+            <p:ph type="body" idx="1"/>
+          </p:nvPr>
+        </p:nvSpPr>
+        <p:spPr>
+          <a:xfrm>
+            <a:off x="685800" y="4343400"/>
+            <a:ext cx="5486399" cy="4114800"/>
+          </a:xfrm>
+          <a:prstGeom prst="rect">
+            <a:avLst/>
+          </a:prstGeom>
+        </p:spPr>
+        <p:txBody>
+          <a:bodyPr lIns="91425" tIns="91425" rIns="91425" bIns="91425" anchor="t" anchorCtr="0">
+            <a:noAutofit/>
+          </a:bodyPr>
+          <a:lstStyle/>
+          <a:p>
+            <a:r>
+              <a:rPr lang="en-US" dirty="0" smtClean="0">
+                <a:solidFill>
+                  <a:srgbClr val="606060"/>
+                </a:solidFill>
+              </a:rPr>
+              <a:t>D</a:t>
+            </a:r>
+            <a:r>
+              <a:rPr lang="en" dirty="0" smtClean="0">
+                <a:solidFill>
+                  <a:srgbClr val="606060"/>
+                </a:solidFill>
+              </a:rPr>
+              <a:t>ata generation </a:t>
+            </a:r>
+            <a:r>
+              <a:rPr lang="en-US" dirty="0" smtClean="0">
+                <a:solidFill>
+                  <a:srgbClr val="606060"/>
+                </a:solidFill>
+              </a:rPr>
+              <a:t>doubles every </a:t>
+            </a:r>
+            <a:r>
+              <a:rPr lang="en" dirty="0" smtClean="0">
+                <a:solidFill>
+                  <a:srgbClr val="606060"/>
+                </a:solidFill>
+              </a:rPr>
+              <a:t>&lt;&lt; 12 months</a:t>
+            </a:r>
+            <a:r>
+              <a:rPr lang="en-US" dirty="0" smtClean="0">
+                <a:solidFill>
+                  <a:srgbClr val="606060"/>
+                </a:solidFill>
+              </a:rPr>
+              <a:t>, i.e. faster than the doubling  rate of data storage (roughly 18 months)</a:t>
+            </a:r>
+            <a:endParaRPr dirty="0"/>
+          </a:p>
+        </p:txBody>
+      </p:sp>
+    </p:spTree>
+  </p:cSld>
+  <p:clrMapOvr>
+    <a:masterClrMapping/>
+  </p:clrMapOvr>
+</p:notes>
+</file>
+
+<file path=ppt/notesSlides/notesSlide5.xml><?xml version="1.0" encoding="utf-8"?>
+<p:notes xmlns:a="http://schemas.openxmlformats.org/drawingml/2006/main" xmlns:r="http://schemas.openxmlformats.org/officeDocument/2006/relationships" xmlns:p="http://schemas.openxmlformats.org/presentationml/2006/main" showMasterSp="0" showMasterPhAnim="0">
+  <p:cSld>
+    <p:spTree>
+      <p:nvGrpSpPr>
+        <p:cNvPr id="1" name="Shape 97"/>
+        <p:cNvGrpSpPr/>
+        <p:nvPr/>
+      </p:nvGrpSpPr>
+      <p:grpSpPr>
+        <a:xfrm>
+          <a:off x="0" y="0"/>
+          <a:ext cx="0" cy="0"/>
+          <a:chOff x="0" y="0"/>
+          <a:chExt cx="0" cy="0"/>
+        </a:xfrm>
+      </p:grpSpPr>
+      <p:sp>
+        <p:nvSpPr>
+          <p:cNvPr id="98" name="Shape 98"/>
+          <p:cNvSpPr>
+            <a:spLocks noGrp="1" noRot="1" noChangeAspect="1"/>
+          </p:cNvSpPr>
+          <p:nvPr>
+            <p:ph type="sldImg" idx="2"/>
+          </p:nvPr>
+        </p:nvSpPr>
+        <p:spPr>
+          <a:xfrm>
+            <a:off x="1143000" y="685800"/>
+            <a:ext cx="4572000" cy="3429000"/>
+          </a:xfrm>
+          <a:custGeom>
+            <a:avLst/>
+            <a:gdLst/>
+            <a:ahLst/>
+            <a:cxnLst/>
+            <a:rect l="0" t="0" r="0" b="0"/>
+            <a:pathLst>
+              <a:path w="120000" h="120000" extrusionOk="0">
+                <a:moveTo>
+                  <a:pt x="0" y="0"/>
+                </a:moveTo>
+                <a:lnTo>
+                  <a:pt x="120000" y="0"/>
+                </a:lnTo>
+                <a:lnTo>
+                  <a:pt x="120000" y="120000"/>
+                </a:lnTo>
+                <a:lnTo>
+                  <a:pt x="0" y="120000"/>
+                </a:lnTo>
+                <a:close/>
+              </a:path>
+            </a:pathLst>
+          </a:custGeom>
+        </p:spPr>
+      </p:sp>
+      <p:sp>
+        <p:nvSpPr>
+          <p:cNvPr id="99" name="Shape 99"/>
+          <p:cNvSpPr txBox="1">
+            <a:spLocks noGrp="1"/>
+          </p:cNvSpPr>
+          <p:nvPr>
+            <p:ph type="body" idx="1"/>
+          </p:nvPr>
+        </p:nvSpPr>
+        <p:spPr>
+          <a:xfrm>
+            <a:off x="685800" y="4343400"/>
+            <a:ext cx="5486399" cy="4114800"/>
+          </a:xfrm>
+          <a:prstGeom prst="rect">
+            <a:avLst/>
+          </a:prstGeom>
+        </p:spPr>
+        <p:txBody>
+          <a:bodyPr lIns="91425" tIns="91425" rIns="91425" bIns="91425" anchor="t" anchorCtr="0">
+            <a:noAutofit/>
+          </a:bodyPr>
+          <a:lstStyle/>
+          <a:p>
+            <a:pPr lvl="0" rtl="0">
+              <a:buNone/>
+            </a:pPr>
+            <a:r>
+              <a:rPr lang="en"/>
+              <a:t>factor in uniformity in resources</a:t>
+            </a:r>
+          </a:p>
+        </p:txBody>
+      </p:sp>
+    </p:spTree>
+  </p:cSld>
+  <p:clrMapOvr>
+    <a:masterClrMapping/>
+  </p:clrMapOvr>
+</p:notes>
+</file>
+
 <file path=ppt/slideLayouts/slideLayout1.xml><?xml version="1.0" encoding="utf-8"?>
 <p:sldLayout xmlns:a="http://schemas.openxmlformats.org/drawingml/2006/main" xmlns:r="http://schemas.openxmlformats.org/officeDocument/2006/relationships" xmlns:p="http://schemas.openxmlformats.org/presentationml/2006/main" showMasterSp="0" type="title" preserve="1">
   <p:cSld name="Title Slide">
@@ -911,6 +1292,95 @@
           </a:fontRef>
         </p:style>
       </p:cxnSp>
+      <p:sp>
+        <p:nvSpPr>
+          <p:cNvPr id="5" name="Rectangle 3"/>
+          <p:cNvSpPr>
+            <a:spLocks noGrp="1" noChangeArrowheads="1"/>
+          </p:cNvSpPr>
+          <p:nvPr>
+            <p:ph idx="1"/>
+          </p:nvPr>
+        </p:nvSpPr>
+        <p:spPr bwMode="auto">
+          <a:xfrm>
+            <a:off x="282231" y="911867"/>
+            <a:ext cx="8597178" cy="5146033"/>
+          </a:xfrm>
+          <a:prstGeom prst="rect">
+            <a:avLst/>
+          </a:prstGeom>
+          <a:noFill/>
+          <a:ln>
+            <a:noFill/>
+          </a:ln>
+          <a:extLst>
+            <a:ext uri="{909E8E84-426E-40dd-AFC4-6F175D3DCCD1}">
+              <a14:hiddenFill xmlns:a14="http://schemas.microsoft.com/office/drawing/2010/main">
+                <a:solidFill>
+                  <a:srgbClr val="FFFFFF"/>
+                </a:solidFill>
+              </a14:hiddenFill>
+            </a:ext>
+            <a:ext uri="{91240B29-F687-4f45-9708-019B960494DF}">
+              <a14:hiddenLine xmlns:a14="http://schemas.microsoft.com/office/drawing/2010/main" w="9525">
+                <a:solidFill>
+                  <a:srgbClr val="000000"/>
+                </a:solidFill>
+                <a:miter lim="800000"/>
+                <a:headEnd/>
+                <a:tailEnd/>
+              </a14:hiddenLine>
+            </a:ext>
+            <a:ext uri="{FAA26D3D-D897-4be2-8F04-BA451C77F1D7}">
+              <ma14:placeholderFlag xmlns:ma14="http://schemas.microsoft.com/office/mac/drawingml/2011/main" val="1"/>
+            </a:ext>
+          </a:extLst>
+        </p:spPr>
+        <p:txBody>
+          <a:bodyPr vert="horz" wrap="square" lIns="91440" tIns="45720" rIns="91440" bIns="45720" numCol="1" anchor="t" anchorCtr="0" compatLnSpc="1">
+            <a:prstTxWarp prst="textNoShape">
+              <a:avLst/>
+            </a:prstTxWarp>
+          </a:bodyPr>
+          <a:lstStyle/>
+          <a:p>
+            <a:pPr lvl="0"/>
+            <a:r>
+              <a:rPr lang="en-US" dirty="0"/>
+              <a:t>Click to edit Master text styles</a:t>
+            </a:r>
+          </a:p>
+          <a:p>
+            <a:pPr lvl="1"/>
+            <a:r>
+              <a:rPr lang="en-US" dirty="0"/>
+              <a:t>Second level</a:t>
+            </a:r>
+          </a:p>
+          <a:p>
+            <a:pPr lvl="2"/>
+            <a:r>
+              <a:rPr lang="en-US" dirty="0"/>
+              <a:t>Third level</a:t>
+            </a:r>
+          </a:p>
+          <a:p>
+            <a:pPr lvl="3"/>
+            <a:r>
+              <a:rPr lang="en-US" dirty="0"/>
+              <a:t>Fourth level</a:t>
+            </a:r>
+          </a:p>
+          <a:p>
+            <a:pPr lvl="4"/>
+            <a:r>
+              <a:rPr lang="en-US" dirty="0"/>
+              <a:t>Fifth level</a:t>
+            </a:r>
+          </a:p>
+        </p:txBody>
+      </p:sp>
     </p:spTree>
     <p:extLst>
       <p:ext uri="{BB962C8B-B14F-4D97-AF65-F5344CB8AC3E}">
@@ -984,6 +1454,416 @@
 </p:sldLayout>
 </file>
 
+<file path=ppt/slideLayouts/slideLayout4.xml><?xml version="1.0" encoding="utf-8"?>
+<p:sldLayout xmlns:a="http://schemas.openxmlformats.org/drawingml/2006/main" xmlns:r="http://schemas.openxmlformats.org/officeDocument/2006/relationships" xmlns:p="http://schemas.openxmlformats.org/presentationml/2006/main" type="obj" preserve="1">
+  <p:cSld name="1_Title and Content">
+    <p:spTree>
+      <p:nvGrpSpPr>
+        <p:cNvPr id="1" name=""/>
+        <p:cNvGrpSpPr/>
+        <p:nvPr/>
+      </p:nvGrpSpPr>
+      <p:grpSpPr>
+        <a:xfrm>
+          <a:off x="0" y="0"/>
+          <a:ext cx="0" cy="0"/>
+          <a:chOff x="0" y="0"/>
+          <a:chExt cx="0" cy="0"/>
+        </a:xfrm>
+      </p:grpSpPr>
+      <p:sp>
+        <p:nvSpPr>
+          <p:cNvPr id="2" name="Title 1"/>
+          <p:cNvSpPr>
+            <a:spLocks noGrp="1"/>
+          </p:cNvSpPr>
+          <p:nvPr>
+            <p:ph type="title"/>
+          </p:nvPr>
+        </p:nvSpPr>
+        <p:spPr/>
+        <p:txBody>
+          <a:bodyPr/>
+          <a:lstStyle/>
+          <a:p>
+            <a:r>
+              <a:rPr lang="en-US" smtClean="0"/>
+              <a:t>Click to edit Master title style</a:t>
+            </a:r>
+            <a:endParaRPr lang="en-US"/>
+          </a:p>
+        </p:txBody>
+      </p:sp>
+      <p:sp>
+        <p:nvSpPr>
+          <p:cNvPr id="3" name="Content Placeholder 2"/>
+          <p:cNvSpPr>
+            <a:spLocks noGrp="1"/>
+          </p:cNvSpPr>
+          <p:nvPr>
+            <p:ph idx="1"/>
+          </p:nvPr>
+        </p:nvSpPr>
+        <p:spPr/>
+        <p:txBody>
+          <a:bodyPr/>
+          <a:lstStyle/>
+          <a:p>
+            <a:pPr lvl="0"/>
+            <a:r>
+              <a:rPr lang="en-US" smtClean="0"/>
+              <a:t>Click to edit Master text styles</a:t>
+            </a:r>
+          </a:p>
+          <a:p>
+            <a:pPr lvl="1"/>
+            <a:r>
+              <a:rPr lang="en-US" smtClean="0"/>
+              <a:t>Second level</a:t>
+            </a:r>
+          </a:p>
+          <a:p>
+            <a:pPr lvl="2"/>
+            <a:r>
+              <a:rPr lang="en-US" smtClean="0"/>
+              <a:t>Third level</a:t>
+            </a:r>
+          </a:p>
+          <a:p>
+            <a:pPr lvl="3"/>
+            <a:r>
+              <a:rPr lang="en-US" smtClean="0"/>
+              <a:t>Fourth level</a:t>
+            </a:r>
+          </a:p>
+          <a:p>
+            <a:pPr lvl="4"/>
+            <a:r>
+              <a:rPr lang="en-US" smtClean="0"/>
+              <a:t>Fifth level</a:t>
+            </a:r>
+            <a:endParaRPr lang="en-US"/>
+          </a:p>
+        </p:txBody>
+      </p:sp>
+      <p:sp>
+        <p:nvSpPr>
+          <p:cNvPr id="4" name="Rectangle 6"/>
+          <p:cNvSpPr>
+            <a:spLocks noGrp="1" noChangeArrowheads="1"/>
+          </p:cNvSpPr>
+          <p:nvPr>
+            <p:ph type="sldNum" sz="quarter" idx="10"/>
+          </p:nvPr>
+        </p:nvSpPr>
+        <p:spPr>
+          <a:xfrm>
+            <a:off x="6553200" y="6245225"/>
+            <a:ext cx="2133600" cy="476250"/>
+          </a:xfrm>
+          <a:prstGeom prst="rect">
+            <a:avLst/>
+          </a:prstGeom>
+        </p:spPr>
+        <p:txBody>
+          <a:bodyPr/>
+          <a:lstStyle>
+            <a:lvl1pPr>
+              <a:defRPr/>
+            </a:lvl1pPr>
+          </a:lstStyle>
+          <a:p>
+            <a:pPr>
+              <a:defRPr/>
+            </a:pPr>
+            <a:fld id="{0AE410B3-E2A2-A648-BE9E-967959954477}" type="slidenum">
+              <a:rPr lang="en-US"/>
+              <a:pPr>
+                <a:defRPr/>
+              </a:pPr>
+              <a:t>‹#›</a:t>
+            </a:fld>
+            <a:endParaRPr lang="en-US"/>
+          </a:p>
+        </p:txBody>
+      </p:sp>
+    </p:spTree>
+    <p:extLst>
+      <p:ext uri="{BB962C8B-B14F-4D97-AF65-F5344CB8AC3E}">
+        <p14:creationId xmlns:p14="http://schemas.microsoft.com/office/powerpoint/2010/main" val="3674086192"/>
+      </p:ext>
+    </p:extLst>
+  </p:cSld>
+  <p:clrMapOvr>
+    <a:masterClrMapping/>
+  </p:clrMapOvr>
+</p:sldLayout>
+</file>
+
+<file path=ppt/slideLayouts/slideLayout5.xml><?xml version="1.0" encoding="utf-8"?>
+<p:sldLayout xmlns:a="http://schemas.openxmlformats.org/drawingml/2006/main" xmlns:r="http://schemas.openxmlformats.org/officeDocument/2006/relationships" xmlns:p="http://schemas.openxmlformats.org/presentationml/2006/main" type="twoObj" preserve="1">
+  <p:cSld name="Two Content">
+    <p:spTree>
+      <p:nvGrpSpPr>
+        <p:cNvPr id="1" name=""/>
+        <p:cNvGrpSpPr/>
+        <p:nvPr/>
+      </p:nvGrpSpPr>
+      <p:grpSpPr>
+        <a:xfrm>
+          <a:off x="0" y="0"/>
+          <a:ext cx="0" cy="0"/>
+          <a:chOff x="0" y="0"/>
+          <a:chExt cx="0" cy="0"/>
+        </a:xfrm>
+      </p:grpSpPr>
+      <p:sp>
+        <p:nvSpPr>
+          <p:cNvPr id="2" name="Title 1"/>
+          <p:cNvSpPr>
+            <a:spLocks noGrp="1"/>
+          </p:cNvSpPr>
+          <p:nvPr>
+            <p:ph type="title"/>
+          </p:nvPr>
+        </p:nvSpPr>
+        <p:spPr/>
+        <p:txBody>
+          <a:bodyPr/>
+          <a:lstStyle/>
+          <a:p>
+            <a:r>
+              <a:rPr lang="en-US" smtClean="0"/>
+              <a:t>Click to edit Master title style</a:t>
+            </a:r>
+            <a:endParaRPr lang="en-US"/>
+          </a:p>
+        </p:txBody>
+      </p:sp>
+      <p:sp>
+        <p:nvSpPr>
+          <p:cNvPr id="3" name="Content Placeholder 2"/>
+          <p:cNvSpPr>
+            <a:spLocks noGrp="1"/>
+          </p:cNvSpPr>
+          <p:nvPr>
+            <p:ph sz="half" idx="1"/>
+          </p:nvPr>
+        </p:nvSpPr>
+        <p:spPr>
+          <a:xfrm>
+            <a:off x="457200" y="1524000"/>
+            <a:ext cx="4038600" cy="4533900"/>
+          </a:xfrm>
+        </p:spPr>
+        <p:txBody>
+          <a:bodyPr/>
+          <a:lstStyle>
+            <a:lvl1pPr>
+              <a:defRPr sz="2800"/>
+            </a:lvl1pPr>
+            <a:lvl2pPr>
+              <a:defRPr sz="2400"/>
+            </a:lvl2pPr>
+            <a:lvl3pPr>
+              <a:defRPr sz="2000"/>
+            </a:lvl3pPr>
+            <a:lvl4pPr>
+              <a:defRPr sz="1800"/>
+            </a:lvl4pPr>
+            <a:lvl5pPr>
+              <a:defRPr sz="1800"/>
+            </a:lvl5pPr>
+            <a:lvl6pPr>
+              <a:defRPr sz="1800"/>
+            </a:lvl6pPr>
+            <a:lvl7pPr>
+              <a:defRPr sz="1800"/>
+            </a:lvl7pPr>
+            <a:lvl8pPr>
+              <a:defRPr sz="1800"/>
+            </a:lvl8pPr>
+            <a:lvl9pPr>
+              <a:defRPr sz="1800"/>
+            </a:lvl9pPr>
+          </a:lstStyle>
+          <a:p>
+            <a:pPr lvl="0"/>
+            <a:r>
+              <a:rPr lang="en-US" smtClean="0"/>
+              <a:t>Click to edit Master text styles</a:t>
+            </a:r>
+          </a:p>
+          <a:p>
+            <a:pPr lvl="1"/>
+            <a:r>
+              <a:rPr lang="en-US" smtClean="0"/>
+              <a:t>Second level</a:t>
+            </a:r>
+          </a:p>
+          <a:p>
+            <a:pPr lvl="2"/>
+            <a:r>
+              <a:rPr lang="en-US" smtClean="0"/>
+              <a:t>Third level</a:t>
+            </a:r>
+          </a:p>
+          <a:p>
+            <a:pPr lvl="3"/>
+            <a:r>
+              <a:rPr lang="en-US" smtClean="0"/>
+              <a:t>Fourth level</a:t>
+            </a:r>
+          </a:p>
+          <a:p>
+            <a:pPr lvl="4"/>
+            <a:r>
+              <a:rPr lang="en-US" smtClean="0"/>
+              <a:t>Fifth level</a:t>
+            </a:r>
+            <a:endParaRPr lang="en-US"/>
+          </a:p>
+        </p:txBody>
+      </p:sp>
+      <p:sp>
+        <p:nvSpPr>
+          <p:cNvPr id="4" name="Content Placeholder 3"/>
+          <p:cNvSpPr>
+            <a:spLocks noGrp="1"/>
+          </p:cNvSpPr>
+          <p:nvPr>
+            <p:ph sz="half" idx="2"/>
+          </p:nvPr>
+        </p:nvSpPr>
+        <p:spPr>
+          <a:xfrm>
+            <a:off x="4648200" y="1524000"/>
+            <a:ext cx="4038600" cy="4533900"/>
+          </a:xfrm>
+        </p:spPr>
+        <p:txBody>
+          <a:bodyPr/>
+          <a:lstStyle>
+            <a:lvl1pPr>
+              <a:defRPr sz="2800"/>
+            </a:lvl1pPr>
+            <a:lvl2pPr>
+              <a:defRPr sz="2400"/>
+            </a:lvl2pPr>
+            <a:lvl3pPr>
+              <a:defRPr sz="2000"/>
+            </a:lvl3pPr>
+            <a:lvl4pPr>
+              <a:defRPr sz="1800"/>
+            </a:lvl4pPr>
+            <a:lvl5pPr>
+              <a:defRPr sz="1800"/>
+            </a:lvl5pPr>
+            <a:lvl6pPr>
+              <a:defRPr sz="1800"/>
+            </a:lvl6pPr>
+            <a:lvl7pPr>
+              <a:defRPr sz="1800"/>
+            </a:lvl7pPr>
+            <a:lvl8pPr>
+              <a:defRPr sz="1800"/>
+            </a:lvl8pPr>
+            <a:lvl9pPr>
+              <a:defRPr sz="1800"/>
+            </a:lvl9pPr>
+          </a:lstStyle>
+          <a:p>
+            <a:pPr lvl="0"/>
+            <a:r>
+              <a:rPr lang="en-US" smtClean="0"/>
+              <a:t>Click to edit Master text styles</a:t>
+            </a:r>
+          </a:p>
+          <a:p>
+            <a:pPr lvl="1"/>
+            <a:r>
+              <a:rPr lang="en-US" smtClean="0"/>
+              <a:t>Second level</a:t>
+            </a:r>
+          </a:p>
+          <a:p>
+            <a:pPr lvl="2"/>
+            <a:r>
+              <a:rPr lang="en-US" smtClean="0"/>
+              <a:t>Third level</a:t>
+            </a:r>
+          </a:p>
+          <a:p>
+            <a:pPr lvl="3"/>
+            <a:r>
+              <a:rPr lang="en-US" smtClean="0"/>
+              <a:t>Fourth level</a:t>
+            </a:r>
+          </a:p>
+          <a:p>
+            <a:pPr lvl="4"/>
+            <a:r>
+              <a:rPr lang="en-US" smtClean="0"/>
+              <a:t>Fifth level</a:t>
+            </a:r>
+            <a:endParaRPr lang="en-US"/>
+          </a:p>
+        </p:txBody>
+      </p:sp>
+      <p:sp>
+        <p:nvSpPr>
+          <p:cNvPr id="5" name="Rectangle 6"/>
+          <p:cNvSpPr>
+            <a:spLocks noGrp="1" noChangeArrowheads="1"/>
+          </p:cNvSpPr>
+          <p:nvPr>
+            <p:ph type="sldNum" sz="quarter" idx="10"/>
+          </p:nvPr>
+        </p:nvSpPr>
+        <p:spPr>
+          <a:xfrm>
+            <a:off x="6553200" y="6245225"/>
+            <a:ext cx="2133600" cy="476250"/>
+          </a:xfrm>
+          <a:prstGeom prst="rect">
+            <a:avLst/>
+          </a:prstGeom>
+        </p:spPr>
+        <p:txBody>
+          <a:bodyPr/>
+          <a:lstStyle>
+            <a:lvl1pPr>
+              <a:defRPr/>
+            </a:lvl1pPr>
+          </a:lstStyle>
+          <a:p>
+            <a:pPr>
+              <a:defRPr/>
+            </a:pPr>
+            <a:fld id="{2701FA68-8128-3749-A886-9302D3154C50}" type="slidenum">
+              <a:rPr lang="en-US"/>
+              <a:pPr>
+                <a:defRPr/>
+              </a:pPr>
+              <a:t>‹#›</a:t>
+            </a:fld>
+            <a:endParaRPr lang="en-US"/>
+          </a:p>
+        </p:txBody>
+      </p:sp>
+    </p:spTree>
+    <p:extLst>
+      <p:ext uri="{BB962C8B-B14F-4D97-AF65-F5344CB8AC3E}">
+        <p14:creationId xmlns:p14="http://schemas.microsoft.com/office/powerpoint/2010/main" val="2704401045"/>
+      </p:ext>
+    </p:extLst>
+  </p:cSld>
+  <p:clrMapOvr>
+    <a:masterClrMapping/>
+  </p:clrMapOvr>
+</p:sldLayout>
+</file>
+
 <file path=ppt/slideMasters/slideMaster1.xml><?xml version="1.0" encoding="utf-8"?>
 <p:sldMaster xmlns:a="http://schemas.openxmlformats.org/drawingml/2006/main" xmlns:r="http://schemas.openxmlformats.org/officeDocument/2006/relationships" xmlns:p="http://schemas.openxmlformats.org/presentationml/2006/main" preserve="1">
   <p:cSld>
@@ -1018,7 +1898,7 @@
           <p:nvPr userDrawn="1"/>
         </p:nvPicPr>
         <p:blipFill>
-          <a:blip r:embed="rId5">
+          <a:blip r:embed="rId7">
             <a:extLst>
               <a:ext uri="{28A0092B-C50C-407E-A947-70E740481C1C}">
                 <a14:useLocalDpi xmlns:a14="http://schemas.microsoft.com/office/drawing/2010/main" val="0"/>
@@ -1277,6 +2157,8 @@
     <p:sldLayoutId id="2147483657" r:id="rId1"/>
     <p:sldLayoutId id="2147483658" r:id="rId2"/>
     <p:sldLayoutId id="2147483663" r:id="rId3"/>
+    <p:sldLayoutId id="2147483669" r:id="rId4"/>
+    <p:sldLayoutId id="2147483670" r:id="rId5"/>
   </p:sldLayoutIdLst>
   <p:txStyles>
     <p:titleStyle>
@@ -1916,6 +2798,1054 @@
 </p:sld>
 </file>
 
+<file path=ppt/slides/slide10.xml><?xml version="1.0" encoding="utf-8"?>
+<p:sld xmlns:a="http://schemas.openxmlformats.org/drawingml/2006/main" xmlns:r="http://schemas.openxmlformats.org/officeDocument/2006/relationships" xmlns:p="http://schemas.openxmlformats.org/presentationml/2006/main">
+  <p:cSld>
+    <p:spTree>
+      <p:nvGrpSpPr>
+        <p:cNvPr id="1" name=""/>
+        <p:cNvGrpSpPr/>
+        <p:nvPr/>
+      </p:nvGrpSpPr>
+      <p:grpSpPr>
+        <a:xfrm>
+          <a:off x="0" y="0"/>
+          <a:ext cx="0" cy="0"/>
+          <a:chOff x="0" y="0"/>
+          <a:chExt cx="0" cy="0"/>
+        </a:xfrm>
+      </p:grpSpPr>
+      <p:sp>
+        <p:nvSpPr>
+          <p:cNvPr id="2" name="Title 1"/>
+          <p:cNvSpPr>
+            <a:spLocks noGrp="1"/>
+          </p:cNvSpPr>
+          <p:nvPr>
+            <p:ph type="title"/>
+          </p:nvPr>
+        </p:nvSpPr>
+        <p:spPr/>
+        <p:txBody>
+          <a:bodyPr/>
+          <a:lstStyle/>
+          <a:p>
+            <a:r>
+              <a:rPr lang="en-US" dirty="0" smtClean="0"/>
+              <a:t>F*</a:t>
+            </a:r>
+            <a:endParaRPr lang="en-US" dirty="0"/>
+          </a:p>
+        </p:txBody>
+      </p:sp>
+    </p:spTree>
+    <p:extLst>
+      <p:ext uri="{BB962C8B-B14F-4D97-AF65-F5344CB8AC3E}">
+        <p14:creationId xmlns:p14="http://schemas.microsoft.com/office/powerpoint/2010/main" val="4271741218"/>
+      </p:ext>
+    </p:extLst>
+  </p:cSld>
+  <p:clrMapOvr>
+    <a:masterClrMapping/>
+  </p:clrMapOvr>
+</p:sld>
+</file>
+
+<file path=ppt/slides/slide11.xml><?xml version="1.0" encoding="utf-8"?>
+<p:sld xmlns:a="http://schemas.openxmlformats.org/drawingml/2006/main" xmlns:r="http://schemas.openxmlformats.org/officeDocument/2006/relationships" xmlns:p="http://schemas.openxmlformats.org/presentationml/2006/main">
+  <p:cSld>
+    <p:spTree>
+      <p:nvGrpSpPr>
+        <p:cNvPr id="1" name=""/>
+        <p:cNvGrpSpPr/>
+        <p:nvPr/>
+      </p:nvGrpSpPr>
+      <p:grpSpPr>
+        <a:xfrm>
+          <a:off x="0" y="0"/>
+          <a:ext cx="0" cy="0"/>
+          <a:chOff x="0" y="0"/>
+          <a:chExt cx="0" cy="0"/>
+        </a:xfrm>
+      </p:grpSpPr>
+      <p:sp>
+        <p:nvSpPr>
+          <p:cNvPr id="2" name="Title 1"/>
+          <p:cNvSpPr>
+            <a:spLocks noGrp="1"/>
+          </p:cNvSpPr>
+          <p:nvPr>
+            <p:ph type="title"/>
+          </p:nvPr>
+        </p:nvSpPr>
+        <p:spPr/>
+        <p:txBody>
+          <a:bodyPr/>
+          <a:lstStyle/>
+          <a:p>
+            <a:r>
+              <a:rPr lang="en-US" dirty="0" smtClean="0"/>
+              <a:t>*.* : Putting it together</a:t>
+            </a:r>
+            <a:endParaRPr lang="en-US" dirty="0"/>
+          </a:p>
+        </p:txBody>
+      </p:sp>
+    </p:spTree>
+    <p:extLst>
+      <p:ext uri="{BB962C8B-B14F-4D97-AF65-F5344CB8AC3E}">
+        <p14:creationId xmlns:p14="http://schemas.microsoft.com/office/powerpoint/2010/main" val="3867112780"/>
+      </p:ext>
+    </p:extLst>
+  </p:cSld>
+  <p:clrMapOvr>
+    <a:masterClrMapping/>
+  </p:clrMapOvr>
+</p:sld>
+</file>
+
+<file path=ppt/slides/slide12.xml><?xml version="1.0" encoding="utf-8"?>
+<p:sld xmlns:a="http://schemas.openxmlformats.org/drawingml/2006/main" xmlns:r="http://schemas.openxmlformats.org/officeDocument/2006/relationships" xmlns:p="http://schemas.openxmlformats.org/presentationml/2006/main">
+  <p:cSld>
+    <p:spTree>
+      <p:nvGrpSpPr>
+        <p:cNvPr id="1" name="Shape 46"/>
+        <p:cNvGrpSpPr/>
+        <p:nvPr/>
+      </p:nvGrpSpPr>
+      <p:grpSpPr>
+        <a:xfrm>
+          <a:off x="0" y="0"/>
+          <a:ext cx="0" cy="0"/>
+          <a:chOff x="0" y="0"/>
+          <a:chExt cx="0" cy="0"/>
+        </a:xfrm>
+      </p:grpSpPr>
+      <p:sp>
+        <p:nvSpPr>
+          <p:cNvPr id="47" name="Shape 47"/>
+          <p:cNvSpPr txBox="1">
+            <a:spLocks noGrp="1"/>
+          </p:cNvSpPr>
+          <p:nvPr>
+            <p:ph type="title"/>
+          </p:nvPr>
+        </p:nvSpPr>
+        <p:spPr>
+          <a:prstGeom prst="rect">
+            <a:avLst/>
+          </a:prstGeom>
+        </p:spPr>
+        <p:txBody>
+          <a:bodyPr lIns="91425" tIns="91425" rIns="91425" bIns="91425" anchor="b" anchorCtr="0">
+            <a:noAutofit/>
+          </a:bodyPr>
+          <a:lstStyle/>
+          <a:p>
+            <a:pPr lvl="0" rtl="0">
+              <a:buNone/>
+            </a:pPr>
+            <a:r>
+              <a:rPr lang="en-US" dirty="0" smtClean="0"/>
+              <a:t>Modelin</a:t>
+            </a:r>
+            <a:r>
+              <a:rPr lang="en-US" dirty="0" smtClean="0"/>
+              <a:t>g </a:t>
+            </a:r>
+            <a:r>
+              <a:rPr lang="en-US" dirty="0" smtClean="0"/>
+              <a:t>Challenges</a:t>
+            </a:r>
+            <a:r>
+              <a:rPr lang="en" dirty="0"/>
+              <a:t>	</a:t>
+            </a:r>
+          </a:p>
+        </p:txBody>
+      </p:sp>
+      <p:sp>
+        <p:nvSpPr>
+          <p:cNvPr id="48" name="Shape 48"/>
+          <p:cNvSpPr txBox="1">
+            <a:spLocks noGrp="1"/>
+          </p:cNvSpPr>
+          <p:nvPr>
+            <p:ph idx="4294967295"/>
+          </p:nvPr>
+        </p:nvSpPr>
+        <p:spPr>
+          <a:xfrm>
+            <a:off x="282231" y="789713"/>
+            <a:ext cx="8715010" cy="5146675"/>
+          </a:xfrm>
+          <a:prstGeom prst="rect">
+            <a:avLst/>
+          </a:prstGeom>
+        </p:spPr>
+        <p:txBody>
+          <a:bodyPr lIns="91425" tIns="91425" rIns="91425" bIns="91425" anchor="t" anchorCtr="0">
+            <a:noAutofit/>
+          </a:bodyPr>
+          <a:lstStyle/>
+          <a:p>
+            <a:pPr>
+              <a:lnSpc>
+                <a:spcPct val="90000"/>
+              </a:lnSpc>
+            </a:pPr>
+            <a:r>
+              <a:rPr lang="en-US" dirty="0" smtClean="0"/>
+              <a:t>Granularity</a:t>
+            </a:r>
+          </a:p>
+          <a:p>
+            <a:pPr>
+              <a:lnSpc>
+                <a:spcPct val="90000"/>
+              </a:lnSpc>
+            </a:pPr>
+            <a:r>
+              <a:rPr lang="en-US" dirty="0" smtClean="0"/>
+              <a:t>Multi-scale</a:t>
+            </a:r>
+          </a:p>
+          <a:p>
+            <a:pPr>
+              <a:lnSpc>
+                <a:spcPct val="90000"/>
+              </a:lnSpc>
+            </a:pPr>
+            <a:r>
+              <a:rPr lang="en-US" dirty="0" smtClean="0"/>
+              <a:t>Heterogeneity</a:t>
+            </a:r>
+          </a:p>
+          <a:p>
+            <a:pPr lvl="1">
+              <a:lnSpc>
+                <a:spcPct val="90000"/>
+              </a:lnSpc>
+            </a:pPr>
+            <a:r>
+              <a:rPr lang="en-US" dirty="0" smtClean="0"/>
+              <a:t>Federating heterogeneous </a:t>
+            </a:r>
+            <a:r>
+              <a:rPr lang="en-US" dirty="0" smtClean="0"/>
+              <a:t>distributed infrastructure</a:t>
+            </a:r>
+          </a:p>
+          <a:p>
+            <a:pPr lvl="1">
+              <a:lnSpc>
+                <a:spcPct val="90000"/>
+              </a:lnSpc>
+            </a:pPr>
+            <a:endParaRPr lang="en-US" dirty="0" smtClean="0"/>
+          </a:p>
+          <a:p>
+            <a:pPr marL="0" indent="0">
+              <a:lnSpc>
+                <a:spcPct val="90000"/>
+              </a:lnSpc>
+              <a:buNone/>
+            </a:pPr>
+            <a:endParaRPr lang="en-US" sz="2000" dirty="0"/>
+          </a:p>
+          <a:p>
+            <a:pPr marL="457200" lvl="1" indent="0">
+              <a:lnSpc>
+                <a:spcPct val="90000"/>
+              </a:lnSpc>
+              <a:buNone/>
+            </a:pPr>
+            <a:endParaRPr lang="en-US" sz="2000" dirty="0">
+              <a:solidFill>
+                <a:srgbClr val="606060"/>
+              </a:solidFill>
+            </a:endParaRPr>
+          </a:p>
+        </p:txBody>
+      </p:sp>
+    </p:spTree>
+    <p:extLst>
+      <p:ext uri="{BB962C8B-B14F-4D97-AF65-F5344CB8AC3E}">
+        <p14:creationId xmlns:p14="http://schemas.microsoft.com/office/powerpoint/2010/main" val="901666982"/>
+      </p:ext>
+    </p:extLst>
+  </p:cSld>
+  <p:clrMapOvr>
+    <a:masterClrMapping/>
+  </p:clrMapOvr>
+  <p:transition xmlns:p14="http://schemas.microsoft.com/office/powerpoint/2010/main" spd="slow">
+    <p:cut/>
+  </p:transition>
+  <p:timing>
+    <p:tnLst>
+      <p:par>
+        <p:cTn xmlns:p14="http://schemas.microsoft.com/office/powerpoint/2010/main" id="1" dur="indefinite" restart="never" nodeType="tmRoot"/>
+      </p:par>
+    </p:tnLst>
+  </p:timing>
+</p:sld>
+</file>
+
+<file path=ppt/slides/slide13.xml><?xml version="1.0" encoding="utf-8"?>
+<p:sld xmlns:a="http://schemas.openxmlformats.org/drawingml/2006/main" xmlns:r="http://schemas.openxmlformats.org/officeDocument/2006/relationships" xmlns:p="http://schemas.openxmlformats.org/presentationml/2006/main">
+  <p:cSld>
+    <p:spTree>
+      <p:nvGrpSpPr>
+        <p:cNvPr id="1" name="Shape 94"/>
+        <p:cNvGrpSpPr/>
+        <p:nvPr/>
+      </p:nvGrpSpPr>
+      <p:grpSpPr>
+        <a:xfrm>
+          <a:off x="0" y="0"/>
+          <a:ext cx="0" cy="0"/>
+          <a:chOff x="0" y="0"/>
+          <a:chExt cx="0" cy="0"/>
+        </a:xfrm>
+      </p:grpSpPr>
+      <p:sp>
+        <p:nvSpPr>
+          <p:cNvPr id="95" name="Shape 95"/>
+          <p:cNvSpPr txBox="1">
+            <a:spLocks noGrp="1"/>
+          </p:cNvSpPr>
+          <p:nvPr>
+            <p:ph type="title"/>
+          </p:nvPr>
+        </p:nvSpPr>
+        <p:spPr>
+          <a:prstGeom prst="rect">
+            <a:avLst/>
+          </a:prstGeom>
+        </p:spPr>
+        <p:txBody>
+          <a:bodyPr lIns="91425" tIns="91425" rIns="91425" bIns="91425" anchor="b" anchorCtr="0">
+            <a:noAutofit/>
+          </a:bodyPr>
+          <a:lstStyle/>
+          <a:p>
+            <a:pPr lvl="0" rtl="0">
+              <a:buNone/>
+            </a:pPr>
+            <a:r>
+              <a:rPr lang="en" dirty="0" smtClean="0"/>
+              <a:t>Research </a:t>
+            </a:r>
+            <a:r>
+              <a:rPr lang="en" dirty="0"/>
+              <a:t>Agenda</a:t>
+            </a:r>
+          </a:p>
+        </p:txBody>
+      </p:sp>
+      <p:sp>
+        <p:nvSpPr>
+          <p:cNvPr id="96" name="Shape 96"/>
+          <p:cNvSpPr txBox="1">
+            <a:spLocks noGrp="1"/>
+          </p:cNvSpPr>
+          <p:nvPr>
+            <p:ph idx="4294967295"/>
+          </p:nvPr>
+        </p:nvSpPr>
+        <p:spPr>
+          <a:xfrm>
+            <a:off x="283096" y="766277"/>
+            <a:ext cx="8596312" cy="5146675"/>
+          </a:xfrm>
+          <a:prstGeom prst="rect">
+            <a:avLst/>
+          </a:prstGeom>
+        </p:spPr>
+        <p:txBody>
+          <a:bodyPr lIns="91425" tIns="91425" rIns="91425" bIns="91425" anchor="t" anchorCtr="0">
+            <a:noAutofit/>
+          </a:bodyPr>
+          <a:lstStyle/>
+          <a:p>
+            <a:pPr lvl="0" rtl="0">
+              <a:lnSpc>
+                <a:spcPct val="115000"/>
+              </a:lnSpc>
+              <a:spcBef>
+                <a:spcPts val="500"/>
+              </a:spcBef>
+              <a:buClr>
+                <a:srgbClr val="000000"/>
+              </a:buClr>
+              <a:buSzPct val="55000"/>
+              <a:buFont typeface="Arial"/>
+              <a:buNone/>
+            </a:pPr>
+            <a:r>
+              <a:rPr lang="en" dirty="0">
+                <a:solidFill>
+                  <a:srgbClr val="000000"/>
+                </a:solidFill>
+              </a:rPr>
+              <a:t>• Need to </a:t>
+            </a:r>
+            <a:r>
+              <a:rPr lang="en-US" dirty="0" smtClean="0">
+                <a:solidFill>
+                  <a:srgbClr val="000000"/>
+                </a:solidFill>
+              </a:rPr>
+              <a:t>federate </a:t>
+            </a:r>
+            <a:r>
+              <a:rPr lang="en" dirty="0" smtClean="0">
+                <a:solidFill>
+                  <a:srgbClr val="000000"/>
+                </a:solidFill>
+              </a:rPr>
+              <a:t>systems </a:t>
+            </a:r>
+            <a:r>
+              <a:rPr lang="en" dirty="0">
+                <a:solidFill>
+                  <a:srgbClr val="000000"/>
+                </a:solidFill>
+              </a:rPr>
+              <a:t>to provide </a:t>
+            </a:r>
+            <a:r>
+              <a:rPr lang="en" dirty="0" smtClean="0">
+                <a:solidFill>
+                  <a:srgbClr val="000000"/>
+                </a:solidFill>
+              </a:rPr>
+              <a:t>well</a:t>
+            </a:r>
+            <a:r>
+              <a:rPr lang="en-US" dirty="0" smtClean="0">
+                <a:solidFill>
+                  <a:srgbClr val="000000"/>
+                </a:solidFill>
+              </a:rPr>
+              <a:t>-</a:t>
+            </a:r>
+            <a:r>
+              <a:rPr lang="en" dirty="0" smtClean="0">
+                <a:solidFill>
+                  <a:srgbClr val="000000"/>
+                </a:solidFill>
+              </a:rPr>
+              <a:t>defined </a:t>
+            </a:r>
+            <a:r>
+              <a:rPr lang="en" dirty="0">
+                <a:solidFill>
+                  <a:srgbClr val="000000"/>
+                </a:solidFill>
+              </a:rPr>
+              <a:t>capabilities from </a:t>
+            </a:r>
+            <a:r>
+              <a:rPr lang="en" dirty="0" smtClean="0">
+                <a:solidFill>
+                  <a:srgbClr val="000000"/>
+                </a:solidFill>
+              </a:rPr>
+              <a:t>heterogeneous</a:t>
+            </a:r>
+            <a:r>
+              <a:rPr lang="en-US" dirty="0">
+                <a:solidFill>
+                  <a:srgbClr val="000000"/>
+                </a:solidFill>
+              </a:rPr>
+              <a:t> </a:t>
+            </a:r>
+            <a:r>
+              <a:rPr lang="en-US" dirty="0" smtClean="0">
+                <a:solidFill>
+                  <a:srgbClr val="000000"/>
+                </a:solidFill>
+              </a:rPr>
+              <a:t>dynamic </a:t>
+            </a:r>
+            <a:r>
+              <a:rPr lang="en" dirty="0" smtClean="0">
+                <a:solidFill>
+                  <a:srgbClr val="000000"/>
+                </a:solidFill>
+              </a:rPr>
+              <a:t>components</a:t>
+            </a:r>
+            <a:r>
+              <a:rPr lang="en-US" dirty="0" smtClean="0">
+                <a:solidFill>
+                  <a:srgbClr val="000000"/>
+                </a:solidFill>
+              </a:rPr>
+              <a:t> for adaptiv</a:t>
+            </a:r>
+            <a:r>
+              <a:rPr lang="en-US" dirty="0" smtClean="0">
+                <a:solidFill>
+                  <a:srgbClr val="000000"/>
+                </a:solidFill>
+              </a:rPr>
+              <a:t>e applications</a:t>
+            </a:r>
+            <a:endParaRPr lang="en" dirty="0">
+              <a:solidFill>
+                <a:srgbClr val="000000"/>
+              </a:solidFill>
+            </a:endParaRPr>
+          </a:p>
+          <a:p>
+            <a:pPr lvl="0" rtl="0">
+              <a:lnSpc>
+                <a:spcPct val="115000"/>
+              </a:lnSpc>
+              <a:spcBef>
+                <a:spcPts val="500"/>
+              </a:spcBef>
+              <a:buClr>
+                <a:srgbClr val="000000"/>
+              </a:buClr>
+              <a:buSzPct val="55000"/>
+              <a:buFont typeface="Arial"/>
+              <a:buNone/>
+            </a:pPr>
+            <a:r>
+              <a:rPr lang="en" dirty="0">
+                <a:solidFill>
+                  <a:srgbClr val="000000"/>
+                </a:solidFill>
+              </a:rPr>
+              <a:t>• How to provide </a:t>
+            </a:r>
+            <a:r>
+              <a:rPr lang="en" dirty="0" smtClean="0">
+                <a:solidFill>
+                  <a:srgbClr val="000000"/>
+                </a:solidFill>
+              </a:rPr>
+              <a:t>well</a:t>
+            </a:r>
+            <a:r>
+              <a:rPr lang="en-US" dirty="0" smtClean="0">
+                <a:solidFill>
+                  <a:srgbClr val="000000"/>
+                </a:solidFill>
+              </a:rPr>
+              <a:t>-</a:t>
+            </a:r>
+            <a:r>
+              <a:rPr lang="en" dirty="0" smtClean="0">
+                <a:solidFill>
+                  <a:srgbClr val="000000"/>
+                </a:solidFill>
+              </a:rPr>
+              <a:t>defined capabilities</a:t>
+            </a:r>
+            <a:r>
+              <a:rPr lang="en-US" dirty="0" smtClean="0">
+                <a:solidFill>
+                  <a:srgbClr val="000000"/>
+                </a:solidFill>
+              </a:rPr>
+              <a:t>?</a:t>
+            </a:r>
+            <a:endParaRPr lang="en" dirty="0" smtClean="0">
+              <a:solidFill>
+                <a:srgbClr val="000000"/>
+              </a:solidFill>
+            </a:endParaRPr>
+          </a:p>
+          <a:p>
+            <a:pPr marL="971550" indent="-514350">
+              <a:lnSpc>
+                <a:spcPct val="115000"/>
+              </a:lnSpc>
+              <a:spcBef>
+                <a:spcPts val="400"/>
+              </a:spcBef>
+              <a:buClr>
+                <a:srgbClr val="000000"/>
+              </a:buClr>
+              <a:buSzPct val="100000"/>
+              <a:buFont typeface="+mj-lt"/>
+              <a:buAutoNum type="romanUcPeriod"/>
+            </a:pPr>
+            <a:r>
+              <a:rPr lang="en-US" dirty="0" smtClean="0">
+                <a:solidFill>
+                  <a:schemeClr val="tx1">
+                    <a:lumMod val="65000"/>
+                    <a:lumOff val="35000"/>
+                  </a:schemeClr>
+                </a:solidFill>
+              </a:rPr>
+              <a:t>Well-defined </a:t>
+            </a:r>
+            <a:r>
+              <a:rPr lang="en" dirty="0" smtClean="0">
+                <a:solidFill>
+                  <a:schemeClr val="tx1">
+                    <a:lumMod val="65000"/>
+                    <a:lumOff val="35000"/>
+                  </a:schemeClr>
+                </a:solidFill>
+              </a:rPr>
+              <a:t>capability amidst heterogeneous, dynamic resources requires </a:t>
+            </a:r>
+            <a:r>
+              <a:rPr lang="en" i="1" dirty="0" smtClean="0">
+                <a:solidFill>
+                  <a:schemeClr val="tx1">
+                    <a:lumMod val="65000"/>
+                    <a:lumOff val="35000"/>
+                  </a:schemeClr>
+                </a:solidFill>
+              </a:rPr>
+              <a:t>flexible </a:t>
+            </a:r>
+            <a:r>
+              <a:rPr lang="en-US" i="1" dirty="0" smtClean="0">
+                <a:solidFill>
+                  <a:schemeClr val="tx1">
+                    <a:lumMod val="65000"/>
+                    <a:lumOff val="35000"/>
+                  </a:schemeClr>
+                </a:solidFill>
+              </a:rPr>
+              <a:t>federation</a:t>
+            </a:r>
+            <a:r>
+              <a:rPr lang="en" dirty="0" smtClean="0">
+                <a:solidFill>
+                  <a:schemeClr val="tx1">
+                    <a:lumMod val="65000"/>
+                    <a:lumOff val="35000"/>
+                  </a:schemeClr>
+                </a:solidFill>
+              </a:rPr>
+              <a:t> of resources and services</a:t>
+            </a:r>
+          </a:p>
+          <a:p>
+            <a:pPr marL="971550" indent="-514350">
+              <a:lnSpc>
+                <a:spcPct val="115000"/>
+              </a:lnSpc>
+              <a:spcBef>
+                <a:spcPts val="400"/>
+              </a:spcBef>
+              <a:buFont typeface="+mj-lt"/>
+              <a:buAutoNum type="romanUcPeriod"/>
+            </a:pPr>
+            <a:r>
+              <a:rPr lang="en-US" dirty="0" smtClean="0">
+                <a:solidFill>
+                  <a:schemeClr val="tx1">
+                    <a:lumMod val="65000"/>
+                    <a:lumOff val="35000"/>
+                  </a:schemeClr>
+                </a:solidFill>
+              </a:rPr>
+              <a:t>R</a:t>
+            </a:r>
+            <a:r>
+              <a:rPr lang="en" dirty="0" smtClean="0">
+                <a:solidFill>
+                  <a:schemeClr val="tx1">
+                    <a:lumMod val="65000"/>
+                    <a:lumOff val="35000"/>
+                  </a:schemeClr>
+                </a:solidFill>
+              </a:rPr>
+              <a:t>eason</a:t>
+            </a:r>
+            <a:r>
+              <a:rPr lang="en-US" dirty="0" err="1" smtClean="0">
+                <a:solidFill>
+                  <a:schemeClr val="tx1">
+                    <a:lumMod val="65000"/>
+                    <a:lumOff val="35000"/>
+                  </a:schemeClr>
+                </a:solidFill>
+              </a:rPr>
+              <a:t>ing</a:t>
+            </a:r>
+            <a:r>
+              <a:rPr lang="en" dirty="0" smtClean="0">
+                <a:solidFill>
+                  <a:schemeClr val="tx1">
+                    <a:lumMod val="65000"/>
+                    <a:lumOff val="35000"/>
+                  </a:schemeClr>
+                </a:solidFill>
+              </a:rPr>
+              <a:t> about performance</a:t>
+            </a:r>
+            <a:endParaRPr lang="en-US" dirty="0" smtClean="0">
+              <a:solidFill>
+                <a:schemeClr val="tx1">
+                  <a:lumMod val="65000"/>
+                  <a:lumOff val="35000"/>
+                </a:schemeClr>
+              </a:solidFill>
+            </a:endParaRPr>
+          </a:p>
+          <a:p>
+            <a:pPr marL="1198562" lvl="1" indent="-285750">
+              <a:lnSpc>
+                <a:spcPct val="115000"/>
+              </a:lnSpc>
+              <a:spcBef>
+                <a:spcPts val="400"/>
+              </a:spcBef>
+              <a:buFont typeface="Arial"/>
+              <a:buChar char="•"/>
+            </a:pPr>
+            <a:r>
+              <a:rPr lang="en" sz="2000" dirty="0" smtClean="0">
+                <a:solidFill>
+                  <a:schemeClr val="tx1">
+                    <a:lumMod val="65000"/>
+                    <a:lumOff val="35000"/>
+                  </a:schemeClr>
+                </a:solidFill>
+              </a:rPr>
+              <a:t>Can </a:t>
+            </a:r>
+            <a:r>
+              <a:rPr lang="en-US" sz="2000" dirty="0" smtClean="0">
+                <a:solidFill>
+                  <a:schemeClr val="tx1">
+                    <a:lumMod val="65000"/>
+                    <a:lumOff val="35000"/>
+                  </a:schemeClr>
+                </a:solidFill>
+              </a:rPr>
+              <a:t>d</a:t>
+            </a:r>
+            <a:r>
+              <a:rPr lang="en" sz="2000" dirty="0" smtClean="0">
+                <a:solidFill>
+                  <a:schemeClr val="tx1">
+                    <a:lumMod val="65000"/>
+                    <a:lumOff val="35000"/>
+                  </a:schemeClr>
+                </a:solidFill>
+              </a:rPr>
+              <a:t>esign for randomness but not for unpredictable behaviour</a:t>
+            </a:r>
+            <a:endParaRPr lang="en-US" sz="2000" dirty="0" smtClean="0">
+              <a:solidFill>
+                <a:schemeClr val="tx1">
+                  <a:lumMod val="65000"/>
+                  <a:lumOff val="35000"/>
+                </a:schemeClr>
+              </a:solidFill>
+            </a:endParaRPr>
+          </a:p>
+          <a:p>
+            <a:pPr marL="742950" indent="-285750">
+              <a:lnSpc>
+                <a:spcPct val="115000"/>
+              </a:lnSpc>
+              <a:spcBef>
+                <a:spcPts val="400"/>
+              </a:spcBef>
+              <a:buFont typeface="Arial"/>
+              <a:buChar char="•"/>
+            </a:pPr>
+            <a:r>
+              <a:rPr lang="en-US" dirty="0" smtClean="0">
+                <a:solidFill>
+                  <a:schemeClr val="tx1">
+                    <a:lumMod val="65000"/>
+                    <a:lumOff val="35000"/>
+                  </a:schemeClr>
+                </a:solidFill>
+              </a:rPr>
+              <a:t>Combination of r</a:t>
+            </a:r>
+            <a:r>
+              <a:rPr lang="en" dirty="0" smtClean="0">
+                <a:solidFill>
+                  <a:schemeClr val="tx1">
+                    <a:lumMod val="65000"/>
+                    <a:lumOff val="35000"/>
+                  </a:schemeClr>
+                </a:solidFill>
+              </a:rPr>
+              <a:t>eason</a:t>
+            </a:r>
+            <a:r>
+              <a:rPr lang="en-US" dirty="0" err="1" smtClean="0">
+                <a:solidFill>
+                  <a:schemeClr val="tx1">
+                    <a:lumMod val="65000"/>
+                    <a:lumOff val="35000"/>
+                  </a:schemeClr>
+                </a:solidFill>
+              </a:rPr>
+              <a:t>ing</a:t>
+            </a:r>
+            <a:r>
+              <a:rPr lang="en-US" dirty="0" smtClean="0">
+                <a:solidFill>
+                  <a:schemeClr val="tx1">
+                    <a:lumMod val="65000"/>
+                    <a:lumOff val="35000"/>
+                  </a:schemeClr>
+                </a:solidFill>
+              </a:rPr>
+              <a:t> (</a:t>
+            </a:r>
+            <a:r>
+              <a:rPr lang="en" dirty="0" smtClean="0">
+                <a:solidFill>
+                  <a:schemeClr val="tx1">
+                    <a:lumMod val="65000"/>
+                    <a:lumOff val="35000"/>
+                  </a:schemeClr>
+                </a:solidFill>
+              </a:rPr>
+              <a:t>across possible </a:t>
+            </a:r>
+            <a:r>
+              <a:rPr lang="en-US" dirty="0" smtClean="0">
+                <a:solidFill>
+                  <a:schemeClr val="tx1">
+                    <a:lumMod val="65000"/>
+                    <a:lumOff val="35000"/>
+                  </a:schemeClr>
+                </a:solidFill>
+              </a:rPr>
+              <a:t>configurations)</a:t>
+            </a:r>
+            <a:r>
+              <a:rPr lang="en" dirty="0" smtClean="0">
+                <a:solidFill>
+                  <a:schemeClr val="tx1">
+                    <a:lumMod val="65000"/>
+                    <a:lumOff val="35000"/>
+                  </a:schemeClr>
+                </a:solidFill>
+              </a:rPr>
+              <a:t> and </a:t>
+            </a:r>
+            <a:r>
+              <a:rPr lang="en-US" dirty="0" smtClean="0">
+                <a:solidFill>
+                  <a:schemeClr val="tx1">
+                    <a:lumMod val="65000"/>
+                    <a:lumOff val="35000"/>
+                  </a:schemeClr>
+                </a:solidFill>
+              </a:rPr>
+              <a:t>flexible </a:t>
+            </a:r>
+            <a:r>
+              <a:rPr lang="en" dirty="0" smtClean="0">
+                <a:solidFill>
+                  <a:schemeClr val="tx1">
+                    <a:lumMod val="65000"/>
+                    <a:lumOff val="35000"/>
+                  </a:schemeClr>
+                </a:solidFill>
+              </a:rPr>
+              <a:t>federat</a:t>
+            </a:r>
+            <a:r>
+              <a:rPr lang="en-US" dirty="0" smtClean="0">
+                <a:solidFill>
+                  <a:schemeClr val="tx1">
+                    <a:lumMod val="65000"/>
+                    <a:lumOff val="35000"/>
+                  </a:schemeClr>
+                </a:solidFill>
+              </a:rPr>
+              <a:t>ion points to a role for next-generation </a:t>
+            </a:r>
+            <a:r>
+              <a:rPr lang="en" dirty="0" smtClean="0">
+                <a:solidFill>
+                  <a:schemeClr val="tx1">
+                    <a:lumMod val="65000"/>
+                    <a:lumOff val="35000"/>
+                  </a:schemeClr>
+                </a:solidFill>
+              </a:rPr>
+              <a:t>middleware </a:t>
+            </a:r>
+          </a:p>
+          <a:p>
+            <a:pPr lvl="0" rtl="0">
+              <a:lnSpc>
+                <a:spcPct val="115000"/>
+              </a:lnSpc>
+              <a:spcBef>
+                <a:spcPts val="500"/>
+              </a:spcBef>
+              <a:buNone/>
+            </a:pPr>
+            <a:r>
+              <a:rPr lang="en" dirty="0" smtClean="0">
+                <a:solidFill>
+                  <a:srgbClr val="000000"/>
+                </a:solidFill>
+              </a:rPr>
+              <a:t>• </a:t>
+            </a:r>
+            <a:r>
+              <a:rPr lang="en" dirty="0">
+                <a:solidFill>
+                  <a:srgbClr val="000000"/>
+                </a:solidFill>
+              </a:rPr>
+              <a:t>How will applications utilize </a:t>
+            </a:r>
+            <a:r>
+              <a:rPr lang="en" dirty="0" smtClean="0">
+                <a:solidFill>
+                  <a:srgbClr val="000000"/>
+                </a:solidFill>
+              </a:rPr>
+              <a:t>systems?</a:t>
+            </a:r>
+          </a:p>
+          <a:p>
+            <a:pPr marL="968375" lvl="1" indent="-285750">
+              <a:lnSpc>
+                <a:spcPct val="115000"/>
+              </a:lnSpc>
+              <a:spcBef>
+                <a:spcPts val="500"/>
+              </a:spcBef>
+              <a:buFont typeface="Arial"/>
+              <a:buChar char="•"/>
+            </a:pPr>
+            <a:r>
+              <a:rPr lang="en" sz="2000" dirty="0" smtClean="0">
+                <a:solidFill>
+                  <a:schemeClr val="tx1">
+                    <a:lumMod val="65000"/>
+                    <a:lumOff val="35000"/>
+                  </a:schemeClr>
+                </a:solidFill>
+              </a:rPr>
+              <a:t>For given capability appropriate execution strategy is determined</a:t>
+            </a:r>
+            <a:endParaRPr lang="en-US" sz="2000" dirty="0" smtClean="0">
+              <a:solidFill>
+                <a:schemeClr val="tx1">
+                  <a:lumMod val="65000"/>
+                  <a:lumOff val="35000"/>
+                </a:schemeClr>
+              </a:solidFill>
+            </a:endParaRPr>
+          </a:p>
+          <a:p>
+            <a:pPr marL="968375" lvl="1" indent="-285750">
+              <a:lnSpc>
+                <a:spcPct val="115000"/>
+              </a:lnSpc>
+              <a:spcBef>
+                <a:spcPts val="500"/>
+              </a:spcBef>
+              <a:buFont typeface="Arial"/>
+              <a:buChar char="•"/>
+            </a:pPr>
+            <a:r>
+              <a:rPr lang="en-US" sz="2000" dirty="0" smtClean="0">
+                <a:solidFill>
+                  <a:schemeClr val="tx1">
+                    <a:lumMod val="65000"/>
+                    <a:lumOff val="35000"/>
+                  </a:schemeClr>
+                </a:solidFill>
+              </a:rPr>
+              <a:t>Interoperability: DCI level? DCA</a:t>
+            </a:r>
+            <a:r>
+              <a:rPr lang="en" sz="2000" dirty="0" smtClean="0">
+                <a:solidFill>
+                  <a:schemeClr val="tx1">
+                    <a:lumMod val="65000"/>
+                    <a:lumOff val="35000"/>
+                  </a:schemeClr>
+                </a:solidFill>
+              </a:rPr>
+              <a:t> </a:t>
+            </a:r>
+            <a:r>
+              <a:rPr lang="en" sz="2000" dirty="0">
+                <a:solidFill>
+                  <a:schemeClr val="tx1">
+                    <a:lumMod val="65000"/>
+                    <a:lumOff val="35000"/>
+                  </a:schemeClr>
+                </a:solidFill>
+              </a:rPr>
+              <a:t>level Interoperability?</a:t>
+            </a:r>
+            <a:endParaRPr lang="en-US" sz="2000" dirty="0">
+              <a:solidFill>
+                <a:schemeClr val="tx1">
+                  <a:lumMod val="65000"/>
+                  <a:lumOff val="35000"/>
+                </a:schemeClr>
+              </a:solidFill>
+            </a:endParaRPr>
+          </a:p>
+          <a:p>
+            <a:pPr marL="968375" lvl="1" indent="-285750">
+              <a:lnSpc>
+                <a:spcPct val="115000"/>
+              </a:lnSpc>
+              <a:spcBef>
+                <a:spcPts val="500"/>
+              </a:spcBef>
+              <a:buFont typeface="Arial"/>
+              <a:buChar char="•"/>
+            </a:pPr>
+            <a:endParaRPr lang="en" sz="2000" dirty="0" smtClean="0">
+              <a:solidFill>
+                <a:schemeClr val="tx1">
+                  <a:lumMod val="65000"/>
+                  <a:lumOff val="35000"/>
+                </a:schemeClr>
+              </a:solidFill>
+            </a:endParaRPr>
+          </a:p>
+        </p:txBody>
+      </p:sp>
+    </p:spTree>
+    <p:extLst>
+      <p:ext uri="{BB962C8B-B14F-4D97-AF65-F5344CB8AC3E}">
+        <p14:creationId xmlns:p14="http://schemas.microsoft.com/office/powerpoint/2010/main" val="804358589"/>
+      </p:ext>
+    </p:extLst>
+  </p:cSld>
+  <p:clrMapOvr>
+    <a:masterClrMapping/>
+  </p:clrMapOvr>
+  <p:transition xmlns:p14="http://schemas.microsoft.com/office/powerpoint/2010/main" spd="slow">
+    <p:cut/>
+  </p:transition>
+  <p:timing>
+    <p:tnLst>
+      <p:par>
+        <p:cTn xmlns:p14="http://schemas.microsoft.com/office/powerpoint/2010/main" id="1" dur="indefinite" restart="never" nodeType="tmRoot"/>
+      </p:par>
+    </p:tnLst>
+  </p:timing>
+</p:sld>
+</file>
+
 <file path=ppt/slides/slide2.xml><?xml version="1.0" encoding="utf-8"?>
 <p:sld xmlns:a="http://schemas.openxmlformats.org/drawingml/2006/main" xmlns:r="http://schemas.openxmlformats.org/officeDocument/2006/relationships" xmlns:p="http://schemas.openxmlformats.org/presentationml/2006/main">
   <p:cSld>
@@ -2103,7 +4033,40 @@
                   </a:schemeClr>
                 </a:solidFill>
               </a:rPr>
-              <a:t>Discuss and Outline NGMW</a:t>
+              <a:t>Discuss and </a:t>
+            </a:r>
+            <a:r>
+              <a:rPr lang="en-US" dirty="0" smtClean="0">
+                <a:solidFill>
+                  <a:schemeClr val="tx1">
+                    <a:lumMod val="65000"/>
+                    <a:lumOff val="35000"/>
+                  </a:schemeClr>
+                </a:solidFill>
+              </a:rPr>
+              <a:t>ou</a:t>
+            </a:r>
+            <a:r>
+              <a:rPr lang="en-US" sz="2000" dirty="0" smtClean="0">
+                <a:solidFill>
+                  <a:schemeClr val="tx1">
+                    <a:lumMod val="65000"/>
+                    <a:lumOff val="35000"/>
+                  </a:schemeClr>
+                </a:solidFill>
+              </a:rPr>
+              <a:t>tline </a:t>
+            </a:r>
+            <a:r>
+              <a:rPr lang="en-US" sz="2000" dirty="0" smtClean="0">
+                <a:solidFill>
+                  <a:schemeClr val="tx1">
+                    <a:lumMod val="65000"/>
+                    <a:lumOff val="35000"/>
+                  </a:schemeClr>
+                </a:solidFill>
+              </a:rPr>
+              <a:t>NGMW</a:t>
             </a:r>
             <a:endParaRPr lang="en-US" sz="1800" dirty="0">
               <a:solidFill>
@@ -2165,312 +4128,6 @@
                 </a:solidFill>
               </a:rPr>
               <a:t>for Adaptive Applications and Dynamic Resources</a:t>
-            </a:r>
-          </a:p>
-          <a:p>
-            <a:pPr marL="344488" indent="-342900">
-              <a:buClr>
-                <a:srgbClr val="000000"/>
-              </a:buClr>
-              <a:buSzPct val="100000"/>
-            </a:pPr>
-            <a:r>
-              <a:rPr lang="en-US" sz="2000" dirty="0" smtClean="0">
-                <a:solidFill>
-                  <a:schemeClr val="tx1">
-                    <a:lumMod val="65000"/>
-                    <a:lumOff val="35000"/>
-                  </a:schemeClr>
-                </a:solidFill>
-              </a:rPr>
-              <a:t>Role </a:t>
-            </a:r>
-            <a:r>
-              <a:rPr lang="en-US" sz="2000" dirty="0" smtClean="0">
-                <a:solidFill>
-                  <a:schemeClr val="tx1">
-                    <a:lumMod val="65000"/>
-                    <a:lumOff val="35000"/>
-                  </a:schemeClr>
-                </a:solidFill>
-              </a:rPr>
-              <a:t>of Modeling</a:t>
-            </a:r>
-          </a:p>
-          <a:p>
-            <a:pPr marL="800100" lvl="1" indent="-342900">
-              <a:buClr>
-                <a:srgbClr val="000000"/>
-              </a:buClr>
-              <a:buSzPct val="100000"/>
-            </a:pPr>
-            <a:r>
-              <a:rPr lang="en-US" dirty="0" smtClean="0">
-                <a:solidFill>
-                  <a:schemeClr val="tx1">
-                    <a:lumMod val="65000"/>
-                    <a:lumOff val="35000"/>
-                  </a:schemeClr>
-                </a:solidFill>
-              </a:rPr>
-              <a:t>A* </a:t>
-            </a:r>
-            <a:r>
-              <a:rPr lang="en-US" dirty="0" smtClean="0">
-                <a:solidFill>
-                  <a:schemeClr val="tx1">
-                    <a:lumMod val="65000"/>
-                    <a:lumOff val="35000"/>
-                  </a:schemeClr>
-                </a:solidFill>
-              </a:rPr>
-              <a:t>: Conceptual </a:t>
-            </a:r>
-            <a:r>
-              <a:rPr lang="en-US" dirty="0" smtClean="0">
-                <a:solidFill>
-                  <a:schemeClr val="tx1">
-                    <a:lumMod val="65000"/>
-                    <a:lumOff val="35000"/>
-                  </a:schemeClr>
-                </a:solidFill>
-              </a:rPr>
-              <a:t>Model for Distributed </a:t>
-            </a:r>
-            <a:r>
-              <a:rPr lang="en-US" dirty="0" smtClean="0">
-                <a:solidFill>
-                  <a:schemeClr val="tx1">
-                    <a:lumMod val="65000"/>
-                    <a:lumOff val="35000"/>
-                  </a:schemeClr>
-                </a:solidFill>
-              </a:rPr>
-              <a:t>Application</a:t>
-            </a:r>
-          </a:p>
-          <a:p>
-            <a:pPr marL="1208088" lvl="2" indent="-342900">
-              <a:buClr>
-                <a:srgbClr val="000000"/>
-              </a:buClr>
-              <a:buSzPct val="100000"/>
-            </a:pPr>
-            <a:r>
-              <a:rPr lang="en-US" dirty="0" smtClean="0">
-                <a:solidFill>
-                  <a:schemeClr val="tx1">
-                    <a:lumMod val="65000"/>
-                    <a:lumOff val="35000"/>
-                  </a:schemeClr>
-                </a:solidFill>
-              </a:rPr>
-              <a:t>One of many different analytical models of an application</a:t>
-            </a:r>
-            <a:endParaRPr lang="en-US" dirty="0" smtClean="0">
-              <a:solidFill>
-                <a:schemeClr val="tx1">
-                  <a:lumMod val="65000"/>
-                  <a:lumOff val="35000"/>
-                </a:schemeClr>
-              </a:solidFill>
-            </a:endParaRPr>
-          </a:p>
-          <a:p>
-            <a:pPr marL="800100" lvl="1" indent="-342900">
-              <a:buClr>
-                <a:srgbClr val="000000"/>
-              </a:buClr>
-              <a:buSzPct val="100000"/>
-            </a:pPr>
-            <a:r>
-              <a:rPr lang="en-US" dirty="0" smtClean="0">
-                <a:solidFill>
-                  <a:schemeClr val="tx1">
-                    <a:lumMod val="65000"/>
-                    <a:lumOff val="35000"/>
-                  </a:schemeClr>
-                </a:solidFill>
-              </a:rPr>
-              <a:t>W</a:t>
-            </a:r>
-            <a:r>
-              <a:rPr lang="en-US" dirty="0" smtClean="0">
-                <a:solidFill>
-                  <a:schemeClr val="tx1">
-                    <a:lumMod val="65000"/>
-                    <a:lumOff val="35000"/>
-                  </a:schemeClr>
-                </a:solidFill>
-              </a:rPr>
-              <a:t>*: Analytical </a:t>
-            </a:r>
-            <a:r>
-              <a:rPr lang="en-US" dirty="0">
-                <a:solidFill>
-                  <a:schemeClr val="tx1">
-                    <a:lumMod val="65000"/>
-                    <a:lumOff val="35000"/>
-                  </a:schemeClr>
-                </a:solidFill>
-              </a:rPr>
-              <a:t>m</a:t>
-            </a:r>
-            <a:r>
-              <a:rPr lang="en-US" dirty="0" smtClean="0">
-                <a:solidFill>
-                  <a:schemeClr val="tx1">
-                    <a:lumMod val="65000"/>
-                    <a:lumOff val="35000"/>
-                  </a:schemeClr>
-                </a:solidFill>
-              </a:rPr>
-              <a:t>odel </a:t>
-            </a:r>
-            <a:r>
-              <a:rPr lang="en-US" dirty="0" smtClean="0">
-                <a:solidFill>
-                  <a:schemeClr val="tx1">
-                    <a:lumMod val="65000"/>
-                    <a:lumOff val="35000"/>
-                  </a:schemeClr>
-                </a:solidFill>
-              </a:rPr>
-              <a:t>of workload </a:t>
-            </a:r>
-            <a:endParaRPr lang="en-US" dirty="0" smtClean="0">
-              <a:solidFill>
-                <a:schemeClr val="tx1">
-                  <a:lumMod val="65000"/>
-                  <a:lumOff val="35000"/>
-                </a:schemeClr>
-              </a:solidFill>
-            </a:endParaRPr>
-          </a:p>
-          <a:p>
-            <a:pPr marL="1208088" lvl="2" indent="-342900">
-              <a:buClr>
-                <a:srgbClr val="000000"/>
-              </a:buClr>
-              <a:buSzPct val="100000"/>
-            </a:pPr>
-            <a:r>
-              <a:rPr lang="en-US" dirty="0" smtClean="0">
-                <a:solidFill>
-                  <a:schemeClr val="tx1">
-                    <a:lumMod val="65000"/>
-                    <a:lumOff val="35000"/>
-                  </a:schemeClr>
-                </a:solidFill>
-              </a:rPr>
-              <a:t>Outputs concrete executable units, thus provides a measure of</a:t>
-            </a:r>
-            <a:r>
-              <a:rPr lang="en-US" dirty="0" smtClean="0">
-                <a:solidFill>
-                  <a:schemeClr val="tx1">
-                    <a:lumMod val="65000"/>
-                    <a:lumOff val="35000"/>
-                  </a:schemeClr>
-                </a:solidFill>
-              </a:rPr>
-              <a:t> </a:t>
-            </a:r>
-            <a:r>
-              <a:rPr lang="en-US" dirty="0" smtClean="0">
-                <a:solidFill>
-                  <a:schemeClr val="tx1">
-                    <a:lumMod val="65000"/>
-                    <a:lumOff val="35000"/>
-                  </a:schemeClr>
-                </a:solidFill>
-              </a:rPr>
-              <a:t>performance </a:t>
-            </a:r>
-            <a:r>
-              <a:rPr lang="en-US" dirty="0" smtClean="0">
-                <a:solidFill>
-                  <a:schemeClr val="tx1">
-                    <a:lumMod val="65000"/>
-                    <a:lumOff val="35000"/>
-                  </a:schemeClr>
-                </a:solidFill>
-              </a:rPr>
-              <a:t>and prediction </a:t>
-            </a:r>
-            <a:r>
-              <a:rPr lang="en-US" dirty="0" smtClean="0">
-                <a:solidFill>
-                  <a:schemeClr val="tx1">
-                    <a:lumMod val="65000"/>
-                    <a:lumOff val="35000"/>
-                  </a:schemeClr>
-                </a:solidFill>
-              </a:rPr>
-              <a:t>but </a:t>
-            </a:r>
-            <a:r>
-              <a:rPr lang="en-US" dirty="0" smtClean="0">
-                <a:solidFill>
-                  <a:schemeClr val="tx1">
-                    <a:lumMod val="65000"/>
-                    <a:lumOff val="35000"/>
-                  </a:schemeClr>
-                </a:solidFill>
-              </a:rPr>
-              <a:t>independent </a:t>
-            </a:r>
-            <a:r>
-              <a:rPr lang="en-US" dirty="0" smtClean="0">
-                <a:solidFill>
-                  <a:schemeClr val="tx1">
-                    <a:lumMod val="65000"/>
-                    <a:lumOff val="35000"/>
-                  </a:schemeClr>
-                </a:solidFill>
-              </a:rPr>
-              <a:t>of resources</a:t>
-            </a:r>
-          </a:p>
-          <a:p>
-            <a:pPr marL="800100" lvl="1" indent="-342900">
-              <a:buClr>
-                <a:srgbClr val="000000"/>
-              </a:buClr>
-              <a:buSzPct val="100000"/>
-            </a:pPr>
-            <a:r>
-              <a:rPr lang="en-US" dirty="0" smtClean="0">
-                <a:solidFill>
-                  <a:schemeClr val="tx1">
-                    <a:lumMod val="65000"/>
-                    <a:lumOff val="35000"/>
-                  </a:schemeClr>
-                </a:solidFill>
-              </a:rPr>
-              <a:t>P</a:t>
-            </a:r>
-            <a:r>
-              <a:rPr lang="en-US" dirty="0" smtClean="0">
-                <a:solidFill>
-                  <a:schemeClr val="tx1">
-                    <a:lumMod val="65000"/>
-                    <a:lumOff val="35000"/>
-                  </a:schemeClr>
-                </a:solidFill>
-              </a:rPr>
-              <a:t>*: Conceptual </a:t>
-            </a:r>
-            <a:r>
-              <a:rPr lang="en-US" dirty="0" smtClean="0">
-                <a:solidFill>
-                  <a:schemeClr val="tx1">
-                    <a:lumMod val="65000"/>
-                    <a:lumOff val="35000"/>
-                  </a:schemeClr>
-                </a:solidFill>
-              </a:rPr>
-              <a:t>Model for Resources</a:t>
             </a:r>
           </a:p>
           <a:p>
@@ -2544,7 +4201,7 @@
           <a:p>
             <a:r>
               <a:rPr lang="en-US" dirty="0" smtClean="0"/>
-              <a:t>Summary</a:t>
+              <a:t>Outline</a:t>
             </a:r>
             <a:endParaRPr lang="en-US" dirty="0"/>
           </a:p>
@@ -2782,10 +4439,33 @@
             </a:lvl9pPr>
           </a:lstStyle>
           <a:p>
-            <a:pPr marL="344488" indent="-342900"/>
-            <a:r>
-              <a:rPr lang="en-US" sz="2000" dirty="0" smtClean="0"/>
-              <a:t>Role of Modeling (continued)</a:t>
+            <a:pPr marL="344488" indent="-342900">
+              <a:buClr>
+                <a:srgbClr val="000000"/>
+              </a:buClr>
+              <a:buSzPct val="100000"/>
+            </a:pPr>
+            <a:r>
+              <a:rPr lang="en-US" dirty="0" smtClean="0">
+                <a:solidFill>
+                  <a:schemeClr val="tx1">
+                    <a:lumMod val="65000"/>
+                    <a:lumOff val="35000"/>
+                  </a:schemeClr>
+                </a:solidFill>
+              </a:rPr>
+              <a:t>Role </a:t>
+            </a:r>
+            <a:r>
+              <a:rPr lang="en-US" dirty="0">
+                <a:solidFill>
+                  <a:schemeClr val="tx1">
+                    <a:lumMod val="65000"/>
+                    <a:lumOff val="35000"/>
+                  </a:schemeClr>
+                </a:solidFill>
+              </a:rPr>
+              <a:t>of Modeling</a:t>
             </a:r>
           </a:p>
           <a:p>
@@ -2804,7 +4484,113 @@
                   </a:schemeClr>
                 </a:solidFill>
               </a:rPr>
-              <a:t>F*: Analytical Model of resource federation/overlay</a:t>
+              <a:t>A* : Conceptual Model for Distributed Application</a:t>
+            </a:r>
+          </a:p>
+          <a:p>
+            <a:pPr marL="1208088" lvl="2" indent="-342900">
+              <a:buClr>
+                <a:srgbClr val="000000"/>
+              </a:buClr>
+              <a:buSzPct val="100000"/>
+            </a:pPr>
+            <a:r>
+              <a:rPr lang="en-US" dirty="0">
+                <a:solidFill>
+                  <a:schemeClr val="tx1">
+                    <a:lumMod val="65000"/>
+                    <a:lumOff val="35000"/>
+                  </a:schemeClr>
+                </a:solidFill>
+              </a:rPr>
+              <a:t>One of many different analytical models of an application</a:t>
+            </a:r>
+          </a:p>
+          <a:p>
+            <a:pPr marL="800100" lvl="1" indent="-342900">
+              <a:buClr>
+                <a:srgbClr val="000000"/>
+              </a:buClr>
+              <a:buSzPct val="100000"/>
+            </a:pPr>
+            <a:r>
+              <a:rPr lang="en-US" dirty="0">
+                <a:solidFill>
+                  <a:schemeClr val="tx1">
+                    <a:lumMod val="65000"/>
+                    <a:lumOff val="35000"/>
+                  </a:schemeClr>
+                </a:solidFill>
+              </a:rPr>
+              <a:t>W*: Analytical model of workload </a:t>
+            </a:r>
+          </a:p>
+          <a:p>
+            <a:pPr marL="1208088" lvl="2" indent="-342900">
+              <a:buClr>
+                <a:srgbClr val="000000"/>
+              </a:buClr>
+              <a:buSzPct val="100000"/>
+            </a:pPr>
+            <a:r>
+              <a:rPr lang="en-US" dirty="0">
+                <a:solidFill>
+                  <a:schemeClr val="tx1">
+                    <a:lumMod val="65000"/>
+                    <a:lumOff val="35000"/>
+                  </a:schemeClr>
+                </a:solidFill>
+              </a:rPr>
+              <a:t>Outputs concrete executable units, thus provides a measure of performance and prediction but independent of resources</a:t>
+            </a:r>
+          </a:p>
+          <a:p>
+            <a:pPr marL="800100" lvl="1" indent="-342900">
+              <a:buClr>
+                <a:srgbClr val="000000"/>
+              </a:buClr>
+              <a:buSzPct val="100000"/>
+            </a:pPr>
+            <a:r>
+              <a:rPr lang="en-US" dirty="0">
+                <a:solidFill>
+                  <a:schemeClr val="tx1">
+                    <a:lumMod val="65000"/>
+                    <a:lumOff val="35000"/>
+                  </a:schemeClr>
+                </a:solidFill>
+              </a:rPr>
+              <a:t>P*: Conceptual Model for Resources</a:t>
+            </a:r>
+          </a:p>
+          <a:p>
+            <a:pPr marL="800100" lvl="1" indent="-342900">
+              <a:buClr>
+                <a:srgbClr val="000000"/>
+              </a:buClr>
+              <a:buSzPct val="100000"/>
+            </a:pPr>
+            <a:r>
+              <a:rPr lang="en-US" dirty="0" smtClean="0">
+                <a:solidFill>
+                  <a:schemeClr val="tx1">
+                    <a:lumMod val="65000"/>
+                    <a:lumOff val="35000"/>
+                  </a:schemeClr>
+                </a:solidFill>
+              </a:rPr>
+              <a:t>F</a:t>
+            </a:r>
+            <a:r>
+              <a:rPr lang="en-US" dirty="0">
+                <a:solidFill>
+                  <a:schemeClr val="tx1">
+                    <a:lumMod val="65000"/>
+                    <a:lumOff val="35000"/>
+                  </a:schemeClr>
+                </a:solidFill>
+              </a:rPr>
+              <a:t>*: Analytical Model of resource federation/overlay</a:t>
             </a:r>
           </a:p>
           <a:p>
@@ -2932,52 +4718,6 @@
               <a:t>) R</a:t>
             </a:r>
             <a:endParaRPr lang="en-US" dirty="0" smtClean="0"/>
-          </a:p>
-          <a:p>
-            <a:pPr marL="344488" indent="-342900"/>
-            <a:r>
-              <a:rPr lang="en-US" sz="2000" dirty="0" smtClean="0"/>
-              <a:t>Role of Simulation</a:t>
-            </a:r>
-          </a:p>
-          <a:p>
-            <a:pPr marL="800100" lvl="1" indent="-342900"/>
-            <a:r>
-              <a:rPr lang="en-US" sz="1800" dirty="0" smtClean="0"/>
-              <a:t>If we federate a given set of resources {R} what is the performance we expect?</a:t>
-            </a:r>
-          </a:p>
-          <a:p>
-            <a:pPr marL="800100" lvl="1" indent="-342900"/>
-            <a:r>
-              <a:rPr lang="en-US" dirty="0" smtClean="0"/>
-              <a:t>If we want a capability [C], what is the set of resources {R} we need to get this [C] with well-defined probability </a:t>
-            </a:r>
-            <a:r>
-              <a:rPr lang="en-US" dirty="0" smtClean="0"/>
-              <a:t>distribution?</a:t>
-            </a:r>
-            <a:endParaRPr lang="en-US" dirty="0" smtClean="0"/>
-          </a:p>
-          <a:p>
-            <a:pPr marL="800100" lvl="1" indent="-342900"/>
-            <a:r>
-              <a:rPr lang="en-US" sz="1800" dirty="0" smtClean="0"/>
-              <a:t>Given an application model, what is the workload </a:t>
-            </a:r>
-            <a:r>
-              <a:rPr lang="en-US" sz="1800" dirty="0" smtClean="0"/>
-              <a:t>independent </a:t>
-            </a:r>
-            <a:r>
-              <a:rPr lang="en-US" sz="1800" dirty="0" smtClean="0"/>
-              <a:t>of the underlying </a:t>
-            </a:r>
-            <a:r>
-              <a:rPr lang="en-US" sz="1800" dirty="0" smtClean="0"/>
-              <a:t>resources?</a:t>
-            </a:r>
-            <a:endParaRPr lang="en-US" sz="1800" dirty="0" smtClean="0"/>
           </a:p>
         </p:txBody>
       </p:sp>
@@ -2998,6 +4738,962 @@
       </p:par>
     </p:tnLst>
   </p:timing>
+</p:sld>
+</file>
+
+<file path=ppt/slides/slide4.xml><?xml version="1.0" encoding="utf-8"?>
+<p:sld xmlns:a="http://schemas.openxmlformats.org/drawingml/2006/main" xmlns:r="http://schemas.openxmlformats.org/officeDocument/2006/relationships" xmlns:p="http://schemas.openxmlformats.org/presentationml/2006/main">
+  <p:cSld>
+    <p:spTree>
+      <p:nvGrpSpPr>
+        <p:cNvPr id="1" name=""/>
+        <p:cNvGrpSpPr/>
+        <p:nvPr/>
+      </p:nvGrpSpPr>
+      <p:grpSpPr>
+        <a:xfrm>
+          <a:off x="0" y="0"/>
+          <a:ext cx="0" cy="0"/>
+          <a:chOff x="0" y="0"/>
+          <a:chExt cx="0" cy="0"/>
+        </a:xfrm>
+      </p:grpSpPr>
+      <p:sp>
+        <p:nvSpPr>
+          <p:cNvPr id="2" name="Title 1"/>
+          <p:cNvSpPr>
+            <a:spLocks noGrp="1"/>
+          </p:cNvSpPr>
+          <p:nvPr>
+            <p:ph type="title"/>
+          </p:nvPr>
+        </p:nvSpPr>
+        <p:spPr/>
+        <p:txBody>
+          <a:bodyPr/>
+          <a:lstStyle/>
+          <a:p>
+            <a:r>
+              <a:rPr lang="en-US" dirty="0" smtClean="0"/>
+              <a:t>Outline</a:t>
+            </a:r>
+            <a:endParaRPr lang="en-US" dirty="0"/>
+          </a:p>
+        </p:txBody>
+      </p:sp>
+      <p:sp>
+        <p:nvSpPr>
+          <p:cNvPr id="3" name="Shape 72"/>
+          <p:cNvSpPr txBox="1">
+            <a:spLocks/>
+          </p:cNvSpPr>
+          <p:nvPr/>
+        </p:nvSpPr>
+        <p:spPr bwMode="auto">
+          <a:xfrm>
+            <a:off x="282231" y="786259"/>
+            <a:ext cx="8596312" cy="5281613"/>
+          </a:xfrm>
+          <a:prstGeom prst="rect">
+            <a:avLst/>
+          </a:prstGeom>
+          <a:noFill/>
+          <a:ln>
+            <a:noFill/>
+          </a:ln>
+          <a:extLst>
+            <a:ext uri="{909E8E84-426E-40dd-AFC4-6F175D3DCCD1}">
+              <a14:hiddenFill xmlns:a14="http://schemas.microsoft.com/office/drawing/2010/main">
+                <a:solidFill>
+                  <a:srgbClr val="FFFFFF"/>
+                </a:solidFill>
+              </a14:hiddenFill>
+            </a:ext>
+            <a:ext uri="{91240B29-F687-4f45-9708-019B960494DF}">
+              <a14:hiddenLine xmlns:a14="http://schemas.microsoft.com/office/drawing/2010/main" w="9525">
+                <a:solidFill>
+                  <a:srgbClr val="000000"/>
+                </a:solidFill>
+                <a:miter lim="800000"/>
+                <a:headEnd/>
+                <a:tailEnd/>
+              </a14:hiddenLine>
+            </a:ext>
+            <a:ext uri="{FAA26D3D-D897-4be2-8F04-BA451C77F1D7}">
+              <ma14:placeholderFlag xmlns:ma14="http://schemas.microsoft.com/office/mac/drawingml/2011/main" val="1"/>
+            </a:ext>
+          </a:extLst>
+        </p:spPr>
+        <p:txBody>
+          <a:bodyPr vert="horz" wrap="square" lIns="91425" tIns="91425" rIns="91425" bIns="91425" numCol="1" anchor="t" anchorCtr="0" compatLnSpc="1">
+            <a:prstTxWarp prst="textNoShape">
+              <a:avLst/>
+            </a:prstTxWarp>
+            <a:noAutofit/>
+          </a:bodyPr>
+          <a:lstStyle>
+            <a:lvl1pPr marL="227013" indent="-227013" algn="l" rtl="0" eaLnBrk="0" fontAlgn="base" hangingPunct="0">
+              <a:spcBef>
+                <a:spcPts val="1200"/>
+              </a:spcBef>
+              <a:spcAft>
+                <a:spcPct val="0"/>
+              </a:spcAft>
+              <a:buClr>
+                <a:schemeClr val="tx1">
+                  <a:lumMod val="95000"/>
+                  <a:lumOff val="5000"/>
+                </a:schemeClr>
+              </a:buClr>
+              <a:buChar char="•"/>
+              <a:tabLst/>
+              <a:defRPr sz="2000">
+                <a:solidFill>
+                  <a:schemeClr val="tx1">
+                    <a:lumMod val="95000"/>
+                    <a:lumOff val="5000"/>
+                  </a:schemeClr>
+                </a:solidFill>
+                <a:latin typeface="+mn-lt"/>
+                <a:ea typeface="ＭＳ Ｐゴシック" charset="-128"/>
+                <a:cs typeface="ＭＳ Ｐゴシック" charset="-128"/>
+              </a:defRPr>
+            </a:lvl1pPr>
+            <a:lvl2pPr marL="682625" indent="-225425" algn="l" rtl="0" eaLnBrk="0" fontAlgn="base" hangingPunct="0">
+              <a:spcBef>
+                <a:spcPct val="20000"/>
+              </a:spcBef>
+              <a:spcAft>
+                <a:spcPct val="0"/>
+              </a:spcAft>
+              <a:buClr>
+                <a:schemeClr val="tx1">
+                  <a:lumMod val="95000"/>
+                  <a:lumOff val="5000"/>
+                </a:schemeClr>
+              </a:buClr>
+              <a:buChar char="–"/>
+              <a:defRPr sz="1800">
+                <a:solidFill>
+                  <a:srgbClr val="5F5F5F"/>
+                </a:solidFill>
+                <a:latin typeface="+mn-lt"/>
+                <a:ea typeface="ＭＳ Ｐゴシック" charset="-128"/>
+              </a:defRPr>
+            </a:lvl2pPr>
+            <a:lvl3pPr marL="1090613" indent="-176213" algn="l" rtl="0" eaLnBrk="0" fontAlgn="base" hangingPunct="0">
+              <a:spcBef>
+                <a:spcPct val="20000"/>
+              </a:spcBef>
+              <a:spcAft>
+                <a:spcPct val="0"/>
+              </a:spcAft>
+              <a:buClr>
+                <a:schemeClr val="tx1">
+                  <a:lumMod val="95000"/>
+                  <a:lumOff val="5000"/>
+                </a:schemeClr>
+              </a:buClr>
+              <a:buChar char="•"/>
+              <a:defRPr sz="1800">
+                <a:solidFill>
+                  <a:srgbClr val="5F5F5F"/>
+                </a:solidFill>
+                <a:latin typeface="+mn-lt"/>
+                <a:ea typeface="ＭＳ Ｐゴシック" charset="-128"/>
+              </a:defRPr>
+            </a:lvl3pPr>
+            <a:lvl4pPr marL="1600200" indent="-228600" algn="l" rtl="0" eaLnBrk="0" fontAlgn="base" hangingPunct="0">
+              <a:spcBef>
+                <a:spcPct val="20000"/>
+              </a:spcBef>
+              <a:spcAft>
+                <a:spcPct val="0"/>
+              </a:spcAft>
+              <a:buClr>
+                <a:schemeClr val="tx1">
+                  <a:lumMod val="95000"/>
+                  <a:lumOff val="5000"/>
+                </a:schemeClr>
+              </a:buClr>
+              <a:buChar char="–"/>
+              <a:defRPr sz="1800">
+                <a:solidFill>
+                  <a:srgbClr val="5F5F5F"/>
+                </a:solidFill>
+                <a:latin typeface="+mn-lt"/>
+                <a:ea typeface="ＭＳ Ｐゴシック" charset="-128"/>
+              </a:defRPr>
+            </a:lvl4pPr>
+            <a:lvl5pPr marL="2000250" indent="-171450" algn="l" rtl="0" eaLnBrk="0" fontAlgn="base" hangingPunct="0">
+              <a:spcBef>
+                <a:spcPct val="20000"/>
+              </a:spcBef>
+              <a:spcAft>
+                <a:spcPct val="0"/>
+              </a:spcAft>
+              <a:buClr>
+                <a:schemeClr val="tx1">
+                  <a:lumMod val="95000"/>
+                  <a:lumOff val="5000"/>
+                </a:schemeClr>
+              </a:buClr>
+              <a:buChar char="»"/>
+              <a:defRPr sz="1800">
+                <a:solidFill>
+                  <a:srgbClr val="5F5F5F"/>
+                </a:solidFill>
+                <a:latin typeface="+mn-lt"/>
+                <a:ea typeface="ＭＳ Ｐゴシック" charset="-128"/>
+              </a:defRPr>
+            </a:lvl5pPr>
+            <a:lvl6pPr marL="2514600" indent="-228600" algn="l" rtl="0" fontAlgn="base">
+              <a:spcBef>
+                <a:spcPct val="20000"/>
+              </a:spcBef>
+              <a:spcAft>
+                <a:spcPct val="0"/>
+              </a:spcAft>
+              <a:buChar char="»"/>
+              <a:defRPr sz="1400">
+                <a:solidFill>
+                  <a:srgbClr val="5F5F5F"/>
+                </a:solidFill>
+                <a:latin typeface="+mn-lt"/>
+                <a:ea typeface="ＭＳ Ｐゴシック" charset="-128"/>
+              </a:defRPr>
+            </a:lvl6pPr>
+            <a:lvl7pPr marL="2971800" indent="-228600" algn="l" rtl="0" fontAlgn="base">
+              <a:spcBef>
+                <a:spcPct val="20000"/>
+              </a:spcBef>
+              <a:spcAft>
+                <a:spcPct val="0"/>
+              </a:spcAft>
+              <a:buChar char="»"/>
+              <a:defRPr sz="1400">
+                <a:solidFill>
+                  <a:srgbClr val="5F5F5F"/>
+                </a:solidFill>
+                <a:latin typeface="+mn-lt"/>
+                <a:ea typeface="ＭＳ Ｐゴシック" charset="-128"/>
+              </a:defRPr>
+            </a:lvl7pPr>
+            <a:lvl8pPr marL="3429000" indent="-228600" algn="l" rtl="0" fontAlgn="base">
+              <a:spcBef>
+                <a:spcPct val="20000"/>
+              </a:spcBef>
+              <a:spcAft>
+                <a:spcPct val="0"/>
+              </a:spcAft>
+              <a:buChar char="»"/>
+              <a:defRPr sz="1400">
+                <a:solidFill>
+                  <a:srgbClr val="5F5F5F"/>
+                </a:solidFill>
+                <a:latin typeface="+mn-lt"/>
+                <a:ea typeface="ＭＳ Ｐゴシック" charset="-128"/>
+              </a:defRPr>
+            </a:lvl8pPr>
+            <a:lvl9pPr marL="3886200" indent="-228600" algn="l" rtl="0" fontAlgn="base">
+              <a:spcBef>
+                <a:spcPct val="20000"/>
+              </a:spcBef>
+              <a:spcAft>
+                <a:spcPct val="0"/>
+              </a:spcAft>
+              <a:buChar char="»"/>
+              <a:defRPr sz="1400">
+                <a:solidFill>
+                  <a:srgbClr val="5F5F5F"/>
+                </a:solidFill>
+                <a:latin typeface="+mn-lt"/>
+                <a:ea typeface="ＭＳ Ｐゴシック" charset="-128"/>
+              </a:defRPr>
+            </a:lvl9pPr>
+          </a:lstStyle>
+          <a:p>
+            <a:pPr marL="344488" indent="-342900"/>
+            <a:r>
+              <a:rPr lang="en-US" sz="2000" dirty="0" smtClean="0"/>
+              <a:t>Role </a:t>
+            </a:r>
+            <a:r>
+              <a:rPr lang="en-US" sz="2000" dirty="0" smtClean="0"/>
+              <a:t>of Simulation</a:t>
+            </a:r>
+          </a:p>
+          <a:p>
+            <a:pPr marL="800100" lvl="1" indent="-342900"/>
+            <a:r>
+              <a:rPr lang="en-US" sz="1800" dirty="0" smtClean="0"/>
+              <a:t>If we federate a given set of resources {R} what is the performance we expect?</a:t>
+            </a:r>
+          </a:p>
+          <a:p>
+            <a:pPr marL="800100" lvl="1" indent="-342900"/>
+            <a:r>
+              <a:rPr lang="en-US" dirty="0" smtClean="0"/>
+              <a:t>If we want a capability [C], what is the set of resources {R} we need to get this [C] with well-defined probability </a:t>
+            </a:r>
+            <a:r>
+              <a:rPr lang="en-US" dirty="0" smtClean="0"/>
+              <a:t>distribution?</a:t>
+            </a:r>
+            <a:endParaRPr lang="en-US" dirty="0" smtClean="0"/>
+          </a:p>
+          <a:p>
+            <a:pPr marL="800100" lvl="1" indent="-342900"/>
+            <a:r>
+              <a:rPr lang="en-US" sz="1800" dirty="0" smtClean="0"/>
+              <a:t>Given an application model, what is the workload </a:t>
+            </a:r>
+            <a:r>
+              <a:rPr lang="en-US" sz="1800" dirty="0" smtClean="0"/>
+              <a:t>independent </a:t>
+            </a:r>
+            <a:r>
+              <a:rPr lang="en-US" sz="1800" dirty="0" smtClean="0"/>
+              <a:t>of the underlying </a:t>
+            </a:r>
+            <a:r>
+              <a:rPr lang="en-US" sz="1800" dirty="0" smtClean="0"/>
+              <a:t>resources?</a:t>
+            </a:r>
+            <a:endParaRPr lang="en-US" sz="1800" dirty="0" smtClean="0"/>
+          </a:p>
+        </p:txBody>
+      </p:sp>
+    </p:spTree>
+    <p:extLst>
+      <p:ext uri="{BB962C8B-B14F-4D97-AF65-F5344CB8AC3E}">
+        <p14:creationId xmlns:p14="http://schemas.microsoft.com/office/powerpoint/2010/main" val="100327289"/>
+      </p:ext>
+    </p:extLst>
+  </p:cSld>
+  <p:clrMapOvr>
+    <a:masterClrMapping/>
+  </p:clrMapOvr>
+  <p:timing>
+    <p:tnLst>
+      <p:par>
+        <p:cTn xmlns:p14="http://schemas.microsoft.com/office/powerpoint/2010/main" id="1" dur="indefinite" restart="never" nodeType="tmRoot"/>
+      </p:par>
+    </p:tnLst>
+  </p:timing>
+</p:sld>
+</file>
+
+<file path=ppt/slides/slide5.xml><?xml version="1.0" encoding="utf-8"?>
+<p:sld xmlns:a="http://schemas.openxmlformats.org/drawingml/2006/main" xmlns:r="http://schemas.openxmlformats.org/officeDocument/2006/relationships" xmlns:p="http://schemas.openxmlformats.org/presentationml/2006/main">
+  <p:cSld>
+    <p:spTree>
+      <p:nvGrpSpPr>
+        <p:cNvPr id="1" name="Shape 46"/>
+        <p:cNvGrpSpPr/>
+        <p:nvPr/>
+      </p:nvGrpSpPr>
+      <p:grpSpPr>
+        <a:xfrm>
+          <a:off x="0" y="0"/>
+          <a:ext cx="0" cy="0"/>
+          <a:chOff x="0" y="0"/>
+          <a:chExt cx="0" cy="0"/>
+        </a:xfrm>
+      </p:grpSpPr>
+      <p:sp>
+        <p:nvSpPr>
+          <p:cNvPr id="47" name="Shape 47"/>
+          <p:cNvSpPr txBox="1">
+            <a:spLocks noGrp="1"/>
+          </p:cNvSpPr>
+          <p:nvPr>
+            <p:ph type="title"/>
+          </p:nvPr>
+        </p:nvSpPr>
+        <p:spPr>
+          <a:prstGeom prst="rect">
+            <a:avLst/>
+          </a:prstGeom>
+        </p:spPr>
+        <p:txBody>
+          <a:bodyPr lIns="91425" tIns="91425" rIns="91425" bIns="91425" anchor="b" anchorCtr="0">
+            <a:noAutofit/>
+          </a:bodyPr>
+          <a:lstStyle/>
+          <a:p>
+            <a:pPr lvl="0" rtl="0">
+              <a:buNone/>
+            </a:pPr>
+            <a:r>
+              <a:rPr lang="en-US" dirty="0" smtClean="0"/>
+              <a:t>DEC </a:t>
+            </a:r>
+            <a:r>
+              <a:rPr lang="en" dirty="0" smtClean="0"/>
+              <a:t>Foundational </a:t>
+            </a:r>
+            <a:r>
+              <a:rPr lang="en-US" dirty="0" smtClean="0"/>
+              <a:t>Challenges</a:t>
+            </a:r>
+            <a:r>
+              <a:rPr lang="en" dirty="0"/>
+              <a:t>	</a:t>
+            </a:r>
+          </a:p>
+        </p:txBody>
+      </p:sp>
+      <p:sp>
+        <p:nvSpPr>
+          <p:cNvPr id="48" name="Shape 48"/>
+          <p:cNvSpPr txBox="1">
+            <a:spLocks noGrp="1"/>
+          </p:cNvSpPr>
+          <p:nvPr>
+            <p:ph idx="4294967295"/>
+          </p:nvPr>
+        </p:nvSpPr>
+        <p:spPr>
+          <a:xfrm>
+            <a:off x="282231" y="789713"/>
+            <a:ext cx="8715010" cy="5146675"/>
+          </a:xfrm>
+          <a:prstGeom prst="rect">
+            <a:avLst/>
+          </a:prstGeom>
+        </p:spPr>
+        <p:txBody>
+          <a:bodyPr lIns="91425" tIns="91425" rIns="91425" bIns="91425" anchor="t" anchorCtr="0">
+            <a:noAutofit/>
+          </a:bodyPr>
+          <a:lstStyle/>
+          <a:p>
+            <a:pPr>
+              <a:lnSpc>
+                <a:spcPct val="90000"/>
+              </a:lnSpc>
+            </a:pPr>
+            <a:r>
+              <a:rPr lang="en-US" dirty="0" smtClean="0"/>
+              <a:t>Distributed Computing Infrastructure:</a:t>
+            </a:r>
+          </a:p>
+          <a:p>
+            <a:pPr marL="912812" lvl="1" indent="-381000">
+              <a:lnSpc>
+                <a:spcPct val="90000"/>
+              </a:lnSpc>
+              <a:spcAft>
+                <a:spcPts val="1000"/>
+              </a:spcAft>
+            </a:pPr>
+            <a:r>
+              <a:rPr lang="en-US" sz="2000" dirty="0"/>
+              <a:t>Manage complexity and </a:t>
+            </a:r>
+            <a:r>
+              <a:rPr lang="en-US" sz="2000" dirty="0">
+                <a:solidFill>
+                  <a:srgbClr val="606060"/>
+                </a:solidFill>
+              </a:rPr>
+              <a:t>heterogeneity </a:t>
+            </a:r>
+            <a:r>
+              <a:rPr lang="en-US" sz="2000" dirty="0"/>
+              <a:t>of infrastructure </a:t>
+            </a:r>
+          </a:p>
+          <a:p>
+            <a:pPr marL="912812" lvl="1" indent="-381000">
+              <a:lnSpc>
+                <a:spcPct val="90000"/>
+              </a:lnSpc>
+              <a:spcAft>
+                <a:spcPts val="1000"/>
+              </a:spcAft>
+            </a:pPr>
+            <a:r>
+              <a:rPr lang="en-US" sz="2000" dirty="0" smtClean="0"/>
+              <a:t>Providing </a:t>
+            </a:r>
+            <a:r>
+              <a:rPr lang="en-US" sz="2000" dirty="0"/>
+              <a:t>capabilities</a:t>
+            </a:r>
+          </a:p>
+          <a:p>
+            <a:pPr marL="1320800" lvl="2" indent="-381000">
+              <a:lnSpc>
+                <a:spcPct val="90000"/>
+              </a:lnSpc>
+              <a:spcAft>
+                <a:spcPts val="1000"/>
+              </a:spcAft>
+            </a:pPr>
+            <a:r>
+              <a:rPr lang="en-US" sz="2000" dirty="0"/>
+              <a:t>What functional units, and how to compose f</a:t>
+            </a:r>
+            <a:r>
+              <a:rPr lang="en" sz="2000" dirty="0"/>
+              <a:t>unctionality</a:t>
+            </a:r>
+            <a:r>
+              <a:rPr lang="en-US" sz="2000" dirty="0"/>
+              <a:t>?</a:t>
+            </a:r>
+          </a:p>
+          <a:p>
+            <a:pPr marL="1320800" lvl="2" indent="-381000">
+              <a:lnSpc>
+                <a:spcPct val="90000"/>
+              </a:lnSpc>
+              <a:spcAft>
+                <a:spcPts val="1000"/>
+              </a:spcAft>
+            </a:pPr>
+            <a:r>
+              <a:rPr lang="en-US" sz="2000" dirty="0"/>
+              <a:t>Designing a federated system that scales </a:t>
+            </a:r>
+            <a:r>
+              <a:rPr lang="en" sz="2000" dirty="0"/>
+              <a:t>along </a:t>
+            </a:r>
+            <a:r>
+              <a:rPr lang="en-US" sz="2000" dirty="0"/>
+              <a:t>1 </a:t>
+            </a:r>
+            <a:r>
+              <a:rPr lang="en" sz="2000" dirty="0"/>
+              <a:t>dimension is relatively easy compared to scaling along </a:t>
+            </a:r>
+            <a:r>
+              <a:rPr lang="en-US" sz="2000" dirty="0"/>
+              <a:t>&gt;1 </a:t>
+            </a:r>
+            <a:r>
+              <a:rPr lang="en" sz="2000" dirty="0"/>
+              <a:t>dimensions</a:t>
+            </a:r>
+            <a:endParaRPr lang="en-US" sz="2000" dirty="0"/>
+          </a:p>
+          <a:p>
+            <a:pPr marL="912812" lvl="1" indent="-381000">
+              <a:lnSpc>
+                <a:spcPct val="90000"/>
+              </a:lnSpc>
+              <a:spcAft>
+                <a:spcPts val="1000"/>
+              </a:spcAft>
+            </a:pPr>
+            <a:r>
+              <a:rPr lang="en-US" sz="2000" dirty="0" smtClean="0"/>
+              <a:t>Federate</a:t>
+            </a:r>
+            <a:r>
+              <a:rPr lang="en" sz="2000" dirty="0" smtClean="0"/>
+              <a:t> </a:t>
+            </a:r>
+            <a:r>
+              <a:rPr lang="en" sz="2000" dirty="0" smtClean="0"/>
+              <a:t>diversified </a:t>
+            </a:r>
+            <a:r>
+              <a:rPr lang="en" sz="2000" dirty="0"/>
+              <a:t>set of </a:t>
+            </a:r>
+            <a:r>
+              <a:rPr lang="en" sz="2000" dirty="0" smtClean="0"/>
+              <a:t>resources</a:t>
+            </a:r>
+            <a:r>
+              <a:rPr lang="en-US" sz="2000" dirty="0" smtClean="0"/>
+              <a:t> at</a:t>
+            </a:r>
+            <a:r>
+              <a:rPr lang="en" sz="2000" dirty="0" smtClean="0"/>
+              <a:t> </a:t>
+            </a:r>
+            <a:r>
+              <a:rPr lang="en" sz="2000" dirty="0"/>
+              <a:t>multiple </a:t>
+            </a:r>
+            <a:r>
+              <a:rPr lang="en" sz="2000" dirty="0" smtClean="0"/>
+              <a:t>levels</a:t>
+            </a:r>
+            <a:endParaRPr lang="en-US" sz="2000" dirty="0" smtClean="0"/>
+          </a:p>
+          <a:p>
+            <a:pPr marL="1320800" lvl="2" indent="-381000">
+              <a:lnSpc>
+                <a:spcPct val="90000"/>
+              </a:lnSpc>
+              <a:spcAft>
+                <a:spcPts val="1000"/>
+              </a:spcAft>
+            </a:pPr>
+            <a:r>
+              <a:rPr lang="en-US" sz="2000" dirty="0" smtClean="0"/>
+              <a:t>How</a:t>
+            </a:r>
+            <a:r>
+              <a:rPr lang="en-US" sz="2000" dirty="0" smtClean="0"/>
+              <a:t>/when </a:t>
+            </a:r>
+            <a:r>
+              <a:rPr lang="en-US" sz="2000" dirty="0"/>
+              <a:t>to </a:t>
+            </a:r>
+            <a:r>
+              <a:rPr lang="en-US" sz="2000" dirty="0" smtClean="0"/>
+              <a:t>federate</a:t>
+            </a:r>
+            <a:r>
+              <a:rPr lang="en" sz="2000" dirty="0" smtClean="0"/>
+              <a:t> </a:t>
+            </a:r>
+            <a:r>
+              <a:rPr lang="en" sz="2000" dirty="0"/>
+              <a:t>leadership machines </a:t>
+            </a:r>
+            <a:r>
+              <a:rPr lang="en-US" sz="2000" dirty="0"/>
+              <a:t>with </a:t>
+            </a:r>
+            <a:r>
+              <a:rPr lang="en-US" sz="2000" dirty="0" smtClean="0"/>
+              <a:t>other </a:t>
+            </a:r>
+            <a:r>
+              <a:rPr lang="en" sz="2000" dirty="0" smtClean="0"/>
+              <a:t>less </a:t>
+            </a:r>
+            <a:r>
+              <a:rPr lang="en" sz="2000" dirty="0"/>
+              <a:t>powerful </a:t>
+            </a:r>
+            <a:r>
+              <a:rPr lang="en" sz="2000" dirty="0" smtClean="0"/>
+              <a:t>machines</a:t>
+            </a:r>
+            <a:r>
+              <a:rPr lang="en-US" sz="2000" dirty="0" smtClean="0"/>
+              <a:t>?</a:t>
+            </a:r>
+            <a:endParaRPr lang="en-US" sz="2000" dirty="0" smtClean="0"/>
+          </a:p>
+          <a:p>
+            <a:pPr marL="457200" indent="-381000">
+              <a:lnSpc>
+                <a:spcPct val="90000"/>
+              </a:lnSpc>
+              <a:spcAft>
+                <a:spcPts val="1000"/>
+              </a:spcAft>
+            </a:pPr>
+            <a:r>
+              <a:rPr lang="en-US" dirty="0" smtClean="0"/>
+              <a:t>Distributed </a:t>
+            </a:r>
+            <a:r>
+              <a:rPr lang="en-US" dirty="0" smtClean="0"/>
+              <a:t>Computing Applications</a:t>
+            </a:r>
+            <a:r>
+              <a:rPr lang="en-US" dirty="0"/>
+              <a:t>:</a:t>
+            </a:r>
+          </a:p>
+          <a:p>
+            <a:pPr lvl="1">
+              <a:lnSpc>
+                <a:spcPct val="90000"/>
+              </a:lnSpc>
+            </a:pPr>
+            <a:r>
+              <a:rPr lang="en" sz="2000" dirty="0"/>
+              <a:t>When and how to distribute</a:t>
+            </a:r>
+            <a:r>
+              <a:rPr lang="en-US" sz="2000" dirty="0"/>
+              <a:t>? What and where to distribute</a:t>
+            </a:r>
+            <a:r>
+              <a:rPr lang="en-US" sz="2000" dirty="0" smtClean="0"/>
+              <a:t>?</a:t>
+            </a:r>
+          </a:p>
+          <a:p>
+            <a:pPr lvl="1">
+              <a:lnSpc>
+                <a:spcPct val="90000"/>
+              </a:lnSpc>
+            </a:pPr>
+            <a:r>
+              <a:rPr lang="en-US" sz="2000" dirty="0" smtClean="0"/>
+              <a:t>Manage transition from static to adaptive </a:t>
+            </a:r>
+            <a:r>
+              <a:rPr lang="en-US" sz="2000" dirty="0"/>
+              <a:t>a</a:t>
+            </a:r>
+            <a:r>
+              <a:rPr lang="en-US" sz="2000" dirty="0" smtClean="0"/>
+              <a:t>pplications</a:t>
+            </a:r>
+            <a:endParaRPr lang="en-US" sz="2000" dirty="0"/>
+          </a:p>
+          <a:p>
+            <a:pPr marL="457200" lvl="1" indent="0">
+              <a:lnSpc>
+                <a:spcPct val="90000"/>
+              </a:lnSpc>
+              <a:buNone/>
+            </a:pPr>
+            <a:endParaRPr lang="en-US" sz="2000" dirty="0">
+              <a:solidFill>
+                <a:srgbClr val="606060"/>
+              </a:solidFill>
+            </a:endParaRPr>
+          </a:p>
+        </p:txBody>
+      </p:sp>
+    </p:spTree>
+    <p:extLst>
+      <p:ext uri="{BB962C8B-B14F-4D97-AF65-F5344CB8AC3E}">
+        <p14:creationId xmlns:p14="http://schemas.microsoft.com/office/powerpoint/2010/main" val="3725583216"/>
+      </p:ext>
+    </p:extLst>
+  </p:cSld>
+  <p:clrMapOvr>
+    <a:masterClrMapping/>
+  </p:clrMapOvr>
+  <p:transition xmlns:p14="http://schemas.microsoft.com/office/powerpoint/2010/main" spd="slow">
+    <p:cut/>
+  </p:transition>
+  <p:timing>
+    <p:tnLst>
+      <p:par>
+        <p:cTn xmlns:p14="http://schemas.microsoft.com/office/powerpoint/2010/main" id="1" dur="indefinite" restart="never" nodeType="tmRoot"/>
+      </p:par>
+    </p:tnLst>
+  </p:timing>
+</p:sld>
+</file>
+
+<file path=ppt/slides/slide6.xml><?xml version="1.0" encoding="utf-8"?>
+<p:sld xmlns:a="http://schemas.openxmlformats.org/drawingml/2006/main" xmlns:r="http://schemas.openxmlformats.org/officeDocument/2006/relationships" xmlns:p="http://schemas.openxmlformats.org/presentationml/2006/main">
+  <p:cSld>
+    <p:spTree>
+      <p:nvGrpSpPr>
+        <p:cNvPr id="1" name=""/>
+        <p:cNvGrpSpPr/>
+        <p:nvPr/>
+      </p:nvGrpSpPr>
+      <p:grpSpPr>
+        <a:xfrm>
+          <a:off x="0" y="0"/>
+          <a:ext cx="0" cy="0"/>
+          <a:chOff x="0" y="0"/>
+          <a:chExt cx="0" cy="0"/>
+        </a:xfrm>
+      </p:grpSpPr>
+      <p:sp>
+        <p:nvSpPr>
+          <p:cNvPr id="6" name="Title 5"/>
+          <p:cNvSpPr>
+            <a:spLocks noGrp="1"/>
+          </p:cNvSpPr>
+          <p:nvPr>
+            <p:ph type="title"/>
+          </p:nvPr>
+        </p:nvSpPr>
+        <p:spPr/>
+        <p:txBody>
+          <a:bodyPr/>
+          <a:lstStyle/>
+          <a:p>
+            <a:r>
+              <a:rPr lang="en-US" dirty="0" smtClean="0"/>
+              <a:t>NGMW Schematic</a:t>
+            </a:r>
+            <a:endParaRPr lang="en-US" dirty="0"/>
+          </a:p>
+        </p:txBody>
+      </p:sp>
+    </p:spTree>
+    <p:extLst>
+      <p:ext uri="{BB962C8B-B14F-4D97-AF65-F5344CB8AC3E}">
+        <p14:creationId xmlns:p14="http://schemas.microsoft.com/office/powerpoint/2010/main" val="3849951850"/>
+      </p:ext>
+    </p:extLst>
+  </p:cSld>
+  <p:clrMapOvr>
+    <a:masterClrMapping/>
+  </p:clrMapOvr>
+</p:sld>
+</file>
+
+<file path=ppt/slides/slide7.xml><?xml version="1.0" encoding="utf-8"?>
+<p:sld xmlns:a="http://schemas.openxmlformats.org/drawingml/2006/main" xmlns:r="http://schemas.openxmlformats.org/officeDocument/2006/relationships" xmlns:p="http://schemas.openxmlformats.org/presentationml/2006/main">
+  <p:cSld>
+    <p:spTree>
+      <p:nvGrpSpPr>
+        <p:cNvPr id="1" name=""/>
+        <p:cNvGrpSpPr/>
+        <p:nvPr/>
+      </p:nvGrpSpPr>
+      <p:grpSpPr>
+        <a:xfrm>
+          <a:off x="0" y="0"/>
+          <a:ext cx="0" cy="0"/>
+          <a:chOff x="0" y="0"/>
+          <a:chExt cx="0" cy="0"/>
+        </a:xfrm>
+      </p:grpSpPr>
+      <p:sp>
+        <p:nvSpPr>
+          <p:cNvPr id="2" name="Title 1"/>
+          <p:cNvSpPr>
+            <a:spLocks noGrp="1"/>
+          </p:cNvSpPr>
+          <p:nvPr>
+            <p:ph type="title"/>
+          </p:nvPr>
+        </p:nvSpPr>
+        <p:spPr/>
+        <p:txBody>
+          <a:bodyPr/>
+          <a:lstStyle/>
+          <a:p>
+            <a:r>
+              <a:rPr lang="en-US" dirty="0" smtClean="0"/>
+              <a:t>A*</a:t>
+            </a:r>
+            <a:endParaRPr lang="en-US" dirty="0"/>
+          </a:p>
+        </p:txBody>
+      </p:sp>
+    </p:spTree>
+    <p:extLst>
+      <p:ext uri="{BB962C8B-B14F-4D97-AF65-F5344CB8AC3E}">
+        <p14:creationId xmlns:p14="http://schemas.microsoft.com/office/powerpoint/2010/main" val="844055193"/>
+      </p:ext>
+    </p:extLst>
+  </p:cSld>
+  <p:clrMapOvr>
+    <a:masterClrMapping/>
+  </p:clrMapOvr>
+</p:sld>
+</file>
+
+<file path=ppt/slides/slide8.xml><?xml version="1.0" encoding="utf-8"?>
+<p:sld xmlns:a="http://schemas.openxmlformats.org/drawingml/2006/main" xmlns:r="http://schemas.openxmlformats.org/officeDocument/2006/relationships" xmlns:p="http://schemas.openxmlformats.org/presentationml/2006/main">
+  <p:cSld>
+    <p:spTree>
+      <p:nvGrpSpPr>
+        <p:cNvPr id="1" name=""/>
+        <p:cNvGrpSpPr/>
+        <p:nvPr/>
+      </p:nvGrpSpPr>
+      <p:grpSpPr>
+        <a:xfrm>
+          <a:off x="0" y="0"/>
+          <a:ext cx="0" cy="0"/>
+          <a:chOff x="0" y="0"/>
+          <a:chExt cx="0" cy="0"/>
+        </a:xfrm>
+      </p:grpSpPr>
+      <p:sp>
+        <p:nvSpPr>
+          <p:cNvPr id="2" name="Title 1"/>
+          <p:cNvSpPr>
+            <a:spLocks noGrp="1"/>
+          </p:cNvSpPr>
+          <p:nvPr>
+            <p:ph type="title"/>
+          </p:nvPr>
+        </p:nvSpPr>
+        <p:spPr/>
+        <p:txBody>
+          <a:bodyPr/>
+          <a:lstStyle/>
+          <a:p>
+            <a:r>
+              <a:rPr lang="en-US" dirty="0" smtClean="0"/>
+              <a:t>W*</a:t>
+            </a:r>
+            <a:endParaRPr lang="en-US" dirty="0"/>
+          </a:p>
+        </p:txBody>
+      </p:sp>
+    </p:spTree>
+    <p:extLst>
+      <p:ext uri="{BB962C8B-B14F-4D97-AF65-F5344CB8AC3E}">
+        <p14:creationId xmlns:p14="http://schemas.microsoft.com/office/powerpoint/2010/main" val="2346183925"/>
+      </p:ext>
+    </p:extLst>
+  </p:cSld>
+  <p:clrMapOvr>
+    <a:masterClrMapping/>
+  </p:clrMapOvr>
+</p:sld>
+</file>
+
+<file path=ppt/slides/slide9.xml><?xml version="1.0" encoding="utf-8"?>
+<p:sld xmlns:a="http://schemas.openxmlformats.org/drawingml/2006/main" xmlns:r="http://schemas.openxmlformats.org/officeDocument/2006/relationships" xmlns:p="http://schemas.openxmlformats.org/presentationml/2006/main">
+  <p:cSld>
+    <p:spTree>
+      <p:nvGrpSpPr>
+        <p:cNvPr id="1" name=""/>
+        <p:cNvGrpSpPr/>
+        <p:nvPr/>
+      </p:nvGrpSpPr>
+      <p:grpSpPr>
+        <a:xfrm>
+          <a:off x="0" y="0"/>
+          <a:ext cx="0" cy="0"/>
+          <a:chOff x="0" y="0"/>
+          <a:chExt cx="0" cy="0"/>
+        </a:xfrm>
+      </p:grpSpPr>
+      <p:sp>
+        <p:nvSpPr>
+          <p:cNvPr id="2" name="Title 1"/>
+          <p:cNvSpPr>
+            <a:spLocks noGrp="1"/>
+          </p:cNvSpPr>
+          <p:nvPr>
+            <p:ph type="title"/>
+          </p:nvPr>
+        </p:nvSpPr>
+        <p:spPr/>
+        <p:txBody>
+          <a:bodyPr/>
+          <a:lstStyle/>
+          <a:p>
+            <a:r>
+              <a:rPr lang="en-US" dirty="0" smtClean="0"/>
+              <a:t>P* </a:t>
+            </a:r>
+            <a:endParaRPr lang="en-US" dirty="0"/>
+          </a:p>
+        </p:txBody>
+      </p:sp>
+    </p:spTree>
+    <p:extLst>
+      <p:ext uri="{BB962C8B-B14F-4D97-AF65-F5344CB8AC3E}">
+        <p14:creationId xmlns:p14="http://schemas.microsoft.com/office/powerpoint/2010/main" val="2772051994"/>
+      </p:ext>
+    </p:extLst>
+  </p:cSld>
+  <p:clrMapOvr>
+    <a:masterClrMapping/>
+  </p:clrMapOvr>
 </p:sld>
 </file>
 

--- a/presentations/radical-modsim.pptx
+++ b/presentations/radical-modsim.pptx
@@ -5,7 +5,7 @@
     <p:sldMasterId id="2147483656" r:id="rId1"/>
   </p:sldMasterIdLst>
   <p:notesMasterIdLst>
-    <p:notesMasterId r:id="rId15"/>
+    <p:notesMasterId r:id="rId16"/>
   </p:notesMasterIdLst>
   <p:sldIdLst>
     <p:sldId id="256" r:id="rId2"/>
@@ -17,10 +17,11 @@
     <p:sldId id="285" r:id="rId8"/>
     <p:sldId id="286" r:id="rId9"/>
     <p:sldId id="287" r:id="rId10"/>
-    <p:sldId id="288" r:id="rId11"/>
-    <p:sldId id="289" r:id="rId12"/>
-    <p:sldId id="284" r:id="rId13"/>
-    <p:sldId id="282" r:id="rId14"/>
+    <p:sldId id="292" r:id="rId11"/>
+    <p:sldId id="288" r:id="rId12"/>
+    <p:sldId id="289" r:id="rId13"/>
+    <p:sldId id="284" r:id="rId14"/>
+    <p:sldId id="282" r:id="rId15"/>
   </p:sldIdLst>
   <p:sldSz cx="9144000" cy="6858000" type="screen4x3"/>
   <p:notesSz cx="6858000" cy="9144000"/>
@@ -2832,8 +2833,41 @@
           <a:p>
             <a:r>
               <a:rPr lang="en-US" dirty="0" smtClean="0"/>
-              <a:t>F*</a:t>
-            </a:r>
+              <a:t>I* </a:t>
+            </a:r>
+            <a:endParaRPr lang="en-US" dirty="0"/>
+          </a:p>
+        </p:txBody>
+      </p:sp>
+      <p:sp>
+        <p:nvSpPr>
+          <p:cNvPr id="3" name="Content Placeholder 2"/>
+          <p:cNvSpPr>
+            <a:spLocks noGrp="1"/>
+          </p:cNvSpPr>
+          <p:nvPr>
+            <p:ph idx="1"/>
+          </p:nvPr>
+        </p:nvSpPr>
+        <p:spPr/>
+        <p:txBody>
+          <a:bodyPr/>
+          <a:lstStyle/>
+          <a:p>
+            <a:r>
+              <a:rPr lang="en-US" dirty="0" smtClean="0"/>
+              <a:t>Analytical Model of Infrastructure</a:t>
+            </a:r>
+          </a:p>
+          <a:p>
+            <a:pPr lvl="1"/>
+            <a:r>
+              <a:rPr lang="en-US" dirty="0" smtClean="0"/>
+              <a:t>Based upon a set of capabilities exposed by that infrastructure, without regards to its internal properties</a:t>
+            </a:r>
+          </a:p>
+          <a:p>
+            <a:pPr lvl="1"/>
             <a:endParaRPr lang="en-US" dirty="0"/>
           </a:p>
         </p:txBody>
@@ -2841,7 +2875,7 @@
     </p:spTree>
     <p:extLst>
       <p:ext uri="{BB962C8B-B14F-4D97-AF65-F5344CB8AC3E}">
-        <p14:creationId xmlns:p14="http://schemas.microsoft.com/office/powerpoint/2010/main" val="4271741218"/>
+        <p14:creationId xmlns:p14="http://schemas.microsoft.com/office/powerpoint/2010/main" val="1832354515"/>
       </p:ext>
     </p:extLst>
   </p:cSld>
@@ -2885,6 +2919,59 @@
           <a:p>
             <a:r>
               <a:rPr lang="en-US" dirty="0" smtClean="0"/>
+              <a:t>F*</a:t>
+            </a:r>
+            <a:endParaRPr lang="en-US" dirty="0"/>
+          </a:p>
+        </p:txBody>
+      </p:sp>
+    </p:spTree>
+    <p:extLst>
+      <p:ext uri="{BB962C8B-B14F-4D97-AF65-F5344CB8AC3E}">
+        <p14:creationId xmlns:p14="http://schemas.microsoft.com/office/powerpoint/2010/main" val="4271741218"/>
+      </p:ext>
+    </p:extLst>
+  </p:cSld>
+  <p:clrMapOvr>
+    <a:masterClrMapping/>
+  </p:clrMapOvr>
+</p:sld>
+</file>
+
+<file path=ppt/slides/slide12.xml><?xml version="1.0" encoding="utf-8"?>
+<p:sld xmlns:a="http://schemas.openxmlformats.org/drawingml/2006/main" xmlns:r="http://schemas.openxmlformats.org/officeDocument/2006/relationships" xmlns:p="http://schemas.openxmlformats.org/presentationml/2006/main">
+  <p:cSld>
+    <p:spTree>
+      <p:nvGrpSpPr>
+        <p:cNvPr id="1" name=""/>
+        <p:cNvGrpSpPr/>
+        <p:nvPr/>
+      </p:nvGrpSpPr>
+      <p:grpSpPr>
+        <a:xfrm>
+          <a:off x="0" y="0"/>
+          <a:ext cx="0" cy="0"/>
+          <a:chOff x="0" y="0"/>
+          <a:chExt cx="0" cy="0"/>
+        </a:xfrm>
+      </p:grpSpPr>
+      <p:sp>
+        <p:nvSpPr>
+          <p:cNvPr id="2" name="Title 1"/>
+          <p:cNvSpPr>
+            <a:spLocks noGrp="1"/>
+          </p:cNvSpPr>
+          <p:nvPr>
+            <p:ph type="title"/>
+          </p:nvPr>
+        </p:nvSpPr>
+        <p:spPr/>
+        <p:txBody>
+          <a:bodyPr/>
+          <a:lstStyle/>
+          <a:p>
+            <a:r>
+              <a:rPr lang="en-US" dirty="0" smtClean="0"/>
               <a:t>*.* : Putting it together</a:t>
             </a:r>
             <a:endParaRPr lang="en-US" dirty="0"/>
@@ -2904,7 +2991,7 @@
 </p:sld>
 </file>
 
-<file path=ppt/slides/slide12.xml><?xml version="1.0" encoding="utf-8"?>
+<file path=ppt/slides/slide13.xml><?xml version="1.0" encoding="utf-8"?>
 <p:sld xmlns:a="http://schemas.openxmlformats.org/drawingml/2006/main" xmlns:r="http://schemas.openxmlformats.org/officeDocument/2006/relationships" xmlns:p="http://schemas.openxmlformats.org/presentationml/2006/main">
   <p:cSld>
     <p:spTree>
@@ -2947,15 +3034,7 @@
             </a:pPr>
             <a:r>
               <a:rPr lang="en-US" dirty="0" smtClean="0"/>
-              <a:t>Modelin</a:t>
-            </a:r>
-            <a:r>
-              <a:rPr lang="en-US" dirty="0" smtClean="0"/>
-              <a:t>g </a:t>
-            </a:r>
-            <a:r>
-              <a:rPr lang="en-US" dirty="0" smtClean="0"/>
-              <a:t>Challenges</a:t>
+              <a:t>Modeling Challenges</a:t>
             </a:r>
             <a:r>
               <a:rPr lang="en" dirty="0"/>
@@ -3000,6 +3079,29 @@
             </a:r>
           </a:p>
           <a:p>
+            <a:pPr lvl="1">
+              <a:lnSpc>
+                <a:spcPct val="90000"/>
+              </a:lnSpc>
+            </a:pPr>
+            <a:r>
+              <a:rPr lang="en-US" dirty="0" smtClean="0"/>
+              <a:t>Different model of varying specificity</a:t>
+            </a:r>
+          </a:p>
+          <a:p>
+            <a:pPr lvl="1">
+              <a:lnSpc>
+                <a:spcPct val="90000"/>
+              </a:lnSpc>
+            </a:pPr>
+            <a:r>
+              <a:rPr lang="en-US" dirty="0" smtClean="0"/>
+              <a:t>Some are analytical, some are conceptual </a:t>
+            </a:r>
+            <a:endParaRPr lang="en-US" dirty="0" smtClean="0"/>
+          </a:p>
+          <a:p>
             <a:pPr>
               <a:lnSpc>
                 <a:spcPct val="90000"/>
@@ -3020,6 +3122,7 @@
               <a:rPr lang="en-US" dirty="0" smtClean="0"/>
               <a:t>Heterogeneity</a:t>
             </a:r>
+            <a:endParaRPr lang="en-US" dirty="0" smtClean="0"/>
           </a:p>
           <a:p>
             <a:pPr lvl="1">
@@ -3029,11 +3132,7 @@
             </a:pPr>
             <a:r>
               <a:rPr lang="en-US" dirty="0" smtClean="0"/>
-              <a:t>Federating heterogeneous </a:t>
-            </a:r>
-            <a:r>
-              <a:rPr lang="en-US" dirty="0" smtClean="0"/>
-              <a:t>distributed infrastructure</a:t>
+              <a:t>Federating heterogeneous distributed infrastructure</a:t>
             </a:r>
           </a:p>
           <a:p>
@@ -3091,7 +3190,7 @@
 </p:sld>
 </file>
 
-<file path=ppt/slides/slide13.xml><?xml version="1.0" encoding="utf-8"?>
+<file path=ppt/slides/slide14.xml><?xml version="1.0" encoding="utf-8"?>
 <p:sld xmlns:a="http://schemas.openxmlformats.org/drawingml/2006/main" xmlns:r="http://schemas.openxmlformats.org/officeDocument/2006/relationships" xmlns:p="http://schemas.openxmlformats.org/presentationml/2006/main">
   <p:cSld>
     <p:spTree>
@@ -3284,15 +3383,7 @@
                   <a:srgbClr val="000000"/>
                 </a:solidFill>
               </a:rPr>
-              <a:t> for adaptiv</a:t>
-            </a:r>
-            <a:r>
-              <a:rPr lang="en-US" dirty="0" smtClean="0">
-                <a:solidFill>
-                  <a:srgbClr val="000000"/>
-                </a:solidFill>
-              </a:rPr>
-              <a:t>e applications</a:t>
+              <a:t> for adaptive applications</a:t>
             </a:r>
             <a:endParaRPr lang="en" dirty="0">
               <a:solidFill>
@@ -4055,18 +4146,7 @@
                   </a:schemeClr>
                 </a:solidFill>
               </a:rPr>
-              <a:t>tline </a:t>
-            </a:r>
-            <a:r>
-              <a:rPr lang="en-US" sz="2000" dirty="0" smtClean="0">
-                <a:solidFill>
-                  <a:schemeClr val="tx1">
-                    <a:lumMod val="65000"/>
-                    <a:lumOff val="35000"/>
-                  </a:schemeClr>
-                </a:solidFill>
-              </a:rPr>
-              <a:t>NGMW</a:t>
+              <a:t>tline NGMW</a:t>
             </a:r>
             <a:endParaRPr lang="en-US" sz="1800" dirty="0">
               <a:solidFill>
@@ -4116,18 +4196,7 @@
                   </a:schemeClr>
                 </a:solidFill>
               </a:rPr>
-              <a:t>Support </a:t>
-            </a:r>
-            <a:r>
-              <a:rPr lang="en-US" dirty="0" smtClean="0">
-                <a:solidFill>
-                  <a:schemeClr val="tx1">
-                    <a:lumMod val="65000"/>
-                    <a:lumOff val="35000"/>
-                  </a:schemeClr>
-                </a:solidFill>
-              </a:rPr>
-              <a:t>for Adaptive Applications and Dynamic Resources</a:t>
+              <a:t>Support for Adaptive Applications and Dynamic Resources</a:t>
             </a:r>
           </a:p>
           <a:p>
@@ -4654,19 +4723,7 @@
             <a:pPr marL="800100" lvl="1" indent="-342900"/>
             <a:r>
               <a:rPr lang="en-US" sz="1800" dirty="0" smtClean="0"/>
-              <a:t>[</a:t>
-            </a:r>
-            <a:r>
-              <a:rPr lang="en-US" sz="1800" dirty="0" smtClean="0"/>
-              <a:t>A</a:t>
-            </a:r>
-            <a:r>
-              <a:rPr lang="en-US" sz="1800" dirty="0" smtClean="0"/>
-              <a:t>*, </a:t>
-            </a:r>
-            <a:r>
-              <a:rPr lang="en-US" sz="1800" dirty="0" smtClean="0"/>
-              <a:t>W* ]</a:t>
+              <a:t>[A*, W* ]</a:t>
             </a:r>
             <a:r>
               <a:rPr lang="en-US" dirty="0"/>
@@ -4674,26 +4731,14 @@
             </a:r>
             <a:r>
               <a:rPr lang="en-US" dirty="0" smtClean="0"/>
-              <a:t>and [P*, F*</a:t>
-            </a:r>
+              <a:t>and [P*, F*]</a:t>
+            </a:r>
+          </a:p>
+          <a:p>
+            <a:pPr marL="1208088" lvl="2" indent="-342900"/>
             <a:r>
               <a:rPr lang="en-US" dirty="0" smtClean="0"/>
-              <a:t>]</a:t>
-            </a:r>
-          </a:p>
-          <a:p>
-            <a:pPr marL="1208088" lvl="2" indent="-342900"/>
-            <a:r>
-              <a:rPr lang="en-US" dirty="0" smtClean="0"/>
-              <a:t>A specific instance of A*, is subject to a transformation T which converts into executable units that have </a:t>
-            </a:r>
-            <a:r>
-              <a:rPr lang="en-US" dirty="0" smtClean="0"/>
-              <a:t>performance </a:t>
-            </a:r>
-            <a:r>
-              <a:rPr lang="en-US" dirty="0" smtClean="0"/>
-              <a:t>requirements</a:t>
+              <a:t>A specific instance of A*, is subject to a transformation T which converts into executable units that have performance requirements</a:t>
             </a:r>
           </a:p>
           <a:p>
@@ -4717,7 +4762,6 @@
               <a:rPr lang="en-US" dirty="0" smtClean="0"/>
               <a:t>) R</a:t>
             </a:r>
-            <a:endParaRPr lang="en-US" dirty="0" smtClean="0"/>
           </a:p>
         </p:txBody>
       </p:sp>
@@ -5016,11 +5060,7 @@
             <a:pPr marL="344488" indent="-342900"/>
             <a:r>
               <a:rPr lang="en-US" sz="2000" dirty="0" smtClean="0"/>
-              <a:t>Role </a:t>
-            </a:r>
-            <a:r>
-              <a:rPr lang="en-US" sz="2000" dirty="0" smtClean="0"/>
-              <a:t>of Simulation</a:t>
+              <a:t>Role of Simulation</a:t>
             </a:r>
           </a:p>
           <a:p>
@@ -5034,33 +5074,15 @@
             <a:pPr marL="800100" lvl="1" indent="-342900"/>
             <a:r>
               <a:rPr lang="en-US" dirty="0" smtClean="0"/>
-              <a:t>If we want a capability [C], what is the set of resources {R} we need to get this [C] with well-defined probability </a:t>
-            </a:r>
-            <a:r>
-              <a:rPr lang="en-US" dirty="0" smtClean="0"/>
-              <a:t>distribution?</a:t>
-            </a:r>
-            <a:endParaRPr lang="en-US" dirty="0" smtClean="0"/>
+              <a:t>If we want a capability [C], what is the set of resources {R} we need to get this [C] with well-defined probability distribution?</a:t>
+            </a:r>
           </a:p>
           <a:p>
             <a:pPr marL="800100" lvl="1" indent="-342900"/>
             <a:r>
               <a:rPr lang="en-US" sz="1800" dirty="0" smtClean="0"/>
-              <a:t>Given an application model, what is the workload </a:t>
-            </a:r>
-            <a:r>
-              <a:rPr lang="en-US" sz="1800" dirty="0" smtClean="0"/>
-              <a:t>independent </a:t>
-            </a:r>
-            <a:r>
-              <a:rPr lang="en-US" sz="1800" dirty="0" smtClean="0"/>
-              <a:t>of the underlying </a:t>
-            </a:r>
-            <a:r>
-              <a:rPr lang="en-US" sz="1800" dirty="0" smtClean="0"/>
-              <a:t>resources?</a:t>
-            </a:r>
-            <a:endParaRPr lang="en-US" sz="1800" dirty="0" smtClean="0"/>
+              <a:t>Given an application model, what is the workload independent of the underlying resources?</a:t>
+            </a:r>
           </a:p>
         </p:txBody>
       </p:sp>
@@ -5295,11 +5317,7 @@
             </a:r>
             <a:r>
               <a:rPr lang="en" sz="2000" dirty="0" smtClean="0"/>
-              <a:t> </a:t>
-            </a:r>
-            <a:r>
-              <a:rPr lang="en" sz="2000" dirty="0" smtClean="0"/>
-              <a:t>diversified </a:t>
+              <a:t> diversified </a:t>
             </a:r>
             <a:r>
               <a:rPr lang="en" sz="2000" dirty="0"/>
@@ -5338,11 +5356,7 @@
             </a:pPr>
             <a:r>
               <a:rPr lang="en-US" sz="2000" dirty="0" smtClean="0"/>
-              <a:t>How</a:t>
-            </a:r>
-            <a:r>
-              <a:rPr lang="en-US" sz="2000" dirty="0" smtClean="0"/>
-              <a:t>/when </a:t>
+              <a:t>How/when </a:t>
             </a:r>
             <a:r>
               <a:rPr lang="en-US" sz="2000" dirty="0"/>
@@ -5384,7 +5398,6 @@
               <a:rPr lang="en-US" sz="2000" dirty="0" smtClean="0"/>
               <a:t>?</a:t>
             </a:r>
-            <a:endParaRPr lang="en-US" sz="2000" dirty="0" smtClean="0"/>
           </a:p>
           <a:p>
             <a:pPr marL="457200" indent="-381000">
@@ -5397,11 +5410,7 @@
             </a:pPr>
             <a:r>
               <a:rPr lang="en-US" dirty="0" smtClean="0"/>
-              <a:t>Distributed </a:t>
-            </a:r>
-            <a:r>
-              <a:rPr lang="en-US" dirty="0" smtClean="0"/>
-              <a:t>Computing Applications</a:t>
+              <a:t>Distributed Computing Applications</a:t>
             </a:r>
             <a:r>
               <a:rPr lang="en-US" dirty="0"/>

--- a/presentations/radical-modsim.pptx
+++ b/presentations/radical-modsim.pptx
@@ -5,23 +5,24 @@
     <p:sldMasterId id="2147483656" r:id="rId1"/>
   </p:sldMasterIdLst>
   <p:notesMasterIdLst>
-    <p:notesMasterId r:id="rId16"/>
+    <p:notesMasterId r:id="rId17"/>
   </p:notesMasterIdLst>
   <p:sldIdLst>
     <p:sldId id="256" r:id="rId2"/>
     <p:sldId id="269" r:id="rId3"/>
-    <p:sldId id="281" r:id="rId4"/>
-    <p:sldId id="291" r:id="rId5"/>
+    <p:sldId id="293" r:id="rId4"/>
+    <p:sldId id="290" r:id="rId5"/>
     <p:sldId id="283" r:id="rId6"/>
-    <p:sldId id="290" r:id="rId7"/>
-    <p:sldId id="285" r:id="rId8"/>
-    <p:sldId id="286" r:id="rId9"/>
-    <p:sldId id="287" r:id="rId10"/>
-    <p:sldId id="292" r:id="rId11"/>
-    <p:sldId id="288" r:id="rId12"/>
-    <p:sldId id="289" r:id="rId13"/>
-    <p:sldId id="284" r:id="rId14"/>
-    <p:sldId id="282" r:id="rId15"/>
+    <p:sldId id="281" r:id="rId7"/>
+    <p:sldId id="291" r:id="rId8"/>
+    <p:sldId id="285" r:id="rId9"/>
+    <p:sldId id="286" r:id="rId10"/>
+    <p:sldId id="287" r:id="rId11"/>
+    <p:sldId id="292" r:id="rId12"/>
+    <p:sldId id="288" r:id="rId13"/>
+    <p:sldId id="289" r:id="rId14"/>
+    <p:sldId id="284" r:id="rId15"/>
+    <p:sldId id="282" r:id="rId16"/>
   </p:sldIdLst>
   <p:sldSz cx="9144000" cy="6858000" type="screen4x3"/>
   <p:notesSz cx="6858000" cy="9144000"/>
@@ -1014,9 +1015,14 @@
               <a:buNone/>
             </a:pPr>
             <a:r>
-              <a:rPr lang="en"/>
-              <a:t>factor in uniformity in resources</a:t>
-            </a:r>
+              <a:rPr lang="en-US" dirty="0" smtClean="0"/>
+              <a:t>This should expand</a:t>
+            </a:r>
+            <a:r>
+              <a:rPr lang="en-US" baseline="0" dirty="0" smtClean="0"/>
+              <a:t> each of the points in DEC foundational challenges</a:t>
+            </a:r>
+            <a:endParaRPr lang="en" dirty="0"/>
           </a:p>
         </p:txBody>
       </p:sp>
@@ -2833,41 +2839,8 @@
           <a:p>
             <a:r>
               <a:rPr lang="en-US" dirty="0" smtClean="0"/>
-              <a:t>I* </a:t>
-            </a:r>
-            <a:endParaRPr lang="en-US" dirty="0"/>
-          </a:p>
-        </p:txBody>
-      </p:sp>
-      <p:sp>
-        <p:nvSpPr>
-          <p:cNvPr id="3" name="Content Placeholder 2"/>
-          <p:cNvSpPr>
-            <a:spLocks noGrp="1"/>
-          </p:cNvSpPr>
-          <p:nvPr>
-            <p:ph idx="1"/>
-          </p:nvPr>
-        </p:nvSpPr>
-        <p:spPr/>
-        <p:txBody>
-          <a:bodyPr/>
-          <a:lstStyle/>
-          <a:p>
-            <a:r>
-              <a:rPr lang="en-US" dirty="0" smtClean="0"/>
-              <a:t>Analytical Model of Infrastructure</a:t>
-            </a:r>
-          </a:p>
-          <a:p>
-            <a:pPr lvl="1"/>
-            <a:r>
-              <a:rPr lang="en-US" dirty="0" smtClean="0"/>
-              <a:t>Based upon a set of capabilities exposed by that infrastructure, without regards to its internal properties</a:t>
-            </a:r>
-          </a:p>
-          <a:p>
-            <a:pPr lvl="1"/>
+              <a:t>P* </a:t>
+            </a:r>
             <a:endParaRPr lang="en-US" dirty="0"/>
           </a:p>
         </p:txBody>
@@ -2875,7 +2848,7 @@
     </p:spTree>
     <p:extLst>
       <p:ext uri="{BB962C8B-B14F-4D97-AF65-F5344CB8AC3E}">
-        <p14:creationId xmlns:p14="http://schemas.microsoft.com/office/powerpoint/2010/main" val="1832354515"/>
+        <p14:creationId xmlns:p14="http://schemas.microsoft.com/office/powerpoint/2010/main" val="2772051994"/>
       </p:ext>
     </p:extLst>
   </p:cSld>
@@ -2919,8 +2892,41 @@
           <a:p>
             <a:r>
               <a:rPr lang="en-US" dirty="0" smtClean="0"/>
-              <a:t>F*</a:t>
-            </a:r>
+              <a:t>I* </a:t>
+            </a:r>
+            <a:endParaRPr lang="en-US" dirty="0"/>
+          </a:p>
+        </p:txBody>
+      </p:sp>
+      <p:sp>
+        <p:nvSpPr>
+          <p:cNvPr id="3" name="Content Placeholder 2"/>
+          <p:cNvSpPr>
+            <a:spLocks noGrp="1"/>
+          </p:cNvSpPr>
+          <p:nvPr>
+            <p:ph idx="1"/>
+          </p:nvPr>
+        </p:nvSpPr>
+        <p:spPr/>
+        <p:txBody>
+          <a:bodyPr/>
+          <a:lstStyle/>
+          <a:p>
+            <a:r>
+              <a:rPr lang="en-US" dirty="0" smtClean="0"/>
+              <a:t>Analytical Model of Infrastructure</a:t>
+            </a:r>
+          </a:p>
+          <a:p>
+            <a:pPr lvl="1"/>
+            <a:r>
+              <a:rPr lang="en-US" dirty="0" smtClean="0"/>
+              <a:t>Based upon a set of capabilities exposed by that infrastructure, without regards to its internal properties</a:t>
+            </a:r>
+          </a:p>
+          <a:p>
+            <a:pPr lvl="1"/>
             <a:endParaRPr lang="en-US" dirty="0"/>
           </a:p>
         </p:txBody>
@@ -2928,7 +2934,7 @@
     </p:spTree>
     <p:extLst>
       <p:ext uri="{BB962C8B-B14F-4D97-AF65-F5344CB8AC3E}">
-        <p14:creationId xmlns:p14="http://schemas.microsoft.com/office/powerpoint/2010/main" val="4271741218"/>
+        <p14:creationId xmlns:p14="http://schemas.microsoft.com/office/powerpoint/2010/main" val="1832354515"/>
       </p:ext>
     </p:extLst>
   </p:cSld>
@@ -2972,6 +2978,59 @@
           <a:p>
             <a:r>
               <a:rPr lang="en-US" dirty="0" smtClean="0"/>
+              <a:t>F*</a:t>
+            </a:r>
+            <a:endParaRPr lang="en-US" dirty="0"/>
+          </a:p>
+        </p:txBody>
+      </p:sp>
+    </p:spTree>
+    <p:extLst>
+      <p:ext uri="{BB962C8B-B14F-4D97-AF65-F5344CB8AC3E}">
+        <p14:creationId xmlns:p14="http://schemas.microsoft.com/office/powerpoint/2010/main" val="4271741218"/>
+      </p:ext>
+    </p:extLst>
+  </p:cSld>
+  <p:clrMapOvr>
+    <a:masterClrMapping/>
+  </p:clrMapOvr>
+</p:sld>
+</file>
+
+<file path=ppt/slides/slide13.xml><?xml version="1.0" encoding="utf-8"?>
+<p:sld xmlns:a="http://schemas.openxmlformats.org/drawingml/2006/main" xmlns:r="http://schemas.openxmlformats.org/officeDocument/2006/relationships" xmlns:p="http://schemas.openxmlformats.org/presentationml/2006/main">
+  <p:cSld>
+    <p:spTree>
+      <p:nvGrpSpPr>
+        <p:cNvPr id="1" name=""/>
+        <p:cNvGrpSpPr/>
+        <p:nvPr/>
+      </p:nvGrpSpPr>
+      <p:grpSpPr>
+        <a:xfrm>
+          <a:off x="0" y="0"/>
+          <a:ext cx="0" cy="0"/>
+          <a:chOff x="0" y="0"/>
+          <a:chExt cx="0" cy="0"/>
+        </a:xfrm>
+      </p:grpSpPr>
+      <p:sp>
+        <p:nvSpPr>
+          <p:cNvPr id="2" name="Title 1"/>
+          <p:cNvSpPr>
+            <a:spLocks noGrp="1"/>
+          </p:cNvSpPr>
+          <p:nvPr>
+            <p:ph type="title"/>
+          </p:nvPr>
+        </p:nvSpPr>
+        <p:spPr/>
+        <p:txBody>
+          <a:bodyPr/>
+          <a:lstStyle/>
+          <a:p>
+            <a:r>
+              <a:rPr lang="en-US" dirty="0" smtClean="0"/>
               <a:t>*.* : Putting it together</a:t>
             </a:r>
             <a:endParaRPr lang="en-US" dirty="0"/>
@@ -2991,7 +3050,7 @@
 </p:sld>
 </file>
 
-<file path=ppt/slides/slide13.xml><?xml version="1.0" encoding="utf-8"?>
+<file path=ppt/slides/slide14.xml><?xml version="1.0" encoding="utf-8"?>
 <p:sld xmlns:a="http://schemas.openxmlformats.org/drawingml/2006/main" xmlns:r="http://schemas.openxmlformats.org/officeDocument/2006/relationships" xmlns:p="http://schemas.openxmlformats.org/presentationml/2006/main">
   <p:cSld>
     <p:spTree>
@@ -3075,7 +3134,30 @@
             </a:pPr>
             <a:r>
               <a:rPr lang="en-US" dirty="0" smtClean="0"/>
-              <a:t>Granularity</a:t>
+              <a:t>Overarching Challenge: How does modeling </a:t>
+            </a:r>
+            <a:r>
+              <a:rPr lang="en-US" dirty="0" smtClean="0"/>
+              <a:t>DEC couple to and synergize with HPC </a:t>
+            </a:r>
+            <a:r>
+              <a:rPr lang="en-US" dirty="0" err="1" smtClean="0"/>
+              <a:t>exascale</a:t>
+            </a:r>
+            <a:r>
+              <a:rPr lang="en-US" dirty="0" smtClean="0"/>
+              <a:t> modeling efforts?</a:t>
+            </a:r>
+          </a:p>
+          <a:p>
+            <a:pPr>
+              <a:lnSpc>
+                <a:spcPct val="90000"/>
+              </a:lnSpc>
+            </a:pPr>
+            <a:r>
+              <a:rPr lang="en-US" dirty="0" smtClean="0"/>
+              <a:t>Operational Challenges: </a:t>
             </a:r>
           </a:p>
           <a:p>
@@ -3086,7 +3168,30 @@
             </a:pPr>
             <a:r>
               <a:rPr lang="en-US" dirty="0" smtClean="0"/>
+              <a:t>Granularity</a:t>
+            </a:r>
+            <a:endParaRPr lang="en-US" dirty="0" smtClean="0"/>
+          </a:p>
+          <a:p>
+            <a:pPr lvl="2">
+              <a:lnSpc>
+                <a:spcPct val="90000"/>
+              </a:lnSpc>
+            </a:pPr>
+            <a:r>
+              <a:rPr lang="en-US" dirty="0" smtClean="0"/>
               <a:t>Different model of varying specificity</a:t>
+            </a:r>
+          </a:p>
+          <a:p>
+            <a:pPr lvl="2">
+              <a:lnSpc>
+                <a:spcPct val="90000"/>
+              </a:lnSpc>
+            </a:pPr>
+            <a:r>
+              <a:rPr lang="en-US" dirty="0" smtClean="0"/>
+              <a:t>Some are analytical, some are conceptual </a:t>
             </a:r>
           </a:p>
           <a:p>
@@ -3097,35 +3202,66 @@
             </a:pPr>
             <a:r>
               <a:rPr lang="en-US" dirty="0" smtClean="0"/>
-              <a:t>Some are analytical, some are conceptual </a:t>
-            </a:r>
-            <a:endParaRPr lang="en-US" dirty="0" smtClean="0"/>
-          </a:p>
-          <a:p>
-            <a:pPr>
+              <a:t>Multi-</a:t>
+            </a:r>
+            <a:r>
+              <a:rPr lang="en-US" dirty="0" smtClean="0"/>
+              <a:t>scale</a:t>
+            </a:r>
+          </a:p>
+          <a:p>
+            <a:pPr lvl="2">
               <a:lnSpc>
                 <a:spcPct val="90000"/>
               </a:lnSpc>
             </a:pPr>
             <a:r>
               <a:rPr lang="en-US" dirty="0" smtClean="0"/>
-              <a:t>Multi-scale</a:t>
-            </a:r>
-          </a:p>
-          <a:p>
-            <a:pPr>
+              <a:t>Macroscopic versus microscopic consequences</a:t>
+            </a:r>
+          </a:p>
+          <a:p>
+            <a:pPr lvl="1">
               <a:lnSpc>
                 <a:spcPct val="90000"/>
               </a:lnSpc>
             </a:pPr>
             <a:r>
               <a:rPr lang="en-US" dirty="0" smtClean="0"/>
+              <a:t>Many possible parameters</a:t>
+            </a:r>
+            <a:r>
+              <a:rPr lang="en-US" dirty="0" smtClean="0"/>
+              <a:t>, which should be used?</a:t>
+            </a:r>
+            <a:endParaRPr lang="en-US" dirty="0" smtClean="0"/>
+          </a:p>
+          <a:p>
+            <a:pPr lvl="2">
+              <a:lnSpc>
+                <a:spcPct val="90000"/>
+              </a:lnSpc>
+            </a:pPr>
+            <a:r>
+              <a:rPr lang="en-US" dirty="0" smtClean="0"/>
+              <a:t>Linking models that reason using different parameters, e.g., energy considerations may not play a role at large-scale distribution	</a:t>
+            </a:r>
+            <a:endParaRPr lang="en-US" dirty="0" smtClean="0"/>
+          </a:p>
+          <a:p>
+            <a:pPr lvl="1">
+              <a:lnSpc>
+                <a:spcPct val="90000"/>
+              </a:lnSpc>
+            </a:pPr>
+            <a:r>
+              <a:rPr lang="en-US" dirty="0" smtClean="0"/>
               <a:t>Heterogeneity</a:t>
             </a:r>
             <a:endParaRPr lang="en-US" dirty="0" smtClean="0"/>
           </a:p>
           <a:p>
-            <a:pPr lvl="1">
+            <a:pPr lvl="2">
               <a:lnSpc>
                 <a:spcPct val="90000"/>
               </a:lnSpc>
@@ -3190,7 +3326,7 @@
 </p:sld>
 </file>
 
-<file path=ppt/slides/slide14.xml><?xml version="1.0" encoding="utf-8"?>
+<file path=ppt/slides/slide15.xml><?xml version="1.0" encoding="utf-8"?>
 <p:sld xmlns:a="http://schemas.openxmlformats.org/drawingml/2006/main" xmlns:r="http://schemas.openxmlformats.org/officeDocument/2006/relationships" xmlns:p="http://schemas.openxmlformats.org/presentationml/2006/main">
   <p:cSld>
     <p:spTree>
@@ -3232,6 +3368,10 @@
               <a:buNone/>
             </a:pPr>
             <a:r>
+              <a:rPr lang="en-US" dirty="0" smtClean="0"/>
+              <a:t>NGMW </a:t>
+            </a:r>
+            <a:r>
               <a:rPr lang="en" dirty="0" smtClean="0"/>
               <a:t>Research </a:t>
             </a:r>
@@ -3446,6 +3586,150 @@
               </a:rPr>
               <a:t>?</a:t>
             </a:r>
+          </a:p>
+          <a:p>
+            <a:pPr>
+              <a:lnSpc>
+                <a:spcPct val="115000"/>
+              </a:lnSpc>
+              <a:spcBef>
+                <a:spcPts val="500"/>
+              </a:spcBef>
+              <a:buClr>
+                <a:srgbClr val="000000"/>
+              </a:buClr>
+              <a:buSzPct val="55000"/>
+              <a:buNone/>
+            </a:pPr>
+            <a:r>
+              <a:rPr lang="en-US" dirty="0">
+                <a:solidFill>
+                  <a:srgbClr val="000000"/>
+                </a:solidFill>
+              </a:rPr>
+              <a:t>	</a:t>
+            </a:r>
+            <a:r>
+              <a:rPr lang="en-US" dirty="0">
+                <a:solidFill>
+                  <a:schemeClr val="tx1">
+                    <a:lumMod val="65000"/>
+                    <a:lumOff val="35000"/>
+                  </a:schemeClr>
+                </a:solidFill>
+              </a:rPr>
+              <a:t>Combination of r</a:t>
+            </a:r>
+            <a:r>
+              <a:rPr lang="en" dirty="0">
+                <a:solidFill>
+                  <a:schemeClr val="tx1">
+                    <a:lumMod val="65000"/>
+                    <a:lumOff val="35000"/>
+                  </a:schemeClr>
+                </a:solidFill>
+              </a:rPr>
+              <a:t>eason</a:t>
+            </a:r>
+            <a:r>
+              <a:rPr lang="en-US" dirty="0" err="1">
+                <a:solidFill>
+                  <a:schemeClr val="tx1">
+                    <a:lumMod val="65000"/>
+                    <a:lumOff val="35000"/>
+                  </a:schemeClr>
+                </a:solidFill>
+              </a:rPr>
+              <a:t>ing</a:t>
+            </a:r>
+            <a:r>
+              <a:rPr lang="en-US" dirty="0">
+                <a:solidFill>
+                  <a:schemeClr val="tx1">
+                    <a:lumMod val="65000"/>
+                    <a:lumOff val="35000"/>
+                  </a:schemeClr>
+                </a:solidFill>
+              </a:rPr>
+              <a:t> (</a:t>
+            </a:r>
+            <a:r>
+              <a:rPr lang="en" dirty="0">
+                <a:solidFill>
+                  <a:schemeClr val="tx1">
+                    <a:lumMod val="65000"/>
+                    <a:lumOff val="35000"/>
+                  </a:schemeClr>
+                </a:solidFill>
+              </a:rPr>
+              <a:t>across possible </a:t>
+            </a:r>
+            <a:r>
+              <a:rPr lang="en-US" dirty="0">
+                <a:solidFill>
+                  <a:schemeClr val="tx1">
+                    <a:lumMod val="65000"/>
+                    <a:lumOff val="35000"/>
+                  </a:schemeClr>
+                </a:solidFill>
+              </a:rPr>
+              <a:t>configurations)</a:t>
+            </a:r>
+            <a:r>
+              <a:rPr lang="en" dirty="0">
+                <a:solidFill>
+                  <a:schemeClr val="tx1">
+                    <a:lumMod val="65000"/>
+                    <a:lumOff val="35000"/>
+                  </a:schemeClr>
+                </a:solidFill>
+              </a:rPr>
+              <a:t> and </a:t>
+            </a:r>
+            <a:r>
+              <a:rPr lang="en-US" dirty="0">
+                <a:solidFill>
+                  <a:schemeClr val="tx1">
+                    <a:lumMod val="65000"/>
+                    <a:lumOff val="35000"/>
+                  </a:schemeClr>
+                </a:solidFill>
+              </a:rPr>
+              <a:t>flexible </a:t>
+            </a:r>
+            <a:r>
+              <a:rPr lang="en" dirty="0">
+                <a:solidFill>
+                  <a:schemeClr val="tx1">
+                    <a:lumMod val="65000"/>
+                    <a:lumOff val="35000"/>
+                  </a:schemeClr>
+                </a:solidFill>
+              </a:rPr>
+              <a:t>federat</a:t>
+            </a:r>
+            <a:r>
+              <a:rPr lang="en-US" dirty="0">
+                <a:solidFill>
+                  <a:schemeClr val="tx1">
+                    <a:lumMod val="65000"/>
+                    <a:lumOff val="35000"/>
+                  </a:schemeClr>
+                </a:solidFill>
+              </a:rPr>
+              <a:t>ion </a:t>
+            </a:r>
+            <a:r>
+              <a:rPr lang="en-US" dirty="0" smtClean="0">
+                <a:solidFill>
+                  <a:schemeClr val="tx1">
+                    <a:lumMod val="65000"/>
+                    <a:lumOff val="35000"/>
+                  </a:schemeClr>
+                </a:solidFill>
+              </a:rPr>
+              <a:t>points</a:t>
+            </a:r>
             <a:endParaRPr lang="en" dirty="0" smtClean="0">
               <a:solidFill>
                 <a:srgbClr val="000000"/>
@@ -3639,139 +3923,6 @@
                 </a:schemeClr>
               </a:solidFill>
             </a:endParaRPr>
-          </a:p>
-          <a:p>
-            <a:pPr marL="742950" indent="-285750">
-              <a:lnSpc>
-                <a:spcPct val="115000"/>
-              </a:lnSpc>
-              <a:spcBef>
-                <a:spcPts val="400"/>
-              </a:spcBef>
-              <a:buFont typeface="Arial"/>
-              <a:buChar char="•"/>
-            </a:pPr>
-            <a:r>
-              <a:rPr lang="en-US" dirty="0" smtClean="0">
-                <a:solidFill>
-                  <a:schemeClr val="tx1">
-                    <a:lumMod val="65000"/>
-                    <a:lumOff val="35000"/>
-                  </a:schemeClr>
-                </a:solidFill>
-              </a:rPr>
-              <a:t>Combination of r</a:t>
-            </a:r>
-            <a:r>
-              <a:rPr lang="en" dirty="0" smtClean="0">
-                <a:solidFill>
-                  <a:schemeClr val="tx1">
-                    <a:lumMod val="65000"/>
-                    <a:lumOff val="35000"/>
-                  </a:schemeClr>
-                </a:solidFill>
-              </a:rPr>
-              <a:t>eason</a:t>
-            </a:r>
-            <a:r>
-              <a:rPr lang="en-US" dirty="0" err="1" smtClean="0">
-                <a:solidFill>
-                  <a:schemeClr val="tx1">
-                    <a:lumMod val="65000"/>
-                    <a:lumOff val="35000"/>
-                  </a:schemeClr>
-                </a:solidFill>
-              </a:rPr>
-              <a:t>ing</a:t>
-            </a:r>
-            <a:r>
-              <a:rPr lang="en-US" dirty="0" smtClean="0">
-                <a:solidFill>
-                  <a:schemeClr val="tx1">
-                    <a:lumMod val="65000"/>
-                    <a:lumOff val="35000"/>
-                  </a:schemeClr>
-                </a:solidFill>
-              </a:rPr>
-              <a:t> (</a:t>
-            </a:r>
-            <a:r>
-              <a:rPr lang="en" dirty="0" smtClean="0">
-                <a:solidFill>
-                  <a:schemeClr val="tx1">
-                    <a:lumMod val="65000"/>
-                    <a:lumOff val="35000"/>
-                  </a:schemeClr>
-                </a:solidFill>
-              </a:rPr>
-              <a:t>across possible </a:t>
-            </a:r>
-            <a:r>
-              <a:rPr lang="en-US" dirty="0" smtClean="0">
-                <a:solidFill>
-                  <a:schemeClr val="tx1">
-                    <a:lumMod val="65000"/>
-                    <a:lumOff val="35000"/>
-                  </a:schemeClr>
-                </a:solidFill>
-              </a:rPr>
-              <a:t>configurations)</a:t>
-            </a:r>
-            <a:r>
-              <a:rPr lang="en" dirty="0" smtClean="0">
-                <a:solidFill>
-                  <a:schemeClr val="tx1">
-                    <a:lumMod val="65000"/>
-                    <a:lumOff val="35000"/>
-                  </a:schemeClr>
-                </a:solidFill>
-              </a:rPr>
-              <a:t> and </a:t>
-            </a:r>
-            <a:r>
-              <a:rPr lang="en-US" dirty="0" smtClean="0">
-                <a:solidFill>
-                  <a:schemeClr val="tx1">
-                    <a:lumMod val="65000"/>
-                    <a:lumOff val="35000"/>
-                  </a:schemeClr>
-                </a:solidFill>
-              </a:rPr>
-              <a:t>flexible </a:t>
-            </a:r>
-            <a:r>
-              <a:rPr lang="en" dirty="0" smtClean="0">
-                <a:solidFill>
-                  <a:schemeClr val="tx1">
-                    <a:lumMod val="65000"/>
-                    <a:lumOff val="35000"/>
-                  </a:schemeClr>
-                </a:solidFill>
-              </a:rPr>
-              <a:t>federat</a:t>
-            </a:r>
-            <a:r>
-              <a:rPr lang="en-US" dirty="0" smtClean="0">
-                <a:solidFill>
-                  <a:schemeClr val="tx1">
-                    <a:lumMod val="65000"/>
-                    <a:lumOff val="35000"/>
-                  </a:schemeClr>
-                </a:solidFill>
-              </a:rPr>
-              <a:t>ion points to a role for next-generation </a:t>
-            </a:r>
-            <a:r>
-              <a:rPr lang="en" dirty="0" smtClean="0">
-                <a:solidFill>
-                  <a:schemeClr val="tx1">
-                    <a:lumMod val="65000"/>
-                    <a:lumOff val="35000"/>
-                  </a:schemeClr>
-                </a:solidFill>
-              </a:rPr>
-              <a:t>middleware </a:t>
-            </a:r>
           </a:p>
           <a:p>
             <a:pPr lvl="0" rtl="0">
@@ -4018,7 +4169,7 @@
               <a:buSzPct val="100000"/>
             </a:pPr>
             <a:r>
-              <a:rPr lang="en-US" sz="2000" dirty="0" smtClean="0">
+              <a:rPr lang="en-US" sz="1800" dirty="0" smtClean="0">
                 <a:solidFill>
                   <a:schemeClr val="tx1">
                     <a:lumMod val="65000"/>
@@ -4029,7 +4180,7 @@
               <a:t>Why Distributed </a:t>
             </a:r>
             <a:r>
-              <a:rPr lang="en-US" sz="2000" dirty="0" err="1" smtClean="0">
+              <a:rPr lang="en-US" sz="1800" dirty="0" err="1" smtClean="0">
                 <a:solidFill>
                   <a:schemeClr val="tx1">
                     <a:lumMod val="65000"/>
@@ -4040,7 +4191,7 @@
               <a:t>Exascale</a:t>
             </a:r>
             <a:r>
-              <a:rPr lang="en-US" sz="2000" dirty="0" smtClean="0">
+              <a:rPr lang="en-US" sz="1800" dirty="0" smtClean="0">
                 <a:solidFill>
                   <a:schemeClr val="tx1">
                     <a:lumMod val="65000"/>
@@ -4059,7 +4210,7 @@
               <a:buSzPct val="100000"/>
             </a:pPr>
             <a:r>
-              <a:rPr lang="en-US" sz="1800" dirty="0" smtClean="0">
+              <a:rPr lang="en-US" dirty="0" smtClean="0">
                 <a:solidFill>
                   <a:schemeClr val="tx1">
                     <a:lumMod val="65000"/>
@@ -4068,6 +4219,63 @@
                 </a:solidFill>
               </a:rPr>
               <a:t>Explain it is complementary to traditional EC</a:t>
+            </a:r>
+          </a:p>
+          <a:p>
+            <a:pPr marL="227013" lvl="1" indent="-227013">
+              <a:spcBef>
+                <a:spcPts val="1200"/>
+              </a:spcBef>
+              <a:buClr>
+                <a:srgbClr val="000000"/>
+              </a:buClr>
+              <a:buSzPct val="100000"/>
+              <a:buFontTx/>
+              <a:buChar char="•"/>
+            </a:pPr>
+            <a:r>
+              <a:rPr lang="en-US" dirty="0">
+                <a:solidFill>
+                  <a:schemeClr val="tx1">
+                    <a:lumMod val="65000"/>
+                    <a:lumOff val="35000"/>
+                  </a:schemeClr>
+                </a:solidFill>
+              </a:rPr>
+              <a:t>The case for </a:t>
+            </a:r>
+            <a:r>
+              <a:rPr lang="en-US" dirty="0" smtClean="0">
+                <a:solidFill>
+                  <a:schemeClr val="tx1">
+                    <a:lumMod val="65000"/>
+                    <a:lumOff val="35000"/>
+                  </a:schemeClr>
+                </a:solidFill>
+              </a:rPr>
+              <a:t>NGMW: </a:t>
+            </a:r>
+            <a:r>
+              <a:rPr lang="en-US" dirty="0" smtClean="0">
+                <a:solidFill>
+                  <a:schemeClr val="tx1">
+                    <a:lumMod val="65000"/>
+                    <a:lumOff val="35000"/>
+                  </a:schemeClr>
+                </a:solidFill>
+              </a:rPr>
+              <a:t>Why </a:t>
+            </a:r>
+            <a:r>
+              <a:rPr lang="en-US" dirty="0" smtClean="0">
+                <a:solidFill>
+                  <a:schemeClr val="tx1">
+                    <a:lumMod val="65000"/>
+                    <a:lumOff val="35000"/>
+                  </a:schemeClr>
+                </a:solidFill>
+              </a:rPr>
+              <a:t>current approaches to DEC wont work!?</a:t>
             </a:r>
           </a:p>
           <a:p>
@@ -4078,7 +4286,7 @@
               <a:buSzPct val="100000"/>
             </a:pPr>
             <a:r>
-              <a:rPr lang="en-US" sz="2000" dirty="0" smtClean="0">
+              <a:rPr lang="en-US" sz="1800" dirty="0" smtClean="0">
                 <a:solidFill>
                   <a:schemeClr val="tx1">
                     <a:lumMod val="65000"/>
@@ -4086,67 +4294,7 @@
                   </a:schemeClr>
                 </a:solidFill>
               </a:rPr>
-              <a:t>Why current approaches to DEC wont work!?</a:t>
-            </a:r>
-          </a:p>
-          <a:p>
-            <a:pPr lvl="1">
-              <a:buClr>
-                <a:srgbClr val="000000"/>
-              </a:buClr>
-              <a:buSzPct val="100000"/>
-            </a:pPr>
-            <a:r>
-              <a:rPr lang="en-US" dirty="0" smtClean="0">
-                <a:solidFill>
-                  <a:schemeClr val="tx1">
-                    <a:lumMod val="65000"/>
-                    <a:lumOff val="35000"/>
-                  </a:schemeClr>
-                </a:solidFill>
-              </a:rPr>
-              <a:t>The case for NGMW</a:t>
-            </a:r>
-          </a:p>
-          <a:p>
-            <a:pPr>
-              <a:buClr>
-                <a:srgbClr val="000000"/>
-              </a:buClr>
-              <a:buSzPct val="100000"/>
-            </a:pPr>
-            <a:r>
-              <a:rPr lang="en-US" sz="2000" dirty="0" smtClean="0">
-                <a:solidFill>
-                  <a:schemeClr val="tx1">
-                    <a:lumMod val="65000"/>
-                    <a:lumOff val="35000"/>
-                  </a:schemeClr>
-                </a:solidFill>
-              </a:rPr>
-              <a:t>Discuss and </a:t>
-            </a:r>
-            <a:r>
-              <a:rPr lang="en-US" dirty="0" smtClean="0">
-                <a:solidFill>
-                  <a:schemeClr val="tx1">
-                    <a:lumMod val="65000"/>
-                    <a:lumOff val="35000"/>
-                  </a:schemeClr>
-                </a:solidFill>
-              </a:rPr>
-              <a:t>ou</a:t>
-            </a:r>
-            <a:r>
-              <a:rPr lang="en-US" sz="2000" dirty="0" smtClean="0">
-                <a:solidFill>
-                  <a:schemeClr val="tx1">
-                    <a:lumMod val="65000"/>
-                    <a:lumOff val="35000"/>
-                  </a:schemeClr>
-                </a:solidFill>
-              </a:rPr>
-              <a:t>tline NGMW</a:t>
+              <a:t>Design considerations for NGMW</a:t>
             </a:r>
             <a:endParaRPr lang="en-US" sz="1800" dirty="0">
               <a:solidFill>
@@ -4196,18 +4344,224 @@
                   </a:schemeClr>
                 </a:solidFill>
               </a:rPr>
-              <a:t>Support for Adaptive Applications and Dynamic Resources</a:t>
-            </a:r>
-          </a:p>
-          <a:p>
-            <a:pPr marL="457200" lvl="1" indent="0">
+              <a:t>Integrated (multi-level) support </a:t>
+            </a:r>
+            <a:r>
+              <a:rPr lang="en-US" dirty="0" smtClean="0">
+                <a:solidFill>
+                  <a:schemeClr val="tx1">
+                    <a:lumMod val="65000"/>
+                    <a:lumOff val="35000"/>
+                  </a:schemeClr>
+                </a:solidFill>
+              </a:rPr>
+              <a:t>for Adaptive Applications and Dynamic </a:t>
+            </a:r>
+            <a:r>
+              <a:rPr lang="en-US" dirty="0" smtClean="0">
+                <a:solidFill>
+                  <a:schemeClr val="tx1">
+                    <a:lumMod val="65000"/>
+                    <a:lumOff val="35000"/>
+                  </a:schemeClr>
+                </a:solidFill>
+              </a:rPr>
+              <a:t>Resource Management</a:t>
+            </a:r>
+          </a:p>
+          <a:p>
+            <a:pPr marL="344488" indent="-342900">
               <a:buClr>
                 <a:srgbClr val="000000"/>
               </a:buClr>
               <a:buSzPct val="100000"/>
-              <a:buNone/>
             </a:pPr>
-            <a:endParaRPr lang="en-US" sz="1800" dirty="0" smtClean="0">
+            <a:r>
+              <a:rPr lang="en-US" sz="1800" dirty="0" smtClean="0">
+                <a:solidFill>
+                  <a:schemeClr val="tx1">
+                    <a:lumMod val="65000"/>
+                    <a:lumOff val="35000"/>
+                  </a:schemeClr>
+                </a:solidFill>
+              </a:rPr>
+              <a:t>Schematic/Outline for NGMW</a:t>
+            </a:r>
+          </a:p>
+          <a:p>
+            <a:pPr marL="800100" lvl="1" indent="-342900">
+              <a:buClr>
+                <a:srgbClr val="000000"/>
+              </a:buClr>
+              <a:buSzPct val="100000"/>
+            </a:pPr>
+            <a:r>
+              <a:rPr lang="en-US" dirty="0" smtClean="0">
+                <a:solidFill>
+                  <a:schemeClr val="tx1">
+                    <a:lumMod val="65000"/>
+                    <a:lumOff val="35000"/>
+                  </a:schemeClr>
+                </a:solidFill>
+              </a:rPr>
+              <a:t>Conceptual and Analytical </a:t>
+            </a:r>
+            <a:r>
+              <a:rPr lang="en-US" dirty="0" smtClean="0">
+                <a:solidFill>
+                  <a:schemeClr val="tx1">
+                    <a:lumMod val="65000"/>
+                    <a:lumOff val="35000"/>
+                  </a:schemeClr>
+                </a:solidFill>
+              </a:rPr>
+              <a:t>Models:</a:t>
+            </a:r>
+          </a:p>
+          <a:p>
+            <a:pPr marL="1208088" lvl="2" indent="-342900">
+              <a:buClr>
+                <a:srgbClr val="000000"/>
+              </a:buClr>
+              <a:buSzPct val="100000"/>
+            </a:pPr>
+            <a:r>
+              <a:rPr lang="en-US" dirty="0" smtClean="0">
+                <a:solidFill>
+                  <a:schemeClr val="tx1">
+                    <a:lumMod val="65000"/>
+                    <a:lumOff val="35000"/>
+                  </a:schemeClr>
+                </a:solidFill>
+              </a:rPr>
+              <a:t>Adaptive Application: A*, W*</a:t>
+            </a:r>
+          </a:p>
+          <a:p>
+            <a:pPr marL="1208088" lvl="2" indent="-342900">
+              <a:buClr>
+                <a:srgbClr val="000000"/>
+              </a:buClr>
+              <a:buSzPct val="100000"/>
+            </a:pPr>
+            <a:r>
+              <a:rPr lang="en-US" dirty="0" smtClean="0">
+                <a:solidFill>
+                  <a:schemeClr val="tx1">
+                    <a:lumMod val="65000"/>
+                    <a:lumOff val="35000"/>
+                  </a:schemeClr>
+                </a:solidFill>
+              </a:rPr>
+              <a:t>Dynamic Resources: P*, I*</a:t>
+            </a:r>
+          </a:p>
+          <a:p>
+            <a:pPr marL="1208088" lvl="2" indent="-342900">
+              <a:buClr>
+                <a:srgbClr val="000000"/>
+              </a:buClr>
+              <a:buSzPct val="100000"/>
+            </a:pPr>
+            <a:r>
+              <a:rPr lang="en-US" dirty="0" smtClean="0">
+                <a:solidFill>
+                  <a:schemeClr val="tx1">
+                    <a:lumMod val="65000"/>
+                    <a:lumOff val="35000"/>
+                  </a:schemeClr>
+                </a:solidFill>
+              </a:rPr>
+              <a:t>Capability Based: F*</a:t>
+            </a:r>
+          </a:p>
+          <a:p>
+            <a:pPr marL="344488" indent="-342900">
+              <a:buClr>
+                <a:srgbClr val="000000"/>
+              </a:buClr>
+              <a:buSzPct val="100000"/>
+            </a:pPr>
+            <a:r>
+              <a:rPr lang="en-US" sz="1800" dirty="0" smtClean="0">
+                <a:solidFill>
+                  <a:schemeClr val="tx1">
+                    <a:lumMod val="65000"/>
+                    <a:lumOff val="35000"/>
+                  </a:schemeClr>
+                </a:solidFill>
+              </a:rPr>
+              <a:t>Research Agenda</a:t>
+            </a:r>
+          </a:p>
+          <a:p>
+            <a:pPr marL="800100" lvl="1" indent="-342900">
+              <a:buClr>
+                <a:srgbClr val="000000"/>
+              </a:buClr>
+              <a:buSzPct val="100000"/>
+            </a:pPr>
+            <a:r>
+              <a:rPr lang="en-US" dirty="0" smtClean="0">
+                <a:solidFill>
+                  <a:schemeClr val="tx1">
+                    <a:lumMod val="65000"/>
+                    <a:lumOff val="35000"/>
+                  </a:schemeClr>
+                </a:solidFill>
+              </a:rPr>
+              <a:t>Challenges in </a:t>
+            </a:r>
+            <a:r>
+              <a:rPr lang="en-US" dirty="0" err="1" smtClean="0">
+                <a:solidFill>
+                  <a:schemeClr val="tx1">
+                    <a:lumMod val="65000"/>
+                    <a:lumOff val="35000"/>
+                  </a:schemeClr>
+                </a:solidFill>
+              </a:rPr>
+              <a:t>ModSim</a:t>
+            </a:r>
+            <a:endParaRPr lang="en-US" dirty="0" smtClean="0">
+              <a:solidFill>
+                <a:schemeClr val="tx1">
+                  <a:lumMod val="65000"/>
+                  <a:lumOff val="35000"/>
+                </a:schemeClr>
+              </a:solidFill>
+            </a:endParaRPr>
+          </a:p>
+          <a:p>
+            <a:pPr marL="800100" lvl="1" indent="-342900">
+              <a:buClr>
+                <a:srgbClr val="000000"/>
+              </a:buClr>
+              <a:buSzPct val="100000"/>
+            </a:pPr>
+            <a:r>
+              <a:rPr lang="en-US" smtClean="0">
+                <a:solidFill>
+                  <a:schemeClr val="tx1">
+                    <a:lumMod val="65000"/>
+                    <a:lumOff val="35000"/>
+                  </a:schemeClr>
+                </a:solidFill>
+              </a:rPr>
+              <a:t>Other Challenges </a:t>
+            </a:r>
+            <a:r>
+              <a:rPr lang="en-US" dirty="0" smtClean="0">
+                <a:solidFill>
+                  <a:schemeClr val="tx1">
+                    <a:lumMod val="65000"/>
+                    <a:lumOff val="35000"/>
+                  </a:schemeClr>
+                </a:solidFill>
+              </a:rPr>
+              <a:t>in NGMW</a:t>
+            </a:r>
+            <a:endParaRPr lang="en-US" dirty="0" smtClean="0">
               <a:solidFill>
                 <a:schemeClr val="tx1">
                   <a:lumMod val="65000"/>
@@ -4270,7 +4624,7 @@
           <a:p>
             <a:r>
               <a:rPr lang="en-US" dirty="0" smtClean="0"/>
-              <a:t>Outline</a:t>
+              <a:t>DC in circa 2013</a:t>
             </a:r>
             <a:endParaRPr lang="en-US" dirty="0"/>
           </a:p>
@@ -4278,510 +4632,33 @@
       </p:sp>
       <p:sp>
         <p:nvSpPr>
-          <p:cNvPr id="3" name="Shape 72"/>
-          <p:cNvSpPr txBox="1">
-            <a:spLocks/>
+          <p:cNvPr id="3" name="Content Placeholder 2"/>
+          <p:cNvSpPr>
+            <a:spLocks noGrp="1"/>
           </p:cNvSpPr>
-          <p:nvPr/>
+          <p:nvPr>
+            <p:ph idx="1"/>
+          </p:nvPr>
         </p:nvSpPr>
-        <p:spPr bwMode="auto">
-          <a:xfrm>
-            <a:off x="282231" y="786259"/>
-            <a:ext cx="8596312" cy="5281613"/>
-          </a:xfrm>
-          <a:prstGeom prst="rect">
-            <a:avLst/>
-          </a:prstGeom>
-          <a:noFill/>
-          <a:ln>
-            <a:noFill/>
-          </a:ln>
-          <a:extLst>
-            <a:ext uri="{909E8E84-426E-40dd-AFC4-6F175D3DCCD1}">
-              <a14:hiddenFill xmlns:a14="http://schemas.microsoft.com/office/drawing/2010/main">
-                <a:solidFill>
-                  <a:srgbClr val="FFFFFF"/>
-                </a:solidFill>
-              </a14:hiddenFill>
-            </a:ext>
-            <a:ext uri="{91240B29-F687-4f45-9708-019B960494DF}">
-              <a14:hiddenLine xmlns:a14="http://schemas.microsoft.com/office/drawing/2010/main" w="9525">
-                <a:solidFill>
-                  <a:srgbClr val="000000"/>
-                </a:solidFill>
-                <a:miter lim="800000"/>
-                <a:headEnd/>
-                <a:tailEnd/>
-              </a14:hiddenLine>
-            </a:ext>
-            <a:ext uri="{FAA26D3D-D897-4be2-8F04-BA451C77F1D7}">
-              <ma14:placeholderFlag xmlns:ma14="http://schemas.microsoft.com/office/mac/drawingml/2011/main" val="1"/>
-            </a:ext>
-          </a:extLst>
-        </p:spPr>
+        <p:spPr/>
         <p:txBody>
-          <a:bodyPr vert="horz" wrap="square" lIns="91425" tIns="91425" rIns="91425" bIns="91425" numCol="1" anchor="t" anchorCtr="0" compatLnSpc="1">
-            <a:prstTxWarp prst="textNoShape">
-              <a:avLst/>
-            </a:prstTxWarp>
-            <a:noAutofit/>
-          </a:bodyPr>
-          <a:lstStyle>
-            <a:lvl1pPr marL="227013" indent="-227013" algn="l" rtl="0" eaLnBrk="0" fontAlgn="base" hangingPunct="0">
-              <a:spcBef>
-                <a:spcPts val="1200"/>
-              </a:spcBef>
-              <a:spcAft>
-                <a:spcPct val="0"/>
-              </a:spcAft>
-              <a:buClr>
-                <a:schemeClr val="tx1">
-                  <a:lumMod val="95000"/>
-                  <a:lumOff val="5000"/>
-                </a:schemeClr>
-              </a:buClr>
-              <a:buChar char="•"/>
-              <a:tabLst/>
-              <a:defRPr sz="2000">
-                <a:solidFill>
-                  <a:schemeClr val="tx1">
-                    <a:lumMod val="95000"/>
-                    <a:lumOff val="5000"/>
-                  </a:schemeClr>
-                </a:solidFill>
-                <a:latin typeface="+mn-lt"/>
-                <a:ea typeface="ＭＳ Ｐゴシック" charset="-128"/>
-                <a:cs typeface="ＭＳ Ｐゴシック" charset="-128"/>
-              </a:defRPr>
-            </a:lvl1pPr>
-            <a:lvl2pPr marL="682625" indent="-225425" algn="l" rtl="0" eaLnBrk="0" fontAlgn="base" hangingPunct="0">
-              <a:spcBef>
-                <a:spcPct val="20000"/>
-              </a:spcBef>
-              <a:spcAft>
-                <a:spcPct val="0"/>
-              </a:spcAft>
-              <a:buClr>
-                <a:schemeClr val="tx1">
-                  <a:lumMod val="95000"/>
-                  <a:lumOff val="5000"/>
-                </a:schemeClr>
-              </a:buClr>
-              <a:buChar char="–"/>
-              <a:defRPr sz="1800">
-                <a:solidFill>
-                  <a:srgbClr val="5F5F5F"/>
-                </a:solidFill>
-                <a:latin typeface="+mn-lt"/>
-                <a:ea typeface="ＭＳ Ｐゴシック" charset="-128"/>
-              </a:defRPr>
-            </a:lvl2pPr>
-            <a:lvl3pPr marL="1090613" indent="-176213" algn="l" rtl="0" eaLnBrk="0" fontAlgn="base" hangingPunct="0">
-              <a:spcBef>
-                <a:spcPct val="20000"/>
-              </a:spcBef>
-              <a:spcAft>
-                <a:spcPct val="0"/>
-              </a:spcAft>
-              <a:buClr>
-                <a:schemeClr val="tx1">
-                  <a:lumMod val="95000"/>
-                  <a:lumOff val="5000"/>
-                </a:schemeClr>
-              </a:buClr>
-              <a:buChar char="•"/>
-              <a:defRPr sz="1800">
-                <a:solidFill>
-                  <a:srgbClr val="5F5F5F"/>
-                </a:solidFill>
-                <a:latin typeface="+mn-lt"/>
-                <a:ea typeface="ＭＳ Ｐゴシック" charset="-128"/>
-              </a:defRPr>
-            </a:lvl3pPr>
-            <a:lvl4pPr marL="1600200" indent="-228600" algn="l" rtl="0" eaLnBrk="0" fontAlgn="base" hangingPunct="0">
-              <a:spcBef>
-                <a:spcPct val="20000"/>
-              </a:spcBef>
-              <a:spcAft>
-                <a:spcPct val="0"/>
-              </a:spcAft>
-              <a:buClr>
-                <a:schemeClr val="tx1">
-                  <a:lumMod val="95000"/>
-                  <a:lumOff val="5000"/>
-                </a:schemeClr>
-              </a:buClr>
-              <a:buChar char="–"/>
-              <a:defRPr sz="1800">
-                <a:solidFill>
-                  <a:srgbClr val="5F5F5F"/>
-                </a:solidFill>
-                <a:latin typeface="+mn-lt"/>
-                <a:ea typeface="ＭＳ Ｐゴシック" charset="-128"/>
-              </a:defRPr>
-            </a:lvl4pPr>
-            <a:lvl5pPr marL="2000250" indent="-171450" algn="l" rtl="0" eaLnBrk="0" fontAlgn="base" hangingPunct="0">
-              <a:spcBef>
-                <a:spcPct val="20000"/>
-              </a:spcBef>
-              <a:spcAft>
-                <a:spcPct val="0"/>
-              </a:spcAft>
-              <a:buClr>
-                <a:schemeClr val="tx1">
-                  <a:lumMod val="95000"/>
-                  <a:lumOff val="5000"/>
-                </a:schemeClr>
-              </a:buClr>
-              <a:buChar char="»"/>
-              <a:defRPr sz="1800">
-                <a:solidFill>
-                  <a:srgbClr val="5F5F5F"/>
-                </a:solidFill>
-                <a:latin typeface="+mn-lt"/>
-                <a:ea typeface="ＭＳ Ｐゴシック" charset="-128"/>
-              </a:defRPr>
-            </a:lvl5pPr>
-            <a:lvl6pPr marL="2514600" indent="-228600" algn="l" rtl="0" fontAlgn="base">
-              <a:spcBef>
-                <a:spcPct val="20000"/>
-              </a:spcBef>
-              <a:spcAft>
-                <a:spcPct val="0"/>
-              </a:spcAft>
-              <a:buChar char="»"/>
-              <a:defRPr sz="1400">
-                <a:solidFill>
-                  <a:srgbClr val="5F5F5F"/>
-                </a:solidFill>
-                <a:latin typeface="+mn-lt"/>
-                <a:ea typeface="ＭＳ Ｐゴシック" charset="-128"/>
-              </a:defRPr>
-            </a:lvl6pPr>
-            <a:lvl7pPr marL="2971800" indent="-228600" algn="l" rtl="0" fontAlgn="base">
-              <a:spcBef>
-                <a:spcPct val="20000"/>
-              </a:spcBef>
-              <a:spcAft>
-                <a:spcPct val="0"/>
-              </a:spcAft>
-              <a:buChar char="»"/>
-              <a:defRPr sz="1400">
-                <a:solidFill>
-                  <a:srgbClr val="5F5F5F"/>
-                </a:solidFill>
-                <a:latin typeface="+mn-lt"/>
-                <a:ea typeface="ＭＳ Ｐゴシック" charset="-128"/>
-              </a:defRPr>
-            </a:lvl7pPr>
-            <a:lvl8pPr marL="3429000" indent="-228600" algn="l" rtl="0" fontAlgn="base">
-              <a:spcBef>
-                <a:spcPct val="20000"/>
-              </a:spcBef>
-              <a:spcAft>
-                <a:spcPct val="0"/>
-              </a:spcAft>
-              <a:buChar char="»"/>
-              <a:defRPr sz="1400">
-                <a:solidFill>
-                  <a:srgbClr val="5F5F5F"/>
-                </a:solidFill>
-                <a:latin typeface="+mn-lt"/>
-                <a:ea typeface="ＭＳ Ｐゴシック" charset="-128"/>
-              </a:defRPr>
-            </a:lvl8pPr>
-            <a:lvl9pPr marL="3886200" indent="-228600" algn="l" rtl="0" fontAlgn="base">
-              <a:spcBef>
-                <a:spcPct val="20000"/>
-              </a:spcBef>
-              <a:spcAft>
-                <a:spcPct val="0"/>
-              </a:spcAft>
-              <a:buChar char="»"/>
-              <a:defRPr sz="1400">
-                <a:solidFill>
-                  <a:srgbClr val="5F5F5F"/>
-                </a:solidFill>
-                <a:latin typeface="+mn-lt"/>
-                <a:ea typeface="ＭＳ Ｐゴシック" charset="-128"/>
-              </a:defRPr>
-            </a:lvl9pPr>
-          </a:lstStyle>
-          <a:p>
-            <a:pPr marL="344488" indent="-342900">
-              <a:buClr>
-                <a:srgbClr val="000000"/>
-              </a:buClr>
-              <a:buSzPct val="100000"/>
-            </a:pPr>
-            <a:r>
-              <a:rPr lang="en-US" dirty="0" smtClean="0">
-                <a:solidFill>
-                  <a:schemeClr val="tx1">
-                    <a:lumMod val="65000"/>
-                    <a:lumOff val="35000"/>
-                  </a:schemeClr>
-                </a:solidFill>
-              </a:rPr>
-              <a:t>Role </a:t>
-            </a:r>
-            <a:r>
-              <a:rPr lang="en-US" dirty="0">
-                <a:solidFill>
-                  <a:schemeClr val="tx1">
-                    <a:lumMod val="65000"/>
-                    <a:lumOff val="35000"/>
-                  </a:schemeClr>
-                </a:solidFill>
-              </a:rPr>
-              <a:t>of Modeling</a:t>
-            </a:r>
-          </a:p>
-          <a:p>
-            <a:pPr marL="800100" lvl="1" indent="-342900">
-              <a:buClr>
-                <a:srgbClr val="000000"/>
-              </a:buClr>
-              <a:buSzPct val="100000"/>
-            </a:pPr>
-            <a:r>
-              <a:rPr lang="en-US" dirty="0">
-                <a:solidFill>
-                  <a:schemeClr val="tx1">
-                    <a:lumMod val="65000"/>
-                    <a:lumOff val="35000"/>
-                  </a:schemeClr>
-                </a:solidFill>
-              </a:rPr>
-              <a:t>A* : Conceptual Model for Distributed Application</a:t>
-            </a:r>
-          </a:p>
-          <a:p>
-            <a:pPr marL="1208088" lvl="2" indent="-342900">
-              <a:buClr>
-                <a:srgbClr val="000000"/>
-              </a:buClr>
-              <a:buSzPct val="100000"/>
-            </a:pPr>
-            <a:r>
-              <a:rPr lang="en-US" dirty="0">
-                <a:solidFill>
-                  <a:schemeClr val="tx1">
-                    <a:lumMod val="65000"/>
-                    <a:lumOff val="35000"/>
-                  </a:schemeClr>
-                </a:solidFill>
-              </a:rPr>
-              <a:t>One of many different analytical models of an application</a:t>
-            </a:r>
-          </a:p>
-          <a:p>
-            <a:pPr marL="800100" lvl="1" indent="-342900">
-              <a:buClr>
-                <a:srgbClr val="000000"/>
-              </a:buClr>
-              <a:buSzPct val="100000"/>
-            </a:pPr>
-            <a:r>
-              <a:rPr lang="en-US" dirty="0">
-                <a:solidFill>
-                  <a:schemeClr val="tx1">
-                    <a:lumMod val="65000"/>
-                    <a:lumOff val="35000"/>
-                  </a:schemeClr>
-                </a:solidFill>
-              </a:rPr>
-              <a:t>W*: Analytical model of workload </a:t>
-            </a:r>
-          </a:p>
-          <a:p>
-            <a:pPr marL="1208088" lvl="2" indent="-342900">
-              <a:buClr>
-                <a:srgbClr val="000000"/>
-              </a:buClr>
-              <a:buSzPct val="100000"/>
-            </a:pPr>
-            <a:r>
-              <a:rPr lang="en-US" dirty="0">
-                <a:solidFill>
-                  <a:schemeClr val="tx1">
-                    <a:lumMod val="65000"/>
-                    <a:lumOff val="35000"/>
-                  </a:schemeClr>
-                </a:solidFill>
-              </a:rPr>
-              <a:t>Outputs concrete executable units, thus provides a measure of performance and prediction but independent of resources</a:t>
-            </a:r>
-          </a:p>
-          <a:p>
-            <a:pPr marL="800100" lvl="1" indent="-342900">
-              <a:buClr>
-                <a:srgbClr val="000000"/>
-              </a:buClr>
-              <a:buSzPct val="100000"/>
-            </a:pPr>
-            <a:r>
-              <a:rPr lang="en-US" dirty="0">
-                <a:solidFill>
-                  <a:schemeClr val="tx1">
-                    <a:lumMod val="65000"/>
-                    <a:lumOff val="35000"/>
-                  </a:schemeClr>
-                </a:solidFill>
-              </a:rPr>
-              <a:t>P*: Conceptual Model for Resources</a:t>
-            </a:r>
-          </a:p>
-          <a:p>
-            <a:pPr marL="800100" lvl="1" indent="-342900">
-              <a:buClr>
-                <a:srgbClr val="000000"/>
-              </a:buClr>
-              <a:buSzPct val="100000"/>
-            </a:pPr>
-            <a:r>
-              <a:rPr lang="en-US" dirty="0" smtClean="0">
-                <a:solidFill>
-                  <a:schemeClr val="tx1">
-                    <a:lumMod val="65000"/>
-                    <a:lumOff val="35000"/>
-                  </a:schemeClr>
-                </a:solidFill>
-              </a:rPr>
-              <a:t>F</a:t>
-            </a:r>
-            <a:r>
-              <a:rPr lang="en-US" dirty="0">
-                <a:solidFill>
-                  <a:schemeClr val="tx1">
-                    <a:lumMod val="65000"/>
-                    <a:lumOff val="35000"/>
-                  </a:schemeClr>
-                </a:solidFill>
-              </a:rPr>
-              <a:t>*: Analytical Model of resource federation/overlay</a:t>
-            </a:r>
-          </a:p>
-          <a:p>
-            <a:pPr marL="1208088" lvl="2" indent="-342900">
-              <a:buClr>
-                <a:srgbClr val="000000"/>
-              </a:buClr>
-              <a:buSzPct val="100000"/>
-            </a:pPr>
-            <a:r>
-              <a:rPr lang="en-US" dirty="0">
-                <a:solidFill>
-                  <a:schemeClr val="tx1">
-                    <a:lumMod val="65000"/>
-                    <a:lumOff val="35000"/>
-                  </a:schemeClr>
-                </a:solidFill>
-              </a:rPr>
-              <a:t>Determines how different resources might be </a:t>
-            </a:r>
-            <a:r>
-              <a:rPr lang="en-US" dirty="0" smtClean="0">
-                <a:solidFill>
-                  <a:schemeClr val="tx1">
-                    <a:lumMod val="65000"/>
-                    <a:lumOff val="35000"/>
-                  </a:schemeClr>
-                </a:solidFill>
-              </a:rPr>
-              <a:t>federated</a:t>
-            </a:r>
-          </a:p>
-          <a:p>
-            <a:pPr marL="1208088" lvl="2" indent="-342900">
-              <a:buClr>
-                <a:srgbClr val="000000"/>
-              </a:buClr>
-              <a:buSzPct val="100000"/>
-            </a:pPr>
-            <a:r>
-              <a:rPr lang="en-US" dirty="0" smtClean="0">
-                <a:solidFill>
-                  <a:schemeClr val="tx1">
-                    <a:lumMod val="65000"/>
-                    <a:lumOff val="35000"/>
-                  </a:schemeClr>
-                </a:solidFill>
-              </a:rPr>
-              <a:t>In turn builds upon a model/models of infrastructure</a:t>
-            </a:r>
-            <a:endParaRPr lang="en-US" dirty="0">
-              <a:solidFill>
-                <a:schemeClr val="tx1">
-                  <a:lumMod val="65000"/>
-                  <a:lumOff val="35000"/>
-                </a:schemeClr>
-              </a:solidFill>
-            </a:endParaRPr>
-          </a:p>
-          <a:p>
-            <a:pPr marL="800100" lvl="1" indent="-342900"/>
-            <a:r>
-              <a:rPr lang="en-US" sz="1800" dirty="0" smtClean="0"/>
-              <a:t>[A*, W* ]</a:t>
-            </a:r>
-            <a:r>
-              <a:rPr lang="en-US" dirty="0"/>
-              <a:t> </a:t>
-            </a:r>
-            <a:r>
-              <a:rPr lang="en-US" dirty="0" smtClean="0"/>
-              <a:t>and [P*, F*]</a:t>
-            </a:r>
-          </a:p>
-          <a:p>
-            <a:pPr marL="1208088" lvl="2" indent="-342900"/>
-            <a:r>
-              <a:rPr lang="en-US" dirty="0" smtClean="0"/>
-              <a:t>A specific instance of A*, is subject to a transformation T which converts into executable units that have performance requirements</a:t>
-            </a:r>
-          </a:p>
-          <a:p>
-            <a:pPr marL="1208088" lvl="2" indent="-342900"/>
-            <a:r>
-              <a:rPr lang="en-US" dirty="0" smtClean="0"/>
-              <a:t>Here A* is an conceptual model, and W* is an analytical model</a:t>
-            </a:r>
-          </a:p>
-          <a:p>
-            <a:pPr marL="1208088" lvl="2" indent="-342900"/>
-            <a:r>
-              <a:rPr lang="en-US" dirty="0" smtClean="0"/>
-              <a:t>P* is a model of Resources, which is subject to a </a:t>
-            </a:r>
-            <a:r>
-              <a:rPr lang="en-US" dirty="0"/>
-              <a:t>transformation (aggregation of resources per F*</a:t>
-            </a:r>
-            <a:r>
-              <a:rPr lang="en-US" dirty="0" smtClean="0"/>
-              <a:t>) R</a:t>
-            </a:r>
+          <a:bodyPr/>
+          <a:lstStyle/>
+          <a:p>
+            <a:endParaRPr lang="en-US"/>
           </a:p>
         </p:txBody>
       </p:sp>
     </p:spTree>
     <p:extLst>
       <p:ext uri="{BB962C8B-B14F-4D97-AF65-F5344CB8AC3E}">
-        <p14:creationId xmlns:p14="http://schemas.microsoft.com/office/powerpoint/2010/main" val="3857714543"/>
+        <p14:creationId xmlns:p14="http://schemas.microsoft.com/office/powerpoint/2010/main" val="2155241891"/>
       </p:ext>
     </p:extLst>
   </p:cSld>
   <p:clrMapOvr>
     <a:masterClrMapping/>
   </p:clrMapOvr>
-  <p:timing>
-    <p:tnLst>
-      <p:par>
-        <p:cTn xmlns:p14="http://schemas.microsoft.com/office/powerpoint/2010/main" id="1" dur="indefinite" restart="never" nodeType="tmRoot"/>
-      </p:par>
-    </p:tnLst>
-  </p:timing>
 </p:sld>
 </file>
 
@@ -4804,7 +4681,7 @@
       </p:grpSpPr>
       <p:sp>
         <p:nvSpPr>
-          <p:cNvPr id="2" name="Title 1"/>
+          <p:cNvPr id="6" name="Title 5"/>
           <p:cNvSpPr>
             <a:spLocks noGrp="1"/>
           </p:cNvSpPr>
@@ -4819,290 +4696,22 @@
           <a:p>
             <a:r>
               <a:rPr lang="en-US" dirty="0" smtClean="0"/>
-              <a:t>Outline</a:t>
+              <a:t>NGMW Schematic</a:t>
             </a:r>
             <a:endParaRPr lang="en-US" dirty="0"/>
-          </a:p>
-        </p:txBody>
-      </p:sp>
-      <p:sp>
-        <p:nvSpPr>
-          <p:cNvPr id="3" name="Shape 72"/>
-          <p:cNvSpPr txBox="1">
-            <a:spLocks/>
-          </p:cNvSpPr>
-          <p:nvPr/>
-        </p:nvSpPr>
-        <p:spPr bwMode="auto">
-          <a:xfrm>
-            <a:off x="282231" y="786259"/>
-            <a:ext cx="8596312" cy="5281613"/>
-          </a:xfrm>
-          <a:prstGeom prst="rect">
-            <a:avLst/>
-          </a:prstGeom>
-          <a:noFill/>
-          <a:ln>
-            <a:noFill/>
-          </a:ln>
-          <a:extLst>
-            <a:ext uri="{909E8E84-426E-40dd-AFC4-6F175D3DCCD1}">
-              <a14:hiddenFill xmlns:a14="http://schemas.microsoft.com/office/drawing/2010/main">
-                <a:solidFill>
-                  <a:srgbClr val="FFFFFF"/>
-                </a:solidFill>
-              </a14:hiddenFill>
-            </a:ext>
-            <a:ext uri="{91240B29-F687-4f45-9708-019B960494DF}">
-              <a14:hiddenLine xmlns:a14="http://schemas.microsoft.com/office/drawing/2010/main" w="9525">
-                <a:solidFill>
-                  <a:srgbClr val="000000"/>
-                </a:solidFill>
-                <a:miter lim="800000"/>
-                <a:headEnd/>
-                <a:tailEnd/>
-              </a14:hiddenLine>
-            </a:ext>
-            <a:ext uri="{FAA26D3D-D897-4be2-8F04-BA451C77F1D7}">
-              <ma14:placeholderFlag xmlns:ma14="http://schemas.microsoft.com/office/mac/drawingml/2011/main" val="1"/>
-            </a:ext>
-          </a:extLst>
-        </p:spPr>
-        <p:txBody>
-          <a:bodyPr vert="horz" wrap="square" lIns="91425" tIns="91425" rIns="91425" bIns="91425" numCol="1" anchor="t" anchorCtr="0" compatLnSpc="1">
-            <a:prstTxWarp prst="textNoShape">
-              <a:avLst/>
-            </a:prstTxWarp>
-            <a:noAutofit/>
-          </a:bodyPr>
-          <a:lstStyle>
-            <a:lvl1pPr marL="227013" indent="-227013" algn="l" rtl="0" eaLnBrk="0" fontAlgn="base" hangingPunct="0">
-              <a:spcBef>
-                <a:spcPts val="1200"/>
-              </a:spcBef>
-              <a:spcAft>
-                <a:spcPct val="0"/>
-              </a:spcAft>
-              <a:buClr>
-                <a:schemeClr val="tx1">
-                  <a:lumMod val="95000"/>
-                  <a:lumOff val="5000"/>
-                </a:schemeClr>
-              </a:buClr>
-              <a:buChar char="•"/>
-              <a:tabLst/>
-              <a:defRPr sz="2000">
-                <a:solidFill>
-                  <a:schemeClr val="tx1">
-                    <a:lumMod val="95000"/>
-                    <a:lumOff val="5000"/>
-                  </a:schemeClr>
-                </a:solidFill>
-                <a:latin typeface="+mn-lt"/>
-                <a:ea typeface="ＭＳ Ｐゴシック" charset="-128"/>
-                <a:cs typeface="ＭＳ Ｐゴシック" charset="-128"/>
-              </a:defRPr>
-            </a:lvl1pPr>
-            <a:lvl2pPr marL="682625" indent="-225425" algn="l" rtl="0" eaLnBrk="0" fontAlgn="base" hangingPunct="0">
-              <a:spcBef>
-                <a:spcPct val="20000"/>
-              </a:spcBef>
-              <a:spcAft>
-                <a:spcPct val="0"/>
-              </a:spcAft>
-              <a:buClr>
-                <a:schemeClr val="tx1">
-                  <a:lumMod val="95000"/>
-                  <a:lumOff val="5000"/>
-                </a:schemeClr>
-              </a:buClr>
-              <a:buChar char="–"/>
-              <a:defRPr sz="1800">
-                <a:solidFill>
-                  <a:srgbClr val="5F5F5F"/>
-                </a:solidFill>
-                <a:latin typeface="+mn-lt"/>
-                <a:ea typeface="ＭＳ Ｐゴシック" charset="-128"/>
-              </a:defRPr>
-            </a:lvl2pPr>
-            <a:lvl3pPr marL="1090613" indent="-176213" algn="l" rtl="0" eaLnBrk="0" fontAlgn="base" hangingPunct="0">
-              <a:spcBef>
-                <a:spcPct val="20000"/>
-              </a:spcBef>
-              <a:spcAft>
-                <a:spcPct val="0"/>
-              </a:spcAft>
-              <a:buClr>
-                <a:schemeClr val="tx1">
-                  <a:lumMod val="95000"/>
-                  <a:lumOff val="5000"/>
-                </a:schemeClr>
-              </a:buClr>
-              <a:buChar char="•"/>
-              <a:defRPr sz="1800">
-                <a:solidFill>
-                  <a:srgbClr val="5F5F5F"/>
-                </a:solidFill>
-                <a:latin typeface="+mn-lt"/>
-                <a:ea typeface="ＭＳ Ｐゴシック" charset="-128"/>
-              </a:defRPr>
-            </a:lvl3pPr>
-            <a:lvl4pPr marL="1600200" indent="-228600" algn="l" rtl="0" eaLnBrk="0" fontAlgn="base" hangingPunct="0">
-              <a:spcBef>
-                <a:spcPct val="20000"/>
-              </a:spcBef>
-              <a:spcAft>
-                <a:spcPct val="0"/>
-              </a:spcAft>
-              <a:buClr>
-                <a:schemeClr val="tx1">
-                  <a:lumMod val="95000"/>
-                  <a:lumOff val="5000"/>
-                </a:schemeClr>
-              </a:buClr>
-              <a:buChar char="–"/>
-              <a:defRPr sz="1800">
-                <a:solidFill>
-                  <a:srgbClr val="5F5F5F"/>
-                </a:solidFill>
-                <a:latin typeface="+mn-lt"/>
-                <a:ea typeface="ＭＳ Ｐゴシック" charset="-128"/>
-              </a:defRPr>
-            </a:lvl4pPr>
-            <a:lvl5pPr marL="2000250" indent="-171450" algn="l" rtl="0" eaLnBrk="0" fontAlgn="base" hangingPunct="0">
-              <a:spcBef>
-                <a:spcPct val="20000"/>
-              </a:spcBef>
-              <a:spcAft>
-                <a:spcPct val="0"/>
-              </a:spcAft>
-              <a:buClr>
-                <a:schemeClr val="tx1">
-                  <a:lumMod val="95000"/>
-                  <a:lumOff val="5000"/>
-                </a:schemeClr>
-              </a:buClr>
-              <a:buChar char="»"/>
-              <a:defRPr sz="1800">
-                <a:solidFill>
-                  <a:srgbClr val="5F5F5F"/>
-                </a:solidFill>
-                <a:latin typeface="+mn-lt"/>
-                <a:ea typeface="ＭＳ Ｐゴシック" charset="-128"/>
-              </a:defRPr>
-            </a:lvl5pPr>
-            <a:lvl6pPr marL="2514600" indent="-228600" algn="l" rtl="0" fontAlgn="base">
-              <a:spcBef>
-                <a:spcPct val="20000"/>
-              </a:spcBef>
-              <a:spcAft>
-                <a:spcPct val="0"/>
-              </a:spcAft>
-              <a:buChar char="»"/>
-              <a:defRPr sz="1400">
-                <a:solidFill>
-                  <a:srgbClr val="5F5F5F"/>
-                </a:solidFill>
-                <a:latin typeface="+mn-lt"/>
-                <a:ea typeface="ＭＳ Ｐゴシック" charset="-128"/>
-              </a:defRPr>
-            </a:lvl6pPr>
-            <a:lvl7pPr marL="2971800" indent="-228600" algn="l" rtl="0" fontAlgn="base">
-              <a:spcBef>
-                <a:spcPct val="20000"/>
-              </a:spcBef>
-              <a:spcAft>
-                <a:spcPct val="0"/>
-              </a:spcAft>
-              <a:buChar char="»"/>
-              <a:defRPr sz="1400">
-                <a:solidFill>
-                  <a:srgbClr val="5F5F5F"/>
-                </a:solidFill>
-                <a:latin typeface="+mn-lt"/>
-                <a:ea typeface="ＭＳ Ｐゴシック" charset="-128"/>
-              </a:defRPr>
-            </a:lvl7pPr>
-            <a:lvl8pPr marL="3429000" indent="-228600" algn="l" rtl="0" fontAlgn="base">
-              <a:spcBef>
-                <a:spcPct val="20000"/>
-              </a:spcBef>
-              <a:spcAft>
-                <a:spcPct val="0"/>
-              </a:spcAft>
-              <a:buChar char="»"/>
-              <a:defRPr sz="1400">
-                <a:solidFill>
-                  <a:srgbClr val="5F5F5F"/>
-                </a:solidFill>
-                <a:latin typeface="+mn-lt"/>
-                <a:ea typeface="ＭＳ Ｐゴシック" charset="-128"/>
-              </a:defRPr>
-            </a:lvl8pPr>
-            <a:lvl9pPr marL="3886200" indent="-228600" algn="l" rtl="0" fontAlgn="base">
-              <a:spcBef>
-                <a:spcPct val="20000"/>
-              </a:spcBef>
-              <a:spcAft>
-                <a:spcPct val="0"/>
-              </a:spcAft>
-              <a:buChar char="»"/>
-              <a:defRPr sz="1400">
-                <a:solidFill>
-                  <a:srgbClr val="5F5F5F"/>
-                </a:solidFill>
-                <a:latin typeface="+mn-lt"/>
-                <a:ea typeface="ＭＳ Ｐゴシック" charset="-128"/>
-              </a:defRPr>
-            </a:lvl9pPr>
-          </a:lstStyle>
-          <a:p>
-            <a:pPr marL="344488" indent="-342900"/>
-            <a:r>
-              <a:rPr lang="en-US" sz="2000" dirty="0" smtClean="0"/>
-              <a:t>Role of Simulation</a:t>
-            </a:r>
-          </a:p>
-          <a:p>
-            <a:pPr marL="800100" lvl="1" indent="-342900"/>
-            <a:r>
-              <a:rPr lang="en-US" sz="1800" dirty="0" smtClean="0"/>
-              <a:t>If we federate a given set of resources {R} what is the performance we expect?</a:t>
-            </a:r>
-          </a:p>
-          <a:p>
-            <a:pPr marL="800100" lvl="1" indent="-342900"/>
-            <a:r>
-              <a:rPr lang="en-US" dirty="0" smtClean="0"/>
-              <a:t>If we want a capability [C], what is the set of resources {R} we need to get this [C] with well-defined probability distribution?</a:t>
-            </a:r>
-          </a:p>
-          <a:p>
-            <a:pPr marL="800100" lvl="1" indent="-342900"/>
-            <a:r>
-              <a:rPr lang="en-US" sz="1800" dirty="0" smtClean="0"/>
-              <a:t>Given an application model, what is the workload independent of the underlying resources?</a:t>
-            </a:r>
           </a:p>
         </p:txBody>
       </p:sp>
     </p:spTree>
     <p:extLst>
       <p:ext uri="{BB962C8B-B14F-4D97-AF65-F5344CB8AC3E}">
-        <p14:creationId xmlns:p14="http://schemas.microsoft.com/office/powerpoint/2010/main" val="100327289"/>
+        <p14:creationId xmlns:p14="http://schemas.microsoft.com/office/powerpoint/2010/main" val="3849951850"/>
       </p:ext>
     </p:extLst>
   </p:cSld>
   <p:clrMapOvr>
     <a:masterClrMapping/>
   </p:clrMapOvr>
-  <p:timing>
-    <p:tnLst>
-      <p:par>
-        <p:cTn xmlns:p14="http://schemas.microsoft.com/office/powerpoint/2010/main" id="1" dur="indefinite" restart="never" nodeType="tmRoot"/>
-      </p:par>
-    </p:tnLst>
-  </p:timing>
 </p:sld>
 </file>
 
@@ -5191,14 +4800,17 @@
           </a:bodyPr>
           <a:lstStyle/>
           <a:p>
-            <a:pPr>
+            <a:pPr marL="457200" indent="-381000">
               <a:lnSpc>
                 <a:spcPct val="90000"/>
               </a:lnSpc>
+              <a:spcAft>
+                <a:spcPts val="1000"/>
+              </a:spcAft>
             </a:pPr>
             <a:r>
-              <a:rPr lang="en-US" dirty="0" smtClean="0"/>
-              <a:t>Distributed Computing Infrastructure:</a:t>
+              <a:rPr lang="en-US" dirty="0"/>
+              <a:t>Implementation Challenge</a:t>
             </a:r>
           </a:p>
           <a:p>
@@ -5212,23 +4824,11 @@
             </a:pPr>
             <a:r>
               <a:rPr lang="en-US" sz="2000" dirty="0"/>
-              <a:t>Manage complexity and </a:t>
-            </a:r>
-            <a:r>
-              <a:rPr lang="en-US" sz="2000" dirty="0">
-                <a:solidFill>
-                  <a:srgbClr val="606060"/>
-                </a:solidFill>
-              </a:rPr>
-              <a:t>heterogeneity </a:t>
-            </a:r>
-            <a:r>
-              <a:rPr lang="en-US" sz="2000" dirty="0"/>
-              <a:t>of infrastructure </a:t>
-            </a:r>
-          </a:p>
-          <a:p>
-            <a:pPr marL="912812" lvl="1" indent="-381000">
+              <a:t>Manage complexity and heterogeneity of infrastructure </a:t>
+            </a:r>
+          </a:p>
+          <a:p>
+            <a:pPr marL="457200" indent="-381000">
               <a:lnSpc>
                 <a:spcPct val="90000"/>
               </a:lnSpc>
@@ -5237,12 +4837,8 @@
               </a:spcAft>
             </a:pPr>
             <a:r>
-              <a:rPr lang="en-US" sz="2000" dirty="0" smtClean="0"/>
-              <a:t>Providing </a:t>
-            </a:r>
-            <a:r>
-              <a:rPr lang="en-US" sz="2000" dirty="0"/>
-              <a:t>capabilities</a:t>
+              <a:rPr lang="en-US" dirty="0" smtClean="0"/>
+              <a:t>Providing capabilities</a:t>
             </a:r>
           </a:p>
           <a:p>
@@ -5255,8 +4851,12 @@
               </a:spcAft>
             </a:pPr>
             <a:r>
+              <a:rPr lang="en-US" sz="2000" dirty="0" smtClean="0"/>
+              <a:t>What </a:t>
+            </a:r>
+            <a:r>
               <a:rPr lang="en-US" sz="2000" dirty="0"/>
-              <a:t>What functional units, and how to compose f</a:t>
+              <a:t>functional units, and how to compose f</a:t>
             </a:r>
             <a:r>
               <a:rPr lang="en" sz="2000" dirty="0"/>
@@ -5266,6 +4866,53 @@
               <a:rPr lang="en-US" sz="2000" dirty="0"/>
               <a:t>?</a:t>
             </a:r>
+          </a:p>
+          <a:p>
+            <a:pPr marL="457200" indent="-381000">
+              <a:lnSpc>
+                <a:spcPct val="90000"/>
+              </a:lnSpc>
+              <a:spcAft>
+                <a:spcPts val="1000"/>
+              </a:spcAft>
+            </a:pPr>
+            <a:r>
+              <a:rPr lang="en-US" dirty="0" smtClean="0"/>
+              <a:t>Federate</a:t>
+            </a:r>
+            <a:r>
+              <a:rPr lang="en" dirty="0" smtClean="0"/>
+              <a:t> </a:t>
+            </a:r>
+            <a:r>
+              <a:rPr lang="en" dirty="0" smtClean="0"/>
+              <a:t>diversified </a:t>
+            </a:r>
+            <a:r>
+              <a:rPr lang="en" dirty="0"/>
+              <a:t>set of </a:t>
+            </a:r>
+            <a:r>
+              <a:rPr lang="en" dirty="0" smtClean="0"/>
+              <a:t>resources</a:t>
+            </a:r>
+            <a:r>
+              <a:rPr lang="en-US" dirty="0" smtClean="0"/>
+              <a:t> at</a:t>
+            </a:r>
+            <a:r>
+              <a:rPr lang="en" dirty="0" smtClean="0"/>
+              <a:t> </a:t>
+            </a:r>
+            <a:r>
+              <a:rPr lang="en" dirty="0"/>
+              <a:t>multiple </a:t>
+            </a:r>
+            <a:r>
+              <a:rPr lang="en" dirty="0" smtClean="0"/>
+              <a:t>levels</a:t>
+            </a:r>
+            <a:endParaRPr lang="en-US" dirty="0" smtClean="0"/>
           </a:p>
           <a:p>
             <a:pPr marL="1320800" lvl="2" indent="-381000">
@@ -5303,49 +4950,6 @@
             <a:endParaRPr lang="en-US" sz="2000" dirty="0"/>
           </a:p>
           <a:p>
-            <a:pPr marL="912812" lvl="1" indent="-381000">
-              <a:lnSpc>
-                <a:spcPct val="90000"/>
-              </a:lnSpc>
-              <a:spcAft>
-                <a:spcPts val="1000"/>
-              </a:spcAft>
-            </a:pPr>
-            <a:r>
-              <a:rPr lang="en-US" sz="2000" dirty="0" smtClean="0"/>
-              <a:t>Federate</a:t>
-            </a:r>
-            <a:r>
-              <a:rPr lang="en" sz="2000" dirty="0" smtClean="0"/>
-              <a:t> diversified </a:t>
-            </a:r>
-            <a:r>
-              <a:rPr lang="en" sz="2000" dirty="0"/>
-              <a:t>set of </a:t>
-            </a:r>
-            <a:r>
-              <a:rPr lang="en" sz="2000" dirty="0" smtClean="0"/>
-              <a:t>resources</a:t>
-            </a:r>
-            <a:r>
-              <a:rPr lang="en-US" sz="2000" dirty="0" smtClean="0"/>
-              <a:t> at</a:t>
-            </a:r>
-            <a:r>
-              <a:rPr lang="en" sz="2000" dirty="0" smtClean="0"/>
-              <a:t> </a:t>
-            </a:r>
-            <a:r>
-              <a:rPr lang="en" sz="2000" dirty="0"/>
-              <a:t>multiple </a:t>
-            </a:r>
-            <a:r>
-              <a:rPr lang="en" sz="2000" dirty="0" smtClean="0"/>
-              <a:t>levels</a:t>
-            </a:r>
-            <a:endParaRPr lang="en-US" sz="2000" dirty="0" smtClean="0"/>
-          </a:p>
-          <a:p>
             <a:pPr marL="1320800" lvl="2" indent="-381000">
               <a:lnSpc>
                 <a:spcPct val="90000"/>
@@ -5356,7 +4960,11 @@
             </a:pPr>
             <a:r>
               <a:rPr lang="en-US" sz="2000" dirty="0" smtClean="0"/>
-              <a:t>How/when </a:t>
+              <a:t>How</a:t>
+            </a:r>
+            <a:r>
+              <a:rPr lang="en-US" sz="2000" dirty="0" smtClean="0"/>
+              <a:t>/when </a:t>
             </a:r>
             <a:r>
               <a:rPr lang="en-US" sz="2000" dirty="0"/>
@@ -5513,7 +5121,7 @@
       </p:grpSpPr>
       <p:sp>
         <p:nvSpPr>
-          <p:cNvPr id="6" name="Title 5"/>
+          <p:cNvPr id="2" name="Title 1"/>
           <p:cNvSpPr>
             <a:spLocks noGrp="1"/>
           </p:cNvSpPr>
@@ -5528,22 +5136,518 @@
           <a:p>
             <a:r>
               <a:rPr lang="en-US" dirty="0" smtClean="0"/>
-              <a:t>NGMW Schematic</a:t>
+              <a:t>Outline</a:t>
             </a:r>
             <a:endParaRPr lang="en-US" dirty="0"/>
+          </a:p>
+        </p:txBody>
+      </p:sp>
+      <p:sp>
+        <p:nvSpPr>
+          <p:cNvPr id="3" name="Shape 72"/>
+          <p:cNvSpPr txBox="1">
+            <a:spLocks/>
+          </p:cNvSpPr>
+          <p:nvPr/>
+        </p:nvSpPr>
+        <p:spPr bwMode="auto">
+          <a:xfrm>
+            <a:off x="282231" y="786259"/>
+            <a:ext cx="8596312" cy="5281613"/>
+          </a:xfrm>
+          <a:prstGeom prst="rect">
+            <a:avLst/>
+          </a:prstGeom>
+          <a:noFill/>
+          <a:ln>
+            <a:noFill/>
+          </a:ln>
+          <a:extLst>
+            <a:ext uri="{909E8E84-426E-40dd-AFC4-6F175D3DCCD1}">
+              <a14:hiddenFill xmlns:a14="http://schemas.microsoft.com/office/drawing/2010/main">
+                <a:solidFill>
+                  <a:srgbClr val="FFFFFF"/>
+                </a:solidFill>
+              </a14:hiddenFill>
+            </a:ext>
+            <a:ext uri="{91240B29-F687-4f45-9708-019B960494DF}">
+              <a14:hiddenLine xmlns:a14="http://schemas.microsoft.com/office/drawing/2010/main" w="9525">
+                <a:solidFill>
+                  <a:srgbClr val="000000"/>
+                </a:solidFill>
+                <a:miter lim="800000"/>
+                <a:headEnd/>
+                <a:tailEnd/>
+              </a14:hiddenLine>
+            </a:ext>
+            <a:ext uri="{FAA26D3D-D897-4be2-8F04-BA451C77F1D7}">
+              <ma14:placeholderFlag xmlns:ma14="http://schemas.microsoft.com/office/mac/drawingml/2011/main" val="1"/>
+            </a:ext>
+          </a:extLst>
+        </p:spPr>
+        <p:txBody>
+          <a:bodyPr vert="horz" wrap="square" lIns="91425" tIns="91425" rIns="91425" bIns="91425" numCol="1" anchor="t" anchorCtr="0" compatLnSpc="1">
+            <a:prstTxWarp prst="textNoShape">
+              <a:avLst/>
+            </a:prstTxWarp>
+            <a:noAutofit/>
+          </a:bodyPr>
+          <a:lstStyle>
+            <a:lvl1pPr marL="227013" indent="-227013" algn="l" rtl="0" eaLnBrk="0" fontAlgn="base" hangingPunct="0">
+              <a:spcBef>
+                <a:spcPts val="1200"/>
+              </a:spcBef>
+              <a:spcAft>
+                <a:spcPct val="0"/>
+              </a:spcAft>
+              <a:buClr>
+                <a:schemeClr val="tx1">
+                  <a:lumMod val="95000"/>
+                  <a:lumOff val="5000"/>
+                </a:schemeClr>
+              </a:buClr>
+              <a:buChar char="•"/>
+              <a:tabLst/>
+              <a:defRPr sz="2000">
+                <a:solidFill>
+                  <a:schemeClr val="tx1">
+                    <a:lumMod val="95000"/>
+                    <a:lumOff val="5000"/>
+                  </a:schemeClr>
+                </a:solidFill>
+                <a:latin typeface="+mn-lt"/>
+                <a:ea typeface="ＭＳ Ｐゴシック" charset="-128"/>
+                <a:cs typeface="ＭＳ Ｐゴシック" charset="-128"/>
+              </a:defRPr>
+            </a:lvl1pPr>
+            <a:lvl2pPr marL="682625" indent="-225425" algn="l" rtl="0" eaLnBrk="0" fontAlgn="base" hangingPunct="0">
+              <a:spcBef>
+                <a:spcPct val="20000"/>
+              </a:spcBef>
+              <a:spcAft>
+                <a:spcPct val="0"/>
+              </a:spcAft>
+              <a:buClr>
+                <a:schemeClr val="tx1">
+                  <a:lumMod val="95000"/>
+                  <a:lumOff val="5000"/>
+                </a:schemeClr>
+              </a:buClr>
+              <a:buChar char="–"/>
+              <a:defRPr sz="1800">
+                <a:solidFill>
+                  <a:srgbClr val="5F5F5F"/>
+                </a:solidFill>
+                <a:latin typeface="+mn-lt"/>
+                <a:ea typeface="ＭＳ Ｐゴシック" charset="-128"/>
+              </a:defRPr>
+            </a:lvl2pPr>
+            <a:lvl3pPr marL="1090613" indent="-176213" algn="l" rtl="0" eaLnBrk="0" fontAlgn="base" hangingPunct="0">
+              <a:spcBef>
+                <a:spcPct val="20000"/>
+              </a:spcBef>
+              <a:spcAft>
+                <a:spcPct val="0"/>
+              </a:spcAft>
+              <a:buClr>
+                <a:schemeClr val="tx1">
+                  <a:lumMod val="95000"/>
+                  <a:lumOff val="5000"/>
+                </a:schemeClr>
+              </a:buClr>
+              <a:buChar char="•"/>
+              <a:defRPr sz="1800">
+                <a:solidFill>
+                  <a:srgbClr val="5F5F5F"/>
+                </a:solidFill>
+                <a:latin typeface="+mn-lt"/>
+                <a:ea typeface="ＭＳ Ｐゴシック" charset="-128"/>
+              </a:defRPr>
+            </a:lvl3pPr>
+            <a:lvl4pPr marL="1600200" indent="-228600" algn="l" rtl="0" eaLnBrk="0" fontAlgn="base" hangingPunct="0">
+              <a:spcBef>
+                <a:spcPct val="20000"/>
+              </a:spcBef>
+              <a:spcAft>
+                <a:spcPct val="0"/>
+              </a:spcAft>
+              <a:buClr>
+                <a:schemeClr val="tx1">
+                  <a:lumMod val="95000"/>
+                  <a:lumOff val="5000"/>
+                </a:schemeClr>
+              </a:buClr>
+              <a:buChar char="–"/>
+              <a:defRPr sz="1800">
+                <a:solidFill>
+                  <a:srgbClr val="5F5F5F"/>
+                </a:solidFill>
+                <a:latin typeface="+mn-lt"/>
+                <a:ea typeface="ＭＳ Ｐゴシック" charset="-128"/>
+              </a:defRPr>
+            </a:lvl4pPr>
+            <a:lvl5pPr marL="2000250" indent="-171450" algn="l" rtl="0" eaLnBrk="0" fontAlgn="base" hangingPunct="0">
+              <a:spcBef>
+                <a:spcPct val="20000"/>
+              </a:spcBef>
+              <a:spcAft>
+                <a:spcPct val="0"/>
+              </a:spcAft>
+              <a:buClr>
+                <a:schemeClr val="tx1">
+                  <a:lumMod val="95000"/>
+                  <a:lumOff val="5000"/>
+                </a:schemeClr>
+              </a:buClr>
+              <a:buChar char="»"/>
+              <a:defRPr sz="1800">
+                <a:solidFill>
+                  <a:srgbClr val="5F5F5F"/>
+                </a:solidFill>
+                <a:latin typeface="+mn-lt"/>
+                <a:ea typeface="ＭＳ Ｐゴシック" charset="-128"/>
+              </a:defRPr>
+            </a:lvl5pPr>
+            <a:lvl6pPr marL="2514600" indent="-228600" algn="l" rtl="0" fontAlgn="base">
+              <a:spcBef>
+                <a:spcPct val="20000"/>
+              </a:spcBef>
+              <a:spcAft>
+                <a:spcPct val="0"/>
+              </a:spcAft>
+              <a:buChar char="»"/>
+              <a:defRPr sz="1400">
+                <a:solidFill>
+                  <a:srgbClr val="5F5F5F"/>
+                </a:solidFill>
+                <a:latin typeface="+mn-lt"/>
+                <a:ea typeface="ＭＳ Ｐゴシック" charset="-128"/>
+              </a:defRPr>
+            </a:lvl6pPr>
+            <a:lvl7pPr marL="2971800" indent="-228600" algn="l" rtl="0" fontAlgn="base">
+              <a:spcBef>
+                <a:spcPct val="20000"/>
+              </a:spcBef>
+              <a:spcAft>
+                <a:spcPct val="0"/>
+              </a:spcAft>
+              <a:buChar char="»"/>
+              <a:defRPr sz="1400">
+                <a:solidFill>
+                  <a:srgbClr val="5F5F5F"/>
+                </a:solidFill>
+                <a:latin typeface="+mn-lt"/>
+                <a:ea typeface="ＭＳ Ｐゴシック" charset="-128"/>
+              </a:defRPr>
+            </a:lvl7pPr>
+            <a:lvl8pPr marL="3429000" indent="-228600" algn="l" rtl="0" fontAlgn="base">
+              <a:spcBef>
+                <a:spcPct val="20000"/>
+              </a:spcBef>
+              <a:spcAft>
+                <a:spcPct val="0"/>
+              </a:spcAft>
+              <a:buChar char="»"/>
+              <a:defRPr sz="1400">
+                <a:solidFill>
+                  <a:srgbClr val="5F5F5F"/>
+                </a:solidFill>
+                <a:latin typeface="+mn-lt"/>
+                <a:ea typeface="ＭＳ Ｐゴシック" charset="-128"/>
+              </a:defRPr>
+            </a:lvl8pPr>
+            <a:lvl9pPr marL="3886200" indent="-228600" algn="l" rtl="0" fontAlgn="base">
+              <a:spcBef>
+                <a:spcPct val="20000"/>
+              </a:spcBef>
+              <a:spcAft>
+                <a:spcPct val="0"/>
+              </a:spcAft>
+              <a:buChar char="»"/>
+              <a:defRPr sz="1400">
+                <a:solidFill>
+                  <a:srgbClr val="5F5F5F"/>
+                </a:solidFill>
+                <a:latin typeface="+mn-lt"/>
+                <a:ea typeface="ＭＳ Ｐゴシック" charset="-128"/>
+              </a:defRPr>
+            </a:lvl9pPr>
+          </a:lstStyle>
+          <a:p>
+            <a:pPr marL="344488" indent="-342900">
+              <a:buClr>
+                <a:srgbClr val="000000"/>
+              </a:buClr>
+              <a:buSzPct val="100000"/>
+            </a:pPr>
+            <a:r>
+              <a:rPr lang="en-US" dirty="0" smtClean="0">
+                <a:solidFill>
+                  <a:schemeClr val="tx1">
+                    <a:lumMod val="65000"/>
+                    <a:lumOff val="35000"/>
+                  </a:schemeClr>
+                </a:solidFill>
+              </a:rPr>
+              <a:t>Role </a:t>
+            </a:r>
+            <a:r>
+              <a:rPr lang="en-US" dirty="0">
+                <a:solidFill>
+                  <a:schemeClr val="tx1">
+                    <a:lumMod val="65000"/>
+                    <a:lumOff val="35000"/>
+                  </a:schemeClr>
+                </a:solidFill>
+              </a:rPr>
+              <a:t>of Modeling</a:t>
+            </a:r>
+          </a:p>
+          <a:p>
+            <a:pPr marL="800100" lvl="1" indent="-342900">
+              <a:buClr>
+                <a:srgbClr val="000000"/>
+              </a:buClr>
+              <a:buSzPct val="100000"/>
+            </a:pPr>
+            <a:r>
+              <a:rPr lang="en-US" dirty="0">
+                <a:solidFill>
+                  <a:schemeClr val="tx1">
+                    <a:lumMod val="65000"/>
+                    <a:lumOff val="35000"/>
+                  </a:schemeClr>
+                </a:solidFill>
+              </a:rPr>
+              <a:t>A* : Conceptual Model for Distributed Application</a:t>
+            </a:r>
+          </a:p>
+          <a:p>
+            <a:pPr marL="1208088" lvl="2" indent="-342900">
+              <a:buClr>
+                <a:srgbClr val="000000"/>
+              </a:buClr>
+              <a:buSzPct val="100000"/>
+            </a:pPr>
+            <a:r>
+              <a:rPr lang="en-US" dirty="0">
+                <a:solidFill>
+                  <a:schemeClr val="tx1">
+                    <a:lumMod val="65000"/>
+                    <a:lumOff val="35000"/>
+                  </a:schemeClr>
+                </a:solidFill>
+              </a:rPr>
+              <a:t>One of many different analytical models of an application</a:t>
+            </a:r>
+          </a:p>
+          <a:p>
+            <a:pPr marL="800100" lvl="1" indent="-342900">
+              <a:buClr>
+                <a:srgbClr val="000000"/>
+              </a:buClr>
+              <a:buSzPct val="100000"/>
+            </a:pPr>
+            <a:r>
+              <a:rPr lang="en-US" dirty="0">
+                <a:solidFill>
+                  <a:schemeClr val="tx1">
+                    <a:lumMod val="65000"/>
+                    <a:lumOff val="35000"/>
+                  </a:schemeClr>
+                </a:solidFill>
+              </a:rPr>
+              <a:t>W*: Analytical model of workload </a:t>
+            </a:r>
+          </a:p>
+          <a:p>
+            <a:pPr marL="1208088" lvl="2" indent="-342900">
+              <a:buClr>
+                <a:srgbClr val="000000"/>
+              </a:buClr>
+              <a:buSzPct val="100000"/>
+            </a:pPr>
+            <a:r>
+              <a:rPr lang="en-US" dirty="0">
+                <a:solidFill>
+                  <a:schemeClr val="tx1">
+                    <a:lumMod val="65000"/>
+                    <a:lumOff val="35000"/>
+                  </a:schemeClr>
+                </a:solidFill>
+              </a:rPr>
+              <a:t>Outputs concrete executable units, thus provides a measure of performance and prediction but independent of resources</a:t>
+            </a:r>
+          </a:p>
+          <a:p>
+            <a:pPr marL="800100" lvl="1" indent="-342900">
+              <a:buClr>
+                <a:srgbClr val="000000"/>
+              </a:buClr>
+              <a:buSzPct val="100000"/>
+            </a:pPr>
+            <a:r>
+              <a:rPr lang="en-US" dirty="0">
+                <a:solidFill>
+                  <a:schemeClr val="tx1">
+                    <a:lumMod val="65000"/>
+                    <a:lumOff val="35000"/>
+                  </a:schemeClr>
+                </a:solidFill>
+              </a:rPr>
+              <a:t>P*: Conceptual Model for Resources</a:t>
+            </a:r>
+          </a:p>
+          <a:p>
+            <a:pPr marL="800100" lvl="1" indent="-342900">
+              <a:buClr>
+                <a:srgbClr val="000000"/>
+              </a:buClr>
+              <a:buSzPct val="100000"/>
+            </a:pPr>
+            <a:r>
+              <a:rPr lang="en-US" dirty="0" smtClean="0">
+                <a:solidFill>
+                  <a:schemeClr val="tx1">
+                    <a:lumMod val="65000"/>
+                    <a:lumOff val="35000"/>
+                  </a:schemeClr>
+                </a:solidFill>
+              </a:rPr>
+              <a:t>F</a:t>
+            </a:r>
+            <a:r>
+              <a:rPr lang="en-US" dirty="0">
+                <a:solidFill>
+                  <a:schemeClr val="tx1">
+                    <a:lumMod val="65000"/>
+                    <a:lumOff val="35000"/>
+                  </a:schemeClr>
+                </a:solidFill>
+              </a:rPr>
+              <a:t>*: Analytical Model of resource federation/overlay</a:t>
+            </a:r>
+          </a:p>
+          <a:p>
+            <a:pPr marL="1208088" lvl="2" indent="-342900">
+              <a:buClr>
+                <a:srgbClr val="000000"/>
+              </a:buClr>
+              <a:buSzPct val="100000"/>
+            </a:pPr>
+            <a:r>
+              <a:rPr lang="en-US" dirty="0">
+                <a:solidFill>
+                  <a:schemeClr val="tx1">
+                    <a:lumMod val="65000"/>
+                    <a:lumOff val="35000"/>
+                  </a:schemeClr>
+                </a:solidFill>
+              </a:rPr>
+              <a:t>Determines how different resources might be </a:t>
+            </a:r>
+            <a:r>
+              <a:rPr lang="en-US" dirty="0" smtClean="0">
+                <a:solidFill>
+                  <a:schemeClr val="tx1">
+                    <a:lumMod val="65000"/>
+                    <a:lumOff val="35000"/>
+                  </a:schemeClr>
+                </a:solidFill>
+              </a:rPr>
+              <a:t>federated</a:t>
+            </a:r>
+          </a:p>
+          <a:p>
+            <a:pPr marL="1208088" lvl="2" indent="-342900">
+              <a:buClr>
+                <a:srgbClr val="000000"/>
+              </a:buClr>
+              <a:buSzPct val="100000"/>
+            </a:pPr>
+            <a:r>
+              <a:rPr lang="en-US" dirty="0" smtClean="0">
+                <a:solidFill>
+                  <a:schemeClr val="tx1">
+                    <a:lumMod val="65000"/>
+                    <a:lumOff val="35000"/>
+                  </a:schemeClr>
+                </a:solidFill>
+              </a:rPr>
+              <a:t>In turn builds upon a model/models of infrastructure</a:t>
+            </a:r>
+            <a:endParaRPr lang="en-US" dirty="0">
+              <a:solidFill>
+                <a:schemeClr val="tx1">
+                  <a:lumMod val="65000"/>
+                  <a:lumOff val="35000"/>
+                </a:schemeClr>
+              </a:solidFill>
+            </a:endParaRPr>
+          </a:p>
+          <a:p>
+            <a:pPr marL="800100" lvl="1" indent="-342900"/>
+            <a:r>
+              <a:rPr lang="en-US" sz="1800" dirty="0" smtClean="0"/>
+              <a:t>[A*, W* ]</a:t>
+            </a:r>
+            <a:r>
+              <a:rPr lang="en-US" dirty="0"/>
+              <a:t> </a:t>
+            </a:r>
+            <a:r>
+              <a:rPr lang="en-US" dirty="0" smtClean="0"/>
+              <a:t>and [P*, F*]</a:t>
+            </a:r>
+          </a:p>
+          <a:p>
+            <a:pPr marL="1208088" lvl="2" indent="-342900"/>
+            <a:r>
+              <a:rPr lang="en-US" dirty="0" smtClean="0"/>
+              <a:t>A specific instance of A*, is subject to a transformation T which converts into executable units that have performance requirements</a:t>
+            </a:r>
+          </a:p>
+          <a:p>
+            <a:pPr marL="1208088" lvl="2" indent="-342900"/>
+            <a:r>
+              <a:rPr lang="en-US" dirty="0" smtClean="0"/>
+              <a:t>Here A* is an conceptual model, and W* is an analytical model</a:t>
+            </a:r>
+          </a:p>
+          <a:p>
+            <a:pPr marL="1208088" lvl="2" indent="-342900"/>
+            <a:r>
+              <a:rPr lang="en-US" dirty="0" smtClean="0"/>
+              <a:t>P* is a model of Resources, which is subject to a </a:t>
+            </a:r>
+            <a:r>
+              <a:rPr lang="en-US" dirty="0"/>
+              <a:t>transformation (aggregation of resources per F*</a:t>
+            </a:r>
+            <a:r>
+              <a:rPr lang="en-US" dirty="0" smtClean="0"/>
+              <a:t>) R</a:t>
+            </a:r>
           </a:p>
         </p:txBody>
       </p:sp>
     </p:spTree>
     <p:extLst>
       <p:ext uri="{BB962C8B-B14F-4D97-AF65-F5344CB8AC3E}">
-        <p14:creationId xmlns:p14="http://schemas.microsoft.com/office/powerpoint/2010/main" val="3849951850"/>
+        <p14:creationId xmlns:p14="http://schemas.microsoft.com/office/powerpoint/2010/main" val="3857714543"/>
       </p:ext>
     </p:extLst>
   </p:cSld>
   <p:clrMapOvr>
     <a:masterClrMapping/>
   </p:clrMapOvr>
+  <p:timing>
+    <p:tnLst>
+      <p:par>
+        <p:cTn xmlns:p14="http://schemas.microsoft.com/office/powerpoint/2010/main" id="1" dur="indefinite" restart="never" nodeType="tmRoot"/>
+      </p:par>
+    </p:tnLst>
+  </p:timing>
 </p:sld>
 </file>
 
@@ -5581,22 +5685,306 @@
           <a:p>
             <a:r>
               <a:rPr lang="en-US" dirty="0" smtClean="0"/>
-              <a:t>A*</a:t>
+              <a:t>Outline</a:t>
             </a:r>
             <a:endParaRPr lang="en-US" dirty="0"/>
+          </a:p>
+        </p:txBody>
+      </p:sp>
+      <p:sp>
+        <p:nvSpPr>
+          <p:cNvPr id="3" name="Shape 72"/>
+          <p:cNvSpPr txBox="1">
+            <a:spLocks/>
+          </p:cNvSpPr>
+          <p:nvPr/>
+        </p:nvSpPr>
+        <p:spPr bwMode="auto">
+          <a:xfrm>
+            <a:off x="282231" y="786259"/>
+            <a:ext cx="8596312" cy="5281613"/>
+          </a:xfrm>
+          <a:prstGeom prst="rect">
+            <a:avLst/>
+          </a:prstGeom>
+          <a:noFill/>
+          <a:ln>
+            <a:noFill/>
+          </a:ln>
+          <a:extLst>
+            <a:ext uri="{909E8E84-426E-40dd-AFC4-6F175D3DCCD1}">
+              <a14:hiddenFill xmlns:a14="http://schemas.microsoft.com/office/drawing/2010/main">
+                <a:solidFill>
+                  <a:srgbClr val="FFFFFF"/>
+                </a:solidFill>
+              </a14:hiddenFill>
+            </a:ext>
+            <a:ext uri="{91240B29-F687-4f45-9708-019B960494DF}">
+              <a14:hiddenLine xmlns:a14="http://schemas.microsoft.com/office/drawing/2010/main" w="9525">
+                <a:solidFill>
+                  <a:srgbClr val="000000"/>
+                </a:solidFill>
+                <a:miter lim="800000"/>
+                <a:headEnd/>
+                <a:tailEnd/>
+              </a14:hiddenLine>
+            </a:ext>
+            <a:ext uri="{FAA26D3D-D897-4be2-8F04-BA451C77F1D7}">
+              <ma14:placeholderFlag xmlns:ma14="http://schemas.microsoft.com/office/mac/drawingml/2011/main" val="1"/>
+            </a:ext>
+          </a:extLst>
+        </p:spPr>
+        <p:txBody>
+          <a:bodyPr vert="horz" wrap="square" lIns="91425" tIns="91425" rIns="91425" bIns="91425" numCol="1" anchor="t" anchorCtr="0" compatLnSpc="1">
+            <a:prstTxWarp prst="textNoShape">
+              <a:avLst/>
+            </a:prstTxWarp>
+            <a:noAutofit/>
+          </a:bodyPr>
+          <a:lstStyle>
+            <a:lvl1pPr marL="227013" indent="-227013" algn="l" rtl="0" eaLnBrk="0" fontAlgn="base" hangingPunct="0">
+              <a:spcBef>
+                <a:spcPts val="1200"/>
+              </a:spcBef>
+              <a:spcAft>
+                <a:spcPct val="0"/>
+              </a:spcAft>
+              <a:buClr>
+                <a:schemeClr val="tx1">
+                  <a:lumMod val="95000"/>
+                  <a:lumOff val="5000"/>
+                </a:schemeClr>
+              </a:buClr>
+              <a:buChar char="•"/>
+              <a:tabLst/>
+              <a:defRPr sz="2000">
+                <a:solidFill>
+                  <a:schemeClr val="tx1">
+                    <a:lumMod val="95000"/>
+                    <a:lumOff val="5000"/>
+                  </a:schemeClr>
+                </a:solidFill>
+                <a:latin typeface="+mn-lt"/>
+                <a:ea typeface="ＭＳ Ｐゴシック" charset="-128"/>
+                <a:cs typeface="ＭＳ Ｐゴシック" charset="-128"/>
+              </a:defRPr>
+            </a:lvl1pPr>
+            <a:lvl2pPr marL="682625" indent="-225425" algn="l" rtl="0" eaLnBrk="0" fontAlgn="base" hangingPunct="0">
+              <a:spcBef>
+                <a:spcPct val="20000"/>
+              </a:spcBef>
+              <a:spcAft>
+                <a:spcPct val="0"/>
+              </a:spcAft>
+              <a:buClr>
+                <a:schemeClr val="tx1">
+                  <a:lumMod val="95000"/>
+                  <a:lumOff val="5000"/>
+                </a:schemeClr>
+              </a:buClr>
+              <a:buChar char="–"/>
+              <a:defRPr sz="1800">
+                <a:solidFill>
+                  <a:srgbClr val="5F5F5F"/>
+                </a:solidFill>
+                <a:latin typeface="+mn-lt"/>
+                <a:ea typeface="ＭＳ Ｐゴシック" charset="-128"/>
+              </a:defRPr>
+            </a:lvl2pPr>
+            <a:lvl3pPr marL="1090613" indent="-176213" algn="l" rtl="0" eaLnBrk="0" fontAlgn="base" hangingPunct="0">
+              <a:spcBef>
+                <a:spcPct val="20000"/>
+              </a:spcBef>
+              <a:spcAft>
+                <a:spcPct val="0"/>
+              </a:spcAft>
+              <a:buClr>
+                <a:schemeClr val="tx1">
+                  <a:lumMod val="95000"/>
+                  <a:lumOff val="5000"/>
+                </a:schemeClr>
+              </a:buClr>
+              <a:buChar char="•"/>
+              <a:defRPr sz="1800">
+                <a:solidFill>
+                  <a:srgbClr val="5F5F5F"/>
+                </a:solidFill>
+                <a:latin typeface="+mn-lt"/>
+                <a:ea typeface="ＭＳ Ｐゴシック" charset="-128"/>
+              </a:defRPr>
+            </a:lvl3pPr>
+            <a:lvl4pPr marL="1600200" indent="-228600" algn="l" rtl="0" eaLnBrk="0" fontAlgn="base" hangingPunct="0">
+              <a:spcBef>
+                <a:spcPct val="20000"/>
+              </a:spcBef>
+              <a:spcAft>
+                <a:spcPct val="0"/>
+              </a:spcAft>
+              <a:buClr>
+                <a:schemeClr val="tx1">
+                  <a:lumMod val="95000"/>
+                  <a:lumOff val="5000"/>
+                </a:schemeClr>
+              </a:buClr>
+              <a:buChar char="–"/>
+              <a:defRPr sz="1800">
+                <a:solidFill>
+                  <a:srgbClr val="5F5F5F"/>
+                </a:solidFill>
+                <a:latin typeface="+mn-lt"/>
+                <a:ea typeface="ＭＳ Ｐゴシック" charset="-128"/>
+              </a:defRPr>
+            </a:lvl4pPr>
+            <a:lvl5pPr marL="2000250" indent="-171450" algn="l" rtl="0" eaLnBrk="0" fontAlgn="base" hangingPunct="0">
+              <a:spcBef>
+                <a:spcPct val="20000"/>
+              </a:spcBef>
+              <a:spcAft>
+                <a:spcPct val="0"/>
+              </a:spcAft>
+              <a:buClr>
+                <a:schemeClr val="tx1">
+                  <a:lumMod val="95000"/>
+                  <a:lumOff val="5000"/>
+                </a:schemeClr>
+              </a:buClr>
+              <a:buChar char="»"/>
+              <a:defRPr sz="1800">
+                <a:solidFill>
+                  <a:srgbClr val="5F5F5F"/>
+                </a:solidFill>
+                <a:latin typeface="+mn-lt"/>
+                <a:ea typeface="ＭＳ Ｐゴシック" charset="-128"/>
+              </a:defRPr>
+            </a:lvl5pPr>
+            <a:lvl6pPr marL="2514600" indent="-228600" algn="l" rtl="0" fontAlgn="base">
+              <a:spcBef>
+                <a:spcPct val="20000"/>
+              </a:spcBef>
+              <a:spcAft>
+                <a:spcPct val="0"/>
+              </a:spcAft>
+              <a:buChar char="»"/>
+              <a:defRPr sz="1400">
+                <a:solidFill>
+                  <a:srgbClr val="5F5F5F"/>
+                </a:solidFill>
+                <a:latin typeface="+mn-lt"/>
+                <a:ea typeface="ＭＳ Ｐゴシック" charset="-128"/>
+              </a:defRPr>
+            </a:lvl6pPr>
+            <a:lvl7pPr marL="2971800" indent="-228600" algn="l" rtl="0" fontAlgn="base">
+              <a:spcBef>
+                <a:spcPct val="20000"/>
+              </a:spcBef>
+              <a:spcAft>
+                <a:spcPct val="0"/>
+              </a:spcAft>
+              <a:buChar char="»"/>
+              <a:defRPr sz="1400">
+                <a:solidFill>
+                  <a:srgbClr val="5F5F5F"/>
+                </a:solidFill>
+                <a:latin typeface="+mn-lt"/>
+                <a:ea typeface="ＭＳ Ｐゴシック" charset="-128"/>
+              </a:defRPr>
+            </a:lvl7pPr>
+            <a:lvl8pPr marL="3429000" indent="-228600" algn="l" rtl="0" fontAlgn="base">
+              <a:spcBef>
+                <a:spcPct val="20000"/>
+              </a:spcBef>
+              <a:spcAft>
+                <a:spcPct val="0"/>
+              </a:spcAft>
+              <a:buChar char="»"/>
+              <a:defRPr sz="1400">
+                <a:solidFill>
+                  <a:srgbClr val="5F5F5F"/>
+                </a:solidFill>
+                <a:latin typeface="+mn-lt"/>
+                <a:ea typeface="ＭＳ Ｐゴシック" charset="-128"/>
+              </a:defRPr>
+            </a:lvl8pPr>
+            <a:lvl9pPr marL="3886200" indent="-228600" algn="l" rtl="0" fontAlgn="base">
+              <a:spcBef>
+                <a:spcPct val="20000"/>
+              </a:spcBef>
+              <a:spcAft>
+                <a:spcPct val="0"/>
+              </a:spcAft>
+              <a:buChar char="»"/>
+              <a:defRPr sz="1400">
+                <a:solidFill>
+                  <a:srgbClr val="5F5F5F"/>
+                </a:solidFill>
+                <a:latin typeface="+mn-lt"/>
+                <a:ea typeface="ＭＳ Ｐゴシック" charset="-128"/>
+              </a:defRPr>
+            </a:lvl9pPr>
+          </a:lstStyle>
+          <a:p>
+            <a:pPr marL="344488" indent="-342900"/>
+            <a:r>
+              <a:rPr lang="en-US" sz="2000" dirty="0" smtClean="0"/>
+              <a:t>Role of Simulation</a:t>
+            </a:r>
+          </a:p>
+          <a:p>
+            <a:pPr marL="800100" lvl="1" indent="-342900"/>
+            <a:r>
+              <a:rPr lang="en-US" sz="1800" dirty="0" smtClean="0"/>
+              <a:t>If we federate a given set of resources {R} what is the performance we expect?</a:t>
+            </a:r>
+          </a:p>
+          <a:p>
+            <a:pPr marL="800100" lvl="1" indent="-342900"/>
+            <a:r>
+              <a:rPr lang="en-US" dirty="0" smtClean="0"/>
+              <a:t>If we want a capability [C], what is the set of resources {R} we need to get this [C] with well-defined probability distribution?</a:t>
+            </a:r>
+          </a:p>
+          <a:p>
+            <a:pPr marL="800100" lvl="1" indent="-342900"/>
+            <a:r>
+              <a:rPr lang="en-US" sz="1800" dirty="0" smtClean="0"/>
+              <a:t>Given </a:t>
+            </a:r>
+            <a:r>
+              <a:rPr lang="en-US" sz="1800" dirty="0" smtClean="0"/>
+              <a:t>an instance of an application (model), </a:t>
+            </a:r>
+            <a:r>
+              <a:rPr lang="en-US" sz="1800" dirty="0" smtClean="0"/>
+              <a:t>what is the </a:t>
+            </a:r>
+            <a:r>
+              <a:rPr lang="en-US" sz="1800" dirty="0" smtClean="0"/>
+              <a:t>workload  independent </a:t>
+            </a:r>
+            <a:r>
+              <a:rPr lang="en-US" sz="1800" dirty="0" smtClean="0"/>
+              <a:t>of the underlying resources?</a:t>
+            </a:r>
           </a:p>
         </p:txBody>
       </p:sp>
     </p:spTree>
     <p:extLst>
       <p:ext uri="{BB962C8B-B14F-4D97-AF65-F5344CB8AC3E}">
-        <p14:creationId xmlns:p14="http://schemas.microsoft.com/office/powerpoint/2010/main" val="844055193"/>
+        <p14:creationId xmlns:p14="http://schemas.microsoft.com/office/powerpoint/2010/main" val="100327289"/>
       </p:ext>
     </p:extLst>
   </p:cSld>
   <p:clrMapOvr>
     <a:masterClrMapping/>
   </p:clrMapOvr>
+  <p:timing>
+    <p:tnLst>
+      <p:par>
+        <p:cTn xmlns:p14="http://schemas.microsoft.com/office/powerpoint/2010/main" id="1" dur="indefinite" restart="never" nodeType="tmRoot"/>
+      </p:par>
+    </p:tnLst>
+  </p:timing>
 </p:sld>
 </file>
 
@@ -5634,7 +6022,7 @@
           <a:p>
             <a:r>
               <a:rPr lang="en-US" dirty="0" smtClean="0"/>
-              <a:t>W*</a:t>
+              <a:t>A*</a:t>
             </a:r>
             <a:endParaRPr lang="en-US" dirty="0"/>
           </a:p>
@@ -5643,7 +6031,7 @@
     </p:spTree>
     <p:extLst>
       <p:ext uri="{BB962C8B-B14F-4D97-AF65-F5344CB8AC3E}">
-        <p14:creationId xmlns:p14="http://schemas.microsoft.com/office/powerpoint/2010/main" val="2346183925"/>
+        <p14:creationId xmlns:p14="http://schemas.microsoft.com/office/powerpoint/2010/main" val="844055193"/>
       </p:ext>
     </p:extLst>
   </p:cSld>
@@ -5687,7 +6075,7 @@
           <a:p>
             <a:r>
               <a:rPr lang="en-US" dirty="0" smtClean="0"/>
-              <a:t>P* </a:t>
+              <a:t>W*</a:t>
             </a:r>
             <a:endParaRPr lang="en-US" dirty="0"/>
           </a:p>
@@ -5696,7 +6084,7 @@
     </p:spTree>
     <p:extLst>
       <p:ext uri="{BB962C8B-B14F-4D97-AF65-F5344CB8AC3E}">
-        <p14:creationId xmlns:p14="http://schemas.microsoft.com/office/powerpoint/2010/main" val="2772051994"/>
+        <p14:creationId xmlns:p14="http://schemas.microsoft.com/office/powerpoint/2010/main" val="2346183925"/>
       </p:ext>
     </p:extLst>
   </p:cSld>

--- a/presentations/radical-modsim.pptx
+++ b/presentations/radical-modsim.pptx
@@ -5,7 +5,7 @@
     <p:sldMasterId id="2147483656" r:id="rId1"/>
   </p:sldMasterIdLst>
   <p:notesMasterIdLst>
-    <p:notesMasterId r:id="rId17"/>
+    <p:notesMasterId r:id="rId18"/>
   </p:notesMasterIdLst>
   <p:sldIdLst>
     <p:sldId id="256" r:id="rId2"/>
@@ -14,15 +14,16 @@
     <p:sldId id="290" r:id="rId5"/>
     <p:sldId id="283" r:id="rId6"/>
     <p:sldId id="281" r:id="rId7"/>
-    <p:sldId id="291" r:id="rId8"/>
-    <p:sldId id="285" r:id="rId9"/>
-    <p:sldId id="286" r:id="rId10"/>
-    <p:sldId id="287" r:id="rId11"/>
-    <p:sldId id="292" r:id="rId12"/>
-    <p:sldId id="288" r:id="rId13"/>
-    <p:sldId id="289" r:id="rId14"/>
-    <p:sldId id="284" r:id="rId15"/>
-    <p:sldId id="282" r:id="rId16"/>
+    <p:sldId id="294" r:id="rId8"/>
+    <p:sldId id="291" r:id="rId9"/>
+    <p:sldId id="285" r:id="rId10"/>
+    <p:sldId id="286" r:id="rId11"/>
+    <p:sldId id="287" r:id="rId12"/>
+    <p:sldId id="292" r:id="rId13"/>
+    <p:sldId id="288" r:id="rId14"/>
+    <p:sldId id="289" r:id="rId15"/>
+    <p:sldId id="284" r:id="rId16"/>
+    <p:sldId id="282" r:id="rId17"/>
   </p:sldIdLst>
   <p:sldSz cx="9144000" cy="6858000" type="screen4x3"/>
   <p:notesSz cx="6858000" cy="9144000"/>
@@ -2631,11 +2632,15 @@
             <a:pPr lvl="0"/>
             <a:r>
               <a:rPr lang="en-US" dirty="0"/>
-              <a:t>Next Generation Middleware for Distributed Extreme-Scale </a:t>
+              <a:t>Next Generation Middleware for Distributed </a:t>
+            </a:r>
+            <a:r>
+              <a:rPr lang="en-US" dirty="0" err="1" smtClean="0"/>
+              <a:t>Exascale</a:t>
             </a:r>
             <a:r>
               <a:rPr lang="en-US" dirty="0" smtClean="0"/>
-              <a:t>Infrastructure</a:t>
+              <a:t> Computing Infrastructure</a:t>
             </a:r>
             <a:br>
               <a:rPr lang="en-US" dirty="0" smtClean="0"/>
@@ -2839,7 +2844,7 @@
           <a:p>
             <a:r>
               <a:rPr lang="en-US" dirty="0" smtClean="0"/>
-              <a:t>P* </a:t>
+              <a:t>W*</a:t>
             </a:r>
             <a:endParaRPr lang="en-US" dirty="0"/>
           </a:p>
@@ -2848,7 +2853,7 @@
     </p:spTree>
     <p:extLst>
       <p:ext uri="{BB962C8B-B14F-4D97-AF65-F5344CB8AC3E}">
-        <p14:creationId xmlns:p14="http://schemas.microsoft.com/office/powerpoint/2010/main" val="2772051994"/>
+        <p14:creationId xmlns:p14="http://schemas.microsoft.com/office/powerpoint/2010/main" val="2346183925"/>
       </p:ext>
     </p:extLst>
   </p:cSld>
@@ -2892,41 +2897,8 @@
           <a:p>
             <a:r>
               <a:rPr lang="en-US" dirty="0" smtClean="0"/>
-              <a:t>I* </a:t>
-            </a:r>
-            <a:endParaRPr lang="en-US" dirty="0"/>
-          </a:p>
-        </p:txBody>
-      </p:sp>
-      <p:sp>
-        <p:nvSpPr>
-          <p:cNvPr id="3" name="Content Placeholder 2"/>
-          <p:cNvSpPr>
-            <a:spLocks noGrp="1"/>
-          </p:cNvSpPr>
-          <p:nvPr>
-            <p:ph idx="1"/>
-          </p:nvPr>
-        </p:nvSpPr>
-        <p:spPr/>
-        <p:txBody>
-          <a:bodyPr/>
-          <a:lstStyle/>
-          <a:p>
-            <a:r>
-              <a:rPr lang="en-US" dirty="0" smtClean="0"/>
-              <a:t>Analytical Model of Infrastructure</a:t>
-            </a:r>
-          </a:p>
-          <a:p>
-            <a:pPr lvl="1"/>
-            <a:r>
-              <a:rPr lang="en-US" dirty="0" smtClean="0"/>
-              <a:t>Based upon a set of capabilities exposed by that infrastructure, without regards to its internal properties</a:t>
-            </a:r>
-          </a:p>
-          <a:p>
-            <a:pPr lvl="1"/>
+              <a:t>P* </a:t>
+            </a:r>
             <a:endParaRPr lang="en-US" dirty="0"/>
           </a:p>
         </p:txBody>
@@ -2934,7 +2906,7 @@
     </p:spTree>
     <p:extLst>
       <p:ext uri="{BB962C8B-B14F-4D97-AF65-F5344CB8AC3E}">
-        <p14:creationId xmlns:p14="http://schemas.microsoft.com/office/powerpoint/2010/main" val="1832354515"/>
+        <p14:creationId xmlns:p14="http://schemas.microsoft.com/office/powerpoint/2010/main" val="2772051994"/>
       </p:ext>
     </p:extLst>
   </p:cSld>
@@ -2978,8 +2950,41 @@
           <a:p>
             <a:r>
               <a:rPr lang="en-US" dirty="0" smtClean="0"/>
-              <a:t>F*</a:t>
-            </a:r>
+              <a:t>I* </a:t>
+            </a:r>
+            <a:endParaRPr lang="en-US" dirty="0"/>
+          </a:p>
+        </p:txBody>
+      </p:sp>
+      <p:sp>
+        <p:nvSpPr>
+          <p:cNvPr id="3" name="Content Placeholder 2"/>
+          <p:cNvSpPr>
+            <a:spLocks noGrp="1"/>
+          </p:cNvSpPr>
+          <p:nvPr>
+            <p:ph idx="1"/>
+          </p:nvPr>
+        </p:nvSpPr>
+        <p:spPr/>
+        <p:txBody>
+          <a:bodyPr/>
+          <a:lstStyle/>
+          <a:p>
+            <a:r>
+              <a:rPr lang="en-US" dirty="0" smtClean="0"/>
+              <a:t>Analytical Model of Infrastructure</a:t>
+            </a:r>
+          </a:p>
+          <a:p>
+            <a:pPr lvl="1"/>
+            <a:r>
+              <a:rPr lang="en-US" dirty="0" smtClean="0"/>
+              <a:t>Based upon a set of capabilities exposed by that infrastructure, without regards to its internal properties</a:t>
+            </a:r>
+          </a:p>
+          <a:p>
+            <a:pPr lvl="1"/>
             <a:endParaRPr lang="en-US" dirty="0"/>
           </a:p>
         </p:txBody>
@@ -2987,7 +2992,7 @@
     </p:spTree>
     <p:extLst>
       <p:ext uri="{BB962C8B-B14F-4D97-AF65-F5344CB8AC3E}">
-        <p14:creationId xmlns:p14="http://schemas.microsoft.com/office/powerpoint/2010/main" val="4271741218"/>
+        <p14:creationId xmlns:p14="http://schemas.microsoft.com/office/powerpoint/2010/main" val="1832354515"/>
       </p:ext>
     </p:extLst>
   </p:cSld>
@@ -3031,6 +3036,59 @@
           <a:p>
             <a:r>
               <a:rPr lang="en-US" dirty="0" smtClean="0"/>
+              <a:t>F*</a:t>
+            </a:r>
+            <a:endParaRPr lang="en-US" dirty="0"/>
+          </a:p>
+        </p:txBody>
+      </p:sp>
+    </p:spTree>
+    <p:extLst>
+      <p:ext uri="{BB962C8B-B14F-4D97-AF65-F5344CB8AC3E}">
+        <p14:creationId xmlns:p14="http://schemas.microsoft.com/office/powerpoint/2010/main" val="4271741218"/>
+      </p:ext>
+    </p:extLst>
+  </p:cSld>
+  <p:clrMapOvr>
+    <a:masterClrMapping/>
+  </p:clrMapOvr>
+</p:sld>
+</file>
+
+<file path=ppt/slides/slide14.xml><?xml version="1.0" encoding="utf-8"?>
+<p:sld xmlns:a="http://schemas.openxmlformats.org/drawingml/2006/main" xmlns:r="http://schemas.openxmlformats.org/officeDocument/2006/relationships" xmlns:p="http://schemas.openxmlformats.org/presentationml/2006/main">
+  <p:cSld>
+    <p:spTree>
+      <p:nvGrpSpPr>
+        <p:cNvPr id="1" name=""/>
+        <p:cNvGrpSpPr/>
+        <p:nvPr/>
+      </p:nvGrpSpPr>
+      <p:grpSpPr>
+        <a:xfrm>
+          <a:off x="0" y="0"/>
+          <a:ext cx="0" cy="0"/>
+          <a:chOff x="0" y="0"/>
+          <a:chExt cx="0" cy="0"/>
+        </a:xfrm>
+      </p:grpSpPr>
+      <p:sp>
+        <p:nvSpPr>
+          <p:cNvPr id="2" name="Title 1"/>
+          <p:cNvSpPr>
+            <a:spLocks noGrp="1"/>
+          </p:cNvSpPr>
+          <p:nvPr>
+            <p:ph type="title"/>
+          </p:nvPr>
+        </p:nvSpPr>
+        <p:spPr/>
+        <p:txBody>
+          <a:bodyPr/>
+          <a:lstStyle/>
+          <a:p>
+            <a:r>
+              <a:rPr lang="en-US" dirty="0" smtClean="0"/>
               <a:t>*.* : Putting it together</a:t>
             </a:r>
             <a:endParaRPr lang="en-US" dirty="0"/>
@@ -3050,7 +3108,7 @@
 </p:sld>
 </file>
 
-<file path=ppt/slides/slide14.xml><?xml version="1.0" encoding="utf-8"?>
+<file path=ppt/slides/slide15.xml><?xml version="1.0" encoding="utf-8"?>
 <p:sld xmlns:a="http://schemas.openxmlformats.org/drawingml/2006/main" xmlns:r="http://schemas.openxmlformats.org/officeDocument/2006/relationships" xmlns:p="http://schemas.openxmlformats.org/presentationml/2006/main">
   <p:cSld>
     <p:spTree>
@@ -3134,11 +3192,7 @@
             </a:pPr>
             <a:r>
               <a:rPr lang="en-US" dirty="0" smtClean="0"/>
-              <a:t>Overarching Challenge: How does modeling </a:t>
-            </a:r>
-            <a:r>
-              <a:rPr lang="en-US" dirty="0" smtClean="0"/>
-              <a:t>DEC couple to and synergize with HPC </a:t>
+              <a:t>Overarching Challenge: How does modeling DEC couple to and synergize with HPC </a:t>
             </a:r>
             <a:r>
               <a:rPr lang="en-US" dirty="0" err="1" smtClean="0"/>
@@ -3170,7 +3224,6 @@
               <a:rPr lang="en-US" dirty="0" smtClean="0"/>
               <a:t>Granularity</a:t>
             </a:r>
-            <a:endParaRPr lang="en-US" dirty="0" smtClean="0"/>
           </a:p>
           <a:p>
             <a:pPr lvl="2">
@@ -3202,11 +3255,7 @@
             </a:pPr>
             <a:r>
               <a:rPr lang="en-US" dirty="0" smtClean="0"/>
-              <a:t>Multi-</a:t>
-            </a:r>
-            <a:r>
-              <a:rPr lang="en-US" dirty="0" smtClean="0"/>
-              <a:t>scale</a:t>
+              <a:t>Multi-scale</a:t>
             </a:r>
           </a:p>
           <a:p>
@@ -3228,13 +3277,8 @@
             </a:pPr>
             <a:r>
               <a:rPr lang="en-US" dirty="0" smtClean="0"/>
-              <a:t>Many possible parameters</a:t>
-            </a:r>
-            <a:r>
-              <a:rPr lang="en-US" dirty="0" smtClean="0"/>
-              <a:t>, which should be used?</a:t>
-            </a:r>
-            <a:endParaRPr lang="en-US" dirty="0" smtClean="0"/>
+              <a:t>Many possible parameters, which should be used?</a:t>
+            </a:r>
           </a:p>
           <a:p>
             <a:pPr lvl="2">
@@ -3246,7 +3290,6 @@
               <a:rPr lang="en-US" dirty="0" smtClean="0"/>
               <a:t>Linking models that reason using different parameters, e.g., energy considerations may not play a role at large-scale distribution	</a:t>
             </a:r>
-            <a:endParaRPr lang="en-US" dirty="0" smtClean="0"/>
           </a:p>
           <a:p>
             <a:pPr lvl="1">
@@ -3258,7 +3301,6 @@
               <a:rPr lang="en-US" dirty="0" smtClean="0"/>
               <a:t>Heterogeneity</a:t>
             </a:r>
-            <a:endParaRPr lang="en-US" dirty="0" smtClean="0"/>
           </a:p>
           <a:p>
             <a:pPr lvl="2">
@@ -3326,7 +3368,7 @@
 </p:sld>
 </file>
 
-<file path=ppt/slides/slide15.xml><?xml version="1.0" encoding="utf-8"?>
+<file path=ppt/slides/slide16.xml><?xml version="1.0" encoding="utf-8"?>
 <p:sld xmlns:a="http://schemas.openxmlformats.org/drawingml/2006/main" xmlns:r="http://schemas.openxmlformats.org/officeDocument/2006/relationships" xmlns:p="http://schemas.openxmlformats.org/presentationml/2006/main">
   <p:cSld>
     <p:spTree>
@@ -4253,29 +4295,7 @@
                   </a:schemeClr>
                 </a:solidFill>
               </a:rPr>
-              <a:t>NGMW: </a:t>
-            </a:r>
-            <a:r>
-              <a:rPr lang="en-US" dirty="0" smtClean="0">
-                <a:solidFill>
-                  <a:schemeClr val="tx1">
-                    <a:lumMod val="65000"/>
-                    <a:lumOff val="35000"/>
-                  </a:schemeClr>
-                </a:solidFill>
-              </a:rPr>
-              <a:t>Why </a:t>
-            </a:r>
-            <a:r>
-              <a:rPr lang="en-US" dirty="0" smtClean="0">
-                <a:solidFill>
-                  <a:schemeClr val="tx1">
-                    <a:lumMod val="65000"/>
-                    <a:lumOff val="35000"/>
-                  </a:schemeClr>
-                </a:solidFill>
-              </a:rPr>
-              <a:t>current approaches to DEC wont work!?</a:t>
+              <a:t>NGMW: Why current approaches to DEC wont work!?</a:t>
             </a:r>
           </a:p>
           <a:p>
@@ -4344,29 +4364,7 @@
                   </a:schemeClr>
                 </a:solidFill>
               </a:rPr>
-              <a:t>Integrated (multi-level) support </a:t>
-            </a:r>
-            <a:r>
-              <a:rPr lang="en-US" dirty="0" smtClean="0">
-                <a:solidFill>
-                  <a:schemeClr val="tx1">
-                    <a:lumMod val="65000"/>
-                    <a:lumOff val="35000"/>
-                  </a:schemeClr>
-                </a:solidFill>
-              </a:rPr>
-              <a:t>for Adaptive Applications and Dynamic </a:t>
-            </a:r>
-            <a:r>
-              <a:rPr lang="en-US" dirty="0" smtClean="0">
-                <a:solidFill>
-                  <a:schemeClr val="tx1">
-                    <a:lumMod val="65000"/>
-                    <a:lumOff val="35000"/>
-                  </a:schemeClr>
-                </a:solidFill>
-              </a:rPr>
-              <a:t>Resource Management</a:t>
+              <a:t>Integrated (multi-level) support for Adaptive Applications and Dynamic Resource Management</a:t>
             </a:r>
           </a:p>
           <a:p>
@@ -4386,36 +4384,6 @@
                 </a:solidFill>
               </a:rPr>
               <a:t>Schematic/Outline for NGMW</a:t>
-            </a:r>
-          </a:p>
-          <a:p>
-            <a:pPr marL="800100" lvl="1" indent="-342900">
-              <a:buClr>
-                <a:srgbClr val="000000"/>
-              </a:buClr>
-              <a:buSzPct val="100000"/>
-            </a:pPr>
-            <a:r>
-              <a:rPr lang="en-US" dirty="0" smtClean="0">
-                <a:solidFill>
-                  <a:schemeClr val="tx1">
-                    <a:lumMod val="65000"/>
-                    <a:lumOff val="35000"/>
-                  </a:schemeClr>
-                </a:solidFill>
-              </a:rPr>
-              <a:t>Conceptual and Analytical </a:t>
-            </a:r>
-            <a:r>
-              <a:rPr lang="en-US" dirty="0" smtClean="0">
-                <a:solidFill>
-                  <a:schemeClr val="tx1">
-                    <a:lumMod val="65000"/>
-                    <a:lumOff val="35000"/>
-                  </a:schemeClr>
-                </a:solidFill>
-              </a:rPr>
-              <a:t>Models:</a:t>
             </a:r>
           </a:p>
           <a:p>
@@ -4540,7 +4508,7 @@
               <a:buSzPct val="100000"/>
             </a:pPr>
             <a:r>
-              <a:rPr lang="en-US" smtClean="0">
+              <a:rPr lang="en-US" dirty="0" smtClean="0">
                 <a:solidFill>
                   <a:schemeClr val="tx1">
                     <a:lumMod val="65000"/>
@@ -4548,27 +4516,8 @@
                   </a:schemeClr>
                 </a:solidFill>
               </a:rPr>
-              <a:t>Other Challenges </a:t>
-            </a:r>
-            <a:r>
-              <a:rPr lang="en-US" dirty="0" smtClean="0">
-                <a:solidFill>
-                  <a:schemeClr val="tx1">
-                    <a:lumMod val="65000"/>
-                    <a:lumOff val="35000"/>
-                  </a:schemeClr>
-                </a:solidFill>
-              </a:rPr>
-              <a:t>in NGMW</a:t>
-            </a:r>
-            <a:endParaRPr lang="en-US" dirty="0" smtClean="0">
-              <a:solidFill>
-                <a:schemeClr val="tx1">
-                  <a:lumMod val="65000"/>
-                  <a:lumOff val="35000"/>
-                </a:schemeClr>
-              </a:solidFill>
-            </a:endParaRPr>
+              <a:t>Other Challenges in NGMW</a:t>
+            </a:r>
           </a:p>
         </p:txBody>
       </p:sp>
@@ -4882,11 +4831,7 @@
             </a:r>
             <a:r>
               <a:rPr lang="en" dirty="0" smtClean="0"/>
-              <a:t> </a:t>
-            </a:r>
-            <a:r>
-              <a:rPr lang="en" dirty="0" smtClean="0"/>
-              <a:t>diversified </a:t>
+              <a:t> diversified </a:t>
             </a:r>
             <a:r>
               <a:rPr lang="en" dirty="0"/>
@@ -4960,11 +4905,7 @@
             </a:pPr>
             <a:r>
               <a:rPr lang="en-US" sz="2000" dirty="0" smtClean="0"/>
-              <a:t>How</a:t>
-            </a:r>
-            <a:r>
-              <a:rPr lang="en-US" sz="2000" dirty="0" smtClean="0"/>
-              <a:t>/when </a:t>
+              <a:t>How/when </a:t>
             </a:r>
             <a:r>
               <a:rPr lang="en-US" sz="2000" dirty="0"/>
@@ -5574,8 +5515,28 @@
                   </a:schemeClr>
                 </a:solidFill>
               </a:rPr>
-              <a:t>In turn builds upon a model/models of infrastructure</a:t>
-            </a:r>
+              <a:t>In turn builds upon a model/models of </a:t>
+            </a:r>
+            <a:r>
+              <a:rPr lang="en-US" dirty="0" smtClean="0">
+                <a:solidFill>
+                  <a:schemeClr val="tx1">
+                    <a:lumMod val="65000"/>
+                    <a:lumOff val="35000"/>
+                  </a:schemeClr>
+                </a:solidFill>
+              </a:rPr>
+              <a:t>infrastructure</a:t>
+            </a:r>
+          </a:p>
+          <a:p>
+            <a:pPr marL="865188" lvl="2" indent="0">
+              <a:buClr>
+                <a:srgbClr val="000000"/>
+              </a:buClr>
+              <a:buSzPct val="100000"/>
+              <a:buNone/>
+            </a:pPr>
             <a:endParaRPr lang="en-US" dirty="0">
               <a:solidFill>
                 <a:schemeClr val="tx1">
@@ -5604,7 +5565,37 @@
             <a:pPr marL="1208088" lvl="2" indent="-342900"/>
             <a:r>
               <a:rPr lang="en-US" dirty="0" smtClean="0"/>
-              <a:t>A specific instance of A*, is subject to a transformation T which converts into executable units that have performance requirements</a:t>
+              <a:t>A specific instance of A*, is subject to a transformation </a:t>
+            </a:r>
+            <a:r>
+              <a:rPr lang="en-US" b="1" dirty="0" smtClean="0">
+                <a:ln w="12700">
+                  <a:solidFill>
+                    <a:schemeClr val="tx2">
+                      <a:satMod val="155000"/>
+                    </a:schemeClr>
+                  </a:solidFill>
+                  <a:prstDash val="solid"/>
+                </a:ln>
+                <a:solidFill>
+                  <a:schemeClr val="bg2">
+                    <a:tint val="85000"/>
+                    <a:satMod val="155000"/>
+                  </a:schemeClr>
+                </a:solidFill>
+                <a:effectLst>
+                  <a:outerShdw blurRad="41275" dist="20320" dir="1800000" algn="tl" rotWithShape="0">
+                    <a:srgbClr val="000000">
+                      <a:alpha val="40000"/>
+                    </a:srgbClr>
+                  </a:outerShdw>
+                </a:effectLst>
+              </a:rPr>
+              <a:t>T</a:t>
+            </a:r>
+            <a:r>
+              <a:rPr lang="en-US" dirty="0" smtClean="0"/>
+              <a:t> which converts into executable units that have performance requirements</a:t>
             </a:r>
           </a:p>
           <a:p>
@@ -5622,11 +5613,45 @@
             </a:r>
             <a:r>
               <a:rPr lang="en-US" dirty="0"/>
-              <a:t>transformation (aggregation of resources per F*</a:t>
+              <a:t>transformation </a:t>
+            </a:r>
+            <a:r>
+              <a:rPr lang="en-US" b="1" dirty="0" smtClean="0">
+                <a:ln w="12700">
+                  <a:solidFill>
+                    <a:schemeClr val="tx2">
+                      <a:satMod val="155000"/>
+                    </a:schemeClr>
+                  </a:solidFill>
+                  <a:prstDash val="solid"/>
+                </a:ln>
+                <a:solidFill>
+                  <a:schemeClr val="bg2">
+                    <a:tint val="85000"/>
+                    <a:satMod val="155000"/>
+                  </a:schemeClr>
+                </a:solidFill>
+                <a:effectLst>
+                  <a:outerShdw blurRad="41275" dist="20320" dir="1800000" algn="tl" rotWithShape="0">
+                    <a:srgbClr val="000000">
+                      <a:alpha val="40000"/>
+                    </a:srgbClr>
+                  </a:outerShdw>
+                </a:effectLst>
+              </a:rPr>
+              <a:t>R</a:t>
             </a:r>
             <a:r>
               <a:rPr lang="en-US" dirty="0" smtClean="0"/>
-              <a:t>) R</a:t>
+              <a:t>(</a:t>
+            </a:r>
+            <a:r>
+              <a:rPr lang="en-US" dirty="0"/>
+              <a:t>aggregation of resources per F*</a:t>
+            </a:r>
+            <a:r>
+              <a:rPr lang="en-US" dirty="0" smtClean="0"/>
+              <a:t>)</a:t>
             </a:r>
           </a:p>
         </p:txBody>
@@ -5923,47 +5948,160 @@
             </a:lvl9pPr>
           </a:lstStyle>
           <a:p>
-            <a:pPr marL="344488" indent="-342900"/>
-            <a:r>
-              <a:rPr lang="en-US" sz="2000" dirty="0" smtClean="0"/>
-              <a:t>Role of Simulation</a:t>
-            </a:r>
+            <a:pPr marL="344488" indent="-342900">
+              <a:buClr>
+                <a:srgbClr val="000000"/>
+              </a:buClr>
+              <a:buSzPct val="100000"/>
+            </a:pPr>
+            <a:r>
+              <a:rPr lang="en-US" dirty="0" smtClean="0">
+                <a:solidFill>
+                  <a:schemeClr val="tx1">
+                    <a:lumMod val="65000"/>
+                    <a:lumOff val="35000"/>
+                  </a:schemeClr>
+                </a:solidFill>
+              </a:rPr>
+              <a:t>Role </a:t>
+            </a:r>
+            <a:r>
+              <a:rPr lang="en-US" dirty="0">
+                <a:solidFill>
+                  <a:schemeClr val="tx1">
+                    <a:lumMod val="65000"/>
+                    <a:lumOff val="35000"/>
+                  </a:schemeClr>
+                </a:solidFill>
+              </a:rPr>
+              <a:t>of </a:t>
+            </a:r>
+            <a:r>
+              <a:rPr lang="en-US" dirty="0" smtClean="0">
+                <a:solidFill>
+                  <a:schemeClr val="tx1">
+                    <a:lumMod val="65000"/>
+                    <a:lumOff val="35000"/>
+                  </a:schemeClr>
+                </a:solidFill>
+              </a:rPr>
+              <a:t>Modeling</a:t>
+            </a:r>
+            <a:endParaRPr lang="en-US" dirty="0">
+              <a:solidFill>
+                <a:schemeClr val="tx1">
+                  <a:lumMod val="65000"/>
+                  <a:lumOff val="35000"/>
+                </a:schemeClr>
+              </a:solidFill>
+            </a:endParaRPr>
           </a:p>
           <a:p>
             <a:pPr marL="800100" lvl="1" indent="-342900"/>
             <a:r>
               <a:rPr lang="en-US" sz="1800" dirty="0" smtClean="0"/>
-              <a:t>If we federate a given set of resources {R} what is the performance we expect?</a:t>
-            </a:r>
-          </a:p>
-          <a:p>
-            <a:pPr marL="800100" lvl="1" indent="-342900"/>
+              <a:t>[A*, W* ]</a:t>
+            </a:r>
+            <a:r>
+              <a:rPr lang="en-US" dirty="0"/>
+              <a:t> </a:t>
+            </a:r>
             <a:r>
               <a:rPr lang="en-US" dirty="0" smtClean="0"/>
-              <a:t>If we want a capability [C], what is the set of resources {R} we need to get this [C] with well-defined probability distribution?</a:t>
-            </a:r>
-          </a:p>
-          <a:p>
-            <a:pPr marL="800100" lvl="1" indent="-342900"/>
-            <a:r>
-              <a:rPr lang="en-US" sz="1800" dirty="0" smtClean="0"/>
-              <a:t>Given </a:t>
-            </a:r>
-            <a:r>
-              <a:rPr lang="en-US" sz="1800" dirty="0" smtClean="0"/>
-              <a:t>an instance of an application (model), </a:t>
-            </a:r>
-            <a:r>
-              <a:rPr lang="en-US" sz="1800" dirty="0" smtClean="0"/>
-              <a:t>what is the </a:t>
-            </a:r>
-            <a:r>
-              <a:rPr lang="en-US" sz="1800" dirty="0" smtClean="0"/>
-              <a:t>workload  independent </a:t>
-            </a:r>
-            <a:r>
-              <a:rPr lang="en-US" sz="1800" dirty="0" smtClean="0"/>
-              <a:t>of the underlying resources?</a:t>
+              <a:t>and [P*, F*]</a:t>
+            </a:r>
+          </a:p>
+          <a:p>
+            <a:pPr marL="1208088" lvl="2" indent="-342900"/>
+            <a:r>
+              <a:rPr lang="en-US" dirty="0" smtClean="0"/>
+              <a:t>A specific instance of A*, is subject to a transformation </a:t>
+            </a:r>
+            <a:r>
+              <a:rPr lang="en-US" b="1" dirty="0" smtClean="0">
+                <a:ln w="12700">
+                  <a:solidFill>
+                    <a:schemeClr val="tx2">
+                      <a:satMod val="155000"/>
+                    </a:schemeClr>
+                  </a:solidFill>
+                  <a:prstDash val="solid"/>
+                </a:ln>
+                <a:solidFill>
+                  <a:schemeClr val="bg2">
+                    <a:tint val="85000"/>
+                    <a:satMod val="155000"/>
+                  </a:schemeClr>
+                </a:solidFill>
+                <a:effectLst>
+                  <a:outerShdw blurRad="41275" dist="20320" dir="1800000" algn="tl" rotWithShape="0">
+                    <a:srgbClr val="000000">
+                      <a:alpha val="40000"/>
+                    </a:srgbClr>
+                  </a:outerShdw>
+                </a:effectLst>
+              </a:rPr>
+              <a:t>T</a:t>
+            </a:r>
+            <a:r>
+              <a:rPr lang="en-US" dirty="0" smtClean="0"/>
+              <a:t> which converts into executable units that have performance requirements</a:t>
+            </a:r>
+          </a:p>
+          <a:p>
+            <a:pPr marL="1208088" lvl="2" indent="-342900"/>
+            <a:r>
+              <a:rPr lang="en-US" dirty="0" smtClean="0"/>
+              <a:t>Here A* is an conceptual model, and W* is an analytical model</a:t>
+            </a:r>
+          </a:p>
+          <a:p>
+            <a:pPr marL="1208088" lvl="2" indent="-342900"/>
+            <a:r>
+              <a:rPr lang="en-US" dirty="0" smtClean="0"/>
+              <a:t>P* is a model of Resources, which is subject to a </a:t>
+            </a:r>
+            <a:r>
+              <a:rPr lang="en-US" dirty="0"/>
+              <a:t>transformation </a:t>
+            </a:r>
+            <a:r>
+              <a:rPr lang="en-US" b="1" dirty="0" smtClean="0">
+                <a:ln w="12700">
+                  <a:solidFill>
+                    <a:schemeClr val="tx2">
+                      <a:satMod val="155000"/>
+                    </a:schemeClr>
+                  </a:solidFill>
+                  <a:prstDash val="solid"/>
+                </a:ln>
+                <a:solidFill>
+                  <a:schemeClr val="bg2">
+                    <a:tint val="85000"/>
+                    <a:satMod val="155000"/>
+                  </a:schemeClr>
+                </a:solidFill>
+                <a:effectLst>
+                  <a:outerShdw blurRad="41275" dist="20320" dir="1800000" algn="tl" rotWithShape="0">
+                    <a:srgbClr val="000000">
+                      <a:alpha val="40000"/>
+                    </a:srgbClr>
+                  </a:outerShdw>
+                </a:effectLst>
+              </a:rPr>
+              <a:t>R</a:t>
+            </a:r>
+            <a:r>
+              <a:rPr lang="en-US" dirty="0" smtClean="0"/>
+              <a:t>(</a:t>
+            </a:r>
+            <a:r>
+              <a:rPr lang="en-US" dirty="0"/>
+              <a:t>aggregation of resources per F*</a:t>
+            </a:r>
+            <a:r>
+              <a:rPr lang="en-US" dirty="0" smtClean="0"/>
+              <a:t>)</a:t>
             </a:r>
           </a:p>
         </p:txBody>
@@ -5971,7 +6109,7 @@
     </p:spTree>
     <p:extLst>
       <p:ext uri="{BB962C8B-B14F-4D97-AF65-F5344CB8AC3E}">
-        <p14:creationId xmlns:p14="http://schemas.microsoft.com/office/powerpoint/2010/main" val="100327289"/>
+        <p14:creationId xmlns:p14="http://schemas.microsoft.com/office/powerpoint/2010/main" val="2887821608"/>
       </p:ext>
     </p:extLst>
   </p:cSld>
@@ -6022,22 +6160,290 @@
           <a:p>
             <a:r>
               <a:rPr lang="en-US" dirty="0" smtClean="0"/>
-              <a:t>A*</a:t>
+              <a:t>Outline</a:t>
             </a:r>
             <a:endParaRPr lang="en-US" dirty="0"/>
+          </a:p>
+        </p:txBody>
+      </p:sp>
+      <p:sp>
+        <p:nvSpPr>
+          <p:cNvPr id="3" name="Shape 72"/>
+          <p:cNvSpPr txBox="1">
+            <a:spLocks/>
+          </p:cNvSpPr>
+          <p:nvPr/>
+        </p:nvSpPr>
+        <p:spPr bwMode="auto">
+          <a:xfrm>
+            <a:off x="282231" y="786259"/>
+            <a:ext cx="8596312" cy="5281613"/>
+          </a:xfrm>
+          <a:prstGeom prst="rect">
+            <a:avLst/>
+          </a:prstGeom>
+          <a:noFill/>
+          <a:ln>
+            <a:noFill/>
+          </a:ln>
+          <a:extLst>
+            <a:ext uri="{909E8E84-426E-40dd-AFC4-6F175D3DCCD1}">
+              <a14:hiddenFill xmlns:a14="http://schemas.microsoft.com/office/drawing/2010/main">
+                <a:solidFill>
+                  <a:srgbClr val="FFFFFF"/>
+                </a:solidFill>
+              </a14:hiddenFill>
+            </a:ext>
+            <a:ext uri="{91240B29-F687-4f45-9708-019B960494DF}">
+              <a14:hiddenLine xmlns:a14="http://schemas.microsoft.com/office/drawing/2010/main" w="9525">
+                <a:solidFill>
+                  <a:srgbClr val="000000"/>
+                </a:solidFill>
+                <a:miter lim="800000"/>
+                <a:headEnd/>
+                <a:tailEnd/>
+              </a14:hiddenLine>
+            </a:ext>
+            <a:ext uri="{FAA26D3D-D897-4be2-8F04-BA451C77F1D7}">
+              <ma14:placeholderFlag xmlns:ma14="http://schemas.microsoft.com/office/mac/drawingml/2011/main" val="1"/>
+            </a:ext>
+          </a:extLst>
+        </p:spPr>
+        <p:txBody>
+          <a:bodyPr vert="horz" wrap="square" lIns="91425" tIns="91425" rIns="91425" bIns="91425" numCol="1" anchor="t" anchorCtr="0" compatLnSpc="1">
+            <a:prstTxWarp prst="textNoShape">
+              <a:avLst/>
+            </a:prstTxWarp>
+            <a:noAutofit/>
+          </a:bodyPr>
+          <a:lstStyle>
+            <a:lvl1pPr marL="227013" indent="-227013" algn="l" rtl="0" eaLnBrk="0" fontAlgn="base" hangingPunct="0">
+              <a:spcBef>
+                <a:spcPts val="1200"/>
+              </a:spcBef>
+              <a:spcAft>
+                <a:spcPct val="0"/>
+              </a:spcAft>
+              <a:buClr>
+                <a:schemeClr val="tx1">
+                  <a:lumMod val="95000"/>
+                  <a:lumOff val="5000"/>
+                </a:schemeClr>
+              </a:buClr>
+              <a:buChar char="•"/>
+              <a:tabLst/>
+              <a:defRPr sz="2000">
+                <a:solidFill>
+                  <a:schemeClr val="tx1">
+                    <a:lumMod val="95000"/>
+                    <a:lumOff val="5000"/>
+                  </a:schemeClr>
+                </a:solidFill>
+                <a:latin typeface="+mn-lt"/>
+                <a:ea typeface="ＭＳ Ｐゴシック" charset="-128"/>
+                <a:cs typeface="ＭＳ Ｐゴシック" charset="-128"/>
+              </a:defRPr>
+            </a:lvl1pPr>
+            <a:lvl2pPr marL="682625" indent="-225425" algn="l" rtl="0" eaLnBrk="0" fontAlgn="base" hangingPunct="0">
+              <a:spcBef>
+                <a:spcPct val="20000"/>
+              </a:spcBef>
+              <a:spcAft>
+                <a:spcPct val="0"/>
+              </a:spcAft>
+              <a:buClr>
+                <a:schemeClr val="tx1">
+                  <a:lumMod val="95000"/>
+                  <a:lumOff val="5000"/>
+                </a:schemeClr>
+              </a:buClr>
+              <a:buChar char="–"/>
+              <a:defRPr sz="1800">
+                <a:solidFill>
+                  <a:srgbClr val="5F5F5F"/>
+                </a:solidFill>
+                <a:latin typeface="+mn-lt"/>
+                <a:ea typeface="ＭＳ Ｐゴシック" charset="-128"/>
+              </a:defRPr>
+            </a:lvl2pPr>
+            <a:lvl3pPr marL="1090613" indent="-176213" algn="l" rtl="0" eaLnBrk="0" fontAlgn="base" hangingPunct="0">
+              <a:spcBef>
+                <a:spcPct val="20000"/>
+              </a:spcBef>
+              <a:spcAft>
+                <a:spcPct val="0"/>
+              </a:spcAft>
+              <a:buClr>
+                <a:schemeClr val="tx1">
+                  <a:lumMod val="95000"/>
+                  <a:lumOff val="5000"/>
+                </a:schemeClr>
+              </a:buClr>
+              <a:buChar char="•"/>
+              <a:defRPr sz="1800">
+                <a:solidFill>
+                  <a:srgbClr val="5F5F5F"/>
+                </a:solidFill>
+                <a:latin typeface="+mn-lt"/>
+                <a:ea typeface="ＭＳ Ｐゴシック" charset="-128"/>
+              </a:defRPr>
+            </a:lvl3pPr>
+            <a:lvl4pPr marL="1600200" indent="-228600" algn="l" rtl="0" eaLnBrk="0" fontAlgn="base" hangingPunct="0">
+              <a:spcBef>
+                <a:spcPct val="20000"/>
+              </a:spcBef>
+              <a:spcAft>
+                <a:spcPct val="0"/>
+              </a:spcAft>
+              <a:buClr>
+                <a:schemeClr val="tx1">
+                  <a:lumMod val="95000"/>
+                  <a:lumOff val="5000"/>
+                </a:schemeClr>
+              </a:buClr>
+              <a:buChar char="–"/>
+              <a:defRPr sz="1800">
+                <a:solidFill>
+                  <a:srgbClr val="5F5F5F"/>
+                </a:solidFill>
+                <a:latin typeface="+mn-lt"/>
+                <a:ea typeface="ＭＳ Ｐゴシック" charset="-128"/>
+              </a:defRPr>
+            </a:lvl4pPr>
+            <a:lvl5pPr marL="2000250" indent="-171450" algn="l" rtl="0" eaLnBrk="0" fontAlgn="base" hangingPunct="0">
+              <a:spcBef>
+                <a:spcPct val="20000"/>
+              </a:spcBef>
+              <a:spcAft>
+                <a:spcPct val="0"/>
+              </a:spcAft>
+              <a:buClr>
+                <a:schemeClr val="tx1">
+                  <a:lumMod val="95000"/>
+                  <a:lumOff val="5000"/>
+                </a:schemeClr>
+              </a:buClr>
+              <a:buChar char="»"/>
+              <a:defRPr sz="1800">
+                <a:solidFill>
+                  <a:srgbClr val="5F5F5F"/>
+                </a:solidFill>
+                <a:latin typeface="+mn-lt"/>
+                <a:ea typeface="ＭＳ Ｐゴシック" charset="-128"/>
+              </a:defRPr>
+            </a:lvl5pPr>
+            <a:lvl6pPr marL="2514600" indent="-228600" algn="l" rtl="0" fontAlgn="base">
+              <a:spcBef>
+                <a:spcPct val="20000"/>
+              </a:spcBef>
+              <a:spcAft>
+                <a:spcPct val="0"/>
+              </a:spcAft>
+              <a:buChar char="»"/>
+              <a:defRPr sz="1400">
+                <a:solidFill>
+                  <a:srgbClr val="5F5F5F"/>
+                </a:solidFill>
+                <a:latin typeface="+mn-lt"/>
+                <a:ea typeface="ＭＳ Ｐゴシック" charset="-128"/>
+              </a:defRPr>
+            </a:lvl6pPr>
+            <a:lvl7pPr marL="2971800" indent="-228600" algn="l" rtl="0" fontAlgn="base">
+              <a:spcBef>
+                <a:spcPct val="20000"/>
+              </a:spcBef>
+              <a:spcAft>
+                <a:spcPct val="0"/>
+              </a:spcAft>
+              <a:buChar char="»"/>
+              <a:defRPr sz="1400">
+                <a:solidFill>
+                  <a:srgbClr val="5F5F5F"/>
+                </a:solidFill>
+                <a:latin typeface="+mn-lt"/>
+                <a:ea typeface="ＭＳ Ｐゴシック" charset="-128"/>
+              </a:defRPr>
+            </a:lvl7pPr>
+            <a:lvl8pPr marL="3429000" indent="-228600" algn="l" rtl="0" fontAlgn="base">
+              <a:spcBef>
+                <a:spcPct val="20000"/>
+              </a:spcBef>
+              <a:spcAft>
+                <a:spcPct val="0"/>
+              </a:spcAft>
+              <a:buChar char="»"/>
+              <a:defRPr sz="1400">
+                <a:solidFill>
+                  <a:srgbClr val="5F5F5F"/>
+                </a:solidFill>
+                <a:latin typeface="+mn-lt"/>
+                <a:ea typeface="ＭＳ Ｐゴシック" charset="-128"/>
+              </a:defRPr>
+            </a:lvl8pPr>
+            <a:lvl9pPr marL="3886200" indent="-228600" algn="l" rtl="0" fontAlgn="base">
+              <a:spcBef>
+                <a:spcPct val="20000"/>
+              </a:spcBef>
+              <a:spcAft>
+                <a:spcPct val="0"/>
+              </a:spcAft>
+              <a:buChar char="»"/>
+              <a:defRPr sz="1400">
+                <a:solidFill>
+                  <a:srgbClr val="5F5F5F"/>
+                </a:solidFill>
+                <a:latin typeface="+mn-lt"/>
+                <a:ea typeface="ＭＳ Ｐゴシック" charset="-128"/>
+              </a:defRPr>
+            </a:lvl9pPr>
+          </a:lstStyle>
+          <a:p>
+            <a:pPr marL="344488" indent="-342900"/>
+            <a:r>
+              <a:rPr lang="en-US" sz="2000" dirty="0" smtClean="0"/>
+              <a:t>Role of Simulation</a:t>
+            </a:r>
+          </a:p>
+          <a:p>
+            <a:pPr marL="800100" lvl="1" indent="-342900"/>
+            <a:r>
+              <a:rPr lang="en-US" sz="1800" dirty="0" smtClean="0"/>
+              <a:t>If we federate a given set of resources {R} what is the performance we expect?</a:t>
+            </a:r>
+          </a:p>
+          <a:p>
+            <a:pPr marL="800100" lvl="1" indent="-342900"/>
+            <a:r>
+              <a:rPr lang="en-US" dirty="0" smtClean="0"/>
+              <a:t>If we want a capability [C], what is the set of resources {R} we need to get this [C] with well-defined probability distribution?</a:t>
+            </a:r>
+          </a:p>
+          <a:p>
+            <a:pPr marL="800100" lvl="1" indent="-342900"/>
+            <a:r>
+              <a:rPr lang="en-US" sz="1800" dirty="0" smtClean="0"/>
+              <a:t>Given an instance of an application (model), what is the workload  independent of the underlying resources?</a:t>
+            </a:r>
           </a:p>
         </p:txBody>
       </p:sp>
     </p:spTree>
     <p:extLst>
       <p:ext uri="{BB962C8B-B14F-4D97-AF65-F5344CB8AC3E}">
-        <p14:creationId xmlns:p14="http://schemas.microsoft.com/office/powerpoint/2010/main" val="844055193"/>
+        <p14:creationId xmlns:p14="http://schemas.microsoft.com/office/powerpoint/2010/main" val="100327289"/>
       </p:ext>
     </p:extLst>
   </p:cSld>
   <p:clrMapOvr>
     <a:masterClrMapping/>
   </p:clrMapOvr>
+  <p:timing>
+    <p:tnLst>
+      <p:par>
+        <p:cTn xmlns:p14="http://schemas.microsoft.com/office/powerpoint/2010/main" id="1" dur="indefinite" restart="never" nodeType="tmRoot"/>
+      </p:par>
+    </p:tnLst>
+  </p:timing>
 </p:sld>
 </file>
 
@@ -6075,7 +6481,7 @@
           <a:p>
             <a:r>
               <a:rPr lang="en-US" dirty="0" smtClean="0"/>
-              <a:t>W*</a:t>
+              <a:t>A*</a:t>
             </a:r>
             <a:endParaRPr lang="en-US" dirty="0"/>
           </a:p>
@@ -6084,7 +6490,7 @@
     </p:spTree>
     <p:extLst>
       <p:ext uri="{BB962C8B-B14F-4D97-AF65-F5344CB8AC3E}">
-        <p14:creationId xmlns:p14="http://schemas.microsoft.com/office/powerpoint/2010/main" val="2346183925"/>
+        <p14:creationId xmlns:p14="http://schemas.microsoft.com/office/powerpoint/2010/main" val="844055193"/>
       </p:ext>
     </p:extLst>
   </p:cSld>

--- a/presentations/radical-modsim.pptx
+++ b/presentations/radical-modsim.pptx
@@ -4345,6 +4345,14 @@
               </a:rPr>
               <a:t>Capability Based </a:t>
             </a:r>
+            <a:endParaRPr lang="en-US" dirty="0" smtClean="0">
+              <a:solidFill>
+                <a:schemeClr val="tx1">
+                  <a:lumMod val="65000"/>
+                  <a:lumOff val="35000"/>
+                </a:schemeClr>
+              </a:solidFill>
+            </a:endParaRPr>
           </a:p>
           <a:p>
             <a:pPr marL="800100" lvl="1" indent="-342900">
@@ -4364,7 +4372,80 @@
                   </a:schemeClr>
                 </a:solidFill>
               </a:rPr>
-              <a:t>Integrated (multi-level) support for Adaptive Applications and Dynamic Resource Management</a:t>
+              <a:t>Abstracted </a:t>
+            </a:r>
+            <a:r>
+              <a:rPr lang="en-US" smtClean="0">
+                <a:solidFill>
+                  <a:schemeClr val="tx1">
+                    <a:lumMod val="65000"/>
+                    <a:lumOff val="35000"/>
+                  </a:schemeClr>
+                </a:solidFill>
+              </a:rPr>
+              <a:t>data logic (</a:t>
+            </a:r>
+            <a:r>
+              <a:rPr lang="en-US" dirty="0" smtClean="0">
+                <a:solidFill>
+                  <a:schemeClr val="tx1">
+                    <a:lumMod val="65000"/>
+                    <a:lumOff val="35000"/>
+                  </a:schemeClr>
+                </a:solidFill>
+              </a:rPr>
+              <a:t>representation, distribution, scheduling</a:t>
+            </a:r>
+            <a:r>
+              <a:rPr lang="en-US" smtClean="0">
+                <a:solidFill>
+                  <a:schemeClr val="tx1">
+                    <a:lumMod val="65000"/>
+                    <a:lumOff val="35000"/>
+                  </a:schemeClr>
+                </a:solidFill>
+              </a:rPr>
+              <a:t>, placement) </a:t>
+            </a:r>
+            <a:r>
+              <a:rPr lang="en-US" dirty="0" smtClean="0">
+                <a:solidFill>
+                  <a:schemeClr val="tx1">
+                    <a:lumMod val="65000"/>
+                    <a:lumOff val="35000"/>
+                  </a:schemeClr>
+                </a:solidFill>
+              </a:rPr>
+              <a:t>that captures application-semantics yet is not application-specific</a:t>
+            </a:r>
+            <a:endParaRPr lang="en-US" dirty="0">
+              <a:solidFill>
+                <a:schemeClr val="tx1">
+                  <a:lumMod val="65000"/>
+                  <a:lumOff val="35000"/>
+                </a:schemeClr>
+              </a:solidFill>
+            </a:endParaRPr>
+          </a:p>
+          <a:p>
+            <a:pPr marL="800100" lvl="1" indent="-342900">
+              <a:buClr>
+                <a:srgbClr val="000000"/>
+              </a:buClr>
+              <a:buSzPct val="100000"/>
+              <a:buFont typeface="+mj-lt"/>
+              <a:buAutoNum type="arabicPeriod"/>
+            </a:pPr>
+            <a:r>
+              <a:rPr lang="en-US" dirty="0" smtClean="0">
+                <a:solidFill>
+                  <a:schemeClr val="tx1">
+                    <a:lumMod val="65000"/>
+                    <a:lumOff val="35000"/>
+                  </a:schemeClr>
+                </a:solidFill>
+              </a:rPr>
+              <a:t>Integrated for Adaptive Applications and Dynamic Resource Management</a:t>
             </a:r>
           </a:p>
           <a:p>
@@ -5515,18 +5596,7 @@
                   </a:schemeClr>
                 </a:solidFill>
               </a:rPr>
-              <a:t>In turn builds upon a model/models of </a:t>
-            </a:r>
-            <a:r>
-              <a:rPr lang="en-US" dirty="0" smtClean="0">
-                <a:solidFill>
-                  <a:schemeClr val="tx1">
-                    <a:lumMod val="65000"/>
-                    <a:lumOff val="35000"/>
-                  </a:schemeClr>
-                </a:solidFill>
-              </a:rPr>
-              <a:t>infrastructure</a:t>
+              <a:t>In turn builds upon a model/models of infrastructure</a:t>
             </a:r>
           </a:p>
           <a:p>

--- a/presentations/radical-modsim.pptx
+++ b/presentations/radical-modsim.pptx
@@ -14,16 +14,16 @@
     <p:sldId id="290" r:id="rId5"/>
     <p:sldId id="283" r:id="rId6"/>
     <p:sldId id="281" r:id="rId7"/>
-    <p:sldId id="294" r:id="rId8"/>
-    <p:sldId id="291" r:id="rId9"/>
-    <p:sldId id="285" r:id="rId10"/>
-    <p:sldId id="286" r:id="rId11"/>
-    <p:sldId id="287" r:id="rId12"/>
-    <p:sldId id="292" r:id="rId13"/>
-    <p:sldId id="288" r:id="rId14"/>
-    <p:sldId id="289" r:id="rId15"/>
-    <p:sldId id="284" r:id="rId16"/>
-    <p:sldId id="282" r:id="rId17"/>
+    <p:sldId id="291" r:id="rId8"/>
+    <p:sldId id="285" r:id="rId9"/>
+    <p:sldId id="286" r:id="rId10"/>
+    <p:sldId id="287" r:id="rId11"/>
+    <p:sldId id="292" r:id="rId12"/>
+    <p:sldId id="288" r:id="rId13"/>
+    <p:sldId id="289" r:id="rId14"/>
+    <p:sldId id="284" r:id="rId15"/>
+    <p:sldId id="282" r:id="rId16"/>
+    <p:sldId id="295" r:id="rId17"/>
   </p:sldIdLst>
   <p:sldSz cx="9144000" cy="6858000" type="screen4x3"/>
   <p:notesSz cx="6858000" cy="9144000"/>
@@ -795,6 +795,76 @@
 </file>
 
 <file path=ppt/notesSlides/notesSlide4.xml><?xml version="1.0" encoding="utf-8"?>
+<p:notes xmlns:a="http://schemas.openxmlformats.org/drawingml/2006/main" xmlns:r="http://schemas.openxmlformats.org/officeDocument/2006/relationships" xmlns:p="http://schemas.openxmlformats.org/presentationml/2006/main">
+  <p:cSld>
+    <p:spTree>
+      <p:nvGrpSpPr>
+        <p:cNvPr id="1" name=""/>
+        <p:cNvGrpSpPr/>
+        <p:nvPr/>
+      </p:nvGrpSpPr>
+      <p:grpSpPr>
+        <a:xfrm>
+          <a:off x="0" y="0"/>
+          <a:ext cx="0" cy="0"/>
+          <a:chOff x="0" y="0"/>
+          <a:chExt cx="0" cy="0"/>
+        </a:xfrm>
+      </p:grpSpPr>
+      <p:sp>
+        <p:nvSpPr>
+          <p:cNvPr id="2" name="Slide Image Placeholder 1"/>
+          <p:cNvSpPr>
+            <a:spLocks noGrp="1" noRot="1" noChangeAspect="1"/>
+          </p:cNvSpPr>
+          <p:nvPr>
+            <p:ph type="sldImg"/>
+          </p:nvPr>
+        </p:nvSpPr>
+        <p:spPr>
+          <a:xfrm>
+            <a:off x="1143000" y="685800"/>
+            <a:ext cx="4572000" cy="3429000"/>
+          </a:xfrm>
+        </p:spPr>
+      </p:sp>
+      <p:sp>
+        <p:nvSpPr>
+          <p:cNvPr id="3" name="Notes Placeholder 2"/>
+          <p:cNvSpPr>
+            <a:spLocks noGrp="1"/>
+          </p:cNvSpPr>
+          <p:nvPr>
+            <p:ph type="body" idx="1"/>
+          </p:nvPr>
+        </p:nvSpPr>
+        <p:spPr/>
+        <p:txBody>
+          <a:bodyPr/>
+          <a:lstStyle/>
+          <a:p>
+            <a:r>
+              <a:rPr lang="en-US" dirty="0" smtClean="0"/>
+              <a:t>A* and W* need fixing</a:t>
+            </a:r>
+            <a:endParaRPr lang="en-US" dirty="0"/>
+          </a:p>
+        </p:txBody>
+      </p:sp>
+    </p:spTree>
+    <p:extLst>
+      <p:ext uri="{BB962C8B-B14F-4D97-AF65-F5344CB8AC3E}">
+        <p14:creationId xmlns:p14="http://schemas.microsoft.com/office/powerpoint/2010/main" val="596230984"/>
+      </p:ext>
+    </p:extLst>
+  </p:cSld>
+  <p:clrMapOvr>
+    <a:masterClrMapping/>
+  </p:clrMapOvr>
+</p:notes>
+</file>
+
+<file path=ppt/notesSlides/notesSlide5.xml><?xml version="1.0" encoding="utf-8"?>
 <p:notes xmlns:a="http://schemas.openxmlformats.org/drawingml/2006/main" xmlns:r="http://schemas.openxmlformats.org/officeDocument/2006/relationships" xmlns:p="http://schemas.openxmlformats.org/presentationml/2006/main" showMasterSp="0" showMasterPhAnim="0">
   <p:cSld>
     <p:spTree>
@@ -929,7 +999,7 @@
 </p:notes>
 </file>
 
-<file path=ppt/notesSlides/notesSlide5.xml><?xml version="1.0" encoding="utf-8"?>
+<file path=ppt/notesSlides/notesSlide6.xml><?xml version="1.0" encoding="utf-8"?>
 <p:notes xmlns:a="http://schemas.openxmlformats.org/drawingml/2006/main" xmlns:r="http://schemas.openxmlformats.org/officeDocument/2006/relationships" xmlns:p="http://schemas.openxmlformats.org/presentationml/2006/main" showMasterSp="0" showMasterPhAnim="0">
   <p:cSld>
     <p:spTree>
@@ -2674,47 +2744,6 @@
           </a:bodyPr>
           <a:lstStyle/>
           <a:p>
-            <a:r>
-              <a:rPr lang="en-US" dirty="0" smtClean="0"/>
-              <a:t>Shantenu Jha, </a:t>
-            </a:r>
-            <a:r>
-              <a:rPr lang="en-US" dirty="0" err="1" smtClean="0"/>
-              <a:t>Matteo</a:t>
-            </a:r>
-            <a:r>
-              <a:rPr lang="en-US" dirty="0" smtClean="0"/>
-              <a:t> </a:t>
-            </a:r>
-            <a:r>
-              <a:rPr lang="en-US" dirty="0" err="1" smtClean="0"/>
-              <a:t>Turilli</a:t>
-            </a:r>
-            <a:r>
-              <a:rPr lang="en-US" dirty="0" smtClean="0"/>
-              <a:t>, </a:t>
-            </a:r>
-          </a:p>
-          <a:p>
-            <a:r>
-              <a:rPr lang="en-US" dirty="0" smtClean="0"/>
-              <a:t>Mark </a:t>
-            </a:r>
-            <a:r>
-              <a:rPr lang="en-US" dirty="0" err="1" smtClean="0"/>
-              <a:t>Santcroos</a:t>
-            </a:r>
-            <a:r>
-              <a:rPr lang="en-US" dirty="0"/>
-              <a:t>, Andre </a:t>
-            </a:r>
-            <a:r>
-              <a:rPr lang="en-US" dirty="0" err="1"/>
-              <a:t>Merzky</a:t>
-            </a:r>
-            <a:endParaRPr lang="en-US" dirty="0"/>
-          </a:p>
-          <a:p>
             <a:pPr lvl="0" rtl="0">
               <a:buNone/>
             </a:pPr>
@@ -2844,7 +2873,7 @@
           <a:p>
             <a:r>
               <a:rPr lang="en-US" dirty="0" smtClean="0"/>
-              <a:t>W*</a:t>
+              <a:t>P* </a:t>
             </a:r>
             <a:endParaRPr lang="en-US" dirty="0"/>
           </a:p>
@@ -2853,7 +2882,7 @@
     </p:spTree>
     <p:extLst>
       <p:ext uri="{BB962C8B-B14F-4D97-AF65-F5344CB8AC3E}">
-        <p14:creationId xmlns:p14="http://schemas.microsoft.com/office/powerpoint/2010/main" val="2346183925"/>
+        <p14:creationId xmlns:p14="http://schemas.microsoft.com/office/powerpoint/2010/main" val="2772051994"/>
       </p:ext>
     </p:extLst>
   </p:cSld>
@@ -2897,8 +2926,55 @@
           <a:p>
             <a:r>
               <a:rPr lang="en-US" dirty="0" smtClean="0"/>
-              <a:t>P* </a:t>
-            </a:r>
+              <a:t>I* </a:t>
+            </a:r>
+            <a:r>
+              <a:rPr lang="en-US" dirty="0" smtClean="0"/>
+              <a:t> [Christian]</a:t>
+            </a:r>
+            <a:endParaRPr lang="en-US" dirty="0"/>
+          </a:p>
+        </p:txBody>
+      </p:sp>
+      <p:sp>
+        <p:nvSpPr>
+          <p:cNvPr id="3" name="Content Placeholder 2"/>
+          <p:cNvSpPr>
+            <a:spLocks noGrp="1"/>
+          </p:cNvSpPr>
+          <p:nvPr>
+            <p:ph idx="1"/>
+          </p:nvPr>
+        </p:nvSpPr>
+        <p:spPr/>
+        <p:txBody>
+          <a:bodyPr/>
+          <a:lstStyle/>
+          <a:p>
+            <a:r>
+              <a:rPr lang="en-US" dirty="0" smtClean="0"/>
+              <a:t>Analytical Model of Infrastructure</a:t>
+            </a:r>
+          </a:p>
+          <a:p>
+            <a:pPr lvl="1"/>
+            <a:r>
+              <a:rPr lang="en-US" dirty="0" smtClean="0"/>
+              <a:t>Based upon a set of capabilities exposed by that infrastructure, without regards to its internal </a:t>
+            </a:r>
+            <a:r>
+              <a:rPr lang="en-US" dirty="0" smtClean="0"/>
+              <a:t>properties</a:t>
+            </a:r>
+          </a:p>
+          <a:p>
+            <a:pPr marL="457200" lvl="1" indent="0">
+              <a:buNone/>
+            </a:pPr>
+            <a:endParaRPr lang="en-US" dirty="0" smtClean="0"/>
+          </a:p>
+          <a:p>
+            <a:pPr lvl="1"/>
             <a:endParaRPr lang="en-US" dirty="0"/>
           </a:p>
         </p:txBody>
@@ -2906,7 +2982,7 @@
     </p:spTree>
     <p:extLst>
       <p:ext uri="{BB962C8B-B14F-4D97-AF65-F5344CB8AC3E}">
-        <p14:creationId xmlns:p14="http://schemas.microsoft.com/office/powerpoint/2010/main" val="2772051994"/>
+        <p14:creationId xmlns:p14="http://schemas.microsoft.com/office/powerpoint/2010/main" val="1832354515"/>
       </p:ext>
     </p:extLst>
   </p:cSld>
@@ -2950,7 +3026,19 @@
           <a:p>
             <a:r>
               <a:rPr lang="en-US" dirty="0" smtClean="0"/>
-              <a:t>I* </a:t>
+              <a:t>F</a:t>
+            </a:r>
+            <a:r>
+              <a:rPr lang="en-US" dirty="0" smtClean="0"/>
+              <a:t>* [</a:t>
+            </a:r>
+            <a:r>
+              <a:rPr lang="en-US" dirty="0" err="1" smtClean="0"/>
+              <a:t>Matteo</a:t>
+            </a:r>
+            <a:r>
+              <a:rPr lang="en-US" dirty="0" smtClean="0"/>
+              <a:t>]</a:t>
             </a:r>
             <a:endParaRPr lang="en-US" dirty="0"/>
           </a:p>
@@ -2971,28 +3059,14 @@
           <a:bodyPr/>
           <a:lstStyle/>
           <a:p>
-            <a:r>
-              <a:rPr lang="en-US" dirty="0" smtClean="0"/>
-              <a:t>Analytical Model of Infrastructure</a:t>
-            </a:r>
-          </a:p>
-          <a:p>
-            <a:pPr lvl="1"/>
-            <a:r>
-              <a:rPr lang="en-US" dirty="0" smtClean="0"/>
-              <a:t>Based upon a set of capabilities exposed by that infrastructure, without regards to its internal properties</a:t>
-            </a:r>
-          </a:p>
-          <a:p>
-            <a:pPr lvl="1"/>
-            <a:endParaRPr lang="en-US" dirty="0"/>
+            <a:endParaRPr lang="en-US"/>
           </a:p>
         </p:txBody>
       </p:sp>
     </p:spTree>
     <p:extLst>
       <p:ext uri="{BB962C8B-B14F-4D97-AF65-F5344CB8AC3E}">
-        <p14:creationId xmlns:p14="http://schemas.microsoft.com/office/powerpoint/2010/main" val="1832354515"/>
+        <p14:creationId xmlns:p14="http://schemas.microsoft.com/office/powerpoint/2010/main" val="4271741218"/>
       </p:ext>
     </p:extLst>
   </p:cSld>
@@ -3036,50 +3110,20 @@
           <a:p>
             <a:r>
               <a:rPr lang="en-US" dirty="0" smtClean="0"/>
-              <a:t>F*</a:t>
+              <a:t>*.* : Putting it together</a:t>
             </a:r>
             <a:endParaRPr lang="en-US" dirty="0"/>
           </a:p>
         </p:txBody>
       </p:sp>
-    </p:spTree>
-    <p:extLst>
-      <p:ext uri="{BB962C8B-B14F-4D97-AF65-F5344CB8AC3E}">
-        <p14:creationId xmlns:p14="http://schemas.microsoft.com/office/powerpoint/2010/main" val="4271741218"/>
-      </p:ext>
-    </p:extLst>
-  </p:cSld>
-  <p:clrMapOvr>
-    <a:masterClrMapping/>
-  </p:clrMapOvr>
-</p:sld>
-</file>
-
-<file path=ppt/slides/slide14.xml><?xml version="1.0" encoding="utf-8"?>
-<p:sld xmlns:a="http://schemas.openxmlformats.org/drawingml/2006/main" xmlns:r="http://schemas.openxmlformats.org/officeDocument/2006/relationships" xmlns:p="http://schemas.openxmlformats.org/presentationml/2006/main">
-  <p:cSld>
-    <p:spTree>
-      <p:nvGrpSpPr>
-        <p:cNvPr id="1" name=""/>
-        <p:cNvGrpSpPr/>
-        <p:nvPr/>
-      </p:nvGrpSpPr>
-      <p:grpSpPr>
-        <a:xfrm>
-          <a:off x="0" y="0"/>
-          <a:ext cx="0" cy="0"/>
-          <a:chOff x="0" y="0"/>
-          <a:chExt cx="0" cy="0"/>
-        </a:xfrm>
-      </p:grpSpPr>
       <p:sp>
         <p:nvSpPr>
-          <p:cNvPr id="2" name="Title 1"/>
+          <p:cNvPr id="3" name="Content Placeholder 2"/>
           <p:cNvSpPr>
             <a:spLocks noGrp="1"/>
           </p:cNvSpPr>
           <p:nvPr>
-            <p:ph type="title"/>
+            <p:ph idx="1"/>
           </p:nvPr>
         </p:nvSpPr>
         <p:spPr/>
@@ -3089,7 +3133,7 @@
           <a:p>
             <a:r>
               <a:rPr lang="en-US" dirty="0" smtClean="0"/>
-              <a:t>*.* : Putting it together</a:t>
+              <a:t>We take the schematic of NGMW and show how the different levels at which the Models work, (ii) interact</a:t>
             </a:r>
             <a:endParaRPr lang="en-US" dirty="0"/>
           </a:p>
@@ -3108,7 +3152,7 @@
 </p:sld>
 </file>
 
-<file path=ppt/slides/slide15.xml><?xml version="1.0" encoding="utf-8"?>
+<file path=ppt/slides/slide14.xml><?xml version="1.0" encoding="utf-8"?>
 <p:sld xmlns:a="http://schemas.openxmlformats.org/drawingml/2006/main" xmlns:r="http://schemas.openxmlformats.org/officeDocument/2006/relationships" xmlns:p="http://schemas.openxmlformats.org/presentationml/2006/main">
   <p:cSld>
     <p:spTree>
@@ -3368,7 +3412,7 @@
 </p:sld>
 </file>
 
-<file path=ppt/slides/slide16.xml><?xml version="1.0" encoding="utf-8"?>
+<file path=ppt/slides/slide15.xml><?xml version="1.0" encoding="utf-8"?>
 <p:sld xmlns:a="http://schemas.openxmlformats.org/drawingml/2006/main" xmlns:r="http://schemas.openxmlformats.org/officeDocument/2006/relationships" xmlns:p="http://schemas.openxmlformats.org/presentationml/2006/main">
   <p:cSld>
     <p:spTree>
@@ -4127,6 +4171,200 @@
       </p:par>
     </p:tnLst>
   </p:timing>
+</p:sld>
+</file>
+
+<file path=ppt/slides/slide16.xml><?xml version="1.0" encoding="utf-8"?>
+<p:sld xmlns:a="http://schemas.openxmlformats.org/drawingml/2006/main" xmlns:r="http://schemas.openxmlformats.org/officeDocument/2006/relationships" xmlns:p="http://schemas.openxmlformats.org/presentationml/2006/main">
+  <p:cSld>
+    <p:spTree>
+      <p:nvGrpSpPr>
+        <p:cNvPr id="1" name=""/>
+        <p:cNvGrpSpPr/>
+        <p:nvPr/>
+      </p:nvGrpSpPr>
+      <p:grpSpPr>
+        <a:xfrm>
+          <a:off x="0" y="0"/>
+          <a:ext cx="0" cy="0"/>
+          <a:chOff x="0" y="0"/>
+          <a:chExt cx="0" cy="0"/>
+        </a:xfrm>
+      </p:grpSpPr>
+      <p:sp>
+        <p:nvSpPr>
+          <p:cNvPr id="2" name="Title 1"/>
+          <p:cNvSpPr>
+            <a:spLocks noGrp="1"/>
+          </p:cNvSpPr>
+          <p:nvPr>
+            <p:ph type="title"/>
+          </p:nvPr>
+        </p:nvSpPr>
+        <p:spPr/>
+        <p:txBody>
+          <a:bodyPr/>
+          <a:lstStyle/>
+          <a:p>
+            <a:r>
+              <a:rPr lang="en-US" dirty="0" smtClean="0"/>
+              <a:t>Organizer’s </a:t>
+            </a:r>
+            <a:r>
+              <a:rPr lang="en-US" dirty="0" smtClean="0"/>
+              <a:t>Questions [SJ]</a:t>
+            </a:r>
+            <a:endParaRPr lang="en-US" dirty="0"/>
+          </a:p>
+        </p:txBody>
+      </p:sp>
+      <p:sp>
+        <p:nvSpPr>
+          <p:cNvPr id="3" name="Content Placeholder 2"/>
+          <p:cNvSpPr>
+            <a:spLocks noGrp="1"/>
+          </p:cNvSpPr>
+          <p:nvPr>
+            <p:ph idx="1"/>
+          </p:nvPr>
+        </p:nvSpPr>
+        <p:spPr/>
+        <p:txBody>
+          <a:bodyPr/>
+          <a:lstStyle/>
+          <a:p>
+            <a:r>
+              <a:rPr lang="en-US" dirty="0"/>
+              <a:t>W</a:t>
+            </a:r>
+            <a:r>
+              <a:rPr lang="en-US" dirty="0" smtClean="0"/>
+              <a:t>hat </a:t>
+            </a:r>
+            <a:r>
+              <a:rPr lang="en-US" dirty="0"/>
+              <a:t>is the major contribution of your </a:t>
+            </a:r>
+            <a:r>
+              <a:rPr lang="en-US" dirty="0" smtClean="0"/>
+              <a:t>research?</a:t>
+            </a:r>
+          </a:p>
+          <a:p>
+            <a:r>
+              <a:rPr lang="en-US" dirty="0"/>
+              <a:t>W</a:t>
+            </a:r>
+            <a:r>
+              <a:rPr lang="en-US" dirty="0" smtClean="0"/>
+              <a:t>hat </a:t>
+            </a:r>
+            <a:r>
+              <a:rPr lang="en-US" dirty="0"/>
+              <a:t>are the gaps you identify in the research coverage in your area</a:t>
+            </a:r>
+            <a:r>
+              <a:rPr lang="en-US" dirty="0" smtClean="0"/>
+              <a:t>?</a:t>
+            </a:r>
+          </a:p>
+          <a:p>
+            <a:r>
+              <a:rPr lang="en-US" dirty="0"/>
+              <a:t>W</a:t>
+            </a:r>
+            <a:r>
+              <a:rPr lang="en-US" dirty="0" smtClean="0"/>
+              <a:t>hat </a:t>
+            </a:r>
+            <a:r>
+              <a:rPr lang="en-US" dirty="0"/>
+              <a:t>is the bigger picture for your research area? (i.e., identify synergistic projects, complementary projects in technical sense, </a:t>
+            </a:r>
+            <a:r>
+              <a:rPr lang="en-US" dirty="0" err="1"/>
+              <a:t>etc</a:t>
+            </a:r>
+            <a:r>
+              <a:rPr lang="en-US" dirty="0"/>
+              <a:t>) </a:t>
+            </a:r>
+            <a:endParaRPr lang="en-US" dirty="0" smtClean="0"/>
+          </a:p>
+          <a:p>
+            <a:r>
+              <a:rPr lang="en-US" dirty="0"/>
+              <a:t>H</a:t>
+            </a:r>
+            <a:r>
+              <a:rPr lang="en-US" dirty="0" smtClean="0"/>
+              <a:t>ow </a:t>
+            </a:r>
+            <a:r>
+              <a:rPr lang="en-US" dirty="0"/>
+              <a:t>do you see cross-pollination across projects funded by different funding agencies</a:t>
+            </a:r>
+            <a:r>
+              <a:rPr lang="en-US" dirty="0" smtClean="0"/>
+              <a:t>?</a:t>
+            </a:r>
+          </a:p>
+          <a:p>
+            <a:r>
+              <a:rPr lang="en-US" dirty="0"/>
+              <a:t>W</a:t>
+            </a:r>
+            <a:r>
+              <a:rPr lang="en-US" dirty="0" smtClean="0"/>
+              <a:t>hat </a:t>
+            </a:r>
+            <a:r>
+              <a:rPr lang="en-US" dirty="0"/>
+              <a:t>is the one thing that would make it easier/possible to leverage/use the results of other projects to further your own </a:t>
+            </a:r>
+            <a:r>
+              <a:rPr lang="en-US" dirty="0" smtClean="0"/>
+              <a:t>research?</a:t>
+            </a:r>
+          </a:p>
+          <a:p>
+            <a:r>
+              <a:rPr lang="en-US" dirty="0" smtClean="0"/>
+              <a:t>What</a:t>
+            </a:r>
+            <a:r>
+              <a:rPr lang="en-US" dirty="0"/>
+              <a:t>  would you like to most see solved/addressed other than what they are working on?</a:t>
+            </a:r>
+          </a:p>
+          <a:p>
+            <a:pPr marL="0" indent="0">
+              <a:buNone/>
+            </a:pPr>
+            <a:r>
+              <a:rPr lang="en-US" dirty="0"/>
+              <a:t/>
+            </a:r>
+            <a:br>
+              <a:rPr lang="en-US" dirty="0"/>
+            </a:br>
+            <a:endParaRPr lang="en-US" dirty="0"/>
+          </a:p>
+          <a:p>
+            <a:endParaRPr lang="en-US" dirty="0"/>
+          </a:p>
+        </p:txBody>
+      </p:sp>
+    </p:spTree>
+    <p:extLst>
+      <p:ext uri="{BB962C8B-B14F-4D97-AF65-F5344CB8AC3E}">
+        <p14:creationId xmlns:p14="http://schemas.microsoft.com/office/powerpoint/2010/main" val="2665645213"/>
+      </p:ext>
+    </p:extLst>
+  </p:cSld>
+  <p:clrMapOvr>
+    <a:masterClrMapping/>
+  </p:clrMapOvr>
 </p:sld>
 </file>
 
@@ -4726,7 +4964,11 @@
           <a:p>
             <a:r>
               <a:rPr lang="en-US" dirty="0" smtClean="0"/>
-              <a:t>NGMW Schematic</a:t>
+              <a:t>NGMW </a:t>
+            </a:r>
+            <a:r>
+              <a:rPr lang="en-US" dirty="0" smtClean="0"/>
+              <a:t>Schematic [Mark/SJ]</a:t>
             </a:r>
             <a:endParaRPr lang="en-US" dirty="0"/>
           </a:p>
@@ -5435,10 +5677,7 @@
             <a:r>
               <a:rPr lang="en-US" dirty="0">
                 <a:solidFill>
-                  <a:schemeClr val="tx1">
-                    <a:lumMod val="65000"/>
-                    <a:lumOff val="35000"/>
-                  </a:schemeClr>
+                  <a:srgbClr val="800000"/>
                 </a:solidFill>
               </a:rPr>
               <a:t>A* : Conceptual Model for Distributed Application</a:t>
@@ -5454,10 +5693,7 @@
             <a:r>
               <a:rPr lang="en-US" dirty="0">
                 <a:solidFill>
-                  <a:schemeClr val="tx1">
-                    <a:lumMod val="65000"/>
-                    <a:lumOff val="35000"/>
-                  </a:schemeClr>
+                  <a:srgbClr val="800000"/>
                 </a:solidFill>
               </a:rPr>
               <a:t>One of many different analytical models of an application</a:t>
@@ -5473,10 +5709,7 @@
             <a:r>
               <a:rPr lang="en-US" dirty="0">
                 <a:solidFill>
-                  <a:schemeClr val="tx1">
-                    <a:lumMod val="65000"/>
-                    <a:lumOff val="35000"/>
-                  </a:schemeClr>
+                  <a:srgbClr val="800000"/>
                 </a:solidFill>
               </a:rPr>
               <a:t>W*: Analytical model of workload </a:t>
@@ -5492,10 +5725,7 @@
             <a:r>
               <a:rPr lang="en-US" dirty="0">
                 <a:solidFill>
-                  <a:schemeClr val="tx1">
-                    <a:lumMod val="65000"/>
-                    <a:lumOff val="35000"/>
-                  </a:schemeClr>
+                  <a:srgbClr val="800000"/>
                 </a:solidFill>
               </a:rPr>
               <a:t>Outputs concrete executable units, thus provides a measure of performance and prediction but independent of resources</a:t>
@@ -5596,8 +5826,123 @@
                   </a:schemeClr>
                 </a:solidFill>
               </a:rPr>
-              <a:t>In turn builds upon a model/models of infrastructure</a:t>
-            </a:r>
+              <a:t>In turn builds upon a model/models of </a:t>
+            </a:r>
+            <a:r>
+              <a:rPr lang="en-US" dirty="0" smtClean="0">
+                <a:solidFill>
+                  <a:schemeClr val="tx1">
+                    <a:lumMod val="65000"/>
+                    <a:lumOff val="35000"/>
+                  </a:schemeClr>
+                </a:solidFill>
+              </a:rPr>
+              <a:t>infrastructure</a:t>
+            </a:r>
+          </a:p>
+          <a:p>
+            <a:pPr marL="800100" lvl="1" indent="-342900"/>
+            <a:r>
+              <a:rPr lang="en-US" dirty="0"/>
+              <a:t>[A*, W* ] and [P*, F*]</a:t>
+            </a:r>
+          </a:p>
+          <a:p>
+            <a:pPr marL="1208088" lvl="2" indent="-342900"/>
+            <a:r>
+              <a:rPr lang="en-US" dirty="0"/>
+              <a:t>A specific instance of A*, is subject to a transformation </a:t>
+            </a:r>
+            <a:r>
+              <a:rPr lang="en-US" b="1" dirty="0">
+                <a:ln w="12700">
+                  <a:solidFill>
+                    <a:schemeClr val="tx2">
+                      <a:satMod val="155000"/>
+                    </a:schemeClr>
+                  </a:solidFill>
+                  <a:prstDash val="solid"/>
+                </a:ln>
+                <a:solidFill>
+                  <a:schemeClr val="bg2">
+                    <a:tint val="85000"/>
+                    <a:satMod val="155000"/>
+                  </a:schemeClr>
+                </a:solidFill>
+                <a:effectLst>
+                  <a:outerShdw blurRad="41275" dist="20320" dir="1800000" algn="tl" rotWithShape="0">
+                    <a:srgbClr val="000000">
+                      <a:alpha val="40000"/>
+                    </a:srgbClr>
+                  </a:outerShdw>
+                </a:effectLst>
+              </a:rPr>
+              <a:t>T</a:t>
+            </a:r>
+            <a:r>
+              <a:rPr lang="en-US" dirty="0"/>
+              <a:t> which converts into executable units that have performance requirements</a:t>
+            </a:r>
+          </a:p>
+          <a:p>
+            <a:pPr marL="1208088" lvl="2" indent="-342900"/>
+            <a:r>
+              <a:rPr lang="en-US" dirty="0"/>
+              <a:t>Here A* is an conceptual model, and W* is an analytical model</a:t>
+            </a:r>
+          </a:p>
+          <a:p>
+            <a:pPr marL="1208088" lvl="2" indent="-342900"/>
+            <a:r>
+              <a:rPr lang="en-US" dirty="0"/>
+              <a:t>P* is a model of Resources, which is subject to a transformation </a:t>
+            </a:r>
+            <a:r>
+              <a:rPr lang="en-US" b="1" dirty="0">
+                <a:ln w="12700">
+                  <a:solidFill>
+                    <a:schemeClr val="tx2">
+                      <a:satMod val="155000"/>
+                    </a:schemeClr>
+                  </a:solidFill>
+                  <a:prstDash val="solid"/>
+                </a:ln>
+                <a:solidFill>
+                  <a:schemeClr val="bg2">
+                    <a:tint val="85000"/>
+                    <a:satMod val="155000"/>
+                  </a:schemeClr>
+                </a:solidFill>
+                <a:effectLst>
+                  <a:outerShdw blurRad="41275" dist="20320" dir="1800000" algn="tl" rotWithShape="0">
+                    <a:srgbClr val="000000">
+                      <a:alpha val="40000"/>
+                    </a:srgbClr>
+                  </a:outerShdw>
+                </a:effectLst>
+              </a:rPr>
+              <a:t>R</a:t>
+            </a:r>
+            <a:r>
+              <a:rPr lang="en-US" dirty="0"/>
+              <a:t>(aggregation of resources per F*)</a:t>
+            </a:r>
+          </a:p>
+          <a:p>
+            <a:pPr marL="344488" indent="-342900">
+              <a:buClr>
+                <a:srgbClr val="000000"/>
+              </a:buClr>
+              <a:buSzPct val="100000"/>
+            </a:pPr>
+            <a:endParaRPr lang="en-US" dirty="0" smtClean="0">
+              <a:solidFill>
+                <a:schemeClr val="tx1">
+                  <a:lumMod val="65000"/>
+                  <a:lumOff val="35000"/>
+                </a:schemeClr>
+              </a:solidFill>
+            </a:endParaRPr>
           </a:p>
           <a:p>
             <a:pPr marL="865188" lvl="2" indent="0">
@@ -5615,114 +5960,6 @@
                 </a:schemeClr>
               </a:solidFill>
             </a:endParaRPr>
-          </a:p>
-          <a:p>
-            <a:pPr marL="800100" lvl="1" indent="-342900"/>
-            <a:r>
-              <a:rPr lang="en-US" sz="1800" dirty="0" smtClean="0"/>
-              <a:t>[A*, W* ]</a:t>
-            </a:r>
-            <a:r>
-              <a:rPr lang="en-US" dirty="0"/>
-              <a:t> </a:t>
-            </a:r>
-            <a:r>
-              <a:rPr lang="en-US" dirty="0" smtClean="0"/>
-              <a:t>and [P*, F*]</a:t>
-            </a:r>
-          </a:p>
-          <a:p>
-            <a:pPr marL="1208088" lvl="2" indent="-342900"/>
-            <a:r>
-              <a:rPr lang="en-US" dirty="0" smtClean="0"/>
-              <a:t>A specific instance of A*, is subject to a transformation </a:t>
-            </a:r>
-            <a:r>
-              <a:rPr lang="en-US" b="1" dirty="0" smtClean="0">
-                <a:ln w="12700">
-                  <a:solidFill>
-                    <a:schemeClr val="tx2">
-                      <a:satMod val="155000"/>
-                    </a:schemeClr>
-                  </a:solidFill>
-                  <a:prstDash val="solid"/>
-                </a:ln>
-                <a:solidFill>
-                  <a:schemeClr val="bg2">
-                    <a:tint val="85000"/>
-                    <a:satMod val="155000"/>
-                  </a:schemeClr>
-                </a:solidFill>
-                <a:effectLst>
-                  <a:outerShdw blurRad="41275" dist="20320" dir="1800000" algn="tl" rotWithShape="0">
-                    <a:srgbClr val="000000">
-                      <a:alpha val="40000"/>
-                    </a:srgbClr>
-                  </a:outerShdw>
-                </a:effectLst>
-              </a:rPr>
-              <a:t>T</a:t>
-            </a:r>
-            <a:r>
-              <a:rPr lang="en-US" dirty="0" smtClean="0"/>
-              <a:t> which converts into executable units that have performance requirements</a:t>
-            </a:r>
-          </a:p>
-          <a:p>
-            <a:pPr marL="1208088" lvl="2" indent="-342900"/>
-            <a:r>
-              <a:rPr lang="en-US" dirty="0" smtClean="0"/>
-              <a:t>Here A* is an conceptual model, and W* is an analytical model</a:t>
-            </a:r>
-          </a:p>
-          <a:p>
-            <a:pPr marL="1208088" lvl="2" indent="-342900"/>
-            <a:r>
-              <a:rPr lang="en-US" dirty="0" smtClean="0"/>
-              <a:t>P* is a model of Resources, which is subject to a </a:t>
-            </a:r>
-            <a:r>
-              <a:rPr lang="en-US" dirty="0"/>
-              <a:t>transformation </a:t>
-            </a:r>
-            <a:r>
-              <a:rPr lang="en-US" b="1" dirty="0" smtClean="0">
-                <a:ln w="12700">
-                  <a:solidFill>
-                    <a:schemeClr val="tx2">
-                      <a:satMod val="155000"/>
-                    </a:schemeClr>
-                  </a:solidFill>
-                  <a:prstDash val="solid"/>
-                </a:ln>
-                <a:solidFill>
-                  <a:schemeClr val="bg2">
-                    <a:tint val="85000"/>
-                    <a:satMod val="155000"/>
-                  </a:schemeClr>
-                </a:solidFill>
-                <a:effectLst>
-                  <a:outerShdw blurRad="41275" dist="20320" dir="1800000" algn="tl" rotWithShape="0">
-                    <a:srgbClr val="000000">
-                      <a:alpha val="40000"/>
-                    </a:srgbClr>
-                  </a:outerShdw>
-                </a:effectLst>
-              </a:rPr>
-              <a:t>R</a:t>
-            </a:r>
-            <a:r>
-              <a:rPr lang="en-US" dirty="0" smtClean="0"/>
-              <a:t>(</a:t>
-            </a:r>
-            <a:r>
-              <a:rPr lang="en-US" dirty="0"/>
-              <a:t>aggregation of resources per F*</a:t>
-            </a:r>
-            <a:r>
-              <a:rPr lang="en-US" dirty="0" smtClean="0"/>
-              <a:t>)</a:t>
-            </a:r>
           </a:p>
         </p:txBody>
       </p:sp>
@@ -6018,160 +6255,31 @@
             </a:lvl9pPr>
           </a:lstStyle>
           <a:p>
-            <a:pPr marL="344488" indent="-342900">
-              <a:buClr>
-                <a:srgbClr val="000000"/>
-              </a:buClr>
-              <a:buSzPct val="100000"/>
-            </a:pPr>
-            <a:r>
-              <a:rPr lang="en-US" dirty="0" smtClean="0">
-                <a:solidFill>
-                  <a:schemeClr val="tx1">
-                    <a:lumMod val="65000"/>
-                    <a:lumOff val="35000"/>
-                  </a:schemeClr>
-                </a:solidFill>
-              </a:rPr>
-              <a:t>Role </a:t>
-            </a:r>
-            <a:r>
-              <a:rPr lang="en-US" dirty="0">
-                <a:solidFill>
-                  <a:schemeClr val="tx1">
-                    <a:lumMod val="65000"/>
-                    <a:lumOff val="35000"/>
-                  </a:schemeClr>
-                </a:solidFill>
-              </a:rPr>
-              <a:t>of </a:t>
-            </a:r>
-            <a:r>
-              <a:rPr lang="en-US" dirty="0" smtClean="0">
-                <a:solidFill>
-                  <a:schemeClr val="tx1">
-                    <a:lumMod val="65000"/>
-                    <a:lumOff val="35000"/>
-                  </a:schemeClr>
-                </a:solidFill>
-              </a:rPr>
-              <a:t>Modeling</a:t>
-            </a:r>
-            <a:endParaRPr lang="en-US" dirty="0">
-              <a:solidFill>
-                <a:schemeClr val="tx1">
-                  <a:lumMod val="65000"/>
-                  <a:lumOff val="35000"/>
-                </a:schemeClr>
-              </a:solidFill>
-            </a:endParaRPr>
+            <a:pPr marL="344488" indent="-342900"/>
+            <a:r>
+              <a:rPr lang="en-US" sz="2000" dirty="0" smtClean="0"/>
+              <a:t>Role of Simulation</a:t>
+            </a:r>
           </a:p>
           <a:p>
             <a:pPr marL="800100" lvl="1" indent="-342900"/>
             <a:r>
               <a:rPr lang="en-US" sz="1800" dirty="0" smtClean="0"/>
-              <a:t>[A*, W* ]</a:t>
-            </a:r>
-            <a:r>
-              <a:rPr lang="en-US" dirty="0"/>
-              <a:t> </a:t>
-            </a:r>
+              <a:t>If we federate a given set of resources {R} what is the performance we expect?</a:t>
+            </a:r>
+          </a:p>
+          <a:p>
+            <a:pPr marL="800100" lvl="1" indent="-342900"/>
             <a:r>
               <a:rPr lang="en-US" dirty="0" smtClean="0"/>
-              <a:t>and [P*, F*]</a:t>
-            </a:r>
-          </a:p>
-          <a:p>
-            <a:pPr marL="1208088" lvl="2" indent="-342900"/>
-            <a:r>
-              <a:rPr lang="en-US" dirty="0" smtClean="0"/>
-              <a:t>A specific instance of A*, is subject to a transformation </a:t>
-            </a:r>
-            <a:r>
-              <a:rPr lang="en-US" b="1" dirty="0" smtClean="0">
-                <a:ln w="12700">
-                  <a:solidFill>
-                    <a:schemeClr val="tx2">
-                      <a:satMod val="155000"/>
-                    </a:schemeClr>
-                  </a:solidFill>
-                  <a:prstDash val="solid"/>
-                </a:ln>
-                <a:solidFill>
-                  <a:schemeClr val="bg2">
-                    <a:tint val="85000"/>
-                    <a:satMod val="155000"/>
-                  </a:schemeClr>
-                </a:solidFill>
-                <a:effectLst>
-                  <a:outerShdw blurRad="41275" dist="20320" dir="1800000" algn="tl" rotWithShape="0">
-                    <a:srgbClr val="000000">
-                      <a:alpha val="40000"/>
-                    </a:srgbClr>
-                  </a:outerShdw>
-                </a:effectLst>
-              </a:rPr>
-              <a:t>T</a:t>
-            </a:r>
-            <a:r>
-              <a:rPr lang="en-US" dirty="0" smtClean="0"/>
-              <a:t> which converts into executable units that have performance requirements</a:t>
-            </a:r>
-          </a:p>
-          <a:p>
-            <a:pPr marL="1208088" lvl="2" indent="-342900"/>
-            <a:r>
-              <a:rPr lang="en-US" dirty="0" smtClean="0"/>
-              <a:t>Here A* is an conceptual model, and W* is an analytical model</a:t>
-            </a:r>
-          </a:p>
-          <a:p>
-            <a:pPr marL="1208088" lvl="2" indent="-342900"/>
-            <a:r>
-              <a:rPr lang="en-US" dirty="0" smtClean="0"/>
-              <a:t>P* is a model of Resources, which is subject to a </a:t>
-            </a:r>
-            <a:r>
-              <a:rPr lang="en-US" dirty="0"/>
-              <a:t>transformation </a:t>
-            </a:r>
-            <a:r>
-              <a:rPr lang="en-US" b="1" dirty="0" smtClean="0">
-                <a:ln w="12700">
-                  <a:solidFill>
-                    <a:schemeClr val="tx2">
-                      <a:satMod val="155000"/>
-                    </a:schemeClr>
-                  </a:solidFill>
-                  <a:prstDash val="solid"/>
-                </a:ln>
-                <a:solidFill>
-                  <a:schemeClr val="bg2">
-                    <a:tint val="85000"/>
-                    <a:satMod val="155000"/>
-                  </a:schemeClr>
-                </a:solidFill>
-                <a:effectLst>
-                  <a:outerShdw blurRad="41275" dist="20320" dir="1800000" algn="tl" rotWithShape="0">
-                    <a:srgbClr val="000000">
-                      <a:alpha val="40000"/>
-                    </a:srgbClr>
-                  </a:outerShdw>
-                </a:effectLst>
-              </a:rPr>
-              <a:t>R</a:t>
-            </a:r>
-            <a:r>
-              <a:rPr lang="en-US" dirty="0" smtClean="0"/>
-              <a:t>(</a:t>
-            </a:r>
-            <a:r>
-              <a:rPr lang="en-US" dirty="0"/>
-              <a:t>aggregation of resources per F*</a:t>
-            </a:r>
-            <a:r>
-              <a:rPr lang="en-US" dirty="0" smtClean="0"/>
-              <a:t>)</a:t>
+              <a:t>If we want a capability [C], what is the set of resources {R} we need to get this [C] with well-defined probability distribution?</a:t>
+            </a:r>
+          </a:p>
+          <a:p>
+            <a:pPr marL="800100" lvl="1" indent="-342900"/>
+            <a:r>
+              <a:rPr lang="en-US" sz="1800" dirty="0" smtClean="0"/>
+              <a:t>Given an instance of an application (model), what is the workload  independent of the underlying resources?</a:t>
             </a:r>
           </a:p>
         </p:txBody>
@@ -6179,7 +6287,7 @@
     </p:spTree>
     <p:extLst>
       <p:ext uri="{BB962C8B-B14F-4D97-AF65-F5344CB8AC3E}">
-        <p14:creationId xmlns:p14="http://schemas.microsoft.com/office/powerpoint/2010/main" val="2887821608"/>
+        <p14:creationId xmlns:p14="http://schemas.microsoft.com/office/powerpoint/2010/main" val="100327289"/>
       </p:ext>
     </p:extLst>
   </p:cSld>
@@ -6230,7 +6338,11 @@
           <a:p>
             <a:r>
               <a:rPr lang="en-US" dirty="0" smtClean="0"/>
-              <a:t>Outline</a:t>
+              <a:t>A</a:t>
+            </a:r>
+            <a:r>
+              <a:rPr lang="en-US" dirty="0" smtClean="0"/>
+              <a:t>* [Andre]</a:t>
             </a:r>
             <a:endParaRPr lang="en-US" dirty="0"/>
           </a:p>
@@ -6238,282 +6350,39 @@
       </p:sp>
       <p:sp>
         <p:nvSpPr>
-          <p:cNvPr id="3" name="Shape 72"/>
-          <p:cNvSpPr txBox="1">
-            <a:spLocks/>
+          <p:cNvPr id="3" name="Content Placeholder 2"/>
+          <p:cNvSpPr>
+            <a:spLocks noGrp="1"/>
           </p:cNvSpPr>
-          <p:nvPr/>
+          <p:nvPr>
+            <p:ph idx="1"/>
+          </p:nvPr>
         </p:nvSpPr>
-        <p:spPr bwMode="auto">
-          <a:xfrm>
-            <a:off x="282231" y="786259"/>
-            <a:ext cx="8596312" cy="5281613"/>
-          </a:xfrm>
-          <a:prstGeom prst="rect">
-            <a:avLst/>
-          </a:prstGeom>
-          <a:noFill/>
-          <a:ln>
-            <a:noFill/>
-          </a:ln>
-          <a:extLst>
-            <a:ext uri="{909E8E84-426E-40dd-AFC4-6F175D3DCCD1}">
-              <a14:hiddenFill xmlns:a14="http://schemas.microsoft.com/office/drawing/2010/main">
-                <a:solidFill>
-                  <a:srgbClr val="FFFFFF"/>
-                </a:solidFill>
-              </a14:hiddenFill>
-            </a:ext>
-            <a:ext uri="{91240B29-F687-4f45-9708-019B960494DF}">
-              <a14:hiddenLine xmlns:a14="http://schemas.microsoft.com/office/drawing/2010/main" w="9525">
-                <a:solidFill>
-                  <a:srgbClr val="000000"/>
-                </a:solidFill>
-                <a:miter lim="800000"/>
-                <a:headEnd/>
-                <a:tailEnd/>
-              </a14:hiddenLine>
-            </a:ext>
-            <a:ext uri="{FAA26D3D-D897-4be2-8F04-BA451C77F1D7}">
-              <ma14:placeholderFlag xmlns:ma14="http://schemas.microsoft.com/office/mac/drawingml/2011/main" val="1"/>
-            </a:ext>
-          </a:extLst>
-        </p:spPr>
+        <p:spPr/>
         <p:txBody>
-          <a:bodyPr vert="horz" wrap="square" lIns="91425" tIns="91425" rIns="91425" bIns="91425" numCol="1" anchor="t" anchorCtr="0" compatLnSpc="1">
-            <a:prstTxWarp prst="textNoShape">
-              <a:avLst/>
-            </a:prstTxWarp>
-            <a:noAutofit/>
-          </a:bodyPr>
-          <a:lstStyle>
-            <a:lvl1pPr marL="227013" indent="-227013" algn="l" rtl="0" eaLnBrk="0" fontAlgn="base" hangingPunct="0">
-              <a:spcBef>
-                <a:spcPts val="1200"/>
-              </a:spcBef>
-              <a:spcAft>
-                <a:spcPct val="0"/>
-              </a:spcAft>
-              <a:buClr>
-                <a:schemeClr val="tx1">
-                  <a:lumMod val="95000"/>
-                  <a:lumOff val="5000"/>
-                </a:schemeClr>
-              </a:buClr>
-              <a:buChar char="•"/>
-              <a:tabLst/>
-              <a:defRPr sz="2000">
-                <a:solidFill>
-                  <a:schemeClr val="tx1">
-                    <a:lumMod val="95000"/>
-                    <a:lumOff val="5000"/>
-                  </a:schemeClr>
-                </a:solidFill>
-                <a:latin typeface="+mn-lt"/>
-                <a:ea typeface="ＭＳ Ｐゴシック" charset="-128"/>
-                <a:cs typeface="ＭＳ Ｐゴシック" charset="-128"/>
-              </a:defRPr>
-            </a:lvl1pPr>
-            <a:lvl2pPr marL="682625" indent="-225425" algn="l" rtl="0" eaLnBrk="0" fontAlgn="base" hangingPunct="0">
-              <a:spcBef>
-                <a:spcPct val="20000"/>
-              </a:spcBef>
-              <a:spcAft>
-                <a:spcPct val="0"/>
-              </a:spcAft>
-              <a:buClr>
-                <a:schemeClr val="tx1">
-                  <a:lumMod val="95000"/>
-                  <a:lumOff val="5000"/>
-                </a:schemeClr>
-              </a:buClr>
-              <a:buChar char="–"/>
-              <a:defRPr sz="1800">
-                <a:solidFill>
-                  <a:srgbClr val="5F5F5F"/>
-                </a:solidFill>
-                <a:latin typeface="+mn-lt"/>
-                <a:ea typeface="ＭＳ Ｐゴシック" charset="-128"/>
-              </a:defRPr>
-            </a:lvl2pPr>
-            <a:lvl3pPr marL="1090613" indent="-176213" algn="l" rtl="0" eaLnBrk="0" fontAlgn="base" hangingPunct="0">
-              <a:spcBef>
-                <a:spcPct val="20000"/>
-              </a:spcBef>
-              <a:spcAft>
-                <a:spcPct val="0"/>
-              </a:spcAft>
-              <a:buClr>
-                <a:schemeClr val="tx1">
-                  <a:lumMod val="95000"/>
-                  <a:lumOff val="5000"/>
-                </a:schemeClr>
-              </a:buClr>
-              <a:buChar char="•"/>
-              <a:defRPr sz="1800">
-                <a:solidFill>
-                  <a:srgbClr val="5F5F5F"/>
-                </a:solidFill>
-                <a:latin typeface="+mn-lt"/>
-                <a:ea typeface="ＭＳ Ｐゴシック" charset="-128"/>
-              </a:defRPr>
-            </a:lvl3pPr>
-            <a:lvl4pPr marL="1600200" indent="-228600" algn="l" rtl="0" eaLnBrk="0" fontAlgn="base" hangingPunct="0">
-              <a:spcBef>
-                <a:spcPct val="20000"/>
-              </a:spcBef>
-              <a:spcAft>
-                <a:spcPct val="0"/>
-              </a:spcAft>
-              <a:buClr>
-                <a:schemeClr val="tx1">
-                  <a:lumMod val="95000"/>
-                  <a:lumOff val="5000"/>
-                </a:schemeClr>
-              </a:buClr>
-              <a:buChar char="–"/>
-              <a:defRPr sz="1800">
-                <a:solidFill>
-                  <a:srgbClr val="5F5F5F"/>
-                </a:solidFill>
-                <a:latin typeface="+mn-lt"/>
-                <a:ea typeface="ＭＳ Ｐゴシック" charset="-128"/>
-              </a:defRPr>
-            </a:lvl4pPr>
-            <a:lvl5pPr marL="2000250" indent="-171450" algn="l" rtl="0" eaLnBrk="0" fontAlgn="base" hangingPunct="0">
-              <a:spcBef>
-                <a:spcPct val="20000"/>
-              </a:spcBef>
-              <a:spcAft>
-                <a:spcPct val="0"/>
-              </a:spcAft>
-              <a:buClr>
-                <a:schemeClr val="tx1">
-                  <a:lumMod val="95000"/>
-                  <a:lumOff val="5000"/>
-                </a:schemeClr>
-              </a:buClr>
-              <a:buChar char="»"/>
-              <a:defRPr sz="1800">
-                <a:solidFill>
-                  <a:srgbClr val="5F5F5F"/>
-                </a:solidFill>
-                <a:latin typeface="+mn-lt"/>
-                <a:ea typeface="ＭＳ Ｐゴシック" charset="-128"/>
-              </a:defRPr>
-            </a:lvl5pPr>
-            <a:lvl6pPr marL="2514600" indent="-228600" algn="l" rtl="0" fontAlgn="base">
-              <a:spcBef>
-                <a:spcPct val="20000"/>
-              </a:spcBef>
-              <a:spcAft>
-                <a:spcPct val="0"/>
-              </a:spcAft>
-              <a:buChar char="»"/>
-              <a:defRPr sz="1400">
-                <a:solidFill>
-                  <a:srgbClr val="5F5F5F"/>
-                </a:solidFill>
-                <a:latin typeface="+mn-lt"/>
-                <a:ea typeface="ＭＳ Ｐゴシック" charset="-128"/>
-              </a:defRPr>
-            </a:lvl6pPr>
-            <a:lvl7pPr marL="2971800" indent="-228600" algn="l" rtl="0" fontAlgn="base">
-              <a:spcBef>
-                <a:spcPct val="20000"/>
-              </a:spcBef>
-              <a:spcAft>
-                <a:spcPct val="0"/>
-              </a:spcAft>
-              <a:buChar char="»"/>
-              <a:defRPr sz="1400">
-                <a:solidFill>
-                  <a:srgbClr val="5F5F5F"/>
-                </a:solidFill>
-                <a:latin typeface="+mn-lt"/>
-                <a:ea typeface="ＭＳ Ｐゴシック" charset="-128"/>
-              </a:defRPr>
-            </a:lvl7pPr>
-            <a:lvl8pPr marL="3429000" indent="-228600" algn="l" rtl="0" fontAlgn="base">
-              <a:spcBef>
-                <a:spcPct val="20000"/>
-              </a:spcBef>
-              <a:spcAft>
-                <a:spcPct val="0"/>
-              </a:spcAft>
-              <a:buChar char="»"/>
-              <a:defRPr sz="1400">
-                <a:solidFill>
-                  <a:srgbClr val="5F5F5F"/>
-                </a:solidFill>
-                <a:latin typeface="+mn-lt"/>
-                <a:ea typeface="ＭＳ Ｐゴシック" charset="-128"/>
-              </a:defRPr>
-            </a:lvl8pPr>
-            <a:lvl9pPr marL="3886200" indent="-228600" algn="l" rtl="0" fontAlgn="base">
-              <a:spcBef>
-                <a:spcPct val="20000"/>
-              </a:spcBef>
-              <a:spcAft>
-                <a:spcPct val="0"/>
-              </a:spcAft>
-              <a:buChar char="»"/>
-              <a:defRPr sz="1400">
-                <a:solidFill>
-                  <a:srgbClr val="5F5F5F"/>
-                </a:solidFill>
-                <a:latin typeface="+mn-lt"/>
-                <a:ea typeface="ＭＳ Ｐゴシック" charset="-128"/>
-              </a:defRPr>
-            </a:lvl9pPr>
-          </a:lstStyle>
-          <a:p>
-            <a:pPr marL="344488" indent="-342900"/>
-            <a:r>
-              <a:rPr lang="en-US" sz="2000" dirty="0" smtClean="0"/>
-              <a:t>Role of Simulation</a:t>
-            </a:r>
-          </a:p>
-          <a:p>
-            <a:pPr marL="800100" lvl="1" indent="-342900"/>
-            <a:r>
-              <a:rPr lang="en-US" sz="1800" dirty="0" smtClean="0"/>
-              <a:t>If we federate a given set of resources {R} what is the performance we expect?</a:t>
-            </a:r>
-          </a:p>
-          <a:p>
-            <a:pPr marL="800100" lvl="1" indent="-342900"/>
-            <a:r>
-              <a:rPr lang="en-US" dirty="0" smtClean="0"/>
-              <a:t>If we want a capability [C], what is the set of resources {R} we need to get this [C] with well-defined probability distribution?</a:t>
-            </a:r>
-          </a:p>
-          <a:p>
-            <a:pPr marL="800100" lvl="1" indent="-342900"/>
-            <a:r>
-              <a:rPr lang="en-US" sz="1800" dirty="0" smtClean="0"/>
-              <a:t>Given an instance of an application (model), what is the workload  independent of the underlying resources?</a:t>
-            </a:r>
+          <a:bodyPr/>
+          <a:lstStyle/>
+          <a:p>
+            <a:r>
+              <a:rPr lang="en-US" dirty="0"/>
+              <a:t>Andre: is this really a model of your emulator?</a:t>
+            </a:r>
+          </a:p>
+          <a:p>
+            <a:endParaRPr lang="en-US" dirty="0"/>
           </a:p>
         </p:txBody>
       </p:sp>
     </p:spTree>
     <p:extLst>
       <p:ext uri="{BB962C8B-B14F-4D97-AF65-F5344CB8AC3E}">
-        <p14:creationId xmlns:p14="http://schemas.microsoft.com/office/powerpoint/2010/main" val="100327289"/>
+        <p14:creationId xmlns:p14="http://schemas.microsoft.com/office/powerpoint/2010/main" val="844055193"/>
       </p:ext>
     </p:extLst>
   </p:cSld>
   <p:clrMapOvr>
     <a:masterClrMapping/>
   </p:clrMapOvr>
-  <p:timing>
-    <p:tnLst>
-      <p:par>
-        <p:cTn xmlns:p14="http://schemas.microsoft.com/office/powerpoint/2010/main" id="1" dur="indefinite" restart="never" nodeType="tmRoot"/>
-      </p:par>
-    </p:tnLst>
-  </p:timing>
 </p:sld>
 </file>
 
@@ -6551,7 +6420,34 @@
           <a:p>
             <a:r>
               <a:rPr lang="en-US" dirty="0" smtClean="0"/>
-              <a:t>A*</a:t>
+              <a:t>W</a:t>
+            </a:r>
+            <a:r>
+              <a:rPr lang="en-US" dirty="0" smtClean="0"/>
+              <a:t>* [Andre]</a:t>
+            </a:r>
+            <a:endParaRPr lang="en-US" dirty="0"/>
+          </a:p>
+        </p:txBody>
+      </p:sp>
+      <p:sp>
+        <p:nvSpPr>
+          <p:cNvPr id="3" name="Content Placeholder 2"/>
+          <p:cNvSpPr>
+            <a:spLocks noGrp="1"/>
+          </p:cNvSpPr>
+          <p:nvPr>
+            <p:ph idx="1"/>
+          </p:nvPr>
+        </p:nvSpPr>
+        <p:spPr/>
+        <p:txBody>
+          <a:bodyPr/>
+          <a:lstStyle/>
+          <a:p>
+            <a:r>
+              <a:rPr lang="en-US" dirty="0" smtClean="0"/>
+              <a:t>Andre: is this really a model of your emulator?</a:t>
             </a:r>
             <a:endParaRPr lang="en-US" dirty="0"/>
           </a:p>
@@ -6560,7 +6456,7 @@
     </p:spTree>
     <p:extLst>
       <p:ext uri="{BB962C8B-B14F-4D97-AF65-F5344CB8AC3E}">
-        <p14:creationId xmlns:p14="http://schemas.microsoft.com/office/powerpoint/2010/main" val="844055193"/>
+        <p14:creationId xmlns:p14="http://schemas.microsoft.com/office/powerpoint/2010/main" val="2346183925"/>
       </p:ext>
     </p:extLst>
   </p:cSld>

--- a/presentations/radical-modsim.pptx
+++ b/presentations/radical-modsim.pptx
@@ -2926,11 +2926,7 @@
           <a:p>
             <a:r>
               <a:rPr lang="en-US" dirty="0" smtClean="0"/>
-              <a:t>I* </a:t>
-            </a:r>
-            <a:r>
-              <a:rPr lang="en-US" dirty="0" smtClean="0"/>
-              <a:t> [Christian]</a:t>
+              <a:t>I*  [Christian]</a:t>
             </a:r>
             <a:endParaRPr lang="en-US" dirty="0"/>
           </a:p>
@@ -2960,11 +2956,7 @@
             <a:pPr lvl="1"/>
             <a:r>
               <a:rPr lang="en-US" dirty="0" smtClean="0"/>
-              <a:t>Based upon a set of capabilities exposed by that infrastructure, without regards to its internal </a:t>
-            </a:r>
-            <a:r>
-              <a:rPr lang="en-US" dirty="0" smtClean="0"/>
-              <a:t>properties</a:t>
+              <a:t>Based upon a set of capabilities exposed by that infrastructure, without regards to its internal properties</a:t>
             </a:r>
           </a:p>
           <a:p>
@@ -3026,11 +3018,7 @@
           <a:p>
             <a:r>
               <a:rPr lang="en-US" dirty="0" smtClean="0"/>
-              <a:t>F</a:t>
-            </a:r>
-            <a:r>
-              <a:rPr lang="en-US" dirty="0" smtClean="0"/>
-              <a:t>* [</a:t>
+              <a:t>F* [</a:t>
             </a:r>
             <a:r>
               <a:rPr lang="en-US" dirty="0" err="1" smtClean="0"/>
@@ -3133,7 +3121,11 @@
           <a:p>
             <a:r>
               <a:rPr lang="en-US" dirty="0" smtClean="0"/>
-              <a:t>We take the schematic of NGMW and show how the different levels at which the Models work, (ii) interact</a:t>
+              <a:t>We take the schematic of NGMW and show how the different levels at which the Models work, (ii) </a:t>
+            </a:r>
+            <a:r>
+              <a:rPr lang="en-US" dirty="0" smtClean="0"/>
+              <a:t>how different models interact, especially (a) Andre and Christian’s work/interface, (ii) I* and F*.</a:t>
             </a:r>
             <a:endParaRPr lang="en-US" dirty="0"/>
           </a:p>
@@ -4208,11 +4200,7 @@
           <a:p>
             <a:r>
               <a:rPr lang="en-US" dirty="0" smtClean="0"/>
-              <a:t>Organizer’s </a:t>
-            </a:r>
-            <a:r>
-              <a:rPr lang="en-US" dirty="0" smtClean="0"/>
-              <a:t>Questions [SJ]</a:t>
+              <a:t>Organizer’s Questions [SJ]</a:t>
             </a:r>
             <a:endParaRPr lang="en-US" dirty="0"/>
           </a:p>
@@ -4964,11 +4952,7 @@
           <a:p>
             <a:r>
               <a:rPr lang="en-US" dirty="0" smtClean="0"/>
-              <a:t>NGMW </a:t>
-            </a:r>
-            <a:r>
-              <a:rPr lang="en-US" dirty="0" smtClean="0"/>
-              <a:t>Schematic [Mark/SJ]</a:t>
+              <a:t>NGMW Schematic [Mark/SJ]</a:t>
             </a:r>
             <a:endParaRPr lang="en-US" dirty="0"/>
           </a:p>
@@ -5826,18 +5810,7 @@
                   </a:schemeClr>
                 </a:solidFill>
               </a:rPr>
-              <a:t>In turn builds upon a model/models of </a:t>
-            </a:r>
-            <a:r>
-              <a:rPr lang="en-US" dirty="0" smtClean="0">
-                <a:solidFill>
-                  <a:schemeClr val="tx1">
-                    <a:lumMod val="65000"/>
-                    <a:lumOff val="35000"/>
-                  </a:schemeClr>
-                </a:solidFill>
-              </a:rPr>
-              <a:t>infrastructure</a:t>
+              <a:t>In turn builds upon a model/models of infrastructure</a:t>
             </a:r>
           </a:p>
           <a:p>
@@ -6338,11 +6311,7 @@
           <a:p>
             <a:r>
               <a:rPr lang="en-US" dirty="0" smtClean="0"/>
-              <a:t>A</a:t>
-            </a:r>
-            <a:r>
-              <a:rPr lang="en-US" dirty="0" smtClean="0"/>
-              <a:t>* [Andre]</a:t>
+              <a:t>A* [Andre]</a:t>
             </a:r>
             <a:endParaRPr lang="en-US" dirty="0"/>
           </a:p>
@@ -6420,11 +6389,7 @@
           <a:p>
             <a:r>
               <a:rPr lang="en-US" dirty="0" smtClean="0"/>
-              <a:t>W</a:t>
-            </a:r>
-            <a:r>
-              <a:rPr lang="en-US" dirty="0" smtClean="0"/>
-              <a:t>* [Andre]</a:t>
+              <a:t>W* [Andre]</a:t>
             </a:r>
             <a:endParaRPr lang="en-US" dirty="0"/>
           </a:p>

--- a/presentations/radical-modsim.pptx
+++ b/presentations/radical-modsim.pptx
@@ -5,25 +5,26 @@
     <p:sldMasterId id="2147483656" r:id="rId1"/>
   </p:sldMasterIdLst>
   <p:notesMasterIdLst>
-    <p:notesMasterId r:id="rId18"/>
+    <p:notesMasterId r:id="rId19"/>
   </p:notesMasterIdLst>
   <p:sldIdLst>
     <p:sldId id="256" r:id="rId2"/>
     <p:sldId id="269" r:id="rId3"/>
     <p:sldId id="293" r:id="rId4"/>
-    <p:sldId id="290" r:id="rId5"/>
-    <p:sldId id="283" r:id="rId6"/>
-    <p:sldId id="281" r:id="rId7"/>
-    <p:sldId id="291" r:id="rId8"/>
-    <p:sldId id="285" r:id="rId9"/>
-    <p:sldId id="286" r:id="rId10"/>
-    <p:sldId id="287" r:id="rId11"/>
-    <p:sldId id="292" r:id="rId12"/>
-    <p:sldId id="288" r:id="rId13"/>
+    <p:sldId id="296" r:id="rId5"/>
+    <p:sldId id="290" r:id="rId6"/>
+    <p:sldId id="283" r:id="rId7"/>
+    <p:sldId id="281" r:id="rId8"/>
+    <p:sldId id="291" r:id="rId9"/>
+    <p:sldId id="285" r:id="rId10"/>
+    <p:sldId id="286" r:id="rId11"/>
+    <p:sldId id="287" r:id="rId12"/>
+    <p:sldId id="292" r:id="rId13"/>
     <p:sldId id="289" r:id="rId14"/>
-    <p:sldId id="284" r:id="rId15"/>
-    <p:sldId id="282" r:id="rId16"/>
-    <p:sldId id="295" r:id="rId17"/>
+    <p:sldId id="288" r:id="rId15"/>
+    <p:sldId id="284" r:id="rId16"/>
+    <p:sldId id="282" r:id="rId17"/>
+    <p:sldId id="295" r:id="rId18"/>
   </p:sldIdLst>
   <p:sldSz cx="9144000" cy="6858000" type="screen4x3"/>
   <p:notesSz cx="6858000" cy="9144000"/>
@@ -2873,7 +2874,30 @@
           <a:p>
             <a:r>
               <a:rPr lang="en-US" dirty="0" smtClean="0"/>
-              <a:t>P* </a:t>
+              <a:t>W* [Andre]</a:t>
+            </a:r>
+            <a:endParaRPr lang="en-US" dirty="0"/>
+          </a:p>
+        </p:txBody>
+      </p:sp>
+      <p:sp>
+        <p:nvSpPr>
+          <p:cNvPr id="3" name="Content Placeholder 2"/>
+          <p:cNvSpPr>
+            <a:spLocks noGrp="1"/>
+          </p:cNvSpPr>
+          <p:nvPr>
+            <p:ph idx="1"/>
+          </p:nvPr>
+        </p:nvSpPr>
+        <p:spPr/>
+        <p:txBody>
+          <a:bodyPr/>
+          <a:lstStyle/>
+          <a:p>
+            <a:r>
+              <a:rPr lang="en-US" dirty="0" smtClean="0"/>
+              <a:t>Andre: is this really a model of your emulator?</a:t>
             </a:r>
             <a:endParaRPr lang="en-US" dirty="0"/>
           </a:p>
@@ -2882,7 +2906,7 @@
     </p:spTree>
     <p:extLst>
       <p:ext uri="{BB962C8B-B14F-4D97-AF65-F5344CB8AC3E}">
-        <p14:creationId xmlns:p14="http://schemas.microsoft.com/office/powerpoint/2010/main" val="2772051994"/>
+        <p14:creationId xmlns:p14="http://schemas.microsoft.com/office/powerpoint/2010/main" val="2346183925"/>
       </p:ext>
     </p:extLst>
   </p:cSld>
@@ -2926,7 +2950,7 @@
           <a:p>
             <a:r>
               <a:rPr lang="en-US" dirty="0" smtClean="0"/>
-              <a:t>I*  [Christian]</a:t>
+              <a:t>P* </a:t>
             </a:r>
             <a:endParaRPr lang="en-US" dirty="0"/>
           </a:p>
@@ -2934,7 +2958,7 @@
       </p:sp>
       <p:sp>
         <p:nvSpPr>
-          <p:cNvPr id="3" name="Content Placeholder 2"/>
+          <p:cNvPr id="4" name="Content Placeholder 3"/>
           <p:cNvSpPr>
             <a:spLocks noGrp="1"/>
           </p:cNvSpPr>
@@ -2949,24 +2973,8 @@
           <a:p>
             <a:r>
               <a:rPr lang="en-US" dirty="0" smtClean="0"/>
-              <a:t>Analytical Model of Infrastructure</a:t>
-            </a:r>
-          </a:p>
-          <a:p>
-            <a:pPr lvl="1"/>
-            <a:r>
-              <a:rPr lang="en-US" dirty="0" smtClean="0"/>
-              <a:t>Based upon a set of capabilities exposed by that infrastructure, without regards to its internal properties</a:t>
-            </a:r>
-          </a:p>
-          <a:p>
-            <a:pPr marL="457200" lvl="1" indent="0">
-              <a:buNone/>
-            </a:pPr>
-            <a:endParaRPr lang="en-US" dirty="0" smtClean="0"/>
-          </a:p>
-          <a:p>
-            <a:pPr lvl="1"/>
+              <a:t>Currently Pilot-based compute resources, but plan is to have model for network and storage/data</a:t>
+            </a:r>
             <a:endParaRPr lang="en-US" dirty="0"/>
           </a:p>
         </p:txBody>
@@ -2974,7 +2982,7 @@
     </p:spTree>
     <p:extLst>
       <p:ext uri="{BB962C8B-B14F-4D97-AF65-F5344CB8AC3E}">
-        <p14:creationId xmlns:p14="http://schemas.microsoft.com/office/powerpoint/2010/main" val="1832354515"/>
+        <p14:creationId xmlns:p14="http://schemas.microsoft.com/office/powerpoint/2010/main" val="2772051994"/>
       </p:ext>
     </p:extLst>
   </p:cSld>
@@ -3018,15 +3026,7 @@
           <a:p>
             <a:r>
               <a:rPr lang="en-US" dirty="0" smtClean="0"/>
-              <a:t>F* [</a:t>
-            </a:r>
-            <a:r>
-              <a:rPr lang="en-US" dirty="0" err="1" smtClean="0"/>
-              <a:t>Matteo</a:t>
-            </a:r>
-            <a:r>
-              <a:rPr lang="en-US" dirty="0" smtClean="0"/>
-              <a:t>]</a:t>
+              <a:t>I*  [Christian]</a:t>
             </a:r>
             <a:endParaRPr lang="en-US" dirty="0"/>
           </a:p>
@@ -3047,14 +3047,34 @@
           <a:bodyPr/>
           <a:lstStyle/>
           <a:p>
-            <a:endParaRPr lang="en-US"/>
+            <a:r>
+              <a:rPr lang="en-US" dirty="0" smtClean="0"/>
+              <a:t>Analytical Model of Infrastructure</a:t>
+            </a:r>
+          </a:p>
+          <a:p>
+            <a:pPr lvl="1"/>
+            <a:r>
+              <a:rPr lang="en-US" dirty="0" smtClean="0"/>
+              <a:t>Based upon a set of capabilities exposed by that infrastructure, without regards to its internal properties</a:t>
+            </a:r>
+          </a:p>
+          <a:p>
+            <a:pPr marL="457200" lvl="1" indent="0">
+              <a:buNone/>
+            </a:pPr>
+            <a:endParaRPr lang="en-US" dirty="0" smtClean="0"/>
+          </a:p>
+          <a:p>
+            <a:pPr lvl="1"/>
+            <a:endParaRPr lang="en-US" dirty="0"/>
           </a:p>
         </p:txBody>
       </p:sp>
     </p:spTree>
     <p:extLst>
       <p:ext uri="{BB962C8B-B14F-4D97-AF65-F5344CB8AC3E}">
-        <p14:creationId xmlns:p14="http://schemas.microsoft.com/office/powerpoint/2010/main" val="4271741218"/>
+        <p14:creationId xmlns:p14="http://schemas.microsoft.com/office/powerpoint/2010/main" val="1832354515"/>
       </p:ext>
     </p:extLst>
   </p:cSld>
@@ -3121,11 +3141,7 @@
           <a:p>
             <a:r>
               <a:rPr lang="en-US" dirty="0" smtClean="0"/>
-              <a:t>We take the schematic of NGMW and show how the different levels at which the Models work, (ii) </a:t>
-            </a:r>
-            <a:r>
-              <a:rPr lang="en-US" dirty="0" smtClean="0"/>
-              <a:t>how different models interact, especially (a) Andre and Christian’s work/interface, (ii) I* and F*.</a:t>
+              <a:t>We take the schematic of NGMW and show how the different levels at which the Models work, (ii) how different models interact, especially (a) Andre and Christian’s work/interface, (ii) I* and F*.</a:t>
             </a:r>
             <a:endParaRPr lang="en-US" dirty="0"/>
           </a:p>
@@ -3145,6 +3161,86 @@
 </file>
 
 <file path=ppt/slides/slide14.xml><?xml version="1.0" encoding="utf-8"?>
+<p:sld xmlns:a="http://schemas.openxmlformats.org/drawingml/2006/main" xmlns:r="http://schemas.openxmlformats.org/officeDocument/2006/relationships" xmlns:p="http://schemas.openxmlformats.org/presentationml/2006/main">
+  <p:cSld>
+    <p:spTree>
+      <p:nvGrpSpPr>
+        <p:cNvPr id="1" name=""/>
+        <p:cNvGrpSpPr/>
+        <p:nvPr/>
+      </p:nvGrpSpPr>
+      <p:grpSpPr>
+        <a:xfrm>
+          <a:off x="0" y="0"/>
+          <a:ext cx="0" cy="0"/>
+          <a:chOff x="0" y="0"/>
+          <a:chExt cx="0" cy="0"/>
+        </a:xfrm>
+      </p:grpSpPr>
+      <p:sp>
+        <p:nvSpPr>
+          <p:cNvPr id="2" name="Title 1"/>
+          <p:cNvSpPr>
+            <a:spLocks noGrp="1"/>
+          </p:cNvSpPr>
+          <p:nvPr>
+            <p:ph type="title"/>
+          </p:nvPr>
+        </p:nvSpPr>
+        <p:spPr/>
+        <p:txBody>
+          <a:bodyPr/>
+          <a:lstStyle/>
+          <a:p>
+            <a:r>
+              <a:rPr lang="en-US" dirty="0" smtClean="0"/>
+              <a:t>F* [</a:t>
+            </a:r>
+            <a:r>
+              <a:rPr lang="en-US" dirty="0" err="1" smtClean="0"/>
+              <a:t>Matteo</a:t>
+            </a:r>
+            <a:r>
+              <a:rPr lang="en-US" dirty="0" smtClean="0"/>
+              <a:t>]</a:t>
+            </a:r>
+            <a:endParaRPr lang="en-US" dirty="0"/>
+          </a:p>
+        </p:txBody>
+      </p:sp>
+      <p:sp>
+        <p:nvSpPr>
+          <p:cNvPr id="3" name="Content Placeholder 2"/>
+          <p:cNvSpPr>
+            <a:spLocks noGrp="1"/>
+          </p:cNvSpPr>
+          <p:nvPr>
+            <p:ph idx="1"/>
+          </p:nvPr>
+        </p:nvSpPr>
+        <p:spPr/>
+        <p:txBody>
+          <a:bodyPr/>
+          <a:lstStyle/>
+          <a:p>
+            <a:endParaRPr lang="en-US"/>
+          </a:p>
+        </p:txBody>
+      </p:sp>
+    </p:spTree>
+    <p:extLst>
+      <p:ext uri="{BB962C8B-B14F-4D97-AF65-F5344CB8AC3E}">
+        <p14:creationId xmlns:p14="http://schemas.microsoft.com/office/powerpoint/2010/main" val="4271741218"/>
+      </p:ext>
+    </p:extLst>
+  </p:cSld>
+  <p:clrMapOvr>
+    <a:masterClrMapping/>
+  </p:clrMapOvr>
+</p:sld>
+</file>
+
+<file path=ppt/slides/slide15.xml><?xml version="1.0" encoding="utf-8"?>
 <p:sld xmlns:a="http://schemas.openxmlformats.org/drawingml/2006/main" xmlns:r="http://schemas.openxmlformats.org/officeDocument/2006/relationships" xmlns:p="http://schemas.openxmlformats.org/presentationml/2006/main">
   <p:cSld>
     <p:spTree>
@@ -3404,7 +3500,7 @@
 </p:sld>
 </file>
 
-<file path=ppt/slides/slide15.xml><?xml version="1.0" encoding="utf-8"?>
+<file path=ppt/slides/slide16.xml><?xml version="1.0" encoding="utf-8"?>
 <p:sld xmlns:a="http://schemas.openxmlformats.org/drawingml/2006/main" xmlns:r="http://schemas.openxmlformats.org/officeDocument/2006/relationships" xmlns:p="http://schemas.openxmlformats.org/presentationml/2006/main">
   <p:cSld>
     <p:spTree>
@@ -4166,7 +4262,7 @@
 </p:sld>
 </file>
 
-<file path=ppt/slides/slide16.xml><?xml version="1.0" encoding="utf-8"?>
+<file path=ppt/slides/slide17.xml><?xml version="1.0" encoding="utf-8"?>
 <p:sld xmlns:a="http://schemas.openxmlformats.org/drawingml/2006/main" xmlns:r="http://schemas.openxmlformats.org/officeDocument/2006/relationships" xmlns:p="http://schemas.openxmlformats.org/presentationml/2006/main">
   <p:cSld>
     <p:spTree>
@@ -4937,6 +5033,125 @@
       </p:grpSpPr>
       <p:sp>
         <p:nvSpPr>
+          <p:cNvPr id="2" name="Title 1"/>
+          <p:cNvSpPr>
+            <a:spLocks noGrp="1"/>
+          </p:cNvSpPr>
+          <p:nvPr>
+            <p:ph type="title"/>
+          </p:nvPr>
+        </p:nvSpPr>
+        <p:spPr/>
+        <p:txBody>
+          <a:bodyPr/>
+          <a:lstStyle/>
+          <a:p>
+            <a:r>
+              <a:rPr lang="en-US" dirty="0" smtClean="0"/>
+              <a:t>NGMW Important Questions</a:t>
+            </a:r>
+            <a:endParaRPr lang="en-US" dirty="0"/>
+          </a:p>
+        </p:txBody>
+      </p:sp>
+      <p:sp>
+        <p:nvSpPr>
+          <p:cNvPr id="3" name="Content Placeholder 2"/>
+          <p:cNvSpPr>
+            <a:spLocks noGrp="1"/>
+          </p:cNvSpPr>
+          <p:nvPr>
+            <p:ph idx="1"/>
+          </p:nvPr>
+        </p:nvSpPr>
+        <p:spPr/>
+        <p:txBody>
+          <a:bodyPr/>
+          <a:lstStyle/>
+          <a:p>
+            <a:r>
+              <a:rPr lang="en-US" dirty="0" smtClean="0"/>
+              <a:t>When to distribute?</a:t>
+            </a:r>
+          </a:p>
+          <a:p>
+            <a:pPr lvl="1"/>
+            <a:r>
+              <a:rPr lang="en-US" dirty="0" smtClean="0"/>
+              <a:t>Sub problem X is better running on a non-leadership class machine? </a:t>
+            </a:r>
+          </a:p>
+          <a:p>
+            <a:r>
+              <a:rPr lang="en-US" dirty="0" smtClean="0"/>
+              <a:t>What to distribute?</a:t>
+            </a:r>
+          </a:p>
+          <a:p>
+            <a:pPr lvl="1"/>
+            <a:endParaRPr lang="en-US" dirty="0" smtClean="0"/>
+          </a:p>
+          <a:p>
+            <a:r>
+              <a:rPr lang="en-US" dirty="0" smtClean="0"/>
+              <a:t>Where/how </a:t>
+            </a:r>
+            <a:r>
+              <a:rPr lang="en-US" dirty="0"/>
+              <a:t>to distribute</a:t>
+            </a:r>
+            <a:r>
+              <a:rPr lang="en-US" dirty="0" smtClean="0"/>
+              <a:t>?</a:t>
+            </a:r>
+          </a:p>
+          <a:p>
+            <a:pPr lvl="1"/>
+            <a:r>
+              <a:rPr lang="en-US" dirty="0" smtClean="0"/>
+              <a:t>Need information about resources, networks </a:t>
+            </a:r>
+          </a:p>
+          <a:p>
+            <a:pPr marL="457200" lvl="1" indent="0">
+              <a:buNone/>
+            </a:pPr>
+            <a:endParaRPr lang="en-US" dirty="0"/>
+          </a:p>
+        </p:txBody>
+      </p:sp>
+    </p:spTree>
+    <p:extLst>
+      <p:ext uri="{BB962C8B-B14F-4D97-AF65-F5344CB8AC3E}">
+        <p14:creationId xmlns:p14="http://schemas.microsoft.com/office/powerpoint/2010/main" val="4034351570"/>
+      </p:ext>
+    </p:extLst>
+  </p:cSld>
+  <p:clrMapOvr>
+    <a:masterClrMapping/>
+  </p:clrMapOvr>
+</p:sld>
+</file>
+
+<file path=ppt/slides/slide5.xml><?xml version="1.0" encoding="utf-8"?>
+<p:sld xmlns:a="http://schemas.openxmlformats.org/drawingml/2006/main" xmlns:r="http://schemas.openxmlformats.org/officeDocument/2006/relationships" xmlns:p="http://schemas.openxmlformats.org/presentationml/2006/main">
+  <p:cSld>
+    <p:spTree>
+      <p:nvGrpSpPr>
+        <p:cNvPr id="1" name=""/>
+        <p:cNvGrpSpPr/>
+        <p:nvPr/>
+      </p:nvGrpSpPr>
+      <p:grpSpPr>
+        <a:xfrm>
+          <a:off x="0" y="0"/>
+          <a:ext cx="0" cy="0"/>
+          <a:chOff x="0" y="0"/>
+          <a:chExt cx="0" cy="0"/>
+        </a:xfrm>
+      </p:grpSpPr>
+      <p:sp>
+        <p:nvSpPr>
           <p:cNvPr id="6" name="Title 5"/>
           <p:cNvSpPr>
             <a:spLocks noGrp="1"/>
@@ -4971,7 +5186,7 @@
 </p:sld>
 </file>
 
-<file path=ppt/slides/slide5.xml><?xml version="1.0" encoding="utf-8"?>
+<file path=ppt/slides/slide6.xml><?xml version="1.0" encoding="utf-8"?>
 <p:sld xmlns:a="http://schemas.openxmlformats.org/drawingml/2006/main" xmlns:r="http://schemas.openxmlformats.org/officeDocument/2006/relationships" xmlns:p="http://schemas.openxmlformats.org/presentationml/2006/main">
   <p:cSld>
     <p:spTree>
@@ -5340,612 +5555,6 @@
   <p:transition xmlns:p14="http://schemas.microsoft.com/office/powerpoint/2010/main" spd="slow">
     <p:cut/>
   </p:transition>
-  <p:timing>
-    <p:tnLst>
-      <p:par>
-        <p:cTn xmlns:p14="http://schemas.microsoft.com/office/powerpoint/2010/main" id="1" dur="indefinite" restart="never" nodeType="tmRoot"/>
-      </p:par>
-    </p:tnLst>
-  </p:timing>
-</p:sld>
-</file>
-
-<file path=ppt/slides/slide6.xml><?xml version="1.0" encoding="utf-8"?>
-<p:sld xmlns:a="http://schemas.openxmlformats.org/drawingml/2006/main" xmlns:r="http://schemas.openxmlformats.org/officeDocument/2006/relationships" xmlns:p="http://schemas.openxmlformats.org/presentationml/2006/main">
-  <p:cSld>
-    <p:spTree>
-      <p:nvGrpSpPr>
-        <p:cNvPr id="1" name=""/>
-        <p:cNvGrpSpPr/>
-        <p:nvPr/>
-      </p:nvGrpSpPr>
-      <p:grpSpPr>
-        <a:xfrm>
-          <a:off x="0" y="0"/>
-          <a:ext cx="0" cy="0"/>
-          <a:chOff x="0" y="0"/>
-          <a:chExt cx="0" cy="0"/>
-        </a:xfrm>
-      </p:grpSpPr>
-      <p:sp>
-        <p:nvSpPr>
-          <p:cNvPr id="2" name="Title 1"/>
-          <p:cNvSpPr>
-            <a:spLocks noGrp="1"/>
-          </p:cNvSpPr>
-          <p:nvPr>
-            <p:ph type="title"/>
-          </p:nvPr>
-        </p:nvSpPr>
-        <p:spPr/>
-        <p:txBody>
-          <a:bodyPr/>
-          <a:lstStyle/>
-          <a:p>
-            <a:r>
-              <a:rPr lang="en-US" dirty="0" smtClean="0"/>
-              <a:t>Outline</a:t>
-            </a:r>
-            <a:endParaRPr lang="en-US" dirty="0"/>
-          </a:p>
-        </p:txBody>
-      </p:sp>
-      <p:sp>
-        <p:nvSpPr>
-          <p:cNvPr id="3" name="Shape 72"/>
-          <p:cNvSpPr txBox="1">
-            <a:spLocks/>
-          </p:cNvSpPr>
-          <p:nvPr/>
-        </p:nvSpPr>
-        <p:spPr bwMode="auto">
-          <a:xfrm>
-            <a:off x="282231" y="786259"/>
-            <a:ext cx="8596312" cy="5281613"/>
-          </a:xfrm>
-          <a:prstGeom prst="rect">
-            <a:avLst/>
-          </a:prstGeom>
-          <a:noFill/>
-          <a:ln>
-            <a:noFill/>
-          </a:ln>
-          <a:extLst>
-            <a:ext uri="{909E8E84-426E-40dd-AFC4-6F175D3DCCD1}">
-              <a14:hiddenFill xmlns:a14="http://schemas.microsoft.com/office/drawing/2010/main">
-                <a:solidFill>
-                  <a:srgbClr val="FFFFFF"/>
-                </a:solidFill>
-              </a14:hiddenFill>
-            </a:ext>
-            <a:ext uri="{91240B29-F687-4f45-9708-019B960494DF}">
-              <a14:hiddenLine xmlns:a14="http://schemas.microsoft.com/office/drawing/2010/main" w="9525">
-                <a:solidFill>
-                  <a:srgbClr val="000000"/>
-                </a:solidFill>
-                <a:miter lim="800000"/>
-                <a:headEnd/>
-                <a:tailEnd/>
-              </a14:hiddenLine>
-            </a:ext>
-            <a:ext uri="{FAA26D3D-D897-4be2-8F04-BA451C77F1D7}">
-              <ma14:placeholderFlag xmlns:ma14="http://schemas.microsoft.com/office/mac/drawingml/2011/main" val="1"/>
-            </a:ext>
-          </a:extLst>
-        </p:spPr>
-        <p:txBody>
-          <a:bodyPr vert="horz" wrap="square" lIns="91425" tIns="91425" rIns="91425" bIns="91425" numCol="1" anchor="t" anchorCtr="0" compatLnSpc="1">
-            <a:prstTxWarp prst="textNoShape">
-              <a:avLst/>
-            </a:prstTxWarp>
-            <a:noAutofit/>
-          </a:bodyPr>
-          <a:lstStyle>
-            <a:lvl1pPr marL="227013" indent="-227013" algn="l" rtl="0" eaLnBrk="0" fontAlgn="base" hangingPunct="0">
-              <a:spcBef>
-                <a:spcPts val="1200"/>
-              </a:spcBef>
-              <a:spcAft>
-                <a:spcPct val="0"/>
-              </a:spcAft>
-              <a:buClr>
-                <a:schemeClr val="tx1">
-                  <a:lumMod val="95000"/>
-                  <a:lumOff val="5000"/>
-                </a:schemeClr>
-              </a:buClr>
-              <a:buChar char="•"/>
-              <a:tabLst/>
-              <a:defRPr sz="2000">
-                <a:solidFill>
-                  <a:schemeClr val="tx1">
-                    <a:lumMod val="95000"/>
-                    <a:lumOff val="5000"/>
-                  </a:schemeClr>
-                </a:solidFill>
-                <a:latin typeface="+mn-lt"/>
-                <a:ea typeface="ＭＳ Ｐゴシック" charset="-128"/>
-                <a:cs typeface="ＭＳ Ｐゴシック" charset="-128"/>
-              </a:defRPr>
-            </a:lvl1pPr>
-            <a:lvl2pPr marL="682625" indent="-225425" algn="l" rtl="0" eaLnBrk="0" fontAlgn="base" hangingPunct="0">
-              <a:spcBef>
-                <a:spcPct val="20000"/>
-              </a:spcBef>
-              <a:spcAft>
-                <a:spcPct val="0"/>
-              </a:spcAft>
-              <a:buClr>
-                <a:schemeClr val="tx1">
-                  <a:lumMod val="95000"/>
-                  <a:lumOff val="5000"/>
-                </a:schemeClr>
-              </a:buClr>
-              <a:buChar char="–"/>
-              <a:defRPr sz="1800">
-                <a:solidFill>
-                  <a:srgbClr val="5F5F5F"/>
-                </a:solidFill>
-                <a:latin typeface="+mn-lt"/>
-                <a:ea typeface="ＭＳ Ｐゴシック" charset="-128"/>
-              </a:defRPr>
-            </a:lvl2pPr>
-            <a:lvl3pPr marL="1090613" indent="-176213" algn="l" rtl="0" eaLnBrk="0" fontAlgn="base" hangingPunct="0">
-              <a:spcBef>
-                <a:spcPct val="20000"/>
-              </a:spcBef>
-              <a:spcAft>
-                <a:spcPct val="0"/>
-              </a:spcAft>
-              <a:buClr>
-                <a:schemeClr val="tx1">
-                  <a:lumMod val="95000"/>
-                  <a:lumOff val="5000"/>
-                </a:schemeClr>
-              </a:buClr>
-              <a:buChar char="•"/>
-              <a:defRPr sz="1800">
-                <a:solidFill>
-                  <a:srgbClr val="5F5F5F"/>
-                </a:solidFill>
-                <a:latin typeface="+mn-lt"/>
-                <a:ea typeface="ＭＳ Ｐゴシック" charset="-128"/>
-              </a:defRPr>
-            </a:lvl3pPr>
-            <a:lvl4pPr marL="1600200" indent="-228600" algn="l" rtl="0" eaLnBrk="0" fontAlgn="base" hangingPunct="0">
-              <a:spcBef>
-                <a:spcPct val="20000"/>
-              </a:spcBef>
-              <a:spcAft>
-                <a:spcPct val="0"/>
-              </a:spcAft>
-              <a:buClr>
-                <a:schemeClr val="tx1">
-                  <a:lumMod val="95000"/>
-                  <a:lumOff val="5000"/>
-                </a:schemeClr>
-              </a:buClr>
-              <a:buChar char="–"/>
-              <a:defRPr sz="1800">
-                <a:solidFill>
-                  <a:srgbClr val="5F5F5F"/>
-                </a:solidFill>
-                <a:latin typeface="+mn-lt"/>
-                <a:ea typeface="ＭＳ Ｐゴシック" charset="-128"/>
-              </a:defRPr>
-            </a:lvl4pPr>
-            <a:lvl5pPr marL="2000250" indent="-171450" algn="l" rtl="0" eaLnBrk="0" fontAlgn="base" hangingPunct="0">
-              <a:spcBef>
-                <a:spcPct val="20000"/>
-              </a:spcBef>
-              <a:spcAft>
-                <a:spcPct val="0"/>
-              </a:spcAft>
-              <a:buClr>
-                <a:schemeClr val="tx1">
-                  <a:lumMod val="95000"/>
-                  <a:lumOff val="5000"/>
-                </a:schemeClr>
-              </a:buClr>
-              <a:buChar char="»"/>
-              <a:defRPr sz="1800">
-                <a:solidFill>
-                  <a:srgbClr val="5F5F5F"/>
-                </a:solidFill>
-                <a:latin typeface="+mn-lt"/>
-                <a:ea typeface="ＭＳ Ｐゴシック" charset="-128"/>
-              </a:defRPr>
-            </a:lvl5pPr>
-            <a:lvl6pPr marL="2514600" indent="-228600" algn="l" rtl="0" fontAlgn="base">
-              <a:spcBef>
-                <a:spcPct val="20000"/>
-              </a:spcBef>
-              <a:spcAft>
-                <a:spcPct val="0"/>
-              </a:spcAft>
-              <a:buChar char="»"/>
-              <a:defRPr sz="1400">
-                <a:solidFill>
-                  <a:srgbClr val="5F5F5F"/>
-                </a:solidFill>
-                <a:latin typeface="+mn-lt"/>
-                <a:ea typeface="ＭＳ Ｐゴシック" charset="-128"/>
-              </a:defRPr>
-            </a:lvl6pPr>
-            <a:lvl7pPr marL="2971800" indent="-228600" algn="l" rtl="0" fontAlgn="base">
-              <a:spcBef>
-                <a:spcPct val="20000"/>
-              </a:spcBef>
-              <a:spcAft>
-                <a:spcPct val="0"/>
-              </a:spcAft>
-              <a:buChar char="»"/>
-              <a:defRPr sz="1400">
-                <a:solidFill>
-                  <a:srgbClr val="5F5F5F"/>
-                </a:solidFill>
-                <a:latin typeface="+mn-lt"/>
-                <a:ea typeface="ＭＳ Ｐゴシック" charset="-128"/>
-              </a:defRPr>
-            </a:lvl7pPr>
-            <a:lvl8pPr marL="3429000" indent="-228600" algn="l" rtl="0" fontAlgn="base">
-              <a:spcBef>
-                <a:spcPct val="20000"/>
-              </a:spcBef>
-              <a:spcAft>
-                <a:spcPct val="0"/>
-              </a:spcAft>
-              <a:buChar char="»"/>
-              <a:defRPr sz="1400">
-                <a:solidFill>
-                  <a:srgbClr val="5F5F5F"/>
-                </a:solidFill>
-                <a:latin typeface="+mn-lt"/>
-                <a:ea typeface="ＭＳ Ｐゴシック" charset="-128"/>
-              </a:defRPr>
-            </a:lvl8pPr>
-            <a:lvl9pPr marL="3886200" indent="-228600" algn="l" rtl="0" fontAlgn="base">
-              <a:spcBef>
-                <a:spcPct val="20000"/>
-              </a:spcBef>
-              <a:spcAft>
-                <a:spcPct val="0"/>
-              </a:spcAft>
-              <a:buChar char="»"/>
-              <a:defRPr sz="1400">
-                <a:solidFill>
-                  <a:srgbClr val="5F5F5F"/>
-                </a:solidFill>
-                <a:latin typeface="+mn-lt"/>
-                <a:ea typeface="ＭＳ Ｐゴシック" charset="-128"/>
-              </a:defRPr>
-            </a:lvl9pPr>
-          </a:lstStyle>
-          <a:p>
-            <a:pPr marL="344488" indent="-342900">
-              <a:buClr>
-                <a:srgbClr val="000000"/>
-              </a:buClr>
-              <a:buSzPct val="100000"/>
-            </a:pPr>
-            <a:r>
-              <a:rPr lang="en-US" dirty="0" smtClean="0">
-                <a:solidFill>
-                  <a:schemeClr val="tx1">
-                    <a:lumMod val="65000"/>
-                    <a:lumOff val="35000"/>
-                  </a:schemeClr>
-                </a:solidFill>
-              </a:rPr>
-              <a:t>Role </a:t>
-            </a:r>
-            <a:r>
-              <a:rPr lang="en-US" dirty="0">
-                <a:solidFill>
-                  <a:schemeClr val="tx1">
-                    <a:lumMod val="65000"/>
-                    <a:lumOff val="35000"/>
-                  </a:schemeClr>
-                </a:solidFill>
-              </a:rPr>
-              <a:t>of Modeling</a:t>
-            </a:r>
-          </a:p>
-          <a:p>
-            <a:pPr marL="800100" lvl="1" indent="-342900">
-              <a:buClr>
-                <a:srgbClr val="000000"/>
-              </a:buClr>
-              <a:buSzPct val="100000"/>
-            </a:pPr>
-            <a:r>
-              <a:rPr lang="en-US" dirty="0">
-                <a:solidFill>
-                  <a:srgbClr val="800000"/>
-                </a:solidFill>
-              </a:rPr>
-              <a:t>A* : Conceptual Model for Distributed Application</a:t>
-            </a:r>
-          </a:p>
-          <a:p>
-            <a:pPr marL="1208088" lvl="2" indent="-342900">
-              <a:buClr>
-                <a:srgbClr val="000000"/>
-              </a:buClr>
-              <a:buSzPct val="100000"/>
-            </a:pPr>
-            <a:r>
-              <a:rPr lang="en-US" dirty="0">
-                <a:solidFill>
-                  <a:srgbClr val="800000"/>
-                </a:solidFill>
-              </a:rPr>
-              <a:t>One of many different analytical models of an application</a:t>
-            </a:r>
-          </a:p>
-          <a:p>
-            <a:pPr marL="800100" lvl="1" indent="-342900">
-              <a:buClr>
-                <a:srgbClr val="000000"/>
-              </a:buClr>
-              <a:buSzPct val="100000"/>
-            </a:pPr>
-            <a:r>
-              <a:rPr lang="en-US" dirty="0">
-                <a:solidFill>
-                  <a:srgbClr val="800000"/>
-                </a:solidFill>
-              </a:rPr>
-              <a:t>W*: Analytical model of workload </a:t>
-            </a:r>
-          </a:p>
-          <a:p>
-            <a:pPr marL="1208088" lvl="2" indent="-342900">
-              <a:buClr>
-                <a:srgbClr val="000000"/>
-              </a:buClr>
-              <a:buSzPct val="100000"/>
-            </a:pPr>
-            <a:r>
-              <a:rPr lang="en-US" dirty="0">
-                <a:solidFill>
-                  <a:srgbClr val="800000"/>
-                </a:solidFill>
-              </a:rPr>
-              <a:t>Outputs concrete executable units, thus provides a measure of performance and prediction but independent of resources</a:t>
-            </a:r>
-          </a:p>
-          <a:p>
-            <a:pPr marL="800100" lvl="1" indent="-342900">
-              <a:buClr>
-                <a:srgbClr val="000000"/>
-              </a:buClr>
-              <a:buSzPct val="100000"/>
-            </a:pPr>
-            <a:r>
-              <a:rPr lang="en-US" dirty="0">
-                <a:solidFill>
-                  <a:schemeClr val="tx1">
-                    <a:lumMod val="65000"/>
-                    <a:lumOff val="35000"/>
-                  </a:schemeClr>
-                </a:solidFill>
-              </a:rPr>
-              <a:t>P*: Conceptual Model for Resources</a:t>
-            </a:r>
-          </a:p>
-          <a:p>
-            <a:pPr marL="800100" lvl="1" indent="-342900">
-              <a:buClr>
-                <a:srgbClr val="000000"/>
-              </a:buClr>
-              <a:buSzPct val="100000"/>
-            </a:pPr>
-            <a:r>
-              <a:rPr lang="en-US" dirty="0" smtClean="0">
-                <a:solidFill>
-                  <a:schemeClr val="tx1">
-                    <a:lumMod val="65000"/>
-                    <a:lumOff val="35000"/>
-                  </a:schemeClr>
-                </a:solidFill>
-              </a:rPr>
-              <a:t>F</a:t>
-            </a:r>
-            <a:r>
-              <a:rPr lang="en-US" dirty="0">
-                <a:solidFill>
-                  <a:schemeClr val="tx1">
-                    <a:lumMod val="65000"/>
-                    <a:lumOff val="35000"/>
-                  </a:schemeClr>
-                </a:solidFill>
-              </a:rPr>
-              <a:t>*: Analytical Model of resource federation/overlay</a:t>
-            </a:r>
-          </a:p>
-          <a:p>
-            <a:pPr marL="1208088" lvl="2" indent="-342900">
-              <a:buClr>
-                <a:srgbClr val="000000"/>
-              </a:buClr>
-              <a:buSzPct val="100000"/>
-            </a:pPr>
-            <a:r>
-              <a:rPr lang="en-US" dirty="0">
-                <a:solidFill>
-                  <a:schemeClr val="tx1">
-                    <a:lumMod val="65000"/>
-                    <a:lumOff val="35000"/>
-                  </a:schemeClr>
-                </a:solidFill>
-              </a:rPr>
-              <a:t>Determines how different resources might be </a:t>
-            </a:r>
-            <a:r>
-              <a:rPr lang="en-US" dirty="0" smtClean="0">
-                <a:solidFill>
-                  <a:schemeClr val="tx1">
-                    <a:lumMod val="65000"/>
-                    <a:lumOff val="35000"/>
-                  </a:schemeClr>
-                </a:solidFill>
-              </a:rPr>
-              <a:t>federated</a:t>
-            </a:r>
-          </a:p>
-          <a:p>
-            <a:pPr marL="1208088" lvl="2" indent="-342900">
-              <a:buClr>
-                <a:srgbClr val="000000"/>
-              </a:buClr>
-              <a:buSzPct val="100000"/>
-            </a:pPr>
-            <a:r>
-              <a:rPr lang="en-US" dirty="0" smtClean="0">
-                <a:solidFill>
-                  <a:schemeClr val="tx1">
-                    <a:lumMod val="65000"/>
-                    <a:lumOff val="35000"/>
-                  </a:schemeClr>
-                </a:solidFill>
-              </a:rPr>
-              <a:t>In turn builds upon a model/models of infrastructure</a:t>
-            </a:r>
-          </a:p>
-          <a:p>
-            <a:pPr marL="800100" lvl="1" indent="-342900"/>
-            <a:r>
-              <a:rPr lang="en-US" dirty="0"/>
-              <a:t>[A*, W* ] and [P*, F*]</a:t>
-            </a:r>
-          </a:p>
-          <a:p>
-            <a:pPr marL="1208088" lvl="2" indent="-342900"/>
-            <a:r>
-              <a:rPr lang="en-US" dirty="0"/>
-              <a:t>A specific instance of A*, is subject to a transformation </a:t>
-            </a:r>
-            <a:r>
-              <a:rPr lang="en-US" b="1" dirty="0">
-                <a:ln w="12700">
-                  <a:solidFill>
-                    <a:schemeClr val="tx2">
-                      <a:satMod val="155000"/>
-                    </a:schemeClr>
-                  </a:solidFill>
-                  <a:prstDash val="solid"/>
-                </a:ln>
-                <a:solidFill>
-                  <a:schemeClr val="bg2">
-                    <a:tint val="85000"/>
-                    <a:satMod val="155000"/>
-                  </a:schemeClr>
-                </a:solidFill>
-                <a:effectLst>
-                  <a:outerShdw blurRad="41275" dist="20320" dir="1800000" algn="tl" rotWithShape="0">
-                    <a:srgbClr val="000000">
-                      <a:alpha val="40000"/>
-                    </a:srgbClr>
-                  </a:outerShdw>
-                </a:effectLst>
-              </a:rPr>
-              <a:t>T</a:t>
-            </a:r>
-            <a:r>
-              <a:rPr lang="en-US" dirty="0"/>
-              <a:t> which converts into executable units that have performance requirements</a:t>
-            </a:r>
-          </a:p>
-          <a:p>
-            <a:pPr marL="1208088" lvl="2" indent="-342900"/>
-            <a:r>
-              <a:rPr lang="en-US" dirty="0"/>
-              <a:t>Here A* is an conceptual model, and W* is an analytical model</a:t>
-            </a:r>
-          </a:p>
-          <a:p>
-            <a:pPr marL="1208088" lvl="2" indent="-342900"/>
-            <a:r>
-              <a:rPr lang="en-US" dirty="0"/>
-              <a:t>P* is a model of Resources, which is subject to a transformation </a:t>
-            </a:r>
-            <a:r>
-              <a:rPr lang="en-US" b="1" dirty="0">
-                <a:ln w="12700">
-                  <a:solidFill>
-                    <a:schemeClr val="tx2">
-                      <a:satMod val="155000"/>
-                    </a:schemeClr>
-                  </a:solidFill>
-                  <a:prstDash val="solid"/>
-                </a:ln>
-                <a:solidFill>
-                  <a:schemeClr val="bg2">
-                    <a:tint val="85000"/>
-                    <a:satMod val="155000"/>
-                  </a:schemeClr>
-                </a:solidFill>
-                <a:effectLst>
-                  <a:outerShdw blurRad="41275" dist="20320" dir="1800000" algn="tl" rotWithShape="0">
-                    <a:srgbClr val="000000">
-                      <a:alpha val="40000"/>
-                    </a:srgbClr>
-                  </a:outerShdw>
-                </a:effectLst>
-              </a:rPr>
-              <a:t>R</a:t>
-            </a:r>
-            <a:r>
-              <a:rPr lang="en-US" dirty="0"/>
-              <a:t>(aggregation of resources per F*)</a:t>
-            </a:r>
-          </a:p>
-          <a:p>
-            <a:pPr marL="344488" indent="-342900">
-              <a:buClr>
-                <a:srgbClr val="000000"/>
-              </a:buClr>
-              <a:buSzPct val="100000"/>
-            </a:pPr>
-            <a:endParaRPr lang="en-US" dirty="0" smtClean="0">
-              <a:solidFill>
-                <a:schemeClr val="tx1">
-                  <a:lumMod val="65000"/>
-                  <a:lumOff val="35000"/>
-                </a:schemeClr>
-              </a:solidFill>
-            </a:endParaRPr>
-          </a:p>
-          <a:p>
-            <a:pPr marL="865188" lvl="2" indent="0">
-              <a:buClr>
-                <a:srgbClr val="000000"/>
-              </a:buClr>
-              <a:buSzPct val="100000"/>
-              <a:buNone/>
-            </a:pPr>
-            <a:endParaRPr lang="en-US" dirty="0">
-              <a:solidFill>
-                <a:schemeClr val="tx1">
-                  <a:lumMod val="65000"/>
-                  <a:lumOff val="35000"/>
-                </a:schemeClr>
-              </a:solidFill>
-            </a:endParaRPr>
-          </a:p>
-        </p:txBody>
-      </p:sp>
-    </p:spTree>
-    <p:extLst>
-      <p:ext uri="{BB962C8B-B14F-4D97-AF65-F5344CB8AC3E}">
-        <p14:creationId xmlns:p14="http://schemas.microsoft.com/office/powerpoint/2010/main" val="3857714543"/>
-      </p:ext>
-    </p:extLst>
-  </p:cSld>
-  <p:clrMapOvr>
-    <a:masterClrMapping/>
-  </p:clrMapOvr>
   <p:timing>
     <p:tnLst>
       <p:par>
@@ -6228,39 +5837,324 @@
             </a:lvl9pPr>
           </a:lstStyle>
           <a:p>
-            <a:pPr marL="344488" indent="-342900"/>
-            <a:r>
-              <a:rPr lang="en-US" sz="2000" dirty="0" smtClean="0"/>
-              <a:t>Role of Simulation</a:t>
+            <a:pPr marL="344488" indent="-342900">
+              <a:buClr>
+                <a:srgbClr val="000000"/>
+              </a:buClr>
+              <a:buSzPct val="100000"/>
+            </a:pPr>
+            <a:r>
+              <a:rPr lang="en-US" dirty="0" smtClean="0">
+                <a:solidFill>
+                  <a:schemeClr val="tx1">
+                    <a:lumMod val="65000"/>
+                    <a:lumOff val="35000"/>
+                  </a:schemeClr>
+                </a:solidFill>
+              </a:rPr>
+              <a:t>Role </a:t>
+            </a:r>
+            <a:r>
+              <a:rPr lang="en-US" dirty="0">
+                <a:solidFill>
+                  <a:schemeClr val="tx1">
+                    <a:lumMod val="65000"/>
+                    <a:lumOff val="35000"/>
+                  </a:schemeClr>
+                </a:solidFill>
+              </a:rPr>
+              <a:t>of Modeling</a:t>
+            </a:r>
+          </a:p>
+          <a:p>
+            <a:pPr marL="800100" lvl="1" indent="-342900">
+              <a:buClr>
+                <a:srgbClr val="000000"/>
+              </a:buClr>
+              <a:buSzPct val="100000"/>
+            </a:pPr>
+            <a:r>
+              <a:rPr lang="en-US" dirty="0">
+                <a:solidFill>
+                  <a:srgbClr val="800000"/>
+                </a:solidFill>
+              </a:rPr>
+              <a:t>A* : Conceptual Model for Distributed Application</a:t>
+            </a:r>
+          </a:p>
+          <a:p>
+            <a:pPr marL="1208088" lvl="2" indent="-342900">
+              <a:buClr>
+                <a:srgbClr val="000000"/>
+              </a:buClr>
+              <a:buSzPct val="100000"/>
+            </a:pPr>
+            <a:r>
+              <a:rPr lang="en-US" dirty="0">
+                <a:solidFill>
+                  <a:srgbClr val="800000"/>
+                </a:solidFill>
+              </a:rPr>
+              <a:t>One of many different analytical models of an application</a:t>
+            </a:r>
+          </a:p>
+          <a:p>
+            <a:pPr marL="800100" lvl="1" indent="-342900">
+              <a:buClr>
+                <a:srgbClr val="000000"/>
+              </a:buClr>
+              <a:buSzPct val="100000"/>
+            </a:pPr>
+            <a:r>
+              <a:rPr lang="en-US" dirty="0">
+                <a:solidFill>
+                  <a:srgbClr val="800000"/>
+                </a:solidFill>
+              </a:rPr>
+              <a:t>W*: Analytical model of workload </a:t>
+            </a:r>
+          </a:p>
+          <a:p>
+            <a:pPr marL="1208088" lvl="2" indent="-342900">
+              <a:buClr>
+                <a:srgbClr val="000000"/>
+              </a:buClr>
+              <a:buSzPct val="100000"/>
+            </a:pPr>
+            <a:r>
+              <a:rPr lang="en-US" dirty="0">
+                <a:solidFill>
+                  <a:srgbClr val="800000"/>
+                </a:solidFill>
+              </a:rPr>
+              <a:t>Outputs concrete executable units, thus provides a measure of performance and prediction but independent of resources</a:t>
+            </a:r>
+          </a:p>
+          <a:p>
+            <a:pPr marL="800100" lvl="1" indent="-342900">
+              <a:buClr>
+                <a:srgbClr val="000000"/>
+              </a:buClr>
+              <a:buSzPct val="100000"/>
+            </a:pPr>
+            <a:r>
+              <a:rPr lang="en-US" dirty="0">
+                <a:solidFill>
+                  <a:schemeClr val="tx1">
+                    <a:lumMod val="65000"/>
+                    <a:lumOff val="35000"/>
+                  </a:schemeClr>
+                </a:solidFill>
+              </a:rPr>
+              <a:t>P*: Conceptual Model for Resources</a:t>
+            </a:r>
+          </a:p>
+          <a:p>
+            <a:pPr marL="800100" lvl="1" indent="-342900">
+              <a:buClr>
+                <a:srgbClr val="000000"/>
+              </a:buClr>
+              <a:buSzPct val="100000"/>
+            </a:pPr>
+            <a:r>
+              <a:rPr lang="en-US" dirty="0" smtClean="0">
+                <a:solidFill>
+                  <a:schemeClr val="tx1">
+                    <a:lumMod val="65000"/>
+                    <a:lumOff val="35000"/>
+                  </a:schemeClr>
+                </a:solidFill>
+              </a:rPr>
+              <a:t>F</a:t>
+            </a:r>
+            <a:r>
+              <a:rPr lang="en-US" dirty="0">
+                <a:solidFill>
+                  <a:schemeClr val="tx1">
+                    <a:lumMod val="65000"/>
+                    <a:lumOff val="35000"/>
+                  </a:schemeClr>
+                </a:solidFill>
+              </a:rPr>
+              <a:t>*: Analytical Model of resource federation/overlay</a:t>
+            </a:r>
+          </a:p>
+          <a:p>
+            <a:pPr marL="1208088" lvl="2" indent="-342900">
+              <a:buClr>
+                <a:srgbClr val="000000"/>
+              </a:buClr>
+              <a:buSzPct val="100000"/>
+            </a:pPr>
+            <a:r>
+              <a:rPr lang="en-US" dirty="0">
+                <a:solidFill>
+                  <a:schemeClr val="tx1">
+                    <a:lumMod val="65000"/>
+                    <a:lumOff val="35000"/>
+                  </a:schemeClr>
+                </a:solidFill>
+              </a:rPr>
+              <a:t>Determines how different resources might be </a:t>
+            </a:r>
+            <a:r>
+              <a:rPr lang="en-US" dirty="0" smtClean="0">
+                <a:solidFill>
+                  <a:schemeClr val="tx1">
+                    <a:lumMod val="65000"/>
+                    <a:lumOff val="35000"/>
+                  </a:schemeClr>
+                </a:solidFill>
+              </a:rPr>
+              <a:t>federated</a:t>
+            </a:r>
+          </a:p>
+          <a:p>
+            <a:pPr marL="1208088" lvl="2" indent="-342900">
+              <a:buClr>
+                <a:srgbClr val="000000"/>
+              </a:buClr>
+              <a:buSzPct val="100000"/>
+            </a:pPr>
+            <a:r>
+              <a:rPr lang="en-US" dirty="0" smtClean="0">
+                <a:solidFill>
+                  <a:schemeClr val="tx1">
+                    <a:lumMod val="65000"/>
+                    <a:lumOff val="35000"/>
+                  </a:schemeClr>
+                </a:solidFill>
+              </a:rPr>
+              <a:t>In turn builds upon a model/models of infrastructure</a:t>
             </a:r>
           </a:p>
           <a:p>
             <a:pPr marL="800100" lvl="1" indent="-342900"/>
             <a:r>
-              <a:rPr lang="en-US" sz="1800" dirty="0" smtClean="0"/>
-              <a:t>If we federate a given set of resources {R} what is the performance we expect?</a:t>
-            </a:r>
-          </a:p>
-          <a:p>
-            <a:pPr marL="800100" lvl="1" indent="-342900"/>
-            <a:r>
-              <a:rPr lang="en-US" dirty="0" smtClean="0"/>
-              <a:t>If we want a capability [C], what is the set of resources {R} we need to get this [C] with well-defined probability distribution?</a:t>
-            </a:r>
-          </a:p>
-          <a:p>
-            <a:pPr marL="800100" lvl="1" indent="-342900"/>
-            <a:r>
-              <a:rPr lang="en-US" sz="1800" dirty="0" smtClean="0"/>
-              <a:t>Given an instance of an application (model), what is the workload  independent of the underlying resources?</a:t>
-            </a:r>
+              <a:rPr lang="en-US" dirty="0"/>
+              <a:t>[A*, W* ] and [P*, F*]</a:t>
+            </a:r>
+          </a:p>
+          <a:p>
+            <a:pPr marL="1208088" lvl="2" indent="-342900"/>
+            <a:r>
+              <a:rPr lang="en-US" dirty="0"/>
+              <a:t>A specific instance of A*, is subject to a transformation </a:t>
+            </a:r>
+            <a:r>
+              <a:rPr lang="en-US" b="1" dirty="0">
+                <a:ln w="12700">
+                  <a:solidFill>
+                    <a:schemeClr val="tx2">
+                      <a:satMod val="155000"/>
+                    </a:schemeClr>
+                  </a:solidFill>
+                  <a:prstDash val="solid"/>
+                </a:ln>
+                <a:solidFill>
+                  <a:schemeClr val="bg2">
+                    <a:tint val="85000"/>
+                    <a:satMod val="155000"/>
+                  </a:schemeClr>
+                </a:solidFill>
+                <a:effectLst>
+                  <a:outerShdw blurRad="41275" dist="20320" dir="1800000" algn="tl" rotWithShape="0">
+                    <a:srgbClr val="000000">
+                      <a:alpha val="40000"/>
+                    </a:srgbClr>
+                  </a:outerShdw>
+                </a:effectLst>
+              </a:rPr>
+              <a:t>T</a:t>
+            </a:r>
+            <a:r>
+              <a:rPr lang="en-US" dirty="0"/>
+              <a:t> which converts into executable units that have performance requirements</a:t>
+            </a:r>
+          </a:p>
+          <a:p>
+            <a:pPr marL="1208088" lvl="2" indent="-342900"/>
+            <a:r>
+              <a:rPr lang="en-US" dirty="0"/>
+              <a:t>Here A* is an conceptual model, and W* is an analytical model</a:t>
+            </a:r>
+          </a:p>
+          <a:p>
+            <a:pPr marL="1208088" lvl="2" indent="-342900"/>
+            <a:r>
+              <a:rPr lang="en-US" dirty="0"/>
+              <a:t>P* is a model of Resources, which is subject to a transformation </a:t>
+            </a:r>
+            <a:r>
+              <a:rPr lang="en-US" b="1" dirty="0">
+                <a:ln w="12700">
+                  <a:solidFill>
+                    <a:schemeClr val="tx2">
+                      <a:satMod val="155000"/>
+                    </a:schemeClr>
+                  </a:solidFill>
+                  <a:prstDash val="solid"/>
+                </a:ln>
+                <a:solidFill>
+                  <a:schemeClr val="bg2">
+                    <a:tint val="85000"/>
+                    <a:satMod val="155000"/>
+                  </a:schemeClr>
+                </a:solidFill>
+                <a:effectLst>
+                  <a:outerShdw blurRad="41275" dist="20320" dir="1800000" algn="tl" rotWithShape="0">
+                    <a:srgbClr val="000000">
+                      <a:alpha val="40000"/>
+                    </a:srgbClr>
+                  </a:outerShdw>
+                </a:effectLst>
+              </a:rPr>
+              <a:t>R</a:t>
+            </a:r>
+            <a:r>
+              <a:rPr lang="en-US" dirty="0"/>
+              <a:t>(aggregation of resources per F*)</a:t>
+            </a:r>
+          </a:p>
+          <a:p>
+            <a:pPr marL="344488" indent="-342900">
+              <a:buClr>
+                <a:srgbClr val="000000"/>
+              </a:buClr>
+              <a:buSzPct val="100000"/>
+            </a:pPr>
+            <a:endParaRPr lang="en-US" dirty="0" smtClean="0">
+              <a:solidFill>
+                <a:schemeClr val="tx1">
+                  <a:lumMod val="65000"/>
+                  <a:lumOff val="35000"/>
+                </a:schemeClr>
+              </a:solidFill>
+            </a:endParaRPr>
+          </a:p>
+          <a:p>
+            <a:pPr marL="865188" lvl="2" indent="0">
+              <a:buClr>
+                <a:srgbClr val="000000"/>
+              </a:buClr>
+              <a:buSzPct val="100000"/>
+              <a:buNone/>
+            </a:pPr>
+            <a:endParaRPr lang="en-US" dirty="0">
+              <a:solidFill>
+                <a:schemeClr val="tx1">
+                  <a:lumMod val="65000"/>
+                  <a:lumOff val="35000"/>
+                </a:schemeClr>
+              </a:solidFill>
+            </a:endParaRPr>
           </a:p>
         </p:txBody>
       </p:sp>
     </p:spTree>
     <p:extLst>
       <p:ext uri="{BB962C8B-B14F-4D97-AF65-F5344CB8AC3E}">
-        <p14:creationId xmlns:p14="http://schemas.microsoft.com/office/powerpoint/2010/main" val="100327289"/>
+        <p14:creationId xmlns:p14="http://schemas.microsoft.com/office/powerpoint/2010/main" val="3857714543"/>
       </p:ext>
     </p:extLst>
   </p:cSld>
@@ -6311,7 +6205,7 @@
           <a:p>
             <a:r>
               <a:rPr lang="en-US" dirty="0" smtClean="0"/>
-              <a:t>A* [Andre]</a:t>
+              <a:t>Outline</a:t>
             </a:r>
             <a:endParaRPr lang="en-US" dirty="0"/>
           </a:p>
@@ -6319,39 +6213,282 @@
       </p:sp>
       <p:sp>
         <p:nvSpPr>
-          <p:cNvPr id="3" name="Content Placeholder 2"/>
-          <p:cNvSpPr>
-            <a:spLocks noGrp="1"/>
+          <p:cNvPr id="3" name="Shape 72"/>
+          <p:cNvSpPr txBox="1">
+            <a:spLocks/>
           </p:cNvSpPr>
-          <p:nvPr>
-            <p:ph idx="1"/>
-          </p:nvPr>
+          <p:nvPr/>
         </p:nvSpPr>
-        <p:spPr/>
+        <p:spPr bwMode="auto">
+          <a:xfrm>
+            <a:off x="282231" y="786259"/>
+            <a:ext cx="8596312" cy="5281613"/>
+          </a:xfrm>
+          <a:prstGeom prst="rect">
+            <a:avLst/>
+          </a:prstGeom>
+          <a:noFill/>
+          <a:ln>
+            <a:noFill/>
+          </a:ln>
+          <a:extLst>
+            <a:ext uri="{909E8E84-426E-40dd-AFC4-6F175D3DCCD1}">
+              <a14:hiddenFill xmlns:a14="http://schemas.microsoft.com/office/drawing/2010/main">
+                <a:solidFill>
+                  <a:srgbClr val="FFFFFF"/>
+                </a:solidFill>
+              </a14:hiddenFill>
+            </a:ext>
+            <a:ext uri="{91240B29-F687-4f45-9708-019B960494DF}">
+              <a14:hiddenLine xmlns:a14="http://schemas.microsoft.com/office/drawing/2010/main" w="9525">
+                <a:solidFill>
+                  <a:srgbClr val="000000"/>
+                </a:solidFill>
+                <a:miter lim="800000"/>
+                <a:headEnd/>
+                <a:tailEnd/>
+              </a14:hiddenLine>
+            </a:ext>
+            <a:ext uri="{FAA26D3D-D897-4be2-8F04-BA451C77F1D7}">
+              <ma14:placeholderFlag xmlns:ma14="http://schemas.microsoft.com/office/mac/drawingml/2011/main" val="1"/>
+            </a:ext>
+          </a:extLst>
+        </p:spPr>
         <p:txBody>
-          <a:bodyPr/>
-          <a:lstStyle/>
-          <a:p>
-            <a:r>
-              <a:rPr lang="en-US" dirty="0"/>
-              <a:t>Andre: is this really a model of your emulator?</a:t>
-            </a:r>
-          </a:p>
-          <a:p>
-            <a:endParaRPr lang="en-US" dirty="0"/>
+          <a:bodyPr vert="horz" wrap="square" lIns="91425" tIns="91425" rIns="91425" bIns="91425" numCol="1" anchor="t" anchorCtr="0" compatLnSpc="1">
+            <a:prstTxWarp prst="textNoShape">
+              <a:avLst/>
+            </a:prstTxWarp>
+            <a:noAutofit/>
+          </a:bodyPr>
+          <a:lstStyle>
+            <a:lvl1pPr marL="227013" indent="-227013" algn="l" rtl="0" eaLnBrk="0" fontAlgn="base" hangingPunct="0">
+              <a:spcBef>
+                <a:spcPts val="1200"/>
+              </a:spcBef>
+              <a:spcAft>
+                <a:spcPct val="0"/>
+              </a:spcAft>
+              <a:buClr>
+                <a:schemeClr val="tx1">
+                  <a:lumMod val="95000"/>
+                  <a:lumOff val="5000"/>
+                </a:schemeClr>
+              </a:buClr>
+              <a:buChar char="•"/>
+              <a:tabLst/>
+              <a:defRPr sz="2000">
+                <a:solidFill>
+                  <a:schemeClr val="tx1">
+                    <a:lumMod val="95000"/>
+                    <a:lumOff val="5000"/>
+                  </a:schemeClr>
+                </a:solidFill>
+                <a:latin typeface="+mn-lt"/>
+                <a:ea typeface="ＭＳ Ｐゴシック" charset="-128"/>
+                <a:cs typeface="ＭＳ Ｐゴシック" charset="-128"/>
+              </a:defRPr>
+            </a:lvl1pPr>
+            <a:lvl2pPr marL="682625" indent="-225425" algn="l" rtl="0" eaLnBrk="0" fontAlgn="base" hangingPunct="0">
+              <a:spcBef>
+                <a:spcPct val="20000"/>
+              </a:spcBef>
+              <a:spcAft>
+                <a:spcPct val="0"/>
+              </a:spcAft>
+              <a:buClr>
+                <a:schemeClr val="tx1">
+                  <a:lumMod val="95000"/>
+                  <a:lumOff val="5000"/>
+                </a:schemeClr>
+              </a:buClr>
+              <a:buChar char="–"/>
+              <a:defRPr sz="1800">
+                <a:solidFill>
+                  <a:srgbClr val="5F5F5F"/>
+                </a:solidFill>
+                <a:latin typeface="+mn-lt"/>
+                <a:ea typeface="ＭＳ Ｐゴシック" charset="-128"/>
+              </a:defRPr>
+            </a:lvl2pPr>
+            <a:lvl3pPr marL="1090613" indent="-176213" algn="l" rtl="0" eaLnBrk="0" fontAlgn="base" hangingPunct="0">
+              <a:spcBef>
+                <a:spcPct val="20000"/>
+              </a:spcBef>
+              <a:spcAft>
+                <a:spcPct val="0"/>
+              </a:spcAft>
+              <a:buClr>
+                <a:schemeClr val="tx1">
+                  <a:lumMod val="95000"/>
+                  <a:lumOff val="5000"/>
+                </a:schemeClr>
+              </a:buClr>
+              <a:buChar char="•"/>
+              <a:defRPr sz="1800">
+                <a:solidFill>
+                  <a:srgbClr val="5F5F5F"/>
+                </a:solidFill>
+                <a:latin typeface="+mn-lt"/>
+                <a:ea typeface="ＭＳ Ｐゴシック" charset="-128"/>
+              </a:defRPr>
+            </a:lvl3pPr>
+            <a:lvl4pPr marL="1600200" indent="-228600" algn="l" rtl="0" eaLnBrk="0" fontAlgn="base" hangingPunct="0">
+              <a:spcBef>
+                <a:spcPct val="20000"/>
+              </a:spcBef>
+              <a:spcAft>
+                <a:spcPct val="0"/>
+              </a:spcAft>
+              <a:buClr>
+                <a:schemeClr val="tx1">
+                  <a:lumMod val="95000"/>
+                  <a:lumOff val="5000"/>
+                </a:schemeClr>
+              </a:buClr>
+              <a:buChar char="–"/>
+              <a:defRPr sz="1800">
+                <a:solidFill>
+                  <a:srgbClr val="5F5F5F"/>
+                </a:solidFill>
+                <a:latin typeface="+mn-lt"/>
+                <a:ea typeface="ＭＳ Ｐゴシック" charset="-128"/>
+              </a:defRPr>
+            </a:lvl4pPr>
+            <a:lvl5pPr marL="2000250" indent="-171450" algn="l" rtl="0" eaLnBrk="0" fontAlgn="base" hangingPunct="0">
+              <a:spcBef>
+                <a:spcPct val="20000"/>
+              </a:spcBef>
+              <a:spcAft>
+                <a:spcPct val="0"/>
+              </a:spcAft>
+              <a:buClr>
+                <a:schemeClr val="tx1">
+                  <a:lumMod val="95000"/>
+                  <a:lumOff val="5000"/>
+                </a:schemeClr>
+              </a:buClr>
+              <a:buChar char="»"/>
+              <a:defRPr sz="1800">
+                <a:solidFill>
+                  <a:srgbClr val="5F5F5F"/>
+                </a:solidFill>
+                <a:latin typeface="+mn-lt"/>
+                <a:ea typeface="ＭＳ Ｐゴシック" charset="-128"/>
+              </a:defRPr>
+            </a:lvl5pPr>
+            <a:lvl6pPr marL="2514600" indent="-228600" algn="l" rtl="0" fontAlgn="base">
+              <a:spcBef>
+                <a:spcPct val="20000"/>
+              </a:spcBef>
+              <a:spcAft>
+                <a:spcPct val="0"/>
+              </a:spcAft>
+              <a:buChar char="»"/>
+              <a:defRPr sz="1400">
+                <a:solidFill>
+                  <a:srgbClr val="5F5F5F"/>
+                </a:solidFill>
+                <a:latin typeface="+mn-lt"/>
+                <a:ea typeface="ＭＳ Ｐゴシック" charset="-128"/>
+              </a:defRPr>
+            </a:lvl6pPr>
+            <a:lvl7pPr marL="2971800" indent="-228600" algn="l" rtl="0" fontAlgn="base">
+              <a:spcBef>
+                <a:spcPct val="20000"/>
+              </a:spcBef>
+              <a:spcAft>
+                <a:spcPct val="0"/>
+              </a:spcAft>
+              <a:buChar char="»"/>
+              <a:defRPr sz="1400">
+                <a:solidFill>
+                  <a:srgbClr val="5F5F5F"/>
+                </a:solidFill>
+                <a:latin typeface="+mn-lt"/>
+                <a:ea typeface="ＭＳ Ｐゴシック" charset="-128"/>
+              </a:defRPr>
+            </a:lvl7pPr>
+            <a:lvl8pPr marL="3429000" indent="-228600" algn="l" rtl="0" fontAlgn="base">
+              <a:spcBef>
+                <a:spcPct val="20000"/>
+              </a:spcBef>
+              <a:spcAft>
+                <a:spcPct val="0"/>
+              </a:spcAft>
+              <a:buChar char="»"/>
+              <a:defRPr sz="1400">
+                <a:solidFill>
+                  <a:srgbClr val="5F5F5F"/>
+                </a:solidFill>
+                <a:latin typeface="+mn-lt"/>
+                <a:ea typeface="ＭＳ Ｐゴシック" charset="-128"/>
+              </a:defRPr>
+            </a:lvl8pPr>
+            <a:lvl9pPr marL="3886200" indent="-228600" algn="l" rtl="0" fontAlgn="base">
+              <a:spcBef>
+                <a:spcPct val="20000"/>
+              </a:spcBef>
+              <a:spcAft>
+                <a:spcPct val="0"/>
+              </a:spcAft>
+              <a:buChar char="»"/>
+              <a:defRPr sz="1400">
+                <a:solidFill>
+                  <a:srgbClr val="5F5F5F"/>
+                </a:solidFill>
+                <a:latin typeface="+mn-lt"/>
+                <a:ea typeface="ＭＳ Ｐゴシック" charset="-128"/>
+              </a:defRPr>
+            </a:lvl9pPr>
+          </a:lstStyle>
+          <a:p>
+            <a:pPr marL="344488" indent="-342900"/>
+            <a:r>
+              <a:rPr lang="en-US" sz="2000" dirty="0" smtClean="0"/>
+              <a:t>Role of Simulation</a:t>
+            </a:r>
+          </a:p>
+          <a:p>
+            <a:pPr marL="800100" lvl="1" indent="-342900"/>
+            <a:r>
+              <a:rPr lang="en-US" sz="1800" dirty="0" smtClean="0"/>
+              <a:t>If we federate a given set of resources {R} what is the performance we expect?</a:t>
+            </a:r>
+          </a:p>
+          <a:p>
+            <a:pPr marL="800100" lvl="1" indent="-342900"/>
+            <a:r>
+              <a:rPr lang="en-US" dirty="0" smtClean="0"/>
+              <a:t>If we want a capability [C], what is the set of resources {R} we need to get this [C] with well-defined probability distribution?</a:t>
+            </a:r>
+          </a:p>
+          <a:p>
+            <a:pPr marL="800100" lvl="1" indent="-342900"/>
+            <a:r>
+              <a:rPr lang="en-US" sz="1800" dirty="0" smtClean="0"/>
+              <a:t>Given an instance of an application (model), what is the workload  independent of the underlying resources?</a:t>
+            </a:r>
           </a:p>
         </p:txBody>
       </p:sp>
     </p:spTree>
     <p:extLst>
       <p:ext uri="{BB962C8B-B14F-4D97-AF65-F5344CB8AC3E}">
-        <p14:creationId xmlns:p14="http://schemas.microsoft.com/office/powerpoint/2010/main" val="844055193"/>
+        <p14:creationId xmlns:p14="http://schemas.microsoft.com/office/powerpoint/2010/main" val="100327289"/>
       </p:ext>
     </p:extLst>
   </p:cSld>
   <p:clrMapOvr>
     <a:masterClrMapping/>
   </p:clrMapOvr>
+  <p:timing>
+    <p:tnLst>
+      <p:par>
+        <p:cTn xmlns:p14="http://schemas.microsoft.com/office/powerpoint/2010/main" id="1" dur="indefinite" restart="never" nodeType="tmRoot"/>
+      </p:par>
+    </p:tnLst>
+  </p:timing>
 </p:sld>
 </file>
 
@@ -6389,7 +6526,7 @@
           <a:p>
             <a:r>
               <a:rPr lang="en-US" dirty="0" smtClean="0"/>
-              <a:t>W* [Andre]</a:t>
+              <a:t>A* [Andre]</a:t>
             </a:r>
             <a:endParaRPr lang="en-US" dirty="0"/>
           </a:p>
@@ -6411,9 +6548,11 @@
           <a:lstStyle/>
           <a:p>
             <a:r>
-              <a:rPr lang="en-US" dirty="0" smtClean="0"/>
+              <a:rPr lang="en-US" dirty="0"/>
               <a:t>Andre: is this really a model of your emulator?</a:t>
             </a:r>
+          </a:p>
+          <a:p>
             <a:endParaRPr lang="en-US" dirty="0"/>
           </a:p>
         </p:txBody>
@@ -6421,7 +6560,7 @@
     </p:spTree>
     <p:extLst>
       <p:ext uri="{BB962C8B-B14F-4D97-AF65-F5344CB8AC3E}">
-        <p14:creationId xmlns:p14="http://schemas.microsoft.com/office/powerpoint/2010/main" val="2346183925"/>
+        <p14:creationId xmlns:p14="http://schemas.microsoft.com/office/powerpoint/2010/main" val="844055193"/>
       </p:ext>
     </p:extLst>
   </p:cSld>

--- a/presentations/radical-modsim.pptx
+++ b/presentations/radical-modsim.pptx
@@ -4694,51 +4694,7 @@
                   </a:schemeClr>
                 </a:solidFill>
               </a:rPr>
-              <a:t>Abstracted </a:t>
-            </a:r>
-            <a:r>
-              <a:rPr lang="en-US" smtClean="0">
-                <a:solidFill>
-                  <a:schemeClr val="tx1">
-                    <a:lumMod val="65000"/>
-                    <a:lumOff val="35000"/>
-                  </a:schemeClr>
-                </a:solidFill>
-              </a:rPr>
-              <a:t>data logic (</a:t>
-            </a:r>
-            <a:r>
-              <a:rPr lang="en-US" dirty="0" smtClean="0">
-                <a:solidFill>
-                  <a:schemeClr val="tx1">
-                    <a:lumMod val="65000"/>
-                    <a:lumOff val="35000"/>
-                  </a:schemeClr>
-                </a:solidFill>
-              </a:rPr>
-              <a:t>representation, distribution, scheduling</a:t>
-            </a:r>
-            <a:r>
-              <a:rPr lang="en-US" smtClean="0">
-                <a:solidFill>
-                  <a:schemeClr val="tx1">
-                    <a:lumMod val="65000"/>
-                    <a:lumOff val="35000"/>
-                  </a:schemeClr>
-                </a:solidFill>
-              </a:rPr>
-              <a:t>, placement) </a:t>
-            </a:r>
-            <a:r>
-              <a:rPr lang="en-US" dirty="0" smtClean="0">
-                <a:solidFill>
-                  <a:schemeClr val="tx1">
-                    <a:lumMod val="65000"/>
-                    <a:lumOff val="35000"/>
-                  </a:schemeClr>
-                </a:solidFill>
-              </a:rPr>
-              <a:t>that captures application-semantics yet is not application-specific</a:t>
+              <a:t>Abstracted data logic (representation, distribution, scheduling, placement) that captures application-semantics yet is not application-specific</a:t>
             </a:r>
             <a:endParaRPr lang="en-US" dirty="0">
               <a:solidFill>
@@ -4824,7 +4780,29 @@
                   </a:schemeClr>
                 </a:solidFill>
               </a:rPr>
-              <a:t>Dynamic Resources: P*, I*</a:t>
+              <a:t>Dynamic </a:t>
+            </a:r>
+            <a:r>
+              <a:rPr lang="en-US" dirty="0" smtClean="0">
+                <a:solidFill>
+                  <a:schemeClr val="tx1">
+                    <a:lumMod val="65000"/>
+                    <a:lumOff val="35000"/>
+                  </a:schemeClr>
+                </a:solidFill>
+              </a:rPr>
+              <a:t>Resources/Infrastructure: </a:t>
+            </a:r>
+            <a:r>
+              <a:rPr lang="en-US" dirty="0" smtClean="0">
+                <a:solidFill>
+                  <a:schemeClr val="tx1">
+                    <a:lumMod val="65000"/>
+                    <a:lumOff val="35000"/>
+                  </a:schemeClr>
+                </a:solidFill>
+              </a:rPr>
+              <a:t>P*, I*</a:t>
             </a:r>
           </a:p>
           <a:p>
@@ -4843,7 +4821,18 @@
                   </a:schemeClr>
                 </a:solidFill>
               </a:rPr>
-              <a:t>Capability Based: F*</a:t>
+              <a:t>Federation of Infrastructure </a:t>
+            </a:r>
+            <a:r>
+              <a:rPr lang="en-US" dirty="0" smtClean="0">
+                <a:solidFill>
+                  <a:schemeClr val="tx1">
+                    <a:lumMod val="65000"/>
+                    <a:lumOff val="35000"/>
+                  </a:schemeClr>
+                </a:solidFill>
+              </a:rPr>
+              <a:t>F*</a:t>
             </a:r>
           </a:p>
           <a:p>
@@ -5111,6 +5100,22 @@
               <a:rPr lang="en-US" dirty="0" smtClean="0"/>
               <a:t>Need information about resources, networks </a:t>
             </a:r>
+            <a:endParaRPr lang="en-US" dirty="0" smtClean="0"/>
+          </a:p>
+          <a:p>
+            <a:pPr lvl="1"/>
+            <a:endParaRPr lang="en-US" dirty="0"/>
+          </a:p>
+          <a:p>
+            <a:r>
+              <a:rPr lang="en-US" dirty="0" smtClean="0"/>
+              <a:t>Wha</a:t>
+            </a:r>
+            <a:r>
+              <a:rPr lang="en-US" dirty="0" smtClean="0"/>
+              <a:t>t is a capability?</a:t>
+            </a:r>
+            <a:endParaRPr lang="en-US" dirty="0" smtClean="0"/>
           </a:p>
           <a:p>
             <a:pPr marL="457200" lvl="1" indent="0">
@@ -5852,10 +5857,10 @@
                   </a:schemeClr>
                 </a:solidFill>
               </a:rPr>
-              <a:t>Role </a:t>
-            </a:r>
-            <a:r>
-              <a:rPr lang="en-US" dirty="0">
+              <a:t>Understandin</a:t>
+            </a:r>
+            <a:r>
+              <a:rPr lang="en-US" dirty="0" smtClean="0">
                 <a:solidFill>
                   <a:schemeClr val="tx1">
                     <a:lumMod val="65000"/>
@@ -5863,8 +5868,16 @@
                   </a:schemeClr>
                 </a:solidFill>
               </a:rPr>
-              <a:t>of Modeling</a:t>
-            </a:r>
+              <a:t>g the Different Models:</a:t>
+            </a:r>
+            <a:endParaRPr lang="en-US" dirty="0">
+              <a:solidFill>
+                <a:schemeClr val="tx1">
+                  <a:lumMod val="65000"/>
+                  <a:lumOff val="35000"/>
+                </a:schemeClr>
+              </a:solidFill>
+            </a:endParaRPr>
           </a:p>
           <a:p>
             <a:pPr marL="800100" lvl="1" indent="-342900">
@@ -5946,7 +5959,18 @@
                   </a:schemeClr>
                 </a:solidFill>
               </a:rPr>
-              <a:t>P*: Conceptual Model for Resources</a:t>
+              <a:t>P*: Conceptual Model for </a:t>
+            </a:r>
+            <a:r>
+              <a:rPr lang="en-US" dirty="0" smtClean="0">
+                <a:solidFill>
+                  <a:schemeClr val="tx1">
+                    <a:lumMod val="65000"/>
+                    <a:lumOff val="35000"/>
+                  </a:schemeClr>
+                </a:solidFill>
+              </a:rPr>
+              <a:t>Dynamic Resources</a:t>
             </a:r>
           </a:p>
           <a:p>
@@ -5965,6 +5989,33 @@
                   </a:schemeClr>
                 </a:solidFill>
               </a:rPr>
+              <a:t>I* : Analytical Model for Infrastructure [Munich]</a:t>
+            </a:r>
+            <a:endParaRPr lang="en-US" dirty="0">
+              <a:solidFill>
+                <a:schemeClr val="tx1">
+                  <a:lumMod val="65000"/>
+                  <a:lumOff val="35000"/>
+                </a:schemeClr>
+              </a:solidFill>
+            </a:endParaRPr>
+          </a:p>
+          <a:p>
+            <a:pPr marL="800100" lvl="1" indent="-342900">
+              <a:buClr>
+                <a:srgbClr val="000000"/>
+              </a:buClr>
+              <a:buSzPct val="100000"/>
+            </a:pPr>
+            <a:r>
+              <a:rPr lang="en-US" dirty="0" smtClean="0">
+                <a:solidFill>
+                  <a:schemeClr val="tx1">
+                    <a:lumMod val="65000"/>
+                    <a:lumOff val="35000"/>
+                  </a:schemeClr>
+                </a:solidFill>
+              </a:rPr>
               <a:t>F</a:t>
             </a:r>
             <a:r>
@@ -6025,96 +6076,27 @@
                   </a:schemeClr>
                 </a:solidFill>
               </a:rPr>
-              <a:t>In turn builds upon a model/models of infrastructure</a:t>
-            </a:r>
-          </a:p>
-          <a:p>
-            <a:pPr marL="800100" lvl="1" indent="-342900"/>
-            <a:r>
-              <a:rPr lang="en-US" dirty="0"/>
-              <a:t>[A*, W* ] and [P*, F*]</a:t>
-            </a:r>
-          </a:p>
-          <a:p>
-            <a:pPr marL="1208088" lvl="2" indent="-342900"/>
-            <a:r>
-              <a:rPr lang="en-US" dirty="0"/>
-              <a:t>A specific instance of A*, is subject to a transformation </a:t>
-            </a:r>
-            <a:r>
-              <a:rPr lang="en-US" b="1" dirty="0">
-                <a:ln w="12700">
-                  <a:solidFill>
-                    <a:schemeClr val="tx2">
-                      <a:satMod val="155000"/>
-                    </a:schemeClr>
-                  </a:solidFill>
-                  <a:prstDash val="solid"/>
-                </a:ln>
-                <a:solidFill>
-                  <a:schemeClr val="bg2">
-                    <a:tint val="85000"/>
-                    <a:satMod val="155000"/>
+              <a:t>In turn builds upon a model/models of </a:t>
+            </a:r>
+            <a:r>
+              <a:rPr lang="en-US" dirty="0" smtClean="0">
+                <a:solidFill>
+                  <a:schemeClr val="tx1">
+                    <a:lumMod val="65000"/>
+                    <a:lumOff val="35000"/>
                   </a:schemeClr>
                 </a:solidFill>
-                <a:effectLst>
-                  <a:outerShdw blurRad="41275" dist="20320" dir="1800000" algn="tl" rotWithShape="0">
-                    <a:srgbClr val="000000">
-                      <a:alpha val="40000"/>
-                    </a:srgbClr>
-                  </a:outerShdw>
-                </a:effectLst>
-              </a:rPr>
-              <a:t>T</a:t>
-            </a:r>
-            <a:r>
-              <a:rPr lang="en-US" dirty="0"/>
-              <a:t> which converts into executable units that have performance requirements</a:t>
-            </a:r>
-          </a:p>
-          <a:p>
-            <a:pPr marL="1208088" lvl="2" indent="-342900"/>
-            <a:r>
-              <a:rPr lang="en-US" dirty="0"/>
-              <a:t>Here A* is an conceptual model, and W* is an analytical model</a:t>
-            </a:r>
-          </a:p>
-          <a:p>
-            <a:pPr marL="1208088" lvl="2" indent="-342900"/>
-            <a:r>
-              <a:rPr lang="en-US" dirty="0"/>
-              <a:t>P* is a model of Resources, which is subject to a transformation </a:t>
-            </a:r>
-            <a:r>
-              <a:rPr lang="en-US" b="1" dirty="0">
-                <a:ln w="12700">
-                  <a:solidFill>
-                    <a:schemeClr val="tx2">
-                      <a:satMod val="155000"/>
-                    </a:schemeClr>
-                  </a:solidFill>
-                  <a:prstDash val="solid"/>
-                </a:ln>
-                <a:solidFill>
-                  <a:schemeClr val="bg2">
-                    <a:tint val="85000"/>
-                    <a:satMod val="155000"/>
-                  </a:schemeClr>
-                </a:solidFill>
-                <a:effectLst>
-                  <a:outerShdw blurRad="41275" dist="20320" dir="1800000" algn="tl" rotWithShape="0">
-                    <a:srgbClr val="000000">
-                      <a:alpha val="40000"/>
-                    </a:srgbClr>
-                  </a:outerShdw>
-                </a:effectLst>
-              </a:rPr>
-              <a:t>R</a:t>
-            </a:r>
-            <a:r>
-              <a:rPr lang="en-US" dirty="0"/>
-              <a:t>(aggregation of resources per F*)</a:t>
-            </a:r>
+              </a:rPr>
+              <a:t>infrastructure (I*)</a:t>
+            </a:r>
+            <a:endParaRPr lang="en-US" dirty="0" smtClean="0">
+              <a:solidFill>
+                <a:schemeClr val="tx1">
+                  <a:lumMod val="65000"/>
+                  <a:lumOff val="35000"/>
+                </a:schemeClr>
+              </a:solidFill>
+            </a:endParaRPr>
           </a:p>
           <a:p>
             <a:pPr marL="344488" indent="-342900">
@@ -6445,22 +6427,173 @@
           <a:p>
             <a:pPr marL="344488" indent="-342900"/>
             <a:r>
+              <a:rPr lang="en-US" dirty="0" smtClean="0"/>
+              <a:t>Interaction between Models:</a:t>
+            </a:r>
+          </a:p>
+          <a:p>
+            <a:pPr marL="800100" lvl="1" indent="-342900"/>
+            <a:r>
+              <a:rPr lang="en-US" dirty="0" smtClean="0"/>
+              <a:t>[</a:t>
+            </a:r>
+            <a:r>
+              <a:rPr lang="en-US" dirty="0"/>
+              <a:t>A*, W* ] and [P*, F*]</a:t>
+            </a:r>
+          </a:p>
+          <a:p>
+            <a:pPr marL="1208088" lvl="2" indent="-342900"/>
+            <a:r>
+              <a:rPr lang="en-US" dirty="0"/>
+              <a:t>Here A* is a conceptual model, and W* is an analytical model</a:t>
+            </a:r>
+          </a:p>
+          <a:p>
+            <a:pPr marL="1208088" lvl="2" indent="-342900"/>
+            <a:r>
+              <a:rPr lang="en-US" dirty="0" smtClean="0"/>
+              <a:t>A </a:t>
+            </a:r>
+            <a:r>
+              <a:rPr lang="en-US" dirty="0"/>
+              <a:t>specific instance of A*, is subject to a transformation </a:t>
+            </a:r>
+            <a:r>
+              <a:rPr lang="en-US" b="1" dirty="0">
+                <a:ln w="12700">
+                  <a:solidFill>
+                    <a:schemeClr val="tx2">
+                      <a:satMod val="155000"/>
+                    </a:schemeClr>
+                  </a:solidFill>
+                  <a:prstDash val="solid"/>
+                </a:ln>
+                <a:solidFill>
+                  <a:schemeClr val="bg2">
+                    <a:tint val="85000"/>
+                    <a:satMod val="155000"/>
+                  </a:schemeClr>
+                </a:solidFill>
+                <a:effectLst>
+                  <a:outerShdw blurRad="41275" dist="20320" dir="1800000" algn="tl" rotWithShape="0">
+                    <a:srgbClr val="000000">
+                      <a:alpha val="40000"/>
+                    </a:srgbClr>
+                  </a:outerShdw>
+                </a:effectLst>
+              </a:rPr>
+              <a:t>W</a:t>
+            </a:r>
+            <a:r>
+              <a:rPr lang="en-US" dirty="0"/>
+              <a:t> which converts into executable units </a:t>
+            </a:r>
+            <a:r>
+              <a:rPr lang="en-US" dirty="0" smtClean="0"/>
+              <a:t>(per W*) that </a:t>
+            </a:r>
+            <a:r>
+              <a:rPr lang="en-US" dirty="0"/>
+              <a:t>have performance requirements</a:t>
+            </a:r>
+          </a:p>
+          <a:p>
+            <a:pPr marL="1208088" lvl="2" indent="-342900"/>
+            <a:r>
+              <a:rPr lang="en-US" dirty="0" smtClean="0"/>
+              <a:t>Infrastructure modeled as I*, capability is exposed and federated per F*</a:t>
+            </a:r>
+          </a:p>
+          <a:p>
+            <a:pPr marL="1208088" lvl="2" indent="-342900"/>
+            <a:r>
+              <a:rPr lang="en-US" dirty="0" smtClean="0"/>
+              <a:t>I</a:t>
+            </a:r>
+            <a:r>
+              <a:rPr lang="en-US" dirty="0"/>
+              <a:t>* </a:t>
+            </a:r>
+            <a:r>
+              <a:rPr lang="en-US" dirty="0" smtClean="0"/>
+              <a:t>subject </a:t>
+            </a:r>
+            <a:r>
+              <a:rPr lang="en-US" dirty="0"/>
+              <a:t>to a transformation </a:t>
+            </a:r>
+            <a:r>
+              <a:rPr lang="en-US" b="1" dirty="0" smtClean="0">
+                <a:ln w="12700">
+                  <a:solidFill>
+                    <a:schemeClr val="tx2">
+                      <a:satMod val="155000"/>
+                    </a:schemeClr>
+                  </a:solidFill>
+                  <a:prstDash val="solid"/>
+                </a:ln>
+                <a:solidFill>
+                  <a:schemeClr val="bg2">
+                    <a:tint val="85000"/>
+                    <a:satMod val="155000"/>
+                  </a:schemeClr>
+                </a:solidFill>
+                <a:effectLst>
+                  <a:outerShdw blurRad="41275" dist="20320" dir="1800000" algn="tl" rotWithShape="0">
+                    <a:srgbClr val="000000">
+                      <a:alpha val="40000"/>
+                    </a:srgbClr>
+                  </a:outerShdw>
+                </a:effectLst>
+              </a:rPr>
+              <a:t>F </a:t>
+            </a:r>
+            <a:r>
+              <a:rPr lang="en-US" dirty="0" smtClean="0"/>
+              <a:t>(</a:t>
+            </a:r>
+            <a:r>
+              <a:rPr lang="en-US" dirty="0"/>
+              <a:t>aggregation of resources per F*</a:t>
+            </a:r>
+            <a:r>
+              <a:rPr lang="en-US" dirty="0" smtClean="0"/>
+              <a:t>) to provide a federated capability</a:t>
+            </a:r>
+            <a:endParaRPr lang="en-US" dirty="0"/>
+          </a:p>
+          <a:p>
+            <a:pPr marL="344488" indent="-342900"/>
+            <a:r>
               <a:rPr lang="en-US" sz="2000" dirty="0" smtClean="0"/>
-              <a:t>Role of Simulation</a:t>
+              <a:t>Role </a:t>
+            </a:r>
+            <a:r>
+              <a:rPr lang="en-US" sz="2000" dirty="0" smtClean="0"/>
+              <a:t>of Simulation</a:t>
             </a:r>
           </a:p>
           <a:p>
             <a:pPr marL="800100" lvl="1" indent="-342900"/>
             <a:r>
               <a:rPr lang="en-US" sz="1800" dirty="0" smtClean="0"/>
-              <a:t>If we federate a given set of resources {R} what is the performance we expect?</a:t>
+              <a:t>If we federate a given set of resources {I} what is the performance we expect?</a:t>
             </a:r>
           </a:p>
           <a:p>
             <a:pPr marL="800100" lvl="1" indent="-342900"/>
             <a:r>
               <a:rPr lang="en-US" dirty="0" smtClean="0"/>
-              <a:t>If we want a capability [C], what is the set of resources {R} we need to get this [C] with well-defined probability distribution?</a:t>
+              <a:t>If we want a capability [C], what is the set of resources {I} we need to </a:t>
+            </a:r>
+            <a:r>
+              <a:rPr lang="en-US" dirty="0" smtClean="0"/>
+              <a:t>federate to get  </a:t>
+            </a:r>
+            <a:r>
+              <a:rPr lang="en-US" dirty="0" smtClean="0"/>
+              <a:t>this [C] with well-defined probability distribution?</a:t>
             </a:r>
           </a:p>
           <a:p>

--- a/presentations/radical-modsim.pptx
+++ b/presentations/radical-modsim.pptx
@@ -1329,7 +1329,7 @@
             <a:fld id="{8C1510E7-41E5-EC45-AEF0-4F5FBB17A54E}" type="slidenum">
               <a:rPr lang="en-US"/>
               <a:pPr/>
-              <a:t>‹#›</a:t>
+              <a:t>‹Nr.›</a:t>
             </a:fld>
             <a:endParaRPr lang="en-US"/>
           </a:p>
@@ -1514,7 +1514,7 @@
             <a:fld id="{E2EAB6CA-2AA1-0443-B8DC-DC15ED59C587}" type="slidenum">
               <a:rPr lang="en-US"/>
               <a:pPr/>
-              <a:t>‹#›</a:t>
+              <a:t>‹Nr.›</a:t>
             </a:fld>
             <a:endParaRPr lang="en-US"/>
           </a:p>
@@ -1660,7 +1660,7 @@
               <a:pPr>
                 <a:defRPr/>
               </a:pPr>
-              <a:t>‹#›</a:t>
+              <a:t>‹Nr.›</a:t>
             </a:fld>
             <a:endParaRPr lang="en-US"/>
           </a:p>
@@ -1924,7 +1924,7 @@
               <a:pPr>
                 <a:defRPr/>
               </a:pPr>
-              <a:t>‹#›</a:t>
+              <a:t>‹Nr.›</a:t>
             </a:fld>
             <a:endParaRPr lang="en-US"/>
           </a:p>
@@ -2129,7 +2129,7 @@
             <a:fld id="{F47EBDB2-0287-D14F-A8C8-B35968356903}" type="slidenum">
               <a:rPr lang="en-US" smtClean="0"/>
               <a:pPr/>
-              <a:t>‹#›</a:t>
+              <a:t>‹Nr.›</a:t>
             </a:fld>
             <a:endParaRPr lang="en-US" dirty="0"/>
           </a:p>
@@ -3042,7 +3042,12 @@
             <p:ph idx="1"/>
           </p:nvPr>
         </p:nvSpPr>
-        <p:spPr/>
+        <p:spPr>
+          <a:xfrm>
+            <a:off x="10357423" y="1168298"/>
+            <a:ext cx="8597178" cy="5146033"/>
+          </a:xfrm>
+        </p:spPr>
         <p:txBody>
           <a:bodyPr/>
           <a:lstStyle/>
@@ -3071,6 +3076,147 @@
           </a:p>
         </p:txBody>
       </p:sp>
+      <p:sp>
+        <p:nvSpPr>
+          <p:cNvPr id="4" name="Textfeld 3"/>
+          <p:cNvSpPr txBox="1"/>
+          <p:nvPr/>
+        </p:nvSpPr>
+        <p:spPr>
+          <a:xfrm>
+            <a:off x="282231" y="4977961"/>
+            <a:ext cx="2918753" cy="954107"/>
+          </a:xfrm>
+          <a:prstGeom prst="rect">
+            <a:avLst/>
+          </a:prstGeom>
+          <a:noFill/>
+        </p:spPr>
+        <p:txBody>
+          <a:bodyPr wrap="square" rtlCol="0">
+            <a:spAutoFit/>
+          </a:bodyPr>
+          <a:lstStyle/>
+          <a:p>
+            <a:pPr marL="285750" indent="-285750">
+              <a:buFont typeface="Wingdings" charset="2"/>
+              <a:buChar char="ü"/>
+            </a:pPr>
+            <a:r>
+              <a:rPr lang="de-DE" dirty="0" smtClean="0"/>
+              <a:t>Fast </a:t>
+            </a:r>
+            <a:r>
+              <a:rPr lang="de-DE" dirty="0" err="1"/>
+              <a:t>modeling</a:t>
+            </a:r>
+            <a:endParaRPr lang="de-DE" dirty="0"/>
+          </a:p>
+          <a:p>
+            <a:pPr marL="285750" indent="-285750">
+              <a:buFont typeface="Wingdings" charset="2"/>
+              <a:buChar char="ü"/>
+            </a:pPr>
+            <a:r>
+              <a:rPr lang="de-DE" dirty="0" smtClean="0"/>
+              <a:t>Easy </a:t>
+            </a:r>
+            <a:r>
+              <a:rPr lang="de-DE" dirty="0" err="1"/>
+              <a:t>data</a:t>
+            </a:r>
+            <a:r>
+              <a:rPr lang="de-DE" dirty="0"/>
+              <a:t> </a:t>
+            </a:r>
+            <a:r>
+              <a:rPr lang="de-DE" dirty="0" err="1"/>
+              <a:t>integration</a:t>
+            </a:r>
+            <a:endParaRPr lang="de-DE" dirty="0"/>
+          </a:p>
+          <a:p>
+            <a:pPr marL="285750" indent="-285750">
+              <a:buFont typeface="Wingdings" charset="2"/>
+              <a:buChar char="ü"/>
+            </a:pPr>
+            <a:r>
+              <a:rPr lang="de-DE" dirty="0" smtClean="0"/>
+              <a:t>Multiple </a:t>
+            </a:r>
+            <a:r>
+              <a:rPr lang="de-DE" dirty="0" err="1"/>
+              <a:t>levels</a:t>
+            </a:r>
+            <a:r>
+              <a:rPr lang="de-DE" dirty="0"/>
+              <a:t> </a:t>
+            </a:r>
+            <a:r>
+              <a:rPr lang="de-DE" dirty="0" err="1"/>
+              <a:t>of</a:t>
+            </a:r>
+            <a:r>
+              <a:rPr lang="de-DE" dirty="0"/>
+              <a:t> </a:t>
+            </a:r>
+            <a:r>
+              <a:rPr lang="de-DE" dirty="0" err="1" smtClean="0"/>
+              <a:t>granularity</a:t>
+            </a:r>
+            <a:endParaRPr lang="de-DE" dirty="0"/>
+          </a:p>
+          <a:p>
+            <a:pPr marL="285750" indent="-285750">
+              <a:buFont typeface="Wingdings" charset="2"/>
+              <a:buChar char="ü"/>
+            </a:pPr>
+            <a:r>
+              <a:rPr lang="de-DE" dirty="0" err="1" smtClean="0"/>
+              <a:t>Redundancy</a:t>
+            </a:r>
+            <a:r>
+              <a:rPr lang="de-DE" dirty="0" smtClean="0"/>
+              <a:t> </a:t>
+            </a:r>
+            <a:r>
+              <a:rPr lang="de-DE" dirty="0" err="1" smtClean="0"/>
+              <a:t>handling</a:t>
+            </a:r>
+            <a:endParaRPr lang="de-DE" dirty="0"/>
+          </a:p>
+        </p:txBody>
+      </p:sp>
+      <p:pic>
+        <p:nvPicPr>
+          <p:cNvPr id="5" name="Bild 4" descr="SlideDoE.png"/>
+          <p:cNvPicPr>
+            <a:picLocks noChangeAspect="1"/>
+          </p:cNvPicPr>
+          <p:nvPr/>
+        </p:nvPicPr>
+        <p:blipFill>
+          <a:blip r:embed="rId2">
+            <a:extLst>
+              <a:ext uri="{28A0092B-C50C-407E-A947-70E740481C1C}">
+                <a14:useLocalDpi xmlns:a14="http://schemas.microsoft.com/office/drawing/2010/main" val="0"/>
+              </a:ext>
+            </a:extLst>
+          </a:blip>
+          <a:stretch>
+            <a:fillRect/>
+          </a:stretch>
+        </p:blipFill>
+        <p:spPr>
+          <a:xfrm>
+            <a:off x="2309424" y="1168298"/>
+            <a:ext cx="6569984" cy="4025108"/>
+          </a:xfrm>
+          <a:prstGeom prst="rect">
+            <a:avLst/>
+          </a:prstGeom>
+        </p:spPr>
+      </p:pic>
     </p:spTree>
     <p:extLst>
       <p:ext uri="{BB962C8B-B14F-4D97-AF65-F5344CB8AC3E}">
@@ -4780,29 +4926,7 @@
                   </a:schemeClr>
                 </a:solidFill>
               </a:rPr>
-              <a:t>Dynamic </a:t>
-            </a:r>
-            <a:r>
-              <a:rPr lang="en-US" dirty="0" smtClean="0">
-                <a:solidFill>
-                  <a:schemeClr val="tx1">
-                    <a:lumMod val="65000"/>
-                    <a:lumOff val="35000"/>
-                  </a:schemeClr>
-                </a:solidFill>
-              </a:rPr>
-              <a:t>Resources/Infrastructure: </a:t>
-            </a:r>
-            <a:r>
-              <a:rPr lang="en-US" dirty="0" smtClean="0">
-                <a:solidFill>
-                  <a:schemeClr val="tx1">
-                    <a:lumMod val="65000"/>
-                    <a:lumOff val="35000"/>
-                  </a:schemeClr>
-                </a:solidFill>
-              </a:rPr>
-              <a:t>P*, I*</a:t>
+              <a:t>Dynamic Resources/Infrastructure: P*, I*</a:t>
             </a:r>
           </a:p>
           <a:p>
@@ -4821,18 +4945,7 @@
                   </a:schemeClr>
                 </a:solidFill>
               </a:rPr>
-              <a:t>Federation of Infrastructure </a:t>
-            </a:r>
-            <a:r>
-              <a:rPr lang="en-US" dirty="0" smtClean="0">
-                <a:solidFill>
-                  <a:schemeClr val="tx1">
-                    <a:lumMod val="65000"/>
-                    <a:lumOff val="35000"/>
-                  </a:schemeClr>
-                </a:solidFill>
-              </a:rPr>
-              <a:t>F*</a:t>
+              <a:t>Federation of Infrastructure F*</a:t>
             </a:r>
           </a:p>
           <a:p>
@@ -5100,7 +5213,6 @@
               <a:rPr lang="en-US" dirty="0" smtClean="0"/>
               <a:t>Need information about resources, networks </a:t>
             </a:r>
-            <a:endParaRPr lang="en-US" dirty="0" smtClean="0"/>
           </a:p>
           <a:p>
             <a:pPr lvl="1"/>
@@ -5109,13 +5221,8 @@
           <a:p>
             <a:r>
               <a:rPr lang="en-US" dirty="0" smtClean="0"/>
-              <a:t>Wha</a:t>
-            </a:r>
-            <a:r>
-              <a:rPr lang="en-US" dirty="0" smtClean="0"/>
-              <a:t>t is a capability?</a:t>
-            </a:r>
-            <a:endParaRPr lang="en-US" dirty="0" smtClean="0"/>
+              <a:t>What is a capability?</a:t>
+            </a:r>
           </a:p>
           <a:p>
             <a:pPr marL="457200" lvl="1" indent="0">
@@ -5857,18 +5964,7 @@
                   </a:schemeClr>
                 </a:solidFill>
               </a:rPr>
-              <a:t>Understandin</a:t>
-            </a:r>
-            <a:r>
-              <a:rPr lang="en-US" dirty="0" smtClean="0">
-                <a:solidFill>
-                  <a:schemeClr val="tx1">
-                    <a:lumMod val="65000"/>
-                    <a:lumOff val="35000"/>
-                  </a:schemeClr>
-                </a:solidFill>
-              </a:rPr>
-              <a:t>g the Different Models:</a:t>
+              <a:t>Understanding the Different Models:</a:t>
             </a:r>
             <a:endParaRPr lang="en-US" dirty="0">
               <a:solidFill>
@@ -6076,27 +6172,8 @@
                   </a:schemeClr>
                 </a:solidFill>
               </a:rPr>
-              <a:t>In turn builds upon a model/models of </a:t>
-            </a:r>
-            <a:r>
-              <a:rPr lang="en-US" dirty="0" smtClean="0">
-                <a:solidFill>
-                  <a:schemeClr val="tx1">
-                    <a:lumMod val="65000"/>
-                    <a:lumOff val="35000"/>
-                  </a:schemeClr>
-                </a:solidFill>
-              </a:rPr>
-              <a:t>infrastructure (I*)</a:t>
-            </a:r>
-            <a:endParaRPr lang="en-US" dirty="0" smtClean="0">
-              <a:solidFill>
-                <a:schemeClr val="tx1">
-                  <a:lumMod val="65000"/>
-                  <a:lumOff val="35000"/>
-                </a:schemeClr>
-              </a:solidFill>
-            </a:endParaRPr>
+              <a:t>In turn builds upon a model/models of infrastructure (I*)</a:t>
+            </a:r>
           </a:p>
           <a:p>
             <a:pPr marL="344488" indent="-342900">
@@ -6567,11 +6644,7 @@
             <a:pPr marL="344488" indent="-342900"/>
             <a:r>
               <a:rPr lang="en-US" sz="2000" dirty="0" smtClean="0"/>
-              <a:t>Role </a:t>
-            </a:r>
-            <a:r>
-              <a:rPr lang="en-US" sz="2000" dirty="0" smtClean="0"/>
-              <a:t>of Simulation</a:t>
+              <a:t>Role of Simulation</a:t>
             </a:r>
           </a:p>
           <a:p>
@@ -6585,15 +6658,7 @@
             <a:pPr marL="800100" lvl="1" indent="-342900"/>
             <a:r>
               <a:rPr lang="en-US" dirty="0" smtClean="0"/>
-              <a:t>If we want a capability [C], what is the set of resources {I} we need to </a:t>
-            </a:r>
-            <a:r>
-              <a:rPr lang="en-US" dirty="0" smtClean="0"/>
-              <a:t>federate to get  </a:t>
-            </a:r>
-            <a:r>
-              <a:rPr lang="en-US" dirty="0" smtClean="0"/>
-              <a:t>this [C] with well-defined probability distribution?</a:t>
+              <a:t>If we want a capability [C], what is the set of resources {I} we need to federate to get  this [C] with well-defined probability distribution?</a:t>
             </a:r>
           </a:p>
           <a:p>

--- a/presentations/radical-modsim.pptx
+++ b/presentations/radical-modsim.pptx
@@ -5,7 +5,7 @@
     <p:sldMasterId id="2147483656" r:id="rId1"/>
   </p:sldMasterIdLst>
   <p:notesMasterIdLst>
-    <p:notesMasterId r:id="rId19"/>
+    <p:notesMasterId r:id="rId20"/>
   </p:notesMasterIdLst>
   <p:sldIdLst>
     <p:sldId id="256" r:id="rId2"/>
@@ -19,12 +19,13 @@
     <p:sldId id="285" r:id="rId10"/>
     <p:sldId id="286" r:id="rId11"/>
     <p:sldId id="287" r:id="rId12"/>
-    <p:sldId id="292" r:id="rId13"/>
-    <p:sldId id="289" r:id="rId14"/>
-    <p:sldId id="288" r:id="rId15"/>
-    <p:sldId id="284" r:id="rId16"/>
-    <p:sldId id="282" r:id="rId17"/>
-    <p:sldId id="295" r:id="rId18"/>
+    <p:sldId id="298" r:id="rId13"/>
+    <p:sldId id="292" r:id="rId14"/>
+    <p:sldId id="297" r:id="rId15"/>
+    <p:sldId id="289" r:id="rId16"/>
+    <p:sldId id="284" r:id="rId17"/>
+    <p:sldId id="282" r:id="rId18"/>
+    <p:sldId id="295" r:id="rId19"/>
   </p:sldIdLst>
   <p:sldSz cx="9144000" cy="6858000" type="screen4x3"/>
   <p:notesSz cx="6858000" cy="9144000"/>
@@ -866,6 +867,95 @@
 </file>
 
 <file path=ppt/notesSlides/notesSlide5.xml><?xml version="1.0" encoding="utf-8"?>
+<p:notes xmlns:a="http://schemas.openxmlformats.org/drawingml/2006/main" xmlns:r="http://schemas.openxmlformats.org/officeDocument/2006/relationships" xmlns:p="http://schemas.openxmlformats.org/presentationml/2006/main">
+  <p:cSld>
+    <p:spTree>
+      <p:nvGrpSpPr>
+        <p:cNvPr id="1" name=""/>
+        <p:cNvGrpSpPr/>
+        <p:nvPr/>
+      </p:nvGrpSpPr>
+      <p:grpSpPr>
+        <a:xfrm>
+          <a:off x="0" y="0"/>
+          <a:ext cx="0" cy="0"/>
+          <a:chOff x="0" y="0"/>
+          <a:chExt cx="0" cy="0"/>
+        </a:xfrm>
+      </p:grpSpPr>
+      <p:sp>
+        <p:nvSpPr>
+          <p:cNvPr id="2" name="Slide Image Placeholder 1"/>
+          <p:cNvSpPr>
+            <a:spLocks noGrp="1" noRot="1" noChangeAspect="1"/>
+          </p:cNvSpPr>
+          <p:nvPr>
+            <p:ph type="sldImg"/>
+          </p:nvPr>
+        </p:nvSpPr>
+        <p:spPr>
+          <a:xfrm>
+            <a:off x="1143000" y="685800"/>
+            <a:ext cx="4572000" cy="3429000"/>
+          </a:xfrm>
+        </p:spPr>
+      </p:sp>
+      <p:sp>
+        <p:nvSpPr>
+          <p:cNvPr id="3" name="Notes Placeholder 2"/>
+          <p:cNvSpPr>
+            <a:spLocks noGrp="1"/>
+          </p:cNvSpPr>
+          <p:nvPr>
+            <p:ph type="body" idx="1"/>
+          </p:nvPr>
+        </p:nvSpPr>
+        <p:spPr/>
+        <p:txBody>
+          <a:bodyPr/>
+          <a:lstStyle/>
+          <a:p>
+            <a:pPr marL="0" marR="0" indent="0" algn="l" defTabSz="457200" rtl="0" eaLnBrk="1" fontAlgn="auto" latinLnBrk="0" hangingPunct="1">
+              <a:lnSpc>
+                <a:spcPct val="100000"/>
+              </a:lnSpc>
+              <a:spcBef>
+                <a:spcPts val="0"/>
+              </a:spcBef>
+              <a:spcAft>
+                <a:spcPts val="0"/>
+              </a:spcAft>
+              <a:buClrTx/>
+              <a:buSzTx/>
+              <a:buFontTx/>
+              <a:buNone/>
+              <a:tabLst/>
+              <a:defRPr/>
+            </a:pPr>
+            <a:r>
+              <a:rPr lang="en-US" dirty="0" smtClean="0"/>
+              <a:t>We take the schematic of NGMW and show how the different levels at which the Models work, (ii) how different models interact, especially (a) Andre and Christian’s work/interface, (ii) I* and F*.</a:t>
+            </a:r>
+          </a:p>
+          <a:p>
+            <a:endParaRPr lang="en-US" dirty="0"/>
+          </a:p>
+        </p:txBody>
+      </p:sp>
+    </p:spTree>
+    <p:extLst>
+      <p:ext uri="{BB962C8B-B14F-4D97-AF65-F5344CB8AC3E}">
+        <p14:creationId xmlns:p14="http://schemas.microsoft.com/office/powerpoint/2010/main" val="1073575463"/>
+      </p:ext>
+    </p:extLst>
+  </p:cSld>
+  <p:clrMapOvr>
+    <a:masterClrMapping/>
+  </p:clrMapOvr>
+</p:notes>
+</file>
+
+<file path=ppt/notesSlides/notesSlide6.xml><?xml version="1.0" encoding="utf-8"?>
 <p:notes xmlns:a="http://schemas.openxmlformats.org/drawingml/2006/main" xmlns:r="http://schemas.openxmlformats.org/officeDocument/2006/relationships" xmlns:p="http://schemas.openxmlformats.org/presentationml/2006/main" showMasterSp="0" showMasterPhAnim="0">
   <p:cSld>
     <p:spTree>
@@ -1000,7 +1090,7 @@
 </p:notes>
 </file>
 
-<file path=ppt/notesSlides/notesSlide6.xml><?xml version="1.0" encoding="utf-8"?>
+<file path=ppt/notesSlides/notesSlide7.xml><?xml version="1.0" encoding="utf-8"?>
 <p:notes xmlns:a="http://schemas.openxmlformats.org/drawingml/2006/main" xmlns:r="http://schemas.openxmlformats.org/officeDocument/2006/relationships" xmlns:p="http://schemas.openxmlformats.org/presentationml/2006/main" showMasterSp="0" showMasterPhAnim="0">
   <p:cSld>
     <p:spTree>
@@ -1329,7 +1419,7 @@
             <a:fld id="{8C1510E7-41E5-EC45-AEF0-4F5FBB17A54E}" type="slidenum">
               <a:rPr lang="en-US"/>
               <a:pPr/>
-              <a:t>‹Nr.›</a:t>
+              <a:t>‹#›</a:t>
             </a:fld>
             <a:endParaRPr lang="en-US"/>
           </a:p>
@@ -1514,7 +1604,7 @@
             <a:fld id="{E2EAB6CA-2AA1-0443-B8DC-DC15ED59C587}" type="slidenum">
               <a:rPr lang="en-US"/>
               <a:pPr/>
-              <a:t>‹Nr.›</a:t>
+              <a:t>‹#›</a:t>
             </a:fld>
             <a:endParaRPr lang="en-US"/>
           </a:p>
@@ -1660,7 +1750,7 @@
               <a:pPr>
                 <a:defRPr/>
               </a:pPr>
-              <a:t>‹Nr.›</a:t>
+              <a:t>‹#›</a:t>
             </a:fld>
             <a:endParaRPr lang="en-US"/>
           </a:p>
@@ -1924,7 +2014,7 @@
               <a:pPr>
                 <a:defRPr/>
               </a:pPr>
-              <a:t>‹Nr.›</a:t>
+              <a:t>‹#›</a:t>
             </a:fld>
             <a:endParaRPr lang="en-US"/>
           </a:p>
@@ -2129,7 +2219,7 @@
             <a:fld id="{F47EBDB2-0287-D14F-A8C8-B35968356903}" type="slidenum">
               <a:rPr lang="en-US" smtClean="0"/>
               <a:pPr/>
-              <a:t>‹Nr.›</a:t>
+              <a:t>‹#›</a:t>
             </a:fld>
             <a:endParaRPr lang="en-US" dirty="0"/>
           </a:p>
@@ -3220,7 +3310,7 @@
     </p:spTree>
     <p:extLst>
       <p:ext uri="{BB962C8B-B14F-4D97-AF65-F5344CB8AC3E}">
-        <p14:creationId xmlns:p14="http://schemas.microsoft.com/office/powerpoint/2010/main" val="1832354515"/>
+        <p14:creationId xmlns:p14="http://schemas.microsoft.com/office/powerpoint/2010/main" val="1361442106"/>
       </p:ext>
     </p:extLst>
   </p:cSld>
@@ -3254,17 +3344,26 @@
             <a:spLocks noGrp="1"/>
           </p:cNvSpPr>
           <p:nvPr>
-            <p:ph type="title"/>
+            <p:ph type="title" idx="4294967295"/>
           </p:nvPr>
         </p:nvSpPr>
-        <p:spPr/>
+        <p:spPr>
+          <a:xfrm>
+            <a:off x="547688" y="76200"/>
+            <a:ext cx="8596312" cy="690563"/>
+          </a:xfrm>
+        </p:spPr>
         <p:txBody>
           <a:bodyPr/>
           <a:lstStyle/>
           <a:p>
             <a:r>
               <a:rPr lang="en-US" dirty="0" smtClean="0"/>
-              <a:t>*.* : Putting it together</a:t>
+              <a:t>I</a:t>
+            </a:r>
+            <a:r>
+              <a:rPr lang="en-US" dirty="0" smtClean="0"/>
+              <a:t>*</a:t>
             </a:r>
             <a:endParaRPr lang="en-US" dirty="0"/>
           </a:p>
@@ -3272,31 +3371,149 @@
       </p:sp>
       <p:sp>
         <p:nvSpPr>
-          <p:cNvPr id="3" name="Content Placeholder 2"/>
-          <p:cNvSpPr>
-            <a:spLocks noGrp="1"/>
-          </p:cNvSpPr>
-          <p:nvPr>
-            <p:ph idx="1"/>
-          </p:nvPr>
+          <p:cNvPr id="4" name="Textfeld 3"/>
+          <p:cNvSpPr txBox="1"/>
+          <p:nvPr/>
         </p:nvSpPr>
-        <p:spPr/>
+        <p:spPr>
+          <a:xfrm>
+            <a:off x="282231" y="4977961"/>
+            <a:ext cx="2918753" cy="954107"/>
+          </a:xfrm>
+          <a:prstGeom prst="rect">
+            <a:avLst/>
+          </a:prstGeom>
+          <a:noFill/>
+        </p:spPr>
         <p:txBody>
-          <a:bodyPr/>
+          <a:bodyPr wrap="square" rtlCol="0">
+            <a:spAutoFit/>
+          </a:bodyPr>
           <a:lstStyle/>
           <a:p>
-            <a:r>
-              <a:rPr lang="en-US" dirty="0" smtClean="0"/>
-              <a:t>We take the schematic of NGMW and show how the different levels at which the Models work, (ii) how different models interact, especially (a) Andre and Christian’s work/interface, (ii) I* and F*.</a:t>
-            </a:r>
-            <a:endParaRPr lang="en-US" dirty="0"/>
+            <a:pPr marL="285750" indent="-285750">
+              <a:buFont typeface="Wingdings" charset="2"/>
+              <a:buChar char="ü"/>
+            </a:pPr>
+            <a:r>
+              <a:rPr lang="de-DE" dirty="0" smtClean="0"/>
+              <a:t>Fast </a:t>
+            </a:r>
+            <a:r>
+              <a:rPr lang="de-DE" dirty="0" err="1"/>
+              <a:t>modeling</a:t>
+            </a:r>
+            <a:endParaRPr lang="de-DE" dirty="0"/>
+          </a:p>
+          <a:p>
+            <a:pPr marL="285750" indent="-285750">
+              <a:buFont typeface="Wingdings" charset="2"/>
+              <a:buChar char="ü"/>
+            </a:pPr>
+            <a:r>
+              <a:rPr lang="de-DE" dirty="0" smtClean="0"/>
+              <a:t>Easy </a:t>
+            </a:r>
+            <a:r>
+              <a:rPr lang="de-DE" dirty="0" err="1"/>
+              <a:t>data</a:t>
+            </a:r>
+            <a:r>
+              <a:rPr lang="de-DE" dirty="0"/>
+              <a:t> </a:t>
+            </a:r>
+            <a:r>
+              <a:rPr lang="de-DE" dirty="0" err="1"/>
+              <a:t>integration</a:t>
+            </a:r>
+            <a:endParaRPr lang="de-DE" dirty="0"/>
+          </a:p>
+          <a:p>
+            <a:pPr marL="285750" indent="-285750">
+              <a:buFont typeface="Wingdings" charset="2"/>
+              <a:buChar char="ü"/>
+            </a:pPr>
+            <a:r>
+              <a:rPr lang="de-DE" dirty="0" smtClean="0"/>
+              <a:t>Multiple </a:t>
+            </a:r>
+            <a:r>
+              <a:rPr lang="de-DE" dirty="0" err="1"/>
+              <a:t>levels</a:t>
+            </a:r>
+            <a:r>
+              <a:rPr lang="de-DE" dirty="0"/>
+              <a:t> </a:t>
+            </a:r>
+            <a:r>
+              <a:rPr lang="de-DE" dirty="0" err="1"/>
+              <a:t>of</a:t>
+            </a:r>
+            <a:r>
+              <a:rPr lang="de-DE" dirty="0"/>
+              <a:t> </a:t>
+            </a:r>
+            <a:r>
+              <a:rPr lang="de-DE" dirty="0" err="1" smtClean="0"/>
+              <a:t>granularity</a:t>
+            </a:r>
+            <a:endParaRPr lang="de-DE" dirty="0"/>
+          </a:p>
+          <a:p>
+            <a:pPr marL="285750" indent="-285750">
+              <a:buFont typeface="Wingdings" charset="2"/>
+              <a:buChar char="ü"/>
+            </a:pPr>
+            <a:r>
+              <a:rPr lang="de-DE" dirty="0" err="1" smtClean="0"/>
+              <a:t>Redundancy</a:t>
+            </a:r>
+            <a:r>
+              <a:rPr lang="de-DE" dirty="0" smtClean="0"/>
+              <a:t> </a:t>
+            </a:r>
+            <a:r>
+              <a:rPr lang="de-DE" dirty="0" err="1" smtClean="0"/>
+              <a:t>handling</a:t>
+            </a:r>
+            <a:endParaRPr lang="de-DE" dirty="0"/>
           </a:p>
         </p:txBody>
       </p:sp>
+      <p:pic>
+        <p:nvPicPr>
+          <p:cNvPr id="5" name="Bild 4" descr="SlideDoE.png"/>
+          <p:cNvPicPr>
+            <a:picLocks noChangeAspect="1"/>
+          </p:cNvPicPr>
+          <p:nvPr/>
+        </p:nvPicPr>
+        <p:blipFill>
+          <a:blip r:embed="rId2">
+            <a:extLst>
+              <a:ext uri="{28A0092B-C50C-407E-A947-70E740481C1C}">
+                <a14:useLocalDpi xmlns:a14="http://schemas.microsoft.com/office/drawing/2010/main" val="0"/>
+              </a:ext>
+            </a:extLst>
+          </a:blip>
+          <a:stretch>
+            <a:fillRect/>
+          </a:stretch>
+        </p:blipFill>
+        <p:spPr>
+          <a:xfrm>
+            <a:off x="2309424" y="1168298"/>
+            <a:ext cx="6569984" cy="4025108"/>
+          </a:xfrm>
+          <a:prstGeom prst="rect">
+            <a:avLst/>
+          </a:prstGeom>
+        </p:spPr>
+      </p:pic>
     </p:spTree>
     <p:extLst>
       <p:ext uri="{BB962C8B-B14F-4D97-AF65-F5344CB8AC3E}">
-        <p14:creationId xmlns:p14="http://schemas.microsoft.com/office/powerpoint/2010/main" val="3867112780"/>
+        <p14:creationId xmlns:p14="http://schemas.microsoft.com/office/powerpoint/2010/main" val="1832354515"/>
       </p:ext>
     </p:extLst>
   </p:cSld>
@@ -3340,15 +3557,7 @@
           <a:p>
             <a:r>
               <a:rPr lang="en-US" dirty="0" smtClean="0"/>
-              <a:t>F* [</a:t>
-            </a:r>
-            <a:r>
-              <a:rPr lang="en-US" dirty="0" err="1" smtClean="0"/>
-              <a:t>Matteo</a:t>
-            </a:r>
-            <a:r>
-              <a:rPr lang="en-US" dirty="0" smtClean="0"/>
-              <a:t>]</a:t>
+              <a:t>F* - Analytical Model of Resource Federation</a:t>
             </a:r>
             <a:endParaRPr lang="en-US" dirty="0"/>
           </a:p>
@@ -3356,27 +3565,293 @@
       </p:sp>
       <p:sp>
         <p:nvSpPr>
-          <p:cNvPr id="3" name="Content Placeholder 2"/>
-          <p:cNvSpPr>
-            <a:spLocks noGrp="1"/>
+          <p:cNvPr id="4" name="Shape 72"/>
+          <p:cNvSpPr txBox="1">
+            <a:spLocks/>
           </p:cNvSpPr>
-          <p:nvPr>
-            <p:ph idx="1"/>
-          </p:nvPr>
+          <p:nvPr/>
         </p:nvSpPr>
-        <p:spPr/>
+        <p:spPr bwMode="auto">
+          <a:xfrm>
+            <a:off x="282231" y="1087421"/>
+            <a:ext cx="4313501" cy="4687047"/>
+          </a:xfrm>
+          <a:prstGeom prst="rect">
+            <a:avLst/>
+          </a:prstGeom>
+          <a:noFill/>
+          <a:ln>
+            <a:noFill/>
+          </a:ln>
+          <a:extLst>
+            <a:ext uri="{909E8E84-426E-40dd-AFC4-6F175D3DCCD1}">
+              <a14:hiddenFill xmlns:a14="http://schemas.microsoft.com/office/drawing/2010/main">
+                <a:solidFill>
+                  <a:srgbClr val="FFFFFF"/>
+                </a:solidFill>
+              </a14:hiddenFill>
+            </a:ext>
+            <a:ext uri="{91240B29-F687-4f45-9708-019B960494DF}">
+              <a14:hiddenLine xmlns:a14="http://schemas.microsoft.com/office/drawing/2010/main" w="9525">
+                <a:solidFill>
+                  <a:srgbClr val="000000"/>
+                </a:solidFill>
+                <a:miter lim="800000"/>
+                <a:headEnd/>
+                <a:tailEnd/>
+              </a14:hiddenLine>
+            </a:ext>
+            <a:ext uri="{FAA26D3D-D897-4be2-8F04-BA451C77F1D7}">
+              <ma14:placeholderFlag xmlns:ma14="http://schemas.microsoft.com/office/mac/drawingml/2011/main" val="1"/>
+            </a:ext>
+          </a:extLst>
+        </p:spPr>
         <p:txBody>
-          <a:bodyPr/>
-          <a:lstStyle/>
-          <a:p>
-            <a:endParaRPr lang="en-US"/>
+          <a:bodyPr vert="horz" wrap="square" lIns="91425" tIns="91425" rIns="91425" bIns="91425" numCol="1" anchor="t" anchorCtr="0" compatLnSpc="1">
+            <a:prstTxWarp prst="textNoShape">
+              <a:avLst/>
+            </a:prstTxWarp>
+            <a:noAutofit/>
+          </a:bodyPr>
+          <a:lstStyle>
+            <a:lvl1pPr marL="227013" indent="-227013" algn="l" rtl="0" eaLnBrk="0" fontAlgn="base" hangingPunct="0">
+              <a:spcBef>
+                <a:spcPts val="1200"/>
+              </a:spcBef>
+              <a:spcAft>
+                <a:spcPct val="0"/>
+              </a:spcAft>
+              <a:buClr>
+                <a:schemeClr val="tx1">
+                  <a:lumMod val="95000"/>
+                  <a:lumOff val="5000"/>
+                </a:schemeClr>
+              </a:buClr>
+              <a:buChar char="•"/>
+              <a:tabLst/>
+              <a:defRPr sz="2000">
+                <a:solidFill>
+                  <a:schemeClr val="tx1">
+                    <a:lumMod val="95000"/>
+                    <a:lumOff val="5000"/>
+                  </a:schemeClr>
+                </a:solidFill>
+                <a:latin typeface="+mn-lt"/>
+                <a:ea typeface="ＭＳ Ｐゴシック" charset="-128"/>
+                <a:cs typeface="ＭＳ Ｐゴシック" charset="-128"/>
+              </a:defRPr>
+            </a:lvl1pPr>
+            <a:lvl2pPr marL="682625" indent="-225425" algn="l" rtl="0" eaLnBrk="0" fontAlgn="base" hangingPunct="0">
+              <a:spcBef>
+                <a:spcPct val="20000"/>
+              </a:spcBef>
+              <a:spcAft>
+                <a:spcPct val="0"/>
+              </a:spcAft>
+              <a:buClr>
+                <a:schemeClr val="tx1">
+                  <a:lumMod val="95000"/>
+                  <a:lumOff val="5000"/>
+                </a:schemeClr>
+              </a:buClr>
+              <a:buChar char="–"/>
+              <a:defRPr sz="1800">
+                <a:solidFill>
+                  <a:srgbClr val="5F5F5F"/>
+                </a:solidFill>
+                <a:latin typeface="+mn-lt"/>
+                <a:ea typeface="ＭＳ Ｐゴシック" charset="-128"/>
+              </a:defRPr>
+            </a:lvl2pPr>
+            <a:lvl3pPr marL="1090613" indent="-176213" algn="l" rtl="0" eaLnBrk="0" fontAlgn="base" hangingPunct="0">
+              <a:spcBef>
+                <a:spcPct val="20000"/>
+              </a:spcBef>
+              <a:spcAft>
+                <a:spcPct val="0"/>
+              </a:spcAft>
+              <a:buClr>
+                <a:schemeClr val="tx1">
+                  <a:lumMod val="95000"/>
+                  <a:lumOff val="5000"/>
+                </a:schemeClr>
+              </a:buClr>
+              <a:buChar char="•"/>
+              <a:defRPr sz="1800">
+                <a:solidFill>
+                  <a:srgbClr val="5F5F5F"/>
+                </a:solidFill>
+                <a:latin typeface="+mn-lt"/>
+                <a:ea typeface="ＭＳ Ｐゴシック" charset="-128"/>
+              </a:defRPr>
+            </a:lvl3pPr>
+            <a:lvl4pPr marL="1600200" indent="-228600" algn="l" rtl="0" eaLnBrk="0" fontAlgn="base" hangingPunct="0">
+              <a:spcBef>
+                <a:spcPct val="20000"/>
+              </a:spcBef>
+              <a:spcAft>
+                <a:spcPct val="0"/>
+              </a:spcAft>
+              <a:buClr>
+                <a:schemeClr val="tx1">
+                  <a:lumMod val="95000"/>
+                  <a:lumOff val="5000"/>
+                </a:schemeClr>
+              </a:buClr>
+              <a:buChar char="–"/>
+              <a:defRPr sz="1800">
+                <a:solidFill>
+                  <a:srgbClr val="5F5F5F"/>
+                </a:solidFill>
+                <a:latin typeface="+mn-lt"/>
+                <a:ea typeface="ＭＳ Ｐゴシック" charset="-128"/>
+              </a:defRPr>
+            </a:lvl4pPr>
+            <a:lvl5pPr marL="2000250" indent="-171450" algn="l" rtl="0" eaLnBrk="0" fontAlgn="base" hangingPunct="0">
+              <a:spcBef>
+                <a:spcPct val="20000"/>
+              </a:spcBef>
+              <a:spcAft>
+                <a:spcPct val="0"/>
+              </a:spcAft>
+              <a:buClr>
+                <a:schemeClr val="tx1">
+                  <a:lumMod val="95000"/>
+                  <a:lumOff val="5000"/>
+                </a:schemeClr>
+              </a:buClr>
+              <a:buChar char="»"/>
+              <a:defRPr sz="1800">
+                <a:solidFill>
+                  <a:srgbClr val="5F5F5F"/>
+                </a:solidFill>
+                <a:latin typeface="+mn-lt"/>
+                <a:ea typeface="ＭＳ Ｐゴシック" charset="-128"/>
+              </a:defRPr>
+            </a:lvl5pPr>
+            <a:lvl6pPr marL="2514600" indent="-228600" algn="l" rtl="0" fontAlgn="base">
+              <a:spcBef>
+                <a:spcPct val="20000"/>
+              </a:spcBef>
+              <a:spcAft>
+                <a:spcPct val="0"/>
+              </a:spcAft>
+              <a:buChar char="»"/>
+              <a:defRPr sz="1400">
+                <a:solidFill>
+                  <a:srgbClr val="5F5F5F"/>
+                </a:solidFill>
+                <a:latin typeface="+mn-lt"/>
+                <a:ea typeface="ＭＳ Ｐゴシック" charset="-128"/>
+              </a:defRPr>
+            </a:lvl6pPr>
+            <a:lvl7pPr marL="2971800" indent="-228600" algn="l" rtl="0" fontAlgn="base">
+              <a:spcBef>
+                <a:spcPct val="20000"/>
+              </a:spcBef>
+              <a:spcAft>
+                <a:spcPct val="0"/>
+              </a:spcAft>
+              <a:buChar char="»"/>
+              <a:defRPr sz="1400">
+                <a:solidFill>
+                  <a:srgbClr val="5F5F5F"/>
+                </a:solidFill>
+                <a:latin typeface="+mn-lt"/>
+                <a:ea typeface="ＭＳ Ｐゴシック" charset="-128"/>
+              </a:defRPr>
+            </a:lvl7pPr>
+            <a:lvl8pPr marL="3429000" indent="-228600" algn="l" rtl="0" fontAlgn="base">
+              <a:spcBef>
+                <a:spcPct val="20000"/>
+              </a:spcBef>
+              <a:spcAft>
+                <a:spcPct val="0"/>
+              </a:spcAft>
+              <a:buChar char="»"/>
+              <a:defRPr sz="1400">
+                <a:solidFill>
+                  <a:srgbClr val="5F5F5F"/>
+                </a:solidFill>
+                <a:latin typeface="+mn-lt"/>
+                <a:ea typeface="ＭＳ Ｐゴシック" charset="-128"/>
+              </a:defRPr>
+            </a:lvl8pPr>
+            <a:lvl9pPr marL="3886200" indent="-228600" algn="l" rtl="0" fontAlgn="base">
+              <a:spcBef>
+                <a:spcPct val="20000"/>
+              </a:spcBef>
+              <a:spcAft>
+                <a:spcPct val="0"/>
+              </a:spcAft>
+              <a:buChar char="»"/>
+              <a:defRPr sz="1400">
+                <a:solidFill>
+                  <a:srgbClr val="5F5F5F"/>
+                </a:solidFill>
+                <a:latin typeface="+mn-lt"/>
+                <a:ea typeface="ＭＳ Ｐゴシック" charset="-128"/>
+              </a:defRPr>
+            </a:lvl9pPr>
+          </a:lstStyle>
+          <a:p>
+            <a:pPr marL="344488" indent="-342900"/>
+            <a:r>
+              <a:rPr lang="en-US" dirty="0" smtClean="0"/>
+              <a:t>Models how the capabilities offered by the infrastructure layer are aggregated and then exposed to the application layer.</a:t>
+            </a:r>
+          </a:p>
+          <a:p>
+            <a:pPr marL="344488" indent="-342900"/>
+            <a:r>
+              <a:rPr lang="en-US" dirty="0" smtClean="0"/>
+              <a:t>Heterogeneous capabilities of I* are aggregated by means of overlays (red box).</a:t>
+            </a:r>
+            <a:endParaRPr lang="en-US" dirty="0"/>
+          </a:p>
+          <a:p>
+            <a:pPr marL="344488" indent="-342900"/>
+            <a:r>
+              <a:rPr lang="en-US" dirty="0" smtClean="0"/>
+              <a:t>P* is used to aggregate the capabilities exposed by I* into logical containers of resources (red box).</a:t>
+            </a:r>
           </a:p>
         </p:txBody>
       </p:sp>
+      <p:pic>
+        <p:nvPicPr>
+          <p:cNvPr id="7" name="Picture 6" descr="f_star.png"/>
+          <p:cNvPicPr>
+            <a:picLocks noChangeAspect="1"/>
+          </p:cNvPicPr>
+          <p:nvPr/>
+        </p:nvPicPr>
+        <p:blipFill>
+          <a:blip r:embed="rId2">
+            <a:extLst>
+              <a:ext uri="{28A0092B-C50C-407E-A947-70E740481C1C}">
+                <a14:useLocalDpi xmlns:a14="http://schemas.microsoft.com/office/drawing/2010/main" val="0"/>
+              </a:ext>
+            </a:extLst>
+          </a:blip>
+          <a:stretch>
+            <a:fillRect/>
+          </a:stretch>
+        </p:blipFill>
+        <p:spPr>
+          <a:xfrm>
+            <a:off x="5576062" y="1087421"/>
+            <a:ext cx="3113632" cy="4114800"/>
+          </a:xfrm>
+          <a:prstGeom prst="rect">
+            <a:avLst/>
+          </a:prstGeom>
+        </p:spPr>
+      </p:pic>
     </p:spTree>
     <p:extLst>
       <p:ext uri="{BB962C8B-B14F-4D97-AF65-F5344CB8AC3E}">
-        <p14:creationId xmlns:p14="http://schemas.microsoft.com/office/powerpoint/2010/main" val="4271741218"/>
+        <p14:creationId xmlns:p14="http://schemas.microsoft.com/office/powerpoint/2010/main" val="3241076295"/>
       </p:ext>
     </p:extLst>
   </p:cSld>
@@ -3387,6 +3862,84 @@
 </file>
 
 <file path=ppt/slides/slide15.xml><?xml version="1.0" encoding="utf-8"?>
+<p:sld xmlns:a="http://schemas.openxmlformats.org/drawingml/2006/main" xmlns:r="http://schemas.openxmlformats.org/officeDocument/2006/relationships" xmlns:p="http://schemas.openxmlformats.org/presentationml/2006/main">
+  <p:cSld>
+    <p:spTree>
+      <p:nvGrpSpPr>
+        <p:cNvPr id="1" name=""/>
+        <p:cNvGrpSpPr/>
+        <p:nvPr/>
+      </p:nvGrpSpPr>
+      <p:grpSpPr>
+        <a:xfrm>
+          <a:off x="0" y="0"/>
+          <a:ext cx="0" cy="0"/>
+          <a:chOff x="0" y="0"/>
+          <a:chExt cx="0" cy="0"/>
+        </a:xfrm>
+      </p:grpSpPr>
+      <p:sp>
+        <p:nvSpPr>
+          <p:cNvPr id="2" name="Title 1"/>
+          <p:cNvSpPr>
+            <a:spLocks noGrp="1"/>
+          </p:cNvSpPr>
+          <p:nvPr>
+            <p:ph type="title"/>
+          </p:nvPr>
+        </p:nvSpPr>
+        <p:spPr/>
+        <p:txBody>
+          <a:bodyPr/>
+          <a:lstStyle/>
+          <a:p>
+            <a:r>
+              <a:rPr lang="en-US" dirty="0" smtClean="0"/>
+              <a:t>*.* : Putting it together</a:t>
+            </a:r>
+            <a:endParaRPr lang="en-US" dirty="0"/>
+          </a:p>
+        </p:txBody>
+      </p:sp>
+      <p:pic>
+        <p:nvPicPr>
+          <p:cNvPr id="4" name="Content Placeholder 3" descr="ngmw-schematic.png"/>
+          <p:cNvPicPr>
+            <a:picLocks noGrp="1" noChangeAspect="1"/>
+          </p:cNvPicPr>
+          <p:nvPr>
+            <p:ph idx="1"/>
+          </p:nvPr>
+        </p:nvPicPr>
+        <p:blipFill>
+          <a:blip r:embed="rId3">
+            <a:extLst>
+              <a:ext uri="{28A0092B-C50C-407E-A947-70E740481C1C}">
+                <a14:useLocalDpi xmlns:a14="http://schemas.microsoft.com/office/drawing/2010/main" val="0"/>
+              </a:ext>
+            </a:extLst>
+          </a:blip>
+          <a:srcRect t="5701" b="5701"/>
+          <a:stretch>
+            <a:fillRect/>
+          </a:stretch>
+        </p:blipFill>
+        <p:spPr/>
+      </p:pic>
+    </p:spTree>
+    <p:extLst>
+      <p:ext uri="{BB962C8B-B14F-4D97-AF65-F5344CB8AC3E}">
+        <p14:creationId xmlns:p14="http://schemas.microsoft.com/office/powerpoint/2010/main" val="3867112780"/>
+      </p:ext>
+    </p:extLst>
+  </p:cSld>
+  <p:clrMapOvr>
+    <a:masterClrMapping/>
+  </p:clrMapOvr>
+</p:sld>
+</file>
+
+<file path=ppt/slides/slide16.xml><?xml version="1.0" encoding="utf-8"?>
 <p:sld xmlns:a="http://schemas.openxmlformats.org/drawingml/2006/main" xmlns:r="http://schemas.openxmlformats.org/officeDocument/2006/relationships" xmlns:p="http://schemas.openxmlformats.org/presentationml/2006/main">
   <p:cSld>
     <p:spTree>
@@ -3646,7 +4199,7 @@
 </p:sld>
 </file>
 
-<file path=ppt/slides/slide16.xml><?xml version="1.0" encoding="utf-8"?>
+<file path=ppt/slides/slide17.xml><?xml version="1.0" encoding="utf-8"?>
 <p:sld xmlns:a="http://schemas.openxmlformats.org/drawingml/2006/main" xmlns:r="http://schemas.openxmlformats.org/officeDocument/2006/relationships" xmlns:p="http://schemas.openxmlformats.org/presentationml/2006/main">
   <p:cSld>
     <p:spTree>
@@ -4408,7 +4961,7 @@
 </p:sld>
 </file>
 
-<file path=ppt/slides/slide17.xml><?xml version="1.0" encoding="utf-8"?>
+<file path=ppt/slides/slide18.xml><?xml version="1.0" encoding="utf-8"?>
 <p:sld xmlns:a="http://schemas.openxmlformats.org/drawingml/2006/main" xmlns:r="http://schemas.openxmlformats.org/officeDocument/2006/relationships" xmlns:p="http://schemas.openxmlformats.org/presentationml/2006/main">
   <p:cSld>
     <p:spTree>

--- a/presentations/radical-modsim.pptx
+++ b/presentations/radical-modsim.pptx
@@ -5,7 +5,7 @@
     <p:sldMasterId id="2147483656" r:id="rId1"/>
   </p:sldMasterIdLst>
   <p:notesMasterIdLst>
-    <p:notesMasterId r:id="rId20"/>
+    <p:notesMasterId r:id="rId19"/>
   </p:notesMasterIdLst>
   <p:sldIdLst>
     <p:sldId id="256" r:id="rId2"/>
@@ -20,12 +20,11 @@
     <p:sldId id="286" r:id="rId11"/>
     <p:sldId id="287" r:id="rId12"/>
     <p:sldId id="298" r:id="rId13"/>
-    <p:sldId id="292" r:id="rId14"/>
-    <p:sldId id="297" r:id="rId15"/>
-    <p:sldId id="289" r:id="rId16"/>
-    <p:sldId id="284" r:id="rId17"/>
-    <p:sldId id="282" r:id="rId18"/>
-    <p:sldId id="295" r:id="rId19"/>
+    <p:sldId id="297" r:id="rId14"/>
+    <p:sldId id="289" r:id="rId15"/>
+    <p:sldId id="284" r:id="rId16"/>
+    <p:sldId id="282" r:id="rId17"/>
+    <p:sldId id="295" r:id="rId18"/>
   </p:sldIdLst>
   <p:sldSz cx="9144000" cy="6858000" type="screen4x3"/>
   <p:notesSz cx="6858000" cy="9144000"/>
@@ -3063,7 +3062,45 @@
           <a:p>
             <a:r>
               <a:rPr lang="en-US" dirty="0" smtClean="0"/>
-              <a:t>Currently Pilot-based compute resources, but plan is to have model for network and storage/data</a:t>
+              <a:t>Pilot-Jobs </a:t>
+            </a:r>
+            <a:r>
+              <a:rPr lang="en-US" dirty="0" smtClean="0"/>
+              <a:t>provide an abstraction for dynamic resource management. </a:t>
+            </a:r>
+            <a:r>
+              <a:rPr lang="en-US" dirty="0" smtClean="0"/>
+              <a:t>Currently abstraction is job based, but can be extended to include network </a:t>
+            </a:r>
+            <a:r>
+              <a:rPr lang="en-US" dirty="0" smtClean="0"/>
+              <a:t>and </a:t>
+            </a:r>
+            <a:r>
+              <a:rPr lang="en-US" dirty="0" smtClean="0"/>
+              <a:t>storage as </a:t>
+            </a:r>
+            <a:r>
+              <a:rPr lang="en-US" dirty="0" smtClean="0"/>
+              <a:t>other resource elements</a:t>
+            </a:r>
+          </a:p>
+          <a:p>
+            <a:r>
+              <a:rPr lang="en-US" dirty="0" smtClean="0"/>
+              <a:t>P</a:t>
+            </a:r>
+            <a:r>
+              <a:rPr lang="en-US" dirty="0"/>
+              <a:t>* is a conceptual model for </a:t>
+            </a:r>
+            <a:r>
+              <a:rPr lang="en-US" dirty="0" smtClean="0"/>
+              <a:t>Pilot-</a:t>
+            </a:r>
+            <a:r>
+              <a:rPr lang="en-US" smtClean="0"/>
+              <a:t>based resource</a:t>
             </a:r>
             <a:endParaRPr lang="en-US" dirty="0"/>
           </a:p>
@@ -3116,52 +3153,12 @@
           <a:p>
             <a:r>
               <a:rPr lang="en-US" dirty="0" smtClean="0"/>
-              <a:t>I*  [Christian]</a:t>
-            </a:r>
-            <a:endParaRPr lang="en-US" dirty="0"/>
-          </a:p>
-        </p:txBody>
-      </p:sp>
-      <p:sp>
-        <p:nvSpPr>
-          <p:cNvPr id="3" name="Content Placeholder 2"/>
-          <p:cNvSpPr>
-            <a:spLocks noGrp="1"/>
-          </p:cNvSpPr>
-          <p:nvPr>
-            <p:ph idx="1"/>
-          </p:nvPr>
-        </p:nvSpPr>
-        <p:spPr>
-          <a:xfrm>
-            <a:off x="10357423" y="1168298"/>
-            <a:ext cx="8597178" cy="5146033"/>
-          </a:xfrm>
-        </p:spPr>
-        <p:txBody>
-          <a:bodyPr/>
-          <a:lstStyle/>
-          <a:p>
+              <a:t>I*  </a:t>
+            </a:r>
             <a:r>
               <a:rPr lang="en-US" dirty="0" smtClean="0"/>
-              <a:t>Analytical Model of Infrastructure</a:t>
-            </a:r>
-          </a:p>
-          <a:p>
-            <a:pPr lvl="1"/>
-            <a:r>
-              <a:rPr lang="en-US" dirty="0" smtClean="0"/>
-              <a:t>Based upon a set of capabilities exposed by that infrastructure, without regards to its internal properties</a:t>
-            </a:r>
-          </a:p>
-          <a:p>
-            <a:pPr marL="457200" lvl="1" indent="0">
-              <a:buNone/>
-            </a:pPr>
-            <a:endParaRPr lang="en-US" dirty="0" smtClean="0"/>
-          </a:p>
-          <a:p>
-            <a:pPr lvl="1"/>
+              <a:t>]</a:t>
+            </a:r>
             <a:endParaRPr lang="en-US" dirty="0"/>
           </a:p>
         </p:txBody>
@@ -3307,6 +3304,25 @@
           </a:prstGeom>
         </p:spPr>
       </p:pic>
+      <p:sp>
+        <p:nvSpPr>
+          <p:cNvPr id="6" name="Content Placeholder 5"/>
+          <p:cNvSpPr>
+            <a:spLocks noGrp="1"/>
+          </p:cNvSpPr>
+          <p:nvPr>
+            <p:ph idx="1"/>
+          </p:nvPr>
+        </p:nvSpPr>
+        <p:spPr/>
+        <p:txBody>
+          <a:bodyPr/>
+          <a:lstStyle/>
+          <a:p>
+            <a:endParaRPr lang="en-US"/>
+          </a:p>
+        </p:txBody>
+      </p:sp>
     </p:spTree>
     <p:extLst>
       <p:ext uri="{BB962C8B-B14F-4D97-AF65-F5344CB8AC3E}">
@@ -3321,209 +3337,6 @@
 </file>
 
 <file path=ppt/slides/slide13.xml><?xml version="1.0" encoding="utf-8"?>
-<p:sld xmlns:a="http://schemas.openxmlformats.org/drawingml/2006/main" xmlns:r="http://schemas.openxmlformats.org/officeDocument/2006/relationships" xmlns:p="http://schemas.openxmlformats.org/presentationml/2006/main">
-  <p:cSld>
-    <p:spTree>
-      <p:nvGrpSpPr>
-        <p:cNvPr id="1" name=""/>
-        <p:cNvGrpSpPr/>
-        <p:nvPr/>
-      </p:nvGrpSpPr>
-      <p:grpSpPr>
-        <a:xfrm>
-          <a:off x="0" y="0"/>
-          <a:ext cx="0" cy="0"/>
-          <a:chOff x="0" y="0"/>
-          <a:chExt cx="0" cy="0"/>
-        </a:xfrm>
-      </p:grpSpPr>
-      <p:sp>
-        <p:nvSpPr>
-          <p:cNvPr id="2" name="Title 1"/>
-          <p:cNvSpPr>
-            <a:spLocks noGrp="1"/>
-          </p:cNvSpPr>
-          <p:nvPr>
-            <p:ph type="title" idx="4294967295"/>
-          </p:nvPr>
-        </p:nvSpPr>
-        <p:spPr>
-          <a:xfrm>
-            <a:off x="547688" y="76200"/>
-            <a:ext cx="8596312" cy="690563"/>
-          </a:xfrm>
-        </p:spPr>
-        <p:txBody>
-          <a:bodyPr/>
-          <a:lstStyle/>
-          <a:p>
-            <a:r>
-              <a:rPr lang="en-US" dirty="0" smtClean="0"/>
-              <a:t>I</a:t>
-            </a:r>
-            <a:r>
-              <a:rPr lang="en-US" dirty="0" smtClean="0"/>
-              <a:t>*</a:t>
-            </a:r>
-            <a:endParaRPr lang="en-US" dirty="0"/>
-          </a:p>
-        </p:txBody>
-      </p:sp>
-      <p:sp>
-        <p:nvSpPr>
-          <p:cNvPr id="4" name="Textfeld 3"/>
-          <p:cNvSpPr txBox="1"/>
-          <p:nvPr/>
-        </p:nvSpPr>
-        <p:spPr>
-          <a:xfrm>
-            <a:off x="282231" y="4977961"/>
-            <a:ext cx="2918753" cy="954107"/>
-          </a:xfrm>
-          <a:prstGeom prst="rect">
-            <a:avLst/>
-          </a:prstGeom>
-          <a:noFill/>
-        </p:spPr>
-        <p:txBody>
-          <a:bodyPr wrap="square" rtlCol="0">
-            <a:spAutoFit/>
-          </a:bodyPr>
-          <a:lstStyle/>
-          <a:p>
-            <a:pPr marL="285750" indent="-285750">
-              <a:buFont typeface="Wingdings" charset="2"/>
-              <a:buChar char="ü"/>
-            </a:pPr>
-            <a:r>
-              <a:rPr lang="de-DE" dirty="0" smtClean="0"/>
-              <a:t>Fast </a:t>
-            </a:r>
-            <a:r>
-              <a:rPr lang="de-DE" dirty="0" err="1"/>
-              <a:t>modeling</a:t>
-            </a:r>
-            <a:endParaRPr lang="de-DE" dirty="0"/>
-          </a:p>
-          <a:p>
-            <a:pPr marL="285750" indent="-285750">
-              <a:buFont typeface="Wingdings" charset="2"/>
-              <a:buChar char="ü"/>
-            </a:pPr>
-            <a:r>
-              <a:rPr lang="de-DE" dirty="0" smtClean="0"/>
-              <a:t>Easy </a:t>
-            </a:r>
-            <a:r>
-              <a:rPr lang="de-DE" dirty="0" err="1"/>
-              <a:t>data</a:t>
-            </a:r>
-            <a:r>
-              <a:rPr lang="de-DE" dirty="0"/>
-              <a:t> </a:t>
-            </a:r>
-            <a:r>
-              <a:rPr lang="de-DE" dirty="0" err="1"/>
-              <a:t>integration</a:t>
-            </a:r>
-            <a:endParaRPr lang="de-DE" dirty="0"/>
-          </a:p>
-          <a:p>
-            <a:pPr marL="285750" indent="-285750">
-              <a:buFont typeface="Wingdings" charset="2"/>
-              <a:buChar char="ü"/>
-            </a:pPr>
-            <a:r>
-              <a:rPr lang="de-DE" dirty="0" smtClean="0"/>
-              <a:t>Multiple </a:t>
-            </a:r>
-            <a:r>
-              <a:rPr lang="de-DE" dirty="0" err="1"/>
-              <a:t>levels</a:t>
-            </a:r>
-            <a:r>
-              <a:rPr lang="de-DE" dirty="0"/>
-              <a:t> </a:t>
-            </a:r>
-            <a:r>
-              <a:rPr lang="de-DE" dirty="0" err="1"/>
-              <a:t>of</a:t>
-            </a:r>
-            <a:r>
-              <a:rPr lang="de-DE" dirty="0"/>
-              <a:t> </a:t>
-            </a:r>
-            <a:r>
-              <a:rPr lang="de-DE" dirty="0" err="1" smtClean="0"/>
-              <a:t>granularity</a:t>
-            </a:r>
-            <a:endParaRPr lang="de-DE" dirty="0"/>
-          </a:p>
-          <a:p>
-            <a:pPr marL="285750" indent="-285750">
-              <a:buFont typeface="Wingdings" charset="2"/>
-              <a:buChar char="ü"/>
-            </a:pPr>
-            <a:r>
-              <a:rPr lang="de-DE" dirty="0" err="1" smtClean="0"/>
-              <a:t>Redundancy</a:t>
-            </a:r>
-            <a:r>
-              <a:rPr lang="de-DE" dirty="0" smtClean="0"/>
-              <a:t> </a:t>
-            </a:r>
-            <a:r>
-              <a:rPr lang="de-DE" dirty="0" err="1" smtClean="0"/>
-              <a:t>handling</a:t>
-            </a:r>
-            <a:endParaRPr lang="de-DE" dirty="0"/>
-          </a:p>
-        </p:txBody>
-      </p:sp>
-      <p:pic>
-        <p:nvPicPr>
-          <p:cNvPr id="5" name="Bild 4" descr="SlideDoE.png"/>
-          <p:cNvPicPr>
-            <a:picLocks noChangeAspect="1"/>
-          </p:cNvPicPr>
-          <p:nvPr/>
-        </p:nvPicPr>
-        <p:blipFill>
-          <a:blip r:embed="rId2">
-            <a:extLst>
-              <a:ext uri="{28A0092B-C50C-407E-A947-70E740481C1C}">
-                <a14:useLocalDpi xmlns:a14="http://schemas.microsoft.com/office/drawing/2010/main" val="0"/>
-              </a:ext>
-            </a:extLst>
-          </a:blip>
-          <a:stretch>
-            <a:fillRect/>
-          </a:stretch>
-        </p:blipFill>
-        <p:spPr>
-          <a:xfrm>
-            <a:off x="2309424" y="1168298"/>
-            <a:ext cx="6569984" cy="4025108"/>
-          </a:xfrm>
-          <a:prstGeom prst="rect">
-            <a:avLst/>
-          </a:prstGeom>
-        </p:spPr>
-      </p:pic>
-    </p:spTree>
-    <p:extLst>
-      <p:ext uri="{BB962C8B-B14F-4D97-AF65-F5344CB8AC3E}">
-        <p14:creationId xmlns:p14="http://schemas.microsoft.com/office/powerpoint/2010/main" val="1832354515"/>
-      </p:ext>
-    </p:extLst>
-  </p:cSld>
-  <p:clrMapOvr>
-    <a:masterClrMapping/>
-  </p:clrMapOvr>
-</p:sld>
-</file>
-
-<file path=ppt/slides/slide14.xml><?xml version="1.0" encoding="utf-8"?>
 <p:sld xmlns:a="http://schemas.openxmlformats.org/drawingml/2006/main" xmlns:r="http://schemas.openxmlformats.org/officeDocument/2006/relationships" xmlns:p="http://schemas.openxmlformats.org/presentationml/2006/main">
   <p:cSld>
     <p:spTree>
@@ -3861,7 +3674,7 @@
 </p:sld>
 </file>
 
-<file path=ppt/slides/slide15.xml><?xml version="1.0" encoding="utf-8"?>
+<file path=ppt/slides/slide14.xml><?xml version="1.0" encoding="utf-8"?>
 <p:sld xmlns:a="http://schemas.openxmlformats.org/drawingml/2006/main" xmlns:r="http://schemas.openxmlformats.org/officeDocument/2006/relationships" xmlns:p="http://schemas.openxmlformats.org/presentationml/2006/main">
   <p:cSld>
     <p:spTree>
@@ -3939,7 +3752,7 @@
 </p:sld>
 </file>
 
-<file path=ppt/slides/slide16.xml><?xml version="1.0" encoding="utf-8"?>
+<file path=ppt/slides/slide15.xml><?xml version="1.0" encoding="utf-8"?>
 <p:sld xmlns:a="http://schemas.openxmlformats.org/drawingml/2006/main" xmlns:r="http://schemas.openxmlformats.org/officeDocument/2006/relationships" xmlns:p="http://schemas.openxmlformats.org/presentationml/2006/main">
   <p:cSld>
     <p:spTree>
@@ -4199,7 +4012,7 @@
 </p:sld>
 </file>
 
-<file path=ppt/slides/slide17.xml><?xml version="1.0" encoding="utf-8"?>
+<file path=ppt/slides/slide16.xml><?xml version="1.0" encoding="utf-8"?>
 <p:sld xmlns:a="http://schemas.openxmlformats.org/drawingml/2006/main" xmlns:r="http://schemas.openxmlformats.org/officeDocument/2006/relationships" xmlns:p="http://schemas.openxmlformats.org/presentationml/2006/main">
   <p:cSld>
     <p:spTree>
@@ -4961,7 +4774,7 @@
 </p:sld>
 </file>
 
-<file path=ppt/slides/slide18.xml><?xml version="1.0" encoding="utf-8"?>
+<file path=ppt/slides/slide17.xml><?xml version="1.0" encoding="utf-8"?>
 <p:sld xmlns:a="http://schemas.openxmlformats.org/drawingml/2006/main" xmlns:r="http://schemas.openxmlformats.org/officeDocument/2006/relationships" xmlns:p="http://schemas.openxmlformats.org/presentationml/2006/main">
   <p:cSld>
     <p:spTree>

--- a/presentations/radical-modsim.pptx
+++ b/presentations/radical-modsim.pptx
@@ -892,6 +892,67 @@
             <p:ph type="sldImg"/>
           </p:nvPr>
         </p:nvSpPr>
+        <p:spPr/>
+      </p:sp>
+      <p:sp>
+        <p:nvSpPr>
+          <p:cNvPr id="3" name="Notes Placeholder 2"/>
+          <p:cNvSpPr>
+            <a:spLocks noGrp="1"/>
+          </p:cNvSpPr>
+          <p:nvPr>
+            <p:ph type="body" idx="1"/>
+          </p:nvPr>
+        </p:nvSpPr>
+        <p:spPr/>
+        <p:txBody>
+          <a:bodyPr/>
+          <a:lstStyle/>
+          <a:p>
+            <a:endParaRPr lang="en-US" dirty="0"/>
+          </a:p>
+        </p:txBody>
+      </p:sp>
+    </p:spTree>
+    <p:extLst>
+      <p:ext uri="{BB962C8B-B14F-4D97-AF65-F5344CB8AC3E}">
+        <p14:creationId xmlns:p14="http://schemas.microsoft.com/office/powerpoint/2010/main" val="3821591872"/>
+      </p:ext>
+    </p:extLst>
+  </p:cSld>
+  <p:clrMapOvr>
+    <a:masterClrMapping/>
+  </p:clrMapOvr>
+</p:notes>
+</file>
+
+<file path=ppt/notesSlides/notesSlide6.xml><?xml version="1.0" encoding="utf-8"?>
+<p:notes xmlns:a="http://schemas.openxmlformats.org/drawingml/2006/main" xmlns:r="http://schemas.openxmlformats.org/officeDocument/2006/relationships" xmlns:p="http://schemas.openxmlformats.org/presentationml/2006/main">
+  <p:cSld>
+    <p:spTree>
+      <p:nvGrpSpPr>
+        <p:cNvPr id="1" name=""/>
+        <p:cNvGrpSpPr/>
+        <p:nvPr/>
+      </p:nvGrpSpPr>
+      <p:grpSpPr>
+        <a:xfrm>
+          <a:off x="0" y="0"/>
+          <a:ext cx="0" cy="0"/>
+          <a:chOff x="0" y="0"/>
+          <a:chExt cx="0" cy="0"/>
+        </a:xfrm>
+      </p:grpSpPr>
+      <p:sp>
+        <p:nvSpPr>
+          <p:cNvPr id="2" name="Slide Image Placeholder 1"/>
+          <p:cNvSpPr>
+            <a:spLocks noGrp="1" noRot="1" noChangeAspect="1"/>
+          </p:cNvSpPr>
+          <p:nvPr>
+            <p:ph type="sldImg"/>
+          </p:nvPr>
+        </p:nvSpPr>
         <p:spPr>
           <a:xfrm>
             <a:off x="1143000" y="685800"/>
@@ -954,7 +1015,7 @@
 </p:notes>
 </file>
 
-<file path=ppt/notesSlides/notesSlide6.xml><?xml version="1.0" encoding="utf-8"?>
+<file path=ppt/notesSlides/notesSlide7.xml><?xml version="1.0" encoding="utf-8"?>
 <p:notes xmlns:a="http://schemas.openxmlformats.org/drawingml/2006/main" xmlns:r="http://schemas.openxmlformats.org/officeDocument/2006/relationships" xmlns:p="http://schemas.openxmlformats.org/presentationml/2006/main" showMasterSp="0" showMasterPhAnim="0">
   <p:cSld>
     <p:spTree>
@@ -1089,7 +1150,7 @@
 </p:notes>
 </file>
 
-<file path=ppt/notesSlides/notesSlide7.xml><?xml version="1.0" encoding="utf-8"?>
+<file path=ppt/notesSlides/notesSlide8.xml><?xml version="1.0" encoding="utf-8"?>
 <p:notes xmlns:a="http://schemas.openxmlformats.org/drawingml/2006/main" xmlns:r="http://schemas.openxmlformats.org/officeDocument/2006/relationships" xmlns:p="http://schemas.openxmlformats.org/presentationml/2006/main" showMasterSp="0" showMasterPhAnim="0">
   <p:cSld>
     <p:spTree>
@@ -3096,11 +3157,7 @@
             </a:r>
             <a:r>
               <a:rPr lang="en-US" dirty="0" smtClean="0"/>
-              <a:t>Pilot-</a:t>
-            </a:r>
-            <a:r>
-              <a:rPr lang="en-US" smtClean="0"/>
-              <a:t>based resource</a:t>
+              <a:t>Pilot-based resource</a:t>
             </a:r>
             <a:endParaRPr lang="en-US" dirty="0"/>
           </a:p>
@@ -3640,7 +3697,7 @@
           <p:nvPr/>
         </p:nvPicPr>
         <p:blipFill>
-          <a:blip r:embed="rId2">
+          <a:blip r:embed="rId3">
             <a:extLst>
               <a:ext uri="{28A0092B-C50C-407E-A947-70E740481C1C}">
                 <a14:useLocalDpi xmlns:a14="http://schemas.microsoft.com/office/drawing/2010/main" val="0"/>
@@ -5651,6 +5708,31 @@
           </a:p>
         </p:txBody>
       </p:sp>
+      <p:pic>
+        <p:nvPicPr>
+          <p:cNvPr id="3" name="Content Placeholder 2" descr="ngmw-schematic.png"/>
+          <p:cNvPicPr>
+            <a:picLocks noGrp="1" noChangeAspect="1"/>
+          </p:cNvPicPr>
+          <p:nvPr>
+            <p:ph idx="1"/>
+          </p:nvPr>
+        </p:nvPicPr>
+        <p:blipFill>
+          <a:blip r:embed="rId2">
+            <a:extLst>
+              <a:ext uri="{28A0092B-C50C-407E-A947-70E740481C1C}">
+                <a14:useLocalDpi xmlns:a14="http://schemas.microsoft.com/office/drawing/2010/main" val="0"/>
+              </a:ext>
+            </a:extLst>
+          </a:blip>
+          <a:srcRect l="4366" r="4366"/>
+          <a:stretch>
+            <a:fillRect/>
+          </a:stretch>
+        </p:blipFill>
+        <p:spPr/>
+      </p:pic>
     </p:spTree>
     <p:extLst>
       <p:ext uri="{BB962C8B-B14F-4D97-AF65-F5344CB8AC3E}">

--- a/presentations/radical-modsim.pptx
+++ b/presentations/radical-modsim.pptx
@@ -3123,27 +3123,7 @@
           <a:p>
             <a:r>
               <a:rPr lang="en-US" dirty="0" smtClean="0"/>
-              <a:t>Pilot-Jobs </a:t>
-            </a:r>
-            <a:r>
-              <a:rPr lang="en-US" dirty="0" smtClean="0"/>
-              <a:t>provide an abstraction for dynamic resource management. </a:t>
-            </a:r>
-            <a:r>
-              <a:rPr lang="en-US" dirty="0" smtClean="0"/>
-              <a:t>Currently abstraction is job based, but can be extended to include network </a:t>
-            </a:r>
-            <a:r>
-              <a:rPr lang="en-US" dirty="0" smtClean="0"/>
-              <a:t>and </a:t>
-            </a:r>
-            <a:r>
-              <a:rPr lang="en-US" dirty="0" smtClean="0"/>
-              <a:t>storage as </a:t>
-            </a:r>
-            <a:r>
-              <a:rPr lang="en-US" dirty="0" smtClean="0"/>
-              <a:t>other resource elements</a:t>
+              <a:t>Pilot-Jobs provide an abstraction for dynamic resource management. Currently abstraction is job based, but can be extended to include network and storage as other resource elements</a:t>
             </a:r>
           </a:p>
           <a:p>
@@ -3210,11 +3190,7 @@
           <a:p>
             <a:r>
               <a:rPr lang="en-US" dirty="0" smtClean="0"/>
-              <a:t>I*  </a:t>
-            </a:r>
-            <a:r>
-              <a:rPr lang="en-US" dirty="0" smtClean="0"/>
-              <a:t>]</a:t>
+              <a:t>I*  ]</a:t>
             </a:r>
             <a:endParaRPr lang="en-US" dirty="0"/>
           </a:p>
@@ -5702,7 +5678,11 @@
           <a:p>
             <a:r>
               <a:rPr lang="en-US" dirty="0" smtClean="0"/>
-              <a:t>NGMW Schematic [Mark/SJ]</a:t>
+              <a:t>NGMW </a:t>
+            </a:r>
+            <a:r>
+              <a:rPr lang="en-US" dirty="0" smtClean="0"/>
+              <a:t>Schematic</a:t>
             </a:r>
             <a:endParaRPr lang="en-US" dirty="0"/>
           </a:p>
@@ -5710,7 +5690,7 @@
       </p:sp>
       <p:pic>
         <p:nvPicPr>
-          <p:cNvPr id="3" name="Content Placeholder 2" descr="ngmw-schematic.png"/>
+          <p:cNvPr id="7" name="Content Placeholder 6" descr="ngmw-schematic-2.png"/>
           <p:cNvPicPr>
             <a:picLocks noGrp="1" noChangeAspect="1"/>
           </p:cNvPicPr>
@@ -5726,7 +5706,7 @@
               </a:ext>
             </a:extLst>
           </a:blip>
-          <a:srcRect l="4366" r="4366"/>
+          <a:srcRect l="2528" r="2528"/>
           <a:stretch>
             <a:fillRect/>
           </a:stretch>

--- a/presentations/radical-modsim.pptx
+++ b/presentations/radical-modsim.pptx
@@ -5,7 +5,7 @@
     <p:sldMasterId id="2147483656" r:id="rId1"/>
   </p:sldMasterIdLst>
   <p:notesMasterIdLst>
-    <p:notesMasterId r:id="rId19"/>
+    <p:notesMasterId r:id="rId20"/>
   </p:notesMasterIdLst>
   <p:sldIdLst>
     <p:sldId id="256" r:id="rId2"/>
@@ -22,9 +22,10 @@
     <p:sldId id="298" r:id="rId13"/>
     <p:sldId id="297" r:id="rId14"/>
     <p:sldId id="289" r:id="rId15"/>
-    <p:sldId id="284" r:id="rId16"/>
-    <p:sldId id="282" r:id="rId17"/>
-    <p:sldId id="295" r:id="rId18"/>
+    <p:sldId id="300" r:id="rId16"/>
+    <p:sldId id="284" r:id="rId17"/>
+    <p:sldId id="282" r:id="rId18"/>
+    <p:sldId id="295" r:id="rId19"/>
   </p:sldIdLst>
   <p:sldSz cx="9144000" cy="6858000" type="screen4x3"/>
   <p:notesSz cx="6858000" cy="9144000"/>
@@ -1016,6 +1017,95 @@
 </file>
 
 <file path=ppt/notesSlides/notesSlide7.xml><?xml version="1.0" encoding="utf-8"?>
+<p:notes xmlns:a="http://schemas.openxmlformats.org/drawingml/2006/main" xmlns:r="http://schemas.openxmlformats.org/officeDocument/2006/relationships" xmlns:p="http://schemas.openxmlformats.org/presentationml/2006/main">
+  <p:cSld>
+    <p:spTree>
+      <p:nvGrpSpPr>
+        <p:cNvPr id="1" name=""/>
+        <p:cNvGrpSpPr/>
+        <p:nvPr/>
+      </p:nvGrpSpPr>
+      <p:grpSpPr>
+        <a:xfrm>
+          <a:off x="0" y="0"/>
+          <a:ext cx="0" cy="0"/>
+          <a:chOff x="0" y="0"/>
+          <a:chExt cx="0" cy="0"/>
+        </a:xfrm>
+      </p:grpSpPr>
+      <p:sp>
+        <p:nvSpPr>
+          <p:cNvPr id="2" name="Slide Image Placeholder 1"/>
+          <p:cNvSpPr>
+            <a:spLocks noGrp="1" noRot="1" noChangeAspect="1"/>
+          </p:cNvSpPr>
+          <p:nvPr>
+            <p:ph type="sldImg"/>
+          </p:nvPr>
+        </p:nvSpPr>
+        <p:spPr>
+          <a:xfrm>
+            <a:off x="1143000" y="685800"/>
+            <a:ext cx="4572000" cy="3429000"/>
+          </a:xfrm>
+        </p:spPr>
+      </p:sp>
+      <p:sp>
+        <p:nvSpPr>
+          <p:cNvPr id="3" name="Notes Placeholder 2"/>
+          <p:cNvSpPr>
+            <a:spLocks noGrp="1"/>
+          </p:cNvSpPr>
+          <p:nvPr>
+            <p:ph type="body" idx="1"/>
+          </p:nvPr>
+        </p:nvSpPr>
+        <p:spPr/>
+        <p:txBody>
+          <a:bodyPr/>
+          <a:lstStyle/>
+          <a:p>
+            <a:pPr marL="0" marR="0" indent="0" algn="l" defTabSz="457200" rtl="0" eaLnBrk="1" fontAlgn="auto" latinLnBrk="0" hangingPunct="1">
+              <a:lnSpc>
+                <a:spcPct val="100000"/>
+              </a:lnSpc>
+              <a:spcBef>
+                <a:spcPts val="0"/>
+              </a:spcBef>
+              <a:spcAft>
+                <a:spcPts val="0"/>
+              </a:spcAft>
+              <a:buClrTx/>
+              <a:buSzTx/>
+              <a:buFontTx/>
+              <a:buNone/>
+              <a:tabLst/>
+              <a:defRPr/>
+            </a:pPr>
+            <a:r>
+              <a:rPr lang="en-US" dirty="0" smtClean="0"/>
+              <a:t>We take the schematic of NGMW and show how the different levels at which the Models work, (ii) how different models interact, especially (a) Andre and Christian’s work/interface, (ii) I* and F*.</a:t>
+            </a:r>
+          </a:p>
+          <a:p>
+            <a:endParaRPr lang="en-US" dirty="0"/>
+          </a:p>
+        </p:txBody>
+      </p:sp>
+    </p:spTree>
+    <p:extLst>
+      <p:ext uri="{BB962C8B-B14F-4D97-AF65-F5344CB8AC3E}">
+        <p14:creationId xmlns:p14="http://schemas.microsoft.com/office/powerpoint/2010/main" val="1073575463"/>
+      </p:ext>
+    </p:extLst>
+  </p:cSld>
+  <p:clrMapOvr>
+    <a:masterClrMapping/>
+  </p:clrMapOvr>
+</p:notes>
+</file>
+
+<file path=ppt/notesSlides/notesSlide8.xml><?xml version="1.0" encoding="utf-8"?>
 <p:notes xmlns:a="http://schemas.openxmlformats.org/drawingml/2006/main" xmlns:r="http://schemas.openxmlformats.org/officeDocument/2006/relationships" xmlns:p="http://schemas.openxmlformats.org/presentationml/2006/main" showMasterSp="0" showMasterPhAnim="0">
   <p:cSld>
     <p:spTree>
@@ -1150,7 +1240,7 @@
 </p:notes>
 </file>
 
-<file path=ppt/notesSlides/notesSlide8.xml><?xml version="1.0" encoding="utf-8"?>
+<file path=ppt/notesSlides/notesSlide9.xml><?xml version="1.0" encoding="utf-8"?>
 <p:notes xmlns:a="http://schemas.openxmlformats.org/drawingml/2006/main" xmlns:r="http://schemas.openxmlformats.org/officeDocument/2006/relationships" xmlns:p="http://schemas.openxmlformats.org/presentationml/2006/main" showMasterSp="0" showMasterPhAnim="0">
   <p:cSld>
     <p:spTree>
@@ -3790,6 +3880,84 @@
   <p:cSld>
     <p:spTree>
       <p:nvGrpSpPr>
+        <p:cNvPr id="1" name=""/>
+        <p:cNvGrpSpPr/>
+        <p:nvPr/>
+      </p:nvGrpSpPr>
+      <p:grpSpPr>
+        <a:xfrm>
+          <a:off x="0" y="0"/>
+          <a:ext cx="0" cy="0"/>
+          <a:chOff x="0" y="0"/>
+          <a:chExt cx="0" cy="0"/>
+        </a:xfrm>
+      </p:grpSpPr>
+      <p:sp>
+        <p:nvSpPr>
+          <p:cNvPr id="2" name="Title 1"/>
+          <p:cNvSpPr>
+            <a:spLocks noGrp="1"/>
+          </p:cNvSpPr>
+          <p:nvPr>
+            <p:ph type="title"/>
+          </p:nvPr>
+        </p:nvSpPr>
+        <p:spPr/>
+        <p:txBody>
+          <a:bodyPr/>
+          <a:lstStyle/>
+          <a:p>
+            <a:r>
+              <a:rPr lang="en-US" dirty="0" smtClean="0"/>
+              <a:t>*.* : Putting it together</a:t>
+            </a:r>
+            <a:endParaRPr lang="en-US" dirty="0"/>
+          </a:p>
+        </p:txBody>
+      </p:sp>
+      <p:pic>
+        <p:nvPicPr>
+          <p:cNvPr id="4" name="Content Placeholder 3" descr="ngmw-schematic-3.png"/>
+          <p:cNvPicPr>
+            <a:picLocks noGrp="1" noChangeAspect="1"/>
+          </p:cNvPicPr>
+          <p:nvPr>
+            <p:ph idx="1"/>
+          </p:nvPr>
+        </p:nvPicPr>
+        <p:blipFill>
+          <a:blip r:embed="rId3">
+            <a:extLst>
+              <a:ext uri="{28A0092B-C50C-407E-A947-70E740481C1C}">
+                <a14:useLocalDpi xmlns:a14="http://schemas.microsoft.com/office/drawing/2010/main" val="0"/>
+              </a:ext>
+            </a:extLst>
+          </a:blip>
+          <a:srcRect l="-43785" r="-43785"/>
+          <a:stretch>
+            <a:fillRect/>
+          </a:stretch>
+        </p:blipFill>
+        <p:spPr/>
+      </p:pic>
+    </p:spTree>
+    <p:extLst>
+      <p:ext uri="{BB962C8B-B14F-4D97-AF65-F5344CB8AC3E}">
+        <p14:creationId xmlns:p14="http://schemas.microsoft.com/office/powerpoint/2010/main" val="449869100"/>
+      </p:ext>
+    </p:extLst>
+  </p:cSld>
+  <p:clrMapOvr>
+    <a:masterClrMapping/>
+  </p:clrMapOvr>
+</p:sld>
+</file>
+
+<file path=ppt/slides/slide16.xml><?xml version="1.0" encoding="utf-8"?>
+<p:sld xmlns:a="http://schemas.openxmlformats.org/drawingml/2006/main" xmlns:r="http://schemas.openxmlformats.org/officeDocument/2006/relationships" xmlns:p="http://schemas.openxmlformats.org/presentationml/2006/main">
+  <p:cSld>
+    <p:spTree>
+      <p:nvGrpSpPr>
         <p:cNvPr id="1" name="Shape 46"/>
         <p:cNvGrpSpPr/>
         <p:nvPr/>
@@ -4045,7 +4213,7 @@
 </p:sld>
 </file>
 
-<file path=ppt/slides/slide16.xml><?xml version="1.0" encoding="utf-8"?>
+<file path=ppt/slides/slide17.xml><?xml version="1.0" encoding="utf-8"?>
 <p:sld xmlns:a="http://schemas.openxmlformats.org/drawingml/2006/main" xmlns:r="http://schemas.openxmlformats.org/officeDocument/2006/relationships" xmlns:p="http://schemas.openxmlformats.org/presentationml/2006/main">
   <p:cSld>
     <p:spTree>
@@ -4807,7 +4975,7 @@
 </p:sld>
 </file>
 
-<file path=ppt/slides/slide17.xml><?xml version="1.0" encoding="utf-8"?>
+<file path=ppt/slides/slide18.xml><?xml version="1.0" encoding="utf-8"?>
 <p:sld xmlns:a="http://schemas.openxmlformats.org/drawingml/2006/main" xmlns:r="http://schemas.openxmlformats.org/officeDocument/2006/relationships" xmlns:p="http://schemas.openxmlformats.org/presentationml/2006/main">
   <p:cSld>
     <p:spTree>
@@ -5678,11 +5846,7 @@
           <a:p>
             <a:r>
               <a:rPr lang="en-US" dirty="0" smtClean="0"/>
-              <a:t>NGMW </a:t>
-            </a:r>
-            <a:r>
-              <a:rPr lang="en-US" dirty="0" smtClean="0"/>
-              <a:t>Schematic</a:t>
+              <a:t>NGMW Schematic</a:t>
             </a:r>
             <a:endParaRPr lang="en-US" dirty="0"/>
           </a:p>

--- a/presentations/radical-modsim.pptx
+++ b/presentations/radical-modsim.pptx
@@ -12,7 +12,7 @@
     <p:sldId id="269" r:id="rId3"/>
     <p:sldId id="293" r:id="rId4"/>
     <p:sldId id="296" r:id="rId5"/>
-    <p:sldId id="290" r:id="rId6"/>
+    <p:sldId id="301" r:id="rId6"/>
     <p:sldId id="283" r:id="rId7"/>
     <p:sldId id="281" r:id="rId8"/>
     <p:sldId id="291" r:id="rId9"/>
@@ -5854,7 +5854,7 @@
       </p:sp>
       <p:pic>
         <p:nvPicPr>
-          <p:cNvPr id="7" name="Content Placeholder 6" descr="ngmw-schematic-2.png"/>
+          <p:cNvPr id="3" name="Content Placeholder 2" descr="ngmw-schematic-1.png"/>
           <p:cNvPicPr>
             <a:picLocks noGrp="1" noChangeAspect="1"/>
           </p:cNvPicPr>
@@ -5870,7 +5870,7 @@
               </a:ext>
             </a:extLst>
           </a:blip>
-          <a:srcRect l="2528" r="2528"/>
+          <a:srcRect l="-2275" r="-2275"/>
           <a:stretch>
             <a:fillRect/>
           </a:stretch>
@@ -5880,7 +5880,7 @@
     </p:spTree>
     <p:extLst>
       <p:ext uri="{BB962C8B-B14F-4D97-AF65-F5344CB8AC3E}">
-        <p14:creationId xmlns:p14="http://schemas.microsoft.com/office/powerpoint/2010/main" val="3849951850"/>
+        <p14:creationId xmlns:p14="http://schemas.microsoft.com/office/powerpoint/2010/main" val="3850313995"/>
       </p:ext>
     </p:extLst>
   </p:cSld>

--- a/presentations/radical-modsim.pptx
+++ b/presentations/radical-modsim.pptx
@@ -566,6 +566,112 @@
 </p:notes>
 </file>
 
+<file path=ppt/notesSlides/notesSlide10.xml><?xml version="1.0" encoding="utf-8"?>
+<p:notes xmlns:a="http://schemas.openxmlformats.org/drawingml/2006/main" xmlns:r="http://schemas.openxmlformats.org/officeDocument/2006/relationships" xmlns:p="http://schemas.openxmlformats.org/presentationml/2006/main" showMasterSp="0" showMasterPhAnim="0">
+  <p:cSld>
+    <p:spTree>
+      <p:nvGrpSpPr>
+        <p:cNvPr id="1" name="Shape 97"/>
+        <p:cNvGrpSpPr/>
+        <p:nvPr/>
+      </p:nvGrpSpPr>
+      <p:grpSpPr>
+        <a:xfrm>
+          <a:off x="0" y="0"/>
+          <a:ext cx="0" cy="0"/>
+          <a:chOff x="0" y="0"/>
+          <a:chExt cx="0" cy="0"/>
+        </a:xfrm>
+      </p:grpSpPr>
+      <p:sp>
+        <p:nvSpPr>
+          <p:cNvPr id="98" name="Shape 98"/>
+          <p:cNvSpPr>
+            <a:spLocks noGrp="1" noRot="1" noChangeAspect="1"/>
+          </p:cNvSpPr>
+          <p:nvPr>
+            <p:ph type="sldImg" idx="2"/>
+          </p:nvPr>
+        </p:nvSpPr>
+        <p:spPr>
+          <a:xfrm>
+            <a:off x="1143000" y="685800"/>
+            <a:ext cx="4572000" cy="3429000"/>
+          </a:xfrm>
+          <a:custGeom>
+            <a:avLst/>
+            <a:gdLst/>
+            <a:ahLst/>
+            <a:cxnLst/>
+            <a:rect l="0" t="0" r="0" b="0"/>
+            <a:pathLst>
+              <a:path w="120000" h="120000" extrusionOk="0">
+                <a:moveTo>
+                  <a:pt x="0" y="0"/>
+                </a:moveTo>
+                <a:lnTo>
+                  <a:pt x="120000" y="0"/>
+                </a:lnTo>
+                <a:lnTo>
+                  <a:pt x="120000" y="120000"/>
+                </a:lnTo>
+                <a:lnTo>
+                  <a:pt x="0" y="120000"/>
+                </a:lnTo>
+                <a:close/>
+              </a:path>
+            </a:pathLst>
+          </a:custGeom>
+        </p:spPr>
+      </p:sp>
+      <p:sp>
+        <p:nvSpPr>
+          <p:cNvPr id="99" name="Shape 99"/>
+          <p:cNvSpPr txBox="1">
+            <a:spLocks noGrp="1"/>
+          </p:cNvSpPr>
+          <p:nvPr>
+            <p:ph type="body" idx="1"/>
+          </p:nvPr>
+        </p:nvSpPr>
+        <p:spPr>
+          <a:xfrm>
+            <a:off x="685800" y="4343400"/>
+            <a:ext cx="5486399" cy="4114800"/>
+          </a:xfrm>
+          <a:prstGeom prst="rect">
+            <a:avLst/>
+          </a:prstGeom>
+        </p:spPr>
+        <p:txBody>
+          <a:bodyPr lIns="91425" tIns="91425" rIns="91425" bIns="91425" anchor="t" anchorCtr="0">
+            <a:noAutofit/>
+          </a:bodyPr>
+          <a:lstStyle/>
+          <a:p>
+            <a:pPr lvl="0" rtl="0">
+              <a:buNone/>
+            </a:pPr>
+            <a:r>
+              <a:rPr lang="en-US" dirty="0" smtClean="0"/>
+              <a:t>This should expand</a:t>
+            </a:r>
+            <a:r>
+              <a:rPr lang="en-US" baseline="0" dirty="0" smtClean="0"/>
+              <a:t> each of the points in DEC foundational challenges</a:t>
+            </a:r>
+            <a:endParaRPr lang="en" dirty="0"/>
+          </a:p>
+        </p:txBody>
+      </p:sp>
+    </p:spTree>
+  </p:cSld>
+  <p:clrMapOvr>
+    <a:masterClrMapping/>
+  </p:clrMapOvr>
+</p:notes>
+</file>
+
 <file path=ppt/notesSlides/notesSlide2.xml><?xml version="1.0" encoding="utf-8"?>
 <p:notes xmlns:a="http://schemas.openxmlformats.org/drawingml/2006/main" xmlns:r="http://schemas.openxmlformats.org/officeDocument/2006/relationships" xmlns:p="http://schemas.openxmlformats.org/presentationml/2006/main" showMasterSp="0" showMasterPhAnim="0">
   <p:cSld>
@@ -662,6 +768,100 @@
 </file>
 
 <file path=ppt/notesSlides/notesSlide3.xml><?xml version="1.0" encoding="utf-8"?>
+<p:notes xmlns:a="http://schemas.openxmlformats.org/drawingml/2006/main" xmlns:r="http://schemas.openxmlformats.org/officeDocument/2006/relationships" xmlns:p="http://schemas.openxmlformats.org/presentationml/2006/main">
+  <p:cSld>
+    <p:spTree>
+      <p:nvGrpSpPr>
+        <p:cNvPr id="1" name=""/>
+        <p:cNvGrpSpPr/>
+        <p:nvPr/>
+      </p:nvGrpSpPr>
+      <p:grpSpPr>
+        <a:xfrm>
+          <a:off x="0" y="0"/>
+          <a:ext cx="0" cy="0"/>
+          <a:chOff x="0" y="0"/>
+          <a:chExt cx="0" cy="0"/>
+        </a:xfrm>
+      </p:grpSpPr>
+      <p:sp>
+        <p:nvSpPr>
+          <p:cNvPr id="2" name="Slide Image Placeholder 1"/>
+          <p:cNvSpPr>
+            <a:spLocks noGrp="1" noRot="1" noChangeAspect="1"/>
+          </p:cNvSpPr>
+          <p:nvPr>
+            <p:ph type="sldImg"/>
+          </p:nvPr>
+        </p:nvSpPr>
+        <p:spPr/>
+      </p:sp>
+      <p:sp>
+        <p:nvSpPr>
+          <p:cNvPr id="3" name="Notes Placeholder 2"/>
+          <p:cNvSpPr>
+            <a:spLocks noGrp="1"/>
+          </p:cNvSpPr>
+          <p:nvPr>
+            <p:ph type="body" idx="1"/>
+          </p:nvPr>
+        </p:nvSpPr>
+        <p:spPr/>
+        <p:txBody>
+          <a:bodyPr/>
+          <a:lstStyle/>
+          <a:p>
+            <a:r>
+              <a:rPr lang="en-US" dirty="0" smtClean="0"/>
+              <a:t>Middleware</a:t>
+            </a:r>
+            <a:r>
+              <a:rPr lang="en-US" baseline="0" dirty="0" smtClean="0"/>
+              <a:t> </a:t>
+            </a:r>
+            <a:r>
+              <a:rPr lang="en-US" dirty="0" smtClean="0"/>
+              <a:t>capabilities as</a:t>
+            </a:r>
+            <a:r>
+              <a:rPr lang="en-US" baseline="0" dirty="0" smtClean="0"/>
+              <a:t> an abstraction to resources</a:t>
+            </a:r>
+          </a:p>
+          <a:p>
+            <a:endParaRPr lang="en-US" baseline="0" dirty="0" smtClean="0"/>
+          </a:p>
+          <a:p>
+            <a:r>
+              <a:rPr lang="en-US" baseline="0" dirty="0" smtClean="0"/>
+              <a:t>Middleware’s responsibility to support the set of capabilities that an application asks for and determine the collection of resources that can/must be used to provide capability</a:t>
+            </a:r>
+          </a:p>
+          <a:p>
+            <a:endParaRPr lang="en-US" baseline="0" dirty="0" smtClean="0"/>
+          </a:p>
+          <a:p>
+            <a:endParaRPr lang="en-US" baseline="0" dirty="0" smtClean="0"/>
+          </a:p>
+          <a:p>
+            <a:endParaRPr lang="en-US" dirty="0"/>
+          </a:p>
+        </p:txBody>
+      </p:sp>
+    </p:spTree>
+    <p:extLst>
+      <p:ext uri="{BB962C8B-B14F-4D97-AF65-F5344CB8AC3E}">
+        <p14:creationId xmlns:p14="http://schemas.microsoft.com/office/powerpoint/2010/main" val="357425583"/>
+      </p:ext>
+    </p:extLst>
+  </p:cSld>
+  <p:clrMapOvr>
+    <a:masterClrMapping/>
+  </p:clrMapOvr>
+</p:notes>
+</file>
+
+<file path=ppt/notesSlides/notesSlide4.xml><?xml version="1.0" encoding="utf-8"?>
 <p:notes xmlns:a="http://schemas.openxmlformats.org/drawingml/2006/main" xmlns:r="http://schemas.openxmlformats.org/officeDocument/2006/relationships" xmlns:p="http://schemas.openxmlformats.org/presentationml/2006/main" showMasterSp="0" showMasterPhAnim="0">
   <p:cSld>
     <p:spTree>
@@ -796,7 +996,7 @@
 </p:notes>
 </file>
 
-<file path=ppt/notesSlides/notesSlide4.xml><?xml version="1.0" encoding="utf-8"?>
+<file path=ppt/notesSlides/notesSlide5.xml><?xml version="1.0" encoding="utf-8"?>
 <p:notes xmlns:a="http://schemas.openxmlformats.org/drawingml/2006/main" xmlns:r="http://schemas.openxmlformats.org/officeDocument/2006/relationships" xmlns:p="http://schemas.openxmlformats.org/presentationml/2006/main">
   <p:cSld>
     <p:spTree>
@@ -866,7 +1066,7 @@
 </p:notes>
 </file>
 
-<file path=ppt/notesSlides/notesSlide5.xml><?xml version="1.0" encoding="utf-8"?>
+<file path=ppt/notesSlides/notesSlide6.xml><?xml version="1.0" encoding="utf-8"?>
 <p:notes xmlns:a="http://schemas.openxmlformats.org/drawingml/2006/main" xmlns:r="http://schemas.openxmlformats.org/officeDocument/2006/relationships" xmlns:p="http://schemas.openxmlformats.org/presentationml/2006/main">
   <p:cSld>
     <p:spTree>
@@ -918,95 +1118,6 @@
     <p:extLst>
       <p:ext uri="{BB962C8B-B14F-4D97-AF65-F5344CB8AC3E}">
         <p14:creationId xmlns:p14="http://schemas.microsoft.com/office/powerpoint/2010/main" val="3821591872"/>
-      </p:ext>
-    </p:extLst>
-  </p:cSld>
-  <p:clrMapOvr>
-    <a:masterClrMapping/>
-  </p:clrMapOvr>
-</p:notes>
-</file>
-
-<file path=ppt/notesSlides/notesSlide6.xml><?xml version="1.0" encoding="utf-8"?>
-<p:notes xmlns:a="http://schemas.openxmlformats.org/drawingml/2006/main" xmlns:r="http://schemas.openxmlformats.org/officeDocument/2006/relationships" xmlns:p="http://schemas.openxmlformats.org/presentationml/2006/main">
-  <p:cSld>
-    <p:spTree>
-      <p:nvGrpSpPr>
-        <p:cNvPr id="1" name=""/>
-        <p:cNvGrpSpPr/>
-        <p:nvPr/>
-      </p:nvGrpSpPr>
-      <p:grpSpPr>
-        <a:xfrm>
-          <a:off x="0" y="0"/>
-          <a:ext cx="0" cy="0"/>
-          <a:chOff x="0" y="0"/>
-          <a:chExt cx="0" cy="0"/>
-        </a:xfrm>
-      </p:grpSpPr>
-      <p:sp>
-        <p:nvSpPr>
-          <p:cNvPr id="2" name="Slide Image Placeholder 1"/>
-          <p:cNvSpPr>
-            <a:spLocks noGrp="1" noRot="1" noChangeAspect="1"/>
-          </p:cNvSpPr>
-          <p:nvPr>
-            <p:ph type="sldImg"/>
-          </p:nvPr>
-        </p:nvSpPr>
-        <p:spPr>
-          <a:xfrm>
-            <a:off x="1143000" y="685800"/>
-            <a:ext cx="4572000" cy="3429000"/>
-          </a:xfrm>
-        </p:spPr>
-      </p:sp>
-      <p:sp>
-        <p:nvSpPr>
-          <p:cNvPr id="3" name="Notes Placeholder 2"/>
-          <p:cNvSpPr>
-            <a:spLocks noGrp="1"/>
-          </p:cNvSpPr>
-          <p:nvPr>
-            <p:ph type="body" idx="1"/>
-          </p:nvPr>
-        </p:nvSpPr>
-        <p:spPr/>
-        <p:txBody>
-          <a:bodyPr/>
-          <a:lstStyle/>
-          <a:p>
-            <a:pPr marL="0" marR="0" indent="0" algn="l" defTabSz="457200" rtl="0" eaLnBrk="1" fontAlgn="auto" latinLnBrk="0" hangingPunct="1">
-              <a:lnSpc>
-                <a:spcPct val="100000"/>
-              </a:lnSpc>
-              <a:spcBef>
-                <a:spcPts val="0"/>
-              </a:spcBef>
-              <a:spcAft>
-                <a:spcPts val="0"/>
-              </a:spcAft>
-              <a:buClrTx/>
-              <a:buSzTx/>
-              <a:buFontTx/>
-              <a:buNone/>
-              <a:tabLst/>
-              <a:defRPr/>
-            </a:pPr>
-            <a:r>
-              <a:rPr lang="en-US" dirty="0" smtClean="0"/>
-              <a:t>We take the schematic of NGMW and show how the different levels at which the Models work, (ii) how different models interact, especially (a) Andre and Christian’s work/interface, (ii) I* and F*.</a:t>
-            </a:r>
-          </a:p>
-          <a:p>
-            <a:endParaRPr lang="en-US" dirty="0"/>
-          </a:p>
-        </p:txBody>
-      </p:sp>
-    </p:spTree>
-    <p:extLst>
-      <p:ext uri="{BB962C8B-B14F-4D97-AF65-F5344CB8AC3E}">
-        <p14:creationId xmlns:p14="http://schemas.microsoft.com/office/powerpoint/2010/main" val="1073575463"/>
       </p:ext>
     </p:extLst>
   </p:cSld>
@@ -1106,6 +1217,95 @@
 </file>
 
 <file path=ppt/notesSlides/notesSlide8.xml><?xml version="1.0" encoding="utf-8"?>
+<p:notes xmlns:a="http://schemas.openxmlformats.org/drawingml/2006/main" xmlns:r="http://schemas.openxmlformats.org/officeDocument/2006/relationships" xmlns:p="http://schemas.openxmlformats.org/presentationml/2006/main">
+  <p:cSld>
+    <p:spTree>
+      <p:nvGrpSpPr>
+        <p:cNvPr id="1" name=""/>
+        <p:cNvGrpSpPr/>
+        <p:nvPr/>
+      </p:nvGrpSpPr>
+      <p:grpSpPr>
+        <a:xfrm>
+          <a:off x="0" y="0"/>
+          <a:ext cx="0" cy="0"/>
+          <a:chOff x="0" y="0"/>
+          <a:chExt cx="0" cy="0"/>
+        </a:xfrm>
+      </p:grpSpPr>
+      <p:sp>
+        <p:nvSpPr>
+          <p:cNvPr id="2" name="Slide Image Placeholder 1"/>
+          <p:cNvSpPr>
+            <a:spLocks noGrp="1" noRot="1" noChangeAspect="1"/>
+          </p:cNvSpPr>
+          <p:nvPr>
+            <p:ph type="sldImg"/>
+          </p:nvPr>
+        </p:nvSpPr>
+        <p:spPr>
+          <a:xfrm>
+            <a:off x="1143000" y="685800"/>
+            <a:ext cx="4572000" cy="3429000"/>
+          </a:xfrm>
+        </p:spPr>
+      </p:sp>
+      <p:sp>
+        <p:nvSpPr>
+          <p:cNvPr id="3" name="Notes Placeholder 2"/>
+          <p:cNvSpPr>
+            <a:spLocks noGrp="1"/>
+          </p:cNvSpPr>
+          <p:nvPr>
+            <p:ph type="body" idx="1"/>
+          </p:nvPr>
+        </p:nvSpPr>
+        <p:spPr/>
+        <p:txBody>
+          <a:bodyPr/>
+          <a:lstStyle/>
+          <a:p>
+            <a:pPr marL="0" marR="0" indent="0" algn="l" defTabSz="457200" rtl="0" eaLnBrk="1" fontAlgn="auto" latinLnBrk="0" hangingPunct="1">
+              <a:lnSpc>
+                <a:spcPct val="100000"/>
+              </a:lnSpc>
+              <a:spcBef>
+                <a:spcPts val="0"/>
+              </a:spcBef>
+              <a:spcAft>
+                <a:spcPts val="0"/>
+              </a:spcAft>
+              <a:buClrTx/>
+              <a:buSzTx/>
+              <a:buFontTx/>
+              <a:buNone/>
+              <a:tabLst/>
+              <a:defRPr/>
+            </a:pPr>
+            <a:r>
+              <a:rPr lang="en-US" dirty="0" smtClean="0"/>
+              <a:t>We take the schematic of NGMW and show how the different levels at which the Models work, (ii) how different models interact, especially (a) Andre and Christian’s work/interface, (ii) I* and F*.</a:t>
+            </a:r>
+          </a:p>
+          <a:p>
+            <a:endParaRPr lang="en-US" dirty="0"/>
+          </a:p>
+        </p:txBody>
+      </p:sp>
+    </p:spTree>
+    <p:extLst>
+      <p:ext uri="{BB962C8B-B14F-4D97-AF65-F5344CB8AC3E}">
+        <p14:creationId xmlns:p14="http://schemas.microsoft.com/office/powerpoint/2010/main" val="1073575463"/>
+      </p:ext>
+    </p:extLst>
+  </p:cSld>
+  <p:clrMapOvr>
+    <a:masterClrMapping/>
+  </p:clrMapOvr>
+</p:notes>
+</file>
+
+<file path=ppt/notesSlides/notesSlide9.xml><?xml version="1.0" encoding="utf-8"?>
 <p:notes xmlns:a="http://schemas.openxmlformats.org/drawingml/2006/main" xmlns:r="http://schemas.openxmlformats.org/officeDocument/2006/relationships" xmlns:p="http://schemas.openxmlformats.org/presentationml/2006/main" showMasterSp="0" showMasterPhAnim="0">
   <p:cSld>
     <p:spTree>
@@ -1229,112 +1429,6 @@
               <a:t>, i.e. faster than the doubling  rate of data storage (roughly 18 months)</a:t>
             </a:r>
             <a:endParaRPr dirty="0"/>
-          </a:p>
-        </p:txBody>
-      </p:sp>
-    </p:spTree>
-  </p:cSld>
-  <p:clrMapOvr>
-    <a:masterClrMapping/>
-  </p:clrMapOvr>
-</p:notes>
-</file>
-
-<file path=ppt/notesSlides/notesSlide9.xml><?xml version="1.0" encoding="utf-8"?>
-<p:notes xmlns:a="http://schemas.openxmlformats.org/drawingml/2006/main" xmlns:r="http://schemas.openxmlformats.org/officeDocument/2006/relationships" xmlns:p="http://schemas.openxmlformats.org/presentationml/2006/main" showMasterSp="0" showMasterPhAnim="0">
-  <p:cSld>
-    <p:spTree>
-      <p:nvGrpSpPr>
-        <p:cNvPr id="1" name="Shape 97"/>
-        <p:cNvGrpSpPr/>
-        <p:nvPr/>
-      </p:nvGrpSpPr>
-      <p:grpSpPr>
-        <a:xfrm>
-          <a:off x="0" y="0"/>
-          <a:ext cx="0" cy="0"/>
-          <a:chOff x="0" y="0"/>
-          <a:chExt cx="0" cy="0"/>
-        </a:xfrm>
-      </p:grpSpPr>
-      <p:sp>
-        <p:nvSpPr>
-          <p:cNvPr id="98" name="Shape 98"/>
-          <p:cNvSpPr>
-            <a:spLocks noGrp="1" noRot="1" noChangeAspect="1"/>
-          </p:cNvSpPr>
-          <p:nvPr>
-            <p:ph type="sldImg" idx="2"/>
-          </p:nvPr>
-        </p:nvSpPr>
-        <p:spPr>
-          <a:xfrm>
-            <a:off x="1143000" y="685800"/>
-            <a:ext cx="4572000" cy="3429000"/>
-          </a:xfrm>
-          <a:custGeom>
-            <a:avLst/>
-            <a:gdLst/>
-            <a:ahLst/>
-            <a:cxnLst/>
-            <a:rect l="0" t="0" r="0" b="0"/>
-            <a:pathLst>
-              <a:path w="120000" h="120000" extrusionOk="0">
-                <a:moveTo>
-                  <a:pt x="0" y="0"/>
-                </a:moveTo>
-                <a:lnTo>
-                  <a:pt x="120000" y="0"/>
-                </a:lnTo>
-                <a:lnTo>
-                  <a:pt x="120000" y="120000"/>
-                </a:lnTo>
-                <a:lnTo>
-                  <a:pt x="0" y="120000"/>
-                </a:lnTo>
-                <a:close/>
-              </a:path>
-            </a:pathLst>
-          </a:custGeom>
-        </p:spPr>
-      </p:sp>
-      <p:sp>
-        <p:nvSpPr>
-          <p:cNvPr id="99" name="Shape 99"/>
-          <p:cNvSpPr txBox="1">
-            <a:spLocks noGrp="1"/>
-          </p:cNvSpPr>
-          <p:nvPr>
-            <p:ph type="body" idx="1"/>
-          </p:nvPr>
-        </p:nvSpPr>
-        <p:spPr>
-          <a:xfrm>
-            <a:off x="685800" y="4343400"/>
-            <a:ext cx="5486399" cy="4114800"/>
-          </a:xfrm>
-          <a:prstGeom prst="rect">
-            <a:avLst/>
-          </a:prstGeom>
-        </p:spPr>
-        <p:txBody>
-          <a:bodyPr lIns="91425" tIns="91425" rIns="91425" bIns="91425" anchor="t" anchorCtr="0">
-            <a:noAutofit/>
-          </a:bodyPr>
-          <a:lstStyle/>
-          <a:p>
-            <a:pPr lvl="0" rtl="0">
-              <a:buNone/>
-            </a:pPr>
-            <a:r>
-              <a:rPr lang="en-US" dirty="0" smtClean="0"/>
-              <a:t>This should expand</a:t>
-            </a:r>
-            <a:r>
-              <a:rPr lang="en-US" baseline="0" dirty="0" smtClean="0"/>
-              <a:t> each of the points in DEC foundational challenges</a:t>
-            </a:r>
-            <a:endParaRPr lang="en" dirty="0"/>
           </a:p>
         </p:txBody>
       </p:sp>
@@ -5863,7 +5957,7 @@
           </p:nvPr>
         </p:nvPicPr>
         <p:blipFill>
-          <a:blip r:embed="rId2">
+          <a:blip r:embed="rId3">
             <a:extLst>
               <a:ext uri="{28A0092B-C50C-407E-A947-70E740481C1C}">
                 <a14:useLocalDpi xmlns:a14="http://schemas.microsoft.com/office/drawing/2010/main" val="0"/>

--- a/presentations/radical-modsim.pptx
+++ b/presentations/radical-modsim.pptx
@@ -5,36 +5,37 @@
     <p:sldMasterId id="2147483656" r:id="rId1"/>
   </p:sldMasterIdLst>
   <p:notesMasterIdLst>
-    <p:notesMasterId r:id="rId29"/>
+    <p:notesMasterId r:id="rId30"/>
   </p:notesMasterIdLst>
   <p:sldIdLst>
     <p:sldId id="256" r:id="rId2"/>
     <p:sldId id="269" r:id="rId3"/>
     <p:sldId id="315" r:id="rId4"/>
-    <p:sldId id="303" r:id="rId5"/>
+    <p:sldId id="322" r:id="rId5"/>
     <p:sldId id="307" r:id="rId6"/>
     <p:sldId id="313" r:id="rId7"/>
-    <p:sldId id="322" r:id="rId8"/>
+    <p:sldId id="325" r:id="rId8"/>
     <p:sldId id="310" r:id="rId9"/>
     <p:sldId id="309" r:id="rId10"/>
     <p:sldId id="312" r:id="rId11"/>
     <p:sldId id="296" r:id="rId12"/>
-    <p:sldId id="316" r:id="rId13"/>
-    <p:sldId id="323" r:id="rId14"/>
-    <p:sldId id="301" r:id="rId15"/>
-    <p:sldId id="281" r:id="rId16"/>
-    <p:sldId id="291" r:id="rId17"/>
-    <p:sldId id="285" r:id="rId18"/>
-    <p:sldId id="286" r:id="rId19"/>
-    <p:sldId id="287" r:id="rId20"/>
-    <p:sldId id="298" r:id="rId21"/>
-    <p:sldId id="297" r:id="rId22"/>
-    <p:sldId id="289" r:id="rId23"/>
-    <p:sldId id="300" r:id="rId24"/>
-    <p:sldId id="284" r:id="rId25"/>
-    <p:sldId id="295" r:id="rId26"/>
-    <p:sldId id="320" r:id="rId27"/>
-    <p:sldId id="321" r:id="rId28"/>
+    <p:sldId id="324" r:id="rId13"/>
+    <p:sldId id="316" r:id="rId14"/>
+    <p:sldId id="323" r:id="rId15"/>
+    <p:sldId id="301" r:id="rId16"/>
+    <p:sldId id="281" r:id="rId17"/>
+    <p:sldId id="291" r:id="rId18"/>
+    <p:sldId id="285" r:id="rId19"/>
+    <p:sldId id="286" r:id="rId20"/>
+    <p:sldId id="287" r:id="rId21"/>
+    <p:sldId id="298" r:id="rId22"/>
+    <p:sldId id="297" r:id="rId23"/>
+    <p:sldId id="289" r:id="rId24"/>
+    <p:sldId id="300" r:id="rId25"/>
+    <p:sldId id="284" r:id="rId26"/>
+    <p:sldId id="295" r:id="rId27"/>
+    <p:sldId id="320" r:id="rId28"/>
+    <p:sldId id="321" r:id="rId29"/>
   </p:sldIdLst>
   <p:sldSz cx="9144000" cy="6858000" type="screen4x3"/>
   <p:notesSz cx="6858000" cy="9144000"/>
@@ -1427,7 +1428,7 @@
   <p:cSld>
     <p:spTree>
       <p:nvGrpSpPr>
-        <p:cNvPr id="1" name="Shape 31"/>
+        <p:cNvPr id="1" name="Shape 49"/>
         <p:cNvGrpSpPr/>
         <p:nvPr/>
       </p:nvGrpSpPr>
@@ -1441,7 +1442,7 @@
       </p:grpSpPr>
       <p:sp>
         <p:nvSpPr>
-          <p:cNvPr id="32" name="Shape 32"/>
+          <p:cNvPr id="50" name="Shape 50"/>
           <p:cNvSpPr>
             <a:spLocks noGrp="1" noRot="1" noChangeAspect="1"/>
           </p:cNvSpPr>
@@ -1482,7 +1483,7 @@
       </p:sp>
       <p:sp>
         <p:nvSpPr>
-          <p:cNvPr id="33" name="Shape 33"/>
+          <p:cNvPr id="51" name="Shape 51"/>
           <p:cNvSpPr txBox="1">
             <a:spLocks noGrp="1"/>
           </p:cNvSpPr>
@@ -1505,7 +1506,7 @@
           </a:bodyPr>
           <a:lstStyle/>
           <a:p>
-            <a:endParaRPr dirty="0"/>
+            <a:endParaRPr/>
           </a:p>
         </p:txBody>
       </p:sp>
@@ -1600,7 +1601,47 @@
           </a:bodyPr>
           <a:lstStyle/>
           <a:p>
-            <a:endParaRPr/>
+            <a:r>
+              <a:rPr lang="en-US" dirty="0" smtClean="0">
+                <a:solidFill>
+                  <a:srgbClr val="606060"/>
+                </a:solidFill>
+              </a:rPr>
+              <a:t>D</a:t>
+            </a:r>
+            <a:r>
+              <a:rPr lang="en" dirty="0" smtClean="0">
+                <a:solidFill>
+                  <a:srgbClr val="606060"/>
+                </a:solidFill>
+              </a:rPr>
+              <a:t>ata generation </a:t>
+            </a:r>
+            <a:r>
+              <a:rPr lang="en-US" dirty="0" smtClean="0">
+                <a:solidFill>
+                  <a:srgbClr val="606060"/>
+                </a:solidFill>
+              </a:rPr>
+              <a:t>doubles every </a:t>
+            </a:r>
+            <a:r>
+              <a:rPr lang="en" dirty="0" smtClean="0">
+                <a:solidFill>
+                  <a:srgbClr val="606060"/>
+                </a:solidFill>
+              </a:rPr>
+              <a:t>&lt;&lt; 12 months</a:t>
+            </a:r>
+            <a:r>
+              <a:rPr lang="en-US" dirty="0" smtClean="0">
+                <a:solidFill>
+                  <a:srgbClr val="606060"/>
+                </a:solidFill>
+              </a:rPr>
+              <a:t>, i.e. faster than the doubling  rate of data storage (roughly 18 months)</a:t>
+            </a:r>
+            <a:endParaRPr dirty="0"/>
           </a:p>
         </p:txBody>
       </p:sp>
@@ -1617,7 +1658,7 @@
   <p:cSld>
     <p:spTree>
       <p:nvGrpSpPr>
-        <p:cNvPr id="1" name="Shape 49"/>
+        <p:cNvPr id="1" name="Shape 31"/>
         <p:cNvGrpSpPr/>
         <p:nvPr/>
       </p:nvGrpSpPr>
@@ -1631,7 +1672,7 @@
       </p:grpSpPr>
       <p:sp>
         <p:nvSpPr>
-          <p:cNvPr id="50" name="Shape 50"/>
+          <p:cNvPr id="32" name="Shape 32"/>
           <p:cNvSpPr>
             <a:spLocks noGrp="1" noRot="1" noChangeAspect="1"/>
           </p:cNvSpPr>
@@ -1672,7 +1713,7 @@
       </p:sp>
       <p:sp>
         <p:nvSpPr>
-          <p:cNvPr id="51" name="Shape 51"/>
+          <p:cNvPr id="33" name="Shape 33"/>
           <p:cNvSpPr txBox="1">
             <a:spLocks noGrp="1"/>
           </p:cNvSpPr>
@@ -1695,46 +1736,6 @@
           </a:bodyPr>
           <a:lstStyle/>
           <a:p>
-            <a:r>
-              <a:rPr lang="en-US" dirty="0" smtClean="0">
-                <a:solidFill>
-                  <a:srgbClr val="606060"/>
-                </a:solidFill>
-              </a:rPr>
-              <a:t>D</a:t>
-            </a:r>
-            <a:r>
-              <a:rPr lang="en" dirty="0" smtClean="0">
-                <a:solidFill>
-                  <a:srgbClr val="606060"/>
-                </a:solidFill>
-              </a:rPr>
-              <a:t>ata generation </a:t>
-            </a:r>
-            <a:r>
-              <a:rPr lang="en-US" dirty="0" smtClean="0">
-                <a:solidFill>
-                  <a:srgbClr val="606060"/>
-                </a:solidFill>
-              </a:rPr>
-              <a:t>doubles every </a:t>
-            </a:r>
-            <a:r>
-              <a:rPr lang="en" dirty="0" smtClean="0">
-                <a:solidFill>
-                  <a:srgbClr val="606060"/>
-                </a:solidFill>
-              </a:rPr>
-              <a:t>&lt;&lt; 12 months</a:t>
-            </a:r>
-            <a:r>
-              <a:rPr lang="en-US" dirty="0" smtClean="0">
-                <a:solidFill>
-                  <a:srgbClr val="606060"/>
-                </a:solidFill>
-              </a:rPr>
-              <a:t>, i.e. faster than the doubling  rate of data storage (roughly 18 months)</a:t>
-            </a:r>
             <a:endParaRPr dirty="0"/>
           </a:p>
         </p:txBody>
@@ -2409,125 +2410,6 @@
 
 <file path=ppt/slideLayouts/slideLayout10.xml><?xml version="1.0" encoding="utf-8"?>
 <p:sldLayout xmlns:a="http://schemas.openxmlformats.org/drawingml/2006/main" xmlns:r="http://schemas.openxmlformats.org/officeDocument/2006/relationships" xmlns:p="http://schemas.openxmlformats.org/presentationml/2006/main" userDrawn="1">
-  <p:cSld name="4_Title and Content">
-    <p:spTree>
-      <p:nvGrpSpPr>
-        <p:cNvPr id="1" name=""/>
-        <p:cNvGrpSpPr/>
-        <p:nvPr/>
-      </p:nvGrpSpPr>
-      <p:grpSpPr>
-        <a:xfrm>
-          <a:off x="0" y="0"/>
-          <a:ext cx="0" cy="0"/>
-          <a:chOff x="0" y="0"/>
-          <a:chExt cx="0" cy="0"/>
-        </a:xfrm>
-      </p:grpSpPr>
-      <p:sp>
-        <p:nvSpPr>
-          <p:cNvPr id="2" name="Title 1"/>
-          <p:cNvSpPr>
-            <a:spLocks noGrp="1"/>
-          </p:cNvSpPr>
-          <p:nvPr>
-            <p:ph type="title"/>
-          </p:nvPr>
-        </p:nvSpPr>
-        <p:spPr/>
-        <p:txBody>
-          <a:bodyPr/>
-          <a:lstStyle/>
-          <a:p>
-            <a:r>
-              <a:rPr lang="en-US" smtClean="0"/>
-              <a:t>Click to edit Master title style</a:t>
-            </a:r>
-            <a:endParaRPr lang="en-US"/>
-          </a:p>
-        </p:txBody>
-      </p:sp>
-      <p:sp>
-        <p:nvSpPr>
-          <p:cNvPr id="4" name="Rectangle 6"/>
-          <p:cNvSpPr>
-            <a:spLocks noGrp="1" noChangeArrowheads="1"/>
-          </p:cNvSpPr>
-          <p:nvPr>
-            <p:ph type="sldNum" sz="quarter" idx="10"/>
-          </p:nvPr>
-        </p:nvSpPr>
-        <p:spPr>
-          <a:ln/>
-        </p:spPr>
-        <p:txBody>
-          <a:bodyPr/>
-          <a:lstStyle>
-            <a:lvl1pPr>
-              <a:defRPr/>
-            </a:lvl1pPr>
-          </a:lstStyle>
-          <a:p>
-            <a:fld id="{8C1510E7-41E5-EC45-AEF0-4F5FBB17A54E}" type="slidenum">
-              <a:rPr lang="en-US"/>
-              <a:pPr/>
-              <a:t>‹#›</a:t>
-            </a:fld>
-            <a:endParaRPr lang="en-US"/>
-          </a:p>
-        </p:txBody>
-      </p:sp>
-      <p:cxnSp>
-        <p:nvCxnSpPr>
-          <p:cNvPr id="6" name="Straight Connector 5"/>
-          <p:cNvCxnSpPr/>
-          <p:nvPr userDrawn="1"/>
-        </p:nvCxnSpPr>
-        <p:spPr>
-          <a:xfrm>
-            <a:off x="282231" y="766277"/>
-            <a:ext cx="8599959" cy="0"/>
-          </a:xfrm>
-          <a:prstGeom prst="line">
-            <a:avLst/>
-          </a:prstGeom>
-          <a:ln>
-            <a:solidFill>
-              <a:schemeClr val="bg2"/>
-            </a:solidFill>
-          </a:ln>
-          <a:effectLst/>
-        </p:spPr>
-        <p:style>
-          <a:lnRef idx="2">
-            <a:schemeClr val="accent1"/>
-          </a:lnRef>
-          <a:fillRef idx="0">
-            <a:schemeClr val="accent1"/>
-          </a:fillRef>
-          <a:effectRef idx="1">
-            <a:schemeClr val="accent1"/>
-          </a:effectRef>
-          <a:fontRef idx="minor">
-            <a:schemeClr val="tx1"/>
-          </a:fontRef>
-        </p:style>
-      </p:cxnSp>
-    </p:spTree>
-    <p:extLst>
-      <p:ext uri="{BB962C8B-B14F-4D97-AF65-F5344CB8AC3E}">
-        <p14:creationId xmlns:p14="http://schemas.microsoft.com/office/powerpoint/2010/main" val="936510980"/>
-      </p:ext>
-    </p:extLst>
-  </p:cSld>
-  <p:clrMapOvr>
-    <a:masterClrMapping/>
-  </p:clrMapOvr>
-</p:sldLayout>
-</file>
-
-<file path=ppt/slideLayouts/slideLayout11.xml><?xml version="1.0" encoding="utf-8"?>
-<p:sldLayout xmlns:a="http://schemas.openxmlformats.org/drawingml/2006/main" xmlns:r="http://schemas.openxmlformats.org/officeDocument/2006/relationships" xmlns:p="http://schemas.openxmlformats.org/presentationml/2006/main" userDrawn="1">
   <p:cSld name="3_Title and Content">
     <p:spTree>
       <p:nvGrpSpPr>
@@ -2645,7 +2527,7 @@
 </p:sldLayout>
 </file>
 
-<file path=ppt/slideLayouts/slideLayout12.xml><?xml version="1.0" encoding="utf-8"?>
+<file path=ppt/slideLayouts/slideLayout11.xml><?xml version="1.0" encoding="utf-8"?>
 <p:sldLayout xmlns:a="http://schemas.openxmlformats.org/drawingml/2006/main" xmlns:r="http://schemas.openxmlformats.org/officeDocument/2006/relationships" xmlns:p="http://schemas.openxmlformats.org/presentationml/2006/main" userDrawn="1">
   <p:cSld name="5_Title and Content">
     <p:spTree>
@@ -2755,6 +2637,125 @@
     <p:extLst>
       <p:ext uri="{BB962C8B-B14F-4D97-AF65-F5344CB8AC3E}">
         <p14:creationId xmlns:p14="http://schemas.microsoft.com/office/powerpoint/2010/main" val="1558444434"/>
+      </p:ext>
+    </p:extLst>
+  </p:cSld>
+  <p:clrMapOvr>
+    <a:masterClrMapping/>
+  </p:clrMapOvr>
+</p:sldLayout>
+</file>
+
+<file path=ppt/slideLayouts/slideLayout12.xml><?xml version="1.0" encoding="utf-8"?>
+<p:sldLayout xmlns:a="http://schemas.openxmlformats.org/drawingml/2006/main" xmlns:r="http://schemas.openxmlformats.org/officeDocument/2006/relationships" xmlns:p="http://schemas.openxmlformats.org/presentationml/2006/main" userDrawn="1">
+  <p:cSld name="2_Title and Content">
+    <p:spTree>
+      <p:nvGrpSpPr>
+        <p:cNvPr id="1" name=""/>
+        <p:cNvGrpSpPr/>
+        <p:nvPr/>
+      </p:nvGrpSpPr>
+      <p:grpSpPr>
+        <a:xfrm>
+          <a:off x="0" y="0"/>
+          <a:ext cx="0" cy="0"/>
+          <a:chOff x="0" y="0"/>
+          <a:chExt cx="0" cy="0"/>
+        </a:xfrm>
+      </p:grpSpPr>
+      <p:sp>
+        <p:nvSpPr>
+          <p:cNvPr id="2" name="Title 1"/>
+          <p:cNvSpPr>
+            <a:spLocks noGrp="1"/>
+          </p:cNvSpPr>
+          <p:nvPr>
+            <p:ph type="title"/>
+          </p:nvPr>
+        </p:nvSpPr>
+        <p:spPr/>
+        <p:txBody>
+          <a:bodyPr/>
+          <a:lstStyle/>
+          <a:p>
+            <a:r>
+              <a:rPr lang="en-US" smtClean="0"/>
+              <a:t>Click to edit Master title style</a:t>
+            </a:r>
+            <a:endParaRPr lang="en-US"/>
+          </a:p>
+        </p:txBody>
+      </p:sp>
+      <p:sp>
+        <p:nvSpPr>
+          <p:cNvPr id="4" name="Rectangle 6"/>
+          <p:cNvSpPr>
+            <a:spLocks noGrp="1" noChangeArrowheads="1"/>
+          </p:cNvSpPr>
+          <p:nvPr>
+            <p:ph type="sldNum" sz="quarter" idx="10"/>
+          </p:nvPr>
+        </p:nvSpPr>
+        <p:spPr>
+          <a:ln/>
+        </p:spPr>
+        <p:txBody>
+          <a:bodyPr/>
+          <a:lstStyle>
+            <a:lvl1pPr>
+              <a:defRPr/>
+            </a:lvl1pPr>
+          </a:lstStyle>
+          <a:p>
+            <a:fld id="{8C1510E7-41E5-EC45-AEF0-4F5FBB17A54E}" type="slidenum">
+              <a:rPr lang="en-US"/>
+              <a:pPr/>
+              <a:t>‹#›</a:t>
+            </a:fld>
+            <a:endParaRPr lang="en-US"/>
+          </a:p>
+        </p:txBody>
+      </p:sp>
+      <p:cxnSp>
+        <p:nvCxnSpPr>
+          <p:cNvPr id="6" name="Straight Connector 5"/>
+          <p:cNvCxnSpPr/>
+          <p:nvPr userDrawn="1"/>
+        </p:nvCxnSpPr>
+        <p:spPr>
+          <a:xfrm>
+            <a:off x="282231" y="766277"/>
+            <a:ext cx="8599959" cy="0"/>
+          </a:xfrm>
+          <a:prstGeom prst="line">
+            <a:avLst/>
+          </a:prstGeom>
+          <a:ln>
+            <a:solidFill>
+              <a:schemeClr val="bg2"/>
+            </a:solidFill>
+          </a:ln>
+          <a:effectLst/>
+        </p:spPr>
+        <p:style>
+          <a:lnRef idx="2">
+            <a:schemeClr val="accent1"/>
+          </a:lnRef>
+          <a:fillRef idx="0">
+            <a:schemeClr val="accent1"/>
+          </a:fillRef>
+          <a:effectRef idx="1">
+            <a:schemeClr val="accent1"/>
+          </a:effectRef>
+          <a:fontRef idx="minor">
+            <a:schemeClr val="tx1"/>
+          </a:fontRef>
+        </p:style>
+      </p:cxnSp>
+    </p:spTree>
+    <p:extLst>
+      <p:ext uri="{BB962C8B-B14F-4D97-AF65-F5344CB8AC3E}">
+        <p14:creationId xmlns:p14="http://schemas.microsoft.com/office/powerpoint/2010/main" val="3743562584"/>
       </p:ext>
     </p:extLst>
   </p:cSld>
@@ -3444,125 +3445,6 @@
 
 <file path=ppt/slideLayouts/slideLayout6.xml><?xml version="1.0" encoding="utf-8"?>
 <p:sldLayout xmlns:a="http://schemas.openxmlformats.org/drawingml/2006/main" xmlns:r="http://schemas.openxmlformats.org/officeDocument/2006/relationships" xmlns:p="http://schemas.openxmlformats.org/presentationml/2006/main" userDrawn="1">
-  <p:cSld name="2_Title and Content">
-    <p:spTree>
-      <p:nvGrpSpPr>
-        <p:cNvPr id="1" name=""/>
-        <p:cNvGrpSpPr/>
-        <p:nvPr/>
-      </p:nvGrpSpPr>
-      <p:grpSpPr>
-        <a:xfrm>
-          <a:off x="0" y="0"/>
-          <a:ext cx="0" cy="0"/>
-          <a:chOff x="0" y="0"/>
-          <a:chExt cx="0" cy="0"/>
-        </a:xfrm>
-      </p:grpSpPr>
-      <p:sp>
-        <p:nvSpPr>
-          <p:cNvPr id="2" name="Title 1"/>
-          <p:cNvSpPr>
-            <a:spLocks noGrp="1"/>
-          </p:cNvSpPr>
-          <p:nvPr>
-            <p:ph type="title"/>
-          </p:nvPr>
-        </p:nvSpPr>
-        <p:spPr/>
-        <p:txBody>
-          <a:bodyPr/>
-          <a:lstStyle/>
-          <a:p>
-            <a:r>
-              <a:rPr lang="en-US" smtClean="0"/>
-              <a:t>Click to edit Master title style</a:t>
-            </a:r>
-            <a:endParaRPr lang="en-US"/>
-          </a:p>
-        </p:txBody>
-      </p:sp>
-      <p:sp>
-        <p:nvSpPr>
-          <p:cNvPr id="4" name="Rectangle 6"/>
-          <p:cNvSpPr>
-            <a:spLocks noGrp="1" noChangeArrowheads="1"/>
-          </p:cNvSpPr>
-          <p:nvPr>
-            <p:ph type="sldNum" sz="quarter" idx="10"/>
-          </p:nvPr>
-        </p:nvSpPr>
-        <p:spPr>
-          <a:ln/>
-        </p:spPr>
-        <p:txBody>
-          <a:bodyPr/>
-          <a:lstStyle>
-            <a:lvl1pPr>
-              <a:defRPr/>
-            </a:lvl1pPr>
-          </a:lstStyle>
-          <a:p>
-            <a:fld id="{8C1510E7-41E5-EC45-AEF0-4F5FBB17A54E}" type="slidenum">
-              <a:rPr lang="en-US"/>
-              <a:pPr/>
-              <a:t>‹#›</a:t>
-            </a:fld>
-            <a:endParaRPr lang="en-US"/>
-          </a:p>
-        </p:txBody>
-      </p:sp>
-      <p:cxnSp>
-        <p:nvCxnSpPr>
-          <p:cNvPr id="6" name="Straight Connector 5"/>
-          <p:cNvCxnSpPr/>
-          <p:nvPr userDrawn="1"/>
-        </p:nvCxnSpPr>
-        <p:spPr>
-          <a:xfrm>
-            <a:off x="282231" y="766277"/>
-            <a:ext cx="8599959" cy="0"/>
-          </a:xfrm>
-          <a:prstGeom prst="line">
-            <a:avLst/>
-          </a:prstGeom>
-          <a:ln>
-            <a:solidFill>
-              <a:schemeClr val="bg2"/>
-            </a:solidFill>
-          </a:ln>
-          <a:effectLst/>
-        </p:spPr>
-        <p:style>
-          <a:lnRef idx="2">
-            <a:schemeClr val="accent1"/>
-          </a:lnRef>
-          <a:fillRef idx="0">
-            <a:schemeClr val="accent1"/>
-          </a:fillRef>
-          <a:effectRef idx="1">
-            <a:schemeClr val="accent1"/>
-          </a:effectRef>
-          <a:fontRef idx="minor">
-            <a:schemeClr val="tx1"/>
-          </a:fontRef>
-        </p:style>
-      </p:cxnSp>
-    </p:spTree>
-    <p:extLst>
-      <p:ext uri="{BB962C8B-B14F-4D97-AF65-F5344CB8AC3E}">
-        <p14:creationId xmlns:p14="http://schemas.microsoft.com/office/powerpoint/2010/main" val="514136723"/>
-      </p:ext>
-    </p:extLst>
-  </p:cSld>
-  <p:clrMapOvr>
-    <a:masterClrMapping/>
-  </p:clrMapOvr>
-</p:sldLayout>
-</file>
-
-<file path=ppt/slideLayouts/slideLayout7.xml><?xml version="1.0" encoding="utf-8"?>
-<p:sldLayout xmlns:a="http://schemas.openxmlformats.org/drawingml/2006/main" xmlns:r="http://schemas.openxmlformats.org/officeDocument/2006/relationships" xmlns:p="http://schemas.openxmlformats.org/presentationml/2006/main" userDrawn="1">
   <p:cSld name="6_Title and Content">
     <p:spTree>
       <p:nvGrpSpPr>
@@ -3680,7 +3562,7 @@
 </p:sldLayout>
 </file>
 
-<file path=ppt/slideLayouts/slideLayout8.xml><?xml version="1.0" encoding="utf-8"?>
+<file path=ppt/slideLayouts/slideLayout7.xml><?xml version="1.0" encoding="utf-8"?>
 <p:sldLayout xmlns:a="http://schemas.openxmlformats.org/drawingml/2006/main" xmlns:r="http://schemas.openxmlformats.org/officeDocument/2006/relationships" xmlns:p="http://schemas.openxmlformats.org/presentationml/2006/main" userDrawn="1">
   <p:cSld name="8_Title and Content">
     <p:spTree>
@@ -3799,7 +3681,7 @@
 </p:sldLayout>
 </file>
 
-<file path=ppt/slideLayouts/slideLayout9.xml><?xml version="1.0" encoding="utf-8"?>
+<file path=ppt/slideLayouts/slideLayout8.xml><?xml version="1.0" encoding="utf-8"?>
 <p:sldLayout xmlns:a="http://schemas.openxmlformats.org/drawingml/2006/main" xmlns:r="http://schemas.openxmlformats.org/officeDocument/2006/relationships" xmlns:p="http://schemas.openxmlformats.org/presentationml/2006/main" userDrawn="1">
   <p:cSld name="9_Title and Content">
     <p:spTree>
@@ -3909,6 +3791,125 @@
     <p:extLst>
       <p:ext uri="{BB962C8B-B14F-4D97-AF65-F5344CB8AC3E}">
         <p14:creationId xmlns:p14="http://schemas.microsoft.com/office/powerpoint/2010/main" val="433344825"/>
+      </p:ext>
+    </p:extLst>
+  </p:cSld>
+  <p:clrMapOvr>
+    <a:masterClrMapping/>
+  </p:clrMapOvr>
+</p:sldLayout>
+</file>
+
+<file path=ppt/slideLayouts/slideLayout9.xml><?xml version="1.0" encoding="utf-8"?>
+<p:sldLayout xmlns:a="http://schemas.openxmlformats.org/drawingml/2006/main" xmlns:r="http://schemas.openxmlformats.org/officeDocument/2006/relationships" xmlns:p="http://schemas.openxmlformats.org/presentationml/2006/main" userDrawn="1">
+  <p:cSld name="4_Title and Content">
+    <p:spTree>
+      <p:nvGrpSpPr>
+        <p:cNvPr id="1" name=""/>
+        <p:cNvGrpSpPr/>
+        <p:nvPr/>
+      </p:nvGrpSpPr>
+      <p:grpSpPr>
+        <a:xfrm>
+          <a:off x="0" y="0"/>
+          <a:ext cx="0" cy="0"/>
+          <a:chOff x="0" y="0"/>
+          <a:chExt cx="0" cy="0"/>
+        </a:xfrm>
+      </p:grpSpPr>
+      <p:sp>
+        <p:nvSpPr>
+          <p:cNvPr id="2" name="Title 1"/>
+          <p:cNvSpPr>
+            <a:spLocks noGrp="1"/>
+          </p:cNvSpPr>
+          <p:nvPr>
+            <p:ph type="title"/>
+          </p:nvPr>
+        </p:nvSpPr>
+        <p:spPr/>
+        <p:txBody>
+          <a:bodyPr/>
+          <a:lstStyle/>
+          <a:p>
+            <a:r>
+              <a:rPr lang="en-US" smtClean="0"/>
+              <a:t>Click to edit Master title style</a:t>
+            </a:r>
+            <a:endParaRPr lang="en-US"/>
+          </a:p>
+        </p:txBody>
+      </p:sp>
+      <p:sp>
+        <p:nvSpPr>
+          <p:cNvPr id="4" name="Rectangle 6"/>
+          <p:cNvSpPr>
+            <a:spLocks noGrp="1" noChangeArrowheads="1"/>
+          </p:cNvSpPr>
+          <p:nvPr>
+            <p:ph type="sldNum" sz="quarter" idx="10"/>
+          </p:nvPr>
+        </p:nvSpPr>
+        <p:spPr>
+          <a:ln/>
+        </p:spPr>
+        <p:txBody>
+          <a:bodyPr/>
+          <a:lstStyle>
+            <a:lvl1pPr>
+              <a:defRPr/>
+            </a:lvl1pPr>
+          </a:lstStyle>
+          <a:p>
+            <a:fld id="{8C1510E7-41E5-EC45-AEF0-4F5FBB17A54E}" type="slidenum">
+              <a:rPr lang="en-US"/>
+              <a:pPr/>
+              <a:t>‹#›</a:t>
+            </a:fld>
+            <a:endParaRPr lang="en-US"/>
+          </a:p>
+        </p:txBody>
+      </p:sp>
+      <p:cxnSp>
+        <p:nvCxnSpPr>
+          <p:cNvPr id="6" name="Straight Connector 5"/>
+          <p:cNvCxnSpPr/>
+          <p:nvPr userDrawn="1"/>
+        </p:nvCxnSpPr>
+        <p:spPr>
+          <a:xfrm>
+            <a:off x="282231" y="766277"/>
+            <a:ext cx="8599959" cy="0"/>
+          </a:xfrm>
+          <a:prstGeom prst="line">
+            <a:avLst/>
+          </a:prstGeom>
+          <a:ln>
+            <a:solidFill>
+              <a:schemeClr val="bg2"/>
+            </a:solidFill>
+          </a:ln>
+          <a:effectLst/>
+        </p:spPr>
+        <p:style>
+          <a:lnRef idx="2">
+            <a:schemeClr val="accent1"/>
+          </a:lnRef>
+          <a:fillRef idx="0">
+            <a:schemeClr val="accent1"/>
+          </a:fillRef>
+          <a:effectRef idx="1">
+            <a:schemeClr val="accent1"/>
+          </a:effectRef>
+          <a:fontRef idx="minor">
+            <a:schemeClr val="tx1"/>
+          </a:fontRef>
+        </p:style>
+      </p:cxnSp>
+    </p:spTree>
+    <p:extLst>
+      <p:ext uri="{BB962C8B-B14F-4D97-AF65-F5344CB8AC3E}">
+        <p14:creationId xmlns:p14="http://schemas.microsoft.com/office/powerpoint/2010/main" val="936510980"/>
       </p:ext>
     </p:extLst>
   </p:cSld>
@@ -4213,13 +4214,13 @@
     <p:sldLayoutId id="2147483663" r:id="rId3"/>
     <p:sldLayoutId id="2147483669" r:id="rId4"/>
     <p:sldLayoutId id="2147483670" r:id="rId5"/>
-    <p:sldLayoutId id="2147483671" r:id="rId6"/>
-    <p:sldLayoutId id="2147483675" r:id="rId7"/>
-    <p:sldLayoutId id="2147483677" r:id="rId8"/>
-    <p:sldLayoutId id="2147483678" r:id="rId9"/>
-    <p:sldLayoutId id="2147483679" r:id="rId10"/>
-    <p:sldLayoutId id="2147483680" r:id="rId11"/>
-    <p:sldLayoutId id="2147483681" r:id="rId12"/>
+    <p:sldLayoutId id="2147483675" r:id="rId6"/>
+    <p:sldLayoutId id="2147483677" r:id="rId7"/>
+    <p:sldLayoutId id="2147483678" r:id="rId8"/>
+    <p:sldLayoutId id="2147483679" r:id="rId9"/>
+    <p:sldLayoutId id="2147483680" r:id="rId10"/>
+    <p:sldLayoutId id="2147483681" r:id="rId11"/>
+    <p:sldLayoutId id="2147483682" r:id="rId12"/>
   </p:sldLayoutIdLst>
   <p:txStyles>
     <p:titleStyle>
@@ -4700,11 +4701,7 @@
             </a:br>
             <a:r>
               <a:rPr lang="en-US" sz="2800" i="1" dirty="0" smtClean="0"/>
-              <a:t>The </a:t>
-            </a:r>
-            <a:r>
-              <a:rPr lang="en-US" sz="2800" i="1" dirty="0" smtClean="0"/>
-              <a:t>Role of Modeling and Simulation</a:t>
+              <a:t>The Role of Modeling and Simulation</a:t>
             </a:r>
             <a:endParaRPr lang="en" sz="2800" i="1" dirty="0"/>
           </a:p>
@@ -4900,11 +4897,7 @@
           <a:p>
             <a:r>
               <a:rPr lang="en-US" dirty="0" smtClean="0"/>
-              <a:t>Fundamental </a:t>
-            </a:r>
-            <a:r>
-              <a:rPr lang="en-US" dirty="0" smtClean="0"/>
-              <a:t>conceptual </a:t>
+              <a:t>Fundamental conceptual </a:t>
             </a:r>
             <a:r>
               <a:rPr lang="en-US" dirty="0"/>
@@ -5236,6 +5229,141 @@
   <p:cSld>
     <p:spTree>
       <p:nvGrpSpPr>
+        <p:cNvPr id="1" name=""/>
+        <p:cNvGrpSpPr/>
+        <p:nvPr/>
+      </p:nvGrpSpPr>
+      <p:grpSpPr>
+        <a:xfrm>
+          <a:off x="0" y="0"/>
+          <a:ext cx="0" cy="0"/>
+          <a:chOff x="0" y="0"/>
+          <a:chExt cx="0" cy="0"/>
+        </a:xfrm>
+      </p:grpSpPr>
+      <p:sp>
+        <p:nvSpPr>
+          <p:cNvPr id="2" name="Title 1"/>
+          <p:cNvSpPr>
+            <a:spLocks noGrp="1"/>
+          </p:cNvSpPr>
+          <p:nvPr>
+            <p:ph type="title"/>
+          </p:nvPr>
+        </p:nvSpPr>
+        <p:spPr/>
+        <p:txBody>
+          <a:bodyPr/>
+          <a:lstStyle/>
+          <a:p>
+            <a:r>
+              <a:rPr lang="en-US" dirty="0" smtClean="0"/>
+              <a:t>Design Objectives</a:t>
+            </a:r>
+            <a:endParaRPr lang="en-US" dirty="0"/>
+          </a:p>
+        </p:txBody>
+      </p:sp>
+      <p:sp>
+        <p:nvSpPr>
+          <p:cNvPr id="3" name="Content Placeholder 2"/>
+          <p:cNvSpPr>
+            <a:spLocks noGrp="1"/>
+          </p:cNvSpPr>
+          <p:nvPr>
+            <p:ph idx="1"/>
+          </p:nvPr>
+        </p:nvSpPr>
+        <p:spPr/>
+        <p:txBody>
+          <a:bodyPr/>
+          <a:lstStyle/>
+          <a:p>
+            <a:pPr marL="800100" lvl="1" indent="-342900">
+              <a:buClr>
+                <a:srgbClr val="000000"/>
+              </a:buClr>
+              <a:buSzPct val="100000"/>
+              <a:buFont typeface="+mj-lt"/>
+              <a:buAutoNum type="arabicPeriod"/>
+            </a:pPr>
+            <a:r>
+              <a:rPr lang="en-US" dirty="0">
+                <a:solidFill>
+                  <a:schemeClr val="tx1">
+                    <a:lumMod val="65000"/>
+                    <a:lumOff val="35000"/>
+                  </a:schemeClr>
+                </a:solidFill>
+              </a:rPr>
+              <a:t>Capability Based </a:t>
+            </a:r>
+          </a:p>
+          <a:p>
+            <a:pPr marL="800100" lvl="1" indent="-342900">
+              <a:buClr>
+                <a:srgbClr val="000000"/>
+              </a:buClr>
+              <a:buSzPct val="100000"/>
+              <a:buFont typeface="+mj-lt"/>
+              <a:buAutoNum type="arabicPeriod"/>
+            </a:pPr>
+            <a:r>
+              <a:rPr lang="en-US" dirty="0">
+                <a:solidFill>
+                  <a:schemeClr val="tx1">
+                    <a:lumMod val="65000"/>
+                    <a:lumOff val="35000"/>
+                  </a:schemeClr>
+                </a:solidFill>
+              </a:rPr>
+              <a:t>Abstracted data logic (representation, distribution, scheduling, placement) that captures application-semantics yet is not application-specific</a:t>
+            </a:r>
+          </a:p>
+          <a:p>
+            <a:pPr marL="800100" lvl="1" indent="-342900">
+              <a:buClr>
+                <a:srgbClr val="000000"/>
+              </a:buClr>
+              <a:buSzPct val="100000"/>
+              <a:buFont typeface="+mj-lt"/>
+              <a:buAutoNum type="arabicPeriod"/>
+            </a:pPr>
+            <a:r>
+              <a:rPr lang="en-US" dirty="0">
+                <a:solidFill>
+                  <a:schemeClr val="tx1">
+                    <a:lumMod val="65000"/>
+                    <a:lumOff val="35000"/>
+                  </a:schemeClr>
+                </a:solidFill>
+              </a:rPr>
+              <a:t>Integrated for Adaptive Applications and Dynamic Resource Management</a:t>
+            </a:r>
+          </a:p>
+          <a:p>
+            <a:endParaRPr lang="en-US" dirty="0"/>
+          </a:p>
+        </p:txBody>
+      </p:sp>
+    </p:spTree>
+    <p:extLst>
+      <p:ext uri="{BB962C8B-B14F-4D97-AF65-F5344CB8AC3E}">
+        <p14:creationId xmlns:p14="http://schemas.microsoft.com/office/powerpoint/2010/main" val="3261045090"/>
+      </p:ext>
+    </p:extLst>
+  </p:cSld>
+  <p:clrMapOvr>
+    <a:masterClrMapping/>
+  </p:clrMapOvr>
+</p:sld>
+</file>
+
+<file path=ppt/slides/slide13.xml><?xml version="1.0" encoding="utf-8"?>
+<p:sld xmlns:a="http://schemas.openxmlformats.org/drawingml/2006/main" xmlns:r="http://schemas.openxmlformats.org/officeDocument/2006/relationships" xmlns:p="http://schemas.openxmlformats.org/presentationml/2006/main">
+  <p:cSld>
+    <p:spTree>
+      <p:nvGrpSpPr>
         <p:cNvPr id="1" name="Shape 94"/>
         <p:cNvGrpSpPr/>
         <p:nvPr/>
@@ -5986,7 +6114,7 @@
 </p:sld>
 </file>
 
-<file path=ppt/slides/slide13.xml><?xml version="1.0" encoding="utf-8"?>
+<file path=ppt/slides/slide14.xml><?xml version="1.0" encoding="utf-8"?>
 <p:sld xmlns:a="http://schemas.openxmlformats.org/drawingml/2006/main" xmlns:r="http://schemas.openxmlformats.org/officeDocument/2006/relationships" xmlns:p="http://schemas.openxmlformats.org/presentationml/2006/main">
   <p:cSld>
     <p:spTree>
@@ -6177,7 +6305,7 @@
 </p:sld>
 </file>
 
-<file path=ppt/slides/slide14.xml><?xml version="1.0" encoding="utf-8"?>
+<file path=ppt/slides/slide15.xml><?xml version="1.0" encoding="utf-8"?>
 <p:sld xmlns:a="http://schemas.openxmlformats.org/drawingml/2006/main" xmlns:r="http://schemas.openxmlformats.org/officeDocument/2006/relationships" xmlns:p="http://schemas.openxmlformats.org/presentationml/2006/main">
   <p:cSld>
     <p:spTree>
@@ -6255,7 +6383,7 @@
 </p:sld>
 </file>
 
-<file path=ppt/slides/slide15.xml><?xml version="1.0" encoding="utf-8"?>
+<file path=ppt/slides/slide16.xml><?xml version="1.0" encoding="utf-8"?>
 <p:sld xmlns:a="http://schemas.openxmlformats.org/drawingml/2006/main" xmlns:r="http://schemas.openxmlformats.org/officeDocument/2006/relationships" xmlns:p="http://schemas.openxmlformats.org/presentationml/2006/main">
   <p:cSld>
     <p:spTree>
@@ -6792,466 +6920,6 @@
     <p:extLst>
       <p:ext uri="{BB962C8B-B14F-4D97-AF65-F5344CB8AC3E}">
         <p14:creationId xmlns:p14="http://schemas.microsoft.com/office/powerpoint/2010/main" val="3857714543"/>
-      </p:ext>
-    </p:extLst>
-  </p:cSld>
-  <p:clrMapOvr>
-    <a:masterClrMapping/>
-  </p:clrMapOvr>
-  <p:timing>
-    <p:tnLst>
-      <p:par>
-        <p:cTn xmlns:p14="http://schemas.microsoft.com/office/powerpoint/2010/main" id="1" dur="indefinite" restart="never" nodeType="tmRoot"/>
-      </p:par>
-    </p:tnLst>
-  </p:timing>
-</p:sld>
-</file>
-
-<file path=ppt/slides/slide16.xml><?xml version="1.0" encoding="utf-8"?>
-<p:sld xmlns:a="http://schemas.openxmlformats.org/drawingml/2006/main" xmlns:r="http://schemas.openxmlformats.org/officeDocument/2006/relationships" xmlns:p="http://schemas.openxmlformats.org/presentationml/2006/main">
-  <p:cSld>
-    <p:spTree>
-      <p:nvGrpSpPr>
-        <p:cNvPr id="1" name=""/>
-        <p:cNvGrpSpPr/>
-        <p:nvPr/>
-      </p:nvGrpSpPr>
-      <p:grpSpPr>
-        <a:xfrm>
-          <a:off x="0" y="0"/>
-          <a:ext cx="0" cy="0"/>
-          <a:chOff x="0" y="0"/>
-          <a:chExt cx="0" cy="0"/>
-        </a:xfrm>
-      </p:grpSpPr>
-      <p:sp>
-        <p:nvSpPr>
-          <p:cNvPr id="2" name="Title 1"/>
-          <p:cNvSpPr>
-            <a:spLocks noGrp="1"/>
-          </p:cNvSpPr>
-          <p:nvPr>
-            <p:ph type="title"/>
-          </p:nvPr>
-        </p:nvSpPr>
-        <p:spPr/>
-        <p:txBody>
-          <a:bodyPr/>
-          <a:lstStyle/>
-          <a:p>
-            <a:r>
-              <a:rPr lang="en-US" dirty="0" smtClean="0"/>
-              <a:t>NGMW: Outline</a:t>
-            </a:r>
-            <a:endParaRPr lang="en-US" dirty="0"/>
-          </a:p>
-        </p:txBody>
-      </p:sp>
-      <p:sp>
-        <p:nvSpPr>
-          <p:cNvPr id="3" name="Shape 72"/>
-          <p:cNvSpPr txBox="1">
-            <a:spLocks/>
-          </p:cNvSpPr>
-          <p:nvPr/>
-        </p:nvSpPr>
-        <p:spPr bwMode="auto">
-          <a:xfrm>
-            <a:off x="282231" y="786259"/>
-            <a:ext cx="8596312" cy="5281613"/>
-          </a:xfrm>
-          <a:prstGeom prst="rect">
-            <a:avLst/>
-          </a:prstGeom>
-          <a:noFill/>
-          <a:ln>
-            <a:noFill/>
-          </a:ln>
-          <a:extLst>
-            <a:ext uri="{909E8E84-426E-40dd-AFC4-6F175D3DCCD1}">
-              <a14:hiddenFill xmlns:a14="http://schemas.microsoft.com/office/drawing/2010/main">
-                <a:solidFill>
-                  <a:srgbClr val="FFFFFF"/>
-                </a:solidFill>
-              </a14:hiddenFill>
-            </a:ext>
-            <a:ext uri="{91240B29-F687-4f45-9708-019B960494DF}">
-              <a14:hiddenLine xmlns:a14="http://schemas.microsoft.com/office/drawing/2010/main" w="9525">
-                <a:solidFill>
-                  <a:srgbClr val="000000"/>
-                </a:solidFill>
-                <a:miter lim="800000"/>
-                <a:headEnd/>
-                <a:tailEnd/>
-              </a14:hiddenLine>
-            </a:ext>
-            <a:ext uri="{FAA26D3D-D897-4be2-8F04-BA451C77F1D7}">
-              <ma14:placeholderFlag xmlns:ma14="http://schemas.microsoft.com/office/mac/drawingml/2011/main" val="1"/>
-            </a:ext>
-          </a:extLst>
-        </p:spPr>
-        <p:txBody>
-          <a:bodyPr vert="horz" wrap="square" lIns="91425" tIns="91425" rIns="91425" bIns="91425" numCol="1" anchor="t" anchorCtr="0" compatLnSpc="1">
-            <a:prstTxWarp prst="textNoShape">
-              <a:avLst/>
-            </a:prstTxWarp>
-            <a:noAutofit/>
-          </a:bodyPr>
-          <a:lstStyle>
-            <a:lvl1pPr marL="227013" indent="-227013" algn="l" rtl="0" eaLnBrk="0" fontAlgn="base" hangingPunct="0">
-              <a:spcBef>
-                <a:spcPts val="1200"/>
-              </a:spcBef>
-              <a:spcAft>
-                <a:spcPct val="0"/>
-              </a:spcAft>
-              <a:buClr>
-                <a:schemeClr val="tx1">
-                  <a:lumMod val="95000"/>
-                  <a:lumOff val="5000"/>
-                </a:schemeClr>
-              </a:buClr>
-              <a:buChar char="•"/>
-              <a:tabLst/>
-              <a:defRPr sz="2000">
-                <a:solidFill>
-                  <a:schemeClr val="tx1">
-                    <a:lumMod val="95000"/>
-                    <a:lumOff val="5000"/>
-                  </a:schemeClr>
-                </a:solidFill>
-                <a:latin typeface="+mn-lt"/>
-                <a:ea typeface="ＭＳ Ｐゴシック" charset="-128"/>
-                <a:cs typeface="ＭＳ Ｐゴシック" charset="-128"/>
-              </a:defRPr>
-            </a:lvl1pPr>
-            <a:lvl2pPr marL="682625" indent="-225425" algn="l" rtl="0" eaLnBrk="0" fontAlgn="base" hangingPunct="0">
-              <a:spcBef>
-                <a:spcPct val="20000"/>
-              </a:spcBef>
-              <a:spcAft>
-                <a:spcPct val="0"/>
-              </a:spcAft>
-              <a:buClr>
-                <a:schemeClr val="tx1">
-                  <a:lumMod val="95000"/>
-                  <a:lumOff val="5000"/>
-                </a:schemeClr>
-              </a:buClr>
-              <a:buChar char="–"/>
-              <a:defRPr sz="1800">
-                <a:solidFill>
-                  <a:srgbClr val="5F5F5F"/>
-                </a:solidFill>
-                <a:latin typeface="+mn-lt"/>
-                <a:ea typeface="ＭＳ Ｐゴシック" charset="-128"/>
-              </a:defRPr>
-            </a:lvl2pPr>
-            <a:lvl3pPr marL="1090613" indent="-176213" algn="l" rtl="0" eaLnBrk="0" fontAlgn="base" hangingPunct="0">
-              <a:spcBef>
-                <a:spcPct val="20000"/>
-              </a:spcBef>
-              <a:spcAft>
-                <a:spcPct val="0"/>
-              </a:spcAft>
-              <a:buClr>
-                <a:schemeClr val="tx1">
-                  <a:lumMod val="95000"/>
-                  <a:lumOff val="5000"/>
-                </a:schemeClr>
-              </a:buClr>
-              <a:buChar char="•"/>
-              <a:defRPr sz="1800">
-                <a:solidFill>
-                  <a:srgbClr val="5F5F5F"/>
-                </a:solidFill>
-                <a:latin typeface="+mn-lt"/>
-                <a:ea typeface="ＭＳ Ｐゴシック" charset="-128"/>
-              </a:defRPr>
-            </a:lvl3pPr>
-            <a:lvl4pPr marL="1600200" indent="-228600" algn="l" rtl="0" eaLnBrk="0" fontAlgn="base" hangingPunct="0">
-              <a:spcBef>
-                <a:spcPct val="20000"/>
-              </a:spcBef>
-              <a:spcAft>
-                <a:spcPct val="0"/>
-              </a:spcAft>
-              <a:buClr>
-                <a:schemeClr val="tx1">
-                  <a:lumMod val="95000"/>
-                  <a:lumOff val="5000"/>
-                </a:schemeClr>
-              </a:buClr>
-              <a:buChar char="–"/>
-              <a:defRPr sz="1800">
-                <a:solidFill>
-                  <a:srgbClr val="5F5F5F"/>
-                </a:solidFill>
-                <a:latin typeface="+mn-lt"/>
-                <a:ea typeface="ＭＳ Ｐゴシック" charset="-128"/>
-              </a:defRPr>
-            </a:lvl4pPr>
-            <a:lvl5pPr marL="2000250" indent="-171450" algn="l" rtl="0" eaLnBrk="0" fontAlgn="base" hangingPunct="0">
-              <a:spcBef>
-                <a:spcPct val="20000"/>
-              </a:spcBef>
-              <a:spcAft>
-                <a:spcPct val="0"/>
-              </a:spcAft>
-              <a:buClr>
-                <a:schemeClr val="tx1">
-                  <a:lumMod val="95000"/>
-                  <a:lumOff val="5000"/>
-                </a:schemeClr>
-              </a:buClr>
-              <a:buChar char="»"/>
-              <a:defRPr sz="1800">
-                <a:solidFill>
-                  <a:srgbClr val="5F5F5F"/>
-                </a:solidFill>
-                <a:latin typeface="+mn-lt"/>
-                <a:ea typeface="ＭＳ Ｐゴシック" charset="-128"/>
-              </a:defRPr>
-            </a:lvl5pPr>
-            <a:lvl6pPr marL="2514600" indent="-228600" algn="l" rtl="0" fontAlgn="base">
-              <a:spcBef>
-                <a:spcPct val="20000"/>
-              </a:spcBef>
-              <a:spcAft>
-                <a:spcPct val="0"/>
-              </a:spcAft>
-              <a:buChar char="»"/>
-              <a:defRPr sz="1400">
-                <a:solidFill>
-                  <a:srgbClr val="5F5F5F"/>
-                </a:solidFill>
-                <a:latin typeface="+mn-lt"/>
-                <a:ea typeface="ＭＳ Ｐゴシック" charset="-128"/>
-              </a:defRPr>
-            </a:lvl6pPr>
-            <a:lvl7pPr marL="2971800" indent="-228600" algn="l" rtl="0" fontAlgn="base">
-              <a:spcBef>
-                <a:spcPct val="20000"/>
-              </a:spcBef>
-              <a:spcAft>
-                <a:spcPct val="0"/>
-              </a:spcAft>
-              <a:buChar char="»"/>
-              <a:defRPr sz="1400">
-                <a:solidFill>
-                  <a:srgbClr val="5F5F5F"/>
-                </a:solidFill>
-                <a:latin typeface="+mn-lt"/>
-                <a:ea typeface="ＭＳ Ｐゴシック" charset="-128"/>
-              </a:defRPr>
-            </a:lvl7pPr>
-            <a:lvl8pPr marL="3429000" indent="-228600" algn="l" rtl="0" fontAlgn="base">
-              <a:spcBef>
-                <a:spcPct val="20000"/>
-              </a:spcBef>
-              <a:spcAft>
-                <a:spcPct val="0"/>
-              </a:spcAft>
-              <a:buChar char="»"/>
-              <a:defRPr sz="1400">
-                <a:solidFill>
-                  <a:srgbClr val="5F5F5F"/>
-                </a:solidFill>
-                <a:latin typeface="+mn-lt"/>
-                <a:ea typeface="ＭＳ Ｐゴシック" charset="-128"/>
-              </a:defRPr>
-            </a:lvl8pPr>
-            <a:lvl9pPr marL="3886200" indent="-228600" algn="l" rtl="0" fontAlgn="base">
-              <a:spcBef>
-                <a:spcPct val="20000"/>
-              </a:spcBef>
-              <a:spcAft>
-                <a:spcPct val="0"/>
-              </a:spcAft>
-              <a:buChar char="»"/>
-              <a:defRPr sz="1400">
-                <a:solidFill>
-                  <a:srgbClr val="5F5F5F"/>
-                </a:solidFill>
-                <a:latin typeface="+mn-lt"/>
-                <a:ea typeface="ＭＳ Ｐゴシック" charset="-128"/>
-              </a:defRPr>
-            </a:lvl9pPr>
-          </a:lstStyle>
-          <a:p>
-            <a:pPr marL="344488" indent="-342900"/>
-            <a:r>
-              <a:rPr lang="en-US" dirty="0" smtClean="0"/>
-              <a:t>Interaction between Models:</a:t>
-            </a:r>
-          </a:p>
-          <a:p>
-            <a:pPr marL="800100" lvl="1" indent="-342900"/>
-            <a:r>
-              <a:rPr lang="en-US" dirty="0" smtClean="0"/>
-              <a:t>[</a:t>
-            </a:r>
-            <a:r>
-              <a:rPr lang="en-US" dirty="0"/>
-              <a:t>A*, W* ] and [P*, F*]</a:t>
-            </a:r>
-          </a:p>
-          <a:p>
-            <a:pPr marL="1208088" lvl="2" indent="-342900"/>
-            <a:r>
-              <a:rPr lang="en-US" dirty="0"/>
-              <a:t>Here A* is a conceptual model, and W* is an analytical model</a:t>
-            </a:r>
-          </a:p>
-          <a:p>
-            <a:pPr marL="1208088" lvl="2" indent="-342900"/>
-            <a:r>
-              <a:rPr lang="en-US" dirty="0" smtClean="0"/>
-              <a:t>A </a:t>
-            </a:r>
-            <a:r>
-              <a:rPr lang="en-US" dirty="0"/>
-              <a:t>specific instance of A*, is subject to a transformation </a:t>
-            </a:r>
-            <a:r>
-              <a:rPr lang="en-US" b="1" dirty="0">
-                <a:ln w="12700">
-                  <a:solidFill>
-                    <a:schemeClr val="tx2">
-                      <a:satMod val="155000"/>
-                    </a:schemeClr>
-                  </a:solidFill>
-                  <a:prstDash val="solid"/>
-                </a:ln>
-                <a:solidFill>
-                  <a:schemeClr val="bg2">
-                    <a:tint val="85000"/>
-                    <a:satMod val="155000"/>
-                  </a:schemeClr>
-                </a:solidFill>
-                <a:effectLst>
-                  <a:outerShdw blurRad="41275" dist="20320" dir="1800000" algn="tl" rotWithShape="0">
-                    <a:srgbClr val="000000">
-                      <a:alpha val="40000"/>
-                    </a:srgbClr>
-                  </a:outerShdw>
-                </a:effectLst>
-              </a:rPr>
-              <a:t>W</a:t>
-            </a:r>
-            <a:r>
-              <a:rPr lang="en-US" dirty="0"/>
-              <a:t> which converts into executable units </a:t>
-            </a:r>
-            <a:r>
-              <a:rPr lang="en-US" dirty="0" smtClean="0"/>
-              <a:t>(per W*) that </a:t>
-            </a:r>
-            <a:r>
-              <a:rPr lang="en-US" dirty="0"/>
-              <a:t>have performance requirements</a:t>
-            </a:r>
-          </a:p>
-          <a:p>
-            <a:pPr marL="1208088" lvl="2" indent="-342900"/>
-            <a:r>
-              <a:rPr lang="en-US" dirty="0" smtClean="0"/>
-              <a:t>Infrastructure modeled as I*, capability is exposed and federated per F*</a:t>
-            </a:r>
-          </a:p>
-          <a:p>
-            <a:pPr marL="1208088" lvl="2" indent="-342900"/>
-            <a:r>
-              <a:rPr lang="en-US" dirty="0" smtClean="0"/>
-              <a:t>I</a:t>
-            </a:r>
-            <a:r>
-              <a:rPr lang="en-US" dirty="0"/>
-              <a:t>* </a:t>
-            </a:r>
-            <a:r>
-              <a:rPr lang="en-US" dirty="0" smtClean="0"/>
-              <a:t>subject </a:t>
-            </a:r>
-            <a:r>
-              <a:rPr lang="en-US" dirty="0"/>
-              <a:t>to a transformation </a:t>
-            </a:r>
-            <a:r>
-              <a:rPr lang="en-US" b="1" dirty="0" smtClean="0">
-                <a:ln w="12700">
-                  <a:solidFill>
-                    <a:schemeClr val="tx2">
-                      <a:satMod val="155000"/>
-                    </a:schemeClr>
-                  </a:solidFill>
-                  <a:prstDash val="solid"/>
-                </a:ln>
-                <a:solidFill>
-                  <a:schemeClr val="bg2">
-                    <a:tint val="85000"/>
-                    <a:satMod val="155000"/>
-                  </a:schemeClr>
-                </a:solidFill>
-                <a:effectLst>
-                  <a:outerShdw blurRad="41275" dist="20320" dir="1800000" algn="tl" rotWithShape="0">
-                    <a:srgbClr val="000000">
-                      <a:alpha val="40000"/>
-                    </a:srgbClr>
-                  </a:outerShdw>
-                </a:effectLst>
-              </a:rPr>
-              <a:t>F </a:t>
-            </a:r>
-            <a:r>
-              <a:rPr lang="en-US" dirty="0" smtClean="0"/>
-              <a:t>(</a:t>
-            </a:r>
-            <a:r>
-              <a:rPr lang="en-US" dirty="0"/>
-              <a:t>aggregation of resources per F*</a:t>
-            </a:r>
-            <a:r>
-              <a:rPr lang="en-US" dirty="0" smtClean="0"/>
-              <a:t>) to provide a federated capability</a:t>
-            </a:r>
-            <a:endParaRPr lang="en-US" dirty="0"/>
-          </a:p>
-          <a:p>
-            <a:pPr marL="344488" indent="-342900"/>
-            <a:r>
-              <a:rPr lang="en-US" sz="2000" dirty="0" smtClean="0"/>
-              <a:t>Role of Simulation</a:t>
-            </a:r>
-          </a:p>
-          <a:p>
-            <a:pPr marL="800100" lvl="1" indent="-342900"/>
-            <a:r>
-              <a:rPr lang="en-US" sz="1800" dirty="0" smtClean="0"/>
-              <a:t>If we federate a given set of resources {I} what is the performance we expect?</a:t>
-            </a:r>
-          </a:p>
-          <a:p>
-            <a:pPr marL="800100" lvl="1" indent="-342900"/>
-            <a:r>
-              <a:rPr lang="en-US" dirty="0" smtClean="0"/>
-              <a:t>If we want a capability [C], what is the set of resources {I} we need to federate to get  this [C] with well-defined probability distribution?</a:t>
-            </a:r>
-          </a:p>
-          <a:p>
-            <a:pPr marL="800100" lvl="1" indent="-342900"/>
-            <a:r>
-              <a:rPr lang="en-US" sz="1800" dirty="0" smtClean="0"/>
-              <a:t>Given an instance of an application (model), what is the workload  independent of the underlying resources?</a:t>
-            </a:r>
-          </a:p>
-        </p:txBody>
-      </p:sp>
-    </p:spTree>
-    <p:extLst>
-      <p:ext uri="{BB962C8B-B14F-4D97-AF65-F5344CB8AC3E}">
-        <p14:creationId xmlns:p14="http://schemas.microsoft.com/office/powerpoint/2010/main" val="100327289"/>
       </p:ext>
     </p:extLst>
   </p:cSld>
@@ -7302,7 +6970,7 @@
           <a:p>
             <a:r>
               <a:rPr lang="en-US" dirty="0" smtClean="0"/>
-              <a:t>A* [Andre]</a:t>
+              <a:t>NGMW: Outline</a:t>
             </a:r>
             <a:endParaRPr lang="en-US" dirty="0"/>
           </a:p>
@@ -7310,39 +6978,421 @@
       </p:sp>
       <p:sp>
         <p:nvSpPr>
-          <p:cNvPr id="3" name="Content Placeholder 2"/>
-          <p:cNvSpPr>
-            <a:spLocks noGrp="1"/>
+          <p:cNvPr id="3" name="Shape 72"/>
+          <p:cNvSpPr txBox="1">
+            <a:spLocks/>
           </p:cNvSpPr>
-          <p:nvPr>
-            <p:ph idx="1"/>
-          </p:nvPr>
+          <p:nvPr/>
         </p:nvSpPr>
-        <p:spPr/>
+        <p:spPr bwMode="auto">
+          <a:xfrm>
+            <a:off x="282231" y="786259"/>
+            <a:ext cx="8596312" cy="5281613"/>
+          </a:xfrm>
+          <a:prstGeom prst="rect">
+            <a:avLst/>
+          </a:prstGeom>
+          <a:noFill/>
+          <a:ln>
+            <a:noFill/>
+          </a:ln>
+          <a:extLst>
+            <a:ext uri="{909E8E84-426E-40dd-AFC4-6F175D3DCCD1}">
+              <a14:hiddenFill xmlns:a14="http://schemas.microsoft.com/office/drawing/2010/main">
+                <a:solidFill>
+                  <a:srgbClr val="FFFFFF"/>
+                </a:solidFill>
+              </a14:hiddenFill>
+            </a:ext>
+            <a:ext uri="{91240B29-F687-4f45-9708-019B960494DF}">
+              <a14:hiddenLine xmlns:a14="http://schemas.microsoft.com/office/drawing/2010/main" w="9525">
+                <a:solidFill>
+                  <a:srgbClr val="000000"/>
+                </a:solidFill>
+                <a:miter lim="800000"/>
+                <a:headEnd/>
+                <a:tailEnd/>
+              </a14:hiddenLine>
+            </a:ext>
+            <a:ext uri="{FAA26D3D-D897-4be2-8F04-BA451C77F1D7}">
+              <ma14:placeholderFlag xmlns:ma14="http://schemas.microsoft.com/office/mac/drawingml/2011/main" val="1"/>
+            </a:ext>
+          </a:extLst>
+        </p:spPr>
         <p:txBody>
-          <a:bodyPr/>
-          <a:lstStyle/>
-          <a:p>
+          <a:bodyPr vert="horz" wrap="square" lIns="91425" tIns="91425" rIns="91425" bIns="91425" numCol="1" anchor="t" anchorCtr="0" compatLnSpc="1">
+            <a:prstTxWarp prst="textNoShape">
+              <a:avLst/>
+            </a:prstTxWarp>
+            <a:noAutofit/>
+          </a:bodyPr>
+          <a:lstStyle>
+            <a:lvl1pPr marL="227013" indent="-227013" algn="l" rtl="0" eaLnBrk="0" fontAlgn="base" hangingPunct="0">
+              <a:spcBef>
+                <a:spcPts val="1200"/>
+              </a:spcBef>
+              <a:spcAft>
+                <a:spcPct val="0"/>
+              </a:spcAft>
+              <a:buClr>
+                <a:schemeClr val="tx1">
+                  <a:lumMod val="95000"/>
+                  <a:lumOff val="5000"/>
+                </a:schemeClr>
+              </a:buClr>
+              <a:buChar char="•"/>
+              <a:tabLst/>
+              <a:defRPr sz="2000">
+                <a:solidFill>
+                  <a:schemeClr val="tx1">
+                    <a:lumMod val="95000"/>
+                    <a:lumOff val="5000"/>
+                  </a:schemeClr>
+                </a:solidFill>
+                <a:latin typeface="+mn-lt"/>
+                <a:ea typeface="ＭＳ Ｐゴシック" charset="-128"/>
+                <a:cs typeface="ＭＳ Ｐゴシック" charset="-128"/>
+              </a:defRPr>
+            </a:lvl1pPr>
+            <a:lvl2pPr marL="682625" indent="-225425" algn="l" rtl="0" eaLnBrk="0" fontAlgn="base" hangingPunct="0">
+              <a:spcBef>
+                <a:spcPct val="20000"/>
+              </a:spcBef>
+              <a:spcAft>
+                <a:spcPct val="0"/>
+              </a:spcAft>
+              <a:buClr>
+                <a:schemeClr val="tx1">
+                  <a:lumMod val="95000"/>
+                  <a:lumOff val="5000"/>
+                </a:schemeClr>
+              </a:buClr>
+              <a:buChar char="–"/>
+              <a:defRPr sz="1800">
+                <a:solidFill>
+                  <a:srgbClr val="5F5F5F"/>
+                </a:solidFill>
+                <a:latin typeface="+mn-lt"/>
+                <a:ea typeface="ＭＳ Ｐゴシック" charset="-128"/>
+              </a:defRPr>
+            </a:lvl2pPr>
+            <a:lvl3pPr marL="1090613" indent="-176213" algn="l" rtl="0" eaLnBrk="0" fontAlgn="base" hangingPunct="0">
+              <a:spcBef>
+                <a:spcPct val="20000"/>
+              </a:spcBef>
+              <a:spcAft>
+                <a:spcPct val="0"/>
+              </a:spcAft>
+              <a:buClr>
+                <a:schemeClr val="tx1">
+                  <a:lumMod val="95000"/>
+                  <a:lumOff val="5000"/>
+                </a:schemeClr>
+              </a:buClr>
+              <a:buChar char="•"/>
+              <a:defRPr sz="1800">
+                <a:solidFill>
+                  <a:srgbClr val="5F5F5F"/>
+                </a:solidFill>
+                <a:latin typeface="+mn-lt"/>
+                <a:ea typeface="ＭＳ Ｐゴシック" charset="-128"/>
+              </a:defRPr>
+            </a:lvl3pPr>
+            <a:lvl4pPr marL="1600200" indent="-228600" algn="l" rtl="0" eaLnBrk="0" fontAlgn="base" hangingPunct="0">
+              <a:spcBef>
+                <a:spcPct val="20000"/>
+              </a:spcBef>
+              <a:spcAft>
+                <a:spcPct val="0"/>
+              </a:spcAft>
+              <a:buClr>
+                <a:schemeClr val="tx1">
+                  <a:lumMod val="95000"/>
+                  <a:lumOff val="5000"/>
+                </a:schemeClr>
+              </a:buClr>
+              <a:buChar char="–"/>
+              <a:defRPr sz="1800">
+                <a:solidFill>
+                  <a:srgbClr val="5F5F5F"/>
+                </a:solidFill>
+                <a:latin typeface="+mn-lt"/>
+                <a:ea typeface="ＭＳ Ｐゴシック" charset="-128"/>
+              </a:defRPr>
+            </a:lvl4pPr>
+            <a:lvl5pPr marL="2000250" indent="-171450" algn="l" rtl="0" eaLnBrk="0" fontAlgn="base" hangingPunct="0">
+              <a:spcBef>
+                <a:spcPct val="20000"/>
+              </a:spcBef>
+              <a:spcAft>
+                <a:spcPct val="0"/>
+              </a:spcAft>
+              <a:buClr>
+                <a:schemeClr val="tx1">
+                  <a:lumMod val="95000"/>
+                  <a:lumOff val="5000"/>
+                </a:schemeClr>
+              </a:buClr>
+              <a:buChar char="»"/>
+              <a:defRPr sz="1800">
+                <a:solidFill>
+                  <a:srgbClr val="5F5F5F"/>
+                </a:solidFill>
+                <a:latin typeface="+mn-lt"/>
+                <a:ea typeface="ＭＳ Ｐゴシック" charset="-128"/>
+              </a:defRPr>
+            </a:lvl5pPr>
+            <a:lvl6pPr marL="2514600" indent="-228600" algn="l" rtl="0" fontAlgn="base">
+              <a:spcBef>
+                <a:spcPct val="20000"/>
+              </a:spcBef>
+              <a:spcAft>
+                <a:spcPct val="0"/>
+              </a:spcAft>
+              <a:buChar char="»"/>
+              <a:defRPr sz="1400">
+                <a:solidFill>
+                  <a:srgbClr val="5F5F5F"/>
+                </a:solidFill>
+                <a:latin typeface="+mn-lt"/>
+                <a:ea typeface="ＭＳ Ｐゴシック" charset="-128"/>
+              </a:defRPr>
+            </a:lvl6pPr>
+            <a:lvl7pPr marL="2971800" indent="-228600" algn="l" rtl="0" fontAlgn="base">
+              <a:spcBef>
+                <a:spcPct val="20000"/>
+              </a:spcBef>
+              <a:spcAft>
+                <a:spcPct val="0"/>
+              </a:spcAft>
+              <a:buChar char="»"/>
+              <a:defRPr sz="1400">
+                <a:solidFill>
+                  <a:srgbClr val="5F5F5F"/>
+                </a:solidFill>
+                <a:latin typeface="+mn-lt"/>
+                <a:ea typeface="ＭＳ Ｐゴシック" charset="-128"/>
+              </a:defRPr>
+            </a:lvl7pPr>
+            <a:lvl8pPr marL="3429000" indent="-228600" algn="l" rtl="0" fontAlgn="base">
+              <a:spcBef>
+                <a:spcPct val="20000"/>
+              </a:spcBef>
+              <a:spcAft>
+                <a:spcPct val="0"/>
+              </a:spcAft>
+              <a:buChar char="»"/>
+              <a:defRPr sz="1400">
+                <a:solidFill>
+                  <a:srgbClr val="5F5F5F"/>
+                </a:solidFill>
+                <a:latin typeface="+mn-lt"/>
+                <a:ea typeface="ＭＳ Ｐゴシック" charset="-128"/>
+              </a:defRPr>
+            </a:lvl8pPr>
+            <a:lvl9pPr marL="3886200" indent="-228600" algn="l" rtl="0" fontAlgn="base">
+              <a:spcBef>
+                <a:spcPct val="20000"/>
+              </a:spcBef>
+              <a:spcAft>
+                <a:spcPct val="0"/>
+              </a:spcAft>
+              <a:buChar char="»"/>
+              <a:defRPr sz="1400">
+                <a:solidFill>
+                  <a:srgbClr val="5F5F5F"/>
+                </a:solidFill>
+                <a:latin typeface="+mn-lt"/>
+                <a:ea typeface="ＭＳ Ｐゴシック" charset="-128"/>
+              </a:defRPr>
+            </a:lvl9pPr>
+          </a:lstStyle>
+          <a:p>
+            <a:pPr marL="344488" indent="-342900"/>
+            <a:r>
+              <a:rPr lang="en-US" dirty="0" smtClean="0"/>
+              <a:t>Interaction between Models:</a:t>
+            </a:r>
+          </a:p>
+          <a:p>
+            <a:pPr marL="800100" lvl="1" indent="-342900"/>
+            <a:r>
+              <a:rPr lang="en-US" dirty="0" smtClean="0"/>
+              <a:t>[</a:t>
+            </a:r>
             <a:r>
               <a:rPr lang="en-US" dirty="0"/>
-              <a:t>Andre: is this really a model of your emulator?</a:t>
-            </a:r>
-          </a:p>
-          <a:p>
+              <a:t>A*, W* ] and [P*, F*]</a:t>
+            </a:r>
+          </a:p>
+          <a:p>
+            <a:pPr marL="1208088" lvl="2" indent="-342900"/>
+            <a:r>
+              <a:rPr lang="en-US" dirty="0"/>
+              <a:t>Here A* is a conceptual model, and W* is an analytical model</a:t>
+            </a:r>
+          </a:p>
+          <a:p>
+            <a:pPr marL="1208088" lvl="2" indent="-342900"/>
+            <a:r>
+              <a:rPr lang="en-US" dirty="0" smtClean="0"/>
+              <a:t>A </a:t>
+            </a:r>
+            <a:r>
+              <a:rPr lang="en-US" dirty="0"/>
+              <a:t>specific instance of A*, is subject to a transformation </a:t>
+            </a:r>
+            <a:r>
+              <a:rPr lang="en-US" b="1" dirty="0">
+                <a:ln w="12700">
+                  <a:solidFill>
+                    <a:schemeClr val="tx2">
+                      <a:satMod val="155000"/>
+                    </a:schemeClr>
+                  </a:solidFill>
+                  <a:prstDash val="solid"/>
+                </a:ln>
+                <a:solidFill>
+                  <a:schemeClr val="bg2">
+                    <a:tint val="85000"/>
+                    <a:satMod val="155000"/>
+                  </a:schemeClr>
+                </a:solidFill>
+                <a:effectLst>
+                  <a:outerShdw blurRad="41275" dist="20320" dir="1800000" algn="tl" rotWithShape="0">
+                    <a:srgbClr val="000000">
+                      <a:alpha val="40000"/>
+                    </a:srgbClr>
+                  </a:outerShdw>
+                </a:effectLst>
+              </a:rPr>
+              <a:t>W</a:t>
+            </a:r>
+            <a:r>
+              <a:rPr lang="en-US" dirty="0"/>
+              <a:t> which converts into executable units </a:t>
+            </a:r>
+            <a:r>
+              <a:rPr lang="en-US" dirty="0" smtClean="0"/>
+              <a:t>(per W*) that </a:t>
+            </a:r>
+            <a:r>
+              <a:rPr lang="en-US" dirty="0"/>
+              <a:t>have performance requirements</a:t>
+            </a:r>
+          </a:p>
+          <a:p>
+            <a:pPr marL="1208088" lvl="2" indent="-342900"/>
+            <a:r>
+              <a:rPr lang="en-US" dirty="0" smtClean="0"/>
+              <a:t>Infrastructure modeled as I*, capability is exposed and federated per F*</a:t>
+            </a:r>
+          </a:p>
+          <a:p>
+            <a:pPr marL="1208088" lvl="2" indent="-342900"/>
+            <a:r>
+              <a:rPr lang="en-US" dirty="0" smtClean="0"/>
+              <a:t>I</a:t>
+            </a:r>
+            <a:r>
+              <a:rPr lang="en-US" dirty="0"/>
+              <a:t>* </a:t>
+            </a:r>
+            <a:r>
+              <a:rPr lang="en-US" dirty="0" smtClean="0"/>
+              <a:t>subject </a:t>
+            </a:r>
+            <a:r>
+              <a:rPr lang="en-US" dirty="0"/>
+              <a:t>to a transformation </a:t>
+            </a:r>
+            <a:r>
+              <a:rPr lang="en-US" b="1" dirty="0" smtClean="0">
+                <a:ln w="12700">
+                  <a:solidFill>
+                    <a:schemeClr val="tx2">
+                      <a:satMod val="155000"/>
+                    </a:schemeClr>
+                  </a:solidFill>
+                  <a:prstDash val="solid"/>
+                </a:ln>
+                <a:solidFill>
+                  <a:schemeClr val="bg2">
+                    <a:tint val="85000"/>
+                    <a:satMod val="155000"/>
+                  </a:schemeClr>
+                </a:solidFill>
+                <a:effectLst>
+                  <a:outerShdw blurRad="41275" dist="20320" dir="1800000" algn="tl" rotWithShape="0">
+                    <a:srgbClr val="000000">
+                      <a:alpha val="40000"/>
+                    </a:srgbClr>
+                  </a:outerShdw>
+                </a:effectLst>
+              </a:rPr>
+              <a:t>F </a:t>
+            </a:r>
+            <a:r>
+              <a:rPr lang="en-US" dirty="0" smtClean="0"/>
+              <a:t>(</a:t>
+            </a:r>
+            <a:r>
+              <a:rPr lang="en-US" dirty="0"/>
+              <a:t>aggregation of resources per F*</a:t>
+            </a:r>
+            <a:r>
+              <a:rPr lang="en-US" dirty="0" smtClean="0"/>
+              <a:t>) to provide a federated capability</a:t>
+            </a:r>
             <a:endParaRPr lang="en-US" dirty="0"/>
+          </a:p>
+          <a:p>
+            <a:pPr marL="344488" indent="-342900"/>
+            <a:r>
+              <a:rPr lang="en-US" sz="2000" dirty="0" smtClean="0"/>
+              <a:t>Role of Simulation</a:t>
+            </a:r>
+          </a:p>
+          <a:p>
+            <a:pPr marL="800100" lvl="1" indent="-342900"/>
+            <a:r>
+              <a:rPr lang="en-US" sz="1800" dirty="0" smtClean="0"/>
+              <a:t>If we federate a given set of resources {I} what is the performance we expect?</a:t>
+            </a:r>
+          </a:p>
+          <a:p>
+            <a:pPr marL="800100" lvl="1" indent="-342900"/>
+            <a:r>
+              <a:rPr lang="en-US" dirty="0" smtClean="0"/>
+              <a:t>If we want a capability [C], what is the set of resources {I} we need to federate to get  this [C] with well-defined probability distribution?</a:t>
+            </a:r>
+          </a:p>
+          <a:p>
+            <a:pPr marL="800100" lvl="1" indent="-342900"/>
+            <a:r>
+              <a:rPr lang="en-US" sz="1800" dirty="0" smtClean="0"/>
+              <a:t>Given an instance of an application (model), what is the workload  independent of the underlying resources?</a:t>
+            </a:r>
           </a:p>
         </p:txBody>
       </p:sp>
     </p:spTree>
     <p:extLst>
       <p:ext uri="{BB962C8B-B14F-4D97-AF65-F5344CB8AC3E}">
-        <p14:creationId xmlns:p14="http://schemas.microsoft.com/office/powerpoint/2010/main" val="844055193"/>
+        <p14:creationId xmlns:p14="http://schemas.microsoft.com/office/powerpoint/2010/main" val="100327289"/>
       </p:ext>
     </p:extLst>
   </p:cSld>
   <p:clrMapOvr>
     <a:masterClrMapping/>
   </p:clrMapOvr>
+  <p:timing>
+    <p:tnLst>
+      <p:par>
+        <p:cTn xmlns:p14="http://schemas.microsoft.com/office/powerpoint/2010/main" id="1" dur="indefinite" restart="never" nodeType="tmRoot"/>
+      </p:par>
+    </p:tnLst>
+  </p:timing>
 </p:sld>
 </file>
 
@@ -7380,7 +7430,7 @@
           <a:p>
             <a:r>
               <a:rPr lang="en-US" dirty="0" smtClean="0"/>
-              <a:t>W* [Andre]</a:t>
+              <a:t>A* [Andre]</a:t>
             </a:r>
             <a:endParaRPr lang="en-US" dirty="0"/>
           </a:p>
@@ -7402,9 +7452,11 @@
           <a:lstStyle/>
           <a:p>
             <a:r>
-              <a:rPr lang="en-US" dirty="0" smtClean="0"/>
+              <a:rPr lang="en-US" dirty="0"/>
               <a:t>Andre: is this really a model of your emulator?</a:t>
             </a:r>
+          </a:p>
+          <a:p>
             <a:endParaRPr lang="en-US" dirty="0"/>
           </a:p>
         </p:txBody>
@@ -7412,7 +7464,7 @@
     </p:spTree>
     <p:extLst>
       <p:ext uri="{BB962C8B-B14F-4D97-AF65-F5344CB8AC3E}">
-        <p14:creationId xmlns:p14="http://schemas.microsoft.com/office/powerpoint/2010/main" val="2346183925"/>
+        <p14:creationId xmlns:p14="http://schemas.microsoft.com/office/powerpoint/2010/main" val="844055193"/>
       </p:ext>
     </p:extLst>
   </p:cSld>
@@ -7456,7 +7508,7 @@
           <a:p>
             <a:r>
               <a:rPr lang="en-US" dirty="0" smtClean="0"/>
-              <a:t>P* </a:t>
+              <a:t>W* [Andre]</a:t>
             </a:r>
             <a:endParaRPr lang="en-US" dirty="0"/>
           </a:p>
@@ -7464,7 +7516,7 @@
       </p:sp>
       <p:sp>
         <p:nvSpPr>
-          <p:cNvPr id="4" name="Content Placeholder 3"/>
+          <p:cNvPr id="3" name="Content Placeholder 2"/>
           <p:cNvSpPr>
             <a:spLocks noGrp="1"/>
           </p:cNvSpPr>
@@ -7479,21 +7531,7 @@
           <a:p>
             <a:r>
               <a:rPr lang="en-US" dirty="0" smtClean="0"/>
-              <a:t>Pilot-Jobs provide an abstraction for dynamic resource management. Currently abstraction is job based, but can be extended to include network and storage as other resource elements</a:t>
-            </a:r>
-          </a:p>
-          <a:p>
-            <a:r>
-              <a:rPr lang="en-US" dirty="0" smtClean="0"/>
-              <a:t>P</a:t>
-            </a:r>
-            <a:r>
-              <a:rPr lang="en-US" dirty="0"/>
-              <a:t>* is a conceptual model for </a:t>
-            </a:r>
-            <a:r>
-              <a:rPr lang="en-US" dirty="0" smtClean="0"/>
-              <a:t>Pilot-based resource</a:t>
+              <a:t>Andre: is this really a model of your emulator?</a:t>
             </a:r>
             <a:endParaRPr lang="en-US" dirty="0"/>
           </a:p>
@@ -7502,7 +7540,7 @@
     </p:spTree>
     <p:extLst>
       <p:ext uri="{BB962C8B-B14F-4D97-AF65-F5344CB8AC3E}">
-        <p14:creationId xmlns:p14="http://schemas.microsoft.com/office/powerpoint/2010/main" val="2772051994"/>
+        <p14:creationId xmlns:p14="http://schemas.microsoft.com/office/powerpoint/2010/main" val="2346183925"/>
       </p:ext>
     </p:extLst>
   </p:cSld>
@@ -7623,8 +7661,27 @@
                   </a:schemeClr>
                 </a:solidFill>
               </a:rPr>
-              <a:t> Computing (DEC)?</a:t>
-            </a:r>
+              <a:t> Computing (DEC)</a:t>
+            </a:r>
+            <a:r>
+              <a:rPr lang="en-US" sz="1800" dirty="0" smtClean="0">
+                <a:solidFill>
+                  <a:schemeClr val="tx1">
+                    <a:lumMod val="65000"/>
+                    <a:lumOff val="35000"/>
+                  </a:schemeClr>
+                </a:solidFill>
+              </a:rPr>
+              <a:t>?</a:t>
+            </a:r>
+            <a:endParaRPr lang="en-US" dirty="0" smtClean="0">
+              <a:solidFill>
+                <a:schemeClr val="tx1">
+                  <a:lumMod val="65000"/>
+                  <a:lumOff val="35000"/>
+                </a:schemeClr>
+              </a:solidFill>
+            </a:endParaRPr>
           </a:p>
           <a:p>
             <a:pPr lvl="1">
@@ -7642,43 +7699,16 @@
                   </a:schemeClr>
                 </a:solidFill>
               </a:rPr>
-              <a:t>Explain it is complementary to traditional EC</a:t>
-            </a:r>
-          </a:p>
-          <a:p>
-            <a:pPr marL="227013" lvl="1" indent="-227013">
-              <a:spcBef>
-                <a:spcPts val="1200"/>
-              </a:spcBef>
-              <a:buClr>
-                <a:srgbClr val="000000"/>
-              </a:buClr>
-              <a:buSzPct val="100000"/>
-              <a:buFontTx/>
-              <a:buChar char="•"/>
-            </a:pPr>
-            <a:r>
-              <a:rPr lang="en-US" dirty="0">
-                <a:solidFill>
-                  <a:schemeClr val="tx1">
-                    <a:lumMod val="65000"/>
-                    <a:lumOff val="35000"/>
-                  </a:schemeClr>
-                </a:solidFill>
-              </a:rPr>
-              <a:t>The case for </a:t>
-            </a:r>
-            <a:r>
-              <a:rPr lang="en-US" dirty="0" smtClean="0">
-                <a:solidFill>
-                  <a:schemeClr val="tx1">
-                    <a:lumMod val="65000"/>
-                    <a:lumOff val="35000"/>
-                  </a:schemeClr>
-                </a:solidFill>
-              </a:rPr>
-              <a:t>NGMW: Why current approaches to DEC wont work!?</a:t>
-            </a:r>
+              <a:t>Foundational requirements for DEC</a:t>
+            </a:r>
+            <a:endParaRPr lang="en-US" dirty="0" smtClean="0">
+              <a:solidFill>
+                <a:schemeClr val="tx1">
+                  <a:lumMod val="65000"/>
+                  <a:lumOff val="35000"/>
+                </a:schemeClr>
+              </a:solidFill>
+            </a:endParaRPr>
           </a:p>
           <a:p>
             <a:pPr>
@@ -7688,7 +7718,7 @@
               <a:buSzPct val="100000"/>
             </a:pPr>
             <a:r>
-              <a:rPr lang="en-US" sz="1800" dirty="0" smtClean="0">
+              <a:rPr lang="en-US" sz="1800" dirty="0">
                 <a:solidFill>
                   <a:schemeClr val="tx1">
                     <a:lumMod val="65000"/>
@@ -7696,7 +7726,94 @@
                   </a:schemeClr>
                 </a:solidFill>
               </a:rPr>
-              <a:t>Design considerations for NGMW</a:t>
+              <a:t>The State of Extreme Scale Distributed Computing </a:t>
+            </a:r>
+            <a:endParaRPr lang="en-US" sz="1800" dirty="0" smtClean="0">
+              <a:solidFill>
+                <a:schemeClr val="tx1">
+                  <a:lumMod val="65000"/>
+                  <a:lumOff val="35000"/>
+                </a:schemeClr>
+              </a:solidFill>
+            </a:endParaRPr>
+          </a:p>
+          <a:p>
+            <a:pPr lvl="1">
+              <a:buClr>
+                <a:srgbClr val="000000"/>
+              </a:buClr>
+              <a:buSzPct val="100000"/>
+            </a:pPr>
+            <a:r>
+              <a:rPr lang="en-US" sz="1600" dirty="0">
+                <a:solidFill>
+                  <a:schemeClr val="tx1">
+                    <a:lumMod val="65000"/>
+                    <a:lumOff val="35000"/>
+                  </a:schemeClr>
+                </a:solidFill>
+              </a:rPr>
+              <a:t>Motivate </a:t>
+            </a:r>
+            <a:r>
+              <a:rPr lang="en-US" sz="1600" dirty="0" smtClean="0">
+                <a:solidFill>
+                  <a:schemeClr val="tx1">
+                    <a:lumMod val="65000"/>
+                    <a:lumOff val="35000"/>
+                  </a:schemeClr>
+                </a:solidFill>
+              </a:rPr>
+              <a:t>NGMW as a way to address DEC requirements</a:t>
+            </a:r>
+            <a:endParaRPr lang="en-US" sz="1600" dirty="0">
+              <a:solidFill>
+                <a:schemeClr val="tx1">
+                  <a:lumMod val="65000"/>
+                  <a:lumOff val="35000"/>
+                </a:schemeClr>
+              </a:solidFill>
+            </a:endParaRPr>
+          </a:p>
+          <a:p>
+            <a:pPr>
+              <a:buClr>
+                <a:srgbClr val="000000"/>
+              </a:buClr>
+              <a:buSzPct val="100000"/>
+            </a:pPr>
+            <a:r>
+              <a:rPr lang="en-US" sz="1800" dirty="0" smtClean="0">
+                <a:solidFill>
+                  <a:schemeClr val="tx1">
+                    <a:lumMod val="65000"/>
+                    <a:lumOff val="35000"/>
+                  </a:schemeClr>
+                </a:solidFill>
+              </a:rPr>
+              <a:t>Design </a:t>
+            </a:r>
+            <a:r>
+              <a:rPr lang="en-US" sz="1800" dirty="0" smtClean="0">
+                <a:solidFill>
+                  <a:schemeClr val="tx1">
+                    <a:lumMod val="65000"/>
+                    <a:lumOff val="35000"/>
+                  </a:schemeClr>
+                </a:solidFill>
+              </a:rPr>
+              <a:t>considerations for </a:t>
+            </a:r>
+            <a:r>
+              <a:rPr lang="en-US" sz="1800" dirty="0" smtClean="0">
+                <a:solidFill>
+                  <a:schemeClr val="tx1">
+                    <a:lumMod val="65000"/>
+                    <a:lumOff val="35000"/>
+                  </a:schemeClr>
+                </a:solidFill>
+              </a:rPr>
+              <a:t>NGMW</a:t>
             </a:r>
             <a:endParaRPr lang="en-US" sz="1800" dirty="0">
               <a:solidFill>
@@ -7708,16 +7825,120 @@
             </a:endParaRPr>
           </a:p>
           <a:p>
+            <a:pPr>
+              <a:buClr>
+                <a:srgbClr val="000000"/>
+              </a:buClr>
+              <a:buSzPct val="100000"/>
+            </a:pPr>
+            <a:r>
+              <a:rPr lang="en-US" sz="1800" dirty="0" smtClean="0">
+                <a:solidFill>
+                  <a:schemeClr val="tx1">
+                    <a:lumMod val="65000"/>
+                    <a:lumOff val="35000"/>
+                  </a:schemeClr>
+                </a:solidFill>
+              </a:rPr>
+              <a:t>Proposed Architecture </a:t>
+            </a:r>
+            <a:r>
+              <a:rPr lang="en-US" sz="1800" dirty="0" smtClean="0">
+                <a:solidFill>
+                  <a:schemeClr val="tx1">
+                    <a:lumMod val="65000"/>
+                    <a:lumOff val="35000"/>
+                  </a:schemeClr>
+                </a:solidFill>
+              </a:rPr>
+              <a:t>for NGMW</a:t>
+            </a:r>
+          </a:p>
+          <a:p>
+            <a:pPr marL="1208088" lvl="2" indent="-342900">
+              <a:buClr>
+                <a:srgbClr val="000000"/>
+              </a:buClr>
+              <a:buSzPct val="100000"/>
+            </a:pPr>
+            <a:r>
+              <a:rPr lang="en-US" dirty="0" smtClean="0">
+                <a:solidFill>
+                  <a:schemeClr val="tx1">
+                    <a:lumMod val="65000"/>
+                    <a:lumOff val="35000"/>
+                  </a:schemeClr>
+                </a:solidFill>
+              </a:rPr>
+              <a:t>Adaptive Application: A*, W*</a:t>
+            </a:r>
+          </a:p>
+          <a:p>
+            <a:pPr marL="1208088" lvl="2" indent="-342900">
+              <a:buClr>
+                <a:srgbClr val="000000"/>
+              </a:buClr>
+              <a:buSzPct val="100000"/>
+            </a:pPr>
+            <a:r>
+              <a:rPr lang="en-US" dirty="0" smtClean="0">
+                <a:solidFill>
+                  <a:schemeClr val="tx1">
+                    <a:lumMod val="65000"/>
+                    <a:lumOff val="35000"/>
+                  </a:schemeClr>
+                </a:solidFill>
+              </a:rPr>
+              <a:t>Dynamic Resources/Infrastructure: P*, I*</a:t>
+            </a:r>
+          </a:p>
+          <a:p>
+            <a:pPr marL="1208088" lvl="2" indent="-342900">
+              <a:buClr>
+                <a:srgbClr val="000000"/>
+              </a:buClr>
+              <a:buSzPct val="100000"/>
+            </a:pPr>
+            <a:r>
+              <a:rPr lang="en-US" dirty="0" smtClean="0">
+                <a:solidFill>
+                  <a:schemeClr val="tx1">
+                    <a:lumMod val="65000"/>
+                    <a:lumOff val="35000"/>
+                  </a:schemeClr>
+                </a:solidFill>
+              </a:rPr>
+              <a:t>Federation of Infrastructure F*</a:t>
+            </a:r>
+          </a:p>
+          <a:p>
+            <a:pPr marL="344488" indent="-342900">
+              <a:buClr>
+                <a:srgbClr val="000000"/>
+              </a:buClr>
+              <a:buSzPct val="100000"/>
+            </a:pPr>
+            <a:r>
+              <a:rPr lang="en-US" sz="1800" dirty="0" smtClean="0">
+                <a:solidFill>
+                  <a:schemeClr val="tx1">
+                    <a:lumMod val="65000"/>
+                    <a:lumOff val="35000"/>
+                  </a:schemeClr>
+                </a:solidFill>
+              </a:rPr>
+              <a:t>Role of Modeling and Simulation</a:t>
+            </a:r>
+          </a:p>
+          <a:p>
             <a:pPr marL="800100" lvl="1" indent="-342900">
               <a:buClr>
                 <a:srgbClr val="000000"/>
               </a:buClr>
               <a:buSzPct val="100000"/>
-              <a:buFont typeface="+mj-lt"/>
-              <a:buAutoNum type="arabicPeriod"/>
-            </a:pPr>
-            <a:r>
-              <a:rPr lang="en-US" dirty="0">
+            </a:pPr>
+            <a:r>
+              <a:rPr lang="en-US" dirty="0" smtClean="0">
                 <a:solidFill>
                   <a:schemeClr val="tx1">
                     <a:lumMod val="65000"/>
@@ -7725,7 +7946,18 @@
                   </a:schemeClr>
                 </a:solidFill>
               </a:rPr>
-              <a:t>Capability Based </a:t>
+              <a:t>Challenges in </a:t>
+            </a:r>
+            <a:r>
+              <a:rPr lang="en-US" dirty="0" err="1" smtClean="0">
+                <a:solidFill>
+                  <a:schemeClr val="tx1">
+                    <a:lumMod val="65000"/>
+                    <a:lumOff val="35000"/>
+                  </a:schemeClr>
+                </a:solidFill>
+              </a:rPr>
+              <a:t>ModSim</a:t>
             </a:r>
             <a:endParaRPr lang="en-US" dirty="0" smtClean="0">
               <a:solidFill>
@@ -7742,8 +7974,6 @@
                 <a:srgbClr val="000000"/>
               </a:buClr>
               <a:buSzPct val="100000"/>
-              <a:buFont typeface="+mj-lt"/>
-              <a:buAutoNum type="arabicPeriod"/>
             </a:pPr>
             <a:r>
               <a:rPr lang="en-US" dirty="0" smtClean="0">
@@ -7754,26 +7984,8 @@
                   </a:schemeClr>
                 </a:solidFill>
               </a:rPr>
-              <a:t>Abstracted data logic (representation, distribution, scheduling, placement) that captures application-semantics yet is not application-specific</a:t>
-            </a:r>
-            <a:endParaRPr lang="en-US" dirty="0">
-              <a:solidFill>
-                <a:schemeClr val="tx1">
-                  <a:lumMod val="65000"/>
-                  <a:lumOff val="35000"/>
-                </a:schemeClr>
-              </a:solidFill>
-            </a:endParaRPr>
-          </a:p>
-          <a:p>
-            <a:pPr marL="800100" lvl="1" indent="-342900">
-              <a:buClr>
-                <a:srgbClr val="000000"/>
-              </a:buClr>
-              <a:buSzPct val="100000"/>
-              <a:buFont typeface="+mj-lt"/>
-              <a:buAutoNum type="arabicPeriod"/>
-            </a:pPr>
+              <a:t>Other </a:t>
+            </a:r>
             <a:r>
               <a:rPr lang="en-US" dirty="0" smtClean="0">
                 <a:solidFill>
@@ -7783,159 +7995,7 @@
                   </a:schemeClr>
                 </a:solidFill>
               </a:rPr>
-              <a:t>Integrated for Adaptive Applications and Dynamic Resource Management</a:t>
-            </a:r>
-          </a:p>
-          <a:p>
-            <a:pPr marL="344488" indent="-342900">
-              <a:buClr>
-                <a:srgbClr val="000000"/>
-              </a:buClr>
-              <a:buSzPct val="100000"/>
-            </a:pPr>
-            <a:r>
-              <a:rPr lang="en-US" sz="1800" dirty="0" smtClean="0">
-                <a:solidFill>
-                  <a:schemeClr val="tx1">
-                    <a:lumMod val="65000"/>
-                    <a:lumOff val="35000"/>
-                  </a:schemeClr>
-                </a:solidFill>
-              </a:rPr>
-              <a:t>Schematic/Outline for NGMW</a:t>
-            </a:r>
-          </a:p>
-          <a:p>
-            <a:pPr marL="1208088" lvl="2" indent="-342900">
-              <a:buClr>
-                <a:srgbClr val="000000"/>
-              </a:buClr>
-              <a:buSzPct val="100000"/>
-            </a:pPr>
-            <a:r>
-              <a:rPr lang="en-US" dirty="0" smtClean="0">
-                <a:solidFill>
-                  <a:schemeClr val="tx1">
-                    <a:lumMod val="65000"/>
-                    <a:lumOff val="35000"/>
-                  </a:schemeClr>
-                </a:solidFill>
-              </a:rPr>
-              <a:t>Adaptive Application: A*, W*</a:t>
-            </a:r>
-          </a:p>
-          <a:p>
-            <a:pPr marL="1208088" lvl="2" indent="-342900">
-              <a:buClr>
-                <a:srgbClr val="000000"/>
-              </a:buClr>
-              <a:buSzPct val="100000"/>
-            </a:pPr>
-            <a:r>
-              <a:rPr lang="en-US" dirty="0" smtClean="0">
-                <a:solidFill>
-                  <a:schemeClr val="tx1">
-                    <a:lumMod val="65000"/>
-                    <a:lumOff val="35000"/>
-                  </a:schemeClr>
-                </a:solidFill>
-              </a:rPr>
-              <a:t>Dynamic Resources/Infrastructure: P*, I*</a:t>
-            </a:r>
-          </a:p>
-          <a:p>
-            <a:pPr marL="1208088" lvl="2" indent="-342900">
-              <a:buClr>
-                <a:srgbClr val="000000"/>
-              </a:buClr>
-              <a:buSzPct val="100000"/>
-            </a:pPr>
-            <a:r>
-              <a:rPr lang="en-US" dirty="0" smtClean="0">
-                <a:solidFill>
-                  <a:schemeClr val="tx1">
-                    <a:lumMod val="65000"/>
-                    <a:lumOff val="35000"/>
-                  </a:schemeClr>
-                </a:solidFill>
-              </a:rPr>
-              <a:t>Federation of Infrastructure F*</a:t>
-            </a:r>
-          </a:p>
-          <a:p>
-            <a:pPr marL="344488" indent="-342900">
-              <a:buClr>
-                <a:srgbClr val="000000"/>
-              </a:buClr>
-              <a:buSzPct val="100000"/>
-            </a:pPr>
-            <a:r>
-              <a:rPr lang="en-US" sz="1800" dirty="0" smtClean="0">
-                <a:solidFill>
-                  <a:schemeClr val="tx1">
-                    <a:lumMod val="65000"/>
-                    <a:lumOff val="35000"/>
-                  </a:schemeClr>
-                </a:solidFill>
-              </a:rPr>
-              <a:t>Research Agenda</a:t>
-            </a:r>
-          </a:p>
-          <a:p>
-            <a:pPr marL="800100" lvl="1" indent="-342900">
-              <a:buClr>
-                <a:srgbClr val="000000"/>
-              </a:buClr>
-              <a:buSzPct val="100000"/>
-            </a:pPr>
-            <a:r>
-              <a:rPr lang="en-US" dirty="0" smtClean="0">
-                <a:solidFill>
-                  <a:schemeClr val="tx1">
-                    <a:lumMod val="65000"/>
-                    <a:lumOff val="35000"/>
-                  </a:schemeClr>
-                </a:solidFill>
-              </a:rPr>
-              <a:t>Challenges in </a:t>
-            </a:r>
-            <a:r>
-              <a:rPr lang="en-US" dirty="0" err="1" smtClean="0">
-                <a:solidFill>
-                  <a:schemeClr val="tx1">
-                    <a:lumMod val="65000"/>
-                    <a:lumOff val="35000"/>
-                  </a:schemeClr>
-                </a:solidFill>
-              </a:rPr>
-              <a:t>ModSim</a:t>
-            </a:r>
-            <a:endParaRPr lang="en-US" dirty="0" smtClean="0">
-              <a:solidFill>
-                <a:schemeClr val="tx1">
-                  <a:lumMod val="65000"/>
-                  <a:lumOff val="35000"/>
-                </a:schemeClr>
-              </a:solidFill>
-            </a:endParaRPr>
-          </a:p>
-          <a:p>
-            <a:pPr marL="800100" lvl="1" indent="-342900">
-              <a:buClr>
-                <a:srgbClr val="000000"/>
-              </a:buClr>
-              <a:buSzPct val="100000"/>
-            </a:pPr>
-            <a:r>
-              <a:rPr lang="en-US" dirty="0" smtClean="0">
-                <a:solidFill>
-                  <a:schemeClr val="tx1">
-                    <a:lumMod val="65000"/>
-                    <a:lumOff val="35000"/>
-                  </a:schemeClr>
-                </a:solidFill>
-              </a:rPr>
-              <a:t>Other Challenges in NGMW</a:t>
+              <a:t>Challenges in NGMW</a:t>
             </a:r>
           </a:p>
         </p:txBody>
@@ -7992,6 +8052,96 @@
           <a:p>
             <a:r>
               <a:rPr lang="en-US" dirty="0" smtClean="0"/>
+              <a:t>P* </a:t>
+            </a:r>
+            <a:endParaRPr lang="en-US" dirty="0"/>
+          </a:p>
+        </p:txBody>
+      </p:sp>
+      <p:sp>
+        <p:nvSpPr>
+          <p:cNvPr id="4" name="Content Placeholder 3"/>
+          <p:cNvSpPr>
+            <a:spLocks noGrp="1"/>
+          </p:cNvSpPr>
+          <p:nvPr>
+            <p:ph idx="1"/>
+          </p:nvPr>
+        </p:nvSpPr>
+        <p:spPr/>
+        <p:txBody>
+          <a:bodyPr/>
+          <a:lstStyle/>
+          <a:p>
+            <a:r>
+              <a:rPr lang="en-US" dirty="0" smtClean="0"/>
+              <a:t>Pilot-Jobs provide an abstraction for dynamic resource management. Currently abstraction is job based, but can be extended to include network and storage as other resource elements</a:t>
+            </a:r>
+          </a:p>
+          <a:p>
+            <a:r>
+              <a:rPr lang="en-US" dirty="0" smtClean="0"/>
+              <a:t>P</a:t>
+            </a:r>
+            <a:r>
+              <a:rPr lang="en-US" dirty="0"/>
+              <a:t>* is a conceptual model for </a:t>
+            </a:r>
+            <a:r>
+              <a:rPr lang="en-US" dirty="0" smtClean="0"/>
+              <a:t>Pilot-based resource</a:t>
+            </a:r>
+            <a:endParaRPr lang="en-US" dirty="0"/>
+          </a:p>
+        </p:txBody>
+      </p:sp>
+    </p:spTree>
+    <p:extLst>
+      <p:ext uri="{BB962C8B-B14F-4D97-AF65-F5344CB8AC3E}">
+        <p14:creationId xmlns:p14="http://schemas.microsoft.com/office/powerpoint/2010/main" val="2772051994"/>
+      </p:ext>
+    </p:extLst>
+  </p:cSld>
+  <p:clrMapOvr>
+    <a:masterClrMapping/>
+  </p:clrMapOvr>
+</p:sld>
+</file>
+
+<file path=ppt/slides/slide21.xml><?xml version="1.0" encoding="utf-8"?>
+<p:sld xmlns:a="http://schemas.openxmlformats.org/drawingml/2006/main" xmlns:r="http://schemas.openxmlformats.org/officeDocument/2006/relationships" xmlns:p="http://schemas.openxmlformats.org/presentationml/2006/main">
+  <p:cSld>
+    <p:spTree>
+      <p:nvGrpSpPr>
+        <p:cNvPr id="1" name=""/>
+        <p:cNvGrpSpPr/>
+        <p:nvPr/>
+      </p:nvGrpSpPr>
+      <p:grpSpPr>
+        <a:xfrm>
+          <a:off x="0" y="0"/>
+          <a:ext cx="0" cy="0"/>
+          <a:chOff x="0" y="0"/>
+          <a:chExt cx="0" cy="0"/>
+        </a:xfrm>
+      </p:grpSpPr>
+      <p:sp>
+        <p:nvSpPr>
+          <p:cNvPr id="2" name="Title 1"/>
+          <p:cNvSpPr>
+            <a:spLocks noGrp="1"/>
+          </p:cNvSpPr>
+          <p:nvPr>
+            <p:ph type="title"/>
+          </p:nvPr>
+        </p:nvSpPr>
+        <p:spPr/>
+        <p:txBody>
+          <a:bodyPr/>
+          <a:lstStyle/>
+          <a:p>
+            <a:r>
+              <a:rPr lang="en-US" dirty="0" smtClean="0"/>
               <a:t>I*  ]</a:t>
             </a:r>
             <a:endParaRPr lang="en-US" dirty="0"/>
@@ -8171,7 +8321,7 @@
 </p:sld>
 </file>
 
-<file path=ppt/slides/slide21.xml><?xml version="1.0" encoding="utf-8"?>
+<file path=ppt/slides/slide22.xml><?xml version="1.0" encoding="utf-8"?>
 <p:sld xmlns:a="http://schemas.openxmlformats.org/drawingml/2006/main" xmlns:r="http://schemas.openxmlformats.org/officeDocument/2006/relationships" xmlns:p="http://schemas.openxmlformats.org/presentationml/2006/main">
   <p:cSld>
     <p:spTree>
@@ -8509,7 +8659,7 @@
 </p:sld>
 </file>
 
-<file path=ppt/slides/slide22.xml><?xml version="1.0" encoding="utf-8"?>
+<file path=ppt/slides/slide23.xml><?xml version="1.0" encoding="utf-8"?>
 <p:sld xmlns:a="http://schemas.openxmlformats.org/drawingml/2006/main" xmlns:r="http://schemas.openxmlformats.org/officeDocument/2006/relationships" xmlns:p="http://schemas.openxmlformats.org/presentationml/2006/main">
   <p:cSld>
     <p:spTree>
@@ -8595,7 +8745,7 @@
 </p:sld>
 </file>
 
-<file path=ppt/slides/slide23.xml><?xml version="1.0" encoding="utf-8"?>
+<file path=ppt/slides/slide24.xml><?xml version="1.0" encoding="utf-8"?>
 <p:sld xmlns:a="http://schemas.openxmlformats.org/drawingml/2006/main" xmlns:r="http://schemas.openxmlformats.org/officeDocument/2006/relationships" xmlns:p="http://schemas.openxmlformats.org/presentationml/2006/main">
   <p:cSld>
     <p:spTree>
@@ -8673,7 +8823,7 @@
 </p:sld>
 </file>
 
-<file path=ppt/slides/slide24.xml><?xml version="1.0" encoding="utf-8"?>
+<file path=ppt/slides/slide25.xml><?xml version="1.0" encoding="utf-8"?>
 <p:sld xmlns:a="http://schemas.openxmlformats.org/drawingml/2006/main" xmlns:r="http://schemas.openxmlformats.org/officeDocument/2006/relationships" xmlns:p="http://schemas.openxmlformats.org/presentationml/2006/main">
   <p:cSld>
     <p:spTree>
@@ -8933,7 +9083,7 @@
 </p:sld>
 </file>
 
-<file path=ppt/slides/slide25.xml><?xml version="1.0" encoding="utf-8"?>
+<file path=ppt/slides/slide26.xml><?xml version="1.0" encoding="utf-8"?>
 <p:sld xmlns:a="http://schemas.openxmlformats.org/drawingml/2006/main" xmlns:r="http://schemas.openxmlformats.org/officeDocument/2006/relationships" xmlns:p="http://schemas.openxmlformats.org/presentationml/2006/main">
   <p:cSld>
     <p:spTree>
@@ -9123,7 +9273,7 @@
 </p:sld>
 </file>
 
-<file path=ppt/slides/slide26.xml><?xml version="1.0" encoding="utf-8"?>
+<file path=ppt/slides/slide27.xml><?xml version="1.0" encoding="utf-8"?>
 <p:sld xmlns:a="http://schemas.openxmlformats.org/drawingml/2006/main" xmlns:r="http://schemas.openxmlformats.org/officeDocument/2006/relationships" xmlns:p="http://schemas.openxmlformats.org/presentationml/2006/main" show="0">
   <p:cSld>
     <p:spTree>
@@ -9546,7 +9696,7 @@
 </p:sld>
 </file>
 
-<file path=ppt/slides/slide27.xml><?xml version="1.0" encoding="utf-8"?>
+<file path=ppt/slides/slide28.xml><?xml version="1.0" encoding="utf-8"?>
 <p:sld xmlns:a="http://schemas.openxmlformats.org/drawingml/2006/main" xmlns:r="http://schemas.openxmlformats.org/officeDocument/2006/relationships" xmlns:p="http://schemas.openxmlformats.org/presentationml/2006/main" show="0">
   <p:cSld>
     <p:spTree>
@@ -10021,7 +10171,6 @@
               <a:rPr lang="en-US" dirty="0" smtClean="0"/>
               <a:t> of data</a:t>
             </a:r>
-            <a:endParaRPr lang="en-US" dirty="0" smtClean="0"/>
           </a:p>
           <a:p>
             <a:pPr lvl="1"/>
@@ -10053,7 +10202,7 @@
   <p:cSld>
     <p:spTree>
       <p:nvGrpSpPr>
-        <p:cNvPr id="1" name="Shape 28"/>
+        <p:cNvPr id="1" name=""/>
         <p:cNvGrpSpPr/>
         <p:nvPr/>
       </p:nvGrpSpPr>
@@ -10067,323 +10216,148 @@
       </p:grpSpPr>
       <p:sp>
         <p:nvSpPr>
-          <p:cNvPr id="29" name="Shape 29"/>
-          <p:cNvSpPr txBox="1">
+          <p:cNvPr id="2" name="Title 1"/>
+          <p:cNvSpPr>
             <a:spLocks noGrp="1"/>
           </p:cNvSpPr>
           <p:nvPr>
             <p:ph type="title"/>
           </p:nvPr>
         </p:nvSpPr>
-        <p:spPr>
-          <a:prstGeom prst="rect">
-            <a:avLst/>
-          </a:prstGeom>
-        </p:spPr>
+        <p:spPr/>
         <p:txBody>
-          <a:bodyPr lIns="91425" tIns="91425" rIns="91425" bIns="91425" anchor="t" anchorCtr="0">
-            <a:noAutofit/>
-          </a:bodyPr>
+          <a:bodyPr/>
           <a:lstStyle/>
           <a:p>
-            <a:pPr algn="just"/>
-            <a:r>
-              <a:rPr lang="en" dirty="0" smtClean="0"/>
-              <a:t>Distributed </a:t>
-            </a:r>
-            <a:r>
-              <a:rPr lang="en" dirty="0"/>
-              <a:t>Computing </a:t>
-            </a:r>
             <a:r>
               <a:rPr lang="en-US" dirty="0" smtClean="0"/>
-              <a:t>in </a:t>
-            </a:r>
-            <a:r>
-              <a:rPr lang="en" dirty="0" smtClean="0"/>
-              <a:t>2013</a:t>
-            </a:r>
-            <a:endParaRPr lang="en" dirty="0"/>
+              <a:t>DEC </a:t>
+            </a:r>
+            <a:r>
+              <a:rPr lang="en-US" dirty="0" err="1" smtClean="0"/>
+              <a:t>vs</a:t>
+            </a:r>
+            <a:r>
+              <a:rPr lang="en-US" dirty="0" smtClean="0"/>
+              <a:t> Traditional EC</a:t>
+            </a:r>
+            <a:endParaRPr lang="en-US" dirty="0"/>
           </a:p>
         </p:txBody>
       </p:sp>
       <p:sp>
         <p:nvSpPr>
-          <p:cNvPr id="30" name="Shape 30"/>
-          <p:cNvSpPr txBox="1">
+          <p:cNvPr id="3" name="Content Placeholder 2"/>
+          <p:cNvSpPr>
             <a:spLocks noGrp="1"/>
           </p:cNvSpPr>
           <p:nvPr>
-            <p:ph idx="4294967295"/>
+            <p:ph idx="1"/>
           </p:nvPr>
         </p:nvSpPr>
-        <p:spPr>
-          <a:xfrm>
-            <a:off x="407988" y="808038"/>
-            <a:ext cx="8348328" cy="5268912"/>
-          </a:xfrm>
-          <a:prstGeom prst="rect">
-            <a:avLst/>
-          </a:prstGeom>
-        </p:spPr>
+        <p:spPr/>
         <p:txBody>
-          <a:bodyPr lIns="91425" tIns="91425" rIns="91425" bIns="91425" anchor="t" anchorCtr="0">
-            <a:noAutofit/>
-          </a:bodyPr>
+          <a:bodyPr/>
           <a:lstStyle/>
           <a:p>
-            <a:pPr marL="227013" lvl="1" indent="-227013">
+            <a:pPr marL="344488" indent="-342900">
               <a:lnSpc>
                 <a:spcPct val="90000"/>
               </a:lnSpc>
-              <a:spcBef>
-                <a:spcPts val="1200"/>
-              </a:spcBef>
-            </a:pPr>
-            <a:r>
-              <a:rPr lang="en-US" sz="2000" dirty="0" smtClean="0"/>
-              <a:t>First </a:t>
-            </a:r>
-            <a:r>
-              <a:rPr lang="en-US" sz="2000" dirty="0" smtClean="0"/>
-              <a:t>Generation of DC characterized by “</a:t>
-            </a:r>
-            <a:r>
-              <a:rPr lang="en-US" sz="2000" dirty="0" err="1" smtClean="0"/>
-              <a:t>glueing</a:t>
-            </a:r>
-            <a:r>
-              <a:rPr lang="en-US" sz="2000" dirty="0" smtClean="0"/>
-              <a:t> it” together</a:t>
-            </a:r>
-          </a:p>
-          <a:p>
-            <a:pPr marL="227013" lvl="1" indent="-227013">
+            </a:pPr>
+            <a:r>
+              <a:rPr lang="en-US" dirty="0" smtClean="0">
+                <a:latin typeface="Arial" charset="0"/>
+                <a:ea typeface="ＭＳ Ｐゴシック" charset="0"/>
+                <a:cs typeface="ＭＳ Ｐゴシック" charset="0"/>
+              </a:rPr>
+              <a:t>Application structure simple, infrastructural requirements difficult</a:t>
+            </a:r>
+          </a:p>
+          <a:p>
+            <a:pPr marL="344488" indent="-342900">
               <a:lnSpc>
                 <a:spcPct val="90000"/>
               </a:lnSpc>
-              <a:spcBef>
-                <a:spcPts val="1200"/>
-              </a:spcBef>
-            </a:pPr>
-            <a:r>
-              <a:rPr lang="en-US" sz="2000" dirty="0" smtClean="0">
+            </a:pPr>
+            <a:r>
+              <a:rPr lang="en-US" dirty="0" smtClean="0">
                 <a:latin typeface="Arial" charset="0"/>
                 <a:ea typeface="ＭＳ Ｐゴシック" charset="0"/>
-              </a:rPr>
-              <a:t>Many </a:t>
-            </a:r>
+                <a:cs typeface="ＭＳ Ｐゴシック" charset="0"/>
+              </a:rPr>
+              <a:t>Explains why DCI </a:t>
+            </a:r>
+            <a:r>
+              <a:rPr lang="en-US" dirty="0">
+                <a:latin typeface="Arial" charset="0"/>
+                <a:ea typeface="ＭＳ Ｐゴシック" charset="0"/>
+                <a:cs typeface="ＭＳ Ｐゴシック" charset="0"/>
+              </a:rPr>
+              <a:t>software environment is complex and fragile</a:t>
+            </a:r>
+          </a:p>
+          <a:p>
+            <a:pPr lvl="1">
+              <a:lnSpc>
+                <a:spcPct val="90000"/>
+              </a:lnSpc>
+            </a:pPr>
             <a:r>
               <a:rPr lang="en-US" sz="2000" dirty="0">
                 <a:latin typeface="Arial" charset="0"/>
                 <a:ea typeface="ＭＳ Ｐゴシック" charset="0"/>
               </a:rPr>
-              <a:t>local solutions, lack of end-to-solutions</a:t>
-            </a:r>
-            <a:endParaRPr lang="en-US" sz="2000" dirty="0"/>
-          </a:p>
-          <a:p>
-            <a:pPr marL="1144588" lvl="3" indent="-227013">
+              <a:t>Middleware functionality and semantics</a:t>
+            </a:r>
+          </a:p>
+          <a:p>
+            <a:pPr lvl="1">
               <a:lnSpc>
                 <a:spcPct val="90000"/>
               </a:lnSpc>
-              <a:spcBef>
-                <a:spcPts val="1200"/>
-              </a:spcBef>
-            </a:pPr>
-            <a:r>
-              <a:rPr lang="en-US" sz="2000" dirty="0"/>
-              <a:t>Scaling remains difficult for </a:t>
-            </a:r>
-            <a:r>
-              <a:rPr lang="en-US" sz="2000" i="1" dirty="0"/>
-              <a:t>individual</a:t>
-            </a:r>
-            <a:r>
-              <a:rPr lang="en-US" sz="2000" dirty="0"/>
-              <a:t> scientists </a:t>
-            </a:r>
-          </a:p>
-          <a:p>
-            <a:pPr marL="1144588" lvl="3" indent="-227013">
+            </a:pPr>
+            <a:r>
+              <a:rPr lang="en-US" sz="2000" dirty="0">
+                <a:latin typeface="Arial" charset="0"/>
+                <a:ea typeface="ＭＳ Ｐゴシック" charset="0"/>
+              </a:rPr>
+              <a:t>Heterogeneous software and system access layers</a:t>
+            </a:r>
+          </a:p>
+          <a:p>
+            <a:pPr lvl="1">
               <a:lnSpc>
                 <a:spcPct val="90000"/>
               </a:lnSpc>
-              <a:spcBef>
-                <a:spcPts val="1200"/>
-              </a:spcBef>
-            </a:pPr>
-            <a:r>
-              <a:rPr lang="en-US" sz="2000" dirty="0"/>
-              <a:t>O(10</a:t>
-            </a:r>
-            <a:r>
-              <a:rPr lang="en-US" sz="2000" baseline="30000" dirty="0"/>
-              <a:t>-2</a:t>
-            </a:r>
-            <a:r>
-              <a:rPr lang="en-US" sz="2000" dirty="0"/>
-              <a:t>) can do O(100) tasks each of O(10GB) over O(10) </a:t>
-            </a:r>
-            <a:r>
-              <a:rPr lang="en-US" sz="2000" dirty="0" smtClean="0"/>
-              <a:t>nodes</a:t>
-            </a:r>
-            <a:endParaRPr lang="en-US" sz="2000" dirty="0"/>
-          </a:p>
-          <a:p>
-            <a:pPr marL="227013" lvl="1" indent="-227013">
-              <a:lnSpc>
-                <a:spcPct val="90000"/>
-              </a:lnSpc>
-              <a:spcBef>
-                <a:spcPts val="1200"/>
-              </a:spcBef>
-            </a:pPr>
-            <a:r>
-              <a:rPr lang="en-US" sz="2000" dirty="0" smtClean="0">
-                <a:latin typeface="Arial" charset="0"/>
-                <a:ea typeface="ＭＳ Ｐゴシック" charset="0"/>
-              </a:rPr>
-              <a:t>We are still learning how to a</a:t>
-            </a:r>
+            </a:pPr>
             <a:r>
               <a:rPr lang="en-US" sz="2000" dirty="0">
                 <a:latin typeface="Arial" charset="0"/>
                 <a:ea typeface="ＭＳ Ｐゴシック" charset="0"/>
               </a:rPr>
-              <a:t>rchitect </a:t>
-            </a:r>
-            <a:r>
-              <a:rPr lang="en-US" sz="2000" dirty="0" smtClean="0">
-                <a:latin typeface="Arial" charset="0"/>
-                <a:ea typeface="ＭＳ Ｐゴシック" charset="0"/>
-              </a:rPr>
-              <a:t>large</a:t>
-            </a:r>
-            <a:r>
-              <a:rPr lang="en-US" sz="2000" dirty="0">
-                <a:latin typeface="Arial" charset="0"/>
-                <a:ea typeface="ＭＳ Ｐゴシック" charset="0"/>
-              </a:rPr>
-              <a:t>-scale </a:t>
-            </a:r>
-            <a:r>
-              <a:rPr lang="en-US" sz="2000" dirty="0" smtClean="0">
-                <a:latin typeface="Arial" charset="0"/>
-                <a:ea typeface="ＭＳ Ｐゴシック" charset="0"/>
-              </a:rPr>
-              <a:t>systems</a:t>
-            </a:r>
-          </a:p>
-          <a:p>
-            <a:pPr marL="635001" lvl="2" indent="-227013">
-              <a:lnSpc>
-                <a:spcPct val="90000"/>
-              </a:lnSpc>
-              <a:spcBef>
-                <a:spcPts val="1200"/>
-              </a:spcBef>
-            </a:pPr>
-            <a:r>
-              <a:rPr lang="en-US" sz="2000" dirty="0" smtClean="0">
-                <a:latin typeface="Arial" charset="0"/>
-                <a:ea typeface="ＭＳ Ｐゴシック" charset="0"/>
-              </a:rPr>
-              <a:t>Macroscopic </a:t>
-            </a:r>
-            <a:r>
-              <a:rPr lang="en-US" sz="2000" dirty="0" err="1" smtClean="0">
-                <a:latin typeface="Arial" charset="0"/>
-                <a:ea typeface="ＭＳ Ｐゴシック" charset="0"/>
-              </a:rPr>
-              <a:t>vs</a:t>
-            </a:r>
-            <a:r>
-              <a:rPr lang="en-US" sz="2000" dirty="0" smtClean="0">
-                <a:latin typeface="Arial" charset="0"/>
-                <a:ea typeface="ＭＳ Ｐゴシック" charset="0"/>
-              </a:rPr>
-              <a:t> microscopic theory of distributed systems</a:t>
-            </a:r>
-            <a:r>
-              <a:rPr lang="en-US" sz="2000" dirty="0" smtClean="0">
-                <a:latin typeface="Arial" charset="0"/>
-                <a:ea typeface="ＭＳ Ｐゴシック" charset="0"/>
-              </a:rPr>
-              <a:t>!</a:t>
-            </a:r>
-          </a:p>
-          <a:p>
-            <a:pPr marL="227013" lvl="1" indent="-227013">
-              <a:lnSpc>
-                <a:spcPct val="90000"/>
-              </a:lnSpc>
-              <a:spcBef>
-                <a:spcPts val="1200"/>
-              </a:spcBef>
-            </a:pPr>
-            <a:r>
-              <a:rPr lang="en-US" sz="2000" dirty="0">
-                <a:latin typeface="Arial" charset="0"/>
-                <a:ea typeface="ＭＳ Ｐゴシック" charset="0"/>
-              </a:rPr>
-              <a:t>Given a general workload there is an inability to estimate how long a workload will take? And where to execute? </a:t>
-            </a:r>
-          </a:p>
-          <a:p>
-            <a:pPr marL="1144588" lvl="3" indent="-227013">
-              <a:lnSpc>
-                <a:spcPct val="90000"/>
-              </a:lnSpc>
-              <a:spcBef>
-                <a:spcPts val="1200"/>
-              </a:spcBef>
-            </a:pPr>
-            <a:r>
-              <a:rPr lang="en-US" sz="2000" dirty="0">
-                <a:latin typeface="Arial" charset="0"/>
-                <a:ea typeface="ＭＳ Ｐゴシック" charset="0"/>
-              </a:rPr>
-              <a:t>And we do not know how wrong we are!</a:t>
-            </a:r>
-          </a:p>
-          <a:p>
-            <a:pPr marL="635001" lvl="2" indent="-227013">
-              <a:lnSpc>
-                <a:spcPct val="90000"/>
-              </a:lnSpc>
-              <a:spcBef>
-                <a:spcPts val="1200"/>
-              </a:spcBef>
-            </a:pPr>
-            <a:endParaRPr lang="en-US" sz="2000" dirty="0" smtClean="0">
-              <a:latin typeface="Arial" charset="0"/>
-              <a:ea typeface="ＭＳ Ｐゴシック" charset="0"/>
-            </a:endParaRPr>
+              <a:t>Difficult to integrate services and extend tools</a:t>
+            </a:r>
+          </a:p>
+          <a:p>
+            <a:r>
+              <a:rPr lang="en-US" dirty="0" smtClean="0"/>
+              <a:t>Therefore a distinct role for middleware </a:t>
+            </a:r>
+            <a:endParaRPr lang="en-US" dirty="0"/>
           </a:p>
         </p:txBody>
       </p:sp>
     </p:spTree>
     <p:extLst>
       <p:ext uri="{BB962C8B-B14F-4D97-AF65-F5344CB8AC3E}">
-        <p14:creationId xmlns:p14="http://schemas.microsoft.com/office/powerpoint/2010/main" val="194596675"/>
+        <p14:creationId xmlns:p14="http://schemas.microsoft.com/office/powerpoint/2010/main" val="4083160493"/>
       </p:ext>
     </p:extLst>
   </p:cSld>
   <p:clrMapOvr>
     <a:masterClrMapping/>
   </p:clrMapOvr>
-  <p:transition xmlns:p14="http://schemas.microsoft.com/office/powerpoint/2010/main" spd="slow">
-    <p:cut/>
-  </p:transition>
-  <p:timing>
-    <p:tnLst>
-      <p:par>
-        <p:cTn xmlns:p14="http://schemas.microsoft.com/office/powerpoint/2010/main" id="1" dur="indefinite" restart="never" nodeType="tmRoot"/>
-      </p:par>
-    </p:tnLst>
-  </p:timing>
 </p:sld>
 </file>
 
@@ -10528,11 +10502,7 @@
             </a:pPr>
             <a:r>
               <a:rPr lang="en-US" sz="2000" dirty="0" smtClean="0"/>
-              <a:t>Novel application classes: Adaptive </a:t>
-            </a:r>
-            <a:r>
-              <a:rPr lang="en-US" sz="2000" dirty="0" smtClean="0"/>
-              <a:t>Applications</a:t>
+              <a:t>Novel application classes: Adaptive Applications</a:t>
             </a:r>
             <a:endParaRPr lang="en-US" sz="2000" dirty="0"/>
           </a:p>
@@ -10717,11 +10687,7 @@
             </a:r>
             <a:r>
               <a:rPr lang="en" dirty="0" smtClean="0"/>
-              <a:t> </a:t>
-            </a:r>
-            <a:r>
-              <a:rPr lang="en" dirty="0" smtClean="0"/>
-              <a:t>diversified </a:t>
+              <a:t> diversified </a:t>
             </a:r>
             <a:r>
               <a:rPr lang="en" dirty="0"/>
@@ -10950,7 +10916,7 @@
   <p:cSld>
     <p:spTree>
       <p:nvGrpSpPr>
-        <p:cNvPr id="1" name=""/>
+        <p:cNvPr id="1" name="Shape 28"/>
         <p:cNvGrpSpPr/>
         <p:nvPr/>
       </p:nvGrpSpPr>
@@ -10964,148 +10930,344 @@
       </p:grpSpPr>
       <p:sp>
         <p:nvSpPr>
-          <p:cNvPr id="2" name="Title 1"/>
-          <p:cNvSpPr>
+          <p:cNvPr id="29" name="Shape 29"/>
+          <p:cNvSpPr txBox="1">
             <a:spLocks noGrp="1"/>
           </p:cNvSpPr>
           <p:nvPr>
             <p:ph type="title"/>
           </p:nvPr>
         </p:nvSpPr>
-        <p:spPr/>
+        <p:spPr>
+          <a:prstGeom prst="rect">
+            <a:avLst/>
+          </a:prstGeom>
+        </p:spPr>
         <p:txBody>
-          <a:bodyPr/>
+          <a:bodyPr lIns="91425" tIns="91425" rIns="91425" bIns="91425" anchor="t" anchorCtr="0">
+            <a:noAutofit/>
+          </a:bodyPr>
           <a:lstStyle/>
           <a:p>
+            <a:pPr algn="just"/>
+            <a:r>
+              <a:rPr lang="en" dirty="0" smtClean="0"/>
+              <a:t>Distributed </a:t>
+            </a:r>
+            <a:r>
+              <a:rPr lang="en" dirty="0"/>
+              <a:t>Computing </a:t>
+            </a:r>
             <a:r>
               <a:rPr lang="en-US" dirty="0" smtClean="0"/>
-              <a:t>DEC </a:t>
-            </a:r>
-            <a:r>
-              <a:rPr lang="en-US" dirty="0" err="1" smtClean="0"/>
-              <a:t>vs</a:t>
-            </a:r>
-            <a:r>
-              <a:rPr lang="en-US" dirty="0" smtClean="0"/>
-              <a:t> Traditional EC</a:t>
-            </a:r>
-            <a:endParaRPr lang="en-US" dirty="0"/>
+              <a:t>in </a:t>
+            </a:r>
+            <a:r>
+              <a:rPr lang="en" dirty="0" smtClean="0"/>
+              <a:t>2013</a:t>
+            </a:r>
+            <a:endParaRPr lang="en" dirty="0"/>
           </a:p>
         </p:txBody>
       </p:sp>
       <p:sp>
         <p:nvSpPr>
-          <p:cNvPr id="3" name="Content Placeholder 2"/>
-          <p:cNvSpPr>
+          <p:cNvPr id="30" name="Shape 30"/>
+          <p:cNvSpPr txBox="1">
             <a:spLocks noGrp="1"/>
           </p:cNvSpPr>
           <p:nvPr>
-            <p:ph idx="1"/>
+            <p:ph idx="4294967295"/>
           </p:nvPr>
         </p:nvSpPr>
-        <p:spPr/>
+        <p:spPr>
+          <a:xfrm>
+            <a:off x="407988" y="808038"/>
+            <a:ext cx="8348328" cy="5268912"/>
+          </a:xfrm>
+          <a:prstGeom prst="rect">
+            <a:avLst/>
+          </a:prstGeom>
+        </p:spPr>
         <p:txBody>
-          <a:bodyPr/>
+          <a:bodyPr lIns="91425" tIns="91425" rIns="91425" bIns="91425" anchor="t" anchorCtr="0">
+            <a:noAutofit/>
+          </a:bodyPr>
           <a:lstStyle/>
           <a:p>
-            <a:pPr marL="344488" indent="-342900">
+            <a:pPr marL="227013" lvl="1" indent="-227013">
               <a:lnSpc>
                 <a:spcPct val="90000"/>
               </a:lnSpc>
-            </a:pPr>
-            <a:r>
-              <a:rPr lang="en-US" dirty="0" smtClean="0">
-                <a:latin typeface="Arial" charset="0"/>
-                <a:ea typeface="ＭＳ Ｐゴシック" charset="0"/>
-                <a:cs typeface="ＭＳ Ｐゴシック" charset="0"/>
-              </a:rPr>
-              <a:t>Application structure simple, infrastructural requirements difficult</a:t>
-            </a:r>
-          </a:p>
-          <a:p>
-            <a:pPr marL="344488" indent="-342900">
+              <a:spcBef>
+                <a:spcPts val="1200"/>
+              </a:spcBef>
+            </a:pPr>
+            <a:r>
+              <a:rPr lang="en-US" sz="2000" dirty="0" smtClean="0"/>
+              <a:t>First Generation of DC characterized by “</a:t>
+            </a:r>
+            <a:r>
+              <a:rPr lang="en-US" sz="2000" dirty="0" err="1" smtClean="0"/>
+              <a:t>glueing</a:t>
+            </a:r>
+            <a:r>
+              <a:rPr lang="en-US" sz="2000" dirty="0" smtClean="0"/>
+              <a:t> it” together</a:t>
+            </a:r>
+          </a:p>
+          <a:p>
+            <a:pPr marL="227013" lvl="1" indent="-227013">
               <a:lnSpc>
                 <a:spcPct val="90000"/>
               </a:lnSpc>
-            </a:pPr>
-            <a:r>
-              <a:rPr lang="en-US" dirty="0" smtClean="0">
+              <a:spcBef>
+                <a:spcPts val="1200"/>
+              </a:spcBef>
+            </a:pPr>
+            <a:r>
+              <a:rPr lang="en-US" sz="2000" dirty="0" smtClean="0">
                 <a:latin typeface="Arial" charset="0"/>
                 <a:ea typeface="ＭＳ Ｐゴシック" charset="0"/>
-                <a:cs typeface="ＭＳ Ｐゴシック" charset="0"/>
-              </a:rPr>
-              <a:t>Explains why DCI </a:t>
-            </a:r>
-            <a:r>
-              <a:rPr lang="en-US" dirty="0">
+              </a:rPr>
+              <a:t>Many </a:t>
+            </a:r>
+            <a:r>
+              <a:rPr lang="en-US" sz="2000" dirty="0">
                 <a:latin typeface="Arial" charset="0"/>
                 <a:ea typeface="ＭＳ Ｐゴシック" charset="0"/>
-                <a:cs typeface="ＭＳ Ｐゴシック" charset="0"/>
-              </a:rPr>
-              <a:t>software environment is complex and fragile</a:t>
-            </a:r>
-          </a:p>
-          <a:p>
-            <a:pPr lvl="1">
+              </a:rPr>
+              <a:t>local solutions, lack of end-to-solutions</a:t>
+            </a:r>
+            <a:endParaRPr lang="en-US" sz="2000" dirty="0"/>
+          </a:p>
+          <a:p>
+            <a:pPr marL="1144588" lvl="3" indent="-227013">
               <a:lnSpc>
                 <a:spcPct val="90000"/>
               </a:lnSpc>
-            </a:pPr>
+              <a:spcBef>
+                <a:spcPts val="1200"/>
+              </a:spcBef>
+            </a:pPr>
+            <a:r>
+              <a:rPr lang="en-US" sz="2000" dirty="0"/>
+              <a:t>Scaling remains difficult for </a:t>
+            </a:r>
+            <a:r>
+              <a:rPr lang="en-US" sz="2000" i="1" dirty="0"/>
+              <a:t>individual</a:t>
+            </a:r>
+            <a:r>
+              <a:rPr lang="en-US" sz="2000" dirty="0"/>
+              <a:t> scientists </a:t>
+            </a:r>
+          </a:p>
+          <a:p>
+            <a:pPr marL="1144588" lvl="3" indent="-227013">
+              <a:lnSpc>
+                <a:spcPct val="90000"/>
+              </a:lnSpc>
+              <a:spcBef>
+                <a:spcPts val="1200"/>
+              </a:spcBef>
+            </a:pPr>
+            <a:r>
+              <a:rPr lang="en-US" sz="2000" dirty="0"/>
+              <a:t>O(10</a:t>
+            </a:r>
+            <a:r>
+              <a:rPr lang="en-US" sz="2000" baseline="30000" dirty="0"/>
+              <a:t>-2</a:t>
+            </a:r>
+            <a:r>
+              <a:rPr lang="en-US" sz="2000" dirty="0"/>
+              <a:t>) can do O(100) tasks each of O(10GB) over O(10) </a:t>
+            </a:r>
+            <a:r>
+              <a:rPr lang="en-US" sz="2000" dirty="0" smtClean="0"/>
+              <a:t>nodes</a:t>
+            </a:r>
+            <a:endParaRPr lang="en-US" sz="2000" dirty="0"/>
+          </a:p>
+          <a:p>
+            <a:pPr marL="227013" lvl="1" indent="-227013">
+              <a:lnSpc>
+                <a:spcPct val="90000"/>
+              </a:lnSpc>
+              <a:spcBef>
+                <a:spcPts val="1200"/>
+              </a:spcBef>
+            </a:pPr>
+            <a:r>
+              <a:rPr lang="en-US" sz="2000" dirty="0" smtClean="0">
+                <a:latin typeface="Arial" charset="0"/>
+                <a:ea typeface="ＭＳ Ｐゴシック" charset="0"/>
+              </a:rPr>
+              <a:t>We are still learning how to a</a:t>
+            </a:r>
             <a:r>
               <a:rPr lang="en-US" sz="2000" dirty="0">
                 <a:latin typeface="Arial" charset="0"/>
                 <a:ea typeface="ＭＳ Ｐゴシック" charset="0"/>
               </a:rPr>
-              <a:t>Middleware functionality and semantics</a:t>
-            </a:r>
-          </a:p>
-          <a:p>
-            <a:pPr lvl="1">
+              <a:t>rchitect </a:t>
+            </a:r>
+            <a:r>
+              <a:rPr lang="en-US" sz="2000" dirty="0" smtClean="0">
+                <a:latin typeface="Arial" charset="0"/>
+                <a:ea typeface="ＭＳ Ｐゴシック" charset="0"/>
+              </a:rPr>
+              <a:t>large</a:t>
+            </a:r>
+            <a:r>
+              <a:rPr lang="en-US" sz="2000" dirty="0">
+                <a:latin typeface="Arial" charset="0"/>
+                <a:ea typeface="ＭＳ Ｐゴシック" charset="0"/>
+              </a:rPr>
+              <a:t>-scale </a:t>
+            </a:r>
+            <a:r>
+              <a:rPr lang="en-US" sz="2000" dirty="0" smtClean="0">
+                <a:latin typeface="Arial" charset="0"/>
+                <a:ea typeface="ＭＳ Ｐゴシック" charset="0"/>
+              </a:rPr>
+              <a:t>systems</a:t>
+            </a:r>
+          </a:p>
+          <a:p>
+            <a:pPr marL="635001" lvl="2" indent="-227013">
               <a:lnSpc>
                 <a:spcPct val="90000"/>
               </a:lnSpc>
+              <a:spcBef>
+                <a:spcPts val="1200"/>
+              </a:spcBef>
+            </a:pPr>
+            <a:r>
+              <a:rPr lang="en-US" sz="2000" dirty="0" smtClean="0">
+                <a:latin typeface="Arial" charset="0"/>
+                <a:ea typeface="ＭＳ Ｐゴシック" charset="0"/>
+              </a:rPr>
+              <a:t>Macroscopic </a:t>
+            </a:r>
+            <a:r>
+              <a:rPr lang="en-US" sz="2000" dirty="0" err="1" smtClean="0">
+                <a:latin typeface="Arial" charset="0"/>
+                <a:ea typeface="ＭＳ Ｐゴシック" charset="0"/>
+              </a:rPr>
+              <a:t>vs</a:t>
+            </a:r>
+            <a:r>
+              <a:rPr lang="en-US" sz="2000" dirty="0" smtClean="0">
+                <a:latin typeface="Arial" charset="0"/>
+                <a:ea typeface="ＭＳ Ｐゴシック" charset="0"/>
+              </a:rPr>
+              <a:t> microscopic theory of distributed systems!</a:t>
+            </a:r>
+          </a:p>
+          <a:p>
+            <a:pPr marL="227013" lvl="1" indent="-227013">
+              <a:lnSpc>
+                <a:spcPct val="90000"/>
+              </a:lnSpc>
+              <a:spcBef>
+                <a:spcPts val="1200"/>
+              </a:spcBef>
             </a:pPr>
             <a:r>
               <a:rPr lang="en-US" sz="2000" dirty="0">
                 <a:latin typeface="Arial" charset="0"/>
                 <a:ea typeface="ＭＳ Ｐゴシック" charset="0"/>
               </a:rPr>
-              <a:t>Heterogeneous software and system access layers</a:t>
-            </a:r>
-          </a:p>
-          <a:p>
-            <a:pPr lvl="1">
+              <a:t>Absence of analytical models of applications, infrastructure </a:t>
+            </a:r>
+            <a:endParaRPr lang="en-US" sz="2000" dirty="0" smtClean="0">
+              <a:latin typeface="Arial" charset="0"/>
+              <a:ea typeface="ＭＳ Ｐゴシック" charset="0"/>
+            </a:endParaRPr>
+          </a:p>
+          <a:p>
+            <a:pPr marL="635001" lvl="2" indent="-227013">
               <a:lnSpc>
                 <a:spcPct val="90000"/>
               </a:lnSpc>
-            </a:pPr>
+              <a:spcBef>
+                <a:spcPts val="1200"/>
+              </a:spcBef>
+            </a:pPr>
+            <a:r>
+              <a:rPr lang="en-US" sz="2000" dirty="0" smtClean="0">
+                <a:latin typeface="Arial" charset="0"/>
+                <a:ea typeface="ＭＳ Ｐゴシック" charset="0"/>
+              </a:rPr>
+              <a:t>Given </a:t>
+            </a:r>
             <a:r>
               <a:rPr lang="en-US" sz="2000" dirty="0">
                 <a:latin typeface="Arial" charset="0"/>
                 <a:ea typeface="ＭＳ Ｐゴシック" charset="0"/>
               </a:rPr>
-              <a:t>Difficult to integrate services and extend tools</a:t>
-            </a:r>
-          </a:p>
-          <a:p>
-            <a:r>
-              <a:rPr lang="en-US" dirty="0" smtClean="0"/>
-              <a:t>Therefore a distinct role for middleware </a:t>
-            </a:r>
-            <a:endParaRPr lang="en-US" dirty="0"/>
+              <a:t>a general workload there is an inability to estimate how long a workload will take? And where to execute? </a:t>
+            </a:r>
+            <a:endParaRPr lang="en-US" sz="2000" dirty="0" smtClean="0">
+              <a:latin typeface="Arial" charset="0"/>
+              <a:ea typeface="ＭＳ Ｐゴシック" charset="0"/>
+            </a:endParaRPr>
+          </a:p>
+          <a:p>
+            <a:pPr marL="635001" lvl="2" indent="-227013">
+              <a:lnSpc>
+                <a:spcPct val="90000"/>
+              </a:lnSpc>
+              <a:spcBef>
+                <a:spcPts val="1200"/>
+              </a:spcBef>
+            </a:pPr>
+            <a:r>
+              <a:rPr lang="en-US" sz="2000" dirty="0" smtClean="0">
+                <a:latin typeface="Arial" charset="0"/>
+                <a:ea typeface="ＭＳ Ｐゴシック" charset="0"/>
+              </a:rPr>
+              <a:t>And </a:t>
+            </a:r>
+            <a:r>
+              <a:rPr lang="en-US" sz="2000" dirty="0">
+                <a:latin typeface="Arial" charset="0"/>
+                <a:ea typeface="ＭＳ Ｐゴシック" charset="0"/>
+              </a:rPr>
+              <a:t>we do not know how wrong we are</a:t>
+            </a:r>
+            <a:r>
+              <a:rPr lang="en-US" sz="2000" dirty="0" smtClean="0">
+                <a:latin typeface="Arial" charset="0"/>
+                <a:ea typeface="ＭＳ Ｐゴシック" charset="0"/>
+              </a:rPr>
+              <a:t>!</a:t>
+            </a:r>
           </a:p>
         </p:txBody>
       </p:sp>
     </p:spTree>
     <p:extLst>
       <p:ext uri="{BB962C8B-B14F-4D97-AF65-F5344CB8AC3E}">
-        <p14:creationId xmlns:p14="http://schemas.microsoft.com/office/powerpoint/2010/main" val="4083160493"/>
+        <p14:creationId xmlns:p14="http://schemas.microsoft.com/office/powerpoint/2010/main" val="864120314"/>
       </p:ext>
     </p:extLst>
   </p:cSld>
   <p:clrMapOvr>
     <a:masterClrMapping/>
   </p:clrMapOvr>
+  <p:transition xmlns:p14="http://schemas.microsoft.com/office/powerpoint/2010/main" spd="slow">
+    <p:cut/>
+  </p:transition>
+  <p:timing>
+    <p:tnLst>
+      <p:par>
+        <p:cTn xmlns:p14="http://schemas.microsoft.com/office/powerpoint/2010/main" id="1" dur="indefinite" restart="never" nodeType="tmRoot"/>
+      </p:par>
+    </p:tnLst>
+  </p:timing>
 </p:sld>
 </file>
 
@@ -11262,18 +11424,7 @@
                   </a:schemeClr>
                 </a:solidFill>
               </a:rPr>
-              <a:t>Exposes well</a:t>
-            </a:r>
-            <a:r>
-              <a:rPr lang="en-US" sz="2000" dirty="0" smtClean="0">
-                <a:solidFill>
-                  <a:schemeClr val="tx1">
-                    <a:lumMod val="65000"/>
-                    <a:lumOff val="35000"/>
-                  </a:schemeClr>
-                </a:solidFill>
-              </a:rPr>
-              <a:t>-</a:t>
+              <a:t>Exposes well-</a:t>
             </a:r>
             <a:r>
               <a:rPr lang="en" sz="2000" dirty="0" smtClean="0">

--- a/presentations/radical-modsim.pptx
+++ b/presentations/radical-modsim.pptx
@@ -5,7 +5,7 @@
     <p:sldMasterId id="2147483656" r:id="rId1"/>
   </p:sldMasterIdLst>
   <p:notesMasterIdLst>
-    <p:notesMasterId r:id="rId30"/>
+    <p:notesMasterId r:id="rId28"/>
   </p:notesMasterIdLst>
   <p:sldIdLst>
     <p:sldId id="256" r:id="rId2"/>
@@ -13,29 +13,27 @@
     <p:sldId id="315" r:id="rId4"/>
     <p:sldId id="322" r:id="rId5"/>
     <p:sldId id="307" r:id="rId6"/>
-    <p:sldId id="313" r:id="rId7"/>
-    <p:sldId id="325" r:id="rId8"/>
+    <p:sldId id="325" r:id="rId7"/>
+    <p:sldId id="330" r:id="rId8"/>
     <p:sldId id="310" r:id="rId9"/>
     <p:sldId id="309" r:id="rId10"/>
     <p:sldId id="312" r:id="rId11"/>
-    <p:sldId id="296" r:id="rId12"/>
-    <p:sldId id="324" r:id="rId13"/>
-    <p:sldId id="316" r:id="rId14"/>
-    <p:sldId id="323" r:id="rId15"/>
-    <p:sldId id="301" r:id="rId16"/>
-    <p:sldId id="281" r:id="rId17"/>
-    <p:sldId id="291" r:id="rId18"/>
-    <p:sldId id="285" r:id="rId19"/>
-    <p:sldId id="286" r:id="rId20"/>
-    <p:sldId id="287" r:id="rId21"/>
-    <p:sldId id="298" r:id="rId22"/>
-    <p:sldId id="297" r:id="rId23"/>
-    <p:sldId id="289" r:id="rId24"/>
-    <p:sldId id="300" r:id="rId25"/>
-    <p:sldId id="284" r:id="rId26"/>
-    <p:sldId id="295" r:id="rId27"/>
-    <p:sldId id="320" r:id="rId28"/>
-    <p:sldId id="321" r:id="rId29"/>
+    <p:sldId id="316" r:id="rId12"/>
+    <p:sldId id="301" r:id="rId13"/>
+    <p:sldId id="285" r:id="rId14"/>
+    <p:sldId id="298" r:id="rId15"/>
+    <p:sldId id="287" r:id="rId16"/>
+    <p:sldId id="297" r:id="rId17"/>
+    <p:sldId id="289" r:id="rId18"/>
+    <p:sldId id="300" r:id="rId19"/>
+    <p:sldId id="327" r:id="rId20"/>
+    <p:sldId id="328" r:id="rId21"/>
+    <p:sldId id="326" r:id="rId22"/>
+    <p:sldId id="295" r:id="rId23"/>
+    <p:sldId id="284" r:id="rId24"/>
+    <p:sldId id="320" r:id="rId25"/>
+    <p:sldId id="321" r:id="rId26"/>
+    <p:sldId id="329" r:id="rId27"/>
   </p:sldIdLst>
   <p:sldSz cx="9144000" cy="6858000" type="screen4x3"/>
   <p:notesSz cx="6858000" cy="9144000"/>
@@ -620,39 +618,6 @@
           <a:bodyPr/>
           <a:lstStyle/>
           <a:p>
-            <a:r>
-              <a:rPr lang="en-US" dirty="0" smtClean="0"/>
-              <a:t>Middleware</a:t>
-            </a:r>
-            <a:r>
-              <a:rPr lang="en-US" baseline="0" dirty="0" smtClean="0"/>
-              <a:t> </a:t>
-            </a:r>
-            <a:r>
-              <a:rPr lang="en-US" dirty="0" smtClean="0"/>
-              <a:t>capabilities as</a:t>
-            </a:r>
-            <a:r>
-              <a:rPr lang="en-US" baseline="0" dirty="0" smtClean="0"/>
-              <a:t> an abstraction to resources</a:t>
-            </a:r>
-          </a:p>
-          <a:p>
-            <a:endParaRPr lang="en-US" baseline="0" dirty="0" smtClean="0"/>
-          </a:p>
-          <a:p>
-            <a:r>
-              <a:rPr lang="en-US" baseline="0" dirty="0" smtClean="0"/>
-              <a:t>Middleware’s responsibility to support the set of capabilities that an application asks for and determine the collection of resources that can/must be used to provide capability</a:t>
-            </a:r>
-          </a:p>
-          <a:p>
-            <a:endParaRPr lang="en-US" baseline="0" dirty="0" smtClean="0"/>
-          </a:p>
-          <a:p>
-            <a:endParaRPr lang="en-US" baseline="0" dirty="0" smtClean="0"/>
-          </a:p>
-          <a:p>
             <a:endParaRPr lang="en-US" dirty="0"/>
           </a:p>
         </p:txBody>
@@ -660,7 +625,7 @@
     </p:spTree>
     <p:extLst>
       <p:ext uri="{BB962C8B-B14F-4D97-AF65-F5344CB8AC3E}">
-        <p14:creationId xmlns:p14="http://schemas.microsoft.com/office/powerpoint/2010/main" val="357425583"/>
+        <p14:creationId xmlns:p14="http://schemas.microsoft.com/office/powerpoint/2010/main" val="3821591872"/>
       </p:ext>
     </p:extLst>
   </p:cSld>
@@ -719,10 +684,29 @@
           <a:bodyPr/>
           <a:lstStyle/>
           <a:p>
+            <a:pPr marL="0" marR="0" indent="0" algn="l" defTabSz="457200" rtl="0" eaLnBrk="1" fontAlgn="auto" latinLnBrk="0" hangingPunct="1">
+              <a:lnSpc>
+                <a:spcPct val="100000"/>
+              </a:lnSpc>
+              <a:spcBef>
+                <a:spcPts val="0"/>
+              </a:spcBef>
+              <a:spcAft>
+                <a:spcPts val="0"/>
+              </a:spcAft>
+              <a:buClrTx/>
+              <a:buSzTx/>
+              <a:buFontTx/>
+              <a:buNone/>
+              <a:tabLst/>
+              <a:defRPr/>
+            </a:pPr>
             <a:r>
               <a:rPr lang="en-US" dirty="0" smtClean="0"/>
-              <a:t>A* and W* need fixing</a:t>
-            </a:r>
+              <a:t>We take the schematic of NGMW and show how the different levels at which the Models work, (ii) how different models interact, especially (a) Andre and Christian’s work/interface, (ii) I* and F*.</a:t>
+            </a:r>
+          </a:p>
+          <a:p>
             <a:endParaRPr lang="en-US" dirty="0"/>
           </a:p>
         </p:txBody>
@@ -730,7 +714,7 @@
     </p:spTree>
     <p:extLst>
       <p:ext uri="{BB962C8B-B14F-4D97-AF65-F5344CB8AC3E}">
-        <p14:creationId xmlns:p14="http://schemas.microsoft.com/office/powerpoint/2010/main" val="596230984"/>
+        <p14:creationId xmlns:p14="http://schemas.microsoft.com/office/powerpoint/2010/main" val="1073575463"/>
       </p:ext>
     </p:extLst>
   </p:cSld>
@@ -767,7 +751,12 @@
             <p:ph type="sldImg"/>
           </p:nvPr>
         </p:nvSpPr>
-        <p:spPr/>
+        <p:spPr>
+          <a:xfrm>
+            <a:off x="1143000" y="685800"/>
+            <a:ext cx="4572000" cy="3429000"/>
+          </a:xfrm>
+        </p:spPr>
       </p:sp>
       <p:sp>
         <p:nvSpPr>
@@ -784,6 +773,29 @@
           <a:bodyPr/>
           <a:lstStyle/>
           <a:p>
+            <a:pPr marL="0" marR="0" indent="0" algn="l" defTabSz="457200" rtl="0" eaLnBrk="1" fontAlgn="auto" latinLnBrk="0" hangingPunct="1">
+              <a:lnSpc>
+                <a:spcPct val="100000"/>
+              </a:lnSpc>
+              <a:spcBef>
+                <a:spcPts val="0"/>
+              </a:spcBef>
+              <a:spcAft>
+                <a:spcPts val="0"/>
+              </a:spcAft>
+              <a:buClrTx/>
+              <a:buSzTx/>
+              <a:buFontTx/>
+              <a:buNone/>
+              <a:tabLst/>
+              <a:defRPr/>
+            </a:pPr>
+            <a:r>
+              <a:rPr lang="en-US" dirty="0" smtClean="0"/>
+              <a:t>We take the schematic of NGMW and show how the different levels at which the Models work, (ii) how different models interact, especially (a) Andre and Christian’s work/interface, (ii) I* and F*.</a:t>
+            </a:r>
+          </a:p>
+          <a:p>
             <a:endParaRPr lang="en-US" dirty="0"/>
           </a:p>
         </p:txBody>
@@ -791,7 +803,7 @@
     </p:spTree>
     <p:extLst>
       <p:ext uri="{BB962C8B-B14F-4D97-AF65-F5344CB8AC3E}">
-        <p14:creationId xmlns:p14="http://schemas.microsoft.com/office/powerpoint/2010/main" val="3821591872"/>
+        <p14:creationId xmlns:p14="http://schemas.microsoft.com/office/powerpoint/2010/main" val="1073575463"/>
       </p:ext>
     </p:extLst>
   </p:cSld>
@@ -850,29 +862,10 @@
           <a:bodyPr/>
           <a:lstStyle/>
           <a:p>
-            <a:pPr marL="0" marR="0" indent="0" algn="l" defTabSz="457200" rtl="0" eaLnBrk="1" fontAlgn="auto" latinLnBrk="0" hangingPunct="1">
-              <a:lnSpc>
-                <a:spcPct val="100000"/>
-              </a:lnSpc>
-              <a:spcBef>
-                <a:spcPts val="0"/>
-              </a:spcBef>
-              <a:spcAft>
-                <a:spcPts val="0"/>
-              </a:spcAft>
-              <a:buClrTx/>
-              <a:buSzTx/>
-              <a:buFontTx/>
-              <a:buNone/>
-              <a:tabLst/>
-              <a:defRPr/>
-            </a:pPr>
             <a:r>
               <a:rPr lang="en-US" dirty="0" smtClean="0"/>
-              <a:t>We take the schematic of NGMW and show how the different levels at which the Models work, (ii) how different models interact, especially (a) Andre and Christian’s work/interface, (ii) I* and F*.</a:t>
-            </a:r>
-          </a:p>
-          <a:p>
+              <a:t>A* and W* need fixing</a:t>
+            </a:r>
             <a:endParaRPr lang="en-US" dirty="0"/>
           </a:p>
         </p:txBody>
@@ -880,7 +873,7 @@
     </p:spTree>
     <p:extLst>
       <p:ext uri="{BB962C8B-B14F-4D97-AF65-F5344CB8AC3E}">
-        <p14:creationId xmlns:p14="http://schemas.microsoft.com/office/powerpoint/2010/main" val="1073575463"/>
+        <p14:creationId xmlns:p14="http://schemas.microsoft.com/office/powerpoint/2010/main" val="596230984"/>
       </p:ext>
     </p:extLst>
   </p:cSld>
@@ -891,95 +884,6 @@
 </file>
 
 <file path=ppt/notesSlides/notesSlide14.xml><?xml version="1.0" encoding="utf-8"?>
-<p:notes xmlns:a="http://schemas.openxmlformats.org/drawingml/2006/main" xmlns:r="http://schemas.openxmlformats.org/officeDocument/2006/relationships" xmlns:p="http://schemas.openxmlformats.org/presentationml/2006/main">
-  <p:cSld>
-    <p:spTree>
-      <p:nvGrpSpPr>
-        <p:cNvPr id="1" name=""/>
-        <p:cNvGrpSpPr/>
-        <p:nvPr/>
-      </p:nvGrpSpPr>
-      <p:grpSpPr>
-        <a:xfrm>
-          <a:off x="0" y="0"/>
-          <a:ext cx="0" cy="0"/>
-          <a:chOff x="0" y="0"/>
-          <a:chExt cx="0" cy="0"/>
-        </a:xfrm>
-      </p:grpSpPr>
-      <p:sp>
-        <p:nvSpPr>
-          <p:cNvPr id="2" name="Slide Image Placeholder 1"/>
-          <p:cNvSpPr>
-            <a:spLocks noGrp="1" noRot="1" noChangeAspect="1"/>
-          </p:cNvSpPr>
-          <p:nvPr>
-            <p:ph type="sldImg"/>
-          </p:nvPr>
-        </p:nvSpPr>
-        <p:spPr>
-          <a:xfrm>
-            <a:off x="1143000" y="685800"/>
-            <a:ext cx="4572000" cy="3429000"/>
-          </a:xfrm>
-        </p:spPr>
-      </p:sp>
-      <p:sp>
-        <p:nvSpPr>
-          <p:cNvPr id="3" name="Notes Placeholder 2"/>
-          <p:cNvSpPr>
-            <a:spLocks noGrp="1"/>
-          </p:cNvSpPr>
-          <p:nvPr>
-            <p:ph type="body" idx="1"/>
-          </p:nvPr>
-        </p:nvSpPr>
-        <p:spPr/>
-        <p:txBody>
-          <a:bodyPr/>
-          <a:lstStyle/>
-          <a:p>
-            <a:pPr marL="0" marR="0" indent="0" algn="l" defTabSz="457200" rtl="0" eaLnBrk="1" fontAlgn="auto" latinLnBrk="0" hangingPunct="1">
-              <a:lnSpc>
-                <a:spcPct val="100000"/>
-              </a:lnSpc>
-              <a:spcBef>
-                <a:spcPts val="0"/>
-              </a:spcBef>
-              <a:spcAft>
-                <a:spcPts val="0"/>
-              </a:spcAft>
-              <a:buClrTx/>
-              <a:buSzTx/>
-              <a:buFontTx/>
-              <a:buNone/>
-              <a:tabLst/>
-              <a:defRPr/>
-            </a:pPr>
-            <a:r>
-              <a:rPr lang="en-US" dirty="0" smtClean="0"/>
-              <a:t>We take the schematic of NGMW and show how the different levels at which the Models work, (ii) how different models interact, especially (a) Andre and Christian’s work/interface, (ii) I* and F*.</a:t>
-            </a:r>
-          </a:p>
-          <a:p>
-            <a:endParaRPr lang="en-US" dirty="0"/>
-          </a:p>
-        </p:txBody>
-      </p:sp>
-    </p:spTree>
-    <p:extLst>
-      <p:ext uri="{BB962C8B-B14F-4D97-AF65-F5344CB8AC3E}">
-        <p14:creationId xmlns:p14="http://schemas.microsoft.com/office/powerpoint/2010/main" val="1073575463"/>
-      </p:ext>
-    </p:extLst>
-  </p:cSld>
-  <p:clrMapOvr>
-    <a:masterClrMapping/>
-  </p:clrMapOvr>
-</p:notes>
-</file>
-
-<file path=ppt/notesSlides/notesSlide15.xml><?xml version="1.0" encoding="utf-8"?>
 <p:notes xmlns:a="http://schemas.openxmlformats.org/drawingml/2006/main" xmlns:r="http://schemas.openxmlformats.org/officeDocument/2006/relationships" xmlns:p="http://schemas.openxmlformats.org/presentationml/2006/main" showMasterSp="0" showMasterPhAnim="0">
   <p:cSld>
     <p:spTree>
@@ -1114,7 +1018,7 @@
 </p:notes>
 </file>
 
-<file path=ppt/notesSlides/notesSlide16.xml><?xml version="1.0" encoding="utf-8"?>
+<file path=ppt/notesSlides/notesSlide15.xml><?xml version="1.0" encoding="utf-8"?>
 <p:notes xmlns:a="http://schemas.openxmlformats.org/drawingml/2006/main" xmlns:r="http://schemas.openxmlformats.org/officeDocument/2006/relationships" xmlns:p="http://schemas.openxmlformats.org/presentationml/2006/main" showMasterSp="0" showMasterPhAnim="0">
   <p:cSld>
     <p:spTree>
@@ -1233,7 +1137,7 @@
 </p:notes>
 </file>
 
-<file path=ppt/notesSlides/notesSlide17.xml><?xml version="1.0" encoding="utf-8"?>
+<file path=ppt/notesSlides/notesSlide16.xml><?xml version="1.0" encoding="utf-8"?>
 <p:notes xmlns:a="http://schemas.openxmlformats.org/drawingml/2006/main" xmlns:r="http://schemas.openxmlformats.org/officeDocument/2006/relationships" xmlns:p="http://schemas.openxmlformats.org/presentationml/2006/main" showMasterSp="0" showMasterPhAnim="0">
   <p:cSld>
     <p:spTree>
@@ -1317,6 +1221,141 @@
           <a:lstStyle/>
           <a:p>
             <a:endParaRPr/>
+          </a:p>
+        </p:txBody>
+      </p:sp>
+    </p:spTree>
+  </p:cSld>
+  <p:clrMapOvr>
+    <a:masterClrMapping/>
+  </p:clrMapOvr>
+</p:notes>
+</file>
+
+<file path=ppt/notesSlides/notesSlide17.xml><?xml version="1.0" encoding="utf-8"?>
+<p:notes xmlns:a="http://schemas.openxmlformats.org/drawingml/2006/main" xmlns:r="http://schemas.openxmlformats.org/officeDocument/2006/relationships" xmlns:p="http://schemas.openxmlformats.org/presentationml/2006/main" showMasterSp="0" showMasterPhAnim="0">
+  <p:cSld>
+    <p:spTree>
+      <p:nvGrpSpPr>
+        <p:cNvPr id="1" name="Shape 49"/>
+        <p:cNvGrpSpPr/>
+        <p:nvPr/>
+      </p:nvGrpSpPr>
+      <p:grpSpPr>
+        <a:xfrm>
+          <a:off x="0" y="0"/>
+          <a:ext cx="0" cy="0"/>
+          <a:chOff x="0" y="0"/>
+          <a:chExt cx="0" cy="0"/>
+        </a:xfrm>
+      </p:grpSpPr>
+      <p:sp>
+        <p:nvSpPr>
+          <p:cNvPr id="50" name="Shape 50"/>
+          <p:cNvSpPr>
+            <a:spLocks noGrp="1" noRot="1" noChangeAspect="1"/>
+          </p:cNvSpPr>
+          <p:nvPr>
+            <p:ph type="sldImg" idx="2"/>
+          </p:nvPr>
+        </p:nvSpPr>
+        <p:spPr>
+          <a:xfrm>
+            <a:off x="1143000" y="685800"/>
+            <a:ext cx="4572000" cy="3429000"/>
+          </a:xfrm>
+          <a:custGeom>
+            <a:avLst/>
+            <a:gdLst/>
+            <a:ahLst/>
+            <a:cxnLst/>
+            <a:rect l="0" t="0" r="0" b="0"/>
+            <a:pathLst>
+              <a:path w="120000" h="120000" extrusionOk="0">
+                <a:moveTo>
+                  <a:pt x="0" y="0"/>
+                </a:moveTo>
+                <a:lnTo>
+                  <a:pt x="120000" y="0"/>
+                </a:lnTo>
+                <a:lnTo>
+                  <a:pt x="120000" y="120000"/>
+                </a:lnTo>
+                <a:lnTo>
+                  <a:pt x="0" y="120000"/>
+                </a:lnTo>
+                <a:close/>
+              </a:path>
+            </a:pathLst>
+          </a:custGeom>
+        </p:spPr>
+      </p:sp>
+      <p:sp>
+        <p:nvSpPr>
+          <p:cNvPr id="51" name="Shape 51"/>
+          <p:cNvSpPr txBox="1">
+            <a:spLocks noGrp="1"/>
+          </p:cNvSpPr>
+          <p:nvPr>
+            <p:ph type="body" idx="1"/>
+          </p:nvPr>
+        </p:nvSpPr>
+        <p:spPr>
+          <a:xfrm>
+            <a:off x="685800" y="4343400"/>
+            <a:ext cx="5486399" cy="4114800"/>
+          </a:xfrm>
+          <a:prstGeom prst="rect">
+            <a:avLst/>
+          </a:prstGeom>
+        </p:spPr>
+        <p:txBody>
+          <a:bodyPr lIns="91425" tIns="91425" rIns="91425" bIns="91425" anchor="t" anchorCtr="0">
+            <a:noAutofit/>
+          </a:bodyPr>
+          <a:lstStyle/>
+          <a:p>
+            <a:r>
+              <a:rPr lang="en-US" dirty="0" smtClean="0">
+                <a:solidFill>
+                  <a:srgbClr val="606060"/>
+                </a:solidFill>
+              </a:rPr>
+              <a:t>D</a:t>
+            </a:r>
+            <a:r>
+              <a:rPr lang="en" dirty="0" smtClean="0">
+                <a:solidFill>
+                  <a:srgbClr val="606060"/>
+                </a:solidFill>
+              </a:rPr>
+              <a:t>ata generation </a:t>
+            </a:r>
+            <a:r>
+              <a:rPr lang="en-US" dirty="0" smtClean="0">
+                <a:solidFill>
+                  <a:srgbClr val="606060"/>
+                </a:solidFill>
+              </a:rPr>
+              <a:t>doubles every </a:t>
+            </a:r>
+            <a:r>
+              <a:rPr lang="en" dirty="0" smtClean="0">
+                <a:solidFill>
+                  <a:srgbClr val="606060"/>
+                </a:solidFill>
+              </a:rPr>
+              <a:t>&lt;&lt; 12 months</a:t>
+            </a:r>
+            <a:r>
+              <a:rPr lang="en-US" dirty="0" smtClean="0">
+                <a:solidFill>
+                  <a:srgbClr val="606060"/>
+                </a:solidFill>
+              </a:rPr>
+              <a:t>, i.e. faster than the doubling  rate of data storage (roughly 18 months)</a:t>
+            </a:r>
+            <a:endParaRPr dirty="0"/>
           </a:p>
         </p:txBody>
       </p:sp>
@@ -1523,7 +1562,7 @@
   <p:cSld>
     <p:spTree>
       <p:nvGrpSpPr>
-        <p:cNvPr id="1" name="Shape 49"/>
+        <p:cNvPr id="1" name="Shape 31"/>
         <p:cNvGrpSpPr/>
         <p:nvPr/>
       </p:nvGrpSpPr>
@@ -1537,7 +1576,7 @@
       </p:grpSpPr>
       <p:sp>
         <p:nvSpPr>
-          <p:cNvPr id="50" name="Shape 50"/>
+          <p:cNvPr id="32" name="Shape 32"/>
           <p:cNvSpPr>
             <a:spLocks noGrp="1" noRot="1" noChangeAspect="1"/>
           </p:cNvSpPr>
@@ -1578,7 +1617,7 @@
       </p:sp>
       <p:sp>
         <p:nvSpPr>
-          <p:cNvPr id="51" name="Shape 51"/>
+          <p:cNvPr id="33" name="Shape 33"/>
           <p:cNvSpPr txBox="1">
             <a:spLocks noGrp="1"/>
           </p:cNvSpPr>
@@ -1601,46 +1640,6 @@
           </a:bodyPr>
           <a:lstStyle/>
           <a:p>
-            <a:r>
-              <a:rPr lang="en-US" dirty="0" smtClean="0">
-                <a:solidFill>
-                  <a:srgbClr val="606060"/>
-                </a:solidFill>
-              </a:rPr>
-              <a:t>D</a:t>
-            </a:r>
-            <a:r>
-              <a:rPr lang="en" dirty="0" smtClean="0">
-                <a:solidFill>
-                  <a:srgbClr val="606060"/>
-                </a:solidFill>
-              </a:rPr>
-              <a:t>ata generation </a:t>
-            </a:r>
-            <a:r>
-              <a:rPr lang="en-US" dirty="0" smtClean="0">
-                <a:solidFill>
-                  <a:srgbClr val="606060"/>
-                </a:solidFill>
-              </a:rPr>
-              <a:t>doubles every </a:t>
-            </a:r>
-            <a:r>
-              <a:rPr lang="en" dirty="0" smtClean="0">
-                <a:solidFill>
-                  <a:srgbClr val="606060"/>
-                </a:solidFill>
-              </a:rPr>
-              <a:t>&lt;&lt; 12 months</a:t>
-            </a:r>
-            <a:r>
-              <a:rPr lang="en-US" dirty="0" smtClean="0">
-                <a:solidFill>
-                  <a:srgbClr val="606060"/>
-                </a:solidFill>
-              </a:rPr>
-              <a:t>, i.e. faster than the doubling  rate of data storage (roughly 18 months)</a:t>
-            </a:r>
             <a:endParaRPr dirty="0"/>
           </a:p>
         </p:txBody>
@@ -1654,6 +1653,202 @@
 </file>
 
 <file path=ppt/notesSlides/notesSlide5.xml><?xml version="1.0" encoding="utf-8"?>
+<p:notes xmlns:a="http://schemas.openxmlformats.org/drawingml/2006/main" xmlns:r="http://schemas.openxmlformats.org/officeDocument/2006/relationships" xmlns:p="http://schemas.openxmlformats.org/presentationml/2006/main" showMasterSp="0" showMasterPhAnim="0">
+  <p:cSld>
+    <p:spTree>
+      <p:nvGrpSpPr>
+        <p:cNvPr id="1" name="Shape 103"/>
+        <p:cNvGrpSpPr/>
+        <p:nvPr/>
+      </p:nvGrpSpPr>
+      <p:grpSpPr>
+        <a:xfrm>
+          <a:off x="0" y="0"/>
+          <a:ext cx="0" cy="0"/>
+          <a:chOff x="0" y="0"/>
+          <a:chExt cx="0" cy="0"/>
+        </a:xfrm>
+      </p:grpSpPr>
+      <p:sp>
+        <p:nvSpPr>
+          <p:cNvPr id="104" name="Shape 104"/>
+          <p:cNvSpPr>
+            <a:spLocks noGrp="1" noRot="1" noChangeAspect="1"/>
+          </p:cNvSpPr>
+          <p:nvPr>
+            <p:ph type="sldImg" idx="2"/>
+          </p:nvPr>
+        </p:nvSpPr>
+        <p:spPr>
+          <a:xfrm>
+            <a:off x="1143000" y="685800"/>
+            <a:ext cx="4572000" cy="3429000"/>
+          </a:xfrm>
+          <a:custGeom>
+            <a:avLst/>
+            <a:gdLst/>
+            <a:ahLst/>
+            <a:cxnLst/>
+            <a:rect l="0" t="0" r="0" b="0"/>
+            <a:pathLst>
+              <a:path w="120000" h="120000" extrusionOk="0">
+                <a:moveTo>
+                  <a:pt x="0" y="0"/>
+                </a:moveTo>
+                <a:lnTo>
+                  <a:pt x="120000" y="0"/>
+                </a:lnTo>
+                <a:lnTo>
+                  <a:pt x="120000" y="120000"/>
+                </a:lnTo>
+                <a:lnTo>
+                  <a:pt x="0" y="120000"/>
+                </a:lnTo>
+                <a:close/>
+              </a:path>
+            </a:pathLst>
+          </a:custGeom>
+        </p:spPr>
+      </p:sp>
+      <p:sp>
+        <p:nvSpPr>
+          <p:cNvPr id="105" name="Shape 105"/>
+          <p:cNvSpPr txBox="1">
+            <a:spLocks noGrp="1"/>
+          </p:cNvSpPr>
+          <p:nvPr>
+            <p:ph type="body" idx="1"/>
+          </p:nvPr>
+        </p:nvSpPr>
+        <p:spPr>
+          <a:xfrm>
+            <a:off x="685800" y="4343400"/>
+            <a:ext cx="5486399" cy="4114800"/>
+          </a:xfrm>
+          <a:prstGeom prst="rect">
+            <a:avLst/>
+          </a:prstGeom>
+        </p:spPr>
+        <p:txBody>
+          <a:bodyPr lIns="91425" tIns="91425" rIns="91425" bIns="91425" anchor="t" anchorCtr="0">
+            <a:noAutofit/>
+          </a:bodyPr>
+          <a:lstStyle/>
+          <a:p>
+            <a:endParaRPr/>
+          </a:p>
+        </p:txBody>
+      </p:sp>
+    </p:spTree>
+  </p:cSld>
+  <p:clrMapOvr>
+    <a:masterClrMapping/>
+  </p:clrMapOvr>
+</p:notes>
+</file>
+
+<file path=ppt/notesSlides/notesSlide6.xml><?xml version="1.0" encoding="utf-8"?>
+<p:notes xmlns:a="http://schemas.openxmlformats.org/drawingml/2006/main" xmlns:r="http://schemas.openxmlformats.org/officeDocument/2006/relationships" xmlns:p="http://schemas.openxmlformats.org/presentationml/2006/main" showMasterSp="0" showMasterPhAnim="0">
+  <p:cSld>
+    <p:spTree>
+      <p:nvGrpSpPr>
+        <p:cNvPr id="1" name="Shape 97"/>
+        <p:cNvGrpSpPr/>
+        <p:nvPr/>
+      </p:nvGrpSpPr>
+      <p:grpSpPr>
+        <a:xfrm>
+          <a:off x="0" y="0"/>
+          <a:ext cx="0" cy="0"/>
+          <a:chOff x="0" y="0"/>
+          <a:chExt cx="0" cy="0"/>
+        </a:xfrm>
+      </p:grpSpPr>
+      <p:sp>
+        <p:nvSpPr>
+          <p:cNvPr id="98" name="Shape 98"/>
+          <p:cNvSpPr>
+            <a:spLocks noGrp="1" noRot="1" noChangeAspect="1"/>
+          </p:cNvSpPr>
+          <p:nvPr>
+            <p:ph type="sldImg" idx="2"/>
+          </p:nvPr>
+        </p:nvSpPr>
+        <p:spPr>
+          <a:xfrm>
+            <a:off x="1143000" y="685800"/>
+            <a:ext cx="4572000" cy="3429000"/>
+          </a:xfrm>
+          <a:custGeom>
+            <a:avLst/>
+            <a:gdLst/>
+            <a:ahLst/>
+            <a:cxnLst/>
+            <a:rect l="0" t="0" r="0" b="0"/>
+            <a:pathLst>
+              <a:path w="120000" h="120000" extrusionOk="0">
+                <a:moveTo>
+                  <a:pt x="0" y="0"/>
+                </a:moveTo>
+                <a:lnTo>
+                  <a:pt x="120000" y="0"/>
+                </a:lnTo>
+                <a:lnTo>
+                  <a:pt x="120000" y="120000"/>
+                </a:lnTo>
+                <a:lnTo>
+                  <a:pt x="0" y="120000"/>
+                </a:lnTo>
+                <a:close/>
+              </a:path>
+            </a:pathLst>
+          </a:custGeom>
+        </p:spPr>
+      </p:sp>
+      <p:sp>
+        <p:nvSpPr>
+          <p:cNvPr id="99" name="Shape 99"/>
+          <p:cNvSpPr txBox="1">
+            <a:spLocks noGrp="1"/>
+          </p:cNvSpPr>
+          <p:nvPr>
+            <p:ph type="body" idx="1"/>
+          </p:nvPr>
+        </p:nvSpPr>
+        <p:spPr>
+          <a:xfrm>
+            <a:off x="685800" y="4343400"/>
+            <a:ext cx="5486399" cy="4114800"/>
+          </a:xfrm>
+          <a:prstGeom prst="rect">
+            <a:avLst/>
+          </a:prstGeom>
+        </p:spPr>
+        <p:txBody>
+          <a:bodyPr lIns="91425" tIns="91425" rIns="91425" bIns="91425" anchor="t" anchorCtr="0">
+            <a:noAutofit/>
+          </a:bodyPr>
+          <a:lstStyle/>
+          <a:p>
+            <a:pPr lvl="0" rtl="0">
+              <a:buNone/>
+            </a:pPr>
+            <a:r>
+              <a:rPr lang="en"/>
+              <a:t>factor in uniformity in resources</a:t>
+            </a:r>
+          </a:p>
+        </p:txBody>
+      </p:sp>
+    </p:spTree>
+  </p:cSld>
+  <p:clrMapOvr>
+    <a:masterClrMapping/>
+  </p:clrMapOvr>
+</p:notes>
+</file>
+
+<file path=ppt/notesSlides/notesSlide7.xml><?xml version="1.0" encoding="utf-8"?>
 <p:notes xmlns:a="http://schemas.openxmlformats.org/drawingml/2006/main" xmlns:r="http://schemas.openxmlformats.org/officeDocument/2006/relationships" xmlns:p="http://schemas.openxmlformats.org/presentationml/2006/main" showMasterSp="0" showMasterPhAnim="0">
   <p:cSld>
     <p:spTree>
@@ -1736,7 +1931,111 @@
           </a:bodyPr>
           <a:lstStyle/>
           <a:p>
-            <a:endParaRPr dirty="0"/>
+            <a:pPr marL="0" marR="0" lvl="1" indent="0" algn="l" defTabSz="457200" rtl="0" eaLnBrk="1" fontAlgn="auto" latinLnBrk="0" hangingPunct="1">
+              <a:lnSpc>
+                <a:spcPct val="100000"/>
+              </a:lnSpc>
+              <a:spcBef>
+                <a:spcPts val="0"/>
+              </a:spcBef>
+              <a:spcAft>
+                <a:spcPts val="0"/>
+              </a:spcAft>
+              <a:buClrTx/>
+              <a:buSzTx/>
+              <a:buFontTx/>
+              <a:buNone/>
+              <a:tabLst/>
+              <a:defRPr/>
+            </a:pPr>
+            <a:r>
+              <a:rPr lang="en" sz="2000" dirty="0" smtClean="0"/>
+              <a:t>Capabilitiy</a:t>
+            </a:r>
+            <a:r>
+              <a:rPr lang="en-US" sz="2000" dirty="0" smtClean="0"/>
+              <a:t>: Well-defined and aggregated functionality, without regard to how, or the specific technology/approached used</a:t>
+            </a:r>
+          </a:p>
+          <a:p>
+            <a:pPr marL="0" marR="0" lvl="1" indent="0" algn="l" defTabSz="457200" rtl="0" eaLnBrk="1" fontAlgn="auto" latinLnBrk="0" hangingPunct="1">
+              <a:lnSpc>
+                <a:spcPct val="100000"/>
+              </a:lnSpc>
+              <a:spcBef>
+                <a:spcPts val="0"/>
+              </a:spcBef>
+              <a:spcAft>
+                <a:spcPts val="0"/>
+              </a:spcAft>
+              <a:buClrTx/>
+              <a:buSzTx/>
+              <a:buFontTx/>
+              <a:buNone/>
+              <a:tabLst/>
+              <a:defRPr/>
+            </a:pPr>
+            <a:r>
+              <a:rPr lang="en-US" sz="2000" dirty="0" smtClean="0"/>
+              <a:t>e.g., Num. of </a:t>
+            </a:r>
+            <a:r>
+              <a:rPr lang="en" sz="2000" dirty="0" smtClean="0"/>
+              <a:t>tasks, throughput, </a:t>
+            </a:r>
+            <a:r>
+              <a:rPr lang="en-US" sz="2000" dirty="0" smtClean="0"/>
+              <a:t>probabilistic bounds on time-to-completion, performance </a:t>
+            </a:r>
+            <a:r>
+              <a:rPr lang="en" sz="2000" dirty="0" smtClean="0"/>
+              <a:t>of resources, </a:t>
+            </a:r>
+            <a:r>
+              <a:rPr lang="en-US" sz="2000" dirty="0" smtClean="0"/>
+              <a:t>d</a:t>
+            </a:r>
+            <a:r>
+              <a:rPr lang="en" sz="2000" dirty="0" smtClean="0"/>
+              <a:t>ata</a:t>
+            </a:r>
+            <a:r>
+              <a:rPr lang="en-US" sz="2000" dirty="0" smtClean="0"/>
+              <a:t> (v</a:t>
+            </a:r>
+            <a:r>
+              <a:rPr lang="en" sz="2000" dirty="0" smtClean="0"/>
+              <a:t>olumes/transfer/storage</a:t>
+            </a:r>
+            <a:r>
+              <a:rPr lang="en-US" sz="2000" dirty="0" smtClean="0"/>
+              <a:t> ability)</a:t>
+            </a:r>
+          </a:p>
+          <a:p>
+            <a:endParaRPr lang="en-US" dirty="0" smtClean="0"/>
+          </a:p>
+          <a:p>
+            <a:r>
+              <a:rPr lang="en-US" dirty="0" smtClean="0"/>
+              <a:t>Much</a:t>
+            </a:r>
+            <a:r>
+              <a:rPr lang="en-US" baseline="0" dirty="0" smtClean="0"/>
+              <a:t> has been said about Implementation abstractions. </a:t>
+            </a:r>
+            <a:r>
+              <a:rPr lang="en-US" dirty="0" smtClean="0"/>
+              <a:t>There are implementation challenges galore</a:t>
+            </a:r>
+            <a:r>
+              <a:rPr lang="en-US" baseline="0" dirty="0" smtClean="0"/>
+              <a:t> in delivering such capabilities. We will focus on the Conceptual Gaps!</a:t>
+            </a:r>
+            <a:endParaRPr lang="en-US" dirty="0" smtClean="0"/>
+          </a:p>
+          <a:p>
+            <a:endParaRPr lang="en-US" dirty="0" smtClean="0"/>
           </a:p>
         </p:txBody>
       </p:sp>
@@ -1748,102 +2047,7 @@
 </p:notes>
 </file>
 
-<file path=ppt/notesSlides/notesSlide6.xml><?xml version="1.0" encoding="utf-8"?>
-<p:notes xmlns:a="http://schemas.openxmlformats.org/drawingml/2006/main" xmlns:r="http://schemas.openxmlformats.org/officeDocument/2006/relationships" xmlns:p="http://schemas.openxmlformats.org/presentationml/2006/main" showMasterSp="0" showMasterPhAnim="0">
-  <p:cSld>
-    <p:spTree>
-      <p:nvGrpSpPr>
-        <p:cNvPr id="1" name="Shape 103"/>
-        <p:cNvGrpSpPr/>
-        <p:nvPr/>
-      </p:nvGrpSpPr>
-      <p:grpSpPr>
-        <a:xfrm>
-          <a:off x="0" y="0"/>
-          <a:ext cx="0" cy="0"/>
-          <a:chOff x="0" y="0"/>
-          <a:chExt cx="0" cy="0"/>
-        </a:xfrm>
-      </p:grpSpPr>
-      <p:sp>
-        <p:nvSpPr>
-          <p:cNvPr id="104" name="Shape 104"/>
-          <p:cNvSpPr>
-            <a:spLocks noGrp="1" noRot="1" noChangeAspect="1"/>
-          </p:cNvSpPr>
-          <p:nvPr>
-            <p:ph type="sldImg" idx="2"/>
-          </p:nvPr>
-        </p:nvSpPr>
-        <p:spPr>
-          <a:xfrm>
-            <a:off x="1143000" y="685800"/>
-            <a:ext cx="4572000" cy="3429000"/>
-          </a:xfrm>
-          <a:custGeom>
-            <a:avLst/>
-            <a:gdLst/>
-            <a:ahLst/>
-            <a:cxnLst/>
-            <a:rect l="0" t="0" r="0" b="0"/>
-            <a:pathLst>
-              <a:path w="120000" h="120000" extrusionOk="0">
-                <a:moveTo>
-                  <a:pt x="0" y="0"/>
-                </a:moveTo>
-                <a:lnTo>
-                  <a:pt x="120000" y="0"/>
-                </a:lnTo>
-                <a:lnTo>
-                  <a:pt x="120000" y="120000"/>
-                </a:lnTo>
-                <a:lnTo>
-                  <a:pt x="0" y="120000"/>
-                </a:lnTo>
-                <a:close/>
-              </a:path>
-            </a:pathLst>
-          </a:custGeom>
-        </p:spPr>
-      </p:sp>
-      <p:sp>
-        <p:nvSpPr>
-          <p:cNvPr id="105" name="Shape 105"/>
-          <p:cNvSpPr txBox="1">
-            <a:spLocks noGrp="1"/>
-          </p:cNvSpPr>
-          <p:nvPr>
-            <p:ph type="body" idx="1"/>
-          </p:nvPr>
-        </p:nvSpPr>
-        <p:spPr>
-          <a:xfrm>
-            <a:off x="685800" y="4343400"/>
-            <a:ext cx="5486399" cy="4114800"/>
-          </a:xfrm>
-          <a:prstGeom prst="rect">
-            <a:avLst/>
-          </a:prstGeom>
-        </p:spPr>
-        <p:txBody>
-          <a:bodyPr lIns="91425" tIns="91425" rIns="91425" bIns="91425" anchor="t" anchorCtr="0">
-            <a:noAutofit/>
-          </a:bodyPr>
-          <a:lstStyle/>
-          <a:p>
-            <a:endParaRPr/>
-          </a:p>
-        </p:txBody>
-      </p:sp>
-    </p:spTree>
-  </p:cSld>
-  <p:clrMapOvr>
-    <a:masterClrMapping/>
-  </p:clrMapOvr>
-</p:notes>
-</file>
-
-<file path=ppt/notesSlides/notesSlide7.xml><?xml version="1.0" encoding="utf-8"?>
+<file path=ppt/notesSlides/notesSlide8.xml><?xml version="1.0" encoding="utf-8"?>
 <p:notes xmlns:a="http://schemas.openxmlformats.org/drawingml/2006/main" xmlns:r="http://schemas.openxmlformats.org/officeDocument/2006/relationships" xmlns:p="http://schemas.openxmlformats.org/presentationml/2006/main" showMasterSp="0" showMasterPhAnim="0">
   <p:cSld>
     <p:spTree>
@@ -1930,9 +2134,14 @@
               <a:buNone/>
             </a:pPr>
             <a:r>
-              <a:rPr lang="en"/>
-              <a:t>factor in uniformity in resources</a:t>
-            </a:r>
+              <a:rPr lang="en-US" dirty="0" smtClean="0"/>
+              <a:t>This should expand</a:t>
+            </a:r>
+            <a:r>
+              <a:rPr lang="en-US" baseline="0" dirty="0" smtClean="0"/>
+              <a:t> each of the points in DEC foundational challenges</a:t>
+            </a:r>
+            <a:endParaRPr lang="en" dirty="0"/>
           </a:p>
         </p:txBody>
       </p:sp>
@@ -1944,12 +2153,12 @@
 </p:notes>
 </file>
 
-<file path=ppt/notesSlides/notesSlide8.xml><?xml version="1.0" encoding="utf-8"?>
-<p:notes xmlns:a="http://schemas.openxmlformats.org/drawingml/2006/main" xmlns:r="http://schemas.openxmlformats.org/officeDocument/2006/relationships" xmlns:p="http://schemas.openxmlformats.org/presentationml/2006/main" showMasterSp="0" showMasterPhAnim="0">
+<file path=ppt/notesSlides/notesSlide9.xml><?xml version="1.0" encoding="utf-8"?>
+<p:notes xmlns:a="http://schemas.openxmlformats.org/drawingml/2006/main" xmlns:r="http://schemas.openxmlformats.org/officeDocument/2006/relationships" xmlns:p="http://schemas.openxmlformats.org/presentationml/2006/main">
   <p:cSld>
     <p:spTree>
       <p:nvGrpSpPr>
-        <p:cNvPr id="1" name="Shape 31"/>
+        <p:cNvPr id="1" name=""/>
         <p:cNvGrpSpPr/>
         <p:nvPr/>
       </p:nvGrpSpPr>
@@ -1963,285 +2172,74 @@
       </p:grpSpPr>
       <p:sp>
         <p:nvSpPr>
-          <p:cNvPr id="32" name="Shape 32"/>
+          <p:cNvPr id="2" name="Slide Image Placeholder 1"/>
           <p:cNvSpPr>
             <a:spLocks noGrp="1" noRot="1" noChangeAspect="1"/>
           </p:cNvSpPr>
           <p:nvPr>
-            <p:ph type="sldImg" idx="2"/>
+            <p:ph type="sldImg"/>
           </p:nvPr>
         </p:nvSpPr>
-        <p:spPr>
-          <a:xfrm>
-            <a:off x="1143000" y="685800"/>
-            <a:ext cx="4572000" cy="3429000"/>
-          </a:xfrm>
-          <a:custGeom>
-            <a:avLst/>
-            <a:gdLst/>
-            <a:ahLst/>
-            <a:cxnLst/>
-            <a:rect l="0" t="0" r="0" b="0"/>
-            <a:pathLst>
-              <a:path w="120000" h="120000" extrusionOk="0">
-                <a:moveTo>
-                  <a:pt x="0" y="0"/>
-                </a:moveTo>
-                <a:lnTo>
-                  <a:pt x="120000" y="0"/>
-                </a:lnTo>
-                <a:lnTo>
-                  <a:pt x="120000" y="120000"/>
-                </a:lnTo>
-                <a:lnTo>
-                  <a:pt x="0" y="120000"/>
-                </a:lnTo>
-                <a:close/>
-              </a:path>
-            </a:pathLst>
-          </a:custGeom>
-        </p:spPr>
+        <p:spPr/>
       </p:sp>
       <p:sp>
         <p:nvSpPr>
-          <p:cNvPr id="33" name="Shape 33"/>
-          <p:cNvSpPr txBox="1">
+          <p:cNvPr id="3" name="Notes Placeholder 2"/>
+          <p:cNvSpPr>
             <a:spLocks noGrp="1"/>
           </p:cNvSpPr>
           <p:nvPr>
             <p:ph type="body" idx="1"/>
           </p:nvPr>
         </p:nvSpPr>
-        <p:spPr>
-          <a:xfrm>
-            <a:off x="685800" y="4343400"/>
-            <a:ext cx="5486399" cy="4114800"/>
-          </a:xfrm>
-          <a:prstGeom prst="rect">
-            <a:avLst/>
-          </a:prstGeom>
-        </p:spPr>
+        <p:spPr/>
         <p:txBody>
-          <a:bodyPr lIns="91425" tIns="91425" rIns="91425" bIns="91425" anchor="t" anchorCtr="0">
-            <a:noAutofit/>
-          </a:bodyPr>
+          <a:bodyPr/>
           <a:lstStyle/>
           <a:p>
-            <a:pPr marL="0" marR="0" lvl="1" indent="0" algn="l" defTabSz="457200" rtl="0" eaLnBrk="1" fontAlgn="auto" latinLnBrk="0" hangingPunct="1">
-              <a:lnSpc>
-                <a:spcPct val="100000"/>
-              </a:lnSpc>
-              <a:spcBef>
-                <a:spcPts val="0"/>
-              </a:spcBef>
-              <a:spcAft>
-                <a:spcPts val="0"/>
-              </a:spcAft>
-              <a:buClrTx/>
-              <a:buSzTx/>
-              <a:buFontTx/>
-              <a:buNone/>
-              <a:tabLst/>
-              <a:defRPr/>
-            </a:pPr>
-            <a:r>
-              <a:rPr lang="en" sz="2000" dirty="0" smtClean="0"/>
-              <a:t>Capabilitiy</a:t>
-            </a:r>
-            <a:r>
-              <a:rPr lang="en-US" sz="2000" dirty="0" smtClean="0"/>
-              <a:t>: Well-defined and aggregated functionality, without regard to how, or the specific technology/approached used</a:t>
-            </a:r>
-          </a:p>
-          <a:p>
-            <a:pPr marL="0" marR="0" lvl="1" indent="0" algn="l" defTabSz="457200" rtl="0" eaLnBrk="1" fontAlgn="auto" latinLnBrk="0" hangingPunct="1">
-              <a:lnSpc>
-                <a:spcPct val="100000"/>
-              </a:lnSpc>
-              <a:spcBef>
-                <a:spcPts val="0"/>
-              </a:spcBef>
-              <a:spcAft>
-                <a:spcPts val="0"/>
-              </a:spcAft>
-              <a:buClrTx/>
-              <a:buSzTx/>
-              <a:buFontTx/>
-              <a:buNone/>
-              <a:tabLst/>
-              <a:defRPr/>
-            </a:pPr>
-            <a:r>
-              <a:rPr lang="en-US" sz="2000" dirty="0" smtClean="0"/>
-              <a:t>e.g., Num. of </a:t>
-            </a:r>
-            <a:r>
-              <a:rPr lang="en" sz="2000" dirty="0" smtClean="0"/>
-              <a:t>tasks, throughput, </a:t>
-            </a:r>
-            <a:r>
-              <a:rPr lang="en-US" sz="2000" dirty="0" smtClean="0"/>
-              <a:t>probabilistic bounds on time-to-completion, performance </a:t>
-            </a:r>
-            <a:r>
-              <a:rPr lang="en" sz="2000" dirty="0" smtClean="0"/>
-              <a:t>of resources, </a:t>
-            </a:r>
-            <a:r>
-              <a:rPr lang="en-US" sz="2000" dirty="0" smtClean="0"/>
-              <a:t>d</a:t>
-            </a:r>
-            <a:r>
-              <a:rPr lang="en" sz="2000" dirty="0" smtClean="0"/>
-              <a:t>ata</a:t>
-            </a:r>
-            <a:r>
-              <a:rPr lang="en-US" sz="2000" dirty="0" smtClean="0"/>
-              <a:t> (v</a:t>
-            </a:r>
-            <a:r>
-              <a:rPr lang="en" sz="2000" dirty="0" smtClean="0"/>
-              <a:t>olumes/transfer/storage</a:t>
-            </a:r>
-            <a:r>
-              <a:rPr lang="en-US" sz="2000" dirty="0" smtClean="0"/>
-              <a:t> ability)</a:t>
-            </a:r>
-          </a:p>
-          <a:p>
-            <a:endParaRPr lang="en-US" dirty="0" smtClean="0"/>
-          </a:p>
-          <a:p>
             <a:r>
               <a:rPr lang="en-US" dirty="0" smtClean="0"/>
-              <a:t>Much</a:t>
+              <a:t>Middleware</a:t>
             </a:r>
             <a:r>
               <a:rPr lang="en-US" baseline="0" dirty="0" smtClean="0"/>
-              <a:t> has been said about Implementation abstractions. </a:t>
+              <a:t> </a:t>
             </a:r>
             <a:r>
               <a:rPr lang="en-US" dirty="0" smtClean="0"/>
-              <a:t>There are implementation challenges galore</a:t>
+              <a:t>capabilities as</a:t>
             </a:r>
             <a:r>
               <a:rPr lang="en-US" baseline="0" dirty="0" smtClean="0"/>
-              <a:t> in delivering such capabilities. We will focus on the Conceptual Gaps!</a:t>
-            </a:r>
-            <a:endParaRPr lang="en-US" dirty="0" smtClean="0"/>
-          </a:p>
-          <a:p>
-            <a:endParaRPr lang="en-US" dirty="0" smtClean="0"/>
+              <a:t> an abstraction to resources</a:t>
+            </a:r>
+          </a:p>
+          <a:p>
+            <a:endParaRPr lang="en-US" baseline="0" dirty="0" smtClean="0"/>
+          </a:p>
+          <a:p>
+            <a:r>
+              <a:rPr lang="en-US" baseline="0" dirty="0" smtClean="0"/>
+              <a:t>Middleware’s responsibility to support the set of capabilities that an application asks for and determine the collection of resources that can/must be used to provide capability</a:t>
+            </a:r>
+          </a:p>
+          <a:p>
+            <a:endParaRPr lang="en-US" baseline="0" dirty="0" smtClean="0"/>
+          </a:p>
+          <a:p>
+            <a:endParaRPr lang="en-US" baseline="0" dirty="0" smtClean="0"/>
+          </a:p>
+          <a:p>
+            <a:endParaRPr lang="en-US" dirty="0"/>
           </a:p>
         </p:txBody>
       </p:sp>
     </p:spTree>
-  </p:cSld>
-  <p:clrMapOvr>
-    <a:masterClrMapping/>
-  </p:clrMapOvr>
-</p:notes>
-</file>
-
-<file path=ppt/notesSlides/notesSlide9.xml><?xml version="1.0" encoding="utf-8"?>
-<p:notes xmlns:a="http://schemas.openxmlformats.org/drawingml/2006/main" xmlns:r="http://schemas.openxmlformats.org/officeDocument/2006/relationships" xmlns:p="http://schemas.openxmlformats.org/presentationml/2006/main" showMasterSp="0" showMasterPhAnim="0">
-  <p:cSld>
-    <p:spTree>
-      <p:nvGrpSpPr>
-        <p:cNvPr id="1" name="Shape 97"/>
-        <p:cNvGrpSpPr/>
-        <p:nvPr/>
-      </p:nvGrpSpPr>
-      <p:grpSpPr>
-        <a:xfrm>
-          <a:off x="0" y="0"/>
-          <a:ext cx="0" cy="0"/>
-          <a:chOff x="0" y="0"/>
-          <a:chExt cx="0" cy="0"/>
-        </a:xfrm>
-      </p:grpSpPr>
-      <p:sp>
-        <p:nvSpPr>
-          <p:cNvPr id="98" name="Shape 98"/>
-          <p:cNvSpPr>
-            <a:spLocks noGrp="1" noRot="1" noChangeAspect="1"/>
-          </p:cNvSpPr>
-          <p:nvPr>
-            <p:ph type="sldImg" idx="2"/>
-          </p:nvPr>
-        </p:nvSpPr>
-        <p:spPr>
-          <a:xfrm>
-            <a:off x="1143000" y="685800"/>
-            <a:ext cx="4572000" cy="3429000"/>
-          </a:xfrm>
-          <a:custGeom>
-            <a:avLst/>
-            <a:gdLst/>
-            <a:ahLst/>
-            <a:cxnLst/>
-            <a:rect l="0" t="0" r="0" b="0"/>
-            <a:pathLst>
-              <a:path w="120000" h="120000" extrusionOk="0">
-                <a:moveTo>
-                  <a:pt x="0" y="0"/>
-                </a:moveTo>
-                <a:lnTo>
-                  <a:pt x="120000" y="0"/>
-                </a:lnTo>
-                <a:lnTo>
-                  <a:pt x="120000" y="120000"/>
-                </a:lnTo>
-                <a:lnTo>
-                  <a:pt x="0" y="120000"/>
-                </a:lnTo>
-                <a:close/>
-              </a:path>
-            </a:pathLst>
-          </a:custGeom>
-        </p:spPr>
-      </p:sp>
-      <p:sp>
-        <p:nvSpPr>
-          <p:cNvPr id="99" name="Shape 99"/>
-          <p:cNvSpPr txBox="1">
-            <a:spLocks noGrp="1"/>
-          </p:cNvSpPr>
-          <p:nvPr>
-            <p:ph type="body" idx="1"/>
-          </p:nvPr>
-        </p:nvSpPr>
-        <p:spPr>
-          <a:xfrm>
-            <a:off x="685800" y="4343400"/>
-            <a:ext cx="5486399" cy="4114800"/>
-          </a:xfrm>
-          <a:prstGeom prst="rect">
-            <a:avLst/>
-          </a:prstGeom>
-        </p:spPr>
-        <p:txBody>
-          <a:bodyPr lIns="91425" tIns="91425" rIns="91425" bIns="91425" anchor="t" anchorCtr="0">
-            <a:noAutofit/>
-          </a:bodyPr>
-          <a:lstStyle/>
-          <a:p>
-            <a:pPr lvl="0" rtl="0">
-              <a:buNone/>
-            </a:pPr>
-            <a:r>
-              <a:rPr lang="en-US" dirty="0" smtClean="0"/>
-              <a:t>This should expand</a:t>
-            </a:r>
-            <a:r>
-              <a:rPr lang="en-US" baseline="0" dirty="0" smtClean="0"/>
-              <a:t> each of the points in DEC foundational challenges</a:t>
-            </a:r>
-            <a:endParaRPr lang="en" dirty="0"/>
-          </a:p>
-        </p:txBody>
-      </p:sp>
-    </p:spTree>
+    <p:extLst>
+      <p:ext uri="{BB962C8B-B14F-4D97-AF65-F5344CB8AC3E}">
+        <p14:creationId xmlns:p14="http://schemas.microsoft.com/office/powerpoint/2010/main" val="357425583"/>
+      </p:ext>
+    </p:extLst>
   </p:cSld>
   <p:clrMapOvr>
     <a:masterClrMapping/>
@@ -5100,270 +5098,6 @@
   <p:cSld>
     <p:spTree>
       <p:nvGrpSpPr>
-        <p:cNvPr id="1" name=""/>
-        <p:cNvGrpSpPr/>
-        <p:nvPr/>
-      </p:nvGrpSpPr>
-      <p:grpSpPr>
-        <a:xfrm>
-          <a:off x="0" y="0"/>
-          <a:ext cx="0" cy="0"/>
-          <a:chOff x="0" y="0"/>
-          <a:chExt cx="0" cy="0"/>
-        </a:xfrm>
-      </p:grpSpPr>
-      <p:sp>
-        <p:nvSpPr>
-          <p:cNvPr id="2" name="Title 1"/>
-          <p:cNvSpPr>
-            <a:spLocks noGrp="1"/>
-          </p:cNvSpPr>
-          <p:nvPr>
-            <p:ph type="title"/>
-          </p:nvPr>
-        </p:nvSpPr>
-        <p:spPr/>
-        <p:txBody>
-          <a:bodyPr/>
-          <a:lstStyle/>
-          <a:p>
-            <a:r>
-              <a:rPr lang="en-US" dirty="0" smtClean="0"/>
-              <a:t>DEC Questions must address</a:t>
-            </a:r>
-            <a:endParaRPr lang="en-US" dirty="0"/>
-          </a:p>
-        </p:txBody>
-      </p:sp>
-      <p:sp>
-        <p:nvSpPr>
-          <p:cNvPr id="3" name="Content Placeholder 2"/>
-          <p:cNvSpPr>
-            <a:spLocks noGrp="1"/>
-          </p:cNvSpPr>
-          <p:nvPr>
-            <p:ph idx="1"/>
-          </p:nvPr>
-        </p:nvSpPr>
-        <p:spPr/>
-        <p:txBody>
-          <a:bodyPr/>
-          <a:lstStyle/>
-          <a:p>
-            <a:r>
-              <a:rPr lang="en-US" dirty="0" smtClean="0"/>
-              <a:t>When to distribute?</a:t>
-            </a:r>
-          </a:p>
-          <a:p>
-            <a:pPr lvl="1"/>
-            <a:r>
-              <a:rPr lang="en-US" dirty="0" smtClean="0"/>
-              <a:t>Sub problem X is better running on a non-leadership class machine? </a:t>
-            </a:r>
-          </a:p>
-          <a:p>
-            <a:r>
-              <a:rPr lang="en-US" dirty="0" smtClean="0"/>
-              <a:t>What to distribute?</a:t>
-            </a:r>
-          </a:p>
-          <a:p>
-            <a:pPr lvl="1"/>
-            <a:endParaRPr lang="en-US" dirty="0" smtClean="0"/>
-          </a:p>
-          <a:p>
-            <a:r>
-              <a:rPr lang="en-US" dirty="0" smtClean="0"/>
-              <a:t>Where/how </a:t>
-            </a:r>
-            <a:r>
-              <a:rPr lang="en-US" dirty="0"/>
-              <a:t>to distribute</a:t>
-            </a:r>
-            <a:r>
-              <a:rPr lang="en-US" dirty="0" smtClean="0"/>
-              <a:t>?</a:t>
-            </a:r>
-          </a:p>
-          <a:p>
-            <a:pPr lvl="1"/>
-            <a:r>
-              <a:rPr lang="en-US" dirty="0" smtClean="0"/>
-              <a:t>Need information about resources, networks </a:t>
-            </a:r>
-          </a:p>
-          <a:p>
-            <a:pPr lvl="1"/>
-            <a:endParaRPr lang="en-US" dirty="0"/>
-          </a:p>
-          <a:p>
-            <a:r>
-              <a:rPr lang="en-US" dirty="0" smtClean="0"/>
-              <a:t>What is a capability?</a:t>
-            </a:r>
-          </a:p>
-          <a:p>
-            <a:pPr marL="457200" lvl="1" indent="0">
-              <a:buNone/>
-            </a:pPr>
-            <a:endParaRPr lang="en-US" dirty="0"/>
-          </a:p>
-        </p:txBody>
-      </p:sp>
-    </p:spTree>
-    <p:extLst>
-      <p:ext uri="{BB962C8B-B14F-4D97-AF65-F5344CB8AC3E}">
-        <p14:creationId xmlns:p14="http://schemas.microsoft.com/office/powerpoint/2010/main" val="4034351570"/>
-      </p:ext>
-    </p:extLst>
-  </p:cSld>
-  <p:clrMapOvr>
-    <a:masterClrMapping/>
-  </p:clrMapOvr>
-</p:sld>
-</file>
-
-<file path=ppt/slides/slide12.xml><?xml version="1.0" encoding="utf-8"?>
-<p:sld xmlns:a="http://schemas.openxmlformats.org/drawingml/2006/main" xmlns:r="http://schemas.openxmlformats.org/officeDocument/2006/relationships" xmlns:p="http://schemas.openxmlformats.org/presentationml/2006/main">
-  <p:cSld>
-    <p:spTree>
-      <p:nvGrpSpPr>
-        <p:cNvPr id="1" name=""/>
-        <p:cNvGrpSpPr/>
-        <p:nvPr/>
-      </p:nvGrpSpPr>
-      <p:grpSpPr>
-        <a:xfrm>
-          <a:off x="0" y="0"/>
-          <a:ext cx="0" cy="0"/>
-          <a:chOff x="0" y="0"/>
-          <a:chExt cx="0" cy="0"/>
-        </a:xfrm>
-      </p:grpSpPr>
-      <p:sp>
-        <p:nvSpPr>
-          <p:cNvPr id="2" name="Title 1"/>
-          <p:cNvSpPr>
-            <a:spLocks noGrp="1"/>
-          </p:cNvSpPr>
-          <p:nvPr>
-            <p:ph type="title"/>
-          </p:nvPr>
-        </p:nvSpPr>
-        <p:spPr/>
-        <p:txBody>
-          <a:bodyPr/>
-          <a:lstStyle/>
-          <a:p>
-            <a:r>
-              <a:rPr lang="en-US" dirty="0" smtClean="0"/>
-              <a:t>Design Objectives</a:t>
-            </a:r>
-            <a:endParaRPr lang="en-US" dirty="0"/>
-          </a:p>
-        </p:txBody>
-      </p:sp>
-      <p:sp>
-        <p:nvSpPr>
-          <p:cNvPr id="3" name="Content Placeholder 2"/>
-          <p:cNvSpPr>
-            <a:spLocks noGrp="1"/>
-          </p:cNvSpPr>
-          <p:nvPr>
-            <p:ph idx="1"/>
-          </p:nvPr>
-        </p:nvSpPr>
-        <p:spPr/>
-        <p:txBody>
-          <a:bodyPr/>
-          <a:lstStyle/>
-          <a:p>
-            <a:pPr marL="800100" lvl="1" indent="-342900">
-              <a:buClr>
-                <a:srgbClr val="000000"/>
-              </a:buClr>
-              <a:buSzPct val="100000"/>
-              <a:buFont typeface="+mj-lt"/>
-              <a:buAutoNum type="arabicPeriod"/>
-            </a:pPr>
-            <a:r>
-              <a:rPr lang="en-US" dirty="0">
-                <a:solidFill>
-                  <a:schemeClr val="tx1">
-                    <a:lumMod val="65000"/>
-                    <a:lumOff val="35000"/>
-                  </a:schemeClr>
-                </a:solidFill>
-              </a:rPr>
-              <a:t>Capability Based </a:t>
-            </a:r>
-          </a:p>
-          <a:p>
-            <a:pPr marL="800100" lvl="1" indent="-342900">
-              <a:buClr>
-                <a:srgbClr val="000000"/>
-              </a:buClr>
-              <a:buSzPct val="100000"/>
-              <a:buFont typeface="+mj-lt"/>
-              <a:buAutoNum type="arabicPeriod"/>
-            </a:pPr>
-            <a:r>
-              <a:rPr lang="en-US" dirty="0">
-                <a:solidFill>
-                  <a:schemeClr val="tx1">
-                    <a:lumMod val="65000"/>
-                    <a:lumOff val="35000"/>
-                  </a:schemeClr>
-                </a:solidFill>
-              </a:rPr>
-              <a:t>Abstracted data logic (representation, distribution, scheduling, placement) that captures application-semantics yet is not application-specific</a:t>
-            </a:r>
-          </a:p>
-          <a:p>
-            <a:pPr marL="800100" lvl="1" indent="-342900">
-              <a:buClr>
-                <a:srgbClr val="000000"/>
-              </a:buClr>
-              <a:buSzPct val="100000"/>
-              <a:buFont typeface="+mj-lt"/>
-              <a:buAutoNum type="arabicPeriod"/>
-            </a:pPr>
-            <a:r>
-              <a:rPr lang="en-US" dirty="0">
-                <a:solidFill>
-                  <a:schemeClr val="tx1">
-                    <a:lumMod val="65000"/>
-                    <a:lumOff val="35000"/>
-                  </a:schemeClr>
-                </a:solidFill>
-              </a:rPr>
-              <a:t>Integrated for Adaptive Applications and Dynamic Resource Management</a:t>
-            </a:r>
-          </a:p>
-          <a:p>
-            <a:endParaRPr lang="en-US" dirty="0"/>
-          </a:p>
-        </p:txBody>
-      </p:sp>
-    </p:spTree>
-    <p:extLst>
-      <p:ext uri="{BB962C8B-B14F-4D97-AF65-F5344CB8AC3E}">
-        <p14:creationId xmlns:p14="http://schemas.microsoft.com/office/powerpoint/2010/main" val="3261045090"/>
-      </p:ext>
-    </p:extLst>
-  </p:cSld>
-  <p:clrMapOvr>
-    <a:masterClrMapping/>
-  </p:clrMapOvr>
-</p:sld>
-</file>
-
-<file path=ppt/slides/slide13.xml><?xml version="1.0" encoding="utf-8"?>
-<p:sld xmlns:a="http://schemas.openxmlformats.org/drawingml/2006/main" xmlns:r="http://schemas.openxmlformats.org/officeDocument/2006/relationships" xmlns:p="http://schemas.openxmlformats.org/presentationml/2006/main">
-  <p:cSld>
-    <p:spTree>
-      <p:nvGrpSpPr>
         <p:cNvPr id="1" name="Shape 94"/>
         <p:cNvGrpSpPr/>
         <p:nvPr/>
@@ -5402,7 +5136,7 @@
             </a:pPr>
             <a:r>
               <a:rPr lang="en-US" dirty="0" smtClean="0"/>
-              <a:t>NGMW Design Objectives</a:t>
+              <a:t>NGMW: Challenges</a:t>
             </a:r>
             <a:endParaRPr lang="en" dirty="0"/>
           </a:p>
@@ -5447,110 +5181,6 @@
               <a:buFont typeface="Arial"/>
               <a:buNone/>
             </a:pPr>
-            <a:r>
-              <a:rPr lang="en" dirty="0">
-                <a:solidFill>
-                  <a:srgbClr val="000000"/>
-                </a:solidFill>
-              </a:rPr>
-              <a:t>• Need to </a:t>
-            </a:r>
-            <a:r>
-              <a:rPr lang="en-US" dirty="0" smtClean="0">
-                <a:solidFill>
-                  <a:srgbClr val="000000"/>
-                </a:solidFill>
-              </a:rPr>
-              <a:t>federate </a:t>
-            </a:r>
-            <a:r>
-              <a:rPr lang="en" dirty="0" smtClean="0">
-                <a:solidFill>
-                  <a:srgbClr val="000000"/>
-                </a:solidFill>
-              </a:rPr>
-              <a:t>systems </a:t>
-            </a:r>
-            <a:r>
-              <a:rPr lang="en" dirty="0">
-                <a:solidFill>
-                  <a:srgbClr val="000000"/>
-                </a:solidFill>
-              </a:rPr>
-              <a:t>to provide </a:t>
-            </a:r>
-            <a:r>
-              <a:rPr lang="en" dirty="0" smtClean="0">
-                <a:solidFill>
-                  <a:srgbClr val="000000"/>
-                </a:solidFill>
-              </a:rPr>
-              <a:t>well</a:t>
-            </a:r>
-            <a:r>
-              <a:rPr lang="en-US" dirty="0" smtClean="0">
-                <a:solidFill>
-                  <a:srgbClr val="000000"/>
-                </a:solidFill>
-              </a:rPr>
-              <a:t>-</a:t>
-            </a:r>
-            <a:r>
-              <a:rPr lang="en" dirty="0" smtClean="0">
-                <a:solidFill>
-                  <a:srgbClr val="000000"/>
-                </a:solidFill>
-              </a:rPr>
-              <a:t>defined </a:t>
-            </a:r>
-            <a:r>
-              <a:rPr lang="en" dirty="0">
-                <a:solidFill>
-                  <a:srgbClr val="000000"/>
-                </a:solidFill>
-              </a:rPr>
-              <a:t>capabilities from </a:t>
-            </a:r>
-            <a:r>
-              <a:rPr lang="en" dirty="0" smtClean="0">
-                <a:solidFill>
-                  <a:srgbClr val="000000"/>
-                </a:solidFill>
-              </a:rPr>
-              <a:t>heterogeneous</a:t>
-            </a:r>
-            <a:r>
-              <a:rPr lang="en-US" dirty="0">
-                <a:solidFill>
-                  <a:srgbClr val="000000"/>
-                </a:solidFill>
-              </a:rPr>
-              <a:t> </a:t>
-            </a:r>
-            <a:r>
-              <a:rPr lang="en-US" dirty="0" smtClean="0">
-                <a:solidFill>
-                  <a:srgbClr val="000000"/>
-                </a:solidFill>
-              </a:rPr>
-              <a:t>dynamic </a:t>
-            </a:r>
-            <a:r>
-              <a:rPr lang="en" dirty="0" smtClean="0">
-                <a:solidFill>
-                  <a:srgbClr val="000000"/>
-                </a:solidFill>
-              </a:rPr>
-              <a:t>components</a:t>
-            </a:r>
-            <a:r>
-              <a:rPr lang="en-US" dirty="0" smtClean="0">
-                <a:solidFill>
-                  <a:srgbClr val="000000"/>
-                </a:solidFill>
-              </a:rPr>
-              <a:t> for adaptive applications</a:t>
-            </a:r>
             <a:endParaRPr lang="en" dirty="0">
               <a:solidFill>
                 <a:srgbClr val="000000"/>
@@ -6114,198 +5744,7 @@
 </p:sld>
 </file>
 
-<file path=ppt/slides/slide14.xml><?xml version="1.0" encoding="utf-8"?>
-<p:sld xmlns:a="http://schemas.openxmlformats.org/drawingml/2006/main" xmlns:r="http://schemas.openxmlformats.org/officeDocument/2006/relationships" xmlns:p="http://schemas.openxmlformats.org/presentationml/2006/main">
-  <p:cSld>
-    <p:spTree>
-      <p:nvGrpSpPr>
-        <p:cNvPr id="1" name=""/>
-        <p:cNvGrpSpPr/>
-        <p:nvPr/>
-      </p:nvGrpSpPr>
-      <p:grpSpPr>
-        <a:xfrm>
-          <a:off x="0" y="0"/>
-          <a:ext cx="0" cy="0"/>
-          <a:chOff x="0" y="0"/>
-          <a:chExt cx="0" cy="0"/>
-        </a:xfrm>
-      </p:grpSpPr>
-      <p:sp>
-        <p:nvSpPr>
-          <p:cNvPr id="58369" name="Title 1"/>
-          <p:cNvSpPr>
-            <a:spLocks noGrp="1"/>
-          </p:cNvSpPr>
-          <p:nvPr>
-            <p:ph type="title"/>
-          </p:nvPr>
-        </p:nvSpPr>
-        <p:spPr/>
-        <p:txBody>
-          <a:bodyPr/>
-          <a:lstStyle/>
-          <a:p>
-            <a:r>
-              <a:rPr lang="en-US" dirty="0" smtClean="0">
-                <a:latin typeface="Arial" charset="0"/>
-                <a:ea typeface="ＭＳ Ｐゴシック" charset="0"/>
-                <a:cs typeface="ＭＳ Ｐゴシック" charset="0"/>
-              </a:rPr>
-              <a:t>Mapping Tasks to Resources</a:t>
-            </a:r>
-            <a:endParaRPr lang="en-US" dirty="0">
-              <a:latin typeface="Arial" charset="0"/>
-              <a:ea typeface="ＭＳ Ｐゴシック" charset="0"/>
-              <a:cs typeface="ＭＳ Ｐゴシック" charset="0"/>
-            </a:endParaRPr>
-          </a:p>
-        </p:txBody>
-      </p:sp>
-      <p:sp>
-        <p:nvSpPr>
-          <p:cNvPr id="58370" name="Content Placeholder 2"/>
-          <p:cNvSpPr>
-            <a:spLocks noGrp="1"/>
-          </p:cNvSpPr>
-          <p:nvPr>
-            <p:ph idx="1"/>
-          </p:nvPr>
-        </p:nvSpPr>
-        <p:spPr/>
-        <p:txBody>
-          <a:bodyPr/>
-          <a:lstStyle/>
-          <a:p>
-            <a:r>
-              <a:rPr lang="en-US" dirty="0">
-                <a:latin typeface="Arial" charset="0"/>
-                <a:ea typeface="ＭＳ Ｐゴシック" charset="0"/>
-                <a:cs typeface="ＭＳ Ｐゴシック" charset="0"/>
-              </a:rPr>
-              <a:t>Different aspects of mapping tasks to resources</a:t>
-            </a:r>
-          </a:p>
-          <a:p>
-            <a:pPr lvl="1"/>
-            <a:r>
-              <a:rPr lang="en-US" dirty="0">
-                <a:latin typeface="Arial" charset="0"/>
-                <a:ea typeface="ＭＳ Ｐゴシック" charset="0"/>
-              </a:rPr>
-              <a:t>I. Optimal Characterization: Finding the optimal workload </a:t>
-            </a:r>
-            <a:r>
-              <a:rPr lang="en-US" dirty="0" err="1">
-                <a:latin typeface="Arial" charset="0"/>
-                <a:ea typeface="ＭＳ Ｐゴシック" charset="0"/>
-              </a:rPr>
-              <a:t>characterisation</a:t>
-            </a:r>
-            <a:r>
-              <a:rPr lang="en-US" dirty="0">
-                <a:latin typeface="Arial" charset="0"/>
-                <a:ea typeface="ＭＳ Ｐゴシック" charset="0"/>
-              </a:rPr>
-              <a:t> (of an application)</a:t>
-            </a:r>
-          </a:p>
-          <a:p>
-            <a:pPr lvl="2"/>
-            <a:r>
-              <a:rPr lang="en-US" dirty="0">
-                <a:latin typeface="Arial" charset="0"/>
-                <a:ea typeface="ＭＳ Ｐゴシック" charset="0"/>
-              </a:rPr>
-              <a:t>Generality versus specificity. Class of Applications versus Many application classes/types</a:t>
-            </a:r>
-          </a:p>
-          <a:p>
-            <a:pPr lvl="2"/>
-            <a:r>
-              <a:rPr lang="en-US" dirty="0">
-                <a:latin typeface="Arial" charset="0"/>
-                <a:ea typeface="ＭＳ Ｐゴシック" charset="0"/>
-              </a:rPr>
-              <a:t>Different applications have different metrics</a:t>
-            </a:r>
-          </a:p>
-          <a:p>
-            <a:pPr lvl="1"/>
-            <a:r>
-              <a:rPr lang="en-US" dirty="0">
-                <a:latin typeface="Arial" charset="0"/>
-                <a:ea typeface="ＭＳ Ｐゴシック" charset="0"/>
-              </a:rPr>
-              <a:t>II. Optimal Federation: Finding the optimal resource configurations for a given workload </a:t>
-            </a:r>
-          </a:p>
-          <a:p>
-            <a:pPr lvl="2"/>
-            <a:r>
-              <a:rPr lang="en-US" dirty="0">
-                <a:latin typeface="Arial" charset="0"/>
-                <a:ea typeface="ＭＳ Ｐゴシック" charset="0"/>
-              </a:rPr>
-              <a:t>Irrespective of whether it is best representation of an application</a:t>
-            </a:r>
-          </a:p>
-          <a:p>
-            <a:pPr lvl="2"/>
-            <a:r>
-              <a:rPr lang="en-US" dirty="0">
-                <a:latin typeface="Arial" charset="0"/>
-                <a:ea typeface="ＭＳ Ｐゴシック" charset="0"/>
-              </a:rPr>
-              <a:t>Resources availability at extreme scale is variable</a:t>
-            </a:r>
-          </a:p>
-          <a:p>
-            <a:pPr lvl="1"/>
-            <a:r>
-              <a:rPr lang="en-US" dirty="0">
-                <a:latin typeface="Arial" charset="0"/>
-                <a:ea typeface="ＭＳ Ｐゴシック" charset="0"/>
-              </a:rPr>
-              <a:t>III. Optimal Mapping: Workload to Resource Mapping</a:t>
-            </a:r>
-          </a:p>
-          <a:p>
-            <a:pPr lvl="2"/>
-            <a:r>
-              <a:rPr lang="en-US" dirty="0">
-                <a:latin typeface="Arial" charset="0"/>
-                <a:ea typeface="ＭＳ Ｐゴシック" charset="0"/>
-              </a:rPr>
-              <a:t>Static versus Dynamic Mapping</a:t>
-            </a:r>
-          </a:p>
-          <a:p>
-            <a:pPr lvl="3"/>
-            <a:r>
-              <a:rPr lang="en-US" dirty="0">
-                <a:latin typeface="Arial" charset="0"/>
-                <a:ea typeface="ＭＳ Ｐゴシック" charset="0"/>
-              </a:rPr>
-              <a:t>If traditional HPC where workloads are characterized by finite set of kernels then static is acceptable; where workload is dynamic and capture many different applications then</a:t>
-            </a:r>
-          </a:p>
-        </p:txBody>
-      </p:sp>
-    </p:spTree>
-    <p:extLst>
-      <p:ext uri="{BB962C8B-B14F-4D97-AF65-F5344CB8AC3E}">
-        <p14:creationId xmlns:p14="http://schemas.microsoft.com/office/powerpoint/2010/main" val="2596471835"/>
-      </p:ext>
-    </p:extLst>
-  </p:cSld>
-  <p:clrMapOvr>
-    <a:masterClrMapping/>
-  </p:clrMapOvr>
-</p:sld>
-</file>
-
-<file path=ppt/slides/slide15.xml><?xml version="1.0" encoding="utf-8"?>
+<file path=ppt/slides/slide12.xml><?xml version="1.0" encoding="utf-8"?>
 <p:sld xmlns:a="http://schemas.openxmlformats.org/drawingml/2006/main" xmlns:r="http://schemas.openxmlformats.org/officeDocument/2006/relationships" xmlns:p="http://schemas.openxmlformats.org/presentationml/2006/main">
   <p:cSld>
     <p:spTree>
@@ -6383,6 +5822,387 @@
 </p:sld>
 </file>
 
+<file path=ppt/slides/slide13.xml><?xml version="1.0" encoding="utf-8"?>
+<p:sld xmlns:a="http://schemas.openxmlformats.org/drawingml/2006/main" xmlns:r="http://schemas.openxmlformats.org/officeDocument/2006/relationships" xmlns:p="http://schemas.openxmlformats.org/presentationml/2006/main">
+  <p:cSld>
+    <p:spTree>
+      <p:nvGrpSpPr>
+        <p:cNvPr id="1" name=""/>
+        <p:cNvGrpSpPr/>
+        <p:nvPr/>
+      </p:nvGrpSpPr>
+      <p:grpSpPr>
+        <a:xfrm>
+          <a:off x="0" y="0"/>
+          <a:ext cx="0" cy="0"/>
+          <a:chOff x="0" y="0"/>
+          <a:chExt cx="0" cy="0"/>
+        </a:xfrm>
+      </p:grpSpPr>
+      <p:sp>
+        <p:nvSpPr>
+          <p:cNvPr id="2" name="Title 1"/>
+          <p:cNvSpPr>
+            <a:spLocks noGrp="1"/>
+          </p:cNvSpPr>
+          <p:nvPr>
+            <p:ph type="title"/>
+          </p:nvPr>
+        </p:nvSpPr>
+        <p:spPr/>
+        <p:txBody>
+          <a:bodyPr/>
+          <a:lstStyle/>
+          <a:p>
+            <a:r>
+              <a:rPr lang="en-US" dirty="0" smtClean="0"/>
+              <a:t>A*/W* [Andre]</a:t>
+            </a:r>
+            <a:endParaRPr lang="en-US" dirty="0"/>
+          </a:p>
+        </p:txBody>
+      </p:sp>
+      <p:sp>
+        <p:nvSpPr>
+          <p:cNvPr id="3" name="Content Placeholder 2"/>
+          <p:cNvSpPr>
+            <a:spLocks noGrp="1"/>
+          </p:cNvSpPr>
+          <p:nvPr>
+            <p:ph idx="1"/>
+          </p:nvPr>
+        </p:nvSpPr>
+        <p:spPr/>
+        <p:txBody>
+          <a:bodyPr/>
+          <a:lstStyle/>
+          <a:p>
+            <a:r>
+              <a:rPr lang="en-US" dirty="0"/>
+              <a:t>Andre: is this really a model of your emulator?</a:t>
+            </a:r>
+          </a:p>
+          <a:p>
+            <a:endParaRPr lang="en-US" dirty="0"/>
+          </a:p>
+        </p:txBody>
+      </p:sp>
+    </p:spTree>
+    <p:extLst>
+      <p:ext uri="{BB962C8B-B14F-4D97-AF65-F5344CB8AC3E}">
+        <p14:creationId xmlns:p14="http://schemas.microsoft.com/office/powerpoint/2010/main" val="844055193"/>
+      </p:ext>
+    </p:extLst>
+  </p:cSld>
+  <p:clrMapOvr>
+    <a:masterClrMapping/>
+  </p:clrMapOvr>
+</p:sld>
+</file>
+
+<file path=ppt/slides/slide14.xml><?xml version="1.0" encoding="utf-8"?>
+<p:sld xmlns:a="http://schemas.openxmlformats.org/drawingml/2006/main" xmlns:r="http://schemas.openxmlformats.org/officeDocument/2006/relationships" xmlns:p="http://schemas.openxmlformats.org/presentationml/2006/main">
+  <p:cSld>
+    <p:spTree>
+      <p:nvGrpSpPr>
+        <p:cNvPr id="1" name=""/>
+        <p:cNvGrpSpPr/>
+        <p:nvPr/>
+      </p:nvGrpSpPr>
+      <p:grpSpPr>
+        <a:xfrm>
+          <a:off x="0" y="0"/>
+          <a:ext cx="0" cy="0"/>
+          <a:chOff x="0" y="0"/>
+          <a:chExt cx="0" cy="0"/>
+        </a:xfrm>
+      </p:grpSpPr>
+      <p:sp>
+        <p:nvSpPr>
+          <p:cNvPr id="2" name="Title 1"/>
+          <p:cNvSpPr>
+            <a:spLocks noGrp="1"/>
+          </p:cNvSpPr>
+          <p:nvPr>
+            <p:ph type="title"/>
+          </p:nvPr>
+        </p:nvSpPr>
+        <p:spPr/>
+        <p:txBody>
+          <a:bodyPr/>
+          <a:lstStyle/>
+          <a:p>
+            <a:r>
+              <a:rPr lang="en-US" dirty="0" smtClean="0"/>
+              <a:t>I*  ]</a:t>
+            </a:r>
+            <a:endParaRPr lang="en-US" dirty="0"/>
+          </a:p>
+        </p:txBody>
+      </p:sp>
+      <p:sp>
+        <p:nvSpPr>
+          <p:cNvPr id="4" name="Textfeld 3"/>
+          <p:cNvSpPr txBox="1"/>
+          <p:nvPr/>
+        </p:nvSpPr>
+        <p:spPr>
+          <a:xfrm>
+            <a:off x="282231" y="4977961"/>
+            <a:ext cx="2918753" cy="954107"/>
+          </a:xfrm>
+          <a:prstGeom prst="rect">
+            <a:avLst/>
+          </a:prstGeom>
+          <a:noFill/>
+        </p:spPr>
+        <p:txBody>
+          <a:bodyPr wrap="square" rtlCol="0">
+            <a:spAutoFit/>
+          </a:bodyPr>
+          <a:lstStyle/>
+          <a:p>
+            <a:pPr marL="285750" indent="-285750">
+              <a:buFont typeface="Wingdings" charset="2"/>
+              <a:buChar char="ü"/>
+            </a:pPr>
+            <a:r>
+              <a:rPr lang="de-DE" dirty="0" smtClean="0"/>
+              <a:t>Fast </a:t>
+            </a:r>
+            <a:r>
+              <a:rPr lang="de-DE" dirty="0" err="1"/>
+              <a:t>modeling</a:t>
+            </a:r>
+            <a:endParaRPr lang="de-DE" dirty="0"/>
+          </a:p>
+          <a:p>
+            <a:pPr marL="285750" indent="-285750">
+              <a:buFont typeface="Wingdings" charset="2"/>
+              <a:buChar char="ü"/>
+            </a:pPr>
+            <a:r>
+              <a:rPr lang="de-DE" dirty="0" smtClean="0"/>
+              <a:t>Easy </a:t>
+            </a:r>
+            <a:r>
+              <a:rPr lang="de-DE" dirty="0" err="1"/>
+              <a:t>data</a:t>
+            </a:r>
+            <a:r>
+              <a:rPr lang="de-DE" dirty="0"/>
+              <a:t> </a:t>
+            </a:r>
+            <a:r>
+              <a:rPr lang="de-DE" dirty="0" err="1"/>
+              <a:t>integration</a:t>
+            </a:r>
+            <a:endParaRPr lang="de-DE" dirty="0"/>
+          </a:p>
+          <a:p>
+            <a:pPr marL="285750" indent="-285750">
+              <a:buFont typeface="Wingdings" charset="2"/>
+              <a:buChar char="ü"/>
+            </a:pPr>
+            <a:r>
+              <a:rPr lang="de-DE" dirty="0" smtClean="0"/>
+              <a:t>Multiple </a:t>
+            </a:r>
+            <a:r>
+              <a:rPr lang="de-DE" dirty="0" err="1"/>
+              <a:t>levels</a:t>
+            </a:r>
+            <a:r>
+              <a:rPr lang="de-DE" dirty="0"/>
+              <a:t> </a:t>
+            </a:r>
+            <a:r>
+              <a:rPr lang="de-DE" dirty="0" err="1"/>
+              <a:t>of</a:t>
+            </a:r>
+            <a:r>
+              <a:rPr lang="de-DE" dirty="0"/>
+              <a:t> </a:t>
+            </a:r>
+            <a:r>
+              <a:rPr lang="de-DE" dirty="0" err="1" smtClean="0"/>
+              <a:t>granularity</a:t>
+            </a:r>
+            <a:endParaRPr lang="de-DE" dirty="0"/>
+          </a:p>
+          <a:p>
+            <a:pPr marL="285750" indent="-285750">
+              <a:buFont typeface="Wingdings" charset="2"/>
+              <a:buChar char="ü"/>
+            </a:pPr>
+            <a:r>
+              <a:rPr lang="de-DE" dirty="0" err="1" smtClean="0"/>
+              <a:t>Redundancy</a:t>
+            </a:r>
+            <a:r>
+              <a:rPr lang="de-DE" dirty="0" smtClean="0"/>
+              <a:t> </a:t>
+            </a:r>
+            <a:r>
+              <a:rPr lang="de-DE" dirty="0" err="1" smtClean="0"/>
+              <a:t>handling</a:t>
+            </a:r>
+            <a:endParaRPr lang="de-DE" dirty="0"/>
+          </a:p>
+        </p:txBody>
+      </p:sp>
+      <p:pic>
+        <p:nvPicPr>
+          <p:cNvPr id="5" name="Bild 4" descr="SlideDoE.png"/>
+          <p:cNvPicPr>
+            <a:picLocks noChangeAspect="1"/>
+          </p:cNvPicPr>
+          <p:nvPr/>
+        </p:nvPicPr>
+        <p:blipFill>
+          <a:blip r:embed="rId2">
+            <a:extLst>
+              <a:ext uri="{28A0092B-C50C-407E-A947-70E740481C1C}">
+                <a14:useLocalDpi xmlns:a14="http://schemas.microsoft.com/office/drawing/2010/main" val="0"/>
+              </a:ext>
+            </a:extLst>
+          </a:blip>
+          <a:stretch>
+            <a:fillRect/>
+          </a:stretch>
+        </p:blipFill>
+        <p:spPr>
+          <a:xfrm>
+            <a:off x="2309424" y="1168298"/>
+            <a:ext cx="6569984" cy="4025108"/>
+          </a:xfrm>
+          <a:prstGeom prst="rect">
+            <a:avLst/>
+          </a:prstGeom>
+        </p:spPr>
+      </p:pic>
+      <p:sp>
+        <p:nvSpPr>
+          <p:cNvPr id="6" name="Content Placeholder 5"/>
+          <p:cNvSpPr>
+            <a:spLocks noGrp="1"/>
+          </p:cNvSpPr>
+          <p:nvPr>
+            <p:ph idx="1"/>
+          </p:nvPr>
+        </p:nvSpPr>
+        <p:spPr/>
+        <p:txBody>
+          <a:bodyPr/>
+          <a:lstStyle/>
+          <a:p>
+            <a:endParaRPr lang="en-US"/>
+          </a:p>
+        </p:txBody>
+      </p:sp>
+    </p:spTree>
+    <p:extLst>
+      <p:ext uri="{BB962C8B-B14F-4D97-AF65-F5344CB8AC3E}">
+        <p14:creationId xmlns:p14="http://schemas.microsoft.com/office/powerpoint/2010/main" val="1361442106"/>
+      </p:ext>
+    </p:extLst>
+  </p:cSld>
+  <p:clrMapOvr>
+    <a:masterClrMapping/>
+  </p:clrMapOvr>
+</p:sld>
+</file>
+
+<file path=ppt/slides/slide15.xml><?xml version="1.0" encoding="utf-8"?>
+<p:sld xmlns:a="http://schemas.openxmlformats.org/drawingml/2006/main" xmlns:r="http://schemas.openxmlformats.org/officeDocument/2006/relationships" xmlns:p="http://schemas.openxmlformats.org/presentationml/2006/main">
+  <p:cSld>
+    <p:spTree>
+      <p:nvGrpSpPr>
+        <p:cNvPr id="1" name=""/>
+        <p:cNvGrpSpPr/>
+        <p:nvPr/>
+      </p:nvGrpSpPr>
+      <p:grpSpPr>
+        <a:xfrm>
+          <a:off x="0" y="0"/>
+          <a:ext cx="0" cy="0"/>
+          <a:chOff x="0" y="0"/>
+          <a:chExt cx="0" cy="0"/>
+        </a:xfrm>
+      </p:grpSpPr>
+      <p:sp>
+        <p:nvSpPr>
+          <p:cNvPr id="2" name="Title 1"/>
+          <p:cNvSpPr>
+            <a:spLocks noGrp="1"/>
+          </p:cNvSpPr>
+          <p:nvPr>
+            <p:ph type="title"/>
+          </p:nvPr>
+        </p:nvSpPr>
+        <p:spPr/>
+        <p:txBody>
+          <a:bodyPr/>
+          <a:lstStyle/>
+          <a:p>
+            <a:r>
+              <a:rPr lang="en-US" dirty="0" smtClean="0"/>
+              <a:t>P* </a:t>
+            </a:r>
+            <a:endParaRPr lang="en-US" dirty="0"/>
+          </a:p>
+        </p:txBody>
+      </p:sp>
+      <p:sp>
+        <p:nvSpPr>
+          <p:cNvPr id="4" name="Content Placeholder 3"/>
+          <p:cNvSpPr>
+            <a:spLocks noGrp="1"/>
+          </p:cNvSpPr>
+          <p:nvPr>
+            <p:ph idx="1"/>
+          </p:nvPr>
+        </p:nvSpPr>
+        <p:spPr/>
+        <p:txBody>
+          <a:bodyPr/>
+          <a:lstStyle/>
+          <a:p>
+            <a:r>
+              <a:rPr lang="en-US" dirty="0" smtClean="0"/>
+              <a:t>Pilot-Jobs provide an abstraction for dynamic resource management. Currently abstraction is job based, but can be extended to include network and storage as other resource elements</a:t>
+            </a:r>
+          </a:p>
+          <a:p>
+            <a:r>
+              <a:rPr lang="en-US" dirty="0" smtClean="0"/>
+              <a:t>P</a:t>
+            </a:r>
+            <a:r>
+              <a:rPr lang="en-US" dirty="0"/>
+              <a:t>* is a conceptual model for </a:t>
+            </a:r>
+            <a:r>
+              <a:rPr lang="en-US" dirty="0" smtClean="0"/>
+              <a:t>Pilot-based resource</a:t>
+            </a:r>
+            <a:endParaRPr lang="en-US" dirty="0"/>
+          </a:p>
+        </p:txBody>
+      </p:sp>
+    </p:spTree>
+    <p:extLst>
+      <p:ext uri="{BB962C8B-B14F-4D97-AF65-F5344CB8AC3E}">
+        <p14:creationId xmlns:p14="http://schemas.microsoft.com/office/powerpoint/2010/main" val="2772051994"/>
+      </p:ext>
+    </p:extLst>
+  </p:cSld>
+  <p:clrMapOvr>
+    <a:masterClrMapping/>
+  </p:clrMapOvr>
+</p:sld>
+</file>
+
 <file path=ppt/slides/slide16.xml><?xml version="1.0" encoding="utf-8"?>
 <p:sld xmlns:a="http://schemas.openxmlformats.org/drawingml/2006/main" xmlns:r="http://schemas.openxmlformats.org/officeDocument/2006/relationships" xmlns:p="http://schemas.openxmlformats.org/presentationml/2006/main">
   <p:cSld>
@@ -6417,7 +6237,7 @@
           <a:p>
             <a:r>
               <a:rPr lang="en-US" dirty="0" smtClean="0"/>
-              <a:t>NGMW: Outline</a:t>
+              <a:t>F* - Analytical Model of Resource Federation</a:t>
             </a:r>
             <a:endParaRPr lang="en-US" dirty="0"/>
           </a:p>
@@ -6425,7 +6245,7 @@
       </p:sp>
       <p:sp>
         <p:nvSpPr>
-          <p:cNvPr id="3" name="Shape 72"/>
+          <p:cNvPr id="4" name="Shape 72"/>
           <p:cNvSpPr txBox="1">
             <a:spLocks/>
           </p:cNvSpPr>
@@ -6433,8 +6253,8 @@
         </p:nvSpPr>
         <p:spPr bwMode="auto">
           <a:xfrm>
-            <a:off x="282231" y="786259"/>
-            <a:ext cx="8596312" cy="5281613"/>
+            <a:off x="282231" y="1087421"/>
+            <a:ext cx="4313501" cy="4687047"/>
           </a:xfrm>
           <a:prstGeom prst="rect">
             <a:avLst/>
@@ -6655,284 +6475,69 @@
             </a:lvl9pPr>
           </a:lstStyle>
           <a:p>
-            <a:pPr marL="344488" indent="-342900">
-              <a:buClr>
-                <a:srgbClr val="000000"/>
-              </a:buClr>
-              <a:buSzPct val="100000"/>
-            </a:pPr>
-            <a:r>
-              <a:rPr lang="en-US" dirty="0" smtClean="0">
-                <a:solidFill>
-                  <a:schemeClr val="tx1">
-                    <a:lumMod val="65000"/>
-                    <a:lumOff val="35000"/>
-                  </a:schemeClr>
-                </a:solidFill>
-              </a:rPr>
-              <a:t>Understanding the Different Models:</a:t>
-            </a:r>
-            <a:endParaRPr lang="en-US" dirty="0">
-              <a:solidFill>
-                <a:schemeClr val="tx1">
-                  <a:lumMod val="65000"/>
-                  <a:lumOff val="35000"/>
-                </a:schemeClr>
-              </a:solidFill>
-            </a:endParaRPr>
-          </a:p>
-          <a:p>
-            <a:pPr marL="800100" lvl="1" indent="-342900">
-              <a:buClr>
-                <a:srgbClr val="000000"/>
-              </a:buClr>
-              <a:buSzPct val="100000"/>
-            </a:pPr>
-            <a:r>
-              <a:rPr lang="en-US" dirty="0">
-                <a:solidFill>
-                  <a:srgbClr val="800000"/>
-                </a:solidFill>
-              </a:rPr>
-              <a:t>A* : Conceptual Model for Distributed Application</a:t>
-            </a:r>
-          </a:p>
-          <a:p>
-            <a:pPr marL="1208088" lvl="2" indent="-342900">
-              <a:buClr>
-                <a:srgbClr val="000000"/>
-              </a:buClr>
-              <a:buSzPct val="100000"/>
-            </a:pPr>
-            <a:r>
-              <a:rPr lang="en-US" dirty="0">
-                <a:solidFill>
-                  <a:srgbClr val="800000"/>
-                </a:solidFill>
-              </a:rPr>
-              <a:t>One of many different analytical models of an application</a:t>
-            </a:r>
-          </a:p>
-          <a:p>
-            <a:pPr marL="800100" lvl="1" indent="-342900">
-              <a:buClr>
-                <a:srgbClr val="000000"/>
-              </a:buClr>
-              <a:buSzPct val="100000"/>
-            </a:pPr>
-            <a:r>
-              <a:rPr lang="en-US" dirty="0">
-                <a:solidFill>
-                  <a:srgbClr val="800000"/>
-                </a:solidFill>
-              </a:rPr>
-              <a:t>W*: Analytical model of workload </a:t>
-            </a:r>
-          </a:p>
-          <a:p>
-            <a:pPr marL="1208088" lvl="2" indent="-342900">
-              <a:buClr>
-                <a:srgbClr val="000000"/>
-              </a:buClr>
-              <a:buSzPct val="100000"/>
-            </a:pPr>
-            <a:r>
-              <a:rPr lang="en-US" dirty="0">
-                <a:solidFill>
-                  <a:srgbClr val="800000"/>
-                </a:solidFill>
-              </a:rPr>
-              <a:t>Outputs concrete executable units, thus provides a measure of performance and prediction but independent of resources</a:t>
-            </a:r>
-          </a:p>
-          <a:p>
-            <a:pPr marL="800100" lvl="1" indent="-342900">
-              <a:buClr>
-                <a:srgbClr val="000000"/>
-              </a:buClr>
-              <a:buSzPct val="100000"/>
-            </a:pPr>
-            <a:r>
-              <a:rPr lang="en-US" dirty="0">
-                <a:solidFill>
-                  <a:schemeClr val="tx1">
-                    <a:lumMod val="65000"/>
-                    <a:lumOff val="35000"/>
-                  </a:schemeClr>
-                </a:solidFill>
-              </a:rPr>
-              <a:t>P*: Conceptual Model for </a:t>
-            </a:r>
-            <a:r>
-              <a:rPr lang="en-US" dirty="0" smtClean="0">
-                <a:solidFill>
-                  <a:schemeClr val="tx1">
-                    <a:lumMod val="65000"/>
-                    <a:lumOff val="35000"/>
-                  </a:schemeClr>
-                </a:solidFill>
-              </a:rPr>
-              <a:t>Dynamic Resources</a:t>
-            </a:r>
-          </a:p>
-          <a:p>
-            <a:pPr marL="800100" lvl="1" indent="-342900">
-              <a:buClr>
-                <a:srgbClr val="000000"/>
-              </a:buClr>
-              <a:buSzPct val="100000"/>
-            </a:pPr>
-            <a:r>
-              <a:rPr lang="en-US" dirty="0" smtClean="0">
-                <a:solidFill>
-                  <a:schemeClr val="tx1">
-                    <a:lumMod val="65000"/>
-                    <a:lumOff val="35000"/>
-                  </a:schemeClr>
-                </a:solidFill>
-              </a:rPr>
-              <a:t>I* : Analytical Model for Infrastructure [Munich]</a:t>
-            </a:r>
-            <a:endParaRPr lang="en-US" dirty="0">
-              <a:solidFill>
-                <a:schemeClr val="tx1">
-                  <a:lumMod val="65000"/>
-                  <a:lumOff val="35000"/>
-                </a:schemeClr>
-              </a:solidFill>
-            </a:endParaRPr>
-          </a:p>
-          <a:p>
-            <a:pPr marL="800100" lvl="1" indent="-342900">
-              <a:buClr>
-                <a:srgbClr val="000000"/>
-              </a:buClr>
-              <a:buSzPct val="100000"/>
-            </a:pPr>
-            <a:r>
-              <a:rPr lang="en-US" dirty="0" smtClean="0">
-                <a:solidFill>
-                  <a:schemeClr val="tx1">
-                    <a:lumMod val="65000"/>
-                    <a:lumOff val="35000"/>
-                  </a:schemeClr>
-                </a:solidFill>
-              </a:rPr>
-              <a:t>F</a:t>
-            </a:r>
-            <a:r>
-              <a:rPr lang="en-US" dirty="0">
-                <a:solidFill>
-                  <a:schemeClr val="tx1">
-                    <a:lumMod val="65000"/>
-                    <a:lumOff val="35000"/>
-                  </a:schemeClr>
-                </a:solidFill>
-              </a:rPr>
-              <a:t>*: Analytical Model of resource federation/overlay</a:t>
-            </a:r>
-          </a:p>
-          <a:p>
-            <a:pPr marL="1208088" lvl="2" indent="-342900">
-              <a:buClr>
-                <a:srgbClr val="000000"/>
-              </a:buClr>
-              <a:buSzPct val="100000"/>
-            </a:pPr>
-            <a:r>
-              <a:rPr lang="en-US" dirty="0">
-                <a:solidFill>
-                  <a:schemeClr val="tx1">
-                    <a:lumMod val="65000"/>
-                    <a:lumOff val="35000"/>
-                  </a:schemeClr>
-                </a:solidFill>
-              </a:rPr>
-              <a:t>Determines how different resources might be </a:t>
-            </a:r>
-            <a:r>
-              <a:rPr lang="en-US" dirty="0" smtClean="0">
-                <a:solidFill>
-                  <a:schemeClr val="tx1">
-                    <a:lumMod val="65000"/>
-                    <a:lumOff val="35000"/>
-                  </a:schemeClr>
-                </a:solidFill>
-              </a:rPr>
-              <a:t>federated</a:t>
-            </a:r>
-          </a:p>
-          <a:p>
-            <a:pPr marL="1208088" lvl="2" indent="-342900">
-              <a:buClr>
-                <a:srgbClr val="000000"/>
-              </a:buClr>
-              <a:buSzPct val="100000"/>
-            </a:pPr>
-            <a:r>
-              <a:rPr lang="en-US" dirty="0" smtClean="0">
-                <a:solidFill>
-                  <a:schemeClr val="tx1">
-                    <a:lumMod val="65000"/>
-                    <a:lumOff val="35000"/>
-                  </a:schemeClr>
-                </a:solidFill>
-              </a:rPr>
-              <a:t>In turn builds upon a model/models of infrastructure (I*)</a:t>
-            </a:r>
-          </a:p>
-          <a:p>
-            <a:pPr marL="344488" indent="-342900">
-              <a:buClr>
-                <a:srgbClr val="000000"/>
-              </a:buClr>
-              <a:buSzPct val="100000"/>
-            </a:pPr>
-            <a:endParaRPr lang="en-US" dirty="0" smtClean="0">
-              <a:solidFill>
-                <a:schemeClr val="tx1">
-                  <a:lumMod val="65000"/>
-                  <a:lumOff val="35000"/>
-                </a:schemeClr>
-              </a:solidFill>
-            </a:endParaRPr>
-          </a:p>
-          <a:p>
-            <a:pPr marL="865188" lvl="2" indent="0">
-              <a:buClr>
-                <a:srgbClr val="000000"/>
-              </a:buClr>
-              <a:buSzPct val="100000"/>
-              <a:buNone/>
-            </a:pPr>
-            <a:endParaRPr lang="en-US" dirty="0">
-              <a:solidFill>
-                <a:schemeClr val="tx1">
-                  <a:lumMod val="65000"/>
-                  <a:lumOff val="35000"/>
-                </a:schemeClr>
-              </a:solidFill>
-            </a:endParaRPr>
+            <a:pPr marL="344488" indent="-342900"/>
+            <a:r>
+              <a:rPr lang="en-US" dirty="0" smtClean="0"/>
+              <a:t>Models how the capabilities offered by the infrastructure layer are aggregated and then exposed to the application layer.</a:t>
+            </a:r>
+          </a:p>
+          <a:p>
+            <a:pPr marL="344488" indent="-342900"/>
+            <a:r>
+              <a:rPr lang="en-US" dirty="0" smtClean="0"/>
+              <a:t>Heterogeneous capabilities of I* are aggregated by means of overlays (red box).</a:t>
+            </a:r>
+            <a:endParaRPr lang="en-US" dirty="0"/>
+          </a:p>
+          <a:p>
+            <a:pPr marL="344488" indent="-342900"/>
+            <a:r>
+              <a:rPr lang="en-US" dirty="0" smtClean="0"/>
+              <a:t>P* is used to aggregate the capabilities exposed by I* into logical containers of resources (red box).</a:t>
+            </a:r>
           </a:p>
         </p:txBody>
       </p:sp>
+      <p:pic>
+        <p:nvPicPr>
+          <p:cNvPr id="7" name="Picture 6" descr="f_star.png"/>
+          <p:cNvPicPr>
+            <a:picLocks noChangeAspect="1"/>
+          </p:cNvPicPr>
+          <p:nvPr/>
+        </p:nvPicPr>
+        <p:blipFill>
+          <a:blip r:embed="rId3">
+            <a:extLst>
+              <a:ext uri="{28A0092B-C50C-407E-A947-70E740481C1C}">
+                <a14:useLocalDpi xmlns:a14="http://schemas.microsoft.com/office/drawing/2010/main" val="0"/>
+              </a:ext>
+            </a:extLst>
+          </a:blip>
+          <a:stretch>
+            <a:fillRect/>
+          </a:stretch>
+        </p:blipFill>
+        <p:spPr>
+          <a:xfrm>
+            <a:off x="5576062" y="1087421"/>
+            <a:ext cx="3113632" cy="4114800"/>
+          </a:xfrm>
+          <a:prstGeom prst="rect">
+            <a:avLst/>
+          </a:prstGeom>
+        </p:spPr>
+      </p:pic>
     </p:spTree>
     <p:extLst>
       <p:ext uri="{BB962C8B-B14F-4D97-AF65-F5344CB8AC3E}">
-        <p14:creationId xmlns:p14="http://schemas.microsoft.com/office/powerpoint/2010/main" val="3857714543"/>
+        <p14:creationId xmlns:p14="http://schemas.microsoft.com/office/powerpoint/2010/main" val="3241076295"/>
       </p:ext>
     </p:extLst>
   </p:cSld>
   <p:clrMapOvr>
     <a:masterClrMapping/>
   </p:clrMapOvr>
-  <p:timing>
-    <p:tnLst>
-      <p:par>
-        <p:cTn xmlns:p14="http://schemas.microsoft.com/office/powerpoint/2010/main" id="1" dur="indefinite" restart="never" nodeType="tmRoot"/>
-      </p:par>
-    </p:tnLst>
-  </p:timing>
 </p:sld>
 </file>
 
@@ -6970,429 +6575,55 @@
           <a:p>
             <a:r>
               <a:rPr lang="en-US" dirty="0" smtClean="0"/>
-              <a:t>NGMW: Outline</a:t>
+              <a:t>*.* : Putting it together</a:t>
             </a:r>
             <a:endParaRPr lang="en-US" dirty="0"/>
           </a:p>
         </p:txBody>
       </p:sp>
-      <p:sp>
-        <p:nvSpPr>
-          <p:cNvPr id="3" name="Shape 72"/>
-          <p:cNvSpPr txBox="1">
-            <a:spLocks/>
-          </p:cNvSpPr>
-          <p:nvPr/>
-        </p:nvSpPr>
-        <p:spPr bwMode="auto">
-          <a:xfrm>
-            <a:off x="282231" y="786259"/>
-            <a:ext cx="8596312" cy="5281613"/>
-          </a:xfrm>
-          <a:prstGeom prst="rect">
-            <a:avLst/>
-          </a:prstGeom>
-          <a:noFill/>
-          <a:ln>
-            <a:noFill/>
-          </a:ln>
-          <a:extLst>
-            <a:ext uri="{909E8E84-426E-40dd-AFC4-6F175D3DCCD1}">
-              <a14:hiddenFill xmlns:a14="http://schemas.microsoft.com/office/drawing/2010/main">
-                <a:solidFill>
-                  <a:srgbClr val="FFFFFF"/>
-                </a:solidFill>
-              </a14:hiddenFill>
-            </a:ext>
-            <a:ext uri="{91240B29-F687-4f45-9708-019B960494DF}">
-              <a14:hiddenLine xmlns:a14="http://schemas.microsoft.com/office/drawing/2010/main" w="9525">
-                <a:solidFill>
-                  <a:srgbClr val="000000"/>
-                </a:solidFill>
-                <a:miter lim="800000"/>
-                <a:headEnd/>
-                <a:tailEnd/>
-              </a14:hiddenLine>
-            </a:ext>
-            <a:ext uri="{FAA26D3D-D897-4be2-8F04-BA451C77F1D7}">
-              <ma14:placeholderFlag xmlns:ma14="http://schemas.microsoft.com/office/mac/drawingml/2011/main" val="1"/>
-            </a:ext>
-          </a:extLst>
-        </p:spPr>
-        <p:txBody>
-          <a:bodyPr vert="horz" wrap="square" lIns="91425" tIns="91425" rIns="91425" bIns="91425" numCol="1" anchor="t" anchorCtr="0" compatLnSpc="1">
-            <a:prstTxWarp prst="textNoShape">
-              <a:avLst/>
-            </a:prstTxWarp>
-            <a:noAutofit/>
-          </a:bodyPr>
-          <a:lstStyle>
-            <a:lvl1pPr marL="227013" indent="-227013" algn="l" rtl="0" eaLnBrk="0" fontAlgn="base" hangingPunct="0">
-              <a:spcBef>
-                <a:spcPts val="1200"/>
-              </a:spcBef>
-              <a:spcAft>
-                <a:spcPct val="0"/>
-              </a:spcAft>
-              <a:buClr>
-                <a:schemeClr val="tx1">
-                  <a:lumMod val="95000"/>
-                  <a:lumOff val="5000"/>
-                </a:schemeClr>
-              </a:buClr>
-              <a:buChar char="•"/>
-              <a:tabLst/>
-              <a:defRPr sz="2000">
-                <a:solidFill>
-                  <a:schemeClr val="tx1">
-                    <a:lumMod val="95000"/>
-                    <a:lumOff val="5000"/>
-                  </a:schemeClr>
-                </a:solidFill>
-                <a:latin typeface="+mn-lt"/>
-                <a:ea typeface="ＭＳ Ｐゴシック" charset="-128"/>
-                <a:cs typeface="ＭＳ Ｐゴシック" charset="-128"/>
-              </a:defRPr>
-            </a:lvl1pPr>
-            <a:lvl2pPr marL="682625" indent="-225425" algn="l" rtl="0" eaLnBrk="0" fontAlgn="base" hangingPunct="0">
-              <a:spcBef>
-                <a:spcPct val="20000"/>
-              </a:spcBef>
-              <a:spcAft>
-                <a:spcPct val="0"/>
-              </a:spcAft>
-              <a:buClr>
-                <a:schemeClr val="tx1">
-                  <a:lumMod val="95000"/>
-                  <a:lumOff val="5000"/>
-                </a:schemeClr>
-              </a:buClr>
-              <a:buChar char="–"/>
-              <a:defRPr sz="1800">
-                <a:solidFill>
-                  <a:srgbClr val="5F5F5F"/>
-                </a:solidFill>
-                <a:latin typeface="+mn-lt"/>
-                <a:ea typeface="ＭＳ Ｐゴシック" charset="-128"/>
-              </a:defRPr>
-            </a:lvl2pPr>
-            <a:lvl3pPr marL="1090613" indent="-176213" algn="l" rtl="0" eaLnBrk="0" fontAlgn="base" hangingPunct="0">
-              <a:spcBef>
-                <a:spcPct val="20000"/>
-              </a:spcBef>
-              <a:spcAft>
-                <a:spcPct val="0"/>
-              </a:spcAft>
-              <a:buClr>
-                <a:schemeClr val="tx1">
-                  <a:lumMod val="95000"/>
-                  <a:lumOff val="5000"/>
-                </a:schemeClr>
-              </a:buClr>
-              <a:buChar char="•"/>
-              <a:defRPr sz="1800">
-                <a:solidFill>
-                  <a:srgbClr val="5F5F5F"/>
-                </a:solidFill>
-                <a:latin typeface="+mn-lt"/>
-                <a:ea typeface="ＭＳ Ｐゴシック" charset="-128"/>
-              </a:defRPr>
-            </a:lvl3pPr>
-            <a:lvl4pPr marL="1600200" indent="-228600" algn="l" rtl="0" eaLnBrk="0" fontAlgn="base" hangingPunct="0">
-              <a:spcBef>
-                <a:spcPct val="20000"/>
-              </a:spcBef>
-              <a:spcAft>
-                <a:spcPct val="0"/>
-              </a:spcAft>
-              <a:buClr>
-                <a:schemeClr val="tx1">
-                  <a:lumMod val="95000"/>
-                  <a:lumOff val="5000"/>
-                </a:schemeClr>
-              </a:buClr>
-              <a:buChar char="–"/>
-              <a:defRPr sz="1800">
-                <a:solidFill>
-                  <a:srgbClr val="5F5F5F"/>
-                </a:solidFill>
-                <a:latin typeface="+mn-lt"/>
-                <a:ea typeface="ＭＳ Ｐゴシック" charset="-128"/>
-              </a:defRPr>
-            </a:lvl4pPr>
-            <a:lvl5pPr marL="2000250" indent="-171450" algn="l" rtl="0" eaLnBrk="0" fontAlgn="base" hangingPunct="0">
-              <a:spcBef>
-                <a:spcPct val="20000"/>
-              </a:spcBef>
-              <a:spcAft>
-                <a:spcPct val="0"/>
-              </a:spcAft>
-              <a:buClr>
-                <a:schemeClr val="tx1">
-                  <a:lumMod val="95000"/>
-                  <a:lumOff val="5000"/>
-                </a:schemeClr>
-              </a:buClr>
-              <a:buChar char="»"/>
-              <a:defRPr sz="1800">
-                <a:solidFill>
-                  <a:srgbClr val="5F5F5F"/>
-                </a:solidFill>
-                <a:latin typeface="+mn-lt"/>
-                <a:ea typeface="ＭＳ Ｐゴシック" charset="-128"/>
-              </a:defRPr>
-            </a:lvl5pPr>
-            <a:lvl6pPr marL="2514600" indent="-228600" algn="l" rtl="0" fontAlgn="base">
-              <a:spcBef>
-                <a:spcPct val="20000"/>
-              </a:spcBef>
-              <a:spcAft>
-                <a:spcPct val="0"/>
-              </a:spcAft>
-              <a:buChar char="»"/>
-              <a:defRPr sz="1400">
-                <a:solidFill>
-                  <a:srgbClr val="5F5F5F"/>
-                </a:solidFill>
-                <a:latin typeface="+mn-lt"/>
-                <a:ea typeface="ＭＳ Ｐゴシック" charset="-128"/>
-              </a:defRPr>
-            </a:lvl6pPr>
-            <a:lvl7pPr marL="2971800" indent="-228600" algn="l" rtl="0" fontAlgn="base">
-              <a:spcBef>
-                <a:spcPct val="20000"/>
-              </a:spcBef>
-              <a:spcAft>
-                <a:spcPct val="0"/>
-              </a:spcAft>
-              <a:buChar char="»"/>
-              <a:defRPr sz="1400">
-                <a:solidFill>
-                  <a:srgbClr val="5F5F5F"/>
-                </a:solidFill>
-                <a:latin typeface="+mn-lt"/>
-                <a:ea typeface="ＭＳ Ｐゴシック" charset="-128"/>
-              </a:defRPr>
-            </a:lvl7pPr>
-            <a:lvl8pPr marL="3429000" indent="-228600" algn="l" rtl="0" fontAlgn="base">
-              <a:spcBef>
-                <a:spcPct val="20000"/>
-              </a:spcBef>
-              <a:spcAft>
-                <a:spcPct val="0"/>
-              </a:spcAft>
-              <a:buChar char="»"/>
-              <a:defRPr sz="1400">
-                <a:solidFill>
-                  <a:srgbClr val="5F5F5F"/>
-                </a:solidFill>
-                <a:latin typeface="+mn-lt"/>
-                <a:ea typeface="ＭＳ Ｐゴシック" charset="-128"/>
-              </a:defRPr>
-            </a:lvl8pPr>
-            <a:lvl9pPr marL="3886200" indent="-228600" algn="l" rtl="0" fontAlgn="base">
-              <a:spcBef>
-                <a:spcPct val="20000"/>
-              </a:spcBef>
-              <a:spcAft>
-                <a:spcPct val="0"/>
-              </a:spcAft>
-              <a:buChar char="»"/>
-              <a:defRPr sz="1400">
-                <a:solidFill>
-                  <a:srgbClr val="5F5F5F"/>
-                </a:solidFill>
-                <a:latin typeface="+mn-lt"/>
-                <a:ea typeface="ＭＳ Ｐゴシック" charset="-128"/>
-              </a:defRPr>
-            </a:lvl9pPr>
-          </a:lstStyle>
-          <a:p>
-            <a:pPr marL="344488" indent="-342900"/>
-            <a:r>
-              <a:rPr lang="en-US" dirty="0" smtClean="0"/>
-              <a:t>Interaction between Models:</a:t>
-            </a:r>
-          </a:p>
-          <a:p>
-            <a:pPr marL="800100" lvl="1" indent="-342900"/>
-            <a:r>
-              <a:rPr lang="en-US" dirty="0" smtClean="0"/>
-              <a:t>[</a:t>
-            </a:r>
-            <a:r>
-              <a:rPr lang="en-US" dirty="0"/>
-              <a:t>A*, W* ] and [P*, F*]</a:t>
-            </a:r>
-          </a:p>
-          <a:p>
-            <a:pPr marL="1208088" lvl="2" indent="-342900"/>
-            <a:r>
-              <a:rPr lang="en-US" dirty="0"/>
-              <a:t>Here A* is a conceptual model, and W* is an analytical model</a:t>
-            </a:r>
-          </a:p>
-          <a:p>
-            <a:pPr marL="1208088" lvl="2" indent="-342900"/>
-            <a:r>
-              <a:rPr lang="en-US" dirty="0" smtClean="0"/>
-              <a:t>A </a:t>
-            </a:r>
-            <a:r>
-              <a:rPr lang="en-US" dirty="0"/>
-              <a:t>specific instance of A*, is subject to a transformation </a:t>
-            </a:r>
-            <a:r>
-              <a:rPr lang="en-US" b="1" dirty="0">
-                <a:ln w="12700">
-                  <a:solidFill>
-                    <a:schemeClr val="tx2">
-                      <a:satMod val="155000"/>
-                    </a:schemeClr>
-                  </a:solidFill>
-                  <a:prstDash val="solid"/>
-                </a:ln>
-                <a:solidFill>
-                  <a:schemeClr val="bg2">
-                    <a:tint val="85000"/>
-                    <a:satMod val="155000"/>
-                  </a:schemeClr>
-                </a:solidFill>
-                <a:effectLst>
-                  <a:outerShdw blurRad="41275" dist="20320" dir="1800000" algn="tl" rotWithShape="0">
-                    <a:srgbClr val="000000">
-                      <a:alpha val="40000"/>
-                    </a:srgbClr>
-                  </a:outerShdw>
-                </a:effectLst>
-              </a:rPr>
-              <a:t>W</a:t>
-            </a:r>
-            <a:r>
-              <a:rPr lang="en-US" dirty="0"/>
-              <a:t> which converts into executable units </a:t>
-            </a:r>
-            <a:r>
-              <a:rPr lang="en-US" dirty="0" smtClean="0"/>
-              <a:t>(per W*) that </a:t>
-            </a:r>
-            <a:r>
-              <a:rPr lang="en-US" dirty="0"/>
-              <a:t>have performance requirements</a:t>
-            </a:r>
-          </a:p>
-          <a:p>
-            <a:pPr marL="1208088" lvl="2" indent="-342900"/>
-            <a:r>
-              <a:rPr lang="en-US" dirty="0" smtClean="0"/>
-              <a:t>Infrastructure modeled as I*, capability is exposed and federated per F*</a:t>
-            </a:r>
-          </a:p>
-          <a:p>
-            <a:pPr marL="1208088" lvl="2" indent="-342900"/>
-            <a:r>
-              <a:rPr lang="en-US" dirty="0" smtClean="0"/>
-              <a:t>I</a:t>
-            </a:r>
-            <a:r>
-              <a:rPr lang="en-US" dirty="0"/>
-              <a:t>* </a:t>
-            </a:r>
-            <a:r>
-              <a:rPr lang="en-US" dirty="0" smtClean="0"/>
-              <a:t>subject </a:t>
-            </a:r>
-            <a:r>
-              <a:rPr lang="en-US" dirty="0"/>
-              <a:t>to a transformation </a:t>
-            </a:r>
-            <a:r>
-              <a:rPr lang="en-US" b="1" dirty="0" smtClean="0">
-                <a:ln w="12700">
-                  <a:solidFill>
-                    <a:schemeClr val="tx2">
-                      <a:satMod val="155000"/>
-                    </a:schemeClr>
-                  </a:solidFill>
-                  <a:prstDash val="solid"/>
-                </a:ln>
-                <a:solidFill>
-                  <a:schemeClr val="bg2">
-                    <a:tint val="85000"/>
-                    <a:satMod val="155000"/>
-                  </a:schemeClr>
-                </a:solidFill>
-                <a:effectLst>
-                  <a:outerShdw blurRad="41275" dist="20320" dir="1800000" algn="tl" rotWithShape="0">
-                    <a:srgbClr val="000000">
-                      <a:alpha val="40000"/>
-                    </a:srgbClr>
-                  </a:outerShdw>
-                </a:effectLst>
-              </a:rPr>
-              <a:t>F </a:t>
-            </a:r>
-            <a:r>
-              <a:rPr lang="en-US" dirty="0" smtClean="0"/>
-              <a:t>(</a:t>
-            </a:r>
-            <a:r>
-              <a:rPr lang="en-US" dirty="0"/>
-              <a:t>aggregation of resources per F*</a:t>
-            </a:r>
-            <a:r>
-              <a:rPr lang="en-US" dirty="0" smtClean="0"/>
-              <a:t>) to provide a federated capability</a:t>
-            </a:r>
-            <a:endParaRPr lang="en-US" dirty="0"/>
-          </a:p>
-          <a:p>
-            <a:pPr marL="344488" indent="-342900"/>
-            <a:r>
-              <a:rPr lang="en-US" sz="2000" dirty="0" smtClean="0"/>
-              <a:t>Role of Simulation</a:t>
-            </a:r>
-          </a:p>
-          <a:p>
-            <a:pPr marL="800100" lvl="1" indent="-342900"/>
-            <a:r>
-              <a:rPr lang="en-US" sz="1800" dirty="0" smtClean="0"/>
-              <a:t>If we federate a given set of resources {I} what is the performance we expect?</a:t>
-            </a:r>
-          </a:p>
-          <a:p>
-            <a:pPr marL="800100" lvl="1" indent="-342900"/>
-            <a:r>
-              <a:rPr lang="en-US" dirty="0" smtClean="0"/>
-              <a:t>If we want a capability [C], what is the set of resources {I} we need to federate to get  this [C] with well-defined probability distribution?</a:t>
-            </a:r>
-          </a:p>
-          <a:p>
-            <a:pPr marL="800100" lvl="1" indent="-342900"/>
-            <a:r>
-              <a:rPr lang="en-US" sz="1800" dirty="0" smtClean="0"/>
-              <a:t>Given an instance of an application (model), what is the workload  independent of the underlying resources?</a:t>
-            </a:r>
-          </a:p>
-        </p:txBody>
-      </p:sp>
+      <p:pic>
+        <p:nvPicPr>
+          <p:cNvPr id="4" name="Content Placeholder 3" descr="ngmw-schematic.png"/>
+          <p:cNvPicPr>
+            <a:picLocks noGrp="1" noChangeAspect="1"/>
+          </p:cNvPicPr>
+          <p:nvPr>
+            <p:ph idx="1"/>
+          </p:nvPr>
+        </p:nvPicPr>
+        <p:blipFill>
+          <a:blip r:embed="rId3">
+            <a:extLst>
+              <a:ext uri="{28A0092B-C50C-407E-A947-70E740481C1C}">
+                <a14:useLocalDpi xmlns:a14="http://schemas.microsoft.com/office/drawing/2010/main" val="0"/>
+              </a:ext>
+            </a:extLst>
+          </a:blip>
+          <a:srcRect t="5701" b="5701"/>
+          <a:stretch>
+            <a:fillRect/>
+          </a:stretch>
+        </p:blipFill>
+        <p:spPr/>
+      </p:pic>
     </p:spTree>
     <p:extLst>
       <p:ext uri="{BB962C8B-B14F-4D97-AF65-F5344CB8AC3E}">
-        <p14:creationId xmlns:p14="http://schemas.microsoft.com/office/powerpoint/2010/main" val="100327289"/>
+        <p14:creationId xmlns:p14="http://schemas.microsoft.com/office/powerpoint/2010/main" val="3867112780"/>
       </p:ext>
     </p:extLst>
   </p:cSld>
   <p:clrMapOvr>
     <a:masterClrMapping/>
   </p:clrMapOvr>
-  <p:timing>
-    <p:tnLst>
-      <p:par>
-        <p:cTn xmlns:p14="http://schemas.microsoft.com/office/powerpoint/2010/main" id="1" dur="indefinite" restart="never" nodeType="tmRoot"/>
-      </p:par>
-    </p:tnLst>
-  </p:timing>
+  <mc:AlternateContent xmlns:mc="http://schemas.openxmlformats.org/markup-compatibility/2006" xmlns:p14="http://schemas.microsoft.com/office/powerpoint/2010/main">
+    <mc:Choice Requires="p14">
+      <p:transition spd="slow" p14:dur="2000"/>
+    </mc:Choice>
+    <mc:Fallback xmlns="">
+      <p:transition xmlns:p14="http://schemas.microsoft.com/office/powerpoint/2010/main" spd="slow"/>
+    </mc:Fallback>
+  </mc:AlternateContent>
 </p:sld>
 </file>
 
@@ -7430,41 +6661,41 @@
           <a:p>
             <a:r>
               <a:rPr lang="en-US" dirty="0" smtClean="0"/>
-              <a:t>A* [Andre]</a:t>
+              <a:t>*.* : Putting it together</a:t>
             </a:r>
             <a:endParaRPr lang="en-US" dirty="0"/>
           </a:p>
         </p:txBody>
       </p:sp>
-      <p:sp>
-        <p:nvSpPr>
-          <p:cNvPr id="3" name="Content Placeholder 2"/>
-          <p:cNvSpPr>
-            <a:spLocks noGrp="1"/>
-          </p:cNvSpPr>
+      <p:pic>
+        <p:nvPicPr>
+          <p:cNvPr id="4" name="Content Placeholder 3" descr="ngmw-schematic-3.png"/>
+          <p:cNvPicPr>
+            <a:picLocks noGrp="1" noChangeAspect="1"/>
+          </p:cNvPicPr>
           <p:nvPr>
             <p:ph idx="1"/>
           </p:nvPr>
-        </p:nvSpPr>
+        </p:nvPicPr>
+        <p:blipFill>
+          <a:blip r:embed="rId3">
+            <a:extLst>
+              <a:ext uri="{28A0092B-C50C-407E-A947-70E740481C1C}">
+                <a14:useLocalDpi xmlns:a14="http://schemas.microsoft.com/office/drawing/2010/main" val="0"/>
+              </a:ext>
+            </a:extLst>
+          </a:blip>
+          <a:srcRect l="-43785" r="-43785"/>
+          <a:stretch>
+            <a:fillRect/>
+          </a:stretch>
+        </p:blipFill>
         <p:spPr/>
-        <p:txBody>
-          <a:bodyPr/>
-          <a:lstStyle/>
-          <a:p>
-            <a:r>
-              <a:rPr lang="en-US" dirty="0"/>
-              <a:t>Andre: is this really a model of your emulator?</a:t>
-            </a:r>
-          </a:p>
-          <a:p>
-            <a:endParaRPr lang="en-US" dirty="0"/>
-          </a:p>
-        </p:txBody>
-      </p:sp>
+      </p:pic>
     </p:spTree>
     <p:extLst>
       <p:ext uri="{BB962C8B-B14F-4D97-AF65-F5344CB8AC3E}">
-        <p14:creationId xmlns:p14="http://schemas.microsoft.com/office/powerpoint/2010/main" val="844055193"/>
+        <p14:creationId xmlns:p14="http://schemas.microsoft.com/office/powerpoint/2010/main" val="449869100"/>
       </p:ext>
     </p:extLst>
   </p:cSld>
@@ -7508,7 +6739,7 @@
           <a:p>
             <a:r>
               <a:rPr lang="en-US" dirty="0" smtClean="0"/>
-              <a:t>W* [Andre]</a:t>
+              <a:t>This will be eliminated..</a:t>
             </a:r>
             <a:endParaRPr lang="en-US" dirty="0"/>
           </a:p>
@@ -7516,37 +6747,514 @@
       </p:sp>
       <p:sp>
         <p:nvSpPr>
-          <p:cNvPr id="3" name="Content Placeholder 2"/>
-          <p:cNvSpPr>
-            <a:spLocks noGrp="1"/>
+          <p:cNvPr id="3" name="Shape 72"/>
+          <p:cNvSpPr txBox="1">
+            <a:spLocks/>
           </p:cNvSpPr>
-          <p:nvPr>
-            <p:ph idx="1"/>
-          </p:nvPr>
+          <p:nvPr/>
         </p:nvSpPr>
-        <p:spPr/>
+        <p:spPr bwMode="auto">
+          <a:xfrm>
+            <a:off x="282231" y="786259"/>
+            <a:ext cx="8596312" cy="5281613"/>
+          </a:xfrm>
+          <a:prstGeom prst="rect">
+            <a:avLst/>
+          </a:prstGeom>
+          <a:noFill/>
+          <a:ln>
+            <a:noFill/>
+          </a:ln>
+          <a:extLst>
+            <a:ext uri="{909E8E84-426E-40dd-AFC4-6F175D3DCCD1}">
+              <a14:hiddenFill xmlns:a14="http://schemas.microsoft.com/office/drawing/2010/main">
+                <a:solidFill>
+                  <a:srgbClr val="FFFFFF"/>
+                </a:solidFill>
+              </a14:hiddenFill>
+            </a:ext>
+            <a:ext uri="{91240B29-F687-4f45-9708-019B960494DF}">
+              <a14:hiddenLine xmlns:a14="http://schemas.microsoft.com/office/drawing/2010/main" w="9525">
+                <a:solidFill>
+                  <a:srgbClr val="000000"/>
+                </a:solidFill>
+                <a:miter lim="800000"/>
+                <a:headEnd/>
+                <a:tailEnd/>
+              </a14:hiddenLine>
+            </a:ext>
+            <a:ext uri="{FAA26D3D-D897-4be2-8F04-BA451C77F1D7}">
+              <ma14:placeholderFlag xmlns:ma14="http://schemas.microsoft.com/office/mac/drawingml/2011/main" val="1"/>
+            </a:ext>
+          </a:extLst>
+        </p:spPr>
         <p:txBody>
-          <a:bodyPr/>
-          <a:lstStyle/>
-          <a:p>
-            <a:r>
-              <a:rPr lang="en-US" dirty="0" smtClean="0"/>
-              <a:t>Andre: is this really a model of your emulator?</a:t>
-            </a:r>
-            <a:endParaRPr lang="en-US" dirty="0"/>
+          <a:bodyPr vert="horz" wrap="square" lIns="91425" tIns="91425" rIns="91425" bIns="91425" numCol="1" anchor="t" anchorCtr="0" compatLnSpc="1">
+            <a:prstTxWarp prst="textNoShape">
+              <a:avLst/>
+            </a:prstTxWarp>
+            <a:noAutofit/>
+          </a:bodyPr>
+          <a:lstStyle>
+            <a:lvl1pPr marL="227013" indent="-227013" algn="l" rtl="0" eaLnBrk="0" fontAlgn="base" hangingPunct="0">
+              <a:spcBef>
+                <a:spcPts val="1200"/>
+              </a:spcBef>
+              <a:spcAft>
+                <a:spcPct val="0"/>
+              </a:spcAft>
+              <a:buClr>
+                <a:schemeClr val="tx1">
+                  <a:lumMod val="95000"/>
+                  <a:lumOff val="5000"/>
+                </a:schemeClr>
+              </a:buClr>
+              <a:buChar char="•"/>
+              <a:tabLst/>
+              <a:defRPr sz="2000">
+                <a:solidFill>
+                  <a:schemeClr val="tx1">
+                    <a:lumMod val="95000"/>
+                    <a:lumOff val="5000"/>
+                  </a:schemeClr>
+                </a:solidFill>
+                <a:latin typeface="+mn-lt"/>
+                <a:ea typeface="ＭＳ Ｐゴシック" charset="-128"/>
+                <a:cs typeface="ＭＳ Ｐゴシック" charset="-128"/>
+              </a:defRPr>
+            </a:lvl1pPr>
+            <a:lvl2pPr marL="682625" indent="-225425" algn="l" rtl="0" eaLnBrk="0" fontAlgn="base" hangingPunct="0">
+              <a:spcBef>
+                <a:spcPct val="20000"/>
+              </a:spcBef>
+              <a:spcAft>
+                <a:spcPct val="0"/>
+              </a:spcAft>
+              <a:buClr>
+                <a:schemeClr val="tx1">
+                  <a:lumMod val="95000"/>
+                  <a:lumOff val="5000"/>
+                </a:schemeClr>
+              </a:buClr>
+              <a:buChar char="–"/>
+              <a:defRPr sz="1800">
+                <a:solidFill>
+                  <a:srgbClr val="5F5F5F"/>
+                </a:solidFill>
+                <a:latin typeface="+mn-lt"/>
+                <a:ea typeface="ＭＳ Ｐゴシック" charset="-128"/>
+              </a:defRPr>
+            </a:lvl2pPr>
+            <a:lvl3pPr marL="1090613" indent="-176213" algn="l" rtl="0" eaLnBrk="0" fontAlgn="base" hangingPunct="0">
+              <a:spcBef>
+                <a:spcPct val="20000"/>
+              </a:spcBef>
+              <a:spcAft>
+                <a:spcPct val="0"/>
+              </a:spcAft>
+              <a:buClr>
+                <a:schemeClr val="tx1">
+                  <a:lumMod val="95000"/>
+                  <a:lumOff val="5000"/>
+                </a:schemeClr>
+              </a:buClr>
+              <a:buChar char="•"/>
+              <a:defRPr sz="1800">
+                <a:solidFill>
+                  <a:srgbClr val="5F5F5F"/>
+                </a:solidFill>
+                <a:latin typeface="+mn-lt"/>
+                <a:ea typeface="ＭＳ Ｐゴシック" charset="-128"/>
+              </a:defRPr>
+            </a:lvl3pPr>
+            <a:lvl4pPr marL="1600200" indent="-228600" algn="l" rtl="0" eaLnBrk="0" fontAlgn="base" hangingPunct="0">
+              <a:spcBef>
+                <a:spcPct val="20000"/>
+              </a:spcBef>
+              <a:spcAft>
+                <a:spcPct val="0"/>
+              </a:spcAft>
+              <a:buClr>
+                <a:schemeClr val="tx1">
+                  <a:lumMod val="95000"/>
+                  <a:lumOff val="5000"/>
+                </a:schemeClr>
+              </a:buClr>
+              <a:buChar char="–"/>
+              <a:defRPr sz="1800">
+                <a:solidFill>
+                  <a:srgbClr val="5F5F5F"/>
+                </a:solidFill>
+                <a:latin typeface="+mn-lt"/>
+                <a:ea typeface="ＭＳ Ｐゴシック" charset="-128"/>
+              </a:defRPr>
+            </a:lvl4pPr>
+            <a:lvl5pPr marL="2000250" indent="-171450" algn="l" rtl="0" eaLnBrk="0" fontAlgn="base" hangingPunct="0">
+              <a:spcBef>
+                <a:spcPct val="20000"/>
+              </a:spcBef>
+              <a:spcAft>
+                <a:spcPct val="0"/>
+              </a:spcAft>
+              <a:buClr>
+                <a:schemeClr val="tx1">
+                  <a:lumMod val="95000"/>
+                  <a:lumOff val="5000"/>
+                </a:schemeClr>
+              </a:buClr>
+              <a:buChar char="»"/>
+              <a:defRPr sz="1800">
+                <a:solidFill>
+                  <a:srgbClr val="5F5F5F"/>
+                </a:solidFill>
+                <a:latin typeface="+mn-lt"/>
+                <a:ea typeface="ＭＳ Ｐゴシック" charset="-128"/>
+              </a:defRPr>
+            </a:lvl5pPr>
+            <a:lvl6pPr marL="2514600" indent="-228600" algn="l" rtl="0" fontAlgn="base">
+              <a:spcBef>
+                <a:spcPct val="20000"/>
+              </a:spcBef>
+              <a:spcAft>
+                <a:spcPct val="0"/>
+              </a:spcAft>
+              <a:buChar char="»"/>
+              <a:defRPr sz="1400">
+                <a:solidFill>
+                  <a:srgbClr val="5F5F5F"/>
+                </a:solidFill>
+                <a:latin typeface="+mn-lt"/>
+                <a:ea typeface="ＭＳ Ｐゴシック" charset="-128"/>
+              </a:defRPr>
+            </a:lvl6pPr>
+            <a:lvl7pPr marL="2971800" indent="-228600" algn="l" rtl="0" fontAlgn="base">
+              <a:spcBef>
+                <a:spcPct val="20000"/>
+              </a:spcBef>
+              <a:spcAft>
+                <a:spcPct val="0"/>
+              </a:spcAft>
+              <a:buChar char="»"/>
+              <a:defRPr sz="1400">
+                <a:solidFill>
+                  <a:srgbClr val="5F5F5F"/>
+                </a:solidFill>
+                <a:latin typeface="+mn-lt"/>
+                <a:ea typeface="ＭＳ Ｐゴシック" charset="-128"/>
+              </a:defRPr>
+            </a:lvl7pPr>
+            <a:lvl8pPr marL="3429000" indent="-228600" algn="l" rtl="0" fontAlgn="base">
+              <a:spcBef>
+                <a:spcPct val="20000"/>
+              </a:spcBef>
+              <a:spcAft>
+                <a:spcPct val="0"/>
+              </a:spcAft>
+              <a:buChar char="»"/>
+              <a:defRPr sz="1400">
+                <a:solidFill>
+                  <a:srgbClr val="5F5F5F"/>
+                </a:solidFill>
+                <a:latin typeface="+mn-lt"/>
+                <a:ea typeface="ＭＳ Ｐゴシック" charset="-128"/>
+              </a:defRPr>
+            </a:lvl8pPr>
+            <a:lvl9pPr marL="3886200" indent="-228600" algn="l" rtl="0" fontAlgn="base">
+              <a:spcBef>
+                <a:spcPct val="20000"/>
+              </a:spcBef>
+              <a:spcAft>
+                <a:spcPct val="0"/>
+              </a:spcAft>
+              <a:buChar char="»"/>
+              <a:defRPr sz="1400">
+                <a:solidFill>
+                  <a:srgbClr val="5F5F5F"/>
+                </a:solidFill>
+                <a:latin typeface="+mn-lt"/>
+                <a:ea typeface="ＭＳ Ｐゴシック" charset="-128"/>
+              </a:defRPr>
+            </a:lvl9pPr>
+          </a:lstStyle>
+          <a:p>
+            <a:pPr marL="344488" indent="-342900">
+              <a:buClr>
+                <a:srgbClr val="000000"/>
+              </a:buClr>
+              <a:buSzPct val="100000"/>
+            </a:pPr>
+            <a:r>
+              <a:rPr lang="en-US" dirty="0" smtClean="0">
+                <a:solidFill>
+                  <a:schemeClr val="tx1">
+                    <a:lumMod val="65000"/>
+                    <a:lumOff val="35000"/>
+                  </a:schemeClr>
+                </a:solidFill>
+              </a:rPr>
+              <a:t>Understanding the Different Models:</a:t>
+            </a:r>
+            <a:endParaRPr lang="en-US" dirty="0">
+              <a:solidFill>
+                <a:schemeClr val="tx1">
+                  <a:lumMod val="65000"/>
+                  <a:lumOff val="35000"/>
+                </a:schemeClr>
+              </a:solidFill>
+            </a:endParaRPr>
+          </a:p>
+          <a:p>
+            <a:pPr marL="800100" lvl="1" indent="-342900">
+              <a:buClr>
+                <a:srgbClr val="000000"/>
+              </a:buClr>
+              <a:buSzPct val="100000"/>
+            </a:pPr>
+            <a:r>
+              <a:rPr lang="en-US" dirty="0">
+                <a:solidFill>
+                  <a:srgbClr val="800000"/>
+                </a:solidFill>
+              </a:rPr>
+              <a:t>A* : Conceptual Model for Distributed Application</a:t>
+            </a:r>
+          </a:p>
+          <a:p>
+            <a:pPr marL="1208088" lvl="2" indent="-342900">
+              <a:buClr>
+                <a:srgbClr val="000000"/>
+              </a:buClr>
+              <a:buSzPct val="100000"/>
+            </a:pPr>
+            <a:r>
+              <a:rPr lang="en-US" dirty="0">
+                <a:solidFill>
+                  <a:srgbClr val="800000"/>
+                </a:solidFill>
+              </a:rPr>
+              <a:t>One of many different analytical models of an application</a:t>
+            </a:r>
+          </a:p>
+          <a:p>
+            <a:pPr marL="800100" lvl="1" indent="-342900">
+              <a:buClr>
+                <a:srgbClr val="000000"/>
+              </a:buClr>
+              <a:buSzPct val="100000"/>
+            </a:pPr>
+            <a:r>
+              <a:rPr lang="en-US" dirty="0">
+                <a:solidFill>
+                  <a:srgbClr val="800000"/>
+                </a:solidFill>
+              </a:rPr>
+              <a:t>W*: Analytical model of workload </a:t>
+            </a:r>
+          </a:p>
+          <a:p>
+            <a:pPr marL="1208088" lvl="2" indent="-342900">
+              <a:buClr>
+                <a:srgbClr val="000000"/>
+              </a:buClr>
+              <a:buSzPct val="100000"/>
+            </a:pPr>
+            <a:r>
+              <a:rPr lang="en-US" dirty="0">
+                <a:solidFill>
+                  <a:srgbClr val="800000"/>
+                </a:solidFill>
+              </a:rPr>
+              <a:t>Outputs concrete executable units, thus provides a measure of performance and prediction but independent of resources</a:t>
+            </a:r>
+          </a:p>
+          <a:p>
+            <a:pPr marL="800100" lvl="1" indent="-342900">
+              <a:buClr>
+                <a:srgbClr val="000000"/>
+              </a:buClr>
+              <a:buSzPct val="100000"/>
+            </a:pPr>
+            <a:r>
+              <a:rPr lang="en-US" dirty="0">
+                <a:solidFill>
+                  <a:schemeClr val="tx1">
+                    <a:lumMod val="65000"/>
+                    <a:lumOff val="35000"/>
+                  </a:schemeClr>
+                </a:solidFill>
+              </a:rPr>
+              <a:t>P*: Conceptual Model for </a:t>
+            </a:r>
+            <a:r>
+              <a:rPr lang="en-US" dirty="0" smtClean="0">
+                <a:solidFill>
+                  <a:schemeClr val="tx1">
+                    <a:lumMod val="65000"/>
+                    <a:lumOff val="35000"/>
+                  </a:schemeClr>
+                </a:solidFill>
+              </a:rPr>
+              <a:t>Dynamic Resources</a:t>
+            </a:r>
+          </a:p>
+          <a:p>
+            <a:pPr marL="800100" lvl="1" indent="-342900">
+              <a:buClr>
+                <a:srgbClr val="000000"/>
+              </a:buClr>
+              <a:buSzPct val="100000"/>
+            </a:pPr>
+            <a:r>
+              <a:rPr lang="en-US" dirty="0" smtClean="0">
+                <a:solidFill>
+                  <a:schemeClr val="tx1">
+                    <a:lumMod val="65000"/>
+                    <a:lumOff val="35000"/>
+                  </a:schemeClr>
+                </a:solidFill>
+              </a:rPr>
+              <a:t>I* : Analytical Model for Infrastructure [Munich]</a:t>
+            </a:r>
+            <a:endParaRPr lang="en-US" dirty="0">
+              <a:solidFill>
+                <a:schemeClr val="tx1">
+                  <a:lumMod val="65000"/>
+                  <a:lumOff val="35000"/>
+                </a:schemeClr>
+              </a:solidFill>
+            </a:endParaRPr>
+          </a:p>
+          <a:p>
+            <a:pPr marL="800100" lvl="1" indent="-342900">
+              <a:buClr>
+                <a:srgbClr val="000000"/>
+              </a:buClr>
+              <a:buSzPct val="100000"/>
+            </a:pPr>
+            <a:r>
+              <a:rPr lang="en-US" dirty="0" smtClean="0">
+                <a:solidFill>
+                  <a:schemeClr val="tx1">
+                    <a:lumMod val="65000"/>
+                    <a:lumOff val="35000"/>
+                  </a:schemeClr>
+                </a:solidFill>
+              </a:rPr>
+              <a:t>F</a:t>
+            </a:r>
+            <a:r>
+              <a:rPr lang="en-US" dirty="0">
+                <a:solidFill>
+                  <a:schemeClr val="tx1">
+                    <a:lumMod val="65000"/>
+                    <a:lumOff val="35000"/>
+                  </a:schemeClr>
+                </a:solidFill>
+              </a:rPr>
+              <a:t>*: Analytical Model of resource federation/overlay</a:t>
+            </a:r>
+          </a:p>
+          <a:p>
+            <a:pPr marL="1208088" lvl="2" indent="-342900">
+              <a:buClr>
+                <a:srgbClr val="000000"/>
+              </a:buClr>
+              <a:buSzPct val="100000"/>
+            </a:pPr>
+            <a:r>
+              <a:rPr lang="en-US" dirty="0">
+                <a:solidFill>
+                  <a:schemeClr val="tx1">
+                    <a:lumMod val="65000"/>
+                    <a:lumOff val="35000"/>
+                  </a:schemeClr>
+                </a:solidFill>
+              </a:rPr>
+              <a:t>Determines how different resources might be </a:t>
+            </a:r>
+            <a:r>
+              <a:rPr lang="en-US" dirty="0" smtClean="0">
+                <a:solidFill>
+                  <a:schemeClr val="tx1">
+                    <a:lumMod val="65000"/>
+                    <a:lumOff val="35000"/>
+                  </a:schemeClr>
+                </a:solidFill>
+              </a:rPr>
+              <a:t>federated</a:t>
+            </a:r>
+          </a:p>
+          <a:p>
+            <a:pPr marL="1208088" lvl="2" indent="-342900">
+              <a:buClr>
+                <a:srgbClr val="000000"/>
+              </a:buClr>
+              <a:buSzPct val="100000"/>
+            </a:pPr>
+            <a:r>
+              <a:rPr lang="en-US" dirty="0" smtClean="0">
+                <a:solidFill>
+                  <a:schemeClr val="tx1">
+                    <a:lumMod val="65000"/>
+                    <a:lumOff val="35000"/>
+                  </a:schemeClr>
+                </a:solidFill>
+              </a:rPr>
+              <a:t>In turn builds upon a model/models of infrastructure (I*)</a:t>
+            </a:r>
+          </a:p>
+          <a:p>
+            <a:pPr marL="344488" indent="-342900">
+              <a:buClr>
+                <a:srgbClr val="000000"/>
+              </a:buClr>
+              <a:buSzPct val="100000"/>
+            </a:pPr>
+            <a:endParaRPr lang="en-US" dirty="0" smtClean="0">
+              <a:solidFill>
+                <a:schemeClr val="tx1">
+                  <a:lumMod val="65000"/>
+                  <a:lumOff val="35000"/>
+                </a:schemeClr>
+              </a:solidFill>
+            </a:endParaRPr>
+          </a:p>
+          <a:p>
+            <a:pPr marL="865188" lvl="2" indent="0">
+              <a:buClr>
+                <a:srgbClr val="000000"/>
+              </a:buClr>
+              <a:buSzPct val="100000"/>
+              <a:buNone/>
+            </a:pPr>
+            <a:endParaRPr lang="en-US" dirty="0">
+              <a:solidFill>
+                <a:schemeClr val="tx1">
+                  <a:lumMod val="65000"/>
+                  <a:lumOff val="35000"/>
+                </a:schemeClr>
+              </a:solidFill>
+            </a:endParaRPr>
           </a:p>
         </p:txBody>
       </p:sp>
     </p:spTree>
     <p:extLst>
       <p:ext uri="{BB962C8B-B14F-4D97-AF65-F5344CB8AC3E}">
-        <p14:creationId xmlns:p14="http://schemas.microsoft.com/office/powerpoint/2010/main" val="2346183925"/>
+        <p14:creationId xmlns:p14="http://schemas.microsoft.com/office/powerpoint/2010/main" val="4188818823"/>
       </p:ext>
     </p:extLst>
   </p:cSld>
   <p:clrMapOvr>
     <a:masterClrMapping/>
   </p:clrMapOvr>
+  <p:timing>
+    <p:tnLst>
+      <p:par>
+        <p:cTn xmlns:p14="http://schemas.microsoft.com/office/powerpoint/2010/main" id="1" dur="indefinite" restart="never" nodeType="tmRoot"/>
+      </p:par>
+    </p:tnLst>
+  </p:timing>
 </p:sld>
 </file>
 
@@ -7631,7 +7339,7 @@
               <a:buSzPct val="100000"/>
             </a:pPr>
             <a:r>
-              <a:rPr lang="en-US" sz="1800" dirty="0" smtClean="0">
+              <a:rPr lang="en-US" dirty="0" smtClean="0">
                 <a:solidFill>
                   <a:schemeClr val="tx1">
                     <a:lumMod val="65000"/>
@@ -7642,7 +7350,7 @@
               <a:t>Why Distributed </a:t>
             </a:r>
             <a:r>
-              <a:rPr lang="en-US" sz="1800" dirty="0" err="1" smtClean="0">
+              <a:rPr lang="en-US" dirty="0" err="1" smtClean="0">
                 <a:solidFill>
                   <a:schemeClr val="tx1">
                     <a:lumMod val="65000"/>
@@ -7653,7 +7361,7 @@
               <a:t>Exascale</a:t>
             </a:r>
             <a:r>
-              <a:rPr lang="en-US" sz="1800" dirty="0" smtClean="0">
+              <a:rPr lang="en-US" dirty="0" smtClean="0">
                 <a:solidFill>
                   <a:schemeClr val="tx1">
                     <a:lumMod val="65000"/>
@@ -7661,10 +7369,18 @@
                   </a:schemeClr>
                 </a:solidFill>
               </a:rPr>
-              <a:t> Computing (DEC)</a:t>
-            </a:r>
-            <a:r>
-              <a:rPr lang="en-US" sz="1800" dirty="0" smtClean="0">
+              <a:t> Computing (DEC)?</a:t>
+            </a:r>
+          </a:p>
+          <a:p>
+            <a:pPr lvl="1">
+              <a:buClr>
+                <a:srgbClr val="000000"/>
+              </a:buClr>
+              <a:buSzPct val="100000"/>
+            </a:pPr>
+            <a:r>
+              <a:rPr lang="en-US" sz="2000" dirty="0" smtClean="0">
                 <a:solidFill>
                   <a:schemeClr val="tx1">
                     <a:lumMod val="65000"/>
@@ -7672,9 +7388,28 @@
                   </a:schemeClr>
                 </a:solidFill>
               </a:rPr>
-              <a:t>?</a:t>
-            </a:r>
-            <a:endParaRPr lang="en-US" dirty="0" smtClean="0">
+              <a:t>Foundational requirements for DEC</a:t>
+            </a:r>
+          </a:p>
+          <a:p>
+            <a:pPr>
+              <a:buClr>
+                <a:srgbClr val="000000"/>
+              </a:buClr>
+              <a:buSzPct val="100000"/>
+            </a:pPr>
+            <a:r>
+              <a:rPr lang="en-US" dirty="0">
+                <a:solidFill>
+                  <a:schemeClr val="tx1">
+                    <a:lumMod val="65000"/>
+                    <a:lumOff val="35000"/>
+                  </a:schemeClr>
+                </a:solidFill>
+              </a:rPr>
+              <a:t>The State of Extreme Scale Distributed Computing </a:t>
+            </a:r>
+            <a:endParaRPr lang="en-US" dirty="0">
               <a:solidFill>
                 <a:schemeClr val="tx1">
                   <a:lumMod val="65000"/>
@@ -7684,7 +7419,7 @@
             </a:endParaRPr>
           </a:p>
           <a:p>
-            <a:pPr lvl="1">
+            <a:pPr>
               <a:buClr>
                 <a:srgbClr val="000000"/>
               </a:buClr>
@@ -7699,9 +7434,20 @@
                   </a:schemeClr>
                 </a:solidFill>
               </a:rPr>
-              <a:t>Foundational requirements for DEC</a:t>
-            </a:r>
-            <a:endParaRPr lang="en-US" dirty="0" smtClean="0">
+              <a:t>NGMW </a:t>
+            </a:r>
+            <a:r>
+              <a:rPr lang="en-US" dirty="0" smtClean="0">
+                <a:solidFill>
+                  <a:schemeClr val="tx1">
+                    <a:lumMod val="65000"/>
+                    <a:lumOff val="35000"/>
+                  </a:schemeClr>
+                </a:solidFill>
+              </a:rPr>
+              <a:t>as a way to address DEC requirements</a:t>
+            </a:r>
+            <a:endParaRPr lang="en-US" dirty="0">
               <a:solidFill>
                 <a:schemeClr val="tx1">
                   <a:lumMod val="65000"/>
@@ -7711,14 +7457,14 @@
             </a:endParaRPr>
           </a:p>
           <a:p>
-            <a:pPr>
+            <a:pPr lvl="1">
               <a:buClr>
                 <a:srgbClr val="000000"/>
               </a:buClr>
               <a:buSzPct val="100000"/>
             </a:pPr>
             <a:r>
-              <a:rPr lang="en-US" sz="1800" dirty="0">
+              <a:rPr lang="en-US" sz="2000" dirty="0" smtClean="0">
                 <a:solidFill>
                   <a:schemeClr val="tx1">
                     <a:lumMod val="65000"/>
@@ -7726,9 +7472,20 @@
                   </a:schemeClr>
                 </a:solidFill>
               </a:rPr>
-              <a:t>The State of Extreme Scale Distributed Computing </a:t>
-            </a:r>
-            <a:endParaRPr lang="en-US" sz="1800" dirty="0" smtClean="0">
+              <a:t>Design considerations for </a:t>
+            </a:r>
+            <a:r>
+              <a:rPr lang="en-US" sz="2000" dirty="0" smtClean="0">
+                <a:solidFill>
+                  <a:schemeClr val="tx1">
+                    <a:lumMod val="65000"/>
+                    <a:lumOff val="35000"/>
+                  </a:schemeClr>
+                </a:solidFill>
+              </a:rPr>
+              <a:t>NGMW</a:t>
+            </a:r>
+            <a:endParaRPr lang="en-US" sz="2000" dirty="0">
               <a:solidFill>
                 <a:schemeClr val="tx1">
                   <a:lumMod val="65000"/>
@@ -7745,7 +7502,7 @@
               <a:buSzPct val="100000"/>
             </a:pPr>
             <a:r>
-              <a:rPr lang="en-US" sz="1600" dirty="0">
+              <a:rPr lang="en-US" sz="2000" dirty="0" smtClean="0">
                 <a:solidFill>
                   <a:schemeClr val="tx1">
                     <a:lumMod val="65000"/>
@@ -7753,10 +7510,18 @@
                   </a:schemeClr>
                 </a:solidFill>
               </a:rPr>
-              <a:t>Motivate </a:t>
-            </a:r>
-            <a:r>
-              <a:rPr lang="en-US" sz="1600" dirty="0" smtClean="0">
+              <a:t>Proposed Architecture for NGMW</a:t>
+            </a:r>
+          </a:p>
+          <a:p>
+            <a:pPr marL="1208088" lvl="2" indent="-342900">
+              <a:buClr>
+                <a:srgbClr val="000000"/>
+              </a:buClr>
+              <a:buSzPct val="100000"/>
+            </a:pPr>
+            <a:r>
+              <a:rPr lang="en-US" sz="2000" dirty="0" smtClean="0">
                 <a:solidFill>
                   <a:schemeClr val="tx1">
                     <a:lumMod val="65000"/>
@@ -7764,9 +7529,77 @@
                   </a:schemeClr>
                 </a:solidFill>
               </a:rPr>
-              <a:t>NGMW as a way to address DEC requirements</a:t>
-            </a:r>
-            <a:endParaRPr lang="en-US" sz="1600" dirty="0">
+              <a:t>Adaptive Application: A*, W*</a:t>
+            </a:r>
+          </a:p>
+          <a:p>
+            <a:pPr marL="1208088" lvl="2" indent="-342900">
+              <a:buClr>
+                <a:srgbClr val="000000"/>
+              </a:buClr>
+              <a:buSzPct val="100000"/>
+            </a:pPr>
+            <a:r>
+              <a:rPr lang="en-US" sz="2000" dirty="0" smtClean="0">
+                <a:solidFill>
+                  <a:schemeClr val="tx1">
+                    <a:lumMod val="65000"/>
+                    <a:lumOff val="35000"/>
+                  </a:schemeClr>
+                </a:solidFill>
+              </a:rPr>
+              <a:t>Dynamic Resources/Infrastructure: P*, I*</a:t>
+            </a:r>
+          </a:p>
+          <a:p>
+            <a:pPr marL="1208088" lvl="2" indent="-342900">
+              <a:buClr>
+                <a:srgbClr val="000000"/>
+              </a:buClr>
+              <a:buSzPct val="100000"/>
+            </a:pPr>
+            <a:r>
+              <a:rPr lang="en-US" sz="2000" dirty="0" smtClean="0">
+                <a:solidFill>
+                  <a:schemeClr val="tx1">
+                    <a:lumMod val="65000"/>
+                    <a:lumOff val="35000"/>
+                  </a:schemeClr>
+                </a:solidFill>
+              </a:rPr>
+              <a:t>Federation of Infrastructure F</a:t>
+            </a:r>
+            <a:r>
+              <a:rPr lang="en-US" sz="2000" dirty="0" smtClean="0">
+                <a:solidFill>
+                  <a:schemeClr val="tx1">
+                    <a:lumMod val="65000"/>
+                    <a:lumOff val="35000"/>
+                  </a:schemeClr>
+                </a:solidFill>
+              </a:rPr>
+              <a:t>*</a:t>
+            </a:r>
+          </a:p>
+          <a:p>
+            <a:pPr marL="800100" lvl="1" indent="-342900">
+              <a:buClr>
+                <a:srgbClr val="000000"/>
+              </a:buClr>
+              <a:buSzPct val="100000"/>
+            </a:pPr>
+            <a:r>
+              <a:rPr lang="en-US" sz="2000" dirty="0" smtClean="0">
+                <a:solidFill>
+                  <a:schemeClr val="tx1">
+                    <a:lumMod val="65000"/>
+                    <a:lumOff val="35000"/>
+                  </a:schemeClr>
+                </a:solidFill>
+              </a:rPr>
+              <a:t>Putting it altogether: conceptual and implementation</a:t>
+            </a:r>
+            <a:endParaRPr lang="en-US" sz="2000" dirty="0" smtClean="0">
               <a:solidFill>
                 <a:schemeClr val="tx1">
                   <a:lumMod val="65000"/>
@@ -7776,14 +7609,14 @@
             </a:endParaRPr>
           </a:p>
           <a:p>
-            <a:pPr>
+            <a:pPr marL="344488" indent="-342900">
               <a:buClr>
                 <a:srgbClr val="000000"/>
               </a:buClr>
               <a:buSzPct val="100000"/>
             </a:pPr>
             <a:r>
-              <a:rPr lang="en-US" sz="1800" dirty="0" smtClean="0">
+              <a:rPr lang="en-US" dirty="0" smtClean="0">
                 <a:solidFill>
                   <a:schemeClr val="tx1">
                     <a:lumMod val="65000"/>
@@ -7791,10 +7624,18 @@
                   </a:schemeClr>
                 </a:solidFill>
               </a:rPr>
-              <a:t>Design </a:t>
-            </a:r>
-            <a:r>
-              <a:rPr lang="en-US" sz="1800" dirty="0" smtClean="0">
+              <a:t>Role of Modeling and Simulation</a:t>
+            </a:r>
+          </a:p>
+          <a:p>
+            <a:pPr marL="800100" lvl="1" indent="-342900">
+              <a:buClr>
+                <a:srgbClr val="000000"/>
+              </a:buClr>
+              <a:buSzPct val="100000"/>
+            </a:pPr>
+            <a:r>
+              <a:rPr lang="en-US" sz="2000" dirty="0" smtClean="0">
                 <a:solidFill>
                   <a:schemeClr val="tx1">
                     <a:lumMod val="65000"/>
@@ -7802,10 +7643,10 @@
                   </a:schemeClr>
                 </a:solidFill>
               </a:rPr>
-              <a:t>considerations for </a:t>
-            </a:r>
-            <a:r>
-              <a:rPr lang="en-US" sz="1800" dirty="0" smtClean="0">
+              <a:t>Challenges in </a:t>
+            </a:r>
+            <a:r>
+              <a:rPr lang="en-US" sz="2000" dirty="0" err="1" smtClean="0">
                 <a:solidFill>
                   <a:schemeClr val="tx1">
                     <a:lumMod val="65000"/>
@@ -7813,9 +7654,9 @@
                   </a:schemeClr>
                 </a:solidFill>
               </a:rPr>
-              <a:t>NGMW</a:t>
-            </a:r>
-            <a:endParaRPr lang="en-US" sz="1800" dirty="0">
+              <a:t>ModSim</a:t>
+            </a:r>
+            <a:endParaRPr lang="en-US" sz="2000" dirty="0" smtClean="0">
               <a:solidFill>
                 <a:schemeClr val="tx1">
                   <a:lumMod val="65000"/>
@@ -7823,180 +7664,6 @@
                 </a:schemeClr>
               </a:solidFill>
             </a:endParaRPr>
-          </a:p>
-          <a:p>
-            <a:pPr>
-              <a:buClr>
-                <a:srgbClr val="000000"/>
-              </a:buClr>
-              <a:buSzPct val="100000"/>
-            </a:pPr>
-            <a:r>
-              <a:rPr lang="en-US" sz="1800" dirty="0" smtClean="0">
-                <a:solidFill>
-                  <a:schemeClr val="tx1">
-                    <a:lumMod val="65000"/>
-                    <a:lumOff val="35000"/>
-                  </a:schemeClr>
-                </a:solidFill>
-              </a:rPr>
-              <a:t>Proposed Architecture </a:t>
-            </a:r>
-            <a:r>
-              <a:rPr lang="en-US" sz="1800" dirty="0" smtClean="0">
-                <a:solidFill>
-                  <a:schemeClr val="tx1">
-                    <a:lumMod val="65000"/>
-                    <a:lumOff val="35000"/>
-                  </a:schemeClr>
-                </a:solidFill>
-              </a:rPr>
-              <a:t>for NGMW</a:t>
-            </a:r>
-          </a:p>
-          <a:p>
-            <a:pPr marL="1208088" lvl="2" indent="-342900">
-              <a:buClr>
-                <a:srgbClr val="000000"/>
-              </a:buClr>
-              <a:buSzPct val="100000"/>
-            </a:pPr>
-            <a:r>
-              <a:rPr lang="en-US" dirty="0" smtClean="0">
-                <a:solidFill>
-                  <a:schemeClr val="tx1">
-                    <a:lumMod val="65000"/>
-                    <a:lumOff val="35000"/>
-                  </a:schemeClr>
-                </a:solidFill>
-              </a:rPr>
-              <a:t>Adaptive Application: A*, W*</a:t>
-            </a:r>
-          </a:p>
-          <a:p>
-            <a:pPr marL="1208088" lvl="2" indent="-342900">
-              <a:buClr>
-                <a:srgbClr val="000000"/>
-              </a:buClr>
-              <a:buSzPct val="100000"/>
-            </a:pPr>
-            <a:r>
-              <a:rPr lang="en-US" dirty="0" smtClean="0">
-                <a:solidFill>
-                  <a:schemeClr val="tx1">
-                    <a:lumMod val="65000"/>
-                    <a:lumOff val="35000"/>
-                  </a:schemeClr>
-                </a:solidFill>
-              </a:rPr>
-              <a:t>Dynamic Resources/Infrastructure: P*, I*</a:t>
-            </a:r>
-          </a:p>
-          <a:p>
-            <a:pPr marL="1208088" lvl="2" indent="-342900">
-              <a:buClr>
-                <a:srgbClr val="000000"/>
-              </a:buClr>
-              <a:buSzPct val="100000"/>
-            </a:pPr>
-            <a:r>
-              <a:rPr lang="en-US" dirty="0" smtClean="0">
-                <a:solidFill>
-                  <a:schemeClr val="tx1">
-                    <a:lumMod val="65000"/>
-                    <a:lumOff val="35000"/>
-                  </a:schemeClr>
-                </a:solidFill>
-              </a:rPr>
-              <a:t>Federation of Infrastructure F*</a:t>
-            </a:r>
-          </a:p>
-          <a:p>
-            <a:pPr marL="344488" indent="-342900">
-              <a:buClr>
-                <a:srgbClr val="000000"/>
-              </a:buClr>
-              <a:buSzPct val="100000"/>
-            </a:pPr>
-            <a:r>
-              <a:rPr lang="en-US" sz="1800" dirty="0" smtClean="0">
-                <a:solidFill>
-                  <a:schemeClr val="tx1">
-                    <a:lumMod val="65000"/>
-                    <a:lumOff val="35000"/>
-                  </a:schemeClr>
-                </a:solidFill>
-              </a:rPr>
-              <a:t>Role of Modeling and Simulation</a:t>
-            </a:r>
-          </a:p>
-          <a:p>
-            <a:pPr marL="800100" lvl="1" indent="-342900">
-              <a:buClr>
-                <a:srgbClr val="000000"/>
-              </a:buClr>
-              <a:buSzPct val="100000"/>
-            </a:pPr>
-            <a:r>
-              <a:rPr lang="en-US" dirty="0" smtClean="0">
-                <a:solidFill>
-                  <a:schemeClr val="tx1">
-                    <a:lumMod val="65000"/>
-                    <a:lumOff val="35000"/>
-                  </a:schemeClr>
-                </a:solidFill>
-              </a:rPr>
-              <a:t>Challenges in </a:t>
-            </a:r>
-            <a:r>
-              <a:rPr lang="en-US" dirty="0" err="1" smtClean="0">
-                <a:solidFill>
-                  <a:schemeClr val="tx1">
-                    <a:lumMod val="65000"/>
-                    <a:lumOff val="35000"/>
-                  </a:schemeClr>
-                </a:solidFill>
-              </a:rPr>
-              <a:t>ModSim</a:t>
-            </a:r>
-            <a:endParaRPr lang="en-US" dirty="0" smtClean="0">
-              <a:solidFill>
-                <a:schemeClr val="tx1">
-                  <a:lumMod val="65000"/>
-                  <a:lumOff val="35000"/>
-                </a:schemeClr>
-              </a:solidFill>
-            </a:endParaRPr>
-          </a:p>
-          <a:p>
-            <a:pPr marL="800100" lvl="1" indent="-342900">
-              <a:buClr>
-                <a:srgbClr val="000000"/>
-              </a:buClr>
-              <a:buSzPct val="100000"/>
-            </a:pPr>
-            <a:r>
-              <a:rPr lang="en-US" dirty="0" smtClean="0">
-                <a:solidFill>
-                  <a:schemeClr val="tx1">
-                    <a:lumMod val="65000"/>
-                    <a:lumOff val="35000"/>
-                  </a:schemeClr>
-                </a:solidFill>
-              </a:rPr>
-              <a:t>Other </a:t>
-            </a:r>
-            <a:r>
-              <a:rPr lang="en-US" dirty="0" smtClean="0">
-                <a:solidFill>
-                  <a:schemeClr val="tx1">
-                    <a:lumMod val="65000"/>
-                    <a:lumOff val="35000"/>
-                  </a:schemeClr>
-                </a:solidFill>
-              </a:rPr>
-              <a:t>Challenges in NGMW</a:t>
-            </a:r>
           </a:p>
         </p:txBody>
       </p:sp>
@@ -8052,7 +7719,11 @@
           <a:p>
             <a:r>
               <a:rPr lang="en-US" dirty="0" smtClean="0"/>
-              <a:t>P* </a:t>
+              <a:t>NGMW: </a:t>
+            </a:r>
+            <a:r>
+              <a:rPr lang="en-US" dirty="0" smtClean="0"/>
+              <a:t>Interaction of Models and Simulation</a:t>
             </a:r>
             <a:endParaRPr lang="en-US" dirty="0"/>
           </a:p>
@@ -8060,51 +7731,421 @@
       </p:sp>
       <p:sp>
         <p:nvSpPr>
-          <p:cNvPr id="4" name="Content Placeholder 3"/>
-          <p:cNvSpPr>
-            <a:spLocks noGrp="1"/>
+          <p:cNvPr id="3" name="Shape 72"/>
+          <p:cNvSpPr txBox="1">
+            <a:spLocks/>
           </p:cNvSpPr>
-          <p:nvPr>
-            <p:ph idx="1"/>
-          </p:nvPr>
+          <p:nvPr/>
         </p:nvSpPr>
-        <p:spPr/>
+        <p:spPr bwMode="auto">
+          <a:xfrm>
+            <a:off x="282231" y="786259"/>
+            <a:ext cx="8596312" cy="5281613"/>
+          </a:xfrm>
+          <a:prstGeom prst="rect">
+            <a:avLst/>
+          </a:prstGeom>
+          <a:noFill/>
+          <a:ln>
+            <a:noFill/>
+          </a:ln>
+          <a:extLst>
+            <a:ext uri="{909E8E84-426E-40dd-AFC4-6F175D3DCCD1}">
+              <a14:hiddenFill xmlns:a14="http://schemas.microsoft.com/office/drawing/2010/main">
+                <a:solidFill>
+                  <a:srgbClr val="FFFFFF"/>
+                </a:solidFill>
+              </a14:hiddenFill>
+            </a:ext>
+            <a:ext uri="{91240B29-F687-4f45-9708-019B960494DF}">
+              <a14:hiddenLine xmlns:a14="http://schemas.microsoft.com/office/drawing/2010/main" w="9525">
+                <a:solidFill>
+                  <a:srgbClr val="000000"/>
+                </a:solidFill>
+                <a:miter lim="800000"/>
+                <a:headEnd/>
+                <a:tailEnd/>
+              </a14:hiddenLine>
+            </a:ext>
+            <a:ext uri="{FAA26D3D-D897-4be2-8F04-BA451C77F1D7}">
+              <ma14:placeholderFlag xmlns:ma14="http://schemas.microsoft.com/office/mac/drawingml/2011/main" val="1"/>
+            </a:ext>
+          </a:extLst>
+        </p:spPr>
         <p:txBody>
-          <a:bodyPr/>
-          <a:lstStyle/>
-          <a:p>
+          <a:bodyPr vert="horz" wrap="square" lIns="91425" tIns="91425" rIns="91425" bIns="91425" numCol="1" anchor="t" anchorCtr="0" compatLnSpc="1">
+            <a:prstTxWarp prst="textNoShape">
+              <a:avLst/>
+            </a:prstTxWarp>
+            <a:noAutofit/>
+          </a:bodyPr>
+          <a:lstStyle>
+            <a:lvl1pPr marL="227013" indent="-227013" algn="l" rtl="0" eaLnBrk="0" fontAlgn="base" hangingPunct="0">
+              <a:spcBef>
+                <a:spcPts val="1200"/>
+              </a:spcBef>
+              <a:spcAft>
+                <a:spcPct val="0"/>
+              </a:spcAft>
+              <a:buClr>
+                <a:schemeClr val="tx1">
+                  <a:lumMod val="95000"/>
+                  <a:lumOff val="5000"/>
+                </a:schemeClr>
+              </a:buClr>
+              <a:buChar char="•"/>
+              <a:tabLst/>
+              <a:defRPr sz="2000">
+                <a:solidFill>
+                  <a:schemeClr val="tx1">
+                    <a:lumMod val="95000"/>
+                    <a:lumOff val="5000"/>
+                  </a:schemeClr>
+                </a:solidFill>
+                <a:latin typeface="+mn-lt"/>
+                <a:ea typeface="ＭＳ Ｐゴシック" charset="-128"/>
+                <a:cs typeface="ＭＳ Ｐゴシック" charset="-128"/>
+              </a:defRPr>
+            </a:lvl1pPr>
+            <a:lvl2pPr marL="682625" indent="-225425" algn="l" rtl="0" eaLnBrk="0" fontAlgn="base" hangingPunct="0">
+              <a:spcBef>
+                <a:spcPct val="20000"/>
+              </a:spcBef>
+              <a:spcAft>
+                <a:spcPct val="0"/>
+              </a:spcAft>
+              <a:buClr>
+                <a:schemeClr val="tx1">
+                  <a:lumMod val="95000"/>
+                  <a:lumOff val="5000"/>
+                </a:schemeClr>
+              </a:buClr>
+              <a:buChar char="–"/>
+              <a:defRPr sz="1800">
+                <a:solidFill>
+                  <a:srgbClr val="5F5F5F"/>
+                </a:solidFill>
+                <a:latin typeface="+mn-lt"/>
+                <a:ea typeface="ＭＳ Ｐゴシック" charset="-128"/>
+              </a:defRPr>
+            </a:lvl2pPr>
+            <a:lvl3pPr marL="1090613" indent="-176213" algn="l" rtl="0" eaLnBrk="0" fontAlgn="base" hangingPunct="0">
+              <a:spcBef>
+                <a:spcPct val="20000"/>
+              </a:spcBef>
+              <a:spcAft>
+                <a:spcPct val="0"/>
+              </a:spcAft>
+              <a:buClr>
+                <a:schemeClr val="tx1">
+                  <a:lumMod val="95000"/>
+                  <a:lumOff val="5000"/>
+                </a:schemeClr>
+              </a:buClr>
+              <a:buChar char="•"/>
+              <a:defRPr sz="1800">
+                <a:solidFill>
+                  <a:srgbClr val="5F5F5F"/>
+                </a:solidFill>
+                <a:latin typeface="+mn-lt"/>
+                <a:ea typeface="ＭＳ Ｐゴシック" charset="-128"/>
+              </a:defRPr>
+            </a:lvl3pPr>
+            <a:lvl4pPr marL="1600200" indent="-228600" algn="l" rtl="0" eaLnBrk="0" fontAlgn="base" hangingPunct="0">
+              <a:spcBef>
+                <a:spcPct val="20000"/>
+              </a:spcBef>
+              <a:spcAft>
+                <a:spcPct val="0"/>
+              </a:spcAft>
+              <a:buClr>
+                <a:schemeClr val="tx1">
+                  <a:lumMod val="95000"/>
+                  <a:lumOff val="5000"/>
+                </a:schemeClr>
+              </a:buClr>
+              <a:buChar char="–"/>
+              <a:defRPr sz="1800">
+                <a:solidFill>
+                  <a:srgbClr val="5F5F5F"/>
+                </a:solidFill>
+                <a:latin typeface="+mn-lt"/>
+                <a:ea typeface="ＭＳ Ｐゴシック" charset="-128"/>
+              </a:defRPr>
+            </a:lvl4pPr>
+            <a:lvl5pPr marL="2000250" indent="-171450" algn="l" rtl="0" eaLnBrk="0" fontAlgn="base" hangingPunct="0">
+              <a:spcBef>
+                <a:spcPct val="20000"/>
+              </a:spcBef>
+              <a:spcAft>
+                <a:spcPct val="0"/>
+              </a:spcAft>
+              <a:buClr>
+                <a:schemeClr val="tx1">
+                  <a:lumMod val="95000"/>
+                  <a:lumOff val="5000"/>
+                </a:schemeClr>
+              </a:buClr>
+              <a:buChar char="»"/>
+              <a:defRPr sz="1800">
+                <a:solidFill>
+                  <a:srgbClr val="5F5F5F"/>
+                </a:solidFill>
+                <a:latin typeface="+mn-lt"/>
+                <a:ea typeface="ＭＳ Ｐゴシック" charset="-128"/>
+              </a:defRPr>
+            </a:lvl5pPr>
+            <a:lvl6pPr marL="2514600" indent="-228600" algn="l" rtl="0" fontAlgn="base">
+              <a:spcBef>
+                <a:spcPct val="20000"/>
+              </a:spcBef>
+              <a:spcAft>
+                <a:spcPct val="0"/>
+              </a:spcAft>
+              <a:buChar char="»"/>
+              <a:defRPr sz="1400">
+                <a:solidFill>
+                  <a:srgbClr val="5F5F5F"/>
+                </a:solidFill>
+                <a:latin typeface="+mn-lt"/>
+                <a:ea typeface="ＭＳ Ｐゴシック" charset="-128"/>
+              </a:defRPr>
+            </a:lvl6pPr>
+            <a:lvl7pPr marL="2971800" indent="-228600" algn="l" rtl="0" fontAlgn="base">
+              <a:spcBef>
+                <a:spcPct val="20000"/>
+              </a:spcBef>
+              <a:spcAft>
+                <a:spcPct val="0"/>
+              </a:spcAft>
+              <a:buChar char="»"/>
+              <a:defRPr sz="1400">
+                <a:solidFill>
+                  <a:srgbClr val="5F5F5F"/>
+                </a:solidFill>
+                <a:latin typeface="+mn-lt"/>
+                <a:ea typeface="ＭＳ Ｐゴシック" charset="-128"/>
+              </a:defRPr>
+            </a:lvl7pPr>
+            <a:lvl8pPr marL="3429000" indent="-228600" algn="l" rtl="0" fontAlgn="base">
+              <a:spcBef>
+                <a:spcPct val="20000"/>
+              </a:spcBef>
+              <a:spcAft>
+                <a:spcPct val="0"/>
+              </a:spcAft>
+              <a:buChar char="»"/>
+              <a:defRPr sz="1400">
+                <a:solidFill>
+                  <a:srgbClr val="5F5F5F"/>
+                </a:solidFill>
+                <a:latin typeface="+mn-lt"/>
+                <a:ea typeface="ＭＳ Ｐゴシック" charset="-128"/>
+              </a:defRPr>
+            </a:lvl8pPr>
+            <a:lvl9pPr marL="3886200" indent="-228600" algn="l" rtl="0" fontAlgn="base">
+              <a:spcBef>
+                <a:spcPct val="20000"/>
+              </a:spcBef>
+              <a:spcAft>
+                <a:spcPct val="0"/>
+              </a:spcAft>
+              <a:buChar char="»"/>
+              <a:defRPr sz="1400">
+                <a:solidFill>
+                  <a:srgbClr val="5F5F5F"/>
+                </a:solidFill>
+                <a:latin typeface="+mn-lt"/>
+                <a:ea typeface="ＭＳ Ｐゴシック" charset="-128"/>
+              </a:defRPr>
+            </a:lvl9pPr>
+          </a:lstStyle>
+          <a:p>
+            <a:pPr marL="344488" indent="-342900"/>
             <a:r>
               <a:rPr lang="en-US" dirty="0" smtClean="0"/>
-              <a:t>Pilot-Jobs provide an abstraction for dynamic resource management. Currently abstraction is job based, but can be extended to include network and storage as other resource elements</a:t>
-            </a:r>
-          </a:p>
-          <a:p>
+              <a:t>Interaction between Models:</a:t>
+            </a:r>
+          </a:p>
+          <a:p>
+            <a:pPr marL="800100" lvl="1" indent="-342900"/>
             <a:r>
               <a:rPr lang="en-US" dirty="0" smtClean="0"/>
-              <a:t>P</a:t>
+              <a:t>[</a:t>
             </a:r>
             <a:r>
               <a:rPr lang="en-US" dirty="0"/>
-              <a:t>* is a conceptual model for </a:t>
-            </a:r>
+              <a:t>A*, W* ] and [P*, F*]</a:t>
+            </a:r>
+          </a:p>
+          <a:p>
+            <a:pPr marL="1208088" lvl="2" indent="-342900"/>
+            <a:r>
+              <a:rPr lang="en-US" dirty="0"/>
+              <a:t>Here A* is a conceptual model, and W* is an analytical model</a:t>
+            </a:r>
+          </a:p>
+          <a:p>
+            <a:pPr marL="1208088" lvl="2" indent="-342900"/>
             <a:r>
               <a:rPr lang="en-US" dirty="0" smtClean="0"/>
-              <a:t>Pilot-based resource</a:t>
+              <a:t>A </a:t>
+            </a:r>
+            <a:r>
+              <a:rPr lang="en-US" dirty="0"/>
+              <a:t>specific instance of A*, is subject to a transformation </a:t>
+            </a:r>
+            <a:r>
+              <a:rPr lang="en-US" b="1" dirty="0">
+                <a:ln w="12700">
+                  <a:solidFill>
+                    <a:schemeClr val="tx2">
+                      <a:satMod val="155000"/>
+                    </a:schemeClr>
+                  </a:solidFill>
+                  <a:prstDash val="solid"/>
+                </a:ln>
+                <a:solidFill>
+                  <a:schemeClr val="bg2">
+                    <a:tint val="85000"/>
+                    <a:satMod val="155000"/>
+                  </a:schemeClr>
+                </a:solidFill>
+                <a:effectLst>
+                  <a:outerShdw blurRad="41275" dist="20320" dir="1800000" algn="tl" rotWithShape="0">
+                    <a:srgbClr val="000000">
+                      <a:alpha val="40000"/>
+                    </a:srgbClr>
+                  </a:outerShdw>
+                </a:effectLst>
+              </a:rPr>
+              <a:t>W</a:t>
+            </a:r>
+            <a:r>
+              <a:rPr lang="en-US" dirty="0"/>
+              <a:t> which converts into executable units </a:t>
+            </a:r>
+            <a:r>
+              <a:rPr lang="en-US" dirty="0" smtClean="0"/>
+              <a:t>(per W*) that </a:t>
+            </a:r>
+            <a:r>
+              <a:rPr lang="en-US" dirty="0"/>
+              <a:t>have performance requirements</a:t>
+            </a:r>
+          </a:p>
+          <a:p>
+            <a:pPr marL="1208088" lvl="2" indent="-342900"/>
+            <a:r>
+              <a:rPr lang="en-US" dirty="0" smtClean="0"/>
+              <a:t>Infrastructure modeled as I*, capability is exposed and federated per F*</a:t>
+            </a:r>
+          </a:p>
+          <a:p>
+            <a:pPr marL="1208088" lvl="2" indent="-342900"/>
+            <a:r>
+              <a:rPr lang="en-US" dirty="0" smtClean="0"/>
+              <a:t>I</a:t>
+            </a:r>
+            <a:r>
+              <a:rPr lang="en-US" dirty="0"/>
+              <a:t>* </a:t>
+            </a:r>
+            <a:r>
+              <a:rPr lang="en-US" dirty="0" smtClean="0"/>
+              <a:t>subject </a:t>
+            </a:r>
+            <a:r>
+              <a:rPr lang="en-US" dirty="0"/>
+              <a:t>to a transformation </a:t>
+            </a:r>
+            <a:r>
+              <a:rPr lang="en-US" b="1" dirty="0" smtClean="0">
+                <a:ln w="12700">
+                  <a:solidFill>
+                    <a:schemeClr val="tx2">
+                      <a:satMod val="155000"/>
+                    </a:schemeClr>
+                  </a:solidFill>
+                  <a:prstDash val="solid"/>
+                </a:ln>
+                <a:solidFill>
+                  <a:schemeClr val="bg2">
+                    <a:tint val="85000"/>
+                    <a:satMod val="155000"/>
+                  </a:schemeClr>
+                </a:solidFill>
+                <a:effectLst>
+                  <a:outerShdw blurRad="41275" dist="20320" dir="1800000" algn="tl" rotWithShape="0">
+                    <a:srgbClr val="000000">
+                      <a:alpha val="40000"/>
+                    </a:srgbClr>
+                  </a:outerShdw>
+                </a:effectLst>
+              </a:rPr>
+              <a:t>F </a:t>
+            </a:r>
+            <a:r>
+              <a:rPr lang="en-US" dirty="0" smtClean="0"/>
+              <a:t>(</a:t>
+            </a:r>
+            <a:r>
+              <a:rPr lang="en-US" dirty="0"/>
+              <a:t>aggregation of resources per F*</a:t>
+            </a:r>
+            <a:r>
+              <a:rPr lang="en-US" dirty="0" smtClean="0"/>
+              <a:t>) to provide a federated capability</a:t>
             </a:r>
             <a:endParaRPr lang="en-US" dirty="0"/>
+          </a:p>
+          <a:p>
+            <a:pPr marL="344488" indent="-342900"/>
+            <a:r>
+              <a:rPr lang="en-US" sz="2000" dirty="0" smtClean="0"/>
+              <a:t>Role of Simulation</a:t>
+            </a:r>
+          </a:p>
+          <a:p>
+            <a:pPr marL="800100" lvl="1" indent="-342900"/>
+            <a:r>
+              <a:rPr lang="en-US" sz="1800" dirty="0" smtClean="0"/>
+              <a:t>If we federate a given set of resources {I} what is the performance we expect?</a:t>
+            </a:r>
+          </a:p>
+          <a:p>
+            <a:pPr marL="800100" lvl="1" indent="-342900"/>
+            <a:r>
+              <a:rPr lang="en-US" dirty="0" smtClean="0"/>
+              <a:t>If we want a capability [C], what is the set of resources {I} we need to federate to get  this [C] with well-defined probability distribution?</a:t>
+            </a:r>
+          </a:p>
+          <a:p>
+            <a:pPr marL="800100" lvl="1" indent="-342900"/>
+            <a:r>
+              <a:rPr lang="en-US" sz="1800" dirty="0" smtClean="0"/>
+              <a:t>Given an instance of an application (model), what is the workload  independent of the underlying resources?</a:t>
+            </a:r>
           </a:p>
         </p:txBody>
       </p:sp>
     </p:spTree>
     <p:extLst>
       <p:ext uri="{BB962C8B-B14F-4D97-AF65-F5344CB8AC3E}">
-        <p14:creationId xmlns:p14="http://schemas.microsoft.com/office/powerpoint/2010/main" val="2772051994"/>
+        <p14:creationId xmlns:p14="http://schemas.microsoft.com/office/powerpoint/2010/main" val="1704466999"/>
       </p:ext>
     </p:extLst>
   </p:cSld>
   <p:clrMapOvr>
     <a:masterClrMapping/>
   </p:clrMapOvr>
+  <p:timing>
+    <p:tnLst>
+      <p:par>
+        <p:cTn xmlns:p14="http://schemas.microsoft.com/office/powerpoint/2010/main" id="1" dur="indefinite" restart="never" nodeType="tmRoot"/>
+      </p:par>
+    </p:tnLst>
+  </p:timing>
 </p:sld>
 </file>
 
@@ -8127,7 +8168,7 @@
       </p:grpSpPr>
       <p:sp>
         <p:nvSpPr>
-          <p:cNvPr id="2" name="Title 1"/>
+          <p:cNvPr id="58369" name="Title 1"/>
           <p:cNvSpPr>
             <a:spLocks noGrp="1"/>
           </p:cNvSpPr>
@@ -8141,157 +8182,24 @@
           <a:lstStyle/>
           <a:p>
             <a:r>
-              <a:rPr lang="en-US" dirty="0" smtClean="0"/>
-              <a:t>I*  ]</a:t>
-            </a:r>
-            <a:endParaRPr lang="en-US" dirty="0"/>
+              <a:rPr lang="en-US" dirty="0" smtClean="0">
+                <a:latin typeface="Arial" charset="0"/>
+                <a:ea typeface="ＭＳ Ｐゴシック" charset="0"/>
+                <a:cs typeface="ＭＳ Ｐゴシック" charset="0"/>
+              </a:rPr>
+              <a:t>Mapping Tasks to Resources</a:t>
+            </a:r>
+            <a:endParaRPr lang="en-US" dirty="0">
+              <a:latin typeface="Arial" charset="0"/>
+              <a:ea typeface="ＭＳ Ｐゴシック" charset="0"/>
+              <a:cs typeface="ＭＳ Ｐゴシック" charset="0"/>
+            </a:endParaRPr>
           </a:p>
         </p:txBody>
       </p:sp>
       <p:sp>
         <p:nvSpPr>
-          <p:cNvPr id="4" name="Textfeld 3"/>
-          <p:cNvSpPr txBox="1"/>
-          <p:nvPr/>
-        </p:nvSpPr>
-        <p:spPr>
-          <a:xfrm>
-            <a:off x="282231" y="4977961"/>
-            <a:ext cx="2918753" cy="954107"/>
-          </a:xfrm>
-          <a:prstGeom prst="rect">
-            <a:avLst/>
-          </a:prstGeom>
-          <a:noFill/>
-        </p:spPr>
-        <p:txBody>
-          <a:bodyPr wrap="square" rtlCol="0">
-            <a:spAutoFit/>
-          </a:bodyPr>
-          <a:lstStyle/>
-          <a:p>
-            <a:pPr marL="285750" indent="-285750">
-              <a:buFont typeface="Wingdings" charset="2"/>
-              <a:buChar char="ü"/>
-            </a:pPr>
-            <a:r>
-              <a:rPr lang="de-DE" dirty="0" smtClean="0"/>
-              <a:t>Fast </a:t>
-            </a:r>
-            <a:r>
-              <a:rPr lang="de-DE" dirty="0" err="1"/>
-              <a:t>modeling</a:t>
-            </a:r>
-            <a:endParaRPr lang="de-DE" dirty="0"/>
-          </a:p>
-          <a:p>
-            <a:pPr marL="285750" indent="-285750">
-              <a:buFont typeface="Wingdings" charset="2"/>
-              <a:buChar char="ü"/>
-            </a:pPr>
-            <a:r>
-              <a:rPr lang="de-DE" dirty="0" smtClean="0"/>
-              <a:t>Easy </a:t>
-            </a:r>
-            <a:r>
-              <a:rPr lang="de-DE" dirty="0" err="1"/>
-              <a:t>data</a:t>
-            </a:r>
-            <a:r>
-              <a:rPr lang="de-DE" dirty="0"/>
-              <a:t> </a:t>
-            </a:r>
-            <a:r>
-              <a:rPr lang="de-DE" dirty="0" err="1"/>
-              <a:t>integration</a:t>
-            </a:r>
-            <a:endParaRPr lang="de-DE" dirty="0"/>
-          </a:p>
-          <a:p>
-            <a:pPr marL="285750" indent="-285750">
-              <a:buFont typeface="Wingdings" charset="2"/>
-              <a:buChar char="ü"/>
-            </a:pPr>
-            <a:r>
-              <a:rPr lang="de-DE" dirty="0" smtClean="0"/>
-              <a:t>Multiple </a:t>
-            </a:r>
-            <a:r>
-              <a:rPr lang="de-DE" dirty="0" err="1"/>
-              <a:t>levels</a:t>
-            </a:r>
-            <a:r>
-              <a:rPr lang="de-DE" dirty="0"/>
-              <a:t> </a:t>
-            </a:r>
-            <a:r>
-              <a:rPr lang="de-DE" dirty="0" err="1"/>
-              <a:t>of</a:t>
-            </a:r>
-            <a:r>
-              <a:rPr lang="de-DE" dirty="0"/>
-              <a:t> </a:t>
-            </a:r>
-            <a:r>
-              <a:rPr lang="de-DE" dirty="0" err="1" smtClean="0"/>
-              <a:t>granularity</a:t>
-            </a:r>
-            <a:endParaRPr lang="de-DE" dirty="0"/>
-          </a:p>
-          <a:p>
-            <a:pPr marL="285750" indent="-285750">
-              <a:buFont typeface="Wingdings" charset="2"/>
-              <a:buChar char="ü"/>
-            </a:pPr>
-            <a:r>
-              <a:rPr lang="de-DE" dirty="0" err="1" smtClean="0"/>
-              <a:t>Redundancy</a:t>
-            </a:r>
-            <a:r>
-              <a:rPr lang="de-DE" dirty="0" smtClean="0"/>
-              <a:t> </a:t>
-            </a:r>
-            <a:r>
-              <a:rPr lang="de-DE" dirty="0" err="1" smtClean="0"/>
-              <a:t>handling</a:t>
-            </a:r>
-            <a:endParaRPr lang="de-DE" dirty="0"/>
-          </a:p>
-        </p:txBody>
-      </p:sp>
-      <p:pic>
-        <p:nvPicPr>
-          <p:cNvPr id="5" name="Bild 4" descr="SlideDoE.png"/>
-          <p:cNvPicPr>
-            <a:picLocks noChangeAspect="1"/>
-          </p:cNvPicPr>
-          <p:nvPr/>
-        </p:nvPicPr>
-        <p:blipFill>
-          <a:blip r:embed="rId2">
-            <a:extLst>
-              <a:ext uri="{28A0092B-C50C-407E-A947-70E740481C1C}">
-                <a14:useLocalDpi xmlns:a14="http://schemas.microsoft.com/office/drawing/2010/main" val="0"/>
-              </a:ext>
-            </a:extLst>
-          </a:blip>
-          <a:stretch>
-            <a:fillRect/>
-          </a:stretch>
-        </p:blipFill>
-        <p:spPr>
-          <a:xfrm>
-            <a:off x="2309424" y="1168298"/>
-            <a:ext cx="6569984" cy="4025108"/>
-          </a:xfrm>
-          <a:prstGeom prst="rect">
-            <a:avLst/>
-          </a:prstGeom>
-        </p:spPr>
-      </p:pic>
-      <p:sp>
-        <p:nvSpPr>
-          <p:cNvPr id="6" name="Content Placeholder 5"/>
+          <p:cNvPr id="58370" name="Content Placeholder 2"/>
           <p:cNvSpPr>
             <a:spLocks noGrp="1"/>
           </p:cNvSpPr>
@@ -8304,14 +8212,125 @@
           <a:bodyPr/>
           <a:lstStyle/>
           <a:p>
-            <a:endParaRPr lang="en-US"/>
+            <a:r>
+              <a:rPr lang="en-US" dirty="0">
+                <a:latin typeface="Arial" charset="0"/>
+                <a:ea typeface="ＭＳ Ｐゴシック" charset="0"/>
+                <a:cs typeface="ＭＳ Ｐゴシック" charset="0"/>
+              </a:rPr>
+              <a:t>Different aspects of mapping tasks to resources</a:t>
+            </a:r>
+          </a:p>
+          <a:p>
+            <a:pPr lvl="1"/>
+            <a:r>
+              <a:rPr lang="en-US" dirty="0">
+                <a:latin typeface="Arial" charset="0"/>
+                <a:ea typeface="ＭＳ Ｐゴシック" charset="0"/>
+              </a:rPr>
+              <a:t>I. Optimal Characterization: Finding the optimal workload </a:t>
+            </a:r>
+            <a:r>
+              <a:rPr lang="en-US" dirty="0" err="1">
+                <a:latin typeface="Arial" charset="0"/>
+                <a:ea typeface="ＭＳ Ｐゴシック" charset="0"/>
+              </a:rPr>
+              <a:t>characterisation</a:t>
+            </a:r>
+            <a:r>
+              <a:rPr lang="en-US" dirty="0">
+                <a:latin typeface="Arial" charset="0"/>
+                <a:ea typeface="ＭＳ Ｐゴシック" charset="0"/>
+              </a:rPr>
+              <a:t> (of an application)</a:t>
+            </a:r>
+          </a:p>
+          <a:p>
+            <a:pPr lvl="2"/>
+            <a:r>
+              <a:rPr lang="en-US" dirty="0">
+                <a:latin typeface="Arial" charset="0"/>
+                <a:ea typeface="ＭＳ Ｐゴシック" charset="0"/>
+              </a:rPr>
+              <a:t>Generality versus specificity. Class of Applications versus Many application classes/types</a:t>
+            </a:r>
+          </a:p>
+          <a:p>
+            <a:pPr lvl="2"/>
+            <a:r>
+              <a:rPr lang="en-US" dirty="0">
+                <a:latin typeface="Arial" charset="0"/>
+                <a:ea typeface="ＭＳ Ｐゴシック" charset="0"/>
+              </a:rPr>
+              <a:t>Different applications have different metrics</a:t>
+            </a:r>
+          </a:p>
+          <a:p>
+            <a:pPr lvl="1"/>
+            <a:r>
+              <a:rPr lang="en-US" dirty="0">
+                <a:latin typeface="Arial" charset="0"/>
+                <a:ea typeface="ＭＳ Ｐゴシック" charset="0"/>
+              </a:rPr>
+              <a:t>II. Optimal Federation: Finding the optimal resource configurations for a given workload </a:t>
+            </a:r>
+          </a:p>
+          <a:p>
+            <a:pPr lvl="2"/>
+            <a:r>
+              <a:rPr lang="en-US" dirty="0">
+                <a:latin typeface="Arial" charset="0"/>
+                <a:ea typeface="ＭＳ Ｐゴシック" charset="0"/>
+              </a:rPr>
+              <a:t>Irrespective of whether it is best representation of an application</a:t>
+            </a:r>
+          </a:p>
+          <a:p>
+            <a:pPr lvl="2"/>
+            <a:r>
+              <a:rPr lang="en-US" dirty="0">
+                <a:latin typeface="Arial" charset="0"/>
+                <a:ea typeface="ＭＳ Ｐゴシック" charset="0"/>
+              </a:rPr>
+              <a:t>Resources availability at extreme scale is variable</a:t>
+            </a:r>
+          </a:p>
+          <a:p>
+            <a:pPr lvl="1"/>
+            <a:r>
+              <a:rPr lang="en-US" dirty="0">
+                <a:latin typeface="Arial" charset="0"/>
+                <a:ea typeface="ＭＳ Ｐゴシック" charset="0"/>
+              </a:rPr>
+              <a:t>III. Optimal Mapping: Workload to Resource Mapping</a:t>
+            </a:r>
+          </a:p>
+          <a:p>
+            <a:pPr lvl="2"/>
+            <a:r>
+              <a:rPr lang="en-US" dirty="0">
+                <a:latin typeface="Arial" charset="0"/>
+                <a:ea typeface="ＭＳ Ｐゴシック" charset="0"/>
+              </a:rPr>
+              <a:t>Static versus Dynamic Mapping</a:t>
+            </a:r>
+          </a:p>
+          <a:p>
+            <a:pPr lvl="3"/>
+            <a:r>
+              <a:rPr lang="en-US" dirty="0">
+                <a:latin typeface="Arial" charset="0"/>
+                <a:ea typeface="ＭＳ Ｐゴシック" charset="0"/>
+              </a:rPr>
+              <a:t>If traditional HPC where workloads are characterized by finite set of kernels then static is acceptable; where workload is dynamic and capture many different applications then</a:t>
+            </a:r>
           </a:p>
         </p:txBody>
       </p:sp>
     </p:spTree>
     <p:extLst>
       <p:ext uri="{BB962C8B-B14F-4D97-AF65-F5344CB8AC3E}">
-        <p14:creationId xmlns:p14="http://schemas.microsoft.com/office/powerpoint/2010/main" val="1361442106"/>
+        <p14:creationId xmlns:p14="http://schemas.microsoft.com/office/powerpoint/2010/main" val="1666342825"/>
       </p:ext>
     </p:extLst>
   </p:cSld>
@@ -8355,7 +8374,7 @@
           <a:p>
             <a:r>
               <a:rPr lang="en-US" dirty="0" smtClean="0"/>
-              <a:t>F* - Analytical Model of Resource Federation</a:t>
+              <a:t>Organizer’s Questions [SJ]</a:t>
             </a:r>
             <a:endParaRPr lang="en-US" dirty="0"/>
           </a:p>
@@ -8363,467 +8382,162 @@
       </p:sp>
       <p:sp>
         <p:nvSpPr>
-          <p:cNvPr id="4" name="Shape 72"/>
-          <p:cNvSpPr txBox="1">
-            <a:spLocks/>
+          <p:cNvPr id="3" name="Content Placeholder 2"/>
+          <p:cNvSpPr>
+            <a:spLocks noGrp="1"/>
           </p:cNvSpPr>
-          <p:nvPr/>
+          <p:nvPr>
+            <p:ph idx="1"/>
+          </p:nvPr>
         </p:nvSpPr>
-        <p:spPr bwMode="auto">
-          <a:xfrm>
-            <a:off x="282231" y="1087421"/>
-            <a:ext cx="4313501" cy="4687047"/>
-          </a:xfrm>
-          <a:prstGeom prst="rect">
-            <a:avLst/>
-          </a:prstGeom>
-          <a:noFill/>
-          <a:ln>
-            <a:noFill/>
-          </a:ln>
-          <a:extLst>
-            <a:ext uri="{909E8E84-426E-40dd-AFC4-6F175D3DCCD1}">
-              <a14:hiddenFill xmlns:a14="http://schemas.microsoft.com/office/drawing/2010/main">
-                <a:solidFill>
-                  <a:srgbClr val="FFFFFF"/>
-                </a:solidFill>
-              </a14:hiddenFill>
-            </a:ext>
-            <a:ext uri="{91240B29-F687-4f45-9708-019B960494DF}">
-              <a14:hiddenLine xmlns:a14="http://schemas.microsoft.com/office/drawing/2010/main" w="9525">
-                <a:solidFill>
-                  <a:srgbClr val="000000"/>
-                </a:solidFill>
-                <a:miter lim="800000"/>
-                <a:headEnd/>
-                <a:tailEnd/>
-              </a14:hiddenLine>
-            </a:ext>
-            <a:ext uri="{FAA26D3D-D897-4be2-8F04-BA451C77F1D7}">
-              <ma14:placeholderFlag xmlns:ma14="http://schemas.microsoft.com/office/mac/drawingml/2011/main" val="1"/>
-            </a:ext>
-          </a:extLst>
-        </p:spPr>
+        <p:spPr/>
         <p:txBody>
-          <a:bodyPr vert="horz" wrap="square" lIns="91425" tIns="91425" rIns="91425" bIns="91425" numCol="1" anchor="t" anchorCtr="0" compatLnSpc="1">
-            <a:prstTxWarp prst="textNoShape">
-              <a:avLst/>
-            </a:prstTxWarp>
-            <a:noAutofit/>
-          </a:bodyPr>
-          <a:lstStyle>
-            <a:lvl1pPr marL="227013" indent="-227013" algn="l" rtl="0" eaLnBrk="0" fontAlgn="base" hangingPunct="0">
-              <a:spcBef>
-                <a:spcPts val="1200"/>
-              </a:spcBef>
-              <a:spcAft>
-                <a:spcPct val="0"/>
-              </a:spcAft>
-              <a:buClr>
-                <a:schemeClr val="tx1">
-                  <a:lumMod val="95000"/>
-                  <a:lumOff val="5000"/>
-                </a:schemeClr>
-              </a:buClr>
-              <a:buChar char="•"/>
-              <a:tabLst/>
-              <a:defRPr sz="2000">
-                <a:solidFill>
-                  <a:schemeClr val="tx1">
-                    <a:lumMod val="95000"/>
-                    <a:lumOff val="5000"/>
-                  </a:schemeClr>
-                </a:solidFill>
-                <a:latin typeface="+mn-lt"/>
-                <a:ea typeface="ＭＳ Ｐゴシック" charset="-128"/>
-                <a:cs typeface="ＭＳ Ｐゴシック" charset="-128"/>
-              </a:defRPr>
-            </a:lvl1pPr>
-            <a:lvl2pPr marL="682625" indent="-225425" algn="l" rtl="0" eaLnBrk="0" fontAlgn="base" hangingPunct="0">
-              <a:spcBef>
-                <a:spcPct val="20000"/>
-              </a:spcBef>
-              <a:spcAft>
-                <a:spcPct val="0"/>
-              </a:spcAft>
-              <a:buClr>
-                <a:schemeClr val="tx1">
-                  <a:lumMod val="95000"/>
-                  <a:lumOff val="5000"/>
-                </a:schemeClr>
-              </a:buClr>
-              <a:buChar char="–"/>
-              <a:defRPr sz="1800">
-                <a:solidFill>
-                  <a:srgbClr val="5F5F5F"/>
-                </a:solidFill>
-                <a:latin typeface="+mn-lt"/>
-                <a:ea typeface="ＭＳ Ｐゴシック" charset="-128"/>
-              </a:defRPr>
-            </a:lvl2pPr>
-            <a:lvl3pPr marL="1090613" indent="-176213" algn="l" rtl="0" eaLnBrk="0" fontAlgn="base" hangingPunct="0">
-              <a:spcBef>
-                <a:spcPct val="20000"/>
-              </a:spcBef>
-              <a:spcAft>
-                <a:spcPct val="0"/>
-              </a:spcAft>
-              <a:buClr>
-                <a:schemeClr val="tx1">
-                  <a:lumMod val="95000"/>
-                  <a:lumOff val="5000"/>
-                </a:schemeClr>
-              </a:buClr>
-              <a:buChar char="•"/>
-              <a:defRPr sz="1800">
-                <a:solidFill>
-                  <a:srgbClr val="5F5F5F"/>
-                </a:solidFill>
-                <a:latin typeface="+mn-lt"/>
-                <a:ea typeface="ＭＳ Ｐゴシック" charset="-128"/>
-              </a:defRPr>
-            </a:lvl3pPr>
-            <a:lvl4pPr marL="1600200" indent="-228600" algn="l" rtl="0" eaLnBrk="0" fontAlgn="base" hangingPunct="0">
-              <a:spcBef>
-                <a:spcPct val="20000"/>
-              </a:spcBef>
-              <a:spcAft>
-                <a:spcPct val="0"/>
-              </a:spcAft>
-              <a:buClr>
-                <a:schemeClr val="tx1">
-                  <a:lumMod val="95000"/>
-                  <a:lumOff val="5000"/>
-                </a:schemeClr>
-              </a:buClr>
-              <a:buChar char="–"/>
-              <a:defRPr sz="1800">
-                <a:solidFill>
-                  <a:srgbClr val="5F5F5F"/>
-                </a:solidFill>
-                <a:latin typeface="+mn-lt"/>
-                <a:ea typeface="ＭＳ Ｐゴシック" charset="-128"/>
-              </a:defRPr>
-            </a:lvl4pPr>
-            <a:lvl5pPr marL="2000250" indent="-171450" algn="l" rtl="0" eaLnBrk="0" fontAlgn="base" hangingPunct="0">
-              <a:spcBef>
-                <a:spcPct val="20000"/>
-              </a:spcBef>
-              <a:spcAft>
-                <a:spcPct val="0"/>
-              </a:spcAft>
-              <a:buClr>
-                <a:schemeClr val="tx1">
-                  <a:lumMod val="95000"/>
-                  <a:lumOff val="5000"/>
-                </a:schemeClr>
-              </a:buClr>
-              <a:buChar char="»"/>
-              <a:defRPr sz="1800">
-                <a:solidFill>
-                  <a:srgbClr val="5F5F5F"/>
-                </a:solidFill>
-                <a:latin typeface="+mn-lt"/>
-                <a:ea typeface="ＭＳ Ｐゴシック" charset="-128"/>
-              </a:defRPr>
-            </a:lvl5pPr>
-            <a:lvl6pPr marL="2514600" indent="-228600" algn="l" rtl="0" fontAlgn="base">
-              <a:spcBef>
-                <a:spcPct val="20000"/>
-              </a:spcBef>
-              <a:spcAft>
-                <a:spcPct val="0"/>
-              </a:spcAft>
-              <a:buChar char="»"/>
-              <a:defRPr sz="1400">
-                <a:solidFill>
-                  <a:srgbClr val="5F5F5F"/>
-                </a:solidFill>
-                <a:latin typeface="+mn-lt"/>
-                <a:ea typeface="ＭＳ Ｐゴシック" charset="-128"/>
-              </a:defRPr>
-            </a:lvl6pPr>
-            <a:lvl7pPr marL="2971800" indent="-228600" algn="l" rtl="0" fontAlgn="base">
-              <a:spcBef>
-                <a:spcPct val="20000"/>
-              </a:spcBef>
-              <a:spcAft>
-                <a:spcPct val="0"/>
-              </a:spcAft>
-              <a:buChar char="»"/>
-              <a:defRPr sz="1400">
-                <a:solidFill>
-                  <a:srgbClr val="5F5F5F"/>
-                </a:solidFill>
-                <a:latin typeface="+mn-lt"/>
-                <a:ea typeface="ＭＳ Ｐゴシック" charset="-128"/>
-              </a:defRPr>
-            </a:lvl7pPr>
-            <a:lvl8pPr marL="3429000" indent="-228600" algn="l" rtl="0" fontAlgn="base">
-              <a:spcBef>
-                <a:spcPct val="20000"/>
-              </a:spcBef>
-              <a:spcAft>
-                <a:spcPct val="0"/>
-              </a:spcAft>
-              <a:buChar char="»"/>
-              <a:defRPr sz="1400">
-                <a:solidFill>
-                  <a:srgbClr val="5F5F5F"/>
-                </a:solidFill>
-                <a:latin typeface="+mn-lt"/>
-                <a:ea typeface="ＭＳ Ｐゴシック" charset="-128"/>
-              </a:defRPr>
-            </a:lvl8pPr>
-            <a:lvl9pPr marL="3886200" indent="-228600" algn="l" rtl="0" fontAlgn="base">
-              <a:spcBef>
-                <a:spcPct val="20000"/>
-              </a:spcBef>
-              <a:spcAft>
-                <a:spcPct val="0"/>
-              </a:spcAft>
-              <a:buChar char="»"/>
-              <a:defRPr sz="1400">
-                <a:solidFill>
-                  <a:srgbClr val="5F5F5F"/>
-                </a:solidFill>
-                <a:latin typeface="+mn-lt"/>
-                <a:ea typeface="ＭＳ Ｐゴシック" charset="-128"/>
-              </a:defRPr>
-            </a:lvl9pPr>
-          </a:lstStyle>
-          <a:p>
-            <a:pPr marL="344488" indent="-342900"/>
+          <a:bodyPr/>
+          <a:lstStyle/>
+          <a:p>
+            <a:r>
+              <a:rPr lang="en-US" dirty="0"/>
+              <a:t>W</a:t>
+            </a:r>
             <a:r>
               <a:rPr lang="en-US" dirty="0" smtClean="0"/>
-              <a:t>Models how the capabilities offered by the infrastructure layer are aggregated and then exposed to the application layer.</a:t>
-            </a:r>
-          </a:p>
-          <a:p>
-            <a:pPr marL="344488" indent="-342900"/>
+              <a:t>hat </a:t>
+            </a:r>
+            <a:r>
+              <a:rPr lang="en-US" dirty="0"/>
+              <a:t>is the major contribution of your </a:t>
+            </a:r>
             <a:r>
               <a:rPr lang="en-US" dirty="0" smtClean="0"/>
-              <a:t>Heterogeneous capabilities of I* are aggregated by means of overlays (red box).</a:t>
-            </a:r>
+              <a:t>research?</a:t>
+            </a:r>
+          </a:p>
+          <a:p>
+            <a:r>
+              <a:rPr lang="en-US" dirty="0"/>
+              <a:t>W</a:t>
+            </a:r>
+            <a:r>
+              <a:rPr lang="en-US" dirty="0" smtClean="0"/>
+              <a:t>hat </a:t>
+            </a:r>
+            <a:r>
+              <a:rPr lang="en-US" dirty="0"/>
+              <a:t>are the gaps you identify in the research coverage in your area</a:t>
+            </a:r>
+            <a:r>
+              <a:rPr lang="en-US" dirty="0" smtClean="0"/>
+              <a:t>?</a:t>
+            </a:r>
+          </a:p>
+          <a:p>
+            <a:r>
+              <a:rPr lang="en-US" dirty="0"/>
+              <a:t>W</a:t>
+            </a:r>
+            <a:r>
+              <a:rPr lang="en-US" dirty="0" smtClean="0"/>
+              <a:t>hat </a:t>
+            </a:r>
+            <a:r>
+              <a:rPr lang="en-US" dirty="0"/>
+              <a:t>is the bigger picture for your research area? (i.e., identify synergistic projects, complementary projects in technical sense, </a:t>
+            </a:r>
+            <a:r>
+              <a:rPr lang="en-US" dirty="0" err="1"/>
+              <a:t>etc</a:t>
+            </a:r>
+            <a:r>
+              <a:rPr lang="en-US" dirty="0"/>
+              <a:t>) </a:t>
+            </a:r>
+            <a:endParaRPr lang="en-US" dirty="0" smtClean="0"/>
+          </a:p>
+          <a:p>
+            <a:r>
+              <a:rPr lang="en-US" dirty="0"/>
+              <a:t>H</a:t>
+            </a:r>
+            <a:r>
+              <a:rPr lang="en-US" dirty="0" smtClean="0"/>
+              <a:t>ow </a:t>
+            </a:r>
+            <a:r>
+              <a:rPr lang="en-US" dirty="0"/>
+              <a:t>do you see cross-pollination across projects funded by different funding agencies</a:t>
+            </a:r>
+            <a:r>
+              <a:rPr lang="en-US" dirty="0" smtClean="0"/>
+              <a:t>?</a:t>
+            </a:r>
+          </a:p>
+          <a:p>
+            <a:r>
+              <a:rPr lang="en-US" dirty="0"/>
+              <a:t>W</a:t>
+            </a:r>
+            <a:r>
+              <a:rPr lang="en-US" dirty="0" smtClean="0"/>
+              <a:t>hat </a:t>
+            </a:r>
+            <a:r>
+              <a:rPr lang="en-US" dirty="0"/>
+              <a:t>is the one thing that would make it easier/possible to leverage/use the results of other projects to further your own </a:t>
+            </a:r>
+            <a:r>
+              <a:rPr lang="en-US" dirty="0" smtClean="0"/>
+              <a:t>research?</a:t>
+            </a:r>
+          </a:p>
+          <a:p>
+            <a:r>
+              <a:rPr lang="en-US" dirty="0" smtClean="0"/>
+              <a:t>What</a:t>
+            </a:r>
+            <a:r>
+              <a:rPr lang="en-US" dirty="0"/>
+              <a:t>  would you like to most see solved/addressed other than what they are working on?</a:t>
+            </a:r>
+          </a:p>
+          <a:p>
+            <a:pPr marL="0" indent="0">
+              <a:buNone/>
+            </a:pPr>
+            <a:r>
+              <a:rPr lang="en-US" dirty="0"/>
+              <a:t/>
+            </a:r>
+            <a:br>
+              <a:rPr lang="en-US" dirty="0"/>
+            </a:br>
             <a:endParaRPr lang="en-US" dirty="0"/>
           </a:p>
           <a:p>
-            <a:pPr marL="344488" indent="-342900"/>
-            <a:r>
-              <a:rPr lang="en-US" dirty="0" smtClean="0"/>
-              <a:t>P* is used to aggregate the capabilities exposed by I* into logical containers of resources (red box).</a:t>
-            </a:r>
+            <a:endParaRPr lang="en-US" dirty="0"/>
           </a:p>
         </p:txBody>
       </p:sp>
-      <p:pic>
-        <p:nvPicPr>
-          <p:cNvPr id="7" name="Picture 6" descr="f_star.png"/>
-          <p:cNvPicPr>
-            <a:picLocks noChangeAspect="1"/>
-          </p:cNvPicPr>
-          <p:nvPr/>
-        </p:nvPicPr>
-        <p:blipFill>
-          <a:blip r:embed="rId3">
-            <a:extLst>
-              <a:ext uri="{28A0092B-C50C-407E-A947-70E740481C1C}">
-                <a14:useLocalDpi xmlns:a14="http://schemas.microsoft.com/office/drawing/2010/main" val="0"/>
-              </a:ext>
-            </a:extLst>
-          </a:blip>
-          <a:stretch>
-            <a:fillRect/>
-          </a:stretch>
-        </p:blipFill>
-        <p:spPr>
-          <a:xfrm>
-            <a:off x="5576062" y="1087421"/>
-            <a:ext cx="3113632" cy="4114800"/>
-          </a:xfrm>
-          <a:prstGeom prst="rect">
-            <a:avLst/>
-          </a:prstGeom>
-        </p:spPr>
-      </p:pic>
     </p:spTree>
     <p:extLst>
       <p:ext uri="{BB962C8B-B14F-4D97-AF65-F5344CB8AC3E}">
-        <p14:creationId xmlns:p14="http://schemas.microsoft.com/office/powerpoint/2010/main" val="3241076295"/>
+        <p14:creationId xmlns:p14="http://schemas.microsoft.com/office/powerpoint/2010/main" val="2665645213"/>
       </p:ext>
     </p:extLst>
   </p:cSld>
   <p:clrMapOvr>
     <a:masterClrMapping/>
   </p:clrMapOvr>
+  <p:timing>
+    <p:tnLst>
+      <p:par>
+        <p:cTn xmlns:p14="http://schemas.microsoft.com/office/powerpoint/2010/main" id="1" dur="indefinite" restart="never" nodeType="tmRoot"/>
+      </p:par>
+    </p:tnLst>
+  </p:timing>
 </p:sld>
 </file>
 
 <file path=ppt/slides/slide23.xml><?xml version="1.0" encoding="utf-8"?>
-<p:sld xmlns:a="http://schemas.openxmlformats.org/drawingml/2006/main" xmlns:r="http://schemas.openxmlformats.org/officeDocument/2006/relationships" xmlns:p="http://schemas.openxmlformats.org/presentationml/2006/main">
-  <p:cSld>
-    <p:spTree>
-      <p:nvGrpSpPr>
-        <p:cNvPr id="1" name=""/>
-        <p:cNvGrpSpPr/>
-        <p:nvPr/>
-      </p:nvGrpSpPr>
-      <p:grpSpPr>
-        <a:xfrm>
-          <a:off x="0" y="0"/>
-          <a:ext cx="0" cy="0"/>
-          <a:chOff x="0" y="0"/>
-          <a:chExt cx="0" cy="0"/>
-        </a:xfrm>
-      </p:grpSpPr>
-      <p:sp>
-        <p:nvSpPr>
-          <p:cNvPr id="2" name="Title 1"/>
-          <p:cNvSpPr>
-            <a:spLocks noGrp="1"/>
-          </p:cNvSpPr>
-          <p:nvPr>
-            <p:ph type="title"/>
-          </p:nvPr>
-        </p:nvSpPr>
-        <p:spPr/>
-        <p:txBody>
-          <a:bodyPr/>
-          <a:lstStyle/>
-          <a:p>
-            <a:r>
-              <a:rPr lang="en-US" dirty="0" smtClean="0"/>
-              <a:t>*.* : Putting it together</a:t>
-            </a:r>
-            <a:endParaRPr lang="en-US" dirty="0"/>
-          </a:p>
-        </p:txBody>
-      </p:sp>
-      <p:pic>
-        <p:nvPicPr>
-          <p:cNvPr id="4" name="Content Placeholder 3" descr="ngmw-schematic.png"/>
-          <p:cNvPicPr>
-            <a:picLocks noGrp="1" noChangeAspect="1"/>
-          </p:cNvPicPr>
-          <p:nvPr>
-            <p:ph idx="1"/>
-          </p:nvPr>
-        </p:nvPicPr>
-        <p:blipFill>
-          <a:blip r:embed="rId3">
-            <a:extLst>
-              <a:ext uri="{28A0092B-C50C-407E-A947-70E740481C1C}">
-                <a14:useLocalDpi xmlns:a14="http://schemas.microsoft.com/office/drawing/2010/main" val="0"/>
-              </a:ext>
-            </a:extLst>
-          </a:blip>
-          <a:srcRect t="5701" b="5701"/>
-          <a:stretch>
-            <a:fillRect/>
-          </a:stretch>
-        </p:blipFill>
-        <p:spPr/>
-      </p:pic>
-    </p:spTree>
-    <p:extLst>
-      <p:ext uri="{BB962C8B-B14F-4D97-AF65-F5344CB8AC3E}">
-        <p14:creationId xmlns:p14="http://schemas.microsoft.com/office/powerpoint/2010/main" val="3867112780"/>
-      </p:ext>
-    </p:extLst>
-  </p:cSld>
-  <p:clrMapOvr>
-    <a:masterClrMapping/>
-  </p:clrMapOvr>
-  <mc:AlternateContent xmlns:mc="http://schemas.openxmlformats.org/markup-compatibility/2006" xmlns:p14="http://schemas.microsoft.com/office/powerpoint/2010/main">
-    <mc:Choice Requires="p14">
-      <p:transition spd="slow" p14:dur="2000"/>
-    </mc:Choice>
-    <mc:Fallback xmlns="">
-      <p:transition xmlns:p14="http://schemas.microsoft.com/office/powerpoint/2010/main" spd="slow"/>
-    </mc:Fallback>
-  </mc:AlternateContent>
-</p:sld>
-</file>
-
-<file path=ppt/slides/slide24.xml><?xml version="1.0" encoding="utf-8"?>
-<p:sld xmlns:a="http://schemas.openxmlformats.org/drawingml/2006/main" xmlns:r="http://schemas.openxmlformats.org/officeDocument/2006/relationships" xmlns:p="http://schemas.openxmlformats.org/presentationml/2006/main">
-  <p:cSld>
-    <p:spTree>
-      <p:nvGrpSpPr>
-        <p:cNvPr id="1" name=""/>
-        <p:cNvGrpSpPr/>
-        <p:nvPr/>
-      </p:nvGrpSpPr>
-      <p:grpSpPr>
-        <a:xfrm>
-          <a:off x="0" y="0"/>
-          <a:ext cx="0" cy="0"/>
-          <a:chOff x="0" y="0"/>
-          <a:chExt cx="0" cy="0"/>
-        </a:xfrm>
-      </p:grpSpPr>
-      <p:sp>
-        <p:nvSpPr>
-          <p:cNvPr id="2" name="Title 1"/>
-          <p:cNvSpPr>
-            <a:spLocks noGrp="1"/>
-          </p:cNvSpPr>
-          <p:nvPr>
-            <p:ph type="title"/>
-          </p:nvPr>
-        </p:nvSpPr>
-        <p:spPr/>
-        <p:txBody>
-          <a:bodyPr/>
-          <a:lstStyle/>
-          <a:p>
-            <a:r>
-              <a:rPr lang="en-US" dirty="0" smtClean="0"/>
-              <a:t>*.* : Putting it together</a:t>
-            </a:r>
-            <a:endParaRPr lang="en-US" dirty="0"/>
-          </a:p>
-        </p:txBody>
-      </p:sp>
-      <p:pic>
-        <p:nvPicPr>
-          <p:cNvPr id="4" name="Content Placeholder 3" descr="ngmw-schematic-3.png"/>
-          <p:cNvPicPr>
-            <a:picLocks noGrp="1" noChangeAspect="1"/>
-          </p:cNvPicPr>
-          <p:nvPr>
-            <p:ph idx="1"/>
-          </p:nvPr>
-        </p:nvPicPr>
-        <p:blipFill>
-          <a:blip r:embed="rId3">
-            <a:extLst>
-              <a:ext uri="{28A0092B-C50C-407E-A947-70E740481C1C}">
-                <a14:useLocalDpi xmlns:a14="http://schemas.microsoft.com/office/drawing/2010/main" val="0"/>
-              </a:ext>
-            </a:extLst>
-          </a:blip>
-          <a:srcRect l="-43785" r="-43785"/>
-          <a:stretch>
-            <a:fillRect/>
-          </a:stretch>
-        </p:blipFill>
-        <p:spPr/>
-      </p:pic>
-    </p:spTree>
-    <p:extLst>
-      <p:ext uri="{BB962C8B-B14F-4D97-AF65-F5344CB8AC3E}">
-        <p14:creationId xmlns:p14="http://schemas.microsoft.com/office/powerpoint/2010/main" val="449869100"/>
-      </p:ext>
-    </p:extLst>
-  </p:cSld>
-  <p:clrMapOvr>
-    <a:masterClrMapping/>
-  </p:clrMapOvr>
-</p:sld>
-</file>
-
-<file path=ppt/slides/slide25.xml><?xml version="1.0" encoding="utf-8"?>
 <p:sld xmlns:a="http://schemas.openxmlformats.org/drawingml/2006/main" xmlns:r="http://schemas.openxmlformats.org/officeDocument/2006/relationships" xmlns:p="http://schemas.openxmlformats.org/presentationml/2006/main">
   <p:cSld>
     <p:spTree>
@@ -9083,197 +8797,7 @@
 </p:sld>
 </file>
 
-<file path=ppt/slides/slide26.xml><?xml version="1.0" encoding="utf-8"?>
-<p:sld xmlns:a="http://schemas.openxmlformats.org/drawingml/2006/main" xmlns:r="http://schemas.openxmlformats.org/officeDocument/2006/relationships" xmlns:p="http://schemas.openxmlformats.org/presentationml/2006/main">
-  <p:cSld>
-    <p:spTree>
-      <p:nvGrpSpPr>
-        <p:cNvPr id="1" name=""/>
-        <p:cNvGrpSpPr/>
-        <p:nvPr/>
-      </p:nvGrpSpPr>
-      <p:grpSpPr>
-        <a:xfrm>
-          <a:off x="0" y="0"/>
-          <a:ext cx="0" cy="0"/>
-          <a:chOff x="0" y="0"/>
-          <a:chExt cx="0" cy="0"/>
-        </a:xfrm>
-      </p:grpSpPr>
-      <p:sp>
-        <p:nvSpPr>
-          <p:cNvPr id="2" name="Title 1"/>
-          <p:cNvSpPr>
-            <a:spLocks noGrp="1"/>
-          </p:cNvSpPr>
-          <p:nvPr>
-            <p:ph type="title"/>
-          </p:nvPr>
-        </p:nvSpPr>
-        <p:spPr/>
-        <p:txBody>
-          <a:bodyPr/>
-          <a:lstStyle/>
-          <a:p>
-            <a:r>
-              <a:rPr lang="en-US" dirty="0" smtClean="0"/>
-              <a:t>Organizer’s Questions [SJ]</a:t>
-            </a:r>
-            <a:endParaRPr lang="en-US" dirty="0"/>
-          </a:p>
-        </p:txBody>
-      </p:sp>
-      <p:sp>
-        <p:nvSpPr>
-          <p:cNvPr id="3" name="Content Placeholder 2"/>
-          <p:cNvSpPr>
-            <a:spLocks noGrp="1"/>
-          </p:cNvSpPr>
-          <p:nvPr>
-            <p:ph idx="1"/>
-          </p:nvPr>
-        </p:nvSpPr>
-        <p:spPr/>
-        <p:txBody>
-          <a:bodyPr/>
-          <a:lstStyle/>
-          <a:p>
-            <a:r>
-              <a:rPr lang="en-US" dirty="0"/>
-              <a:t>W</a:t>
-            </a:r>
-            <a:r>
-              <a:rPr lang="en-US" dirty="0" smtClean="0"/>
-              <a:t>hat </a:t>
-            </a:r>
-            <a:r>
-              <a:rPr lang="en-US" dirty="0"/>
-              <a:t>is the major contribution of your </a:t>
-            </a:r>
-            <a:r>
-              <a:rPr lang="en-US" dirty="0" smtClean="0"/>
-              <a:t>research?</a:t>
-            </a:r>
-          </a:p>
-          <a:p>
-            <a:r>
-              <a:rPr lang="en-US" dirty="0"/>
-              <a:t>W</a:t>
-            </a:r>
-            <a:r>
-              <a:rPr lang="en-US" dirty="0" smtClean="0"/>
-              <a:t>hat </a:t>
-            </a:r>
-            <a:r>
-              <a:rPr lang="en-US" dirty="0"/>
-              <a:t>are the gaps you identify in the research coverage in your area</a:t>
-            </a:r>
-            <a:r>
-              <a:rPr lang="en-US" dirty="0" smtClean="0"/>
-              <a:t>?</a:t>
-            </a:r>
-          </a:p>
-          <a:p>
-            <a:r>
-              <a:rPr lang="en-US" dirty="0"/>
-              <a:t>W</a:t>
-            </a:r>
-            <a:r>
-              <a:rPr lang="en-US" dirty="0" smtClean="0"/>
-              <a:t>hat </a:t>
-            </a:r>
-            <a:r>
-              <a:rPr lang="en-US" dirty="0"/>
-              <a:t>is the bigger picture for your research area? (i.e., identify synergistic projects, complementary projects in technical sense, </a:t>
-            </a:r>
-            <a:r>
-              <a:rPr lang="en-US" dirty="0" err="1"/>
-              <a:t>etc</a:t>
-            </a:r>
-            <a:r>
-              <a:rPr lang="en-US" dirty="0"/>
-              <a:t>) </a:t>
-            </a:r>
-            <a:endParaRPr lang="en-US" dirty="0" smtClean="0"/>
-          </a:p>
-          <a:p>
-            <a:r>
-              <a:rPr lang="en-US" dirty="0"/>
-              <a:t>H</a:t>
-            </a:r>
-            <a:r>
-              <a:rPr lang="en-US" dirty="0" smtClean="0"/>
-              <a:t>ow </a:t>
-            </a:r>
-            <a:r>
-              <a:rPr lang="en-US" dirty="0"/>
-              <a:t>do you see cross-pollination across projects funded by different funding agencies</a:t>
-            </a:r>
-            <a:r>
-              <a:rPr lang="en-US" dirty="0" smtClean="0"/>
-              <a:t>?</a:t>
-            </a:r>
-          </a:p>
-          <a:p>
-            <a:r>
-              <a:rPr lang="en-US" dirty="0"/>
-              <a:t>W</a:t>
-            </a:r>
-            <a:r>
-              <a:rPr lang="en-US" dirty="0" smtClean="0"/>
-              <a:t>hat </a:t>
-            </a:r>
-            <a:r>
-              <a:rPr lang="en-US" dirty="0"/>
-              <a:t>is the one thing that would make it easier/possible to leverage/use the results of other projects to further your own </a:t>
-            </a:r>
-            <a:r>
-              <a:rPr lang="en-US" dirty="0" smtClean="0"/>
-              <a:t>research?</a:t>
-            </a:r>
-          </a:p>
-          <a:p>
-            <a:r>
-              <a:rPr lang="en-US" dirty="0" smtClean="0"/>
-              <a:t>What</a:t>
-            </a:r>
-            <a:r>
-              <a:rPr lang="en-US" dirty="0"/>
-              <a:t>  would you like to most see solved/addressed other than what they are working on?</a:t>
-            </a:r>
-          </a:p>
-          <a:p>
-            <a:pPr marL="0" indent="0">
-              <a:buNone/>
-            </a:pPr>
-            <a:r>
-              <a:rPr lang="en-US" dirty="0"/>
-              <a:t/>
-            </a:r>
-            <a:br>
-              <a:rPr lang="en-US" dirty="0"/>
-            </a:br>
-            <a:endParaRPr lang="en-US" dirty="0"/>
-          </a:p>
-          <a:p>
-            <a:endParaRPr lang="en-US" dirty="0"/>
-          </a:p>
-        </p:txBody>
-      </p:sp>
-    </p:spTree>
-    <p:extLst>
-      <p:ext uri="{BB962C8B-B14F-4D97-AF65-F5344CB8AC3E}">
-        <p14:creationId xmlns:p14="http://schemas.microsoft.com/office/powerpoint/2010/main" val="2665645213"/>
-      </p:ext>
-    </p:extLst>
-  </p:cSld>
-  <p:clrMapOvr>
-    <a:masterClrMapping/>
-  </p:clrMapOvr>
-</p:sld>
-</file>
-
-<file path=ppt/slides/slide27.xml><?xml version="1.0" encoding="utf-8"?>
+<file path=ppt/slides/slide24.xml><?xml version="1.0" encoding="utf-8"?>
 <p:sld xmlns:a="http://schemas.openxmlformats.org/drawingml/2006/main" xmlns:r="http://schemas.openxmlformats.org/officeDocument/2006/relationships" xmlns:p="http://schemas.openxmlformats.org/presentationml/2006/main" show="0">
   <p:cSld>
     <p:spTree>
@@ -9696,7 +9220,7 @@
 </p:sld>
 </file>
 
-<file path=ppt/slides/slide28.xml><?xml version="1.0" encoding="utf-8"?>
+<file path=ppt/slides/slide25.xml><?xml version="1.0" encoding="utf-8"?>
 <p:sld xmlns:a="http://schemas.openxmlformats.org/drawingml/2006/main" xmlns:r="http://schemas.openxmlformats.org/officeDocument/2006/relationships" xmlns:p="http://schemas.openxmlformats.org/presentationml/2006/main" show="0">
   <p:cSld>
     <p:spTree>
@@ -10046,6 +9570,330 @@
   <p:transition xmlns:p14="http://schemas.microsoft.com/office/powerpoint/2010/main" spd="slow">
     <p:cut/>
   </p:transition>
+  <p:timing>
+    <p:tnLst>
+      <p:par>
+        <p:cTn xmlns:p14="http://schemas.microsoft.com/office/powerpoint/2010/main" id="1" dur="indefinite" restart="never" nodeType="tmRoot"/>
+      </p:par>
+    </p:tnLst>
+  </p:timing>
+</p:sld>
+</file>
+
+<file path=ppt/slides/slide26.xml><?xml version="1.0" encoding="utf-8"?>
+<p:sld xmlns:a="http://schemas.openxmlformats.org/drawingml/2006/main" xmlns:r="http://schemas.openxmlformats.org/officeDocument/2006/relationships" xmlns:p="http://schemas.openxmlformats.org/presentationml/2006/main" show="0">
+  <p:cSld>
+    <p:spTree>
+      <p:nvGrpSpPr>
+        <p:cNvPr id="1" name="Shape 46"/>
+        <p:cNvGrpSpPr/>
+        <p:nvPr/>
+      </p:nvGrpSpPr>
+      <p:grpSpPr>
+        <a:xfrm>
+          <a:off x="0" y="0"/>
+          <a:ext cx="0" cy="0"/>
+          <a:chOff x="0" y="0"/>
+          <a:chExt cx="0" cy="0"/>
+        </a:xfrm>
+      </p:grpSpPr>
+      <p:sp>
+        <p:nvSpPr>
+          <p:cNvPr id="47" name="Shape 47"/>
+          <p:cNvSpPr txBox="1">
+            <a:spLocks noGrp="1"/>
+          </p:cNvSpPr>
+          <p:nvPr>
+            <p:ph type="title"/>
+          </p:nvPr>
+        </p:nvSpPr>
+        <p:spPr>
+          <a:prstGeom prst="rect">
+            <a:avLst/>
+          </a:prstGeom>
+        </p:spPr>
+        <p:txBody>
+          <a:bodyPr lIns="91425" tIns="91425" rIns="91425" bIns="91425" anchor="b" anchorCtr="0">
+            <a:noAutofit/>
+          </a:bodyPr>
+          <a:lstStyle/>
+          <a:p>
+            <a:pPr lvl="0" rtl="0">
+              <a:buNone/>
+            </a:pPr>
+            <a:r>
+              <a:rPr lang="en-US" dirty="0" smtClean="0"/>
+              <a:t>DEC </a:t>
+            </a:r>
+            <a:r>
+              <a:rPr lang="en" dirty="0" smtClean="0"/>
+              <a:t>Foundational </a:t>
+            </a:r>
+            <a:r>
+              <a:rPr lang="en-US" dirty="0" smtClean="0"/>
+              <a:t>Challenges: Infrastructure</a:t>
+            </a:r>
+            <a:endParaRPr lang="en" dirty="0"/>
+          </a:p>
+        </p:txBody>
+      </p:sp>
+      <p:sp>
+        <p:nvSpPr>
+          <p:cNvPr id="48" name="Shape 48"/>
+          <p:cNvSpPr txBox="1">
+            <a:spLocks noGrp="1"/>
+          </p:cNvSpPr>
+          <p:nvPr>
+            <p:ph idx="4294967295"/>
+          </p:nvPr>
+        </p:nvSpPr>
+        <p:spPr>
+          <a:xfrm>
+            <a:off x="282231" y="789713"/>
+            <a:ext cx="8715010" cy="5146675"/>
+          </a:xfrm>
+          <a:prstGeom prst="rect">
+            <a:avLst/>
+          </a:prstGeom>
+        </p:spPr>
+        <p:txBody>
+          <a:bodyPr lIns="91425" tIns="91425" rIns="91425" bIns="91425" anchor="t" anchorCtr="0">
+            <a:noAutofit/>
+          </a:bodyPr>
+          <a:lstStyle/>
+          <a:p>
+            <a:pPr>
+              <a:lnSpc>
+                <a:spcPct val="90000"/>
+              </a:lnSpc>
+            </a:pPr>
+            <a:r>
+              <a:rPr lang="en-US" dirty="0" smtClean="0"/>
+              <a:t>Federate</a:t>
+            </a:r>
+            <a:r>
+              <a:rPr lang="en" dirty="0" smtClean="0"/>
+              <a:t> diversified </a:t>
+            </a:r>
+            <a:r>
+              <a:rPr lang="en" dirty="0"/>
+              <a:t>set of </a:t>
+            </a:r>
+            <a:r>
+              <a:rPr lang="en" dirty="0" smtClean="0"/>
+              <a:t>resources</a:t>
+            </a:r>
+            <a:r>
+              <a:rPr lang="en-US" dirty="0" smtClean="0"/>
+              <a:t> at</a:t>
+            </a:r>
+            <a:r>
+              <a:rPr lang="en" dirty="0" smtClean="0"/>
+              <a:t> </a:t>
+            </a:r>
+            <a:r>
+              <a:rPr lang="en" dirty="0"/>
+              <a:t>multiple </a:t>
+            </a:r>
+            <a:r>
+              <a:rPr lang="en" dirty="0" smtClean="0"/>
+              <a:t>levels</a:t>
+            </a:r>
+            <a:endParaRPr lang="en-US" dirty="0" smtClean="0"/>
+          </a:p>
+          <a:p>
+            <a:pPr marL="1320800" lvl="2" indent="-381000">
+              <a:lnSpc>
+                <a:spcPct val="90000"/>
+              </a:lnSpc>
+              <a:spcAft>
+                <a:spcPts val="1000"/>
+              </a:spcAft>
+            </a:pPr>
+            <a:r>
+              <a:rPr lang="en-US" sz="2000" dirty="0"/>
+              <a:t>Designing a federated system that scales </a:t>
+            </a:r>
+            <a:r>
+              <a:rPr lang="en" sz="2000" dirty="0"/>
+              <a:t>along </a:t>
+            </a:r>
+            <a:r>
+              <a:rPr lang="en-US" sz="2000" dirty="0"/>
+              <a:t>1 </a:t>
+            </a:r>
+            <a:r>
+              <a:rPr lang="en" sz="2000" dirty="0"/>
+              <a:t>dimension is relatively easy compared to scaling along </a:t>
+            </a:r>
+            <a:r>
+              <a:rPr lang="en-US" sz="2000" dirty="0"/>
+              <a:t>&gt;1 </a:t>
+            </a:r>
+            <a:r>
+              <a:rPr lang="en" sz="2000" dirty="0"/>
+              <a:t>dimensions</a:t>
+            </a:r>
+            <a:endParaRPr lang="en-US" sz="2000" dirty="0"/>
+          </a:p>
+          <a:p>
+            <a:pPr marL="1320800" lvl="2" indent="-381000">
+              <a:lnSpc>
+                <a:spcPct val="90000"/>
+              </a:lnSpc>
+              <a:spcAft>
+                <a:spcPts val="1000"/>
+              </a:spcAft>
+            </a:pPr>
+            <a:r>
+              <a:rPr lang="en-US" sz="2000" dirty="0" smtClean="0"/>
+              <a:t>How/when </a:t>
+            </a:r>
+            <a:r>
+              <a:rPr lang="en-US" sz="2000" dirty="0"/>
+              <a:t>to </a:t>
+            </a:r>
+            <a:r>
+              <a:rPr lang="en-US" sz="2000" dirty="0" smtClean="0"/>
+              <a:t>federate</a:t>
+            </a:r>
+            <a:r>
+              <a:rPr lang="en" sz="2000" dirty="0" smtClean="0"/>
+              <a:t> </a:t>
+            </a:r>
+            <a:r>
+              <a:rPr lang="en" sz="2000" dirty="0"/>
+              <a:t>leadership machines </a:t>
+            </a:r>
+            <a:r>
+              <a:rPr lang="en-US" sz="2000" dirty="0"/>
+              <a:t>with </a:t>
+            </a:r>
+            <a:r>
+              <a:rPr lang="en-US" sz="2000" dirty="0" smtClean="0"/>
+              <a:t>other </a:t>
+            </a:r>
+            <a:r>
+              <a:rPr lang="en" sz="2000" dirty="0" smtClean="0"/>
+              <a:t>less </a:t>
+            </a:r>
+            <a:r>
+              <a:rPr lang="en" sz="2000" dirty="0"/>
+              <a:t>powerful </a:t>
+            </a:r>
+            <a:r>
+              <a:rPr lang="en" sz="2000" dirty="0" smtClean="0"/>
+              <a:t>machines</a:t>
+            </a:r>
+            <a:r>
+              <a:rPr lang="en-US" sz="2000" dirty="0" smtClean="0"/>
+              <a:t>?</a:t>
+            </a:r>
+          </a:p>
+          <a:p>
+            <a:pPr marL="457200" indent="-381000">
+              <a:lnSpc>
+                <a:spcPct val="90000"/>
+              </a:lnSpc>
+              <a:spcAft>
+                <a:spcPts val="1000"/>
+              </a:spcAft>
+            </a:pPr>
+            <a:r>
+              <a:rPr lang="en-US" dirty="0"/>
+              <a:t>Implementation Challenge</a:t>
+            </a:r>
+          </a:p>
+          <a:p>
+            <a:pPr marL="912812" lvl="1" indent="-381000">
+              <a:lnSpc>
+                <a:spcPct val="90000"/>
+              </a:lnSpc>
+              <a:spcAft>
+                <a:spcPts val="1000"/>
+              </a:spcAft>
+            </a:pPr>
+            <a:r>
+              <a:rPr lang="en-US" sz="2000" dirty="0"/>
+              <a:t>Manage complexity and heterogeneity of infrastructure </a:t>
+            </a:r>
+          </a:p>
+          <a:p>
+            <a:pPr marL="419100" indent="-342900">
+              <a:lnSpc>
+                <a:spcPct val="80000"/>
+              </a:lnSpc>
+              <a:spcAft>
+                <a:spcPts val="1000"/>
+              </a:spcAft>
+            </a:pPr>
+            <a:r>
+              <a:rPr lang="en-US" dirty="0"/>
+              <a:t>Multi-level: Balanced DCI and support for scaling along all dimensions</a:t>
+            </a:r>
+          </a:p>
+          <a:p>
+            <a:pPr marL="906462" lvl="1" indent="-381000">
+              <a:buSzPct val="80000"/>
+            </a:pPr>
+            <a:r>
+              <a:rPr lang="en" sz="2000" dirty="0"/>
+              <a:t>Scaling-up, Scaling-out, Scaling-across</a:t>
+            </a:r>
+            <a:endParaRPr lang="en-US" sz="2000" dirty="0"/>
+          </a:p>
+          <a:p>
+            <a:pPr marL="457200" lvl="1" indent="0">
+              <a:lnSpc>
+                <a:spcPct val="90000"/>
+              </a:lnSpc>
+              <a:buNone/>
+            </a:pPr>
+            <a:endParaRPr lang="en-US" sz="2000" dirty="0"/>
+          </a:p>
+          <a:p>
+            <a:pPr lvl="1">
+              <a:lnSpc>
+                <a:spcPct val="90000"/>
+              </a:lnSpc>
+            </a:pPr>
+            <a:endParaRPr lang="en-US" sz="2000" dirty="0"/>
+          </a:p>
+          <a:p>
+            <a:pPr marL="457200" lvl="1" indent="0">
+              <a:lnSpc>
+                <a:spcPct val="90000"/>
+              </a:lnSpc>
+              <a:buNone/>
+            </a:pPr>
+            <a:endParaRPr lang="en-US" sz="2000" dirty="0">
+              <a:solidFill>
+                <a:srgbClr val="606060"/>
+              </a:solidFill>
+            </a:endParaRPr>
+          </a:p>
+        </p:txBody>
+      </p:sp>
+    </p:spTree>
+    <p:extLst>
+      <p:ext uri="{BB962C8B-B14F-4D97-AF65-F5344CB8AC3E}">
+        <p14:creationId xmlns:p14="http://schemas.microsoft.com/office/powerpoint/2010/main" val="1645174076"/>
+      </p:ext>
+    </p:extLst>
+  </p:cSld>
+  <p:clrMapOvr>
+    <a:masterClrMapping/>
+  </p:clrMapOvr>
+  <p:transition xmlns:p14="http://schemas.microsoft.com/office/powerpoint/2010/main" spd="slow">
+    <p:cut/>
+  </p:transition>
+  <p:timing>
+    <p:tnLst>
+      <p:par>
+        <p:cTn xmlns:p14="http://schemas.microsoft.com/office/powerpoint/2010/main" id="1" dur="indefinite" restart="never" nodeType="tmRoot"/>
+      </p:par>
+    </p:tnLst>
+  </p:timing>
 </p:sld>
 </file>
 
@@ -10126,8 +9974,62 @@
             </a:r>
             <a:r>
               <a:rPr lang="en-US" dirty="0" smtClean="0"/>
-              <a:t> resources</a:t>
-            </a:r>
+              <a:t> </a:t>
+            </a:r>
+            <a:r>
+              <a:rPr lang="en-US" dirty="0" smtClean="0"/>
+              <a:t>resources</a:t>
+            </a:r>
+          </a:p>
+          <a:p>
+            <a:pPr lvl="1"/>
+            <a:r>
+              <a:rPr lang="en-US" dirty="0" smtClean="0"/>
+              <a:t>Synergistic: Not </a:t>
+            </a:r>
+            <a:r>
+              <a:rPr lang="en-US" dirty="0"/>
+              <a:t>competitive but complementary</a:t>
+            </a:r>
+          </a:p>
+          <a:p>
+            <a:pPr lvl="2"/>
+            <a:r>
+              <a:rPr lang="en-US" dirty="0" smtClean="0"/>
+              <a:t>How</a:t>
+            </a:r>
+            <a:r>
+              <a:rPr lang="en-US" dirty="0"/>
+              <a:t>/when to send workloads from</a:t>
+            </a:r>
+            <a:r>
+              <a:rPr lang="en" dirty="0"/>
+              <a:t> leadership machines </a:t>
+            </a:r>
+            <a:r>
+              <a:rPr lang="en-US" dirty="0"/>
+              <a:t>to other </a:t>
+            </a:r>
+            <a:r>
+              <a:rPr lang="en" dirty="0"/>
+              <a:t>less powerful machines</a:t>
+            </a:r>
+            <a:r>
+              <a:rPr lang="en-US" dirty="0"/>
+              <a:t>?</a:t>
+            </a:r>
+          </a:p>
+          <a:p>
+            <a:pPr lvl="2"/>
+            <a:r>
+              <a:rPr lang="en-US" dirty="0"/>
+              <a:t>How to federate them</a:t>
+            </a:r>
+            <a:r>
+              <a:rPr lang="en-US" dirty="0" smtClean="0"/>
+              <a:t>?</a:t>
+            </a:r>
+            <a:endParaRPr lang="en-US" dirty="0" smtClean="0"/>
           </a:p>
           <a:p>
             <a:r>
@@ -10344,6 +10246,10 @@
               <a:rPr lang="en-US" dirty="0" smtClean="0"/>
               <a:t>Therefore a distinct role for middleware </a:t>
             </a:r>
+            <a:endParaRPr lang="en-US" dirty="0" smtClean="0"/>
+          </a:p>
+          <a:p>
+            <a:pPr lvl="1"/>
             <a:endParaRPr lang="en-US" dirty="0"/>
           </a:p>
         </p:txBody>
@@ -10412,7 +10318,7 @@
             </a:r>
             <a:r>
               <a:rPr lang="en-US" dirty="0" smtClean="0"/>
-              <a:t>Requirements: Applications</a:t>
+              <a:t>Requirements</a:t>
             </a:r>
             <a:endParaRPr lang="en" dirty="0"/>
           </a:p>
@@ -10452,12 +10358,8 @@
               </a:spcAft>
             </a:pPr>
             <a:r>
-              <a:rPr lang="en" dirty="0" smtClean="0"/>
-              <a:t>Support a broad range of </a:t>
-            </a:r>
-            <a:r>
               <a:rPr lang="en-US" dirty="0" smtClean="0"/>
-              <a:t>DCA requirements</a:t>
+              <a:t>Applications</a:t>
             </a:r>
           </a:p>
           <a:p>
@@ -10471,6 +10373,28 @@
             </a:pPr>
             <a:r>
               <a:rPr lang="en" sz="2000" dirty="0" smtClean="0"/>
+              <a:t>Support </a:t>
+            </a:r>
+            <a:r>
+              <a:rPr lang="en" sz="2000" dirty="0" smtClean="0"/>
+              <a:t>a broad range of </a:t>
+            </a:r>
+            <a:r>
+              <a:rPr lang="en-US" sz="2000" dirty="0" smtClean="0"/>
+              <a:t>DCA requirements</a:t>
+            </a:r>
+          </a:p>
+          <a:p>
+            <a:pPr marL="1320800" lvl="2" indent="-381000">
+              <a:lnSpc>
+                <a:spcPct val="80000"/>
+              </a:lnSpc>
+              <a:spcAft>
+                <a:spcPts val="1000"/>
+              </a:spcAft>
+            </a:pPr>
+            <a:r>
+              <a:rPr lang="en" sz="2000" dirty="0" smtClean="0"/>
               <a:t>e.g. </a:t>
             </a:r>
             <a:r>
@@ -10502,27 +10426,31 @@
             </a:pPr>
             <a:r>
               <a:rPr lang="en-US" sz="2000" dirty="0" smtClean="0"/>
-              <a:t>Novel application classes: Adaptive Applications</a:t>
-            </a:r>
-            <a:endParaRPr lang="en-US" sz="2000" dirty="0"/>
-          </a:p>
-          <a:p>
-            <a:pPr marL="457200" indent="-381000">
+              <a:t>Novel application classes: Adaptive </a:t>
+            </a:r>
+            <a:r>
+              <a:rPr lang="en-US" sz="2000" dirty="0" smtClean="0"/>
+              <a:t>Applications</a:t>
+            </a:r>
+          </a:p>
+          <a:p>
+            <a:pPr marL="1320800" lvl="2" indent="-381000">
               <a:lnSpc>
-                <a:spcPct val="90000"/>
+                <a:spcPct val="80000"/>
               </a:lnSpc>
               <a:spcAft>
                 <a:spcPts val="1000"/>
               </a:spcAft>
             </a:pPr>
             <a:r>
-              <a:rPr lang="en-US" dirty="0" smtClean="0"/>
-              <a:t>Distributed </a:t>
-            </a:r>
-            <a:r>
-              <a:rPr lang="en-US" dirty="0"/>
-              <a:t>Computing Applications:</a:t>
-            </a:r>
+              <a:rPr lang="en-US" sz="2000" dirty="0"/>
+              <a:t>Manage transition from static to adaptive </a:t>
+            </a:r>
+            <a:r>
+              <a:rPr lang="en-US" sz="2000" dirty="0" smtClean="0"/>
+              <a:t>applications</a:t>
+            </a:r>
+            <a:endParaRPr lang="en-US" sz="2000" dirty="0"/>
           </a:p>
           <a:p>
             <a:pPr lvl="1">
@@ -10531,12 +10459,31 @@
               </a:lnSpc>
             </a:pPr>
             <a:r>
+              <a:rPr lang="en" sz="2000" dirty="0" smtClean="0"/>
+              <a:t>When </a:t>
+            </a:r>
+            <a:r>
               <a:rPr lang="en" sz="2000" dirty="0"/>
-              <a:t>When and how to distribute</a:t>
+              <a:t>and how to distribute</a:t>
             </a:r>
             <a:r>
               <a:rPr lang="en-US" sz="2000" dirty="0"/>
-              <a:t>? What and where to distribute?</a:t>
+              <a:t>? What and where to distribute</a:t>
+            </a:r>
+            <a:r>
+              <a:rPr lang="en-US" sz="2000" dirty="0" smtClean="0"/>
+              <a:t>?</a:t>
+            </a:r>
+          </a:p>
+          <a:p>
+            <a:pPr>
+              <a:lnSpc>
+                <a:spcPct val="90000"/>
+              </a:lnSpc>
+            </a:pPr>
+            <a:r>
+              <a:rPr lang="en-US" dirty="0" smtClean="0"/>
+              <a:t>Infrastructure</a:t>
             </a:r>
           </a:p>
           <a:p>
@@ -10546,13 +10493,109 @@
               </a:lnSpc>
             </a:pPr>
             <a:r>
+              <a:rPr lang="en-US" sz="2000" dirty="0" smtClean="0"/>
+              <a:t>Federate</a:t>
+            </a:r>
+            <a:r>
+              <a:rPr lang="en" sz="2000" dirty="0" smtClean="0"/>
+              <a:t> </a:t>
+            </a:r>
+            <a:r>
+              <a:rPr lang="en" sz="2000" dirty="0"/>
+              <a:t>diversified set of resources</a:t>
+            </a:r>
+            <a:r>
               <a:rPr lang="en-US" sz="2000" dirty="0"/>
-              <a:t>Manage transition from static to adaptive </a:t>
-            </a:r>
+              <a:t> at</a:t>
+            </a:r>
+            <a:r>
+              <a:rPr lang="en" sz="2000" dirty="0"/>
+              <a:t> multiple </a:t>
+            </a:r>
+            <a:r>
+              <a:rPr lang="en" sz="2000" dirty="0" smtClean="0"/>
+              <a:t>levels</a:t>
+            </a:r>
+            <a:endParaRPr lang="en-US" sz="2000" dirty="0" smtClean="0"/>
+          </a:p>
+          <a:p>
+            <a:pPr lvl="1">
+              <a:lnSpc>
+                <a:spcPct val="90000"/>
+              </a:lnSpc>
+            </a:pPr>
             <a:r>
               <a:rPr lang="en-US" sz="2000" dirty="0" smtClean="0"/>
-              <a:t>applications</a:t>
-            </a:r>
+              <a:t>Implementation Challenge</a:t>
+            </a:r>
+          </a:p>
+          <a:p>
+            <a:pPr lvl="2">
+              <a:lnSpc>
+                <a:spcPct val="90000"/>
+              </a:lnSpc>
+            </a:pPr>
+            <a:r>
+              <a:rPr lang="en-US" sz="2000" dirty="0" smtClean="0"/>
+              <a:t>Manage </a:t>
+            </a:r>
+            <a:r>
+              <a:rPr lang="en-US" sz="2000" dirty="0"/>
+              <a:t>complexity and heterogeneity of infrastructure </a:t>
+            </a:r>
+            <a:endParaRPr lang="en-US" sz="2000" dirty="0" smtClean="0"/>
+          </a:p>
+          <a:p>
+            <a:pPr lvl="1">
+              <a:lnSpc>
+                <a:spcPct val="90000"/>
+              </a:lnSpc>
+            </a:pPr>
+            <a:r>
+              <a:rPr lang="en-US" sz="2000" dirty="0" smtClean="0"/>
+              <a:t>Multi</a:t>
+            </a:r>
+            <a:r>
+              <a:rPr lang="en-US" sz="2000" dirty="0"/>
+              <a:t>-level: Balanced DCI and support for scaling along all </a:t>
+            </a:r>
+            <a:r>
+              <a:rPr lang="en-US" sz="2000" dirty="0" smtClean="0"/>
+              <a:t>dimensions</a:t>
+            </a:r>
+          </a:p>
+          <a:p>
+            <a:pPr lvl="2">
+              <a:lnSpc>
+                <a:spcPct val="90000"/>
+              </a:lnSpc>
+            </a:pPr>
+            <a:r>
+              <a:rPr lang="en" sz="2000" dirty="0" smtClean="0"/>
+              <a:t>Scaling-up</a:t>
+            </a:r>
+            <a:r>
+              <a:rPr lang="en" sz="2000" dirty="0"/>
+              <a:t>, Scaling-out, Scaling-across</a:t>
+            </a:r>
+            <a:endParaRPr lang="en-US" sz="2000" dirty="0"/>
+          </a:p>
+          <a:p>
+            <a:pPr marL="457200" lvl="1" indent="0">
+              <a:lnSpc>
+                <a:spcPct val="90000"/>
+              </a:lnSpc>
+              <a:buNone/>
+            </a:pPr>
+            <a:endParaRPr lang="en-US" sz="2000" dirty="0"/>
+          </a:p>
+          <a:p>
+            <a:pPr>
+              <a:lnSpc>
+                <a:spcPct val="90000"/>
+              </a:lnSpc>
+            </a:pPr>
+            <a:endParaRPr lang="en-US" dirty="0"/>
           </a:p>
           <a:p>
             <a:pPr marL="457200" lvl="1" indent="0">
@@ -10595,323 +10638,6 @@
 </file>
 
 <file path=ppt/slides/slide6.xml><?xml version="1.0" encoding="utf-8"?>
-<p:sld xmlns:a="http://schemas.openxmlformats.org/drawingml/2006/main" xmlns:r="http://schemas.openxmlformats.org/officeDocument/2006/relationships" xmlns:p="http://schemas.openxmlformats.org/presentationml/2006/main">
-  <p:cSld>
-    <p:spTree>
-      <p:nvGrpSpPr>
-        <p:cNvPr id="1" name="Shape 46"/>
-        <p:cNvGrpSpPr/>
-        <p:nvPr/>
-      </p:nvGrpSpPr>
-      <p:grpSpPr>
-        <a:xfrm>
-          <a:off x="0" y="0"/>
-          <a:ext cx="0" cy="0"/>
-          <a:chOff x="0" y="0"/>
-          <a:chExt cx="0" cy="0"/>
-        </a:xfrm>
-      </p:grpSpPr>
-      <p:sp>
-        <p:nvSpPr>
-          <p:cNvPr id="47" name="Shape 47"/>
-          <p:cNvSpPr txBox="1">
-            <a:spLocks noGrp="1"/>
-          </p:cNvSpPr>
-          <p:nvPr>
-            <p:ph type="title"/>
-          </p:nvPr>
-        </p:nvSpPr>
-        <p:spPr>
-          <a:prstGeom prst="rect">
-            <a:avLst/>
-          </a:prstGeom>
-        </p:spPr>
-        <p:txBody>
-          <a:bodyPr lIns="91425" tIns="91425" rIns="91425" bIns="91425" anchor="b" anchorCtr="0">
-            <a:noAutofit/>
-          </a:bodyPr>
-          <a:lstStyle/>
-          <a:p>
-            <a:pPr lvl="0" rtl="0">
-              <a:buNone/>
-            </a:pPr>
-            <a:r>
-              <a:rPr lang="en-US" dirty="0" smtClean="0"/>
-              <a:t>DEC </a:t>
-            </a:r>
-            <a:r>
-              <a:rPr lang="en" dirty="0" smtClean="0"/>
-              <a:t>Foundational </a:t>
-            </a:r>
-            <a:r>
-              <a:rPr lang="en-US" dirty="0" smtClean="0"/>
-              <a:t>Challenges: Infrastructure</a:t>
-            </a:r>
-            <a:endParaRPr lang="en" dirty="0"/>
-          </a:p>
-        </p:txBody>
-      </p:sp>
-      <p:sp>
-        <p:nvSpPr>
-          <p:cNvPr id="48" name="Shape 48"/>
-          <p:cNvSpPr txBox="1">
-            <a:spLocks noGrp="1"/>
-          </p:cNvSpPr>
-          <p:nvPr>
-            <p:ph idx="4294967295"/>
-          </p:nvPr>
-        </p:nvSpPr>
-        <p:spPr>
-          <a:xfrm>
-            <a:off x="282231" y="789713"/>
-            <a:ext cx="8715010" cy="5146675"/>
-          </a:xfrm>
-          <a:prstGeom prst="rect">
-            <a:avLst/>
-          </a:prstGeom>
-        </p:spPr>
-        <p:txBody>
-          <a:bodyPr lIns="91425" tIns="91425" rIns="91425" bIns="91425" anchor="t" anchorCtr="0">
-            <a:noAutofit/>
-          </a:bodyPr>
-          <a:lstStyle/>
-          <a:p>
-            <a:pPr>
-              <a:lnSpc>
-                <a:spcPct val="90000"/>
-              </a:lnSpc>
-            </a:pPr>
-            <a:r>
-              <a:rPr lang="en-US" dirty="0" smtClean="0"/>
-              <a:t>Federate</a:t>
-            </a:r>
-            <a:r>
-              <a:rPr lang="en" dirty="0" smtClean="0"/>
-              <a:t> diversified </a:t>
-            </a:r>
-            <a:r>
-              <a:rPr lang="en" dirty="0"/>
-              <a:t>set of </a:t>
-            </a:r>
-            <a:r>
-              <a:rPr lang="en" dirty="0" smtClean="0"/>
-              <a:t>resources</a:t>
-            </a:r>
-            <a:r>
-              <a:rPr lang="en-US" dirty="0" smtClean="0"/>
-              <a:t> at</a:t>
-            </a:r>
-            <a:r>
-              <a:rPr lang="en" dirty="0" smtClean="0"/>
-              <a:t> </a:t>
-            </a:r>
-            <a:r>
-              <a:rPr lang="en" dirty="0"/>
-              <a:t>multiple </a:t>
-            </a:r>
-            <a:r>
-              <a:rPr lang="en" dirty="0" smtClean="0"/>
-              <a:t>levels</a:t>
-            </a:r>
-            <a:endParaRPr lang="en-US" dirty="0" smtClean="0"/>
-          </a:p>
-          <a:p>
-            <a:pPr marL="1320800" lvl="2" indent="-381000">
-              <a:lnSpc>
-                <a:spcPct val="90000"/>
-              </a:lnSpc>
-              <a:spcAft>
-                <a:spcPts val="1000"/>
-              </a:spcAft>
-            </a:pPr>
-            <a:r>
-              <a:rPr lang="en-US" sz="2000" dirty="0"/>
-              <a:t>Designing a federated system that scales </a:t>
-            </a:r>
-            <a:r>
-              <a:rPr lang="en" sz="2000" dirty="0"/>
-              <a:t>along </a:t>
-            </a:r>
-            <a:r>
-              <a:rPr lang="en-US" sz="2000" dirty="0"/>
-              <a:t>1 </a:t>
-            </a:r>
-            <a:r>
-              <a:rPr lang="en" sz="2000" dirty="0"/>
-              <a:t>dimension is relatively easy compared to scaling along </a:t>
-            </a:r>
-            <a:r>
-              <a:rPr lang="en-US" sz="2000" dirty="0"/>
-              <a:t>&gt;1 </a:t>
-            </a:r>
-            <a:r>
-              <a:rPr lang="en" sz="2000" dirty="0"/>
-              <a:t>dimensions</a:t>
-            </a:r>
-            <a:endParaRPr lang="en-US" sz="2000" dirty="0"/>
-          </a:p>
-          <a:p>
-            <a:pPr marL="1320800" lvl="2" indent="-381000">
-              <a:lnSpc>
-                <a:spcPct val="90000"/>
-              </a:lnSpc>
-              <a:spcAft>
-                <a:spcPts val="1000"/>
-              </a:spcAft>
-            </a:pPr>
-            <a:r>
-              <a:rPr lang="en-US" sz="2000" dirty="0" smtClean="0"/>
-              <a:t>How/when </a:t>
-            </a:r>
-            <a:r>
-              <a:rPr lang="en-US" sz="2000" dirty="0"/>
-              <a:t>to </a:t>
-            </a:r>
-            <a:r>
-              <a:rPr lang="en-US" sz="2000" dirty="0" smtClean="0"/>
-              <a:t>federate</a:t>
-            </a:r>
-            <a:r>
-              <a:rPr lang="en" sz="2000" dirty="0" smtClean="0"/>
-              <a:t> </a:t>
-            </a:r>
-            <a:r>
-              <a:rPr lang="en" sz="2000" dirty="0"/>
-              <a:t>leadership machines </a:t>
-            </a:r>
-            <a:r>
-              <a:rPr lang="en-US" sz="2000" dirty="0"/>
-              <a:t>with </a:t>
-            </a:r>
-            <a:r>
-              <a:rPr lang="en-US" sz="2000" dirty="0" smtClean="0"/>
-              <a:t>other </a:t>
-            </a:r>
-            <a:r>
-              <a:rPr lang="en" sz="2000" dirty="0" smtClean="0"/>
-              <a:t>less </a:t>
-            </a:r>
-            <a:r>
-              <a:rPr lang="en" sz="2000" dirty="0"/>
-              <a:t>powerful </a:t>
-            </a:r>
-            <a:r>
-              <a:rPr lang="en" sz="2000" dirty="0" smtClean="0"/>
-              <a:t>machines</a:t>
-            </a:r>
-            <a:r>
-              <a:rPr lang="en-US" sz="2000" dirty="0" smtClean="0"/>
-              <a:t>?</a:t>
-            </a:r>
-          </a:p>
-          <a:p>
-            <a:pPr marL="457200" indent="-381000">
-              <a:lnSpc>
-                <a:spcPct val="90000"/>
-              </a:lnSpc>
-              <a:spcAft>
-                <a:spcPts val="1000"/>
-              </a:spcAft>
-            </a:pPr>
-            <a:r>
-              <a:rPr lang="en-US" dirty="0"/>
-              <a:t>Implementation Challenge</a:t>
-            </a:r>
-          </a:p>
-          <a:p>
-            <a:pPr marL="912812" lvl="1" indent="-381000">
-              <a:lnSpc>
-                <a:spcPct val="90000"/>
-              </a:lnSpc>
-              <a:spcAft>
-                <a:spcPts val="1000"/>
-              </a:spcAft>
-            </a:pPr>
-            <a:r>
-              <a:rPr lang="en-US" sz="2000" dirty="0"/>
-              <a:t>Manage complexity and heterogeneity of infrastructure </a:t>
-            </a:r>
-          </a:p>
-          <a:p>
-            <a:pPr marL="419100" indent="-342900">
-              <a:lnSpc>
-                <a:spcPct val="80000"/>
-              </a:lnSpc>
-              <a:spcAft>
-                <a:spcPts val="1000"/>
-              </a:spcAft>
-            </a:pPr>
-            <a:r>
-              <a:rPr lang="en-US" dirty="0"/>
-              <a:t>Multi-level: Balanced DCI and support for scaling along all dimensions</a:t>
-            </a:r>
-          </a:p>
-          <a:p>
-            <a:pPr marL="906462" lvl="1" indent="-381000">
-              <a:buSzPct val="80000"/>
-            </a:pPr>
-            <a:r>
-              <a:rPr lang="en" sz="2000" dirty="0"/>
-              <a:t>Scaling-up, Scaling-out, Scaling-across</a:t>
-            </a:r>
-            <a:endParaRPr lang="en-US" sz="2000" dirty="0"/>
-          </a:p>
-          <a:p>
-            <a:pPr marL="457200" lvl="1" indent="0">
-              <a:lnSpc>
-                <a:spcPct val="90000"/>
-              </a:lnSpc>
-              <a:buNone/>
-            </a:pPr>
-            <a:endParaRPr lang="en-US" sz="2000" dirty="0"/>
-          </a:p>
-          <a:p>
-            <a:pPr lvl="1">
-              <a:lnSpc>
-                <a:spcPct val="90000"/>
-              </a:lnSpc>
-            </a:pPr>
-            <a:endParaRPr lang="en-US" sz="2000" dirty="0"/>
-          </a:p>
-          <a:p>
-            <a:pPr marL="457200" lvl="1" indent="0">
-              <a:lnSpc>
-                <a:spcPct val="90000"/>
-              </a:lnSpc>
-              <a:buNone/>
-            </a:pPr>
-            <a:endParaRPr lang="en-US" sz="2000" dirty="0">
-              <a:solidFill>
-                <a:srgbClr val="606060"/>
-              </a:solidFill>
-            </a:endParaRPr>
-          </a:p>
-        </p:txBody>
-      </p:sp>
-    </p:spTree>
-    <p:extLst>
-      <p:ext uri="{BB962C8B-B14F-4D97-AF65-F5344CB8AC3E}">
-        <p14:creationId xmlns:p14="http://schemas.microsoft.com/office/powerpoint/2010/main" val="419228335"/>
-      </p:ext>
-    </p:extLst>
-  </p:cSld>
-  <p:clrMapOvr>
-    <a:masterClrMapping/>
-  </p:clrMapOvr>
-  <p:transition xmlns:p14="http://schemas.microsoft.com/office/powerpoint/2010/main" spd="slow">
-    <p:cut/>
-  </p:transition>
-  <p:timing>
-    <p:tnLst>
-      <p:par>
-        <p:cTn xmlns:p14="http://schemas.microsoft.com/office/powerpoint/2010/main" id="1" dur="indefinite" restart="never" nodeType="tmRoot"/>
-      </p:par>
-    </p:tnLst>
-  </p:timing>
-</p:sld>
-</file>
-
-<file path=ppt/slides/slide7.xml><?xml version="1.0" encoding="utf-8"?>
 <p:sld xmlns:a="http://schemas.openxmlformats.org/drawingml/2006/main" xmlns:r="http://schemas.openxmlformats.org/officeDocument/2006/relationships" xmlns:p="http://schemas.openxmlformats.org/presentationml/2006/main">
   <p:cSld>
     <p:spTree>
@@ -11268,6 +10994,452 @@
       </p:par>
     </p:tnLst>
   </p:timing>
+</p:sld>
+</file>
+
+<file path=ppt/slides/slide7.xml><?xml version="1.0" encoding="utf-8"?>
+<p:sld xmlns:a="http://schemas.openxmlformats.org/drawingml/2006/main" xmlns:r="http://schemas.openxmlformats.org/officeDocument/2006/relationships" xmlns:p="http://schemas.openxmlformats.org/presentationml/2006/main">
+  <p:cSld>
+    <p:spTree>
+      <p:nvGrpSpPr>
+        <p:cNvPr id="1" name=""/>
+        <p:cNvGrpSpPr/>
+        <p:nvPr/>
+      </p:nvGrpSpPr>
+      <p:grpSpPr>
+        <a:xfrm>
+          <a:off x="0" y="0"/>
+          <a:ext cx="0" cy="0"/>
+          <a:chOff x="0" y="0"/>
+          <a:chExt cx="0" cy="0"/>
+        </a:xfrm>
+      </p:grpSpPr>
+      <p:sp>
+        <p:nvSpPr>
+          <p:cNvPr id="2" name="Title 1"/>
+          <p:cNvSpPr>
+            <a:spLocks noGrp="1"/>
+          </p:cNvSpPr>
+          <p:nvPr>
+            <p:ph type="title"/>
+          </p:nvPr>
+        </p:nvSpPr>
+        <p:spPr/>
+        <p:txBody>
+          <a:bodyPr/>
+          <a:lstStyle/>
+          <a:p>
+            <a:r>
+              <a:rPr lang="en-US" dirty="0" smtClean="0"/>
+              <a:t>NGMW Design Aims and Objectives</a:t>
+            </a:r>
+            <a:endParaRPr lang="en-US" dirty="0"/>
+          </a:p>
+        </p:txBody>
+      </p:sp>
+      <p:sp>
+        <p:nvSpPr>
+          <p:cNvPr id="3" name="Content Placeholder 2"/>
+          <p:cNvSpPr>
+            <a:spLocks noGrp="1"/>
+          </p:cNvSpPr>
+          <p:nvPr>
+            <p:ph idx="1"/>
+          </p:nvPr>
+        </p:nvSpPr>
+        <p:spPr/>
+        <p:txBody>
+          <a:bodyPr/>
+          <a:lstStyle/>
+          <a:p>
+            <a:pPr marL="344488" indent="-342900">
+              <a:buClr>
+                <a:srgbClr val="000000"/>
+              </a:buClr>
+              <a:buSzPct val="100000"/>
+            </a:pPr>
+            <a:r>
+              <a:rPr lang="en-US" dirty="0" smtClean="0">
+                <a:solidFill>
+                  <a:srgbClr val="000000"/>
+                </a:solidFill>
+              </a:rPr>
+              <a:t>Design Aims</a:t>
+            </a:r>
+          </a:p>
+          <a:p>
+            <a:pPr marL="800100" lvl="1" indent="-342900">
+              <a:buClr>
+                <a:srgbClr val="000000"/>
+              </a:buClr>
+              <a:buSzPct val="100000"/>
+            </a:pPr>
+            <a:r>
+              <a:rPr lang="en-US" dirty="0" smtClean="0"/>
+              <a:t>When </a:t>
+            </a:r>
+            <a:r>
+              <a:rPr lang="en-US" dirty="0"/>
+              <a:t>to distribute?</a:t>
+            </a:r>
+          </a:p>
+          <a:p>
+            <a:pPr lvl="2"/>
+            <a:r>
+              <a:rPr lang="en-US" dirty="0"/>
+              <a:t>Sub problem X is better running on a non-leadership class machine? </a:t>
+            </a:r>
+          </a:p>
+          <a:p>
+            <a:pPr lvl="1"/>
+            <a:r>
+              <a:rPr lang="en-US" dirty="0"/>
+              <a:t>What to distribute</a:t>
+            </a:r>
+            <a:r>
+              <a:rPr lang="en-US" dirty="0" smtClean="0"/>
+              <a:t>?</a:t>
+            </a:r>
+          </a:p>
+          <a:p>
+            <a:pPr lvl="1"/>
+            <a:r>
+              <a:rPr lang="en-US" dirty="0" smtClean="0"/>
+              <a:t>Where</a:t>
+            </a:r>
+            <a:r>
+              <a:rPr lang="en-US" dirty="0"/>
+              <a:t>/how to distribute</a:t>
+            </a:r>
+            <a:r>
+              <a:rPr lang="en-US" dirty="0" smtClean="0"/>
+              <a:t>?</a:t>
+            </a:r>
+          </a:p>
+          <a:p>
+            <a:pPr lvl="2"/>
+            <a:r>
+              <a:rPr lang="en-US" dirty="0" smtClean="0"/>
+              <a:t>Need </a:t>
+            </a:r>
+            <a:r>
+              <a:rPr lang="en-US" dirty="0"/>
+              <a:t>information about resources, networks </a:t>
+            </a:r>
+            <a:endParaRPr lang="en-US" dirty="0" smtClean="0"/>
+          </a:p>
+          <a:p>
+            <a:pPr lvl="2"/>
+            <a:r>
+              <a:rPr lang="en-US" dirty="0" smtClean="0"/>
+              <a:t>What </a:t>
+            </a:r>
+            <a:r>
+              <a:rPr lang="en-US" dirty="0"/>
+              <a:t>is a capability</a:t>
+            </a:r>
+            <a:r>
+              <a:rPr lang="en-US" dirty="0" smtClean="0"/>
+              <a:t>? [this might go.. Depending upon order of slides]</a:t>
+            </a:r>
+            <a:endParaRPr lang="en-US" dirty="0"/>
+          </a:p>
+          <a:p>
+            <a:pPr marL="344488" indent="-342900">
+              <a:buClr>
+                <a:srgbClr val="000000"/>
+              </a:buClr>
+              <a:buSzPct val="100000"/>
+            </a:pPr>
+            <a:r>
+              <a:rPr lang="en-US" dirty="0" smtClean="0">
+                <a:solidFill>
+                  <a:srgbClr val="000000"/>
+                </a:solidFill>
+              </a:rPr>
+              <a:t>Design Objectives</a:t>
+            </a:r>
+            <a:endParaRPr lang="en-US" dirty="0">
+              <a:solidFill>
+                <a:srgbClr val="000000"/>
+              </a:solidFill>
+            </a:endParaRPr>
+          </a:p>
+          <a:p>
+            <a:pPr marL="800100" lvl="1" indent="-342900">
+              <a:buClr>
+                <a:srgbClr val="000000"/>
+              </a:buClr>
+              <a:buSzPct val="100000"/>
+              <a:buFont typeface="+mj-lt"/>
+              <a:buAutoNum type="arabicPeriod"/>
+            </a:pPr>
+            <a:r>
+              <a:rPr lang="en" dirty="0" smtClean="0">
+                <a:solidFill>
+                  <a:srgbClr val="000000"/>
+                </a:solidFill>
+              </a:rPr>
+              <a:t>Need </a:t>
+            </a:r>
+            <a:r>
+              <a:rPr lang="en" dirty="0">
+                <a:solidFill>
+                  <a:srgbClr val="000000"/>
+                </a:solidFill>
+              </a:rPr>
+              <a:t>to </a:t>
+            </a:r>
+            <a:r>
+              <a:rPr lang="en-US" dirty="0">
+                <a:solidFill>
+                  <a:srgbClr val="000000"/>
+                </a:solidFill>
+              </a:rPr>
+              <a:t>federate </a:t>
+            </a:r>
+            <a:r>
+              <a:rPr lang="en" dirty="0">
+                <a:solidFill>
+                  <a:srgbClr val="000000"/>
+                </a:solidFill>
+              </a:rPr>
+              <a:t>systems to provide well</a:t>
+            </a:r>
+            <a:r>
+              <a:rPr lang="en-US" dirty="0">
+                <a:solidFill>
+                  <a:srgbClr val="000000"/>
+                </a:solidFill>
+              </a:rPr>
+              <a:t>-</a:t>
+            </a:r>
+            <a:r>
+              <a:rPr lang="en" dirty="0">
+                <a:solidFill>
+                  <a:srgbClr val="000000"/>
+                </a:solidFill>
+              </a:rPr>
+              <a:t>defined </a:t>
+            </a:r>
+            <a:r>
+              <a:rPr lang="en" dirty="0" smtClean="0">
+                <a:solidFill>
+                  <a:srgbClr val="000000"/>
+                </a:solidFill>
+              </a:rPr>
+              <a:t>capabilities</a:t>
+            </a:r>
+            <a:endParaRPr lang="en-US" dirty="0" smtClean="0">
+              <a:solidFill>
+                <a:srgbClr val="000000"/>
+              </a:solidFill>
+            </a:endParaRPr>
+          </a:p>
+          <a:p>
+            <a:pPr marL="800100" lvl="1" indent="-342900">
+              <a:buClr>
+                <a:srgbClr val="000000"/>
+              </a:buClr>
+              <a:buSzPct val="100000"/>
+              <a:buFont typeface="+mj-lt"/>
+              <a:buAutoNum type="arabicPeriod"/>
+            </a:pPr>
+            <a:r>
+              <a:rPr lang="en-US" dirty="0" smtClean="0">
+                <a:solidFill>
+                  <a:schemeClr val="tx1">
+                    <a:lumMod val="65000"/>
+                    <a:lumOff val="35000"/>
+                  </a:schemeClr>
+                </a:solidFill>
+              </a:rPr>
+              <a:t>Abstracted </a:t>
+            </a:r>
+            <a:r>
+              <a:rPr lang="en-US" dirty="0">
+                <a:solidFill>
+                  <a:schemeClr val="tx1">
+                    <a:lumMod val="65000"/>
+                    <a:lumOff val="35000"/>
+                  </a:schemeClr>
+                </a:solidFill>
+              </a:rPr>
+              <a:t>data logic (representation, distribution, scheduling, placement) that captures application-semantics yet is not application-</a:t>
+            </a:r>
+            <a:r>
+              <a:rPr lang="en-US" dirty="0" smtClean="0">
+                <a:solidFill>
+                  <a:schemeClr val="tx1">
+                    <a:lumMod val="65000"/>
+                    <a:lumOff val="35000"/>
+                  </a:schemeClr>
+                </a:solidFill>
+              </a:rPr>
+              <a:t>specific</a:t>
+            </a:r>
+          </a:p>
+          <a:p>
+            <a:pPr marL="1208088" lvl="2" indent="-342900">
+              <a:buClr>
+                <a:srgbClr val="000000"/>
+              </a:buClr>
+              <a:buSzPct val="100000"/>
+            </a:pPr>
+            <a:r>
+              <a:rPr lang="en-US" dirty="0" smtClean="0">
+                <a:solidFill>
+                  <a:schemeClr val="tx1">
+                    <a:lumMod val="65000"/>
+                    <a:lumOff val="35000"/>
+                  </a:schemeClr>
+                </a:solidFill>
+              </a:rPr>
+              <a:t>Needs fixing…</a:t>
+            </a:r>
+            <a:endParaRPr lang="en-US" dirty="0">
+              <a:solidFill>
+                <a:schemeClr val="tx1">
+                  <a:lumMod val="65000"/>
+                  <a:lumOff val="35000"/>
+                </a:schemeClr>
+              </a:solidFill>
+            </a:endParaRPr>
+          </a:p>
+          <a:p>
+            <a:pPr marL="800100" lvl="1" indent="-342900">
+              <a:buClr>
+                <a:srgbClr val="000000"/>
+              </a:buClr>
+              <a:buSzPct val="100000"/>
+              <a:buFont typeface="+mj-lt"/>
+              <a:buAutoNum type="arabicPeriod"/>
+            </a:pPr>
+            <a:r>
+              <a:rPr lang="en-US" dirty="0">
+                <a:solidFill>
+                  <a:schemeClr val="tx1">
+                    <a:lumMod val="65000"/>
+                    <a:lumOff val="35000"/>
+                  </a:schemeClr>
+                </a:solidFill>
+              </a:rPr>
+              <a:t>Integrated for Adaptive Applications and Dynamic Resource </a:t>
+            </a:r>
+            <a:r>
+              <a:rPr lang="en-US" dirty="0" smtClean="0">
+                <a:solidFill>
+                  <a:schemeClr val="tx1">
+                    <a:lumMod val="65000"/>
+                    <a:lumOff val="35000"/>
+                  </a:schemeClr>
+                </a:solidFill>
+              </a:rPr>
+              <a:t>Management</a:t>
+            </a:r>
+          </a:p>
+          <a:p>
+            <a:pPr marL="1208088" lvl="2" indent="-342900">
+              <a:buClr>
+                <a:srgbClr val="000000"/>
+              </a:buClr>
+              <a:buSzPct val="100000"/>
+            </a:pPr>
+            <a:r>
+              <a:rPr lang="en-US" dirty="0">
+                <a:solidFill>
+                  <a:srgbClr val="000000"/>
+                </a:solidFill>
+              </a:rPr>
+              <a:t>Federation of h</a:t>
+            </a:r>
+            <a:r>
+              <a:rPr lang="en" dirty="0">
+                <a:solidFill>
+                  <a:srgbClr val="000000"/>
+                </a:solidFill>
+              </a:rPr>
+              <a:t>eterogeneous</a:t>
+            </a:r>
+            <a:r>
+              <a:rPr lang="en-US" dirty="0">
+                <a:solidFill>
+                  <a:srgbClr val="000000"/>
+                </a:solidFill>
+              </a:rPr>
+              <a:t> dynamic </a:t>
+            </a:r>
+            <a:r>
+              <a:rPr lang="en" dirty="0">
+                <a:solidFill>
+                  <a:srgbClr val="000000"/>
+                </a:solidFill>
+              </a:rPr>
+              <a:t>components</a:t>
+            </a:r>
+            <a:r>
+              <a:rPr lang="en-US" dirty="0">
+                <a:solidFill>
+                  <a:srgbClr val="000000"/>
+                </a:solidFill>
+              </a:rPr>
+              <a:t> </a:t>
+            </a:r>
+          </a:p>
+          <a:p>
+            <a:pPr marL="1208088" lvl="2" indent="-342900">
+              <a:buClr>
+                <a:srgbClr val="000000"/>
+              </a:buClr>
+              <a:buSzPct val="100000"/>
+            </a:pPr>
+            <a:r>
+              <a:rPr lang="en-US" dirty="0">
+                <a:solidFill>
+                  <a:srgbClr val="000000"/>
+                </a:solidFill>
+              </a:rPr>
+              <a:t>Support adaptive applications</a:t>
+            </a:r>
+            <a:endParaRPr lang="en" dirty="0">
+              <a:solidFill>
+                <a:srgbClr val="000000"/>
+              </a:solidFill>
+            </a:endParaRPr>
+          </a:p>
+          <a:p>
+            <a:pPr marL="1208088" lvl="2" indent="-342900">
+              <a:buClr>
+                <a:srgbClr val="000000"/>
+              </a:buClr>
+              <a:buSzPct val="100000"/>
+              <a:buFont typeface="+mj-lt"/>
+              <a:buAutoNum type="arabicPeriod"/>
+            </a:pPr>
+            <a:endParaRPr lang="en-US" dirty="0">
+              <a:solidFill>
+                <a:schemeClr val="tx1">
+                  <a:lumMod val="65000"/>
+                  <a:lumOff val="35000"/>
+                </a:schemeClr>
+              </a:solidFill>
+            </a:endParaRPr>
+          </a:p>
+          <a:p>
+            <a:endParaRPr lang="en-US" dirty="0"/>
+          </a:p>
+        </p:txBody>
+      </p:sp>
+    </p:spTree>
+    <p:extLst>
+      <p:ext uri="{BB962C8B-B14F-4D97-AF65-F5344CB8AC3E}">
+        <p14:creationId xmlns:p14="http://schemas.microsoft.com/office/powerpoint/2010/main" val="2374382363"/>
+      </p:ext>
+    </p:extLst>
+  </p:cSld>
+  <p:clrMapOvr>
+    <a:masterClrMapping/>
+  </p:clrMapOvr>
 </p:sld>
 </file>
 
@@ -11314,7 +11486,7 @@
             </a:pPr>
             <a:r>
               <a:rPr lang="en-US" sz="2400" dirty="0" smtClean="0"/>
-              <a:t>NGMW</a:t>
+              <a:t>NGMW [Work in Progress, will compact 8-11 into 2 slides]</a:t>
             </a:r>
             <a:endParaRPr lang="en" sz="2400" dirty="0"/>
           </a:p>
@@ -11405,8 +11577,27 @@
                   </a:schemeClr>
                 </a:solidFill>
               </a:rPr>
-              <a:t>Not just glues together different layers but provides:</a:t>
-            </a:r>
+              <a:t>Not just glues together different layers </a:t>
+            </a:r>
+            <a:r>
+              <a:rPr lang="en-US" sz="2000" dirty="0" smtClean="0">
+                <a:solidFill>
+                  <a:schemeClr val="tx1">
+                    <a:lumMod val="65000"/>
+                    <a:lumOff val="35000"/>
+                  </a:schemeClr>
+                </a:solidFill>
+              </a:rPr>
+              <a:t>but:</a:t>
+            </a:r>
+            <a:endParaRPr lang="en-US" sz="2000" dirty="0">
+              <a:solidFill>
+                <a:schemeClr val="tx1">
+                  <a:lumMod val="65000"/>
+                  <a:lumOff val="35000"/>
+                </a:schemeClr>
+              </a:solidFill>
+            </a:endParaRPr>
           </a:p>
           <a:p>
             <a:pPr lvl="2">
@@ -12156,47 +12347,7 @@
               <a:buSzPct val="100000"/>
             </a:pPr>
             <a:r>
-              <a:rPr lang="en-US" sz="1700" dirty="0" smtClean="0">
-                <a:solidFill>
-                  <a:srgbClr val="000000"/>
-                </a:solidFill>
-              </a:rPr>
-              <a:t>Federation </a:t>
-            </a:r>
-            <a:r>
-              <a:rPr lang="en-US" sz="1700" dirty="0">
-                <a:solidFill>
-                  <a:srgbClr val="000000"/>
-                </a:solidFill>
-              </a:rPr>
-              <a:t>via m</a:t>
-            </a:r>
-            <a:r>
-              <a:rPr lang="en" sz="1700" dirty="0">
-                <a:solidFill>
-                  <a:srgbClr val="000000"/>
-                </a:solidFill>
-              </a:rPr>
-              <a:t>iddleware</a:t>
-            </a:r>
-            <a:r>
-              <a:rPr lang="en-US" sz="1700" dirty="0">
-                <a:solidFill>
-                  <a:srgbClr val="000000"/>
-                </a:solidFill>
-              </a:rPr>
-              <a:t>:</a:t>
-            </a:r>
-          </a:p>
-          <a:p>
-            <a:pPr lvl="1">
-              <a:buClr>
-                <a:srgbClr val="000000"/>
-              </a:buClr>
-              <a:buSzPct val="100000"/>
-            </a:pPr>
-            <a:r>
-              <a:rPr lang="en-US" sz="1700" dirty="0">
+              <a:rPr lang="en" sz="1900" dirty="0" smtClean="0">
                 <a:solidFill>
                   <a:schemeClr val="tx1">
                     <a:lumMod val="65000"/>
@@ -12204,10 +12355,10 @@
                   </a:schemeClr>
                 </a:solidFill>
               </a:rPr>
-              <a:t>Test Case: </a:t>
-            </a:r>
-            <a:r>
-              <a:rPr lang="en" sz="1700" dirty="0">
+              <a:t>New </a:t>
+            </a:r>
+            <a:r>
+              <a:rPr lang="en-US" sz="1900" dirty="0">
                 <a:solidFill>
                   <a:schemeClr val="tx1">
                     <a:lumMod val="65000"/>
@@ -12215,26 +12366,10 @@
                   </a:schemeClr>
                 </a:solidFill>
               </a:rPr>
-              <a:t>How would we federate XSEDE and OSG?</a:t>
-            </a:r>
-            <a:endParaRPr lang="en-US" sz="1700" dirty="0">
-              <a:solidFill>
-                <a:schemeClr val="tx1">
-                  <a:lumMod val="65000"/>
-                  <a:lumOff val="35000"/>
-                </a:schemeClr>
-              </a:solidFill>
-            </a:endParaRPr>
-          </a:p>
-          <a:p>
-            <a:pPr lvl="2">
-              <a:buClr>
-                <a:srgbClr val="000000"/>
-              </a:buClr>
-              <a:buSzPct val="100000"/>
-            </a:pPr>
-            <a:r>
-              <a:rPr lang="en" sz="1700" dirty="0">
+              <a:t>complementary and </a:t>
+            </a:r>
+            <a:r>
+              <a:rPr lang="en" sz="1900" dirty="0">
                 <a:solidFill>
                   <a:schemeClr val="tx1">
                     <a:lumMod val="65000"/>
@@ -12242,10 +12377,10 @@
                   </a:schemeClr>
                 </a:solidFill>
               </a:rPr>
-              <a:t>New </a:t>
-            </a:r>
-            <a:r>
-              <a:rPr lang="en-US" sz="1700" dirty="0">
+              <a:t>non-destructive models of </a:t>
+            </a:r>
+            <a:r>
+              <a:rPr lang="en-US" sz="1900" dirty="0">
                 <a:solidFill>
                   <a:schemeClr val="tx1">
                     <a:lumMod val="65000"/>
@@ -12253,10 +12388,10 @@
                   </a:schemeClr>
                 </a:solidFill>
               </a:rPr>
-              <a:t>complementary and </a:t>
-            </a:r>
-            <a:r>
-              <a:rPr lang="en" sz="1700" dirty="0">
+              <a:t>f</a:t>
+            </a:r>
+            <a:r>
+              <a:rPr lang="en" sz="1900" dirty="0" smtClean="0">
                 <a:solidFill>
                   <a:schemeClr val="tx1">
                     <a:lumMod val="65000"/>
@@ -12264,31 +12399,9 @@
                   </a:schemeClr>
                 </a:solidFill>
               </a:rPr>
-              <a:t>non-destructive models of </a:t>
-            </a:r>
-            <a:r>
-              <a:rPr lang="en-US" sz="1700" dirty="0">
-                <a:solidFill>
-                  <a:schemeClr val="tx1">
-                    <a:lumMod val="65000"/>
-                    <a:lumOff val="35000"/>
-                  </a:schemeClr>
-                </a:solidFill>
-              </a:rPr>
-              <a:t>f</a:t>
-            </a:r>
-            <a:r>
-              <a:rPr lang="en" sz="1700" dirty="0" smtClean="0">
-                <a:solidFill>
-                  <a:schemeClr val="tx1">
-                    <a:lumMod val="65000"/>
-                    <a:lumOff val="35000"/>
-                  </a:schemeClr>
-                </a:solidFill>
-              </a:rPr>
               <a:t>ederation</a:t>
             </a:r>
-            <a:endParaRPr lang="en-US" sz="1700" dirty="0">
+            <a:endParaRPr lang="en-US" sz="1900" dirty="0">
               <a:solidFill>
                 <a:schemeClr val="tx1">
                   <a:lumMod val="65000"/>

--- a/presentations/radical-modsim.pptx
+++ b/presentations/radical-modsim.pptx
@@ -5,7 +5,7 @@
     <p:sldMasterId id="2147483656" r:id="rId1"/>
   </p:sldMasterIdLst>
   <p:notesMasterIdLst>
-    <p:notesMasterId r:id="rId28"/>
+    <p:notesMasterId r:id="rId29"/>
   </p:notesMasterIdLst>
   <p:sldIdLst>
     <p:sldId id="256" r:id="rId2"/>
@@ -26,14 +26,15 @@
     <p:sldId id="297" r:id="rId17"/>
     <p:sldId id="289" r:id="rId18"/>
     <p:sldId id="300" r:id="rId19"/>
-    <p:sldId id="327" r:id="rId20"/>
-    <p:sldId id="328" r:id="rId21"/>
-    <p:sldId id="326" r:id="rId22"/>
-    <p:sldId id="295" r:id="rId23"/>
-    <p:sldId id="284" r:id="rId24"/>
-    <p:sldId id="320" r:id="rId25"/>
-    <p:sldId id="321" r:id="rId26"/>
-    <p:sldId id="329" r:id="rId27"/>
+    <p:sldId id="331" r:id="rId20"/>
+    <p:sldId id="327" r:id="rId21"/>
+    <p:sldId id="328" r:id="rId22"/>
+    <p:sldId id="326" r:id="rId23"/>
+    <p:sldId id="295" r:id="rId24"/>
+    <p:sldId id="284" r:id="rId25"/>
+    <p:sldId id="320" r:id="rId26"/>
+    <p:sldId id="321" r:id="rId27"/>
+    <p:sldId id="329" r:id="rId28"/>
   </p:sldIdLst>
   <p:sldSz cx="9144000" cy="6858000" type="screen4x3"/>
   <p:notesSz cx="6858000" cy="9144000"/>
@@ -601,7 +602,12 @@
             <p:ph type="sldImg"/>
           </p:nvPr>
         </p:nvSpPr>
-        <p:spPr/>
+        <p:spPr>
+          <a:xfrm>
+            <a:off x="1143000" y="685800"/>
+            <a:ext cx="4572000" cy="3429000"/>
+          </a:xfrm>
+        </p:spPr>
       </p:sp>
       <p:sp>
         <p:nvSpPr>
@@ -618,6 +624,29 @@
           <a:bodyPr/>
           <a:lstStyle/>
           <a:p>
+            <a:pPr marL="0" marR="0" lvl="1" indent="0" algn="l" defTabSz="457200" rtl="0" eaLnBrk="1" fontAlgn="auto" latinLnBrk="0" hangingPunct="1">
+              <a:lnSpc>
+                <a:spcPct val="100000"/>
+              </a:lnSpc>
+              <a:spcBef>
+                <a:spcPts val="0"/>
+              </a:spcBef>
+              <a:spcAft>
+                <a:spcPts val="0"/>
+              </a:spcAft>
+              <a:buClrTx/>
+              <a:buSzTx/>
+              <a:buFontTx/>
+              <a:buNone/>
+              <a:tabLst/>
+              <a:defRPr/>
+            </a:pPr>
+            <a:r>
+              <a:rPr lang="en-US" dirty="0" smtClean="0"/>
+              <a:t>Decomposition of application's problem and data space </a:t>
+            </a:r>
+          </a:p>
+          <a:p>
             <a:endParaRPr lang="en-US" dirty="0"/>
           </a:p>
         </p:txBody>
@@ -625,7 +654,7 @@
     </p:spTree>
     <p:extLst>
       <p:ext uri="{BB962C8B-B14F-4D97-AF65-F5344CB8AC3E}">
-        <p14:creationId xmlns:p14="http://schemas.microsoft.com/office/powerpoint/2010/main" val="3821591872"/>
+        <p14:creationId xmlns:p14="http://schemas.microsoft.com/office/powerpoint/2010/main" val="536234631"/>
       </p:ext>
     </p:extLst>
   </p:cSld>
@@ -662,12 +691,7 @@
             <p:ph type="sldImg"/>
           </p:nvPr>
         </p:nvSpPr>
-        <p:spPr>
-          <a:xfrm>
-            <a:off x="1143000" y="685800"/>
-            <a:ext cx="4572000" cy="3429000"/>
-          </a:xfrm>
-        </p:spPr>
+        <p:spPr/>
       </p:sp>
       <p:sp>
         <p:nvSpPr>
@@ -684,29 +708,6 @@
           <a:bodyPr/>
           <a:lstStyle/>
           <a:p>
-            <a:pPr marL="0" marR="0" indent="0" algn="l" defTabSz="457200" rtl="0" eaLnBrk="1" fontAlgn="auto" latinLnBrk="0" hangingPunct="1">
-              <a:lnSpc>
-                <a:spcPct val="100000"/>
-              </a:lnSpc>
-              <a:spcBef>
-                <a:spcPts val="0"/>
-              </a:spcBef>
-              <a:spcAft>
-                <a:spcPts val="0"/>
-              </a:spcAft>
-              <a:buClrTx/>
-              <a:buSzTx/>
-              <a:buFontTx/>
-              <a:buNone/>
-              <a:tabLst/>
-              <a:defRPr/>
-            </a:pPr>
-            <a:r>
-              <a:rPr lang="en-US" dirty="0" smtClean="0"/>
-              <a:t>We take the schematic of NGMW and show how the different levels at which the Models work, (ii) how different models interact, especially (a) Andre and Christian’s work/interface, (ii) I* and F*.</a:t>
-            </a:r>
-          </a:p>
-          <a:p>
             <a:endParaRPr lang="en-US" dirty="0"/>
           </a:p>
         </p:txBody>
@@ -714,7 +715,7 @@
     </p:spTree>
     <p:extLst>
       <p:ext uri="{BB962C8B-B14F-4D97-AF65-F5344CB8AC3E}">
-        <p14:creationId xmlns:p14="http://schemas.microsoft.com/office/powerpoint/2010/main" val="1073575463"/>
+        <p14:creationId xmlns:p14="http://schemas.microsoft.com/office/powerpoint/2010/main" val="3821591872"/>
       </p:ext>
     </p:extLst>
   </p:cSld>
@@ -862,6 +863,184 @@
           <a:bodyPr/>
           <a:lstStyle/>
           <a:p>
+            <a:pPr marL="0" marR="0" indent="0" algn="l" defTabSz="457200" rtl="0" eaLnBrk="1" fontAlgn="auto" latinLnBrk="0" hangingPunct="1">
+              <a:lnSpc>
+                <a:spcPct val="100000"/>
+              </a:lnSpc>
+              <a:spcBef>
+                <a:spcPts val="0"/>
+              </a:spcBef>
+              <a:spcAft>
+                <a:spcPts val="0"/>
+              </a:spcAft>
+              <a:buClrTx/>
+              <a:buSzTx/>
+              <a:buFontTx/>
+              <a:buNone/>
+              <a:tabLst/>
+              <a:defRPr/>
+            </a:pPr>
+            <a:r>
+              <a:rPr lang="en-US" dirty="0" smtClean="0"/>
+              <a:t>We take the schematic of NGMW and show how the different levels at which the Models work, (ii) how different models interact, especially (a) Andre and Christian’s work/interface, (ii) I* and F*.</a:t>
+            </a:r>
+          </a:p>
+          <a:p>
+            <a:endParaRPr lang="en-US" dirty="0"/>
+          </a:p>
+        </p:txBody>
+      </p:sp>
+    </p:spTree>
+    <p:extLst>
+      <p:ext uri="{BB962C8B-B14F-4D97-AF65-F5344CB8AC3E}">
+        <p14:creationId xmlns:p14="http://schemas.microsoft.com/office/powerpoint/2010/main" val="1073575463"/>
+      </p:ext>
+    </p:extLst>
+  </p:cSld>
+  <p:clrMapOvr>
+    <a:masterClrMapping/>
+  </p:clrMapOvr>
+</p:notes>
+</file>
+
+<file path=ppt/notesSlides/notesSlide14.xml><?xml version="1.0" encoding="utf-8"?>
+<p:notes xmlns:a="http://schemas.openxmlformats.org/drawingml/2006/main" xmlns:r="http://schemas.openxmlformats.org/officeDocument/2006/relationships" xmlns:p="http://schemas.openxmlformats.org/presentationml/2006/main">
+  <p:cSld>
+    <p:spTree>
+      <p:nvGrpSpPr>
+        <p:cNvPr id="1" name=""/>
+        <p:cNvGrpSpPr/>
+        <p:nvPr/>
+      </p:nvGrpSpPr>
+      <p:grpSpPr>
+        <a:xfrm>
+          <a:off x="0" y="0"/>
+          <a:ext cx="0" cy="0"/>
+          <a:chOff x="0" y="0"/>
+          <a:chExt cx="0" cy="0"/>
+        </a:xfrm>
+      </p:grpSpPr>
+      <p:sp>
+        <p:nvSpPr>
+          <p:cNvPr id="2" name="Slide Image Placeholder 1"/>
+          <p:cNvSpPr>
+            <a:spLocks noGrp="1" noRot="1" noChangeAspect="1"/>
+          </p:cNvSpPr>
+          <p:nvPr>
+            <p:ph type="sldImg"/>
+          </p:nvPr>
+        </p:nvSpPr>
+        <p:spPr>
+          <a:xfrm>
+            <a:off x="1143000" y="685800"/>
+            <a:ext cx="4572000" cy="3429000"/>
+          </a:xfrm>
+        </p:spPr>
+      </p:sp>
+      <p:sp>
+        <p:nvSpPr>
+          <p:cNvPr id="3" name="Notes Placeholder 2"/>
+          <p:cNvSpPr>
+            <a:spLocks noGrp="1"/>
+          </p:cNvSpPr>
+          <p:nvPr>
+            <p:ph type="body" idx="1"/>
+          </p:nvPr>
+        </p:nvSpPr>
+        <p:spPr/>
+        <p:txBody>
+          <a:bodyPr/>
+          <a:lstStyle/>
+          <a:p>
+            <a:pPr marL="0" marR="0" indent="0" algn="l" defTabSz="457200" rtl="0" eaLnBrk="1" fontAlgn="auto" latinLnBrk="0" hangingPunct="1">
+              <a:lnSpc>
+                <a:spcPct val="100000"/>
+              </a:lnSpc>
+              <a:spcBef>
+                <a:spcPts val="0"/>
+              </a:spcBef>
+              <a:spcAft>
+                <a:spcPts val="0"/>
+              </a:spcAft>
+              <a:buClrTx/>
+              <a:buSzTx/>
+              <a:buFontTx/>
+              <a:buNone/>
+              <a:tabLst/>
+              <a:defRPr/>
+            </a:pPr>
+            <a:r>
+              <a:rPr lang="en-US" dirty="0" smtClean="0"/>
+              <a:t>We take the schematic of NGMW and show how the different levels at which the Models work, (ii) how different models interact, especially (a) Andre and Christian’s work/interface, (ii) I* and F*.</a:t>
+            </a:r>
+          </a:p>
+          <a:p>
+            <a:endParaRPr lang="en-US" dirty="0"/>
+          </a:p>
+        </p:txBody>
+      </p:sp>
+    </p:spTree>
+    <p:extLst>
+      <p:ext uri="{BB962C8B-B14F-4D97-AF65-F5344CB8AC3E}">
+        <p14:creationId xmlns:p14="http://schemas.microsoft.com/office/powerpoint/2010/main" val="1073575463"/>
+      </p:ext>
+    </p:extLst>
+  </p:cSld>
+  <p:clrMapOvr>
+    <a:masterClrMapping/>
+  </p:clrMapOvr>
+</p:notes>
+</file>
+
+<file path=ppt/notesSlides/notesSlide15.xml><?xml version="1.0" encoding="utf-8"?>
+<p:notes xmlns:a="http://schemas.openxmlformats.org/drawingml/2006/main" xmlns:r="http://schemas.openxmlformats.org/officeDocument/2006/relationships" xmlns:p="http://schemas.openxmlformats.org/presentationml/2006/main">
+  <p:cSld>
+    <p:spTree>
+      <p:nvGrpSpPr>
+        <p:cNvPr id="1" name=""/>
+        <p:cNvGrpSpPr/>
+        <p:nvPr/>
+      </p:nvGrpSpPr>
+      <p:grpSpPr>
+        <a:xfrm>
+          <a:off x="0" y="0"/>
+          <a:ext cx="0" cy="0"/>
+          <a:chOff x="0" y="0"/>
+          <a:chExt cx="0" cy="0"/>
+        </a:xfrm>
+      </p:grpSpPr>
+      <p:sp>
+        <p:nvSpPr>
+          <p:cNvPr id="2" name="Slide Image Placeholder 1"/>
+          <p:cNvSpPr>
+            <a:spLocks noGrp="1" noRot="1" noChangeAspect="1"/>
+          </p:cNvSpPr>
+          <p:nvPr>
+            <p:ph type="sldImg"/>
+          </p:nvPr>
+        </p:nvSpPr>
+        <p:spPr>
+          <a:xfrm>
+            <a:off x="1143000" y="685800"/>
+            <a:ext cx="4572000" cy="3429000"/>
+          </a:xfrm>
+        </p:spPr>
+      </p:sp>
+      <p:sp>
+        <p:nvSpPr>
+          <p:cNvPr id="3" name="Notes Placeholder 2"/>
+          <p:cNvSpPr>
+            <a:spLocks noGrp="1"/>
+          </p:cNvSpPr>
+          <p:nvPr>
+            <p:ph type="body" idx="1"/>
+          </p:nvPr>
+        </p:nvSpPr>
+        <p:spPr/>
+        <p:txBody>
+          <a:bodyPr/>
+          <a:lstStyle/>
+          <a:p>
             <a:r>
               <a:rPr lang="en-US" dirty="0" smtClean="0"/>
               <a:t>A* and W* need fixing</a:t>
@@ -883,7 +1062,7 @@
 </p:notes>
 </file>
 
-<file path=ppt/notesSlides/notesSlide14.xml><?xml version="1.0" encoding="utf-8"?>
+<file path=ppt/notesSlides/notesSlide16.xml><?xml version="1.0" encoding="utf-8"?>
 <p:notes xmlns:a="http://schemas.openxmlformats.org/drawingml/2006/main" xmlns:r="http://schemas.openxmlformats.org/officeDocument/2006/relationships" xmlns:p="http://schemas.openxmlformats.org/presentationml/2006/main" showMasterSp="0" showMasterPhAnim="0">
   <p:cSld>
     <p:spTree>
@@ -1018,7 +1197,7 @@
 </p:notes>
 </file>
 
-<file path=ppt/notesSlides/notesSlide15.xml><?xml version="1.0" encoding="utf-8"?>
+<file path=ppt/notesSlides/notesSlide17.xml><?xml version="1.0" encoding="utf-8"?>
 <p:notes xmlns:a="http://schemas.openxmlformats.org/drawingml/2006/main" xmlns:r="http://schemas.openxmlformats.org/officeDocument/2006/relationships" xmlns:p="http://schemas.openxmlformats.org/presentationml/2006/main" showMasterSp="0" showMasterPhAnim="0">
   <p:cSld>
     <p:spTree>
@@ -1137,7 +1316,7 @@
 </p:notes>
 </file>
 
-<file path=ppt/notesSlides/notesSlide16.xml><?xml version="1.0" encoding="utf-8"?>
+<file path=ppt/notesSlides/notesSlide18.xml><?xml version="1.0" encoding="utf-8"?>
 <p:notes xmlns:a="http://schemas.openxmlformats.org/drawingml/2006/main" xmlns:r="http://schemas.openxmlformats.org/officeDocument/2006/relationships" xmlns:p="http://schemas.openxmlformats.org/presentationml/2006/main" showMasterSp="0" showMasterPhAnim="0">
   <p:cSld>
     <p:spTree>
@@ -1232,7 +1411,7 @@
 </p:notes>
 </file>
 
-<file path=ppt/notesSlides/notesSlide17.xml><?xml version="1.0" encoding="utf-8"?>
+<file path=ppt/notesSlides/notesSlide19.xml><?xml version="1.0" encoding="utf-8"?>
 <p:notes xmlns:a="http://schemas.openxmlformats.org/drawingml/2006/main" xmlns:r="http://schemas.openxmlformats.org/officeDocument/2006/relationships" xmlns:p="http://schemas.openxmlformats.org/presentationml/2006/main" showMasterSp="0" showMasterPhAnim="0">
   <p:cSld>
     <p:spTree>
@@ -4668,7 +4847,7 @@
         </p:nvSpPr>
         <p:spPr>
           <a:xfrm>
-            <a:off x="685800" y="2130425"/>
+            <a:off x="685800" y="1622425"/>
             <a:ext cx="8025072" cy="1470025"/>
           </a:xfrm>
           <a:prstGeom prst="rect">
@@ -4698,10 +4877,10 @@
               <a:rPr lang="en-US" dirty="0" smtClean="0"/>
             </a:br>
             <a:r>
-              <a:rPr lang="en-US" sz="2800" i="1" dirty="0" smtClean="0"/>
+              <a:rPr lang="en-US" sz="2800" dirty="0" smtClean="0"/>
               <a:t>The Role of Modeling and Simulation</a:t>
             </a:r>
-            <a:endParaRPr lang="en" sz="2800" i="1" dirty="0"/>
+            <a:endParaRPr lang="en" sz="2800" dirty="0"/>
           </a:p>
         </p:txBody>
       </p:sp>
@@ -4716,6 +4895,10 @@
           </p:nvPr>
         </p:nvSpPr>
         <p:spPr>
+          <a:xfrm>
+            <a:off x="1465179" y="3204411"/>
+            <a:ext cx="6400800" cy="1752600"/>
+          </a:xfrm>
           <a:prstGeom prst="rect">
             <a:avLst/>
           </a:prstGeom>
@@ -4799,6 +4982,134 @@
             <a:r>
               <a:rPr lang="en" dirty="0"/>
               <a:t>://radical.rutgers.edu</a:t>
+            </a:r>
+          </a:p>
+        </p:txBody>
+      </p:sp>
+      <p:sp>
+        <p:nvSpPr>
+          <p:cNvPr id="2" name="Rectangle 1"/>
+          <p:cNvSpPr/>
+          <p:nvPr/>
+        </p:nvSpPr>
+        <p:spPr>
+          <a:xfrm>
+            <a:off x="1331495" y="5157537"/>
+            <a:ext cx="6956926" cy="830997"/>
+          </a:xfrm>
+          <a:prstGeom prst="rect">
+            <a:avLst/>
+          </a:prstGeom>
+        </p:spPr>
+        <p:txBody>
+          <a:bodyPr wrap="square">
+            <a:spAutoFit/>
+          </a:bodyPr>
+          <a:lstStyle/>
+          <a:p>
+            <a:r>
+              <a:rPr lang="en-US" sz="1600" b="1" dirty="0">
+                <a:solidFill>
+                  <a:srgbClr val="800000"/>
+                </a:solidFill>
+              </a:rPr>
+              <a:t>This talk is primarily the effort of  </a:t>
+            </a:r>
+            <a:r>
+              <a:rPr lang="en-US" sz="1600" b="1" dirty="0" smtClean="0">
+                <a:solidFill>
+                  <a:srgbClr val="800000"/>
+                </a:solidFill>
+              </a:rPr>
+              <a:t>the RADICAL group, </a:t>
+            </a:r>
+            <a:r>
+              <a:rPr lang="en-US" sz="1600" b="1" dirty="0">
+                <a:solidFill>
+                  <a:srgbClr val="800000"/>
+                </a:solidFill>
+              </a:rPr>
+              <a:t>but different parts of this work have benefitted from collaborations with </a:t>
+            </a:r>
+            <a:r>
+              <a:rPr lang="en-US" sz="1600" b="1" dirty="0" smtClean="0">
+                <a:solidFill>
+                  <a:srgbClr val="800000"/>
+                </a:solidFill>
+              </a:rPr>
+              <a:t>the AIMES Project (Katz, </a:t>
+            </a:r>
+            <a:r>
+              <a:rPr lang="en-US" sz="1600" b="1" dirty="0" err="1" smtClean="0">
+                <a:solidFill>
+                  <a:srgbClr val="800000"/>
+                </a:solidFill>
+              </a:rPr>
+              <a:t>Weissman</a:t>
+            </a:r>
+            <a:r>
+              <a:rPr lang="en-US" sz="1600" b="1" dirty="0" smtClean="0">
+                <a:solidFill>
+                  <a:srgbClr val="800000"/>
+                </a:solidFill>
+              </a:rPr>
+              <a:t>) </a:t>
+            </a:r>
+            <a:r>
+              <a:rPr lang="en-US" sz="1600" b="1" dirty="0">
+                <a:solidFill>
+                  <a:srgbClr val="800000"/>
+                </a:solidFill>
+              </a:rPr>
+              <a:t>and </a:t>
+            </a:r>
+            <a:r>
+              <a:rPr lang="en-US" sz="1600" b="1" dirty="0" smtClean="0">
+                <a:solidFill>
+                  <a:srgbClr val="800000"/>
+                </a:solidFill>
+              </a:rPr>
+              <a:t>LMU-Munich </a:t>
+            </a:r>
+            <a:r>
+              <a:rPr lang="en-US" sz="1600" b="1" dirty="0">
+                <a:solidFill>
+                  <a:srgbClr val="800000"/>
+                </a:solidFill>
+              </a:rPr>
+              <a:t>(</a:t>
+            </a:r>
+            <a:r>
+              <a:rPr lang="en-US" sz="1600" b="1" dirty="0" err="1">
+                <a:solidFill>
+                  <a:srgbClr val="800000"/>
+                </a:solidFill>
+              </a:rPr>
+              <a:t>Straube</a:t>
+            </a:r>
+            <a:r>
+              <a:rPr lang="en-US" sz="1600" b="1" dirty="0">
+                <a:solidFill>
+                  <a:srgbClr val="800000"/>
+                </a:solidFill>
+              </a:rPr>
+              <a:t>, </a:t>
+            </a:r>
+            <a:r>
+              <a:rPr lang="en-US" sz="1600" b="1" dirty="0" err="1">
+                <a:solidFill>
+                  <a:srgbClr val="800000"/>
+                </a:solidFill>
+              </a:rPr>
+              <a:t>Kranzmuller</a:t>
+            </a:r>
+            <a:r>
+              <a:rPr lang="en-US" sz="1600" b="1" dirty="0">
+                <a:solidFill>
+                  <a:srgbClr val="800000"/>
+                </a:solidFill>
+              </a:rPr>
+              <a:t>)</a:t>
             </a:r>
           </a:p>
         </p:txBody>
@@ -5856,7 +6167,11 @@
           <a:p>
             <a:r>
               <a:rPr lang="en-US" dirty="0" smtClean="0"/>
-              <a:t>A*/W* [Andre]</a:t>
+              <a:t>A*/</a:t>
+            </a:r>
+            <a:r>
+              <a:rPr lang="en-US" dirty="0" smtClean="0"/>
+              <a:t>W*</a:t>
             </a:r>
             <a:endParaRPr lang="en-US" dirty="0"/>
           </a:p>
@@ -5879,7 +6194,157 @@
           <a:p>
             <a:r>
               <a:rPr lang="en-US" dirty="0"/>
-              <a:t>Andre: is this really a model of your emulator?</a:t>
+              <a:t>A* models the structure of some distributed application </a:t>
+            </a:r>
+            <a:r>
+              <a:rPr lang="en-US" dirty="0" smtClean="0"/>
+              <a:t>classes</a:t>
+            </a:r>
+          </a:p>
+          <a:p>
+            <a:pPr lvl="1"/>
+            <a:r>
+              <a:rPr lang="en-US" dirty="0" smtClean="0"/>
+              <a:t>Accompanying </a:t>
+            </a:r>
+            <a:r>
+              <a:rPr lang="en-US" dirty="0"/>
+              <a:t>communication and coordination properties</a:t>
+            </a:r>
+          </a:p>
+          <a:p>
+            <a:pPr lvl="1"/>
+            <a:r>
+              <a:rPr lang="en-US" dirty="0" smtClean="0"/>
+              <a:t>Decomposition </a:t>
+            </a:r>
+            <a:r>
+              <a:rPr lang="en-US" dirty="0"/>
+              <a:t>of application's problem and data space </a:t>
+            </a:r>
+            <a:endParaRPr lang="en-US" dirty="0" smtClean="0"/>
+          </a:p>
+          <a:p>
+            <a:pPr lvl="1"/>
+            <a:r>
+              <a:rPr lang="en-US" dirty="0" smtClean="0"/>
+              <a:t>Implications </a:t>
+            </a:r>
+            <a:r>
+              <a:rPr lang="en-US" dirty="0"/>
+              <a:t>for application components and their distribution </a:t>
+            </a:r>
+            <a:endParaRPr lang="en-US" dirty="0" smtClean="0"/>
+          </a:p>
+          <a:p>
+            <a:r>
+              <a:rPr lang="en-US" dirty="0" smtClean="0"/>
+              <a:t>Supports the derivation </a:t>
+            </a:r>
+            <a:r>
+              <a:rPr lang="en-US" dirty="0"/>
+              <a:t>of a workload </a:t>
+            </a:r>
+            <a:r>
+              <a:rPr lang="en-US" dirty="0" smtClean="0"/>
+              <a:t>representation</a:t>
+            </a:r>
+          </a:p>
+          <a:p>
+            <a:r>
+              <a:rPr lang="en-US" dirty="0" smtClean="0"/>
+              <a:t>W* analytical </a:t>
+            </a:r>
+            <a:r>
+              <a:rPr lang="en-US" dirty="0"/>
+              <a:t>model of application </a:t>
+            </a:r>
+            <a:r>
+              <a:rPr lang="en-US" dirty="0" smtClean="0"/>
+              <a:t>workload</a:t>
+            </a:r>
+          </a:p>
+          <a:p>
+            <a:pPr lvl="1"/>
+            <a:r>
+              <a:rPr lang="en-US" dirty="0" smtClean="0"/>
+              <a:t>Constituents </a:t>
+            </a:r>
+            <a:r>
+              <a:rPr lang="en-US" dirty="0"/>
+              <a:t>are small units of workload </a:t>
+            </a:r>
+            <a:r>
+              <a:rPr lang="en-US" dirty="0" smtClean="0"/>
+              <a:t>which can have causal and temporal relationships </a:t>
+            </a:r>
+            <a:r>
+              <a:rPr lang="en-US" dirty="0"/>
+              <a:t>(Concurrent, Sequential, Starts-After, ...</a:t>
+            </a:r>
+            <a:r>
+              <a:rPr lang="en-US" dirty="0" smtClean="0"/>
+              <a:t>)</a:t>
+            </a:r>
+          </a:p>
+          <a:p>
+            <a:pPr lvl="1"/>
+            <a:r>
+              <a:rPr lang="en-US" dirty="0" smtClean="0"/>
+              <a:t>Constituents can be transformed directly either as system workload</a:t>
+            </a:r>
+          </a:p>
+          <a:p>
+            <a:r>
+              <a:rPr lang="en-US" dirty="0" smtClean="0"/>
+              <a:t>Workloads </a:t>
+            </a:r>
+            <a:r>
+              <a:rPr lang="en-US" dirty="0"/>
+              <a:t>are considered </a:t>
+            </a:r>
+            <a:r>
+              <a:rPr lang="en-US" dirty="0" smtClean="0"/>
+              <a:t>static; no </a:t>
+            </a:r>
+            <a:r>
+              <a:rPr lang="en-US" dirty="0"/>
+              <a:t>changes based on (non-predictable) application </a:t>
+            </a:r>
+            <a:endParaRPr lang="en-US" dirty="0" smtClean="0"/>
+          </a:p>
+          <a:p>
+            <a:pPr lvl="1"/>
+            <a:r>
+              <a:rPr lang="en-US" dirty="0" smtClean="0"/>
+              <a:t>representations </a:t>
+            </a:r>
+            <a:r>
+              <a:rPr lang="en-US" dirty="0"/>
+              <a:t>of W* will be used for simulations (WL description) and experiments (WL implementation) </a:t>
+            </a:r>
+            <a:endParaRPr lang="en-US" dirty="0" smtClean="0"/>
+          </a:p>
+          <a:p>
+            <a:r>
+              <a:rPr lang="en-US" dirty="0"/>
+              <a:t>Dynamic applications result in </a:t>
+            </a:r>
+            <a:r>
+              <a:rPr lang="en-US" dirty="0" smtClean="0"/>
+              <a:t>workloads </a:t>
+            </a:r>
+            <a:r>
+              <a:rPr lang="en-US" dirty="0"/>
+              <a:t>with </a:t>
+            </a:r>
+            <a:r>
+              <a:rPr lang="en-US" dirty="0" smtClean="0"/>
+              <a:t>a range </a:t>
+            </a:r>
+            <a:r>
+              <a:rPr lang="en-US" dirty="0"/>
+              <a:t>of properties </a:t>
             </a:r>
           </a:p>
           <a:p>
@@ -6542,7 +7007,7 @@
 </file>
 
 <file path=ppt/slides/slide17.xml><?xml version="1.0" encoding="utf-8"?>
-<p:sld xmlns:a="http://schemas.openxmlformats.org/drawingml/2006/main" xmlns:r="http://schemas.openxmlformats.org/officeDocument/2006/relationships" xmlns:p="http://schemas.openxmlformats.org/presentationml/2006/main">
+<p:sld xmlns:a="http://schemas.openxmlformats.org/drawingml/2006/main" xmlns:r="http://schemas.openxmlformats.org/officeDocument/2006/relationships" xmlns:p="http://schemas.openxmlformats.org/presentationml/2006/main" show="0">
   <p:cSld>
     <p:spTree>
       <p:nvGrpSpPr>
@@ -6616,11 +7081,11 @@
   <p:clrMapOvr>
     <a:masterClrMapping/>
   </p:clrMapOvr>
-  <mc:AlternateContent xmlns:mc="http://schemas.openxmlformats.org/markup-compatibility/2006" xmlns:p14="http://schemas.microsoft.com/office/powerpoint/2010/main">
-    <mc:Choice Requires="p14">
+  <mc:AlternateContent xmlns:mc="http://schemas.openxmlformats.org/markup-compatibility/2006">
+    <mc:Choice xmlns:p14="http://schemas.microsoft.com/office/powerpoint/2010/main" Requires="p14">
       <p:transition spd="slow" p14:dur="2000"/>
     </mc:Choice>
-    <mc:Fallback xmlns="">
+    <mc:Fallback>
       <p:transition xmlns:p14="http://schemas.microsoft.com/office/powerpoint/2010/main" spd="slow"/>
     </mc:Fallback>
   </mc:AlternateContent>
@@ -6739,522 +7204,47 @@
           <a:p>
             <a:r>
               <a:rPr lang="en-US" dirty="0" smtClean="0"/>
-              <a:t>This will be eliminated..</a:t>
+              <a:t>*.* : Putting it together</a:t>
             </a:r>
             <a:endParaRPr lang="en-US" dirty="0"/>
           </a:p>
         </p:txBody>
       </p:sp>
-      <p:sp>
-        <p:nvSpPr>
-          <p:cNvPr id="3" name="Shape 72"/>
-          <p:cNvSpPr txBox="1">
-            <a:spLocks/>
-          </p:cNvSpPr>
-          <p:nvPr/>
-        </p:nvSpPr>
-        <p:spPr bwMode="auto">
-          <a:xfrm>
-            <a:off x="282231" y="786259"/>
-            <a:ext cx="8596312" cy="5281613"/>
-          </a:xfrm>
-          <a:prstGeom prst="rect">
-            <a:avLst/>
-          </a:prstGeom>
-          <a:noFill/>
-          <a:ln>
-            <a:noFill/>
-          </a:ln>
-          <a:extLst>
-            <a:ext uri="{909E8E84-426E-40dd-AFC4-6F175D3DCCD1}">
-              <a14:hiddenFill xmlns:a14="http://schemas.microsoft.com/office/drawing/2010/main">
-                <a:solidFill>
-                  <a:srgbClr val="FFFFFF"/>
-                </a:solidFill>
-              </a14:hiddenFill>
-            </a:ext>
-            <a:ext uri="{91240B29-F687-4f45-9708-019B960494DF}">
-              <a14:hiddenLine xmlns:a14="http://schemas.microsoft.com/office/drawing/2010/main" w="9525">
-                <a:solidFill>
-                  <a:srgbClr val="000000"/>
-                </a:solidFill>
-                <a:miter lim="800000"/>
-                <a:headEnd/>
-                <a:tailEnd/>
-              </a14:hiddenLine>
-            </a:ext>
-            <a:ext uri="{FAA26D3D-D897-4be2-8F04-BA451C77F1D7}">
-              <ma14:placeholderFlag xmlns:ma14="http://schemas.microsoft.com/office/mac/drawingml/2011/main" val="1"/>
-            </a:ext>
-          </a:extLst>
-        </p:spPr>
-        <p:txBody>
-          <a:bodyPr vert="horz" wrap="square" lIns="91425" tIns="91425" rIns="91425" bIns="91425" numCol="1" anchor="t" anchorCtr="0" compatLnSpc="1">
-            <a:prstTxWarp prst="textNoShape">
-              <a:avLst/>
-            </a:prstTxWarp>
-            <a:noAutofit/>
-          </a:bodyPr>
-          <a:lstStyle>
-            <a:lvl1pPr marL="227013" indent="-227013" algn="l" rtl="0" eaLnBrk="0" fontAlgn="base" hangingPunct="0">
-              <a:spcBef>
-                <a:spcPts val="1200"/>
-              </a:spcBef>
-              <a:spcAft>
-                <a:spcPct val="0"/>
-              </a:spcAft>
-              <a:buClr>
-                <a:schemeClr val="tx1">
-                  <a:lumMod val="95000"/>
-                  <a:lumOff val="5000"/>
-                </a:schemeClr>
-              </a:buClr>
-              <a:buChar char="•"/>
-              <a:tabLst/>
-              <a:defRPr sz="2000">
-                <a:solidFill>
-                  <a:schemeClr val="tx1">
-                    <a:lumMod val="95000"/>
-                    <a:lumOff val="5000"/>
-                  </a:schemeClr>
-                </a:solidFill>
-                <a:latin typeface="+mn-lt"/>
-                <a:ea typeface="ＭＳ Ｐゴシック" charset="-128"/>
-                <a:cs typeface="ＭＳ Ｐゴシック" charset="-128"/>
-              </a:defRPr>
-            </a:lvl1pPr>
-            <a:lvl2pPr marL="682625" indent="-225425" algn="l" rtl="0" eaLnBrk="0" fontAlgn="base" hangingPunct="0">
-              <a:spcBef>
-                <a:spcPct val="20000"/>
-              </a:spcBef>
-              <a:spcAft>
-                <a:spcPct val="0"/>
-              </a:spcAft>
-              <a:buClr>
-                <a:schemeClr val="tx1">
-                  <a:lumMod val="95000"/>
-                  <a:lumOff val="5000"/>
-                </a:schemeClr>
-              </a:buClr>
-              <a:buChar char="–"/>
-              <a:defRPr sz="1800">
-                <a:solidFill>
-                  <a:srgbClr val="5F5F5F"/>
-                </a:solidFill>
-                <a:latin typeface="+mn-lt"/>
-                <a:ea typeface="ＭＳ Ｐゴシック" charset="-128"/>
-              </a:defRPr>
-            </a:lvl2pPr>
-            <a:lvl3pPr marL="1090613" indent="-176213" algn="l" rtl="0" eaLnBrk="0" fontAlgn="base" hangingPunct="0">
-              <a:spcBef>
-                <a:spcPct val="20000"/>
-              </a:spcBef>
-              <a:spcAft>
-                <a:spcPct val="0"/>
-              </a:spcAft>
-              <a:buClr>
-                <a:schemeClr val="tx1">
-                  <a:lumMod val="95000"/>
-                  <a:lumOff val="5000"/>
-                </a:schemeClr>
-              </a:buClr>
-              <a:buChar char="•"/>
-              <a:defRPr sz="1800">
-                <a:solidFill>
-                  <a:srgbClr val="5F5F5F"/>
-                </a:solidFill>
-                <a:latin typeface="+mn-lt"/>
-                <a:ea typeface="ＭＳ Ｐゴシック" charset="-128"/>
-              </a:defRPr>
-            </a:lvl3pPr>
-            <a:lvl4pPr marL="1600200" indent="-228600" algn="l" rtl="0" eaLnBrk="0" fontAlgn="base" hangingPunct="0">
-              <a:spcBef>
-                <a:spcPct val="20000"/>
-              </a:spcBef>
-              <a:spcAft>
-                <a:spcPct val="0"/>
-              </a:spcAft>
-              <a:buClr>
-                <a:schemeClr val="tx1">
-                  <a:lumMod val="95000"/>
-                  <a:lumOff val="5000"/>
-                </a:schemeClr>
-              </a:buClr>
-              <a:buChar char="–"/>
-              <a:defRPr sz="1800">
-                <a:solidFill>
-                  <a:srgbClr val="5F5F5F"/>
-                </a:solidFill>
-                <a:latin typeface="+mn-lt"/>
-                <a:ea typeface="ＭＳ Ｐゴシック" charset="-128"/>
-              </a:defRPr>
-            </a:lvl4pPr>
-            <a:lvl5pPr marL="2000250" indent="-171450" algn="l" rtl="0" eaLnBrk="0" fontAlgn="base" hangingPunct="0">
-              <a:spcBef>
-                <a:spcPct val="20000"/>
-              </a:spcBef>
-              <a:spcAft>
-                <a:spcPct val="0"/>
-              </a:spcAft>
-              <a:buClr>
-                <a:schemeClr val="tx1">
-                  <a:lumMod val="95000"/>
-                  <a:lumOff val="5000"/>
-                </a:schemeClr>
-              </a:buClr>
-              <a:buChar char="»"/>
-              <a:defRPr sz="1800">
-                <a:solidFill>
-                  <a:srgbClr val="5F5F5F"/>
-                </a:solidFill>
-                <a:latin typeface="+mn-lt"/>
-                <a:ea typeface="ＭＳ Ｐゴシック" charset="-128"/>
-              </a:defRPr>
-            </a:lvl5pPr>
-            <a:lvl6pPr marL="2514600" indent="-228600" algn="l" rtl="0" fontAlgn="base">
-              <a:spcBef>
-                <a:spcPct val="20000"/>
-              </a:spcBef>
-              <a:spcAft>
-                <a:spcPct val="0"/>
-              </a:spcAft>
-              <a:buChar char="»"/>
-              <a:defRPr sz="1400">
-                <a:solidFill>
-                  <a:srgbClr val="5F5F5F"/>
-                </a:solidFill>
-                <a:latin typeface="+mn-lt"/>
-                <a:ea typeface="ＭＳ Ｐゴシック" charset="-128"/>
-              </a:defRPr>
-            </a:lvl6pPr>
-            <a:lvl7pPr marL="2971800" indent="-228600" algn="l" rtl="0" fontAlgn="base">
-              <a:spcBef>
-                <a:spcPct val="20000"/>
-              </a:spcBef>
-              <a:spcAft>
-                <a:spcPct val="0"/>
-              </a:spcAft>
-              <a:buChar char="»"/>
-              <a:defRPr sz="1400">
-                <a:solidFill>
-                  <a:srgbClr val="5F5F5F"/>
-                </a:solidFill>
-                <a:latin typeface="+mn-lt"/>
-                <a:ea typeface="ＭＳ Ｐゴシック" charset="-128"/>
-              </a:defRPr>
-            </a:lvl7pPr>
-            <a:lvl8pPr marL="3429000" indent="-228600" algn="l" rtl="0" fontAlgn="base">
-              <a:spcBef>
-                <a:spcPct val="20000"/>
-              </a:spcBef>
-              <a:spcAft>
-                <a:spcPct val="0"/>
-              </a:spcAft>
-              <a:buChar char="»"/>
-              <a:defRPr sz="1400">
-                <a:solidFill>
-                  <a:srgbClr val="5F5F5F"/>
-                </a:solidFill>
-                <a:latin typeface="+mn-lt"/>
-                <a:ea typeface="ＭＳ Ｐゴシック" charset="-128"/>
-              </a:defRPr>
-            </a:lvl8pPr>
-            <a:lvl9pPr marL="3886200" indent="-228600" algn="l" rtl="0" fontAlgn="base">
-              <a:spcBef>
-                <a:spcPct val="20000"/>
-              </a:spcBef>
-              <a:spcAft>
-                <a:spcPct val="0"/>
-              </a:spcAft>
-              <a:buChar char="»"/>
-              <a:defRPr sz="1400">
-                <a:solidFill>
-                  <a:srgbClr val="5F5F5F"/>
-                </a:solidFill>
-                <a:latin typeface="+mn-lt"/>
-                <a:ea typeface="ＭＳ Ｐゴシック" charset="-128"/>
-              </a:defRPr>
-            </a:lvl9pPr>
-          </a:lstStyle>
-          <a:p>
-            <a:pPr marL="344488" indent="-342900">
-              <a:buClr>
-                <a:srgbClr val="000000"/>
-              </a:buClr>
-              <a:buSzPct val="100000"/>
-            </a:pPr>
-            <a:r>
-              <a:rPr lang="en-US" dirty="0" smtClean="0">
-                <a:solidFill>
-                  <a:schemeClr val="tx1">
-                    <a:lumMod val="65000"/>
-                    <a:lumOff val="35000"/>
-                  </a:schemeClr>
-                </a:solidFill>
-              </a:rPr>
-              <a:t>Understanding the Different Models:</a:t>
-            </a:r>
-            <a:endParaRPr lang="en-US" dirty="0">
-              <a:solidFill>
-                <a:schemeClr val="tx1">
-                  <a:lumMod val="65000"/>
-                  <a:lumOff val="35000"/>
-                </a:schemeClr>
-              </a:solidFill>
-            </a:endParaRPr>
-          </a:p>
-          <a:p>
-            <a:pPr marL="800100" lvl="1" indent="-342900">
-              <a:buClr>
-                <a:srgbClr val="000000"/>
-              </a:buClr>
-              <a:buSzPct val="100000"/>
-            </a:pPr>
-            <a:r>
-              <a:rPr lang="en-US" dirty="0">
-                <a:solidFill>
-                  <a:srgbClr val="800000"/>
-                </a:solidFill>
-              </a:rPr>
-              <a:t>A* : Conceptual Model for Distributed Application</a:t>
-            </a:r>
-          </a:p>
-          <a:p>
-            <a:pPr marL="1208088" lvl="2" indent="-342900">
-              <a:buClr>
-                <a:srgbClr val="000000"/>
-              </a:buClr>
-              <a:buSzPct val="100000"/>
-            </a:pPr>
-            <a:r>
-              <a:rPr lang="en-US" dirty="0">
-                <a:solidFill>
-                  <a:srgbClr val="800000"/>
-                </a:solidFill>
-              </a:rPr>
-              <a:t>One of many different analytical models of an application</a:t>
-            </a:r>
-          </a:p>
-          <a:p>
-            <a:pPr marL="800100" lvl="1" indent="-342900">
-              <a:buClr>
-                <a:srgbClr val="000000"/>
-              </a:buClr>
-              <a:buSzPct val="100000"/>
-            </a:pPr>
-            <a:r>
-              <a:rPr lang="en-US" dirty="0">
-                <a:solidFill>
-                  <a:srgbClr val="800000"/>
-                </a:solidFill>
-              </a:rPr>
-              <a:t>W*: Analytical model of workload </a:t>
-            </a:r>
-          </a:p>
-          <a:p>
-            <a:pPr marL="1208088" lvl="2" indent="-342900">
-              <a:buClr>
-                <a:srgbClr val="000000"/>
-              </a:buClr>
-              <a:buSzPct val="100000"/>
-            </a:pPr>
-            <a:r>
-              <a:rPr lang="en-US" dirty="0">
-                <a:solidFill>
-                  <a:srgbClr val="800000"/>
-                </a:solidFill>
-              </a:rPr>
-              <a:t>Outputs concrete executable units, thus provides a measure of performance and prediction but independent of resources</a:t>
-            </a:r>
-          </a:p>
-          <a:p>
-            <a:pPr marL="800100" lvl="1" indent="-342900">
-              <a:buClr>
-                <a:srgbClr val="000000"/>
-              </a:buClr>
-              <a:buSzPct val="100000"/>
-            </a:pPr>
-            <a:r>
-              <a:rPr lang="en-US" dirty="0">
-                <a:solidFill>
-                  <a:schemeClr val="tx1">
-                    <a:lumMod val="65000"/>
-                    <a:lumOff val="35000"/>
-                  </a:schemeClr>
-                </a:solidFill>
-              </a:rPr>
-              <a:t>P*: Conceptual Model for </a:t>
-            </a:r>
-            <a:r>
-              <a:rPr lang="en-US" dirty="0" smtClean="0">
-                <a:solidFill>
-                  <a:schemeClr val="tx1">
-                    <a:lumMod val="65000"/>
-                    <a:lumOff val="35000"/>
-                  </a:schemeClr>
-                </a:solidFill>
-              </a:rPr>
-              <a:t>Dynamic Resources</a:t>
-            </a:r>
-          </a:p>
-          <a:p>
-            <a:pPr marL="800100" lvl="1" indent="-342900">
-              <a:buClr>
-                <a:srgbClr val="000000"/>
-              </a:buClr>
-              <a:buSzPct val="100000"/>
-            </a:pPr>
-            <a:r>
-              <a:rPr lang="en-US" dirty="0" smtClean="0">
-                <a:solidFill>
-                  <a:schemeClr val="tx1">
-                    <a:lumMod val="65000"/>
-                    <a:lumOff val="35000"/>
-                  </a:schemeClr>
-                </a:solidFill>
-              </a:rPr>
-              <a:t>I* : Analytical Model for Infrastructure [Munich]</a:t>
-            </a:r>
-            <a:endParaRPr lang="en-US" dirty="0">
-              <a:solidFill>
-                <a:schemeClr val="tx1">
-                  <a:lumMod val="65000"/>
-                  <a:lumOff val="35000"/>
-                </a:schemeClr>
-              </a:solidFill>
-            </a:endParaRPr>
-          </a:p>
-          <a:p>
-            <a:pPr marL="800100" lvl="1" indent="-342900">
-              <a:buClr>
-                <a:srgbClr val="000000"/>
-              </a:buClr>
-              <a:buSzPct val="100000"/>
-            </a:pPr>
-            <a:r>
-              <a:rPr lang="en-US" dirty="0" smtClean="0">
-                <a:solidFill>
-                  <a:schemeClr val="tx1">
-                    <a:lumMod val="65000"/>
-                    <a:lumOff val="35000"/>
-                  </a:schemeClr>
-                </a:solidFill>
-              </a:rPr>
-              <a:t>F</a:t>
-            </a:r>
-            <a:r>
-              <a:rPr lang="en-US" dirty="0">
-                <a:solidFill>
-                  <a:schemeClr val="tx1">
-                    <a:lumMod val="65000"/>
-                    <a:lumOff val="35000"/>
-                  </a:schemeClr>
-                </a:solidFill>
-              </a:rPr>
-              <a:t>*: Analytical Model of resource federation/overlay</a:t>
-            </a:r>
-          </a:p>
-          <a:p>
-            <a:pPr marL="1208088" lvl="2" indent="-342900">
-              <a:buClr>
-                <a:srgbClr val="000000"/>
-              </a:buClr>
-              <a:buSzPct val="100000"/>
-            </a:pPr>
-            <a:r>
-              <a:rPr lang="en-US" dirty="0">
-                <a:solidFill>
-                  <a:schemeClr val="tx1">
-                    <a:lumMod val="65000"/>
-                    <a:lumOff val="35000"/>
-                  </a:schemeClr>
-                </a:solidFill>
-              </a:rPr>
-              <a:t>Determines how different resources might be </a:t>
-            </a:r>
-            <a:r>
-              <a:rPr lang="en-US" dirty="0" smtClean="0">
-                <a:solidFill>
-                  <a:schemeClr val="tx1">
-                    <a:lumMod val="65000"/>
-                    <a:lumOff val="35000"/>
-                  </a:schemeClr>
-                </a:solidFill>
-              </a:rPr>
-              <a:t>federated</a:t>
-            </a:r>
-          </a:p>
-          <a:p>
-            <a:pPr marL="1208088" lvl="2" indent="-342900">
-              <a:buClr>
-                <a:srgbClr val="000000"/>
-              </a:buClr>
-              <a:buSzPct val="100000"/>
-            </a:pPr>
-            <a:r>
-              <a:rPr lang="en-US" dirty="0" smtClean="0">
-                <a:solidFill>
-                  <a:schemeClr val="tx1">
-                    <a:lumMod val="65000"/>
-                    <a:lumOff val="35000"/>
-                  </a:schemeClr>
-                </a:solidFill>
-              </a:rPr>
-              <a:t>In turn builds upon a model/models of infrastructure (I*)</a:t>
-            </a:r>
-          </a:p>
-          <a:p>
-            <a:pPr marL="344488" indent="-342900">
-              <a:buClr>
-                <a:srgbClr val="000000"/>
-              </a:buClr>
-              <a:buSzPct val="100000"/>
-            </a:pPr>
-            <a:endParaRPr lang="en-US" dirty="0" smtClean="0">
-              <a:solidFill>
-                <a:schemeClr val="tx1">
-                  <a:lumMod val="65000"/>
-                  <a:lumOff val="35000"/>
-                </a:schemeClr>
-              </a:solidFill>
-            </a:endParaRPr>
-          </a:p>
-          <a:p>
-            <a:pPr marL="865188" lvl="2" indent="0">
-              <a:buClr>
-                <a:srgbClr val="000000"/>
-              </a:buClr>
-              <a:buSzPct val="100000"/>
-              <a:buNone/>
-            </a:pPr>
-            <a:endParaRPr lang="en-US" dirty="0">
-              <a:solidFill>
-                <a:schemeClr val="tx1">
-                  <a:lumMod val="65000"/>
-                  <a:lumOff val="35000"/>
-                </a:schemeClr>
-              </a:solidFill>
-            </a:endParaRPr>
-          </a:p>
-        </p:txBody>
-      </p:sp>
+      <p:pic>
+        <p:nvPicPr>
+          <p:cNvPr id="5" name="Content Placeholder 4" descr="logic_components.png"/>
+          <p:cNvPicPr>
+            <a:picLocks noGrp="1" noChangeAspect="1"/>
+          </p:cNvPicPr>
+          <p:nvPr>
+            <p:ph idx="1"/>
+          </p:nvPr>
+        </p:nvPicPr>
+        <p:blipFill>
+          <a:blip r:embed="rId3">
+            <a:extLst>
+              <a:ext uri="{28A0092B-C50C-407E-A947-70E740481C1C}">
+                <a14:useLocalDpi xmlns:a14="http://schemas.microsoft.com/office/drawing/2010/main" val="0"/>
+              </a:ext>
+            </a:extLst>
+          </a:blip>
+          <a:srcRect l="-15141" r="-15141"/>
+          <a:stretch>
+            <a:fillRect/>
+          </a:stretch>
+        </p:blipFill>
+        <p:spPr/>
+      </p:pic>
     </p:spTree>
     <p:extLst>
       <p:ext uri="{BB962C8B-B14F-4D97-AF65-F5344CB8AC3E}">
-        <p14:creationId xmlns:p14="http://schemas.microsoft.com/office/powerpoint/2010/main" val="4188818823"/>
+        <p14:creationId xmlns:p14="http://schemas.microsoft.com/office/powerpoint/2010/main" val="3441613021"/>
       </p:ext>
     </p:extLst>
   </p:cSld>
   <p:clrMapOvr>
     <a:masterClrMapping/>
   </p:clrMapOvr>
-  <p:timing>
-    <p:tnLst>
-      <p:par>
-        <p:cTn xmlns:p14="http://schemas.microsoft.com/office/powerpoint/2010/main" id="1" dur="indefinite" restart="never" nodeType="tmRoot"/>
-      </p:par>
-    </p:tnLst>
-  </p:timing>
 </p:sld>
 </file>
 
@@ -7409,6 +7399,25 @@
               </a:rPr>
               <a:t>The State of Extreme Scale Distributed Computing </a:t>
             </a:r>
+          </a:p>
+          <a:p>
+            <a:pPr>
+              <a:buClr>
+                <a:srgbClr val="000000"/>
+              </a:buClr>
+              <a:buSzPct val="100000"/>
+            </a:pPr>
+            <a:r>
+              <a:rPr lang="en-US" dirty="0" smtClean="0">
+                <a:solidFill>
+                  <a:schemeClr val="tx1">
+                    <a:lumMod val="65000"/>
+                    <a:lumOff val="35000"/>
+                  </a:schemeClr>
+                </a:solidFill>
+              </a:rPr>
+              <a:t>NGMW as a way to address DEC requirements</a:t>
+            </a:r>
             <a:endParaRPr lang="en-US" dirty="0">
               <a:solidFill>
                 <a:schemeClr val="tx1">
@@ -7419,44 +7428,6 @@
             </a:endParaRPr>
           </a:p>
           <a:p>
-            <a:pPr>
-              <a:buClr>
-                <a:srgbClr val="000000"/>
-              </a:buClr>
-              <a:buSzPct val="100000"/>
-            </a:pPr>
-            <a:r>
-              <a:rPr lang="en-US" dirty="0" smtClean="0">
-                <a:solidFill>
-                  <a:schemeClr val="tx1">
-                    <a:lumMod val="65000"/>
-                    <a:lumOff val="35000"/>
-                  </a:schemeClr>
-                </a:solidFill>
-              </a:rPr>
-              <a:t>NGMW </a:t>
-            </a:r>
-            <a:r>
-              <a:rPr lang="en-US" dirty="0" smtClean="0">
-                <a:solidFill>
-                  <a:schemeClr val="tx1">
-                    <a:lumMod val="65000"/>
-                    <a:lumOff val="35000"/>
-                  </a:schemeClr>
-                </a:solidFill>
-              </a:rPr>
-              <a:t>as a way to address DEC requirements</a:t>
-            </a:r>
-            <a:endParaRPr lang="en-US" dirty="0">
-              <a:solidFill>
-                <a:schemeClr val="tx1">
-                  <a:lumMod val="65000"/>
-                  <a:lumOff val="35000"/>
-                </a:schemeClr>
-              </a:solidFill>
-            </a:endParaRPr>
-          </a:p>
-          <a:p>
             <a:pPr lvl="1">
               <a:buClr>
                 <a:srgbClr val="000000"/>
@@ -7472,18 +7443,7 @@
                   </a:schemeClr>
                 </a:solidFill>
               </a:rPr>
-              <a:t>Design considerations for </a:t>
-            </a:r>
-            <a:r>
-              <a:rPr lang="en-US" sz="2000" dirty="0" smtClean="0">
-                <a:solidFill>
-                  <a:schemeClr val="tx1">
-                    <a:lumMod val="65000"/>
-                    <a:lumOff val="35000"/>
-                  </a:schemeClr>
-                </a:solidFill>
-              </a:rPr>
-              <a:t>NGMW</a:t>
+              <a:t>Design considerations for NGMW</a:t>
             </a:r>
             <a:endParaRPr lang="en-US" sz="2000" dirty="0">
               <a:solidFill>
@@ -7567,18 +7527,7 @@
                   </a:schemeClr>
                 </a:solidFill>
               </a:rPr>
-              <a:t>Federation of Infrastructure F</a:t>
-            </a:r>
-            <a:r>
-              <a:rPr lang="en-US" sz="2000" dirty="0" smtClean="0">
-                <a:solidFill>
-                  <a:schemeClr val="tx1">
-                    <a:lumMod val="65000"/>
-                    <a:lumOff val="35000"/>
-                  </a:schemeClr>
-                </a:solidFill>
-              </a:rPr>
-              <a:t>*</a:t>
+              <a:t>Federation of Infrastructure F*</a:t>
             </a:r>
           </a:p>
           <a:p>
@@ -7599,14 +7548,6 @@
               </a:rPr>
               <a:t>Putting it altogether: conceptual and implementation</a:t>
             </a:r>
-            <a:endParaRPr lang="en-US" sz="2000" dirty="0" smtClean="0">
-              <a:solidFill>
-                <a:schemeClr val="tx1">
-                  <a:lumMod val="65000"/>
-                  <a:lumOff val="35000"/>
-                </a:schemeClr>
-              </a:solidFill>
-            </a:endParaRPr>
           </a:p>
           <a:p>
             <a:pPr marL="344488" indent="-342900">
@@ -7686,7 +7627,7 @@
 </file>
 
 <file path=ppt/slides/slide20.xml><?xml version="1.0" encoding="utf-8"?>
-<p:sld xmlns:a="http://schemas.openxmlformats.org/drawingml/2006/main" xmlns:r="http://schemas.openxmlformats.org/officeDocument/2006/relationships" xmlns:p="http://schemas.openxmlformats.org/presentationml/2006/main">
+<p:sld xmlns:a="http://schemas.openxmlformats.org/drawingml/2006/main" xmlns:r="http://schemas.openxmlformats.org/officeDocument/2006/relationships" xmlns:p="http://schemas.openxmlformats.org/presentationml/2006/main" show="0">
   <p:cSld>
     <p:spTree>
       <p:nvGrpSpPr>
@@ -7719,11 +7660,7 @@
           <a:p>
             <a:r>
               <a:rPr lang="en-US" dirty="0" smtClean="0"/>
-              <a:t>NGMW: </a:t>
-            </a:r>
-            <a:r>
-              <a:rPr lang="en-US" dirty="0" smtClean="0"/>
-              <a:t>Interaction of Models and Simulation</a:t>
+              <a:t>This will be eliminated..</a:t>
             </a:r>
             <a:endParaRPr lang="en-US" dirty="0"/>
           </a:p>
@@ -7961,6 +7898,567 @@
             </a:lvl9pPr>
           </a:lstStyle>
           <a:p>
+            <a:pPr marL="344488" indent="-342900">
+              <a:buClr>
+                <a:srgbClr val="000000"/>
+              </a:buClr>
+              <a:buSzPct val="100000"/>
+            </a:pPr>
+            <a:r>
+              <a:rPr lang="en-US" dirty="0" smtClean="0">
+                <a:solidFill>
+                  <a:schemeClr val="tx1">
+                    <a:lumMod val="65000"/>
+                    <a:lumOff val="35000"/>
+                  </a:schemeClr>
+                </a:solidFill>
+              </a:rPr>
+              <a:t>Understanding the Different Models:</a:t>
+            </a:r>
+            <a:endParaRPr lang="en-US" dirty="0">
+              <a:solidFill>
+                <a:schemeClr val="tx1">
+                  <a:lumMod val="65000"/>
+                  <a:lumOff val="35000"/>
+                </a:schemeClr>
+              </a:solidFill>
+            </a:endParaRPr>
+          </a:p>
+          <a:p>
+            <a:pPr marL="800100" lvl="1" indent="-342900">
+              <a:buClr>
+                <a:srgbClr val="000000"/>
+              </a:buClr>
+              <a:buSzPct val="100000"/>
+            </a:pPr>
+            <a:r>
+              <a:rPr lang="en-US" dirty="0">
+                <a:solidFill>
+                  <a:srgbClr val="800000"/>
+                </a:solidFill>
+              </a:rPr>
+              <a:t>A* : Conceptual Model for Distributed Application</a:t>
+            </a:r>
+          </a:p>
+          <a:p>
+            <a:pPr marL="1208088" lvl="2" indent="-342900">
+              <a:buClr>
+                <a:srgbClr val="000000"/>
+              </a:buClr>
+              <a:buSzPct val="100000"/>
+            </a:pPr>
+            <a:r>
+              <a:rPr lang="en-US" dirty="0">
+                <a:solidFill>
+                  <a:srgbClr val="800000"/>
+                </a:solidFill>
+              </a:rPr>
+              <a:t>One of many different analytical models of an application</a:t>
+            </a:r>
+          </a:p>
+          <a:p>
+            <a:pPr marL="800100" lvl="1" indent="-342900">
+              <a:buClr>
+                <a:srgbClr val="000000"/>
+              </a:buClr>
+              <a:buSzPct val="100000"/>
+            </a:pPr>
+            <a:r>
+              <a:rPr lang="en-US" dirty="0">
+                <a:solidFill>
+                  <a:srgbClr val="800000"/>
+                </a:solidFill>
+              </a:rPr>
+              <a:t>W*: Analytical model of workload </a:t>
+            </a:r>
+          </a:p>
+          <a:p>
+            <a:pPr marL="1208088" lvl="2" indent="-342900">
+              <a:buClr>
+                <a:srgbClr val="000000"/>
+              </a:buClr>
+              <a:buSzPct val="100000"/>
+            </a:pPr>
+            <a:r>
+              <a:rPr lang="en-US" dirty="0">
+                <a:solidFill>
+                  <a:srgbClr val="800000"/>
+                </a:solidFill>
+              </a:rPr>
+              <a:t>Outputs concrete executable units, thus provides a measure of performance and prediction but independent of resources</a:t>
+            </a:r>
+          </a:p>
+          <a:p>
+            <a:pPr marL="800100" lvl="1" indent="-342900">
+              <a:buClr>
+                <a:srgbClr val="000000"/>
+              </a:buClr>
+              <a:buSzPct val="100000"/>
+            </a:pPr>
+            <a:r>
+              <a:rPr lang="en-US" dirty="0">
+                <a:solidFill>
+                  <a:schemeClr val="tx1">
+                    <a:lumMod val="65000"/>
+                    <a:lumOff val="35000"/>
+                  </a:schemeClr>
+                </a:solidFill>
+              </a:rPr>
+              <a:t>P*: Conceptual Model for </a:t>
+            </a:r>
+            <a:r>
+              <a:rPr lang="en-US" dirty="0" smtClean="0">
+                <a:solidFill>
+                  <a:schemeClr val="tx1">
+                    <a:lumMod val="65000"/>
+                    <a:lumOff val="35000"/>
+                  </a:schemeClr>
+                </a:solidFill>
+              </a:rPr>
+              <a:t>Dynamic Resources</a:t>
+            </a:r>
+          </a:p>
+          <a:p>
+            <a:pPr marL="800100" lvl="1" indent="-342900">
+              <a:buClr>
+                <a:srgbClr val="000000"/>
+              </a:buClr>
+              <a:buSzPct val="100000"/>
+            </a:pPr>
+            <a:r>
+              <a:rPr lang="en-US" dirty="0" smtClean="0">
+                <a:solidFill>
+                  <a:schemeClr val="tx1">
+                    <a:lumMod val="65000"/>
+                    <a:lumOff val="35000"/>
+                  </a:schemeClr>
+                </a:solidFill>
+              </a:rPr>
+              <a:t>I* : Analytical Model for Infrastructure [Munich]</a:t>
+            </a:r>
+            <a:endParaRPr lang="en-US" dirty="0">
+              <a:solidFill>
+                <a:schemeClr val="tx1">
+                  <a:lumMod val="65000"/>
+                  <a:lumOff val="35000"/>
+                </a:schemeClr>
+              </a:solidFill>
+            </a:endParaRPr>
+          </a:p>
+          <a:p>
+            <a:pPr marL="800100" lvl="1" indent="-342900">
+              <a:buClr>
+                <a:srgbClr val="000000"/>
+              </a:buClr>
+              <a:buSzPct val="100000"/>
+            </a:pPr>
+            <a:r>
+              <a:rPr lang="en-US" dirty="0" smtClean="0">
+                <a:solidFill>
+                  <a:schemeClr val="tx1">
+                    <a:lumMod val="65000"/>
+                    <a:lumOff val="35000"/>
+                  </a:schemeClr>
+                </a:solidFill>
+              </a:rPr>
+              <a:t>F</a:t>
+            </a:r>
+            <a:r>
+              <a:rPr lang="en-US" dirty="0">
+                <a:solidFill>
+                  <a:schemeClr val="tx1">
+                    <a:lumMod val="65000"/>
+                    <a:lumOff val="35000"/>
+                  </a:schemeClr>
+                </a:solidFill>
+              </a:rPr>
+              <a:t>*: Analytical Model of resource federation/overlay</a:t>
+            </a:r>
+          </a:p>
+          <a:p>
+            <a:pPr marL="1208088" lvl="2" indent="-342900">
+              <a:buClr>
+                <a:srgbClr val="000000"/>
+              </a:buClr>
+              <a:buSzPct val="100000"/>
+            </a:pPr>
+            <a:r>
+              <a:rPr lang="en-US" dirty="0">
+                <a:solidFill>
+                  <a:schemeClr val="tx1">
+                    <a:lumMod val="65000"/>
+                    <a:lumOff val="35000"/>
+                  </a:schemeClr>
+                </a:solidFill>
+              </a:rPr>
+              <a:t>Determines how different resources might be </a:t>
+            </a:r>
+            <a:r>
+              <a:rPr lang="en-US" dirty="0" smtClean="0">
+                <a:solidFill>
+                  <a:schemeClr val="tx1">
+                    <a:lumMod val="65000"/>
+                    <a:lumOff val="35000"/>
+                  </a:schemeClr>
+                </a:solidFill>
+              </a:rPr>
+              <a:t>federated</a:t>
+            </a:r>
+          </a:p>
+          <a:p>
+            <a:pPr marL="1208088" lvl="2" indent="-342900">
+              <a:buClr>
+                <a:srgbClr val="000000"/>
+              </a:buClr>
+              <a:buSzPct val="100000"/>
+            </a:pPr>
+            <a:r>
+              <a:rPr lang="en-US" dirty="0" smtClean="0">
+                <a:solidFill>
+                  <a:schemeClr val="tx1">
+                    <a:lumMod val="65000"/>
+                    <a:lumOff val="35000"/>
+                  </a:schemeClr>
+                </a:solidFill>
+              </a:rPr>
+              <a:t>In turn builds upon a model/models of infrastructure (I*)</a:t>
+            </a:r>
+          </a:p>
+          <a:p>
+            <a:pPr marL="344488" indent="-342900">
+              <a:buClr>
+                <a:srgbClr val="000000"/>
+              </a:buClr>
+              <a:buSzPct val="100000"/>
+            </a:pPr>
+            <a:endParaRPr lang="en-US" dirty="0" smtClean="0">
+              <a:solidFill>
+                <a:schemeClr val="tx1">
+                  <a:lumMod val="65000"/>
+                  <a:lumOff val="35000"/>
+                </a:schemeClr>
+              </a:solidFill>
+            </a:endParaRPr>
+          </a:p>
+          <a:p>
+            <a:pPr marL="865188" lvl="2" indent="0">
+              <a:buClr>
+                <a:srgbClr val="000000"/>
+              </a:buClr>
+              <a:buSzPct val="100000"/>
+              <a:buNone/>
+            </a:pPr>
+            <a:endParaRPr lang="en-US" dirty="0">
+              <a:solidFill>
+                <a:schemeClr val="tx1">
+                  <a:lumMod val="65000"/>
+                  <a:lumOff val="35000"/>
+                </a:schemeClr>
+              </a:solidFill>
+            </a:endParaRPr>
+          </a:p>
+        </p:txBody>
+      </p:sp>
+    </p:spTree>
+    <p:extLst>
+      <p:ext uri="{BB962C8B-B14F-4D97-AF65-F5344CB8AC3E}">
+        <p14:creationId xmlns:p14="http://schemas.microsoft.com/office/powerpoint/2010/main" val="4188818823"/>
+      </p:ext>
+    </p:extLst>
+  </p:cSld>
+  <p:clrMapOvr>
+    <a:masterClrMapping/>
+  </p:clrMapOvr>
+  <mc:AlternateContent xmlns:mc="http://schemas.openxmlformats.org/markup-compatibility/2006">
+    <mc:Choice xmlns:p14="http://schemas.microsoft.com/office/powerpoint/2010/main" Requires="p14">
+      <p:transition spd="slow" p14:dur="2000"/>
+    </mc:Choice>
+    <mc:Fallback>
+      <p:transition xmlns:p14="http://schemas.microsoft.com/office/powerpoint/2010/main" spd="slow"/>
+    </mc:Fallback>
+  </mc:AlternateContent>
+  <p:timing>
+    <p:tnLst>
+      <p:par>
+        <p:cTn xmlns:p14="http://schemas.microsoft.com/office/powerpoint/2010/main" id="1" dur="indefinite" restart="never" nodeType="tmRoot"/>
+      </p:par>
+    </p:tnLst>
+  </p:timing>
+</p:sld>
+</file>
+
+<file path=ppt/slides/slide21.xml><?xml version="1.0" encoding="utf-8"?>
+<p:sld xmlns:a="http://schemas.openxmlformats.org/drawingml/2006/main" xmlns:r="http://schemas.openxmlformats.org/officeDocument/2006/relationships" xmlns:p="http://schemas.openxmlformats.org/presentationml/2006/main">
+  <p:cSld>
+    <p:spTree>
+      <p:nvGrpSpPr>
+        <p:cNvPr id="1" name=""/>
+        <p:cNvGrpSpPr/>
+        <p:nvPr/>
+      </p:nvGrpSpPr>
+      <p:grpSpPr>
+        <a:xfrm>
+          <a:off x="0" y="0"/>
+          <a:ext cx="0" cy="0"/>
+          <a:chOff x="0" y="0"/>
+          <a:chExt cx="0" cy="0"/>
+        </a:xfrm>
+      </p:grpSpPr>
+      <p:sp>
+        <p:nvSpPr>
+          <p:cNvPr id="2" name="Title 1"/>
+          <p:cNvSpPr>
+            <a:spLocks noGrp="1"/>
+          </p:cNvSpPr>
+          <p:nvPr>
+            <p:ph type="title"/>
+          </p:nvPr>
+        </p:nvSpPr>
+        <p:spPr/>
+        <p:txBody>
+          <a:bodyPr/>
+          <a:lstStyle/>
+          <a:p>
+            <a:r>
+              <a:rPr lang="en-US" dirty="0" smtClean="0"/>
+              <a:t>NGMW: Interaction of Models and Simulation</a:t>
+            </a:r>
+            <a:endParaRPr lang="en-US" dirty="0"/>
+          </a:p>
+        </p:txBody>
+      </p:sp>
+      <p:sp>
+        <p:nvSpPr>
+          <p:cNvPr id="3" name="Shape 72"/>
+          <p:cNvSpPr txBox="1">
+            <a:spLocks/>
+          </p:cNvSpPr>
+          <p:nvPr/>
+        </p:nvSpPr>
+        <p:spPr bwMode="auto">
+          <a:xfrm>
+            <a:off x="282231" y="786259"/>
+            <a:ext cx="8596312" cy="5281613"/>
+          </a:xfrm>
+          <a:prstGeom prst="rect">
+            <a:avLst/>
+          </a:prstGeom>
+          <a:noFill/>
+          <a:ln>
+            <a:noFill/>
+          </a:ln>
+          <a:extLst>
+            <a:ext uri="{909E8E84-426E-40dd-AFC4-6F175D3DCCD1}">
+              <a14:hiddenFill xmlns:a14="http://schemas.microsoft.com/office/drawing/2010/main">
+                <a:solidFill>
+                  <a:srgbClr val="FFFFFF"/>
+                </a:solidFill>
+              </a14:hiddenFill>
+            </a:ext>
+            <a:ext uri="{91240B29-F687-4f45-9708-019B960494DF}">
+              <a14:hiddenLine xmlns:a14="http://schemas.microsoft.com/office/drawing/2010/main" w="9525">
+                <a:solidFill>
+                  <a:srgbClr val="000000"/>
+                </a:solidFill>
+                <a:miter lim="800000"/>
+                <a:headEnd/>
+                <a:tailEnd/>
+              </a14:hiddenLine>
+            </a:ext>
+            <a:ext uri="{FAA26D3D-D897-4be2-8F04-BA451C77F1D7}">
+              <ma14:placeholderFlag xmlns:ma14="http://schemas.microsoft.com/office/mac/drawingml/2011/main" val="1"/>
+            </a:ext>
+          </a:extLst>
+        </p:spPr>
+        <p:txBody>
+          <a:bodyPr vert="horz" wrap="square" lIns="91425" tIns="91425" rIns="91425" bIns="91425" numCol="1" anchor="t" anchorCtr="0" compatLnSpc="1">
+            <a:prstTxWarp prst="textNoShape">
+              <a:avLst/>
+            </a:prstTxWarp>
+            <a:noAutofit/>
+          </a:bodyPr>
+          <a:lstStyle>
+            <a:lvl1pPr marL="227013" indent="-227013" algn="l" rtl="0" eaLnBrk="0" fontAlgn="base" hangingPunct="0">
+              <a:spcBef>
+                <a:spcPts val="1200"/>
+              </a:spcBef>
+              <a:spcAft>
+                <a:spcPct val="0"/>
+              </a:spcAft>
+              <a:buClr>
+                <a:schemeClr val="tx1">
+                  <a:lumMod val="95000"/>
+                  <a:lumOff val="5000"/>
+                </a:schemeClr>
+              </a:buClr>
+              <a:buChar char="•"/>
+              <a:tabLst/>
+              <a:defRPr sz="2000">
+                <a:solidFill>
+                  <a:schemeClr val="tx1">
+                    <a:lumMod val="95000"/>
+                    <a:lumOff val="5000"/>
+                  </a:schemeClr>
+                </a:solidFill>
+                <a:latin typeface="+mn-lt"/>
+                <a:ea typeface="ＭＳ Ｐゴシック" charset="-128"/>
+                <a:cs typeface="ＭＳ Ｐゴシック" charset="-128"/>
+              </a:defRPr>
+            </a:lvl1pPr>
+            <a:lvl2pPr marL="682625" indent="-225425" algn="l" rtl="0" eaLnBrk="0" fontAlgn="base" hangingPunct="0">
+              <a:spcBef>
+                <a:spcPct val="20000"/>
+              </a:spcBef>
+              <a:spcAft>
+                <a:spcPct val="0"/>
+              </a:spcAft>
+              <a:buClr>
+                <a:schemeClr val="tx1">
+                  <a:lumMod val="95000"/>
+                  <a:lumOff val="5000"/>
+                </a:schemeClr>
+              </a:buClr>
+              <a:buChar char="–"/>
+              <a:defRPr sz="1800">
+                <a:solidFill>
+                  <a:srgbClr val="5F5F5F"/>
+                </a:solidFill>
+                <a:latin typeface="+mn-lt"/>
+                <a:ea typeface="ＭＳ Ｐゴシック" charset="-128"/>
+              </a:defRPr>
+            </a:lvl2pPr>
+            <a:lvl3pPr marL="1090613" indent="-176213" algn="l" rtl="0" eaLnBrk="0" fontAlgn="base" hangingPunct="0">
+              <a:spcBef>
+                <a:spcPct val="20000"/>
+              </a:spcBef>
+              <a:spcAft>
+                <a:spcPct val="0"/>
+              </a:spcAft>
+              <a:buClr>
+                <a:schemeClr val="tx1">
+                  <a:lumMod val="95000"/>
+                  <a:lumOff val="5000"/>
+                </a:schemeClr>
+              </a:buClr>
+              <a:buChar char="•"/>
+              <a:defRPr sz="1800">
+                <a:solidFill>
+                  <a:srgbClr val="5F5F5F"/>
+                </a:solidFill>
+                <a:latin typeface="+mn-lt"/>
+                <a:ea typeface="ＭＳ Ｐゴシック" charset="-128"/>
+              </a:defRPr>
+            </a:lvl3pPr>
+            <a:lvl4pPr marL="1600200" indent="-228600" algn="l" rtl="0" eaLnBrk="0" fontAlgn="base" hangingPunct="0">
+              <a:spcBef>
+                <a:spcPct val="20000"/>
+              </a:spcBef>
+              <a:spcAft>
+                <a:spcPct val="0"/>
+              </a:spcAft>
+              <a:buClr>
+                <a:schemeClr val="tx1">
+                  <a:lumMod val="95000"/>
+                  <a:lumOff val="5000"/>
+                </a:schemeClr>
+              </a:buClr>
+              <a:buChar char="–"/>
+              <a:defRPr sz="1800">
+                <a:solidFill>
+                  <a:srgbClr val="5F5F5F"/>
+                </a:solidFill>
+                <a:latin typeface="+mn-lt"/>
+                <a:ea typeface="ＭＳ Ｐゴシック" charset="-128"/>
+              </a:defRPr>
+            </a:lvl4pPr>
+            <a:lvl5pPr marL="2000250" indent="-171450" algn="l" rtl="0" eaLnBrk="0" fontAlgn="base" hangingPunct="0">
+              <a:spcBef>
+                <a:spcPct val="20000"/>
+              </a:spcBef>
+              <a:spcAft>
+                <a:spcPct val="0"/>
+              </a:spcAft>
+              <a:buClr>
+                <a:schemeClr val="tx1">
+                  <a:lumMod val="95000"/>
+                  <a:lumOff val="5000"/>
+                </a:schemeClr>
+              </a:buClr>
+              <a:buChar char="»"/>
+              <a:defRPr sz="1800">
+                <a:solidFill>
+                  <a:srgbClr val="5F5F5F"/>
+                </a:solidFill>
+                <a:latin typeface="+mn-lt"/>
+                <a:ea typeface="ＭＳ Ｐゴシック" charset="-128"/>
+              </a:defRPr>
+            </a:lvl5pPr>
+            <a:lvl6pPr marL="2514600" indent="-228600" algn="l" rtl="0" fontAlgn="base">
+              <a:spcBef>
+                <a:spcPct val="20000"/>
+              </a:spcBef>
+              <a:spcAft>
+                <a:spcPct val="0"/>
+              </a:spcAft>
+              <a:buChar char="»"/>
+              <a:defRPr sz="1400">
+                <a:solidFill>
+                  <a:srgbClr val="5F5F5F"/>
+                </a:solidFill>
+                <a:latin typeface="+mn-lt"/>
+                <a:ea typeface="ＭＳ Ｐゴシック" charset="-128"/>
+              </a:defRPr>
+            </a:lvl6pPr>
+            <a:lvl7pPr marL="2971800" indent="-228600" algn="l" rtl="0" fontAlgn="base">
+              <a:spcBef>
+                <a:spcPct val="20000"/>
+              </a:spcBef>
+              <a:spcAft>
+                <a:spcPct val="0"/>
+              </a:spcAft>
+              <a:buChar char="»"/>
+              <a:defRPr sz="1400">
+                <a:solidFill>
+                  <a:srgbClr val="5F5F5F"/>
+                </a:solidFill>
+                <a:latin typeface="+mn-lt"/>
+                <a:ea typeface="ＭＳ Ｐゴシック" charset="-128"/>
+              </a:defRPr>
+            </a:lvl7pPr>
+            <a:lvl8pPr marL="3429000" indent="-228600" algn="l" rtl="0" fontAlgn="base">
+              <a:spcBef>
+                <a:spcPct val="20000"/>
+              </a:spcBef>
+              <a:spcAft>
+                <a:spcPct val="0"/>
+              </a:spcAft>
+              <a:buChar char="»"/>
+              <a:defRPr sz="1400">
+                <a:solidFill>
+                  <a:srgbClr val="5F5F5F"/>
+                </a:solidFill>
+                <a:latin typeface="+mn-lt"/>
+                <a:ea typeface="ＭＳ Ｐゴシック" charset="-128"/>
+              </a:defRPr>
+            </a:lvl8pPr>
+            <a:lvl9pPr marL="3886200" indent="-228600" algn="l" rtl="0" fontAlgn="base">
+              <a:spcBef>
+                <a:spcPct val="20000"/>
+              </a:spcBef>
+              <a:spcAft>
+                <a:spcPct val="0"/>
+              </a:spcAft>
+              <a:buChar char="»"/>
+              <a:defRPr sz="1400">
+                <a:solidFill>
+                  <a:srgbClr val="5F5F5F"/>
+                </a:solidFill>
+                <a:latin typeface="+mn-lt"/>
+                <a:ea typeface="ＭＳ Ｐゴシック" charset="-128"/>
+              </a:defRPr>
+            </a:lvl9pPr>
+          </a:lstStyle>
+          <a:p>
             <a:pPr marL="344488" indent="-342900"/>
             <a:r>
               <a:rPr lang="en-US" dirty="0" smtClean="0"/>
@@ -8149,7 +8647,7 @@
 </p:sld>
 </file>
 
-<file path=ppt/slides/slide21.xml><?xml version="1.0" encoding="utf-8"?>
+<file path=ppt/slides/slide22.xml><?xml version="1.0" encoding="utf-8"?>
 <p:sld xmlns:a="http://schemas.openxmlformats.org/drawingml/2006/main" xmlns:r="http://schemas.openxmlformats.org/officeDocument/2006/relationships" xmlns:p="http://schemas.openxmlformats.org/presentationml/2006/main">
   <p:cSld>
     <p:spTree>
@@ -8340,7 +8838,7 @@
 </p:sld>
 </file>
 
-<file path=ppt/slides/slide22.xml><?xml version="1.0" encoding="utf-8"?>
+<file path=ppt/slides/slide23.xml><?xml version="1.0" encoding="utf-8"?>
 <p:sld xmlns:a="http://schemas.openxmlformats.org/drawingml/2006/main" xmlns:r="http://schemas.openxmlformats.org/officeDocument/2006/relationships" xmlns:p="http://schemas.openxmlformats.org/presentationml/2006/main">
   <p:cSld>
     <p:spTree>
@@ -8537,7 +9035,7 @@
 </p:sld>
 </file>
 
-<file path=ppt/slides/slide23.xml><?xml version="1.0" encoding="utf-8"?>
+<file path=ppt/slides/slide24.xml><?xml version="1.0" encoding="utf-8"?>
 <p:sld xmlns:a="http://schemas.openxmlformats.org/drawingml/2006/main" xmlns:r="http://schemas.openxmlformats.org/officeDocument/2006/relationships" xmlns:p="http://schemas.openxmlformats.org/presentationml/2006/main">
   <p:cSld>
     <p:spTree>
@@ -8797,7 +9295,7 @@
 </p:sld>
 </file>
 
-<file path=ppt/slides/slide24.xml><?xml version="1.0" encoding="utf-8"?>
+<file path=ppt/slides/slide25.xml><?xml version="1.0" encoding="utf-8"?>
 <p:sld xmlns:a="http://schemas.openxmlformats.org/drawingml/2006/main" xmlns:r="http://schemas.openxmlformats.org/officeDocument/2006/relationships" xmlns:p="http://schemas.openxmlformats.org/presentationml/2006/main" show="0">
   <p:cSld>
     <p:spTree>
@@ -9220,7 +9718,7 @@
 </p:sld>
 </file>
 
-<file path=ppt/slides/slide25.xml><?xml version="1.0" encoding="utf-8"?>
+<file path=ppt/slides/slide26.xml><?xml version="1.0" encoding="utf-8"?>
 <p:sld xmlns:a="http://schemas.openxmlformats.org/drawingml/2006/main" xmlns:r="http://schemas.openxmlformats.org/officeDocument/2006/relationships" xmlns:p="http://schemas.openxmlformats.org/presentationml/2006/main" show="0">
   <p:cSld>
     <p:spTree>
@@ -9580,7 +10078,7 @@
 </p:sld>
 </file>
 
-<file path=ppt/slides/slide26.xml><?xml version="1.0" encoding="utf-8"?>
+<file path=ppt/slides/slide27.xml><?xml version="1.0" encoding="utf-8"?>
 <p:sld xmlns:a="http://schemas.openxmlformats.org/drawingml/2006/main" xmlns:r="http://schemas.openxmlformats.org/officeDocument/2006/relationships" xmlns:p="http://schemas.openxmlformats.org/presentationml/2006/main" show="0">
   <p:cSld>
     <p:spTree>
@@ -9974,11 +10472,7 @@
             </a:r>
             <a:r>
               <a:rPr lang="en-US" dirty="0" smtClean="0"/>
-              <a:t> </a:t>
-            </a:r>
-            <a:r>
-              <a:rPr lang="en-US" dirty="0" smtClean="0"/>
-              <a:t>resources</a:t>
+              <a:t> resources</a:t>
             </a:r>
           </a:p>
           <a:p>
@@ -10029,7 +10523,6 @@
               <a:rPr lang="en-US" dirty="0" smtClean="0"/>
               <a:t>?</a:t>
             </a:r>
-            <a:endParaRPr lang="en-US" dirty="0" smtClean="0"/>
           </a:p>
           <a:p>
             <a:r>
@@ -10246,7 +10739,6 @@
               <a:rPr lang="en-US" dirty="0" smtClean="0"/>
               <a:t>Therefore a distinct role for middleware </a:t>
             </a:r>
-            <a:endParaRPr lang="en-US" dirty="0" smtClean="0"/>
           </a:p>
           <a:p>
             <a:pPr lvl="1"/>
@@ -10373,11 +10865,7 @@
             </a:pPr>
             <a:r>
               <a:rPr lang="en" sz="2000" dirty="0" smtClean="0"/>
-              <a:t>Support </a:t>
-            </a:r>
-            <a:r>
-              <a:rPr lang="en" sz="2000" dirty="0" smtClean="0"/>
-              <a:t>a broad range of </a:t>
+              <a:t>Support a broad range of </a:t>
             </a:r>
             <a:r>
               <a:rPr lang="en-US" sz="2000" dirty="0" smtClean="0"/>
@@ -10426,11 +10914,7 @@
             </a:pPr>
             <a:r>
               <a:rPr lang="en-US" sz="2000" dirty="0" smtClean="0"/>
-              <a:t>Novel application classes: Adaptive </a:t>
-            </a:r>
-            <a:r>
-              <a:rPr lang="en-US" sz="2000" dirty="0" smtClean="0"/>
-              <a:t>Applications</a:t>
+              <a:t>Novel application classes: Adaptive Applications</a:t>
             </a:r>
           </a:p>
           <a:p>

--- a/presentations/radical-modsim.pptx
+++ b/presentations/radical-modsim.pptx
@@ -5221,35 +5221,11 @@
             <a:pPr lvl="1"/>
             <a:r>
               <a:rPr lang="en-US" sz="2000" dirty="0" smtClean="0"/>
-              <a:t>Lack </a:t>
-            </a:r>
-            <a:r>
-              <a:rPr lang="en-US" sz="2000" dirty="0"/>
-              <a:t>of </a:t>
+              <a:t>Two </a:t>
             </a:r>
             <a:r>
               <a:rPr lang="en-US" sz="2000" dirty="0" smtClean="0"/>
-              <a:t>reasoning and ability </a:t>
-            </a:r>
-            <a:r>
-              <a:rPr lang="en-US" sz="2000" dirty="0"/>
-              <a:t>to </a:t>
-            </a:r>
-            <a:r>
-              <a:rPr lang="en-US" sz="2000" dirty="0" smtClean="0"/>
-              <a:t>estimate/calibrate </a:t>
-            </a:r>
-            <a:r>
-              <a:rPr lang="en-US" sz="2000" dirty="0"/>
-              <a:t>performance </a:t>
-            </a:r>
-            <a:endParaRPr lang="en-US" sz="2000" dirty="0" smtClean="0"/>
-          </a:p>
-          <a:p>
-            <a:pPr lvl="1"/>
-            <a:r>
-              <a:rPr lang="en-US" sz="2000" dirty="0" smtClean="0"/>
-              <a:t>Two levels of conceptual abstractions to enable reasoning:</a:t>
+              <a:t>levels of conceptual abstractions to enable reasoning:</a:t>
             </a:r>
           </a:p>
           <a:p>
@@ -5519,40 +5495,71 @@
                   <a:srgbClr val="000000"/>
                 </a:solidFill>
               </a:rPr>
-              <a:t>• How to provide </a:t>
+              <a:t>• </a:t>
+            </a:r>
+            <a:r>
+              <a:rPr lang="en-US" dirty="0" smtClean="0">
+                <a:solidFill>
+                  <a:schemeClr val="tx1">
+                    <a:lumMod val="65000"/>
+                    <a:lumOff val="35000"/>
+                  </a:schemeClr>
+                </a:solidFill>
+              </a:rPr>
+              <a:t>Well-defined </a:t>
             </a:r>
             <a:r>
               <a:rPr lang="en" dirty="0" smtClean="0">
                 <a:solidFill>
-                  <a:srgbClr val="000000"/>
-                </a:solidFill>
-              </a:rPr>
-              <a:t>well</a:t>
-            </a:r>
-            <a:r>
-              <a:rPr lang="en-US" dirty="0" smtClean="0">
-                <a:solidFill>
-                  <a:srgbClr val="000000"/>
-                </a:solidFill>
-              </a:rPr>
-              <a:t>-</a:t>
+                  <a:schemeClr val="tx1">
+                    <a:lumMod val="65000"/>
+                    <a:lumOff val="35000"/>
+                  </a:schemeClr>
+                </a:solidFill>
+              </a:rPr>
+              <a:t>capability amidst heterogeneous, dynamic resources requires </a:t>
+            </a:r>
+            <a:r>
+              <a:rPr lang="en" i="1" dirty="0" smtClean="0">
+                <a:solidFill>
+                  <a:schemeClr val="tx1">
+                    <a:lumMod val="65000"/>
+                    <a:lumOff val="35000"/>
+                  </a:schemeClr>
+                </a:solidFill>
+              </a:rPr>
+              <a:t>flexible </a:t>
+            </a:r>
+            <a:r>
+              <a:rPr lang="en-US" i="1" dirty="0" smtClean="0">
+                <a:solidFill>
+                  <a:schemeClr val="tx1">
+                    <a:lumMod val="65000"/>
+                    <a:lumOff val="35000"/>
+                  </a:schemeClr>
+                </a:solidFill>
+              </a:rPr>
+              <a:t>federation</a:t>
             </a:r>
             <a:r>
               <a:rPr lang="en" dirty="0" smtClean="0">
                 <a:solidFill>
-                  <a:srgbClr val="000000"/>
-                </a:solidFill>
-              </a:rPr>
-              <a:t>defined capabilities</a:t>
-            </a:r>
-            <a:r>
-              <a:rPr lang="en-US" dirty="0" smtClean="0">
-                <a:solidFill>
-                  <a:srgbClr val="000000"/>
-                </a:solidFill>
-              </a:rPr>
-              <a:t>?</a:t>
-            </a:r>
+                  <a:schemeClr val="tx1">
+                    <a:lumMod val="65000"/>
+                    <a:lumOff val="35000"/>
+                  </a:schemeClr>
+                </a:solidFill>
+              </a:rPr>
+              <a:t> of resources and services</a:t>
+            </a:r>
+            <a:endParaRPr lang="en-US" dirty="0" smtClean="0">
+              <a:solidFill>
+                <a:schemeClr val="tx1">
+                  <a:lumMod val="65000"/>
+                  <a:lumOff val="35000"/>
+                </a:schemeClr>
+              </a:solidFill>
+            </a:endParaRPr>
           </a:p>
           <a:p>
             <a:pPr>
@@ -5566,18 +5573,9 @@
                 <a:srgbClr val="000000"/>
               </a:buClr>
               <a:buSzPct val="55000"/>
-              <a:buNone/>
-            </a:pPr>
-            <a:r>
-              <a:rPr lang="en-US" dirty="0">
-                <a:solidFill>
-                  <a:srgbClr val="000000"/>
-                </a:solidFill>
-              </a:rPr>
-              <a:t>	</a:t>
-            </a:r>
-            <a:r>
-              <a:rPr lang="en-US" dirty="0">
+            </a:pPr>
+            <a:r>
+              <a:rPr lang="en-US" dirty="0" smtClean="0">
                 <a:solidFill>
                   <a:schemeClr val="tx1">
                     <a:lumMod val="65000"/>
@@ -5585,10 +5583,10 @@
                   </a:schemeClr>
                 </a:solidFill>
               </a:rPr>
-              <a:t>Combination of r</a:t>
-            </a:r>
-            <a:r>
-              <a:rPr lang="en" dirty="0">
+              <a:t>R</a:t>
+            </a:r>
+            <a:r>
+              <a:rPr lang="en" dirty="0" smtClean="0">
                 <a:solidFill>
                   <a:schemeClr val="tx1">
                     <a:lumMod val="65000"/>
@@ -5599,7 +5597,7 @@
               <a:t>eason</a:t>
             </a:r>
             <a:r>
-              <a:rPr lang="en-US" dirty="0" err="1">
+              <a:rPr lang="en-US" dirty="0" err="1" smtClean="0">
                 <a:solidFill>
                   <a:schemeClr val="tx1">
                     <a:lumMod val="65000"/>
@@ -5610,7 +5608,7 @@
               <a:t>ing</a:t>
             </a:r>
             <a:r>
-              <a:rPr lang="en-US" dirty="0">
+              <a:rPr lang="en" dirty="0" smtClean="0">
                 <a:solidFill>
                   <a:schemeClr val="tx1">
                     <a:lumMod val="65000"/>
@@ -5618,10 +5616,10 @@
                   </a:schemeClr>
                 </a:solidFill>
               </a:rPr>
-              <a:t> (</a:t>
-            </a:r>
-            <a:r>
-              <a:rPr lang="en" dirty="0">
+              <a:t> </a:t>
+            </a:r>
+            <a:r>
+              <a:rPr lang="en" dirty="0" smtClean="0">
                 <a:solidFill>
                   <a:schemeClr val="tx1">
                     <a:lumMod val="65000"/>
@@ -5629,205 +5627,7 @@
                   </a:schemeClr>
                 </a:solidFill>
               </a:rPr>
-              <a:t>across possible </a:t>
-            </a:r>
-            <a:r>
-              <a:rPr lang="en-US" dirty="0">
-                <a:solidFill>
-                  <a:schemeClr val="tx1">
-                    <a:lumMod val="65000"/>
-                    <a:lumOff val="35000"/>
-                  </a:schemeClr>
-                </a:solidFill>
-              </a:rPr>
-              <a:t>configurations)</a:t>
-            </a:r>
-            <a:r>
-              <a:rPr lang="en" dirty="0">
-                <a:solidFill>
-                  <a:schemeClr val="tx1">
-                    <a:lumMod val="65000"/>
-                    <a:lumOff val="35000"/>
-                  </a:schemeClr>
-                </a:solidFill>
-              </a:rPr>
-              <a:t> and </a:t>
-            </a:r>
-            <a:r>
-              <a:rPr lang="en-US" dirty="0">
-                <a:solidFill>
-                  <a:schemeClr val="tx1">
-                    <a:lumMod val="65000"/>
-                    <a:lumOff val="35000"/>
-                  </a:schemeClr>
-                </a:solidFill>
-              </a:rPr>
-              <a:t>flexible </a:t>
-            </a:r>
-            <a:r>
-              <a:rPr lang="en" dirty="0">
-                <a:solidFill>
-                  <a:schemeClr val="tx1">
-                    <a:lumMod val="65000"/>
-                    <a:lumOff val="35000"/>
-                  </a:schemeClr>
-                </a:solidFill>
-              </a:rPr>
-              <a:t>federat</a:t>
-            </a:r>
-            <a:r>
-              <a:rPr lang="en-US" dirty="0">
-                <a:solidFill>
-                  <a:schemeClr val="tx1">
-                    <a:lumMod val="65000"/>
-                    <a:lumOff val="35000"/>
-                  </a:schemeClr>
-                </a:solidFill>
-              </a:rPr>
-              <a:t>ion </a:t>
-            </a:r>
-            <a:r>
-              <a:rPr lang="en-US" dirty="0" smtClean="0">
-                <a:solidFill>
-                  <a:schemeClr val="tx1">
-                    <a:lumMod val="65000"/>
-                    <a:lumOff val="35000"/>
-                  </a:schemeClr>
-                </a:solidFill>
-              </a:rPr>
-              <a:t>points</a:t>
-            </a:r>
-            <a:endParaRPr lang="en" dirty="0" smtClean="0">
-              <a:solidFill>
-                <a:srgbClr val="000000"/>
-              </a:solidFill>
-            </a:endParaRPr>
-          </a:p>
-          <a:p>
-            <a:pPr marL="971550" indent="-514350">
-              <a:lnSpc>
-                <a:spcPct val="115000"/>
-              </a:lnSpc>
-              <a:spcBef>
-                <a:spcPts val="400"/>
-              </a:spcBef>
-              <a:buClr>
-                <a:srgbClr val="000000"/>
-              </a:buClr>
-              <a:buSzPct val="100000"/>
-              <a:buFont typeface="+mj-lt"/>
-              <a:buAutoNum type="romanUcPeriod"/>
-            </a:pPr>
-            <a:r>
-              <a:rPr lang="en-US" dirty="0" smtClean="0">
-                <a:solidFill>
-                  <a:schemeClr val="tx1">
-                    <a:lumMod val="65000"/>
-                    <a:lumOff val="35000"/>
-                  </a:schemeClr>
-                </a:solidFill>
-              </a:rPr>
-              <a:t>Well-defined </a:t>
-            </a:r>
-            <a:r>
-              <a:rPr lang="en" dirty="0" smtClean="0">
-                <a:solidFill>
-                  <a:schemeClr val="tx1">
-                    <a:lumMod val="65000"/>
-                    <a:lumOff val="35000"/>
-                  </a:schemeClr>
-                </a:solidFill>
-              </a:rPr>
-              <a:t>capability amidst heterogeneous, dynamic resources requires </a:t>
-            </a:r>
-            <a:r>
-              <a:rPr lang="en" i="1" dirty="0" smtClean="0">
-                <a:solidFill>
-                  <a:schemeClr val="tx1">
-                    <a:lumMod val="65000"/>
-                    <a:lumOff val="35000"/>
-                  </a:schemeClr>
-                </a:solidFill>
-              </a:rPr>
-              <a:t>flexible </a:t>
-            </a:r>
-            <a:r>
-              <a:rPr lang="en-US" i="1" dirty="0" smtClean="0">
-                <a:solidFill>
-                  <a:schemeClr val="tx1">
-                    <a:lumMod val="65000"/>
-                    <a:lumOff val="35000"/>
-                  </a:schemeClr>
-                </a:solidFill>
-              </a:rPr>
-              <a:t>federation</a:t>
-            </a:r>
-            <a:r>
-              <a:rPr lang="en" dirty="0" smtClean="0">
-                <a:solidFill>
-                  <a:schemeClr val="tx1">
-                    <a:lumMod val="65000"/>
-                    <a:lumOff val="35000"/>
-                  </a:schemeClr>
-                </a:solidFill>
-              </a:rPr>
-              <a:t> of resources and services</a:t>
-            </a:r>
-          </a:p>
-          <a:p>
-            <a:pPr marL="971550" indent="-514350">
-              <a:lnSpc>
-                <a:spcPct val="115000"/>
-              </a:lnSpc>
-              <a:spcBef>
-                <a:spcPts val="400"/>
-              </a:spcBef>
-              <a:buFont typeface="+mj-lt"/>
-              <a:buAutoNum type="romanUcPeriod"/>
-            </a:pPr>
-            <a:r>
-              <a:rPr lang="en-US" dirty="0" smtClean="0">
-                <a:solidFill>
-                  <a:schemeClr val="tx1">
-                    <a:lumMod val="65000"/>
-                    <a:lumOff val="35000"/>
-                  </a:schemeClr>
-                </a:solidFill>
-              </a:rPr>
-              <a:t>R</a:t>
-            </a:r>
-            <a:r>
-              <a:rPr lang="en" dirty="0" smtClean="0">
-                <a:solidFill>
-                  <a:schemeClr val="tx1">
-                    <a:lumMod val="65000"/>
-                    <a:lumOff val="35000"/>
-                  </a:schemeClr>
-                </a:solidFill>
-              </a:rPr>
-              <a:t>eason</a:t>
-            </a:r>
-            <a:r>
-              <a:rPr lang="en-US" dirty="0" err="1" smtClean="0">
-                <a:solidFill>
-                  <a:schemeClr val="tx1">
-                    <a:lumMod val="65000"/>
-                    <a:lumOff val="35000"/>
-                  </a:schemeClr>
-                </a:solidFill>
-              </a:rPr>
-              <a:t>ing</a:t>
-            </a:r>
-            <a:r>
-              <a:rPr lang="en" dirty="0" smtClean="0">
-                <a:solidFill>
-                  <a:schemeClr val="tx1">
-                    <a:lumMod val="65000"/>
-                    <a:lumOff val="35000"/>
-                  </a:schemeClr>
-                </a:solidFill>
-              </a:rPr>
-              <a:t> about performance</a:t>
+              <a:t>about performance</a:t>
             </a:r>
             <a:endParaRPr lang="en-US" dirty="0" smtClean="0">
               <a:solidFill>
@@ -5900,126 +5700,6 @@
                 <a:spcPts val="500"/>
               </a:spcBef>
               <a:buNone/>
-            </a:pPr>
-            <a:r>
-              <a:rPr lang="en" dirty="0" smtClean="0">
-                <a:solidFill>
-                  <a:srgbClr val="000000"/>
-                </a:solidFill>
-              </a:rPr>
-              <a:t>• </a:t>
-            </a:r>
-            <a:r>
-              <a:rPr lang="en" dirty="0">
-                <a:solidFill>
-                  <a:srgbClr val="000000"/>
-                </a:solidFill>
-              </a:rPr>
-              <a:t>How will applications utilize </a:t>
-            </a:r>
-            <a:r>
-              <a:rPr lang="en" dirty="0" smtClean="0">
-                <a:solidFill>
-                  <a:srgbClr val="000000"/>
-                </a:solidFill>
-              </a:rPr>
-              <a:t>systems?</a:t>
-            </a:r>
-          </a:p>
-          <a:p>
-            <a:pPr marL="968375" lvl="1" indent="-285750">
-              <a:lnSpc>
-                <a:spcPct val="115000"/>
-              </a:lnSpc>
-              <a:spcBef>
-                <a:spcPts val="500"/>
-              </a:spcBef>
-              <a:buFont typeface="Arial"/>
-              <a:buChar char="•"/>
-            </a:pPr>
-            <a:r>
-              <a:rPr lang="en" sz="2000" dirty="0" smtClean="0">
-                <a:solidFill>
-                  <a:schemeClr val="tx1">
-                    <a:lumMod val="65000"/>
-                    <a:lumOff val="35000"/>
-                  </a:schemeClr>
-                </a:solidFill>
-              </a:rPr>
-              <a:t>For given capability appropriate execution strategy is determined</a:t>
-            </a:r>
-            <a:endParaRPr lang="en-US" sz="2000" dirty="0" smtClean="0">
-              <a:solidFill>
-                <a:schemeClr val="tx1">
-                  <a:lumMod val="65000"/>
-                  <a:lumOff val="35000"/>
-                </a:schemeClr>
-              </a:solidFill>
-            </a:endParaRPr>
-          </a:p>
-          <a:p>
-            <a:pPr marL="968375" lvl="1" indent="-285750">
-              <a:lnSpc>
-                <a:spcPct val="115000"/>
-              </a:lnSpc>
-              <a:spcBef>
-                <a:spcPts val="500"/>
-              </a:spcBef>
-              <a:buFont typeface="Arial"/>
-              <a:buChar char="•"/>
-            </a:pPr>
-            <a:r>
-              <a:rPr lang="en-US" sz="2000" dirty="0" smtClean="0">
-                <a:solidFill>
-                  <a:schemeClr val="tx1">
-                    <a:lumMod val="65000"/>
-                    <a:lumOff val="35000"/>
-                  </a:schemeClr>
-                </a:solidFill>
-              </a:rPr>
-              <a:t>Interoperability: DCI level? DCA</a:t>
-            </a:r>
-            <a:r>
-              <a:rPr lang="en" sz="2000" dirty="0" smtClean="0">
-                <a:solidFill>
-                  <a:schemeClr val="tx1">
-                    <a:lumMod val="65000"/>
-                    <a:lumOff val="35000"/>
-                  </a:schemeClr>
-                </a:solidFill>
-              </a:rPr>
-              <a:t> </a:t>
-            </a:r>
-            <a:r>
-              <a:rPr lang="en" sz="2000" dirty="0">
-                <a:solidFill>
-                  <a:schemeClr val="tx1">
-                    <a:lumMod val="65000"/>
-                    <a:lumOff val="35000"/>
-                  </a:schemeClr>
-                </a:solidFill>
-              </a:rPr>
-              <a:t>level Interoperability?</a:t>
-            </a:r>
-            <a:endParaRPr lang="en-US" sz="2000" dirty="0">
-              <a:solidFill>
-                <a:schemeClr val="tx1">
-                  <a:lumMod val="65000"/>
-                  <a:lumOff val="35000"/>
-                </a:schemeClr>
-              </a:solidFill>
-            </a:endParaRPr>
-          </a:p>
-          <a:p>
-            <a:pPr marL="968375" lvl="1" indent="-285750">
-              <a:lnSpc>
-                <a:spcPct val="115000"/>
-              </a:lnSpc>
-              <a:spcBef>
-                <a:spcPts val="500"/>
-              </a:spcBef>
-              <a:buFont typeface="Arial"/>
-              <a:buChar char="•"/>
             </a:pPr>
             <a:endParaRPr lang="en" sz="2000" dirty="0" smtClean="0">
               <a:solidFill>
@@ -6167,11 +5847,7 @@
           <a:p>
             <a:r>
               <a:rPr lang="en-US" dirty="0" smtClean="0"/>
-              <a:t>A*/</a:t>
-            </a:r>
-            <a:r>
-              <a:rPr lang="en-US" dirty="0" smtClean="0"/>
-              <a:t>W*</a:t>
+              <a:t>A*/W*</a:t>
             </a:r>
             <a:endParaRPr lang="en-US" dirty="0"/>
           </a:p>
@@ -7081,11 +6757,11 @@
   <p:clrMapOvr>
     <a:masterClrMapping/>
   </p:clrMapOvr>
-  <mc:AlternateContent xmlns:mc="http://schemas.openxmlformats.org/markup-compatibility/2006">
-    <mc:Choice xmlns:p14="http://schemas.microsoft.com/office/powerpoint/2010/main" Requires="p14">
+  <mc:AlternateContent xmlns:mc="http://schemas.openxmlformats.org/markup-compatibility/2006" xmlns:p14="http://schemas.microsoft.com/office/powerpoint/2010/main">
+    <mc:Choice Requires="p14">
       <p:transition spd="slow" p14:dur="2000"/>
     </mc:Choice>
-    <mc:Fallback>
+    <mc:Fallback xmlns="">
       <p:transition xmlns:p14="http://schemas.microsoft.com/office/powerpoint/2010/main" spd="slow"/>
     </mc:Fallback>
   </mc:AlternateContent>
@@ -8169,11 +7845,11 @@
   <p:clrMapOvr>
     <a:masterClrMapping/>
   </p:clrMapOvr>
-  <mc:AlternateContent xmlns:mc="http://schemas.openxmlformats.org/markup-compatibility/2006">
-    <mc:Choice xmlns:p14="http://schemas.microsoft.com/office/powerpoint/2010/main" Requires="p14">
+  <mc:AlternateContent xmlns:mc="http://schemas.openxmlformats.org/markup-compatibility/2006" xmlns:p14="http://schemas.microsoft.com/office/powerpoint/2010/main">
+    <mc:Choice Requires="p14">
       <p:transition spd="slow" p14:dur="2000"/>
     </mc:Choice>
-    <mc:Fallback>
+    <mc:Fallback xmlns="">
       <p:transition xmlns:p14="http://schemas.microsoft.com/office/powerpoint/2010/main" spd="slow"/>
     </mc:Fallback>
   </mc:AlternateContent>
@@ -12167,173 +11843,90 @@
                   </a:schemeClr>
                 </a:solidFill>
               </a:rPr>
-              <a:t>Reasoning of how, when to distribute?</a:t>
-            </a:r>
-          </a:p>
-          <a:p>
-            <a:pPr lvl="0">
-              <a:lnSpc>
-                <a:spcPct val="115000"/>
-              </a:lnSpc>
-              <a:spcBef>
-                <a:spcPts val="500"/>
-              </a:spcBef>
-              <a:buClr>
-                <a:srgbClr val="000000"/>
-              </a:buClr>
-              <a:buSzPct val="55000"/>
-              <a:buNone/>
-            </a:pPr>
-            <a:r>
-              <a:rPr lang="en-US" dirty="0"/>
-              <a:t>Separate capability from technology used to provide functionality</a:t>
-            </a:r>
-            <a:endParaRPr lang="en" dirty="0"/>
-          </a:p>
-          <a:p>
-            <a:pPr marL="914400" lvl="1" indent="-381000">
-              <a:buSzPct val="80000"/>
-            </a:pPr>
-            <a:r>
-              <a:rPr lang="en" sz="2000" dirty="0"/>
-              <a:t>Capability</a:t>
-            </a:r>
-            <a:r>
-              <a:rPr lang="en-US" sz="2000" dirty="0"/>
-              <a:t>: Well-defined and aggregated functionality, without regard to how, or the specific technology/approached used</a:t>
-            </a:r>
-          </a:p>
-          <a:p>
-            <a:pPr marL="1322388" lvl="2" indent="-381000">
-              <a:buSzPct val="80000"/>
-            </a:pPr>
-            <a:r>
-              <a:rPr lang="en-US" sz="2000" dirty="0"/>
-              <a:t>e.g., Num. of </a:t>
-            </a:r>
-            <a:r>
-              <a:rPr lang="en" sz="2000" dirty="0"/>
-              <a:t>tasks, throughput, </a:t>
-            </a:r>
-            <a:r>
-              <a:rPr lang="en-US" sz="2000" dirty="0"/>
-              <a:t>probabilistic bounds on time-to-completion, performance </a:t>
-            </a:r>
-            <a:r>
-              <a:rPr lang="en" sz="2000" dirty="0"/>
-              <a:t>of resources, </a:t>
-            </a:r>
-            <a:r>
-              <a:rPr lang="en-US" sz="2000" dirty="0"/>
-              <a:t>d</a:t>
-            </a:r>
-            <a:r>
-              <a:rPr lang="en" sz="2000" dirty="0"/>
-              <a:t>ata</a:t>
-            </a:r>
-            <a:r>
-              <a:rPr lang="en-US" sz="2000" dirty="0"/>
-              <a:t> (v</a:t>
-            </a:r>
-            <a:r>
-              <a:rPr lang="en" sz="2000" dirty="0"/>
-              <a:t>olumes/transfer/storage</a:t>
-            </a:r>
-            <a:r>
-              <a:rPr lang="en-US" sz="2000" dirty="0"/>
-              <a:t> ability)</a:t>
-            </a:r>
-          </a:p>
-          <a:p>
-            <a:pPr marL="912812" lvl="1" indent="-381000">
-              <a:lnSpc>
-                <a:spcPct val="90000"/>
-              </a:lnSpc>
-              <a:spcAft>
-                <a:spcPts val="1000"/>
-              </a:spcAft>
-            </a:pPr>
-            <a:r>
-              <a:rPr lang="en-US" sz="2000" dirty="0"/>
-              <a:t>Providing capabilities</a:t>
-            </a:r>
-          </a:p>
-          <a:p>
-            <a:pPr marL="1320800" lvl="2" indent="-381000">
-              <a:lnSpc>
-                <a:spcPct val="90000"/>
-              </a:lnSpc>
-              <a:spcAft>
-                <a:spcPts val="1000"/>
-              </a:spcAft>
-            </a:pPr>
-            <a:r>
-              <a:rPr lang="en-US" sz="2000" dirty="0"/>
-              <a:t>What functional units, and how to compose f</a:t>
-            </a:r>
-            <a:r>
-              <a:rPr lang="en" sz="2000" dirty="0"/>
-              <a:t>unctionality</a:t>
-            </a:r>
-            <a:r>
-              <a:rPr lang="en-US" sz="2000" dirty="0"/>
+              <a:t>Reasoning of how, when to distribute</a:t>
+            </a:r>
+            <a:r>
+              <a:rPr lang="en-US" sz="2000" dirty="0" smtClean="0">
+                <a:solidFill>
+                  <a:schemeClr val="tx1">
+                    <a:lumMod val="65000"/>
+                    <a:lumOff val="35000"/>
+                  </a:schemeClr>
+                </a:solidFill>
+              </a:rPr>
               <a:t>?</a:t>
             </a:r>
           </a:p>
           <a:p>
-            <a:pPr marL="1320800" lvl="2" indent="-381000">
-              <a:lnSpc>
-                <a:spcPct val="90000"/>
-              </a:lnSpc>
-              <a:spcAft>
-                <a:spcPts val="1000"/>
-              </a:spcAft>
-            </a:pPr>
-            <a:r>
-              <a:rPr lang="en-US" sz="2000" dirty="0"/>
-              <a:t>Designing a federated system that scales </a:t>
-            </a:r>
-            <a:r>
-              <a:rPr lang="en" sz="2000" dirty="0"/>
-              <a:t>along </a:t>
-            </a:r>
-            <a:r>
-              <a:rPr lang="en-US" sz="2000" dirty="0"/>
-              <a:t>1 </a:t>
-            </a:r>
-            <a:r>
-              <a:rPr lang="en" sz="2000" dirty="0"/>
-              <a:t>dimension is relatively easy compared to scaling along </a:t>
-            </a:r>
-            <a:r>
-              <a:rPr lang="en-US" sz="2000" dirty="0"/>
-              <a:t>&gt;1 </a:t>
-            </a:r>
-            <a:r>
-              <a:rPr lang="en" sz="2000" dirty="0"/>
-              <a:t>dimensions</a:t>
-            </a:r>
-            <a:endParaRPr lang="en" sz="2000" dirty="0">
-              <a:solidFill>
-                <a:srgbClr val="000000"/>
-              </a:solidFill>
-            </a:endParaRPr>
-          </a:p>
-          <a:p>
-            <a:pPr lvl="3">
+            <a:pPr>
               <a:buClr>
                 <a:srgbClr val="000000"/>
               </a:buClr>
               <a:buSzPct val="100000"/>
             </a:pPr>
-            <a:endParaRPr lang="en-US" sz="2000" dirty="0" smtClean="0">
-              <a:solidFill>
-                <a:schemeClr val="tx1">
-                  <a:lumMod val="65000"/>
-                  <a:lumOff val="35000"/>
-                </a:schemeClr>
-              </a:solidFill>
-            </a:endParaRPr>
+            <a:r>
+              <a:rPr lang="en-US" dirty="0" smtClean="0"/>
+              <a:t>Separate </a:t>
+            </a:r>
+            <a:r>
+              <a:rPr lang="en-US" dirty="0"/>
+              <a:t>capability from technology used to provide functionality</a:t>
+            </a:r>
+            <a:endParaRPr lang="en" dirty="0"/>
+          </a:p>
+          <a:p>
+            <a:pPr marL="914400" lvl="1" indent="-381000">
+              <a:buSzPct val="80000"/>
+            </a:pPr>
+            <a:r>
+              <a:rPr lang="en" sz="2000" dirty="0"/>
+              <a:t>Capability</a:t>
+            </a:r>
+            <a:r>
+              <a:rPr lang="en-US" sz="2000" dirty="0"/>
+              <a:t>: Well-defined and aggregated functionality, without regard to how, or the specific technology/approached used</a:t>
+            </a:r>
+          </a:p>
+          <a:p>
+            <a:pPr marL="1322388" lvl="2" indent="-381000">
+              <a:buSzPct val="80000"/>
+            </a:pPr>
+            <a:r>
+              <a:rPr lang="en-US" sz="2000" dirty="0"/>
+              <a:t>e.g., Num. of </a:t>
+            </a:r>
+            <a:r>
+              <a:rPr lang="en" sz="2000" dirty="0"/>
+              <a:t>tasks, throughput, </a:t>
+            </a:r>
+            <a:r>
+              <a:rPr lang="en-US" sz="2000" dirty="0"/>
+              <a:t>probabilistic bounds on time-to-completion, performance </a:t>
+            </a:r>
+            <a:r>
+              <a:rPr lang="en" sz="2000" dirty="0"/>
+              <a:t>of resources, </a:t>
+            </a:r>
+            <a:r>
+              <a:rPr lang="en-US" sz="2000" dirty="0"/>
+              <a:t>d</a:t>
+            </a:r>
+            <a:r>
+              <a:rPr lang="en" sz="2000" dirty="0"/>
+              <a:t>ata</a:t>
+            </a:r>
+            <a:r>
+              <a:rPr lang="en-US" sz="2000" dirty="0"/>
+              <a:t> (v</a:t>
+            </a:r>
+            <a:r>
+              <a:rPr lang="en" sz="2000" dirty="0"/>
+              <a:t>olumes/transfer/storage</a:t>
+            </a:r>
+            <a:r>
+              <a:rPr lang="en-US" sz="2000" dirty="0"/>
+              <a:t> ability)</a:t>
+            </a:r>
           </a:p>
           <a:p>
             <a:pPr lvl="3">
@@ -12819,287 +12412,10 @@
               <a:t>unctionality</a:t>
             </a:r>
             <a:r>
-              <a:rPr lang="en-US" sz="1700" dirty="0"/>
+              <a:rPr lang="en-US" sz="1700" dirty="0" smtClean="0"/>
               <a:t>?</a:t>
             </a:r>
-          </a:p>
-          <a:p>
-            <a:pPr>
-              <a:buClr>
-                <a:srgbClr val="000000"/>
-              </a:buClr>
-              <a:buSzPct val="100000"/>
-            </a:pPr>
-            <a:r>
-              <a:rPr lang="en" sz="1900" dirty="0" smtClean="0">
-                <a:solidFill>
-                  <a:schemeClr val="tx1">
-                    <a:lumMod val="65000"/>
-                    <a:lumOff val="35000"/>
-                  </a:schemeClr>
-                </a:solidFill>
-              </a:rPr>
-              <a:t>New </a:t>
-            </a:r>
-            <a:r>
-              <a:rPr lang="en-US" sz="1900" dirty="0">
-                <a:solidFill>
-                  <a:schemeClr val="tx1">
-                    <a:lumMod val="65000"/>
-                    <a:lumOff val="35000"/>
-                  </a:schemeClr>
-                </a:solidFill>
-              </a:rPr>
-              <a:t>complementary and </a:t>
-            </a:r>
-            <a:r>
-              <a:rPr lang="en" sz="1900" dirty="0">
-                <a:solidFill>
-                  <a:schemeClr val="tx1">
-                    <a:lumMod val="65000"/>
-                    <a:lumOff val="35000"/>
-                  </a:schemeClr>
-                </a:solidFill>
-              </a:rPr>
-              <a:t>non-destructive models of </a:t>
-            </a:r>
-            <a:r>
-              <a:rPr lang="en-US" sz="1900" dirty="0">
-                <a:solidFill>
-                  <a:schemeClr val="tx1">
-                    <a:lumMod val="65000"/>
-                    <a:lumOff val="35000"/>
-                  </a:schemeClr>
-                </a:solidFill>
-              </a:rPr>
-              <a:t>f</a:t>
-            </a:r>
-            <a:r>
-              <a:rPr lang="en" sz="1900" dirty="0" smtClean="0">
-                <a:solidFill>
-                  <a:schemeClr val="tx1">
-                    <a:lumMod val="65000"/>
-                    <a:lumOff val="35000"/>
-                  </a:schemeClr>
-                </a:solidFill>
-              </a:rPr>
-              <a:t>ederation</a:t>
-            </a:r>
-            <a:endParaRPr lang="en-US" sz="1900" dirty="0">
-              <a:solidFill>
-                <a:schemeClr val="tx1">
-                  <a:lumMod val="65000"/>
-                  <a:lumOff val="35000"/>
-                </a:schemeClr>
-              </a:solidFill>
-            </a:endParaRPr>
-          </a:p>
-          <a:p>
-            <a:pPr lvl="2">
-              <a:buClr>
-                <a:srgbClr val="000000"/>
-              </a:buClr>
-              <a:buSzPct val="100000"/>
-            </a:pPr>
-            <a:r>
-              <a:rPr lang="en" sz="1700" dirty="0">
-                <a:solidFill>
-                  <a:schemeClr val="tx1">
-                    <a:lumMod val="65000"/>
-                    <a:lumOff val="35000"/>
-                  </a:schemeClr>
-                </a:solidFill>
-              </a:rPr>
-              <a:t>Adaptive execution strategy and flexible federatio</a:t>
-            </a:r>
-            <a:r>
-              <a:rPr lang="en-US" sz="1700" dirty="0">
-                <a:solidFill>
-                  <a:schemeClr val="tx1">
-                    <a:lumMod val="65000"/>
-                    <a:lumOff val="35000"/>
-                  </a:schemeClr>
-                </a:solidFill>
-              </a:rPr>
-              <a:t>n</a:t>
-            </a:r>
-          </a:p>
-          <a:p>
-            <a:pPr lvl="2">
-              <a:buClr>
-                <a:srgbClr val="000000"/>
-              </a:buClr>
-              <a:buSzPct val="100000"/>
-            </a:pPr>
-            <a:r>
-              <a:rPr lang="en-US" sz="1700" dirty="0">
-                <a:solidFill>
-                  <a:schemeClr val="tx1">
-                    <a:lumMod val="65000"/>
-                    <a:lumOff val="35000"/>
-                  </a:schemeClr>
-                </a:solidFill>
-              </a:rPr>
-              <a:t>Can’t remove complexity, can only manage it, belief that it is best done with such middleware that supports </a:t>
-            </a:r>
-            <a:r>
-              <a:rPr lang="en-US" sz="1700" dirty="0" err="1" smtClean="0">
-                <a:solidFill>
-                  <a:schemeClr val="tx1">
-                    <a:lumMod val="65000"/>
-                    <a:lumOff val="35000"/>
-                  </a:schemeClr>
-                </a:solidFill>
-              </a:rPr>
-              <a:t>interoperablity</a:t>
-            </a:r>
-            <a:endParaRPr lang="en-US" sz="1700" dirty="0" smtClean="0">
-              <a:solidFill>
-                <a:schemeClr val="tx1">
-                  <a:lumMod val="65000"/>
-                  <a:lumOff val="35000"/>
-                </a:schemeClr>
-              </a:solidFill>
-            </a:endParaRPr>
-          </a:p>
-          <a:p>
-            <a:pPr lvl="0" rtl="0">
-              <a:lnSpc>
-                <a:spcPct val="115000"/>
-              </a:lnSpc>
-              <a:spcBef>
-                <a:spcPts val="500"/>
-              </a:spcBef>
-              <a:buNone/>
-            </a:pPr>
-            <a:r>
-              <a:rPr lang="en" sz="1700" dirty="0" smtClean="0">
-                <a:solidFill>
-                  <a:srgbClr val="000000"/>
-                </a:solidFill>
-              </a:rPr>
-              <a:t>How </a:t>
-            </a:r>
-            <a:r>
-              <a:rPr lang="en" sz="1700" dirty="0">
-                <a:solidFill>
-                  <a:srgbClr val="000000"/>
-                </a:solidFill>
-              </a:rPr>
-              <a:t>will applications utilize </a:t>
-            </a:r>
-            <a:r>
-              <a:rPr lang="en" sz="1700" dirty="0" smtClean="0">
-                <a:solidFill>
-                  <a:srgbClr val="000000"/>
-                </a:solidFill>
-              </a:rPr>
-              <a:t>systems?</a:t>
-            </a:r>
-          </a:p>
-          <a:p>
-            <a:pPr marL="968375" lvl="1" indent="-285750">
-              <a:lnSpc>
-                <a:spcPct val="115000"/>
-              </a:lnSpc>
-              <a:spcBef>
-                <a:spcPts val="500"/>
-              </a:spcBef>
-              <a:buFont typeface="Arial"/>
-              <a:buChar char="•"/>
-            </a:pPr>
-            <a:r>
-              <a:rPr lang="en" sz="1700" dirty="0" smtClean="0">
-                <a:solidFill>
-                  <a:schemeClr val="tx1">
-                    <a:lumMod val="65000"/>
-                    <a:lumOff val="35000"/>
-                  </a:schemeClr>
-                </a:solidFill>
-              </a:rPr>
-              <a:t>For given capability appropriate execution strategy is determined</a:t>
-            </a:r>
-            <a:endParaRPr lang="en-US" sz="1700" dirty="0" smtClean="0">
-              <a:solidFill>
-                <a:schemeClr val="tx1">
-                  <a:lumMod val="65000"/>
-                  <a:lumOff val="35000"/>
-                </a:schemeClr>
-              </a:solidFill>
-            </a:endParaRPr>
-          </a:p>
-          <a:p>
-            <a:pPr marL="968375" lvl="1" indent="-285750">
-              <a:lnSpc>
-                <a:spcPct val="115000"/>
-              </a:lnSpc>
-              <a:spcBef>
-                <a:spcPts val="500"/>
-              </a:spcBef>
-              <a:buFont typeface="Arial"/>
-              <a:buChar char="•"/>
-            </a:pPr>
-            <a:r>
-              <a:rPr lang="en-US" sz="1700" dirty="0" smtClean="0">
-                <a:solidFill>
-                  <a:schemeClr val="tx1">
-                    <a:lumMod val="65000"/>
-                    <a:lumOff val="35000"/>
-                  </a:schemeClr>
-                </a:solidFill>
-              </a:rPr>
-              <a:t>Interoperability: DCI level? DCA</a:t>
-            </a:r>
-            <a:r>
-              <a:rPr lang="en" sz="1700" dirty="0" smtClean="0">
-                <a:solidFill>
-                  <a:schemeClr val="tx1">
-                    <a:lumMod val="65000"/>
-                    <a:lumOff val="35000"/>
-                  </a:schemeClr>
-                </a:solidFill>
-              </a:rPr>
-              <a:t> </a:t>
-            </a:r>
-            <a:r>
-              <a:rPr lang="en" sz="1700" dirty="0">
-                <a:solidFill>
-                  <a:schemeClr val="tx1">
-                    <a:lumMod val="65000"/>
-                    <a:lumOff val="35000"/>
-                  </a:schemeClr>
-                </a:solidFill>
-              </a:rPr>
-              <a:t>level Interoperability?</a:t>
-            </a:r>
-            <a:endParaRPr lang="en-US" sz="1700" dirty="0">
-              <a:solidFill>
-                <a:schemeClr val="tx1">
-                  <a:lumMod val="65000"/>
-                  <a:lumOff val="35000"/>
-                </a:schemeClr>
-              </a:solidFill>
-            </a:endParaRPr>
-          </a:p>
-          <a:p>
-            <a:pPr marL="968375" lvl="1" indent="-285750">
-              <a:lnSpc>
-                <a:spcPct val="115000"/>
-              </a:lnSpc>
-              <a:spcBef>
-                <a:spcPts val="500"/>
-              </a:spcBef>
-              <a:buFont typeface="Arial"/>
-              <a:buChar char="•"/>
-            </a:pPr>
-            <a:endParaRPr lang="en" sz="1700" dirty="0" smtClean="0">
-              <a:solidFill>
-                <a:schemeClr val="tx1">
-                  <a:lumMod val="65000"/>
-                  <a:lumOff val="35000"/>
-                </a:schemeClr>
-              </a:solidFill>
-            </a:endParaRPr>
+            <a:endParaRPr lang="en-US" sz="1700" dirty="0"/>
           </a:p>
         </p:txBody>
       </p:sp>

--- a/presentations/radical-modsim.pptx
+++ b/presentations/radical-modsim.pptx
@@ -5,7 +5,7 @@
     <p:sldMasterId id="2147483656" r:id="rId1"/>
   </p:sldMasterIdLst>
   <p:notesMasterIdLst>
-    <p:notesMasterId r:id="rId29"/>
+    <p:notesMasterId r:id="rId23"/>
   </p:notesMasterIdLst>
   <p:sldIdLst>
     <p:sldId id="256" r:id="rId2"/>
@@ -17,24 +17,18 @@
     <p:sldId id="330" r:id="rId8"/>
     <p:sldId id="310" r:id="rId9"/>
     <p:sldId id="309" r:id="rId10"/>
-    <p:sldId id="312" r:id="rId11"/>
-    <p:sldId id="316" r:id="rId12"/>
-    <p:sldId id="301" r:id="rId13"/>
-    <p:sldId id="285" r:id="rId14"/>
-    <p:sldId id="298" r:id="rId15"/>
-    <p:sldId id="287" r:id="rId16"/>
-    <p:sldId id="297" r:id="rId17"/>
-    <p:sldId id="289" r:id="rId18"/>
-    <p:sldId id="300" r:id="rId19"/>
-    <p:sldId id="331" r:id="rId20"/>
-    <p:sldId id="327" r:id="rId21"/>
-    <p:sldId id="328" r:id="rId22"/>
-    <p:sldId id="326" r:id="rId23"/>
-    <p:sldId id="295" r:id="rId24"/>
-    <p:sldId id="284" r:id="rId25"/>
-    <p:sldId id="320" r:id="rId26"/>
-    <p:sldId id="321" r:id="rId27"/>
-    <p:sldId id="329" r:id="rId28"/>
+    <p:sldId id="301" r:id="rId11"/>
+    <p:sldId id="285" r:id="rId12"/>
+    <p:sldId id="298" r:id="rId13"/>
+    <p:sldId id="287" r:id="rId14"/>
+    <p:sldId id="297" r:id="rId15"/>
+    <p:sldId id="300" r:id="rId16"/>
+    <p:sldId id="331" r:id="rId17"/>
+    <p:sldId id="328" r:id="rId18"/>
+    <p:sldId id="326" r:id="rId19"/>
+    <p:sldId id="295" r:id="rId20"/>
+    <p:sldId id="284" r:id="rId21"/>
+    <p:sldId id="336" r:id="rId22"/>
   </p:sldIdLst>
   <p:sldSz cx="9144000" cy="6858000" type="screen4x3"/>
   <p:notesSz cx="6858000" cy="9144000"/>
@@ -624,7 +618,7 @@
           <a:bodyPr/>
           <a:lstStyle/>
           <a:p>
-            <a:pPr marL="0" marR="0" lvl="1" indent="0" algn="l" defTabSz="457200" rtl="0" eaLnBrk="1" fontAlgn="auto" latinLnBrk="0" hangingPunct="1">
+            <a:pPr marL="0" marR="0" indent="0" algn="l" defTabSz="457200" rtl="0" eaLnBrk="1" fontAlgn="auto" latinLnBrk="0" hangingPunct="1">
               <a:lnSpc>
                 <a:spcPct val="100000"/>
               </a:lnSpc>
@@ -643,7 +637,7 @@
             </a:pPr>
             <a:r>
               <a:rPr lang="en-US" dirty="0" smtClean="0"/>
-              <a:t>Decomposition of application's problem and data space </a:t>
+              <a:t>We take the schematic of NGMW and show how the different levels at which the Models work, (ii) how different models interact, especially (a) Andre and Christian’s work/interface, (ii) I* and F*.</a:t>
             </a:r>
           </a:p>
           <a:p>
@@ -654,7 +648,7 @@
     </p:spTree>
     <p:extLst>
       <p:ext uri="{BB962C8B-B14F-4D97-AF65-F5344CB8AC3E}">
-        <p14:creationId xmlns:p14="http://schemas.microsoft.com/office/powerpoint/2010/main" val="536234631"/>
+        <p14:creationId xmlns:p14="http://schemas.microsoft.com/office/powerpoint/2010/main" val="1073575463"/>
       </p:ext>
     </p:extLst>
   </p:cSld>
@@ -665,67 +659,6 @@
 </file>
 
 <file path=ppt/notesSlides/notesSlide11.xml><?xml version="1.0" encoding="utf-8"?>
-<p:notes xmlns:a="http://schemas.openxmlformats.org/drawingml/2006/main" xmlns:r="http://schemas.openxmlformats.org/officeDocument/2006/relationships" xmlns:p="http://schemas.openxmlformats.org/presentationml/2006/main">
-  <p:cSld>
-    <p:spTree>
-      <p:nvGrpSpPr>
-        <p:cNvPr id="1" name=""/>
-        <p:cNvGrpSpPr/>
-        <p:nvPr/>
-      </p:nvGrpSpPr>
-      <p:grpSpPr>
-        <a:xfrm>
-          <a:off x="0" y="0"/>
-          <a:ext cx="0" cy="0"/>
-          <a:chOff x="0" y="0"/>
-          <a:chExt cx="0" cy="0"/>
-        </a:xfrm>
-      </p:grpSpPr>
-      <p:sp>
-        <p:nvSpPr>
-          <p:cNvPr id="2" name="Slide Image Placeholder 1"/>
-          <p:cNvSpPr>
-            <a:spLocks noGrp="1" noRot="1" noChangeAspect="1"/>
-          </p:cNvSpPr>
-          <p:nvPr>
-            <p:ph type="sldImg"/>
-          </p:nvPr>
-        </p:nvSpPr>
-        <p:spPr/>
-      </p:sp>
-      <p:sp>
-        <p:nvSpPr>
-          <p:cNvPr id="3" name="Notes Placeholder 2"/>
-          <p:cNvSpPr>
-            <a:spLocks noGrp="1"/>
-          </p:cNvSpPr>
-          <p:nvPr>
-            <p:ph type="body" idx="1"/>
-          </p:nvPr>
-        </p:nvSpPr>
-        <p:spPr/>
-        <p:txBody>
-          <a:bodyPr/>
-          <a:lstStyle/>
-          <a:p>
-            <a:endParaRPr lang="en-US" dirty="0"/>
-          </a:p>
-        </p:txBody>
-      </p:sp>
-    </p:spTree>
-    <p:extLst>
-      <p:ext uri="{BB962C8B-B14F-4D97-AF65-F5344CB8AC3E}">
-        <p14:creationId xmlns:p14="http://schemas.microsoft.com/office/powerpoint/2010/main" val="3821591872"/>
-      </p:ext>
-    </p:extLst>
-  </p:cSld>
-  <p:clrMapOvr>
-    <a:masterClrMapping/>
-  </p:clrMapOvr>
-</p:notes>
-</file>
-
-<file path=ppt/notesSlides/notesSlide12.xml><?xml version="1.0" encoding="utf-8"?>
 <p:notes xmlns:a="http://schemas.openxmlformats.org/drawingml/2006/main" xmlns:r="http://schemas.openxmlformats.org/officeDocument/2006/relationships" xmlns:p="http://schemas.openxmlformats.org/presentationml/2006/main">
   <p:cSld>
     <p:spTree>
@@ -814,604 +747,7 @@
 </p:notes>
 </file>
 
-<file path=ppt/notesSlides/notesSlide13.xml><?xml version="1.0" encoding="utf-8"?>
-<p:notes xmlns:a="http://schemas.openxmlformats.org/drawingml/2006/main" xmlns:r="http://schemas.openxmlformats.org/officeDocument/2006/relationships" xmlns:p="http://schemas.openxmlformats.org/presentationml/2006/main">
-  <p:cSld>
-    <p:spTree>
-      <p:nvGrpSpPr>
-        <p:cNvPr id="1" name=""/>
-        <p:cNvGrpSpPr/>
-        <p:nvPr/>
-      </p:nvGrpSpPr>
-      <p:grpSpPr>
-        <a:xfrm>
-          <a:off x="0" y="0"/>
-          <a:ext cx="0" cy="0"/>
-          <a:chOff x="0" y="0"/>
-          <a:chExt cx="0" cy="0"/>
-        </a:xfrm>
-      </p:grpSpPr>
-      <p:sp>
-        <p:nvSpPr>
-          <p:cNvPr id="2" name="Slide Image Placeholder 1"/>
-          <p:cNvSpPr>
-            <a:spLocks noGrp="1" noRot="1" noChangeAspect="1"/>
-          </p:cNvSpPr>
-          <p:nvPr>
-            <p:ph type="sldImg"/>
-          </p:nvPr>
-        </p:nvSpPr>
-        <p:spPr>
-          <a:xfrm>
-            <a:off x="1143000" y="685800"/>
-            <a:ext cx="4572000" cy="3429000"/>
-          </a:xfrm>
-        </p:spPr>
-      </p:sp>
-      <p:sp>
-        <p:nvSpPr>
-          <p:cNvPr id="3" name="Notes Placeholder 2"/>
-          <p:cNvSpPr>
-            <a:spLocks noGrp="1"/>
-          </p:cNvSpPr>
-          <p:nvPr>
-            <p:ph type="body" idx="1"/>
-          </p:nvPr>
-        </p:nvSpPr>
-        <p:spPr/>
-        <p:txBody>
-          <a:bodyPr/>
-          <a:lstStyle/>
-          <a:p>
-            <a:pPr marL="0" marR="0" indent="0" algn="l" defTabSz="457200" rtl="0" eaLnBrk="1" fontAlgn="auto" latinLnBrk="0" hangingPunct="1">
-              <a:lnSpc>
-                <a:spcPct val="100000"/>
-              </a:lnSpc>
-              <a:spcBef>
-                <a:spcPts val="0"/>
-              </a:spcBef>
-              <a:spcAft>
-                <a:spcPts val="0"/>
-              </a:spcAft>
-              <a:buClrTx/>
-              <a:buSzTx/>
-              <a:buFontTx/>
-              <a:buNone/>
-              <a:tabLst/>
-              <a:defRPr/>
-            </a:pPr>
-            <a:r>
-              <a:rPr lang="en-US" dirty="0" smtClean="0"/>
-              <a:t>We take the schematic of NGMW and show how the different levels at which the Models work, (ii) how different models interact, especially (a) Andre and Christian’s work/interface, (ii) I* and F*.</a:t>
-            </a:r>
-          </a:p>
-          <a:p>
-            <a:endParaRPr lang="en-US" dirty="0"/>
-          </a:p>
-        </p:txBody>
-      </p:sp>
-    </p:spTree>
-    <p:extLst>
-      <p:ext uri="{BB962C8B-B14F-4D97-AF65-F5344CB8AC3E}">
-        <p14:creationId xmlns:p14="http://schemas.microsoft.com/office/powerpoint/2010/main" val="1073575463"/>
-      </p:ext>
-    </p:extLst>
-  </p:cSld>
-  <p:clrMapOvr>
-    <a:masterClrMapping/>
-  </p:clrMapOvr>
-</p:notes>
-</file>
-
-<file path=ppt/notesSlides/notesSlide14.xml><?xml version="1.0" encoding="utf-8"?>
-<p:notes xmlns:a="http://schemas.openxmlformats.org/drawingml/2006/main" xmlns:r="http://schemas.openxmlformats.org/officeDocument/2006/relationships" xmlns:p="http://schemas.openxmlformats.org/presentationml/2006/main">
-  <p:cSld>
-    <p:spTree>
-      <p:nvGrpSpPr>
-        <p:cNvPr id="1" name=""/>
-        <p:cNvGrpSpPr/>
-        <p:nvPr/>
-      </p:nvGrpSpPr>
-      <p:grpSpPr>
-        <a:xfrm>
-          <a:off x="0" y="0"/>
-          <a:ext cx="0" cy="0"/>
-          <a:chOff x="0" y="0"/>
-          <a:chExt cx="0" cy="0"/>
-        </a:xfrm>
-      </p:grpSpPr>
-      <p:sp>
-        <p:nvSpPr>
-          <p:cNvPr id="2" name="Slide Image Placeholder 1"/>
-          <p:cNvSpPr>
-            <a:spLocks noGrp="1" noRot="1" noChangeAspect="1"/>
-          </p:cNvSpPr>
-          <p:nvPr>
-            <p:ph type="sldImg"/>
-          </p:nvPr>
-        </p:nvSpPr>
-        <p:spPr>
-          <a:xfrm>
-            <a:off x="1143000" y="685800"/>
-            <a:ext cx="4572000" cy="3429000"/>
-          </a:xfrm>
-        </p:spPr>
-      </p:sp>
-      <p:sp>
-        <p:nvSpPr>
-          <p:cNvPr id="3" name="Notes Placeholder 2"/>
-          <p:cNvSpPr>
-            <a:spLocks noGrp="1"/>
-          </p:cNvSpPr>
-          <p:nvPr>
-            <p:ph type="body" idx="1"/>
-          </p:nvPr>
-        </p:nvSpPr>
-        <p:spPr/>
-        <p:txBody>
-          <a:bodyPr/>
-          <a:lstStyle/>
-          <a:p>
-            <a:pPr marL="0" marR="0" indent="0" algn="l" defTabSz="457200" rtl="0" eaLnBrk="1" fontAlgn="auto" latinLnBrk="0" hangingPunct="1">
-              <a:lnSpc>
-                <a:spcPct val="100000"/>
-              </a:lnSpc>
-              <a:spcBef>
-                <a:spcPts val="0"/>
-              </a:spcBef>
-              <a:spcAft>
-                <a:spcPts val="0"/>
-              </a:spcAft>
-              <a:buClrTx/>
-              <a:buSzTx/>
-              <a:buFontTx/>
-              <a:buNone/>
-              <a:tabLst/>
-              <a:defRPr/>
-            </a:pPr>
-            <a:r>
-              <a:rPr lang="en-US" dirty="0" smtClean="0"/>
-              <a:t>We take the schematic of NGMW and show how the different levels at which the Models work, (ii) how different models interact, especially (a) Andre and Christian’s work/interface, (ii) I* and F*.</a:t>
-            </a:r>
-          </a:p>
-          <a:p>
-            <a:endParaRPr lang="en-US" dirty="0"/>
-          </a:p>
-        </p:txBody>
-      </p:sp>
-    </p:spTree>
-    <p:extLst>
-      <p:ext uri="{BB962C8B-B14F-4D97-AF65-F5344CB8AC3E}">
-        <p14:creationId xmlns:p14="http://schemas.microsoft.com/office/powerpoint/2010/main" val="1073575463"/>
-      </p:ext>
-    </p:extLst>
-  </p:cSld>
-  <p:clrMapOvr>
-    <a:masterClrMapping/>
-  </p:clrMapOvr>
-</p:notes>
-</file>
-
-<file path=ppt/notesSlides/notesSlide15.xml><?xml version="1.0" encoding="utf-8"?>
-<p:notes xmlns:a="http://schemas.openxmlformats.org/drawingml/2006/main" xmlns:r="http://schemas.openxmlformats.org/officeDocument/2006/relationships" xmlns:p="http://schemas.openxmlformats.org/presentationml/2006/main">
-  <p:cSld>
-    <p:spTree>
-      <p:nvGrpSpPr>
-        <p:cNvPr id="1" name=""/>
-        <p:cNvGrpSpPr/>
-        <p:nvPr/>
-      </p:nvGrpSpPr>
-      <p:grpSpPr>
-        <a:xfrm>
-          <a:off x="0" y="0"/>
-          <a:ext cx="0" cy="0"/>
-          <a:chOff x="0" y="0"/>
-          <a:chExt cx="0" cy="0"/>
-        </a:xfrm>
-      </p:grpSpPr>
-      <p:sp>
-        <p:nvSpPr>
-          <p:cNvPr id="2" name="Slide Image Placeholder 1"/>
-          <p:cNvSpPr>
-            <a:spLocks noGrp="1" noRot="1" noChangeAspect="1"/>
-          </p:cNvSpPr>
-          <p:nvPr>
-            <p:ph type="sldImg"/>
-          </p:nvPr>
-        </p:nvSpPr>
-        <p:spPr>
-          <a:xfrm>
-            <a:off x="1143000" y="685800"/>
-            <a:ext cx="4572000" cy="3429000"/>
-          </a:xfrm>
-        </p:spPr>
-      </p:sp>
-      <p:sp>
-        <p:nvSpPr>
-          <p:cNvPr id="3" name="Notes Placeholder 2"/>
-          <p:cNvSpPr>
-            <a:spLocks noGrp="1"/>
-          </p:cNvSpPr>
-          <p:nvPr>
-            <p:ph type="body" idx="1"/>
-          </p:nvPr>
-        </p:nvSpPr>
-        <p:spPr/>
-        <p:txBody>
-          <a:bodyPr/>
-          <a:lstStyle/>
-          <a:p>
-            <a:r>
-              <a:rPr lang="en-US" dirty="0" smtClean="0"/>
-              <a:t>A* and W* need fixing</a:t>
-            </a:r>
-            <a:endParaRPr lang="en-US" dirty="0"/>
-          </a:p>
-        </p:txBody>
-      </p:sp>
-    </p:spTree>
-    <p:extLst>
-      <p:ext uri="{BB962C8B-B14F-4D97-AF65-F5344CB8AC3E}">
-        <p14:creationId xmlns:p14="http://schemas.microsoft.com/office/powerpoint/2010/main" val="596230984"/>
-      </p:ext>
-    </p:extLst>
-  </p:cSld>
-  <p:clrMapOvr>
-    <a:masterClrMapping/>
-  </p:clrMapOvr>
-</p:notes>
-</file>
-
-<file path=ppt/notesSlides/notesSlide16.xml><?xml version="1.0" encoding="utf-8"?>
-<p:notes xmlns:a="http://schemas.openxmlformats.org/drawingml/2006/main" xmlns:r="http://schemas.openxmlformats.org/officeDocument/2006/relationships" xmlns:p="http://schemas.openxmlformats.org/presentationml/2006/main" showMasterSp="0" showMasterPhAnim="0">
-  <p:cSld>
-    <p:spTree>
-      <p:nvGrpSpPr>
-        <p:cNvPr id="1" name="Shape 49"/>
-        <p:cNvGrpSpPr/>
-        <p:nvPr/>
-      </p:nvGrpSpPr>
-      <p:grpSpPr>
-        <a:xfrm>
-          <a:off x="0" y="0"/>
-          <a:ext cx="0" cy="0"/>
-          <a:chOff x="0" y="0"/>
-          <a:chExt cx="0" cy="0"/>
-        </a:xfrm>
-      </p:grpSpPr>
-      <p:sp>
-        <p:nvSpPr>
-          <p:cNvPr id="50" name="Shape 50"/>
-          <p:cNvSpPr>
-            <a:spLocks noGrp="1" noRot="1" noChangeAspect="1"/>
-          </p:cNvSpPr>
-          <p:nvPr>
-            <p:ph type="sldImg" idx="2"/>
-          </p:nvPr>
-        </p:nvSpPr>
-        <p:spPr>
-          <a:xfrm>
-            <a:off x="1143000" y="685800"/>
-            <a:ext cx="4572000" cy="3429000"/>
-          </a:xfrm>
-          <a:custGeom>
-            <a:avLst/>
-            <a:gdLst/>
-            <a:ahLst/>
-            <a:cxnLst/>
-            <a:rect l="0" t="0" r="0" b="0"/>
-            <a:pathLst>
-              <a:path w="120000" h="120000" extrusionOk="0">
-                <a:moveTo>
-                  <a:pt x="0" y="0"/>
-                </a:moveTo>
-                <a:lnTo>
-                  <a:pt x="120000" y="0"/>
-                </a:lnTo>
-                <a:lnTo>
-                  <a:pt x="120000" y="120000"/>
-                </a:lnTo>
-                <a:lnTo>
-                  <a:pt x="0" y="120000"/>
-                </a:lnTo>
-                <a:close/>
-              </a:path>
-            </a:pathLst>
-          </a:custGeom>
-        </p:spPr>
-      </p:sp>
-      <p:sp>
-        <p:nvSpPr>
-          <p:cNvPr id="51" name="Shape 51"/>
-          <p:cNvSpPr txBox="1">
-            <a:spLocks noGrp="1"/>
-          </p:cNvSpPr>
-          <p:nvPr>
-            <p:ph type="body" idx="1"/>
-          </p:nvPr>
-        </p:nvSpPr>
-        <p:spPr>
-          <a:xfrm>
-            <a:off x="685800" y="4343400"/>
-            <a:ext cx="5486399" cy="4114800"/>
-          </a:xfrm>
-          <a:prstGeom prst="rect">
-            <a:avLst/>
-          </a:prstGeom>
-        </p:spPr>
-        <p:txBody>
-          <a:bodyPr lIns="91425" tIns="91425" rIns="91425" bIns="91425" anchor="t" anchorCtr="0">
-            <a:noAutofit/>
-          </a:bodyPr>
-          <a:lstStyle/>
-          <a:p>
-            <a:r>
-              <a:rPr lang="en-US" dirty="0" smtClean="0">
-                <a:solidFill>
-                  <a:srgbClr val="606060"/>
-                </a:solidFill>
-              </a:rPr>
-              <a:t>D</a:t>
-            </a:r>
-            <a:r>
-              <a:rPr lang="en" dirty="0" smtClean="0">
-                <a:solidFill>
-                  <a:srgbClr val="606060"/>
-                </a:solidFill>
-              </a:rPr>
-              <a:t>ata generation </a:t>
-            </a:r>
-            <a:r>
-              <a:rPr lang="en-US" dirty="0" smtClean="0">
-                <a:solidFill>
-                  <a:srgbClr val="606060"/>
-                </a:solidFill>
-              </a:rPr>
-              <a:t>doubles every </a:t>
-            </a:r>
-            <a:r>
-              <a:rPr lang="en" dirty="0" smtClean="0">
-                <a:solidFill>
-                  <a:srgbClr val="606060"/>
-                </a:solidFill>
-              </a:rPr>
-              <a:t>&lt;&lt; 12 months</a:t>
-            </a:r>
-            <a:r>
-              <a:rPr lang="en-US" dirty="0" smtClean="0">
-                <a:solidFill>
-                  <a:srgbClr val="606060"/>
-                </a:solidFill>
-              </a:rPr>
-              <a:t>, i.e. faster than the doubling  rate of data storage (roughly 18 months)</a:t>
-            </a:r>
-            <a:endParaRPr dirty="0"/>
-          </a:p>
-        </p:txBody>
-      </p:sp>
-    </p:spTree>
-  </p:cSld>
-  <p:clrMapOvr>
-    <a:masterClrMapping/>
-  </p:clrMapOvr>
-</p:notes>
-</file>
-
-<file path=ppt/notesSlides/notesSlide17.xml><?xml version="1.0" encoding="utf-8"?>
-<p:notes xmlns:a="http://schemas.openxmlformats.org/drawingml/2006/main" xmlns:r="http://schemas.openxmlformats.org/officeDocument/2006/relationships" xmlns:p="http://schemas.openxmlformats.org/presentationml/2006/main" showMasterSp="0" showMasterPhAnim="0">
-  <p:cSld>
-    <p:spTree>
-      <p:nvGrpSpPr>
-        <p:cNvPr id="1" name="Shape 31"/>
-        <p:cNvGrpSpPr/>
-        <p:nvPr/>
-      </p:nvGrpSpPr>
-      <p:grpSpPr>
-        <a:xfrm>
-          <a:off x="0" y="0"/>
-          <a:ext cx="0" cy="0"/>
-          <a:chOff x="0" y="0"/>
-          <a:chExt cx="0" cy="0"/>
-        </a:xfrm>
-      </p:grpSpPr>
-      <p:sp>
-        <p:nvSpPr>
-          <p:cNvPr id="32" name="Shape 32"/>
-          <p:cNvSpPr>
-            <a:spLocks noGrp="1" noRot="1" noChangeAspect="1"/>
-          </p:cNvSpPr>
-          <p:nvPr>
-            <p:ph type="sldImg" idx="2"/>
-          </p:nvPr>
-        </p:nvSpPr>
-        <p:spPr>
-          <a:xfrm>
-            <a:off x="1143000" y="685800"/>
-            <a:ext cx="4572000" cy="3429000"/>
-          </a:xfrm>
-          <a:custGeom>
-            <a:avLst/>
-            <a:gdLst/>
-            <a:ahLst/>
-            <a:cxnLst/>
-            <a:rect l="0" t="0" r="0" b="0"/>
-            <a:pathLst>
-              <a:path w="120000" h="120000" extrusionOk="0">
-                <a:moveTo>
-                  <a:pt x="0" y="0"/>
-                </a:moveTo>
-                <a:lnTo>
-                  <a:pt x="120000" y="0"/>
-                </a:lnTo>
-                <a:lnTo>
-                  <a:pt x="120000" y="120000"/>
-                </a:lnTo>
-                <a:lnTo>
-                  <a:pt x="0" y="120000"/>
-                </a:lnTo>
-                <a:close/>
-              </a:path>
-            </a:pathLst>
-          </a:custGeom>
-        </p:spPr>
-      </p:sp>
-      <p:sp>
-        <p:nvSpPr>
-          <p:cNvPr id="33" name="Shape 33"/>
-          <p:cNvSpPr txBox="1">
-            <a:spLocks noGrp="1"/>
-          </p:cNvSpPr>
-          <p:nvPr>
-            <p:ph type="body" idx="1"/>
-          </p:nvPr>
-        </p:nvSpPr>
-        <p:spPr>
-          <a:xfrm>
-            <a:off x="685800" y="4343400"/>
-            <a:ext cx="5486399" cy="4114800"/>
-          </a:xfrm>
-          <a:prstGeom prst="rect">
-            <a:avLst/>
-          </a:prstGeom>
-        </p:spPr>
-        <p:txBody>
-          <a:bodyPr lIns="91425" tIns="91425" rIns="91425" bIns="91425" anchor="t" anchorCtr="0">
-            <a:noAutofit/>
-          </a:bodyPr>
-          <a:lstStyle/>
-          <a:p>
-            <a:r>
-              <a:rPr lang="en-US" dirty="0" smtClean="0"/>
-              <a:t>Effective engineering is coda for managing complexity – intrinsic and extrinsic</a:t>
-            </a:r>
-            <a:r>
-              <a:rPr lang="en-US" baseline="0" dirty="0" smtClean="0"/>
-              <a:t> of DCI and DCA</a:t>
-            </a:r>
-            <a:endParaRPr lang="en-US" dirty="0" smtClean="0"/>
-          </a:p>
-          <a:p>
-            <a:endParaRPr lang="en-US" dirty="0" smtClean="0"/>
-          </a:p>
-          <a:p>
-            <a:r>
-              <a:rPr lang="en-US" dirty="0" smtClean="0"/>
-              <a:t>Something about the current</a:t>
-            </a:r>
-            <a:r>
-              <a:rPr lang="en-US" baseline="0" dirty="0" smtClean="0"/>
-              <a:t> status of DC-2013</a:t>
-            </a:r>
-          </a:p>
-          <a:p>
-            <a:endParaRPr dirty="0"/>
-          </a:p>
-        </p:txBody>
-      </p:sp>
-    </p:spTree>
-  </p:cSld>
-  <p:clrMapOvr>
-    <a:masterClrMapping/>
-  </p:clrMapOvr>
-</p:notes>
-</file>
-
-<file path=ppt/notesSlides/notesSlide18.xml><?xml version="1.0" encoding="utf-8"?>
-<p:notes xmlns:a="http://schemas.openxmlformats.org/drawingml/2006/main" xmlns:r="http://schemas.openxmlformats.org/officeDocument/2006/relationships" xmlns:p="http://schemas.openxmlformats.org/presentationml/2006/main" showMasterSp="0" showMasterPhAnim="0">
-  <p:cSld>
-    <p:spTree>
-      <p:nvGrpSpPr>
-        <p:cNvPr id="1" name="Shape 73"/>
-        <p:cNvGrpSpPr/>
-        <p:nvPr/>
-      </p:nvGrpSpPr>
-      <p:grpSpPr>
-        <a:xfrm>
-          <a:off x="0" y="0"/>
-          <a:ext cx="0" cy="0"/>
-          <a:chOff x="0" y="0"/>
-          <a:chExt cx="0" cy="0"/>
-        </a:xfrm>
-      </p:grpSpPr>
-      <p:sp>
-        <p:nvSpPr>
-          <p:cNvPr id="74" name="Shape 74"/>
-          <p:cNvSpPr>
-            <a:spLocks noGrp="1" noRot="1" noChangeAspect="1"/>
-          </p:cNvSpPr>
-          <p:nvPr>
-            <p:ph type="sldImg" idx="2"/>
-          </p:nvPr>
-        </p:nvSpPr>
-        <p:spPr>
-          <a:xfrm>
-            <a:off x="1143000" y="685800"/>
-            <a:ext cx="4572000" cy="3429000"/>
-          </a:xfrm>
-          <a:custGeom>
-            <a:avLst/>
-            <a:gdLst/>
-            <a:ahLst/>
-            <a:cxnLst/>
-            <a:rect l="0" t="0" r="0" b="0"/>
-            <a:pathLst>
-              <a:path w="120000" h="120000" extrusionOk="0">
-                <a:moveTo>
-                  <a:pt x="0" y="0"/>
-                </a:moveTo>
-                <a:lnTo>
-                  <a:pt x="120000" y="0"/>
-                </a:lnTo>
-                <a:lnTo>
-                  <a:pt x="120000" y="120000"/>
-                </a:lnTo>
-                <a:lnTo>
-                  <a:pt x="0" y="120000"/>
-                </a:lnTo>
-                <a:close/>
-              </a:path>
-            </a:pathLst>
-          </a:custGeom>
-        </p:spPr>
-      </p:sp>
-      <p:sp>
-        <p:nvSpPr>
-          <p:cNvPr id="75" name="Shape 75"/>
-          <p:cNvSpPr txBox="1">
-            <a:spLocks noGrp="1"/>
-          </p:cNvSpPr>
-          <p:nvPr>
-            <p:ph type="body" idx="1"/>
-          </p:nvPr>
-        </p:nvSpPr>
-        <p:spPr>
-          <a:xfrm>
-            <a:off x="685800" y="4343400"/>
-            <a:ext cx="5486399" cy="4114800"/>
-          </a:xfrm>
-          <a:prstGeom prst="rect">
-            <a:avLst/>
-          </a:prstGeom>
-        </p:spPr>
-        <p:txBody>
-          <a:bodyPr lIns="91425" tIns="91425" rIns="91425" bIns="91425" anchor="t" anchorCtr="0">
-            <a:noAutofit/>
-          </a:bodyPr>
-          <a:lstStyle/>
-          <a:p>
-            <a:endParaRPr/>
-          </a:p>
-        </p:txBody>
-      </p:sp>
-    </p:spTree>
-  </p:cSld>
-  <p:clrMapOvr>
-    <a:masterClrMapping/>
-  </p:clrMapOvr>
-</p:notes>
-</file>
-
-<file path=ppt/notesSlides/notesSlide19.xml><?xml version="1.0" encoding="utf-8"?>
+<file path=ppt/notesSlides/notesSlide12.xml><?xml version="1.0" encoding="utf-8"?>
 <p:notes xmlns:a="http://schemas.openxmlformats.org/drawingml/2006/main" xmlns:r="http://schemas.openxmlformats.org/officeDocument/2006/relationships" xmlns:p="http://schemas.openxmlformats.org/presentationml/2006/main" showMasterSp="0" showMasterPhAnim="0">
   <p:cSld>
     <p:spTree>
@@ -1914,7 +1250,60 @@
           </a:bodyPr>
           <a:lstStyle/>
           <a:p>
-            <a:endParaRPr/>
+            <a:pPr marL="0" marR="0" lvl="3" indent="0" algn="l" defTabSz="457200" rtl="0" eaLnBrk="1" fontAlgn="auto" latinLnBrk="0" hangingPunct="1">
+              <a:lnSpc>
+                <a:spcPct val="100000"/>
+              </a:lnSpc>
+              <a:spcBef>
+                <a:spcPts val="0"/>
+              </a:spcBef>
+              <a:spcAft>
+                <a:spcPts val="0"/>
+              </a:spcAft>
+              <a:buClrTx/>
+              <a:buSzTx/>
+              <a:buFontTx/>
+              <a:buNone/>
+              <a:tabLst/>
+              <a:defRPr/>
+            </a:pPr>
+            <a:r>
+              <a:rPr lang="en" dirty="0" smtClean="0">
+                <a:solidFill>
+                  <a:schemeClr val="tx1">
+                    <a:lumMod val="65000"/>
+                    <a:lumOff val="35000"/>
+                  </a:schemeClr>
+                </a:solidFill>
+              </a:rPr>
+              <a:t>Can </a:t>
+            </a:r>
+            <a:r>
+              <a:rPr lang="en-US" dirty="0" smtClean="0">
+                <a:solidFill>
+                  <a:schemeClr val="tx1">
+                    <a:lumMod val="65000"/>
+                    <a:lumOff val="35000"/>
+                  </a:schemeClr>
+                </a:solidFill>
+              </a:rPr>
+              <a:t>d</a:t>
+            </a:r>
+            <a:r>
+              <a:rPr lang="en" dirty="0" smtClean="0">
+                <a:solidFill>
+                  <a:schemeClr val="tx1">
+                    <a:lumMod val="65000"/>
+                    <a:lumOff val="35000"/>
+                  </a:schemeClr>
+                </a:solidFill>
+              </a:rPr>
+              <a:t>esign for randomness but not for unpredictable behaviour</a:t>
+            </a:r>
+            <a:endParaRPr lang="en-US" dirty="0" smtClean="0"/>
+          </a:p>
+          <a:p>
+            <a:endParaRPr dirty="0"/>
           </a:p>
         </p:txBody>
       </p:sp>
@@ -2028,311 +1417,6 @@
 </file>
 
 <file path=ppt/notesSlides/notesSlide7.xml><?xml version="1.0" encoding="utf-8"?>
-<p:notes xmlns:a="http://schemas.openxmlformats.org/drawingml/2006/main" xmlns:r="http://schemas.openxmlformats.org/officeDocument/2006/relationships" xmlns:p="http://schemas.openxmlformats.org/presentationml/2006/main" showMasterSp="0" showMasterPhAnim="0">
-  <p:cSld>
-    <p:spTree>
-      <p:nvGrpSpPr>
-        <p:cNvPr id="1" name="Shape 31"/>
-        <p:cNvGrpSpPr/>
-        <p:nvPr/>
-      </p:nvGrpSpPr>
-      <p:grpSpPr>
-        <a:xfrm>
-          <a:off x="0" y="0"/>
-          <a:ext cx="0" cy="0"/>
-          <a:chOff x="0" y="0"/>
-          <a:chExt cx="0" cy="0"/>
-        </a:xfrm>
-      </p:grpSpPr>
-      <p:sp>
-        <p:nvSpPr>
-          <p:cNvPr id="32" name="Shape 32"/>
-          <p:cNvSpPr>
-            <a:spLocks noGrp="1" noRot="1" noChangeAspect="1"/>
-          </p:cNvSpPr>
-          <p:nvPr>
-            <p:ph type="sldImg" idx="2"/>
-          </p:nvPr>
-        </p:nvSpPr>
-        <p:spPr>
-          <a:xfrm>
-            <a:off x="1143000" y="685800"/>
-            <a:ext cx="4572000" cy="3429000"/>
-          </a:xfrm>
-          <a:custGeom>
-            <a:avLst/>
-            <a:gdLst/>
-            <a:ahLst/>
-            <a:cxnLst/>
-            <a:rect l="0" t="0" r="0" b="0"/>
-            <a:pathLst>
-              <a:path w="120000" h="120000" extrusionOk="0">
-                <a:moveTo>
-                  <a:pt x="0" y="0"/>
-                </a:moveTo>
-                <a:lnTo>
-                  <a:pt x="120000" y="0"/>
-                </a:lnTo>
-                <a:lnTo>
-                  <a:pt x="120000" y="120000"/>
-                </a:lnTo>
-                <a:lnTo>
-                  <a:pt x="0" y="120000"/>
-                </a:lnTo>
-                <a:close/>
-              </a:path>
-            </a:pathLst>
-          </a:custGeom>
-        </p:spPr>
-      </p:sp>
-      <p:sp>
-        <p:nvSpPr>
-          <p:cNvPr id="33" name="Shape 33"/>
-          <p:cNvSpPr txBox="1">
-            <a:spLocks noGrp="1"/>
-          </p:cNvSpPr>
-          <p:nvPr>
-            <p:ph type="body" idx="1"/>
-          </p:nvPr>
-        </p:nvSpPr>
-        <p:spPr>
-          <a:xfrm>
-            <a:off x="685800" y="4343400"/>
-            <a:ext cx="5486399" cy="4114800"/>
-          </a:xfrm>
-          <a:prstGeom prst="rect">
-            <a:avLst/>
-          </a:prstGeom>
-        </p:spPr>
-        <p:txBody>
-          <a:bodyPr lIns="91425" tIns="91425" rIns="91425" bIns="91425" anchor="t" anchorCtr="0">
-            <a:noAutofit/>
-          </a:bodyPr>
-          <a:lstStyle/>
-          <a:p>
-            <a:pPr marL="0" marR="0" lvl="1" indent="0" algn="l" defTabSz="457200" rtl="0" eaLnBrk="1" fontAlgn="auto" latinLnBrk="0" hangingPunct="1">
-              <a:lnSpc>
-                <a:spcPct val="100000"/>
-              </a:lnSpc>
-              <a:spcBef>
-                <a:spcPts val="0"/>
-              </a:spcBef>
-              <a:spcAft>
-                <a:spcPts val="0"/>
-              </a:spcAft>
-              <a:buClrTx/>
-              <a:buSzTx/>
-              <a:buFontTx/>
-              <a:buNone/>
-              <a:tabLst/>
-              <a:defRPr/>
-            </a:pPr>
-            <a:r>
-              <a:rPr lang="en" sz="2000" dirty="0" smtClean="0"/>
-              <a:t>Capabilitiy</a:t>
-            </a:r>
-            <a:r>
-              <a:rPr lang="en-US" sz="2000" dirty="0" smtClean="0"/>
-              <a:t>: Well-defined and aggregated functionality, without regard to how, or the specific technology/approached used</a:t>
-            </a:r>
-          </a:p>
-          <a:p>
-            <a:pPr marL="0" marR="0" lvl="1" indent="0" algn="l" defTabSz="457200" rtl="0" eaLnBrk="1" fontAlgn="auto" latinLnBrk="0" hangingPunct="1">
-              <a:lnSpc>
-                <a:spcPct val="100000"/>
-              </a:lnSpc>
-              <a:spcBef>
-                <a:spcPts val="0"/>
-              </a:spcBef>
-              <a:spcAft>
-                <a:spcPts val="0"/>
-              </a:spcAft>
-              <a:buClrTx/>
-              <a:buSzTx/>
-              <a:buFontTx/>
-              <a:buNone/>
-              <a:tabLst/>
-              <a:defRPr/>
-            </a:pPr>
-            <a:r>
-              <a:rPr lang="en-US" sz="2000" dirty="0" smtClean="0"/>
-              <a:t>e.g., Num. of </a:t>
-            </a:r>
-            <a:r>
-              <a:rPr lang="en" sz="2000" dirty="0" smtClean="0"/>
-              <a:t>tasks, throughput, </a:t>
-            </a:r>
-            <a:r>
-              <a:rPr lang="en-US" sz="2000" dirty="0" smtClean="0"/>
-              <a:t>probabilistic bounds on time-to-completion, performance </a:t>
-            </a:r>
-            <a:r>
-              <a:rPr lang="en" sz="2000" dirty="0" smtClean="0"/>
-              <a:t>of resources, </a:t>
-            </a:r>
-            <a:r>
-              <a:rPr lang="en-US" sz="2000" dirty="0" smtClean="0"/>
-              <a:t>d</a:t>
-            </a:r>
-            <a:r>
-              <a:rPr lang="en" sz="2000" dirty="0" smtClean="0"/>
-              <a:t>ata</a:t>
-            </a:r>
-            <a:r>
-              <a:rPr lang="en-US" sz="2000" dirty="0" smtClean="0"/>
-              <a:t> (v</a:t>
-            </a:r>
-            <a:r>
-              <a:rPr lang="en" sz="2000" dirty="0" smtClean="0"/>
-              <a:t>olumes/transfer/storage</a:t>
-            </a:r>
-            <a:r>
-              <a:rPr lang="en-US" sz="2000" dirty="0" smtClean="0"/>
-              <a:t> ability)</a:t>
-            </a:r>
-          </a:p>
-          <a:p>
-            <a:endParaRPr lang="en-US" dirty="0" smtClean="0"/>
-          </a:p>
-          <a:p>
-            <a:r>
-              <a:rPr lang="en-US" dirty="0" smtClean="0"/>
-              <a:t>Much</a:t>
-            </a:r>
-            <a:r>
-              <a:rPr lang="en-US" baseline="0" dirty="0" smtClean="0"/>
-              <a:t> has been said about Implementation abstractions. </a:t>
-            </a:r>
-            <a:r>
-              <a:rPr lang="en-US" dirty="0" smtClean="0"/>
-              <a:t>There are implementation challenges galore</a:t>
-            </a:r>
-            <a:r>
-              <a:rPr lang="en-US" baseline="0" dirty="0" smtClean="0"/>
-              <a:t> in delivering such capabilities. We will focus on the Conceptual Gaps!</a:t>
-            </a:r>
-            <a:endParaRPr lang="en-US" dirty="0" smtClean="0"/>
-          </a:p>
-          <a:p>
-            <a:endParaRPr lang="en-US" dirty="0" smtClean="0"/>
-          </a:p>
-        </p:txBody>
-      </p:sp>
-    </p:spTree>
-  </p:cSld>
-  <p:clrMapOvr>
-    <a:masterClrMapping/>
-  </p:clrMapOvr>
-</p:notes>
-</file>
-
-<file path=ppt/notesSlides/notesSlide8.xml><?xml version="1.0" encoding="utf-8"?>
-<p:notes xmlns:a="http://schemas.openxmlformats.org/drawingml/2006/main" xmlns:r="http://schemas.openxmlformats.org/officeDocument/2006/relationships" xmlns:p="http://schemas.openxmlformats.org/presentationml/2006/main" showMasterSp="0" showMasterPhAnim="0">
-  <p:cSld>
-    <p:spTree>
-      <p:nvGrpSpPr>
-        <p:cNvPr id="1" name="Shape 97"/>
-        <p:cNvGrpSpPr/>
-        <p:nvPr/>
-      </p:nvGrpSpPr>
-      <p:grpSpPr>
-        <a:xfrm>
-          <a:off x="0" y="0"/>
-          <a:ext cx="0" cy="0"/>
-          <a:chOff x="0" y="0"/>
-          <a:chExt cx="0" cy="0"/>
-        </a:xfrm>
-      </p:grpSpPr>
-      <p:sp>
-        <p:nvSpPr>
-          <p:cNvPr id="98" name="Shape 98"/>
-          <p:cNvSpPr>
-            <a:spLocks noGrp="1" noRot="1" noChangeAspect="1"/>
-          </p:cNvSpPr>
-          <p:nvPr>
-            <p:ph type="sldImg" idx="2"/>
-          </p:nvPr>
-        </p:nvSpPr>
-        <p:spPr>
-          <a:xfrm>
-            <a:off x="1143000" y="685800"/>
-            <a:ext cx="4572000" cy="3429000"/>
-          </a:xfrm>
-          <a:custGeom>
-            <a:avLst/>
-            <a:gdLst/>
-            <a:ahLst/>
-            <a:cxnLst/>
-            <a:rect l="0" t="0" r="0" b="0"/>
-            <a:pathLst>
-              <a:path w="120000" h="120000" extrusionOk="0">
-                <a:moveTo>
-                  <a:pt x="0" y="0"/>
-                </a:moveTo>
-                <a:lnTo>
-                  <a:pt x="120000" y="0"/>
-                </a:lnTo>
-                <a:lnTo>
-                  <a:pt x="120000" y="120000"/>
-                </a:lnTo>
-                <a:lnTo>
-                  <a:pt x="0" y="120000"/>
-                </a:lnTo>
-                <a:close/>
-              </a:path>
-            </a:pathLst>
-          </a:custGeom>
-        </p:spPr>
-      </p:sp>
-      <p:sp>
-        <p:nvSpPr>
-          <p:cNvPr id="99" name="Shape 99"/>
-          <p:cNvSpPr txBox="1">
-            <a:spLocks noGrp="1"/>
-          </p:cNvSpPr>
-          <p:nvPr>
-            <p:ph type="body" idx="1"/>
-          </p:nvPr>
-        </p:nvSpPr>
-        <p:spPr>
-          <a:xfrm>
-            <a:off x="685800" y="4343400"/>
-            <a:ext cx="5486399" cy="4114800"/>
-          </a:xfrm>
-          <a:prstGeom prst="rect">
-            <a:avLst/>
-          </a:prstGeom>
-        </p:spPr>
-        <p:txBody>
-          <a:bodyPr lIns="91425" tIns="91425" rIns="91425" bIns="91425" anchor="t" anchorCtr="0">
-            <a:noAutofit/>
-          </a:bodyPr>
-          <a:lstStyle/>
-          <a:p>
-            <a:pPr lvl="0" rtl="0">
-              <a:buNone/>
-            </a:pPr>
-            <a:r>
-              <a:rPr lang="en-US" dirty="0" smtClean="0"/>
-              <a:t>This should expand</a:t>
-            </a:r>
-            <a:r>
-              <a:rPr lang="en-US" baseline="0" dirty="0" smtClean="0"/>
-              <a:t> each of the points in DEC foundational challenges</a:t>
-            </a:r>
-            <a:endParaRPr lang="en" dirty="0"/>
-          </a:p>
-        </p:txBody>
-      </p:sp>
-    </p:spTree>
-  </p:cSld>
-  <p:clrMapOvr>
-    <a:masterClrMapping/>
-  </p:clrMapOvr>
-</p:notes>
-</file>
-
-<file path=ppt/notesSlides/notesSlide9.xml><?xml version="1.0" encoding="utf-8"?>
 <p:notes xmlns:a="http://schemas.openxmlformats.org/drawingml/2006/main" xmlns:r="http://schemas.openxmlformats.org/officeDocument/2006/relationships" xmlns:p="http://schemas.openxmlformats.org/presentationml/2006/main">
   <p:cSld>
     <p:spTree>
@@ -2417,6 +1501,161 @@
     <p:extLst>
       <p:ext uri="{BB962C8B-B14F-4D97-AF65-F5344CB8AC3E}">
         <p14:creationId xmlns:p14="http://schemas.microsoft.com/office/powerpoint/2010/main" val="357425583"/>
+      </p:ext>
+    </p:extLst>
+  </p:cSld>
+  <p:clrMapOvr>
+    <a:masterClrMapping/>
+  </p:clrMapOvr>
+</p:notes>
+</file>
+
+<file path=ppt/notesSlides/notesSlide8.xml><?xml version="1.0" encoding="utf-8"?>
+<p:notes xmlns:a="http://schemas.openxmlformats.org/drawingml/2006/main" xmlns:r="http://schemas.openxmlformats.org/officeDocument/2006/relationships" xmlns:p="http://schemas.openxmlformats.org/presentationml/2006/main">
+  <p:cSld>
+    <p:spTree>
+      <p:nvGrpSpPr>
+        <p:cNvPr id="1" name=""/>
+        <p:cNvGrpSpPr/>
+        <p:nvPr/>
+      </p:nvGrpSpPr>
+      <p:grpSpPr>
+        <a:xfrm>
+          <a:off x="0" y="0"/>
+          <a:ext cx="0" cy="0"/>
+          <a:chOff x="0" y="0"/>
+          <a:chExt cx="0" cy="0"/>
+        </a:xfrm>
+      </p:grpSpPr>
+      <p:sp>
+        <p:nvSpPr>
+          <p:cNvPr id="2" name="Slide Image Placeholder 1"/>
+          <p:cNvSpPr>
+            <a:spLocks noGrp="1" noRot="1" noChangeAspect="1"/>
+          </p:cNvSpPr>
+          <p:nvPr>
+            <p:ph type="sldImg"/>
+          </p:nvPr>
+        </p:nvSpPr>
+        <p:spPr>
+          <a:xfrm>
+            <a:off x="1143000" y="685800"/>
+            <a:ext cx="4572000" cy="3429000"/>
+          </a:xfrm>
+        </p:spPr>
+      </p:sp>
+      <p:sp>
+        <p:nvSpPr>
+          <p:cNvPr id="3" name="Notes Placeholder 2"/>
+          <p:cNvSpPr>
+            <a:spLocks noGrp="1"/>
+          </p:cNvSpPr>
+          <p:nvPr>
+            <p:ph type="body" idx="1"/>
+          </p:nvPr>
+        </p:nvSpPr>
+        <p:spPr/>
+        <p:txBody>
+          <a:bodyPr/>
+          <a:lstStyle/>
+          <a:p>
+            <a:pPr marL="0" marR="0" lvl="1" indent="0" algn="l" defTabSz="457200" rtl="0" eaLnBrk="1" fontAlgn="auto" latinLnBrk="0" hangingPunct="1">
+              <a:lnSpc>
+                <a:spcPct val="100000"/>
+              </a:lnSpc>
+              <a:spcBef>
+                <a:spcPts val="0"/>
+              </a:spcBef>
+              <a:spcAft>
+                <a:spcPts val="0"/>
+              </a:spcAft>
+              <a:buClrTx/>
+              <a:buSzTx/>
+              <a:buFontTx/>
+              <a:buNone/>
+              <a:tabLst/>
+              <a:defRPr/>
+            </a:pPr>
+            <a:r>
+              <a:rPr lang="en-US" dirty="0" smtClean="0"/>
+              <a:t>Decomposition of application's problem and data space </a:t>
+            </a:r>
+          </a:p>
+          <a:p>
+            <a:endParaRPr lang="en-US" dirty="0"/>
+          </a:p>
+        </p:txBody>
+      </p:sp>
+    </p:spTree>
+    <p:extLst>
+      <p:ext uri="{BB962C8B-B14F-4D97-AF65-F5344CB8AC3E}">
+        <p14:creationId xmlns:p14="http://schemas.microsoft.com/office/powerpoint/2010/main" val="536234631"/>
+      </p:ext>
+    </p:extLst>
+  </p:cSld>
+  <p:clrMapOvr>
+    <a:masterClrMapping/>
+  </p:clrMapOvr>
+</p:notes>
+</file>
+
+<file path=ppt/notesSlides/notesSlide9.xml><?xml version="1.0" encoding="utf-8"?>
+<p:notes xmlns:a="http://schemas.openxmlformats.org/drawingml/2006/main" xmlns:r="http://schemas.openxmlformats.org/officeDocument/2006/relationships" xmlns:p="http://schemas.openxmlformats.org/presentationml/2006/main">
+  <p:cSld>
+    <p:spTree>
+      <p:nvGrpSpPr>
+        <p:cNvPr id="1" name=""/>
+        <p:cNvGrpSpPr/>
+        <p:nvPr/>
+      </p:nvGrpSpPr>
+      <p:grpSpPr>
+        <a:xfrm>
+          <a:off x="0" y="0"/>
+          <a:ext cx="0" cy="0"/>
+          <a:chOff x="0" y="0"/>
+          <a:chExt cx="0" cy="0"/>
+        </a:xfrm>
+      </p:grpSpPr>
+      <p:sp>
+        <p:nvSpPr>
+          <p:cNvPr id="2" name="Slide Image Placeholder 1"/>
+          <p:cNvSpPr>
+            <a:spLocks noGrp="1" noRot="1" noChangeAspect="1"/>
+          </p:cNvSpPr>
+          <p:nvPr>
+            <p:ph type="sldImg"/>
+          </p:nvPr>
+        </p:nvSpPr>
+        <p:spPr>
+          <a:xfrm>
+            <a:off x="1143000" y="685800"/>
+            <a:ext cx="4572000" cy="3429000"/>
+          </a:xfrm>
+        </p:spPr>
+      </p:sp>
+      <p:sp>
+        <p:nvSpPr>
+          <p:cNvPr id="3" name="Notes Placeholder 2"/>
+          <p:cNvSpPr>
+            <a:spLocks noGrp="1"/>
+          </p:cNvSpPr>
+          <p:nvPr>
+            <p:ph type="body" idx="1"/>
+          </p:nvPr>
+        </p:nvSpPr>
+        <p:spPr/>
+        <p:txBody>
+          <a:bodyPr/>
+          <a:lstStyle/>
+          <a:p>
+            <a:endParaRPr lang="en-US" dirty="0"/>
+          </a:p>
+        </p:txBody>
+      </p:sp>
+    </p:spTree>
+    <p:extLst>
+      <p:ext uri="{BB962C8B-B14F-4D97-AF65-F5344CB8AC3E}">
+        <p14:creationId xmlns:p14="http://schemas.microsoft.com/office/powerpoint/2010/main" val="3821591872"/>
       </p:ext>
     </p:extLst>
   </p:cSld>
@@ -2576,363 +1815,6 @@
     <p:extLst>
       <p:ext uri="{BB962C8B-B14F-4D97-AF65-F5344CB8AC3E}">
         <p14:creationId xmlns:p14="http://schemas.microsoft.com/office/powerpoint/2010/main" val="1951859101"/>
-      </p:ext>
-    </p:extLst>
-  </p:cSld>
-  <p:clrMapOvr>
-    <a:masterClrMapping/>
-  </p:clrMapOvr>
-</p:sldLayout>
-</file>
-
-<file path=ppt/slideLayouts/slideLayout10.xml><?xml version="1.0" encoding="utf-8"?>
-<p:sldLayout xmlns:a="http://schemas.openxmlformats.org/drawingml/2006/main" xmlns:r="http://schemas.openxmlformats.org/officeDocument/2006/relationships" xmlns:p="http://schemas.openxmlformats.org/presentationml/2006/main" userDrawn="1">
-  <p:cSld name="3_Title and Content">
-    <p:spTree>
-      <p:nvGrpSpPr>
-        <p:cNvPr id="1" name=""/>
-        <p:cNvGrpSpPr/>
-        <p:nvPr/>
-      </p:nvGrpSpPr>
-      <p:grpSpPr>
-        <a:xfrm>
-          <a:off x="0" y="0"/>
-          <a:ext cx="0" cy="0"/>
-          <a:chOff x="0" y="0"/>
-          <a:chExt cx="0" cy="0"/>
-        </a:xfrm>
-      </p:grpSpPr>
-      <p:sp>
-        <p:nvSpPr>
-          <p:cNvPr id="2" name="Title 1"/>
-          <p:cNvSpPr>
-            <a:spLocks noGrp="1"/>
-          </p:cNvSpPr>
-          <p:nvPr>
-            <p:ph type="title"/>
-          </p:nvPr>
-        </p:nvSpPr>
-        <p:spPr/>
-        <p:txBody>
-          <a:bodyPr/>
-          <a:lstStyle/>
-          <a:p>
-            <a:r>
-              <a:rPr lang="en-US" smtClean="0"/>
-              <a:t>Click to edit Master title style</a:t>
-            </a:r>
-            <a:endParaRPr lang="en-US"/>
-          </a:p>
-        </p:txBody>
-      </p:sp>
-      <p:sp>
-        <p:nvSpPr>
-          <p:cNvPr id="4" name="Rectangle 6"/>
-          <p:cNvSpPr>
-            <a:spLocks noGrp="1" noChangeArrowheads="1"/>
-          </p:cNvSpPr>
-          <p:nvPr>
-            <p:ph type="sldNum" sz="quarter" idx="10"/>
-          </p:nvPr>
-        </p:nvSpPr>
-        <p:spPr>
-          <a:ln/>
-        </p:spPr>
-        <p:txBody>
-          <a:bodyPr/>
-          <a:lstStyle>
-            <a:lvl1pPr>
-              <a:defRPr/>
-            </a:lvl1pPr>
-          </a:lstStyle>
-          <a:p>
-            <a:fld id="{8C1510E7-41E5-EC45-AEF0-4F5FBB17A54E}" type="slidenum">
-              <a:rPr lang="en-US"/>
-              <a:pPr/>
-              <a:t>‹#›</a:t>
-            </a:fld>
-            <a:endParaRPr lang="en-US"/>
-          </a:p>
-        </p:txBody>
-      </p:sp>
-      <p:cxnSp>
-        <p:nvCxnSpPr>
-          <p:cNvPr id="6" name="Straight Connector 5"/>
-          <p:cNvCxnSpPr/>
-          <p:nvPr userDrawn="1"/>
-        </p:nvCxnSpPr>
-        <p:spPr>
-          <a:xfrm>
-            <a:off x="282231" y="766277"/>
-            <a:ext cx="8599959" cy="0"/>
-          </a:xfrm>
-          <a:prstGeom prst="line">
-            <a:avLst/>
-          </a:prstGeom>
-          <a:ln>
-            <a:solidFill>
-              <a:schemeClr val="bg2"/>
-            </a:solidFill>
-          </a:ln>
-          <a:effectLst/>
-        </p:spPr>
-        <p:style>
-          <a:lnRef idx="2">
-            <a:schemeClr val="accent1"/>
-          </a:lnRef>
-          <a:fillRef idx="0">
-            <a:schemeClr val="accent1"/>
-          </a:fillRef>
-          <a:effectRef idx="1">
-            <a:schemeClr val="accent1"/>
-          </a:effectRef>
-          <a:fontRef idx="minor">
-            <a:schemeClr val="tx1"/>
-          </a:fontRef>
-        </p:style>
-      </p:cxnSp>
-    </p:spTree>
-    <p:extLst>
-      <p:ext uri="{BB962C8B-B14F-4D97-AF65-F5344CB8AC3E}">
-        <p14:creationId xmlns:p14="http://schemas.microsoft.com/office/powerpoint/2010/main" val="3497585189"/>
-      </p:ext>
-    </p:extLst>
-  </p:cSld>
-  <p:clrMapOvr>
-    <a:masterClrMapping/>
-  </p:clrMapOvr>
-</p:sldLayout>
-</file>
-
-<file path=ppt/slideLayouts/slideLayout11.xml><?xml version="1.0" encoding="utf-8"?>
-<p:sldLayout xmlns:a="http://schemas.openxmlformats.org/drawingml/2006/main" xmlns:r="http://schemas.openxmlformats.org/officeDocument/2006/relationships" xmlns:p="http://schemas.openxmlformats.org/presentationml/2006/main" userDrawn="1">
-  <p:cSld name="5_Title and Content">
-    <p:spTree>
-      <p:nvGrpSpPr>
-        <p:cNvPr id="1" name=""/>
-        <p:cNvGrpSpPr/>
-        <p:nvPr/>
-      </p:nvGrpSpPr>
-      <p:grpSpPr>
-        <a:xfrm>
-          <a:off x="0" y="0"/>
-          <a:ext cx="0" cy="0"/>
-          <a:chOff x="0" y="0"/>
-          <a:chExt cx="0" cy="0"/>
-        </a:xfrm>
-      </p:grpSpPr>
-      <p:sp>
-        <p:nvSpPr>
-          <p:cNvPr id="2" name="Title 1"/>
-          <p:cNvSpPr>
-            <a:spLocks noGrp="1"/>
-          </p:cNvSpPr>
-          <p:nvPr>
-            <p:ph type="title"/>
-          </p:nvPr>
-        </p:nvSpPr>
-        <p:spPr/>
-        <p:txBody>
-          <a:bodyPr/>
-          <a:lstStyle/>
-          <a:p>
-            <a:r>
-              <a:rPr lang="en-US" smtClean="0"/>
-              <a:t>Click to edit Master title style</a:t>
-            </a:r>
-            <a:endParaRPr lang="en-US"/>
-          </a:p>
-        </p:txBody>
-      </p:sp>
-      <p:sp>
-        <p:nvSpPr>
-          <p:cNvPr id="4" name="Rectangle 6"/>
-          <p:cNvSpPr>
-            <a:spLocks noGrp="1" noChangeArrowheads="1"/>
-          </p:cNvSpPr>
-          <p:nvPr>
-            <p:ph type="sldNum" sz="quarter" idx="10"/>
-          </p:nvPr>
-        </p:nvSpPr>
-        <p:spPr>
-          <a:ln/>
-        </p:spPr>
-        <p:txBody>
-          <a:bodyPr/>
-          <a:lstStyle>
-            <a:lvl1pPr>
-              <a:defRPr/>
-            </a:lvl1pPr>
-          </a:lstStyle>
-          <a:p>
-            <a:fld id="{8C1510E7-41E5-EC45-AEF0-4F5FBB17A54E}" type="slidenum">
-              <a:rPr lang="en-US"/>
-              <a:pPr/>
-              <a:t>‹#›</a:t>
-            </a:fld>
-            <a:endParaRPr lang="en-US"/>
-          </a:p>
-        </p:txBody>
-      </p:sp>
-      <p:cxnSp>
-        <p:nvCxnSpPr>
-          <p:cNvPr id="6" name="Straight Connector 5"/>
-          <p:cNvCxnSpPr/>
-          <p:nvPr userDrawn="1"/>
-        </p:nvCxnSpPr>
-        <p:spPr>
-          <a:xfrm>
-            <a:off x="282231" y="766277"/>
-            <a:ext cx="8599959" cy="0"/>
-          </a:xfrm>
-          <a:prstGeom prst="line">
-            <a:avLst/>
-          </a:prstGeom>
-          <a:ln>
-            <a:solidFill>
-              <a:schemeClr val="bg2"/>
-            </a:solidFill>
-          </a:ln>
-          <a:effectLst/>
-        </p:spPr>
-        <p:style>
-          <a:lnRef idx="2">
-            <a:schemeClr val="accent1"/>
-          </a:lnRef>
-          <a:fillRef idx="0">
-            <a:schemeClr val="accent1"/>
-          </a:fillRef>
-          <a:effectRef idx="1">
-            <a:schemeClr val="accent1"/>
-          </a:effectRef>
-          <a:fontRef idx="minor">
-            <a:schemeClr val="tx1"/>
-          </a:fontRef>
-        </p:style>
-      </p:cxnSp>
-    </p:spTree>
-    <p:extLst>
-      <p:ext uri="{BB962C8B-B14F-4D97-AF65-F5344CB8AC3E}">
-        <p14:creationId xmlns:p14="http://schemas.microsoft.com/office/powerpoint/2010/main" val="1558444434"/>
-      </p:ext>
-    </p:extLst>
-  </p:cSld>
-  <p:clrMapOvr>
-    <a:masterClrMapping/>
-  </p:clrMapOvr>
-</p:sldLayout>
-</file>
-
-<file path=ppt/slideLayouts/slideLayout12.xml><?xml version="1.0" encoding="utf-8"?>
-<p:sldLayout xmlns:a="http://schemas.openxmlformats.org/drawingml/2006/main" xmlns:r="http://schemas.openxmlformats.org/officeDocument/2006/relationships" xmlns:p="http://schemas.openxmlformats.org/presentationml/2006/main" userDrawn="1">
-  <p:cSld name="2_Title and Content">
-    <p:spTree>
-      <p:nvGrpSpPr>
-        <p:cNvPr id="1" name=""/>
-        <p:cNvGrpSpPr/>
-        <p:nvPr/>
-      </p:nvGrpSpPr>
-      <p:grpSpPr>
-        <a:xfrm>
-          <a:off x="0" y="0"/>
-          <a:ext cx="0" cy="0"/>
-          <a:chOff x="0" y="0"/>
-          <a:chExt cx="0" cy="0"/>
-        </a:xfrm>
-      </p:grpSpPr>
-      <p:sp>
-        <p:nvSpPr>
-          <p:cNvPr id="2" name="Title 1"/>
-          <p:cNvSpPr>
-            <a:spLocks noGrp="1"/>
-          </p:cNvSpPr>
-          <p:nvPr>
-            <p:ph type="title"/>
-          </p:nvPr>
-        </p:nvSpPr>
-        <p:spPr/>
-        <p:txBody>
-          <a:bodyPr/>
-          <a:lstStyle/>
-          <a:p>
-            <a:r>
-              <a:rPr lang="en-US" smtClean="0"/>
-              <a:t>Click to edit Master title style</a:t>
-            </a:r>
-            <a:endParaRPr lang="en-US"/>
-          </a:p>
-        </p:txBody>
-      </p:sp>
-      <p:sp>
-        <p:nvSpPr>
-          <p:cNvPr id="4" name="Rectangle 6"/>
-          <p:cNvSpPr>
-            <a:spLocks noGrp="1" noChangeArrowheads="1"/>
-          </p:cNvSpPr>
-          <p:nvPr>
-            <p:ph type="sldNum" sz="quarter" idx="10"/>
-          </p:nvPr>
-        </p:nvSpPr>
-        <p:spPr>
-          <a:ln/>
-        </p:spPr>
-        <p:txBody>
-          <a:bodyPr/>
-          <a:lstStyle>
-            <a:lvl1pPr>
-              <a:defRPr/>
-            </a:lvl1pPr>
-          </a:lstStyle>
-          <a:p>
-            <a:fld id="{8C1510E7-41E5-EC45-AEF0-4F5FBB17A54E}" type="slidenum">
-              <a:rPr lang="en-US"/>
-              <a:pPr/>
-              <a:t>‹#›</a:t>
-            </a:fld>
-            <a:endParaRPr lang="en-US"/>
-          </a:p>
-        </p:txBody>
-      </p:sp>
-      <p:cxnSp>
-        <p:nvCxnSpPr>
-          <p:cNvPr id="6" name="Straight Connector 5"/>
-          <p:cNvCxnSpPr/>
-          <p:nvPr userDrawn="1"/>
-        </p:nvCxnSpPr>
-        <p:spPr>
-          <a:xfrm>
-            <a:off x="282231" y="766277"/>
-            <a:ext cx="8599959" cy="0"/>
-          </a:xfrm>
-          <a:prstGeom prst="line">
-            <a:avLst/>
-          </a:prstGeom>
-          <a:ln>
-            <a:solidFill>
-              <a:schemeClr val="bg2"/>
-            </a:solidFill>
-          </a:ln>
-          <a:effectLst/>
-        </p:spPr>
-        <p:style>
-          <a:lnRef idx="2">
-            <a:schemeClr val="accent1"/>
-          </a:lnRef>
-          <a:fillRef idx="0">
-            <a:schemeClr val="accent1"/>
-          </a:fillRef>
-          <a:effectRef idx="1">
-            <a:schemeClr val="accent1"/>
-          </a:effectRef>
-          <a:fontRef idx="minor">
-            <a:schemeClr val="tx1"/>
-          </a:fontRef>
-        </p:style>
-      </p:cxnSp>
-    </p:spTree>
-    <p:extLst>
-      <p:ext uri="{BB962C8B-B14F-4D97-AF65-F5344CB8AC3E}">
-        <p14:creationId xmlns:p14="http://schemas.microsoft.com/office/powerpoint/2010/main" val="3743562584"/>
       </p:ext>
     </p:extLst>
   </p:cSld>
@@ -3979,7 +2861,7 @@
 
 <file path=ppt/slideLayouts/slideLayout9.xml><?xml version="1.0" encoding="utf-8"?>
 <p:sldLayout xmlns:a="http://schemas.openxmlformats.org/drawingml/2006/main" xmlns:r="http://schemas.openxmlformats.org/officeDocument/2006/relationships" xmlns:p="http://schemas.openxmlformats.org/presentationml/2006/main" userDrawn="1">
-  <p:cSld name="4_Title and Content">
+  <p:cSld name="2_Title and Content">
     <p:spTree>
       <p:nvGrpSpPr>
         <p:cNvPr id="1" name=""/>
@@ -4086,7 +2968,7 @@
     </p:spTree>
     <p:extLst>
       <p:ext uri="{BB962C8B-B14F-4D97-AF65-F5344CB8AC3E}">
-        <p14:creationId xmlns:p14="http://schemas.microsoft.com/office/powerpoint/2010/main" val="936510980"/>
+        <p14:creationId xmlns:p14="http://schemas.microsoft.com/office/powerpoint/2010/main" val="3743562584"/>
       </p:ext>
     </p:extLst>
   </p:cSld>
@@ -4130,7 +3012,7 @@
           <p:nvPr userDrawn="1"/>
         </p:nvPicPr>
         <p:blipFill>
-          <a:blip r:embed="rId14">
+          <a:blip r:embed="rId11">
             <a:extLst>
               <a:ext uri="{28A0092B-C50C-407E-A947-70E740481C1C}">
                 <a14:useLocalDpi xmlns:a14="http://schemas.microsoft.com/office/drawing/2010/main" val="0"/>
@@ -4394,10 +3276,7 @@
     <p:sldLayoutId id="2147483675" r:id="rId6"/>
     <p:sldLayoutId id="2147483677" r:id="rId7"/>
     <p:sldLayoutId id="2147483678" r:id="rId8"/>
-    <p:sldLayoutId id="2147483679" r:id="rId9"/>
-    <p:sldLayoutId id="2147483680" r:id="rId10"/>
-    <p:sldLayoutId id="2147483681" r:id="rId11"/>
-    <p:sldLayoutId id="2147483682" r:id="rId12"/>
+    <p:sldLayoutId id="2147483682" r:id="rId9"/>
   </p:sldLayoutIdLst>
   <p:txStyles>
     <p:titleStyle>
@@ -4871,7 +3750,7 @@
             </a:r>
             <a:r>
               <a:rPr lang="en-US" dirty="0" smtClean="0"/>
-              <a:t> Computing Infrastructure</a:t>
+              <a:t> Computing Infrastructure:</a:t>
             </a:r>
             <a:br>
               <a:rPr lang="en-US" dirty="0" smtClean="0"/>
@@ -4994,8 +3873,8 @@
         </p:nvSpPr>
         <p:spPr>
           <a:xfrm>
-            <a:off x="1331495" y="5157537"/>
-            <a:ext cx="6956926" cy="830997"/>
+            <a:off x="1264654" y="5157537"/>
+            <a:ext cx="7103979" cy="830997"/>
           </a:xfrm>
           <a:prstGeom prst="rect">
             <a:avLst/>
@@ -5008,17 +3887,31 @@
           <a:lstStyle/>
           <a:p>
             <a:r>
+              <a:rPr lang="en-US" sz="1600" b="1" dirty="0" smtClean="0">
+                <a:solidFill>
+                  <a:schemeClr val="bg1">
+                    <a:lumMod val="85000"/>
+                  </a:schemeClr>
+                </a:solidFill>
+              </a:rPr>
+              <a:t>This is </a:t>
+            </a:r>
+            <a:r>
               <a:rPr lang="en-US" sz="1600" b="1" dirty="0">
                 <a:solidFill>
-                  <a:srgbClr val="800000"/>
-                </a:solidFill>
-              </a:rPr>
-              <a:t>This talk is primarily the effort of  </a:t>
+                  <a:schemeClr val="bg1">
+                    <a:lumMod val="85000"/>
+                  </a:schemeClr>
+                </a:solidFill>
+              </a:rPr>
+              <a:t>primarily the effort of  </a:t>
             </a:r>
             <a:r>
               <a:rPr lang="en-US" sz="1600" b="1" dirty="0" smtClean="0">
                 <a:solidFill>
-                  <a:srgbClr val="800000"/>
+                  <a:schemeClr val="bg1">
+                    <a:lumMod val="85000"/>
+                  </a:schemeClr>
                 </a:solidFill>
               </a:rPr>
               <a:t>the RADICAL group, </a:t>
@@ -5026,7 +3919,9 @@
             <a:r>
               <a:rPr lang="en-US" sz="1600" b="1" dirty="0">
                 <a:solidFill>
-                  <a:srgbClr val="800000"/>
+                  <a:schemeClr val="bg1">
+                    <a:lumMod val="85000"/>
+                  </a:schemeClr>
                 </a:solidFill>
               </a:rPr>
               <a:t>but different parts of this work have benefitted from collaborations with </a:t>
@@ -5034,15 +3929,19 @@
             <a:r>
               <a:rPr lang="en-US" sz="1600" b="1" dirty="0" smtClean="0">
                 <a:solidFill>
-                  <a:srgbClr val="800000"/>
-                </a:solidFill>
-              </a:rPr>
-              <a:t>the AIMES Project (Katz, </a:t>
+                  <a:schemeClr val="bg1">
+                    <a:lumMod val="85000"/>
+                  </a:schemeClr>
+                </a:solidFill>
+              </a:rPr>
+              <a:t>the AIMES Project Partners (Katz, </a:t>
             </a:r>
             <a:r>
               <a:rPr lang="en-US" sz="1600" b="1" dirty="0" err="1" smtClean="0">
                 <a:solidFill>
-                  <a:srgbClr val="800000"/>
+                  <a:schemeClr val="bg1">
+                    <a:lumMod val="85000"/>
+                  </a:schemeClr>
                 </a:solidFill>
               </a:rPr>
               <a:t>Weissman</a:t>
@@ -5050,7 +3949,9 @@
             <a:r>
               <a:rPr lang="en-US" sz="1600" b="1" dirty="0" smtClean="0">
                 <a:solidFill>
-                  <a:srgbClr val="800000"/>
+                  <a:schemeClr val="bg1">
+                    <a:lumMod val="85000"/>
+                  </a:schemeClr>
                 </a:solidFill>
               </a:rPr>
               <a:t>) </a:t>
@@ -5058,7 +3959,9 @@
             <a:r>
               <a:rPr lang="en-US" sz="1600" b="1" dirty="0">
                 <a:solidFill>
-                  <a:srgbClr val="800000"/>
+                  <a:schemeClr val="bg1">
+                    <a:lumMod val="85000"/>
+                  </a:schemeClr>
                 </a:solidFill>
               </a:rPr>
               <a:t>and </a:t>
@@ -5066,7 +3969,9 @@
             <a:r>
               <a:rPr lang="en-US" sz="1600" b="1" dirty="0" smtClean="0">
                 <a:solidFill>
-                  <a:srgbClr val="800000"/>
+                  <a:schemeClr val="bg1">
+                    <a:lumMod val="85000"/>
+                  </a:schemeClr>
                 </a:solidFill>
               </a:rPr>
               <a:t>LMU-Munich </a:t>
@@ -5074,7 +3979,9 @@
             <a:r>
               <a:rPr lang="en-US" sz="1600" b="1" dirty="0">
                 <a:solidFill>
-                  <a:srgbClr val="800000"/>
+                  <a:schemeClr val="bg1">
+                    <a:lumMod val="85000"/>
+                  </a:schemeClr>
                 </a:solidFill>
               </a:rPr>
               <a:t>(</a:t>
@@ -5082,7 +3989,9 @@
             <a:r>
               <a:rPr lang="en-US" sz="1600" b="1" dirty="0" err="1">
                 <a:solidFill>
-                  <a:srgbClr val="800000"/>
+                  <a:schemeClr val="bg1">
+                    <a:lumMod val="85000"/>
+                  </a:schemeClr>
                 </a:solidFill>
               </a:rPr>
               <a:t>Straube</a:t>
@@ -5090,7 +3999,9 @@
             <a:r>
               <a:rPr lang="en-US" sz="1600" b="1" dirty="0">
                 <a:solidFill>
-                  <a:srgbClr val="800000"/>
+                  <a:schemeClr val="bg1">
+                    <a:lumMod val="85000"/>
+                  </a:schemeClr>
                 </a:solidFill>
               </a:rPr>
               <a:t>, </a:t>
@@ -5098,7 +4009,9 @@
             <a:r>
               <a:rPr lang="en-US" sz="1600" b="1" dirty="0" err="1">
                 <a:solidFill>
-                  <a:srgbClr val="800000"/>
+                  <a:schemeClr val="bg1">
+                    <a:lumMod val="85000"/>
+                  </a:schemeClr>
                 </a:solidFill>
               </a:rPr>
               <a:t>Kranzmuller</a:t>
@@ -5106,7 +4019,9 @@
             <a:r>
               <a:rPr lang="en-US" sz="1600" b="1" dirty="0">
                 <a:solidFill>
-                  <a:srgbClr val="800000"/>
+                  <a:schemeClr val="bg1">
+                    <a:lumMod val="85000"/>
+                  </a:schemeClr>
                 </a:solidFill>
               </a:rPr>
               <a:t>)</a:t>
@@ -5133,609 +4048,6 @@
 </file>
 
 <file path=ppt/slides/slide10.xml><?xml version="1.0" encoding="utf-8"?>
-<p:sld xmlns:a="http://schemas.openxmlformats.org/drawingml/2006/main" xmlns:r="http://schemas.openxmlformats.org/officeDocument/2006/relationships" xmlns:p="http://schemas.openxmlformats.org/presentationml/2006/main">
-  <p:cSld>
-    <p:spTree>
-      <p:nvGrpSpPr>
-        <p:cNvPr id="1" name="Shape 28"/>
-        <p:cNvGrpSpPr/>
-        <p:nvPr/>
-      </p:nvGrpSpPr>
-      <p:grpSpPr>
-        <a:xfrm>
-          <a:off x="0" y="0"/>
-          <a:ext cx="0" cy="0"/>
-          <a:chOff x="0" y="0"/>
-          <a:chExt cx="0" cy="0"/>
-        </a:xfrm>
-      </p:grpSpPr>
-      <p:sp>
-        <p:nvSpPr>
-          <p:cNvPr id="29" name="Shape 29"/>
-          <p:cNvSpPr txBox="1">
-            <a:spLocks noGrp="1"/>
-          </p:cNvSpPr>
-          <p:nvPr>
-            <p:ph type="title"/>
-          </p:nvPr>
-        </p:nvSpPr>
-        <p:spPr>
-          <a:prstGeom prst="rect">
-            <a:avLst/>
-          </a:prstGeom>
-        </p:spPr>
-        <p:txBody>
-          <a:bodyPr lIns="91425" tIns="91425" rIns="91425" bIns="91425" anchor="t" anchorCtr="0">
-            <a:noAutofit/>
-          </a:bodyPr>
-          <a:lstStyle/>
-          <a:p>
-            <a:pPr algn="just"/>
-            <a:r>
-              <a:rPr lang="en-US" dirty="0" smtClean="0"/>
-              <a:t>NGMW: Challenges</a:t>
-            </a:r>
-            <a:endParaRPr lang="en" dirty="0"/>
-          </a:p>
-        </p:txBody>
-      </p:sp>
-      <p:sp>
-        <p:nvSpPr>
-          <p:cNvPr id="30" name="Shape 30"/>
-          <p:cNvSpPr txBox="1">
-            <a:spLocks noGrp="1"/>
-          </p:cNvSpPr>
-          <p:nvPr>
-            <p:ph idx="4294967295"/>
-          </p:nvPr>
-        </p:nvSpPr>
-        <p:spPr>
-          <a:xfrm>
-            <a:off x="407988" y="808038"/>
-            <a:ext cx="8736012" cy="5268912"/>
-          </a:xfrm>
-          <a:prstGeom prst="rect">
-            <a:avLst/>
-          </a:prstGeom>
-        </p:spPr>
-        <p:txBody>
-          <a:bodyPr lIns="91425" tIns="91425" rIns="91425" bIns="91425" anchor="t" anchorCtr="0">
-            <a:noAutofit/>
-          </a:bodyPr>
-          <a:lstStyle/>
-          <a:p>
-            <a:r>
-              <a:rPr lang="en-US" dirty="0" smtClean="0"/>
-              <a:t>Fundamental conceptual </a:t>
-            </a:r>
-            <a:r>
-              <a:rPr lang="en-US" dirty="0"/>
-              <a:t>g</a:t>
-            </a:r>
-            <a:r>
-              <a:rPr lang="en-US" dirty="0" smtClean="0"/>
-              <a:t>ap in providing well-defined capabilities</a:t>
-            </a:r>
-          </a:p>
-          <a:p>
-            <a:pPr lvl="1"/>
-            <a:r>
-              <a:rPr lang="en-US" sz="2000" dirty="0" smtClean="0"/>
-              <a:t>Two </a:t>
-            </a:r>
-            <a:r>
-              <a:rPr lang="en-US" sz="2000" dirty="0" smtClean="0"/>
-              <a:t>levels of conceptual abstractions to enable reasoning:</a:t>
-            </a:r>
-          </a:p>
-          <a:p>
-            <a:pPr marL="1428750" lvl="2" indent="-514350">
-              <a:buFont typeface="+mj-lt"/>
-              <a:buAutoNum type="romanUcPeriod"/>
-            </a:pPr>
-            <a:r>
-              <a:rPr lang="en" sz="2000" dirty="0" smtClean="0"/>
-              <a:t>Models </a:t>
-            </a:r>
-            <a:r>
-              <a:rPr lang="en-US" sz="2000" dirty="0" smtClean="0"/>
-              <a:t>that enable functional comparison for </a:t>
-            </a:r>
-            <a:r>
-              <a:rPr lang="en-US" sz="2000" i="1" dirty="0" smtClean="0"/>
-              <a:t>individual</a:t>
-            </a:r>
-            <a:r>
-              <a:rPr lang="en-US" sz="2000" dirty="0" smtClean="0"/>
-              <a:t> </a:t>
-            </a:r>
-            <a:r>
-              <a:rPr lang="en" sz="2000" i="1" dirty="0" smtClean="0"/>
-              <a:t>components</a:t>
-            </a:r>
-            <a:r>
-              <a:rPr lang="en-US" sz="2000" dirty="0" smtClean="0"/>
-              <a:t>, e.g</a:t>
-            </a:r>
-            <a:r>
-              <a:rPr lang="en-US" sz="2000" dirty="0"/>
-              <a:t>., P* for </a:t>
-            </a:r>
-            <a:r>
-              <a:rPr lang="en-US" sz="2000" dirty="0" smtClean="0"/>
-              <a:t>Pilot-systems </a:t>
-            </a:r>
-            <a:r>
-              <a:rPr lang="en-US" sz="2000" dirty="0" smtClean="0">
-                <a:hlinkClick r:id="rId3"/>
-              </a:rPr>
-              <a:t>10.1109</a:t>
-            </a:r>
-            <a:r>
-              <a:rPr lang="en-US" sz="2000" dirty="0">
-                <a:hlinkClick r:id="rId3"/>
-              </a:rPr>
-              <a:t>/eScience.</a:t>
-            </a:r>
-            <a:r>
-              <a:rPr lang="en-US" sz="2000" dirty="0" smtClean="0">
-                <a:hlinkClick r:id="rId3"/>
-              </a:rPr>
-              <a:t>2012.6404423</a:t>
-            </a:r>
-            <a:endParaRPr lang="en-US" sz="2000" dirty="0"/>
-          </a:p>
-          <a:p>
-            <a:pPr marL="1428750" lvl="2" indent="-514350">
-              <a:buFont typeface="+mj-lt"/>
-              <a:buAutoNum type="romanUcPeriod"/>
-            </a:pPr>
-            <a:r>
-              <a:rPr lang="en" sz="2000" dirty="0"/>
-              <a:t>Models that enable </a:t>
-            </a:r>
-            <a:r>
-              <a:rPr lang="en" sz="2000" dirty="0" smtClean="0"/>
-              <a:t>reasoning</a:t>
-            </a:r>
-            <a:r>
-              <a:rPr lang="en-US" sz="2000" dirty="0" smtClean="0"/>
-              <a:t> at multiple, integrated levels to provide performance </a:t>
-            </a:r>
-            <a:r>
-              <a:rPr lang="en-US" sz="2000" dirty="0"/>
-              <a:t>estimation and predictability</a:t>
-            </a:r>
-          </a:p>
-          <a:p>
-            <a:pPr lvl="4">
-              <a:buFont typeface="Arial"/>
-              <a:buChar char="•"/>
-            </a:pPr>
-            <a:r>
-              <a:rPr lang="en" sz="2000" dirty="0" smtClean="0"/>
-              <a:t>When </a:t>
-            </a:r>
-            <a:r>
-              <a:rPr lang="en" sz="2000" dirty="0"/>
-              <a:t>and how to distribute</a:t>
-            </a:r>
-            <a:r>
-              <a:rPr lang="en-US" sz="2000" dirty="0"/>
-              <a:t>? What and </a:t>
-            </a:r>
-            <a:r>
-              <a:rPr lang="en-US" sz="2000" dirty="0" smtClean="0"/>
-              <a:t>where?</a:t>
-            </a:r>
-          </a:p>
-          <a:p>
-            <a:pPr lvl="4">
-              <a:buFont typeface="Arial"/>
-              <a:buChar char="•"/>
-            </a:pPr>
-            <a:r>
-              <a:rPr lang="en-US" sz="2000" dirty="0" smtClean="0"/>
-              <a:t> A </a:t>
-            </a:r>
-            <a:r>
-              <a:rPr lang="en-US" sz="2000" dirty="0" err="1" smtClean="0"/>
-              <a:t>Linpack</a:t>
-            </a:r>
-            <a:r>
-              <a:rPr lang="en-US" sz="2000" dirty="0" smtClean="0"/>
-              <a:t> </a:t>
-            </a:r>
-            <a:r>
-              <a:rPr lang="en-US" sz="2000" dirty="0"/>
-              <a:t>for distributed systems/applications?</a:t>
-            </a:r>
-          </a:p>
-          <a:p>
-            <a:pPr lvl="1"/>
-            <a:endParaRPr lang="en-US" sz="2000" dirty="0" smtClean="0"/>
-          </a:p>
-        </p:txBody>
-      </p:sp>
-    </p:spTree>
-    <p:extLst>
-      <p:ext uri="{BB962C8B-B14F-4D97-AF65-F5344CB8AC3E}">
-        <p14:creationId xmlns:p14="http://schemas.microsoft.com/office/powerpoint/2010/main" val="3602340106"/>
-      </p:ext>
-    </p:extLst>
-  </p:cSld>
-  <p:clrMapOvr>
-    <a:masterClrMapping/>
-  </p:clrMapOvr>
-  <p:transition xmlns:p14="http://schemas.microsoft.com/office/powerpoint/2010/main" spd="slow">
-    <p:cut/>
-  </p:transition>
-  <p:timing>
-    <p:tnLst>
-      <p:par>
-        <p:cTn xmlns:p14="http://schemas.microsoft.com/office/powerpoint/2010/main" id="1" dur="indefinite" restart="never" nodeType="tmRoot"/>
-      </p:par>
-    </p:tnLst>
-  </p:timing>
-</p:sld>
-</file>
-
-<file path=ppt/slides/slide11.xml><?xml version="1.0" encoding="utf-8"?>
-<p:sld xmlns:a="http://schemas.openxmlformats.org/drawingml/2006/main" xmlns:r="http://schemas.openxmlformats.org/officeDocument/2006/relationships" xmlns:p="http://schemas.openxmlformats.org/presentationml/2006/main">
-  <p:cSld>
-    <p:spTree>
-      <p:nvGrpSpPr>
-        <p:cNvPr id="1" name="Shape 94"/>
-        <p:cNvGrpSpPr/>
-        <p:nvPr/>
-      </p:nvGrpSpPr>
-      <p:grpSpPr>
-        <a:xfrm>
-          <a:off x="0" y="0"/>
-          <a:ext cx="0" cy="0"/>
-          <a:chOff x="0" y="0"/>
-          <a:chExt cx="0" cy="0"/>
-        </a:xfrm>
-      </p:grpSpPr>
-      <p:sp>
-        <p:nvSpPr>
-          <p:cNvPr id="95" name="Shape 95"/>
-          <p:cNvSpPr txBox="1">
-            <a:spLocks noGrp="1"/>
-          </p:cNvSpPr>
-          <p:nvPr>
-            <p:ph type="title"/>
-          </p:nvPr>
-        </p:nvSpPr>
-        <p:spPr>
-          <a:prstGeom prst="rect">
-            <a:avLst/>
-          </a:prstGeom>
-        </p:spPr>
-        <p:txBody>
-          <a:bodyPr lIns="91425" tIns="91425" rIns="91425" bIns="91425" anchor="b" anchorCtr="0">
-            <a:noAutofit/>
-          </a:bodyPr>
-          <a:lstStyle/>
-          <a:p>
-            <a:pPr lvl="0" rtl="0">
-              <a:buNone/>
-            </a:pPr>
-            <a:r>
-              <a:rPr lang="en-US" dirty="0" smtClean="0"/>
-              <a:t>NGMW: Challenges</a:t>
-            </a:r>
-            <a:endParaRPr lang="en" dirty="0"/>
-          </a:p>
-        </p:txBody>
-      </p:sp>
-      <p:sp>
-        <p:nvSpPr>
-          <p:cNvPr id="96" name="Shape 96"/>
-          <p:cNvSpPr txBox="1">
-            <a:spLocks noGrp="1"/>
-          </p:cNvSpPr>
-          <p:nvPr>
-            <p:ph idx="4294967295"/>
-          </p:nvPr>
-        </p:nvSpPr>
-        <p:spPr>
-          <a:xfrm>
-            <a:off x="283096" y="766277"/>
-            <a:ext cx="8596312" cy="5146675"/>
-          </a:xfrm>
-          <a:prstGeom prst="rect">
-            <a:avLst/>
-          </a:prstGeom>
-        </p:spPr>
-        <p:txBody>
-          <a:bodyPr lIns="91425" tIns="91425" rIns="91425" bIns="91425" anchor="t" anchorCtr="0">
-            <a:noAutofit/>
-          </a:bodyPr>
-          <a:lstStyle/>
-          <a:p>
-            <a:pPr lvl="0" rtl="0">
-              <a:lnSpc>
-                <a:spcPct val="115000"/>
-              </a:lnSpc>
-              <a:spcBef>
-                <a:spcPts val="500"/>
-              </a:spcBef>
-              <a:buClr>
-                <a:srgbClr val="000000"/>
-              </a:buClr>
-              <a:buSzPct val="55000"/>
-              <a:buFont typeface="Arial"/>
-              <a:buNone/>
-            </a:pPr>
-            <a:endParaRPr lang="en" dirty="0">
-              <a:solidFill>
-                <a:srgbClr val="000000"/>
-              </a:solidFill>
-            </a:endParaRPr>
-          </a:p>
-          <a:p>
-            <a:pPr lvl="0" rtl="0">
-              <a:lnSpc>
-                <a:spcPct val="115000"/>
-              </a:lnSpc>
-              <a:spcBef>
-                <a:spcPts val="500"/>
-              </a:spcBef>
-              <a:buClr>
-                <a:srgbClr val="000000"/>
-              </a:buClr>
-              <a:buSzPct val="55000"/>
-              <a:buFont typeface="Arial"/>
-              <a:buNone/>
-            </a:pPr>
-            <a:r>
-              <a:rPr lang="en" dirty="0">
-                <a:solidFill>
-                  <a:srgbClr val="000000"/>
-                </a:solidFill>
-              </a:rPr>
-              <a:t>• </a:t>
-            </a:r>
-            <a:r>
-              <a:rPr lang="en-US" dirty="0" smtClean="0">
-                <a:solidFill>
-                  <a:schemeClr val="tx1">
-                    <a:lumMod val="65000"/>
-                    <a:lumOff val="35000"/>
-                  </a:schemeClr>
-                </a:solidFill>
-              </a:rPr>
-              <a:t>Well-defined </a:t>
-            </a:r>
-            <a:r>
-              <a:rPr lang="en" dirty="0" smtClean="0">
-                <a:solidFill>
-                  <a:schemeClr val="tx1">
-                    <a:lumMod val="65000"/>
-                    <a:lumOff val="35000"/>
-                  </a:schemeClr>
-                </a:solidFill>
-              </a:rPr>
-              <a:t>capability amidst heterogeneous, dynamic resources requires </a:t>
-            </a:r>
-            <a:r>
-              <a:rPr lang="en" i="1" dirty="0" smtClean="0">
-                <a:solidFill>
-                  <a:schemeClr val="tx1">
-                    <a:lumMod val="65000"/>
-                    <a:lumOff val="35000"/>
-                  </a:schemeClr>
-                </a:solidFill>
-              </a:rPr>
-              <a:t>flexible </a:t>
-            </a:r>
-            <a:r>
-              <a:rPr lang="en-US" i="1" dirty="0" smtClean="0">
-                <a:solidFill>
-                  <a:schemeClr val="tx1">
-                    <a:lumMod val="65000"/>
-                    <a:lumOff val="35000"/>
-                  </a:schemeClr>
-                </a:solidFill>
-              </a:rPr>
-              <a:t>federation</a:t>
-            </a:r>
-            <a:r>
-              <a:rPr lang="en" dirty="0" smtClean="0">
-                <a:solidFill>
-                  <a:schemeClr val="tx1">
-                    <a:lumMod val="65000"/>
-                    <a:lumOff val="35000"/>
-                  </a:schemeClr>
-                </a:solidFill>
-              </a:rPr>
-              <a:t> of resources and services</a:t>
-            </a:r>
-            <a:endParaRPr lang="en-US" dirty="0" smtClean="0">
-              <a:solidFill>
-                <a:schemeClr val="tx1">
-                  <a:lumMod val="65000"/>
-                  <a:lumOff val="35000"/>
-                </a:schemeClr>
-              </a:solidFill>
-            </a:endParaRPr>
-          </a:p>
-          <a:p>
-            <a:pPr>
-              <a:lnSpc>
-                <a:spcPct val="115000"/>
-              </a:lnSpc>
-              <a:spcBef>
-                <a:spcPts val="500"/>
-              </a:spcBef>
-              <a:buClr>
-                <a:srgbClr val="000000"/>
-              </a:buClr>
-              <a:buSzPct val="55000"/>
-            </a:pPr>
-            <a:r>
-              <a:rPr lang="en-US" dirty="0" smtClean="0">
-                <a:solidFill>
-                  <a:schemeClr val="tx1">
-                    <a:lumMod val="65000"/>
-                    <a:lumOff val="35000"/>
-                  </a:schemeClr>
-                </a:solidFill>
-              </a:rPr>
-              <a:t>R</a:t>
-            </a:r>
-            <a:r>
-              <a:rPr lang="en" dirty="0" smtClean="0">
-                <a:solidFill>
-                  <a:schemeClr val="tx1">
-                    <a:lumMod val="65000"/>
-                    <a:lumOff val="35000"/>
-                  </a:schemeClr>
-                </a:solidFill>
-              </a:rPr>
-              <a:t>eason</a:t>
-            </a:r>
-            <a:r>
-              <a:rPr lang="en-US" dirty="0" err="1" smtClean="0">
-                <a:solidFill>
-                  <a:schemeClr val="tx1">
-                    <a:lumMod val="65000"/>
-                    <a:lumOff val="35000"/>
-                  </a:schemeClr>
-                </a:solidFill>
-              </a:rPr>
-              <a:t>ing</a:t>
-            </a:r>
-            <a:r>
-              <a:rPr lang="en" dirty="0" smtClean="0">
-                <a:solidFill>
-                  <a:schemeClr val="tx1">
-                    <a:lumMod val="65000"/>
-                    <a:lumOff val="35000"/>
-                  </a:schemeClr>
-                </a:solidFill>
-              </a:rPr>
-              <a:t> </a:t>
-            </a:r>
-            <a:r>
-              <a:rPr lang="en" dirty="0" smtClean="0">
-                <a:solidFill>
-                  <a:schemeClr val="tx1">
-                    <a:lumMod val="65000"/>
-                    <a:lumOff val="35000"/>
-                  </a:schemeClr>
-                </a:solidFill>
-              </a:rPr>
-              <a:t>about performance</a:t>
-            </a:r>
-            <a:endParaRPr lang="en-US" dirty="0" smtClean="0">
-              <a:solidFill>
-                <a:schemeClr val="tx1">
-                  <a:lumMod val="65000"/>
-                  <a:lumOff val="35000"/>
-                </a:schemeClr>
-              </a:solidFill>
-            </a:endParaRPr>
-          </a:p>
-          <a:p>
-            <a:pPr marL="1198562" lvl="1" indent="-285750">
-              <a:lnSpc>
-                <a:spcPct val="115000"/>
-              </a:lnSpc>
-              <a:spcBef>
-                <a:spcPts val="400"/>
-              </a:spcBef>
-              <a:buFont typeface="Arial"/>
-              <a:buChar char="•"/>
-            </a:pPr>
-            <a:r>
-              <a:rPr lang="en" sz="2000" dirty="0" smtClean="0">
-                <a:solidFill>
-                  <a:schemeClr val="tx1">
-                    <a:lumMod val="65000"/>
-                    <a:lumOff val="35000"/>
-                  </a:schemeClr>
-                </a:solidFill>
-              </a:rPr>
-              <a:t>Can </a:t>
-            </a:r>
-            <a:r>
-              <a:rPr lang="en-US" sz="2000" dirty="0" smtClean="0">
-                <a:solidFill>
-                  <a:schemeClr val="tx1">
-                    <a:lumMod val="65000"/>
-                    <a:lumOff val="35000"/>
-                  </a:schemeClr>
-                </a:solidFill>
-              </a:rPr>
-              <a:t>d</a:t>
-            </a:r>
-            <a:r>
-              <a:rPr lang="en" sz="2000" dirty="0" smtClean="0">
-                <a:solidFill>
-                  <a:schemeClr val="tx1">
-                    <a:lumMod val="65000"/>
-                    <a:lumOff val="35000"/>
-                  </a:schemeClr>
-                </a:solidFill>
-              </a:rPr>
-              <a:t>esign for randomness but not for unpredictable behaviour</a:t>
-            </a:r>
-            <a:endParaRPr lang="en-US" sz="2000" dirty="0" smtClean="0">
-              <a:solidFill>
-                <a:schemeClr val="tx1">
-                  <a:lumMod val="65000"/>
-                  <a:lumOff val="35000"/>
-                </a:schemeClr>
-              </a:solidFill>
-            </a:endParaRPr>
-          </a:p>
-          <a:p>
-            <a:pPr lvl="0" rtl="0">
-              <a:lnSpc>
-                <a:spcPct val="115000"/>
-              </a:lnSpc>
-              <a:spcBef>
-                <a:spcPts val="500"/>
-              </a:spcBef>
-              <a:buNone/>
-            </a:pPr>
-            <a:endParaRPr lang="en" sz="2000" dirty="0" smtClean="0">
-              <a:solidFill>
-                <a:schemeClr val="tx1">
-                  <a:lumMod val="65000"/>
-                  <a:lumOff val="35000"/>
-                </a:schemeClr>
-              </a:solidFill>
-            </a:endParaRPr>
-          </a:p>
-        </p:txBody>
-      </p:sp>
-    </p:spTree>
-    <p:extLst>
-      <p:ext uri="{BB962C8B-B14F-4D97-AF65-F5344CB8AC3E}">
-        <p14:creationId xmlns:p14="http://schemas.microsoft.com/office/powerpoint/2010/main" val="1088041736"/>
-      </p:ext>
-    </p:extLst>
-  </p:cSld>
-  <p:clrMapOvr>
-    <a:masterClrMapping/>
-  </p:clrMapOvr>
-  <p:transition xmlns:p14="http://schemas.microsoft.com/office/powerpoint/2010/main" spd="slow">
-    <p:cut/>
-  </p:transition>
-  <p:timing>
-    <p:tnLst>
-      <p:par>
-        <p:cTn xmlns:p14="http://schemas.microsoft.com/office/powerpoint/2010/main" id="1" dur="indefinite" restart="never" nodeType="tmRoot"/>
-      </p:par>
-    </p:tnLst>
-  </p:timing>
-</p:sld>
-</file>
-
-<file path=ppt/slides/slide12.xml><?xml version="1.0" encoding="utf-8"?>
 <p:sld xmlns:a="http://schemas.openxmlformats.org/drawingml/2006/main" xmlns:r="http://schemas.openxmlformats.org/officeDocument/2006/relationships" xmlns:p="http://schemas.openxmlformats.org/presentationml/2006/main">
   <p:cSld>
     <p:spTree>
@@ -5813,7 +4125,7 @@
 </p:sld>
 </file>
 
-<file path=ppt/slides/slide13.xml><?xml version="1.0" encoding="utf-8"?>
+<file path=ppt/slides/slide11.xml><?xml version="1.0" encoding="utf-8"?>
 <p:sld xmlns:a="http://schemas.openxmlformats.org/drawingml/2006/main" xmlns:r="http://schemas.openxmlformats.org/officeDocument/2006/relationships" xmlns:p="http://schemas.openxmlformats.org/presentationml/2006/main">
   <p:cSld>
     <p:spTree>
@@ -6041,7 +4353,7 @@
 </p:sld>
 </file>
 
-<file path=ppt/slides/slide14.xml><?xml version="1.0" encoding="utf-8"?>
+<file path=ppt/slides/slide12.xml><?xml version="1.0" encoding="utf-8"?>
 <p:sld xmlns:a="http://schemas.openxmlformats.org/drawingml/2006/main" xmlns:r="http://schemas.openxmlformats.org/officeDocument/2006/relationships" xmlns:p="http://schemas.openxmlformats.org/presentationml/2006/main">
   <p:cSld>
     <p:spTree>
@@ -6075,7 +4387,7 @@
           <a:p>
             <a:r>
               <a:rPr lang="en-US" dirty="0" smtClean="0"/>
-              <a:t>I*  ]</a:t>
+              <a:t>I*  </a:t>
             </a:r>
             <a:endParaRPr lang="en-US" dirty="0"/>
           </a:p>
@@ -6224,20 +4536,47 @@
       </p:pic>
       <p:sp>
         <p:nvSpPr>
-          <p:cNvPr id="6" name="Content Placeholder 5"/>
-          <p:cNvSpPr>
-            <a:spLocks noGrp="1"/>
-          </p:cNvSpPr>
-          <p:nvPr>
-            <p:ph idx="1"/>
-          </p:nvPr>
+          <p:cNvPr id="3" name="TextBox 2"/>
+          <p:cNvSpPr txBox="1"/>
+          <p:nvPr/>
         </p:nvSpPr>
-        <p:spPr/>
+        <p:spPr>
+          <a:xfrm>
+            <a:off x="3876841" y="5454316"/>
+            <a:ext cx="4852737" cy="307777"/>
+          </a:xfrm>
+          <a:prstGeom prst="rect">
+            <a:avLst/>
+          </a:prstGeom>
+          <a:noFill/>
+        </p:spPr>
         <p:txBody>
-          <a:bodyPr/>
+          <a:bodyPr wrap="square" rtlCol="0">
+            <a:spAutoFit/>
+          </a:bodyPr>
           <a:lstStyle/>
           <a:p>
-            <a:endParaRPr lang="en-US"/>
+            <a:r>
+              <a:rPr lang="en-US" dirty="0" smtClean="0"/>
+              <a:t>Slide courtesy: </a:t>
+            </a:r>
+            <a:r>
+              <a:rPr lang="en-US" dirty="0" err="1" smtClean="0"/>
+              <a:t>Straube</a:t>
+            </a:r>
+            <a:r>
+              <a:rPr lang="en-US" dirty="0" smtClean="0"/>
+              <a:t>, </a:t>
+            </a:r>
+            <a:r>
+              <a:rPr lang="en-US" dirty="0" err="1" smtClean="0"/>
+              <a:t>Kranzlmuller</a:t>
+            </a:r>
+            <a:r>
+              <a:rPr lang="en-US" dirty="0" smtClean="0"/>
+              <a:t> (LMU, Munich)</a:t>
+            </a:r>
+            <a:endParaRPr lang="en-US" dirty="0"/>
           </a:p>
         </p:txBody>
       </p:sp>
@@ -6254,7 +4593,7 @@
 </p:sld>
 </file>
 
-<file path=ppt/slides/slide15.xml><?xml version="1.0" encoding="utf-8"?>
+<file path=ppt/slides/slide13.xml><?xml version="1.0" encoding="utf-8"?>
 <p:sld xmlns:a="http://schemas.openxmlformats.org/drawingml/2006/main" xmlns:r="http://schemas.openxmlformats.org/officeDocument/2006/relationships" xmlns:p="http://schemas.openxmlformats.org/presentationml/2006/main">
   <p:cSld>
     <p:spTree>
@@ -6344,7 +4683,7 @@
 </p:sld>
 </file>
 
-<file path=ppt/slides/slide16.xml><?xml version="1.0" encoding="utf-8"?>
+<file path=ppt/slides/slide14.xml><?xml version="1.0" encoding="utf-8"?>
 <p:sld xmlns:a="http://schemas.openxmlformats.org/drawingml/2006/main" xmlns:r="http://schemas.openxmlformats.org/officeDocument/2006/relationships" xmlns:p="http://schemas.openxmlformats.org/presentationml/2006/main">
   <p:cSld>
     <p:spTree>
@@ -6682,93 +5021,7 @@
 </p:sld>
 </file>
 
-<file path=ppt/slides/slide17.xml><?xml version="1.0" encoding="utf-8"?>
-<p:sld xmlns:a="http://schemas.openxmlformats.org/drawingml/2006/main" xmlns:r="http://schemas.openxmlformats.org/officeDocument/2006/relationships" xmlns:p="http://schemas.openxmlformats.org/presentationml/2006/main" show="0">
-  <p:cSld>
-    <p:spTree>
-      <p:nvGrpSpPr>
-        <p:cNvPr id="1" name=""/>
-        <p:cNvGrpSpPr/>
-        <p:nvPr/>
-      </p:nvGrpSpPr>
-      <p:grpSpPr>
-        <a:xfrm>
-          <a:off x="0" y="0"/>
-          <a:ext cx="0" cy="0"/>
-          <a:chOff x="0" y="0"/>
-          <a:chExt cx="0" cy="0"/>
-        </a:xfrm>
-      </p:grpSpPr>
-      <p:sp>
-        <p:nvSpPr>
-          <p:cNvPr id="2" name="Title 1"/>
-          <p:cNvSpPr>
-            <a:spLocks noGrp="1"/>
-          </p:cNvSpPr>
-          <p:nvPr>
-            <p:ph type="title"/>
-          </p:nvPr>
-        </p:nvSpPr>
-        <p:spPr/>
-        <p:txBody>
-          <a:bodyPr/>
-          <a:lstStyle/>
-          <a:p>
-            <a:r>
-              <a:rPr lang="en-US" dirty="0" smtClean="0"/>
-              <a:t>*.* : Putting it together</a:t>
-            </a:r>
-            <a:endParaRPr lang="en-US" dirty="0"/>
-          </a:p>
-        </p:txBody>
-      </p:sp>
-      <p:pic>
-        <p:nvPicPr>
-          <p:cNvPr id="4" name="Content Placeholder 3" descr="ngmw-schematic.png"/>
-          <p:cNvPicPr>
-            <a:picLocks noGrp="1" noChangeAspect="1"/>
-          </p:cNvPicPr>
-          <p:nvPr>
-            <p:ph idx="1"/>
-          </p:nvPr>
-        </p:nvPicPr>
-        <p:blipFill>
-          <a:blip r:embed="rId3">
-            <a:extLst>
-              <a:ext uri="{28A0092B-C50C-407E-A947-70E740481C1C}">
-                <a14:useLocalDpi xmlns:a14="http://schemas.microsoft.com/office/drawing/2010/main" val="0"/>
-              </a:ext>
-            </a:extLst>
-          </a:blip>
-          <a:srcRect t="5701" b="5701"/>
-          <a:stretch>
-            <a:fillRect/>
-          </a:stretch>
-        </p:blipFill>
-        <p:spPr/>
-      </p:pic>
-    </p:spTree>
-    <p:extLst>
-      <p:ext uri="{BB962C8B-B14F-4D97-AF65-F5344CB8AC3E}">
-        <p14:creationId xmlns:p14="http://schemas.microsoft.com/office/powerpoint/2010/main" val="3867112780"/>
-      </p:ext>
-    </p:extLst>
-  </p:cSld>
-  <p:clrMapOvr>
-    <a:masterClrMapping/>
-  </p:clrMapOvr>
-  <mc:AlternateContent xmlns:mc="http://schemas.openxmlformats.org/markup-compatibility/2006" xmlns:p14="http://schemas.microsoft.com/office/powerpoint/2010/main">
-    <mc:Choice Requires="p14">
-      <p:transition spd="slow" p14:dur="2000"/>
-    </mc:Choice>
-    <mc:Fallback xmlns="">
-      <p:transition xmlns:p14="http://schemas.microsoft.com/office/powerpoint/2010/main" spd="slow"/>
-    </mc:Fallback>
-  </mc:AlternateContent>
-</p:sld>
-</file>
-
-<file path=ppt/slides/slide18.xml><?xml version="1.0" encoding="utf-8"?>
+<file path=ppt/slides/slide15.xml><?xml version="1.0" encoding="utf-8"?>
 <p:sld xmlns:a="http://schemas.openxmlformats.org/drawingml/2006/main" xmlns:r="http://schemas.openxmlformats.org/officeDocument/2006/relationships" xmlns:p="http://schemas.openxmlformats.org/presentationml/2006/main">
   <p:cSld>
     <p:spTree>
@@ -6846,7 +5099,7 @@
 </p:sld>
 </file>
 
-<file path=ppt/slides/slide19.xml><?xml version="1.0" encoding="utf-8"?>
+<file path=ppt/slides/slide16.xml><?xml version="1.0" encoding="utf-8"?>
 <p:sld xmlns:a="http://schemas.openxmlformats.org/drawingml/2006/main" xmlns:r="http://schemas.openxmlformats.org/officeDocument/2006/relationships" xmlns:p="http://schemas.openxmlformats.org/presentationml/2006/main">
   <p:cSld>
     <p:spTree>
@@ -6924,6 +5177,854 @@
 </p:sld>
 </file>
 
+<file path=ppt/slides/slide17.xml><?xml version="1.0" encoding="utf-8"?>
+<p:sld xmlns:a="http://schemas.openxmlformats.org/drawingml/2006/main" xmlns:r="http://schemas.openxmlformats.org/officeDocument/2006/relationships" xmlns:p="http://schemas.openxmlformats.org/presentationml/2006/main">
+  <p:cSld>
+    <p:spTree>
+      <p:nvGrpSpPr>
+        <p:cNvPr id="1" name=""/>
+        <p:cNvGrpSpPr/>
+        <p:nvPr/>
+      </p:nvGrpSpPr>
+      <p:grpSpPr>
+        <a:xfrm>
+          <a:off x="0" y="0"/>
+          <a:ext cx="0" cy="0"/>
+          <a:chOff x="0" y="0"/>
+          <a:chExt cx="0" cy="0"/>
+        </a:xfrm>
+      </p:grpSpPr>
+      <p:sp>
+        <p:nvSpPr>
+          <p:cNvPr id="2" name="Title 1"/>
+          <p:cNvSpPr>
+            <a:spLocks noGrp="1"/>
+          </p:cNvSpPr>
+          <p:nvPr>
+            <p:ph type="title"/>
+          </p:nvPr>
+        </p:nvSpPr>
+        <p:spPr/>
+        <p:txBody>
+          <a:bodyPr/>
+          <a:lstStyle/>
+          <a:p>
+            <a:r>
+              <a:rPr lang="en-US" dirty="0" smtClean="0"/>
+              <a:t>NGMW: Interaction of Models and Simulation</a:t>
+            </a:r>
+            <a:endParaRPr lang="en-US" dirty="0"/>
+          </a:p>
+        </p:txBody>
+      </p:sp>
+      <p:sp>
+        <p:nvSpPr>
+          <p:cNvPr id="3" name="Shape 72"/>
+          <p:cNvSpPr txBox="1">
+            <a:spLocks/>
+          </p:cNvSpPr>
+          <p:nvPr/>
+        </p:nvSpPr>
+        <p:spPr bwMode="auto">
+          <a:xfrm>
+            <a:off x="282231" y="786259"/>
+            <a:ext cx="8596312" cy="5281613"/>
+          </a:xfrm>
+          <a:prstGeom prst="rect">
+            <a:avLst/>
+          </a:prstGeom>
+          <a:noFill/>
+          <a:ln>
+            <a:noFill/>
+          </a:ln>
+          <a:extLst>
+            <a:ext uri="{909E8E84-426E-40dd-AFC4-6F175D3DCCD1}">
+              <a14:hiddenFill xmlns:a14="http://schemas.microsoft.com/office/drawing/2010/main">
+                <a:solidFill>
+                  <a:srgbClr val="FFFFFF"/>
+                </a:solidFill>
+              </a14:hiddenFill>
+            </a:ext>
+            <a:ext uri="{91240B29-F687-4f45-9708-019B960494DF}">
+              <a14:hiddenLine xmlns:a14="http://schemas.microsoft.com/office/drawing/2010/main" w="9525">
+                <a:solidFill>
+                  <a:srgbClr val="000000"/>
+                </a:solidFill>
+                <a:miter lim="800000"/>
+                <a:headEnd/>
+                <a:tailEnd/>
+              </a14:hiddenLine>
+            </a:ext>
+            <a:ext uri="{FAA26D3D-D897-4be2-8F04-BA451C77F1D7}">
+              <ma14:placeholderFlag xmlns:ma14="http://schemas.microsoft.com/office/mac/drawingml/2011/main" val="1"/>
+            </a:ext>
+          </a:extLst>
+        </p:spPr>
+        <p:txBody>
+          <a:bodyPr vert="horz" wrap="square" lIns="91425" tIns="91425" rIns="91425" bIns="91425" numCol="1" anchor="t" anchorCtr="0" compatLnSpc="1">
+            <a:prstTxWarp prst="textNoShape">
+              <a:avLst/>
+            </a:prstTxWarp>
+            <a:noAutofit/>
+          </a:bodyPr>
+          <a:lstStyle>
+            <a:lvl1pPr marL="227013" indent="-227013" algn="l" rtl="0" eaLnBrk="0" fontAlgn="base" hangingPunct="0">
+              <a:spcBef>
+                <a:spcPts val="1200"/>
+              </a:spcBef>
+              <a:spcAft>
+                <a:spcPct val="0"/>
+              </a:spcAft>
+              <a:buClr>
+                <a:schemeClr val="tx1">
+                  <a:lumMod val="95000"/>
+                  <a:lumOff val="5000"/>
+                </a:schemeClr>
+              </a:buClr>
+              <a:buChar char="•"/>
+              <a:tabLst/>
+              <a:defRPr sz="2000">
+                <a:solidFill>
+                  <a:schemeClr val="tx1">
+                    <a:lumMod val="95000"/>
+                    <a:lumOff val="5000"/>
+                  </a:schemeClr>
+                </a:solidFill>
+                <a:latin typeface="+mn-lt"/>
+                <a:ea typeface="ＭＳ Ｐゴシック" charset="-128"/>
+                <a:cs typeface="ＭＳ Ｐゴシック" charset="-128"/>
+              </a:defRPr>
+            </a:lvl1pPr>
+            <a:lvl2pPr marL="682625" indent="-225425" algn="l" rtl="0" eaLnBrk="0" fontAlgn="base" hangingPunct="0">
+              <a:spcBef>
+                <a:spcPct val="20000"/>
+              </a:spcBef>
+              <a:spcAft>
+                <a:spcPct val="0"/>
+              </a:spcAft>
+              <a:buClr>
+                <a:schemeClr val="tx1">
+                  <a:lumMod val="95000"/>
+                  <a:lumOff val="5000"/>
+                </a:schemeClr>
+              </a:buClr>
+              <a:buChar char="–"/>
+              <a:defRPr sz="1800">
+                <a:solidFill>
+                  <a:srgbClr val="5F5F5F"/>
+                </a:solidFill>
+                <a:latin typeface="+mn-lt"/>
+                <a:ea typeface="ＭＳ Ｐゴシック" charset="-128"/>
+              </a:defRPr>
+            </a:lvl2pPr>
+            <a:lvl3pPr marL="1090613" indent="-176213" algn="l" rtl="0" eaLnBrk="0" fontAlgn="base" hangingPunct="0">
+              <a:spcBef>
+                <a:spcPct val="20000"/>
+              </a:spcBef>
+              <a:spcAft>
+                <a:spcPct val="0"/>
+              </a:spcAft>
+              <a:buClr>
+                <a:schemeClr val="tx1">
+                  <a:lumMod val="95000"/>
+                  <a:lumOff val="5000"/>
+                </a:schemeClr>
+              </a:buClr>
+              <a:buChar char="•"/>
+              <a:defRPr sz="1800">
+                <a:solidFill>
+                  <a:srgbClr val="5F5F5F"/>
+                </a:solidFill>
+                <a:latin typeface="+mn-lt"/>
+                <a:ea typeface="ＭＳ Ｐゴシック" charset="-128"/>
+              </a:defRPr>
+            </a:lvl3pPr>
+            <a:lvl4pPr marL="1600200" indent="-228600" algn="l" rtl="0" eaLnBrk="0" fontAlgn="base" hangingPunct="0">
+              <a:spcBef>
+                <a:spcPct val="20000"/>
+              </a:spcBef>
+              <a:spcAft>
+                <a:spcPct val="0"/>
+              </a:spcAft>
+              <a:buClr>
+                <a:schemeClr val="tx1">
+                  <a:lumMod val="95000"/>
+                  <a:lumOff val="5000"/>
+                </a:schemeClr>
+              </a:buClr>
+              <a:buChar char="–"/>
+              <a:defRPr sz="1800">
+                <a:solidFill>
+                  <a:srgbClr val="5F5F5F"/>
+                </a:solidFill>
+                <a:latin typeface="+mn-lt"/>
+                <a:ea typeface="ＭＳ Ｐゴシック" charset="-128"/>
+              </a:defRPr>
+            </a:lvl4pPr>
+            <a:lvl5pPr marL="2000250" indent="-171450" algn="l" rtl="0" eaLnBrk="0" fontAlgn="base" hangingPunct="0">
+              <a:spcBef>
+                <a:spcPct val="20000"/>
+              </a:spcBef>
+              <a:spcAft>
+                <a:spcPct val="0"/>
+              </a:spcAft>
+              <a:buClr>
+                <a:schemeClr val="tx1">
+                  <a:lumMod val="95000"/>
+                  <a:lumOff val="5000"/>
+                </a:schemeClr>
+              </a:buClr>
+              <a:buChar char="»"/>
+              <a:defRPr sz="1800">
+                <a:solidFill>
+                  <a:srgbClr val="5F5F5F"/>
+                </a:solidFill>
+                <a:latin typeface="+mn-lt"/>
+                <a:ea typeface="ＭＳ Ｐゴシック" charset="-128"/>
+              </a:defRPr>
+            </a:lvl5pPr>
+            <a:lvl6pPr marL="2514600" indent="-228600" algn="l" rtl="0" fontAlgn="base">
+              <a:spcBef>
+                <a:spcPct val="20000"/>
+              </a:spcBef>
+              <a:spcAft>
+                <a:spcPct val="0"/>
+              </a:spcAft>
+              <a:buChar char="»"/>
+              <a:defRPr sz="1400">
+                <a:solidFill>
+                  <a:srgbClr val="5F5F5F"/>
+                </a:solidFill>
+                <a:latin typeface="+mn-lt"/>
+                <a:ea typeface="ＭＳ Ｐゴシック" charset="-128"/>
+              </a:defRPr>
+            </a:lvl6pPr>
+            <a:lvl7pPr marL="2971800" indent="-228600" algn="l" rtl="0" fontAlgn="base">
+              <a:spcBef>
+                <a:spcPct val="20000"/>
+              </a:spcBef>
+              <a:spcAft>
+                <a:spcPct val="0"/>
+              </a:spcAft>
+              <a:buChar char="»"/>
+              <a:defRPr sz="1400">
+                <a:solidFill>
+                  <a:srgbClr val="5F5F5F"/>
+                </a:solidFill>
+                <a:latin typeface="+mn-lt"/>
+                <a:ea typeface="ＭＳ Ｐゴシック" charset="-128"/>
+              </a:defRPr>
+            </a:lvl7pPr>
+            <a:lvl8pPr marL="3429000" indent="-228600" algn="l" rtl="0" fontAlgn="base">
+              <a:spcBef>
+                <a:spcPct val="20000"/>
+              </a:spcBef>
+              <a:spcAft>
+                <a:spcPct val="0"/>
+              </a:spcAft>
+              <a:buChar char="»"/>
+              <a:defRPr sz="1400">
+                <a:solidFill>
+                  <a:srgbClr val="5F5F5F"/>
+                </a:solidFill>
+                <a:latin typeface="+mn-lt"/>
+                <a:ea typeface="ＭＳ Ｐゴシック" charset="-128"/>
+              </a:defRPr>
+            </a:lvl8pPr>
+            <a:lvl9pPr marL="3886200" indent="-228600" algn="l" rtl="0" fontAlgn="base">
+              <a:spcBef>
+                <a:spcPct val="20000"/>
+              </a:spcBef>
+              <a:spcAft>
+                <a:spcPct val="0"/>
+              </a:spcAft>
+              <a:buChar char="»"/>
+              <a:defRPr sz="1400">
+                <a:solidFill>
+                  <a:srgbClr val="5F5F5F"/>
+                </a:solidFill>
+                <a:latin typeface="+mn-lt"/>
+                <a:ea typeface="ＭＳ Ｐゴシック" charset="-128"/>
+              </a:defRPr>
+            </a:lvl9pPr>
+          </a:lstStyle>
+          <a:p>
+            <a:pPr marL="344488" indent="-342900"/>
+            <a:r>
+              <a:rPr lang="en-US" dirty="0" smtClean="0"/>
+              <a:t>Interaction between Models:</a:t>
+            </a:r>
+          </a:p>
+          <a:p>
+            <a:pPr marL="800100" lvl="1" indent="-342900"/>
+            <a:r>
+              <a:rPr lang="en-US" dirty="0" smtClean="0"/>
+              <a:t>[</a:t>
+            </a:r>
+            <a:r>
+              <a:rPr lang="en-US" dirty="0"/>
+              <a:t>A*, W* ] and [P*, F*]</a:t>
+            </a:r>
+          </a:p>
+          <a:p>
+            <a:pPr marL="1208088" lvl="2" indent="-342900"/>
+            <a:r>
+              <a:rPr lang="en-US" dirty="0"/>
+              <a:t>Here A* is a conceptual model, and W* is an analytical model</a:t>
+            </a:r>
+          </a:p>
+          <a:p>
+            <a:pPr marL="1208088" lvl="2" indent="-342900"/>
+            <a:r>
+              <a:rPr lang="en-US" dirty="0" smtClean="0"/>
+              <a:t>A </a:t>
+            </a:r>
+            <a:r>
+              <a:rPr lang="en-US" dirty="0"/>
+              <a:t>specific instance of A*, is subject to a transformation </a:t>
+            </a:r>
+            <a:r>
+              <a:rPr lang="en-US" b="1" dirty="0">
+                <a:ln w="12700">
+                  <a:solidFill>
+                    <a:schemeClr val="tx2">
+                      <a:satMod val="155000"/>
+                    </a:schemeClr>
+                  </a:solidFill>
+                  <a:prstDash val="solid"/>
+                </a:ln>
+                <a:solidFill>
+                  <a:schemeClr val="bg2">
+                    <a:tint val="85000"/>
+                    <a:satMod val="155000"/>
+                  </a:schemeClr>
+                </a:solidFill>
+                <a:effectLst>
+                  <a:outerShdw blurRad="41275" dist="20320" dir="1800000" algn="tl" rotWithShape="0">
+                    <a:srgbClr val="000000">
+                      <a:alpha val="40000"/>
+                    </a:srgbClr>
+                  </a:outerShdw>
+                </a:effectLst>
+              </a:rPr>
+              <a:t>W</a:t>
+            </a:r>
+            <a:r>
+              <a:rPr lang="en-US" dirty="0"/>
+              <a:t> which converts into executable units </a:t>
+            </a:r>
+            <a:r>
+              <a:rPr lang="en-US" dirty="0" smtClean="0"/>
+              <a:t>(per W*) that </a:t>
+            </a:r>
+            <a:r>
+              <a:rPr lang="en-US" dirty="0"/>
+              <a:t>have performance requirements</a:t>
+            </a:r>
+          </a:p>
+          <a:p>
+            <a:pPr marL="1208088" lvl="2" indent="-342900"/>
+            <a:r>
+              <a:rPr lang="en-US" dirty="0" smtClean="0"/>
+              <a:t>Infrastructure modeled as I*, capability is exposed and federated per F*</a:t>
+            </a:r>
+          </a:p>
+          <a:p>
+            <a:pPr marL="1208088" lvl="2" indent="-342900"/>
+            <a:r>
+              <a:rPr lang="en-US" dirty="0" smtClean="0"/>
+              <a:t>I</a:t>
+            </a:r>
+            <a:r>
+              <a:rPr lang="en-US" dirty="0"/>
+              <a:t>* </a:t>
+            </a:r>
+            <a:r>
+              <a:rPr lang="en-US" dirty="0" smtClean="0"/>
+              <a:t>subject </a:t>
+            </a:r>
+            <a:r>
+              <a:rPr lang="en-US" dirty="0"/>
+              <a:t>to a transformation </a:t>
+            </a:r>
+            <a:r>
+              <a:rPr lang="en-US" b="1" dirty="0" smtClean="0">
+                <a:ln w="12700">
+                  <a:solidFill>
+                    <a:schemeClr val="tx2">
+                      <a:satMod val="155000"/>
+                    </a:schemeClr>
+                  </a:solidFill>
+                  <a:prstDash val="solid"/>
+                </a:ln>
+                <a:solidFill>
+                  <a:schemeClr val="bg2">
+                    <a:tint val="85000"/>
+                    <a:satMod val="155000"/>
+                  </a:schemeClr>
+                </a:solidFill>
+                <a:effectLst>
+                  <a:outerShdw blurRad="41275" dist="20320" dir="1800000" algn="tl" rotWithShape="0">
+                    <a:srgbClr val="000000">
+                      <a:alpha val="40000"/>
+                    </a:srgbClr>
+                  </a:outerShdw>
+                </a:effectLst>
+              </a:rPr>
+              <a:t>F </a:t>
+            </a:r>
+            <a:r>
+              <a:rPr lang="en-US" dirty="0" smtClean="0"/>
+              <a:t>(</a:t>
+            </a:r>
+            <a:r>
+              <a:rPr lang="en-US" dirty="0"/>
+              <a:t>aggregation of resources per F*</a:t>
+            </a:r>
+            <a:r>
+              <a:rPr lang="en-US" dirty="0" smtClean="0"/>
+              <a:t>) to provide a federated capability</a:t>
+            </a:r>
+            <a:endParaRPr lang="en-US" dirty="0"/>
+          </a:p>
+          <a:p>
+            <a:pPr marL="344488" indent="-342900"/>
+            <a:r>
+              <a:rPr lang="en-US" sz="2000" dirty="0" smtClean="0"/>
+              <a:t>Role of Simulation</a:t>
+            </a:r>
+          </a:p>
+          <a:p>
+            <a:pPr marL="800100" lvl="1" indent="-342900"/>
+            <a:r>
+              <a:rPr lang="en-US" sz="1800" dirty="0" smtClean="0"/>
+              <a:t>If we federate a given set of resources {I} what is the performance we expect?</a:t>
+            </a:r>
+          </a:p>
+          <a:p>
+            <a:pPr marL="800100" lvl="1" indent="-342900"/>
+            <a:r>
+              <a:rPr lang="en-US" dirty="0" smtClean="0"/>
+              <a:t>If we want a capability [C], what is the set of resources {I} we need to federate to get  this [C] with well-defined probability distribution?</a:t>
+            </a:r>
+          </a:p>
+          <a:p>
+            <a:pPr marL="800100" lvl="1" indent="-342900"/>
+            <a:r>
+              <a:rPr lang="en-US" sz="1800" dirty="0" smtClean="0"/>
+              <a:t>Given an instance of an application (model), what is the workload  independent of the underlying resources?</a:t>
+            </a:r>
+          </a:p>
+        </p:txBody>
+      </p:sp>
+    </p:spTree>
+    <p:extLst>
+      <p:ext uri="{BB962C8B-B14F-4D97-AF65-F5344CB8AC3E}">
+        <p14:creationId xmlns:p14="http://schemas.microsoft.com/office/powerpoint/2010/main" val="1704466999"/>
+      </p:ext>
+    </p:extLst>
+  </p:cSld>
+  <p:clrMapOvr>
+    <a:masterClrMapping/>
+  </p:clrMapOvr>
+  <p:timing>
+    <p:tnLst>
+      <p:par>
+        <p:cTn xmlns:p14="http://schemas.microsoft.com/office/powerpoint/2010/main" id="1" dur="indefinite" restart="never" nodeType="tmRoot"/>
+      </p:par>
+    </p:tnLst>
+  </p:timing>
+</p:sld>
+</file>
+
+<file path=ppt/slides/slide18.xml><?xml version="1.0" encoding="utf-8"?>
+<p:sld xmlns:a="http://schemas.openxmlformats.org/drawingml/2006/main" xmlns:r="http://schemas.openxmlformats.org/officeDocument/2006/relationships" xmlns:p="http://schemas.openxmlformats.org/presentationml/2006/main">
+  <p:cSld>
+    <p:spTree>
+      <p:nvGrpSpPr>
+        <p:cNvPr id="1" name=""/>
+        <p:cNvGrpSpPr/>
+        <p:nvPr/>
+      </p:nvGrpSpPr>
+      <p:grpSpPr>
+        <a:xfrm>
+          <a:off x="0" y="0"/>
+          <a:ext cx="0" cy="0"/>
+          <a:chOff x="0" y="0"/>
+          <a:chExt cx="0" cy="0"/>
+        </a:xfrm>
+      </p:grpSpPr>
+      <p:sp>
+        <p:nvSpPr>
+          <p:cNvPr id="58369" name="Title 1"/>
+          <p:cNvSpPr>
+            <a:spLocks noGrp="1"/>
+          </p:cNvSpPr>
+          <p:nvPr>
+            <p:ph type="title"/>
+          </p:nvPr>
+        </p:nvSpPr>
+        <p:spPr/>
+        <p:txBody>
+          <a:bodyPr/>
+          <a:lstStyle/>
+          <a:p>
+            <a:r>
+              <a:rPr lang="en-US" dirty="0" smtClean="0">
+                <a:latin typeface="Arial" charset="0"/>
+                <a:ea typeface="ＭＳ Ｐゴシック" charset="0"/>
+                <a:cs typeface="ＭＳ Ｐゴシック" charset="0"/>
+              </a:rPr>
+              <a:t>Mapping Tasks to Resources</a:t>
+            </a:r>
+            <a:endParaRPr lang="en-US" dirty="0">
+              <a:latin typeface="Arial" charset="0"/>
+              <a:ea typeface="ＭＳ Ｐゴシック" charset="0"/>
+              <a:cs typeface="ＭＳ Ｐゴシック" charset="0"/>
+            </a:endParaRPr>
+          </a:p>
+        </p:txBody>
+      </p:sp>
+      <p:sp>
+        <p:nvSpPr>
+          <p:cNvPr id="58370" name="Content Placeholder 2"/>
+          <p:cNvSpPr>
+            <a:spLocks noGrp="1"/>
+          </p:cNvSpPr>
+          <p:nvPr>
+            <p:ph idx="1"/>
+          </p:nvPr>
+        </p:nvSpPr>
+        <p:spPr/>
+        <p:txBody>
+          <a:bodyPr/>
+          <a:lstStyle/>
+          <a:p>
+            <a:r>
+              <a:rPr lang="en-US" dirty="0">
+                <a:latin typeface="Arial" charset="0"/>
+                <a:ea typeface="ＭＳ Ｐゴシック" charset="0"/>
+                <a:cs typeface="ＭＳ Ｐゴシック" charset="0"/>
+              </a:rPr>
+              <a:t>Different aspects of mapping tasks to resources</a:t>
+            </a:r>
+          </a:p>
+          <a:p>
+            <a:pPr lvl="1"/>
+            <a:r>
+              <a:rPr lang="en-US" dirty="0">
+                <a:latin typeface="Arial" charset="0"/>
+                <a:ea typeface="ＭＳ Ｐゴシック" charset="0"/>
+              </a:rPr>
+              <a:t>I. Optimal Characterization: Finding the optimal workload </a:t>
+            </a:r>
+            <a:r>
+              <a:rPr lang="en-US" dirty="0" err="1">
+                <a:latin typeface="Arial" charset="0"/>
+                <a:ea typeface="ＭＳ Ｐゴシック" charset="0"/>
+              </a:rPr>
+              <a:t>characterisation</a:t>
+            </a:r>
+            <a:r>
+              <a:rPr lang="en-US" dirty="0">
+                <a:latin typeface="Arial" charset="0"/>
+                <a:ea typeface="ＭＳ Ｐゴシック" charset="0"/>
+              </a:rPr>
+              <a:t> (of an application)</a:t>
+            </a:r>
+          </a:p>
+          <a:p>
+            <a:pPr lvl="2"/>
+            <a:r>
+              <a:rPr lang="en-US" dirty="0">
+                <a:latin typeface="Arial" charset="0"/>
+                <a:ea typeface="ＭＳ Ｐゴシック" charset="0"/>
+              </a:rPr>
+              <a:t>Generality versus specificity. Class of Applications versus Many application classes/types</a:t>
+            </a:r>
+          </a:p>
+          <a:p>
+            <a:pPr lvl="2"/>
+            <a:r>
+              <a:rPr lang="en-US" dirty="0">
+                <a:latin typeface="Arial" charset="0"/>
+                <a:ea typeface="ＭＳ Ｐゴシック" charset="0"/>
+              </a:rPr>
+              <a:t>Different applications have different metrics</a:t>
+            </a:r>
+          </a:p>
+          <a:p>
+            <a:pPr lvl="1"/>
+            <a:r>
+              <a:rPr lang="en-US" dirty="0">
+                <a:latin typeface="Arial" charset="0"/>
+                <a:ea typeface="ＭＳ Ｐゴシック" charset="0"/>
+              </a:rPr>
+              <a:t>II. Optimal Federation: Finding the optimal resource configurations for a given workload </a:t>
+            </a:r>
+          </a:p>
+          <a:p>
+            <a:pPr lvl="2"/>
+            <a:r>
+              <a:rPr lang="en-US" dirty="0">
+                <a:latin typeface="Arial" charset="0"/>
+                <a:ea typeface="ＭＳ Ｐゴシック" charset="0"/>
+              </a:rPr>
+              <a:t>Irrespective of whether it is best representation of an application</a:t>
+            </a:r>
+          </a:p>
+          <a:p>
+            <a:pPr lvl="2"/>
+            <a:r>
+              <a:rPr lang="en-US" dirty="0">
+                <a:latin typeface="Arial" charset="0"/>
+                <a:ea typeface="ＭＳ Ｐゴシック" charset="0"/>
+              </a:rPr>
+              <a:t>Resources availability at extreme scale is variable</a:t>
+            </a:r>
+          </a:p>
+          <a:p>
+            <a:pPr lvl="1"/>
+            <a:r>
+              <a:rPr lang="en-US" dirty="0">
+                <a:latin typeface="Arial" charset="0"/>
+                <a:ea typeface="ＭＳ Ｐゴシック" charset="0"/>
+              </a:rPr>
+              <a:t>III. Optimal Mapping: Workload to Resource Mapping</a:t>
+            </a:r>
+          </a:p>
+          <a:p>
+            <a:pPr lvl="2"/>
+            <a:r>
+              <a:rPr lang="en-US" dirty="0">
+                <a:latin typeface="Arial" charset="0"/>
+                <a:ea typeface="ＭＳ Ｐゴシック" charset="0"/>
+              </a:rPr>
+              <a:t>Static versus Dynamic Mapping</a:t>
+            </a:r>
+          </a:p>
+          <a:p>
+            <a:pPr lvl="3"/>
+            <a:r>
+              <a:rPr lang="en-US" dirty="0">
+                <a:latin typeface="Arial" charset="0"/>
+                <a:ea typeface="ＭＳ Ｐゴシック" charset="0"/>
+              </a:rPr>
+              <a:t>If traditional HPC where workloads are characterized by finite set of kernels then static is acceptable; where workload is dynamic and capture many different applications then</a:t>
+            </a:r>
+          </a:p>
+        </p:txBody>
+      </p:sp>
+    </p:spTree>
+    <p:extLst>
+      <p:ext uri="{BB962C8B-B14F-4D97-AF65-F5344CB8AC3E}">
+        <p14:creationId xmlns:p14="http://schemas.microsoft.com/office/powerpoint/2010/main" val="1666342825"/>
+      </p:ext>
+    </p:extLst>
+  </p:cSld>
+  <p:clrMapOvr>
+    <a:masterClrMapping/>
+  </p:clrMapOvr>
+</p:sld>
+</file>
+
+<file path=ppt/slides/slide19.xml><?xml version="1.0" encoding="utf-8"?>
+<p:sld xmlns:a="http://schemas.openxmlformats.org/drawingml/2006/main" xmlns:r="http://schemas.openxmlformats.org/officeDocument/2006/relationships" xmlns:p="http://schemas.openxmlformats.org/presentationml/2006/main">
+  <p:cSld>
+    <p:spTree>
+      <p:nvGrpSpPr>
+        <p:cNvPr id="1" name=""/>
+        <p:cNvGrpSpPr/>
+        <p:nvPr/>
+      </p:nvGrpSpPr>
+      <p:grpSpPr>
+        <a:xfrm>
+          <a:off x="0" y="0"/>
+          <a:ext cx="0" cy="0"/>
+          <a:chOff x="0" y="0"/>
+          <a:chExt cx="0" cy="0"/>
+        </a:xfrm>
+      </p:grpSpPr>
+      <p:sp>
+        <p:nvSpPr>
+          <p:cNvPr id="2" name="Title 1"/>
+          <p:cNvSpPr>
+            <a:spLocks noGrp="1"/>
+          </p:cNvSpPr>
+          <p:nvPr>
+            <p:ph type="title"/>
+          </p:nvPr>
+        </p:nvSpPr>
+        <p:spPr/>
+        <p:txBody>
+          <a:bodyPr/>
+          <a:lstStyle/>
+          <a:p>
+            <a:r>
+              <a:rPr lang="en-US" dirty="0" smtClean="0"/>
+              <a:t>Organizer’s Questions</a:t>
+            </a:r>
+            <a:endParaRPr lang="en-US" dirty="0"/>
+          </a:p>
+        </p:txBody>
+      </p:sp>
+      <p:sp>
+        <p:nvSpPr>
+          <p:cNvPr id="3" name="Content Placeholder 2"/>
+          <p:cNvSpPr>
+            <a:spLocks noGrp="1"/>
+          </p:cNvSpPr>
+          <p:nvPr>
+            <p:ph idx="1"/>
+          </p:nvPr>
+        </p:nvSpPr>
+        <p:spPr/>
+        <p:txBody>
+          <a:bodyPr/>
+          <a:lstStyle/>
+          <a:p>
+            <a:r>
+              <a:rPr lang="en-US" dirty="0"/>
+              <a:t>W</a:t>
+            </a:r>
+            <a:r>
+              <a:rPr lang="en-US" dirty="0" smtClean="0"/>
+              <a:t>hat </a:t>
+            </a:r>
+            <a:r>
+              <a:rPr lang="en-US" dirty="0"/>
+              <a:t>is the major contribution of your </a:t>
+            </a:r>
+            <a:r>
+              <a:rPr lang="en-US" dirty="0" smtClean="0"/>
+              <a:t>research?</a:t>
+            </a:r>
+          </a:p>
+          <a:p>
+            <a:r>
+              <a:rPr lang="en-US" dirty="0"/>
+              <a:t>W</a:t>
+            </a:r>
+            <a:r>
+              <a:rPr lang="en-US" dirty="0" smtClean="0"/>
+              <a:t>hat </a:t>
+            </a:r>
+            <a:r>
+              <a:rPr lang="en-US" dirty="0"/>
+              <a:t>are the gaps you identify in the research coverage in your area</a:t>
+            </a:r>
+            <a:r>
+              <a:rPr lang="en-US" dirty="0" smtClean="0"/>
+              <a:t>?</a:t>
+            </a:r>
+          </a:p>
+          <a:p>
+            <a:r>
+              <a:rPr lang="en-US" dirty="0"/>
+              <a:t>W</a:t>
+            </a:r>
+            <a:r>
+              <a:rPr lang="en-US" dirty="0" smtClean="0"/>
+              <a:t>hat </a:t>
+            </a:r>
+            <a:r>
+              <a:rPr lang="en-US" dirty="0"/>
+              <a:t>is the bigger picture for your research area? (i.e., identify synergistic projects, complementary projects in technical sense, </a:t>
+            </a:r>
+            <a:r>
+              <a:rPr lang="en-US" dirty="0" err="1"/>
+              <a:t>etc</a:t>
+            </a:r>
+            <a:r>
+              <a:rPr lang="en-US" dirty="0"/>
+              <a:t>) </a:t>
+            </a:r>
+            <a:endParaRPr lang="en-US" dirty="0" smtClean="0"/>
+          </a:p>
+          <a:p>
+            <a:r>
+              <a:rPr lang="en-US" dirty="0"/>
+              <a:t>H</a:t>
+            </a:r>
+            <a:r>
+              <a:rPr lang="en-US" dirty="0" smtClean="0"/>
+              <a:t>ow </a:t>
+            </a:r>
+            <a:r>
+              <a:rPr lang="en-US" dirty="0"/>
+              <a:t>do you see cross-pollination across projects funded by different funding agencies</a:t>
+            </a:r>
+            <a:r>
+              <a:rPr lang="en-US" dirty="0" smtClean="0"/>
+              <a:t>?</a:t>
+            </a:r>
+          </a:p>
+          <a:p>
+            <a:r>
+              <a:rPr lang="en-US" dirty="0"/>
+              <a:t>W</a:t>
+            </a:r>
+            <a:r>
+              <a:rPr lang="en-US" dirty="0" smtClean="0"/>
+              <a:t>hat </a:t>
+            </a:r>
+            <a:r>
+              <a:rPr lang="en-US" dirty="0"/>
+              <a:t>is the one thing that would make it easier/possible to leverage/use the results of other projects to further your own </a:t>
+            </a:r>
+            <a:r>
+              <a:rPr lang="en-US" dirty="0" smtClean="0"/>
+              <a:t>research?</a:t>
+            </a:r>
+          </a:p>
+          <a:p>
+            <a:r>
+              <a:rPr lang="en-US" dirty="0" smtClean="0"/>
+              <a:t>What</a:t>
+            </a:r>
+            <a:r>
+              <a:rPr lang="en-US" dirty="0"/>
+              <a:t>  would you like to most see solved/addressed other than what they are working on?</a:t>
+            </a:r>
+          </a:p>
+          <a:p>
+            <a:pPr marL="0" indent="0">
+              <a:buNone/>
+            </a:pPr>
+            <a:r>
+              <a:rPr lang="en-US" dirty="0"/>
+              <a:t/>
+            </a:r>
+            <a:br>
+              <a:rPr lang="en-US" dirty="0"/>
+            </a:br>
+            <a:endParaRPr lang="en-US" dirty="0"/>
+          </a:p>
+          <a:p>
+            <a:endParaRPr lang="en-US" dirty="0"/>
+          </a:p>
+        </p:txBody>
+      </p:sp>
+    </p:spTree>
+    <p:extLst>
+      <p:ext uri="{BB962C8B-B14F-4D97-AF65-F5344CB8AC3E}">
+        <p14:creationId xmlns:p14="http://schemas.microsoft.com/office/powerpoint/2010/main" val="2665645213"/>
+      </p:ext>
+    </p:extLst>
+  </p:cSld>
+  <p:clrMapOvr>
+    <a:masterClrMapping/>
+  </p:clrMapOvr>
+  <p:timing>
+    <p:tnLst>
+      <p:par>
+        <p:cTn xmlns:p14="http://schemas.microsoft.com/office/powerpoint/2010/main" id="1" dur="indefinite" restart="never" nodeType="tmRoot"/>
+      </p:par>
+    </p:tnLst>
+  </p:timing>
+</p:sld>
+</file>
+
 <file path=ppt/slides/slide2.xml><?xml version="1.0" encoding="utf-8"?>
 <p:sld xmlns:a="http://schemas.openxmlformats.org/drawingml/2006/main" xmlns:r="http://schemas.openxmlformats.org/officeDocument/2006/relationships" xmlns:p="http://schemas.openxmlformats.org/presentationml/2006/main">
   <p:cSld>
@@ -7065,7 +6166,7 @@
               <a:buSzPct val="100000"/>
             </a:pPr>
             <a:r>
-              <a:rPr lang="en-US" dirty="0">
+              <a:rPr lang="en-US" dirty="0" smtClean="0">
                 <a:solidFill>
                   <a:schemeClr val="tx1">
                     <a:lumMod val="65000"/>
@@ -7073,18 +6174,10 @@
                   </a:schemeClr>
                 </a:solidFill>
               </a:rPr>
-              <a:t>The State of Extreme Scale Distributed Computing </a:t>
-            </a:r>
-          </a:p>
-          <a:p>
-            <a:pPr>
-              <a:buClr>
-                <a:srgbClr val="000000"/>
-              </a:buClr>
-              <a:buSzPct val="100000"/>
-            </a:pPr>
-            <a:r>
-              <a:rPr lang="en-US" dirty="0" smtClean="0">
+              <a:t>Distributed </a:t>
+            </a:r>
+            <a:r>
+              <a:rPr lang="en-US" dirty="0">
                 <a:solidFill>
                   <a:schemeClr val="tx1">
                     <a:lumMod val="65000"/>
@@ -7092,7 +6185,18 @@
                   </a:schemeClr>
                 </a:solidFill>
               </a:rPr>
-              <a:t>NGMW as a way to address DEC requirements</a:t>
+              <a:t>Computing </a:t>
+            </a:r>
+            <a:r>
+              <a:rPr lang="en-US" dirty="0" smtClean="0">
+                <a:solidFill>
+                  <a:schemeClr val="tx1">
+                    <a:lumMod val="65000"/>
+                    <a:lumOff val="35000"/>
+                  </a:schemeClr>
+                </a:solidFill>
+              </a:rPr>
+              <a:t>2013</a:t>
             </a:r>
             <a:endParaRPr lang="en-US" dirty="0">
               <a:solidFill>
@@ -7104,6 +6208,33 @@
             </a:endParaRPr>
           </a:p>
           <a:p>
+            <a:pPr>
+              <a:buClr>
+                <a:srgbClr val="000000"/>
+              </a:buClr>
+              <a:buSzPct val="100000"/>
+            </a:pPr>
+            <a:r>
+              <a:rPr lang="en-US" dirty="0" smtClean="0">
+                <a:solidFill>
+                  <a:schemeClr val="tx1">
+                    <a:lumMod val="65000"/>
+                    <a:lumOff val="35000"/>
+                  </a:schemeClr>
+                </a:solidFill>
+              </a:rPr>
+              <a:t>NGMW as a way to address DEC requirements</a:t>
+            </a:r>
+            <a:endParaRPr lang="en-US" dirty="0">
+              <a:solidFill>
+                <a:schemeClr val="tx1">
+                  <a:lumMod val="65000"/>
+                  <a:lumOff val="35000"/>
+                </a:schemeClr>
+              </a:solidFill>
+            </a:endParaRPr>
+          </a:p>
+          <a:p>
             <a:pPr lvl="1">
               <a:buClr>
                 <a:srgbClr val="000000"/>
@@ -7119,7 +6250,200 @@
                   </a:schemeClr>
                 </a:solidFill>
               </a:rPr>
-              <a:t>Design considerations for NGMW</a:t>
+              <a:t>Functional Aims, Design Objectives </a:t>
+            </a:r>
+          </a:p>
+          <a:p>
+            <a:pPr lvl="1">
+              <a:buClr>
+                <a:srgbClr val="000000"/>
+              </a:buClr>
+              <a:buSzPct val="100000"/>
+            </a:pPr>
+            <a:r>
+              <a:rPr lang="en-US" sz="2000" dirty="0" smtClean="0">
+                <a:solidFill>
+                  <a:schemeClr val="tx1">
+                    <a:lumMod val="65000"/>
+                    <a:lumOff val="35000"/>
+                  </a:schemeClr>
+                </a:solidFill>
+              </a:rPr>
+              <a:t>Proposed Architecture for a capabilities based NGMW</a:t>
+            </a:r>
+          </a:p>
+          <a:p>
+            <a:pPr lvl="2">
+              <a:buClr>
+                <a:srgbClr val="000000"/>
+              </a:buClr>
+              <a:buSzPct val="100000"/>
+            </a:pPr>
+            <a:r>
+              <a:rPr lang="en-US" sz="2000" dirty="0" smtClean="0">
+                <a:solidFill>
+                  <a:schemeClr val="tx1">
+                    <a:lumMod val="65000"/>
+                    <a:lumOff val="35000"/>
+                  </a:schemeClr>
+                </a:solidFill>
+              </a:rPr>
+              <a:t>Multiple Models and their integration</a:t>
+            </a:r>
+          </a:p>
+          <a:p>
+            <a:pPr marL="1717675" lvl="3" indent="-342900">
+              <a:buClr>
+                <a:srgbClr val="000000"/>
+              </a:buClr>
+              <a:buSzPct val="100000"/>
+            </a:pPr>
+            <a:r>
+              <a:rPr lang="en-US" sz="2000" dirty="0" smtClean="0">
+                <a:solidFill>
+                  <a:schemeClr val="tx1">
+                    <a:lumMod val="65000"/>
+                    <a:lumOff val="35000"/>
+                  </a:schemeClr>
+                </a:solidFill>
+              </a:rPr>
+              <a:t>Applications: A*, W*</a:t>
+            </a:r>
+          </a:p>
+          <a:p>
+            <a:pPr marL="1717675" lvl="3" indent="-342900">
+              <a:buClr>
+                <a:srgbClr val="000000"/>
+              </a:buClr>
+              <a:buSzPct val="100000"/>
+            </a:pPr>
+            <a:r>
+              <a:rPr lang="en-US" sz="2000" dirty="0" smtClean="0">
+                <a:solidFill>
+                  <a:schemeClr val="tx1">
+                    <a:lumMod val="65000"/>
+                    <a:lumOff val="35000"/>
+                  </a:schemeClr>
+                </a:solidFill>
+              </a:rPr>
+              <a:t>Dynamic Resources/Infrastructure: P*, I*</a:t>
+            </a:r>
+          </a:p>
+          <a:p>
+            <a:pPr marL="1717675" lvl="3" indent="-342900">
+              <a:buClr>
+                <a:srgbClr val="000000"/>
+              </a:buClr>
+              <a:buSzPct val="100000"/>
+            </a:pPr>
+            <a:r>
+              <a:rPr lang="en-US" sz="2000" dirty="0" smtClean="0">
+                <a:solidFill>
+                  <a:schemeClr val="tx1">
+                    <a:lumMod val="65000"/>
+                    <a:lumOff val="35000"/>
+                  </a:schemeClr>
+                </a:solidFill>
+              </a:rPr>
+              <a:t>Federation of Infrastructure F*</a:t>
+            </a:r>
+          </a:p>
+          <a:p>
+            <a:pPr marL="800100" lvl="1" indent="-342900">
+              <a:buClr>
+                <a:srgbClr val="000000"/>
+              </a:buClr>
+              <a:buSzPct val="100000"/>
+            </a:pPr>
+            <a:r>
+              <a:rPr lang="en-US" sz="2000" dirty="0" smtClean="0">
+                <a:solidFill>
+                  <a:schemeClr val="tx1">
+                    <a:lumMod val="65000"/>
+                    <a:lumOff val="35000"/>
+                  </a:schemeClr>
+                </a:solidFill>
+              </a:rPr>
+              <a:t>Putting it altogether: Conceptual and Implementation</a:t>
+            </a:r>
+          </a:p>
+          <a:p>
+            <a:pPr marL="344488" indent="-342900">
+              <a:buClr>
+                <a:srgbClr val="000000"/>
+              </a:buClr>
+              <a:buSzPct val="100000"/>
+            </a:pPr>
+            <a:r>
+              <a:rPr lang="en-US" dirty="0" smtClean="0">
+                <a:solidFill>
+                  <a:schemeClr val="tx1">
+                    <a:lumMod val="65000"/>
+                    <a:lumOff val="35000"/>
+                  </a:schemeClr>
+                </a:solidFill>
+              </a:rPr>
+              <a:t>Modeling and Simulation in NGMW</a:t>
+            </a:r>
+          </a:p>
+          <a:p>
+            <a:pPr marL="800100" lvl="1" indent="-342900">
+              <a:buClr>
+                <a:srgbClr val="000000"/>
+              </a:buClr>
+              <a:buSzPct val="100000"/>
+            </a:pPr>
+            <a:r>
+              <a:rPr lang="en-US" sz="2000" dirty="0" smtClean="0">
+                <a:solidFill>
+                  <a:schemeClr val="tx1">
+                    <a:lumMod val="65000"/>
+                    <a:lumOff val="35000"/>
+                  </a:schemeClr>
+                </a:solidFill>
+              </a:rPr>
+              <a:t>Active role for simulation and not just offline/passive simulation</a:t>
+            </a:r>
+          </a:p>
+          <a:p>
+            <a:pPr marL="800100" lvl="1" indent="-342900">
+              <a:buClr>
+                <a:srgbClr val="000000"/>
+              </a:buClr>
+              <a:buSzPct val="100000"/>
+            </a:pPr>
+            <a:r>
+              <a:rPr lang="en-US" sz="2000" dirty="0" err="1">
+                <a:solidFill>
+                  <a:schemeClr val="tx1">
+                    <a:lumMod val="65000"/>
+                    <a:lumOff val="35000"/>
+                  </a:schemeClr>
+                </a:solidFill>
+              </a:rPr>
+              <a:t>ModSim</a:t>
+            </a:r>
+            <a:r>
+              <a:rPr lang="en-US" sz="2000" dirty="0">
+                <a:solidFill>
+                  <a:schemeClr val="tx1">
+                    <a:lumMod val="65000"/>
+                    <a:lumOff val="35000"/>
+                  </a:schemeClr>
+                </a:solidFill>
+              </a:rPr>
+              <a:t> </a:t>
+            </a:r>
+            <a:r>
+              <a:rPr lang="en-US" sz="2000" dirty="0" smtClean="0">
+                <a:solidFill>
+                  <a:schemeClr val="tx1">
+                    <a:lumMod val="65000"/>
+                    <a:lumOff val="35000"/>
+                  </a:schemeClr>
+                </a:solidFill>
+              </a:rPr>
+              <a:t>Challenges</a:t>
             </a:r>
             <a:endParaRPr lang="en-US" sz="2000" dirty="0">
               <a:solidFill>
@@ -7131,148 +6455,12 @@
             </a:endParaRPr>
           </a:p>
           <a:p>
-            <a:pPr lvl="1">
-              <a:buClr>
-                <a:srgbClr val="000000"/>
-              </a:buClr>
-              <a:buSzPct val="100000"/>
-            </a:pPr>
-            <a:r>
-              <a:rPr lang="en-US" sz="2000" dirty="0" smtClean="0">
-                <a:solidFill>
-                  <a:schemeClr val="tx1">
-                    <a:lumMod val="65000"/>
-                    <a:lumOff val="35000"/>
-                  </a:schemeClr>
-                </a:solidFill>
-              </a:rPr>
-              <a:t>Proposed Architecture for NGMW</a:t>
-            </a:r>
-          </a:p>
-          <a:p>
-            <a:pPr marL="1208088" lvl="2" indent="-342900">
-              <a:buClr>
-                <a:srgbClr val="000000"/>
-              </a:buClr>
-              <a:buSzPct val="100000"/>
-            </a:pPr>
-            <a:r>
-              <a:rPr lang="en-US" sz="2000" dirty="0" smtClean="0">
-                <a:solidFill>
-                  <a:schemeClr val="tx1">
-                    <a:lumMod val="65000"/>
-                    <a:lumOff val="35000"/>
-                  </a:schemeClr>
-                </a:solidFill>
-              </a:rPr>
-              <a:t>Adaptive Application: A*, W*</a:t>
-            </a:r>
-          </a:p>
-          <a:p>
-            <a:pPr marL="1208088" lvl="2" indent="-342900">
-              <a:buClr>
-                <a:srgbClr val="000000"/>
-              </a:buClr>
-              <a:buSzPct val="100000"/>
-            </a:pPr>
-            <a:r>
-              <a:rPr lang="en-US" sz="2000" dirty="0" smtClean="0">
-                <a:solidFill>
-                  <a:schemeClr val="tx1">
-                    <a:lumMod val="65000"/>
-                    <a:lumOff val="35000"/>
-                  </a:schemeClr>
-                </a:solidFill>
-              </a:rPr>
-              <a:t>Dynamic Resources/Infrastructure: P*, I*</a:t>
-            </a:r>
-          </a:p>
-          <a:p>
-            <a:pPr marL="1208088" lvl="2" indent="-342900">
-              <a:buClr>
-                <a:srgbClr val="000000"/>
-              </a:buClr>
-              <a:buSzPct val="100000"/>
-            </a:pPr>
-            <a:r>
-              <a:rPr lang="en-US" sz="2000" dirty="0" smtClean="0">
-                <a:solidFill>
-                  <a:schemeClr val="tx1">
-                    <a:lumMod val="65000"/>
-                    <a:lumOff val="35000"/>
-                  </a:schemeClr>
-                </a:solidFill>
-              </a:rPr>
-              <a:t>Federation of Infrastructure F*</a:t>
-            </a:r>
-          </a:p>
-          <a:p>
             <a:pPr marL="800100" lvl="1" indent="-342900">
               <a:buClr>
                 <a:srgbClr val="000000"/>
               </a:buClr>
               <a:buSzPct val="100000"/>
             </a:pPr>
-            <a:r>
-              <a:rPr lang="en-US" sz="2000" dirty="0" smtClean="0">
-                <a:solidFill>
-                  <a:schemeClr val="tx1">
-                    <a:lumMod val="65000"/>
-                    <a:lumOff val="35000"/>
-                  </a:schemeClr>
-                </a:solidFill>
-              </a:rPr>
-              <a:t>Putting it altogether: conceptual and implementation</a:t>
-            </a:r>
-          </a:p>
-          <a:p>
-            <a:pPr marL="344488" indent="-342900">
-              <a:buClr>
-                <a:srgbClr val="000000"/>
-              </a:buClr>
-              <a:buSzPct val="100000"/>
-            </a:pPr>
-            <a:r>
-              <a:rPr lang="en-US" dirty="0" smtClean="0">
-                <a:solidFill>
-                  <a:schemeClr val="tx1">
-                    <a:lumMod val="65000"/>
-                    <a:lumOff val="35000"/>
-                  </a:schemeClr>
-                </a:solidFill>
-              </a:rPr>
-              <a:t>Role of Modeling and Simulation</a:t>
-            </a:r>
-          </a:p>
-          <a:p>
-            <a:pPr marL="800100" lvl="1" indent="-342900">
-              <a:buClr>
-                <a:srgbClr val="000000"/>
-              </a:buClr>
-              <a:buSzPct val="100000"/>
-            </a:pPr>
-            <a:r>
-              <a:rPr lang="en-US" sz="2000" dirty="0" smtClean="0">
-                <a:solidFill>
-                  <a:schemeClr val="tx1">
-                    <a:lumMod val="65000"/>
-                    <a:lumOff val="35000"/>
-                  </a:schemeClr>
-                </a:solidFill>
-              </a:rPr>
-              <a:t>Challenges in </a:t>
-            </a:r>
-            <a:r>
-              <a:rPr lang="en-US" sz="2000" dirty="0" err="1" smtClean="0">
-                <a:solidFill>
-                  <a:schemeClr val="tx1">
-                    <a:lumMod val="65000"/>
-                    <a:lumOff val="35000"/>
-                  </a:schemeClr>
-                </a:solidFill>
-              </a:rPr>
-              <a:t>ModSim</a:t>
-            </a:r>
             <a:endParaRPr lang="en-US" sz="2000" dirty="0" smtClean="0">
               <a:solidFill>
                 <a:schemeClr val="tx1">
@@ -7303,11 +6491,11 @@
 </file>
 
 <file path=ppt/slides/slide20.xml><?xml version="1.0" encoding="utf-8"?>
-<p:sld xmlns:a="http://schemas.openxmlformats.org/drawingml/2006/main" xmlns:r="http://schemas.openxmlformats.org/officeDocument/2006/relationships" xmlns:p="http://schemas.openxmlformats.org/presentationml/2006/main" show="0">
+<p:sld xmlns:a="http://schemas.openxmlformats.org/drawingml/2006/main" xmlns:r="http://schemas.openxmlformats.org/officeDocument/2006/relationships" xmlns:p="http://schemas.openxmlformats.org/presentationml/2006/main">
   <p:cSld>
     <p:spTree>
       <p:nvGrpSpPr>
-        <p:cNvPr id="1" name=""/>
+        <p:cNvPr id="1" name="Shape 46"/>
         <p:cNvGrpSpPr/>
         <p:nvPr/>
       </p:nvGrpSpPr>
@@ -7321,515 +6509,223 @@
       </p:grpSpPr>
       <p:sp>
         <p:nvSpPr>
-          <p:cNvPr id="2" name="Title 1"/>
-          <p:cNvSpPr>
+          <p:cNvPr id="47" name="Shape 47"/>
+          <p:cNvSpPr txBox="1">
             <a:spLocks noGrp="1"/>
           </p:cNvSpPr>
           <p:nvPr>
             <p:ph type="title"/>
           </p:nvPr>
         </p:nvSpPr>
-        <p:spPr/>
+        <p:spPr>
+          <a:prstGeom prst="rect">
+            <a:avLst/>
+          </a:prstGeom>
+        </p:spPr>
         <p:txBody>
-          <a:bodyPr/>
+          <a:bodyPr lIns="91425" tIns="91425" rIns="91425" bIns="91425" anchor="b" anchorCtr="0">
+            <a:noAutofit/>
+          </a:bodyPr>
           <a:lstStyle/>
           <a:p>
-            <a:r>
-              <a:rPr lang="en-US" dirty="0" smtClean="0"/>
-              <a:t>This will be eliminated..</a:t>
-            </a:r>
-            <a:endParaRPr lang="en-US" dirty="0"/>
+            <a:pPr lvl="0" rtl="0">
+              <a:buNone/>
+            </a:pPr>
+            <a:r>
+              <a:rPr lang="en-US" dirty="0" err="1" smtClean="0"/>
+              <a:t>ModSim</a:t>
+            </a:r>
+            <a:r>
+              <a:rPr lang="en-US" dirty="0" smtClean="0"/>
+              <a:t> Challenges</a:t>
+            </a:r>
+            <a:r>
+              <a:rPr lang="en" dirty="0"/>
+              <a:t>	</a:t>
+            </a:r>
           </a:p>
         </p:txBody>
       </p:sp>
       <p:sp>
         <p:nvSpPr>
-          <p:cNvPr id="3" name="Shape 72"/>
+          <p:cNvPr id="48" name="Shape 48"/>
           <p:cNvSpPr txBox="1">
-            <a:spLocks/>
+            <a:spLocks noGrp="1"/>
           </p:cNvSpPr>
-          <p:nvPr/>
+          <p:nvPr>
+            <p:ph idx="4294967295"/>
+          </p:nvPr>
         </p:nvSpPr>
-        <p:spPr bwMode="auto">
+        <p:spPr>
           <a:xfrm>
-            <a:off x="282231" y="786259"/>
-            <a:ext cx="8596312" cy="5281613"/>
+            <a:off x="282231" y="789713"/>
+            <a:ext cx="8715010" cy="5146675"/>
           </a:xfrm>
           <a:prstGeom prst="rect">
             <a:avLst/>
           </a:prstGeom>
-          <a:noFill/>
-          <a:ln>
-            <a:noFill/>
-          </a:ln>
-          <a:extLst>
-            <a:ext uri="{909E8E84-426E-40dd-AFC4-6F175D3DCCD1}">
-              <a14:hiddenFill xmlns:a14="http://schemas.microsoft.com/office/drawing/2010/main">
-                <a:solidFill>
-                  <a:srgbClr val="FFFFFF"/>
-                </a:solidFill>
-              </a14:hiddenFill>
-            </a:ext>
-            <a:ext uri="{91240B29-F687-4f45-9708-019B960494DF}">
-              <a14:hiddenLine xmlns:a14="http://schemas.microsoft.com/office/drawing/2010/main" w="9525">
-                <a:solidFill>
-                  <a:srgbClr val="000000"/>
-                </a:solidFill>
-                <a:miter lim="800000"/>
-                <a:headEnd/>
-                <a:tailEnd/>
-              </a14:hiddenLine>
-            </a:ext>
-            <a:ext uri="{FAA26D3D-D897-4be2-8F04-BA451C77F1D7}">
-              <ma14:placeholderFlag xmlns:ma14="http://schemas.microsoft.com/office/mac/drawingml/2011/main" val="1"/>
-            </a:ext>
-          </a:extLst>
         </p:spPr>
         <p:txBody>
-          <a:bodyPr vert="horz" wrap="square" lIns="91425" tIns="91425" rIns="91425" bIns="91425" numCol="1" anchor="t" anchorCtr="0" compatLnSpc="1">
-            <a:prstTxWarp prst="textNoShape">
-              <a:avLst/>
-            </a:prstTxWarp>
+          <a:bodyPr lIns="91425" tIns="91425" rIns="91425" bIns="91425" anchor="t" anchorCtr="0">
             <a:noAutofit/>
           </a:bodyPr>
-          <a:lstStyle>
-            <a:lvl1pPr marL="227013" indent="-227013" algn="l" rtl="0" eaLnBrk="0" fontAlgn="base" hangingPunct="0">
-              <a:spcBef>
-                <a:spcPts val="1200"/>
-              </a:spcBef>
-              <a:spcAft>
-                <a:spcPct val="0"/>
-              </a:spcAft>
-              <a:buClr>
-                <a:schemeClr val="tx1">
-                  <a:lumMod val="95000"/>
-                  <a:lumOff val="5000"/>
-                </a:schemeClr>
-              </a:buClr>
-              <a:buChar char="•"/>
-              <a:tabLst/>
-              <a:defRPr sz="2000">
-                <a:solidFill>
-                  <a:schemeClr val="tx1">
-                    <a:lumMod val="95000"/>
-                    <a:lumOff val="5000"/>
-                  </a:schemeClr>
-                </a:solidFill>
-                <a:latin typeface="+mn-lt"/>
-                <a:ea typeface="ＭＳ Ｐゴシック" charset="-128"/>
-                <a:cs typeface="ＭＳ Ｐゴシック" charset="-128"/>
-              </a:defRPr>
-            </a:lvl1pPr>
-            <a:lvl2pPr marL="682625" indent="-225425" algn="l" rtl="0" eaLnBrk="0" fontAlgn="base" hangingPunct="0">
-              <a:spcBef>
-                <a:spcPct val="20000"/>
-              </a:spcBef>
-              <a:spcAft>
-                <a:spcPct val="0"/>
-              </a:spcAft>
-              <a:buClr>
-                <a:schemeClr val="tx1">
-                  <a:lumMod val="95000"/>
-                  <a:lumOff val="5000"/>
-                </a:schemeClr>
-              </a:buClr>
-              <a:buChar char="–"/>
-              <a:defRPr sz="1800">
-                <a:solidFill>
-                  <a:srgbClr val="5F5F5F"/>
-                </a:solidFill>
-                <a:latin typeface="+mn-lt"/>
-                <a:ea typeface="ＭＳ Ｐゴシック" charset="-128"/>
-              </a:defRPr>
-            </a:lvl2pPr>
-            <a:lvl3pPr marL="1090613" indent="-176213" algn="l" rtl="0" eaLnBrk="0" fontAlgn="base" hangingPunct="0">
-              <a:spcBef>
-                <a:spcPct val="20000"/>
-              </a:spcBef>
-              <a:spcAft>
-                <a:spcPct val="0"/>
-              </a:spcAft>
-              <a:buClr>
-                <a:schemeClr val="tx1">
-                  <a:lumMod val="95000"/>
-                  <a:lumOff val="5000"/>
-                </a:schemeClr>
-              </a:buClr>
-              <a:buChar char="•"/>
-              <a:defRPr sz="1800">
-                <a:solidFill>
-                  <a:srgbClr val="5F5F5F"/>
-                </a:solidFill>
-                <a:latin typeface="+mn-lt"/>
-                <a:ea typeface="ＭＳ Ｐゴシック" charset="-128"/>
-              </a:defRPr>
-            </a:lvl3pPr>
-            <a:lvl4pPr marL="1600200" indent="-228600" algn="l" rtl="0" eaLnBrk="0" fontAlgn="base" hangingPunct="0">
-              <a:spcBef>
-                <a:spcPct val="20000"/>
-              </a:spcBef>
-              <a:spcAft>
-                <a:spcPct val="0"/>
-              </a:spcAft>
-              <a:buClr>
-                <a:schemeClr val="tx1">
-                  <a:lumMod val="95000"/>
-                  <a:lumOff val="5000"/>
-                </a:schemeClr>
-              </a:buClr>
-              <a:buChar char="–"/>
-              <a:defRPr sz="1800">
-                <a:solidFill>
-                  <a:srgbClr val="5F5F5F"/>
-                </a:solidFill>
-                <a:latin typeface="+mn-lt"/>
-                <a:ea typeface="ＭＳ Ｐゴシック" charset="-128"/>
-              </a:defRPr>
-            </a:lvl4pPr>
-            <a:lvl5pPr marL="2000250" indent="-171450" algn="l" rtl="0" eaLnBrk="0" fontAlgn="base" hangingPunct="0">
-              <a:spcBef>
-                <a:spcPct val="20000"/>
-              </a:spcBef>
-              <a:spcAft>
-                <a:spcPct val="0"/>
-              </a:spcAft>
-              <a:buClr>
-                <a:schemeClr val="tx1">
-                  <a:lumMod val="95000"/>
-                  <a:lumOff val="5000"/>
-                </a:schemeClr>
-              </a:buClr>
-              <a:buChar char="»"/>
-              <a:defRPr sz="1800">
-                <a:solidFill>
-                  <a:srgbClr val="5F5F5F"/>
-                </a:solidFill>
-                <a:latin typeface="+mn-lt"/>
-                <a:ea typeface="ＭＳ Ｐゴシック" charset="-128"/>
-              </a:defRPr>
-            </a:lvl5pPr>
-            <a:lvl6pPr marL="2514600" indent="-228600" algn="l" rtl="0" fontAlgn="base">
-              <a:spcBef>
-                <a:spcPct val="20000"/>
-              </a:spcBef>
-              <a:spcAft>
-                <a:spcPct val="0"/>
-              </a:spcAft>
-              <a:buChar char="»"/>
-              <a:defRPr sz="1400">
-                <a:solidFill>
-                  <a:srgbClr val="5F5F5F"/>
-                </a:solidFill>
-                <a:latin typeface="+mn-lt"/>
-                <a:ea typeface="ＭＳ Ｐゴシック" charset="-128"/>
-              </a:defRPr>
-            </a:lvl6pPr>
-            <a:lvl7pPr marL="2971800" indent="-228600" algn="l" rtl="0" fontAlgn="base">
-              <a:spcBef>
-                <a:spcPct val="20000"/>
-              </a:spcBef>
-              <a:spcAft>
-                <a:spcPct val="0"/>
-              </a:spcAft>
-              <a:buChar char="»"/>
-              <a:defRPr sz="1400">
-                <a:solidFill>
-                  <a:srgbClr val="5F5F5F"/>
-                </a:solidFill>
-                <a:latin typeface="+mn-lt"/>
-                <a:ea typeface="ＭＳ Ｐゴシック" charset="-128"/>
-              </a:defRPr>
-            </a:lvl7pPr>
-            <a:lvl8pPr marL="3429000" indent="-228600" algn="l" rtl="0" fontAlgn="base">
-              <a:spcBef>
-                <a:spcPct val="20000"/>
-              </a:spcBef>
-              <a:spcAft>
-                <a:spcPct val="0"/>
-              </a:spcAft>
-              <a:buChar char="»"/>
-              <a:defRPr sz="1400">
-                <a:solidFill>
-                  <a:srgbClr val="5F5F5F"/>
-                </a:solidFill>
-                <a:latin typeface="+mn-lt"/>
-                <a:ea typeface="ＭＳ Ｐゴシック" charset="-128"/>
-              </a:defRPr>
-            </a:lvl8pPr>
-            <a:lvl9pPr marL="3886200" indent="-228600" algn="l" rtl="0" fontAlgn="base">
-              <a:spcBef>
-                <a:spcPct val="20000"/>
-              </a:spcBef>
-              <a:spcAft>
-                <a:spcPct val="0"/>
-              </a:spcAft>
-              <a:buChar char="»"/>
-              <a:defRPr sz="1400">
-                <a:solidFill>
-                  <a:srgbClr val="5F5F5F"/>
-                </a:solidFill>
-                <a:latin typeface="+mn-lt"/>
-                <a:ea typeface="ＭＳ Ｐゴシック" charset="-128"/>
-              </a:defRPr>
-            </a:lvl9pPr>
-          </a:lstStyle>
-          <a:p>
-            <a:pPr marL="344488" indent="-342900">
-              <a:buClr>
-                <a:srgbClr val="000000"/>
-              </a:buClr>
-              <a:buSzPct val="100000"/>
-            </a:pPr>
-            <a:r>
-              <a:rPr lang="en-US" dirty="0" smtClean="0">
-                <a:solidFill>
-                  <a:schemeClr val="tx1">
-                    <a:lumMod val="65000"/>
-                    <a:lumOff val="35000"/>
-                  </a:schemeClr>
-                </a:solidFill>
-              </a:rPr>
-              <a:t>Understanding the Different Models:</a:t>
-            </a:r>
-            <a:endParaRPr lang="en-US" dirty="0">
+          <a:lstStyle/>
+          <a:p>
+            <a:pPr>
+              <a:lnSpc>
+                <a:spcPct val="90000"/>
+              </a:lnSpc>
+            </a:pPr>
+            <a:r>
+              <a:rPr lang="en-US" dirty="0" smtClean="0"/>
+              <a:t>Overarching Challenge: How does modeling DEC couple to and synergize with HPC </a:t>
+            </a:r>
+            <a:r>
+              <a:rPr lang="en-US" dirty="0" err="1" smtClean="0"/>
+              <a:t>exascale</a:t>
+            </a:r>
+            <a:r>
+              <a:rPr lang="en-US" dirty="0" smtClean="0"/>
+              <a:t> modeling efforts?</a:t>
+            </a:r>
+          </a:p>
+          <a:p>
+            <a:pPr>
+              <a:lnSpc>
+                <a:spcPct val="90000"/>
+              </a:lnSpc>
+            </a:pPr>
+            <a:r>
+              <a:rPr lang="en-US" dirty="0" smtClean="0"/>
+              <a:t>Operational Challenges: </a:t>
+            </a:r>
+          </a:p>
+          <a:p>
+            <a:pPr lvl="1">
+              <a:lnSpc>
+                <a:spcPct val="90000"/>
+              </a:lnSpc>
+            </a:pPr>
+            <a:r>
+              <a:rPr lang="en-US" dirty="0" smtClean="0"/>
+              <a:t>Granularity</a:t>
+            </a:r>
+          </a:p>
+          <a:p>
+            <a:pPr lvl="2">
+              <a:lnSpc>
+                <a:spcPct val="90000"/>
+              </a:lnSpc>
+            </a:pPr>
+            <a:r>
+              <a:rPr lang="en-US" dirty="0" smtClean="0"/>
+              <a:t>Different model of varying specificity</a:t>
+            </a:r>
+          </a:p>
+          <a:p>
+            <a:pPr lvl="2">
+              <a:lnSpc>
+                <a:spcPct val="90000"/>
+              </a:lnSpc>
+            </a:pPr>
+            <a:r>
+              <a:rPr lang="en-US" dirty="0" smtClean="0"/>
+              <a:t>Some are analytical, some are conceptual </a:t>
+            </a:r>
+          </a:p>
+          <a:p>
+            <a:pPr lvl="1">
+              <a:lnSpc>
+                <a:spcPct val="90000"/>
+              </a:lnSpc>
+            </a:pPr>
+            <a:r>
+              <a:rPr lang="en-US" dirty="0" smtClean="0"/>
+              <a:t>Multi-scale</a:t>
+            </a:r>
+          </a:p>
+          <a:p>
+            <a:pPr lvl="2">
+              <a:lnSpc>
+                <a:spcPct val="90000"/>
+              </a:lnSpc>
+            </a:pPr>
+            <a:r>
+              <a:rPr lang="en-US" dirty="0" smtClean="0"/>
+              <a:t>Macroscopic versus microscopic consequences</a:t>
+            </a:r>
+          </a:p>
+          <a:p>
+            <a:pPr lvl="1">
+              <a:lnSpc>
+                <a:spcPct val="90000"/>
+              </a:lnSpc>
+            </a:pPr>
+            <a:r>
+              <a:rPr lang="en-US" dirty="0" smtClean="0"/>
+              <a:t>Many possible parameters, which should be used?</a:t>
+            </a:r>
+          </a:p>
+          <a:p>
+            <a:pPr lvl="2">
+              <a:lnSpc>
+                <a:spcPct val="90000"/>
+              </a:lnSpc>
+            </a:pPr>
+            <a:r>
+              <a:rPr lang="en-US" dirty="0" smtClean="0"/>
+              <a:t>Linking models that reason using different parameters, e.g., energy considerations may not play a role at large-scale distribution	</a:t>
+            </a:r>
+          </a:p>
+          <a:p>
+            <a:pPr lvl="1">
+              <a:lnSpc>
+                <a:spcPct val="90000"/>
+              </a:lnSpc>
+            </a:pPr>
+            <a:r>
+              <a:rPr lang="en-US" dirty="0" smtClean="0"/>
+              <a:t>Heterogeneity</a:t>
+            </a:r>
+          </a:p>
+          <a:p>
+            <a:pPr lvl="2">
+              <a:lnSpc>
+                <a:spcPct val="90000"/>
+              </a:lnSpc>
+            </a:pPr>
+            <a:r>
+              <a:rPr lang="en-US" dirty="0" smtClean="0"/>
+              <a:t>Federating heterogeneous distributed infrastructure</a:t>
+            </a:r>
+          </a:p>
+          <a:p>
+            <a:pPr lvl="1">
+              <a:lnSpc>
+                <a:spcPct val="90000"/>
+              </a:lnSpc>
+            </a:pPr>
+            <a:endParaRPr lang="en-US" dirty="0" smtClean="0"/>
+          </a:p>
+          <a:p>
+            <a:pPr marL="0" indent="0">
+              <a:lnSpc>
+                <a:spcPct val="90000"/>
+              </a:lnSpc>
+              <a:buNone/>
+            </a:pPr>
+            <a:endParaRPr lang="en-US" sz="2000" dirty="0"/>
+          </a:p>
+          <a:p>
+            <a:pPr marL="457200" lvl="1" indent="0">
+              <a:lnSpc>
+                <a:spcPct val="90000"/>
+              </a:lnSpc>
+              <a:buNone/>
+            </a:pPr>
+            <a:endParaRPr lang="en-US" sz="2000" dirty="0">
               <a:solidFill>
-                <a:schemeClr val="tx1">
-                  <a:lumMod val="65000"/>
-                  <a:lumOff val="35000"/>
-                </a:schemeClr>
-              </a:solidFill>
-            </a:endParaRPr>
-          </a:p>
-          <a:p>
-            <a:pPr marL="800100" lvl="1" indent="-342900">
-              <a:buClr>
-                <a:srgbClr val="000000"/>
-              </a:buClr>
-              <a:buSzPct val="100000"/>
-            </a:pPr>
-            <a:r>
-              <a:rPr lang="en-US" dirty="0">
-                <a:solidFill>
-                  <a:srgbClr val="800000"/>
-                </a:solidFill>
-              </a:rPr>
-              <a:t>A* : Conceptual Model for Distributed Application</a:t>
-            </a:r>
-          </a:p>
-          <a:p>
-            <a:pPr marL="1208088" lvl="2" indent="-342900">
-              <a:buClr>
-                <a:srgbClr val="000000"/>
-              </a:buClr>
-              <a:buSzPct val="100000"/>
-            </a:pPr>
-            <a:r>
-              <a:rPr lang="en-US" dirty="0">
-                <a:solidFill>
-                  <a:srgbClr val="800000"/>
-                </a:solidFill>
-              </a:rPr>
-              <a:t>One of many different analytical models of an application</a:t>
-            </a:r>
-          </a:p>
-          <a:p>
-            <a:pPr marL="800100" lvl="1" indent="-342900">
-              <a:buClr>
-                <a:srgbClr val="000000"/>
-              </a:buClr>
-              <a:buSzPct val="100000"/>
-            </a:pPr>
-            <a:r>
-              <a:rPr lang="en-US" dirty="0">
-                <a:solidFill>
-                  <a:srgbClr val="800000"/>
-                </a:solidFill>
-              </a:rPr>
-              <a:t>W*: Analytical model of workload </a:t>
-            </a:r>
-          </a:p>
-          <a:p>
-            <a:pPr marL="1208088" lvl="2" indent="-342900">
-              <a:buClr>
-                <a:srgbClr val="000000"/>
-              </a:buClr>
-              <a:buSzPct val="100000"/>
-            </a:pPr>
-            <a:r>
-              <a:rPr lang="en-US" dirty="0">
-                <a:solidFill>
-                  <a:srgbClr val="800000"/>
-                </a:solidFill>
-              </a:rPr>
-              <a:t>Outputs concrete executable units, thus provides a measure of performance and prediction but independent of resources</a:t>
-            </a:r>
-          </a:p>
-          <a:p>
-            <a:pPr marL="800100" lvl="1" indent="-342900">
-              <a:buClr>
-                <a:srgbClr val="000000"/>
-              </a:buClr>
-              <a:buSzPct val="100000"/>
-            </a:pPr>
-            <a:r>
-              <a:rPr lang="en-US" dirty="0">
-                <a:solidFill>
-                  <a:schemeClr val="tx1">
-                    <a:lumMod val="65000"/>
-                    <a:lumOff val="35000"/>
-                  </a:schemeClr>
-                </a:solidFill>
-              </a:rPr>
-              <a:t>P*: Conceptual Model for </a:t>
-            </a:r>
-            <a:r>
-              <a:rPr lang="en-US" dirty="0" smtClean="0">
-                <a:solidFill>
-                  <a:schemeClr val="tx1">
-                    <a:lumMod val="65000"/>
-                    <a:lumOff val="35000"/>
-                  </a:schemeClr>
-                </a:solidFill>
-              </a:rPr>
-              <a:t>Dynamic Resources</a:t>
-            </a:r>
-          </a:p>
-          <a:p>
-            <a:pPr marL="800100" lvl="1" indent="-342900">
-              <a:buClr>
-                <a:srgbClr val="000000"/>
-              </a:buClr>
-              <a:buSzPct val="100000"/>
-            </a:pPr>
-            <a:r>
-              <a:rPr lang="en-US" dirty="0" smtClean="0">
-                <a:solidFill>
-                  <a:schemeClr val="tx1">
-                    <a:lumMod val="65000"/>
-                    <a:lumOff val="35000"/>
-                  </a:schemeClr>
-                </a:solidFill>
-              </a:rPr>
-              <a:t>I* : Analytical Model for Infrastructure [Munich]</a:t>
-            </a:r>
-            <a:endParaRPr lang="en-US" dirty="0">
-              <a:solidFill>
-                <a:schemeClr val="tx1">
-                  <a:lumMod val="65000"/>
-                  <a:lumOff val="35000"/>
-                </a:schemeClr>
-              </a:solidFill>
-            </a:endParaRPr>
-          </a:p>
-          <a:p>
-            <a:pPr marL="800100" lvl="1" indent="-342900">
-              <a:buClr>
-                <a:srgbClr val="000000"/>
-              </a:buClr>
-              <a:buSzPct val="100000"/>
-            </a:pPr>
-            <a:r>
-              <a:rPr lang="en-US" dirty="0" smtClean="0">
-                <a:solidFill>
-                  <a:schemeClr val="tx1">
-                    <a:lumMod val="65000"/>
-                    <a:lumOff val="35000"/>
-                  </a:schemeClr>
-                </a:solidFill>
-              </a:rPr>
-              <a:t>F</a:t>
-            </a:r>
-            <a:r>
-              <a:rPr lang="en-US" dirty="0">
-                <a:solidFill>
-                  <a:schemeClr val="tx1">
-                    <a:lumMod val="65000"/>
-                    <a:lumOff val="35000"/>
-                  </a:schemeClr>
-                </a:solidFill>
-              </a:rPr>
-              <a:t>*: Analytical Model of resource federation/overlay</a:t>
-            </a:r>
-          </a:p>
-          <a:p>
-            <a:pPr marL="1208088" lvl="2" indent="-342900">
-              <a:buClr>
-                <a:srgbClr val="000000"/>
-              </a:buClr>
-              <a:buSzPct val="100000"/>
-            </a:pPr>
-            <a:r>
-              <a:rPr lang="en-US" dirty="0">
-                <a:solidFill>
-                  <a:schemeClr val="tx1">
-                    <a:lumMod val="65000"/>
-                    <a:lumOff val="35000"/>
-                  </a:schemeClr>
-                </a:solidFill>
-              </a:rPr>
-              <a:t>Determines how different resources might be </a:t>
-            </a:r>
-            <a:r>
-              <a:rPr lang="en-US" dirty="0" smtClean="0">
-                <a:solidFill>
-                  <a:schemeClr val="tx1">
-                    <a:lumMod val="65000"/>
-                    <a:lumOff val="35000"/>
-                  </a:schemeClr>
-                </a:solidFill>
-              </a:rPr>
-              <a:t>federated</a:t>
-            </a:r>
-          </a:p>
-          <a:p>
-            <a:pPr marL="1208088" lvl="2" indent="-342900">
-              <a:buClr>
-                <a:srgbClr val="000000"/>
-              </a:buClr>
-              <a:buSzPct val="100000"/>
-            </a:pPr>
-            <a:r>
-              <a:rPr lang="en-US" dirty="0" smtClean="0">
-                <a:solidFill>
-                  <a:schemeClr val="tx1">
-                    <a:lumMod val="65000"/>
-                    <a:lumOff val="35000"/>
-                  </a:schemeClr>
-                </a:solidFill>
-              </a:rPr>
-              <a:t>In turn builds upon a model/models of infrastructure (I*)</a:t>
-            </a:r>
-          </a:p>
-          <a:p>
-            <a:pPr marL="344488" indent="-342900">
-              <a:buClr>
-                <a:srgbClr val="000000"/>
-              </a:buClr>
-              <a:buSzPct val="100000"/>
-            </a:pPr>
-            <a:endParaRPr lang="en-US" dirty="0" smtClean="0">
-              <a:solidFill>
-                <a:schemeClr val="tx1">
-                  <a:lumMod val="65000"/>
-                  <a:lumOff val="35000"/>
-                </a:schemeClr>
-              </a:solidFill>
-            </a:endParaRPr>
-          </a:p>
-          <a:p>
-            <a:pPr marL="865188" lvl="2" indent="0">
-              <a:buClr>
-                <a:srgbClr val="000000"/>
-              </a:buClr>
-              <a:buSzPct val="100000"/>
-              <a:buNone/>
-            </a:pPr>
-            <a:endParaRPr lang="en-US" dirty="0">
-              <a:solidFill>
-                <a:schemeClr val="tx1">
-                  <a:lumMod val="65000"/>
-                  <a:lumOff val="35000"/>
-                </a:schemeClr>
+                <a:srgbClr val="606060"/>
               </a:solidFill>
             </a:endParaRPr>
           </a:p>
@@ -7838,21 +6734,16 @@
     </p:spTree>
     <p:extLst>
       <p:ext uri="{BB962C8B-B14F-4D97-AF65-F5344CB8AC3E}">
-        <p14:creationId xmlns:p14="http://schemas.microsoft.com/office/powerpoint/2010/main" val="4188818823"/>
+        <p14:creationId xmlns:p14="http://schemas.microsoft.com/office/powerpoint/2010/main" val="901666982"/>
       </p:ext>
     </p:extLst>
   </p:cSld>
   <p:clrMapOvr>
     <a:masterClrMapping/>
   </p:clrMapOvr>
-  <mc:AlternateContent xmlns:mc="http://schemas.openxmlformats.org/markup-compatibility/2006" xmlns:p14="http://schemas.microsoft.com/office/powerpoint/2010/main">
-    <mc:Choice Requires="p14">
-      <p:transition spd="slow" p14:dur="2000"/>
-    </mc:Choice>
-    <mc:Fallback xmlns="">
-      <p:transition xmlns:p14="http://schemas.microsoft.com/office/powerpoint/2010/main" spd="slow"/>
-    </mc:Fallback>
-  </mc:AlternateContent>
+  <p:transition xmlns:p14="http://schemas.microsoft.com/office/powerpoint/2010/main" spd="slow">
+    <p:cut/>
+  </p:transition>
   <p:timing>
     <p:tnLst>
       <p:par>
@@ -7897,658 +6788,7 @@
           <a:p>
             <a:r>
               <a:rPr lang="en-US" dirty="0" smtClean="0"/>
-              <a:t>NGMW: Interaction of Models and Simulation</a:t>
-            </a:r>
-            <a:endParaRPr lang="en-US" dirty="0"/>
-          </a:p>
-        </p:txBody>
-      </p:sp>
-      <p:sp>
-        <p:nvSpPr>
-          <p:cNvPr id="3" name="Shape 72"/>
-          <p:cNvSpPr txBox="1">
-            <a:spLocks/>
-          </p:cNvSpPr>
-          <p:nvPr/>
-        </p:nvSpPr>
-        <p:spPr bwMode="auto">
-          <a:xfrm>
-            <a:off x="282231" y="786259"/>
-            <a:ext cx="8596312" cy="5281613"/>
-          </a:xfrm>
-          <a:prstGeom prst="rect">
-            <a:avLst/>
-          </a:prstGeom>
-          <a:noFill/>
-          <a:ln>
-            <a:noFill/>
-          </a:ln>
-          <a:extLst>
-            <a:ext uri="{909E8E84-426E-40dd-AFC4-6F175D3DCCD1}">
-              <a14:hiddenFill xmlns:a14="http://schemas.microsoft.com/office/drawing/2010/main">
-                <a:solidFill>
-                  <a:srgbClr val="FFFFFF"/>
-                </a:solidFill>
-              </a14:hiddenFill>
-            </a:ext>
-            <a:ext uri="{91240B29-F687-4f45-9708-019B960494DF}">
-              <a14:hiddenLine xmlns:a14="http://schemas.microsoft.com/office/drawing/2010/main" w="9525">
-                <a:solidFill>
-                  <a:srgbClr val="000000"/>
-                </a:solidFill>
-                <a:miter lim="800000"/>
-                <a:headEnd/>
-                <a:tailEnd/>
-              </a14:hiddenLine>
-            </a:ext>
-            <a:ext uri="{FAA26D3D-D897-4be2-8F04-BA451C77F1D7}">
-              <ma14:placeholderFlag xmlns:ma14="http://schemas.microsoft.com/office/mac/drawingml/2011/main" val="1"/>
-            </a:ext>
-          </a:extLst>
-        </p:spPr>
-        <p:txBody>
-          <a:bodyPr vert="horz" wrap="square" lIns="91425" tIns="91425" rIns="91425" bIns="91425" numCol="1" anchor="t" anchorCtr="0" compatLnSpc="1">
-            <a:prstTxWarp prst="textNoShape">
-              <a:avLst/>
-            </a:prstTxWarp>
-            <a:noAutofit/>
-          </a:bodyPr>
-          <a:lstStyle>
-            <a:lvl1pPr marL="227013" indent="-227013" algn="l" rtl="0" eaLnBrk="0" fontAlgn="base" hangingPunct="0">
-              <a:spcBef>
-                <a:spcPts val="1200"/>
-              </a:spcBef>
-              <a:spcAft>
-                <a:spcPct val="0"/>
-              </a:spcAft>
-              <a:buClr>
-                <a:schemeClr val="tx1">
-                  <a:lumMod val="95000"/>
-                  <a:lumOff val="5000"/>
-                </a:schemeClr>
-              </a:buClr>
-              <a:buChar char="•"/>
-              <a:tabLst/>
-              <a:defRPr sz="2000">
-                <a:solidFill>
-                  <a:schemeClr val="tx1">
-                    <a:lumMod val="95000"/>
-                    <a:lumOff val="5000"/>
-                  </a:schemeClr>
-                </a:solidFill>
-                <a:latin typeface="+mn-lt"/>
-                <a:ea typeface="ＭＳ Ｐゴシック" charset="-128"/>
-                <a:cs typeface="ＭＳ Ｐゴシック" charset="-128"/>
-              </a:defRPr>
-            </a:lvl1pPr>
-            <a:lvl2pPr marL="682625" indent="-225425" algn="l" rtl="0" eaLnBrk="0" fontAlgn="base" hangingPunct="0">
-              <a:spcBef>
-                <a:spcPct val="20000"/>
-              </a:spcBef>
-              <a:spcAft>
-                <a:spcPct val="0"/>
-              </a:spcAft>
-              <a:buClr>
-                <a:schemeClr val="tx1">
-                  <a:lumMod val="95000"/>
-                  <a:lumOff val="5000"/>
-                </a:schemeClr>
-              </a:buClr>
-              <a:buChar char="–"/>
-              <a:defRPr sz="1800">
-                <a:solidFill>
-                  <a:srgbClr val="5F5F5F"/>
-                </a:solidFill>
-                <a:latin typeface="+mn-lt"/>
-                <a:ea typeface="ＭＳ Ｐゴシック" charset="-128"/>
-              </a:defRPr>
-            </a:lvl2pPr>
-            <a:lvl3pPr marL="1090613" indent="-176213" algn="l" rtl="0" eaLnBrk="0" fontAlgn="base" hangingPunct="0">
-              <a:spcBef>
-                <a:spcPct val="20000"/>
-              </a:spcBef>
-              <a:spcAft>
-                <a:spcPct val="0"/>
-              </a:spcAft>
-              <a:buClr>
-                <a:schemeClr val="tx1">
-                  <a:lumMod val="95000"/>
-                  <a:lumOff val="5000"/>
-                </a:schemeClr>
-              </a:buClr>
-              <a:buChar char="•"/>
-              <a:defRPr sz="1800">
-                <a:solidFill>
-                  <a:srgbClr val="5F5F5F"/>
-                </a:solidFill>
-                <a:latin typeface="+mn-lt"/>
-                <a:ea typeface="ＭＳ Ｐゴシック" charset="-128"/>
-              </a:defRPr>
-            </a:lvl3pPr>
-            <a:lvl4pPr marL="1600200" indent="-228600" algn="l" rtl="0" eaLnBrk="0" fontAlgn="base" hangingPunct="0">
-              <a:spcBef>
-                <a:spcPct val="20000"/>
-              </a:spcBef>
-              <a:spcAft>
-                <a:spcPct val="0"/>
-              </a:spcAft>
-              <a:buClr>
-                <a:schemeClr val="tx1">
-                  <a:lumMod val="95000"/>
-                  <a:lumOff val="5000"/>
-                </a:schemeClr>
-              </a:buClr>
-              <a:buChar char="–"/>
-              <a:defRPr sz="1800">
-                <a:solidFill>
-                  <a:srgbClr val="5F5F5F"/>
-                </a:solidFill>
-                <a:latin typeface="+mn-lt"/>
-                <a:ea typeface="ＭＳ Ｐゴシック" charset="-128"/>
-              </a:defRPr>
-            </a:lvl4pPr>
-            <a:lvl5pPr marL="2000250" indent="-171450" algn="l" rtl="0" eaLnBrk="0" fontAlgn="base" hangingPunct="0">
-              <a:spcBef>
-                <a:spcPct val="20000"/>
-              </a:spcBef>
-              <a:spcAft>
-                <a:spcPct val="0"/>
-              </a:spcAft>
-              <a:buClr>
-                <a:schemeClr val="tx1">
-                  <a:lumMod val="95000"/>
-                  <a:lumOff val="5000"/>
-                </a:schemeClr>
-              </a:buClr>
-              <a:buChar char="»"/>
-              <a:defRPr sz="1800">
-                <a:solidFill>
-                  <a:srgbClr val="5F5F5F"/>
-                </a:solidFill>
-                <a:latin typeface="+mn-lt"/>
-                <a:ea typeface="ＭＳ Ｐゴシック" charset="-128"/>
-              </a:defRPr>
-            </a:lvl5pPr>
-            <a:lvl6pPr marL="2514600" indent="-228600" algn="l" rtl="0" fontAlgn="base">
-              <a:spcBef>
-                <a:spcPct val="20000"/>
-              </a:spcBef>
-              <a:spcAft>
-                <a:spcPct val="0"/>
-              </a:spcAft>
-              <a:buChar char="»"/>
-              <a:defRPr sz="1400">
-                <a:solidFill>
-                  <a:srgbClr val="5F5F5F"/>
-                </a:solidFill>
-                <a:latin typeface="+mn-lt"/>
-                <a:ea typeface="ＭＳ Ｐゴシック" charset="-128"/>
-              </a:defRPr>
-            </a:lvl6pPr>
-            <a:lvl7pPr marL="2971800" indent="-228600" algn="l" rtl="0" fontAlgn="base">
-              <a:spcBef>
-                <a:spcPct val="20000"/>
-              </a:spcBef>
-              <a:spcAft>
-                <a:spcPct val="0"/>
-              </a:spcAft>
-              <a:buChar char="»"/>
-              <a:defRPr sz="1400">
-                <a:solidFill>
-                  <a:srgbClr val="5F5F5F"/>
-                </a:solidFill>
-                <a:latin typeface="+mn-lt"/>
-                <a:ea typeface="ＭＳ Ｐゴシック" charset="-128"/>
-              </a:defRPr>
-            </a:lvl7pPr>
-            <a:lvl8pPr marL="3429000" indent="-228600" algn="l" rtl="0" fontAlgn="base">
-              <a:spcBef>
-                <a:spcPct val="20000"/>
-              </a:spcBef>
-              <a:spcAft>
-                <a:spcPct val="0"/>
-              </a:spcAft>
-              <a:buChar char="»"/>
-              <a:defRPr sz="1400">
-                <a:solidFill>
-                  <a:srgbClr val="5F5F5F"/>
-                </a:solidFill>
-                <a:latin typeface="+mn-lt"/>
-                <a:ea typeface="ＭＳ Ｐゴシック" charset="-128"/>
-              </a:defRPr>
-            </a:lvl8pPr>
-            <a:lvl9pPr marL="3886200" indent="-228600" algn="l" rtl="0" fontAlgn="base">
-              <a:spcBef>
-                <a:spcPct val="20000"/>
-              </a:spcBef>
-              <a:spcAft>
-                <a:spcPct val="0"/>
-              </a:spcAft>
-              <a:buChar char="»"/>
-              <a:defRPr sz="1400">
-                <a:solidFill>
-                  <a:srgbClr val="5F5F5F"/>
-                </a:solidFill>
-                <a:latin typeface="+mn-lt"/>
-                <a:ea typeface="ＭＳ Ｐゴシック" charset="-128"/>
-              </a:defRPr>
-            </a:lvl9pPr>
-          </a:lstStyle>
-          <a:p>
-            <a:pPr marL="344488" indent="-342900"/>
-            <a:r>
-              <a:rPr lang="en-US" dirty="0" smtClean="0"/>
-              <a:t>Interaction between Models:</a:t>
-            </a:r>
-          </a:p>
-          <a:p>
-            <a:pPr marL="800100" lvl="1" indent="-342900"/>
-            <a:r>
-              <a:rPr lang="en-US" dirty="0" smtClean="0"/>
-              <a:t>[</a:t>
-            </a:r>
-            <a:r>
-              <a:rPr lang="en-US" dirty="0"/>
-              <a:t>A*, W* ] and [P*, F*]</a:t>
-            </a:r>
-          </a:p>
-          <a:p>
-            <a:pPr marL="1208088" lvl="2" indent="-342900"/>
-            <a:r>
-              <a:rPr lang="en-US" dirty="0"/>
-              <a:t>Here A* is a conceptual model, and W* is an analytical model</a:t>
-            </a:r>
-          </a:p>
-          <a:p>
-            <a:pPr marL="1208088" lvl="2" indent="-342900"/>
-            <a:r>
-              <a:rPr lang="en-US" dirty="0" smtClean="0"/>
-              <a:t>A </a:t>
-            </a:r>
-            <a:r>
-              <a:rPr lang="en-US" dirty="0"/>
-              <a:t>specific instance of A*, is subject to a transformation </a:t>
-            </a:r>
-            <a:r>
-              <a:rPr lang="en-US" b="1" dirty="0">
-                <a:ln w="12700">
-                  <a:solidFill>
-                    <a:schemeClr val="tx2">
-                      <a:satMod val="155000"/>
-                    </a:schemeClr>
-                  </a:solidFill>
-                  <a:prstDash val="solid"/>
-                </a:ln>
-                <a:solidFill>
-                  <a:schemeClr val="bg2">
-                    <a:tint val="85000"/>
-                    <a:satMod val="155000"/>
-                  </a:schemeClr>
-                </a:solidFill>
-                <a:effectLst>
-                  <a:outerShdw blurRad="41275" dist="20320" dir="1800000" algn="tl" rotWithShape="0">
-                    <a:srgbClr val="000000">
-                      <a:alpha val="40000"/>
-                    </a:srgbClr>
-                  </a:outerShdw>
-                </a:effectLst>
-              </a:rPr>
-              <a:t>W</a:t>
-            </a:r>
-            <a:r>
-              <a:rPr lang="en-US" dirty="0"/>
-              <a:t> which converts into executable units </a:t>
-            </a:r>
-            <a:r>
-              <a:rPr lang="en-US" dirty="0" smtClean="0"/>
-              <a:t>(per W*) that </a:t>
-            </a:r>
-            <a:r>
-              <a:rPr lang="en-US" dirty="0"/>
-              <a:t>have performance requirements</a:t>
-            </a:r>
-          </a:p>
-          <a:p>
-            <a:pPr marL="1208088" lvl="2" indent="-342900"/>
-            <a:r>
-              <a:rPr lang="en-US" dirty="0" smtClean="0"/>
-              <a:t>Infrastructure modeled as I*, capability is exposed and federated per F*</a:t>
-            </a:r>
-          </a:p>
-          <a:p>
-            <a:pPr marL="1208088" lvl="2" indent="-342900"/>
-            <a:r>
-              <a:rPr lang="en-US" dirty="0" smtClean="0"/>
-              <a:t>I</a:t>
-            </a:r>
-            <a:r>
-              <a:rPr lang="en-US" dirty="0"/>
-              <a:t>* </a:t>
-            </a:r>
-            <a:r>
-              <a:rPr lang="en-US" dirty="0" smtClean="0"/>
-              <a:t>subject </a:t>
-            </a:r>
-            <a:r>
-              <a:rPr lang="en-US" dirty="0"/>
-              <a:t>to a transformation </a:t>
-            </a:r>
-            <a:r>
-              <a:rPr lang="en-US" b="1" dirty="0" smtClean="0">
-                <a:ln w="12700">
-                  <a:solidFill>
-                    <a:schemeClr val="tx2">
-                      <a:satMod val="155000"/>
-                    </a:schemeClr>
-                  </a:solidFill>
-                  <a:prstDash val="solid"/>
-                </a:ln>
-                <a:solidFill>
-                  <a:schemeClr val="bg2">
-                    <a:tint val="85000"/>
-                    <a:satMod val="155000"/>
-                  </a:schemeClr>
-                </a:solidFill>
-                <a:effectLst>
-                  <a:outerShdw blurRad="41275" dist="20320" dir="1800000" algn="tl" rotWithShape="0">
-                    <a:srgbClr val="000000">
-                      <a:alpha val="40000"/>
-                    </a:srgbClr>
-                  </a:outerShdw>
-                </a:effectLst>
-              </a:rPr>
-              <a:t>F </a:t>
-            </a:r>
-            <a:r>
-              <a:rPr lang="en-US" dirty="0" smtClean="0"/>
-              <a:t>(</a:t>
-            </a:r>
-            <a:r>
-              <a:rPr lang="en-US" dirty="0"/>
-              <a:t>aggregation of resources per F*</a:t>
-            </a:r>
-            <a:r>
-              <a:rPr lang="en-US" dirty="0" smtClean="0"/>
-              <a:t>) to provide a federated capability</a:t>
-            </a:r>
-            <a:endParaRPr lang="en-US" dirty="0"/>
-          </a:p>
-          <a:p>
-            <a:pPr marL="344488" indent="-342900"/>
-            <a:r>
-              <a:rPr lang="en-US" sz="2000" dirty="0" smtClean="0"/>
-              <a:t>Role of Simulation</a:t>
-            </a:r>
-          </a:p>
-          <a:p>
-            <a:pPr marL="800100" lvl="1" indent="-342900"/>
-            <a:r>
-              <a:rPr lang="en-US" sz="1800" dirty="0" smtClean="0"/>
-              <a:t>If we federate a given set of resources {I} what is the performance we expect?</a:t>
-            </a:r>
-          </a:p>
-          <a:p>
-            <a:pPr marL="800100" lvl="1" indent="-342900"/>
-            <a:r>
-              <a:rPr lang="en-US" dirty="0" smtClean="0"/>
-              <a:t>If we want a capability [C], what is the set of resources {I} we need to federate to get  this [C] with well-defined probability distribution?</a:t>
-            </a:r>
-          </a:p>
-          <a:p>
-            <a:pPr marL="800100" lvl="1" indent="-342900"/>
-            <a:r>
-              <a:rPr lang="en-US" sz="1800" dirty="0" smtClean="0"/>
-              <a:t>Given an instance of an application (model), what is the workload  independent of the underlying resources?</a:t>
-            </a:r>
-          </a:p>
-        </p:txBody>
-      </p:sp>
-    </p:spTree>
-    <p:extLst>
-      <p:ext uri="{BB962C8B-B14F-4D97-AF65-F5344CB8AC3E}">
-        <p14:creationId xmlns:p14="http://schemas.microsoft.com/office/powerpoint/2010/main" val="1704466999"/>
-      </p:ext>
-    </p:extLst>
-  </p:cSld>
-  <p:clrMapOvr>
-    <a:masterClrMapping/>
-  </p:clrMapOvr>
-  <p:timing>
-    <p:tnLst>
-      <p:par>
-        <p:cTn xmlns:p14="http://schemas.microsoft.com/office/powerpoint/2010/main" id="1" dur="indefinite" restart="never" nodeType="tmRoot"/>
-      </p:par>
-    </p:tnLst>
-  </p:timing>
-</p:sld>
-</file>
-
-<file path=ppt/slides/slide22.xml><?xml version="1.0" encoding="utf-8"?>
-<p:sld xmlns:a="http://schemas.openxmlformats.org/drawingml/2006/main" xmlns:r="http://schemas.openxmlformats.org/officeDocument/2006/relationships" xmlns:p="http://schemas.openxmlformats.org/presentationml/2006/main">
-  <p:cSld>
-    <p:spTree>
-      <p:nvGrpSpPr>
-        <p:cNvPr id="1" name=""/>
-        <p:cNvGrpSpPr/>
-        <p:nvPr/>
-      </p:nvGrpSpPr>
-      <p:grpSpPr>
-        <a:xfrm>
-          <a:off x="0" y="0"/>
-          <a:ext cx="0" cy="0"/>
-          <a:chOff x="0" y="0"/>
-          <a:chExt cx="0" cy="0"/>
-        </a:xfrm>
-      </p:grpSpPr>
-      <p:sp>
-        <p:nvSpPr>
-          <p:cNvPr id="58369" name="Title 1"/>
-          <p:cNvSpPr>
-            <a:spLocks noGrp="1"/>
-          </p:cNvSpPr>
-          <p:nvPr>
-            <p:ph type="title"/>
-          </p:nvPr>
-        </p:nvSpPr>
-        <p:spPr/>
-        <p:txBody>
-          <a:bodyPr/>
-          <a:lstStyle/>
-          <a:p>
-            <a:r>
-              <a:rPr lang="en-US" dirty="0" smtClean="0">
-                <a:latin typeface="Arial" charset="0"/>
-                <a:ea typeface="ＭＳ Ｐゴシック" charset="0"/>
-                <a:cs typeface="ＭＳ Ｐゴシック" charset="0"/>
-              </a:rPr>
-              <a:t>Mapping Tasks to Resources</a:t>
-            </a:r>
-            <a:endParaRPr lang="en-US" dirty="0">
-              <a:latin typeface="Arial" charset="0"/>
-              <a:ea typeface="ＭＳ Ｐゴシック" charset="0"/>
-              <a:cs typeface="ＭＳ Ｐゴシック" charset="0"/>
-            </a:endParaRPr>
-          </a:p>
-        </p:txBody>
-      </p:sp>
-      <p:sp>
-        <p:nvSpPr>
-          <p:cNvPr id="58370" name="Content Placeholder 2"/>
-          <p:cNvSpPr>
-            <a:spLocks noGrp="1"/>
-          </p:cNvSpPr>
-          <p:nvPr>
-            <p:ph idx="1"/>
-          </p:nvPr>
-        </p:nvSpPr>
-        <p:spPr/>
-        <p:txBody>
-          <a:bodyPr/>
-          <a:lstStyle/>
-          <a:p>
-            <a:r>
-              <a:rPr lang="en-US" dirty="0">
-                <a:latin typeface="Arial" charset="0"/>
-                <a:ea typeface="ＭＳ Ｐゴシック" charset="0"/>
-                <a:cs typeface="ＭＳ Ｐゴシック" charset="0"/>
-              </a:rPr>
-              <a:t>Different aspects of mapping tasks to resources</a:t>
-            </a:r>
-          </a:p>
-          <a:p>
-            <a:pPr lvl="1"/>
-            <a:r>
-              <a:rPr lang="en-US" dirty="0">
-                <a:latin typeface="Arial" charset="0"/>
-                <a:ea typeface="ＭＳ Ｐゴシック" charset="0"/>
-              </a:rPr>
-              <a:t>I. Optimal Characterization: Finding the optimal workload </a:t>
-            </a:r>
-            <a:r>
-              <a:rPr lang="en-US" dirty="0" err="1">
-                <a:latin typeface="Arial" charset="0"/>
-                <a:ea typeface="ＭＳ Ｐゴシック" charset="0"/>
-              </a:rPr>
-              <a:t>characterisation</a:t>
-            </a:r>
-            <a:r>
-              <a:rPr lang="en-US" dirty="0">
-                <a:latin typeface="Arial" charset="0"/>
-                <a:ea typeface="ＭＳ Ｐゴシック" charset="0"/>
-              </a:rPr>
-              <a:t> (of an application)</a:t>
-            </a:r>
-          </a:p>
-          <a:p>
-            <a:pPr lvl="2"/>
-            <a:r>
-              <a:rPr lang="en-US" dirty="0">
-                <a:latin typeface="Arial" charset="0"/>
-                <a:ea typeface="ＭＳ Ｐゴシック" charset="0"/>
-              </a:rPr>
-              <a:t>Generality versus specificity. Class of Applications versus Many application classes/types</a:t>
-            </a:r>
-          </a:p>
-          <a:p>
-            <a:pPr lvl="2"/>
-            <a:r>
-              <a:rPr lang="en-US" dirty="0">
-                <a:latin typeface="Arial" charset="0"/>
-                <a:ea typeface="ＭＳ Ｐゴシック" charset="0"/>
-              </a:rPr>
-              <a:t>Different applications have different metrics</a:t>
-            </a:r>
-          </a:p>
-          <a:p>
-            <a:pPr lvl="1"/>
-            <a:r>
-              <a:rPr lang="en-US" dirty="0">
-                <a:latin typeface="Arial" charset="0"/>
-                <a:ea typeface="ＭＳ Ｐゴシック" charset="0"/>
-              </a:rPr>
-              <a:t>II. Optimal Federation: Finding the optimal resource configurations for a given workload </a:t>
-            </a:r>
-          </a:p>
-          <a:p>
-            <a:pPr lvl="2"/>
-            <a:r>
-              <a:rPr lang="en-US" dirty="0">
-                <a:latin typeface="Arial" charset="0"/>
-                <a:ea typeface="ＭＳ Ｐゴシック" charset="0"/>
-              </a:rPr>
-              <a:t>Irrespective of whether it is best representation of an application</a:t>
-            </a:r>
-          </a:p>
-          <a:p>
-            <a:pPr lvl="2"/>
-            <a:r>
-              <a:rPr lang="en-US" dirty="0">
-                <a:latin typeface="Arial" charset="0"/>
-                <a:ea typeface="ＭＳ Ｐゴシック" charset="0"/>
-              </a:rPr>
-              <a:t>Resources availability at extreme scale is variable</a:t>
-            </a:r>
-          </a:p>
-          <a:p>
-            <a:pPr lvl="1"/>
-            <a:r>
-              <a:rPr lang="en-US" dirty="0">
-                <a:latin typeface="Arial" charset="0"/>
-                <a:ea typeface="ＭＳ Ｐゴシック" charset="0"/>
-              </a:rPr>
-              <a:t>III. Optimal Mapping: Workload to Resource Mapping</a:t>
-            </a:r>
-          </a:p>
-          <a:p>
-            <a:pPr lvl="2"/>
-            <a:r>
-              <a:rPr lang="en-US" dirty="0">
-                <a:latin typeface="Arial" charset="0"/>
-                <a:ea typeface="ＭＳ Ｐゴシック" charset="0"/>
-              </a:rPr>
-              <a:t>Static versus Dynamic Mapping</a:t>
-            </a:r>
-          </a:p>
-          <a:p>
-            <a:pPr lvl="3"/>
-            <a:r>
-              <a:rPr lang="en-US" dirty="0">
-                <a:latin typeface="Arial" charset="0"/>
-                <a:ea typeface="ＭＳ Ｐゴシック" charset="0"/>
-              </a:rPr>
-              <a:t>If traditional HPC where workloads are characterized by finite set of kernels then static is acceptable; where workload is dynamic and capture many different applications then</a:t>
-            </a:r>
-          </a:p>
-        </p:txBody>
-      </p:sp>
-    </p:spTree>
-    <p:extLst>
-      <p:ext uri="{BB962C8B-B14F-4D97-AF65-F5344CB8AC3E}">
-        <p14:creationId xmlns:p14="http://schemas.microsoft.com/office/powerpoint/2010/main" val="1666342825"/>
-      </p:ext>
-    </p:extLst>
-  </p:cSld>
-  <p:clrMapOvr>
-    <a:masterClrMapping/>
-  </p:clrMapOvr>
-</p:sld>
-</file>
-
-<file path=ppt/slides/slide23.xml><?xml version="1.0" encoding="utf-8"?>
-<p:sld xmlns:a="http://schemas.openxmlformats.org/drawingml/2006/main" xmlns:r="http://schemas.openxmlformats.org/officeDocument/2006/relationships" xmlns:p="http://schemas.openxmlformats.org/presentationml/2006/main">
-  <p:cSld>
-    <p:spTree>
-      <p:nvGrpSpPr>
-        <p:cNvPr id="1" name=""/>
-        <p:cNvGrpSpPr/>
-        <p:nvPr/>
-      </p:nvGrpSpPr>
-      <p:grpSpPr>
-        <a:xfrm>
-          <a:off x="0" y="0"/>
-          <a:ext cx="0" cy="0"/>
-          <a:chOff x="0" y="0"/>
-          <a:chExt cx="0" cy="0"/>
-        </a:xfrm>
-      </p:grpSpPr>
-      <p:sp>
-        <p:nvSpPr>
-          <p:cNvPr id="2" name="Title 1"/>
-          <p:cNvSpPr>
-            <a:spLocks noGrp="1"/>
-          </p:cNvSpPr>
-          <p:nvPr>
-            <p:ph type="title"/>
-          </p:nvPr>
-        </p:nvSpPr>
-        <p:spPr/>
-        <p:txBody>
-          <a:bodyPr/>
-          <a:lstStyle/>
-          <a:p>
-            <a:r>
-              <a:rPr lang="en-US" dirty="0" smtClean="0"/>
-              <a:t>Organizer’s Questions [SJ]</a:t>
+              <a:t>Acknowledgements</a:t>
             </a:r>
             <a:endParaRPr lang="en-US" dirty="0"/>
           </a:p>
@@ -8570,1504 +6810,50 @@
           <a:lstStyle/>
           <a:p>
             <a:r>
-              <a:rPr lang="en-US" dirty="0"/>
-              <a:t>W</a:t>
-            </a:r>
-            <a:r>
-              <a:rPr lang="en-US" dirty="0" smtClean="0"/>
-              <a:t>hat </a:t>
-            </a:r>
-            <a:r>
-              <a:rPr lang="en-US" dirty="0"/>
-              <a:t>is the major contribution of your </a:t>
-            </a:r>
-            <a:r>
-              <a:rPr lang="en-US" dirty="0" smtClean="0"/>
-              <a:t>research?</a:t>
-            </a:r>
-          </a:p>
-          <a:p>
-            <a:r>
-              <a:rPr lang="en-US" dirty="0"/>
-              <a:t>W</a:t>
-            </a:r>
-            <a:r>
-              <a:rPr lang="en-US" dirty="0" smtClean="0"/>
-              <a:t>hat </a:t>
-            </a:r>
-            <a:r>
-              <a:rPr lang="en-US" dirty="0"/>
-              <a:t>are the gaps you identify in the research coverage in your area</a:t>
-            </a:r>
-            <a:r>
-              <a:rPr lang="en-US" dirty="0" smtClean="0"/>
-              <a:t>?</a:t>
-            </a:r>
-          </a:p>
-          <a:p>
-            <a:r>
-              <a:rPr lang="en-US" dirty="0"/>
-              <a:t>W</a:t>
-            </a:r>
-            <a:r>
-              <a:rPr lang="en-US" dirty="0" smtClean="0"/>
-              <a:t>hat </a:t>
-            </a:r>
-            <a:r>
-              <a:rPr lang="en-US" dirty="0"/>
-              <a:t>is the bigger picture for your research area? (i.e., identify synergistic projects, complementary projects in technical sense, </a:t>
-            </a:r>
-            <a:r>
-              <a:rPr lang="en-US" dirty="0" err="1"/>
-              <a:t>etc</a:t>
-            </a:r>
-            <a:r>
-              <a:rPr lang="en-US" dirty="0"/>
-              <a:t>) </a:t>
-            </a:r>
-            <a:endParaRPr lang="en-US" dirty="0" smtClean="0"/>
-          </a:p>
-          <a:p>
-            <a:r>
-              <a:rPr lang="en-US" dirty="0"/>
-              <a:t>H</a:t>
-            </a:r>
-            <a:r>
-              <a:rPr lang="en-US" dirty="0" smtClean="0"/>
-              <a:t>ow </a:t>
-            </a:r>
-            <a:r>
-              <a:rPr lang="en-US" dirty="0"/>
-              <a:t>do you see cross-pollination across projects funded by different funding agencies</a:t>
-            </a:r>
-            <a:r>
-              <a:rPr lang="en-US" dirty="0" smtClean="0"/>
-              <a:t>?</a:t>
-            </a:r>
-          </a:p>
-          <a:p>
-            <a:r>
-              <a:rPr lang="en-US" dirty="0"/>
-              <a:t>W</a:t>
-            </a:r>
-            <a:r>
-              <a:rPr lang="en-US" dirty="0" smtClean="0"/>
-              <a:t>hat </a:t>
-            </a:r>
-            <a:r>
-              <a:rPr lang="en-US" dirty="0"/>
-              <a:t>is the one thing that would make it easier/possible to leverage/use the results of other projects to further your own </a:t>
-            </a:r>
-            <a:r>
-              <a:rPr lang="en-US" dirty="0" smtClean="0"/>
-              <a:t>research?</a:t>
-            </a:r>
-          </a:p>
-          <a:p>
-            <a:r>
-              <a:rPr lang="en-US" dirty="0" smtClean="0"/>
-              <a:t>What</a:t>
-            </a:r>
-            <a:r>
-              <a:rPr lang="en-US" dirty="0"/>
-              <a:t>  would you like to most see solved/addressed other than what they are working on?</a:t>
-            </a:r>
-          </a:p>
-          <a:p>
-            <a:pPr marL="0" indent="0">
-              <a:buNone/>
-            </a:pPr>
-            <a:r>
-              <a:rPr lang="en-US" dirty="0"/>
-              <a:t/>
-            </a:r>
-            <a:br>
-              <a:rPr lang="en-US" dirty="0"/>
-            </a:br>
-            <a:endParaRPr lang="en-US" dirty="0"/>
-          </a:p>
-          <a:p>
-            <a:endParaRPr lang="en-US" dirty="0"/>
+              <a:rPr lang="en-US" dirty="0" smtClean="0"/>
+              <a:t>Richard Carlson </a:t>
+            </a:r>
+          </a:p>
+          <a:p>
+            <a:r>
+              <a:rPr lang="en-US" dirty="0" smtClean="0"/>
+              <a:t>Doug </a:t>
+            </a:r>
+            <a:r>
+              <a:rPr lang="en-US" dirty="0" err="1" smtClean="0"/>
+              <a:t>Thain</a:t>
+            </a:r>
+            <a:r>
+              <a:rPr lang="en-US" dirty="0" smtClean="0"/>
+              <a:t> (Notre Dame)</a:t>
+            </a:r>
+          </a:p>
+          <a:p>
+            <a:r>
+              <a:rPr lang="en-US" dirty="0" smtClean="0"/>
+              <a:t>Sergey </a:t>
+            </a:r>
+            <a:r>
+              <a:rPr lang="en-US" dirty="0" err="1" smtClean="0"/>
+              <a:t>Panitkin</a:t>
+            </a:r>
+            <a:r>
+              <a:rPr lang="en-US" dirty="0" smtClean="0"/>
+              <a:t> (ATLAS/PANDA)</a:t>
+            </a:r>
           </a:p>
         </p:txBody>
       </p:sp>
     </p:spTree>
     <p:extLst>
       <p:ext uri="{BB962C8B-B14F-4D97-AF65-F5344CB8AC3E}">
-        <p14:creationId xmlns:p14="http://schemas.microsoft.com/office/powerpoint/2010/main" val="2665645213"/>
+        <p14:creationId xmlns:p14="http://schemas.microsoft.com/office/powerpoint/2010/main" val="1502657920"/>
       </p:ext>
     </p:extLst>
   </p:cSld>
   <p:clrMapOvr>
     <a:masterClrMapping/>
   </p:clrMapOvr>
-  <p:timing>
-    <p:tnLst>
-      <p:par>
-        <p:cTn xmlns:p14="http://schemas.microsoft.com/office/powerpoint/2010/main" id="1" dur="indefinite" restart="never" nodeType="tmRoot"/>
-      </p:par>
-    </p:tnLst>
-  </p:timing>
-</p:sld>
-</file>
-
-<file path=ppt/slides/slide24.xml><?xml version="1.0" encoding="utf-8"?>
-<p:sld xmlns:a="http://schemas.openxmlformats.org/drawingml/2006/main" xmlns:r="http://schemas.openxmlformats.org/officeDocument/2006/relationships" xmlns:p="http://schemas.openxmlformats.org/presentationml/2006/main">
-  <p:cSld>
-    <p:spTree>
-      <p:nvGrpSpPr>
-        <p:cNvPr id="1" name="Shape 46"/>
-        <p:cNvGrpSpPr/>
-        <p:nvPr/>
-      </p:nvGrpSpPr>
-      <p:grpSpPr>
-        <a:xfrm>
-          <a:off x="0" y="0"/>
-          <a:ext cx="0" cy="0"/>
-          <a:chOff x="0" y="0"/>
-          <a:chExt cx="0" cy="0"/>
-        </a:xfrm>
-      </p:grpSpPr>
-      <p:sp>
-        <p:nvSpPr>
-          <p:cNvPr id="47" name="Shape 47"/>
-          <p:cNvSpPr txBox="1">
-            <a:spLocks noGrp="1"/>
-          </p:cNvSpPr>
-          <p:nvPr>
-            <p:ph type="title"/>
-          </p:nvPr>
-        </p:nvSpPr>
-        <p:spPr>
-          <a:prstGeom prst="rect">
-            <a:avLst/>
-          </a:prstGeom>
-        </p:spPr>
-        <p:txBody>
-          <a:bodyPr lIns="91425" tIns="91425" rIns="91425" bIns="91425" anchor="b" anchorCtr="0">
-            <a:noAutofit/>
-          </a:bodyPr>
-          <a:lstStyle/>
-          <a:p>
-            <a:pPr lvl="0" rtl="0">
-              <a:buNone/>
-            </a:pPr>
-            <a:r>
-              <a:rPr lang="en-US" dirty="0" smtClean="0"/>
-              <a:t>Modeling Challenges</a:t>
-            </a:r>
-            <a:r>
-              <a:rPr lang="en" dirty="0"/>
-              <a:t>	</a:t>
-            </a:r>
-          </a:p>
-        </p:txBody>
-      </p:sp>
-      <p:sp>
-        <p:nvSpPr>
-          <p:cNvPr id="48" name="Shape 48"/>
-          <p:cNvSpPr txBox="1">
-            <a:spLocks noGrp="1"/>
-          </p:cNvSpPr>
-          <p:nvPr>
-            <p:ph idx="4294967295"/>
-          </p:nvPr>
-        </p:nvSpPr>
-        <p:spPr>
-          <a:xfrm>
-            <a:off x="282231" y="789713"/>
-            <a:ext cx="8715010" cy="5146675"/>
-          </a:xfrm>
-          <a:prstGeom prst="rect">
-            <a:avLst/>
-          </a:prstGeom>
-        </p:spPr>
-        <p:txBody>
-          <a:bodyPr lIns="91425" tIns="91425" rIns="91425" bIns="91425" anchor="t" anchorCtr="0">
-            <a:noAutofit/>
-          </a:bodyPr>
-          <a:lstStyle/>
-          <a:p>
-            <a:pPr>
-              <a:lnSpc>
-                <a:spcPct val="90000"/>
-              </a:lnSpc>
-            </a:pPr>
-            <a:r>
-              <a:rPr lang="en-US" dirty="0" smtClean="0"/>
-              <a:t>Overarching Challenge: How does modeling DEC couple to and synergize with HPC </a:t>
-            </a:r>
-            <a:r>
-              <a:rPr lang="en-US" dirty="0" err="1" smtClean="0"/>
-              <a:t>exascale</a:t>
-            </a:r>
-            <a:r>
-              <a:rPr lang="en-US" dirty="0" smtClean="0"/>
-              <a:t> modeling efforts?</a:t>
-            </a:r>
-          </a:p>
-          <a:p>
-            <a:pPr>
-              <a:lnSpc>
-                <a:spcPct val="90000"/>
-              </a:lnSpc>
-            </a:pPr>
-            <a:r>
-              <a:rPr lang="en-US" dirty="0" smtClean="0"/>
-              <a:t>Operational Challenges: </a:t>
-            </a:r>
-          </a:p>
-          <a:p>
-            <a:pPr lvl="1">
-              <a:lnSpc>
-                <a:spcPct val="90000"/>
-              </a:lnSpc>
-            </a:pPr>
-            <a:r>
-              <a:rPr lang="en-US" dirty="0" smtClean="0"/>
-              <a:t>Granularity</a:t>
-            </a:r>
-          </a:p>
-          <a:p>
-            <a:pPr lvl="2">
-              <a:lnSpc>
-                <a:spcPct val="90000"/>
-              </a:lnSpc>
-            </a:pPr>
-            <a:r>
-              <a:rPr lang="en-US" dirty="0" smtClean="0"/>
-              <a:t>Different model of varying specificity</a:t>
-            </a:r>
-          </a:p>
-          <a:p>
-            <a:pPr lvl="2">
-              <a:lnSpc>
-                <a:spcPct val="90000"/>
-              </a:lnSpc>
-            </a:pPr>
-            <a:r>
-              <a:rPr lang="en-US" dirty="0" smtClean="0"/>
-              <a:t>Some are analytical, some are conceptual </a:t>
-            </a:r>
-          </a:p>
-          <a:p>
-            <a:pPr lvl="1">
-              <a:lnSpc>
-                <a:spcPct val="90000"/>
-              </a:lnSpc>
-            </a:pPr>
-            <a:r>
-              <a:rPr lang="en-US" dirty="0" smtClean="0"/>
-              <a:t>Multi-scale</a:t>
-            </a:r>
-          </a:p>
-          <a:p>
-            <a:pPr lvl="2">
-              <a:lnSpc>
-                <a:spcPct val="90000"/>
-              </a:lnSpc>
-            </a:pPr>
-            <a:r>
-              <a:rPr lang="en-US" dirty="0" smtClean="0"/>
-              <a:t>Macroscopic versus microscopic consequences</a:t>
-            </a:r>
-          </a:p>
-          <a:p>
-            <a:pPr lvl="1">
-              <a:lnSpc>
-                <a:spcPct val="90000"/>
-              </a:lnSpc>
-            </a:pPr>
-            <a:r>
-              <a:rPr lang="en-US" dirty="0" smtClean="0"/>
-              <a:t>Many possible parameters, which should be used?</a:t>
-            </a:r>
-          </a:p>
-          <a:p>
-            <a:pPr lvl="2">
-              <a:lnSpc>
-                <a:spcPct val="90000"/>
-              </a:lnSpc>
-            </a:pPr>
-            <a:r>
-              <a:rPr lang="en-US" dirty="0" smtClean="0"/>
-              <a:t>Linking models that reason using different parameters, e.g., energy considerations may not play a role at large-scale distribution	</a:t>
-            </a:r>
-          </a:p>
-          <a:p>
-            <a:pPr lvl="1">
-              <a:lnSpc>
-                <a:spcPct val="90000"/>
-              </a:lnSpc>
-            </a:pPr>
-            <a:r>
-              <a:rPr lang="en-US" dirty="0" smtClean="0"/>
-              <a:t>Heterogeneity</a:t>
-            </a:r>
-          </a:p>
-          <a:p>
-            <a:pPr lvl="2">
-              <a:lnSpc>
-                <a:spcPct val="90000"/>
-              </a:lnSpc>
-            </a:pPr>
-            <a:r>
-              <a:rPr lang="en-US" dirty="0" smtClean="0"/>
-              <a:t>Federating heterogeneous distributed infrastructure</a:t>
-            </a:r>
-          </a:p>
-          <a:p>
-            <a:pPr lvl="1">
-              <a:lnSpc>
-                <a:spcPct val="90000"/>
-              </a:lnSpc>
-            </a:pPr>
-            <a:endParaRPr lang="en-US" dirty="0" smtClean="0"/>
-          </a:p>
-          <a:p>
-            <a:pPr marL="0" indent="0">
-              <a:lnSpc>
-                <a:spcPct val="90000"/>
-              </a:lnSpc>
-              <a:buNone/>
-            </a:pPr>
-            <a:endParaRPr lang="en-US" sz="2000" dirty="0"/>
-          </a:p>
-          <a:p>
-            <a:pPr marL="457200" lvl="1" indent="0">
-              <a:lnSpc>
-                <a:spcPct val="90000"/>
-              </a:lnSpc>
-              <a:buNone/>
-            </a:pPr>
-            <a:endParaRPr lang="en-US" sz="2000" dirty="0">
-              <a:solidFill>
-                <a:srgbClr val="606060"/>
-              </a:solidFill>
-            </a:endParaRPr>
-          </a:p>
-        </p:txBody>
-      </p:sp>
-    </p:spTree>
-    <p:extLst>
-      <p:ext uri="{BB962C8B-B14F-4D97-AF65-F5344CB8AC3E}">
-        <p14:creationId xmlns:p14="http://schemas.microsoft.com/office/powerpoint/2010/main" val="901666982"/>
-      </p:ext>
-    </p:extLst>
-  </p:cSld>
-  <p:clrMapOvr>
-    <a:masterClrMapping/>
-  </p:clrMapOvr>
-  <p:transition xmlns:p14="http://schemas.microsoft.com/office/powerpoint/2010/main" spd="slow">
-    <p:cut/>
-  </p:transition>
-  <p:timing>
-    <p:tnLst>
-      <p:par>
-        <p:cTn xmlns:p14="http://schemas.microsoft.com/office/powerpoint/2010/main" id="1" dur="indefinite" restart="never" nodeType="tmRoot"/>
-      </p:par>
-    </p:tnLst>
-  </p:timing>
-</p:sld>
-</file>
-
-<file path=ppt/slides/slide25.xml><?xml version="1.0" encoding="utf-8"?>
-<p:sld xmlns:a="http://schemas.openxmlformats.org/drawingml/2006/main" xmlns:r="http://schemas.openxmlformats.org/officeDocument/2006/relationships" xmlns:p="http://schemas.openxmlformats.org/presentationml/2006/main" show="0">
-  <p:cSld>
-    <p:spTree>
-      <p:nvGrpSpPr>
-        <p:cNvPr id="1" name="Shape 28"/>
-        <p:cNvGrpSpPr/>
-        <p:nvPr/>
-      </p:nvGrpSpPr>
-      <p:grpSpPr>
-        <a:xfrm>
-          <a:off x="0" y="0"/>
-          <a:ext cx="0" cy="0"/>
-          <a:chOff x="0" y="0"/>
-          <a:chExt cx="0" cy="0"/>
-        </a:xfrm>
-      </p:grpSpPr>
-      <p:sp>
-        <p:nvSpPr>
-          <p:cNvPr id="29" name="Shape 29"/>
-          <p:cNvSpPr txBox="1">
-            <a:spLocks noGrp="1"/>
-          </p:cNvSpPr>
-          <p:nvPr>
-            <p:ph type="title"/>
-          </p:nvPr>
-        </p:nvSpPr>
-        <p:spPr>
-          <a:xfrm>
-            <a:off x="282231" y="75986"/>
-            <a:ext cx="8597177" cy="690291"/>
-          </a:xfrm>
-          <a:prstGeom prst="rect">
-            <a:avLst/>
-          </a:prstGeom>
-        </p:spPr>
-        <p:txBody>
-          <a:bodyPr lIns="91425" tIns="91425" rIns="91425" bIns="91425" anchor="t" anchorCtr="0">
-            <a:noAutofit/>
-          </a:bodyPr>
-          <a:lstStyle/>
-          <a:p>
-            <a:pPr algn="just"/>
-            <a:r>
-              <a:rPr lang="en" dirty="0" smtClean="0"/>
-              <a:t>Distributed Computing </a:t>
-            </a:r>
-            <a:r>
-              <a:rPr lang="en-US" dirty="0" smtClean="0"/>
-              <a:t>in </a:t>
-            </a:r>
-            <a:r>
-              <a:rPr lang="en" dirty="0" smtClean="0"/>
-              <a:t>2013</a:t>
-            </a:r>
-            <a:endParaRPr lang="en" dirty="0"/>
-          </a:p>
-        </p:txBody>
-      </p:sp>
-      <p:sp>
-        <p:nvSpPr>
-          <p:cNvPr id="30" name="Shape 30"/>
-          <p:cNvSpPr txBox="1">
-            <a:spLocks noGrp="1"/>
-          </p:cNvSpPr>
-          <p:nvPr>
-            <p:ph idx="4294967295"/>
-          </p:nvPr>
-        </p:nvSpPr>
-        <p:spPr>
-          <a:xfrm>
-            <a:off x="297548" y="742568"/>
-            <a:ext cx="8736012" cy="5268912"/>
-          </a:xfrm>
-          <a:prstGeom prst="rect">
-            <a:avLst/>
-          </a:prstGeom>
-        </p:spPr>
-        <p:txBody>
-          <a:bodyPr lIns="91425" tIns="91425" rIns="91425" bIns="91425" anchor="t" anchorCtr="0">
-            <a:noAutofit/>
-          </a:bodyPr>
-          <a:lstStyle/>
-          <a:p>
-            <a:pPr>
-              <a:lnSpc>
-                <a:spcPct val="90000"/>
-              </a:lnSpc>
-            </a:pPr>
-            <a:r>
-              <a:rPr lang="en-US" dirty="0" smtClean="0">
-                <a:latin typeface="Arial" charset="0"/>
-                <a:ea typeface="ＭＳ Ｐゴシック" charset="0"/>
-                <a:cs typeface="ＭＳ Ｐゴシック" charset="0"/>
-              </a:rPr>
-              <a:t>The </a:t>
-            </a:r>
-            <a:r>
-              <a:rPr lang="en-US" dirty="0">
-                <a:latin typeface="Arial" charset="0"/>
-                <a:ea typeface="ＭＳ Ｐゴシック" charset="0"/>
-                <a:cs typeface="ＭＳ Ｐゴシック" charset="0"/>
-              </a:rPr>
-              <a:t>space of possible </a:t>
-            </a:r>
-            <a:r>
-              <a:rPr lang="en-US" dirty="0" smtClean="0">
-                <a:latin typeface="Arial" charset="0"/>
-                <a:ea typeface="ＭＳ Ｐゴシック" charset="0"/>
-                <a:cs typeface="ＭＳ Ｐゴシック" charset="0"/>
-              </a:rPr>
-              <a:t>DCA is </a:t>
-            </a:r>
-            <a:r>
-              <a:rPr lang="en-US" dirty="0">
-                <a:latin typeface="Arial" charset="0"/>
-                <a:ea typeface="ＭＳ Ｐゴシック" charset="0"/>
-                <a:cs typeface="ＭＳ Ｐゴシック" charset="0"/>
-              </a:rPr>
-              <a:t>large (and rich), but </a:t>
-            </a:r>
-            <a:r>
-              <a:rPr lang="en-US" dirty="0" smtClean="0">
-                <a:latin typeface="Arial" charset="0"/>
-                <a:ea typeface="ＭＳ Ｐゴシック" charset="0"/>
-                <a:cs typeface="ＭＳ Ｐゴシック" charset="0"/>
-              </a:rPr>
-              <a:t>developing DCA </a:t>
-            </a:r>
-            <a:r>
-              <a:rPr lang="en-US" dirty="0">
-                <a:latin typeface="Arial" charset="0"/>
-                <a:ea typeface="ＭＳ Ｐゴシック" charset="0"/>
-                <a:cs typeface="ＭＳ Ｐゴシック" charset="0"/>
-              </a:rPr>
-              <a:t>remains a hard </a:t>
-            </a:r>
-            <a:r>
-              <a:rPr lang="en-US" dirty="0" smtClean="0">
-                <a:latin typeface="Arial" charset="0"/>
-                <a:ea typeface="ＭＳ Ｐゴシック" charset="0"/>
-                <a:cs typeface="ＭＳ Ｐゴシック" charset="0"/>
-              </a:rPr>
-              <a:t>undertaking</a:t>
-            </a:r>
-            <a:endParaRPr lang="en-US" dirty="0">
-              <a:latin typeface="Arial" charset="0"/>
-              <a:ea typeface="ＭＳ Ｐゴシック" charset="0"/>
-              <a:cs typeface="ＭＳ Ｐゴシック" charset="0"/>
-            </a:endParaRPr>
-          </a:p>
-          <a:p>
-            <a:pPr marL="800100" lvl="1" indent="-342900">
-              <a:lnSpc>
-                <a:spcPct val="90000"/>
-              </a:lnSpc>
-            </a:pPr>
-            <a:r>
-              <a:rPr lang="en-US" sz="2000" dirty="0" smtClean="0">
-                <a:latin typeface="Arial" charset="0"/>
-                <a:ea typeface="ＭＳ Ｐゴシック" charset="0"/>
-              </a:rPr>
-              <a:t>More </a:t>
-            </a:r>
-            <a:r>
-              <a:rPr lang="en-US" sz="2000" dirty="0">
-                <a:latin typeface="Arial" charset="0"/>
-                <a:ea typeface="ＭＳ Ｐゴシック" charset="0"/>
-              </a:rPr>
-              <a:t>than just submitting </a:t>
-            </a:r>
-            <a:r>
-              <a:rPr lang="en-US" sz="2000" dirty="0" smtClean="0">
-                <a:latin typeface="Arial" charset="0"/>
-                <a:ea typeface="ＭＳ Ｐゴシック" charset="0"/>
-              </a:rPr>
-              <a:t>jobs; </a:t>
-            </a:r>
-            <a:r>
-              <a:rPr lang="en-US" sz="2000" dirty="0">
-                <a:latin typeface="Arial" charset="0"/>
-                <a:ea typeface="ＭＳ Ｐゴシック" charset="0"/>
-              </a:rPr>
-              <a:t>c</a:t>
-            </a:r>
-            <a:r>
-              <a:rPr lang="en-US" sz="2000" dirty="0" smtClean="0">
-                <a:latin typeface="Arial" charset="0"/>
-                <a:ea typeface="ＭＳ Ｐゴシック" charset="0"/>
-              </a:rPr>
-              <a:t>oordination </a:t>
-            </a:r>
-            <a:r>
-              <a:rPr lang="en-US" sz="2000" dirty="0">
-                <a:latin typeface="Arial" charset="0"/>
-                <a:ea typeface="ＭＳ Ｐゴシック" charset="0"/>
-              </a:rPr>
-              <a:t>of different </a:t>
-            </a:r>
-            <a:r>
-              <a:rPr lang="en-US" sz="2000" dirty="0" smtClean="0">
-                <a:latin typeface="Arial" charset="0"/>
-                <a:ea typeface="ＭＳ Ｐゴシック" charset="0"/>
-              </a:rPr>
-              <a:t>components</a:t>
-            </a:r>
-            <a:endParaRPr lang="en-US" sz="2000" dirty="0">
-              <a:latin typeface="Arial" charset="0"/>
-              <a:ea typeface="ＭＳ Ｐゴシック" charset="0"/>
-              <a:cs typeface="ＭＳ Ｐゴシック" charset="0"/>
-            </a:endParaRPr>
-          </a:p>
-          <a:p>
-            <a:pPr marL="800100" lvl="1" indent="-342900">
-              <a:lnSpc>
-                <a:spcPct val="90000"/>
-              </a:lnSpc>
-            </a:pPr>
-            <a:r>
-              <a:rPr lang="en-US" sz="2000" dirty="0" smtClean="0">
-                <a:latin typeface="Arial" charset="0"/>
-                <a:ea typeface="ＭＳ Ｐゴシック" charset="0"/>
-              </a:rPr>
-              <a:t>Inconsistent and incomplete tools for deployment and execution</a:t>
-            </a:r>
-          </a:p>
-          <a:p>
-            <a:pPr marL="342900" lvl="1" indent="-342900">
-              <a:lnSpc>
-                <a:spcPct val="90000"/>
-              </a:lnSpc>
-              <a:spcBef>
-                <a:spcPts val="1200"/>
-              </a:spcBef>
-              <a:buFont typeface="Arial"/>
-              <a:buChar char="•"/>
-            </a:pPr>
-            <a:r>
-              <a:rPr lang="en-US" sz="2000" dirty="0">
-                <a:solidFill>
-                  <a:schemeClr val="tx1"/>
-                </a:solidFill>
-              </a:rPr>
-              <a:t>Distributed Computing Applications (DCA)</a:t>
-            </a:r>
-          </a:p>
-          <a:p>
-            <a:pPr marL="750888" lvl="2" indent="-342900">
-              <a:lnSpc>
-                <a:spcPct val="90000"/>
-              </a:lnSpc>
-              <a:spcBef>
-                <a:spcPts val="1200"/>
-              </a:spcBef>
-              <a:buFont typeface="Arial"/>
-              <a:buChar char="•"/>
-            </a:pPr>
-            <a:r>
-              <a:rPr lang="en-US" sz="2000" dirty="0"/>
-              <a:t>Many new types of applications have emerged</a:t>
-            </a:r>
-          </a:p>
-          <a:p>
-            <a:pPr marL="1144588" lvl="3" indent="-227013">
-              <a:lnSpc>
-                <a:spcPct val="90000"/>
-              </a:lnSpc>
-              <a:spcBef>
-                <a:spcPts val="1200"/>
-              </a:spcBef>
-            </a:pPr>
-            <a:r>
-              <a:rPr lang="en-US" sz="2000" dirty="0"/>
-              <a:t>More than first-generation, i.e., distributed HPC and </a:t>
-            </a:r>
-            <a:r>
-              <a:rPr lang="en-US" sz="2000" dirty="0" err="1"/>
-              <a:t>BoT</a:t>
-            </a:r>
-            <a:r>
-              <a:rPr lang="en-US" sz="2000" dirty="0"/>
-              <a:t> HTC </a:t>
-            </a:r>
-          </a:p>
-          <a:p>
-            <a:pPr marL="458788" indent="-457200">
-              <a:lnSpc>
-                <a:spcPct val="90000"/>
-              </a:lnSpc>
-            </a:pPr>
-            <a:r>
-              <a:rPr lang="en-US" dirty="0" smtClean="0">
-                <a:latin typeface="Arial" charset="0"/>
-                <a:ea typeface="ＭＳ Ｐゴシック" charset="0"/>
-                <a:cs typeface="ＭＳ Ｐゴシック" charset="0"/>
-              </a:rPr>
-              <a:t>DCI software environment is complex and fragile</a:t>
-            </a:r>
-          </a:p>
-          <a:p>
-            <a:pPr lvl="1">
-              <a:lnSpc>
-                <a:spcPct val="90000"/>
-              </a:lnSpc>
-            </a:pPr>
-            <a:r>
-              <a:rPr lang="en-US" sz="2000" dirty="0" smtClean="0">
-                <a:latin typeface="Arial" charset="0"/>
-                <a:ea typeface="ＭＳ Ｐゴシック" charset="0"/>
-              </a:rPr>
-              <a:t>Middleware functionality and semantics</a:t>
-            </a:r>
-            <a:endParaRPr lang="en-US" sz="2000" dirty="0">
-              <a:latin typeface="Arial" charset="0"/>
-              <a:ea typeface="ＭＳ Ｐゴシック" charset="0"/>
-            </a:endParaRPr>
-          </a:p>
-          <a:p>
-            <a:pPr lvl="1">
-              <a:lnSpc>
-                <a:spcPct val="90000"/>
-              </a:lnSpc>
-            </a:pPr>
-            <a:r>
-              <a:rPr lang="en-US" sz="2000" dirty="0" smtClean="0">
-                <a:latin typeface="Arial" charset="0"/>
-                <a:ea typeface="ＭＳ Ｐゴシック" charset="0"/>
-              </a:rPr>
-              <a:t>Heterogeneous software and system access layers</a:t>
-            </a:r>
-          </a:p>
-          <a:p>
-            <a:pPr lvl="1">
-              <a:lnSpc>
-                <a:spcPct val="90000"/>
-              </a:lnSpc>
-            </a:pPr>
-            <a:r>
-              <a:rPr lang="en-US" sz="2000" dirty="0" smtClean="0">
-                <a:latin typeface="Arial" charset="0"/>
-                <a:ea typeface="ＭＳ Ｐゴシック" charset="0"/>
-              </a:rPr>
-              <a:t>Difficult to integrate services</a:t>
-            </a:r>
-            <a:r>
-              <a:rPr lang="en-US" sz="2000" dirty="0">
-                <a:latin typeface="Arial" charset="0"/>
-                <a:ea typeface="ＭＳ Ｐゴシック" charset="0"/>
-              </a:rPr>
-              <a:t> </a:t>
-            </a:r>
-            <a:r>
-              <a:rPr lang="en-US" sz="2000" dirty="0" smtClean="0">
-                <a:latin typeface="Arial" charset="0"/>
-                <a:ea typeface="ＭＳ Ｐゴシック" charset="0"/>
-              </a:rPr>
-              <a:t>and extend tools</a:t>
-            </a:r>
-          </a:p>
-          <a:p>
-            <a:pPr>
-              <a:lnSpc>
-                <a:spcPct val="90000"/>
-              </a:lnSpc>
-            </a:pPr>
-            <a:r>
-              <a:rPr lang="en-US" sz="1800" i="1" dirty="0" smtClean="0"/>
-              <a:t>Distributed </a:t>
-            </a:r>
-            <a:r>
-              <a:rPr lang="en-US" sz="1800" i="1" dirty="0"/>
-              <a:t>Computing practice for Large-scale S</a:t>
-            </a:r>
-            <a:r>
-              <a:rPr lang="en-US" sz="1800" i="1" dirty="0" smtClean="0"/>
-              <a:t>cience </a:t>
-            </a:r>
-            <a:r>
-              <a:rPr lang="en-US" sz="1800" dirty="0" err="1" smtClean="0"/>
-              <a:t>doi</a:t>
-            </a:r>
-            <a:r>
-              <a:rPr lang="en-US" sz="1800" dirty="0" smtClean="0"/>
-              <a:t> </a:t>
-            </a:r>
-            <a:r>
-              <a:rPr lang="en-US" sz="1800" dirty="0"/>
-              <a:t>10.1002/cpe.2897</a:t>
-            </a:r>
-          </a:p>
-          <a:p>
-            <a:pPr>
-              <a:lnSpc>
-                <a:spcPct val="90000"/>
-              </a:lnSpc>
-            </a:pPr>
-            <a:endParaRPr lang="en-US" sz="2000" dirty="0" smtClean="0"/>
-          </a:p>
-        </p:txBody>
-      </p:sp>
-    </p:spTree>
-    <p:extLst>
-      <p:ext uri="{BB962C8B-B14F-4D97-AF65-F5344CB8AC3E}">
-        <p14:creationId xmlns:p14="http://schemas.microsoft.com/office/powerpoint/2010/main" val="157817648"/>
-      </p:ext>
-    </p:extLst>
-  </p:cSld>
-  <p:clrMapOvr>
-    <a:masterClrMapping/>
-  </p:clrMapOvr>
-  <p:transition xmlns:p14="http://schemas.microsoft.com/office/powerpoint/2010/main" spd="slow">
-    <p:cut/>
-  </p:transition>
-  <p:timing>
-    <p:tnLst>
-      <p:par>
-        <p:cTn xmlns:p14="http://schemas.microsoft.com/office/powerpoint/2010/main" id="1" dur="indefinite" restart="never" nodeType="tmRoot"/>
-      </p:par>
-    </p:tnLst>
-  </p:timing>
-</p:sld>
-</file>
-
-<file path=ppt/slides/slide26.xml><?xml version="1.0" encoding="utf-8"?>
-<p:sld xmlns:a="http://schemas.openxmlformats.org/drawingml/2006/main" xmlns:r="http://schemas.openxmlformats.org/officeDocument/2006/relationships" xmlns:p="http://schemas.openxmlformats.org/presentationml/2006/main" show="0">
-  <p:cSld>
-    <p:spTree>
-      <p:nvGrpSpPr>
-        <p:cNvPr id="1" name="Shape 70"/>
-        <p:cNvGrpSpPr/>
-        <p:nvPr/>
-      </p:nvGrpSpPr>
-      <p:grpSpPr>
-        <a:xfrm>
-          <a:off x="0" y="0"/>
-          <a:ext cx="0" cy="0"/>
-          <a:chOff x="0" y="0"/>
-          <a:chExt cx="0" cy="0"/>
-        </a:xfrm>
-      </p:grpSpPr>
-      <p:sp>
-        <p:nvSpPr>
-          <p:cNvPr id="71" name="Shape 71"/>
-          <p:cNvSpPr txBox="1">
-            <a:spLocks noGrp="1"/>
-          </p:cNvSpPr>
-          <p:nvPr>
-            <p:ph type="title"/>
-          </p:nvPr>
-        </p:nvSpPr>
-        <p:spPr>
-          <a:prstGeom prst="rect">
-            <a:avLst/>
-          </a:prstGeom>
-        </p:spPr>
-        <p:txBody>
-          <a:bodyPr lIns="91425" tIns="91425" rIns="91425" bIns="91425" anchor="b" anchorCtr="0">
-            <a:noAutofit/>
-          </a:bodyPr>
-          <a:lstStyle/>
-          <a:p>
-            <a:pPr>
-              <a:buNone/>
-            </a:pPr>
-            <a:r>
-              <a:rPr lang="en-US" dirty="0" smtClean="0"/>
-              <a:t>Extreme Scale DC: </a:t>
-            </a:r>
-            <a:r>
-              <a:rPr lang="en" dirty="0" smtClean="0"/>
-              <a:t>ATLAS</a:t>
-            </a:r>
-            <a:r>
-              <a:rPr lang="en-US" dirty="0" smtClean="0"/>
-              <a:t>/HEP</a:t>
-            </a:r>
-            <a:endParaRPr lang="en" dirty="0"/>
-          </a:p>
-        </p:txBody>
-      </p:sp>
-      <p:sp>
-        <p:nvSpPr>
-          <p:cNvPr id="72" name="Shape 72"/>
-          <p:cNvSpPr txBox="1">
-            <a:spLocks noGrp="1"/>
-          </p:cNvSpPr>
-          <p:nvPr>
-            <p:ph idx="4294967295"/>
-          </p:nvPr>
-        </p:nvSpPr>
-        <p:spPr>
-          <a:xfrm>
-            <a:off x="547688" y="911225"/>
-            <a:ext cx="8596312" cy="5146675"/>
-          </a:xfrm>
-          <a:prstGeom prst="rect">
-            <a:avLst/>
-          </a:prstGeom>
-        </p:spPr>
-        <p:txBody>
-          <a:bodyPr lIns="91425" tIns="91425" rIns="91425" bIns="91425" anchor="t" anchorCtr="0">
-            <a:noAutofit/>
-          </a:bodyPr>
-          <a:lstStyle/>
-          <a:p>
-            <a:pPr lvl="0" rtl="0">
-              <a:buSzPct val="100000"/>
-            </a:pPr>
-            <a:r>
-              <a:rPr lang="en-US" sz="2000" dirty="0" smtClean="0"/>
-              <a:t>Observation: </a:t>
-            </a:r>
-          </a:p>
-          <a:p>
-            <a:pPr lvl="1"/>
-            <a:r>
-              <a:rPr lang="en" sz="2000" dirty="0" smtClean="0"/>
-              <a:t>“.. </a:t>
-            </a:r>
-            <a:r>
-              <a:rPr lang="en" sz="2000" dirty="0"/>
-              <a:t>Distributed </a:t>
-            </a:r>
-            <a:r>
-              <a:rPr lang="en-US" sz="2000" dirty="0" smtClean="0"/>
-              <a:t>c</a:t>
-            </a:r>
-            <a:r>
-              <a:rPr lang="en" sz="2000" dirty="0" smtClean="0"/>
-              <a:t>omputing </a:t>
-            </a:r>
-            <a:r>
-              <a:rPr lang="en" sz="2000" dirty="0"/>
-              <a:t>will </a:t>
-            </a:r>
-            <a:r>
-              <a:rPr lang="en" sz="2000" dirty="0" smtClean="0"/>
-              <a:t>persist</a:t>
-            </a:r>
-            <a:r>
-              <a:rPr lang="en-US" sz="2000" dirty="0"/>
-              <a:t> </a:t>
-            </a:r>
-            <a:r>
-              <a:rPr lang="en" sz="2000" dirty="0" smtClean="0"/>
-              <a:t>” </a:t>
-            </a:r>
-            <a:r>
-              <a:rPr lang="en-US" sz="2000" dirty="0"/>
-              <a:t>for integrated</a:t>
-            </a:r>
-            <a:r>
-              <a:rPr lang="en" sz="2000" dirty="0"/>
-              <a:t> HPC + HTC </a:t>
-            </a:r>
-            <a:endParaRPr lang="en-US" sz="2000" dirty="0" smtClean="0"/>
-          </a:p>
-          <a:p>
-            <a:pPr marL="914400" lvl="2" indent="0">
-              <a:buNone/>
-            </a:pPr>
-            <a:r>
-              <a:rPr lang="en-US" sz="2000" dirty="0"/>
-              <a:t> </a:t>
-            </a:r>
-            <a:r>
-              <a:rPr lang="en" sz="2000" dirty="0" smtClean="0"/>
-              <a:t>Richard </a:t>
-            </a:r>
-            <a:r>
-              <a:rPr lang="en" sz="2000" dirty="0"/>
-              <a:t>Mount (SLAC</a:t>
-            </a:r>
-            <a:r>
-              <a:rPr lang="en" sz="2000" dirty="0" smtClean="0"/>
-              <a:t>)</a:t>
-            </a:r>
-            <a:r>
-              <a:rPr lang="en-US" sz="2000" dirty="0" smtClean="0"/>
-              <a:t>, </a:t>
-            </a:r>
-            <a:r>
-              <a:rPr lang="en" sz="2000" dirty="0"/>
-              <a:t>c.f. </a:t>
-            </a:r>
-            <a:r>
-              <a:rPr lang="en" sz="2000" u="sng" dirty="0">
-                <a:solidFill>
-                  <a:schemeClr val="hlink"/>
-                </a:solidFill>
-                <a:hlinkClick r:id="rId3"/>
-              </a:rPr>
-              <a:t>http://</a:t>
-            </a:r>
-            <a:r>
-              <a:rPr lang="en" sz="2000" u="sng" dirty="0" smtClean="0">
-                <a:solidFill>
-                  <a:schemeClr val="hlink"/>
-                </a:solidFill>
-                <a:hlinkClick r:id="rId3"/>
-              </a:rPr>
-              <a:t>goo.gl/pJzIjH</a:t>
-            </a:r>
-            <a:endParaRPr lang="en-US" sz="2000" dirty="0" smtClean="0"/>
-          </a:p>
-          <a:p>
-            <a:pPr lvl="0">
-              <a:buSzPct val="100000"/>
-            </a:pPr>
-            <a:r>
-              <a:rPr lang="en-US" sz="2000" dirty="0" smtClean="0"/>
-              <a:t>Requirement:</a:t>
-            </a:r>
-          </a:p>
-          <a:p>
-            <a:pPr lvl="1"/>
-            <a:r>
-              <a:rPr lang="en" sz="2000" dirty="0" smtClean="0"/>
-              <a:t>ATLAS </a:t>
-            </a:r>
-            <a:r>
-              <a:rPr lang="en" sz="2000" dirty="0"/>
-              <a:t>in </a:t>
-            </a:r>
-            <a:r>
-              <a:rPr lang="en-US" sz="2000" dirty="0" smtClean="0"/>
-              <a:t>&gt;2018</a:t>
-            </a:r>
-            <a:r>
-              <a:rPr lang="en" sz="2000" dirty="0" smtClean="0"/>
-              <a:t> needs:</a:t>
-            </a:r>
-            <a:endParaRPr lang="en-US" sz="2000" dirty="0" smtClean="0"/>
-          </a:p>
-          <a:p>
-            <a:pPr lvl="2"/>
-            <a:r>
-              <a:rPr lang="en" sz="2000" dirty="0" smtClean="0"/>
-              <a:t>Non-monolithic extreme-scale</a:t>
-            </a:r>
-            <a:r>
-              <a:rPr lang="en-US" sz="2000" dirty="0" smtClean="0"/>
-              <a:t> and integrated</a:t>
-            </a:r>
-            <a:r>
-              <a:rPr lang="en" sz="2000" dirty="0" smtClean="0"/>
-              <a:t> </a:t>
-            </a:r>
-            <a:r>
-              <a:rPr lang="en" sz="2000" dirty="0"/>
-              <a:t>HPC + </a:t>
-            </a:r>
-            <a:r>
-              <a:rPr lang="en" sz="2000" dirty="0" smtClean="0"/>
-              <a:t>HTC</a:t>
-            </a:r>
-            <a:endParaRPr lang="en-US" sz="2000" dirty="0" smtClean="0"/>
-          </a:p>
-          <a:p>
-            <a:pPr>
-              <a:buSzPct val="100000"/>
-            </a:pPr>
-            <a:r>
-              <a:rPr lang="en-US" dirty="0"/>
-              <a:t>Challenges:</a:t>
-            </a:r>
-          </a:p>
-          <a:p>
-            <a:pPr lvl="1"/>
-            <a:r>
-              <a:rPr lang="en-US" sz="2000" dirty="0"/>
-              <a:t>Mostly economic, but also how to manage workload decomposition</a:t>
-            </a:r>
-          </a:p>
-          <a:p>
-            <a:pPr lvl="1"/>
-            <a:r>
-              <a:rPr lang="en-US" sz="2000" dirty="0"/>
-              <a:t>Development and deployment of f</a:t>
-            </a:r>
-            <a:r>
-              <a:rPr lang="en" sz="2000" dirty="0"/>
-              <a:t>uture </a:t>
-            </a:r>
-            <a:r>
-              <a:rPr lang="en-US" sz="2000" dirty="0"/>
-              <a:t>s</a:t>
-            </a:r>
-            <a:r>
-              <a:rPr lang="en" sz="2000" dirty="0"/>
-              <a:t>upercomputing </a:t>
-            </a:r>
-            <a:r>
-              <a:rPr lang="en-US" sz="2000" dirty="0"/>
-              <a:t>a</a:t>
-            </a:r>
-            <a:r>
-              <a:rPr lang="en" sz="2000" dirty="0"/>
-              <a:t>pplications</a:t>
-            </a:r>
-            <a:endParaRPr lang="en-US" sz="2000" dirty="0"/>
-          </a:p>
-          <a:p>
-            <a:pPr lvl="2"/>
-            <a:r>
-              <a:rPr lang="en-US" sz="2000" dirty="0"/>
-              <a:t>Role for flexible execution </a:t>
-            </a:r>
-            <a:r>
-              <a:rPr lang="en-US" sz="2000" dirty="0" smtClean="0"/>
-              <a:t>strategies</a:t>
-            </a:r>
-            <a:endParaRPr lang="en" sz="2200" dirty="0"/>
-          </a:p>
-          <a:p>
-            <a:pPr>
-              <a:buSzPct val="100000"/>
-            </a:pPr>
-            <a:r>
-              <a:rPr lang="en-US" sz="2000" dirty="0" smtClean="0"/>
-              <a:t>Question:</a:t>
-            </a:r>
-          </a:p>
-          <a:p>
-            <a:pPr lvl="1"/>
-            <a:r>
-              <a:rPr lang="en" sz="2000" dirty="0" smtClean="0"/>
-              <a:t>“.. </a:t>
-            </a:r>
-            <a:r>
-              <a:rPr lang="en" sz="2000" dirty="0"/>
-              <a:t>Are systems of the complexity of ATLAS Distributed Computing sustainable long-term?”</a:t>
-            </a:r>
-          </a:p>
-          <a:p>
-            <a:pPr>
-              <a:buSzPct val="100000"/>
-            </a:pPr>
-            <a:endParaRPr lang="en" sz="2000" dirty="0"/>
-          </a:p>
-          <a:p>
-            <a:pPr>
-              <a:buSzPct val="100000"/>
-            </a:pPr>
-            <a:endParaRPr lang="en" sz="2000" dirty="0"/>
-          </a:p>
-          <a:p>
-            <a:pPr>
-              <a:buSzPct val="100000"/>
-            </a:pPr>
-            <a:endParaRPr lang="en" sz="2000" dirty="0"/>
-          </a:p>
-          <a:p>
-            <a:pPr>
-              <a:buSzPct val="100000"/>
-            </a:pPr>
-            <a:endParaRPr lang="en" sz="2000" dirty="0"/>
-          </a:p>
-        </p:txBody>
-      </p:sp>
-    </p:spTree>
-    <p:extLst>
-      <p:ext uri="{BB962C8B-B14F-4D97-AF65-F5344CB8AC3E}">
-        <p14:creationId xmlns:p14="http://schemas.microsoft.com/office/powerpoint/2010/main" val="1971456817"/>
-      </p:ext>
-    </p:extLst>
-  </p:cSld>
-  <p:clrMapOvr>
-    <a:masterClrMapping/>
-  </p:clrMapOvr>
-  <p:transition xmlns:p14="http://schemas.microsoft.com/office/powerpoint/2010/main" spd="slow">
-    <p:cut/>
-  </p:transition>
-  <p:timing>
-    <p:tnLst>
-      <p:par>
-        <p:cTn xmlns:p14="http://schemas.microsoft.com/office/powerpoint/2010/main" id="1" dur="indefinite" restart="never" nodeType="tmRoot"/>
-      </p:par>
-    </p:tnLst>
-  </p:timing>
-</p:sld>
-</file>
-
-<file path=ppt/slides/slide27.xml><?xml version="1.0" encoding="utf-8"?>
-<p:sld xmlns:a="http://schemas.openxmlformats.org/drawingml/2006/main" xmlns:r="http://schemas.openxmlformats.org/officeDocument/2006/relationships" xmlns:p="http://schemas.openxmlformats.org/presentationml/2006/main" show="0">
-  <p:cSld>
-    <p:spTree>
-      <p:nvGrpSpPr>
-        <p:cNvPr id="1" name="Shape 46"/>
-        <p:cNvGrpSpPr/>
-        <p:nvPr/>
-      </p:nvGrpSpPr>
-      <p:grpSpPr>
-        <a:xfrm>
-          <a:off x="0" y="0"/>
-          <a:ext cx="0" cy="0"/>
-          <a:chOff x="0" y="0"/>
-          <a:chExt cx="0" cy="0"/>
-        </a:xfrm>
-      </p:grpSpPr>
-      <p:sp>
-        <p:nvSpPr>
-          <p:cNvPr id="47" name="Shape 47"/>
-          <p:cNvSpPr txBox="1">
-            <a:spLocks noGrp="1"/>
-          </p:cNvSpPr>
-          <p:nvPr>
-            <p:ph type="title"/>
-          </p:nvPr>
-        </p:nvSpPr>
-        <p:spPr>
-          <a:prstGeom prst="rect">
-            <a:avLst/>
-          </a:prstGeom>
-        </p:spPr>
-        <p:txBody>
-          <a:bodyPr lIns="91425" tIns="91425" rIns="91425" bIns="91425" anchor="b" anchorCtr="0">
-            <a:noAutofit/>
-          </a:bodyPr>
-          <a:lstStyle/>
-          <a:p>
-            <a:pPr lvl="0" rtl="0">
-              <a:buNone/>
-            </a:pPr>
-            <a:r>
-              <a:rPr lang="en-US" dirty="0" smtClean="0"/>
-              <a:t>DEC </a:t>
-            </a:r>
-            <a:r>
-              <a:rPr lang="en" dirty="0" smtClean="0"/>
-              <a:t>Foundational </a:t>
-            </a:r>
-            <a:r>
-              <a:rPr lang="en-US" dirty="0" smtClean="0"/>
-              <a:t>Challenges: Infrastructure</a:t>
-            </a:r>
-            <a:endParaRPr lang="en" dirty="0"/>
-          </a:p>
-        </p:txBody>
-      </p:sp>
-      <p:sp>
-        <p:nvSpPr>
-          <p:cNvPr id="48" name="Shape 48"/>
-          <p:cNvSpPr txBox="1">
-            <a:spLocks noGrp="1"/>
-          </p:cNvSpPr>
-          <p:nvPr>
-            <p:ph idx="4294967295"/>
-          </p:nvPr>
-        </p:nvSpPr>
-        <p:spPr>
-          <a:xfrm>
-            <a:off x="282231" y="789713"/>
-            <a:ext cx="8715010" cy="5146675"/>
-          </a:xfrm>
-          <a:prstGeom prst="rect">
-            <a:avLst/>
-          </a:prstGeom>
-        </p:spPr>
-        <p:txBody>
-          <a:bodyPr lIns="91425" tIns="91425" rIns="91425" bIns="91425" anchor="t" anchorCtr="0">
-            <a:noAutofit/>
-          </a:bodyPr>
-          <a:lstStyle/>
-          <a:p>
-            <a:pPr>
-              <a:lnSpc>
-                <a:spcPct val="90000"/>
-              </a:lnSpc>
-            </a:pPr>
-            <a:r>
-              <a:rPr lang="en-US" dirty="0" smtClean="0"/>
-              <a:t>Federate</a:t>
-            </a:r>
-            <a:r>
-              <a:rPr lang="en" dirty="0" smtClean="0"/>
-              <a:t> diversified </a:t>
-            </a:r>
-            <a:r>
-              <a:rPr lang="en" dirty="0"/>
-              <a:t>set of </a:t>
-            </a:r>
-            <a:r>
-              <a:rPr lang="en" dirty="0" smtClean="0"/>
-              <a:t>resources</a:t>
-            </a:r>
-            <a:r>
-              <a:rPr lang="en-US" dirty="0" smtClean="0"/>
-              <a:t> at</a:t>
-            </a:r>
-            <a:r>
-              <a:rPr lang="en" dirty="0" smtClean="0"/>
-              <a:t> </a:t>
-            </a:r>
-            <a:r>
-              <a:rPr lang="en" dirty="0"/>
-              <a:t>multiple </a:t>
-            </a:r>
-            <a:r>
-              <a:rPr lang="en" dirty="0" smtClean="0"/>
-              <a:t>levels</a:t>
-            </a:r>
-            <a:endParaRPr lang="en-US" dirty="0" smtClean="0"/>
-          </a:p>
-          <a:p>
-            <a:pPr marL="1320800" lvl="2" indent="-381000">
-              <a:lnSpc>
-                <a:spcPct val="90000"/>
-              </a:lnSpc>
-              <a:spcAft>
-                <a:spcPts val="1000"/>
-              </a:spcAft>
-            </a:pPr>
-            <a:r>
-              <a:rPr lang="en-US" sz="2000" dirty="0"/>
-              <a:t>Designing a federated system that scales </a:t>
-            </a:r>
-            <a:r>
-              <a:rPr lang="en" sz="2000" dirty="0"/>
-              <a:t>along </a:t>
-            </a:r>
-            <a:r>
-              <a:rPr lang="en-US" sz="2000" dirty="0"/>
-              <a:t>1 </a:t>
-            </a:r>
-            <a:r>
-              <a:rPr lang="en" sz="2000" dirty="0"/>
-              <a:t>dimension is relatively easy compared to scaling along </a:t>
-            </a:r>
-            <a:r>
-              <a:rPr lang="en-US" sz="2000" dirty="0"/>
-              <a:t>&gt;1 </a:t>
-            </a:r>
-            <a:r>
-              <a:rPr lang="en" sz="2000" dirty="0"/>
-              <a:t>dimensions</a:t>
-            </a:r>
-            <a:endParaRPr lang="en-US" sz="2000" dirty="0"/>
-          </a:p>
-          <a:p>
-            <a:pPr marL="1320800" lvl="2" indent="-381000">
-              <a:lnSpc>
-                <a:spcPct val="90000"/>
-              </a:lnSpc>
-              <a:spcAft>
-                <a:spcPts val="1000"/>
-              </a:spcAft>
-            </a:pPr>
-            <a:r>
-              <a:rPr lang="en-US" sz="2000" dirty="0" smtClean="0"/>
-              <a:t>How/when </a:t>
-            </a:r>
-            <a:r>
-              <a:rPr lang="en-US" sz="2000" dirty="0"/>
-              <a:t>to </a:t>
-            </a:r>
-            <a:r>
-              <a:rPr lang="en-US" sz="2000" dirty="0" smtClean="0"/>
-              <a:t>federate</a:t>
-            </a:r>
-            <a:r>
-              <a:rPr lang="en" sz="2000" dirty="0" smtClean="0"/>
-              <a:t> </a:t>
-            </a:r>
-            <a:r>
-              <a:rPr lang="en" sz="2000" dirty="0"/>
-              <a:t>leadership machines </a:t>
-            </a:r>
-            <a:r>
-              <a:rPr lang="en-US" sz="2000" dirty="0"/>
-              <a:t>with </a:t>
-            </a:r>
-            <a:r>
-              <a:rPr lang="en-US" sz="2000" dirty="0" smtClean="0"/>
-              <a:t>other </a:t>
-            </a:r>
-            <a:r>
-              <a:rPr lang="en" sz="2000" dirty="0" smtClean="0"/>
-              <a:t>less </a:t>
-            </a:r>
-            <a:r>
-              <a:rPr lang="en" sz="2000" dirty="0"/>
-              <a:t>powerful </a:t>
-            </a:r>
-            <a:r>
-              <a:rPr lang="en" sz="2000" dirty="0" smtClean="0"/>
-              <a:t>machines</a:t>
-            </a:r>
-            <a:r>
-              <a:rPr lang="en-US" sz="2000" dirty="0" smtClean="0"/>
-              <a:t>?</a:t>
-            </a:r>
-          </a:p>
-          <a:p>
-            <a:pPr marL="457200" indent="-381000">
-              <a:lnSpc>
-                <a:spcPct val="90000"/>
-              </a:lnSpc>
-              <a:spcAft>
-                <a:spcPts val="1000"/>
-              </a:spcAft>
-            </a:pPr>
-            <a:r>
-              <a:rPr lang="en-US" dirty="0"/>
-              <a:t>Implementation Challenge</a:t>
-            </a:r>
-          </a:p>
-          <a:p>
-            <a:pPr marL="912812" lvl="1" indent="-381000">
-              <a:lnSpc>
-                <a:spcPct val="90000"/>
-              </a:lnSpc>
-              <a:spcAft>
-                <a:spcPts val="1000"/>
-              </a:spcAft>
-            </a:pPr>
-            <a:r>
-              <a:rPr lang="en-US" sz="2000" dirty="0"/>
-              <a:t>Manage complexity and heterogeneity of infrastructure </a:t>
-            </a:r>
-          </a:p>
-          <a:p>
-            <a:pPr marL="419100" indent="-342900">
-              <a:lnSpc>
-                <a:spcPct val="80000"/>
-              </a:lnSpc>
-              <a:spcAft>
-                <a:spcPts val="1000"/>
-              </a:spcAft>
-            </a:pPr>
-            <a:r>
-              <a:rPr lang="en-US" dirty="0"/>
-              <a:t>Multi-level: Balanced DCI and support for scaling along all dimensions</a:t>
-            </a:r>
-          </a:p>
-          <a:p>
-            <a:pPr marL="906462" lvl="1" indent="-381000">
-              <a:buSzPct val="80000"/>
-            </a:pPr>
-            <a:r>
-              <a:rPr lang="en" sz="2000" dirty="0"/>
-              <a:t>Scaling-up, Scaling-out, Scaling-across</a:t>
-            </a:r>
-            <a:endParaRPr lang="en-US" sz="2000" dirty="0"/>
-          </a:p>
-          <a:p>
-            <a:pPr marL="457200" lvl="1" indent="0">
-              <a:lnSpc>
-                <a:spcPct val="90000"/>
-              </a:lnSpc>
-              <a:buNone/>
-            </a:pPr>
-            <a:endParaRPr lang="en-US" sz="2000" dirty="0"/>
-          </a:p>
-          <a:p>
-            <a:pPr lvl="1">
-              <a:lnSpc>
-                <a:spcPct val="90000"/>
-              </a:lnSpc>
-            </a:pPr>
-            <a:endParaRPr lang="en-US" sz="2000" dirty="0"/>
-          </a:p>
-          <a:p>
-            <a:pPr marL="457200" lvl="1" indent="0">
-              <a:lnSpc>
-                <a:spcPct val="90000"/>
-              </a:lnSpc>
-              <a:buNone/>
-            </a:pPr>
-            <a:endParaRPr lang="en-US" sz="2000" dirty="0">
-              <a:solidFill>
-                <a:srgbClr val="606060"/>
-              </a:solidFill>
-            </a:endParaRPr>
-          </a:p>
-        </p:txBody>
-      </p:sp>
-    </p:spTree>
-    <p:extLst>
-      <p:ext uri="{BB962C8B-B14F-4D97-AF65-F5344CB8AC3E}">
-        <p14:creationId xmlns:p14="http://schemas.microsoft.com/office/powerpoint/2010/main" val="1645174076"/>
-      </p:ext>
-    </p:extLst>
-  </p:cSld>
-  <p:clrMapOvr>
-    <a:masterClrMapping/>
-  </p:clrMapOvr>
-  <p:transition xmlns:p14="http://schemas.microsoft.com/office/powerpoint/2010/main" spd="slow">
-    <p:cut/>
-  </p:transition>
-  <p:timing>
-    <p:tnLst>
-      <p:par>
-        <p:cTn xmlns:p14="http://schemas.microsoft.com/office/powerpoint/2010/main" id="1" dur="indefinite" restart="never" nodeType="tmRoot"/>
-      </p:par>
-    </p:tnLst>
-  </p:timing>
 </p:sld>
 </file>
 
@@ -10203,13 +6989,13 @@
           <a:p>
             <a:r>
               <a:rPr lang="en-US" dirty="0" smtClean="0"/>
-              <a:t>Long tail of science?</a:t>
-            </a:r>
-          </a:p>
-          <a:p>
-            <a:r>
-              <a:rPr lang="en-US" dirty="0" smtClean="0"/>
-              <a:t>Different modes of </a:t>
+              <a:t>Support the “long tail of science” and application requirements</a:t>
+            </a:r>
+          </a:p>
+          <a:p>
+            <a:r>
+              <a:rPr lang="en-US" dirty="0" smtClean="0"/>
+              <a:t>Support different modes of </a:t>
             </a:r>
             <a:r>
               <a:rPr lang="en-US" dirty="0" err="1" smtClean="0"/>
@@ -10408,6 +7194,18 @@
                 <a:ea typeface="ＭＳ Ｐゴシック" charset="0"/>
               </a:rPr>
               <a:t>Difficult to integrate services and extend tools</a:t>
+            </a:r>
+          </a:p>
+          <a:p>
+            <a:r>
+              <a:rPr lang="en-US" dirty="0" smtClean="0"/>
+              <a:t>….</a:t>
+            </a:r>
+          </a:p>
+          <a:p>
+            <a:r>
+              <a:rPr lang="en-US" dirty="0" smtClean="0"/>
+              <a:t>…</a:t>
             </a:r>
           </a:p>
           <a:p>
@@ -10545,7 +7343,7 @@
             </a:r>
             <a:r>
               <a:rPr lang="en-US" sz="2000" dirty="0" smtClean="0"/>
-              <a:t>DCA requirements</a:t>
+              <a:t>Application requirements</a:t>
             </a:r>
           </a:p>
           <a:p>
@@ -10662,19 +7460,11 @@
             </a:r>
             <a:r>
               <a:rPr lang="en" sz="2000" dirty="0"/>
-              <a:t>diversified set of resources</a:t>
-            </a:r>
-            <a:r>
-              <a:rPr lang="en-US" sz="2000" dirty="0"/>
-              <a:t> at</a:t>
-            </a:r>
-            <a:r>
-              <a:rPr lang="en" sz="2000" dirty="0"/>
-              <a:t> multiple </a:t>
+              <a:t>diversified set of </a:t>
             </a:r>
             <a:r>
               <a:rPr lang="en" sz="2000" dirty="0" smtClean="0"/>
-              <a:t>levels</a:t>
+              <a:t>resources</a:t>
             </a:r>
             <a:endParaRPr lang="en-US" sz="2000" dirty="0" smtClean="0"/>
           </a:p>
@@ -10686,7 +7476,7 @@
             </a:pPr>
             <a:r>
               <a:rPr lang="en-US" sz="2000" dirty="0" smtClean="0"/>
-              <a:t>Implementation Challenge</a:t>
+              <a:t>Implementation Challenges</a:t>
             </a:r>
           </a:p>
           <a:p>
@@ -10717,7 +7507,15 @@
             </a:r>
             <a:r>
               <a:rPr lang="en-US" sz="2000" dirty="0"/>
-              <a:t>-level: Balanced DCI and support for scaling along all </a:t>
+              <a:t>-level: S</a:t>
+            </a:r>
+            <a:r>
+              <a:rPr lang="en-US" sz="2000" dirty="0" smtClean="0"/>
+              <a:t>upport </a:t>
+            </a:r>
+            <a:r>
+              <a:rPr lang="en-US" sz="2000" dirty="0"/>
+              <a:t>for scaling along all </a:t>
             </a:r>
             <a:r>
               <a:rPr lang="en-US" sz="2000" dirty="0" smtClean="0"/>
@@ -10736,7 +7534,23 @@
             </a:r>
             <a:r>
               <a:rPr lang="en" sz="2000" dirty="0"/>
-              <a:t>, Scaling-out, Scaling-across</a:t>
+              <a:t>, Scaling-out, </a:t>
+            </a:r>
+            <a:r>
+              <a:rPr lang="en" sz="2000" dirty="0" smtClean="0"/>
+              <a:t>Scaling-across</a:t>
+            </a:r>
+            <a:endParaRPr lang="en-US" sz="2000" dirty="0" smtClean="0"/>
+          </a:p>
+          <a:p>
+            <a:pPr lvl="2">
+              <a:lnSpc>
+                <a:spcPct val="90000"/>
+              </a:lnSpc>
+            </a:pPr>
+            <a:r>
+              <a:rPr lang="en-US" sz="2000" dirty="0" smtClean="0"/>
+              <a:t>“Balanced” Infrastructure</a:t>
             </a:r>
             <a:endParaRPr lang="en-US" sz="2000" dirty="0"/>
           </a:p>
@@ -11191,7 +8005,7 @@
           <a:p>
             <a:r>
               <a:rPr lang="en-US" dirty="0" smtClean="0"/>
-              <a:t>NGMW Design Aims and Objectives</a:t>
+              <a:t>NGMW Functional Aims and Requirements</a:t>
             </a:r>
             <a:endParaRPr lang="en-US" dirty="0"/>
           </a:p>
@@ -11224,7 +8038,7 @@
                   <a:srgbClr val="000000"/>
                 </a:solidFill>
               </a:rPr>
-              <a:t>Design Aims</a:t>
+              <a:t>Functional Aims</a:t>
             </a:r>
           </a:p>
           <a:p>
@@ -11253,56 +8067,110 @@
           <a:p>
             <a:pPr lvl="1"/>
             <a:r>
+              <a:rPr lang="en-US" dirty="0" smtClean="0"/>
+              <a:t>Where</a:t>
+            </a:r>
+            <a:r>
               <a:rPr lang="en-US" dirty="0"/>
-              <a:t>What to distribute</a:t>
-            </a:r>
-            <a:r>
-              <a:rPr lang="en-US" dirty="0" smtClean="0"/>
-              <a:t>?</a:t>
-            </a:r>
+              <a:t>/how to distribute? What to distribute? </a:t>
+            </a:r>
+            <a:endParaRPr lang="en-US" dirty="0" smtClean="0"/>
           </a:p>
           <a:p>
             <a:pPr lvl="1"/>
             <a:r>
               <a:rPr lang="en-US" dirty="0" smtClean="0"/>
-              <a:t>Where</a:t>
+              <a:t>Need to integrate information </a:t>
             </a:r>
             <a:r>
               <a:rPr lang="en-US" dirty="0"/>
-              <a:t>/how to distribute</a:t>
-            </a:r>
-            <a:r>
-              <a:rPr lang="en-US" dirty="0" smtClean="0"/>
-              <a:t>?</a:t>
-            </a:r>
-          </a:p>
-          <a:p>
-            <a:pPr lvl="2"/>
-            <a:r>
-              <a:rPr lang="en-US" dirty="0" smtClean="0"/>
-              <a:t>Need </a:t>
-            </a:r>
-            <a:r>
-              <a:rPr lang="en-US" dirty="0"/>
-              <a:t>information about resources, networks </a:t>
+              <a:t>about </a:t>
+            </a:r>
+            <a:r>
+              <a:rPr lang="en-US" dirty="0" smtClean="0"/>
+              <a:t>applications and resources (compute, data and networks) </a:t>
+            </a:r>
+          </a:p>
+          <a:p>
+            <a:pPr lvl="1"/>
+            <a:r>
+              <a:rPr lang="en-US" dirty="0" smtClean="0">
+                <a:solidFill>
+                  <a:schemeClr val="tx1">
+                    <a:lumMod val="65000"/>
+                    <a:lumOff val="35000"/>
+                  </a:schemeClr>
+                </a:solidFill>
+              </a:rPr>
+              <a:t>Predictable..</a:t>
+            </a:r>
+            <a:r>
+              <a:rPr lang="en-US" dirty="0">
+                <a:solidFill>
+                  <a:schemeClr val="tx1">
+                    <a:lumMod val="65000"/>
+                    <a:lumOff val="35000"/>
+                  </a:schemeClr>
+                </a:solidFill>
+              </a:rPr>
+              <a:t>. </a:t>
+            </a:r>
+            <a:r>
+              <a:rPr lang="en-US" dirty="0" smtClean="0">
+                <a:solidFill>
+                  <a:schemeClr val="tx1">
+                    <a:lumMod val="65000"/>
+                    <a:lumOff val="35000"/>
+                  </a:schemeClr>
+                </a:solidFill>
+              </a:rPr>
+              <a:t>Reasoning </a:t>
+            </a:r>
+            <a:r>
+              <a:rPr lang="en" dirty="0" smtClean="0">
+                <a:solidFill>
+                  <a:schemeClr val="tx1">
+                    <a:lumMod val="65000"/>
+                    <a:lumOff val="35000"/>
+                  </a:schemeClr>
+                </a:solidFill>
+              </a:rPr>
+              <a:t>Can </a:t>
+            </a:r>
+            <a:r>
+              <a:rPr lang="en-US" dirty="0">
+                <a:solidFill>
+                  <a:schemeClr val="tx1">
+                    <a:lumMod val="65000"/>
+                    <a:lumOff val="35000"/>
+                  </a:schemeClr>
+                </a:solidFill>
+              </a:rPr>
+              <a:t>d</a:t>
+            </a:r>
+            <a:r>
+              <a:rPr lang="en" dirty="0">
+                <a:solidFill>
+                  <a:schemeClr val="tx1">
+                    <a:lumMod val="65000"/>
+                    <a:lumOff val="35000"/>
+                  </a:schemeClr>
+                </a:solidFill>
+              </a:rPr>
+              <a:t>esign for randomness but not for </a:t>
+            </a:r>
+            <a:r>
+              <a:rPr lang="en" dirty="0" smtClean="0">
+                <a:solidFill>
+                  <a:schemeClr val="tx1">
+                    <a:lumMod val="65000"/>
+                    <a:lumOff val="35000"/>
+                  </a:schemeClr>
+                </a:solidFill>
+              </a:rPr>
+              <a:t>unpredictable</a:t>
             </a:r>
             <a:endParaRPr lang="en-US" dirty="0" smtClean="0"/>
-          </a:p>
-          <a:p>
-            <a:pPr lvl="2"/>
-            <a:r>
-              <a:rPr lang="en-US" dirty="0" smtClean="0"/>
-              <a:t>What </a:t>
-            </a:r>
-            <a:r>
-              <a:rPr lang="en-US" dirty="0"/>
-              <a:t>is a capability</a:t>
-            </a:r>
-            <a:r>
-              <a:rPr lang="en-US" dirty="0" smtClean="0"/>
-              <a:t>? [this might go.. Depending upon order of slides]</a:t>
-            </a:r>
-            <a:endParaRPr lang="en-US" dirty="0"/>
           </a:p>
           <a:p>
             <a:pPr marL="344488" indent="-342900">
@@ -11317,7 +8185,7 @@
                   <a:srgbClr val="000000"/>
                 </a:solidFill>
               </a:rPr>
-              <a:t>Design Objectives</a:t>
+              <a:t>Functional Requirement</a:t>
             </a:r>
             <a:endParaRPr lang="en-US" dirty="0">
               <a:solidFill>
@@ -11449,20 +8317,14 @@
             <a:r>
               <a:rPr lang="en-US" dirty="0" smtClean="0">
                 <a:solidFill>
-                  <a:schemeClr val="tx1">
-                    <a:lumMod val="65000"/>
-                    <a:lumOff val="35000"/>
-                  </a:schemeClr>
+                  <a:srgbClr val="800000"/>
                 </a:solidFill>
               </a:rPr>
               <a:t>Needs fixing…</a:t>
             </a:r>
             <a:endParaRPr lang="en-US" dirty="0">
               <a:solidFill>
-                <a:schemeClr val="tx1">
-                  <a:lumMod val="65000"/>
-                  <a:lumOff val="35000"/>
-                </a:schemeClr>
+                <a:srgbClr val="800000"/>
               </a:solidFill>
             </a:endParaRPr>
           </a:p>
@@ -11641,12 +8503,9 @@
           </a:bodyPr>
           <a:lstStyle/>
           <a:p>
-            <a:pPr lvl="0" rtl="0">
-              <a:buNone/>
-            </a:pPr>
             <a:r>
               <a:rPr lang="en-US" sz="2400" dirty="0" smtClean="0"/>
-              <a:t>NGMW [Work in Progress, will compact 8-11 into 2 slides]</a:t>
+              <a:t>NGMW Design Objectives</a:t>
             </a:r>
             <a:endParaRPr lang="en" sz="2400" dirty="0"/>
           </a:p>
@@ -11684,52 +8543,7 @@
               <a:buSzPct val="100000"/>
             </a:pPr>
             <a:r>
-              <a:rPr lang="en-US" dirty="0" smtClean="0">
-                <a:solidFill>
-                  <a:srgbClr val="000000"/>
-                </a:solidFill>
-              </a:rPr>
-              <a:t>Design Objective and Role of</a:t>
-            </a:r>
-            <a:r>
-              <a:rPr lang="en" dirty="0" smtClean="0">
-                <a:solidFill>
-                  <a:srgbClr val="000000"/>
-                </a:solidFill>
-              </a:rPr>
-              <a:t> </a:t>
-            </a:r>
-            <a:r>
-              <a:rPr lang="en-US" dirty="0" smtClean="0">
-                <a:solidFill>
-                  <a:srgbClr val="000000"/>
-                </a:solidFill>
-              </a:rPr>
-              <a:t>Next Generation </a:t>
-            </a:r>
-            <a:r>
-              <a:rPr lang="en" dirty="0" smtClean="0">
-                <a:solidFill>
-                  <a:srgbClr val="000000"/>
-                </a:solidFill>
-              </a:rPr>
-              <a:t>Middleware</a:t>
-            </a:r>
-            <a:endParaRPr lang="en-US" dirty="0" smtClean="0">
-              <a:solidFill>
-                <a:srgbClr val="000000"/>
-              </a:solidFill>
-            </a:endParaRPr>
-          </a:p>
-          <a:p>
-            <a:pPr lvl="1">
-              <a:buClr>
-                <a:srgbClr val="000000"/>
-              </a:buClr>
-              <a:buSzPct val="100000"/>
-            </a:pPr>
-            <a:r>
-              <a:rPr lang="en-US" sz="2000" dirty="0">
+              <a:rPr lang="en-US" sz="1800" dirty="0" smtClean="0">
                 <a:solidFill>
                   <a:schemeClr val="tx1">
                     <a:lumMod val="65000"/>
@@ -11737,10 +8551,10 @@
                   </a:schemeClr>
                 </a:solidFill>
               </a:rPr>
-              <a:t>Not just glues together different layers </a:t>
-            </a:r>
-            <a:r>
-              <a:rPr lang="en-US" sz="2000" dirty="0" smtClean="0">
+              <a:t>Not </a:t>
+            </a:r>
+            <a:r>
+              <a:rPr lang="en-US" sz="1800" dirty="0">
                 <a:solidFill>
                   <a:schemeClr val="tx1">
                     <a:lumMod val="65000"/>
@@ -11748,9 +8562,42 @@
                   </a:schemeClr>
                 </a:solidFill>
               </a:rPr>
-              <a:t>but:</a:t>
-            </a:r>
-            <a:endParaRPr lang="en-US" sz="2000" dirty="0">
+              <a:t>just </a:t>
+            </a:r>
+            <a:r>
+              <a:rPr lang="en-US" sz="1800" dirty="0" smtClean="0">
+                <a:solidFill>
+                  <a:schemeClr val="tx1">
+                    <a:lumMod val="65000"/>
+                    <a:lumOff val="35000"/>
+                  </a:schemeClr>
+                </a:solidFill>
+              </a:rPr>
+              <a:t>“glues” different </a:t>
+            </a:r>
+            <a:r>
+              <a:rPr lang="en-US" sz="1800" dirty="0">
+                <a:solidFill>
+                  <a:schemeClr val="tx1">
+                    <a:lumMod val="65000"/>
+                    <a:lumOff val="35000"/>
+                  </a:schemeClr>
+                </a:solidFill>
+              </a:rPr>
+              <a:t>layers </a:t>
+            </a:r>
+            <a:r>
+              <a:rPr lang="en-US" sz="1800" dirty="0" smtClean="0">
+                <a:solidFill>
+                  <a:schemeClr val="tx1">
+                    <a:lumMod val="65000"/>
+                    <a:lumOff val="35000"/>
+                  </a:schemeClr>
+                </a:solidFill>
+              </a:rPr>
+              <a:t>together but:</a:t>
+            </a:r>
+            <a:endParaRPr lang="en-US" sz="1800" dirty="0">
               <a:solidFill>
                 <a:schemeClr val="tx1">
                   <a:lumMod val="65000"/>
@@ -11760,14 +8607,14 @@
             </a:endParaRPr>
           </a:p>
           <a:p>
-            <a:pPr lvl="2">
+            <a:pPr lvl="1">
               <a:buClr>
                 <a:srgbClr val="000000"/>
               </a:buClr>
               <a:buSzPct val="100000"/>
             </a:pPr>
             <a:r>
-              <a:rPr lang="en-US" sz="2000" dirty="0" smtClean="0">
+              <a:rPr lang="en-US" dirty="0" smtClean="0">
                 <a:solidFill>
                   <a:schemeClr val="tx1">
                     <a:lumMod val="65000"/>
@@ -11778,7 +8625,7 @@
               <a:t>Exposes well-</a:t>
             </a:r>
             <a:r>
-              <a:rPr lang="en" sz="2000" dirty="0" smtClean="0">
+              <a:rPr lang="en" dirty="0" smtClean="0">
                 <a:solidFill>
                   <a:schemeClr val="tx1">
                     <a:lumMod val="65000"/>
@@ -11789,7 +8636,15 @@
               <a:t>defined </a:t>
             </a:r>
             <a:r>
-              <a:rPr lang="en-US" sz="2000" dirty="0" smtClean="0">
+              <a:rPr lang="en-US" dirty="0" smtClean="0">
+                <a:solidFill>
+                  <a:srgbClr val="800000"/>
+                </a:solidFill>
+              </a:rPr>
+              <a:t>capabilities</a:t>
+            </a:r>
+            <a:r>
+              <a:rPr lang="en-US" dirty="0" smtClean="0">
                 <a:solidFill>
                   <a:schemeClr val="tx1">
                     <a:lumMod val="65000"/>
@@ -11797,35 +8652,8 @@
                   </a:schemeClr>
                 </a:solidFill>
               </a:rPr>
-              <a:t>capabilities rather than technology</a:t>
-            </a:r>
-          </a:p>
-          <a:p>
-            <a:pPr lvl="2">
-              <a:buClr>
-                <a:srgbClr val="000000"/>
-              </a:buClr>
-              <a:buSzPct val="100000"/>
-            </a:pPr>
-            <a:r>
-              <a:rPr lang="en-US" sz="2000" dirty="0" smtClean="0">
-                <a:solidFill>
-                  <a:schemeClr val="tx1">
-                    <a:lumMod val="65000"/>
-                    <a:lumOff val="35000"/>
-                  </a:schemeClr>
-                </a:solidFill>
-              </a:rPr>
-              <a:t>Supports reasoning  and predictable performance</a:t>
-            </a:r>
-            <a:endParaRPr lang="en-US" sz="2000" i="1" dirty="0">
-              <a:solidFill>
-                <a:schemeClr val="tx1">
-                  <a:lumMod val="65000"/>
-                  <a:lumOff val="35000"/>
-                </a:schemeClr>
-              </a:solidFill>
-            </a:endParaRPr>
+              <a:t> rather than technology</a:t>
+            </a:r>
           </a:p>
           <a:p>
             <a:pPr lvl="3">
@@ -11835,106 +8663,58 @@
               <a:buSzPct val="100000"/>
             </a:pPr>
             <a:r>
-              <a:rPr lang="en-US" sz="2000" dirty="0" smtClean="0">
-                <a:solidFill>
-                  <a:schemeClr val="tx1">
-                    <a:lumMod val="65000"/>
-                    <a:lumOff val="35000"/>
-                  </a:schemeClr>
-                </a:solidFill>
-              </a:rPr>
-              <a:t>Reasoning of how, when to distribute</a:t>
-            </a:r>
-            <a:r>
-              <a:rPr lang="en-US" sz="2000" dirty="0" smtClean="0">
-                <a:solidFill>
-                  <a:schemeClr val="tx1">
-                    <a:lumMod val="65000"/>
-                    <a:lumOff val="35000"/>
-                  </a:schemeClr>
-                </a:solidFill>
-              </a:rPr>
-              <a:t>?</a:t>
-            </a:r>
-          </a:p>
-          <a:p>
-            <a:pPr>
-              <a:buClr>
-                <a:srgbClr val="000000"/>
-              </a:buClr>
-              <a:buSzPct val="100000"/>
-            </a:pPr>
-            <a:r>
-              <a:rPr lang="en-US" dirty="0" smtClean="0"/>
-              <a:t>Separate </a:t>
+              <a:rPr lang="en" dirty="0" smtClean="0"/>
+              <a:t>Capability</a:t>
             </a:r>
             <a:r>
               <a:rPr lang="en-US" dirty="0"/>
-              <a:t>capability from technology used to provide functionality</a:t>
-            </a:r>
-            <a:endParaRPr lang="en" dirty="0"/>
-          </a:p>
-          <a:p>
-            <a:pPr marL="914400" lvl="1" indent="-381000">
+              <a:t>: Well-defined and aggregated functionality, without regard to how, or the specific technology/approached used</a:t>
+            </a:r>
+          </a:p>
+          <a:p>
+            <a:pPr marL="2232025" lvl="4" indent="-381000">
               <a:buSzPct val="80000"/>
             </a:pPr>
             <a:r>
-              <a:rPr lang="en" sz="2000" dirty="0"/>
-              <a:t>Capability</a:t>
-            </a:r>
-            <a:r>
-              <a:rPr lang="en-US" sz="2000" dirty="0"/>
-              <a:t>: Well-defined and aggregated functionality, without regard to how, or the specific technology/approached used</a:t>
-            </a:r>
-          </a:p>
-          <a:p>
-            <a:pPr marL="1322388" lvl="2" indent="-381000">
-              <a:buSzPct val="80000"/>
-            </a:pPr>
-            <a:r>
-              <a:rPr lang="en-US" sz="2000" dirty="0"/>
+              <a:rPr lang="en-US" dirty="0"/>
               <a:t>e.g., Num. of </a:t>
             </a:r>
             <a:r>
-              <a:rPr lang="en" sz="2000" dirty="0"/>
+              <a:rPr lang="en" dirty="0"/>
               <a:t>tasks, throughput, </a:t>
             </a:r>
             <a:r>
-              <a:rPr lang="en-US" sz="2000" dirty="0"/>
+              <a:rPr lang="en-US" dirty="0"/>
               <a:t>probabilistic bounds on time-to-completion, performance </a:t>
             </a:r>
             <a:r>
-              <a:rPr lang="en" sz="2000" dirty="0"/>
+              <a:rPr lang="en" dirty="0"/>
               <a:t>of resources, </a:t>
             </a:r>
             <a:r>
-              <a:rPr lang="en-US" sz="2000" dirty="0"/>
+              <a:rPr lang="en-US" dirty="0"/>
               <a:t>d</a:t>
             </a:r>
             <a:r>
-              <a:rPr lang="en" sz="2000" dirty="0"/>
+              <a:rPr lang="en" dirty="0"/>
               <a:t>ata</a:t>
             </a:r>
             <a:r>
-              <a:rPr lang="en-US" sz="2000" dirty="0"/>
+              <a:rPr lang="en-US" dirty="0"/>
               <a:t> (v</a:t>
             </a:r>
             <a:r>
-              <a:rPr lang="en" sz="2000" dirty="0"/>
+              <a:rPr lang="en" dirty="0"/>
               <a:t>olumes/transfer/storage</a:t>
             </a:r>
             <a:r>
-              <a:rPr lang="en-US" sz="2000" dirty="0"/>
-              <a:t> ability)</a:t>
-            </a:r>
-          </a:p>
-          <a:p>
-            <a:pPr lvl="3">
-              <a:buClr>
-                <a:srgbClr val="000000"/>
-              </a:buClr>
-              <a:buSzPct val="100000"/>
-            </a:pPr>
+              <a:rPr lang="en-US" dirty="0"/>
+              <a:t> ability</a:t>
+            </a:r>
+            <a:r>
+              <a:rPr lang="en-US" dirty="0" smtClean="0"/>
+              <a:t>)</a:t>
+            </a:r>
             <a:endParaRPr lang="en-US" dirty="0" smtClean="0">
               <a:solidFill>
                 <a:schemeClr val="tx1">
@@ -11945,13 +8725,246 @@
             </a:endParaRPr>
           </a:p>
           <a:p>
+            <a:pPr lvl="2">
+              <a:buClr>
+                <a:srgbClr val="000000"/>
+              </a:buClr>
+              <a:buSzPct val="100000"/>
+            </a:pPr>
+            <a:r>
+              <a:rPr lang="en-US" dirty="0" smtClean="0">
+                <a:solidFill>
+                  <a:schemeClr val="tx1">
+                    <a:lumMod val="65000"/>
+                    <a:lumOff val="35000"/>
+                  </a:schemeClr>
+                </a:solidFill>
+              </a:rPr>
+              <a:t>Supports multi-level reasoning and predictable performance</a:t>
+            </a:r>
+          </a:p>
+          <a:p>
+            <a:pPr lvl="3">
+              <a:lnSpc>
+                <a:spcPct val="115000"/>
+              </a:lnSpc>
+              <a:spcBef>
+                <a:spcPts val="500"/>
+              </a:spcBef>
+              <a:buClr>
+                <a:srgbClr val="000000"/>
+              </a:buClr>
+              <a:buSzPct val="55000"/>
+            </a:pPr>
+            <a:r>
+              <a:rPr lang="en-US" dirty="0">
+                <a:solidFill>
+                  <a:schemeClr val="tx1">
+                    <a:lumMod val="65000"/>
+                    <a:lumOff val="35000"/>
+                  </a:schemeClr>
+                </a:solidFill>
+              </a:rPr>
+              <a:t>R</a:t>
+            </a:r>
+            <a:r>
+              <a:rPr lang="en" dirty="0">
+                <a:solidFill>
+                  <a:schemeClr val="tx1">
+                    <a:lumMod val="65000"/>
+                    <a:lumOff val="35000"/>
+                  </a:schemeClr>
+                </a:solidFill>
+              </a:rPr>
+              <a:t>eason</a:t>
+            </a:r>
+            <a:r>
+              <a:rPr lang="en-US" dirty="0" err="1">
+                <a:solidFill>
+                  <a:schemeClr val="tx1">
+                    <a:lumMod val="65000"/>
+                    <a:lumOff val="35000"/>
+                  </a:schemeClr>
+                </a:solidFill>
+              </a:rPr>
+              <a:t>ing</a:t>
+            </a:r>
+            <a:r>
+              <a:rPr lang="en" dirty="0">
+                <a:solidFill>
+                  <a:schemeClr val="tx1">
+                    <a:lumMod val="65000"/>
+                    <a:lumOff val="35000"/>
+                  </a:schemeClr>
+                </a:solidFill>
+              </a:rPr>
+              <a:t> about </a:t>
+            </a:r>
+            <a:r>
+              <a:rPr lang="en" dirty="0" smtClean="0">
+                <a:solidFill>
+                  <a:schemeClr val="tx1">
+                    <a:lumMod val="65000"/>
+                    <a:lumOff val="35000"/>
+                  </a:schemeClr>
+                </a:solidFill>
+              </a:rPr>
+              <a:t>performance</a:t>
+            </a:r>
+            <a:endParaRPr lang="en-US" dirty="0" smtClean="0">
+              <a:solidFill>
+                <a:schemeClr val="tx1">
+                  <a:lumMod val="65000"/>
+                  <a:lumOff val="35000"/>
+                </a:schemeClr>
+              </a:solidFill>
+            </a:endParaRPr>
+          </a:p>
+          <a:p>
+            <a:r>
+              <a:rPr lang="en-US" sz="1800" dirty="0" smtClean="0"/>
+              <a:t>Relationship between models and reasoning</a:t>
+            </a:r>
+            <a:endParaRPr lang="en-US" sz="1800" dirty="0"/>
+          </a:p>
+          <a:p>
+            <a:pPr lvl="1"/>
+            <a:r>
+              <a:rPr lang="en-US" dirty="0" smtClean="0"/>
+              <a:t>Two </a:t>
+            </a:r>
+            <a:r>
+              <a:rPr lang="en-US" dirty="0"/>
+              <a:t>levels of conceptual abstractions to enable reasoning:</a:t>
+            </a:r>
+          </a:p>
+          <a:p>
+            <a:pPr marL="1428750" lvl="2" indent="-514350">
+              <a:buFont typeface="+mj-lt"/>
+              <a:buAutoNum type="romanUcPeriod"/>
+            </a:pPr>
+            <a:r>
+              <a:rPr lang="en" dirty="0"/>
+              <a:t>Models </a:t>
+            </a:r>
+            <a:r>
+              <a:rPr lang="en-US" dirty="0"/>
+              <a:t>that enable functional comparison for </a:t>
+            </a:r>
+            <a:r>
+              <a:rPr lang="en-US" i="1" dirty="0"/>
+              <a:t>individual</a:t>
+            </a:r>
+            <a:r>
+              <a:rPr lang="en-US" dirty="0"/>
+              <a:t> </a:t>
+            </a:r>
+            <a:r>
+              <a:rPr lang="en" i="1" dirty="0"/>
+              <a:t>components</a:t>
+            </a:r>
+            <a:r>
+              <a:rPr lang="en-US" dirty="0"/>
+              <a:t>, e.g., P* for Pilot-systems </a:t>
+            </a:r>
+            <a:r>
+              <a:rPr lang="en-US" dirty="0">
+                <a:hlinkClick r:id="rId3"/>
+              </a:rPr>
+              <a:t>10.1109/eScience.2012.6404423</a:t>
+            </a:r>
+            <a:endParaRPr lang="en-US" dirty="0"/>
+          </a:p>
+          <a:p>
+            <a:pPr marL="1428750" lvl="2" indent="-514350">
+              <a:buFont typeface="+mj-lt"/>
+              <a:buAutoNum type="romanUcPeriod"/>
+            </a:pPr>
+            <a:r>
+              <a:rPr lang="en" dirty="0"/>
+              <a:t>Models that enable reasoning</a:t>
+            </a:r>
+            <a:r>
+              <a:rPr lang="en-US" dirty="0"/>
+              <a:t> at multiple, integrated levels to provide performance estimation and predictability</a:t>
+            </a:r>
+          </a:p>
+          <a:p>
+            <a:pPr lvl="4">
+              <a:buFont typeface="Arial"/>
+              <a:buChar char="•"/>
+            </a:pPr>
+            <a:r>
+              <a:rPr lang="en" dirty="0"/>
+              <a:t>When and how to distribute</a:t>
+            </a:r>
+            <a:r>
+              <a:rPr lang="en-US" dirty="0"/>
+              <a:t>? What and where?</a:t>
+            </a:r>
+          </a:p>
+          <a:p>
+            <a:pPr lvl="4">
+              <a:buFont typeface="Arial"/>
+              <a:buChar char="•"/>
+            </a:pPr>
+            <a:r>
+              <a:rPr lang="en-US" dirty="0"/>
+              <a:t> A </a:t>
+            </a:r>
+            <a:r>
+              <a:rPr lang="en-US" dirty="0" err="1"/>
+              <a:t>Linpack</a:t>
+            </a:r>
+            <a:r>
+              <a:rPr lang="en-US" dirty="0"/>
+              <a:t> for distributed systems/applications?</a:t>
+            </a:r>
+          </a:p>
+          <a:p>
+            <a:pPr lvl="1"/>
+            <a:endParaRPr lang="en-US" dirty="0"/>
+          </a:p>
+          <a:p>
+            <a:pPr>
+              <a:buClr>
+                <a:srgbClr val="000000"/>
+              </a:buClr>
+              <a:buSzPct val="100000"/>
+            </a:pPr>
+            <a:endParaRPr lang="en-US" sz="1800" dirty="0" smtClean="0">
+              <a:solidFill>
+                <a:schemeClr val="tx1">
+                  <a:lumMod val="65000"/>
+                  <a:lumOff val="35000"/>
+                </a:schemeClr>
+              </a:solidFill>
+            </a:endParaRPr>
+          </a:p>
+          <a:p>
             <a:pPr lvl="3">
               <a:buClr>
                 <a:srgbClr val="000000"/>
               </a:buClr>
               <a:buSzPct val="100000"/>
             </a:pPr>
-            <a:endParaRPr lang="en-US" sz="2000" dirty="0" smtClean="0">
+            <a:endParaRPr lang="en-US" dirty="0" smtClean="0">
+              <a:solidFill>
+                <a:schemeClr val="tx1">
+                  <a:lumMod val="65000"/>
+                  <a:lumOff val="35000"/>
+                </a:schemeClr>
+              </a:solidFill>
+            </a:endParaRPr>
+          </a:p>
+          <a:p>
+            <a:pPr lvl="3">
+              <a:buClr>
+                <a:srgbClr val="000000"/>
+              </a:buClr>
+              <a:buSzPct val="100000"/>
+            </a:pPr>
+            <a:endParaRPr lang="en-US" dirty="0" smtClean="0">
               <a:solidFill>
                 <a:schemeClr val="tx1">
                   <a:lumMod val="65000"/>
@@ -12067,7 +9080,7 @@
           </a:bodyPr>
           <a:lstStyle/>
           <a:p>
-            <a:pPr lvl="0" rtl="0">
+            <a:pPr lvl="0">
               <a:lnSpc>
                 <a:spcPct val="115000"/>
               </a:lnSpc>
@@ -12078,7 +9091,6 @@
                 <a:srgbClr val="000000"/>
               </a:buClr>
               <a:buSzPct val="55000"/>
-              <a:buFont typeface="Arial"/>
               <a:buNone/>
             </a:pPr>
             <a:r>
@@ -12090,12 +9102,159 @@
               <a:t>• </a:t>
             </a:r>
             <a:r>
+              <a:rPr lang="en-US" sz="1700" dirty="0">
+                <a:solidFill>
+                  <a:srgbClr val="000000"/>
+                </a:solidFill>
+              </a:rPr>
+              <a:t> </a:t>
+            </a:r>
+            <a:r>
+              <a:rPr lang="en-US" dirty="0"/>
+              <a:t>Fundamental barrier in providing well-defined </a:t>
+            </a:r>
+            <a:r>
+              <a:rPr lang="en-US" dirty="0" smtClean="0"/>
+              <a:t>capabilities	</a:t>
+            </a:r>
+          </a:p>
+          <a:p>
+            <a:pPr lvl="1">
+              <a:lnSpc>
+                <a:spcPct val="115000"/>
+              </a:lnSpc>
+              <a:spcBef>
+                <a:spcPts val="500"/>
+              </a:spcBef>
+              <a:buClr>
+                <a:srgbClr val="000000"/>
+              </a:buClr>
+              <a:buSzPct val="55000"/>
+            </a:pPr>
+            <a:r>
+              <a:rPr lang="en-US" dirty="0" smtClean="0"/>
+              <a:t>In turn need models of semantics – static and dynamic, and performance</a:t>
+            </a:r>
+          </a:p>
+          <a:p>
+            <a:pPr>
+              <a:lnSpc>
+                <a:spcPct val="115000"/>
+              </a:lnSpc>
+              <a:spcBef>
+                <a:spcPts val="500"/>
+              </a:spcBef>
+              <a:buClr>
+                <a:srgbClr val="000000"/>
+              </a:buClr>
+              <a:buSzPct val="55000"/>
+            </a:pPr>
+            <a:r>
+              <a:rPr lang="en-US" dirty="0" smtClean="0">
+                <a:solidFill>
+                  <a:schemeClr val="tx1">
+                    <a:lumMod val="65000"/>
+                    <a:lumOff val="35000"/>
+                  </a:schemeClr>
+                </a:solidFill>
+              </a:rPr>
+              <a:t>Well</a:t>
+            </a:r>
+            <a:r>
+              <a:rPr lang="en-US" dirty="0">
+                <a:solidFill>
+                  <a:schemeClr val="tx1">
+                    <a:lumMod val="65000"/>
+                    <a:lumOff val="35000"/>
+                  </a:schemeClr>
+                </a:solidFill>
+              </a:rPr>
+              <a:t>-defined </a:t>
+            </a:r>
+            <a:r>
+              <a:rPr lang="en" dirty="0">
+                <a:solidFill>
+                  <a:schemeClr val="tx1">
+                    <a:lumMod val="65000"/>
+                    <a:lumOff val="35000"/>
+                  </a:schemeClr>
+                </a:solidFill>
+              </a:rPr>
+              <a:t>capability amidst heterogeneous, dynamic resources requires </a:t>
+            </a:r>
+            <a:r>
+              <a:rPr lang="en" i="1" dirty="0">
+                <a:solidFill>
+                  <a:schemeClr val="tx1">
+                    <a:lumMod val="65000"/>
+                    <a:lumOff val="35000"/>
+                  </a:schemeClr>
+                </a:solidFill>
+              </a:rPr>
+              <a:t>flexible </a:t>
+            </a:r>
+            <a:r>
+              <a:rPr lang="en-US" i="1" dirty="0">
+                <a:solidFill>
+                  <a:schemeClr val="tx1">
+                    <a:lumMod val="65000"/>
+                    <a:lumOff val="35000"/>
+                  </a:schemeClr>
+                </a:solidFill>
+              </a:rPr>
+              <a:t>federation</a:t>
+            </a:r>
+            <a:r>
+              <a:rPr lang="en" dirty="0">
+                <a:solidFill>
+                  <a:schemeClr val="tx1">
+                    <a:lumMod val="65000"/>
+                    <a:lumOff val="35000"/>
+                  </a:schemeClr>
+                </a:solidFill>
+              </a:rPr>
+              <a:t> of resources and </a:t>
+            </a:r>
+            <a:r>
+              <a:rPr lang="en" dirty="0" smtClean="0">
+                <a:solidFill>
+                  <a:schemeClr val="tx1">
+                    <a:lumMod val="65000"/>
+                    <a:lumOff val="35000"/>
+                  </a:schemeClr>
+                </a:solidFill>
+              </a:rPr>
+              <a:t>services</a:t>
+            </a:r>
+            <a:endParaRPr lang="en-US" dirty="0">
+              <a:solidFill>
+                <a:schemeClr val="tx1">
+                  <a:lumMod val="65000"/>
+                  <a:lumOff val="35000"/>
+                </a:schemeClr>
+              </a:solidFill>
+            </a:endParaRPr>
+          </a:p>
+          <a:p>
+            <a:pPr>
+              <a:lnSpc>
+                <a:spcPct val="115000"/>
+              </a:lnSpc>
+              <a:spcBef>
+                <a:spcPts val="500"/>
+              </a:spcBef>
+              <a:buClr>
+                <a:srgbClr val="000000"/>
+              </a:buClr>
+              <a:buSzPct val="55000"/>
+            </a:pPr>
+            <a:r>
               <a:rPr lang="en" sz="1700" dirty="0" smtClean="0">
                 <a:solidFill>
                   <a:srgbClr val="000000"/>
                 </a:solidFill>
               </a:rPr>
-              <a:t> </a:t>
+              <a:t>How </a:t>
             </a:r>
             <a:r>
               <a:rPr lang="en" sz="1700" dirty="0">
@@ -12103,7 +9262,7 @@
                   <a:srgbClr val="000000"/>
                 </a:solidFill>
               </a:rPr>
-              <a:t>How to provide well</a:t>
+              <a:t>to provide well</a:t>
             </a:r>
             <a:r>
               <a:rPr lang="en-US" sz="1700" dirty="0">
@@ -12305,81 +9464,6 @@
               <a:t>components with varying levels of control</a:t>
             </a:r>
             <a:endParaRPr lang="en" sz="1700" dirty="0">
-              <a:solidFill>
-                <a:schemeClr val="tx1">
-                  <a:lumMod val="65000"/>
-                  <a:lumOff val="35000"/>
-                </a:schemeClr>
-              </a:solidFill>
-            </a:endParaRPr>
-          </a:p>
-          <a:p>
-            <a:pPr marL="971550" indent="-514350">
-              <a:lnSpc>
-                <a:spcPct val="115000"/>
-              </a:lnSpc>
-              <a:spcBef>
-                <a:spcPts val="400"/>
-              </a:spcBef>
-              <a:buFont typeface="+mj-lt"/>
-              <a:buAutoNum type="romanUcPeriod"/>
-            </a:pPr>
-            <a:r>
-              <a:rPr lang="en-US" sz="1700" dirty="0" smtClean="0">
-                <a:solidFill>
-                  <a:schemeClr val="tx1">
-                    <a:lumMod val="65000"/>
-                    <a:lumOff val="35000"/>
-                  </a:schemeClr>
-                </a:solidFill>
-              </a:rPr>
-              <a:t>Reasoning.. </a:t>
-            </a:r>
-            <a:r>
-              <a:rPr lang="en" sz="1700" dirty="0" smtClean="0">
-                <a:solidFill>
-                  <a:schemeClr val="tx1">
-                    <a:lumMod val="65000"/>
-                    <a:lumOff val="35000"/>
-                  </a:schemeClr>
-                </a:solidFill>
-              </a:rPr>
-              <a:t>Can </a:t>
-            </a:r>
-            <a:r>
-              <a:rPr lang="en-US" sz="1700" dirty="0">
-                <a:solidFill>
-                  <a:schemeClr val="tx1">
-                    <a:lumMod val="65000"/>
-                    <a:lumOff val="35000"/>
-                  </a:schemeClr>
-                </a:solidFill>
-              </a:rPr>
-              <a:t>d</a:t>
-            </a:r>
-            <a:r>
-              <a:rPr lang="en" sz="1700" dirty="0">
-                <a:solidFill>
-                  <a:schemeClr val="tx1">
-                    <a:lumMod val="65000"/>
-                    <a:lumOff val="35000"/>
-                  </a:schemeClr>
-                </a:solidFill>
-              </a:rPr>
-              <a:t>esign for randomness but not for </a:t>
-            </a:r>
-            <a:r>
-              <a:rPr lang="en" sz="1700" dirty="0" smtClean="0">
-                <a:solidFill>
-                  <a:schemeClr val="tx1">
-                    <a:lumMod val="65000"/>
-                    <a:lumOff val="35000"/>
-                  </a:schemeClr>
-                </a:solidFill>
-              </a:rPr>
-              <a:t>unpredictable</a:t>
-            </a:r>
-            <a:endParaRPr lang="en-US" sz="1700" dirty="0">
               <a:solidFill>
                 <a:schemeClr val="tx1">
                   <a:lumMod val="65000"/>

--- a/presentations/radical-modsim.pptx
+++ b/presentations/radical-modsim.pptx
@@ -11,9 +11,9 @@
     <p:sldId id="256" r:id="rId2"/>
     <p:sldId id="269" r:id="rId3"/>
     <p:sldId id="315" r:id="rId4"/>
-    <p:sldId id="322" r:id="rId5"/>
+    <p:sldId id="325" r:id="rId5"/>
     <p:sldId id="307" r:id="rId6"/>
-    <p:sldId id="325" r:id="rId7"/>
+    <p:sldId id="337" r:id="rId7"/>
     <p:sldId id="330" r:id="rId8"/>
     <p:sldId id="310" r:id="rId9"/>
     <p:sldId id="309" r:id="rId10"/>
@@ -982,6 +982,101 @@
   <p:cSld>
     <p:spTree>
       <p:nvGrpSpPr>
+        <p:cNvPr id="1" name="Shape 31"/>
+        <p:cNvGrpSpPr/>
+        <p:nvPr/>
+      </p:nvGrpSpPr>
+      <p:grpSpPr>
+        <a:xfrm>
+          <a:off x="0" y="0"/>
+          <a:ext cx="0" cy="0"/>
+          <a:chOff x="0" y="0"/>
+          <a:chExt cx="0" cy="0"/>
+        </a:xfrm>
+      </p:grpSpPr>
+      <p:sp>
+        <p:nvSpPr>
+          <p:cNvPr id="32" name="Shape 32"/>
+          <p:cNvSpPr>
+            <a:spLocks noGrp="1" noRot="1" noChangeAspect="1"/>
+          </p:cNvSpPr>
+          <p:nvPr>
+            <p:ph type="sldImg" idx="2"/>
+          </p:nvPr>
+        </p:nvSpPr>
+        <p:spPr>
+          <a:xfrm>
+            <a:off x="1143000" y="685800"/>
+            <a:ext cx="4572000" cy="3429000"/>
+          </a:xfrm>
+          <a:custGeom>
+            <a:avLst/>
+            <a:gdLst/>
+            <a:ahLst/>
+            <a:cxnLst/>
+            <a:rect l="0" t="0" r="0" b="0"/>
+            <a:pathLst>
+              <a:path w="120000" h="120000" extrusionOk="0">
+                <a:moveTo>
+                  <a:pt x="0" y="0"/>
+                </a:moveTo>
+                <a:lnTo>
+                  <a:pt x="120000" y="0"/>
+                </a:lnTo>
+                <a:lnTo>
+                  <a:pt x="120000" y="120000"/>
+                </a:lnTo>
+                <a:lnTo>
+                  <a:pt x="0" y="120000"/>
+                </a:lnTo>
+                <a:close/>
+              </a:path>
+            </a:pathLst>
+          </a:custGeom>
+        </p:spPr>
+      </p:sp>
+      <p:sp>
+        <p:nvSpPr>
+          <p:cNvPr id="33" name="Shape 33"/>
+          <p:cNvSpPr txBox="1">
+            <a:spLocks noGrp="1"/>
+          </p:cNvSpPr>
+          <p:nvPr>
+            <p:ph type="body" idx="1"/>
+          </p:nvPr>
+        </p:nvSpPr>
+        <p:spPr>
+          <a:xfrm>
+            <a:off x="685800" y="4343400"/>
+            <a:ext cx="5486399" cy="4114800"/>
+          </a:xfrm>
+          <a:prstGeom prst="rect">
+            <a:avLst/>
+          </a:prstGeom>
+        </p:spPr>
+        <p:txBody>
+          <a:bodyPr lIns="91425" tIns="91425" rIns="91425" bIns="91425" anchor="t" anchorCtr="0">
+            <a:noAutofit/>
+          </a:bodyPr>
+          <a:lstStyle/>
+          <a:p>
+            <a:endParaRPr dirty="0"/>
+          </a:p>
+        </p:txBody>
+      </p:sp>
+    </p:spTree>
+  </p:cSld>
+  <p:clrMapOvr>
+    <a:masterClrMapping/>
+  </p:clrMapOvr>
+</p:notes>
+</file>
+
+<file path=ppt/notesSlides/notesSlide4.xml><?xml version="1.0" encoding="utf-8"?>
+<p:notes xmlns:a="http://schemas.openxmlformats.org/drawingml/2006/main" xmlns:r="http://schemas.openxmlformats.org/officeDocument/2006/relationships" xmlns:p="http://schemas.openxmlformats.org/presentationml/2006/main" showMasterSp="0" showMasterPhAnim="0">
+  <p:cSld>
+    <p:spTree>
+      <p:nvGrpSpPr>
         <p:cNvPr id="1" name="Shape 49"/>
         <p:cNvGrpSpPr/>
         <p:nvPr/>
@@ -1061,101 +1156,6 @@
           <a:lstStyle/>
           <a:p>
             <a:endParaRPr/>
-          </a:p>
-        </p:txBody>
-      </p:sp>
-    </p:spTree>
-  </p:cSld>
-  <p:clrMapOvr>
-    <a:masterClrMapping/>
-  </p:clrMapOvr>
-</p:notes>
-</file>
-
-<file path=ppt/notesSlides/notesSlide4.xml><?xml version="1.0" encoding="utf-8"?>
-<p:notes xmlns:a="http://schemas.openxmlformats.org/drawingml/2006/main" xmlns:r="http://schemas.openxmlformats.org/officeDocument/2006/relationships" xmlns:p="http://schemas.openxmlformats.org/presentationml/2006/main" showMasterSp="0" showMasterPhAnim="0">
-  <p:cSld>
-    <p:spTree>
-      <p:nvGrpSpPr>
-        <p:cNvPr id="1" name="Shape 31"/>
-        <p:cNvGrpSpPr/>
-        <p:nvPr/>
-      </p:nvGrpSpPr>
-      <p:grpSpPr>
-        <a:xfrm>
-          <a:off x="0" y="0"/>
-          <a:ext cx="0" cy="0"/>
-          <a:chOff x="0" y="0"/>
-          <a:chExt cx="0" cy="0"/>
-        </a:xfrm>
-      </p:grpSpPr>
-      <p:sp>
-        <p:nvSpPr>
-          <p:cNvPr id="32" name="Shape 32"/>
-          <p:cNvSpPr>
-            <a:spLocks noGrp="1" noRot="1" noChangeAspect="1"/>
-          </p:cNvSpPr>
-          <p:nvPr>
-            <p:ph type="sldImg" idx="2"/>
-          </p:nvPr>
-        </p:nvSpPr>
-        <p:spPr>
-          <a:xfrm>
-            <a:off x="1143000" y="685800"/>
-            <a:ext cx="4572000" cy="3429000"/>
-          </a:xfrm>
-          <a:custGeom>
-            <a:avLst/>
-            <a:gdLst/>
-            <a:ahLst/>
-            <a:cxnLst/>
-            <a:rect l="0" t="0" r="0" b="0"/>
-            <a:pathLst>
-              <a:path w="120000" h="120000" extrusionOk="0">
-                <a:moveTo>
-                  <a:pt x="0" y="0"/>
-                </a:moveTo>
-                <a:lnTo>
-                  <a:pt x="120000" y="0"/>
-                </a:lnTo>
-                <a:lnTo>
-                  <a:pt x="120000" y="120000"/>
-                </a:lnTo>
-                <a:lnTo>
-                  <a:pt x="0" y="120000"/>
-                </a:lnTo>
-                <a:close/>
-              </a:path>
-            </a:pathLst>
-          </a:custGeom>
-        </p:spPr>
-      </p:sp>
-      <p:sp>
-        <p:nvSpPr>
-          <p:cNvPr id="33" name="Shape 33"/>
-          <p:cNvSpPr txBox="1">
-            <a:spLocks noGrp="1"/>
-          </p:cNvSpPr>
-          <p:nvPr>
-            <p:ph type="body" idx="1"/>
-          </p:nvPr>
-        </p:nvSpPr>
-        <p:spPr>
-          <a:xfrm>
-            <a:off x="685800" y="4343400"/>
-            <a:ext cx="5486399" cy="4114800"/>
-          </a:xfrm>
-          <a:prstGeom prst="rect">
-            <a:avLst/>
-          </a:prstGeom>
-        </p:spPr>
-        <p:txBody>
-          <a:bodyPr lIns="91425" tIns="91425" rIns="91425" bIns="91425" anchor="t" anchorCtr="0">
-            <a:noAutofit/>
-          </a:bodyPr>
-          <a:lstStyle/>
-          <a:p>
-            <a:endParaRPr dirty="0"/>
           </a:p>
         </p:txBody>
       </p:sp>
@@ -3750,7 +3750,7 @@
             </a:r>
             <a:r>
               <a:rPr lang="en-US" dirty="0" smtClean="0"/>
-              <a:t> Computing Infrastructure:</a:t>
+              <a:t> Computing</a:t>
             </a:r>
             <a:br>
               <a:rPr lang="en-US" dirty="0" smtClean="0"/>
@@ -3874,7 +3874,7 @@
         <p:spPr>
           <a:xfrm>
             <a:off x="1264654" y="5157537"/>
-            <a:ext cx="7103979" cy="830997"/>
+            <a:ext cx="7224293" cy="830997"/>
           </a:xfrm>
           <a:prstGeom prst="rect">
             <a:avLst/>
@@ -3887,27 +3887,27 @@
           <a:lstStyle/>
           <a:p>
             <a:r>
-              <a:rPr lang="en-US" sz="1600" b="1" dirty="0" smtClean="0">
+              <a:rPr lang="en-US" sz="1600" b="1" i="1" dirty="0" smtClean="0">
                 <a:solidFill>
                   <a:schemeClr val="bg1">
                     <a:lumMod val="85000"/>
                   </a:schemeClr>
                 </a:solidFill>
               </a:rPr>
-              <a:t>This is </a:t>
-            </a:r>
-            <a:r>
-              <a:rPr lang="en-US" sz="1600" b="1" dirty="0">
+              <a:t>Talk based primarily upon the </a:t>
+            </a:r>
+            <a:r>
+              <a:rPr lang="en-US" sz="1600" b="1" i="1" dirty="0">
                 <a:solidFill>
                   <a:schemeClr val="bg1">
                     <a:lumMod val="85000"/>
                   </a:schemeClr>
                 </a:solidFill>
               </a:rPr>
-              <a:t>primarily the effort of  </a:t>
-            </a:r>
-            <a:r>
-              <a:rPr lang="en-US" sz="1600" b="1" dirty="0" smtClean="0">
+              <a:t>effort of  </a:t>
+            </a:r>
+            <a:r>
+              <a:rPr lang="en-US" sz="1600" b="1" i="1" dirty="0" smtClean="0">
                 <a:solidFill>
                   <a:schemeClr val="bg1">
                     <a:lumMod val="85000"/>
@@ -3917,107 +3917,127 @@
               <a:t>the RADICAL group, </a:t>
             </a:r>
             <a:r>
-              <a:rPr lang="en-US" sz="1600" b="1" dirty="0">
+              <a:rPr lang="en-US" sz="1600" b="1" i="1" dirty="0">
                 <a:solidFill>
                   <a:schemeClr val="bg1">
                     <a:lumMod val="85000"/>
                   </a:schemeClr>
                 </a:solidFill>
               </a:rPr>
-              <a:t>but different parts of this work have benefitted from collaborations with </a:t>
-            </a:r>
-            <a:r>
-              <a:rPr lang="en-US" sz="1600" b="1" dirty="0" smtClean="0">
+              <a:t>but different parts </a:t>
+            </a:r>
+            <a:r>
+              <a:rPr lang="en-US" sz="1600" b="1" i="1" dirty="0" smtClean="0">
                 <a:solidFill>
                   <a:schemeClr val="bg1">
                     <a:lumMod val="85000"/>
                   </a:schemeClr>
                 </a:solidFill>
               </a:rPr>
-              <a:t>the AIMES Project Partners (Katz, </a:t>
-            </a:r>
-            <a:r>
-              <a:rPr lang="en-US" sz="1600" b="1" dirty="0" err="1" smtClean="0">
+              <a:t>have </a:t>
+            </a:r>
+            <a:r>
+              <a:rPr lang="en-US" sz="1600" b="1" i="1" dirty="0">
                 <a:solidFill>
                   <a:schemeClr val="bg1">
                     <a:lumMod val="85000"/>
                   </a:schemeClr>
                 </a:solidFill>
               </a:rPr>
-              <a:t>Weissman</a:t>
-            </a:r>
-            <a:r>
-              <a:rPr lang="en-US" sz="1600" b="1" dirty="0" smtClean="0">
+              <a:t>benefitted from collaborations with </a:t>
+            </a:r>
+            <a:r>
+              <a:rPr lang="en-US" sz="1600" b="1" i="1" dirty="0" smtClean="0">
                 <a:solidFill>
                   <a:schemeClr val="bg1">
                     <a:lumMod val="85000"/>
                   </a:schemeClr>
                 </a:solidFill>
               </a:rPr>
-              <a:t>) </a:t>
-            </a:r>
-            <a:r>
-              <a:rPr lang="en-US" sz="1600" b="1" dirty="0">
+              <a:t>the AIMES Project Partners (Katz, </a:t>
+            </a:r>
+            <a:r>
+              <a:rPr lang="en-US" sz="1600" b="1" i="1" dirty="0" err="1" smtClean="0">
                 <a:solidFill>
                   <a:schemeClr val="bg1">
                     <a:lumMod val="85000"/>
                   </a:schemeClr>
                 </a:solidFill>
               </a:rPr>
-              <a:t>and </a:t>
-            </a:r>
-            <a:r>
-              <a:rPr lang="en-US" sz="1600" b="1" dirty="0" smtClean="0">
+              <a:t>Weissman</a:t>
+            </a:r>
+            <a:r>
+              <a:rPr lang="en-US" sz="1600" b="1" i="1" dirty="0" smtClean="0">
                 <a:solidFill>
                   <a:schemeClr val="bg1">
                     <a:lumMod val="85000"/>
                   </a:schemeClr>
                 </a:solidFill>
               </a:rPr>
-              <a:t>LMU-Munich </a:t>
-            </a:r>
-            <a:r>
-              <a:rPr lang="en-US" sz="1600" b="1" dirty="0">
+              <a:t>) </a:t>
+            </a:r>
+            <a:r>
+              <a:rPr lang="en-US" sz="1600" b="1" i="1" dirty="0">
                 <a:solidFill>
                   <a:schemeClr val="bg1">
                     <a:lumMod val="85000"/>
                   </a:schemeClr>
                 </a:solidFill>
               </a:rPr>
-              <a:t>(</a:t>
-            </a:r>
-            <a:r>
-              <a:rPr lang="en-US" sz="1600" b="1" dirty="0" err="1">
+              <a:t>and </a:t>
+            </a:r>
+            <a:r>
+              <a:rPr lang="en-US" sz="1600" b="1" i="1" dirty="0" smtClean="0">
                 <a:solidFill>
                   <a:schemeClr val="bg1">
                     <a:lumMod val="85000"/>
                   </a:schemeClr>
                 </a:solidFill>
               </a:rPr>
-              <a:t>Straube</a:t>
-            </a:r>
-            <a:r>
-              <a:rPr lang="en-US" sz="1600" b="1" dirty="0">
+              <a:t>LMU-Munich </a:t>
+            </a:r>
+            <a:r>
+              <a:rPr lang="en-US" sz="1600" b="1" i="1" dirty="0">
                 <a:solidFill>
                   <a:schemeClr val="bg1">
                     <a:lumMod val="85000"/>
                   </a:schemeClr>
                 </a:solidFill>
               </a:rPr>
-              <a:t>, </a:t>
-            </a:r>
-            <a:r>
-              <a:rPr lang="en-US" sz="1600" b="1" dirty="0" err="1">
+              <a:t>(</a:t>
+            </a:r>
+            <a:r>
+              <a:rPr lang="en-US" sz="1600" b="1" i="1" dirty="0" err="1">
                 <a:solidFill>
                   <a:schemeClr val="bg1">
                     <a:lumMod val="85000"/>
                   </a:schemeClr>
                 </a:solidFill>
               </a:rPr>
+              <a:t>Straube</a:t>
+            </a:r>
+            <a:r>
+              <a:rPr lang="en-US" sz="1600" b="1" i="1" dirty="0">
+                <a:solidFill>
+                  <a:schemeClr val="bg1">
+                    <a:lumMod val="85000"/>
+                  </a:schemeClr>
+                </a:solidFill>
+              </a:rPr>
+              <a:t>, </a:t>
+            </a:r>
+            <a:r>
+              <a:rPr lang="en-US" sz="1600" b="1" i="1" dirty="0" err="1">
+                <a:solidFill>
+                  <a:schemeClr val="bg1">
+                    <a:lumMod val="85000"/>
+                  </a:schemeClr>
+                </a:solidFill>
+              </a:rPr>
               <a:t>Kranzmuller</a:t>
             </a:r>
             <a:r>
-              <a:rPr lang="en-US" sz="1600" b="1" dirty="0">
+              <a:rPr lang="en-US" sz="1600" b="1" i="1" dirty="0">
                 <a:solidFill>
                   <a:schemeClr val="bg1">
                     <a:lumMod val="85000"/>
@@ -6136,7 +6156,59 @@
                   </a:schemeClr>
                 </a:solidFill>
               </a:rPr>
-              <a:t> Computing (DEC)?</a:t>
+              <a:t> Computing (DEC)</a:t>
+            </a:r>
+            <a:r>
+              <a:rPr lang="en-US" dirty="0" smtClean="0">
+                <a:solidFill>
+                  <a:schemeClr val="tx1">
+                    <a:lumMod val="65000"/>
+                    <a:lumOff val="35000"/>
+                  </a:schemeClr>
+                </a:solidFill>
+              </a:rPr>
+              <a:t>?</a:t>
+            </a:r>
+          </a:p>
+          <a:p>
+            <a:pPr>
+              <a:buClr>
+                <a:srgbClr val="000000"/>
+              </a:buClr>
+              <a:buSzPct val="100000"/>
+            </a:pPr>
+            <a:r>
+              <a:rPr lang="en-US" dirty="0" smtClean="0">
+                <a:solidFill>
+                  <a:schemeClr val="tx1">
+                    <a:lumMod val="65000"/>
+                    <a:lumOff val="35000"/>
+                  </a:schemeClr>
+                </a:solidFill>
+              </a:rPr>
+              <a:t>Foundational </a:t>
+            </a:r>
+            <a:r>
+              <a:rPr lang="en-US" dirty="0" smtClean="0">
+                <a:solidFill>
+                  <a:schemeClr val="tx1">
+                    <a:lumMod val="65000"/>
+                    <a:lumOff val="35000"/>
+                  </a:schemeClr>
+                </a:solidFill>
+              </a:rPr>
+              <a:t>requirements for </a:t>
+            </a:r>
+            <a:r>
+              <a:rPr lang="en-US" dirty="0" smtClean="0">
+                <a:solidFill>
+                  <a:schemeClr val="tx1">
+                    <a:lumMod val="65000"/>
+                    <a:lumOff val="35000"/>
+                  </a:schemeClr>
+                </a:solidFill>
+              </a:rPr>
+              <a:t>DEC</a:t>
             </a:r>
           </a:p>
           <a:p>
@@ -6155,8 +6227,38 @@
                   </a:schemeClr>
                 </a:solidFill>
               </a:rPr>
-              <a:t>Foundational requirements for DEC</a:t>
-            </a:r>
+              <a:t>Distributed </a:t>
+            </a:r>
+            <a:r>
+              <a:rPr lang="en-US" sz="2000" dirty="0">
+                <a:solidFill>
+                  <a:schemeClr val="tx1">
+                    <a:lumMod val="65000"/>
+                    <a:lumOff val="35000"/>
+                  </a:schemeClr>
+                </a:solidFill>
+              </a:rPr>
+              <a:t>Computing </a:t>
+            </a:r>
+            <a:r>
+              <a:rPr lang="en-US" sz="2000" dirty="0" smtClean="0">
+                <a:solidFill>
+                  <a:schemeClr val="tx1">
+                    <a:lumMod val="65000"/>
+                    <a:lumOff val="35000"/>
+                  </a:schemeClr>
+                </a:solidFill>
+              </a:rPr>
+              <a:t>2013</a:t>
+            </a:r>
+            <a:endParaRPr lang="en-US" sz="2000" dirty="0">
+              <a:solidFill>
+                <a:schemeClr val="tx1">
+                  <a:lumMod val="65000"/>
+                  <a:lumOff val="35000"/>
+                </a:schemeClr>
+              </a:solidFill>
+            </a:endParaRPr>
           </a:p>
           <a:p>
             <a:pPr>
@@ -6174,29 +6276,7 @@
                   </a:schemeClr>
                 </a:solidFill>
               </a:rPr>
-              <a:t>Distributed </a:t>
-            </a:r>
-            <a:r>
-              <a:rPr lang="en-US" dirty="0">
-                <a:solidFill>
-                  <a:schemeClr val="tx1">
-                    <a:lumMod val="65000"/>
-                    <a:lumOff val="35000"/>
-                  </a:schemeClr>
-                </a:solidFill>
-              </a:rPr>
-              <a:t>Computing </a:t>
-            </a:r>
-            <a:r>
-              <a:rPr lang="en-US" dirty="0" smtClean="0">
-                <a:solidFill>
-                  <a:schemeClr val="tx1">
-                    <a:lumMod val="65000"/>
-                    <a:lumOff val="35000"/>
-                  </a:schemeClr>
-                </a:solidFill>
-              </a:rPr>
-              <a:t>2013</a:t>
+              <a:t>NGMW as a way to address DEC requirements</a:t>
             </a:r>
             <a:endParaRPr lang="en-US" dirty="0">
               <a:solidFill>
@@ -6208,14 +6288,14 @@
             </a:endParaRPr>
           </a:p>
           <a:p>
-            <a:pPr>
+            <a:pPr lvl="1">
               <a:buClr>
                 <a:srgbClr val="000000"/>
               </a:buClr>
               <a:buSzPct val="100000"/>
             </a:pPr>
             <a:r>
-              <a:rPr lang="en-US" dirty="0" smtClean="0">
+              <a:rPr lang="en-US" sz="2000" dirty="0" smtClean="0">
                 <a:solidFill>
                   <a:schemeClr val="tx1">
                     <a:lumMod val="65000"/>
@@ -6223,9 +6303,176 @@
                   </a:schemeClr>
                 </a:solidFill>
               </a:rPr>
-              <a:t>NGMW as a way to address DEC requirements</a:t>
-            </a:r>
-            <a:endParaRPr lang="en-US" dirty="0">
+              <a:t>Functional Aims, Design Objectives </a:t>
+            </a:r>
+          </a:p>
+          <a:p>
+            <a:pPr lvl="1">
+              <a:buClr>
+                <a:srgbClr val="000000"/>
+              </a:buClr>
+              <a:buSzPct val="100000"/>
+            </a:pPr>
+            <a:r>
+              <a:rPr lang="en-US" sz="2000" dirty="0" smtClean="0">
+                <a:solidFill>
+                  <a:schemeClr val="tx1">
+                    <a:lumMod val="65000"/>
+                    <a:lumOff val="35000"/>
+                  </a:schemeClr>
+                </a:solidFill>
+              </a:rPr>
+              <a:t>Proposed Architecture for </a:t>
+            </a:r>
+            <a:r>
+              <a:rPr lang="en-US" sz="2000" dirty="0" smtClean="0">
+                <a:solidFill>
+                  <a:schemeClr val="tx1">
+                    <a:lumMod val="65000"/>
+                    <a:lumOff val="35000"/>
+                  </a:schemeClr>
+                </a:solidFill>
+              </a:rPr>
+              <a:t>a model</a:t>
+            </a:r>
+            <a:r>
+              <a:rPr lang="en-US" sz="2000" dirty="0" smtClean="0">
+                <a:solidFill>
+                  <a:schemeClr val="tx1">
+                    <a:lumMod val="65000"/>
+                    <a:lumOff val="35000"/>
+                  </a:schemeClr>
+                </a:solidFill>
+              </a:rPr>
+              <a:t>-based, capability-driven NGMW</a:t>
+            </a:r>
+          </a:p>
+          <a:p>
+            <a:pPr lvl="2">
+              <a:buClr>
+                <a:srgbClr val="000000"/>
+              </a:buClr>
+              <a:buSzPct val="100000"/>
+            </a:pPr>
+            <a:r>
+              <a:rPr lang="en-US" sz="2000" dirty="0" smtClean="0">
+                <a:solidFill>
+                  <a:schemeClr val="tx1">
+                    <a:lumMod val="65000"/>
+                    <a:lumOff val="35000"/>
+                  </a:schemeClr>
+                </a:solidFill>
+              </a:rPr>
+              <a:t>Models at multiple levels and their integration</a:t>
+            </a:r>
+          </a:p>
+          <a:p>
+            <a:pPr marL="1717675" lvl="3" indent="-342900">
+              <a:buClr>
+                <a:srgbClr val="000000"/>
+              </a:buClr>
+              <a:buSzPct val="100000"/>
+            </a:pPr>
+            <a:r>
+              <a:rPr lang="en-US" sz="2000" dirty="0" smtClean="0">
+                <a:solidFill>
+                  <a:schemeClr val="tx1">
+                    <a:lumMod val="65000"/>
+                    <a:lumOff val="35000"/>
+                  </a:schemeClr>
+                </a:solidFill>
+              </a:rPr>
+              <a:t>Applications (A</a:t>
+            </a:r>
+            <a:r>
+              <a:rPr lang="en-US" sz="2000" dirty="0" smtClean="0">
+                <a:solidFill>
+                  <a:schemeClr val="tx1">
+                    <a:lumMod val="65000"/>
+                    <a:lumOff val="35000"/>
+                  </a:schemeClr>
+                </a:solidFill>
+              </a:rPr>
+              <a:t>*, W</a:t>
+            </a:r>
+            <a:r>
+              <a:rPr lang="en-US" sz="2000" dirty="0" smtClean="0">
+                <a:solidFill>
+                  <a:schemeClr val="tx1">
+                    <a:lumMod val="65000"/>
+                    <a:lumOff val="35000"/>
+                  </a:schemeClr>
+                </a:solidFill>
+              </a:rPr>
+              <a:t>*),  Dynamic Resources </a:t>
+            </a:r>
+            <a:r>
+              <a:rPr lang="en-US" sz="2000" dirty="0" smtClean="0">
+                <a:solidFill>
+                  <a:schemeClr val="tx1">
+                    <a:lumMod val="65000"/>
+                    <a:lumOff val="35000"/>
+                  </a:schemeClr>
+                </a:solidFill>
+              </a:rPr>
+              <a:t>and </a:t>
+            </a:r>
+            <a:r>
+              <a:rPr lang="en-US" sz="2000" dirty="0" smtClean="0">
+                <a:solidFill>
+                  <a:schemeClr val="tx1">
+                    <a:lumMod val="65000"/>
+                    <a:lumOff val="35000"/>
+                  </a:schemeClr>
+                </a:solidFill>
+              </a:rPr>
+              <a:t>Infrastructure (P*, I*)</a:t>
+            </a:r>
+            <a:r>
+              <a:rPr lang="en-US" sz="2000" dirty="0" smtClean="0">
+                <a:solidFill>
+                  <a:schemeClr val="tx1">
+                    <a:lumMod val="65000"/>
+                    <a:lumOff val="35000"/>
+                  </a:schemeClr>
+                </a:solidFill>
+              </a:rPr>
+              <a:t>, </a:t>
+            </a:r>
+            <a:r>
+              <a:rPr lang="en-US" sz="2000" dirty="0" smtClean="0">
+                <a:solidFill>
+                  <a:schemeClr val="tx1">
+                    <a:lumMod val="65000"/>
+                    <a:lumOff val="35000"/>
+                  </a:schemeClr>
+                </a:solidFill>
+              </a:rPr>
+              <a:t>Federation </a:t>
+            </a:r>
+            <a:r>
+              <a:rPr lang="en-US" sz="2000" dirty="0" smtClean="0">
+                <a:solidFill>
+                  <a:schemeClr val="tx1">
+                    <a:lumMod val="65000"/>
+                    <a:lumOff val="35000"/>
+                  </a:schemeClr>
+                </a:solidFill>
+              </a:rPr>
+              <a:t>of Infrastructure </a:t>
+            </a:r>
+            <a:r>
+              <a:rPr lang="en-US" sz="2000" dirty="0" smtClean="0">
+                <a:solidFill>
+                  <a:schemeClr val="tx1">
+                    <a:lumMod val="65000"/>
+                    <a:lumOff val="35000"/>
+                  </a:schemeClr>
+                </a:solidFill>
+              </a:rPr>
+              <a:t>(F*)</a:t>
+            </a:r>
+            <a:endParaRPr lang="en-US" sz="2000" dirty="0" smtClean="0">
               <a:solidFill>
                 <a:schemeClr val="tx1">
                   <a:lumMod val="65000"/>
@@ -6233,120 +6480,6 @@
                 </a:schemeClr>
               </a:solidFill>
             </a:endParaRPr>
-          </a:p>
-          <a:p>
-            <a:pPr lvl="1">
-              <a:buClr>
-                <a:srgbClr val="000000"/>
-              </a:buClr>
-              <a:buSzPct val="100000"/>
-            </a:pPr>
-            <a:r>
-              <a:rPr lang="en-US" sz="2000" dirty="0" smtClean="0">
-                <a:solidFill>
-                  <a:schemeClr val="tx1">
-                    <a:lumMod val="65000"/>
-                    <a:lumOff val="35000"/>
-                  </a:schemeClr>
-                </a:solidFill>
-              </a:rPr>
-              <a:t>Functional Aims, Design Objectives </a:t>
-            </a:r>
-          </a:p>
-          <a:p>
-            <a:pPr lvl="1">
-              <a:buClr>
-                <a:srgbClr val="000000"/>
-              </a:buClr>
-              <a:buSzPct val="100000"/>
-            </a:pPr>
-            <a:r>
-              <a:rPr lang="en-US" sz="2000" dirty="0" smtClean="0">
-                <a:solidFill>
-                  <a:schemeClr val="tx1">
-                    <a:lumMod val="65000"/>
-                    <a:lumOff val="35000"/>
-                  </a:schemeClr>
-                </a:solidFill>
-              </a:rPr>
-              <a:t>Proposed Architecture for a capabilities based NGMW</a:t>
-            </a:r>
-          </a:p>
-          <a:p>
-            <a:pPr lvl="2">
-              <a:buClr>
-                <a:srgbClr val="000000"/>
-              </a:buClr>
-              <a:buSzPct val="100000"/>
-            </a:pPr>
-            <a:r>
-              <a:rPr lang="en-US" sz="2000" dirty="0" smtClean="0">
-                <a:solidFill>
-                  <a:schemeClr val="tx1">
-                    <a:lumMod val="65000"/>
-                    <a:lumOff val="35000"/>
-                  </a:schemeClr>
-                </a:solidFill>
-              </a:rPr>
-              <a:t>Multiple Models and their integration</a:t>
-            </a:r>
-          </a:p>
-          <a:p>
-            <a:pPr marL="1717675" lvl="3" indent="-342900">
-              <a:buClr>
-                <a:srgbClr val="000000"/>
-              </a:buClr>
-              <a:buSzPct val="100000"/>
-            </a:pPr>
-            <a:r>
-              <a:rPr lang="en-US" sz="2000" dirty="0" smtClean="0">
-                <a:solidFill>
-                  <a:schemeClr val="tx1">
-                    <a:lumMod val="65000"/>
-                    <a:lumOff val="35000"/>
-                  </a:schemeClr>
-                </a:solidFill>
-              </a:rPr>
-              <a:t>Applications: A*, W*</a:t>
-            </a:r>
-          </a:p>
-          <a:p>
-            <a:pPr marL="1717675" lvl="3" indent="-342900">
-              <a:buClr>
-                <a:srgbClr val="000000"/>
-              </a:buClr>
-              <a:buSzPct val="100000"/>
-            </a:pPr>
-            <a:r>
-              <a:rPr lang="en-US" sz="2000" dirty="0" smtClean="0">
-                <a:solidFill>
-                  <a:schemeClr val="tx1">
-                    <a:lumMod val="65000"/>
-                    <a:lumOff val="35000"/>
-                  </a:schemeClr>
-                </a:solidFill>
-              </a:rPr>
-              <a:t>Dynamic Resources/Infrastructure: P*, I*</a:t>
-            </a:r>
-          </a:p>
-          <a:p>
-            <a:pPr marL="1717675" lvl="3" indent="-342900">
-              <a:buClr>
-                <a:srgbClr val="000000"/>
-              </a:buClr>
-              <a:buSzPct val="100000"/>
-            </a:pPr>
-            <a:r>
-              <a:rPr lang="en-US" sz="2000" dirty="0" smtClean="0">
-                <a:solidFill>
-                  <a:schemeClr val="tx1">
-                    <a:lumMod val="65000"/>
-                    <a:lumOff val="35000"/>
-                  </a:schemeClr>
-                </a:solidFill>
-              </a:rPr>
-              <a:t>Federation of Infrastructure F*</a:t>
-            </a:r>
           </a:p>
           <a:p>
             <a:pPr marL="800100" lvl="1" indent="-342900">
@@ -6578,7 +6711,7 @@
             </a:pPr>
             <a:r>
               <a:rPr lang="en-US" dirty="0" smtClean="0"/>
-              <a:t>Overarching Challenge: How does modeling DEC couple to and synergize with HPC </a:t>
+              <a:t>Overarching Consideration: How does modeling DEC couple to and synergize with HPC </a:t>
             </a:r>
             <a:r>
               <a:rPr lang="en-US" dirty="0" err="1" smtClean="0"/>
@@ -6619,7 +6752,7 @@
             </a:pPr>
             <a:r>
               <a:rPr lang="en-US" dirty="0" smtClean="0"/>
-              <a:t>Different model of varying specificity</a:t>
+              <a:t>Different models of varying specificity</a:t>
             </a:r>
           </a:p>
           <a:p>
@@ -6922,6 +7055,79 @@
           <a:p>
             <a:r>
               <a:rPr lang="en-US" dirty="0" smtClean="0"/>
+              <a:t>Support new science and new usage modes</a:t>
+            </a:r>
+          </a:p>
+          <a:p>
+            <a:pPr lvl="1"/>
+            <a:r>
+              <a:rPr lang="en-US" sz="2000" dirty="0"/>
+              <a:t>Existing and future DoE Applications and </a:t>
+            </a:r>
+            <a:r>
+              <a:rPr lang="en-US" sz="2000" dirty="0" smtClean="0"/>
+              <a:t>facilities</a:t>
+            </a:r>
+          </a:p>
+          <a:p>
+            <a:pPr lvl="2"/>
+            <a:r>
+              <a:rPr lang="en-US" sz="2000" dirty="0" smtClean="0"/>
+              <a:t>Complex, multi-component, distributed data and workflow based</a:t>
+            </a:r>
+            <a:endParaRPr lang="en-US" sz="2000" dirty="0"/>
+          </a:p>
+          <a:p>
+            <a:pPr lvl="1"/>
+            <a:r>
+              <a:rPr lang="en-US" sz="2000" dirty="0" smtClean="0"/>
+              <a:t>Different </a:t>
+            </a:r>
+            <a:r>
+              <a:rPr lang="en-US" sz="2000" dirty="0"/>
+              <a:t>modes of </a:t>
+            </a:r>
+            <a:r>
+              <a:rPr lang="en-US" sz="2000" dirty="0" err="1"/>
+              <a:t>exascale</a:t>
+            </a:r>
+            <a:r>
+              <a:rPr lang="en-US" sz="2000" dirty="0"/>
+              <a:t> computing</a:t>
+            </a:r>
+          </a:p>
+          <a:p>
+            <a:pPr lvl="2"/>
+            <a:r>
+              <a:rPr lang="en-US" sz="2000" dirty="0"/>
+              <a:t>Coupling </a:t>
+            </a:r>
+            <a:r>
+              <a:rPr lang="en-US" sz="2000" dirty="0" err="1"/>
+              <a:t>exaflops</a:t>
+            </a:r>
+            <a:r>
+              <a:rPr lang="en-US" sz="2000" dirty="0"/>
+              <a:t> of computing with </a:t>
+            </a:r>
+            <a:r>
+              <a:rPr lang="en-US" sz="2000" dirty="0" err="1"/>
+              <a:t>exabytes</a:t>
+            </a:r>
+            <a:r>
+              <a:rPr lang="en-US" sz="2000" dirty="0"/>
+              <a:t> of data</a:t>
+            </a:r>
+          </a:p>
+          <a:p>
+            <a:pPr marL="457200" lvl="1" indent="0">
+              <a:buNone/>
+            </a:pPr>
+            <a:endParaRPr lang="en-US" sz="2000" dirty="0" smtClean="0"/>
+          </a:p>
+          <a:p>
+            <a:r>
+              <a:rPr lang="en-US" dirty="0" smtClean="0"/>
               <a:t>Efficient utilization of “traditional” </a:t>
             </a:r>
             <a:r>
@@ -6940,104 +7146,59 @@
           <a:p>
             <a:pPr lvl="1"/>
             <a:r>
-              <a:rPr lang="en-US" dirty="0" smtClean="0"/>
-              <a:t>Synergistic: Not </a:t>
-            </a:r>
-            <a:r>
-              <a:rPr lang="en-US" dirty="0"/>
-              <a:t>competitive but complementary</a:t>
-            </a:r>
-          </a:p>
-          <a:p>
-            <a:pPr lvl="2"/>
-            <a:r>
-              <a:rPr lang="en-US" dirty="0" smtClean="0"/>
-              <a:t>How</a:t>
-            </a:r>
-            <a:r>
-              <a:rPr lang="en-US" dirty="0"/>
-              <a:t>/when to send workloads from</a:t>
-            </a:r>
-            <a:r>
-              <a:rPr lang="en" dirty="0"/>
+              <a:rPr lang="en-US" sz="2000" dirty="0" smtClean="0"/>
+              <a:t>Synergistic and complementary; not competitive</a:t>
+            </a:r>
+          </a:p>
+          <a:p>
+            <a:pPr lvl="1"/>
+            <a:r>
+              <a:rPr lang="en-US" sz="2000" dirty="0"/>
+              <a:t>Workloads from</a:t>
+            </a:r>
+            <a:r>
+              <a:rPr lang="en" sz="2000" dirty="0"/>
               <a:t> leadership machines </a:t>
             </a:r>
             <a:r>
-              <a:rPr lang="en-US" dirty="0"/>
+              <a:rPr lang="en-US" sz="2000" dirty="0"/>
               <a:t>to other </a:t>
             </a:r>
             <a:r>
-              <a:rPr lang="en" dirty="0"/>
-              <a:t>less powerful machines</a:t>
-            </a:r>
-            <a:r>
-              <a:rPr lang="en-US" dirty="0"/>
-              <a:t>?</a:t>
-            </a:r>
-          </a:p>
-          <a:p>
-            <a:pPr lvl="2"/>
-            <a:r>
-              <a:rPr lang="en-US" dirty="0"/>
-              <a:t>How to federate them</a:t>
-            </a:r>
-            <a:r>
-              <a:rPr lang="en-US" dirty="0" smtClean="0"/>
-              <a:t>?</a:t>
-            </a:r>
-          </a:p>
-          <a:p>
-            <a:r>
-              <a:rPr lang="en-US" dirty="0" smtClean="0"/>
-              <a:t>Support the “long tail of science” and application requirements</a:t>
-            </a:r>
-          </a:p>
-          <a:p>
-            <a:r>
-              <a:rPr lang="en-US" dirty="0" smtClean="0"/>
-              <a:t>Support different modes of </a:t>
-            </a:r>
-            <a:r>
-              <a:rPr lang="en-US" dirty="0" err="1" smtClean="0"/>
-              <a:t>exascale</a:t>
-            </a:r>
-            <a:r>
-              <a:rPr lang="en-US" dirty="0" smtClean="0"/>
-              <a:t> computing</a:t>
+              <a:rPr lang="en" sz="2000" dirty="0"/>
+              <a:t>less powerful </a:t>
+            </a:r>
+            <a:r>
+              <a:rPr lang="en" sz="2000" dirty="0" smtClean="0"/>
+              <a:t>machines</a:t>
+            </a:r>
+            <a:endParaRPr lang="en-US" sz="2000" dirty="0" smtClean="0"/>
+          </a:p>
+          <a:p>
+            <a:pPr marL="914400" lvl="2" indent="0">
+              <a:buNone/>
+            </a:pPr>
+            <a:endParaRPr lang="en-US" sz="2000" dirty="0" smtClean="0"/>
+          </a:p>
+          <a:p>
+            <a:r>
+              <a:rPr lang="en-US" dirty="0" smtClean="0"/>
+              <a:t>Support the “long tail of science” and existing application requirements</a:t>
             </a:r>
           </a:p>
           <a:p>
             <a:pPr lvl="1"/>
             <a:r>
-              <a:rPr lang="en-US" dirty="0" smtClean="0"/>
-              <a:t>Coupling </a:t>
-            </a:r>
-            <a:r>
-              <a:rPr lang="en-US" dirty="0" err="1" smtClean="0"/>
-              <a:t>exaflops</a:t>
-            </a:r>
-            <a:r>
-              <a:rPr lang="en-US" dirty="0" smtClean="0"/>
-              <a:t> of computing with </a:t>
-            </a:r>
-            <a:r>
-              <a:rPr lang="en-US" dirty="0" err="1" smtClean="0"/>
-              <a:t>exabytes</a:t>
-            </a:r>
-            <a:r>
-              <a:rPr lang="en-US" dirty="0" smtClean="0"/>
-              <a:t> of data</a:t>
+              <a:rPr lang="en-US" sz="2000" dirty="0" smtClean="0"/>
+              <a:t>Many concurrent applications can scale</a:t>
             </a:r>
           </a:p>
           <a:p>
             <a:pPr lvl="1"/>
             <a:r>
-              <a:rPr lang="en-US" dirty="0" smtClean="0"/>
-              <a:t>DoE Applications and facilities</a:t>
-            </a:r>
-          </a:p>
-          <a:p>
-            <a:endParaRPr lang="en-US" dirty="0"/>
+              <a:rPr lang="en-US" sz="2000" dirty="0" smtClean="0"/>
+              <a:t>….</a:t>
+            </a:r>
           </a:p>
         </p:txBody>
       </p:sp>
@@ -7059,7 +7220,7 @@
   <p:cSld>
     <p:spTree>
       <p:nvGrpSpPr>
-        <p:cNvPr id="1" name=""/>
+        <p:cNvPr id="1" name="Shape 28"/>
         <p:cNvGrpSpPr/>
         <p:nvPr/>
       </p:nvGrpSpPr>
@@ -7073,163 +7234,395 @@
       </p:grpSpPr>
       <p:sp>
         <p:nvSpPr>
-          <p:cNvPr id="2" name="Title 1"/>
-          <p:cNvSpPr>
+          <p:cNvPr id="29" name="Shape 29"/>
+          <p:cNvSpPr txBox="1">
             <a:spLocks noGrp="1"/>
           </p:cNvSpPr>
           <p:nvPr>
             <p:ph type="title"/>
           </p:nvPr>
         </p:nvSpPr>
-        <p:spPr/>
+        <p:spPr>
+          <a:prstGeom prst="rect">
+            <a:avLst/>
+          </a:prstGeom>
+        </p:spPr>
         <p:txBody>
-          <a:bodyPr/>
+          <a:bodyPr lIns="91425" tIns="91425" rIns="91425" bIns="91425" anchor="t" anchorCtr="0">
+            <a:noAutofit/>
+          </a:bodyPr>
           <a:lstStyle/>
           <a:p>
-            <a:r>
-              <a:rPr lang="en-US" dirty="0" smtClean="0"/>
-              <a:t>DEC </a:t>
-            </a:r>
-            <a:r>
-              <a:rPr lang="en-US" dirty="0" err="1" smtClean="0"/>
-              <a:t>vs</a:t>
-            </a:r>
-            <a:r>
-              <a:rPr lang="en-US" dirty="0" smtClean="0"/>
-              <a:t> Traditional EC</a:t>
-            </a:r>
-            <a:endParaRPr lang="en-US" dirty="0"/>
+            <a:pPr algn="just"/>
+            <a:r>
+              <a:rPr lang="en-US" dirty="0" smtClean="0"/>
+              <a:t>Extreme Scale </a:t>
+            </a:r>
+            <a:r>
+              <a:rPr lang="en" dirty="0" smtClean="0"/>
+              <a:t>Distributed </a:t>
+            </a:r>
+            <a:r>
+              <a:rPr lang="en" dirty="0"/>
+              <a:t>Computing </a:t>
+            </a:r>
+            <a:r>
+              <a:rPr lang="en-US" dirty="0" smtClean="0"/>
+              <a:t>in </a:t>
+            </a:r>
+            <a:r>
+              <a:rPr lang="en" dirty="0" smtClean="0"/>
+              <a:t>2013</a:t>
+            </a:r>
+            <a:endParaRPr lang="en" dirty="0"/>
           </a:p>
         </p:txBody>
       </p:sp>
       <p:sp>
         <p:nvSpPr>
-          <p:cNvPr id="3" name="Content Placeholder 2"/>
-          <p:cNvSpPr>
+          <p:cNvPr id="30" name="Shape 30"/>
+          <p:cNvSpPr txBox="1">
             <a:spLocks noGrp="1"/>
           </p:cNvSpPr>
           <p:nvPr>
             <p:ph idx="1"/>
           </p:nvPr>
         </p:nvSpPr>
-        <p:spPr/>
+        <p:spPr>
+          <a:prstGeom prst="rect">
+            <a:avLst/>
+          </a:prstGeom>
+        </p:spPr>
         <p:txBody>
-          <a:bodyPr/>
+          <a:bodyPr lIns="91425" tIns="91425" rIns="91425" bIns="91425" anchor="t" anchorCtr="0">
+            <a:noAutofit/>
+          </a:bodyPr>
           <a:lstStyle/>
           <a:p>
-            <a:pPr marL="344488" indent="-342900">
+            <a:pPr>
               <a:lnSpc>
                 <a:spcPct val="90000"/>
               </a:lnSpc>
             </a:pPr>
             <a:r>
+              <a:rPr lang="en-US" dirty="0" smtClean="0"/>
+              <a:t>First </a:t>
+            </a:r>
+            <a:r>
+              <a:rPr lang="en-US" dirty="0" smtClean="0"/>
+              <a:t>generation </a:t>
+            </a:r>
+            <a:r>
+              <a:rPr lang="en-US" dirty="0" smtClean="0"/>
+              <a:t>of DC characterized by “</a:t>
+            </a:r>
+            <a:r>
+              <a:rPr lang="en-US" dirty="0" err="1" smtClean="0"/>
+              <a:t>glueing</a:t>
+            </a:r>
+            <a:r>
+              <a:rPr lang="en-US" dirty="0" smtClean="0"/>
+              <a:t> it” </a:t>
+            </a:r>
+            <a:r>
+              <a:rPr lang="en-US" dirty="0" smtClean="0"/>
+              <a:t>together</a:t>
+            </a:r>
+          </a:p>
+          <a:p>
+            <a:pPr marL="750888" lvl="2" indent="-342900">
+              <a:lnSpc>
+                <a:spcPct val="90000"/>
+              </a:lnSpc>
+              <a:spcBef>
+                <a:spcPts val="1200"/>
+              </a:spcBef>
+              <a:buFont typeface="Lucida Grande"/>
+              <a:buChar char="－"/>
+            </a:pPr>
+            <a:r>
+              <a:rPr lang="en-US" sz="2000" dirty="0" smtClean="0">
+                <a:latin typeface="Arial" charset="0"/>
+                <a:ea typeface="ＭＳ Ｐゴシック" charset="0"/>
+              </a:rPr>
+              <a:t>Many </a:t>
+            </a:r>
+            <a:r>
+              <a:rPr lang="en-US" sz="2000" dirty="0">
+                <a:latin typeface="Arial" charset="0"/>
+                <a:ea typeface="ＭＳ Ｐゴシック" charset="0"/>
+              </a:rPr>
+              <a:t>local solutions, lack of end-to-</a:t>
+            </a:r>
+            <a:r>
+              <a:rPr lang="en-US" sz="2000" dirty="0" smtClean="0">
+                <a:latin typeface="Arial" charset="0"/>
+                <a:ea typeface="ＭＳ Ｐゴシック" charset="0"/>
+              </a:rPr>
+              <a:t>solutions</a:t>
+            </a:r>
+          </a:p>
+          <a:p>
+            <a:pPr marL="635001" lvl="2" indent="-227013">
+              <a:lnSpc>
+                <a:spcPct val="90000"/>
+              </a:lnSpc>
+              <a:spcBef>
+                <a:spcPts val="1200"/>
+              </a:spcBef>
+            </a:pPr>
+            <a:endParaRPr lang="en-US" sz="2000" dirty="0"/>
+          </a:p>
+          <a:p>
+            <a:pPr marL="0" indent="-455612">
+              <a:lnSpc>
+                <a:spcPct val="90000"/>
+              </a:lnSpc>
+            </a:pPr>
+            <a:r>
               <a:rPr lang="en-US" dirty="0" smtClean="0">
                 <a:latin typeface="Arial" charset="0"/>
                 <a:ea typeface="ＭＳ Ｐゴシック" charset="0"/>
-                <a:cs typeface="ＭＳ Ｐゴシック" charset="0"/>
-              </a:rPr>
-              <a:t>Application structure simple, infrastructural requirements difficult</a:t>
-            </a:r>
-          </a:p>
-          <a:p>
-            <a:pPr marL="344488" indent="-342900">
+              </a:rPr>
+              <a:t>We </a:t>
+            </a:r>
+            <a:r>
+              <a:rPr lang="en-US" dirty="0">
+                <a:latin typeface="Arial" charset="0"/>
+                <a:ea typeface="ＭＳ Ｐゴシック" charset="0"/>
+              </a:rPr>
+              <a:t>are still learning how to architect large-scale </a:t>
+            </a:r>
+            <a:r>
+              <a:rPr lang="en-US" dirty="0" smtClean="0">
+                <a:latin typeface="Arial" charset="0"/>
+                <a:ea typeface="ＭＳ Ｐゴシック" charset="0"/>
+              </a:rPr>
+              <a:t>systems</a:t>
+            </a:r>
+          </a:p>
+          <a:p>
+            <a:pPr marL="863600" lvl="2" indent="-455612">
               <a:lnSpc>
                 <a:spcPct val="90000"/>
               </a:lnSpc>
+              <a:buFont typeface="Lucida Grande"/>
+              <a:buChar char="－"/>
+            </a:pPr>
+            <a:r>
+              <a:rPr lang="en-US" sz="2000" dirty="0" smtClean="0"/>
+              <a:t>Scaling </a:t>
+            </a:r>
+            <a:r>
+              <a:rPr lang="en-US" sz="2000" dirty="0"/>
+              <a:t>remains difficult for </a:t>
+            </a:r>
+            <a:r>
+              <a:rPr lang="en-US" sz="2000" i="1" dirty="0"/>
+              <a:t>individual</a:t>
+            </a:r>
+            <a:r>
+              <a:rPr lang="en-US" sz="2000" dirty="0"/>
+              <a:t> scientists </a:t>
+            </a:r>
+            <a:endParaRPr lang="en-US" sz="2000" dirty="0" smtClean="0"/>
+          </a:p>
+          <a:p>
+            <a:pPr marL="1373187" lvl="3" indent="-455612">
+              <a:lnSpc>
+                <a:spcPct val="90000"/>
+              </a:lnSpc>
+              <a:buFont typeface="Arial"/>
+              <a:buChar char="•"/>
+            </a:pPr>
+            <a:r>
+              <a:rPr lang="en-US" sz="2000" dirty="0" smtClean="0"/>
+              <a:t>O</a:t>
+            </a:r>
+            <a:r>
+              <a:rPr lang="en-US" sz="2000" dirty="0"/>
+              <a:t>(10</a:t>
+            </a:r>
+            <a:r>
+              <a:rPr lang="en-US" sz="2000" baseline="30000" dirty="0"/>
+              <a:t>-2</a:t>
+            </a:r>
+            <a:r>
+              <a:rPr lang="en-US" sz="2000" dirty="0"/>
+              <a:t>) can do O(100) </a:t>
+            </a:r>
+            <a:r>
+              <a:rPr lang="en-US" sz="2000" dirty="0" smtClean="0"/>
+              <a:t>tasks of </a:t>
+            </a:r>
+            <a:r>
+              <a:rPr lang="en-US" sz="2000" dirty="0"/>
+              <a:t>O(10GB) over O(10) nodes</a:t>
+            </a:r>
+          </a:p>
+          <a:p>
+            <a:pPr marL="750888" lvl="2" indent="-342900">
+              <a:lnSpc>
+                <a:spcPct val="90000"/>
+              </a:lnSpc>
+              <a:spcBef>
+                <a:spcPts val="1200"/>
+              </a:spcBef>
+              <a:buFont typeface="Lucida Grande"/>
+              <a:buChar char="－"/>
+            </a:pPr>
+            <a:r>
+              <a:rPr lang="en-US" sz="2000" dirty="0" smtClean="0">
+                <a:latin typeface="Arial" charset="0"/>
+                <a:ea typeface="ＭＳ Ｐゴシック" charset="0"/>
+              </a:rPr>
+              <a:t>Macroscopic </a:t>
+            </a:r>
+            <a:r>
+              <a:rPr lang="en-US" sz="2000" dirty="0" err="1">
+                <a:latin typeface="Arial" charset="0"/>
+                <a:ea typeface="ＭＳ Ｐゴシック" charset="0"/>
+              </a:rPr>
+              <a:t>vs</a:t>
+            </a:r>
+            <a:r>
+              <a:rPr lang="en-US" sz="2000" dirty="0">
+                <a:latin typeface="Arial" charset="0"/>
+                <a:ea typeface="ＭＳ Ｐゴシック" charset="0"/>
+              </a:rPr>
+              <a:t> microscopic theory of distributed systems</a:t>
+            </a:r>
+            <a:r>
+              <a:rPr lang="en-US" sz="2000" dirty="0" smtClean="0">
+                <a:latin typeface="Arial" charset="0"/>
+                <a:ea typeface="ＭＳ Ｐゴシック" charset="0"/>
+              </a:rPr>
+              <a:t>!</a:t>
+            </a:r>
+          </a:p>
+          <a:p>
+            <a:pPr marL="750888" lvl="2" indent="-342900">
+              <a:lnSpc>
+                <a:spcPct val="90000"/>
+              </a:lnSpc>
+              <a:spcBef>
+                <a:spcPts val="1200"/>
+              </a:spcBef>
+              <a:buFont typeface="Lucida Grande"/>
+              <a:buChar char="－"/>
+            </a:pPr>
+            <a:endParaRPr lang="en-US" sz="2000" dirty="0"/>
+          </a:p>
+          <a:p>
+            <a:pPr>
+              <a:lnSpc>
+                <a:spcPct val="90000"/>
+              </a:lnSpc>
             </a:pPr>
             <a:r>
               <a:rPr lang="en-US" dirty="0" smtClean="0">
                 <a:latin typeface="Arial" charset="0"/>
                 <a:ea typeface="ＭＳ Ｐゴシック" charset="0"/>
-                <a:cs typeface="ＭＳ Ｐゴシック" charset="0"/>
-              </a:rPr>
-              <a:t>Explains why DCI </a:t>
+              </a:rPr>
+              <a:t>Absence </a:t>
             </a:r>
             <a:r>
               <a:rPr lang="en-US" dirty="0">
                 <a:latin typeface="Arial" charset="0"/>
                 <a:ea typeface="ＭＳ Ｐゴシック" charset="0"/>
-                <a:cs typeface="ＭＳ Ｐゴシック" charset="0"/>
-              </a:rPr>
-              <a:t>software environment is complex and fragile</a:t>
-            </a:r>
-          </a:p>
-          <a:p>
-            <a:pPr lvl="1">
+              </a:rPr>
+              <a:t>of analytical models of applications, infrastructure </a:t>
+            </a:r>
+            <a:endParaRPr lang="en-US" dirty="0">
+              <a:latin typeface="Arial" charset="0"/>
+              <a:ea typeface="ＭＳ Ｐゴシック" charset="0"/>
+            </a:endParaRPr>
+          </a:p>
+          <a:p>
+            <a:pPr marL="750888" lvl="2" indent="-342900">
               <a:lnSpc>
                 <a:spcPct val="90000"/>
               </a:lnSpc>
-            </a:pPr>
+              <a:spcBef>
+                <a:spcPts val="1200"/>
+              </a:spcBef>
+              <a:buFont typeface="Lucida Grande"/>
+              <a:buChar char="－"/>
+            </a:pPr>
+            <a:r>
+              <a:rPr lang="en-US" sz="2000" dirty="0" smtClean="0">
+                <a:latin typeface="Arial" charset="0"/>
+                <a:ea typeface="ＭＳ Ｐゴシック" charset="0"/>
+              </a:rPr>
+              <a:t>Given </a:t>
+            </a:r>
             <a:r>
               <a:rPr lang="en-US" sz="2000" dirty="0">
                 <a:latin typeface="Arial" charset="0"/>
                 <a:ea typeface="ＭＳ Ｐゴシック" charset="0"/>
               </a:rPr>
-              <a:t>Middleware functionality and semantics</a:t>
-            </a:r>
-          </a:p>
-          <a:p>
-            <a:pPr lvl="1">
+              <a:t>a general workload there is an inability to estimate how long a workload will take? And where to execute? </a:t>
+            </a:r>
+            <a:endParaRPr lang="en-US" sz="2000" dirty="0">
+              <a:latin typeface="Arial" charset="0"/>
+              <a:ea typeface="ＭＳ Ｐゴシック" charset="0"/>
+            </a:endParaRPr>
+          </a:p>
+          <a:p>
+            <a:pPr marL="750888" lvl="2" indent="-342900">
               <a:lnSpc>
                 <a:spcPct val="90000"/>
               </a:lnSpc>
-            </a:pPr>
+              <a:spcBef>
+                <a:spcPts val="1200"/>
+              </a:spcBef>
+              <a:buFont typeface="Lucida Grande"/>
+              <a:buChar char="－"/>
+            </a:pPr>
+            <a:r>
+              <a:rPr lang="en-US" sz="2000" dirty="0" smtClean="0">
+                <a:latin typeface="Arial" charset="0"/>
+                <a:ea typeface="ＭＳ Ｐゴシック" charset="0"/>
+              </a:rPr>
+              <a:t>And </a:t>
+            </a:r>
             <a:r>
               <a:rPr lang="en-US" sz="2000" dirty="0">
                 <a:latin typeface="Arial" charset="0"/>
                 <a:ea typeface="ＭＳ Ｐゴシック" charset="0"/>
               </a:rPr>
-              <a:t>Heterogeneous software and system access layers</a:t>
-            </a:r>
-          </a:p>
-          <a:p>
-            <a:pPr lvl="1">
-              <a:lnSpc>
-                <a:spcPct val="90000"/>
-              </a:lnSpc>
-            </a:pPr>
-            <a:r>
-              <a:rPr lang="en-US" sz="2000" dirty="0">
+              <a:t>we do not know how wrong we are</a:t>
+            </a:r>
+            <a:r>
+              <a:rPr lang="en-US" sz="2000" dirty="0" smtClean="0">
                 <a:latin typeface="Arial" charset="0"/>
                 <a:ea typeface="ＭＳ Ｐゴシック" charset="0"/>
               </a:rPr>
-              <a:t>Difficult to integrate services and extend tools</a:t>
-            </a:r>
-          </a:p>
-          <a:p>
-            <a:r>
-              <a:rPr lang="en-US" dirty="0" smtClean="0"/>
-              <a:t>….</a:t>
-            </a:r>
-          </a:p>
-          <a:p>
-            <a:r>
-              <a:rPr lang="en-US" dirty="0" smtClean="0"/>
-              <a:t>…</a:t>
-            </a:r>
-          </a:p>
-          <a:p>
-            <a:r>
-              <a:rPr lang="en-US" dirty="0" smtClean="0"/>
-              <a:t>Therefore a distinct role for middleware </a:t>
-            </a:r>
-          </a:p>
-          <a:p>
-            <a:pPr lvl="1"/>
-            <a:endParaRPr lang="en-US" dirty="0"/>
+              <a:t>!</a:t>
+            </a:r>
           </a:p>
         </p:txBody>
       </p:sp>
     </p:spTree>
     <p:extLst>
       <p:ext uri="{BB962C8B-B14F-4D97-AF65-F5344CB8AC3E}">
-        <p14:creationId xmlns:p14="http://schemas.microsoft.com/office/powerpoint/2010/main" val="4083160493"/>
+        <p14:creationId xmlns:p14="http://schemas.microsoft.com/office/powerpoint/2010/main" val="864120314"/>
       </p:ext>
     </p:extLst>
   </p:cSld>
   <p:clrMapOvr>
     <a:masterClrMapping/>
   </p:clrMapOvr>
+  <p:transition xmlns:p14="http://schemas.microsoft.com/office/powerpoint/2010/main" spd="slow">
+    <p:cut/>
+  </p:transition>
+  <p:timing>
+    <p:tnLst>
+      <p:par>
+        <p:cTn xmlns:p14="http://schemas.microsoft.com/office/powerpoint/2010/main" id="1" dur="indefinite" restart="never" nodeType="tmRoot"/>
+      </p:par>
+    </p:tnLst>
+  </p:timing>
 </p:sld>
 </file>
 
@@ -7324,8 +7717,32 @@
               </a:spcAft>
             </a:pPr>
             <a:r>
-              <a:rPr lang="en-US" dirty="0" smtClean="0"/>
-              <a:t>Applications</a:t>
+              <a:rPr lang="en" sz="2200" dirty="0" smtClean="0"/>
+              <a:t>Support </a:t>
+            </a:r>
+            <a:r>
+              <a:rPr lang="en-US" sz="2200" dirty="0" smtClean="0"/>
+              <a:t>novel and </a:t>
+            </a:r>
+            <a:r>
+              <a:rPr lang="en" sz="2200" dirty="0" smtClean="0"/>
+              <a:t>broad </a:t>
+            </a:r>
+            <a:r>
+              <a:rPr lang="en" sz="2200" dirty="0" smtClean="0"/>
+              <a:t>range of </a:t>
+            </a:r>
+            <a:r>
+              <a:rPr lang="en-US" sz="2200" dirty="0"/>
+              <a:t>a</a:t>
+            </a:r>
+            <a:r>
+              <a:rPr lang="en-US" sz="2200" dirty="0" smtClean="0"/>
+              <a:t>pplication </a:t>
+            </a:r>
+            <a:r>
+              <a:rPr lang="en-US" sz="2200" dirty="0" smtClean="0"/>
+              <a:t>requirements</a:t>
             </a:r>
           </a:p>
           <a:p>
@@ -7338,44 +7755,25 @@
               </a:spcAft>
             </a:pPr>
             <a:r>
-              <a:rPr lang="en" sz="2000" dirty="0" smtClean="0"/>
-              <a:t>Support a broad range of </a:t>
-            </a:r>
-            <a:r>
-              <a:rPr lang="en-US" sz="2000" dirty="0" smtClean="0"/>
-              <a:t>Application requirements</a:t>
-            </a:r>
-          </a:p>
-          <a:p>
-            <a:pPr marL="1320800" lvl="2" indent="-381000">
-              <a:lnSpc>
-                <a:spcPct val="80000"/>
-              </a:lnSpc>
-              <a:spcAft>
-                <a:spcPts val="1000"/>
-              </a:spcAft>
-            </a:pPr>
-            <a:r>
-              <a:rPr lang="en" sz="2000" dirty="0" smtClean="0"/>
-              <a:t>e.g. </a:t>
-            </a:r>
-            <a:r>
               <a:rPr lang="en-US" sz="2000" dirty="0" smtClean="0"/>
               <a:t>L</a:t>
             </a:r>
             <a:r>
               <a:rPr lang="en" sz="2000" dirty="0" smtClean="0"/>
-              <a:t>arge-scale simulations, big-data repositories,  real-time computing</a:t>
+              <a:t>arge-scale simulations</a:t>
             </a:r>
             <a:r>
               <a:rPr lang="en-US" sz="2000" dirty="0" smtClean="0"/>
-              <a:t>, </a:t>
+              <a:t>  integrated with </a:t>
             </a:r>
             <a:r>
               <a:rPr lang="en" sz="2000" dirty="0" smtClean="0"/>
-              <a:t> scientific experiments at global scale</a:t>
-            </a:r>
-            <a:endParaRPr lang="en-US" sz="2000" dirty="0" smtClean="0"/>
+              <a:t>big-data </a:t>
+            </a:r>
+            <a:r>
+              <a:rPr lang="en-US" sz="2000" dirty="0" smtClean="0"/>
+              <a:t>analysis (ATLAS, HEP)</a:t>
+            </a:r>
           </a:p>
           <a:p>
             <a:pPr marL="912812" lvl="1" indent="-381000">
@@ -7388,11 +7786,44 @@
             </a:pPr>
             <a:r>
               <a:rPr lang="en-US" sz="2000" dirty="0" smtClean="0"/>
-              <a:t>Novel application classes: Adaptive Applications</a:t>
-            </a:r>
-          </a:p>
-          <a:p>
-            <a:pPr marL="1320800" lvl="2" indent="-381000">
+              <a:t>R</a:t>
+            </a:r>
+            <a:r>
+              <a:rPr lang="en" sz="2000" dirty="0" smtClean="0"/>
+              <a:t>eal-time computing</a:t>
+            </a:r>
+            <a:r>
+              <a:rPr lang="en-US" sz="2000" dirty="0"/>
+              <a:t> </a:t>
+            </a:r>
+            <a:r>
+              <a:rPr lang="en-US" sz="2000" dirty="0" smtClean="0"/>
+              <a:t>coupled with </a:t>
+            </a:r>
+            <a:r>
+              <a:rPr lang="en-US" sz="2000" dirty="0" smtClean="0"/>
+              <a:t>distributed data from </a:t>
+            </a:r>
+            <a:r>
+              <a:rPr lang="en" sz="2000" dirty="0" smtClean="0"/>
+              <a:t> </a:t>
+            </a:r>
+            <a:r>
+              <a:rPr lang="en" sz="2000" dirty="0" smtClean="0"/>
+              <a:t>scientific experiments at global </a:t>
+            </a:r>
+            <a:r>
+              <a:rPr lang="en" sz="2000" dirty="0" smtClean="0"/>
+              <a:t>scale</a:t>
+            </a:r>
+            <a:r>
+              <a:rPr lang="en-US" sz="2000" dirty="0" smtClean="0"/>
+              <a:t> (LSST, SKA)</a:t>
+            </a:r>
+            <a:endParaRPr lang="en-US" sz="2000" dirty="0"/>
+          </a:p>
+          <a:p>
+            <a:pPr marL="912812" lvl="1" indent="-381000">
               <a:lnSpc>
                 <a:spcPct val="80000"/>
               </a:lnSpc>
@@ -7401,14 +7832,42 @@
               </a:spcAft>
             </a:pPr>
             <a:r>
-              <a:rPr lang="en-US" sz="2000" dirty="0"/>
-              <a:t>Manage transition from static to adaptive </a:t>
-            </a:r>
-            <a:r>
               <a:rPr lang="en-US" sz="2000" dirty="0" smtClean="0"/>
-              <a:t>applications</a:t>
-            </a:r>
-            <a:endParaRPr lang="en-US" sz="2000" dirty="0"/>
+              <a:t>Move away from static </a:t>
+            </a:r>
+            <a:r>
+              <a:rPr lang="en-US" sz="2000" dirty="0" smtClean="0"/>
+              <a:t>formulation to </a:t>
+            </a:r>
+            <a:r>
+              <a:rPr lang="en-US" sz="2000" dirty="0" smtClean="0"/>
+              <a:t>adaptive applications</a:t>
+            </a:r>
+            <a:endParaRPr lang="en-US" sz="2000" dirty="0" smtClean="0"/>
+          </a:p>
+          <a:p>
+            <a:pPr>
+              <a:lnSpc>
+                <a:spcPct val="90000"/>
+              </a:lnSpc>
+            </a:pPr>
+            <a:r>
+              <a:rPr lang="en-US" sz="2200" dirty="0" smtClean="0"/>
+              <a:t>Federate</a:t>
+            </a:r>
+            <a:r>
+              <a:rPr lang="en" sz="2200" dirty="0" smtClean="0"/>
+              <a:t> </a:t>
+            </a:r>
+            <a:r>
+              <a:rPr lang="en" sz="2200" dirty="0"/>
+              <a:t>diversified set of </a:t>
+            </a:r>
+            <a:r>
+              <a:rPr lang="en" sz="2200" dirty="0" smtClean="0"/>
+              <a:t>resources</a:t>
+            </a:r>
+            <a:endParaRPr lang="en-US" sz="2200" dirty="0" smtClean="0"/>
           </a:p>
           <a:p>
             <a:pPr lvl="1">
@@ -7417,21 +7876,23 @@
               </a:lnSpc>
             </a:pPr>
             <a:r>
-              <a:rPr lang="en" sz="2000" dirty="0" smtClean="0"/>
-              <a:t>When </a:t>
-            </a:r>
-            <a:r>
-              <a:rPr lang="en" sz="2000" dirty="0"/>
-              <a:t>and how to distribute</a:t>
+              <a:rPr lang="en-US" sz="2000" dirty="0" smtClean="0"/>
+              <a:t>Manage </a:t>
             </a:r>
             <a:r>
               <a:rPr lang="en-US" sz="2000" dirty="0"/>
-              <a:t>? What and where to distribute</a:t>
-            </a:r>
-            <a:r>
-              <a:rPr lang="en-US" sz="2000" dirty="0" smtClean="0"/>
-              <a:t>?</a:t>
-            </a:r>
+              <a:t>complexity and heterogeneity of infrastructure </a:t>
+            </a:r>
+            <a:endParaRPr lang="en-US" sz="2000" dirty="0" smtClean="0"/>
+          </a:p>
+          <a:p>
+            <a:pPr marL="914400" lvl="2" indent="0">
+              <a:lnSpc>
+                <a:spcPct val="90000"/>
+              </a:lnSpc>
+              <a:buNone/>
+            </a:pPr>
+            <a:endParaRPr lang="en-US" sz="2000" dirty="0" smtClean="0"/>
           </a:p>
           <a:p>
             <a:pPr>
@@ -7440,8 +7901,8 @@
               </a:lnSpc>
             </a:pPr>
             <a:r>
-              <a:rPr lang="en-US" dirty="0" smtClean="0"/>
-              <a:t>Infrastructure</a:t>
+              <a:rPr lang="en-US" sz="2200" dirty="0" smtClean="0"/>
+              <a:t>Co-Design and Execution: Multi-level and Integrated</a:t>
             </a:r>
           </a:p>
           <a:p>
@@ -7452,19 +7913,42 @@
             </a:pPr>
             <a:r>
               <a:rPr lang="en-US" sz="2000" dirty="0" smtClean="0"/>
-              <a:t>Federate</a:t>
+              <a:t>“</a:t>
+            </a:r>
+            <a:r>
+              <a:rPr lang="en-US" sz="2000" dirty="0"/>
+              <a:t>Balanced” </a:t>
+            </a:r>
+            <a:r>
+              <a:rPr lang="en-US" sz="2000" dirty="0" smtClean="0"/>
+              <a:t>infrastructure that supports scaling </a:t>
+            </a:r>
+            <a:r>
+              <a:rPr lang="en-US" sz="2000" dirty="0"/>
+              <a:t>along all dimensions</a:t>
+            </a:r>
+          </a:p>
+          <a:p>
+            <a:pPr lvl="2">
+              <a:lnSpc>
+                <a:spcPct val="90000"/>
+              </a:lnSpc>
+            </a:pPr>
+            <a:r>
+              <a:rPr lang="en-US" sz="2000" dirty="0" smtClean="0"/>
+              <a:t> </a:t>
             </a:r>
             <a:r>
               <a:rPr lang="en" sz="2000" dirty="0" smtClean="0"/>
-              <a:t> </a:t>
+              <a:t>Scaling-up</a:t>
             </a:r>
             <a:r>
               <a:rPr lang="en" sz="2000" dirty="0"/>
-              <a:t>diversified set of </a:t>
+              <a:t>, Scaling-out, </a:t>
             </a:r>
             <a:r>
               <a:rPr lang="en" sz="2000" dirty="0" smtClean="0"/>
-              <a:t>resources</a:t>
+              <a:t>Scaling-across</a:t>
             </a:r>
             <a:endParaRPr lang="en-US" sz="2000" dirty="0" smtClean="0"/>
           </a:p>
@@ -7475,122 +7959,17 @@
               </a:lnSpc>
             </a:pPr>
             <a:r>
-              <a:rPr lang="en-US" sz="2000" dirty="0" smtClean="0"/>
-              <a:t>Implementation Challenges</a:t>
-            </a:r>
-          </a:p>
-          <a:p>
-            <a:pPr lvl="2">
-              <a:lnSpc>
-                <a:spcPct val="90000"/>
-              </a:lnSpc>
-            </a:pPr>
-            <a:r>
-              <a:rPr lang="en-US" sz="2000" dirty="0" smtClean="0"/>
-              <a:t>Manage </a:t>
+              <a:rPr lang="en" sz="2000" dirty="0" smtClean="0"/>
+              <a:t>When </a:t>
+            </a:r>
+            <a:r>
+              <a:rPr lang="en" sz="2000" dirty="0"/>
+              <a:t>and how to distribute</a:t>
             </a:r>
             <a:r>
               <a:rPr lang="en-US" sz="2000" dirty="0"/>
-              <a:t>complexity and heterogeneity of infrastructure </a:t>
-            </a:r>
-            <a:endParaRPr lang="en-US" sz="2000" dirty="0" smtClean="0"/>
-          </a:p>
-          <a:p>
-            <a:pPr lvl="1">
-              <a:lnSpc>
-                <a:spcPct val="90000"/>
-              </a:lnSpc>
-            </a:pPr>
-            <a:r>
-              <a:rPr lang="en-US" sz="2000" dirty="0" smtClean="0"/>
-              <a:t>Multi</a:t>
-            </a:r>
-            <a:r>
-              <a:rPr lang="en-US" sz="2000" dirty="0"/>
-              <a:t>-level: S</a:t>
-            </a:r>
-            <a:r>
-              <a:rPr lang="en-US" sz="2000" dirty="0" smtClean="0"/>
-              <a:t>upport </a:t>
-            </a:r>
-            <a:r>
-              <a:rPr lang="en-US" sz="2000" dirty="0"/>
-              <a:t>for scaling along all </a:t>
-            </a:r>
-            <a:r>
-              <a:rPr lang="en-US" sz="2000" dirty="0" smtClean="0"/>
-              <a:t>dimensions</a:t>
-            </a:r>
-          </a:p>
-          <a:p>
-            <a:pPr lvl="2">
-              <a:lnSpc>
-                <a:spcPct val="90000"/>
-              </a:lnSpc>
-            </a:pPr>
-            <a:r>
-              <a:rPr lang="en" sz="2000" dirty="0" smtClean="0"/>
-              <a:t>Scaling-up</a:t>
-            </a:r>
-            <a:r>
-              <a:rPr lang="en" sz="2000" dirty="0"/>
-              <a:t>, Scaling-out, </a:t>
-            </a:r>
-            <a:r>
-              <a:rPr lang="en" sz="2000" dirty="0" smtClean="0"/>
-              <a:t>Scaling-across</a:t>
-            </a:r>
-            <a:endParaRPr lang="en-US" sz="2000" dirty="0" smtClean="0"/>
-          </a:p>
-          <a:p>
-            <a:pPr lvl="2">
-              <a:lnSpc>
-                <a:spcPct val="90000"/>
-              </a:lnSpc>
-            </a:pPr>
-            <a:r>
-              <a:rPr lang="en-US" sz="2000" dirty="0" smtClean="0"/>
-              <a:t>“Balanced” Infrastructure</a:t>
-            </a:r>
-            <a:endParaRPr lang="en-US" sz="2000" dirty="0"/>
-          </a:p>
-          <a:p>
-            <a:pPr marL="457200" lvl="1" indent="0">
-              <a:lnSpc>
-                <a:spcPct val="90000"/>
-              </a:lnSpc>
-              <a:buNone/>
-            </a:pPr>
-            <a:endParaRPr lang="en-US" sz="2000" dirty="0"/>
-          </a:p>
-          <a:p>
-            <a:pPr>
-              <a:lnSpc>
-                <a:spcPct val="90000"/>
-              </a:lnSpc>
-            </a:pPr>
-            <a:endParaRPr lang="en-US" dirty="0"/>
-          </a:p>
-          <a:p>
-            <a:pPr marL="457200" lvl="1" indent="0">
-              <a:lnSpc>
-                <a:spcPct val="90000"/>
-              </a:lnSpc>
-              <a:buNone/>
-            </a:pPr>
-            <a:endParaRPr lang="en-US" sz="2000" dirty="0" smtClean="0"/>
-          </a:p>
-          <a:p>
-            <a:pPr marL="906462" lvl="1" indent="-381000">
-              <a:buSzPct val="80000"/>
-            </a:pPr>
-            <a:endParaRPr lang="en-US" sz="2000" dirty="0" smtClean="0"/>
-          </a:p>
-          <a:p>
-            <a:pPr marL="525462" lvl="1" indent="0">
-              <a:buSzPct val="80000"/>
-              <a:buNone/>
-            </a:pPr>
+              <a:t>? What and where to distribute?</a:t>
+            </a:r>
             <a:endParaRPr lang="en-US" sz="2000" dirty="0"/>
           </a:p>
         </p:txBody>
@@ -7616,7 +7995,7 @@
   <p:cSld>
     <p:spTree>
       <p:nvGrpSpPr>
-        <p:cNvPr id="1" name="Shape 28"/>
+        <p:cNvPr id="1" name=""/>
         <p:cNvGrpSpPr/>
         <p:nvPr/>
       </p:nvGrpSpPr>
@@ -7630,320 +8009,398 @@
       </p:grpSpPr>
       <p:sp>
         <p:nvSpPr>
-          <p:cNvPr id="29" name="Shape 29"/>
-          <p:cNvSpPr txBox="1">
+          <p:cNvPr id="2" name="Title 1"/>
+          <p:cNvSpPr>
             <a:spLocks noGrp="1"/>
           </p:cNvSpPr>
           <p:nvPr>
             <p:ph type="title"/>
           </p:nvPr>
         </p:nvSpPr>
-        <p:spPr>
-          <a:prstGeom prst="rect">
-            <a:avLst/>
-          </a:prstGeom>
-        </p:spPr>
+        <p:spPr/>
         <p:txBody>
-          <a:bodyPr lIns="91425" tIns="91425" rIns="91425" bIns="91425" anchor="t" anchorCtr="0">
-            <a:noAutofit/>
-          </a:bodyPr>
+          <a:bodyPr/>
           <a:lstStyle/>
           <a:p>
-            <a:pPr algn="just"/>
-            <a:r>
-              <a:rPr lang="en" dirty="0" smtClean="0"/>
-              <a:t>Distributed </a:t>
-            </a:r>
-            <a:r>
-              <a:rPr lang="en" dirty="0"/>
-              <a:t>Computing </a:t>
-            </a:r>
-            <a:r>
-              <a:rPr lang="en-US" dirty="0" smtClean="0"/>
-              <a:t>in </a:t>
-            </a:r>
-            <a:r>
-              <a:rPr lang="en" dirty="0" smtClean="0"/>
-              <a:t>2013</a:t>
-            </a:r>
-            <a:endParaRPr lang="en" dirty="0"/>
+            <a:r>
+              <a:rPr lang="en-US" dirty="0" smtClean="0"/>
+              <a:t>DEC </a:t>
+            </a:r>
+            <a:r>
+              <a:rPr lang="en-US" dirty="0" err="1" smtClean="0"/>
+              <a:t>vs</a:t>
+            </a:r>
+            <a:r>
+              <a:rPr lang="en-US" dirty="0" smtClean="0"/>
+              <a:t> Traditional EC</a:t>
+            </a:r>
+            <a:endParaRPr lang="en-US" dirty="0"/>
           </a:p>
         </p:txBody>
       </p:sp>
       <p:sp>
         <p:nvSpPr>
-          <p:cNvPr id="30" name="Shape 30"/>
-          <p:cNvSpPr txBox="1">
+          <p:cNvPr id="3" name="Content Placeholder 2"/>
+          <p:cNvSpPr>
             <a:spLocks noGrp="1"/>
           </p:cNvSpPr>
           <p:nvPr>
-            <p:ph idx="4294967295"/>
+            <p:ph idx="1"/>
           </p:nvPr>
         </p:nvSpPr>
-        <p:spPr>
-          <a:xfrm>
-            <a:off x="407988" y="808038"/>
-            <a:ext cx="8348328" cy="5268912"/>
-          </a:xfrm>
-          <a:prstGeom prst="rect">
-            <a:avLst/>
-          </a:prstGeom>
-        </p:spPr>
+        <p:spPr/>
         <p:txBody>
-          <a:bodyPr lIns="91425" tIns="91425" rIns="91425" bIns="91425" anchor="t" anchorCtr="0">
-            <a:noAutofit/>
-          </a:bodyPr>
+          <a:bodyPr/>
           <a:lstStyle/>
           <a:p>
-            <a:pPr marL="227013" lvl="1" indent="-227013">
+            <a:pPr marL="344488" indent="-342900">
               <a:lnSpc>
                 <a:spcPct val="90000"/>
               </a:lnSpc>
-              <a:spcBef>
-                <a:spcPts val="1200"/>
-              </a:spcBef>
-            </a:pPr>
-            <a:r>
-              <a:rPr lang="en-US" sz="2000" dirty="0" smtClean="0"/>
-              <a:t>First Generation of DC characterized by “</a:t>
-            </a:r>
-            <a:r>
-              <a:rPr lang="en-US" sz="2000" dirty="0" err="1" smtClean="0"/>
-              <a:t>glueing</a:t>
-            </a:r>
-            <a:r>
-              <a:rPr lang="en-US" sz="2000" dirty="0" smtClean="0"/>
-              <a:t> it” together</a:t>
-            </a:r>
-          </a:p>
-          <a:p>
-            <a:pPr marL="227013" lvl="1" indent="-227013">
+            </a:pPr>
+            <a:r>
+              <a:rPr lang="en-US" dirty="0">
+                <a:latin typeface="Arial" charset="0"/>
+                <a:ea typeface="ＭＳ Ｐゴシック" charset="0"/>
+                <a:cs typeface="ＭＳ Ｐゴシック" charset="0"/>
+              </a:rPr>
+              <a:t>There are </a:t>
+            </a:r>
+            <a:r>
+              <a:rPr lang="en-US" dirty="0" smtClean="0">
+                <a:latin typeface="Arial" charset="0"/>
+                <a:ea typeface="ＭＳ Ｐゴシック" charset="0"/>
+                <a:cs typeface="ＭＳ Ｐゴシック" charset="0"/>
+              </a:rPr>
+              <a:t>many application types </a:t>
+            </a:r>
+            <a:r>
+              <a:rPr lang="en-US" dirty="0">
+                <a:latin typeface="Arial" charset="0"/>
+                <a:ea typeface="ＭＳ Ｐゴシック" charset="0"/>
+                <a:cs typeface="ＭＳ Ｐゴシック" charset="0"/>
+              </a:rPr>
+              <a:t>as opposed to a </a:t>
+            </a:r>
+            <a:r>
+              <a:rPr lang="en-US" dirty="0" smtClean="0">
+                <a:latin typeface="Arial" charset="0"/>
+                <a:ea typeface="ＭＳ Ｐゴシック" charset="0"/>
+                <a:cs typeface="ＭＳ Ｐゴシック" charset="0"/>
+              </a:rPr>
+              <a:t>set </a:t>
+            </a:r>
+            <a:r>
+              <a:rPr lang="en-US" dirty="0">
+                <a:latin typeface="Arial" charset="0"/>
+                <a:ea typeface="ＭＳ Ｐゴシック" charset="0"/>
+                <a:cs typeface="ＭＳ Ｐゴシック" charset="0"/>
+              </a:rPr>
+              <a:t>of kernels that </a:t>
+            </a:r>
+            <a:r>
+              <a:rPr lang="en-US" dirty="0" smtClean="0">
+                <a:latin typeface="Arial" charset="0"/>
+                <a:ea typeface="ＭＳ Ｐゴシック" charset="0"/>
+                <a:cs typeface="ＭＳ Ｐゴシック" charset="0"/>
+              </a:rPr>
+              <a:t>need to optimized </a:t>
+            </a:r>
+          </a:p>
+          <a:p>
+            <a:pPr marL="800100" lvl="1" indent="-342900">
               <a:lnSpc>
                 <a:spcPct val="90000"/>
               </a:lnSpc>
-              <a:spcBef>
-                <a:spcPts val="1200"/>
-              </a:spcBef>
+            </a:pPr>
+            <a:r>
+              <a:rPr lang="en-US" dirty="0" smtClean="0">
+                <a:latin typeface="Arial" charset="0"/>
+                <a:ea typeface="ＭＳ Ｐゴシック" charset="0"/>
+                <a:cs typeface="ＭＳ Ｐゴシック" charset="0"/>
+              </a:rPr>
+              <a:t>Metrics of performance is varied</a:t>
+            </a:r>
+          </a:p>
+          <a:p>
+            <a:pPr marL="800100" lvl="1" indent="-342900">
+              <a:lnSpc>
+                <a:spcPct val="90000"/>
+              </a:lnSpc>
+            </a:pPr>
+            <a:r>
+              <a:rPr lang="en-US" dirty="0" smtClean="0">
+                <a:latin typeface="Arial" charset="0"/>
+                <a:ea typeface="ＭＳ Ｐゴシック" charset="0"/>
+                <a:cs typeface="ＭＳ Ｐゴシック" charset="0"/>
+              </a:rPr>
+              <a:t>Composed of heterogeneous services</a:t>
+            </a:r>
+          </a:p>
+          <a:p>
+            <a:pPr marL="344488" indent="-342900">
+              <a:lnSpc>
+                <a:spcPct val="90000"/>
+              </a:lnSpc>
+            </a:pPr>
+            <a:r>
+              <a:rPr lang="en-US" dirty="0" smtClean="0">
+                <a:latin typeface="Arial" charset="0"/>
+                <a:ea typeface="ＭＳ Ｐゴシック" charset="0"/>
+                <a:cs typeface="ＭＳ Ｐゴシック" charset="0"/>
+              </a:rPr>
+              <a:t>In general </a:t>
+            </a:r>
+            <a:r>
+              <a:rPr lang="en-US" dirty="0" smtClean="0">
+                <a:latin typeface="Arial" charset="0"/>
+                <a:ea typeface="ＭＳ Ｐゴシック" charset="0"/>
+                <a:cs typeface="ＭＳ Ｐゴシック" charset="0"/>
+              </a:rPr>
+              <a:t>application </a:t>
+            </a:r>
+            <a:r>
+              <a:rPr lang="en-US" dirty="0" smtClean="0">
+                <a:latin typeface="Arial" charset="0"/>
+                <a:ea typeface="ＭＳ Ｐゴシック" charset="0"/>
+                <a:cs typeface="ＭＳ Ｐゴシック" charset="0"/>
+              </a:rPr>
+              <a:t>structure </a:t>
+            </a:r>
+            <a:r>
+              <a:rPr lang="en-US" dirty="0" smtClean="0">
+                <a:latin typeface="Arial" charset="0"/>
+                <a:ea typeface="ＭＳ Ｐゴシック" charset="0"/>
+                <a:cs typeface="ＭＳ Ｐゴシック" charset="0"/>
+              </a:rPr>
+              <a:t>simple but </a:t>
+            </a:r>
+            <a:r>
+              <a:rPr lang="en-US" dirty="0" smtClean="0">
+                <a:latin typeface="Arial" charset="0"/>
+                <a:ea typeface="ＭＳ Ｐゴシック" charset="0"/>
+                <a:cs typeface="ＭＳ Ｐゴシック" charset="0"/>
+              </a:rPr>
+              <a:t>infrastructural requirements </a:t>
+            </a:r>
+            <a:r>
+              <a:rPr lang="en-US" dirty="0" smtClean="0">
+                <a:latin typeface="Arial" charset="0"/>
+                <a:ea typeface="ＭＳ Ｐゴシック" charset="0"/>
+                <a:cs typeface="ＭＳ Ｐゴシック" charset="0"/>
+              </a:rPr>
+              <a:t>difficult</a:t>
+            </a:r>
+          </a:p>
+          <a:p>
+            <a:pPr marL="800100" lvl="1" indent="-342900">
+              <a:lnSpc>
+                <a:spcPct val="90000"/>
+              </a:lnSpc>
+            </a:pPr>
+            <a:r>
+              <a:rPr lang="en-US" dirty="0" smtClean="0">
+                <a:latin typeface="Arial" charset="0"/>
+                <a:ea typeface="ＭＳ Ｐゴシック" charset="0"/>
+                <a:cs typeface="ＭＳ Ｐゴシック" charset="0"/>
+              </a:rPr>
+              <a:t>Task-level composition and coordination is important and varied</a:t>
+            </a:r>
+            <a:endParaRPr lang="en-US" dirty="0" smtClean="0">
+              <a:latin typeface="Arial" charset="0"/>
+              <a:ea typeface="ＭＳ Ｐゴシック" charset="0"/>
+              <a:cs typeface="ＭＳ Ｐゴシック" charset="0"/>
+            </a:endParaRPr>
+          </a:p>
+          <a:p>
+            <a:pPr marL="800100" lvl="1" indent="-342900">
+              <a:lnSpc>
+                <a:spcPct val="90000"/>
+              </a:lnSpc>
+            </a:pPr>
+            <a:r>
+              <a:rPr lang="en-US" dirty="0" smtClean="0">
+                <a:latin typeface="Arial" charset="0"/>
+                <a:ea typeface="ＭＳ Ｐゴシック" charset="0"/>
+                <a:cs typeface="ＭＳ Ｐゴシック" charset="0"/>
+              </a:rPr>
+              <a:t>External data infrastructure, repositories</a:t>
+            </a:r>
+          </a:p>
+          <a:p>
+            <a:pPr marL="344488" indent="-342900">
+              <a:lnSpc>
+                <a:spcPct val="90000"/>
+              </a:lnSpc>
+            </a:pPr>
+            <a:r>
+              <a:rPr lang="en-US" dirty="0" smtClean="0">
+                <a:latin typeface="Arial" charset="0"/>
+                <a:ea typeface="ＭＳ Ｐゴシック" charset="0"/>
+                <a:cs typeface="ＭＳ Ｐゴシック" charset="0"/>
+              </a:rPr>
+              <a:t>Design point is to support </a:t>
+            </a:r>
+            <a:r>
+              <a:rPr lang="en-US" dirty="0" err="1" smtClean="0">
+                <a:latin typeface="Arial" charset="0"/>
+                <a:ea typeface="ＭＳ Ｐゴシック" charset="0"/>
+                <a:cs typeface="ＭＳ Ｐゴシック" charset="0"/>
+              </a:rPr>
+              <a:t>exascale</a:t>
+            </a:r>
+            <a:r>
+              <a:rPr lang="en-US" dirty="0" smtClean="0">
+                <a:latin typeface="Arial" charset="0"/>
+                <a:ea typeface="ＭＳ Ｐゴシック" charset="0"/>
+                <a:cs typeface="ＭＳ Ｐゴシック" charset="0"/>
+              </a:rPr>
+              <a:t> collectively for </a:t>
+            </a:r>
+            <a:r>
+              <a:rPr lang="en-US" dirty="0" smtClean="0">
+                <a:latin typeface="Arial" charset="0"/>
+                <a:ea typeface="ＭＳ Ｐゴシック" charset="0"/>
+                <a:cs typeface="ＭＳ Ｐゴシック" charset="0"/>
+              </a:rPr>
+              <a:t>many scalable applications </a:t>
+            </a:r>
+            <a:r>
+              <a:rPr lang="en-US" dirty="0" smtClean="0">
+                <a:latin typeface="Arial" charset="0"/>
+                <a:ea typeface="ＭＳ Ｐゴシック" charset="0"/>
+                <a:cs typeface="ＭＳ Ｐゴシック" charset="0"/>
+              </a:rPr>
+              <a:t>on “</a:t>
+            </a:r>
+            <a:r>
+              <a:rPr lang="en-US" dirty="0" smtClean="0">
+                <a:latin typeface="Arial" charset="0"/>
+                <a:ea typeface="ＭＳ Ｐゴシック" charset="0"/>
+                <a:cs typeface="ＭＳ Ｐゴシック" charset="0"/>
+              </a:rPr>
+              <a:t>production” infrastructure</a:t>
+            </a:r>
+          </a:p>
+          <a:p>
+            <a:pPr marL="800100" lvl="1" indent="-342900">
+              <a:lnSpc>
+                <a:spcPct val="90000"/>
+              </a:lnSpc>
+            </a:pPr>
+            <a:r>
+              <a:rPr lang="en-US" dirty="0" smtClean="0">
+                <a:latin typeface="Arial" charset="0"/>
+                <a:ea typeface="ＭＳ Ｐゴシック" charset="0"/>
+                <a:cs typeface="ＭＳ Ｐゴシック" charset="0"/>
+              </a:rPr>
+              <a:t>Community (HEP) applications, essentially similar</a:t>
+            </a:r>
+            <a:endParaRPr lang="en-US" dirty="0" smtClean="0">
+              <a:latin typeface="Arial" charset="0"/>
+              <a:ea typeface="ＭＳ Ｐゴシック" charset="0"/>
+              <a:cs typeface="ＭＳ Ｐゴシック" charset="0"/>
+            </a:endParaRPr>
+          </a:p>
+          <a:p>
+            <a:pPr marL="344488" indent="-342900">
+              <a:lnSpc>
+                <a:spcPct val="90000"/>
+              </a:lnSpc>
+            </a:pPr>
+            <a:r>
+              <a:rPr lang="en-US" dirty="0" smtClean="0">
+                <a:latin typeface="Arial" charset="0"/>
+                <a:ea typeface="ＭＳ Ｐゴシック" charset="0"/>
+                <a:cs typeface="ＭＳ Ｐゴシック" charset="0"/>
+              </a:rPr>
+              <a:t>Explains </a:t>
+            </a:r>
+            <a:r>
+              <a:rPr lang="en-US" dirty="0" smtClean="0">
+                <a:latin typeface="Arial" charset="0"/>
+                <a:ea typeface="ＭＳ Ｐゴシック" charset="0"/>
+                <a:cs typeface="ＭＳ Ｐゴシック" charset="0"/>
+              </a:rPr>
+              <a:t>why DCI </a:t>
+            </a:r>
+            <a:r>
+              <a:rPr lang="en-US" dirty="0">
+                <a:latin typeface="Arial" charset="0"/>
+                <a:ea typeface="ＭＳ Ｐゴシック" charset="0"/>
+                <a:cs typeface="ＭＳ Ｐゴシック" charset="0"/>
+              </a:rPr>
+              <a:t>software environment </a:t>
+            </a:r>
+            <a:r>
+              <a:rPr lang="en-US" dirty="0" smtClean="0">
+                <a:latin typeface="Arial" charset="0"/>
+                <a:ea typeface="ＭＳ Ｐゴシック" charset="0"/>
+                <a:cs typeface="ＭＳ Ｐゴシック" charset="0"/>
+              </a:rPr>
+              <a:t>(middleware) is complex</a:t>
+            </a:r>
+            <a:endParaRPr lang="en-US" dirty="0">
+              <a:latin typeface="Arial" charset="0"/>
+              <a:ea typeface="ＭＳ Ｐゴシック" charset="0"/>
+              <a:cs typeface="ＭＳ Ｐゴシック" charset="0"/>
+            </a:endParaRPr>
+          </a:p>
+          <a:p>
+            <a:pPr lvl="1">
+              <a:lnSpc>
+                <a:spcPct val="90000"/>
+              </a:lnSpc>
             </a:pPr>
             <a:r>
               <a:rPr lang="en-US" sz="2000" dirty="0" smtClean="0">
                 <a:latin typeface="Arial" charset="0"/>
                 <a:ea typeface="ＭＳ Ｐゴシック" charset="0"/>
               </a:rPr>
-              <a:t>Many </a:t>
+              <a:t>Heterogeneous </a:t>
             </a:r>
             <a:r>
               <a:rPr lang="en-US" sz="2000" dirty="0">
                 <a:latin typeface="Arial" charset="0"/>
                 <a:ea typeface="ＭＳ Ｐゴシック" charset="0"/>
               </a:rPr>
-              <a:t>local solutions, lack of end-to-solutions</a:t>
-            </a:r>
-            <a:endParaRPr lang="en-US" sz="2000" dirty="0"/>
-          </a:p>
-          <a:p>
-            <a:pPr marL="1144588" lvl="3" indent="-227013">
+              <a:t>software and system access layers</a:t>
+            </a:r>
+          </a:p>
+          <a:p>
+            <a:pPr lvl="1">
               <a:lnSpc>
                 <a:spcPct val="90000"/>
               </a:lnSpc>
-              <a:spcBef>
-                <a:spcPts val="1200"/>
-              </a:spcBef>
-            </a:pPr>
-            <a:r>
-              <a:rPr lang="en-US" sz="2000" dirty="0"/>
-              <a:t>Scaling remains difficult for </a:t>
-            </a:r>
-            <a:r>
-              <a:rPr lang="en-US" sz="2000" i="1" dirty="0"/>
-              <a:t>individual</a:t>
-            </a:r>
-            <a:r>
-              <a:rPr lang="en-US" sz="2000" dirty="0"/>
-              <a:t> scientists </a:t>
-            </a:r>
-          </a:p>
-          <a:p>
-            <a:pPr marL="1144588" lvl="3" indent="-227013">
+            </a:pPr>
+            <a:r>
+              <a:rPr lang="en-US" sz="2000" dirty="0">
+                <a:latin typeface="Arial" charset="0"/>
+                <a:ea typeface="ＭＳ Ｐゴシック" charset="0"/>
+              </a:rPr>
+              <a:t>Difficult to integrate services and extend </a:t>
+            </a:r>
+            <a:r>
+              <a:rPr lang="en-US" sz="2000" dirty="0" smtClean="0">
+                <a:latin typeface="Arial" charset="0"/>
+                <a:ea typeface="ＭＳ Ｐゴシック" charset="0"/>
+              </a:rPr>
+              <a:t>tools</a:t>
+            </a:r>
+          </a:p>
+          <a:p>
+            <a:pPr lvl="1">
               <a:lnSpc>
                 <a:spcPct val="90000"/>
               </a:lnSpc>
-              <a:spcBef>
-                <a:spcPts val="1200"/>
-              </a:spcBef>
-            </a:pPr>
+            </a:pPr>
+            <a:r>
+              <a:rPr lang="en-US" sz="2000" dirty="0" smtClean="0"/>
+              <a:t>A distinct </a:t>
+            </a:r>
             <a:r>
               <a:rPr lang="en-US" sz="2000" dirty="0"/>
-              <a:t>O(10</a:t>
-            </a:r>
-            <a:r>
-              <a:rPr lang="en-US" sz="2000" baseline="30000" dirty="0"/>
-              <a:t>-2</a:t>
-            </a:r>
-            <a:r>
-              <a:rPr lang="en-US" sz="2000" dirty="0"/>
-              <a:t>) can do O(100) tasks each of O(10GB) over O(10) </a:t>
-            </a:r>
-            <a:r>
-              <a:rPr lang="en-US" sz="2000" dirty="0" smtClean="0"/>
-              <a:t>nodes</a:t>
-            </a:r>
-            <a:endParaRPr lang="en-US" sz="2000" dirty="0"/>
-          </a:p>
-          <a:p>
-            <a:pPr marL="227013" lvl="1" indent="-227013">
-              <a:lnSpc>
-                <a:spcPct val="90000"/>
-              </a:lnSpc>
-              <a:spcBef>
-                <a:spcPts val="1200"/>
-              </a:spcBef>
-            </a:pPr>
-            <a:r>
-              <a:rPr lang="en-US" sz="2000" dirty="0" smtClean="0">
-                <a:latin typeface="Arial" charset="0"/>
-                <a:ea typeface="ＭＳ Ｐゴシック" charset="0"/>
-              </a:rPr>
-              <a:t>We are still learning how to a</a:t>
-            </a:r>
-            <a:r>
-              <a:rPr lang="en-US" sz="2000" dirty="0">
-                <a:latin typeface="Arial" charset="0"/>
-                <a:ea typeface="ＭＳ Ｐゴシック" charset="0"/>
-              </a:rPr>
-              <a:t>rchitect </a:t>
-            </a:r>
-            <a:r>
-              <a:rPr lang="en-US" sz="2000" dirty="0" smtClean="0">
-                <a:latin typeface="Arial" charset="0"/>
-                <a:ea typeface="ＭＳ Ｐゴシック" charset="0"/>
-              </a:rPr>
-              <a:t>large</a:t>
-            </a:r>
-            <a:r>
-              <a:rPr lang="en-US" sz="2000" dirty="0">
-                <a:latin typeface="Arial" charset="0"/>
-                <a:ea typeface="ＭＳ Ｐゴシック" charset="0"/>
-              </a:rPr>
-              <a:t>-scale </a:t>
-            </a:r>
-            <a:r>
-              <a:rPr lang="en-US" sz="2000" dirty="0" smtClean="0">
-                <a:latin typeface="Arial" charset="0"/>
-                <a:ea typeface="ＭＳ Ｐゴシック" charset="0"/>
-              </a:rPr>
-              <a:t>systems</a:t>
-            </a:r>
-          </a:p>
-          <a:p>
-            <a:pPr marL="635001" lvl="2" indent="-227013">
-              <a:lnSpc>
-                <a:spcPct val="90000"/>
-              </a:lnSpc>
-              <a:spcBef>
-                <a:spcPts val="1200"/>
-              </a:spcBef>
-            </a:pPr>
-            <a:r>
-              <a:rPr lang="en-US" sz="2000" dirty="0" smtClean="0">
-                <a:latin typeface="Arial" charset="0"/>
-                <a:ea typeface="ＭＳ Ｐゴシック" charset="0"/>
-              </a:rPr>
-              <a:t>Macroscopic </a:t>
-            </a:r>
-            <a:r>
-              <a:rPr lang="en-US" sz="2000" dirty="0" err="1" smtClean="0">
-                <a:latin typeface="Arial" charset="0"/>
-                <a:ea typeface="ＭＳ Ｐゴシック" charset="0"/>
-              </a:rPr>
-              <a:t>vs</a:t>
-            </a:r>
-            <a:r>
-              <a:rPr lang="en-US" sz="2000" dirty="0" smtClean="0">
-                <a:latin typeface="Arial" charset="0"/>
-                <a:ea typeface="ＭＳ Ｐゴシック" charset="0"/>
-              </a:rPr>
-              <a:t> microscopic theory of distributed systems!</a:t>
-            </a:r>
-          </a:p>
-          <a:p>
-            <a:pPr marL="227013" lvl="1" indent="-227013">
-              <a:lnSpc>
-                <a:spcPct val="90000"/>
-              </a:lnSpc>
-              <a:spcBef>
-                <a:spcPts val="1200"/>
-              </a:spcBef>
-            </a:pPr>
-            <a:r>
-              <a:rPr lang="en-US" sz="2000" dirty="0">
-                <a:latin typeface="Arial" charset="0"/>
-                <a:ea typeface="ＭＳ Ｐゴシック" charset="0"/>
-              </a:rPr>
-              <a:t>Absence of analytical models of applications, infrastructure </a:t>
-            </a:r>
-            <a:endParaRPr lang="en-US" sz="2000" dirty="0" smtClean="0">
-              <a:latin typeface="Arial" charset="0"/>
-              <a:ea typeface="ＭＳ Ｐゴシック" charset="0"/>
-            </a:endParaRPr>
-          </a:p>
-          <a:p>
-            <a:pPr marL="635001" lvl="2" indent="-227013">
-              <a:lnSpc>
-                <a:spcPct val="90000"/>
-              </a:lnSpc>
-              <a:spcBef>
-                <a:spcPts val="1200"/>
-              </a:spcBef>
-            </a:pPr>
-            <a:r>
-              <a:rPr lang="en-US" sz="2000" dirty="0" smtClean="0">
-                <a:latin typeface="Arial" charset="0"/>
-                <a:ea typeface="ＭＳ Ｐゴシック" charset="0"/>
-              </a:rPr>
-              <a:t>Given </a:t>
-            </a:r>
-            <a:r>
-              <a:rPr lang="en-US" sz="2000" dirty="0">
-                <a:latin typeface="Arial" charset="0"/>
-                <a:ea typeface="ＭＳ Ｐゴシック" charset="0"/>
-              </a:rPr>
-              <a:t>a general workload there is an inability to estimate how long a workload will take? And where to execute? </a:t>
-            </a:r>
-            <a:endParaRPr lang="en-US" sz="2000" dirty="0" smtClean="0">
-              <a:latin typeface="Arial" charset="0"/>
-              <a:ea typeface="ＭＳ Ｐゴシック" charset="0"/>
-            </a:endParaRPr>
-          </a:p>
-          <a:p>
-            <a:pPr marL="635001" lvl="2" indent="-227013">
-              <a:lnSpc>
-                <a:spcPct val="90000"/>
-              </a:lnSpc>
-              <a:spcBef>
-                <a:spcPts val="1200"/>
-              </a:spcBef>
-            </a:pPr>
-            <a:r>
-              <a:rPr lang="en-US" sz="2000" dirty="0" smtClean="0">
-                <a:latin typeface="Arial" charset="0"/>
-                <a:ea typeface="ＭＳ Ｐゴシック" charset="0"/>
-              </a:rPr>
-              <a:t>And </a:t>
-            </a:r>
-            <a:r>
-              <a:rPr lang="en-US" sz="2000" dirty="0">
-                <a:latin typeface="Arial" charset="0"/>
-                <a:ea typeface="ＭＳ Ｐゴシック" charset="0"/>
-              </a:rPr>
-              <a:t>we do not know how wrong we are</a:t>
-            </a:r>
-            <a:r>
-              <a:rPr lang="en-US" sz="2000" dirty="0" smtClean="0">
-                <a:latin typeface="Arial" charset="0"/>
-                <a:ea typeface="ＭＳ Ｐゴシック" charset="0"/>
-              </a:rPr>
-              <a:t>!</a:t>
+              <a:t>role for middleware </a:t>
             </a:r>
           </a:p>
         </p:txBody>
@@ -7951,23 +8408,13 @@
     </p:spTree>
     <p:extLst>
       <p:ext uri="{BB962C8B-B14F-4D97-AF65-F5344CB8AC3E}">
-        <p14:creationId xmlns:p14="http://schemas.microsoft.com/office/powerpoint/2010/main" val="864120314"/>
+        <p14:creationId xmlns:p14="http://schemas.microsoft.com/office/powerpoint/2010/main" val="4275302647"/>
       </p:ext>
     </p:extLst>
   </p:cSld>
   <p:clrMapOvr>
     <a:masterClrMapping/>
   </p:clrMapOvr>
-  <p:transition xmlns:p14="http://schemas.microsoft.com/office/powerpoint/2010/main" spd="slow">
-    <p:cut/>
-  </p:transition>
-  <p:timing>
-    <p:tnLst>
-      <p:par>
-        <p:cTn xmlns:p14="http://schemas.microsoft.com/office/powerpoint/2010/main" id="1" dur="indefinite" restart="never" nodeType="tmRoot"/>
-      </p:par>
-    </p:tnLst>
-  </p:timing>
 </p:sld>
 </file>
 

--- a/presentations/radical-modsim.pptx
+++ b/presentations/radical-modsim.pptx
@@ -5,7 +5,7 @@
     <p:sldMasterId id="2147483656" r:id="rId1"/>
   </p:sldMasterIdLst>
   <p:notesMasterIdLst>
-    <p:notesMasterId r:id="rId23"/>
+    <p:notesMasterId r:id="rId26"/>
   </p:notesMasterIdLst>
   <p:sldIdLst>
     <p:sldId id="256" r:id="rId2"/>
@@ -17,18 +17,21 @@
     <p:sldId id="330" r:id="rId8"/>
     <p:sldId id="310" r:id="rId9"/>
     <p:sldId id="309" r:id="rId10"/>
-    <p:sldId id="301" r:id="rId11"/>
-    <p:sldId id="285" r:id="rId12"/>
-    <p:sldId id="298" r:id="rId13"/>
-    <p:sldId id="287" r:id="rId14"/>
-    <p:sldId id="297" r:id="rId15"/>
-    <p:sldId id="300" r:id="rId16"/>
-    <p:sldId id="331" r:id="rId17"/>
-    <p:sldId id="328" r:id="rId18"/>
-    <p:sldId id="326" r:id="rId19"/>
-    <p:sldId id="295" r:id="rId20"/>
-    <p:sldId id="284" r:id="rId21"/>
-    <p:sldId id="336" r:id="rId22"/>
+    <p:sldId id="338" r:id="rId11"/>
+    <p:sldId id="339" r:id="rId12"/>
+    <p:sldId id="340" r:id="rId13"/>
+    <p:sldId id="285" r:id="rId14"/>
+    <p:sldId id="298" r:id="rId15"/>
+    <p:sldId id="287" r:id="rId16"/>
+    <p:sldId id="297" r:id="rId17"/>
+    <p:sldId id="300" r:id="rId18"/>
+    <p:sldId id="331" r:id="rId19"/>
+    <p:sldId id="328" r:id="rId20"/>
+    <p:sldId id="326" r:id="rId21"/>
+    <p:sldId id="295" r:id="rId22"/>
+    <p:sldId id="284" r:id="rId23"/>
+    <p:sldId id="336" r:id="rId24"/>
+    <p:sldId id="341" r:id="rId25"/>
   </p:sldIdLst>
   <p:sldSz cx="9144000" cy="6858000" type="screen4x3"/>
   <p:notesSz cx="6858000" cy="9144000"/>
@@ -618,27 +621,37 @@
           <a:bodyPr/>
           <a:lstStyle/>
           <a:p>
-            <a:pPr marL="0" marR="0" indent="0" algn="l" defTabSz="457200" rtl="0" eaLnBrk="1" fontAlgn="auto" latinLnBrk="0" hangingPunct="1">
-              <a:lnSpc>
-                <a:spcPct val="100000"/>
-              </a:lnSpc>
-              <a:spcBef>
-                <a:spcPts val="0"/>
-              </a:spcBef>
-              <a:spcAft>
-                <a:spcPts val="0"/>
-              </a:spcAft>
-              <a:buClrTx/>
-              <a:buSzTx/>
-              <a:buFontTx/>
-              <a:buNone/>
-              <a:tabLst/>
-              <a:defRPr/>
-            </a:pPr>
-            <a:r>
-              <a:rPr lang="en-US" dirty="0" smtClean="0"/>
-              <a:t>We take the schematic of NGMW and show how the different levels at which the Models work, (ii) how different models interact, especially (a) Andre and Christian’s work/interface, (ii) I* and F*.</a:t>
-            </a:r>
+            <a:r>
+              <a:rPr lang="en-US" dirty="0" smtClean="0"/>
+              <a:t>Middleware</a:t>
+            </a:r>
+            <a:r>
+              <a:rPr lang="en-US" baseline="0" dirty="0" smtClean="0"/>
+              <a:t> </a:t>
+            </a:r>
+            <a:r>
+              <a:rPr lang="en-US" dirty="0" smtClean="0"/>
+              <a:t>capabilities as</a:t>
+            </a:r>
+            <a:r>
+              <a:rPr lang="en-US" baseline="0" dirty="0" smtClean="0"/>
+              <a:t> an abstraction to resources</a:t>
+            </a:r>
+          </a:p>
+          <a:p>
+            <a:endParaRPr lang="en-US" baseline="0" dirty="0" smtClean="0"/>
+          </a:p>
+          <a:p>
+            <a:r>
+              <a:rPr lang="en-US" baseline="0" dirty="0" smtClean="0"/>
+              <a:t>Middleware’s responsibility to support the set of capabilities that an application asks for and determine the collection of resources that can/must be used to provide capability</a:t>
+            </a:r>
+          </a:p>
+          <a:p>
+            <a:endParaRPr lang="en-US" baseline="0" dirty="0" smtClean="0"/>
+          </a:p>
+          <a:p>
+            <a:endParaRPr lang="en-US" baseline="0" dirty="0" smtClean="0"/>
           </a:p>
           <a:p>
             <a:endParaRPr lang="en-US" dirty="0"/>
@@ -648,7 +661,7 @@
     </p:spTree>
     <p:extLst>
       <p:ext uri="{BB962C8B-B14F-4D97-AF65-F5344CB8AC3E}">
-        <p14:creationId xmlns:p14="http://schemas.microsoft.com/office/powerpoint/2010/main" val="1073575463"/>
+        <p14:creationId xmlns:p14="http://schemas.microsoft.com/office/powerpoint/2010/main" val="357425583"/>
       </p:ext>
     </p:extLst>
   </p:cSld>
@@ -707,6 +720,161 @@
           <a:bodyPr/>
           <a:lstStyle/>
           <a:p>
+            <a:pPr marL="0" marR="0" lvl="1" indent="0" algn="l" defTabSz="457200" rtl="0" eaLnBrk="1" fontAlgn="auto" latinLnBrk="0" hangingPunct="1">
+              <a:lnSpc>
+                <a:spcPct val="100000"/>
+              </a:lnSpc>
+              <a:spcBef>
+                <a:spcPts val="0"/>
+              </a:spcBef>
+              <a:spcAft>
+                <a:spcPts val="0"/>
+              </a:spcAft>
+              <a:buClrTx/>
+              <a:buSzTx/>
+              <a:buFontTx/>
+              <a:buNone/>
+              <a:tabLst/>
+              <a:defRPr/>
+            </a:pPr>
+            <a:r>
+              <a:rPr lang="en-US" dirty="0" smtClean="0"/>
+              <a:t>Decomposition of application's problem and data space </a:t>
+            </a:r>
+          </a:p>
+          <a:p>
+            <a:endParaRPr lang="en-US" dirty="0"/>
+          </a:p>
+        </p:txBody>
+      </p:sp>
+    </p:spTree>
+    <p:extLst>
+      <p:ext uri="{BB962C8B-B14F-4D97-AF65-F5344CB8AC3E}">
+        <p14:creationId xmlns:p14="http://schemas.microsoft.com/office/powerpoint/2010/main" val="536234631"/>
+      </p:ext>
+    </p:extLst>
+  </p:cSld>
+  <p:clrMapOvr>
+    <a:masterClrMapping/>
+  </p:clrMapOvr>
+</p:notes>
+</file>
+
+<file path=ppt/notesSlides/notesSlide12.xml><?xml version="1.0" encoding="utf-8"?>
+<p:notes xmlns:a="http://schemas.openxmlformats.org/drawingml/2006/main" xmlns:r="http://schemas.openxmlformats.org/officeDocument/2006/relationships" xmlns:p="http://schemas.openxmlformats.org/presentationml/2006/main">
+  <p:cSld>
+    <p:spTree>
+      <p:nvGrpSpPr>
+        <p:cNvPr id="1" name=""/>
+        <p:cNvGrpSpPr/>
+        <p:nvPr/>
+      </p:nvGrpSpPr>
+      <p:grpSpPr>
+        <a:xfrm>
+          <a:off x="0" y="0"/>
+          <a:ext cx="0" cy="0"/>
+          <a:chOff x="0" y="0"/>
+          <a:chExt cx="0" cy="0"/>
+        </a:xfrm>
+      </p:grpSpPr>
+      <p:sp>
+        <p:nvSpPr>
+          <p:cNvPr id="2" name="Slide Image Placeholder 1"/>
+          <p:cNvSpPr>
+            <a:spLocks noGrp="1" noRot="1" noChangeAspect="1"/>
+          </p:cNvSpPr>
+          <p:nvPr>
+            <p:ph type="sldImg"/>
+          </p:nvPr>
+        </p:nvSpPr>
+        <p:spPr>
+          <a:xfrm>
+            <a:off x="1143000" y="685800"/>
+            <a:ext cx="4572000" cy="3429000"/>
+          </a:xfrm>
+        </p:spPr>
+      </p:sp>
+      <p:sp>
+        <p:nvSpPr>
+          <p:cNvPr id="3" name="Notes Placeholder 2"/>
+          <p:cNvSpPr>
+            <a:spLocks noGrp="1"/>
+          </p:cNvSpPr>
+          <p:nvPr>
+            <p:ph type="body" idx="1"/>
+          </p:nvPr>
+        </p:nvSpPr>
+        <p:spPr/>
+        <p:txBody>
+          <a:bodyPr/>
+          <a:lstStyle/>
+          <a:p>
+            <a:endParaRPr lang="en-US" dirty="0"/>
+          </a:p>
+        </p:txBody>
+      </p:sp>
+    </p:spTree>
+    <p:extLst>
+      <p:ext uri="{BB962C8B-B14F-4D97-AF65-F5344CB8AC3E}">
+        <p14:creationId xmlns:p14="http://schemas.microsoft.com/office/powerpoint/2010/main" val="3821591872"/>
+      </p:ext>
+    </p:extLst>
+  </p:cSld>
+  <p:clrMapOvr>
+    <a:masterClrMapping/>
+  </p:clrMapOvr>
+</p:notes>
+</file>
+
+<file path=ppt/notesSlides/notesSlide13.xml><?xml version="1.0" encoding="utf-8"?>
+<p:notes xmlns:a="http://schemas.openxmlformats.org/drawingml/2006/main" xmlns:r="http://schemas.openxmlformats.org/officeDocument/2006/relationships" xmlns:p="http://schemas.openxmlformats.org/presentationml/2006/main">
+  <p:cSld>
+    <p:spTree>
+      <p:nvGrpSpPr>
+        <p:cNvPr id="1" name=""/>
+        <p:cNvGrpSpPr/>
+        <p:nvPr/>
+      </p:nvGrpSpPr>
+      <p:grpSpPr>
+        <a:xfrm>
+          <a:off x="0" y="0"/>
+          <a:ext cx="0" cy="0"/>
+          <a:chOff x="0" y="0"/>
+          <a:chExt cx="0" cy="0"/>
+        </a:xfrm>
+      </p:grpSpPr>
+      <p:sp>
+        <p:nvSpPr>
+          <p:cNvPr id="2" name="Slide Image Placeholder 1"/>
+          <p:cNvSpPr>
+            <a:spLocks noGrp="1" noRot="1" noChangeAspect="1"/>
+          </p:cNvSpPr>
+          <p:nvPr>
+            <p:ph type="sldImg"/>
+          </p:nvPr>
+        </p:nvSpPr>
+        <p:spPr>
+          <a:xfrm>
+            <a:off x="1143000" y="685800"/>
+            <a:ext cx="4572000" cy="3429000"/>
+          </a:xfrm>
+        </p:spPr>
+      </p:sp>
+      <p:sp>
+        <p:nvSpPr>
+          <p:cNvPr id="3" name="Notes Placeholder 2"/>
+          <p:cNvSpPr>
+            <a:spLocks noGrp="1"/>
+          </p:cNvSpPr>
+          <p:nvPr>
+            <p:ph type="body" idx="1"/>
+          </p:nvPr>
+        </p:nvSpPr>
+        <p:spPr/>
+        <p:txBody>
+          <a:bodyPr/>
+          <a:lstStyle/>
+          <a:p>
             <a:pPr marL="0" marR="0" indent="0" algn="l" defTabSz="457200" rtl="0" eaLnBrk="1" fontAlgn="auto" latinLnBrk="0" hangingPunct="1">
               <a:lnSpc>
                 <a:spcPct val="100000"/>
@@ -747,7 +915,96 @@
 </p:notes>
 </file>
 
-<file path=ppt/notesSlides/notesSlide12.xml><?xml version="1.0" encoding="utf-8"?>
+<file path=ppt/notesSlides/notesSlide14.xml><?xml version="1.0" encoding="utf-8"?>
+<p:notes xmlns:a="http://schemas.openxmlformats.org/drawingml/2006/main" xmlns:r="http://schemas.openxmlformats.org/officeDocument/2006/relationships" xmlns:p="http://schemas.openxmlformats.org/presentationml/2006/main">
+  <p:cSld>
+    <p:spTree>
+      <p:nvGrpSpPr>
+        <p:cNvPr id="1" name=""/>
+        <p:cNvGrpSpPr/>
+        <p:nvPr/>
+      </p:nvGrpSpPr>
+      <p:grpSpPr>
+        <a:xfrm>
+          <a:off x="0" y="0"/>
+          <a:ext cx="0" cy="0"/>
+          <a:chOff x="0" y="0"/>
+          <a:chExt cx="0" cy="0"/>
+        </a:xfrm>
+      </p:grpSpPr>
+      <p:sp>
+        <p:nvSpPr>
+          <p:cNvPr id="2" name="Slide Image Placeholder 1"/>
+          <p:cNvSpPr>
+            <a:spLocks noGrp="1" noRot="1" noChangeAspect="1"/>
+          </p:cNvSpPr>
+          <p:nvPr>
+            <p:ph type="sldImg"/>
+          </p:nvPr>
+        </p:nvSpPr>
+        <p:spPr>
+          <a:xfrm>
+            <a:off x="1143000" y="685800"/>
+            <a:ext cx="4572000" cy="3429000"/>
+          </a:xfrm>
+        </p:spPr>
+      </p:sp>
+      <p:sp>
+        <p:nvSpPr>
+          <p:cNvPr id="3" name="Notes Placeholder 2"/>
+          <p:cNvSpPr>
+            <a:spLocks noGrp="1"/>
+          </p:cNvSpPr>
+          <p:nvPr>
+            <p:ph type="body" idx="1"/>
+          </p:nvPr>
+        </p:nvSpPr>
+        <p:spPr/>
+        <p:txBody>
+          <a:bodyPr/>
+          <a:lstStyle/>
+          <a:p>
+            <a:pPr marL="0" marR="0" indent="0" algn="l" defTabSz="457200" rtl="0" eaLnBrk="1" fontAlgn="auto" latinLnBrk="0" hangingPunct="1">
+              <a:lnSpc>
+                <a:spcPct val="100000"/>
+              </a:lnSpc>
+              <a:spcBef>
+                <a:spcPts val="0"/>
+              </a:spcBef>
+              <a:spcAft>
+                <a:spcPts val="0"/>
+              </a:spcAft>
+              <a:buClrTx/>
+              <a:buSzTx/>
+              <a:buFontTx/>
+              <a:buNone/>
+              <a:tabLst/>
+              <a:defRPr/>
+            </a:pPr>
+            <a:r>
+              <a:rPr lang="en-US" dirty="0" smtClean="0"/>
+              <a:t>We take the schematic of NGMW and show how the different levels at which the Models work, (ii) how different models interact, especially (a) Andre and Christian’s work/interface, (ii) I* and F*.</a:t>
+            </a:r>
+          </a:p>
+          <a:p>
+            <a:endParaRPr lang="en-US" dirty="0"/>
+          </a:p>
+        </p:txBody>
+      </p:sp>
+    </p:spTree>
+    <p:extLst>
+      <p:ext uri="{BB962C8B-B14F-4D97-AF65-F5344CB8AC3E}">
+        <p14:creationId xmlns:p14="http://schemas.microsoft.com/office/powerpoint/2010/main" val="1073575463"/>
+      </p:ext>
+    </p:extLst>
+  </p:cSld>
+  <p:clrMapOvr>
+    <a:masterClrMapping/>
+  </p:clrMapOvr>
+</p:notes>
+</file>
+
+<file path=ppt/notesSlides/notesSlide15.xml><?xml version="1.0" encoding="utf-8"?>
 <p:notes xmlns:a="http://schemas.openxmlformats.org/drawingml/2006/main" xmlns:r="http://schemas.openxmlformats.org/officeDocument/2006/relationships" xmlns:p="http://schemas.openxmlformats.org/presentationml/2006/main" showMasterSp="0" showMasterPhAnim="0">
   <p:cSld>
     <p:spTree>
@@ -875,6 +1132,100 @@
         </p:txBody>
       </p:sp>
     </p:spTree>
+  </p:cSld>
+  <p:clrMapOvr>
+    <a:masterClrMapping/>
+  </p:clrMapOvr>
+</p:notes>
+</file>
+
+<file path=ppt/notesSlides/notesSlide16.xml><?xml version="1.0" encoding="utf-8"?>
+<p:notes xmlns:a="http://schemas.openxmlformats.org/drawingml/2006/main" xmlns:r="http://schemas.openxmlformats.org/officeDocument/2006/relationships" xmlns:p="http://schemas.openxmlformats.org/presentationml/2006/main">
+  <p:cSld>
+    <p:spTree>
+      <p:nvGrpSpPr>
+        <p:cNvPr id="1" name=""/>
+        <p:cNvGrpSpPr/>
+        <p:nvPr/>
+      </p:nvGrpSpPr>
+      <p:grpSpPr>
+        <a:xfrm>
+          <a:off x="0" y="0"/>
+          <a:ext cx="0" cy="0"/>
+          <a:chOff x="0" y="0"/>
+          <a:chExt cx="0" cy="0"/>
+        </a:xfrm>
+      </p:grpSpPr>
+      <p:sp>
+        <p:nvSpPr>
+          <p:cNvPr id="2" name="Slide Image Placeholder 1"/>
+          <p:cNvSpPr>
+            <a:spLocks noGrp="1" noRot="1" noChangeAspect="1"/>
+          </p:cNvSpPr>
+          <p:nvPr>
+            <p:ph type="sldImg"/>
+          </p:nvPr>
+        </p:nvSpPr>
+        <p:spPr/>
+      </p:sp>
+      <p:sp>
+        <p:nvSpPr>
+          <p:cNvPr id="3" name="Notes Placeholder 2"/>
+          <p:cNvSpPr>
+            <a:spLocks noGrp="1"/>
+          </p:cNvSpPr>
+          <p:nvPr>
+            <p:ph type="body" idx="1"/>
+          </p:nvPr>
+        </p:nvSpPr>
+        <p:spPr/>
+        <p:txBody>
+          <a:bodyPr/>
+          <a:lstStyle/>
+          <a:p>
+            <a:r>
+              <a:rPr lang="en-US" dirty="0" smtClean="0"/>
+              <a:t>Middleware</a:t>
+            </a:r>
+            <a:r>
+              <a:rPr lang="en-US" baseline="0" dirty="0" smtClean="0"/>
+              <a:t> </a:t>
+            </a:r>
+            <a:r>
+              <a:rPr lang="en-US" dirty="0" smtClean="0"/>
+              <a:t>capabilities as</a:t>
+            </a:r>
+            <a:r>
+              <a:rPr lang="en-US" baseline="0" dirty="0" smtClean="0"/>
+              <a:t> an abstraction to resources</a:t>
+            </a:r>
+          </a:p>
+          <a:p>
+            <a:endParaRPr lang="en-US" baseline="0" dirty="0" smtClean="0"/>
+          </a:p>
+          <a:p>
+            <a:r>
+              <a:rPr lang="en-US" baseline="0" dirty="0" smtClean="0"/>
+              <a:t>Middleware’s responsibility to support the set of capabilities that an application asks for and determine the collection of resources that can/must be used to provide capability</a:t>
+            </a:r>
+          </a:p>
+          <a:p>
+            <a:endParaRPr lang="en-US" baseline="0" dirty="0" smtClean="0"/>
+          </a:p>
+          <a:p>
+            <a:endParaRPr lang="en-US" baseline="0" dirty="0" smtClean="0"/>
+          </a:p>
+          <a:p>
+            <a:endParaRPr lang="en-US" dirty="0"/>
+          </a:p>
+        </p:txBody>
+      </p:sp>
+    </p:spTree>
+    <p:extLst>
+      <p:ext uri="{BB962C8B-B14F-4D97-AF65-F5344CB8AC3E}">
+        <p14:creationId xmlns:p14="http://schemas.microsoft.com/office/powerpoint/2010/main" val="357425583"/>
+      </p:ext>
+    </p:extLst>
   </p:cSld>
   <p:clrMapOvr>
     <a:masterClrMapping/>
@@ -1168,6 +1519,95 @@
 </file>
 
 <file path=ppt/notesSlides/notesSlide5.xml><?xml version="1.0" encoding="utf-8"?>
+<p:notes xmlns:a="http://schemas.openxmlformats.org/drawingml/2006/main" xmlns:r="http://schemas.openxmlformats.org/officeDocument/2006/relationships" xmlns:p="http://schemas.openxmlformats.org/presentationml/2006/main">
+  <p:cSld>
+    <p:spTree>
+      <p:nvGrpSpPr>
+        <p:cNvPr id="1" name=""/>
+        <p:cNvGrpSpPr/>
+        <p:nvPr/>
+      </p:nvGrpSpPr>
+      <p:grpSpPr>
+        <a:xfrm>
+          <a:off x="0" y="0"/>
+          <a:ext cx="0" cy="0"/>
+          <a:chOff x="0" y="0"/>
+          <a:chExt cx="0" cy="0"/>
+        </a:xfrm>
+      </p:grpSpPr>
+      <p:sp>
+        <p:nvSpPr>
+          <p:cNvPr id="2" name="Slide Image Placeholder 1"/>
+          <p:cNvSpPr>
+            <a:spLocks noGrp="1" noRot="1" noChangeAspect="1"/>
+          </p:cNvSpPr>
+          <p:nvPr>
+            <p:ph type="sldImg"/>
+          </p:nvPr>
+        </p:nvSpPr>
+        <p:spPr>
+          <a:xfrm>
+            <a:off x="1143000" y="685800"/>
+            <a:ext cx="4572000" cy="3429000"/>
+          </a:xfrm>
+        </p:spPr>
+      </p:sp>
+      <p:sp>
+        <p:nvSpPr>
+          <p:cNvPr id="3" name="Notes Placeholder 2"/>
+          <p:cNvSpPr>
+            <a:spLocks noGrp="1"/>
+          </p:cNvSpPr>
+          <p:nvPr>
+            <p:ph type="body" idx="1"/>
+          </p:nvPr>
+        </p:nvSpPr>
+        <p:spPr/>
+        <p:txBody>
+          <a:bodyPr/>
+          <a:lstStyle/>
+          <a:p>
+            <a:pPr marL="0" marR="0" lvl="2" indent="0" algn="l" defTabSz="457200" rtl="0" eaLnBrk="1" fontAlgn="auto" latinLnBrk="0" hangingPunct="1">
+              <a:lnSpc>
+                <a:spcPct val="100000"/>
+              </a:lnSpc>
+              <a:spcBef>
+                <a:spcPts val="0"/>
+              </a:spcBef>
+              <a:spcAft>
+                <a:spcPts val="0"/>
+              </a:spcAft>
+              <a:buClrTx/>
+              <a:buSzTx/>
+              <a:buFontTx/>
+              <a:buNone/>
+              <a:tabLst/>
+              <a:defRPr/>
+            </a:pPr>
+            <a:r>
+              <a:rPr lang="en-US" dirty="0" smtClean="0"/>
+              <a:t>Sub problem X is better running on a non-leadership class machine? </a:t>
+            </a:r>
+          </a:p>
+          <a:p>
+            <a:endParaRPr lang="en-US" dirty="0"/>
+          </a:p>
+        </p:txBody>
+      </p:sp>
+    </p:spTree>
+    <p:extLst>
+      <p:ext uri="{BB962C8B-B14F-4D97-AF65-F5344CB8AC3E}">
+        <p14:creationId xmlns:p14="http://schemas.microsoft.com/office/powerpoint/2010/main" val="2717278620"/>
+      </p:ext>
+    </p:extLst>
+  </p:cSld>
+  <p:clrMapOvr>
+    <a:masterClrMapping/>
+  </p:clrMapOvr>
+</p:notes>
+</file>
+
+<file path=ppt/notesSlides/notesSlide6.xml><?xml version="1.0" encoding="utf-8"?>
 <p:notes xmlns:a="http://schemas.openxmlformats.org/drawingml/2006/main" xmlns:r="http://schemas.openxmlformats.org/officeDocument/2006/relationships" xmlns:p="http://schemas.openxmlformats.org/presentationml/2006/main" showMasterSp="0" showMasterPhAnim="0">
   <p:cSld>
     <p:spTree>
@@ -1315,7 +1755,7 @@
 </p:notes>
 </file>
 
-<file path=ppt/notesSlides/notesSlide6.xml><?xml version="1.0" encoding="utf-8"?>
+<file path=ppt/notesSlides/notesSlide7.xml><?xml version="1.0" encoding="utf-8"?>
 <p:notes xmlns:a="http://schemas.openxmlformats.org/drawingml/2006/main" xmlns:r="http://schemas.openxmlformats.org/officeDocument/2006/relationships" xmlns:p="http://schemas.openxmlformats.org/presentationml/2006/main" showMasterSp="0" showMasterPhAnim="0">
   <p:cSld>
     <p:spTree>
@@ -1416,100 +1856,6 @@
 </p:notes>
 </file>
 
-<file path=ppt/notesSlides/notesSlide7.xml><?xml version="1.0" encoding="utf-8"?>
-<p:notes xmlns:a="http://schemas.openxmlformats.org/drawingml/2006/main" xmlns:r="http://schemas.openxmlformats.org/officeDocument/2006/relationships" xmlns:p="http://schemas.openxmlformats.org/presentationml/2006/main">
-  <p:cSld>
-    <p:spTree>
-      <p:nvGrpSpPr>
-        <p:cNvPr id="1" name=""/>
-        <p:cNvGrpSpPr/>
-        <p:nvPr/>
-      </p:nvGrpSpPr>
-      <p:grpSpPr>
-        <a:xfrm>
-          <a:off x="0" y="0"/>
-          <a:ext cx="0" cy="0"/>
-          <a:chOff x="0" y="0"/>
-          <a:chExt cx="0" cy="0"/>
-        </a:xfrm>
-      </p:grpSpPr>
-      <p:sp>
-        <p:nvSpPr>
-          <p:cNvPr id="2" name="Slide Image Placeholder 1"/>
-          <p:cNvSpPr>
-            <a:spLocks noGrp="1" noRot="1" noChangeAspect="1"/>
-          </p:cNvSpPr>
-          <p:nvPr>
-            <p:ph type="sldImg"/>
-          </p:nvPr>
-        </p:nvSpPr>
-        <p:spPr/>
-      </p:sp>
-      <p:sp>
-        <p:nvSpPr>
-          <p:cNvPr id="3" name="Notes Placeholder 2"/>
-          <p:cNvSpPr>
-            <a:spLocks noGrp="1"/>
-          </p:cNvSpPr>
-          <p:nvPr>
-            <p:ph type="body" idx="1"/>
-          </p:nvPr>
-        </p:nvSpPr>
-        <p:spPr/>
-        <p:txBody>
-          <a:bodyPr/>
-          <a:lstStyle/>
-          <a:p>
-            <a:r>
-              <a:rPr lang="en-US" dirty="0" smtClean="0"/>
-              <a:t>Middleware</a:t>
-            </a:r>
-            <a:r>
-              <a:rPr lang="en-US" baseline="0" dirty="0" smtClean="0"/>
-              <a:t> </a:t>
-            </a:r>
-            <a:r>
-              <a:rPr lang="en-US" dirty="0" smtClean="0"/>
-              <a:t>capabilities as</a:t>
-            </a:r>
-            <a:r>
-              <a:rPr lang="en-US" baseline="0" dirty="0" smtClean="0"/>
-              <a:t> an abstraction to resources</a:t>
-            </a:r>
-          </a:p>
-          <a:p>
-            <a:endParaRPr lang="en-US" baseline="0" dirty="0" smtClean="0"/>
-          </a:p>
-          <a:p>
-            <a:r>
-              <a:rPr lang="en-US" baseline="0" dirty="0" smtClean="0"/>
-              <a:t>Middleware’s responsibility to support the set of capabilities that an application asks for and determine the collection of resources that can/must be used to provide capability</a:t>
-            </a:r>
-          </a:p>
-          <a:p>
-            <a:endParaRPr lang="en-US" baseline="0" dirty="0" smtClean="0"/>
-          </a:p>
-          <a:p>
-            <a:endParaRPr lang="en-US" baseline="0" dirty="0" smtClean="0"/>
-          </a:p>
-          <a:p>
-            <a:endParaRPr lang="en-US" dirty="0"/>
-          </a:p>
-        </p:txBody>
-      </p:sp>
-    </p:spTree>
-    <p:extLst>
-      <p:ext uri="{BB962C8B-B14F-4D97-AF65-F5344CB8AC3E}">
-        <p14:creationId xmlns:p14="http://schemas.microsoft.com/office/powerpoint/2010/main" val="357425583"/>
-      </p:ext>
-    </p:extLst>
-  </p:cSld>
-  <p:clrMapOvr>
-    <a:masterClrMapping/>
-  </p:clrMapOvr>
-</p:notes>
-</file>
-
 <file path=ppt/notesSlides/notesSlide8.xml><?xml version="1.0" encoding="utf-8"?>
 <p:notes xmlns:a="http://schemas.openxmlformats.org/drawingml/2006/main" xmlns:r="http://schemas.openxmlformats.org/officeDocument/2006/relationships" xmlns:p="http://schemas.openxmlformats.org/presentationml/2006/main">
   <p:cSld>
@@ -1559,27 +1905,37 @@
           <a:bodyPr/>
           <a:lstStyle/>
           <a:p>
-            <a:pPr marL="0" marR="0" lvl="1" indent="0" algn="l" defTabSz="457200" rtl="0" eaLnBrk="1" fontAlgn="auto" latinLnBrk="0" hangingPunct="1">
-              <a:lnSpc>
-                <a:spcPct val="100000"/>
-              </a:lnSpc>
-              <a:spcBef>
-                <a:spcPts val="0"/>
-              </a:spcBef>
-              <a:spcAft>
-                <a:spcPts val="0"/>
-              </a:spcAft>
-              <a:buClrTx/>
-              <a:buSzTx/>
-              <a:buFontTx/>
-              <a:buNone/>
-              <a:tabLst/>
-              <a:defRPr/>
-            </a:pPr>
-            <a:r>
-              <a:rPr lang="en-US" dirty="0" smtClean="0"/>
-              <a:t>Decomposition of application's problem and data space </a:t>
-            </a:r>
+            <a:r>
+              <a:rPr lang="en-US" dirty="0" smtClean="0"/>
+              <a:t>Middleware</a:t>
+            </a:r>
+            <a:r>
+              <a:rPr lang="en-US" baseline="0" dirty="0" smtClean="0"/>
+              <a:t> </a:t>
+            </a:r>
+            <a:r>
+              <a:rPr lang="en-US" dirty="0" smtClean="0"/>
+              <a:t>capabilities as</a:t>
+            </a:r>
+            <a:r>
+              <a:rPr lang="en-US" baseline="0" dirty="0" smtClean="0"/>
+              <a:t> an abstraction to resources</a:t>
+            </a:r>
+          </a:p>
+          <a:p>
+            <a:endParaRPr lang="en-US" baseline="0" dirty="0" smtClean="0"/>
+          </a:p>
+          <a:p>
+            <a:r>
+              <a:rPr lang="en-US" baseline="0" dirty="0" smtClean="0"/>
+              <a:t>Middleware’s responsibility to support the set of capabilities that an application asks for and determine the collection of resources that can/must be used to provide capability</a:t>
+            </a:r>
+          </a:p>
+          <a:p>
+            <a:endParaRPr lang="en-US" baseline="0" dirty="0" smtClean="0"/>
+          </a:p>
+          <a:p>
+            <a:endParaRPr lang="en-US" baseline="0" dirty="0" smtClean="0"/>
           </a:p>
           <a:p>
             <a:endParaRPr lang="en-US" dirty="0"/>
@@ -1589,7 +1945,7 @@
     </p:spTree>
     <p:extLst>
       <p:ext uri="{BB962C8B-B14F-4D97-AF65-F5344CB8AC3E}">
-        <p14:creationId xmlns:p14="http://schemas.microsoft.com/office/powerpoint/2010/main" val="536234631"/>
+        <p14:creationId xmlns:p14="http://schemas.microsoft.com/office/powerpoint/2010/main" val="357425583"/>
       </p:ext>
     </p:extLst>
   </p:cSld>
@@ -1648,6 +2004,39 @@
           <a:bodyPr/>
           <a:lstStyle/>
           <a:p>
+            <a:r>
+              <a:rPr lang="en-US" dirty="0" smtClean="0"/>
+              <a:t>Middleware</a:t>
+            </a:r>
+            <a:r>
+              <a:rPr lang="en-US" baseline="0" dirty="0" smtClean="0"/>
+              <a:t> </a:t>
+            </a:r>
+            <a:r>
+              <a:rPr lang="en-US" dirty="0" smtClean="0"/>
+              <a:t>capabilities as</a:t>
+            </a:r>
+            <a:r>
+              <a:rPr lang="en-US" baseline="0" dirty="0" smtClean="0"/>
+              <a:t> an abstraction to resources</a:t>
+            </a:r>
+          </a:p>
+          <a:p>
+            <a:endParaRPr lang="en-US" baseline="0" dirty="0" smtClean="0"/>
+          </a:p>
+          <a:p>
+            <a:r>
+              <a:rPr lang="en-US" baseline="0" dirty="0" smtClean="0"/>
+              <a:t>Middleware’s responsibility to support the set of capabilities that an application asks for and determine the collection of resources that can/must be used to provide capability</a:t>
+            </a:r>
+          </a:p>
+          <a:p>
+            <a:endParaRPr lang="en-US" baseline="0" dirty="0" smtClean="0"/>
+          </a:p>
+          <a:p>
+            <a:endParaRPr lang="en-US" baseline="0" dirty="0" smtClean="0"/>
+          </a:p>
+          <a:p>
             <a:endParaRPr lang="en-US" dirty="0"/>
           </a:p>
         </p:txBody>
@@ -1655,7 +2044,7 @@
     </p:spTree>
     <p:extLst>
       <p:ext uri="{BB962C8B-B14F-4D97-AF65-F5344CB8AC3E}">
-        <p14:creationId xmlns:p14="http://schemas.microsoft.com/office/powerpoint/2010/main" val="3821591872"/>
+        <p14:creationId xmlns:p14="http://schemas.microsoft.com/office/powerpoint/2010/main" val="357425583"/>
       </p:ext>
     </p:extLst>
   </p:cSld>
@@ -4109,7 +4498,83 @@
       </p:sp>
       <p:pic>
         <p:nvPicPr>
-          <p:cNvPr id="3" name="Content Placeholder 2" descr="ngmw-schematic-1.png"/>
+          <p:cNvPr id="4" name="Content Placeholder 3" descr="ngmw-schematic-s1.png"/>
+          <p:cNvPicPr>
+            <a:picLocks noGrp="1" noChangeAspect="1"/>
+          </p:cNvPicPr>
+          <p:nvPr>
+            <p:ph idx="1"/>
+          </p:nvPr>
+        </p:nvPicPr>
+        <p:blipFill rotWithShape="1">
+          <a:blip r:embed="rId3">
+            <a:extLst>
+              <a:ext uri="{28A0092B-C50C-407E-A947-70E740481C1C}">
+                <a14:useLocalDpi xmlns:a14="http://schemas.microsoft.com/office/drawing/2010/main" val="0"/>
+              </a:ext>
+            </a:extLst>
+          </a:blip>
+          <a:srcRect t="2829" r="-128582" b="-2829"/>
+          <a:stretch/>
+        </p:blipFill>
+        <p:spPr/>
+      </p:pic>
+    </p:spTree>
+    <p:extLst>
+      <p:ext uri="{BB962C8B-B14F-4D97-AF65-F5344CB8AC3E}">
+        <p14:creationId xmlns:p14="http://schemas.microsoft.com/office/powerpoint/2010/main" val="750462735"/>
+      </p:ext>
+    </p:extLst>
+  </p:cSld>
+  <p:clrMapOvr>
+    <a:masterClrMapping/>
+  </p:clrMapOvr>
+</p:sld>
+</file>
+
+<file path=ppt/slides/slide11.xml><?xml version="1.0" encoding="utf-8"?>
+<p:sld xmlns:a="http://schemas.openxmlformats.org/drawingml/2006/main" xmlns:r="http://schemas.openxmlformats.org/officeDocument/2006/relationships" xmlns:p="http://schemas.openxmlformats.org/presentationml/2006/main">
+  <p:cSld>
+    <p:spTree>
+      <p:nvGrpSpPr>
+        <p:cNvPr id="1" name=""/>
+        <p:cNvGrpSpPr/>
+        <p:nvPr/>
+      </p:nvGrpSpPr>
+      <p:grpSpPr>
+        <a:xfrm>
+          <a:off x="0" y="0"/>
+          <a:ext cx="0" cy="0"/>
+          <a:chOff x="0" y="0"/>
+          <a:chExt cx="0" cy="0"/>
+        </a:xfrm>
+      </p:grpSpPr>
+      <p:sp>
+        <p:nvSpPr>
+          <p:cNvPr id="6" name="Title 5"/>
+          <p:cNvSpPr>
+            <a:spLocks noGrp="1"/>
+          </p:cNvSpPr>
+          <p:nvPr>
+            <p:ph type="title"/>
+          </p:nvPr>
+        </p:nvSpPr>
+        <p:spPr/>
+        <p:txBody>
+          <a:bodyPr/>
+          <a:lstStyle/>
+          <a:p>
+            <a:r>
+              <a:rPr lang="en-US" dirty="0" smtClean="0"/>
+              <a:t>NGMW Schematic</a:t>
+            </a:r>
+            <a:endParaRPr lang="en-US" dirty="0"/>
+          </a:p>
+        </p:txBody>
+      </p:sp>
+      <p:pic>
+        <p:nvPicPr>
+          <p:cNvPr id="3" name="Content Placeholder 2" descr="ngmw-schematic-s2.png"/>
           <p:cNvPicPr>
             <a:picLocks noGrp="1" noChangeAspect="1"/>
           </p:cNvPicPr>
@@ -4125,7 +4590,7 @@
               </a:ext>
             </a:extLst>
           </a:blip>
-          <a:srcRect l="-2275" r="-2275"/>
+          <a:srcRect l="-4640" r="-4640"/>
           <a:stretch>
             <a:fillRect/>
           </a:stretch>
@@ -4135,7 +4600,7 @@
     </p:spTree>
     <p:extLst>
       <p:ext uri="{BB962C8B-B14F-4D97-AF65-F5344CB8AC3E}">
-        <p14:creationId xmlns:p14="http://schemas.microsoft.com/office/powerpoint/2010/main" val="3850313995"/>
+        <p14:creationId xmlns:p14="http://schemas.microsoft.com/office/powerpoint/2010/main" val="3281197426"/>
       </p:ext>
     </p:extLst>
   </p:cSld>
@@ -4145,7 +4610,85 @@
 </p:sld>
 </file>
 
-<file path=ppt/slides/slide11.xml><?xml version="1.0" encoding="utf-8"?>
+<file path=ppt/slides/slide12.xml><?xml version="1.0" encoding="utf-8"?>
+<p:sld xmlns:a="http://schemas.openxmlformats.org/drawingml/2006/main" xmlns:r="http://schemas.openxmlformats.org/officeDocument/2006/relationships" xmlns:p="http://schemas.openxmlformats.org/presentationml/2006/main">
+  <p:cSld>
+    <p:spTree>
+      <p:nvGrpSpPr>
+        <p:cNvPr id="1" name=""/>
+        <p:cNvGrpSpPr/>
+        <p:nvPr/>
+      </p:nvGrpSpPr>
+      <p:grpSpPr>
+        <a:xfrm>
+          <a:off x="0" y="0"/>
+          <a:ext cx="0" cy="0"/>
+          <a:chOff x="0" y="0"/>
+          <a:chExt cx="0" cy="0"/>
+        </a:xfrm>
+      </p:grpSpPr>
+      <p:sp>
+        <p:nvSpPr>
+          <p:cNvPr id="6" name="Title 5"/>
+          <p:cNvSpPr>
+            <a:spLocks noGrp="1"/>
+          </p:cNvSpPr>
+          <p:nvPr>
+            <p:ph type="title"/>
+          </p:nvPr>
+        </p:nvSpPr>
+        <p:spPr/>
+        <p:txBody>
+          <a:bodyPr/>
+          <a:lstStyle/>
+          <a:p>
+            <a:r>
+              <a:rPr lang="en-US" dirty="0" smtClean="0"/>
+              <a:t>NGMW Schematic</a:t>
+            </a:r>
+            <a:endParaRPr lang="en-US" dirty="0"/>
+          </a:p>
+        </p:txBody>
+      </p:sp>
+      <p:pic>
+        <p:nvPicPr>
+          <p:cNvPr id="7" name="Content Placeholder 6" descr="ngmw-schematic-s3.png"/>
+          <p:cNvPicPr>
+            <a:picLocks noGrp="1" noChangeAspect="1"/>
+          </p:cNvPicPr>
+          <p:nvPr>
+            <p:ph idx="1"/>
+          </p:nvPr>
+        </p:nvPicPr>
+        <p:blipFill>
+          <a:blip r:embed="rId3">
+            <a:extLst>
+              <a:ext uri="{28A0092B-C50C-407E-A947-70E740481C1C}">
+                <a14:useLocalDpi xmlns:a14="http://schemas.microsoft.com/office/drawing/2010/main" val="0"/>
+              </a:ext>
+            </a:extLst>
+          </a:blip>
+          <a:srcRect t="-8187" b="-8187"/>
+          <a:stretch>
+            <a:fillRect/>
+          </a:stretch>
+        </p:blipFill>
+        <p:spPr/>
+      </p:pic>
+    </p:spTree>
+    <p:extLst>
+      <p:ext uri="{BB962C8B-B14F-4D97-AF65-F5344CB8AC3E}">
+        <p14:creationId xmlns:p14="http://schemas.microsoft.com/office/powerpoint/2010/main" val="1045157440"/>
+      </p:ext>
+    </p:extLst>
+  </p:cSld>
+  <p:clrMapOvr>
+    <a:masterClrMapping/>
+  </p:clrMapOvr>
+</p:sld>
+</file>
+
+<file path=ppt/slides/slide13.xml><?xml version="1.0" encoding="utf-8"?>
 <p:sld xmlns:a="http://schemas.openxmlformats.org/drawingml/2006/main" xmlns:r="http://schemas.openxmlformats.org/officeDocument/2006/relationships" xmlns:p="http://schemas.openxmlformats.org/presentationml/2006/main">
   <p:cSld>
     <p:spTree>
@@ -4373,7 +4916,7 @@
 </p:sld>
 </file>
 
-<file path=ppt/slides/slide12.xml><?xml version="1.0" encoding="utf-8"?>
+<file path=ppt/slides/slide14.xml><?xml version="1.0" encoding="utf-8"?>
 <p:sld xmlns:a="http://schemas.openxmlformats.org/drawingml/2006/main" xmlns:r="http://schemas.openxmlformats.org/officeDocument/2006/relationships" xmlns:p="http://schemas.openxmlformats.org/presentationml/2006/main">
   <p:cSld>
     <p:spTree>
@@ -4613,7 +5156,7 @@
 </p:sld>
 </file>
 
-<file path=ppt/slides/slide13.xml><?xml version="1.0" encoding="utf-8"?>
+<file path=ppt/slides/slide15.xml><?xml version="1.0" encoding="utf-8"?>
 <p:sld xmlns:a="http://schemas.openxmlformats.org/drawingml/2006/main" xmlns:r="http://schemas.openxmlformats.org/officeDocument/2006/relationships" xmlns:p="http://schemas.openxmlformats.org/presentationml/2006/main">
   <p:cSld>
     <p:spTree>
@@ -4703,7 +5246,7 @@
 </p:sld>
 </file>
 
-<file path=ppt/slides/slide14.xml><?xml version="1.0" encoding="utf-8"?>
+<file path=ppt/slides/slide16.xml><?xml version="1.0" encoding="utf-8"?>
 <p:sld xmlns:a="http://schemas.openxmlformats.org/drawingml/2006/main" xmlns:r="http://schemas.openxmlformats.org/officeDocument/2006/relationships" xmlns:p="http://schemas.openxmlformats.org/presentationml/2006/main">
   <p:cSld>
     <p:spTree>
@@ -5041,7 +5584,7 @@
 </p:sld>
 </file>
 
-<file path=ppt/slides/slide15.xml><?xml version="1.0" encoding="utf-8"?>
+<file path=ppt/slides/slide17.xml><?xml version="1.0" encoding="utf-8"?>
 <p:sld xmlns:a="http://schemas.openxmlformats.org/drawingml/2006/main" xmlns:r="http://schemas.openxmlformats.org/officeDocument/2006/relationships" xmlns:p="http://schemas.openxmlformats.org/presentationml/2006/main">
   <p:cSld>
     <p:spTree>
@@ -5119,7 +5662,7 @@
 </p:sld>
 </file>
 
-<file path=ppt/slides/slide16.xml><?xml version="1.0" encoding="utf-8"?>
+<file path=ppt/slides/slide18.xml><?xml version="1.0" encoding="utf-8"?>
 <p:sld xmlns:a="http://schemas.openxmlformats.org/drawingml/2006/main" xmlns:r="http://schemas.openxmlformats.org/officeDocument/2006/relationships" xmlns:p="http://schemas.openxmlformats.org/presentationml/2006/main">
   <p:cSld>
     <p:spTree>
@@ -5197,7 +5740,7 @@
 </p:sld>
 </file>
 
-<file path=ppt/slides/slide17.xml><?xml version="1.0" encoding="utf-8"?>
+<file path=ppt/slides/slide19.xml><?xml version="1.0" encoding="utf-8"?>
 <p:sld xmlns:a="http://schemas.openxmlformats.org/drawingml/2006/main" xmlns:r="http://schemas.openxmlformats.org/officeDocument/2006/relationships" xmlns:p="http://schemas.openxmlformats.org/presentationml/2006/main">
   <p:cSld>
     <p:spTree>
@@ -5641,394 +6184,6 @@
     <p:extLst>
       <p:ext uri="{BB962C8B-B14F-4D97-AF65-F5344CB8AC3E}">
         <p14:creationId xmlns:p14="http://schemas.microsoft.com/office/powerpoint/2010/main" val="1704466999"/>
-      </p:ext>
-    </p:extLst>
-  </p:cSld>
-  <p:clrMapOvr>
-    <a:masterClrMapping/>
-  </p:clrMapOvr>
-  <p:timing>
-    <p:tnLst>
-      <p:par>
-        <p:cTn xmlns:p14="http://schemas.microsoft.com/office/powerpoint/2010/main" id="1" dur="indefinite" restart="never" nodeType="tmRoot"/>
-      </p:par>
-    </p:tnLst>
-  </p:timing>
-</p:sld>
-</file>
-
-<file path=ppt/slides/slide18.xml><?xml version="1.0" encoding="utf-8"?>
-<p:sld xmlns:a="http://schemas.openxmlformats.org/drawingml/2006/main" xmlns:r="http://schemas.openxmlformats.org/officeDocument/2006/relationships" xmlns:p="http://schemas.openxmlformats.org/presentationml/2006/main">
-  <p:cSld>
-    <p:spTree>
-      <p:nvGrpSpPr>
-        <p:cNvPr id="1" name=""/>
-        <p:cNvGrpSpPr/>
-        <p:nvPr/>
-      </p:nvGrpSpPr>
-      <p:grpSpPr>
-        <a:xfrm>
-          <a:off x="0" y="0"/>
-          <a:ext cx="0" cy="0"/>
-          <a:chOff x="0" y="0"/>
-          <a:chExt cx="0" cy="0"/>
-        </a:xfrm>
-      </p:grpSpPr>
-      <p:sp>
-        <p:nvSpPr>
-          <p:cNvPr id="58369" name="Title 1"/>
-          <p:cNvSpPr>
-            <a:spLocks noGrp="1"/>
-          </p:cNvSpPr>
-          <p:nvPr>
-            <p:ph type="title"/>
-          </p:nvPr>
-        </p:nvSpPr>
-        <p:spPr/>
-        <p:txBody>
-          <a:bodyPr/>
-          <a:lstStyle/>
-          <a:p>
-            <a:r>
-              <a:rPr lang="en-US" dirty="0" smtClean="0">
-                <a:latin typeface="Arial" charset="0"/>
-                <a:ea typeface="ＭＳ Ｐゴシック" charset="0"/>
-                <a:cs typeface="ＭＳ Ｐゴシック" charset="0"/>
-              </a:rPr>
-              <a:t>Mapping Tasks to Resources</a:t>
-            </a:r>
-            <a:endParaRPr lang="en-US" dirty="0">
-              <a:latin typeface="Arial" charset="0"/>
-              <a:ea typeface="ＭＳ Ｐゴシック" charset="0"/>
-              <a:cs typeface="ＭＳ Ｐゴシック" charset="0"/>
-            </a:endParaRPr>
-          </a:p>
-        </p:txBody>
-      </p:sp>
-      <p:sp>
-        <p:nvSpPr>
-          <p:cNvPr id="58370" name="Content Placeholder 2"/>
-          <p:cNvSpPr>
-            <a:spLocks noGrp="1"/>
-          </p:cNvSpPr>
-          <p:nvPr>
-            <p:ph idx="1"/>
-          </p:nvPr>
-        </p:nvSpPr>
-        <p:spPr/>
-        <p:txBody>
-          <a:bodyPr/>
-          <a:lstStyle/>
-          <a:p>
-            <a:r>
-              <a:rPr lang="en-US" dirty="0">
-                <a:latin typeface="Arial" charset="0"/>
-                <a:ea typeface="ＭＳ Ｐゴシック" charset="0"/>
-                <a:cs typeface="ＭＳ Ｐゴシック" charset="0"/>
-              </a:rPr>
-              <a:t>Different aspects of mapping tasks to resources</a:t>
-            </a:r>
-          </a:p>
-          <a:p>
-            <a:pPr lvl="1"/>
-            <a:r>
-              <a:rPr lang="en-US" dirty="0">
-                <a:latin typeface="Arial" charset="0"/>
-                <a:ea typeface="ＭＳ Ｐゴシック" charset="0"/>
-              </a:rPr>
-              <a:t>I. Optimal Characterization: Finding the optimal workload </a:t>
-            </a:r>
-            <a:r>
-              <a:rPr lang="en-US" dirty="0" err="1">
-                <a:latin typeface="Arial" charset="0"/>
-                <a:ea typeface="ＭＳ Ｐゴシック" charset="0"/>
-              </a:rPr>
-              <a:t>characterisation</a:t>
-            </a:r>
-            <a:r>
-              <a:rPr lang="en-US" dirty="0">
-                <a:latin typeface="Arial" charset="0"/>
-                <a:ea typeface="ＭＳ Ｐゴシック" charset="0"/>
-              </a:rPr>
-              <a:t> (of an application)</a:t>
-            </a:r>
-          </a:p>
-          <a:p>
-            <a:pPr lvl="2"/>
-            <a:r>
-              <a:rPr lang="en-US" dirty="0">
-                <a:latin typeface="Arial" charset="0"/>
-                <a:ea typeface="ＭＳ Ｐゴシック" charset="0"/>
-              </a:rPr>
-              <a:t>Generality versus specificity. Class of Applications versus Many application classes/types</a:t>
-            </a:r>
-          </a:p>
-          <a:p>
-            <a:pPr lvl="2"/>
-            <a:r>
-              <a:rPr lang="en-US" dirty="0">
-                <a:latin typeface="Arial" charset="0"/>
-                <a:ea typeface="ＭＳ Ｐゴシック" charset="0"/>
-              </a:rPr>
-              <a:t>Different applications have different metrics</a:t>
-            </a:r>
-          </a:p>
-          <a:p>
-            <a:pPr lvl="1"/>
-            <a:r>
-              <a:rPr lang="en-US" dirty="0">
-                <a:latin typeface="Arial" charset="0"/>
-                <a:ea typeface="ＭＳ Ｐゴシック" charset="0"/>
-              </a:rPr>
-              <a:t>II. Optimal Federation: Finding the optimal resource configurations for a given workload </a:t>
-            </a:r>
-          </a:p>
-          <a:p>
-            <a:pPr lvl="2"/>
-            <a:r>
-              <a:rPr lang="en-US" dirty="0">
-                <a:latin typeface="Arial" charset="0"/>
-                <a:ea typeface="ＭＳ Ｐゴシック" charset="0"/>
-              </a:rPr>
-              <a:t>Irrespective of whether it is best representation of an application</a:t>
-            </a:r>
-          </a:p>
-          <a:p>
-            <a:pPr lvl="2"/>
-            <a:r>
-              <a:rPr lang="en-US" dirty="0">
-                <a:latin typeface="Arial" charset="0"/>
-                <a:ea typeface="ＭＳ Ｐゴシック" charset="0"/>
-              </a:rPr>
-              <a:t>Resources availability at extreme scale is variable</a:t>
-            </a:r>
-          </a:p>
-          <a:p>
-            <a:pPr lvl="1"/>
-            <a:r>
-              <a:rPr lang="en-US" dirty="0">
-                <a:latin typeface="Arial" charset="0"/>
-                <a:ea typeface="ＭＳ Ｐゴシック" charset="0"/>
-              </a:rPr>
-              <a:t>III. Optimal Mapping: Workload to Resource Mapping</a:t>
-            </a:r>
-          </a:p>
-          <a:p>
-            <a:pPr lvl="2"/>
-            <a:r>
-              <a:rPr lang="en-US" dirty="0">
-                <a:latin typeface="Arial" charset="0"/>
-                <a:ea typeface="ＭＳ Ｐゴシック" charset="0"/>
-              </a:rPr>
-              <a:t>Static versus Dynamic Mapping</a:t>
-            </a:r>
-          </a:p>
-          <a:p>
-            <a:pPr lvl="3"/>
-            <a:r>
-              <a:rPr lang="en-US" dirty="0">
-                <a:latin typeface="Arial" charset="0"/>
-                <a:ea typeface="ＭＳ Ｐゴシック" charset="0"/>
-              </a:rPr>
-              <a:t>If traditional HPC where workloads are characterized by finite set of kernels then static is acceptable; where workload is dynamic and capture many different applications then</a:t>
-            </a:r>
-          </a:p>
-        </p:txBody>
-      </p:sp>
-    </p:spTree>
-    <p:extLst>
-      <p:ext uri="{BB962C8B-B14F-4D97-AF65-F5344CB8AC3E}">
-        <p14:creationId xmlns:p14="http://schemas.microsoft.com/office/powerpoint/2010/main" val="1666342825"/>
-      </p:ext>
-    </p:extLst>
-  </p:cSld>
-  <p:clrMapOvr>
-    <a:masterClrMapping/>
-  </p:clrMapOvr>
-</p:sld>
-</file>
-
-<file path=ppt/slides/slide19.xml><?xml version="1.0" encoding="utf-8"?>
-<p:sld xmlns:a="http://schemas.openxmlformats.org/drawingml/2006/main" xmlns:r="http://schemas.openxmlformats.org/officeDocument/2006/relationships" xmlns:p="http://schemas.openxmlformats.org/presentationml/2006/main">
-  <p:cSld>
-    <p:spTree>
-      <p:nvGrpSpPr>
-        <p:cNvPr id="1" name=""/>
-        <p:cNvGrpSpPr/>
-        <p:nvPr/>
-      </p:nvGrpSpPr>
-      <p:grpSpPr>
-        <a:xfrm>
-          <a:off x="0" y="0"/>
-          <a:ext cx="0" cy="0"/>
-          <a:chOff x="0" y="0"/>
-          <a:chExt cx="0" cy="0"/>
-        </a:xfrm>
-      </p:grpSpPr>
-      <p:sp>
-        <p:nvSpPr>
-          <p:cNvPr id="2" name="Title 1"/>
-          <p:cNvSpPr>
-            <a:spLocks noGrp="1"/>
-          </p:cNvSpPr>
-          <p:nvPr>
-            <p:ph type="title"/>
-          </p:nvPr>
-        </p:nvSpPr>
-        <p:spPr/>
-        <p:txBody>
-          <a:bodyPr/>
-          <a:lstStyle/>
-          <a:p>
-            <a:r>
-              <a:rPr lang="en-US" dirty="0" smtClean="0"/>
-              <a:t>Organizer’s Questions</a:t>
-            </a:r>
-            <a:endParaRPr lang="en-US" dirty="0"/>
-          </a:p>
-        </p:txBody>
-      </p:sp>
-      <p:sp>
-        <p:nvSpPr>
-          <p:cNvPr id="3" name="Content Placeholder 2"/>
-          <p:cNvSpPr>
-            <a:spLocks noGrp="1"/>
-          </p:cNvSpPr>
-          <p:nvPr>
-            <p:ph idx="1"/>
-          </p:nvPr>
-        </p:nvSpPr>
-        <p:spPr/>
-        <p:txBody>
-          <a:bodyPr/>
-          <a:lstStyle/>
-          <a:p>
-            <a:r>
-              <a:rPr lang="en-US" dirty="0"/>
-              <a:t>W</a:t>
-            </a:r>
-            <a:r>
-              <a:rPr lang="en-US" dirty="0" smtClean="0"/>
-              <a:t>hat </a:t>
-            </a:r>
-            <a:r>
-              <a:rPr lang="en-US" dirty="0"/>
-              <a:t>is the major contribution of your </a:t>
-            </a:r>
-            <a:r>
-              <a:rPr lang="en-US" dirty="0" smtClean="0"/>
-              <a:t>research?</a:t>
-            </a:r>
-          </a:p>
-          <a:p>
-            <a:r>
-              <a:rPr lang="en-US" dirty="0"/>
-              <a:t>W</a:t>
-            </a:r>
-            <a:r>
-              <a:rPr lang="en-US" dirty="0" smtClean="0"/>
-              <a:t>hat </a:t>
-            </a:r>
-            <a:r>
-              <a:rPr lang="en-US" dirty="0"/>
-              <a:t>are the gaps you identify in the research coverage in your area</a:t>
-            </a:r>
-            <a:r>
-              <a:rPr lang="en-US" dirty="0" smtClean="0"/>
-              <a:t>?</a:t>
-            </a:r>
-          </a:p>
-          <a:p>
-            <a:r>
-              <a:rPr lang="en-US" dirty="0"/>
-              <a:t>W</a:t>
-            </a:r>
-            <a:r>
-              <a:rPr lang="en-US" dirty="0" smtClean="0"/>
-              <a:t>hat </a:t>
-            </a:r>
-            <a:r>
-              <a:rPr lang="en-US" dirty="0"/>
-              <a:t>is the bigger picture for your research area? (i.e., identify synergistic projects, complementary projects in technical sense, </a:t>
-            </a:r>
-            <a:r>
-              <a:rPr lang="en-US" dirty="0" err="1"/>
-              <a:t>etc</a:t>
-            </a:r>
-            <a:r>
-              <a:rPr lang="en-US" dirty="0"/>
-              <a:t>) </a:t>
-            </a:r>
-            <a:endParaRPr lang="en-US" dirty="0" smtClean="0"/>
-          </a:p>
-          <a:p>
-            <a:r>
-              <a:rPr lang="en-US" dirty="0"/>
-              <a:t>H</a:t>
-            </a:r>
-            <a:r>
-              <a:rPr lang="en-US" dirty="0" smtClean="0"/>
-              <a:t>ow </a:t>
-            </a:r>
-            <a:r>
-              <a:rPr lang="en-US" dirty="0"/>
-              <a:t>do you see cross-pollination across projects funded by different funding agencies</a:t>
-            </a:r>
-            <a:r>
-              <a:rPr lang="en-US" dirty="0" smtClean="0"/>
-              <a:t>?</a:t>
-            </a:r>
-          </a:p>
-          <a:p>
-            <a:r>
-              <a:rPr lang="en-US" dirty="0"/>
-              <a:t>W</a:t>
-            </a:r>
-            <a:r>
-              <a:rPr lang="en-US" dirty="0" smtClean="0"/>
-              <a:t>hat </a:t>
-            </a:r>
-            <a:r>
-              <a:rPr lang="en-US" dirty="0"/>
-              <a:t>is the one thing that would make it easier/possible to leverage/use the results of other projects to further your own </a:t>
-            </a:r>
-            <a:r>
-              <a:rPr lang="en-US" dirty="0" smtClean="0"/>
-              <a:t>research?</a:t>
-            </a:r>
-          </a:p>
-          <a:p>
-            <a:r>
-              <a:rPr lang="en-US" dirty="0" smtClean="0"/>
-              <a:t>What</a:t>
-            </a:r>
-            <a:r>
-              <a:rPr lang="en-US" dirty="0"/>
-              <a:t>  would you like to most see solved/addressed other than what they are working on?</a:t>
-            </a:r>
-          </a:p>
-          <a:p>
-            <a:pPr marL="0" indent="0">
-              <a:buNone/>
-            </a:pPr>
-            <a:r>
-              <a:rPr lang="en-US" dirty="0"/>
-              <a:t/>
-            </a:r>
-            <a:br>
-              <a:rPr lang="en-US" dirty="0"/>
-            </a:br>
-            <a:endParaRPr lang="en-US" dirty="0"/>
-          </a:p>
-          <a:p>
-            <a:endParaRPr lang="en-US" dirty="0"/>
-          </a:p>
-        </p:txBody>
-      </p:sp>
-    </p:spTree>
-    <p:extLst>
-      <p:ext uri="{BB962C8B-B14F-4D97-AF65-F5344CB8AC3E}">
-        <p14:creationId xmlns:p14="http://schemas.microsoft.com/office/powerpoint/2010/main" val="2665645213"/>
       </p:ext>
     </p:extLst>
   </p:cSld>
@@ -6087,10 +6242,10 @@
               <a:buNone/>
             </a:pPr>
             <a:r>
-              <a:rPr lang="en-US" sz="2400" dirty="0" smtClean="0"/>
+              <a:rPr lang="en-US" dirty="0" smtClean="0"/>
               <a:t>Outline</a:t>
             </a:r>
-            <a:endParaRPr lang="en" sz="2400" dirty="0"/>
+            <a:endParaRPr lang="en" dirty="0"/>
           </a:p>
         </p:txBody>
       </p:sp>
@@ -6156,18 +6311,7 @@
                   </a:schemeClr>
                 </a:solidFill>
               </a:rPr>
-              <a:t> Computing (DEC)</a:t>
-            </a:r>
-            <a:r>
-              <a:rPr lang="en-US" dirty="0" smtClean="0">
-                <a:solidFill>
-                  <a:schemeClr val="tx1">
-                    <a:lumMod val="65000"/>
-                    <a:lumOff val="35000"/>
-                  </a:schemeClr>
-                </a:solidFill>
-              </a:rPr>
-              <a:t>?</a:t>
+              <a:t> Computing (DEC)?</a:t>
             </a:r>
           </a:p>
           <a:p>
@@ -6186,29 +6330,7 @@
                   </a:schemeClr>
                 </a:solidFill>
               </a:rPr>
-              <a:t>Foundational </a:t>
-            </a:r>
-            <a:r>
-              <a:rPr lang="en-US" dirty="0" smtClean="0">
-                <a:solidFill>
-                  <a:schemeClr val="tx1">
-                    <a:lumMod val="65000"/>
-                    <a:lumOff val="35000"/>
-                  </a:schemeClr>
-                </a:solidFill>
-              </a:rPr>
-              <a:t>requirements for </a:t>
-            </a:r>
-            <a:r>
-              <a:rPr lang="en-US" dirty="0" smtClean="0">
-                <a:solidFill>
-                  <a:schemeClr val="tx1">
-                    <a:lumMod val="65000"/>
-                    <a:lumOff val="35000"/>
-                  </a:schemeClr>
-                </a:solidFill>
-              </a:rPr>
-              <a:t>DEC</a:t>
+              <a:t>Foundational requirements for DEC</a:t>
             </a:r>
           </a:p>
           <a:p>
@@ -6322,29 +6444,7 @@
                   </a:schemeClr>
                 </a:solidFill>
               </a:rPr>
-              <a:t>Proposed Architecture for </a:t>
-            </a:r>
-            <a:r>
-              <a:rPr lang="en-US" sz="2000" dirty="0" smtClean="0">
-                <a:solidFill>
-                  <a:schemeClr val="tx1">
-                    <a:lumMod val="65000"/>
-                    <a:lumOff val="35000"/>
-                  </a:schemeClr>
-                </a:solidFill>
-              </a:rPr>
-              <a:t>a model</a:t>
-            </a:r>
-            <a:r>
-              <a:rPr lang="en-US" sz="2000" dirty="0" smtClean="0">
-                <a:solidFill>
-                  <a:schemeClr val="tx1">
-                    <a:lumMod val="65000"/>
-                    <a:lumOff val="35000"/>
-                  </a:schemeClr>
-                </a:solidFill>
-              </a:rPr>
-              <a:t>-based, capability-driven NGMW</a:t>
+              <a:t>Proposed Architecture for a model-based, capability-driven NGMW</a:t>
             </a:r>
           </a:p>
           <a:p>
@@ -6382,104 +6482,8 @@
                   </a:schemeClr>
                 </a:solidFill>
               </a:rPr>
-              <a:t>Applications (A</a:t>
-            </a:r>
-            <a:r>
-              <a:rPr lang="en-US" sz="2000" dirty="0" smtClean="0">
-                <a:solidFill>
-                  <a:schemeClr val="tx1">
-                    <a:lumMod val="65000"/>
-                    <a:lumOff val="35000"/>
-                  </a:schemeClr>
-                </a:solidFill>
-              </a:rPr>
-              <a:t>*, W</a:t>
-            </a:r>
-            <a:r>
-              <a:rPr lang="en-US" sz="2000" dirty="0" smtClean="0">
-                <a:solidFill>
-                  <a:schemeClr val="tx1">
-                    <a:lumMod val="65000"/>
-                    <a:lumOff val="35000"/>
-                  </a:schemeClr>
-                </a:solidFill>
-              </a:rPr>
-              <a:t>*),  Dynamic Resources </a:t>
-            </a:r>
-            <a:r>
-              <a:rPr lang="en-US" sz="2000" dirty="0" smtClean="0">
-                <a:solidFill>
-                  <a:schemeClr val="tx1">
-                    <a:lumMod val="65000"/>
-                    <a:lumOff val="35000"/>
-                  </a:schemeClr>
-                </a:solidFill>
-              </a:rPr>
-              <a:t>and </a:t>
-            </a:r>
-            <a:r>
-              <a:rPr lang="en-US" sz="2000" dirty="0" smtClean="0">
-                <a:solidFill>
-                  <a:schemeClr val="tx1">
-                    <a:lumMod val="65000"/>
-                    <a:lumOff val="35000"/>
-                  </a:schemeClr>
-                </a:solidFill>
-              </a:rPr>
-              <a:t>Infrastructure (P*, I*)</a:t>
-            </a:r>
-            <a:r>
-              <a:rPr lang="en-US" sz="2000" dirty="0" smtClean="0">
-                <a:solidFill>
-                  <a:schemeClr val="tx1">
-                    <a:lumMod val="65000"/>
-                    <a:lumOff val="35000"/>
-                  </a:schemeClr>
-                </a:solidFill>
-              </a:rPr>
-              <a:t>, </a:t>
-            </a:r>
-            <a:r>
-              <a:rPr lang="en-US" sz="2000" dirty="0" smtClean="0">
-                <a:solidFill>
-                  <a:schemeClr val="tx1">
-                    <a:lumMod val="65000"/>
-                    <a:lumOff val="35000"/>
-                  </a:schemeClr>
-                </a:solidFill>
-              </a:rPr>
-              <a:t>Federation </a:t>
-            </a:r>
-            <a:r>
-              <a:rPr lang="en-US" sz="2000" dirty="0" smtClean="0">
-                <a:solidFill>
-                  <a:schemeClr val="tx1">
-                    <a:lumMod val="65000"/>
-                    <a:lumOff val="35000"/>
-                  </a:schemeClr>
-                </a:solidFill>
-              </a:rPr>
-              <a:t>of Infrastructure </a:t>
-            </a:r>
-            <a:r>
-              <a:rPr lang="en-US" sz="2000" dirty="0" smtClean="0">
-                <a:solidFill>
-                  <a:schemeClr val="tx1">
-                    <a:lumMod val="65000"/>
-                    <a:lumOff val="35000"/>
-                  </a:schemeClr>
-                </a:solidFill>
-              </a:rPr>
-              <a:t>(F*)</a:t>
-            </a:r>
-            <a:endParaRPr lang="en-US" sz="2000" dirty="0" smtClean="0">
-              <a:solidFill>
-                <a:schemeClr val="tx1">
-                  <a:lumMod val="65000"/>
-                  <a:lumOff val="35000"/>
-                </a:schemeClr>
-              </a:solidFill>
-            </a:endParaRPr>
+              <a:t>Applications (A*, W*),  Dynamic Resources and Infrastructure (P*, I*), Federation of Infrastructure (F*)</a:t>
+            </a:r>
           </a:p>
           <a:p>
             <a:pPr marL="800100" lvl="1" indent="-342900">
@@ -6624,6 +6628,458 @@
 </file>
 
 <file path=ppt/slides/slide20.xml><?xml version="1.0" encoding="utf-8"?>
+<p:sld xmlns:a="http://schemas.openxmlformats.org/drawingml/2006/main" xmlns:r="http://schemas.openxmlformats.org/officeDocument/2006/relationships" xmlns:p="http://schemas.openxmlformats.org/presentationml/2006/main">
+  <p:cSld>
+    <p:spTree>
+      <p:nvGrpSpPr>
+        <p:cNvPr id="1" name=""/>
+        <p:cNvGrpSpPr/>
+        <p:nvPr/>
+      </p:nvGrpSpPr>
+      <p:grpSpPr>
+        <a:xfrm>
+          <a:off x="0" y="0"/>
+          <a:ext cx="0" cy="0"/>
+          <a:chOff x="0" y="0"/>
+          <a:chExt cx="0" cy="0"/>
+        </a:xfrm>
+      </p:grpSpPr>
+      <p:sp>
+        <p:nvSpPr>
+          <p:cNvPr id="58369" name="Title 1"/>
+          <p:cNvSpPr>
+            <a:spLocks noGrp="1"/>
+          </p:cNvSpPr>
+          <p:nvPr>
+            <p:ph type="title"/>
+          </p:nvPr>
+        </p:nvSpPr>
+        <p:spPr/>
+        <p:txBody>
+          <a:bodyPr/>
+          <a:lstStyle/>
+          <a:p>
+            <a:r>
+              <a:rPr lang="en-US" dirty="0" smtClean="0">
+                <a:latin typeface="Arial" charset="0"/>
+                <a:ea typeface="ＭＳ Ｐゴシック" charset="0"/>
+                <a:cs typeface="ＭＳ Ｐゴシック" charset="0"/>
+              </a:rPr>
+              <a:t>Mapping Tasks to Resources</a:t>
+            </a:r>
+            <a:endParaRPr lang="en-US" dirty="0">
+              <a:latin typeface="Arial" charset="0"/>
+              <a:ea typeface="ＭＳ Ｐゴシック" charset="0"/>
+              <a:cs typeface="ＭＳ Ｐゴシック" charset="0"/>
+            </a:endParaRPr>
+          </a:p>
+        </p:txBody>
+      </p:sp>
+      <p:sp>
+        <p:nvSpPr>
+          <p:cNvPr id="58370" name="Content Placeholder 2"/>
+          <p:cNvSpPr>
+            <a:spLocks noGrp="1"/>
+          </p:cNvSpPr>
+          <p:nvPr>
+            <p:ph idx="1"/>
+          </p:nvPr>
+        </p:nvSpPr>
+        <p:spPr/>
+        <p:txBody>
+          <a:bodyPr/>
+          <a:lstStyle/>
+          <a:p>
+            <a:r>
+              <a:rPr lang="en-US" dirty="0">
+                <a:latin typeface="Arial" charset="0"/>
+                <a:ea typeface="ＭＳ Ｐゴシック" charset="0"/>
+                <a:cs typeface="ＭＳ Ｐゴシック" charset="0"/>
+              </a:rPr>
+              <a:t>Different aspects of mapping tasks to resources</a:t>
+            </a:r>
+          </a:p>
+          <a:p>
+            <a:pPr lvl="1"/>
+            <a:r>
+              <a:rPr lang="en-US" dirty="0" smtClean="0">
+                <a:latin typeface="Arial" charset="0"/>
+                <a:ea typeface="ＭＳ Ｐゴシック" charset="0"/>
+              </a:rPr>
+              <a:t>Optimal </a:t>
+            </a:r>
+            <a:r>
+              <a:rPr lang="en-US" dirty="0">
+                <a:latin typeface="Arial" charset="0"/>
+                <a:ea typeface="ＭＳ Ｐゴシック" charset="0"/>
+              </a:rPr>
+              <a:t>Characterization: Finding the optimal workload </a:t>
+            </a:r>
+            <a:r>
+              <a:rPr lang="en-US" dirty="0" smtClean="0">
+                <a:latin typeface="Arial" charset="0"/>
+                <a:ea typeface="ＭＳ Ｐゴシック" charset="0"/>
+              </a:rPr>
+              <a:t>characterization </a:t>
+            </a:r>
+            <a:r>
+              <a:rPr lang="en-US" dirty="0">
+                <a:latin typeface="Arial" charset="0"/>
+                <a:ea typeface="ＭＳ Ｐゴシック" charset="0"/>
+              </a:rPr>
+              <a:t>(of an application)</a:t>
+            </a:r>
+          </a:p>
+          <a:p>
+            <a:pPr lvl="2"/>
+            <a:r>
+              <a:rPr lang="en-US" dirty="0">
+                <a:latin typeface="Arial" charset="0"/>
+                <a:ea typeface="ＭＳ Ｐゴシック" charset="0"/>
+              </a:rPr>
+              <a:t>Generality versus specificity. Class of Applications versus Many application classes/types</a:t>
+            </a:r>
+          </a:p>
+          <a:p>
+            <a:pPr lvl="2"/>
+            <a:r>
+              <a:rPr lang="en-US" dirty="0">
+                <a:latin typeface="Arial" charset="0"/>
+                <a:ea typeface="ＭＳ Ｐゴシック" charset="0"/>
+              </a:rPr>
+              <a:t>Different applications have different </a:t>
+            </a:r>
+            <a:r>
+              <a:rPr lang="en-US" dirty="0" smtClean="0">
+                <a:latin typeface="Arial" charset="0"/>
+                <a:ea typeface="ＭＳ Ｐゴシック" charset="0"/>
+              </a:rPr>
+              <a:t>metrics</a:t>
+            </a:r>
+          </a:p>
+          <a:p>
+            <a:pPr lvl="2"/>
+            <a:endParaRPr lang="en-US" dirty="0">
+              <a:latin typeface="Arial" charset="0"/>
+              <a:ea typeface="ＭＳ Ｐゴシック" charset="0"/>
+            </a:endParaRPr>
+          </a:p>
+          <a:p>
+            <a:pPr lvl="1"/>
+            <a:r>
+              <a:rPr lang="en-US" dirty="0" smtClean="0">
+                <a:latin typeface="Arial" charset="0"/>
+                <a:ea typeface="ＭＳ Ｐゴシック" charset="0"/>
+              </a:rPr>
+              <a:t>Optimal </a:t>
+            </a:r>
+            <a:r>
+              <a:rPr lang="en-US" dirty="0">
+                <a:latin typeface="Arial" charset="0"/>
+                <a:ea typeface="ＭＳ Ｐゴシック" charset="0"/>
+              </a:rPr>
+              <a:t>Federation: Finding the optimal </a:t>
+            </a:r>
+            <a:r>
+              <a:rPr lang="en-US" dirty="0" smtClean="0">
+                <a:latin typeface="Arial" charset="0"/>
+                <a:ea typeface="ＭＳ Ｐゴシック" charset="0"/>
+              </a:rPr>
+              <a:t>infrastructure </a:t>
+            </a:r>
+            <a:r>
+              <a:rPr lang="en-US" dirty="0">
+                <a:latin typeface="Arial" charset="0"/>
+                <a:ea typeface="ＭＳ Ｐゴシック" charset="0"/>
+              </a:rPr>
+              <a:t>configurations for a given workload </a:t>
+            </a:r>
+          </a:p>
+          <a:p>
+            <a:pPr lvl="2"/>
+            <a:r>
+              <a:rPr lang="en-US" dirty="0">
+                <a:latin typeface="Arial" charset="0"/>
+                <a:ea typeface="ＭＳ Ｐゴシック" charset="0"/>
+              </a:rPr>
+              <a:t>Irrespective of whether it is best representation of an application</a:t>
+            </a:r>
+          </a:p>
+          <a:p>
+            <a:pPr lvl="2"/>
+            <a:r>
+              <a:rPr lang="en-US" dirty="0">
+                <a:latin typeface="Arial" charset="0"/>
+                <a:ea typeface="ＭＳ Ｐゴシック" charset="0"/>
+              </a:rPr>
+              <a:t>Resources availability at extreme scale is </a:t>
+            </a:r>
+            <a:r>
+              <a:rPr lang="en-US" dirty="0" smtClean="0">
+                <a:latin typeface="Arial" charset="0"/>
+                <a:ea typeface="ＭＳ Ｐゴシック" charset="0"/>
+              </a:rPr>
+              <a:t>variable</a:t>
+            </a:r>
+          </a:p>
+          <a:p>
+            <a:pPr lvl="2"/>
+            <a:endParaRPr lang="en-US" dirty="0">
+              <a:latin typeface="Arial" charset="0"/>
+              <a:ea typeface="ＭＳ Ｐゴシック" charset="0"/>
+            </a:endParaRPr>
+          </a:p>
+          <a:p>
+            <a:pPr lvl="1"/>
+            <a:r>
+              <a:rPr lang="en-US" dirty="0" smtClean="0">
+                <a:latin typeface="Arial" charset="0"/>
+                <a:ea typeface="ＭＳ Ｐゴシック" charset="0"/>
+              </a:rPr>
+              <a:t>Optimal </a:t>
+            </a:r>
+            <a:r>
+              <a:rPr lang="en-US" dirty="0">
+                <a:latin typeface="Arial" charset="0"/>
+                <a:ea typeface="ＭＳ Ｐゴシック" charset="0"/>
+              </a:rPr>
+              <a:t>Mapping: Workload to Resource Mapping</a:t>
+            </a:r>
+          </a:p>
+          <a:p>
+            <a:pPr lvl="2"/>
+            <a:r>
+              <a:rPr lang="en-US" dirty="0">
+                <a:latin typeface="Arial" charset="0"/>
+                <a:ea typeface="ＭＳ Ｐゴシック" charset="0"/>
+              </a:rPr>
+              <a:t>Static versus Dynamic </a:t>
+            </a:r>
+            <a:r>
+              <a:rPr lang="en-US" dirty="0" smtClean="0">
+                <a:latin typeface="Arial" charset="0"/>
+                <a:ea typeface="ＭＳ Ｐゴシック" charset="0"/>
+              </a:rPr>
+              <a:t>Mapping</a:t>
+            </a:r>
+            <a:endParaRPr lang="en-US" dirty="0">
+              <a:latin typeface="Arial" charset="0"/>
+              <a:ea typeface="ＭＳ Ｐゴシック" charset="0"/>
+            </a:endParaRPr>
+          </a:p>
+        </p:txBody>
+      </p:sp>
+    </p:spTree>
+    <p:extLst>
+      <p:ext uri="{BB962C8B-B14F-4D97-AF65-F5344CB8AC3E}">
+        <p14:creationId xmlns:p14="http://schemas.microsoft.com/office/powerpoint/2010/main" val="1666342825"/>
+      </p:ext>
+    </p:extLst>
+  </p:cSld>
+  <p:clrMapOvr>
+    <a:masterClrMapping/>
+  </p:clrMapOvr>
+</p:sld>
+</file>
+
+<file path=ppt/slides/slide21.xml><?xml version="1.0" encoding="utf-8"?>
+<p:sld xmlns:a="http://schemas.openxmlformats.org/drawingml/2006/main" xmlns:r="http://schemas.openxmlformats.org/officeDocument/2006/relationships" xmlns:p="http://schemas.openxmlformats.org/presentationml/2006/main">
+  <p:cSld>
+    <p:spTree>
+      <p:nvGrpSpPr>
+        <p:cNvPr id="1" name=""/>
+        <p:cNvGrpSpPr/>
+        <p:nvPr/>
+      </p:nvGrpSpPr>
+      <p:grpSpPr>
+        <a:xfrm>
+          <a:off x="0" y="0"/>
+          <a:ext cx="0" cy="0"/>
+          <a:chOff x="0" y="0"/>
+          <a:chExt cx="0" cy="0"/>
+        </a:xfrm>
+      </p:grpSpPr>
+      <p:sp>
+        <p:nvSpPr>
+          <p:cNvPr id="2" name="Title 1"/>
+          <p:cNvSpPr>
+            <a:spLocks noGrp="1"/>
+          </p:cNvSpPr>
+          <p:nvPr>
+            <p:ph type="title"/>
+          </p:nvPr>
+        </p:nvSpPr>
+        <p:spPr/>
+        <p:txBody>
+          <a:bodyPr/>
+          <a:lstStyle/>
+          <a:p>
+            <a:r>
+              <a:rPr lang="en-US" dirty="0" smtClean="0"/>
+              <a:t>Organizer’s Questions</a:t>
+            </a:r>
+            <a:endParaRPr lang="en-US" dirty="0"/>
+          </a:p>
+        </p:txBody>
+      </p:sp>
+      <p:sp>
+        <p:nvSpPr>
+          <p:cNvPr id="3" name="Content Placeholder 2"/>
+          <p:cNvSpPr>
+            <a:spLocks noGrp="1"/>
+          </p:cNvSpPr>
+          <p:nvPr>
+            <p:ph idx="1"/>
+          </p:nvPr>
+        </p:nvSpPr>
+        <p:spPr/>
+        <p:txBody>
+          <a:bodyPr/>
+          <a:lstStyle/>
+          <a:p>
+            <a:r>
+              <a:rPr lang="en-US" dirty="0"/>
+              <a:t>W</a:t>
+            </a:r>
+            <a:r>
+              <a:rPr lang="en-US" dirty="0" smtClean="0"/>
+              <a:t>hat </a:t>
+            </a:r>
+            <a:r>
+              <a:rPr lang="en-US" dirty="0"/>
+              <a:t>is the major contribution of your </a:t>
+            </a:r>
+            <a:r>
+              <a:rPr lang="en-US" dirty="0" smtClean="0"/>
+              <a:t>research?</a:t>
+            </a:r>
+          </a:p>
+          <a:p>
+            <a:r>
+              <a:rPr lang="en-US" dirty="0"/>
+              <a:t>W</a:t>
+            </a:r>
+            <a:r>
+              <a:rPr lang="en-US" dirty="0" smtClean="0"/>
+              <a:t>hat </a:t>
+            </a:r>
+            <a:r>
+              <a:rPr lang="en-US" dirty="0"/>
+              <a:t>are the gaps you identify in the research coverage in your area</a:t>
+            </a:r>
+            <a:r>
+              <a:rPr lang="en-US" dirty="0" smtClean="0"/>
+              <a:t>?</a:t>
+            </a:r>
+          </a:p>
+          <a:p>
+            <a:r>
+              <a:rPr lang="en-US" dirty="0"/>
+              <a:t>W</a:t>
+            </a:r>
+            <a:r>
+              <a:rPr lang="en-US" dirty="0" smtClean="0"/>
+              <a:t>hat </a:t>
+            </a:r>
+            <a:r>
+              <a:rPr lang="en-US" dirty="0"/>
+              <a:t>is the bigger picture for your research area? (i.e., identify synergistic projects, complementary projects in technical sense, </a:t>
+            </a:r>
+            <a:r>
+              <a:rPr lang="en-US" dirty="0" err="1"/>
+              <a:t>etc</a:t>
+            </a:r>
+            <a:r>
+              <a:rPr lang="en-US" dirty="0"/>
+              <a:t>) </a:t>
+            </a:r>
+            <a:endParaRPr lang="en-US" dirty="0" smtClean="0"/>
+          </a:p>
+          <a:p>
+            <a:r>
+              <a:rPr lang="en-US" dirty="0"/>
+              <a:t>H</a:t>
+            </a:r>
+            <a:r>
+              <a:rPr lang="en-US" dirty="0" smtClean="0"/>
+              <a:t>ow </a:t>
+            </a:r>
+            <a:r>
+              <a:rPr lang="en-US" dirty="0"/>
+              <a:t>do you see cross-pollination across projects funded by different funding agencies</a:t>
+            </a:r>
+            <a:r>
+              <a:rPr lang="en-US" dirty="0" smtClean="0"/>
+              <a:t>?</a:t>
+            </a:r>
+          </a:p>
+          <a:p>
+            <a:r>
+              <a:rPr lang="en-US" dirty="0"/>
+              <a:t>W</a:t>
+            </a:r>
+            <a:r>
+              <a:rPr lang="en-US" dirty="0" smtClean="0"/>
+              <a:t>hat </a:t>
+            </a:r>
+            <a:r>
+              <a:rPr lang="en-US" dirty="0"/>
+              <a:t>is the one thing that would make it easier/possible to leverage/use the results of other projects to further your own </a:t>
+            </a:r>
+            <a:r>
+              <a:rPr lang="en-US" dirty="0" smtClean="0"/>
+              <a:t>research?</a:t>
+            </a:r>
+          </a:p>
+          <a:p>
+            <a:r>
+              <a:rPr lang="en-US" dirty="0" smtClean="0"/>
+              <a:t>What</a:t>
+            </a:r>
+            <a:r>
+              <a:rPr lang="en-US" dirty="0"/>
+              <a:t>  would you like to most see solved/addressed other than what they are working on?</a:t>
+            </a:r>
+          </a:p>
+          <a:p>
+            <a:pPr marL="0" indent="0">
+              <a:buNone/>
+            </a:pPr>
+            <a:r>
+              <a:rPr lang="en-US" dirty="0"/>
+              <a:t/>
+            </a:r>
+            <a:br>
+              <a:rPr lang="en-US" dirty="0"/>
+            </a:br>
+            <a:endParaRPr lang="en-US" dirty="0"/>
+          </a:p>
+          <a:p>
+            <a:endParaRPr lang="en-US" dirty="0"/>
+          </a:p>
+        </p:txBody>
+      </p:sp>
+    </p:spTree>
+    <p:extLst>
+      <p:ext uri="{BB962C8B-B14F-4D97-AF65-F5344CB8AC3E}">
+        <p14:creationId xmlns:p14="http://schemas.microsoft.com/office/powerpoint/2010/main" val="2665645213"/>
+      </p:ext>
+    </p:extLst>
+  </p:cSld>
+  <p:clrMapOvr>
+    <a:masterClrMapping/>
+  </p:clrMapOvr>
+  <p:timing>
+    <p:tnLst>
+      <p:par>
+        <p:cTn xmlns:p14="http://schemas.microsoft.com/office/powerpoint/2010/main" id="1" dur="indefinite" restart="never" nodeType="tmRoot"/>
+      </p:par>
+    </p:tnLst>
+  </p:timing>
+</p:sld>
+</file>
+
+<file path=ppt/slides/slide22.xml><?xml version="1.0" encoding="utf-8"?>
 <p:sld xmlns:a="http://schemas.openxmlformats.org/drawingml/2006/main" xmlns:r="http://schemas.openxmlformats.org/officeDocument/2006/relationships" xmlns:p="http://schemas.openxmlformats.org/presentationml/2006/main">
   <p:cSld>
     <p:spTree>
@@ -6887,7 +7343,7 @@
 </p:sld>
 </file>
 
-<file path=ppt/slides/slide21.xml><?xml version="1.0" encoding="utf-8"?>
+<file path=ppt/slides/slide23.xml><?xml version="1.0" encoding="utf-8"?>
 <p:sld xmlns:a="http://schemas.openxmlformats.org/drawingml/2006/main" xmlns:r="http://schemas.openxmlformats.org/officeDocument/2006/relationships" xmlns:p="http://schemas.openxmlformats.org/presentationml/2006/main">
   <p:cSld>
     <p:spTree>
@@ -6981,6 +7437,84 @@
     <p:extLst>
       <p:ext uri="{BB962C8B-B14F-4D97-AF65-F5344CB8AC3E}">
         <p14:creationId xmlns:p14="http://schemas.microsoft.com/office/powerpoint/2010/main" val="1502657920"/>
+      </p:ext>
+    </p:extLst>
+  </p:cSld>
+  <p:clrMapOvr>
+    <a:masterClrMapping/>
+  </p:clrMapOvr>
+</p:sld>
+</file>
+
+<file path=ppt/slides/slide24.xml><?xml version="1.0" encoding="utf-8"?>
+<p:sld xmlns:a="http://schemas.openxmlformats.org/drawingml/2006/main" xmlns:r="http://schemas.openxmlformats.org/officeDocument/2006/relationships" xmlns:p="http://schemas.openxmlformats.org/presentationml/2006/main">
+  <p:cSld>
+    <p:spTree>
+      <p:nvGrpSpPr>
+        <p:cNvPr id="1" name=""/>
+        <p:cNvGrpSpPr/>
+        <p:nvPr/>
+      </p:nvGrpSpPr>
+      <p:grpSpPr>
+        <a:xfrm>
+          <a:off x="0" y="0"/>
+          <a:ext cx="0" cy="0"/>
+          <a:chOff x="0" y="0"/>
+          <a:chExt cx="0" cy="0"/>
+        </a:xfrm>
+      </p:grpSpPr>
+      <p:sp>
+        <p:nvSpPr>
+          <p:cNvPr id="6" name="Title 5"/>
+          <p:cNvSpPr>
+            <a:spLocks noGrp="1"/>
+          </p:cNvSpPr>
+          <p:nvPr>
+            <p:ph type="title"/>
+          </p:nvPr>
+        </p:nvSpPr>
+        <p:spPr/>
+        <p:txBody>
+          <a:bodyPr/>
+          <a:lstStyle/>
+          <a:p>
+            <a:r>
+              <a:rPr lang="en-US" dirty="0" smtClean="0"/>
+              <a:t>NGMW Schematic</a:t>
+            </a:r>
+            <a:endParaRPr lang="en-US" dirty="0"/>
+          </a:p>
+        </p:txBody>
+      </p:sp>
+      <p:pic>
+        <p:nvPicPr>
+          <p:cNvPr id="3" name="Content Placeholder 2" descr="ngmw-schematic-1.png"/>
+          <p:cNvPicPr>
+            <a:picLocks noGrp="1" noChangeAspect="1"/>
+          </p:cNvPicPr>
+          <p:nvPr>
+            <p:ph idx="1"/>
+          </p:nvPr>
+        </p:nvPicPr>
+        <p:blipFill>
+          <a:blip r:embed="rId3">
+            <a:extLst>
+              <a:ext uri="{28A0092B-C50C-407E-A947-70E740481C1C}">
+                <a14:useLocalDpi xmlns:a14="http://schemas.microsoft.com/office/drawing/2010/main" val="0"/>
+              </a:ext>
+            </a:extLst>
+          </a:blip>
+          <a:srcRect l="-2275" r="-2275"/>
+          <a:stretch>
+            <a:fillRect/>
+          </a:stretch>
+        </p:blipFill>
+        <p:spPr/>
+      </p:pic>
+    </p:spTree>
+    <p:extLst>
+      <p:ext uri="{BB962C8B-B14F-4D97-AF65-F5344CB8AC3E}">
+        <p14:creationId xmlns:p14="http://schemas.microsoft.com/office/powerpoint/2010/main" val="957286402"/>
       </p:ext>
     </p:extLst>
   </p:cSld>
@@ -7306,15 +7840,7 @@
             </a:pPr>
             <a:r>
               <a:rPr lang="en-US" dirty="0" smtClean="0"/>
-              <a:t>First </a:t>
-            </a:r>
-            <a:r>
-              <a:rPr lang="en-US" dirty="0" smtClean="0"/>
-              <a:t>generation </a:t>
-            </a:r>
-            <a:r>
-              <a:rPr lang="en-US" dirty="0" smtClean="0"/>
-              <a:t>of DC characterized by “</a:t>
+              <a:t>First generation of DC characterized by “</a:t>
             </a:r>
             <a:r>
               <a:rPr lang="en-US" dirty="0" err="1" smtClean="0"/>
@@ -7322,11 +7848,7 @@
             </a:r>
             <a:r>
               <a:rPr lang="en-US" dirty="0" smtClean="0"/>
-              <a:t> it” </a:t>
-            </a:r>
-            <a:r>
-              <a:rPr lang="en-US" dirty="0" smtClean="0"/>
-              <a:t>together</a:t>
+              <a:t> it” together</a:t>
             </a:r>
           </a:p>
           <a:p>
@@ -7501,6 +8023,62 @@
             </a:r>
           </a:p>
           <a:p>
+            <a:pPr marL="1260475" lvl="3" indent="-342900">
+              <a:lnSpc>
+                <a:spcPct val="90000"/>
+              </a:lnSpc>
+              <a:spcBef>
+                <a:spcPts val="1200"/>
+              </a:spcBef>
+              <a:buFont typeface="Lucida Grande"/>
+              <a:buChar char="－"/>
+            </a:pPr>
+            <a:r>
+              <a:rPr lang="en-US" sz="2000" dirty="0" smtClean="0">
+                <a:latin typeface="Arial" charset="0"/>
+                <a:ea typeface="ＭＳ Ｐゴシック" charset="0"/>
+              </a:rPr>
+              <a:t>Missing principles and practice of “systems in the large” </a:t>
+            </a:r>
+            <a:endParaRPr lang="en-US" sz="2000" dirty="0">
+              <a:latin typeface="Arial" charset="0"/>
+              <a:ea typeface="ＭＳ Ｐゴシック" charset="0"/>
+            </a:endParaRPr>
+          </a:p>
+          <a:p>
+            <a:pPr marL="917575" lvl="3" indent="0">
+              <a:lnSpc>
+                <a:spcPct val="90000"/>
+              </a:lnSpc>
+              <a:spcBef>
+                <a:spcPts val="1200"/>
+              </a:spcBef>
+              <a:buNone/>
+            </a:pPr>
+            <a:endParaRPr lang="en-US" sz="2000" dirty="0"/>
+          </a:p>
+          <a:p>
+            <a:pPr>
+              <a:lnSpc>
+                <a:spcPct val="90000"/>
+              </a:lnSpc>
+            </a:pPr>
+            <a:r>
+              <a:rPr lang="en-US" dirty="0" smtClean="0">
+                <a:latin typeface="Arial" charset="0"/>
+                <a:ea typeface="ＭＳ Ｐゴシック" charset="0"/>
+              </a:rPr>
+              <a:t>Absence </a:t>
+            </a:r>
+            <a:r>
+              <a:rPr lang="en-US" dirty="0">
+                <a:latin typeface="Arial" charset="0"/>
+                <a:ea typeface="ＭＳ Ｐゴシック" charset="0"/>
+              </a:rPr>
+              <a:t>of analytical models of applications, infrastructure </a:t>
+            </a:r>
+          </a:p>
+          <a:p>
             <a:pPr marL="750888" lvl="2" indent="-342900">
               <a:lnSpc>
                 <a:spcPct val="90000"/>
@@ -7511,44 +8089,6 @@
               <a:buFont typeface="Lucida Grande"/>
               <a:buChar char="－"/>
             </a:pPr>
-            <a:endParaRPr lang="en-US" sz="2000" dirty="0"/>
-          </a:p>
-          <a:p>
-            <a:pPr>
-              <a:lnSpc>
-                <a:spcPct val="90000"/>
-              </a:lnSpc>
-            </a:pPr>
-            <a:r>
-              <a:rPr lang="en-US" dirty="0" smtClean="0">
-                <a:latin typeface="Arial" charset="0"/>
-                <a:ea typeface="ＭＳ Ｐゴシック" charset="0"/>
-              </a:rPr>
-              <a:t>Absence </a:t>
-            </a:r>
-            <a:r>
-              <a:rPr lang="en-US" dirty="0">
-                <a:latin typeface="Arial" charset="0"/>
-                <a:ea typeface="ＭＳ Ｐゴシック" charset="0"/>
-              </a:rPr>
-              <a:t>of analytical models of applications, infrastructure </a:t>
-            </a:r>
-            <a:endParaRPr lang="en-US" dirty="0">
-              <a:latin typeface="Arial" charset="0"/>
-              <a:ea typeface="ＭＳ Ｐゴシック" charset="0"/>
-            </a:endParaRPr>
-          </a:p>
-          <a:p>
-            <a:pPr marL="750888" lvl="2" indent="-342900">
-              <a:lnSpc>
-                <a:spcPct val="90000"/>
-              </a:lnSpc>
-              <a:spcBef>
-                <a:spcPts val="1200"/>
-              </a:spcBef>
-              <a:buFont typeface="Lucida Grande"/>
-              <a:buChar char="－"/>
-            </a:pPr>
             <a:r>
               <a:rPr lang="en-US" sz="2000" dirty="0" smtClean="0">
                 <a:latin typeface="Arial" charset="0"/>
@@ -7563,10 +8103,6 @@
               </a:rPr>
               <a:t>a general workload there is an inability to estimate how long a workload will take? And where to execute? </a:t>
             </a:r>
-            <a:endParaRPr lang="en-US" sz="2000" dirty="0">
-              <a:latin typeface="Arial" charset="0"/>
-              <a:ea typeface="ＭＳ Ｐゴシック" charset="0"/>
-            </a:endParaRPr>
           </a:p>
           <a:p>
             <a:pPr marL="750888" lvl="2" indent="-342900">
@@ -7726,11 +8262,7 @@
             </a:r>
             <a:r>
               <a:rPr lang="en" sz="2200" dirty="0" smtClean="0"/>
-              <a:t>broad </a:t>
-            </a:r>
-            <a:r>
-              <a:rPr lang="en" sz="2200" dirty="0" smtClean="0"/>
-              <a:t>range of </a:t>
+              <a:t>broad range of </a:t>
             </a:r>
             <a:r>
               <a:rPr lang="en-US" sz="2200" dirty="0"/>
@@ -7738,11 +8270,7 @@
             </a:r>
             <a:r>
               <a:rPr lang="en-US" sz="2200" dirty="0" smtClean="0"/>
-              <a:t>pplication </a:t>
-            </a:r>
-            <a:r>
-              <a:rPr lang="en-US" sz="2200" dirty="0" smtClean="0"/>
-              <a:t>requirements</a:t>
+              <a:t>pplication requirements</a:t>
             </a:r>
           </a:p>
           <a:p>
@@ -7798,23 +8326,11 @@
             </a:r>
             <a:r>
               <a:rPr lang="en-US" sz="2000" dirty="0" smtClean="0"/>
-              <a:t>coupled with </a:t>
-            </a:r>
-            <a:r>
-              <a:rPr lang="en-US" sz="2000" dirty="0" smtClean="0"/>
-              <a:t>distributed data from </a:t>
+              <a:t>coupled with distributed data from </a:t>
             </a:r>
             <a:r>
               <a:rPr lang="en" sz="2000" dirty="0" smtClean="0"/>
-              <a:t> </a:t>
-            </a:r>
-            <a:r>
-              <a:rPr lang="en" sz="2000" dirty="0" smtClean="0"/>
-              <a:t>scientific experiments at global </a:t>
-            </a:r>
-            <a:r>
-              <a:rPr lang="en" sz="2000" dirty="0" smtClean="0"/>
-              <a:t>scale</a:t>
+              <a:t> scientific experiments at global scale</a:t>
             </a:r>
             <a:r>
               <a:rPr lang="en-US" sz="2000" dirty="0" smtClean="0"/>
@@ -7833,17 +8349,8 @@
             </a:pPr>
             <a:r>
               <a:rPr lang="en-US" sz="2000" dirty="0" smtClean="0"/>
-              <a:t>Move away from static </a:t>
-            </a:r>
-            <a:r>
-              <a:rPr lang="en-US" sz="2000" dirty="0" smtClean="0"/>
-              <a:t>formulation to </a:t>
-            </a:r>
-            <a:r>
-              <a:rPr lang="en-US" sz="2000" dirty="0" smtClean="0"/>
-              <a:t>adaptive applications</a:t>
-            </a:r>
-            <a:endParaRPr lang="en-US" sz="2000" dirty="0" smtClean="0"/>
+              <a:t>Move away from static formulation to adaptive applications</a:t>
+            </a:r>
           </a:p>
           <a:p>
             <a:pPr>
@@ -7970,7 +8477,6 @@
               <a:rPr lang="en-US" sz="2000" dirty="0"/>
               <a:t>? What and where to distribute?</a:t>
             </a:r>
-            <a:endParaRPr lang="en-US" sz="2000" dirty="0"/>
           </a:p>
         </p:txBody>
       </p:sp>
@@ -8108,7 +8614,37 @@
             </a:r>
           </a:p>
           <a:p>
-            <a:pPr marL="800100" lvl="1" indent="-342900">
+            <a:pPr lvl="1">
+              <a:lnSpc>
+                <a:spcPct val="90000"/>
+              </a:lnSpc>
+            </a:pPr>
+            <a:r>
+              <a:rPr lang="en-US" sz="2000" dirty="0" smtClean="0">
+                <a:latin typeface="Arial" charset="0"/>
+                <a:ea typeface="ＭＳ Ｐゴシック" charset="0"/>
+                <a:cs typeface="ＭＳ Ｐゴシック" charset="0"/>
+              </a:rPr>
+              <a:t>Metrics of performance is varied</a:t>
+            </a:r>
+          </a:p>
+          <a:p>
+            <a:pPr lvl="1">
+              <a:lnSpc>
+                <a:spcPct val="90000"/>
+              </a:lnSpc>
+            </a:pPr>
+            <a:r>
+              <a:rPr lang="en-US" sz="2000" dirty="0" smtClean="0">
+                <a:latin typeface="Arial" charset="0"/>
+                <a:ea typeface="ＭＳ Ｐゴシック" charset="0"/>
+                <a:cs typeface="ＭＳ Ｐゴシック" charset="0"/>
+              </a:rPr>
+              <a:t>Composed of heterogeneous services</a:t>
+            </a:r>
+          </a:p>
+          <a:p>
+            <a:pPr marL="344488" indent="-342900">
               <a:lnSpc>
                 <a:spcPct val="90000"/>
               </a:lnSpc>
@@ -8119,11 +8655,41 @@
                 <a:ea typeface="ＭＳ Ｐゴシック" charset="0"/>
                 <a:cs typeface="ＭＳ Ｐゴシック" charset="0"/>
               </a:rPr>
-              <a:t>Metrics of performance is varied</a:t>
-            </a:r>
-          </a:p>
-          <a:p>
-            <a:pPr marL="800100" lvl="1" indent="-342900">
+              <a:t>In general application structure simple but infrastructural requirements difficult</a:t>
+            </a:r>
+          </a:p>
+          <a:p>
+            <a:pPr lvl="1">
+              <a:lnSpc>
+                <a:spcPct val="90000"/>
+              </a:lnSpc>
+            </a:pPr>
+            <a:r>
+              <a:rPr lang="en-US" sz="2000" dirty="0" smtClean="0">
+                <a:latin typeface="Arial" charset="0"/>
+                <a:ea typeface="ＭＳ Ｐゴシック" charset="0"/>
+                <a:cs typeface="ＭＳ Ｐゴシック" charset="0"/>
+              </a:rPr>
+              <a:t>Task-level composition and coordination is important and varied</a:t>
+            </a:r>
+          </a:p>
+          <a:p>
+            <a:pPr lvl="1">
+              <a:lnSpc>
+                <a:spcPct val="90000"/>
+              </a:lnSpc>
+            </a:pPr>
+            <a:r>
+              <a:rPr lang="en-US" sz="2000" dirty="0" smtClean="0">
+                <a:latin typeface="Arial" charset="0"/>
+                <a:ea typeface="ＭＳ Ｐゴシック" charset="0"/>
+                <a:cs typeface="ＭＳ Ｐゴシック" charset="0"/>
+              </a:rPr>
+              <a:t>External data infrastructure, repositories</a:t>
+            </a:r>
+          </a:p>
+          <a:p>
+            <a:pPr marL="344488" indent="-342900">
               <a:lnSpc>
                 <a:spcPct val="90000"/>
               </a:lnSpc>
@@ -8134,274 +8700,156 @@
                 <a:ea typeface="ＭＳ Ｐゴシック" charset="0"/>
                 <a:cs typeface="ＭＳ Ｐゴシック" charset="0"/>
               </a:rPr>
-              <a:t>Composed of heterogeneous services</a:t>
-            </a:r>
-          </a:p>
-          <a:p>
-            <a:pPr marL="344488" indent="-342900">
-              <a:lnSpc>
-                <a:spcPct val="90000"/>
-              </a:lnSpc>
-            </a:pPr>
+              <a:t>Design point is to support </a:t>
+            </a:r>
+            <a:r>
+              <a:rPr lang="en-US" dirty="0" err="1" smtClean="0">
+                <a:latin typeface="Arial" charset="0"/>
+                <a:ea typeface="ＭＳ Ｐゴシック" charset="0"/>
+                <a:cs typeface="ＭＳ Ｐゴシック" charset="0"/>
+              </a:rPr>
+              <a:t>exascale</a:t>
+            </a:r>
             <a:r>
               <a:rPr lang="en-US" dirty="0" smtClean="0">
                 <a:latin typeface="Arial" charset="0"/>
                 <a:ea typeface="ＭＳ Ｐゴシック" charset="0"/>
                 <a:cs typeface="ＭＳ Ｐゴシック" charset="0"/>
               </a:rPr>
-              <a:t>In general </a:t>
-            </a:r>
-            <a:r>
-              <a:rPr lang="en-US" dirty="0" smtClean="0">
+              <a:t> collectively for many scalable applications on “production” infrastructure</a:t>
+            </a:r>
+          </a:p>
+          <a:p>
+            <a:pPr lvl="1">
+              <a:lnSpc>
+                <a:spcPct val="90000"/>
+              </a:lnSpc>
+            </a:pPr>
+            <a:r>
+              <a:rPr lang="en-US" sz="2000" dirty="0" smtClean="0">
                 <a:latin typeface="Arial" charset="0"/>
                 <a:ea typeface="ＭＳ Ｐゴシック" charset="0"/>
                 <a:cs typeface="ＭＳ Ｐゴシック" charset="0"/>
               </a:rPr>
-              <a:t>application </a:t>
-            </a:r>
-            <a:r>
-              <a:rPr lang="en-US" dirty="0" smtClean="0">
+              <a:t>Community (HEP) applications, essentially </a:t>
+            </a:r>
+            <a:r>
+              <a:rPr lang="en-US" sz="2000" dirty="0" smtClean="0">
                 <a:latin typeface="Arial" charset="0"/>
                 <a:ea typeface="ＭＳ Ｐゴシック" charset="0"/>
                 <a:cs typeface="ＭＳ Ｐゴシック" charset="0"/>
               </a:rPr>
-              <a:t>structure </a:t>
-            </a:r>
-            <a:r>
-              <a:rPr lang="en-US" dirty="0" smtClean="0">
+              <a:t>similar</a:t>
+            </a:r>
+          </a:p>
+          <a:p>
+            <a:pPr>
+              <a:lnSpc>
+                <a:spcPct val="90000"/>
+              </a:lnSpc>
+            </a:pPr>
+            <a:r>
+              <a:rPr lang="en-US" dirty="0" smtClean="0"/>
+              <a:t>Important </a:t>
+            </a:r>
+            <a:r>
+              <a:rPr lang="en-US" dirty="0"/>
+              <a:t>role for </a:t>
+            </a:r>
+            <a:r>
+              <a:rPr lang="en-US" dirty="0" smtClean="0"/>
+              <a:t>middleware</a:t>
+            </a:r>
+          </a:p>
+          <a:p>
+            <a:pPr lvl="1">
+              <a:lnSpc>
+                <a:spcPct val="90000"/>
+              </a:lnSpc>
+            </a:pPr>
+            <a:r>
+              <a:rPr lang="en-US" sz="2000" dirty="0" smtClean="0">
+                <a:latin typeface="Arial" charset="0"/>
+                <a:ea typeface="ＭＳ Ｐゴシック" charset="0"/>
+              </a:rPr>
+              <a:t>Integrate </a:t>
+            </a:r>
+            <a:r>
+              <a:rPr lang="en-US" sz="2000" dirty="0">
+                <a:latin typeface="Arial" charset="0"/>
+                <a:ea typeface="ＭＳ Ｐゴシック" charset="0"/>
+              </a:rPr>
+              <a:t>services and extend </a:t>
+            </a:r>
+            <a:r>
+              <a:rPr lang="en-US" sz="2000" dirty="0" smtClean="0">
+                <a:latin typeface="Arial" charset="0"/>
+                <a:ea typeface="ＭＳ Ｐゴシック" charset="0"/>
+              </a:rPr>
+              <a:t>tools</a:t>
+            </a:r>
+            <a:r>
+              <a:rPr lang="en-US" sz="2000" dirty="0" smtClean="0"/>
+              <a:t> amidst </a:t>
+            </a:r>
+            <a:r>
+              <a:rPr lang="en-US" sz="2000" dirty="0" smtClean="0">
+                <a:latin typeface="Arial" charset="0"/>
+                <a:ea typeface="ＭＳ Ｐゴシック" charset="0"/>
+              </a:rPr>
+              <a:t>heterogeneous </a:t>
+            </a:r>
+            <a:r>
+              <a:rPr lang="en-US" sz="2000" dirty="0">
+                <a:latin typeface="Arial" charset="0"/>
+                <a:ea typeface="ＭＳ Ｐゴシック" charset="0"/>
+              </a:rPr>
+              <a:t>software and system access </a:t>
+            </a:r>
+            <a:r>
+              <a:rPr lang="en-US" sz="2000" dirty="0" smtClean="0">
+                <a:latin typeface="Arial" charset="0"/>
+                <a:ea typeface="ＭＳ Ｐゴシック" charset="0"/>
+              </a:rPr>
+              <a:t>layers</a:t>
+            </a:r>
+            <a:endParaRPr lang="en-US" sz="2000" dirty="0"/>
+          </a:p>
+          <a:p>
+            <a:pPr lvl="1">
+              <a:lnSpc>
+                <a:spcPct val="90000"/>
+              </a:lnSpc>
+            </a:pPr>
+            <a:r>
+              <a:rPr lang="en-US" sz="2000" dirty="0" smtClean="0">
                 <a:latin typeface="Arial" charset="0"/>
                 <a:ea typeface="ＭＳ Ｐゴシック" charset="0"/>
                 <a:cs typeface="ＭＳ Ｐゴシック" charset="0"/>
               </a:rPr>
-              <a:t>simple but </a:t>
-            </a:r>
-            <a:r>
-              <a:rPr lang="en-US" dirty="0" smtClean="0">
+              <a:t>Explains </a:t>
+            </a:r>
+            <a:r>
+              <a:rPr lang="en-US" sz="2000" dirty="0" smtClean="0">
                 <a:latin typeface="Arial" charset="0"/>
                 <a:ea typeface="ＭＳ Ｐゴシック" charset="0"/>
                 <a:cs typeface="ＭＳ Ｐゴシック" charset="0"/>
               </a:rPr>
-              <a:t>infrastructural requirements </a:t>
-            </a:r>
-            <a:r>
-              <a:rPr lang="en-US" dirty="0" smtClean="0">
+              <a:t>why </a:t>
+            </a:r>
+            <a:r>
+              <a:rPr lang="en-US" sz="2000" dirty="0" smtClean="0">
                 <a:latin typeface="Arial" charset="0"/>
                 <a:ea typeface="ＭＳ Ｐゴシック" charset="0"/>
                 <a:cs typeface="ＭＳ Ｐゴシック" charset="0"/>
               </a:rPr>
-              <a:t>difficult</a:t>
-            </a:r>
-          </a:p>
-          <a:p>
-            <a:pPr marL="800100" lvl="1" indent="-342900">
-              <a:lnSpc>
-                <a:spcPct val="90000"/>
-              </a:lnSpc>
-            </a:pPr>
-            <a:r>
-              <a:rPr lang="en-US" dirty="0" smtClean="0">
-                <a:latin typeface="Arial" charset="0"/>
-                <a:ea typeface="ＭＳ Ｐゴシック" charset="0"/>
-                <a:cs typeface="ＭＳ Ｐゴシック" charset="0"/>
-              </a:rPr>
-              <a:t>Task-level composition and coordination is important and varied</a:t>
-            </a:r>
-            <a:endParaRPr lang="en-US" dirty="0" smtClean="0">
+              <a:t>DC software environment is complex</a:t>
+            </a:r>
+            <a:endParaRPr lang="en-US" sz="2000" dirty="0">
               <a:latin typeface="Arial" charset="0"/>
               <a:ea typeface="ＭＳ Ｐゴシック" charset="0"/>
               <a:cs typeface="ＭＳ Ｐゴシック" charset="0"/>
             </a:endParaRPr>
-          </a:p>
-          <a:p>
-            <a:pPr marL="800100" lvl="1" indent="-342900">
-              <a:lnSpc>
-                <a:spcPct val="90000"/>
-              </a:lnSpc>
-            </a:pPr>
-            <a:r>
-              <a:rPr lang="en-US" dirty="0" smtClean="0">
-                <a:latin typeface="Arial" charset="0"/>
-                <a:ea typeface="ＭＳ Ｐゴシック" charset="0"/>
-                <a:cs typeface="ＭＳ Ｐゴシック" charset="0"/>
-              </a:rPr>
-              <a:t>External data infrastructure, repositories</a:t>
-            </a:r>
-          </a:p>
-          <a:p>
-            <a:pPr marL="344488" indent="-342900">
-              <a:lnSpc>
-                <a:spcPct val="90000"/>
-              </a:lnSpc>
-            </a:pPr>
-            <a:r>
-              <a:rPr lang="en-US" dirty="0" smtClean="0">
-                <a:latin typeface="Arial" charset="0"/>
-                <a:ea typeface="ＭＳ Ｐゴシック" charset="0"/>
-                <a:cs typeface="ＭＳ Ｐゴシック" charset="0"/>
-              </a:rPr>
-              <a:t>Design point is to support </a:t>
-            </a:r>
-            <a:r>
-              <a:rPr lang="en-US" dirty="0" err="1" smtClean="0">
-                <a:latin typeface="Arial" charset="0"/>
-                <a:ea typeface="ＭＳ Ｐゴシック" charset="0"/>
-                <a:cs typeface="ＭＳ Ｐゴシック" charset="0"/>
-              </a:rPr>
-              <a:t>exascale</a:t>
-            </a:r>
-            <a:r>
-              <a:rPr lang="en-US" dirty="0" smtClean="0">
-                <a:latin typeface="Arial" charset="0"/>
-                <a:ea typeface="ＭＳ Ｐゴシック" charset="0"/>
-                <a:cs typeface="ＭＳ Ｐゴシック" charset="0"/>
-              </a:rPr>
-              <a:t> collectively for </a:t>
-            </a:r>
-            <a:r>
-              <a:rPr lang="en-US" dirty="0" smtClean="0">
-                <a:latin typeface="Arial" charset="0"/>
-                <a:ea typeface="ＭＳ Ｐゴシック" charset="0"/>
-                <a:cs typeface="ＭＳ Ｐゴシック" charset="0"/>
-              </a:rPr>
-              <a:t>many scalable applications </a:t>
-            </a:r>
-            <a:r>
-              <a:rPr lang="en-US" dirty="0" smtClean="0">
-                <a:latin typeface="Arial" charset="0"/>
-                <a:ea typeface="ＭＳ Ｐゴシック" charset="0"/>
-                <a:cs typeface="ＭＳ Ｐゴシック" charset="0"/>
-              </a:rPr>
-              <a:t>on “</a:t>
-            </a:r>
-            <a:r>
-              <a:rPr lang="en-US" dirty="0" smtClean="0">
-                <a:latin typeface="Arial" charset="0"/>
-                <a:ea typeface="ＭＳ Ｐゴシック" charset="0"/>
-                <a:cs typeface="ＭＳ Ｐゴシック" charset="0"/>
-              </a:rPr>
-              <a:t>production” infrastructure</a:t>
-            </a:r>
-          </a:p>
-          <a:p>
-            <a:pPr marL="800100" lvl="1" indent="-342900">
-              <a:lnSpc>
-                <a:spcPct val="90000"/>
-              </a:lnSpc>
-            </a:pPr>
-            <a:r>
-              <a:rPr lang="en-US" dirty="0" smtClean="0">
-                <a:latin typeface="Arial" charset="0"/>
-                <a:ea typeface="ＭＳ Ｐゴシック" charset="0"/>
-                <a:cs typeface="ＭＳ Ｐゴシック" charset="0"/>
-              </a:rPr>
-              <a:t>Community (HEP) applications, essentially similar</a:t>
-            </a:r>
-            <a:endParaRPr lang="en-US" dirty="0" smtClean="0">
-              <a:latin typeface="Arial" charset="0"/>
-              <a:ea typeface="ＭＳ Ｐゴシック" charset="0"/>
-              <a:cs typeface="ＭＳ Ｐゴシック" charset="0"/>
-            </a:endParaRPr>
-          </a:p>
-          <a:p>
-            <a:pPr marL="344488" indent="-342900">
-              <a:lnSpc>
-                <a:spcPct val="90000"/>
-              </a:lnSpc>
-            </a:pPr>
-            <a:r>
-              <a:rPr lang="en-US" dirty="0" smtClean="0">
-                <a:latin typeface="Arial" charset="0"/>
-                <a:ea typeface="ＭＳ Ｐゴシック" charset="0"/>
-                <a:cs typeface="ＭＳ Ｐゴシック" charset="0"/>
-              </a:rPr>
-              <a:t>Explains </a:t>
-            </a:r>
-            <a:r>
-              <a:rPr lang="en-US" dirty="0" smtClean="0">
-                <a:latin typeface="Arial" charset="0"/>
-                <a:ea typeface="ＭＳ Ｐゴシック" charset="0"/>
-                <a:cs typeface="ＭＳ Ｐゴシック" charset="0"/>
-              </a:rPr>
-              <a:t>why DCI </a:t>
-            </a:r>
-            <a:r>
-              <a:rPr lang="en-US" dirty="0">
-                <a:latin typeface="Arial" charset="0"/>
-                <a:ea typeface="ＭＳ Ｐゴシック" charset="0"/>
-                <a:cs typeface="ＭＳ Ｐゴシック" charset="0"/>
-              </a:rPr>
-              <a:t>software environment </a:t>
-            </a:r>
-            <a:r>
-              <a:rPr lang="en-US" dirty="0" smtClean="0">
-                <a:latin typeface="Arial" charset="0"/>
-                <a:ea typeface="ＭＳ Ｐゴシック" charset="0"/>
-                <a:cs typeface="ＭＳ Ｐゴシック" charset="0"/>
-              </a:rPr>
-              <a:t>(middleware) is complex</a:t>
-            </a:r>
-            <a:endParaRPr lang="en-US" dirty="0">
-              <a:latin typeface="Arial" charset="0"/>
-              <a:ea typeface="ＭＳ Ｐゴシック" charset="0"/>
-              <a:cs typeface="ＭＳ Ｐゴシック" charset="0"/>
-            </a:endParaRPr>
-          </a:p>
-          <a:p>
-            <a:pPr lvl="1">
-              <a:lnSpc>
-                <a:spcPct val="90000"/>
-              </a:lnSpc>
-            </a:pPr>
-            <a:r>
-              <a:rPr lang="en-US" sz="2000" dirty="0" smtClean="0">
-                <a:latin typeface="Arial" charset="0"/>
-                <a:ea typeface="ＭＳ Ｐゴシック" charset="0"/>
-              </a:rPr>
-              <a:t>Heterogeneous </a:t>
-            </a:r>
-            <a:r>
-              <a:rPr lang="en-US" sz="2000" dirty="0">
-                <a:latin typeface="Arial" charset="0"/>
-                <a:ea typeface="ＭＳ Ｐゴシック" charset="0"/>
-              </a:rPr>
-              <a:t>software and system access layers</a:t>
-            </a:r>
-          </a:p>
-          <a:p>
-            <a:pPr lvl="1">
-              <a:lnSpc>
-                <a:spcPct val="90000"/>
-              </a:lnSpc>
-            </a:pPr>
-            <a:r>
-              <a:rPr lang="en-US" sz="2000" dirty="0">
-                <a:latin typeface="Arial" charset="0"/>
-                <a:ea typeface="ＭＳ Ｐゴシック" charset="0"/>
-              </a:rPr>
-              <a:t>Difficult to integrate services and extend </a:t>
-            </a:r>
-            <a:r>
-              <a:rPr lang="en-US" sz="2000" dirty="0" smtClean="0">
-                <a:latin typeface="Arial" charset="0"/>
-                <a:ea typeface="ＭＳ Ｐゴシック" charset="0"/>
-              </a:rPr>
-              <a:t>tools</a:t>
-            </a:r>
-          </a:p>
-          <a:p>
-            <a:pPr lvl="1">
-              <a:lnSpc>
-                <a:spcPct val="90000"/>
-              </a:lnSpc>
-            </a:pPr>
-            <a:r>
-              <a:rPr lang="en-US" sz="2000" dirty="0" smtClean="0"/>
-              <a:t>A distinct </a:t>
-            </a:r>
-            <a:r>
-              <a:rPr lang="en-US" sz="2000" dirty="0"/>
-              <a:t>role for middleware </a:t>
-            </a:r>
           </a:p>
         </p:txBody>
       </p:sp>
@@ -8485,7 +8933,15 @@
                   <a:srgbClr val="000000"/>
                 </a:solidFill>
               </a:rPr>
-              <a:t>Functional Aims</a:t>
+              <a:t>Functional </a:t>
+            </a:r>
+            <a:r>
+              <a:rPr lang="en-US" dirty="0" smtClean="0">
+                <a:solidFill>
+                  <a:srgbClr val="000000"/>
+                </a:solidFill>
+              </a:rPr>
+              <a:t>Aims</a:t>
             </a:r>
           </a:p>
           <a:p>
@@ -8501,144 +8957,17 @@
             </a:r>
             <a:r>
               <a:rPr lang="en-US" dirty="0"/>
-              <a:t>to distribute?</a:t>
-            </a:r>
-          </a:p>
-          <a:p>
-            <a:pPr lvl="2"/>
-            <a:r>
-              <a:rPr lang="en-US" dirty="0"/>
-              <a:t>Sub problem X is better running on a non-leadership class machine? </a:t>
-            </a:r>
-          </a:p>
-          <a:p>
-            <a:pPr lvl="1"/>
-            <a:r>
-              <a:rPr lang="en-US" dirty="0" smtClean="0"/>
-              <a:t>Where</a:t>
+              <a:t>to distribute</a:t>
+            </a:r>
+            <a:r>
+              <a:rPr lang="en-US" dirty="0" smtClean="0"/>
+              <a:t>? Where</a:t>
             </a:r>
             <a:r>
               <a:rPr lang="en-US" dirty="0"/>
               <a:t>/how to distribute? What to distribute? </a:t>
             </a:r>
-            <a:endParaRPr lang="en-US" dirty="0" smtClean="0"/>
-          </a:p>
-          <a:p>
-            <a:pPr lvl="1"/>
-            <a:r>
-              <a:rPr lang="en-US" dirty="0" smtClean="0"/>
-              <a:t>Need to integrate information </a:t>
-            </a:r>
-            <a:r>
-              <a:rPr lang="en-US" dirty="0"/>
-              <a:t>about </a:t>
-            </a:r>
-            <a:r>
-              <a:rPr lang="en-US" dirty="0" smtClean="0"/>
-              <a:t>applications and resources (compute, data and networks) </a:t>
-            </a:r>
-          </a:p>
-          <a:p>
-            <a:pPr lvl="1"/>
-            <a:r>
-              <a:rPr lang="en-US" dirty="0" smtClean="0">
-                <a:solidFill>
-                  <a:schemeClr val="tx1">
-                    <a:lumMod val="65000"/>
-                    <a:lumOff val="35000"/>
-                  </a:schemeClr>
-                </a:solidFill>
-              </a:rPr>
-              <a:t>Predictable..</a:t>
-            </a:r>
-            <a:r>
-              <a:rPr lang="en-US" dirty="0">
-                <a:solidFill>
-                  <a:schemeClr val="tx1">
-                    <a:lumMod val="65000"/>
-                    <a:lumOff val="35000"/>
-                  </a:schemeClr>
-                </a:solidFill>
-              </a:rPr>
-              <a:t>. </a:t>
-            </a:r>
-            <a:r>
-              <a:rPr lang="en-US" dirty="0" smtClean="0">
-                <a:solidFill>
-                  <a:schemeClr val="tx1">
-                    <a:lumMod val="65000"/>
-                    <a:lumOff val="35000"/>
-                  </a:schemeClr>
-                </a:solidFill>
-              </a:rPr>
-              <a:t>Reasoning </a:t>
-            </a:r>
-            <a:r>
-              <a:rPr lang="en" dirty="0" smtClean="0">
-                <a:solidFill>
-                  <a:schemeClr val="tx1">
-                    <a:lumMod val="65000"/>
-                    <a:lumOff val="35000"/>
-                  </a:schemeClr>
-                </a:solidFill>
-              </a:rPr>
-              <a:t>Can </a:t>
-            </a:r>
-            <a:r>
-              <a:rPr lang="en-US" dirty="0">
-                <a:solidFill>
-                  <a:schemeClr val="tx1">
-                    <a:lumMod val="65000"/>
-                    <a:lumOff val="35000"/>
-                  </a:schemeClr>
-                </a:solidFill>
-              </a:rPr>
-              <a:t>d</a:t>
-            </a:r>
-            <a:r>
-              <a:rPr lang="en" dirty="0">
-                <a:solidFill>
-                  <a:schemeClr val="tx1">
-                    <a:lumMod val="65000"/>
-                    <a:lumOff val="35000"/>
-                  </a:schemeClr>
-                </a:solidFill>
-              </a:rPr>
-              <a:t>esign for randomness but not for </a:t>
-            </a:r>
-            <a:r>
-              <a:rPr lang="en" dirty="0" smtClean="0">
-                <a:solidFill>
-                  <a:schemeClr val="tx1">
-                    <a:lumMod val="65000"/>
-                    <a:lumOff val="35000"/>
-                  </a:schemeClr>
-                </a:solidFill>
-              </a:rPr>
-              <a:t>unpredictable</a:t>
-            </a:r>
-            <a:endParaRPr lang="en-US" dirty="0" smtClean="0"/>
-          </a:p>
-          <a:p>
-            <a:pPr marL="344488" indent="-342900">
-              <a:buClr>
-                <a:srgbClr val="000000"/>
-              </a:buClr>
-              <a:buSzPct val="100000"/>
-            </a:pPr>
-            <a:r>
-              <a:rPr lang="en-US" dirty="0" smtClean="0">
-                <a:solidFill>
-                  <a:srgbClr val="000000"/>
-                </a:solidFill>
-              </a:rPr>
-              <a:t>Functional Requirement</a:t>
-            </a:r>
-            <a:endParaRPr lang="en-US" dirty="0">
-              <a:solidFill>
-                <a:srgbClr val="000000"/>
-              </a:solidFill>
-            </a:endParaRPr>
+            <a:endParaRPr lang="en-US" dirty="0"/>
           </a:p>
           <a:p>
             <a:pPr marL="800100" lvl="1" indent="-342900">
@@ -8646,70 +8975,24 @@
                 <a:srgbClr val="000000"/>
               </a:buClr>
               <a:buSzPct val="100000"/>
-              <a:buFont typeface="+mj-lt"/>
-              <a:buAutoNum type="arabicPeriod"/>
-            </a:pPr>
-            <a:r>
-              <a:rPr lang="en" dirty="0" smtClean="0">
-                <a:solidFill>
-                  <a:srgbClr val="000000"/>
-                </a:solidFill>
-              </a:rPr>
+            </a:pPr>
+            <a:r>
+              <a:rPr lang="en-US" dirty="0" smtClean="0"/>
               <a:t>Need </a:t>
             </a:r>
             <a:r>
-              <a:rPr lang="en" dirty="0">
-                <a:solidFill>
-                  <a:srgbClr val="000000"/>
-                </a:solidFill>
-              </a:rPr>
-              <a:t>to </a:t>
-            </a:r>
-            <a:r>
-              <a:rPr lang="en-US" dirty="0">
-                <a:solidFill>
-                  <a:srgbClr val="000000"/>
-                </a:solidFill>
-              </a:rPr>
-              <a:t>federate </a:t>
-            </a:r>
-            <a:r>
-              <a:rPr lang="en" dirty="0">
-                <a:solidFill>
-                  <a:srgbClr val="000000"/>
-                </a:solidFill>
-              </a:rPr>
-              <a:t>systems to provide well</a:t>
-            </a:r>
-            <a:r>
-              <a:rPr lang="en-US" dirty="0">
-                <a:solidFill>
-                  <a:srgbClr val="000000"/>
-                </a:solidFill>
-              </a:rPr>
-              <a:t>-</a:t>
-            </a:r>
-            <a:r>
-              <a:rPr lang="en" dirty="0">
-                <a:solidFill>
-                  <a:srgbClr val="000000"/>
-                </a:solidFill>
-              </a:rPr>
-              <a:t>defined </a:t>
-            </a:r>
-            <a:r>
-              <a:rPr lang="en" dirty="0" smtClean="0">
-                <a:solidFill>
-                  <a:srgbClr val="000000"/>
-                </a:solidFill>
-              </a:rPr>
-              <a:t>capabilities</a:t>
-            </a:r>
-            <a:endParaRPr lang="en-US" dirty="0" smtClean="0">
-              <a:solidFill>
-                <a:srgbClr val="000000"/>
-              </a:solidFill>
-            </a:endParaRPr>
+              <a:rPr lang="en-US" dirty="0" smtClean="0"/>
+              <a:t>to integrate information </a:t>
+            </a:r>
+            <a:r>
+              <a:rPr lang="en-US" dirty="0"/>
+              <a:t>about </a:t>
+            </a:r>
+            <a:r>
+              <a:rPr lang="en-US" dirty="0" smtClean="0"/>
+              <a:t>applications and resources (compute, data and networks) </a:t>
+            </a:r>
+            <a:endParaRPr lang="en-US" dirty="0" smtClean="0"/>
           </a:p>
           <a:p>
             <a:pPr marL="800100" lvl="1" indent="-342900">
@@ -8717,8 +9000,6 @@
                 <a:srgbClr val="000000"/>
               </a:buClr>
               <a:buSzPct val="100000"/>
-              <a:buFont typeface="+mj-lt"/>
-              <a:buAutoNum type="arabicPeriod"/>
             </a:pPr>
             <a:r>
               <a:rPr lang="en-US" dirty="0" smtClean="0">
@@ -8729,51 +9010,8 @@
                   </a:schemeClr>
                 </a:solidFill>
               </a:rPr>
-              <a:t>Abstracted </a:t>
-            </a:r>
-            <a:r>
-              <a:rPr lang="en-US" dirty="0">
-                <a:solidFill>
-                  <a:schemeClr val="tx1">
-                    <a:lumMod val="65000"/>
-                    <a:lumOff val="35000"/>
-                  </a:schemeClr>
-                </a:solidFill>
-              </a:rPr>
-              <a:t>data logic (representation, distribution, scheduling, placement) that captures application-semantics yet is not application-</a:t>
-            </a:r>
-            <a:r>
-              <a:rPr lang="en-US" dirty="0" smtClean="0">
-                <a:solidFill>
-                  <a:schemeClr val="tx1">
-                    <a:lumMod val="65000"/>
-                    <a:lumOff val="35000"/>
-                  </a:schemeClr>
-                </a:solidFill>
-              </a:rPr>
-              <a:t>specific</a:t>
-            </a:r>
-          </a:p>
-          <a:p>
-            <a:pPr marL="1208088" lvl="2" indent="-342900">
-              <a:buClr>
-                <a:srgbClr val="000000"/>
-              </a:buClr>
-              <a:buSzPct val="100000"/>
-            </a:pPr>
-            <a:r>
-              <a:rPr lang="en-US" dirty="0" smtClean="0">
-                <a:solidFill>
-                  <a:srgbClr val="800000"/>
-                </a:solidFill>
-              </a:rPr>
-              <a:t>Needs fixing…</a:t>
-            </a:r>
-            <a:endParaRPr lang="en-US" dirty="0">
-              <a:solidFill>
-                <a:srgbClr val="800000"/>
-              </a:solidFill>
-            </a:endParaRPr>
+              <a:t>Support reasoning and predictable behavior</a:t>
+            </a:r>
           </a:p>
           <a:p>
             <a:pPr marL="800100" lvl="1" indent="-342900">
@@ -8781,109 +9019,6 @@
                 <a:srgbClr val="000000"/>
               </a:buClr>
               <a:buSzPct val="100000"/>
-              <a:buFont typeface="+mj-lt"/>
-              <a:buAutoNum type="arabicPeriod"/>
-            </a:pPr>
-            <a:r>
-              <a:rPr lang="en-US" dirty="0">
-                <a:solidFill>
-                  <a:schemeClr val="tx1">
-                    <a:lumMod val="65000"/>
-                    <a:lumOff val="35000"/>
-                  </a:schemeClr>
-                </a:solidFill>
-              </a:rPr>
-              <a:t>Integrated for Adaptive Applications and Dynamic Resource </a:t>
-            </a:r>
-            <a:r>
-              <a:rPr lang="en-US" dirty="0" smtClean="0">
-                <a:solidFill>
-                  <a:schemeClr val="tx1">
-                    <a:lumMod val="65000"/>
-                    <a:lumOff val="35000"/>
-                  </a:schemeClr>
-                </a:solidFill>
-              </a:rPr>
-              <a:t>Management</a:t>
-            </a:r>
-          </a:p>
-          <a:p>
-            <a:pPr marL="1208088" lvl="2" indent="-342900">
-              <a:buClr>
-                <a:srgbClr val="000000"/>
-              </a:buClr>
-              <a:buSzPct val="100000"/>
-            </a:pPr>
-            <a:r>
-              <a:rPr lang="en-US" dirty="0">
-                <a:solidFill>
-                  <a:srgbClr val="000000"/>
-                </a:solidFill>
-              </a:rPr>
-              <a:t>Federation of h</a:t>
-            </a:r>
-            <a:r>
-              <a:rPr lang="en" dirty="0">
-                <a:solidFill>
-                  <a:srgbClr val="000000"/>
-                </a:solidFill>
-              </a:rPr>
-              <a:t>eterogeneous</a:t>
-            </a:r>
-            <a:r>
-              <a:rPr lang="en-US" dirty="0">
-                <a:solidFill>
-                  <a:srgbClr val="000000"/>
-                </a:solidFill>
-              </a:rPr>
-              <a:t> dynamic </a:t>
-            </a:r>
-            <a:r>
-              <a:rPr lang="en" dirty="0">
-                <a:solidFill>
-                  <a:srgbClr val="000000"/>
-                </a:solidFill>
-              </a:rPr>
-              <a:t>components</a:t>
-            </a:r>
-            <a:r>
-              <a:rPr lang="en-US" dirty="0">
-                <a:solidFill>
-                  <a:srgbClr val="000000"/>
-                </a:solidFill>
-              </a:rPr>
-              <a:t> </a:t>
-            </a:r>
-          </a:p>
-          <a:p>
-            <a:pPr marL="1208088" lvl="2" indent="-342900">
-              <a:buClr>
-                <a:srgbClr val="000000"/>
-              </a:buClr>
-              <a:buSzPct val="100000"/>
-            </a:pPr>
-            <a:r>
-              <a:rPr lang="en-US" dirty="0">
-                <a:solidFill>
-                  <a:srgbClr val="000000"/>
-                </a:solidFill>
-              </a:rPr>
-              <a:t>Support adaptive applications</a:t>
-            </a:r>
-            <a:endParaRPr lang="en" dirty="0">
-              <a:solidFill>
-                <a:srgbClr val="000000"/>
-              </a:solidFill>
-            </a:endParaRPr>
-          </a:p>
-          <a:p>
-            <a:pPr marL="1208088" lvl="2" indent="-342900">
-              <a:buClr>
-                <a:srgbClr val="000000"/>
-              </a:buClr>
-              <a:buSzPct val="100000"/>
-              <a:buFont typeface="+mj-lt"/>
-              <a:buAutoNum type="arabicPeriod"/>
             </a:pPr>
             <a:endParaRPr lang="en-US" dirty="0">
               <a:solidFill>
@@ -8895,7 +9030,329 @@
             </a:endParaRPr>
           </a:p>
           <a:p>
-            <a:endParaRPr lang="en-US" dirty="0"/>
+            <a:pPr marL="457200" lvl="1" indent="0">
+              <a:buClr>
+                <a:srgbClr val="000000"/>
+              </a:buClr>
+              <a:buSzPct val="100000"/>
+              <a:buNone/>
+            </a:pPr>
+            <a:endParaRPr lang="en-US" dirty="0" smtClean="0">
+              <a:solidFill>
+                <a:schemeClr val="tx1">
+                  <a:lumMod val="65000"/>
+                  <a:lumOff val="35000"/>
+                </a:schemeClr>
+              </a:solidFill>
+            </a:endParaRPr>
+          </a:p>
+          <a:p>
+            <a:pPr marL="344488" indent="-342900">
+              <a:buClr>
+                <a:srgbClr val="000000"/>
+              </a:buClr>
+              <a:buSzPct val="100000"/>
+            </a:pPr>
+            <a:r>
+              <a:rPr lang="en-US" dirty="0" smtClean="0">
+                <a:solidFill>
+                  <a:srgbClr val="000000"/>
+                </a:solidFill>
+              </a:rPr>
+              <a:t>Functional Requirement</a:t>
+            </a:r>
+            <a:endParaRPr lang="en-US" dirty="0">
+              <a:solidFill>
+                <a:srgbClr val="000000"/>
+              </a:solidFill>
+            </a:endParaRPr>
+          </a:p>
+          <a:p>
+            <a:pPr marL="800100" lvl="1" indent="-342900">
+              <a:buClr>
+                <a:srgbClr val="000000"/>
+              </a:buClr>
+              <a:buSzPct val="100000"/>
+            </a:pPr>
+            <a:r>
+              <a:rPr lang="en-US" dirty="0" smtClean="0">
+                <a:solidFill>
+                  <a:schemeClr val="tx1">
+                    <a:lumMod val="65000"/>
+                    <a:lumOff val="35000"/>
+                  </a:schemeClr>
+                </a:solidFill>
+              </a:rPr>
+              <a:t>Integrated </a:t>
+            </a:r>
+            <a:r>
+              <a:rPr lang="en-US" dirty="0">
+                <a:solidFill>
+                  <a:schemeClr val="tx1">
+                    <a:lumMod val="65000"/>
+                    <a:lumOff val="35000"/>
+                  </a:schemeClr>
+                </a:solidFill>
+              </a:rPr>
+              <a:t>for Adaptive Applications and Dynamic Resource </a:t>
+            </a:r>
+            <a:r>
+              <a:rPr lang="en-US" dirty="0" smtClean="0">
+                <a:solidFill>
+                  <a:schemeClr val="tx1">
+                    <a:lumMod val="65000"/>
+                    <a:lumOff val="35000"/>
+                  </a:schemeClr>
+                </a:solidFill>
+              </a:rPr>
+              <a:t>Management</a:t>
+            </a:r>
+          </a:p>
+          <a:p>
+            <a:pPr marL="1208088" lvl="2" indent="-342900">
+              <a:buClr>
+                <a:srgbClr val="000000"/>
+              </a:buClr>
+              <a:buSzPct val="100000"/>
+            </a:pPr>
+            <a:r>
+              <a:rPr lang="en-US" dirty="0" smtClean="0">
+                <a:solidFill>
+                  <a:schemeClr val="tx1">
+                    <a:lumMod val="75000"/>
+                    <a:lumOff val="25000"/>
+                  </a:schemeClr>
+                </a:solidFill>
+              </a:rPr>
+              <a:t>Support </a:t>
+            </a:r>
+            <a:r>
+              <a:rPr lang="en-US" dirty="0">
+                <a:solidFill>
+                  <a:schemeClr val="tx1">
+                    <a:lumMod val="75000"/>
+                    <a:lumOff val="25000"/>
+                  </a:schemeClr>
+                </a:solidFill>
+              </a:rPr>
+              <a:t>adaptive </a:t>
+            </a:r>
+            <a:r>
+              <a:rPr lang="en-US" dirty="0" smtClean="0">
+                <a:solidFill>
+                  <a:schemeClr val="tx1">
+                    <a:lumMod val="75000"/>
+                    <a:lumOff val="25000"/>
+                  </a:schemeClr>
+                </a:solidFill>
+              </a:rPr>
+              <a:t>applications </a:t>
+            </a:r>
+            <a:r>
+              <a:rPr lang="en-US" dirty="0" smtClean="0">
+                <a:solidFill>
+                  <a:schemeClr val="tx1">
+                    <a:lumMod val="75000"/>
+                    <a:lumOff val="25000"/>
+                  </a:schemeClr>
+                </a:solidFill>
+              </a:rPr>
+              <a:t>in conjunction with dynamic resources</a:t>
+            </a:r>
+            <a:endParaRPr lang="en" dirty="0">
+              <a:solidFill>
+                <a:schemeClr val="tx1">
+                  <a:lumMod val="75000"/>
+                  <a:lumOff val="25000"/>
+                </a:schemeClr>
+              </a:solidFill>
+            </a:endParaRPr>
+          </a:p>
+          <a:p>
+            <a:pPr marL="800100" lvl="1" indent="-342900">
+              <a:buClr>
+                <a:srgbClr val="000000"/>
+              </a:buClr>
+              <a:buSzPct val="100000"/>
+            </a:pPr>
+            <a:r>
+              <a:rPr lang="en" dirty="0">
+                <a:solidFill>
+                  <a:schemeClr val="tx1">
+                    <a:lumMod val="75000"/>
+                    <a:lumOff val="25000"/>
+                  </a:schemeClr>
+                </a:solidFill>
+              </a:rPr>
+              <a:t>Need to </a:t>
+            </a:r>
+            <a:r>
+              <a:rPr lang="en-US" dirty="0">
+                <a:solidFill>
+                  <a:schemeClr val="tx1">
+                    <a:lumMod val="75000"/>
+                    <a:lumOff val="25000"/>
+                  </a:schemeClr>
+                </a:solidFill>
+              </a:rPr>
+              <a:t>federate </a:t>
+            </a:r>
+            <a:r>
+              <a:rPr lang="en" dirty="0">
+                <a:solidFill>
+                  <a:schemeClr val="tx1">
+                    <a:lumMod val="75000"/>
+                    <a:lumOff val="25000"/>
+                  </a:schemeClr>
+                </a:solidFill>
+              </a:rPr>
+              <a:t>systems to provide well</a:t>
+            </a:r>
+            <a:r>
+              <a:rPr lang="en-US" dirty="0">
+                <a:solidFill>
+                  <a:schemeClr val="tx1">
+                    <a:lumMod val="75000"/>
+                    <a:lumOff val="25000"/>
+                  </a:schemeClr>
+                </a:solidFill>
+              </a:rPr>
+              <a:t>-</a:t>
+            </a:r>
+            <a:r>
+              <a:rPr lang="en" dirty="0">
+                <a:solidFill>
+                  <a:schemeClr val="tx1">
+                    <a:lumMod val="75000"/>
+                    <a:lumOff val="25000"/>
+                  </a:schemeClr>
+                </a:solidFill>
+              </a:rPr>
+              <a:t>defined </a:t>
+            </a:r>
+            <a:r>
+              <a:rPr lang="en" dirty="0" smtClean="0">
+                <a:solidFill>
+                  <a:schemeClr val="tx1">
+                    <a:lumMod val="75000"/>
+                    <a:lumOff val="25000"/>
+                  </a:schemeClr>
+                </a:solidFill>
+              </a:rPr>
+              <a:t>capabilities</a:t>
+            </a:r>
+            <a:endParaRPr lang="en-US" dirty="0" smtClean="0">
+              <a:solidFill>
+                <a:schemeClr val="tx1">
+                  <a:lumMod val="75000"/>
+                  <a:lumOff val="25000"/>
+                </a:schemeClr>
+              </a:solidFill>
+            </a:endParaRPr>
+          </a:p>
+          <a:p>
+            <a:pPr marL="800100" lvl="1" indent="-342900">
+              <a:buClr>
+                <a:srgbClr val="000000"/>
+              </a:buClr>
+              <a:buSzPct val="100000"/>
+            </a:pPr>
+            <a:r>
+              <a:rPr lang="en-US" dirty="0">
+                <a:solidFill>
+                  <a:schemeClr val="tx1">
+                    <a:lumMod val="75000"/>
+                    <a:lumOff val="25000"/>
+                  </a:schemeClr>
+                </a:solidFill>
+              </a:rPr>
+              <a:t>Abstracted</a:t>
+            </a:r>
+            <a:r>
+              <a:rPr lang="en-US" dirty="0">
+                <a:solidFill>
+                  <a:schemeClr val="tx1">
+                    <a:lumMod val="65000"/>
+                    <a:lumOff val="35000"/>
+                  </a:schemeClr>
+                </a:solidFill>
+              </a:rPr>
+              <a:t> data logic (representation, distribution, scheduling, placement) that captures application-semantics yet is not application-</a:t>
+            </a:r>
+            <a:r>
+              <a:rPr lang="en-US" dirty="0" smtClean="0">
+                <a:solidFill>
+                  <a:schemeClr val="tx1">
+                    <a:lumMod val="65000"/>
+                    <a:lumOff val="35000"/>
+                  </a:schemeClr>
+                </a:solidFill>
+              </a:rPr>
+              <a:t>specific</a:t>
+            </a:r>
+          </a:p>
+          <a:p>
+            <a:pPr marL="1208088" lvl="2" indent="-342900">
+              <a:buClr>
+                <a:srgbClr val="000000"/>
+              </a:buClr>
+              <a:buSzPct val="100000"/>
+            </a:pPr>
+            <a:r>
+              <a:rPr lang="en-US" dirty="0" smtClean="0">
+                <a:solidFill>
+                  <a:srgbClr val="800000"/>
+                </a:solidFill>
+              </a:rPr>
+              <a:t>Mark do you have improvement to the above?</a:t>
+            </a:r>
+            <a:endParaRPr lang="en-US" dirty="0">
+              <a:solidFill>
+                <a:srgbClr val="800000"/>
+              </a:solidFill>
+            </a:endParaRPr>
+          </a:p>
+          <a:p>
+            <a:pPr marL="800100" lvl="1" indent="-342900">
+              <a:buClr>
+                <a:srgbClr val="000000"/>
+              </a:buClr>
+              <a:buSzPct val="100000"/>
+            </a:pPr>
+            <a:endParaRPr lang="en-US" dirty="0">
+              <a:solidFill>
+                <a:schemeClr val="tx1">
+                  <a:lumMod val="75000"/>
+                  <a:lumOff val="25000"/>
+                </a:schemeClr>
+              </a:solidFill>
+            </a:endParaRPr>
+          </a:p>
+          <a:p>
+            <a:pPr marL="1208088" lvl="2" indent="-342900">
+              <a:buClr>
+                <a:srgbClr val="000000"/>
+              </a:buClr>
+              <a:buSzPct val="100000"/>
+            </a:pPr>
+            <a:endParaRPr lang="en-US" dirty="0">
+              <a:solidFill>
+                <a:schemeClr val="tx1">
+                  <a:lumMod val="75000"/>
+                  <a:lumOff val="25000"/>
+                </a:schemeClr>
+              </a:solidFill>
+            </a:endParaRPr>
+          </a:p>
+          <a:p>
+            <a:endParaRPr lang="en-US" dirty="0">
+              <a:solidFill>
+                <a:schemeClr val="tx1">
+                  <a:lumMod val="75000"/>
+                  <a:lumOff val="25000"/>
+                </a:schemeClr>
+              </a:solidFill>
+            </a:endParaRPr>
           </a:p>
         </p:txBody>
       </p:sp>
@@ -8990,7 +9447,7 @@
               <a:buSzPct val="100000"/>
             </a:pPr>
             <a:r>
-              <a:rPr lang="en-US" sz="1800" dirty="0" smtClean="0">
+              <a:rPr lang="en-US" dirty="0" smtClean="0">
                 <a:solidFill>
                   <a:schemeClr val="tx1">
                     <a:lumMod val="65000"/>
@@ -9001,7 +9458,7 @@
               <a:t>Not </a:t>
             </a:r>
             <a:r>
-              <a:rPr lang="en-US" sz="1800" dirty="0">
+              <a:rPr lang="en-US" dirty="0">
                 <a:solidFill>
                   <a:schemeClr val="tx1">
                     <a:lumMod val="65000"/>
@@ -9012,7 +9469,7 @@
               <a:t>just </a:t>
             </a:r>
             <a:r>
-              <a:rPr lang="en-US" sz="1800" dirty="0" smtClean="0">
+              <a:rPr lang="en-US" dirty="0" smtClean="0">
                 <a:solidFill>
                   <a:schemeClr val="tx1">
                     <a:lumMod val="65000"/>
@@ -9023,7 +9480,7 @@
               <a:t>“glues” different </a:t>
             </a:r>
             <a:r>
-              <a:rPr lang="en-US" sz="1800" dirty="0">
+              <a:rPr lang="en-US" dirty="0">
                 <a:solidFill>
                   <a:schemeClr val="tx1">
                     <a:lumMod val="65000"/>
@@ -9034,7 +9491,7 @@
               <a:t>layers </a:t>
             </a:r>
             <a:r>
-              <a:rPr lang="en-US" sz="1800" dirty="0" smtClean="0">
+              <a:rPr lang="en-US" dirty="0" smtClean="0">
                 <a:solidFill>
                   <a:schemeClr val="tx1">
                     <a:lumMod val="65000"/>
@@ -9042,126 +9499,28 @@
                   </a:schemeClr>
                 </a:solidFill>
               </a:rPr>
-              <a:t>together but:</a:t>
-            </a:r>
-            <a:endParaRPr lang="en-US" sz="1800" dirty="0">
-              <a:solidFill>
-                <a:schemeClr val="tx1">
-                  <a:lumMod val="65000"/>
-                  <a:lumOff val="35000"/>
-                </a:schemeClr>
-              </a:solidFill>
-            </a:endParaRPr>
-          </a:p>
-          <a:p>
-            <a:pPr lvl="1">
+              <a:t>together </a:t>
+            </a:r>
+            <a:r>
+              <a:rPr lang="en-US" dirty="0" smtClean="0">
+                <a:solidFill>
+                  <a:schemeClr val="tx1">
+                    <a:lumMod val="65000"/>
+                    <a:lumOff val="35000"/>
+                  </a:schemeClr>
+                </a:solidFill>
+              </a:rPr>
+              <a:t>but:</a:t>
+            </a:r>
+          </a:p>
+          <a:p>
+            <a:pPr marL="457200" lvl="1" indent="0">
               <a:buClr>
                 <a:srgbClr val="000000"/>
               </a:buClr>
               <a:buSzPct val="100000"/>
-            </a:pPr>
-            <a:r>
-              <a:rPr lang="en-US" dirty="0" smtClean="0">
-                <a:solidFill>
-                  <a:schemeClr val="tx1">
-                    <a:lumMod val="65000"/>
-                    <a:lumOff val="35000"/>
-                  </a:schemeClr>
-                </a:solidFill>
-              </a:rPr>
-              <a:t>Exposes well-</a:t>
-            </a:r>
-            <a:r>
-              <a:rPr lang="en" dirty="0" smtClean="0">
-                <a:solidFill>
-                  <a:schemeClr val="tx1">
-                    <a:lumMod val="65000"/>
-                    <a:lumOff val="35000"/>
-                  </a:schemeClr>
-                </a:solidFill>
-              </a:rPr>
-              <a:t>defined </a:t>
-            </a:r>
-            <a:r>
-              <a:rPr lang="en-US" dirty="0" smtClean="0">
-                <a:solidFill>
-                  <a:srgbClr val="800000"/>
-                </a:solidFill>
-              </a:rPr>
-              <a:t>capabilities</a:t>
-            </a:r>
-            <a:r>
-              <a:rPr lang="en-US" dirty="0" smtClean="0">
-                <a:solidFill>
-                  <a:schemeClr val="tx1">
-                    <a:lumMod val="65000"/>
-                    <a:lumOff val="35000"/>
-                  </a:schemeClr>
-                </a:solidFill>
-              </a:rPr>
-              <a:t> rather than technology</a:t>
-            </a:r>
-          </a:p>
-          <a:p>
-            <a:pPr lvl="3">
-              <a:buClr>
-                <a:srgbClr val="000000"/>
-              </a:buClr>
-              <a:buSzPct val="100000"/>
-            </a:pPr>
-            <a:r>
-              <a:rPr lang="en" dirty="0" smtClean="0"/>
-              <a:t>Capability</a:t>
-            </a:r>
-            <a:r>
-              <a:rPr lang="en-US" dirty="0"/>
-              <a:t>: Well-defined and aggregated functionality, without regard to how, or the specific technology/approached used</a:t>
-            </a:r>
-          </a:p>
-          <a:p>
-            <a:pPr marL="2232025" lvl="4" indent="-381000">
-              <a:buSzPct val="80000"/>
-            </a:pPr>
-            <a:r>
-              <a:rPr lang="en-US" dirty="0"/>
-              <a:t>e.g., Num. of </a:t>
-            </a:r>
-            <a:r>
-              <a:rPr lang="en" dirty="0"/>
-              <a:t>tasks, throughput, </a:t>
-            </a:r>
-            <a:r>
-              <a:rPr lang="en-US" dirty="0"/>
-              <a:t>probabilistic bounds on time-to-completion, performance </a:t>
-            </a:r>
-            <a:r>
-              <a:rPr lang="en" dirty="0"/>
-              <a:t>of resources, </a:t>
-            </a:r>
-            <a:r>
-              <a:rPr lang="en-US" dirty="0"/>
-              <a:t>d</a:t>
-            </a:r>
-            <a:r>
-              <a:rPr lang="en" dirty="0"/>
-              <a:t>ata</a:t>
-            </a:r>
-            <a:r>
-              <a:rPr lang="en-US" dirty="0"/>
-              <a:t> (v</a:t>
-            </a:r>
-            <a:r>
-              <a:rPr lang="en" dirty="0"/>
-              <a:t>olumes/transfer/storage</a:t>
-            </a:r>
-            <a:r>
-              <a:rPr lang="en-US" dirty="0"/>
-              <a:t> ability</a:t>
-            </a:r>
-            <a:r>
-              <a:rPr lang="en-US" dirty="0" smtClean="0"/>
-              <a:t>)</a:t>
-            </a:r>
+              <a:buNone/>
+            </a:pPr>
             <a:endParaRPr lang="en-US" dirty="0" smtClean="0">
               <a:solidFill>
                 <a:schemeClr val="tx1">
@@ -9172,14 +9531,137 @@
             </a:endParaRPr>
           </a:p>
           <a:p>
-            <a:pPr lvl="2">
+            <a:pPr marL="914400" lvl="1" indent="-381000">
+              <a:buSzPct val="80000"/>
+            </a:pPr>
+            <a:r>
+              <a:rPr lang="en-US" sz="2000" dirty="0">
+                <a:solidFill>
+                  <a:schemeClr val="tx1">
+                    <a:lumMod val="65000"/>
+                    <a:lumOff val="35000"/>
+                  </a:schemeClr>
+                </a:solidFill>
+              </a:rPr>
+              <a:t>Supports multi-level reasoning and predictable </a:t>
+            </a:r>
+            <a:r>
+              <a:rPr lang="en-US" sz="2000" dirty="0" smtClean="0">
+                <a:solidFill>
+                  <a:schemeClr val="tx1">
+                    <a:lumMod val="65000"/>
+                    <a:lumOff val="35000"/>
+                  </a:schemeClr>
+                </a:solidFill>
+              </a:rPr>
+              <a:t>performance</a:t>
+            </a:r>
+          </a:p>
+          <a:p>
+            <a:pPr marL="1322388" lvl="2" indent="-381000">
+              <a:buSzPct val="80000"/>
+            </a:pPr>
+            <a:r>
+              <a:rPr lang="en-US" sz="2000" dirty="0" smtClean="0">
+                <a:solidFill>
+                  <a:schemeClr val="tx1">
+                    <a:lumMod val="65000"/>
+                    <a:lumOff val="35000"/>
+                  </a:schemeClr>
+                </a:solidFill>
+              </a:rPr>
+              <a:t>R</a:t>
+            </a:r>
+            <a:r>
+              <a:rPr lang="en" sz="2000" dirty="0" smtClean="0">
+                <a:solidFill>
+                  <a:schemeClr val="tx1">
+                    <a:lumMod val="65000"/>
+                    <a:lumOff val="35000"/>
+                  </a:schemeClr>
+                </a:solidFill>
+              </a:rPr>
+              <a:t>eason</a:t>
+            </a:r>
+            <a:r>
+              <a:rPr lang="en-US" sz="2000" dirty="0" err="1" smtClean="0">
+                <a:solidFill>
+                  <a:schemeClr val="tx1">
+                    <a:lumMod val="65000"/>
+                    <a:lumOff val="35000"/>
+                  </a:schemeClr>
+                </a:solidFill>
+              </a:rPr>
+              <a:t>ing</a:t>
+            </a:r>
+            <a:r>
+              <a:rPr lang="en" sz="2000" dirty="0" smtClean="0">
+                <a:solidFill>
+                  <a:schemeClr val="tx1">
+                    <a:lumMod val="65000"/>
+                    <a:lumOff val="35000"/>
+                  </a:schemeClr>
+                </a:solidFill>
+              </a:rPr>
+              <a:t> </a:t>
+            </a:r>
+            <a:r>
+              <a:rPr lang="en" sz="2000" dirty="0">
+                <a:solidFill>
+                  <a:schemeClr val="tx1">
+                    <a:lumMod val="65000"/>
+                    <a:lumOff val="35000"/>
+                  </a:schemeClr>
+                </a:solidFill>
+              </a:rPr>
+              <a:t>about </a:t>
+            </a:r>
+            <a:r>
+              <a:rPr lang="en" sz="2000" dirty="0" smtClean="0">
+                <a:solidFill>
+                  <a:schemeClr val="tx1">
+                    <a:lumMod val="65000"/>
+                    <a:lumOff val="35000"/>
+                  </a:schemeClr>
+                </a:solidFill>
+              </a:rPr>
+              <a:t>performance</a:t>
+            </a:r>
+            <a:endParaRPr lang="en-US" dirty="0" smtClean="0">
+              <a:solidFill>
+                <a:schemeClr val="tx1">
+                  <a:lumMod val="65000"/>
+                  <a:lumOff val="35000"/>
+                </a:schemeClr>
+              </a:solidFill>
+            </a:endParaRPr>
+          </a:p>
+          <a:p>
+            <a:pPr marL="0" indent="0">
               <a:buClr>
                 <a:srgbClr val="000000"/>
               </a:buClr>
               <a:buSzPct val="100000"/>
-            </a:pPr>
-            <a:r>
-              <a:rPr lang="en-US" dirty="0" smtClean="0">
+              <a:buNone/>
+            </a:pPr>
+            <a:endParaRPr lang="en-US" dirty="0">
+              <a:solidFill>
+                <a:schemeClr val="tx1">
+                  <a:lumMod val="65000"/>
+                  <a:lumOff val="35000"/>
+                </a:schemeClr>
+              </a:solidFill>
+            </a:endParaRPr>
+          </a:p>
+          <a:p>
+            <a:pPr lvl="1">
+              <a:buClr>
+                <a:srgbClr val="000000"/>
+              </a:buClr>
+              <a:buSzPct val="100000"/>
+            </a:pPr>
+            <a:r>
+              <a:rPr lang="en-US" sz="2000" dirty="0" smtClean="0">
                 <a:solidFill>
                   <a:schemeClr val="tx1">
                     <a:lumMod val="65000"/>
@@ -9187,11 +9669,279 @@
                   </a:schemeClr>
                 </a:solidFill>
               </a:rPr>
-              <a:t>Supports multi-level reasoning and predictable performance</a:t>
+              <a:t>Exposes </a:t>
+            </a:r>
+            <a:r>
+              <a:rPr lang="en-US" sz="2000" dirty="0" smtClean="0">
+                <a:solidFill>
+                  <a:schemeClr val="tx1">
+                    <a:lumMod val="65000"/>
+                    <a:lumOff val="35000"/>
+                  </a:schemeClr>
+                </a:solidFill>
+              </a:rPr>
+              <a:t>well-</a:t>
+            </a:r>
+            <a:r>
+              <a:rPr lang="en" sz="2000" dirty="0" smtClean="0">
+                <a:solidFill>
+                  <a:schemeClr val="tx1">
+                    <a:lumMod val="65000"/>
+                    <a:lumOff val="35000"/>
+                  </a:schemeClr>
+                </a:solidFill>
+              </a:rPr>
+              <a:t>defined </a:t>
+            </a:r>
+            <a:r>
+              <a:rPr lang="en-US" sz="2000" dirty="0" smtClean="0">
+                <a:solidFill>
+                  <a:srgbClr val="800000"/>
+                </a:solidFill>
+              </a:rPr>
+              <a:t>capabilities</a:t>
+            </a:r>
+            <a:r>
+              <a:rPr lang="en-US" sz="2000" dirty="0" smtClean="0">
+                <a:solidFill>
+                  <a:schemeClr val="tx1">
+                    <a:lumMod val="65000"/>
+                    <a:lumOff val="35000"/>
+                  </a:schemeClr>
+                </a:solidFill>
+              </a:rPr>
+              <a:t> rather than </a:t>
+            </a:r>
+            <a:r>
+              <a:rPr lang="en-US" sz="2000" dirty="0" smtClean="0">
+                <a:solidFill>
+                  <a:schemeClr val="tx1">
+                    <a:lumMod val="65000"/>
+                    <a:lumOff val="35000"/>
+                  </a:schemeClr>
+                </a:solidFill>
+              </a:rPr>
+              <a:t>technology</a:t>
             </a:r>
           </a:p>
           <a:p>
             <a:pPr lvl="3">
+              <a:buClr>
+                <a:srgbClr val="000000"/>
+              </a:buClr>
+              <a:buSzPct val="100000"/>
+            </a:pPr>
+            <a:r>
+              <a:rPr lang="en" sz="2000" dirty="0" smtClean="0"/>
+              <a:t>Capability</a:t>
+            </a:r>
+            <a:r>
+              <a:rPr lang="en-US" sz="2000" dirty="0"/>
+              <a:t>: Well-defined and aggregated functionality, without regard to how, or the specific </a:t>
+            </a:r>
+            <a:r>
+              <a:rPr lang="en-US" sz="2000" dirty="0" smtClean="0"/>
+              <a:t>approach used</a:t>
+            </a:r>
+            <a:endParaRPr lang="en-US" sz="2000" dirty="0"/>
+          </a:p>
+          <a:p>
+            <a:pPr lvl="3">
+              <a:buClr>
+                <a:srgbClr val="000000"/>
+              </a:buClr>
+              <a:buSzPct val="100000"/>
+            </a:pPr>
+            <a:r>
+              <a:rPr lang="en-US" sz="2000" dirty="0" smtClean="0"/>
+              <a:t>e.g</a:t>
+            </a:r>
+            <a:r>
+              <a:rPr lang="en-US" sz="2000" dirty="0"/>
+              <a:t>., Num. of </a:t>
+            </a:r>
+            <a:r>
+              <a:rPr lang="en" sz="2000" dirty="0"/>
+              <a:t>tasks, throughput, </a:t>
+            </a:r>
+            <a:r>
+              <a:rPr lang="en-US" sz="2000" dirty="0"/>
+              <a:t>probabilistic bounds on time-to-completion, performance </a:t>
+            </a:r>
+            <a:r>
+              <a:rPr lang="en" sz="2000" dirty="0"/>
+              <a:t>of resources, </a:t>
+            </a:r>
+            <a:r>
+              <a:rPr lang="en-US" sz="2000" dirty="0"/>
+              <a:t>d</a:t>
+            </a:r>
+            <a:r>
+              <a:rPr lang="en" sz="2000" dirty="0"/>
+              <a:t>ata</a:t>
+            </a:r>
+            <a:r>
+              <a:rPr lang="en-US" sz="2000" dirty="0"/>
+              <a:t> (v</a:t>
+            </a:r>
+            <a:r>
+              <a:rPr lang="en" sz="2000" dirty="0"/>
+              <a:t>olumes/transfer/storage</a:t>
+            </a:r>
+            <a:r>
+              <a:rPr lang="en-US" sz="2000" dirty="0"/>
+              <a:t> ability</a:t>
+            </a:r>
+            <a:r>
+              <a:rPr lang="en-US" sz="2000" dirty="0" smtClean="0"/>
+              <a:t>)</a:t>
+            </a:r>
+          </a:p>
+          <a:p>
+            <a:pPr marL="1371600" lvl="3" indent="0">
+              <a:buClr>
+                <a:srgbClr val="000000"/>
+              </a:buClr>
+              <a:buSzPct val="100000"/>
+              <a:buNone/>
+            </a:pPr>
+            <a:endParaRPr lang="en-US" sz="2000" dirty="0">
+              <a:solidFill>
+                <a:schemeClr val="tx1">
+                  <a:lumMod val="65000"/>
+                  <a:lumOff val="35000"/>
+                </a:schemeClr>
+              </a:solidFill>
+            </a:endParaRPr>
+          </a:p>
+          <a:p>
+            <a:pPr marL="914400" lvl="1" indent="-381000">
+              <a:buSzPct val="80000"/>
+            </a:pPr>
+            <a:r>
+              <a:rPr lang="en-US" sz="2000" dirty="0">
+                <a:solidFill>
+                  <a:schemeClr val="tx1">
+                    <a:lumMod val="65000"/>
+                    <a:lumOff val="35000"/>
+                  </a:schemeClr>
+                </a:solidFill>
+              </a:rPr>
+              <a:t>Well-defined </a:t>
+            </a:r>
+            <a:r>
+              <a:rPr lang="en" sz="2000" dirty="0">
+                <a:solidFill>
+                  <a:schemeClr val="tx1">
+                    <a:lumMod val="65000"/>
+                    <a:lumOff val="35000"/>
+                  </a:schemeClr>
+                </a:solidFill>
+              </a:rPr>
+              <a:t>capability </a:t>
+            </a:r>
+            <a:r>
+              <a:rPr lang="en-US" sz="2000" dirty="0" smtClean="0">
+                <a:solidFill>
+                  <a:schemeClr val="tx1">
+                    <a:lumMod val="65000"/>
+                    <a:lumOff val="35000"/>
+                  </a:schemeClr>
+                </a:solidFill>
+              </a:rPr>
+              <a:t>over </a:t>
+            </a:r>
+            <a:r>
+              <a:rPr lang="en" sz="2000" dirty="0" smtClean="0">
+                <a:solidFill>
+                  <a:schemeClr val="tx1">
+                    <a:lumMod val="65000"/>
+                    <a:lumOff val="35000"/>
+                  </a:schemeClr>
+                </a:solidFill>
+              </a:rPr>
+              <a:t>heterogeneous</a:t>
+            </a:r>
+            <a:r>
+              <a:rPr lang="en" sz="2000" dirty="0">
+                <a:solidFill>
+                  <a:schemeClr val="tx1">
+                    <a:lumMod val="65000"/>
+                    <a:lumOff val="35000"/>
+                  </a:schemeClr>
+                </a:solidFill>
+              </a:rPr>
+              <a:t>, dynamic resources requires </a:t>
+            </a:r>
+            <a:r>
+              <a:rPr lang="en" sz="2000" i="1" dirty="0">
+                <a:solidFill>
+                  <a:schemeClr val="tx1">
+                    <a:lumMod val="65000"/>
+                    <a:lumOff val="35000"/>
+                  </a:schemeClr>
+                </a:solidFill>
+              </a:rPr>
+              <a:t>flexible </a:t>
+            </a:r>
+            <a:r>
+              <a:rPr lang="en-US" sz="2000" i="1" dirty="0">
+                <a:solidFill>
+                  <a:schemeClr val="tx1">
+                    <a:lumMod val="65000"/>
+                    <a:lumOff val="35000"/>
+                  </a:schemeClr>
+                </a:solidFill>
+              </a:rPr>
+              <a:t>federation</a:t>
+            </a:r>
+            <a:r>
+              <a:rPr lang="en" sz="2000" dirty="0">
+                <a:solidFill>
+                  <a:schemeClr val="tx1">
+                    <a:lumMod val="65000"/>
+                    <a:lumOff val="35000"/>
+                  </a:schemeClr>
+                </a:solidFill>
+              </a:rPr>
+              <a:t> of resources and </a:t>
+            </a:r>
+            <a:r>
+              <a:rPr lang="en" sz="2000" dirty="0" smtClean="0">
+                <a:solidFill>
+                  <a:schemeClr val="tx1">
+                    <a:lumMod val="65000"/>
+                    <a:lumOff val="35000"/>
+                  </a:schemeClr>
+                </a:solidFill>
+              </a:rPr>
+              <a:t>services</a:t>
+            </a:r>
+            <a:endParaRPr lang="en-US" sz="2000" dirty="0" smtClean="0">
+              <a:solidFill>
+                <a:schemeClr val="tx1">
+                  <a:lumMod val="65000"/>
+                  <a:lumOff val="35000"/>
+                </a:schemeClr>
+              </a:solidFill>
+            </a:endParaRPr>
+          </a:p>
+          <a:p>
+            <a:pPr marL="533400" lvl="1" indent="0">
+              <a:buSzPct val="80000"/>
+              <a:buNone/>
+            </a:pPr>
+            <a:endParaRPr lang="en-US" sz="2000" dirty="0">
+              <a:solidFill>
+                <a:schemeClr val="tx1">
+                  <a:lumMod val="65000"/>
+                  <a:lumOff val="35000"/>
+                </a:schemeClr>
+              </a:solidFill>
+            </a:endParaRPr>
+          </a:p>
+          <a:p>
+            <a:pPr lvl="2">
               <a:lnSpc>
                 <a:spcPct val="115000"/>
               </a:lnSpc>
@@ -9203,61 +9953,26 @@
               </a:buClr>
               <a:buSzPct val="55000"/>
             </a:pPr>
-            <a:r>
-              <a:rPr lang="en-US" dirty="0">
-                <a:solidFill>
-                  <a:schemeClr val="tx1">
-                    <a:lumMod val="65000"/>
-                    <a:lumOff val="35000"/>
-                  </a:schemeClr>
-                </a:solidFill>
-              </a:rPr>
-              <a:t>R</a:t>
-            </a:r>
-            <a:r>
-              <a:rPr lang="en" dirty="0">
-                <a:solidFill>
-                  <a:schemeClr val="tx1">
-                    <a:lumMod val="65000"/>
-                    <a:lumOff val="35000"/>
-                  </a:schemeClr>
-                </a:solidFill>
-              </a:rPr>
-              <a:t>eason</a:t>
-            </a:r>
-            <a:r>
-              <a:rPr lang="en-US" dirty="0" err="1">
-                <a:solidFill>
-                  <a:schemeClr val="tx1">
-                    <a:lumMod val="65000"/>
-                    <a:lumOff val="35000"/>
-                  </a:schemeClr>
-                </a:solidFill>
-              </a:rPr>
-              <a:t>ing</a:t>
-            </a:r>
-            <a:r>
-              <a:rPr lang="en" dirty="0">
-                <a:solidFill>
-                  <a:schemeClr val="tx1">
-                    <a:lumMod val="65000"/>
-                    <a:lumOff val="35000"/>
-                  </a:schemeClr>
-                </a:solidFill>
-              </a:rPr>
-              <a:t> about </a:t>
-            </a:r>
-            <a:r>
-              <a:rPr lang="en" dirty="0" smtClean="0">
-                <a:solidFill>
-                  <a:schemeClr val="tx1">
-                    <a:lumMod val="65000"/>
-                    <a:lumOff val="35000"/>
-                  </a:schemeClr>
-                </a:solidFill>
-              </a:rPr>
-              <a:t>performance</a:t>
-            </a:r>
+            <a:endParaRPr lang="en-US" sz="2000" dirty="0" smtClean="0">
+              <a:solidFill>
+                <a:schemeClr val="tx1">
+                  <a:lumMod val="65000"/>
+                  <a:lumOff val="35000"/>
+                </a:schemeClr>
+              </a:solidFill>
+            </a:endParaRPr>
+          </a:p>
+          <a:p>
+            <a:pPr lvl="1"/>
+            <a:endParaRPr lang="en-US" sz="2000" dirty="0"/>
+          </a:p>
+          <a:p>
+            <a:pPr>
+              <a:buClr>
+                <a:srgbClr val="000000"/>
+              </a:buClr>
+              <a:buSzPct val="100000"/>
+            </a:pPr>
             <a:endParaRPr lang="en-US" dirty="0" smtClean="0">
               <a:solidFill>
                 <a:schemeClr val="tx1">
@@ -9268,118 +9983,13 @@
             </a:endParaRPr>
           </a:p>
           <a:p>
-            <a:r>
-              <a:rPr lang="en-US" sz="1800" dirty="0" smtClean="0"/>
-              <a:t>Relationship between models and reasoning</a:t>
-            </a:r>
-            <a:endParaRPr lang="en-US" sz="1800" dirty="0"/>
-          </a:p>
-          <a:p>
-            <a:pPr lvl="1"/>
-            <a:r>
-              <a:rPr lang="en-US" dirty="0" smtClean="0"/>
-              <a:t>Two </a:t>
-            </a:r>
-            <a:r>
-              <a:rPr lang="en-US" dirty="0"/>
-              <a:t>levels of conceptual abstractions to enable reasoning:</a:t>
-            </a:r>
-          </a:p>
-          <a:p>
-            <a:pPr marL="1428750" lvl="2" indent="-514350">
-              <a:buFont typeface="+mj-lt"/>
-              <a:buAutoNum type="romanUcPeriod"/>
-            </a:pPr>
-            <a:r>
-              <a:rPr lang="en" dirty="0"/>
-              <a:t>Models </a:t>
-            </a:r>
-            <a:r>
-              <a:rPr lang="en-US" dirty="0"/>
-              <a:t>that enable functional comparison for </a:t>
-            </a:r>
-            <a:r>
-              <a:rPr lang="en-US" i="1" dirty="0"/>
-              <a:t>individual</a:t>
-            </a:r>
-            <a:r>
-              <a:rPr lang="en-US" dirty="0"/>
-              <a:t> </a:t>
-            </a:r>
-            <a:r>
-              <a:rPr lang="en" i="1" dirty="0"/>
-              <a:t>components</a:t>
-            </a:r>
-            <a:r>
-              <a:rPr lang="en-US" dirty="0"/>
-              <a:t>, e.g., P* for Pilot-systems </a:t>
-            </a:r>
-            <a:r>
-              <a:rPr lang="en-US" dirty="0">
-                <a:hlinkClick r:id="rId3"/>
-              </a:rPr>
-              <a:t>10.1109/eScience.2012.6404423</a:t>
-            </a:r>
-            <a:endParaRPr lang="en-US" dirty="0"/>
-          </a:p>
-          <a:p>
-            <a:pPr marL="1428750" lvl="2" indent="-514350">
-              <a:buFont typeface="+mj-lt"/>
-              <a:buAutoNum type="romanUcPeriod"/>
-            </a:pPr>
-            <a:r>
-              <a:rPr lang="en" dirty="0"/>
-              <a:t>Models that enable reasoning</a:t>
-            </a:r>
-            <a:r>
-              <a:rPr lang="en-US" dirty="0"/>
-              <a:t> at multiple, integrated levels to provide performance estimation and predictability</a:t>
-            </a:r>
-          </a:p>
-          <a:p>
-            <a:pPr lvl="4">
-              <a:buFont typeface="Arial"/>
-              <a:buChar char="•"/>
-            </a:pPr>
-            <a:r>
-              <a:rPr lang="en" dirty="0"/>
-              <a:t>When and how to distribute</a:t>
-            </a:r>
-            <a:r>
-              <a:rPr lang="en-US" dirty="0"/>
-              <a:t>? What and where?</a:t>
-            </a:r>
-          </a:p>
-          <a:p>
-            <a:pPr lvl="4">
-              <a:buFont typeface="Arial"/>
-              <a:buChar char="•"/>
-            </a:pPr>
-            <a:r>
-              <a:rPr lang="en-US" dirty="0"/>
-              <a:t> A </a:t>
-            </a:r>
-            <a:r>
-              <a:rPr lang="en-US" dirty="0" err="1"/>
-              <a:t>Linpack</a:t>
-            </a:r>
-            <a:r>
-              <a:rPr lang="en-US" dirty="0"/>
-              <a:t> for distributed systems/applications?</a:t>
-            </a:r>
-          </a:p>
-          <a:p>
-            <a:pPr lvl="1"/>
-            <a:endParaRPr lang="en-US" dirty="0"/>
-          </a:p>
-          <a:p>
-            <a:pPr>
+            <a:pPr lvl="3">
               <a:buClr>
                 <a:srgbClr val="000000"/>
               </a:buClr>
               <a:buSzPct val="100000"/>
             </a:pPr>
-            <a:endParaRPr lang="en-US" sz="1800" dirty="0" smtClean="0">
+            <a:endParaRPr lang="en-US" sz="2000" dirty="0" smtClean="0">
               <a:solidFill>
                 <a:schemeClr val="tx1">
                   <a:lumMod val="65000"/>
@@ -9395,23 +10005,7 @@
               </a:buClr>
               <a:buSzPct val="100000"/>
             </a:pPr>
-            <a:endParaRPr lang="en-US" dirty="0" smtClean="0">
-              <a:solidFill>
-                <a:schemeClr val="tx1">
-                  <a:lumMod val="65000"/>
-                  <a:lumOff val="35000"/>
-                </a:schemeClr>
-              </a:solidFill>
-            </a:endParaRPr>
-          </a:p>
-          <a:p>
-            <a:pPr lvl="3">
-              <a:buClr>
-                <a:srgbClr val="000000"/>
-              </a:buClr>
-              <a:buSzPct val="100000"/>
-            </a:pPr>
-            <a:endParaRPr lang="en-US" dirty="0" smtClean="0">
+            <a:endParaRPr lang="en-US" sz="2000" dirty="0" smtClean="0">
               <a:solidFill>
                 <a:schemeClr val="tx1">
                   <a:lumMod val="65000"/>
@@ -9492,11 +10086,15 @@
             </a:r>
             <a:r>
               <a:rPr lang="en-US" dirty="0" err="1" smtClean="0"/>
-              <a:t>Capabiltiy</a:t>
-            </a:r>
-            <a:r>
-              <a:rPr lang="en-US" dirty="0" smtClean="0"/>
-              <a:t> Challenges</a:t>
+              <a:t>Capabilty</a:t>
+            </a:r>
+            <a:r>
+              <a:rPr lang="en-US" dirty="0" smtClean="0"/>
+              <a:t> </a:t>
+            </a:r>
+            <a:r>
+              <a:rPr lang="en-US" dirty="0" smtClean="0"/>
+              <a:t>Challenges</a:t>
             </a:r>
             <a:endParaRPr lang="en" dirty="0"/>
           </a:p>
@@ -9527,7 +10125,7 @@
           </a:bodyPr>
           <a:lstStyle/>
           <a:p>
-            <a:pPr lvl="0">
+            <a:pPr>
               <a:lnSpc>
                 <a:spcPct val="115000"/>
               </a:lnSpc>
@@ -9557,12 +10155,36 @@
               <a:t> </a:t>
             </a:r>
             <a:r>
-              <a:rPr lang="en-US" dirty="0"/>
-              <a:t>Fundamental barrier in providing well-defined </a:t>
-            </a:r>
-            <a:r>
-              <a:rPr lang="en-US" dirty="0" smtClean="0"/>
-              <a:t>capabilities	</a:t>
+              <a:rPr lang="en" dirty="0">
+                <a:solidFill>
+                  <a:srgbClr val="000000"/>
+                </a:solidFill>
+              </a:rPr>
+              <a:t>How to provide well</a:t>
+            </a:r>
+            <a:r>
+              <a:rPr lang="en-US" dirty="0">
+                <a:solidFill>
+                  <a:srgbClr val="000000"/>
+                </a:solidFill>
+              </a:rPr>
+              <a:t>-</a:t>
+            </a:r>
+            <a:r>
+              <a:rPr lang="en" dirty="0">
+                <a:solidFill>
+                  <a:srgbClr val="000000"/>
+                </a:solidFill>
+              </a:rPr>
+              <a:t>defined capabilities</a:t>
+            </a:r>
+            <a:r>
+              <a:rPr lang="en-US" dirty="0" smtClean="0">
+                <a:solidFill>
+                  <a:srgbClr val="000000"/>
+                </a:solidFill>
+              </a:rPr>
+              <a:t>?</a:t>
             </a:r>
           </a:p>
           <a:p>
@@ -9579,9 +10201,136 @@
               <a:buSzPct val="55000"/>
             </a:pPr>
             <a:r>
-              <a:rPr lang="en-US" dirty="0" smtClean="0"/>
-              <a:t>In turn need models of semantics – static and dynamic, and performance</a:t>
-            </a:r>
+              <a:rPr lang="en-US" dirty="0" smtClean="0">
+                <a:solidFill>
+                  <a:schemeClr val="tx1">
+                    <a:lumMod val="65000"/>
+                    <a:lumOff val="35000"/>
+                  </a:schemeClr>
+                </a:solidFill>
+              </a:rPr>
+              <a:t>Well</a:t>
+            </a:r>
+            <a:r>
+              <a:rPr lang="en-US" dirty="0">
+                <a:solidFill>
+                  <a:schemeClr val="tx1">
+                    <a:lumMod val="65000"/>
+                    <a:lumOff val="35000"/>
+                  </a:schemeClr>
+                </a:solidFill>
+              </a:rPr>
+              <a:t>-defined </a:t>
+            </a:r>
+            <a:r>
+              <a:rPr lang="en" dirty="0">
+                <a:solidFill>
+                  <a:schemeClr val="tx1">
+                    <a:lumMod val="65000"/>
+                    <a:lumOff val="35000"/>
+                  </a:schemeClr>
+                </a:solidFill>
+              </a:rPr>
+              <a:t>capability amidst heterogeneous, dynamic resources requires </a:t>
+            </a:r>
+            <a:r>
+              <a:rPr lang="en" i="1" dirty="0">
+                <a:solidFill>
+                  <a:schemeClr val="tx1">
+                    <a:lumMod val="65000"/>
+                    <a:lumOff val="35000"/>
+                  </a:schemeClr>
+                </a:solidFill>
+              </a:rPr>
+              <a:t>flexible </a:t>
+            </a:r>
+            <a:r>
+              <a:rPr lang="en-US" i="1" dirty="0">
+                <a:solidFill>
+                  <a:schemeClr val="tx1">
+                    <a:lumMod val="65000"/>
+                    <a:lumOff val="35000"/>
+                  </a:schemeClr>
+                </a:solidFill>
+              </a:rPr>
+              <a:t>federation</a:t>
+            </a:r>
+            <a:r>
+              <a:rPr lang="en" dirty="0">
+                <a:solidFill>
+                  <a:schemeClr val="tx1">
+                    <a:lumMod val="65000"/>
+                    <a:lumOff val="35000"/>
+                  </a:schemeClr>
+                </a:solidFill>
+              </a:rPr>
+              <a:t> of resources and </a:t>
+            </a:r>
+            <a:r>
+              <a:rPr lang="en" dirty="0" smtClean="0">
+                <a:solidFill>
+                  <a:schemeClr val="tx1">
+                    <a:lumMod val="65000"/>
+                    <a:lumOff val="35000"/>
+                  </a:schemeClr>
+                </a:solidFill>
+              </a:rPr>
+              <a:t>services</a:t>
+            </a:r>
+            <a:endParaRPr lang="en-US" dirty="0" smtClean="0">
+              <a:solidFill>
+                <a:schemeClr val="tx1">
+                  <a:lumMod val="65000"/>
+                  <a:lumOff val="35000"/>
+                </a:schemeClr>
+              </a:solidFill>
+            </a:endParaRPr>
+          </a:p>
+          <a:p>
+            <a:pPr lvl="1">
+              <a:lnSpc>
+                <a:spcPct val="115000"/>
+              </a:lnSpc>
+              <a:spcBef>
+                <a:spcPts val="500"/>
+              </a:spcBef>
+              <a:buClr>
+                <a:srgbClr val="000000"/>
+              </a:buClr>
+              <a:buSzPct val="55000"/>
+            </a:pPr>
+            <a:r>
+              <a:rPr lang="en-US" dirty="0" smtClean="0"/>
+              <a:t>What functional (property) units, and how to compose f</a:t>
+            </a:r>
+            <a:r>
+              <a:rPr lang="en" dirty="0" smtClean="0"/>
+              <a:t>unctionality</a:t>
+            </a:r>
+            <a:r>
+              <a:rPr lang="en-US" dirty="0" smtClean="0"/>
+              <a:t>?</a:t>
+            </a:r>
+          </a:p>
+          <a:p>
+            <a:pPr marL="457200" lvl="1" indent="0">
+              <a:lnSpc>
+                <a:spcPct val="115000"/>
+              </a:lnSpc>
+              <a:spcBef>
+                <a:spcPts val="500"/>
+              </a:spcBef>
+              <a:buClr>
+                <a:srgbClr val="000000"/>
+              </a:buClr>
+              <a:buSzPct val="55000"/>
+              <a:buNone/>
+            </a:pPr>
+            <a:endParaRPr lang="en-US" dirty="0" smtClean="0">
+              <a:solidFill>
+                <a:srgbClr val="000000"/>
+              </a:solidFill>
+            </a:endParaRPr>
           </a:p>
           <a:p>
             <a:pPr>
@@ -9597,90 +10346,76 @@
               <a:buSzPct val="55000"/>
             </a:pPr>
             <a:r>
-              <a:rPr lang="en-US" dirty="0" smtClean="0">
-                <a:solidFill>
-                  <a:schemeClr val="tx1">
-                    <a:lumMod val="65000"/>
-                    <a:lumOff val="35000"/>
-                  </a:schemeClr>
-                </a:solidFill>
-              </a:rPr>
-              <a:t>Well</a:t>
-            </a:r>
-            <a:r>
-              <a:rPr lang="en-US" dirty="0">
-                <a:solidFill>
-                  <a:schemeClr val="tx1">
-                    <a:lumMod val="65000"/>
-                    <a:lumOff val="35000"/>
-                  </a:schemeClr>
-                </a:solidFill>
-              </a:rPr>
-              <a:t>-defined </a:t>
-            </a:r>
-            <a:r>
-              <a:rPr lang="en" dirty="0">
-                <a:solidFill>
-                  <a:schemeClr val="tx1">
-                    <a:lumMod val="65000"/>
-                    <a:lumOff val="35000"/>
-                  </a:schemeClr>
-                </a:solidFill>
-              </a:rPr>
-              <a:t>capability amidst heterogeneous, dynamic resources requires </a:t>
-            </a:r>
-            <a:r>
-              <a:rPr lang="en" i="1" dirty="0">
-                <a:solidFill>
-                  <a:schemeClr val="tx1">
-                    <a:lumMod val="65000"/>
-                    <a:lumOff val="35000"/>
-                  </a:schemeClr>
-                </a:solidFill>
-              </a:rPr>
-              <a:t>flexible </a:t>
-            </a:r>
-            <a:r>
-              <a:rPr lang="en-US" i="1" dirty="0">
-                <a:solidFill>
-                  <a:schemeClr val="tx1">
-                    <a:lumMod val="65000"/>
-                    <a:lumOff val="35000"/>
-                  </a:schemeClr>
-                </a:solidFill>
-              </a:rPr>
-              <a:t>federation</a:t>
-            </a:r>
-            <a:r>
-              <a:rPr lang="en" dirty="0">
-                <a:solidFill>
-                  <a:schemeClr val="tx1">
-                    <a:lumMod val="65000"/>
-                    <a:lumOff val="35000"/>
-                  </a:schemeClr>
-                </a:solidFill>
-              </a:rPr>
-              <a:t> of resources and </a:t>
-            </a:r>
-            <a:r>
-              <a:rPr lang="en" dirty="0" smtClean="0">
-                <a:solidFill>
-                  <a:schemeClr val="tx1">
-                    <a:lumMod val="65000"/>
-                    <a:lumOff val="35000"/>
-                  </a:schemeClr>
-                </a:solidFill>
-              </a:rPr>
-              <a:t>services</a:t>
-            </a:r>
-            <a:endParaRPr lang="en-US" dirty="0">
-              <a:solidFill>
-                <a:schemeClr val="tx1">
-                  <a:lumMod val="65000"/>
-                  <a:lumOff val="35000"/>
-                </a:schemeClr>
-              </a:solidFill>
-            </a:endParaRPr>
+              <a:rPr lang="en-US" dirty="0" smtClean="0"/>
+              <a:t>Relationship </a:t>
+            </a:r>
+            <a:r>
+              <a:rPr lang="en-US" dirty="0"/>
+              <a:t>between models and </a:t>
+            </a:r>
+            <a:r>
+              <a:rPr lang="en-US" dirty="0" smtClean="0"/>
+              <a:t>reasoning</a:t>
+            </a:r>
+          </a:p>
+          <a:p>
+            <a:pPr marL="1020762" lvl="1" indent="-514350"/>
+            <a:r>
+              <a:rPr lang="en-US" dirty="0"/>
+              <a:t>Two levels of conceptual abstractions to enable reasoning:</a:t>
+            </a:r>
+          </a:p>
+          <a:p>
+            <a:pPr marL="1020762" lvl="1" indent="-514350"/>
+            <a:r>
+              <a:rPr lang="en" dirty="0" smtClean="0"/>
+              <a:t>Models </a:t>
+            </a:r>
+            <a:r>
+              <a:rPr lang="en" dirty="0"/>
+              <a:t>that enable reasoning</a:t>
+            </a:r>
+            <a:r>
+              <a:rPr lang="en-US" dirty="0"/>
+              <a:t> at multiple, integrated levels to provide performance estimation and predictability</a:t>
+            </a:r>
+          </a:p>
+          <a:p>
+            <a:pPr lvl="3">
+              <a:buFont typeface="Arial"/>
+              <a:buChar char="•"/>
+            </a:pPr>
+            <a:r>
+              <a:rPr lang="en" dirty="0"/>
+              <a:t>When and how to distribute</a:t>
+            </a:r>
+            <a:r>
+              <a:rPr lang="en-US" dirty="0"/>
+              <a:t>? What and where?</a:t>
+            </a:r>
+          </a:p>
+          <a:p>
+            <a:pPr lvl="3">
+              <a:buFont typeface="Arial"/>
+              <a:buChar char="•"/>
+            </a:pPr>
+            <a:r>
+              <a:rPr lang="en-US" dirty="0"/>
+              <a:t> A </a:t>
+            </a:r>
+            <a:r>
+              <a:rPr lang="en-US" dirty="0" err="1"/>
+              <a:t>Linpack</a:t>
+            </a:r>
+            <a:r>
+              <a:rPr lang="en-US" dirty="0"/>
+              <a:t> for distributed systems/applications</a:t>
+            </a:r>
+            <a:r>
+              <a:rPr lang="en-US" dirty="0" smtClean="0"/>
+              <a:t>?</a:t>
+            </a:r>
+            <a:endParaRPr lang="en-US" dirty="0"/>
           </a:p>
           <a:p>
             <a:pPr>
@@ -9695,229 +10430,63 @@
               </a:buClr>
               <a:buSzPct val="55000"/>
             </a:pPr>
-            <a:r>
-              <a:rPr lang="en" sz="1700" dirty="0" smtClean="0">
-                <a:solidFill>
-                  <a:srgbClr val="000000"/>
-                </a:solidFill>
-              </a:rPr>
-              <a:t>How </a:t>
-            </a:r>
-            <a:r>
-              <a:rPr lang="en" sz="1700" dirty="0">
-                <a:solidFill>
-                  <a:srgbClr val="000000"/>
-                </a:solidFill>
-              </a:rPr>
-              <a:t>to provide well</a:t>
-            </a:r>
-            <a:r>
-              <a:rPr lang="en-US" sz="1700" dirty="0">
-                <a:solidFill>
-                  <a:srgbClr val="000000"/>
-                </a:solidFill>
-              </a:rPr>
-              <a:t>-</a:t>
-            </a:r>
-            <a:r>
-              <a:rPr lang="en" sz="1700" dirty="0">
-                <a:solidFill>
-                  <a:srgbClr val="000000"/>
-                </a:solidFill>
-              </a:rPr>
-              <a:t>defined capabilities</a:t>
-            </a:r>
-            <a:r>
-              <a:rPr lang="en-US" sz="1700" dirty="0">
-                <a:solidFill>
-                  <a:srgbClr val="000000"/>
-                </a:solidFill>
-              </a:rPr>
-              <a:t>?</a:t>
-            </a:r>
-            <a:endParaRPr lang="en" sz="1700" dirty="0">
-              <a:solidFill>
-                <a:srgbClr val="000000"/>
-              </a:solidFill>
-            </a:endParaRPr>
-          </a:p>
-          <a:p>
-            <a:pPr marL="971550" indent="-514350">
+            <a:endParaRPr lang="en-US" dirty="0" smtClean="0"/>
+          </a:p>
+          <a:p>
+            <a:pPr>
               <a:lnSpc>
                 <a:spcPct val="115000"/>
               </a:lnSpc>
               <a:spcBef>
-                <a:spcPts val="400"/>
+                <a:spcPts val="500"/>
               </a:spcBef>
               <a:buClr>
                 <a:srgbClr val="000000"/>
               </a:buClr>
-              <a:buSzPct val="100000"/>
-              <a:buFont typeface="+mj-lt"/>
-              <a:buAutoNum type="romanUcPeriod"/>
-            </a:pPr>
-            <a:r>
-              <a:rPr lang="en-US" sz="1700" dirty="0">
-                <a:solidFill>
-                  <a:schemeClr val="tx1">
-                    <a:lumMod val="65000"/>
-                    <a:lumOff val="35000"/>
-                  </a:schemeClr>
-                </a:solidFill>
-              </a:rPr>
-              <a:t>Well-defined </a:t>
-            </a:r>
-            <a:r>
-              <a:rPr lang="en" sz="1700" dirty="0">
-                <a:solidFill>
-                  <a:schemeClr val="tx1">
-                    <a:lumMod val="65000"/>
-                    <a:lumOff val="35000"/>
-                  </a:schemeClr>
-                </a:solidFill>
-              </a:rPr>
-              <a:t>capability amidst heterogeneous, dynamic resources requires </a:t>
-            </a:r>
-            <a:r>
-              <a:rPr lang="en" sz="1700" i="1" dirty="0">
-                <a:solidFill>
-                  <a:schemeClr val="tx1">
-                    <a:lumMod val="65000"/>
-                    <a:lumOff val="35000"/>
-                  </a:schemeClr>
-                </a:solidFill>
-              </a:rPr>
-              <a:t>flexible </a:t>
-            </a:r>
-            <a:r>
-              <a:rPr lang="en-US" sz="1700" i="1" dirty="0">
-                <a:solidFill>
-                  <a:schemeClr val="tx1">
-                    <a:lumMod val="65000"/>
-                    <a:lumOff val="35000"/>
-                  </a:schemeClr>
-                </a:solidFill>
-              </a:rPr>
-              <a:t>federation</a:t>
-            </a:r>
-            <a:r>
-              <a:rPr lang="en" sz="1700" dirty="0">
-                <a:solidFill>
-                  <a:schemeClr val="tx1">
-                    <a:lumMod val="65000"/>
-                    <a:lumOff val="35000"/>
-                  </a:schemeClr>
-                </a:solidFill>
-              </a:rPr>
-              <a:t> of resources and </a:t>
-            </a:r>
-            <a:r>
-              <a:rPr lang="en" sz="1700" dirty="0" smtClean="0">
-                <a:solidFill>
-                  <a:schemeClr val="tx1">
-                    <a:lumMod val="65000"/>
-                    <a:lumOff val="35000"/>
-                  </a:schemeClr>
-                </a:solidFill>
-              </a:rPr>
-              <a:t>services</a:t>
-            </a:r>
-            <a:endParaRPr lang="en-US" sz="1700" dirty="0">
-              <a:solidFill>
-                <a:schemeClr val="tx1">
-                  <a:lumMod val="65000"/>
-                  <a:lumOff val="35000"/>
-                </a:schemeClr>
-              </a:solidFill>
-            </a:endParaRPr>
-          </a:p>
-          <a:p>
-            <a:pPr marL="971550" indent="-514350">
-              <a:lnSpc>
-                <a:spcPct val="115000"/>
-              </a:lnSpc>
-              <a:spcBef>
-                <a:spcPts val="400"/>
-              </a:spcBef>
-              <a:buClr>
-                <a:srgbClr val="000000"/>
-              </a:buClr>
-              <a:buSzPct val="100000"/>
-              <a:buFont typeface="+mj-lt"/>
-              <a:buAutoNum type="romanUcPeriod"/>
-            </a:pPr>
-            <a:r>
-              <a:rPr lang="en" sz="1700" dirty="0" smtClean="0">
-                <a:solidFill>
-                  <a:srgbClr val="000000"/>
-                </a:solidFill>
-              </a:rPr>
-              <a:t>Need </a:t>
-            </a:r>
-            <a:r>
-              <a:rPr lang="en" sz="1700" dirty="0">
-                <a:solidFill>
-                  <a:srgbClr val="000000"/>
-                </a:solidFill>
-              </a:rPr>
-              <a:t>to </a:t>
-            </a:r>
-            <a:r>
-              <a:rPr lang="en-US" sz="1700" dirty="0">
-                <a:solidFill>
-                  <a:srgbClr val="000000"/>
-                </a:solidFill>
-              </a:rPr>
-              <a:t>federate </a:t>
-            </a:r>
-            <a:r>
-              <a:rPr lang="en" sz="1700" dirty="0">
-                <a:solidFill>
-                  <a:srgbClr val="000000"/>
-                </a:solidFill>
-              </a:rPr>
-              <a:t>systems to provide well</a:t>
-            </a:r>
-            <a:r>
-              <a:rPr lang="en-US" sz="1700" dirty="0">
-                <a:solidFill>
-                  <a:srgbClr val="000000"/>
-                </a:solidFill>
-              </a:rPr>
-              <a:t>-</a:t>
-            </a:r>
-            <a:r>
-              <a:rPr lang="en" sz="1700" dirty="0">
-                <a:solidFill>
-                  <a:srgbClr val="000000"/>
-                </a:solidFill>
-              </a:rPr>
-              <a:t>defined capabilities from heterogeneous</a:t>
-            </a:r>
-            <a:r>
-              <a:rPr lang="en-US" sz="1700" dirty="0">
-                <a:solidFill>
-                  <a:srgbClr val="000000"/>
-                </a:solidFill>
-              </a:rPr>
-              <a:t> dynamic </a:t>
-            </a:r>
-            <a:r>
-              <a:rPr lang="en" sz="1700" dirty="0">
-                <a:solidFill>
-                  <a:srgbClr val="000000"/>
-                </a:solidFill>
-              </a:rPr>
-              <a:t>components with varying levels of control</a:t>
-            </a:r>
-            <a:endParaRPr lang="en" sz="1700" dirty="0">
-              <a:solidFill>
-                <a:schemeClr val="tx1">
-                  <a:lumMod val="65000"/>
-                  <a:lumOff val="35000"/>
-                </a:schemeClr>
-              </a:solidFill>
-            </a:endParaRPr>
+              <a:buSzPct val="55000"/>
+            </a:pPr>
+            <a:r>
+              <a:rPr lang="en-US" dirty="0" smtClean="0"/>
+              <a:t>In </a:t>
+            </a:r>
+            <a:r>
+              <a:rPr lang="en-US" dirty="0" smtClean="0"/>
+              <a:t>turn need models of semantics – static and dynamic, and performance</a:t>
+            </a:r>
+          </a:p>
+          <a:p>
+            <a:pPr lvl="1"/>
+            <a:r>
+              <a:rPr lang="en" dirty="0" smtClean="0"/>
+              <a:t>Models </a:t>
+            </a:r>
+            <a:r>
+              <a:rPr lang="en-US" dirty="0"/>
+              <a:t>that enable functional comparison for </a:t>
+            </a:r>
+            <a:r>
+              <a:rPr lang="en-US" i="1" dirty="0"/>
+              <a:t>individual</a:t>
+            </a:r>
+            <a:r>
+              <a:rPr lang="en-US" dirty="0"/>
+              <a:t> </a:t>
+            </a:r>
+            <a:r>
+              <a:rPr lang="en" i="1" dirty="0"/>
+              <a:t>components</a:t>
+            </a:r>
+            <a:r>
+              <a:rPr lang="en-US" dirty="0"/>
+              <a:t>, e.g., P* for Pilot-systems </a:t>
+            </a:r>
+            <a:r>
+              <a:rPr lang="en-US" dirty="0">
+                <a:hlinkClick r:id="rId3"/>
+              </a:rPr>
+              <a:t>10.1109/eScience.2012.6404423</a:t>
+            </a:r>
+            <a:endParaRPr lang="en-US" dirty="0"/>
           </a:p>
           <a:p>
             <a:pPr marL="971550" indent="-514350">
@@ -9930,23 +10499,7 @@
               <a:buFont typeface="+mj-lt"/>
               <a:buAutoNum type="romanUcPeriod"/>
             </a:pPr>
-            <a:r>
-              <a:rPr lang="en-US" sz="1700" dirty="0" smtClean="0"/>
-              <a:t>What </a:t>
-            </a:r>
-            <a:r>
-              <a:rPr lang="en-US" sz="1700" dirty="0"/>
-              <a:t>functional units, and how to compose f</a:t>
-            </a:r>
-            <a:r>
-              <a:rPr lang="en" sz="1700" dirty="0"/>
-              <a:t>unctionality</a:t>
-            </a:r>
-            <a:r>
-              <a:rPr lang="en-US" sz="1700" dirty="0" smtClean="0"/>
-              <a:t>?</a:t>
-            </a:r>
-            <a:endParaRPr lang="en-US" sz="1700" dirty="0"/>
+            <a:endParaRPr lang="en-US" sz="1700" b="1" dirty="0"/>
           </a:p>
         </p:txBody>
       </p:sp>

--- a/presentations/radical-modsim.pptx
+++ b/presentations/radical-modsim.pptx
@@ -1842,9 +1842,18 @@
               <a:buNone/>
             </a:pPr>
             <a:r>
-              <a:rPr lang="en"/>
-              <a:t>factor in uniformity in resources</a:t>
-            </a:r>
+              <a:rPr lang="en-US" dirty="0" smtClean="0"/>
+              <a:t>This slide needs </a:t>
+            </a:r>
+            <a:r>
+              <a:rPr lang="en-US" smtClean="0"/>
+              <a:t>MAJOR</a:t>
+            </a:r>
+            <a:r>
+              <a:rPr lang="en-US" baseline="0" smtClean="0"/>
+              <a:t> attention</a:t>
+            </a:r>
+            <a:endParaRPr lang="en" dirty="0"/>
           </a:p>
         </p:txBody>
       </p:sp>
@@ -7724,15 +7733,13 @@
             <a:pPr lvl="1"/>
             <a:r>
               <a:rPr lang="en-US" sz="2000" dirty="0" smtClean="0"/>
-              <a:t>Many concurrent applications can scale</a:t>
-            </a:r>
-          </a:p>
-          <a:p>
-            <a:pPr lvl="1"/>
+              <a:t>Many concurrent applications can </a:t>
+            </a:r>
             <a:r>
               <a:rPr lang="en-US" sz="2000" dirty="0" smtClean="0"/>
-              <a:t>….</a:t>
-            </a:r>
+              <a:t>scale</a:t>
+            </a:r>
+            <a:endParaRPr lang="en-US" sz="2000" dirty="0" smtClean="0"/>
           </a:p>
         </p:txBody>
       </p:sp>
@@ -8952,22 +8959,22 @@
               <a:buSzPct val="100000"/>
             </a:pPr>
             <a:r>
-              <a:rPr lang="en-US" dirty="0" smtClean="0"/>
+              <a:rPr lang="en-US" sz="2000" dirty="0" smtClean="0"/>
               <a:t>When </a:t>
             </a:r>
             <a:r>
-              <a:rPr lang="en-US" dirty="0"/>
+              <a:rPr lang="en-US" sz="2000" dirty="0"/>
               <a:t>to distribute</a:t>
             </a:r>
             <a:r>
-              <a:rPr lang="en-US" dirty="0" smtClean="0"/>
+              <a:rPr lang="en-US" sz="2000" dirty="0" smtClean="0"/>
               <a:t>? Where</a:t>
             </a:r>
             <a:r>
-              <a:rPr lang="en-US" dirty="0"/>
+              <a:rPr lang="en-US" sz="2000" dirty="0"/>
               <a:t>/how to distribute? What to distribute? </a:t>
             </a:r>
-            <a:endParaRPr lang="en-US" dirty="0"/>
+            <a:endParaRPr lang="en-US" sz="2000" dirty="0"/>
           </a:p>
           <a:p>
             <a:pPr marL="800100" lvl="1" indent="-342900">
@@ -8977,22 +8984,22 @@
               <a:buSzPct val="100000"/>
             </a:pPr>
             <a:r>
-              <a:rPr lang="en-US" dirty="0" smtClean="0"/>
+              <a:rPr lang="en-US" sz="2000" dirty="0" smtClean="0"/>
               <a:t>Need </a:t>
             </a:r>
             <a:r>
-              <a:rPr lang="en-US" dirty="0" smtClean="0"/>
+              <a:rPr lang="en-US" sz="2000" dirty="0" smtClean="0"/>
               <a:t>to integrate information </a:t>
             </a:r>
             <a:r>
-              <a:rPr lang="en-US" dirty="0"/>
+              <a:rPr lang="en-US" sz="2000" dirty="0"/>
               <a:t>about </a:t>
             </a:r>
             <a:r>
-              <a:rPr lang="en-US" dirty="0" smtClean="0"/>
+              <a:rPr lang="en-US" sz="2000" dirty="0" smtClean="0"/>
               <a:t>applications and resources (compute, data and networks) </a:t>
             </a:r>
-            <a:endParaRPr lang="en-US" dirty="0" smtClean="0"/>
+            <a:endParaRPr lang="en-US" sz="2000" dirty="0" smtClean="0"/>
           </a:p>
           <a:p>
             <a:pPr marL="800100" lvl="1" indent="-342900">
@@ -9002,7 +9009,7 @@
               <a:buSzPct val="100000"/>
             </a:pPr>
             <a:r>
-              <a:rPr lang="en-US" dirty="0" smtClean="0">
+              <a:rPr lang="en-US" sz="2000" dirty="0" smtClean="0">
                 <a:solidFill>
                   <a:schemeClr val="tx1">
                     <a:lumMod val="65000"/>
@@ -9012,6 +9019,27 @@
               </a:rPr>
               <a:t>Support reasoning and predictable behavior</a:t>
             </a:r>
+          </a:p>
+          <a:p>
+            <a:pPr marL="344488" indent="-342900">
+              <a:buClr>
+                <a:srgbClr val="000000"/>
+              </a:buClr>
+              <a:buSzPct val="100000"/>
+            </a:pPr>
+            <a:r>
+              <a:rPr lang="en-US" dirty="0" smtClean="0">
+                <a:solidFill>
+                  <a:srgbClr val="000000"/>
+                </a:solidFill>
+              </a:rPr>
+              <a:t>Functional Requirement</a:t>
+            </a:r>
+            <a:endParaRPr lang="en-US" dirty="0">
+              <a:solidFill>
+                <a:srgbClr val="000000"/>
+              </a:solidFill>
+            </a:endParaRPr>
           </a:p>
           <a:p>
             <a:pPr marL="800100" lvl="1" indent="-342900">
@@ -9020,62 +9048,8 @@
               </a:buClr>
               <a:buSzPct val="100000"/>
             </a:pPr>
-            <a:endParaRPr lang="en-US" dirty="0">
-              <a:solidFill>
-                <a:schemeClr val="tx1">
-                  <a:lumMod val="65000"/>
-                  <a:lumOff val="35000"/>
-                </a:schemeClr>
-              </a:solidFill>
-            </a:endParaRPr>
-          </a:p>
-          <a:p>
-            <a:pPr marL="457200" lvl="1" indent="0">
-              <a:buClr>
-                <a:srgbClr val="000000"/>
-              </a:buClr>
-              <a:buSzPct val="100000"/>
-              <a:buNone/>
-            </a:pPr>
-            <a:endParaRPr lang="en-US" dirty="0" smtClean="0">
-              <a:solidFill>
-                <a:schemeClr val="tx1">
-                  <a:lumMod val="65000"/>
-                  <a:lumOff val="35000"/>
-                </a:schemeClr>
-              </a:solidFill>
-            </a:endParaRPr>
-          </a:p>
-          <a:p>
-            <a:pPr marL="344488" indent="-342900">
-              <a:buClr>
-                <a:srgbClr val="000000"/>
-              </a:buClr>
-              <a:buSzPct val="100000"/>
-            </a:pPr>
-            <a:r>
-              <a:rPr lang="en-US" dirty="0" smtClean="0">
-                <a:solidFill>
-                  <a:srgbClr val="000000"/>
-                </a:solidFill>
-              </a:rPr>
-              <a:t>Functional Requirement</a:t>
-            </a:r>
-            <a:endParaRPr lang="en-US" dirty="0">
-              <a:solidFill>
-                <a:srgbClr val="000000"/>
-              </a:solidFill>
-            </a:endParaRPr>
-          </a:p>
-          <a:p>
-            <a:pPr marL="800100" lvl="1" indent="-342900">
-              <a:buClr>
-                <a:srgbClr val="000000"/>
-              </a:buClr>
-              <a:buSzPct val="100000"/>
-            </a:pPr>
-            <a:r>
-              <a:rPr lang="en-US" dirty="0" smtClean="0">
+            <a:r>
+              <a:rPr lang="en-US" sz="2000" dirty="0" smtClean="0">
                 <a:solidFill>
                   <a:schemeClr val="tx1">
                     <a:lumMod val="65000"/>
@@ -9086,7 +9060,7 @@
               <a:t>Integrated </a:t>
             </a:r>
             <a:r>
-              <a:rPr lang="en-US" dirty="0">
+              <a:rPr lang="en-US" sz="2000" dirty="0">
                 <a:solidFill>
                   <a:schemeClr val="tx1">
                     <a:lumMod val="65000"/>
@@ -9097,7 +9071,7 @@
               <a:t>for Adaptive Applications and Dynamic Resource </a:t>
             </a:r>
             <a:r>
-              <a:rPr lang="en-US" dirty="0" smtClean="0">
+              <a:rPr lang="en-US" sz="2000" dirty="0" smtClean="0">
                 <a:solidFill>
                   <a:schemeClr val="tx1">
                     <a:lumMod val="65000"/>
@@ -9116,7 +9090,7 @@
               <a:buSzPct val="100000"/>
             </a:pPr>
             <a:r>
-              <a:rPr lang="en-US" dirty="0" smtClean="0">
+              <a:rPr lang="en-US" sz="2000" dirty="0" smtClean="0">
                 <a:solidFill>
                   <a:schemeClr val="tx1">
                     <a:lumMod val="75000"/>
@@ -9127,7 +9101,7 @@
               <a:t>Support </a:t>
             </a:r>
             <a:r>
-              <a:rPr lang="en-US" dirty="0">
+              <a:rPr lang="en-US" sz="2000" dirty="0">
                 <a:solidFill>
                   <a:schemeClr val="tx1">
                     <a:lumMod val="75000"/>
@@ -9138,7 +9112,7 @@
               <a:t>adaptive </a:t>
             </a:r>
             <a:r>
-              <a:rPr lang="en-US" dirty="0" smtClean="0">
+              <a:rPr lang="en-US" sz="2000" dirty="0" smtClean="0">
                 <a:solidFill>
                   <a:schemeClr val="tx1">
                     <a:lumMod val="75000"/>
@@ -9149,7 +9123,7 @@
               <a:t>applications </a:t>
             </a:r>
             <a:r>
-              <a:rPr lang="en-US" dirty="0" smtClean="0">
+              <a:rPr lang="en-US" sz="2000" dirty="0" smtClean="0">
                 <a:solidFill>
                   <a:schemeClr val="tx1">
                     <a:lumMod val="75000"/>
@@ -9159,7 +9133,7 @@
               </a:rPr>
               <a:t>in conjunction with dynamic resources</a:t>
             </a:r>
-            <a:endParaRPr lang="en" dirty="0">
+            <a:endParaRPr lang="en" sz="2000" dirty="0">
               <a:solidFill>
                 <a:schemeClr val="tx1">
                   <a:lumMod val="75000"/>
@@ -9176,7 +9150,7 @@
               <a:buSzPct val="100000"/>
             </a:pPr>
             <a:r>
-              <a:rPr lang="en" dirty="0">
+              <a:rPr lang="en" sz="2000" dirty="0">
                 <a:solidFill>
                   <a:schemeClr val="tx1">
                     <a:lumMod val="75000"/>
@@ -9187,7 +9161,7 @@
               <a:t>Need to </a:t>
             </a:r>
             <a:r>
-              <a:rPr lang="en-US" dirty="0">
+              <a:rPr lang="en-US" sz="2000" dirty="0">
                 <a:solidFill>
                   <a:schemeClr val="tx1">
                     <a:lumMod val="75000"/>
@@ -9198,7 +9172,7 @@
               <a:t>federate </a:t>
             </a:r>
             <a:r>
-              <a:rPr lang="en" dirty="0">
+              <a:rPr lang="en" sz="2000" dirty="0">
                 <a:solidFill>
                   <a:schemeClr val="tx1">
                     <a:lumMod val="75000"/>
@@ -9209,7 +9183,7 @@
               <a:t>systems to provide well</a:t>
             </a:r>
             <a:r>
-              <a:rPr lang="en-US" dirty="0">
+              <a:rPr lang="en-US" sz="2000" dirty="0">
                 <a:solidFill>
                   <a:schemeClr val="tx1">
                     <a:lumMod val="75000"/>
@@ -9220,7 +9194,7 @@
               <a:t>-</a:t>
             </a:r>
             <a:r>
-              <a:rPr lang="en" dirty="0">
+              <a:rPr lang="en" sz="2000" dirty="0">
                 <a:solidFill>
                   <a:schemeClr val="tx1">
                     <a:lumMod val="75000"/>
@@ -9231,7 +9205,7 @@
               <a:t>defined </a:t>
             </a:r>
             <a:r>
-              <a:rPr lang="en" dirty="0" smtClean="0">
+              <a:rPr lang="en" sz="2000" dirty="0" smtClean="0">
                 <a:solidFill>
                   <a:schemeClr val="tx1">
                     <a:lumMod val="75000"/>
@@ -9241,7 +9215,7 @@
               </a:rPr>
               <a:t>capabilities</a:t>
             </a:r>
-            <a:endParaRPr lang="en-US" dirty="0" smtClean="0">
+            <a:endParaRPr lang="en-US" sz="2000" dirty="0" smtClean="0">
               <a:solidFill>
                 <a:schemeClr val="tx1">
                   <a:lumMod val="75000"/>
@@ -9258,7 +9232,7 @@
               <a:buSzPct val="100000"/>
             </a:pPr>
             <a:r>
-              <a:rPr lang="en-US" dirty="0">
+              <a:rPr lang="en-US" sz="2000" dirty="0">
                 <a:solidFill>
                   <a:schemeClr val="tx1">
                     <a:lumMod val="75000"/>
@@ -9269,7 +9243,7 @@
               <a:t>Abstracted</a:t>
             </a:r>
             <a:r>
-              <a:rPr lang="en-US" dirty="0">
+              <a:rPr lang="en-US" sz="2000" dirty="0">
                 <a:solidFill>
                   <a:schemeClr val="tx1">
                     <a:lumMod val="65000"/>
@@ -9280,7 +9254,7 @@
               <a:t> data logic (representation, distribution, scheduling, placement) that captures application-semantics yet is not application-</a:t>
             </a:r>
             <a:r>
-              <a:rPr lang="en-US" dirty="0" smtClean="0">
+              <a:rPr lang="en-US" sz="2000" dirty="0" smtClean="0">
                 <a:solidFill>
                   <a:schemeClr val="tx1">
                     <a:lumMod val="65000"/>
@@ -9299,14 +9273,14 @@
               <a:buSzPct val="100000"/>
             </a:pPr>
             <a:r>
-              <a:rPr lang="en-US" dirty="0" smtClean="0">
+              <a:rPr lang="en-US" sz="2000" dirty="0" smtClean="0">
                 <a:solidFill>
                   <a:srgbClr val="800000"/>
                 </a:solidFill>
               </a:rPr>
               <a:t>Mark do you have improvement to the above?</a:t>
             </a:r>
-            <a:endParaRPr lang="en-US" dirty="0">
+            <a:endParaRPr lang="en-US" sz="2000" dirty="0">
               <a:solidFill>
                 <a:srgbClr val="800000"/>
               </a:solidFill>
@@ -9319,7 +9293,7 @@
               </a:buClr>
               <a:buSzPct val="100000"/>
             </a:pPr>
-            <a:endParaRPr lang="en-US" dirty="0">
+            <a:endParaRPr lang="en-US" sz="2000" dirty="0">
               <a:solidFill>
                 <a:schemeClr val="tx1">
                   <a:lumMod val="75000"/>
@@ -9335,7 +9309,7 @@
               </a:buClr>
               <a:buSzPct val="100000"/>
             </a:pPr>
-            <a:endParaRPr lang="en-US" dirty="0">
+            <a:endParaRPr lang="en-US" sz="2000" dirty="0">
               <a:solidFill>
                 <a:schemeClr val="tx1">
                   <a:lumMod val="75000"/>

--- a/presentations/radical-modsim.pptx
+++ b/presentations/radical-modsim.pptx
@@ -1843,14 +1843,10 @@
             </a:pPr>
             <a:r>
               <a:rPr lang="en-US" dirty="0" smtClean="0"/>
-              <a:t>This slide needs </a:t>
-            </a:r>
-            <a:r>
-              <a:rPr lang="en-US" smtClean="0"/>
-              <a:t>MAJOR</a:t>
-            </a:r>
-            <a:r>
-              <a:rPr lang="en-US" baseline="0" smtClean="0"/>
+              <a:t>This slide needs MAJOR</a:t>
+            </a:r>
+            <a:r>
+              <a:rPr lang="en-US" baseline="0" dirty="0" smtClean="0"/>
               <a:t> attention</a:t>
             </a:r>
             <a:endParaRPr lang="en" dirty="0"/>
@@ -10059,12 +10055,8 @@
               <a:t>NGMW: </a:t>
             </a:r>
             <a:r>
-              <a:rPr lang="en-US" dirty="0" err="1" smtClean="0"/>
-              <a:t>Capabilty</a:t>
-            </a:r>
-            <a:r>
-              <a:rPr lang="en-US" dirty="0" smtClean="0"/>
-              <a:t> </a:t>
+              <a:rPr lang="en-US" dirty="0" smtClean="0"/>
+              <a:t>Capability </a:t>
             </a:r>
             <a:r>
               <a:rPr lang="en-US" dirty="0" smtClean="0"/>

--- a/presentations/radical-modsim.pptx
+++ b/presentations/radical-modsim.pptx
@@ -7729,13 +7729,8 @@
             <a:pPr lvl="1"/>
             <a:r>
               <a:rPr lang="en-US" sz="2000" dirty="0" smtClean="0"/>
-              <a:t>Many concurrent applications can </a:t>
-            </a:r>
-            <a:r>
-              <a:rPr lang="en-US" sz="2000" dirty="0" smtClean="0"/>
-              <a:t>scale</a:t>
-            </a:r>
-            <a:endParaRPr lang="en-US" sz="2000" dirty="0" smtClean="0"/>
+              <a:t>Many concurrent applications can scale</a:t>
+            </a:r>
           </a:p>
         </p:txBody>
       </p:sp>
@@ -8734,119 +8729,95 @@
                 <a:ea typeface="ＭＳ Ｐゴシック" charset="0"/>
                 <a:cs typeface="ＭＳ Ｐゴシック" charset="0"/>
               </a:rPr>
-              <a:t>Community (HEP) applications, essentially </a:t>
-            </a:r>
+              <a:t>Community (HEP) applications, essentially similar</a:t>
+            </a:r>
+          </a:p>
+          <a:p>
+            <a:pPr>
+              <a:lnSpc>
+                <a:spcPct val="90000"/>
+              </a:lnSpc>
+            </a:pPr>
+            <a:r>
+              <a:rPr lang="en-US" dirty="0" smtClean="0"/>
+              <a:t>Important </a:t>
+            </a:r>
+            <a:r>
+              <a:rPr lang="en-US" dirty="0"/>
+              <a:t>role for </a:t>
+            </a:r>
+            <a:r>
+              <a:rPr lang="en-US" dirty="0" smtClean="0"/>
+              <a:t>middleware</a:t>
+            </a:r>
+          </a:p>
+          <a:p>
+            <a:pPr lvl="1">
+              <a:lnSpc>
+                <a:spcPct val="90000"/>
+              </a:lnSpc>
+            </a:pPr>
+            <a:r>
+              <a:rPr lang="en-US" sz="2000" dirty="0" smtClean="0">
+                <a:latin typeface="Arial" charset="0"/>
+                <a:ea typeface="ＭＳ Ｐゴシック" charset="0"/>
+              </a:rPr>
+              <a:t>Integrate </a:t>
+            </a:r>
+            <a:r>
+              <a:rPr lang="en-US" sz="2000" dirty="0">
+                <a:latin typeface="Arial" charset="0"/>
+                <a:ea typeface="ＭＳ Ｐゴシック" charset="0"/>
+              </a:rPr>
+              <a:t>services and extend </a:t>
+            </a:r>
+            <a:r>
+              <a:rPr lang="en-US" sz="2000" dirty="0" smtClean="0">
+                <a:latin typeface="Arial" charset="0"/>
+                <a:ea typeface="ＭＳ Ｐゴシック" charset="0"/>
+              </a:rPr>
+              <a:t>tools</a:t>
+            </a:r>
+            <a:r>
+              <a:rPr lang="en-US" sz="2000" dirty="0" smtClean="0"/>
+              <a:t> amidst </a:t>
+            </a:r>
+            <a:r>
+              <a:rPr lang="en-US" sz="2000" dirty="0" smtClean="0">
+                <a:latin typeface="Arial" charset="0"/>
+                <a:ea typeface="ＭＳ Ｐゴシック" charset="0"/>
+              </a:rPr>
+              <a:t>heterogeneous </a:t>
+            </a:r>
+            <a:r>
+              <a:rPr lang="en-US" sz="2000" dirty="0">
+                <a:latin typeface="Arial" charset="0"/>
+                <a:ea typeface="ＭＳ Ｐゴシック" charset="0"/>
+              </a:rPr>
+              <a:t>software and system access </a:t>
+            </a:r>
+            <a:r>
+              <a:rPr lang="en-US" sz="2000" dirty="0" smtClean="0">
+                <a:latin typeface="Arial" charset="0"/>
+                <a:ea typeface="ＭＳ Ｐゴシック" charset="0"/>
+              </a:rPr>
+              <a:t>layers</a:t>
+            </a:r>
+            <a:endParaRPr lang="en-US" sz="2000" dirty="0"/>
+          </a:p>
+          <a:p>
+            <a:pPr lvl="1">
+              <a:lnSpc>
+                <a:spcPct val="90000"/>
+              </a:lnSpc>
+            </a:pPr>
             <a:r>
               <a:rPr lang="en-US" sz="2000" dirty="0" smtClean="0">
                 <a:latin typeface="Arial" charset="0"/>
                 <a:ea typeface="ＭＳ Ｐゴシック" charset="0"/>
                 <a:cs typeface="ＭＳ Ｐゴシック" charset="0"/>
               </a:rPr>
-              <a:t>similar</a:t>
-            </a:r>
-          </a:p>
-          <a:p>
-            <a:pPr>
-              <a:lnSpc>
-                <a:spcPct val="90000"/>
-              </a:lnSpc>
-            </a:pPr>
-            <a:r>
-              <a:rPr lang="en-US" dirty="0" smtClean="0"/>
-              <a:t>Important </a:t>
-            </a:r>
-            <a:r>
-              <a:rPr lang="en-US" dirty="0"/>
-              <a:t>role for </a:t>
-            </a:r>
-            <a:r>
-              <a:rPr lang="en-US" dirty="0" smtClean="0"/>
-              <a:t>middleware</a:t>
-            </a:r>
-          </a:p>
-          <a:p>
-            <a:pPr lvl="1">
-              <a:lnSpc>
-                <a:spcPct val="90000"/>
-              </a:lnSpc>
-            </a:pPr>
-            <a:r>
-              <a:rPr lang="en-US" sz="2000" dirty="0" smtClean="0">
-                <a:latin typeface="Arial" charset="0"/>
-                <a:ea typeface="ＭＳ Ｐゴシック" charset="0"/>
-              </a:rPr>
-              <a:t>Integrate </a:t>
-            </a:r>
-            <a:r>
-              <a:rPr lang="en-US" sz="2000" dirty="0">
-                <a:latin typeface="Arial" charset="0"/>
-                <a:ea typeface="ＭＳ Ｐゴシック" charset="0"/>
-              </a:rPr>
-              <a:t>services and extend </a:t>
-            </a:r>
-            <a:r>
-              <a:rPr lang="en-US" sz="2000" dirty="0" smtClean="0">
-                <a:latin typeface="Arial" charset="0"/>
-                <a:ea typeface="ＭＳ Ｐゴシック" charset="0"/>
-              </a:rPr>
-              <a:t>tools</a:t>
-            </a:r>
-            <a:r>
-              <a:rPr lang="en-US" sz="2000" dirty="0" smtClean="0"/>
-              <a:t> amidst </a:t>
-            </a:r>
-            <a:r>
-              <a:rPr lang="en-US" sz="2000" dirty="0" smtClean="0">
-                <a:latin typeface="Arial" charset="0"/>
-                <a:ea typeface="ＭＳ Ｐゴシック" charset="0"/>
-              </a:rPr>
-              <a:t>heterogeneous </a:t>
-            </a:r>
-            <a:r>
-              <a:rPr lang="en-US" sz="2000" dirty="0">
-                <a:latin typeface="Arial" charset="0"/>
-                <a:ea typeface="ＭＳ Ｐゴシック" charset="0"/>
-              </a:rPr>
-              <a:t>software and system access </a:t>
-            </a:r>
-            <a:r>
-              <a:rPr lang="en-US" sz="2000" dirty="0" smtClean="0">
-                <a:latin typeface="Arial" charset="0"/>
-                <a:ea typeface="ＭＳ Ｐゴシック" charset="0"/>
-              </a:rPr>
-              <a:t>layers</a:t>
-            </a:r>
-            <a:endParaRPr lang="en-US" sz="2000" dirty="0"/>
-          </a:p>
-          <a:p>
-            <a:pPr lvl="1">
-              <a:lnSpc>
-                <a:spcPct val="90000"/>
-              </a:lnSpc>
-            </a:pPr>
-            <a:r>
-              <a:rPr lang="en-US" sz="2000" dirty="0" smtClean="0">
-                <a:latin typeface="Arial" charset="0"/>
-                <a:ea typeface="ＭＳ Ｐゴシック" charset="0"/>
-                <a:cs typeface="ＭＳ Ｐゴシック" charset="0"/>
-              </a:rPr>
-              <a:t>Explains </a:t>
-            </a:r>
-            <a:r>
-              <a:rPr lang="en-US" sz="2000" dirty="0" smtClean="0">
-                <a:latin typeface="Arial" charset="0"/>
-                <a:ea typeface="ＭＳ Ｐゴシック" charset="0"/>
-                <a:cs typeface="ＭＳ Ｐゴシック" charset="0"/>
-              </a:rPr>
-              <a:t>why </a:t>
-            </a:r>
-            <a:r>
-              <a:rPr lang="en-US" sz="2000" dirty="0" smtClean="0">
-                <a:latin typeface="Arial" charset="0"/>
-                <a:ea typeface="ＭＳ Ｐゴシック" charset="0"/>
-                <a:cs typeface="ＭＳ Ｐゴシック" charset="0"/>
-              </a:rPr>
-              <a:t>DC software environment is complex</a:t>
+              <a:t>Explains why DC software environment is complex</a:t>
             </a:r>
             <a:endParaRPr lang="en-US" sz="2000" dirty="0">
               <a:latin typeface="Arial" charset="0"/>
@@ -8919,7 +8890,12 @@
             <p:ph idx="1"/>
           </p:nvPr>
         </p:nvSpPr>
-        <p:spPr/>
+        <p:spPr>
+          <a:xfrm>
+            <a:off x="282231" y="911867"/>
+            <a:ext cx="8727298" cy="5146033"/>
+          </a:xfrm>
+        </p:spPr>
         <p:txBody>
           <a:bodyPr/>
           <a:lstStyle/>
@@ -8936,15 +8912,7 @@
                   <a:srgbClr val="000000"/>
                 </a:solidFill>
               </a:rPr>
-              <a:t>Functional </a:t>
-            </a:r>
-            <a:r>
-              <a:rPr lang="en-US" dirty="0" smtClean="0">
-                <a:solidFill>
-                  <a:srgbClr val="000000"/>
-                </a:solidFill>
-              </a:rPr>
-              <a:t>Aims</a:t>
+              <a:t>Functional Aims</a:t>
             </a:r>
           </a:p>
           <a:p>
@@ -8956,7 +8924,7 @@
             </a:pPr>
             <a:r>
               <a:rPr lang="en-US" sz="2000" dirty="0" smtClean="0"/>
-              <a:t>When </a:t>
+              <a:t>What </a:t>
             </a:r>
             <a:r>
               <a:rPr lang="en-US" sz="2000" dirty="0"/>
@@ -8968,9 +8936,16 @@
             </a:r>
             <a:r>
               <a:rPr lang="en-US" sz="2000" dirty="0"/>
-              <a:t>/how to distribute? What to distribute? </a:t>
-            </a:r>
-            <a:endParaRPr lang="en-US" sz="2000" dirty="0"/>
+              <a:t>/how to distribute? </a:t>
+            </a:r>
+            <a:r>
+              <a:rPr lang="en-US" sz="2000" dirty="0" smtClean="0"/>
+              <a:t>When </a:t>
+            </a:r>
+            <a:r>
+              <a:rPr lang="en-US" sz="2000" dirty="0"/>
+              <a:t>to distribute? </a:t>
+            </a:r>
           </a:p>
           <a:p>
             <a:pPr marL="800100" lvl="1" indent="-342900">
@@ -8981,11 +8956,7 @@
             </a:pPr>
             <a:r>
               <a:rPr lang="en-US" sz="2000" dirty="0" smtClean="0"/>
-              <a:t>Need </a:t>
-            </a:r>
-            <a:r>
-              <a:rPr lang="en-US" sz="2000" dirty="0" smtClean="0"/>
-              <a:t>to integrate information </a:t>
+              <a:t>Need to integrate information </a:t>
             </a:r>
             <a:r>
               <a:rPr lang="en-US" sz="2000" dirty="0"/>
@@ -8995,7 +8966,6 @@
               <a:rPr lang="en-US" sz="2000" dirty="0" smtClean="0"/>
               <a:t>applications and resources (compute, data and networks) </a:t>
             </a:r>
-            <a:endParaRPr lang="en-US" sz="2000" dirty="0" smtClean="0"/>
           </a:p>
           <a:p>
             <a:pPr marL="800100" lvl="1" indent="-342900">
@@ -9048,45 +9018,15 @@
               <a:rPr lang="en-US" sz="2000" dirty="0" smtClean="0">
                 <a:solidFill>
                   <a:schemeClr val="tx1">
-                    <a:lumMod val="65000"/>
-                    <a:lumOff val="35000"/>
+                    <a:lumMod val="75000"/>
+                    <a:lumOff val="25000"/>
                   </a:schemeClr>
                 </a:solidFill>
               </a:rPr>
-              <a:t>Integrated </a:t>
+              <a:t>Support </a:t>
             </a:r>
             <a:r>
               <a:rPr lang="en-US" sz="2000" dirty="0">
-                <a:solidFill>
-                  <a:schemeClr val="tx1">
-                    <a:lumMod val="65000"/>
-                    <a:lumOff val="35000"/>
-                  </a:schemeClr>
-                </a:solidFill>
-              </a:rPr>
-              <a:t>for Adaptive Applications and Dynamic Resource </a:t>
-            </a:r>
-            <a:r>
-              <a:rPr lang="en-US" sz="2000" dirty="0" smtClean="0">
-                <a:solidFill>
-                  <a:schemeClr val="tx1">
-                    <a:lumMod val="65000"/>
-                    <a:lumOff val="35000"/>
-                  </a:schemeClr>
-                </a:solidFill>
-              </a:rPr>
-              <a:t>Management</a:t>
-            </a:r>
-          </a:p>
-          <a:p>
-            <a:pPr marL="1208088" lvl="2" indent="-342900">
-              <a:buClr>
-                <a:srgbClr val="000000"/>
-              </a:buClr>
-              <a:buSzPct val="100000"/>
-            </a:pPr>
-            <a:r>
-              <a:rPr lang="en-US" sz="2000" dirty="0" smtClean="0">
                 <a:solidFill>
                   <a:schemeClr val="tx1">
                     <a:lumMod val="75000"/>
@@ -9094,10 +9034,10 @@
                   </a:schemeClr>
                 </a:solidFill>
               </a:rPr>
-              <a:t>Support </a:t>
-            </a:r>
-            <a:r>
-              <a:rPr lang="en-US" sz="2000" dirty="0">
+              <a:t>adaptive </a:t>
+            </a:r>
+            <a:r>
+              <a:rPr lang="en-US" sz="2000" dirty="0" smtClean="0">
                 <a:solidFill>
                   <a:schemeClr val="tx1">
                     <a:lumMod val="75000"/>
@@ -9105,7 +9045,7 @@
                   </a:schemeClr>
                 </a:solidFill>
               </a:rPr>
-              <a:t>adaptive </a:t>
+              <a:t>applications in conjunction with dynamic </a:t>
             </a:r>
             <a:r>
               <a:rPr lang="en-US" sz="2000" dirty="0" smtClean="0">
@@ -9116,18 +9056,7 @@
                   </a:schemeClr>
                 </a:solidFill>
               </a:rPr>
-              <a:t>applications </a:t>
-            </a:r>
-            <a:r>
-              <a:rPr lang="en-US" sz="2000" dirty="0" smtClean="0">
-                <a:solidFill>
-                  <a:schemeClr val="tx1">
-                    <a:lumMod val="75000"/>
-                    <a:lumOff val="25000"/>
-                  </a:schemeClr>
-                </a:solidFill>
-              </a:rPr>
-              <a:t>in conjunction with dynamic resources</a:t>
+              <a:t>resources</a:t>
             </a:r>
             <a:endParaRPr lang="en" sz="2000" dirty="0">
               <a:solidFill>
@@ -9236,45 +9165,62 @@
                   </a:schemeClr>
                 </a:solidFill>
               </a:rPr>
-              <a:t>Abstracted</a:t>
+              <a:t>Abstracted application communication and dataflow </a:t>
+            </a:r>
+            <a:r>
+              <a:rPr lang="en-US" sz="2000" dirty="0" smtClean="0">
+                <a:solidFill>
+                  <a:schemeClr val="tx1">
+                    <a:lumMod val="75000"/>
+                    <a:lumOff val="25000"/>
+                  </a:schemeClr>
+                </a:solidFill>
+              </a:rPr>
+              <a:t>representation that </a:t>
             </a:r>
             <a:r>
               <a:rPr lang="en-US" sz="2000" dirty="0">
                 <a:solidFill>
                   <a:schemeClr val="tx1">
-                    <a:lumMod val="65000"/>
-                    <a:lumOff val="35000"/>
+                    <a:lumMod val="75000"/>
+                    <a:lumOff val="25000"/>
                   </a:schemeClr>
                 </a:solidFill>
               </a:rPr>
-              <a:t> data logic (representation, distribution, scheduling, placement) that captures application-semantics yet is not application-</a:t>
+              <a:t>captures application logic yet is </a:t>
             </a:r>
             <a:r>
               <a:rPr lang="en-US" sz="2000" dirty="0" smtClean="0">
                 <a:solidFill>
                   <a:schemeClr val="tx1">
-                    <a:lumMod val="65000"/>
-                    <a:lumOff val="35000"/>
+                    <a:lumMod val="75000"/>
+                    <a:lumOff val="25000"/>
                   </a:schemeClr>
                 </a:solidFill>
               </a:rPr>
-              <a:t>specific</a:t>
-            </a:r>
-          </a:p>
-          <a:p>
-            <a:pPr marL="1208088" lvl="2" indent="-342900">
-              <a:buClr>
-                <a:srgbClr val="000000"/>
-              </a:buClr>
-              <a:buSzPct val="100000"/>
-            </a:pPr>
+              <a:t>not application-specific and allows for reasoning on distribution</a:t>
+            </a:r>
+            <a:r>
+              <a:rPr lang="en-US" sz="2000" dirty="0">
+                <a:solidFill>
+                  <a:schemeClr val="tx1">
+                    <a:lumMod val="75000"/>
+                    <a:lumOff val="25000"/>
+                  </a:schemeClr>
+                </a:solidFill>
+              </a:rPr>
+              <a:t>, scheduling, </a:t>
+            </a:r>
             <a:r>
               <a:rPr lang="en-US" sz="2000" dirty="0" smtClean="0">
                 <a:solidFill>
-                  <a:srgbClr val="800000"/>
-                </a:solidFill>
-              </a:rPr>
-              <a:t>Mark do you have improvement to the above?</a:t>
+                  <a:schemeClr val="tx1">
+                    <a:lumMod val="75000"/>
+                    <a:lumOff val="25000"/>
+                  </a:schemeClr>
+                </a:solidFill>
+              </a:rPr>
+              <a:t>placement</a:t>
             </a:r>
             <a:endParaRPr lang="en-US" sz="2000" dirty="0">
               <a:solidFill>
@@ -9469,18 +9415,7 @@
                   </a:schemeClr>
                 </a:solidFill>
               </a:rPr>
-              <a:t>together </a:t>
-            </a:r>
-            <a:r>
-              <a:rPr lang="en-US" dirty="0" smtClean="0">
-                <a:solidFill>
-                  <a:schemeClr val="tx1">
-                    <a:lumMod val="65000"/>
-                    <a:lumOff val="35000"/>
-                  </a:schemeClr>
-                </a:solidFill>
-              </a:rPr>
-              <a:t>but:</a:t>
+              <a:t>together but:</a:t>
             </a:r>
           </a:p>
           <a:p>
@@ -9639,10 +9574,10 @@
                   </a:schemeClr>
                 </a:solidFill>
               </a:rPr>
-              <a:t>Exposes </a:t>
-            </a:r>
-            <a:r>
-              <a:rPr lang="en-US" sz="2000" dirty="0" smtClean="0">
+              <a:t>Exposes well-</a:t>
+            </a:r>
+            <a:r>
+              <a:rPr lang="en" sz="2000" dirty="0" smtClean="0">
                 <a:solidFill>
                   <a:schemeClr val="tx1">
                     <a:lumMod val="65000"/>
@@ -9650,10 +9585,18 @@
                   </a:schemeClr>
                 </a:solidFill>
               </a:rPr>
-              <a:t>well-</a:t>
-            </a:r>
-            <a:r>
-              <a:rPr lang="en" sz="2000" dirty="0" smtClean="0">
+              <a:t>defined </a:t>
+            </a:r>
+            <a:r>
+              <a:rPr lang="en-US" sz="2000" dirty="0" smtClean="0">
+                <a:solidFill>
+                  <a:srgbClr val="800000"/>
+                </a:solidFill>
+              </a:rPr>
+              <a:t>capabilities</a:t>
+            </a:r>
+            <a:r>
+              <a:rPr lang="en-US" sz="2000" dirty="0" smtClean="0">
                 <a:solidFill>
                   <a:schemeClr val="tx1">
                     <a:lumMod val="65000"/>
@@ -9661,37 +9604,7 @@
                   </a:schemeClr>
                 </a:solidFill>
               </a:rPr>
-              <a:t>defined </a:t>
-            </a:r>
-            <a:r>
-              <a:rPr lang="en-US" sz="2000" dirty="0" smtClean="0">
-                <a:solidFill>
-                  <a:srgbClr val="800000"/>
-                </a:solidFill>
-              </a:rPr>
-              <a:t>capabilities</a:t>
-            </a:r>
-            <a:r>
-              <a:rPr lang="en-US" sz="2000" dirty="0" smtClean="0">
-                <a:solidFill>
-                  <a:schemeClr val="tx1">
-                    <a:lumMod val="65000"/>
-                    <a:lumOff val="35000"/>
-                  </a:schemeClr>
-                </a:solidFill>
-              </a:rPr>
-              <a:t> rather than </a:t>
-            </a:r>
-            <a:r>
-              <a:rPr lang="en-US" sz="2000" dirty="0" smtClean="0">
-                <a:solidFill>
-                  <a:schemeClr val="tx1">
-                    <a:lumMod val="65000"/>
-                    <a:lumOff val="35000"/>
-                  </a:schemeClr>
-                </a:solidFill>
-              </a:rPr>
-              <a:t>technology</a:t>
+              <a:t> rather than technology</a:t>
             </a:r>
           </a:p>
           <a:p>
@@ -10052,15 +9965,7 @@
             </a:pPr>
             <a:r>
               <a:rPr lang="en-US" dirty="0" smtClean="0"/>
-              <a:t>NGMW: </a:t>
-            </a:r>
-            <a:r>
-              <a:rPr lang="en-US" dirty="0" smtClean="0"/>
-              <a:t>Capability </a:t>
-            </a:r>
-            <a:r>
-              <a:rPr lang="en-US" dirty="0" smtClean="0"/>
-              <a:t>Challenges</a:t>
+              <a:t>NGMW: Capability Challenges</a:t>
             </a:r>
             <a:endParaRPr lang="en" dirty="0"/>
           </a:p>
@@ -10413,11 +10318,7 @@
             </a:pPr>
             <a:r>
               <a:rPr lang="en-US" dirty="0" smtClean="0"/>
-              <a:t>In </a:t>
-            </a:r>
-            <a:r>
-              <a:rPr lang="en-US" dirty="0" smtClean="0"/>
-              <a:t>turn need models of semantics – static and dynamic, and performance</a:t>
+              <a:t>In turn need models of semantics – static and dynamic, and performance</a:t>
             </a:r>
           </a:p>
           <a:p>

--- a/presentations/radical-modsim.pptx
+++ b/presentations/radical-modsim.pptx
@@ -5,7 +5,7 @@
     <p:sldMasterId id="2147483656" r:id="rId1"/>
   </p:sldMasterIdLst>
   <p:notesMasterIdLst>
-    <p:notesMasterId r:id="rId26"/>
+    <p:notesMasterId r:id="rId30"/>
   </p:notesMasterIdLst>
   <p:sldIdLst>
     <p:sldId id="256" r:id="rId2"/>
@@ -22,16 +22,20 @@
     <p:sldId id="340" r:id="rId13"/>
     <p:sldId id="285" r:id="rId14"/>
     <p:sldId id="298" r:id="rId15"/>
-    <p:sldId id="287" r:id="rId16"/>
+    <p:sldId id="343" r:id="rId16"/>
     <p:sldId id="297" r:id="rId17"/>
-    <p:sldId id="300" r:id="rId18"/>
-    <p:sldId id="331" r:id="rId19"/>
-    <p:sldId id="328" r:id="rId20"/>
-    <p:sldId id="326" r:id="rId21"/>
-    <p:sldId id="295" r:id="rId22"/>
-    <p:sldId id="284" r:id="rId23"/>
-    <p:sldId id="336" r:id="rId24"/>
-    <p:sldId id="341" r:id="rId25"/>
+    <p:sldId id="344" r:id="rId18"/>
+    <p:sldId id="345" r:id="rId19"/>
+    <p:sldId id="331" r:id="rId20"/>
+    <p:sldId id="346" r:id="rId21"/>
+    <p:sldId id="328" r:id="rId22"/>
+    <p:sldId id="326" r:id="rId23"/>
+    <p:sldId id="295" r:id="rId24"/>
+    <p:sldId id="284" r:id="rId25"/>
+    <p:sldId id="336" r:id="rId26"/>
+    <p:sldId id="341" r:id="rId27"/>
+    <p:sldId id="342" r:id="rId28"/>
+    <p:sldId id="347" r:id="rId29"/>
   </p:sldIdLst>
   <p:sldSz cx="9144000" cy="6858000" type="screen4x3"/>
   <p:notesSz cx="6858000" cy="9144000"/>
@@ -809,6 +813,94 @@
           <a:bodyPr/>
           <a:lstStyle/>
           <a:p>
+            <a:pPr marL="285750" indent="-285750">
+              <a:buFont typeface="Wingdings" charset="2"/>
+              <a:buChar char="ü"/>
+            </a:pPr>
+            <a:r>
+              <a:rPr lang="de-DE" dirty="0" smtClean="0"/>
+              <a:t>Fast </a:t>
+            </a:r>
+            <a:r>
+              <a:rPr lang="de-DE" dirty="0" err="1" smtClean="0"/>
+              <a:t>modeling</a:t>
+            </a:r>
+            <a:endParaRPr lang="de-DE" dirty="0" smtClean="0"/>
+          </a:p>
+          <a:p>
+            <a:pPr marL="285750" indent="-285750">
+              <a:buFont typeface="Wingdings" charset="2"/>
+              <a:buChar char="ü"/>
+            </a:pPr>
+            <a:r>
+              <a:rPr lang="de-DE" dirty="0" smtClean="0"/>
+              <a:t>Easy </a:t>
+            </a:r>
+            <a:r>
+              <a:rPr lang="de-DE" dirty="0" err="1" smtClean="0"/>
+              <a:t>data</a:t>
+            </a:r>
+            <a:r>
+              <a:rPr lang="de-DE" dirty="0" smtClean="0"/>
+              <a:t> </a:t>
+            </a:r>
+            <a:r>
+              <a:rPr lang="de-DE" dirty="0" err="1" smtClean="0"/>
+              <a:t>integration</a:t>
+            </a:r>
+            <a:endParaRPr lang="de-DE" dirty="0" smtClean="0"/>
+          </a:p>
+          <a:p>
+            <a:pPr marL="285750" indent="-285750">
+              <a:buFont typeface="Wingdings" charset="2"/>
+              <a:buChar char="ü"/>
+            </a:pPr>
+            <a:r>
+              <a:rPr lang="de-DE" dirty="0" smtClean="0"/>
+              <a:t>Multiple </a:t>
+            </a:r>
+            <a:r>
+              <a:rPr lang="de-DE" dirty="0" err="1" smtClean="0"/>
+              <a:t>levels</a:t>
+            </a:r>
+            <a:r>
+              <a:rPr lang="de-DE" dirty="0" smtClean="0"/>
+              <a:t> </a:t>
+            </a:r>
+            <a:r>
+              <a:rPr lang="de-DE" dirty="0" err="1" smtClean="0"/>
+              <a:t>of</a:t>
+            </a:r>
+            <a:r>
+              <a:rPr lang="de-DE" dirty="0" smtClean="0"/>
+              <a:t> </a:t>
+            </a:r>
+            <a:r>
+              <a:rPr lang="de-DE" dirty="0" err="1" smtClean="0"/>
+              <a:t>granularity</a:t>
+            </a:r>
+            <a:endParaRPr lang="de-DE" dirty="0" smtClean="0"/>
+          </a:p>
+          <a:p>
+            <a:pPr marL="285750" indent="-285750">
+              <a:buFont typeface="Wingdings" charset="2"/>
+              <a:buChar char="ü"/>
+            </a:pPr>
+            <a:r>
+              <a:rPr lang="de-DE" dirty="0" err="1" smtClean="0"/>
+              <a:t>Redundancy</a:t>
+            </a:r>
+            <a:r>
+              <a:rPr lang="de-DE" dirty="0" smtClean="0"/>
+              <a:t> </a:t>
+            </a:r>
+            <a:r>
+              <a:rPr lang="de-DE" dirty="0" err="1" smtClean="0"/>
+              <a:t>handling</a:t>
+            </a:r>
+            <a:endParaRPr lang="de-DE" dirty="0" smtClean="0"/>
+          </a:p>
+          <a:p>
             <a:endParaRPr lang="en-US" dirty="0"/>
           </a:p>
         </p:txBody>
@@ -816,7 +908,7 @@
     </p:spTree>
     <p:extLst>
       <p:ext uri="{BB962C8B-B14F-4D97-AF65-F5344CB8AC3E}">
-        <p14:creationId xmlns:p14="http://schemas.microsoft.com/office/powerpoint/2010/main" val="3821591872"/>
+        <p14:creationId xmlns:p14="http://schemas.microsoft.com/office/powerpoint/2010/main" val="3242815811"/>
       </p:ext>
     </p:extLst>
   </p:cSld>
@@ -875,29 +967,6 @@
           <a:bodyPr/>
           <a:lstStyle/>
           <a:p>
-            <a:pPr marL="0" marR="0" indent="0" algn="l" defTabSz="457200" rtl="0" eaLnBrk="1" fontAlgn="auto" latinLnBrk="0" hangingPunct="1">
-              <a:lnSpc>
-                <a:spcPct val="100000"/>
-              </a:lnSpc>
-              <a:spcBef>
-                <a:spcPts val="0"/>
-              </a:spcBef>
-              <a:spcAft>
-                <a:spcPts val="0"/>
-              </a:spcAft>
-              <a:buClrTx/>
-              <a:buSzTx/>
-              <a:buFontTx/>
-              <a:buNone/>
-              <a:tabLst/>
-              <a:defRPr/>
-            </a:pPr>
-            <a:r>
-              <a:rPr lang="en-US" dirty="0" smtClean="0"/>
-              <a:t>We take the schematic of NGMW and show how the different levels at which the Models work, (ii) how different models interact, especially (a) Andre and Christian’s work/interface, (ii) I* and F*.</a:t>
-            </a:r>
-          </a:p>
-          <a:p>
             <a:endParaRPr lang="en-US" dirty="0"/>
           </a:p>
         </p:txBody>
@@ -905,7 +974,7 @@
     </p:spTree>
     <p:extLst>
       <p:ext uri="{BB962C8B-B14F-4D97-AF65-F5344CB8AC3E}">
-        <p14:creationId xmlns:p14="http://schemas.microsoft.com/office/powerpoint/2010/main" val="1073575463"/>
+        <p14:creationId xmlns:p14="http://schemas.microsoft.com/office/powerpoint/2010/main" val="3821591872"/>
       </p:ext>
     </p:extLst>
   </p:cSld>
@@ -1005,6 +1074,275 @@
 </file>
 
 <file path=ppt/notesSlides/notesSlide15.xml><?xml version="1.0" encoding="utf-8"?>
+<p:notes xmlns:a="http://schemas.openxmlformats.org/drawingml/2006/main" xmlns:r="http://schemas.openxmlformats.org/officeDocument/2006/relationships" xmlns:p="http://schemas.openxmlformats.org/presentationml/2006/main">
+  <p:cSld>
+    <p:spTree>
+      <p:nvGrpSpPr>
+        <p:cNvPr id="1" name=""/>
+        <p:cNvGrpSpPr/>
+        <p:nvPr/>
+      </p:nvGrpSpPr>
+      <p:grpSpPr>
+        <a:xfrm>
+          <a:off x="0" y="0"/>
+          <a:ext cx="0" cy="0"/>
+          <a:chOff x="0" y="0"/>
+          <a:chExt cx="0" cy="0"/>
+        </a:xfrm>
+      </p:grpSpPr>
+      <p:sp>
+        <p:nvSpPr>
+          <p:cNvPr id="2" name="Slide Image Placeholder 1"/>
+          <p:cNvSpPr>
+            <a:spLocks noGrp="1" noRot="1" noChangeAspect="1"/>
+          </p:cNvSpPr>
+          <p:nvPr>
+            <p:ph type="sldImg"/>
+          </p:nvPr>
+        </p:nvSpPr>
+        <p:spPr>
+          <a:xfrm>
+            <a:off x="1143000" y="685800"/>
+            <a:ext cx="4572000" cy="3429000"/>
+          </a:xfrm>
+        </p:spPr>
+      </p:sp>
+      <p:sp>
+        <p:nvSpPr>
+          <p:cNvPr id="3" name="Notes Placeholder 2"/>
+          <p:cNvSpPr>
+            <a:spLocks noGrp="1"/>
+          </p:cNvSpPr>
+          <p:nvPr>
+            <p:ph type="body" idx="1"/>
+          </p:nvPr>
+        </p:nvSpPr>
+        <p:spPr/>
+        <p:txBody>
+          <a:bodyPr/>
+          <a:lstStyle/>
+          <a:p>
+            <a:pPr marL="0" marR="0" indent="0" algn="l" defTabSz="457200" rtl="0" eaLnBrk="1" fontAlgn="auto" latinLnBrk="0" hangingPunct="1">
+              <a:lnSpc>
+                <a:spcPct val="100000"/>
+              </a:lnSpc>
+              <a:spcBef>
+                <a:spcPts val="0"/>
+              </a:spcBef>
+              <a:spcAft>
+                <a:spcPts val="0"/>
+              </a:spcAft>
+              <a:buClrTx/>
+              <a:buSzTx/>
+              <a:buFontTx/>
+              <a:buNone/>
+              <a:tabLst/>
+              <a:defRPr/>
+            </a:pPr>
+            <a:r>
+              <a:rPr lang="en-US" dirty="0" smtClean="0"/>
+              <a:t>We show</a:t>
+            </a:r>
+            <a:r>
+              <a:rPr lang="en-US" baseline="0" dirty="0" smtClean="0"/>
+              <a:t> how *.* meets the first of the design objectives of NGMW</a:t>
+            </a:r>
+            <a:endParaRPr lang="en-US" dirty="0"/>
+          </a:p>
+        </p:txBody>
+      </p:sp>
+    </p:spTree>
+    <p:extLst>
+      <p:ext uri="{BB962C8B-B14F-4D97-AF65-F5344CB8AC3E}">
+        <p14:creationId xmlns:p14="http://schemas.microsoft.com/office/powerpoint/2010/main" val="1073575463"/>
+      </p:ext>
+    </p:extLst>
+  </p:cSld>
+  <p:clrMapOvr>
+    <a:masterClrMapping/>
+  </p:clrMapOvr>
+</p:notes>
+</file>
+
+<file path=ppt/notesSlides/notesSlide16.xml><?xml version="1.0" encoding="utf-8"?>
+<p:notes xmlns:a="http://schemas.openxmlformats.org/drawingml/2006/main" xmlns:r="http://schemas.openxmlformats.org/officeDocument/2006/relationships" xmlns:p="http://schemas.openxmlformats.org/presentationml/2006/main">
+  <p:cSld>
+    <p:spTree>
+      <p:nvGrpSpPr>
+        <p:cNvPr id="1" name=""/>
+        <p:cNvGrpSpPr/>
+        <p:nvPr/>
+      </p:nvGrpSpPr>
+      <p:grpSpPr>
+        <a:xfrm>
+          <a:off x="0" y="0"/>
+          <a:ext cx="0" cy="0"/>
+          <a:chOff x="0" y="0"/>
+          <a:chExt cx="0" cy="0"/>
+        </a:xfrm>
+      </p:grpSpPr>
+      <p:sp>
+        <p:nvSpPr>
+          <p:cNvPr id="2" name="Slide Image Placeholder 1"/>
+          <p:cNvSpPr>
+            <a:spLocks noGrp="1" noRot="1" noChangeAspect="1"/>
+          </p:cNvSpPr>
+          <p:nvPr>
+            <p:ph type="sldImg"/>
+          </p:nvPr>
+        </p:nvSpPr>
+        <p:spPr>
+          <a:xfrm>
+            <a:off x="1143000" y="685800"/>
+            <a:ext cx="4572000" cy="3429000"/>
+          </a:xfrm>
+        </p:spPr>
+      </p:sp>
+      <p:sp>
+        <p:nvSpPr>
+          <p:cNvPr id="3" name="Notes Placeholder 2"/>
+          <p:cNvSpPr>
+            <a:spLocks noGrp="1"/>
+          </p:cNvSpPr>
+          <p:nvPr>
+            <p:ph type="body" idx="1"/>
+          </p:nvPr>
+        </p:nvSpPr>
+        <p:spPr/>
+        <p:txBody>
+          <a:bodyPr/>
+          <a:lstStyle/>
+          <a:p>
+            <a:pPr marL="0" marR="0" indent="0" algn="l" defTabSz="457200" rtl="0" eaLnBrk="1" fontAlgn="auto" latinLnBrk="0" hangingPunct="1">
+              <a:lnSpc>
+                <a:spcPct val="100000"/>
+              </a:lnSpc>
+              <a:spcBef>
+                <a:spcPts val="0"/>
+              </a:spcBef>
+              <a:spcAft>
+                <a:spcPts val="0"/>
+              </a:spcAft>
+              <a:buClrTx/>
+              <a:buSzTx/>
+              <a:buFontTx/>
+              <a:buNone/>
+              <a:tabLst/>
+              <a:defRPr/>
+            </a:pPr>
+            <a:r>
+              <a:rPr lang="en-US" dirty="0" smtClean="0"/>
+              <a:t>We take the schematic of NGMW and show how the different levels at which the Models work, (ii) how different models interact, especially (a) Andre and Christian’s work/interface, (ii) I* and F*.</a:t>
+            </a:r>
+          </a:p>
+          <a:p>
+            <a:endParaRPr lang="en-US" dirty="0"/>
+          </a:p>
+        </p:txBody>
+      </p:sp>
+    </p:spTree>
+    <p:extLst>
+      <p:ext uri="{BB962C8B-B14F-4D97-AF65-F5344CB8AC3E}">
+        <p14:creationId xmlns:p14="http://schemas.microsoft.com/office/powerpoint/2010/main" val="1073575463"/>
+      </p:ext>
+    </p:extLst>
+  </p:cSld>
+  <p:clrMapOvr>
+    <a:masterClrMapping/>
+  </p:clrMapOvr>
+</p:notes>
+</file>
+
+<file path=ppt/notesSlides/notesSlide17.xml><?xml version="1.0" encoding="utf-8"?>
+<p:notes xmlns:a="http://schemas.openxmlformats.org/drawingml/2006/main" xmlns:r="http://schemas.openxmlformats.org/officeDocument/2006/relationships" xmlns:p="http://schemas.openxmlformats.org/presentationml/2006/main">
+  <p:cSld>
+    <p:spTree>
+      <p:nvGrpSpPr>
+        <p:cNvPr id="1" name=""/>
+        <p:cNvGrpSpPr/>
+        <p:nvPr/>
+      </p:nvGrpSpPr>
+      <p:grpSpPr>
+        <a:xfrm>
+          <a:off x="0" y="0"/>
+          <a:ext cx="0" cy="0"/>
+          <a:chOff x="0" y="0"/>
+          <a:chExt cx="0" cy="0"/>
+        </a:xfrm>
+      </p:grpSpPr>
+      <p:sp>
+        <p:nvSpPr>
+          <p:cNvPr id="2" name="Slide Image Placeholder 1"/>
+          <p:cNvSpPr>
+            <a:spLocks noGrp="1" noRot="1" noChangeAspect="1"/>
+          </p:cNvSpPr>
+          <p:nvPr>
+            <p:ph type="sldImg"/>
+          </p:nvPr>
+        </p:nvSpPr>
+        <p:spPr>
+          <a:xfrm>
+            <a:off x="1143000" y="685800"/>
+            <a:ext cx="4572000" cy="3429000"/>
+          </a:xfrm>
+        </p:spPr>
+      </p:sp>
+      <p:sp>
+        <p:nvSpPr>
+          <p:cNvPr id="3" name="Notes Placeholder 2"/>
+          <p:cNvSpPr>
+            <a:spLocks noGrp="1"/>
+          </p:cNvSpPr>
+          <p:nvPr>
+            <p:ph type="body" idx="1"/>
+          </p:nvPr>
+        </p:nvSpPr>
+        <p:spPr/>
+        <p:txBody>
+          <a:bodyPr/>
+          <a:lstStyle/>
+          <a:p>
+            <a:pPr marL="0" marR="0" indent="0" algn="l" defTabSz="457200" rtl="0" eaLnBrk="1" fontAlgn="auto" latinLnBrk="0" hangingPunct="1">
+              <a:lnSpc>
+                <a:spcPct val="100000"/>
+              </a:lnSpc>
+              <a:spcBef>
+                <a:spcPts val="0"/>
+              </a:spcBef>
+              <a:spcAft>
+                <a:spcPts val="0"/>
+              </a:spcAft>
+              <a:buClrTx/>
+              <a:buSzTx/>
+              <a:buFontTx/>
+              <a:buNone/>
+              <a:tabLst/>
+              <a:defRPr/>
+            </a:pPr>
+            <a:r>
+              <a:rPr lang="en-US" dirty="0" smtClean="0"/>
+              <a:t>We take the schematic of NGMW and show how the different levels at which the Models work, (ii) how different models interact, especially (a) Andre and Christian’s work/interface, (ii) I* and F*.</a:t>
+            </a:r>
+          </a:p>
+          <a:p>
+            <a:endParaRPr lang="en-US" dirty="0"/>
+          </a:p>
+        </p:txBody>
+      </p:sp>
+    </p:spTree>
+    <p:extLst>
+      <p:ext uri="{BB962C8B-B14F-4D97-AF65-F5344CB8AC3E}">
+        <p14:creationId xmlns:p14="http://schemas.microsoft.com/office/powerpoint/2010/main" val="1073575463"/>
+      </p:ext>
+    </p:extLst>
+  </p:cSld>
+  <p:clrMapOvr>
+    <a:masterClrMapping/>
+  </p:clrMapOvr>
+</p:notes>
+</file>
+
+<file path=ppt/notesSlides/notesSlide18.xml><?xml version="1.0" encoding="utf-8"?>
 <p:notes xmlns:a="http://schemas.openxmlformats.org/drawingml/2006/main" xmlns:r="http://schemas.openxmlformats.org/officeDocument/2006/relationships" xmlns:p="http://schemas.openxmlformats.org/presentationml/2006/main" showMasterSp="0" showMasterPhAnim="0">
   <p:cSld>
     <p:spTree>
@@ -1139,7 +1477,7 @@
 </p:notes>
 </file>
 
-<file path=ppt/notesSlides/notesSlide16.xml><?xml version="1.0" encoding="utf-8"?>
+<file path=ppt/notesSlides/notesSlide19.xml><?xml version="1.0" encoding="utf-8"?>
 <p:notes xmlns:a="http://schemas.openxmlformats.org/drawingml/2006/main" xmlns:r="http://schemas.openxmlformats.org/officeDocument/2006/relationships" xmlns:p="http://schemas.openxmlformats.org/presentationml/2006/main">
   <p:cSld>
     <p:spTree>
@@ -1328,6 +1666,95 @@
 </p:notes>
 </file>
 
+<file path=ppt/notesSlides/notesSlide20.xml><?xml version="1.0" encoding="utf-8"?>
+<p:notes xmlns:a="http://schemas.openxmlformats.org/drawingml/2006/main" xmlns:r="http://schemas.openxmlformats.org/officeDocument/2006/relationships" xmlns:p="http://schemas.openxmlformats.org/presentationml/2006/main">
+  <p:cSld>
+    <p:spTree>
+      <p:nvGrpSpPr>
+        <p:cNvPr id="1" name=""/>
+        <p:cNvGrpSpPr/>
+        <p:nvPr/>
+      </p:nvGrpSpPr>
+      <p:grpSpPr>
+        <a:xfrm>
+          <a:off x="0" y="0"/>
+          <a:ext cx="0" cy="0"/>
+          <a:chOff x="0" y="0"/>
+          <a:chExt cx="0" cy="0"/>
+        </a:xfrm>
+      </p:grpSpPr>
+      <p:sp>
+        <p:nvSpPr>
+          <p:cNvPr id="2" name="Slide Image Placeholder 1"/>
+          <p:cNvSpPr>
+            <a:spLocks noGrp="1" noRot="1" noChangeAspect="1"/>
+          </p:cNvSpPr>
+          <p:nvPr>
+            <p:ph type="sldImg"/>
+          </p:nvPr>
+        </p:nvSpPr>
+        <p:spPr>
+          <a:xfrm>
+            <a:off x="1143000" y="685800"/>
+            <a:ext cx="4572000" cy="3429000"/>
+          </a:xfrm>
+        </p:spPr>
+      </p:sp>
+      <p:sp>
+        <p:nvSpPr>
+          <p:cNvPr id="3" name="Notes Placeholder 2"/>
+          <p:cNvSpPr>
+            <a:spLocks noGrp="1"/>
+          </p:cNvSpPr>
+          <p:nvPr>
+            <p:ph type="body" idx="1"/>
+          </p:nvPr>
+        </p:nvSpPr>
+        <p:spPr/>
+        <p:txBody>
+          <a:bodyPr/>
+          <a:lstStyle/>
+          <a:p>
+            <a:pPr marL="0" marR="0" indent="0" algn="l" defTabSz="457200" rtl="0" eaLnBrk="1" fontAlgn="auto" latinLnBrk="0" hangingPunct="1">
+              <a:lnSpc>
+                <a:spcPct val="100000"/>
+              </a:lnSpc>
+              <a:spcBef>
+                <a:spcPts val="0"/>
+              </a:spcBef>
+              <a:spcAft>
+                <a:spcPts val="0"/>
+              </a:spcAft>
+              <a:buClrTx/>
+              <a:buSzTx/>
+              <a:buFontTx/>
+              <a:buNone/>
+              <a:tabLst/>
+              <a:defRPr/>
+            </a:pPr>
+            <a:r>
+              <a:rPr lang="en-US" dirty="0" smtClean="0"/>
+              <a:t>We take the schematic of NGMW and show how the different levels at which the Models work, (ii) how different models interact, especially (a) Andre and Christian’s work/interface, (ii) I* and F*.</a:t>
+            </a:r>
+          </a:p>
+          <a:p>
+            <a:endParaRPr lang="en-US" dirty="0"/>
+          </a:p>
+        </p:txBody>
+      </p:sp>
+    </p:spTree>
+    <p:extLst>
+      <p:ext uri="{BB962C8B-B14F-4D97-AF65-F5344CB8AC3E}">
+        <p14:creationId xmlns:p14="http://schemas.microsoft.com/office/powerpoint/2010/main" val="1073575463"/>
+      </p:ext>
+    </p:extLst>
+  </p:cSld>
+  <p:clrMapOvr>
+    <a:masterClrMapping/>
+  </p:clrMapOvr>
+</p:notes>
+</file>
+
 <file path=ppt/notesSlides/notesSlide3.xml><?xml version="1.0" encoding="utf-8"?>
 <p:notes xmlns:a="http://schemas.openxmlformats.org/drawingml/2006/main" xmlns:r="http://schemas.openxmlformats.org/officeDocument/2006/relationships" xmlns:p="http://schemas.openxmlformats.org/presentationml/2006/main" showMasterSp="0" showMasterPhAnim="0">
   <p:cSld>
@@ -2218,6 +2645,162 @@
 </p:sldLayout>
 </file>
 
+<file path=ppt/slideLayouts/slideLayout10.xml><?xml version="1.0" encoding="utf-8"?>
+<p:sldLayout xmlns:a="http://schemas.openxmlformats.org/drawingml/2006/main" xmlns:r="http://schemas.openxmlformats.org/officeDocument/2006/relationships" xmlns:p="http://schemas.openxmlformats.org/presentationml/2006/main" userDrawn="1">
+  <p:cSld name="Title Only">
+    <p:spTree>
+      <p:nvGrpSpPr>
+        <p:cNvPr id="1" name=""/>
+        <p:cNvGrpSpPr/>
+        <p:nvPr/>
+      </p:nvGrpSpPr>
+      <p:grpSpPr>
+        <a:xfrm>
+          <a:off x="0" y="0"/>
+          <a:ext cx="0" cy="0"/>
+          <a:chOff x="0" y="0"/>
+          <a:chExt cx="0" cy="0"/>
+        </a:xfrm>
+      </p:grpSpPr>
+      <p:cxnSp>
+        <p:nvCxnSpPr>
+          <p:cNvPr id="3" name="Straight Connector 2"/>
+          <p:cNvCxnSpPr/>
+          <p:nvPr userDrawn="1"/>
+        </p:nvCxnSpPr>
+        <p:spPr>
+          <a:xfrm>
+            <a:off x="187325" y="1008063"/>
+            <a:ext cx="8728075" cy="0"/>
+          </a:xfrm>
+          <a:prstGeom prst="line">
+            <a:avLst/>
+          </a:prstGeom>
+          <a:ln>
+            <a:solidFill>
+              <a:srgbClr val="5F5F5F"/>
+            </a:solidFill>
+          </a:ln>
+          <a:effectLst/>
+        </p:spPr>
+        <p:style>
+          <a:lnRef idx="2">
+            <a:schemeClr val="accent1"/>
+          </a:lnRef>
+          <a:fillRef idx="0">
+            <a:schemeClr val="accent1"/>
+          </a:fillRef>
+          <a:effectRef idx="1">
+            <a:schemeClr val="accent1"/>
+          </a:effectRef>
+          <a:fontRef idx="minor">
+            <a:schemeClr val="tx1"/>
+          </a:fontRef>
+        </p:style>
+      </p:cxnSp>
+      <p:sp>
+        <p:nvSpPr>
+          <p:cNvPr id="6" name="Rectangle 2"/>
+          <p:cNvSpPr>
+            <a:spLocks noGrp="1" noChangeArrowheads="1"/>
+          </p:cNvSpPr>
+          <p:nvPr>
+            <p:ph type="title"/>
+          </p:nvPr>
+        </p:nvSpPr>
+        <p:spPr bwMode="auto">
+          <a:xfrm>
+            <a:off x="195729" y="186232"/>
+            <a:ext cx="8694574" cy="808038"/>
+          </a:xfrm>
+          <a:prstGeom prst="rect">
+            <a:avLst/>
+          </a:prstGeom>
+          <a:noFill/>
+          <a:ln>
+            <a:noFill/>
+          </a:ln>
+          <a:extLst>
+            <a:ext uri="{909E8E84-426E-40dd-AFC4-6F175D3DCCD1}">
+              <a14:hiddenFill xmlns:a14="http://schemas.microsoft.com/office/drawing/2010/main">
+                <a:solidFill>
+                  <a:srgbClr val="FFFFFF"/>
+                </a:solidFill>
+              </a14:hiddenFill>
+            </a:ext>
+            <a:ext uri="{91240B29-F687-4f45-9708-019B960494DF}">
+              <a14:hiddenLine xmlns:a14="http://schemas.microsoft.com/office/drawing/2010/main" w="9525">
+                <a:solidFill>
+                  <a:srgbClr val="000000"/>
+                </a:solidFill>
+                <a:miter lim="800000"/>
+                <a:headEnd/>
+                <a:tailEnd/>
+              </a14:hiddenLine>
+            </a:ext>
+            <a:ext uri="{FAA26D3D-D897-4be2-8F04-BA451C77F1D7}">
+              <ma14:placeholderFlag xmlns:ma14="http://schemas.microsoft.com/office/mac/drawingml/2011/main" val="1"/>
+            </a:ext>
+          </a:extLst>
+        </p:spPr>
+        <p:txBody>
+          <a:bodyPr/>
+          <a:lstStyle/>
+          <a:p>
+            <a:pPr lvl="0"/>
+            <a:r>
+              <a:rPr lang="en-US" dirty="0"/>
+              <a:t>Click to edit Master title style</a:t>
+            </a:r>
+          </a:p>
+        </p:txBody>
+      </p:sp>
+      <p:sp>
+        <p:nvSpPr>
+          <p:cNvPr id="4" name="Rectangle 3"/>
+          <p:cNvSpPr>
+            <a:spLocks noGrp="1" noChangeArrowheads="1"/>
+          </p:cNvSpPr>
+          <p:nvPr>
+            <p:ph type="sldNum" sz="quarter" idx="10"/>
+          </p:nvPr>
+        </p:nvSpPr>
+        <p:spPr/>
+        <p:txBody>
+          <a:bodyPr/>
+          <a:lstStyle>
+            <a:lvl1pPr>
+              <a:defRPr/>
+            </a:lvl1pPr>
+          </a:lstStyle>
+          <a:p>
+            <a:pPr>
+              <a:defRPr/>
+            </a:pPr>
+            <a:fld id="{55CA80F3-A1BC-BC41-A1D7-7ADFCFE8360E}" type="slidenum">
+              <a:rPr lang="en-US"/>
+              <a:pPr>
+                <a:defRPr/>
+              </a:pPr>
+              <a:t>‹#›</a:t>
+            </a:fld>
+            <a:endParaRPr lang="en-US"/>
+          </a:p>
+        </p:txBody>
+      </p:sp>
+    </p:spTree>
+    <p:extLst>
+      <p:ext uri="{BB962C8B-B14F-4D97-AF65-F5344CB8AC3E}">
+        <p14:creationId xmlns:p14="http://schemas.microsoft.com/office/powerpoint/2010/main" val="2726348540"/>
+      </p:ext>
+    </p:extLst>
+  </p:cSld>
+  <p:clrMapOvr>
+    <a:masterClrMapping/>
+  </p:clrMapOvr>
+</p:sldLayout>
+</file>
+
 <file path=ppt/slideLayouts/slideLayout2.xml><?xml version="1.0" encoding="utf-8"?>
 <p:sldLayout xmlns:a="http://schemas.openxmlformats.org/drawingml/2006/main" xmlns:r="http://schemas.openxmlformats.org/officeDocument/2006/relationships" xmlns:p="http://schemas.openxmlformats.org/presentationml/2006/main" preserve="1" userDrawn="1">
   <p:cSld name="Title and Content">
@@ -3406,7 +3989,7 @@
           <p:nvPr userDrawn="1"/>
         </p:nvPicPr>
         <p:blipFill>
-          <a:blip r:embed="rId11">
+          <a:blip r:embed="rId12">
             <a:extLst>
               <a:ext uri="{28A0092B-C50C-407E-A947-70E740481C1C}">
                 <a14:useLocalDpi xmlns:a14="http://schemas.microsoft.com/office/drawing/2010/main" val="0"/>
@@ -3671,6 +4254,7 @@
     <p:sldLayoutId id="2147483677" r:id="rId7"/>
     <p:sldLayoutId id="2147483678" r:id="rId8"/>
     <p:sldLayoutId id="2147483682" r:id="rId9"/>
+    <p:sldLayoutId id="2147483683" r:id="rId10"/>
   </p:sldLayoutIdLst>
   <p:txStyles>
     <p:titleStyle>
@@ -4955,120 +5539,13 @@
           <a:p>
             <a:r>
               <a:rPr lang="en-US" dirty="0" smtClean="0"/>
-              <a:t>I*  </a:t>
+              <a:t>I* </a:t>
+            </a:r>
+            <a:r>
+              <a:rPr lang="en-US" dirty="0"/>
+              <a:t>- Analytical HPDC Infrastructure Model </a:t>
             </a:r>
             <a:endParaRPr lang="en-US" dirty="0"/>
-          </a:p>
-        </p:txBody>
-      </p:sp>
-      <p:sp>
-        <p:nvSpPr>
-          <p:cNvPr id="4" name="Textfeld 3"/>
-          <p:cNvSpPr txBox="1"/>
-          <p:nvPr/>
-        </p:nvSpPr>
-        <p:spPr>
-          <a:xfrm>
-            <a:off x="282231" y="4977961"/>
-            <a:ext cx="2918753" cy="954107"/>
-          </a:xfrm>
-          <a:prstGeom prst="rect">
-            <a:avLst/>
-          </a:prstGeom>
-          <a:noFill/>
-        </p:spPr>
-        <p:txBody>
-          <a:bodyPr wrap="square" rtlCol="0">
-            <a:spAutoFit/>
-          </a:bodyPr>
-          <a:lstStyle/>
-          <a:p>
-            <a:pPr marL="285750" indent="-285750">
-              <a:buFont typeface="Wingdings" charset="2"/>
-              <a:buChar char="ü"/>
-            </a:pPr>
-            <a:r>
-              <a:rPr lang="de-DE" dirty="0" smtClean="0"/>
-              <a:t>Fast </a:t>
-            </a:r>
-            <a:r>
-              <a:rPr lang="de-DE" dirty="0" err="1"/>
-              <a:t>modeling</a:t>
-            </a:r>
-            <a:endParaRPr lang="de-DE" dirty="0"/>
-          </a:p>
-          <a:p>
-            <a:pPr marL="285750" indent="-285750">
-              <a:buFont typeface="Wingdings" charset="2"/>
-              <a:buChar char="ü"/>
-            </a:pPr>
-            <a:r>
-              <a:rPr lang="de-DE" dirty="0" smtClean="0"/>
-              <a:t>Easy </a:t>
-            </a:r>
-            <a:r>
-              <a:rPr lang="de-DE" dirty="0" err="1"/>
-              <a:t>data</a:t>
-            </a:r>
-            <a:r>
-              <a:rPr lang="de-DE" dirty="0"/>
-              <a:t> </a:t>
-            </a:r>
-            <a:r>
-              <a:rPr lang="de-DE" dirty="0" err="1"/>
-              <a:t>integration</a:t>
-            </a:r>
-            <a:endParaRPr lang="de-DE" dirty="0"/>
-          </a:p>
-          <a:p>
-            <a:pPr marL="285750" indent="-285750">
-              <a:buFont typeface="Wingdings" charset="2"/>
-              <a:buChar char="ü"/>
-            </a:pPr>
-            <a:r>
-              <a:rPr lang="de-DE" dirty="0" smtClean="0"/>
-              <a:t>Multiple </a:t>
-            </a:r>
-            <a:r>
-              <a:rPr lang="de-DE" dirty="0" err="1"/>
-              <a:t>levels</a:t>
-            </a:r>
-            <a:r>
-              <a:rPr lang="de-DE" dirty="0"/>
-              <a:t> </a:t>
-            </a:r>
-            <a:r>
-              <a:rPr lang="de-DE" dirty="0" err="1"/>
-              <a:t>of</a:t>
-            </a:r>
-            <a:r>
-              <a:rPr lang="de-DE" dirty="0"/>
-              <a:t> </a:t>
-            </a:r>
-            <a:r>
-              <a:rPr lang="de-DE" dirty="0" err="1" smtClean="0"/>
-              <a:t>granularity</a:t>
-            </a:r>
-            <a:endParaRPr lang="de-DE" dirty="0"/>
-          </a:p>
-          <a:p>
-            <a:pPr marL="285750" indent="-285750">
-              <a:buFont typeface="Wingdings" charset="2"/>
-              <a:buChar char="ü"/>
-            </a:pPr>
-            <a:r>
-              <a:rPr lang="de-DE" dirty="0" err="1" smtClean="0"/>
-              <a:t>Redundancy</a:t>
-            </a:r>
-            <a:r>
-              <a:rPr lang="de-DE" dirty="0" smtClean="0"/>
-              <a:t> </a:t>
-            </a:r>
-            <a:r>
-              <a:rPr lang="de-DE" dirty="0" err="1" smtClean="0"/>
-              <a:t>handling</a:t>
-            </a:r>
-            <a:endParaRPr lang="de-DE" dirty="0"/>
           </a:p>
         </p:txBody>
       </p:sp>
@@ -5081,7 +5558,7 @@
           <p:nvPr/>
         </p:nvPicPr>
         <p:blipFill>
-          <a:blip r:embed="rId2">
+          <a:blip r:embed="rId3">
             <a:extLst>
               <a:ext uri="{28A0092B-C50C-407E-A947-70E740481C1C}">
                 <a14:useLocalDpi xmlns:a14="http://schemas.microsoft.com/office/drawing/2010/main" val="0"/>
@@ -5094,8 +5571,8 @@
         </p:blipFill>
         <p:spPr>
           <a:xfrm>
-            <a:off x="2309424" y="1168298"/>
-            <a:ext cx="6569984" cy="4025108"/>
+            <a:off x="508000" y="1168298"/>
+            <a:ext cx="8371408" cy="5128752"/>
           </a:xfrm>
           <a:prstGeom prst="rect">
             <a:avLst/>
@@ -5110,7 +5587,7 @@
         </p:nvSpPr>
         <p:spPr>
           <a:xfrm>
-            <a:off x="3876841" y="5454316"/>
+            <a:off x="282231" y="806382"/>
             <a:ext cx="4852737" cy="307777"/>
           </a:xfrm>
           <a:prstGeom prst="rect">
@@ -5180,7 +5657,7 @@
       </p:grpSpPr>
       <p:sp>
         <p:nvSpPr>
-          <p:cNvPr id="2" name="Title 1"/>
+          <p:cNvPr id="22529" name="Title 1"/>
           <p:cNvSpPr>
             <a:spLocks noGrp="1"/>
           </p:cNvSpPr>
@@ -5188,66 +5665,638 @@
             <p:ph type="title"/>
           </p:nvPr>
         </p:nvSpPr>
-        <p:spPr/>
+        <p:spPr>
+          <a:xfrm>
+            <a:off x="195263" y="185738"/>
+            <a:ext cx="8694737" cy="808037"/>
+          </a:xfrm>
+        </p:spPr>
         <p:txBody>
           <a:bodyPr/>
           <a:lstStyle/>
           <a:p>
             <a:r>
-              <a:rPr lang="en-US" dirty="0" smtClean="0"/>
-              <a:t>P* </a:t>
-            </a:r>
-            <a:endParaRPr lang="en-US" dirty="0"/>
+              <a:rPr lang="en-US" dirty="0">
+                <a:latin typeface="Arial" charset="0"/>
+                <a:ea typeface="ＭＳ Ｐゴシック" charset="0"/>
+                <a:cs typeface="ＭＳ Ｐゴシック" charset="0"/>
+              </a:rPr>
+              <a:t>P</a:t>
+            </a:r>
+            <a:r>
+              <a:rPr lang="en-US" dirty="0" smtClean="0">
+                <a:latin typeface="Arial" charset="0"/>
+                <a:ea typeface="ＭＳ Ｐゴシック" charset="0"/>
+                <a:cs typeface="ＭＳ Ｐゴシック" charset="0"/>
+              </a:rPr>
+              <a:t>*: Model for Dynamic Resources</a:t>
+            </a:r>
+            <a:endParaRPr lang="en-US" dirty="0">
+              <a:latin typeface="Arial" charset="0"/>
+              <a:ea typeface="ＭＳ Ｐゴシック" charset="0"/>
+              <a:cs typeface="ＭＳ Ｐゴシック" charset="0"/>
+            </a:endParaRPr>
           </a:p>
         </p:txBody>
       </p:sp>
       <p:sp>
         <p:nvSpPr>
-          <p:cNvPr id="4" name="Content Placeholder 3"/>
-          <p:cNvSpPr>
-            <a:spLocks noGrp="1"/>
+          <p:cNvPr id="22530" name="Content Placeholder 2"/>
+          <p:cNvSpPr txBox="1">
+            <a:spLocks/>
           </p:cNvSpPr>
-          <p:nvPr>
-            <p:ph idx="1"/>
-          </p:nvPr>
+          <p:nvPr/>
         </p:nvSpPr>
-        <p:spPr/>
+        <p:spPr bwMode="auto">
+          <a:xfrm>
+            <a:off x="209967" y="1059452"/>
+            <a:ext cx="8229600" cy="4533900"/>
+          </a:xfrm>
+          <a:prstGeom prst="rect">
+            <a:avLst/>
+          </a:prstGeom>
+          <a:noFill/>
+          <a:ln>
+            <a:noFill/>
+          </a:ln>
+          <a:extLst>
+            <a:ext uri="{909E8E84-426E-40dd-AFC4-6F175D3DCCD1}">
+              <a14:hiddenFill xmlns:a14="http://schemas.microsoft.com/office/drawing/2010/main">
+                <a:solidFill>
+                  <a:srgbClr val="FFFFFF"/>
+                </a:solidFill>
+              </a14:hiddenFill>
+            </a:ext>
+            <a:ext uri="{91240B29-F687-4f45-9708-019B960494DF}">
+              <a14:hiddenLine xmlns:a14="http://schemas.microsoft.com/office/drawing/2010/main" w="9525">
+                <a:solidFill>
+                  <a:srgbClr val="000000"/>
+                </a:solidFill>
+                <a:miter lim="800000"/>
+                <a:headEnd/>
+                <a:tailEnd/>
+              </a14:hiddenLine>
+            </a:ext>
+          </a:extLst>
+        </p:spPr>
         <p:txBody>
           <a:bodyPr/>
+          <a:lstStyle>
+            <a:lvl1pPr marL="342900" indent="-342900" eaLnBrk="0" hangingPunct="0">
+              <a:defRPr sz="2400">
+                <a:solidFill>
+                  <a:schemeClr val="tx1"/>
+                </a:solidFill>
+                <a:latin typeface="Arial" charset="0"/>
+                <a:ea typeface="ＭＳ Ｐゴシック" charset="0"/>
+                <a:cs typeface="ＭＳ Ｐゴシック" charset="0"/>
+              </a:defRPr>
+            </a:lvl1pPr>
+            <a:lvl2pPr marL="742950" indent="-285750" eaLnBrk="0" hangingPunct="0">
+              <a:defRPr sz="2400">
+                <a:solidFill>
+                  <a:schemeClr val="tx1"/>
+                </a:solidFill>
+                <a:latin typeface="Arial" charset="0"/>
+                <a:ea typeface="ＭＳ Ｐゴシック" charset="0"/>
+              </a:defRPr>
+            </a:lvl2pPr>
+            <a:lvl3pPr marL="1143000" indent="-228600" eaLnBrk="0" hangingPunct="0">
+              <a:defRPr sz="2400">
+                <a:solidFill>
+                  <a:schemeClr val="tx1"/>
+                </a:solidFill>
+                <a:latin typeface="Arial" charset="0"/>
+                <a:ea typeface="ＭＳ Ｐゴシック" charset="0"/>
+              </a:defRPr>
+            </a:lvl3pPr>
+            <a:lvl4pPr marL="1600200" indent="-228600" eaLnBrk="0" hangingPunct="0">
+              <a:defRPr sz="2400">
+                <a:solidFill>
+                  <a:schemeClr val="tx1"/>
+                </a:solidFill>
+                <a:latin typeface="Arial" charset="0"/>
+                <a:ea typeface="ＭＳ Ｐゴシック" charset="0"/>
+              </a:defRPr>
+            </a:lvl4pPr>
+            <a:lvl5pPr marL="2057400" indent="-228600" eaLnBrk="0" hangingPunct="0">
+              <a:defRPr sz="2400">
+                <a:solidFill>
+                  <a:schemeClr val="tx1"/>
+                </a:solidFill>
+                <a:latin typeface="Arial" charset="0"/>
+                <a:ea typeface="ＭＳ Ｐゴシック" charset="0"/>
+              </a:defRPr>
+            </a:lvl5pPr>
+            <a:lvl6pPr marL="2514600" indent="-228600" eaLnBrk="0" fontAlgn="base" hangingPunct="0">
+              <a:spcBef>
+                <a:spcPct val="0"/>
+              </a:spcBef>
+              <a:spcAft>
+                <a:spcPct val="0"/>
+              </a:spcAft>
+              <a:defRPr sz="2400">
+                <a:solidFill>
+                  <a:schemeClr val="tx1"/>
+                </a:solidFill>
+                <a:latin typeface="Arial" charset="0"/>
+                <a:ea typeface="ＭＳ Ｐゴシック" charset="0"/>
+              </a:defRPr>
+            </a:lvl6pPr>
+            <a:lvl7pPr marL="2971800" indent="-228600" eaLnBrk="0" fontAlgn="base" hangingPunct="0">
+              <a:spcBef>
+                <a:spcPct val="0"/>
+              </a:spcBef>
+              <a:spcAft>
+                <a:spcPct val="0"/>
+              </a:spcAft>
+              <a:defRPr sz="2400">
+                <a:solidFill>
+                  <a:schemeClr val="tx1"/>
+                </a:solidFill>
+                <a:latin typeface="Arial" charset="0"/>
+                <a:ea typeface="ＭＳ Ｐゴシック" charset="0"/>
+              </a:defRPr>
+            </a:lvl7pPr>
+            <a:lvl8pPr marL="3429000" indent="-228600" eaLnBrk="0" fontAlgn="base" hangingPunct="0">
+              <a:spcBef>
+                <a:spcPct val="0"/>
+              </a:spcBef>
+              <a:spcAft>
+                <a:spcPct val="0"/>
+              </a:spcAft>
+              <a:defRPr sz="2400">
+                <a:solidFill>
+                  <a:schemeClr val="tx1"/>
+                </a:solidFill>
+                <a:latin typeface="Arial" charset="0"/>
+                <a:ea typeface="ＭＳ Ｐゴシック" charset="0"/>
+              </a:defRPr>
+            </a:lvl8pPr>
+            <a:lvl9pPr marL="3886200" indent="-228600" eaLnBrk="0" fontAlgn="base" hangingPunct="0">
+              <a:spcBef>
+                <a:spcPct val="0"/>
+              </a:spcBef>
+              <a:spcAft>
+                <a:spcPct val="0"/>
+              </a:spcAft>
+              <a:defRPr sz="2400">
+                <a:solidFill>
+                  <a:schemeClr val="tx1"/>
+                </a:solidFill>
+                <a:latin typeface="Arial" charset="0"/>
+                <a:ea typeface="ＭＳ Ｐゴシック" charset="0"/>
+              </a:defRPr>
+            </a:lvl9pPr>
+          </a:lstStyle>
+          <a:p>
+            <a:pPr eaLnBrk="1" hangingPunct="1">
+              <a:spcBef>
+                <a:spcPct val="20000"/>
+              </a:spcBef>
+              <a:buFontTx/>
+              <a:buChar char="•"/>
+            </a:pPr>
+            <a:r>
+              <a:rPr lang="en-US" sz="2000" dirty="0" smtClean="0"/>
+              <a:t>Elements:</a:t>
+            </a:r>
+            <a:endParaRPr lang="en-US" sz="2000" b="1" dirty="0"/>
+          </a:p>
+          <a:p>
+            <a:pPr lvl="1" eaLnBrk="1" hangingPunct="1">
+              <a:spcBef>
+                <a:spcPct val="20000"/>
+              </a:spcBef>
+              <a:buFontTx/>
+              <a:buChar char="–"/>
+            </a:pPr>
+            <a:r>
+              <a:rPr lang="en-US" sz="1800" dirty="0">
+                <a:solidFill>
+                  <a:srgbClr val="5F5F5F"/>
+                </a:solidFill>
+              </a:rPr>
+              <a:t>Pilot-Compute (PC</a:t>
+            </a:r>
+            <a:r>
+              <a:rPr lang="en-US" sz="1800" dirty="0" smtClean="0">
+                <a:solidFill>
+                  <a:srgbClr val="5F5F5F"/>
+                </a:solidFill>
+              </a:rPr>
+              <a:t>).</a:t>
+            </a:r>
+            <a:endParaRPr lang="en-US" sz="1800" dirty="0">
+              <a:solidFill>
+                <a:srgbClr val="5F5F5F"/>
+              </a:solidFill>
+            </a:endParaRPr>
+          </a:p>
+          <a:p>
+            <a:pPr lvl="1" eaLnBrk="1" hangingPunct="1">
+              <a:spcBef>
+                <a:spcPct val="20000"/>
+              </a:spcBef>
+              <a:buFontTx/>
+              <a:buChar char="–"/>
+            </a:pPr>
+            <a:r>
+              <a:rPr lang="en-US" sz="1800" dirty="0">
+                <a:solidFill>
+                  <a:srgbClr val="5F5F5F"/>
+                </a:solidFill>
+              </a:rPr>
+              <a:t>Pilot-Data (PD</a:t>
+            </a:r>
+            <a:r>
+              <a:rPr lang="en-US" sz="1800" dirty="0" smtClean="0">
+                <a:solidFill>
+                  <a:srgbClr val="5F5F5F"/>
+                </a:solidFill>
+              </a:rPr>
+              <a:t>).</a:t>
+            </a:r>
+            <a:endParaRPr lang="en-US" sz="1800" dirty="0">
+              <a:solidFill>
+                <a:srgbClr val="5F5F5F"/>
+              </a:solidFill>
+            </a:endParaRPr>
+          </a:p>
+          <a:p>
+            <a:pPr lvl="1" eaLnBrk="1" hangingPunct="1">
+              <a:spcBef>
+                <a:spcPct val="20000"/>
+              </a:spcBef>
+              <a:buFontTx/>
+              <a:buChar char="–"/>
+            </a:pPr>
+            <a:r>
+              <a:rPr lang="en-US" sz="1800" dirty="0">
+                <a:solidFill>
+                  <a:srgbClr val="5F5F5F"/>
+                </a:solidFill>
+              </a:rPr>
+              <a:t>Compute Unit (CU</a:t>
+            </a:r>
+            <a:r>
+              <a:rPr lang="en-US" sz="1800" dirty="0" smtClean="0">
+                <a:solidFill>
+                  <a:srgbClr val="5F5F5F"/>
+                </a:solidFill>
+              </a:rPr>
+              <a:t>).</a:t>
+            </a:r>
+            <a:endParaRPr lang="en-US" sz="1800" dirty="0">
+              <a:solidFill>
+                <a:srgbClr val="5F5F5F"/>
+              </a:solidFill>
+            </a:endParaRPr>
+          </a:p>
+          <a:p>
+            <a:pPr lvl="1" eaLnBrk="1" hangingPunct="1">
+              <a:spcBef>
+                <a:spcPct val="20000"/>
+              </a:spcBef>
+              <a:buFontTx/>
+              <a:buChar char="–"/>
+            </a:pPr>
+            <a:r>
+              <a:rPr lang="en-US" sz="1800" dirty="0">
+                <a:solidFill>
+                  <a:srgbClr val="5F5F5F"/>
+                </a:solidFill>
+              </a:rPr>
+              <a:t>Data Unit (DU</a:t>
+            </a:r>
+            <a:r>
+              <a:rPr lang="en-US" sz="1800" dirty="0" smtClean="0">
+                <a:solidFill>
+                  <a:srgbClr val="5F5F5F"/>
+                </a:solidFill>
+              </a:rPr>
+              <a:t>).</a:t>
+            </a:r>
+            <a:endParaRPr lang="en-US" sz="1800" dirty="0">
+              <a:solidFill>
+                <a:srgbClr val="5F5F5F"/>
+              </a:solidFill>
+            </a:endParaRPr>
+          </a:p>
+          <a:p>
+            <a:pPr lvl="1" eaLnBrk="1" hangingPunct="1">
+              <a:spcBef>
+                <a:spcPct val="20000"/>
+              </a:spcBef>
+              <a:buFontTx/>
+              <a:buChar char="–"/>
+            </a:pPr>
+            <a:r>
+              <a:rPr lang="en-US" sz="1800" dirty="0">
+                <a:solidFill>
+                  <a:srgbClr val="5F5F5F"/>
+                </a:solidFill>
+              </a:rPr>
+              <a:t>Scheduling Unit (SU</a:t>
+            </a:r>
+            <a:r>
+              <a:rPr lang="en-US" sz="1800" dirty="0" smtClean="0">
+                <a:solidFill>
+                  <a:srgbClr val="5F5F5F"/>
+                </a:solidFill>
+              </a:rPr>
+              <a:t>).</a:t>
+            </a:r>
+            <a:endParaRPr lang="en-US" sz="1800" dirty="0">
+              <a:solidFill>
+                <a:srgbClr val="5F5F5F"/>
+              </a:solidFill>
+            </a:endParaRPr>
+          </a:p>
+          <a:p>
+            <a:pPr lvl="1" eaLnBrk="1" hangingPunct="1">
+              <a:spcBef>
+                <a:spcPct val="20000"/>
+              </a:spcBef>
+              <a:buFontTx/>
+              <a:buChar char="–"/>
+            </a:pPr>
+            <a:r>
+              <a:rPr lang="en-US" sz="1800" dirty="0">
+                <a:solidFill>
+                  <a:srgbClr val="5F5F5F"/>
+                </a:solidFill>
+              </a:rPr>
+              <a:t>Pilot-Manager (PM</a:t>
+            </a:r>
+            <a:r>
+              <a:rPr lang="en-US" sz="1800" dirty="0" smtClean="0">
+                <a:solidFill>
+                  <a:srgbClr val="5F5F5F"/>
+                </a:solidFill>
+              </a:rPr>
+              <a:t>).</a:t>
+            </a:r>
+            <a:endParaRPr lang="en-US" sz="1800" dirty="0">
+              <a:solidFill>
+                <a:srgbClr val="5F5F5F"/>
+              </a:solidFill>
+            </a:endParaRPr>
+          </a:p>
+          <a:p>
+            <a:pPr eaLnBrk="1" hangingPunct="1">
+              <a:spcBef>
+                <a:spcPts val="1200"/>
+              </a:spcBef>
+              <a:buFontTx/>
+              <a:buChar char="•"/>
+            </a:pPr>
+            <a:r>
+              <a:rPr lang="en-US" sz="2000" dirty="0" smtClean="0"/>
+              <a:t>Characteristics:</a:t>
+            </a:r>
+            <a:endParaRPr lang="en-US" sz="2000" b="1" dirty="0"/>
+          </a:p>
+          <a:p>
+            <a:pPr lvl="1" eaLnBrk="1" hangingPunct="1">
+              <a:spcBef>
+                <a:spcPct val="20000"/>
+              </a:spcBef>
+              <a:buFontTx/>
+              <a:buChar char="–"/>
+            </a:pPr>
+            <a:r>
+              <a:rPr lang="en-US" sz="1800" dirty="0" smtClean="0">
+                <a:solidFill>
+                  <a:srgbClr val="5F5F5F"/>
+                </a:solidFill>
+              </a:rPr>
+              <a:t>Coordination.</a:t>
+            </a:r>
+            <a:endParaRPr lang="en-US" sz="1800" dirty="0">
+              <a:solidFill>
+                <a:srgbClr val="5F5F5F"/>
+              </a:solidFill>
+            </a:endParaRPr>
+          </a:p>
+          <a:p>
+            <a:pPr lvl="1" eaLnBrk="1" hangingPunct="1">
+              <a:spcBef>
+                <a:spcPct val="20000"/>
+              </a:spcBef>
+              <a:buFontTx/>
+              <a:buChar char="–"/>
+            </a:pPr>
+            <a:r>
+              <a:rPr lang="en-US" sz="1800" dirty="0" smtClean="0">
+                <a:solidFill>
+                  <a:srgbClr val="5F5F5F"/>
+                </a:solidFill>
+              </a:rPr>
+              <a:t>Communication.</a:t>
+            </a:r>
+            <a:endParaRPr lang="en-US" sz="1800" dirty="0">
+              <a:solidFill>
+                <a:srgbClr val="5F5F5F"/>
+              </a:solidFill>
+            </a:endParaRPr>
+          </a:p>
+          <a:p>
+            <a:pPr lvl="1" eaLnBrk="1" hangingPunct="1">
+              <a:spcBef>
+                <a:spcPct val="20000"/>
+              </a:spcBef>
+              <a:buFontTx/>
+              <a:buChar char="–"/>
+            </a:pPr>
+            <a:r>
+              <a:rPr lang="en-US" sz="1800" dirty="0" smtClean="0">
+                <a:solidFill>
+                  <a:srgbClr val="5F5F5F"/>
+                </a:solidFill>
+              </a:rPr>
+              <a:t>Scheduling.</a:t>
+            </a:r>
+            <a:endParaRPr lang="en-US" sz="1800" dirty="0">
+              <a:solidFill>
+                <a:srgbClr val="5F5F5F"/>
+              </a:solidFill>
+            </a:endParaRPr>
+          </a:p>
+          <a:p>
+            <a:pPr eaLnBrk="1" hangingPunct="1">
+              <a:spcBef>
+                <a:spcPts val="1200"/>
+              </a:spcBef>
+              <a:buFontTx/>
+              <a:buChar char="•"/>
+            </a:pPr>
+            <a:r>
+              <a:rPr lang="en-US" sz="2000" dirty="0"/>
+              <a:t>Pilot-</a:t>
+            </a:r>
+            <a:r>
+              <a:rPr lang="en-US" sz="2000" dirty="0" smtClean="0"/>
+              <a:t>API</a:t>
+            </a:r>
+          </a:p>
+          <a:p>
+            <a:pPr eaLnBrk="1" hangingPunct="1">
+              <a:spcBef>
+                <a:spcPts val="1200"/>
+              </a:spcBef>
+              <a:buFontTx/>
+              <a:buChar char="•"/>
+            </a:pPr>
+            <a:r>
+              <a:rPr lang="en-US" sz="2000" dirty="0" smtClean="0"/>
+              <a:t>Will extend to Compute, Data and Network</a:t>
+            </a:r>
+          </a:p>
+          <a:p>
+            <a:pPr eaLnBrk="1" hangingPunct="1">
+              <a:spcBef>
+                <a:spcPts val="1200"/>
+              </a:spcBef>
+              <a:buFontTx/>
+              <a:buChar char="•"/>
+            </a:pPr>
+            <a:endParaRPr lang="en-US" sz="2000" dirty="0"/>
+          </a:p>
+        </p:txBody>
+      </p:sp>
+      <p:pic>
+        <p:nvPicPr>
+          <p:cNvPr id="22531" name="Picture 3" descr="pstar_model copy.png"/>
+          <p:cNvPicPr>
+            <a:picLocks noChangeAspect="1"/>
+          </p:cNvPicPr>
+          <p:nvPr/>
+        </p:nvPicPr>
+        <p:blipFill>
+          <a:blip r:embed="rId2">
+            <a:extLst>
+              <a:ext uri="{28A0092B-C50C-407E-A947-70E740481C1C}">
+                <a14:useLocalDpi xmlns:a14="http://schemas.microsoft.com/office/drawing/2010/main" val="0"/>
+              </a:ext>
+            </a:extLst>
+          </a:blip>
+          <a:srcRect/>
+          <a:stretch>
+            <a:fillRect/>
+          </a:stretch>
+        </p:blipFill>
+        <p:spPr bwMode="auto">
+          <a:xfrm>
+            <a:off x="4002088" y="1079500"/>
+            <a:ext cx="4319587" cy="4678363"/>
+          </a:xfrm>
+          <a:prstGeom prst="rect">
+            <a:avLst/>
+          </a:prstGeom>
+          <a:noFill/>
+          <a:ln>
+            <a:noFill/>
+          </a:ln>
+          <a:extLst>
+            <a:ext uri="{909E8E84-426E-40dd-AFC4-6F175D3DCCD1}">
+              <a14:hiddenFill xmlns:a14="http://schemas.microsoft.com/office/drawing/2010/main">
+                <a:solidFill>
+                  <a:srgbClr val="FFFFFF"/>
+                </a:solidFill>
+              </a14:hiddenFill>
+            </a:ext>
+            <a:ext uri="{91240B29-F687-4f45-9708-019B960494DF}">
+              <a14:hiddenLine xmlns:a14="http://schemas.microsoft.com/office/drawing/2010/main" w="9525">
+                <a:solidFill>
+                  <a:srgbClr val="000000"/>
+                </a:solidFill>
+                <a:miter lim="800000"/>
+                <a:headEnd/>
+                <a:tailEnd/>
+              </a14:hiddenLine>
+            </a:ext>
+          </a:extLst>
+        </p:spPr>
+      </p:pic>
+      <p:sp>
+        <p:nvSpPr>
+          <p:cNvPr id="22532" name="Rectangle 4"/>
+          <p:cNvSpPr>
+            <a:spLocks noChangeArrowheads="1"/>
+          </p:cNvSpPr>
+          <p:nvPr/>
+        </p:nvSpPr>
+        <p:spPr bwMode="auto">
+          <a:xfrm>
+            <a:off x="706438" y="5794792"/>
+            <a:ext cx="8089983" cy="307777"/>
+          </a:xfrm>
+          <a:prstGeom prst="rect">
+            <a:avLst/>
+          </a:prstGeom>
+          <a:noFill/>
+          <a:ln>
+            <a:noFill/>
+          </a:ln>
+          <a:extLst>
+            <a:ext uri="{909E8E84-426E-40dd-AFC4-6F175D3DCCD1}">
+              <a14:hiddenFill xmlns:a14="http://schemas.microsoft.com/office/drawing/2010/main">
+                <a:solidFill>
+                  <a:srgbClr val="FFFFFF"/>
+                </a:solidFill>
+              </a14:hiddenFill>
+            </a:ext>
+            <a:ext uri="{91240B29-F687-4f45-9708-019B960494DF}">
+              <a14:hiddenLine xmlns:a14="http://schemas.microsoft.com/office/drawing/2010/main" w="9525">
+                <a:solidFill>
+                  <a:srgbClr val="000000"/>
+                </a:solidFill>
+                <a:miter lim="800000"/>
+                <a:headEnd/>
+                <a:tailEnd/>
+              </a14:hiddenLine>
+            </a:ext>
+          </a:extLst>
+        </p:spPr>
+        <p:txBody>
+          <a:bodyPr wrap="square">
+            <a:spAutoFit/>
+          </a:bodyPr>
           <a:lstStyle/>
           <a:p>
             <a:r>
-              <a:rPr lang="en-US" dirty="0" smtClean="0"/>
-              <a:t>Pilot-Jobs provide an abstraction for dynamic resource management. Currently abstraction is job based, but can be extended to include network and storage as other resource elements</a:t>
-            </a:r>
-          </a:p>
-          <a:p>
-            <a:r>
-              <a:rPr lang="en-US" dirty="0" smtClean="0"/>
-              <a:t>P</a:t>
-            </a:r>
-            <a:r>
-              <a:rPr lang="en-US" dirty="0"/>
-              <a:t>* is a conceptual model for </a:t>
-            </a:r>
-            <a:r>
-              <a:rPr lang="en-US" dirty="0" smtClean="0"/>
-              <a:t>Pilot-based resource</a:t>
-            </a:r>
-            <a:endParaRPr lang="en-US" dirty="0"/>
+              <a:rPr lang="en-US" sz="1400" dirty="0"/>
+              <a:t>“P*: A Model of Pilot-Abstractions”, </a:t>
+            </a:r>
+            <a:r>
+              <a:rPr lang="en-US" sz="1400" i="1" dirty="0"/>
+              <a:t>8th IEEE International Conference on e-Science 2012</a:t>
+            </a:r>
+            <a:r>
+              <a:rPr lang="en-US" sz="1400" dirty="0"/>
+              <a:t>, 2012</a:t>
+            </a:r>
           </a:p>
         </p:txBody>
       </p:sp>
     </p:spTree>
     <p:extLst>
       <p:ext uri="{BB962C8B-B14F-4D97-AF65-F5344CB8AC3E}">
-        <p14:creationId xmlns:p14="http://schemas.microsoft.com/office/powerpoint/2010/main" val="2772051994"/>
+        <p14:creationId xmlns:p14="http://schemas.microsoft.com/office/powerpoint/2010/main" val="2326881319"/>
       </p:ext>
     </p:extLst>
   </p:cSld>
   <p:clrMapOvr>
     <a:masterClrMapping/>
   </p:clrMapOvr>
+  <p:timing>
+    <p:tnLst>
+      <p:par>
+        <p:cTn xmlns:p14="http://schemas.microsoft.com/office/powerpoint/2010/main" id="1" dur="indefinite" restart="never" nodeType="tmRoot"/>
+      </p:par>
+    </p:tnLst>
+  </p:timing>
 </p:sld>
 </file>
 
@@ -5629,14 +6678,333 @@
           </a:p>
         </p:txBody>
       </p:sp>
+      <p:sp>
+        <p:nvSpPr>
+          <p:cNvPr id="3" name="Content Placeholder 2"/>
+          <p:cNvSpPr>
+            <a:spLocks noGrp="1"/>
+          </p:cNvSpPr>
+          <p:nvPr>
+            <p:ph sz="half" idx="2"/>
+          </p:nvPr>
+        </p:nvSpPr>
+        <p:spPr>
+          <a:xfrm>
+            <a:off x="282231" y="1176421"/>
+            <a:ext cx="4279074" cy="4533900"/>
+          </a:xfrm>
+        </p:spPr>
+        <p:txBody>
+          <a:bodyPr/>
+          <a:lstStyle/>
+          <a:p>
+            <a:r>
+              <a:rPr lang="en-US" sz="2000" dirty="0" smtClean="0"/>
+              <a:t>P*: Decouples dynamic resource management from job and task management</a:t>
+            </a:r>
+          </a:p>
+          <a:p>
+            <a:r>
+              <a:rPr lang="en-US" sz="2000" dirty="0" smtClean="0"/>
+              <a:t>F*: Resource aggregation and provisioning decoupled from job and resource management</a:t>
+            </a:r>
+          </a:p>
+          <a:p>
+            <a:pPr lvl="1"/>
+            <a:r>
+              <a:rPr lang="en-US" sz="1800" dirty="0" smtClean="0"/>
+              <a:t>Furthers the separation of concerns</a:t>
+            </a:r>
+          </a:p>
+          <a:p>
+            <a:r>
+              <a:rPr lang="en-US" sz="2000" dirty="0" smtClean="0"/>
+              <a:t>C* provides, F</a:t>
+            </a:r>
+            <a:r>
+              <a:rPr lang="en-US" sz="2000" dirty="0"/>
+              <a:t>* </a:t>
+            </a:r>
+            <a:r>
+              <a:rPr lang="en-US" sz="2000" dirty="0" smtClean="0"/>
+              <a:t>decides</a:t>
+            </a:r>
+            <a:r>
+              <a:rPr lang="en-US" sz="2000" dirty="0"/>
+              <a:t>, P* </a:t>
+            </a:r>
+            <a:r>
+              <a:rPr lang="en-US" sz="2000" dirty="0" smtClean="0"/>
+              <a:t>executes</a:t>
+            </a:r>
+          </a:p>
+          <a:p>
+            <a:r>
+              <a:rPr lang="en-US" sz="2000" dirty="0" smtClean="0"/>
+              <a:t>Federate at the capability level</a:t>
+            </a:r>
+          </a:p>
+          <a:p>
+            <a:r>
+              <a:rPr lang="en-US" sz="2000" dirty="0" smtClean="0"/>
+              <a:t>P* creates the overlay at the resource level</a:t>
+            </a:r>
+            <a:endParaRPr lang="en-US" sz="2000" dirty="0"/>
+          </a:p>
+          <a:p>
+            <a:endParaRPr lang="en-US" sz="2000" dirty="0"/>
+          </a:p>
+        </p:txBody>
+      </p:sp>
       <p:pic>
         <p:nvPicPr>
-          <p:cNvPr id="4" name="Content Placeholder 3" descr="ngmw-schematic-3.png"/>
+          <p:cNvPr id="6" name="ngmw-schematic-A1.png">
+            <a:hlinkClick r:id="" action="ppaction://media"/>
+          </p:cNvPr>
           <p:cNvPicPr>
             <a:picLocks noGrp="1" noChangeAspect="1"/>
           </p:cNvPicPr>
           <p:nvPr>
-            <p:ph idx="1"/>
+            <p:ph sz="half" idx="1"/>
+            <a:videoFile r:link="rId2"/>
+            <p:extLst>
+              <p:ext uri="{DAA4B4D4-6D71-4841-9C94-3DE7FCFB9230}">
+                <p14:media xmlns:p14="http://schemas.microsoft.com/office/powerpoint/2010/main" r:embed="rId1"/>
+              </p:ext>
+            </p:extLst>
+          </p:nvPr>
+        </p:nvPicPr>
+        <p:blipFill>
+          <a:blip r:embed="rId5"/>
+          <a:stretch>
+            <a:fillRect/>
+          </a:stretch>
+        </p:blipFill>
+        <p:spPr>
+          <a:xfrm>
+            <a:off x="4691063" y="712805"/>
+            <a:ext cx="4188345" cy="5028127"/>
+          </a:xfrm>
+        </p:spPr>
+      </p:pic>
+    </p:spTree>
+    <p:extLst>
+      <p:ext uri="{BB962C8B-B14F-4D97-AF65-F5344CB8AC3E}">
+        <p14:creationId xmlns:p14="http://schemas.microsoft.com/office/powerpoint/2010/main" val="3505105283"/>
+      </p:ext>
+    </p:extLst>
+  </p:cSld>
+  <p:clrMapOvr>
+    <a:masterClrMapping/>
+  </p:clrMapOvr>
+  <p:timing>
+    <p:tnLst>
+      <p:par>
+        <p:cTn xmlns:p14="http://schemas.microsoft.com/office/powerpoint/2010/main" id="1" dur="indefinite" restart="never" nodeType="tmRoot">
+          <p:childTnLst>
+            <p:seq concurrent="1" nextAc="seek">
+              <p:cTn id="2" restart="whenNotActive" fill="hold" evtFilter="cancelBubble" nodeType="interactiveSeq">
+                <p:stCondLst>
+                  <p:cond evt="onClick" delay="0">
+                    <p:tgtEl>
+                      <p:spTgt spid="6"/>
+                    </p:tgtEl>
+                  </p:cond>
+                </p:stCondLst>
+                <p:endSync evt="end" delay="0">
+                  <p:rtn val="all"/>
+                </p:endSync>
+                <p:childTnLst>
+                  <p:par>
+                    <p:cTn id="3" fill="hold">
+                      <p:stCondLst>
+                        <p:cond delay="0"/>
+                      </p:stCondLst>
+                      <p:childTnLst>
+                        <p:par>
+                          <p:cTn id="4" fill="hold">
+                            <p:stCondLst>
+                              <p:cond delay="0"/>
+                            </p:stCondLst>
+                            <p:childTnLst>
+                              <p:par>
+                                <p:cTn id="5" presetID="2" presetClass="mediacall" presetSubtype="0" fill="hold" nodeType="clickEffect">
+                                  <p:stCondLst>
+                                    <p:cond delay="0"/>
+                                  </p:stCondLst>
+                                  <p:childTnLst>
+                                    <p:cmd type="call" cmd="togglePause">
+                                      <p:cBhvr>
+                                        <p:cTn id="6" dur="1" fill="hold"/>
+                                        <p:tgtEl>
+                                          <p:spTgt spid="6"/>
+                                        </p:tgtEl>
+                                      </p:cBhvr>
+                                    </p:cmd>
+                                  </p:childTnLst>
+                                </p:cTn>
+                              </p:par>
+                            </p:childTnLst>
+                          </p:cTn>
+                        </p:par>
+                      </p:childTnLst>
+                    </p:cTn>
+                  </p:par>
+                </p:childTnLst>
+              </p:cTn>
+              <p:nextCondLst>
+                <p:cond evt="onClick" delay="0">
+                  <p:tgtEl>
+                    <p:spTgt spid="6"/>
+                  </p:tgtEl>
+                </p:cond>
+              </p:nextCondLst>
+            </p:seq>
+            <p:video>
+              <p:cMediaNode vol="80000">
+                <p:cTn id="7" fill="hold" display="0">
+                  <p:stCondLst>
+                    <p:cond delay="indefinite"/>
+                  </p:stCondLst>
+                </p:cTn>
+                <p:tgtEl>
+                  <p:spTgt spid="6"/>
+                </p:tgtEl>
+              </p:cMediaNode>
+            </p:video>
+          </p:childTnLst>
+        </p:cTn>
+      </p:par>
+    </p:tnLst>
+  </p:timing>
+</p:sld>
+</file>
+
+<file path=ppt/slides/slide18.xml><?xml version="1.0" encoding="utf-8"?>
+<p:sld xmlns:a="http://schemas.openxmlformats.org/drawingml/2006/main" xmlns:r="http://schemas.openxmlformats.org/officeDocument/2006/relationships" xmlns:p="http://schemas.openxmlformats.org/presentationml/2006/main">
+  <p:cSld>
+    <p:spTree>
+      <p:nvGrpSpPr>
+        <p:cNvPr id="1" name=""/>
+        <p:cNvGrpSpPr/>
+        <p:nvPr/>
+      </p:nvGrpSpPr>
+      <p:grpSpPr>
+        <a:xfrm>
+          <a:off x="0" y="0"/>
+          <a:ext cx="0" cy="0"/>
+          <a:chOff x="0" y="0"/>
+          <a:chExt cx="0" cy="0"/>
+        </a:xfrm>
+      </p:grpSpPr>
+      <p:sp>
+        <p:nvSpPr>
+          <p:cNvPr id="2" name="Title 1"/>
+          <p:cNvSpPr>
+            <a:spLocks noGrp="1"/>
+          </p:cNvSpPr>
+          <p:nvPr>
+            <p:ph type="title"/>
+          </p:nvPr>
+        </p:nvSpPr>
+        <p:spPr/>
+        <p:txBody>
+          <a:bodyPr/>
+          <a:lstStyle/>
+          <a:p>
+            <a:r>
+              <a:rPr lang="en-US" dirty="0" smtClean="0"/>
+              <a:t>Design </a:t>
+            </a:r>
+            <a:r>
+              <a:rPr lang="en-US" dirty="0" err="1" smtClean="0"/>
+              <a:t>Obj</a:t>
+            </a:r>
+            <a:r>
+              <a:rPr lang="en-US" dirty="0" smtClean="0"/>
+              <a:t>: Multi-level and Integrated Reasoning</a:t>
+            </a:r>
+            <a:endParaRPr lang="en-US" dirty="0"/>
+          </a:p>
+        </p:txBody>
+      </p:sp>
+      <p:sp>
+        <p:nvSpPr>
+          <p:cNvPr id="3" name="Content Placeholder 2"/>
+          <p:cNvSpPr>
+            <a:spLocks noGrp="1"/>
+          </p:cNvSpPr>
+          <p:nvPr>
+            <p:ph sz="half" idx="2"/>
+          </p:nvPr>
+        </p:nvSpPr>
+        <p:spPr>
+          <a:xfrm>
+            <a:off x="282231" y="1176421"/>
+            <a:ext cx="4279074" cy="4533900"/>
+          </a:xfrm>
+        </p:spPr>
+        <p:txBody>
+          <a:bodyPr/>
+          <a:lstStyle/>
+          <a:p>
+            <a:r>
+              <a:rPr lang="en-US" sz="2000" dirty="0"/>
+              <a:t>Transformation of Application workload via system workload to Infrastructure capability</a:t>
+            </a:r>
+          </a:p>
+          <a:p>
+            <a:r>
+              <a:rPr lang="en-US" sz="2000" dirty="0" smtClean="0"/>
+              <a:t>Application requests R(100, T,10), say 100 tasks, of type T, complete within 10 units of time</a:t>
+            </a:r>
+          </a:p>
+          <a:p>
+            <a:r>
+              <a:rPr lang="en-US" sz="2000" dirty="0" smtClean="0"/>
+              <a:t>Federation Layer/Manager responds with collective capability of C(50, T, 10) or C(100, T, 20)</a:t>
+            </a:r>
+          </a:p>
+          <a:p>
+            <a:r>
+              <a:rPr lang="en-US" sz="2000" dirty="0" smtClean="0"/>
+              <a:t>Adaptive Application</a:t>
+            </a:r>
+          </a:p>
+          <a:p>
+            <a:pPr lvl="1"/>
+            <a:r>
+              <a:rPr lang="en-US" sz="1600" dirty="0" smtClean="0"/>
+              <a:t>Response can be either at A, W level</a:t>
+            </a:r>
+          </a:p>
+          <a:p>
+            <a:pPr lvl="1"/>
+            <a:r>
+              <a:rPr lang="en-US" sz="1600" dirty="0" smtClean="0"/>
+              <a:t>Application may self-throttle number of tasks generated</a:t>
+            </a:r>
+          </a:p>
+          <a:p>
+            <a:pPr lvl="1"/>
+            <a:r>
+              <a:rPr lang="en-US" sz="1600" dirty="0" smtClean="0"/>
+              <a:t>Or workload description can be changed to meet the capability</a:t>
+            </a:r>
+          </a:p>
+          <a:p>
+            <a:endParaRPr lang="en-US" sz="2000" dirty="0" smtClean="0"/>
+          </a:p>
+        </p:txBody>
+      </p:sp>
+      <p:pic>
+        <p:nvPicPr>
+          <p:cNvPr id="5" name="Content Placeholder 4" descr="ngmw-schematic-A2.png"/>
+          <p:cNvPicPr>
+            <a:picLocks noGrp="1" noChangeAspect="1"/>
+          </p:cNvPicPr>
+          <p:nvPr>
+            <p:ph sz="half" idx="1"/>
           </p:nvPr>
         </p:nvPicPr>
         <p:blipFill>
@@ -5647,27 +7015,39 @@
               </a:ext>
             </a:extLst>
           </a:blip>
-          <a:srcRect l="-43785" r="-43785"/>
+          <a:srcRect t="3245" b="3245"/>
           <a:stretch>
             <a:fillRect/>
           </a:stretch>
         </p:blipFill>
-        <p:spPr/>
+        <p:spPr>
+          <a:xfrm>
+            <a:off x="4721225" y="1336675"/>
+            <a:ext cx="4038600" cy="4533900"/>
+          </a:xfrm>
+        </p:spPr>
       </p:pic>
     </p:spTree>
     <p:extLst>
       <p:ext uri="{BB962C8B-B14F-4D97-AF65-F5344CB8AC3E}">
-        <p14:creationId xmlns:p14="http://schemas.microsoft.com/office/powerpoint/2010/main" val="449869100"/>
+        <p14:creationId xmlns:p14="http://schemas.microsoft.com/office/powerpoint/2010/main" val="1258356087"/>
       </p:ext>
     </p:extLst>
   </p:cSld>
   <p:clrMapOvr>
     <a:masterClrMapping/>
   </p:clrMapOvr>
+  <p:timing>
+    <p:tnLst>
+      <p:par>
+        <p:cTn xmlns:p14="http://schemas.microsoft.com/office/powerpoint/2010/main" id="1" dur="indefinite" restart="never" nodeType="tmRoot"/>
+      </p:par>
+    </p:tnLst>
+  </p:timing>
 </p:sld>
 </file>
 
-<file path=ppt/slides/slide18.xml><?xml version="1.0" encoding="utf-8"?>
+<file path=ppt/slides/slide19.xml><?xml version="1.0" encoding="utf-8"?>
 <p:sld xmlns:a="http://schemas.openxmlformats.org/drawingml/2006/main" xmlns:r="http://schemas.openxmlformats.org/officeDocument/2006/relationships" xmlns:p="http://schemas.openxmlformats.org/presentationml/2006/main">
   <p:cSld>
     <p:spTree>
@@ -5745,466 +7125,6 @@
 </p:sld>
 </file>
 
-<file path=ppt/slides/slide19.xml><?xml version="1.0" encoding="utf-8"?>
-<p:sld xmlns:a="http://schemas.openxmlformats.org/drawingml/2006/main" xmlns:r="http://schemas.openxmlformats.org/officeDocument/2006/relationships" xmlns:p="http://schemas.openxmlformats.org/presentationml/2006/main">
-  <p:cSld>
-    <p:spTree>
-      <p:nvGrpSpPr>
-        <p:cNvPr id="1" name=""/>
-        <p:cNvGrpSpPr/>
-        <p:nvPr/>
-      </p:nvGrpSpPr>
-      <p:grpSpPr>
-        <a:xfrm>
-          <a:off x="0" y="0"/>
-          <a:ext cx="0" cy="0"/>
-          <a:chOff x="0" y="0"/>
-          <a:chExt cx="0" cy="0"/>
-        </a:xfrm>
-      </p:grpSpPr>
-      <p:sp>
-        <p:nvSpPr>
-          <p:cNvPr id="2" name="Title 1"/>
-          <p:cNvSpPr>
-            <a:spLocks noGrp="1"/>
-          </p:cNvSpPr>
-          <p:nvPr>
-            <p:ph type="title"/>
-          </p:nvPr>
-        </p:nvSpPr>
-        <p:spPr/>
-        <p:txBody>
-          <a:bodyPr/>
-          <a:lstStyle/>
-          <a:p>
-            <a:r>
-              <a:rPr lang="en-US" dirty="0" smtClean="0"/>
-              <a:t>NGMW: Interaction of Models and Simulation</a:t>
-            </a:r>
-            <a:endParaRPr lang="en-US" dirty="0"/>
-          </a:p>
-        </p:txBody>
-      </p:sp>
-      <p:sp>
-        <p:nvSpPr>
-          <p:cNvPr id="3" name="Shape 72"/>
-          <p:cNvSpPr txBox="1">
-            <a:spLocks/>
-          </p:cNvSpPr>
-          <p:nvPr/>
-        </p:nvSpPr>
-        <p:spPr bwMode="auto">
-          <a:xfrm>
-            <a:off x="282231" y="786259"/>
-            <a:ext cx="8596312" cy="5281613"/>
-          </a:xfrm>
-          <a:prstGeom prst="rect">
-            <a:avLst/>
-          </a:prstGeom>
-          <a:noFill/>
-          <a:ln>
-            <a:noFill/>
-          </a:ln>
-          <a:extLst>
-            <a:ext uri="{909E8E84-426E-40dd-AFC4-6F175D3DCCD1}">
-              <a14:hiddenFill xmlns:a14="http://schemas.microsoft.com/office/drawing/2010/main">
-                <a:solidFill>
-                  <a:srgbClr val="FFFFFF"/>
-                </a:solidFill>
-              </a14:hiddenFill>
-            </a:ext>
-            <a:ext uri="{91240B29-F687-4f45-9708-019B960494DF}">
-              <a14:hiddenLine xmlns:a14="http://schemas.microsoft.com/office/drawing/2010/main" w="9525">
-                <a:solidFill>
-                  <a:srgbClr val="000000"/>
-                </a:solidFill>
-                <a:miter lim="800000"/>
-                <a:headEnd/>
-                <a:tailEnd/>
-              </a14:hiddenLine>
-            </a:ext>
-            <a:ext uri="{FAA26D3D-D897-4be2-8F04-BA451C77F1D7}">
-              <ma14:placeholderFlag xmlns:ma14="http://schemas.microsoft.com/office/mac/drawingml/2011/main" val="1"/>
-            </a:ext>
-          </a:extLst>
-        </p:spPr>
-        <p:txBody>
-          <a:bodyPr vert="horz" wrap="square" lIns="91425" tIns="91425" rIns="91425" bIns="91425" numCol="1" anchor="t" anchorCtr="0" compatLnSpc="1">
-            <a:prstTxWarp prst="textNoShape">
-              <a:avLst/>
-            </a:prstTxWarp>
-            <a:noAutofit/>
-          </a:bodyPr>
-          <a:lstStyle>
-            <a:lvl1pPr marL="227013" indent="-227013" algn="l" rtl="0" eaLnBrk="0" fontAlgn="base" hangingPunct="0">
-              <a:spcBef>
-                <a:spcPts val="1200"/>
-              </a:spcBef>
-              <a:spcAft>
-                <a:spcPct val="0"/>
-              </a:spcAft>
-              <a:buClr>
-                <a:schemeClr val="tx1">
-                  <a:lumMod val="95000"/>
-                  <a:lumOff val="5000"/>
-                </a:schemeClr>
-              </a:buClr>
-              <a:buChar char="•"/>
-              <a:tabLst/>
-              <a:defRPr sz="2000">
-                <a:solidFill>
-                  <a:schemeClr val="tx1">
-                    <a:lumMod val="95000"/>
-                    <a:lumOff val="5000"/>
-                  </a:schemeClr>
-                </a:solidFill>
-                <a:latin typeface="+mn-lt"/>
-                <a:ea typeface="ＭＳ Ｐゴシック" charset="-128"/>
-                <a:cs typeface="ＭＳ Ｐゴシック" charset="-128"/>
-              </a:defRPr>
-            </a:lvl1pPr>
-            <a:lvl2pPr marL="682625" indent="-225425" algn="l" rtl="0" eaLnBrk="0" fontAlgn="base" hangingPunct="0">
-              <a:spcBef>
-                <a:spcPct val="20000"/>
-              </a:spcBef>
-              <a:spcAft>
-                <a:spcPct val="0"/>
-              </a:spcAft>
-              <a:buClr>
-                <a:schemeClr val="tx1">
-                  <a:lumMod val="95000"/>
-                  <a:lumOff val="5000"/>
-                </a:schemeClr>
-              </a:buClr>
-              <a:buChar char="–"/>
-              <a:defRPr sz="1800">
-                <a:solidFill>
-                  <a:srgbClr val="5F5F5F"/>
-                </a:solidFill>
-                <a:latin typeface="+mn-lt"/>
-                <a:ea typeface="ＭＳ Ｐゴシック" charset="-128"/>
-              </a:defRPr>
-            </a:lvl2pPr>
-            <a:lvl3pPr marL="1090613" indent="-176213" algn="l" rtl="0" eaLnBrk="0" fontAlgn="base" hangingPunct="0">
-              <a:spcBef>
-                <a:spcPct val="20000"/>
-              </a:spcBef>
-              <a:spcAft>
-                <a:spcPct val="0"/>
-              </a:spcAft>
-              <a:buClr>
-                <a:schemeClr val="tx1">
-                  <a:lumMod val="95000"/>
-                  <a:lumOff val="5000"/>
-                </a:schemeClr>
-              </a:buClr>
-              <a:buChar char="•"/>
-              <a:defRPr sz="1800">
-                <a:solidFill>
-                  <a:srgbClr val="5F5F5F"/>
-                </a:solidFill>
-                <a:latin typeface="+mn-lt"/>
-                <a:ea typeface="ＭＳ Ｐゴシック" charset="-128"/>
-              </a:defRPr>
-            </a:lvl3pPr>
-            <a:lvl4pPr marL="1600200" indent="-228600" algn="l" rtl="0" eaLnBrk="0" fontAlgn="base" hangingPunct="0">
-              <a:spcBef>
-                <a:spcPct val="20000"/>
-              </a:spcBef>
-              <a:spcAft>
-                <a:spcPct val="0"/>
-              </a:spcAft>
-              <a:buClr>
-                <a:schemeClr val="tx1">
-                  <a:lumMod val="95000"/>
-                  <a:lumOff val="5000"/>
-                </a:schemeClr>
-              </a:buClr>
-              <a:buChar char="–"/>
-              <a:defRPr sz="1800">
-                <a:solidFill>
-                  <a:srgbClr val="5F5F5F"/>
-                </a:solidFill>
-                <a:latin typeface="+mn-lt"/>
-                <a:ea typeface="ＭＳ Ｐゴシック" charset="-128"/>
-              </a:defRPr>
-            </a:lvl4pPr>
-            <a:lvl5pPr marL="2000250" indent="-171450" algn="l" rtl="0" eaLnBrk="0" fontAlgn="base" hangingPunct="0">
-              <a:spcBef>
-                <a:spcPct val="20000"/>
-              </a:spcBef>
-              <a:spcAft>
-                <a:spcPct val="0"/>
-              </a:spcAft>
-              <a:buClr>
-                <a:schemeClr val="tx1">
-                  <a:lumMod val="95000"/>
-                  <a:lumOff val="5000"/>
-                </a:schemeClr>
-              </a:buClr>
-              <a:buChar char="»"/>
-              <a:defRPr sz="1800">
-                <a:solidFill>
-                  <a:srgbClr val="5F5F5F"/>
-                </a:solidFill>
-                <a:latin typeface="+mn-lt"/>
-                <a:ea typeface="ＭＳ Ｐゴシック" charset="-128"/>
-              </a:defRPr>
-            </a:lvl5pPr>
-            <a:lvl6pPr marL="2514600" indent="-228600" algn="l" rtl="0" fontAlgn="base">
-              <a:spcBef>
-                <a:spcPct val="20000"/>
-              </a:spcBef>
-              <a:spcAft>
-                <a:spcPct val="0"/>
-              </a:spcAft>
-              <a:buChar char="»"/>
-              <a:defRPr sz="1400">
-                <a:solidFill>
-                  <a:srgbClr val="5F5F5F"/>
-                </a:solidFill>
-                <a:latin typeface="+mn-lt"/>
-                <a:ea typeface="ＭＳ Ｐゴシック" charset="-128"/>
-              </a:defRPr>
-            </a:lvl6pPr>
-            <a:lvl7pPr marL="2971800" indent="-228600" algn="l" rtl="0" fontAlgn="base">
-              <a:spcBef>
-                <a:spcPct val="20000"/>
-              </a:spcBef>
-              <a:spcAft>
-                <a:spcPct val="0"/>
-              </a:spcAft>
-              <a:buChar char="»"/>
-              <a:defRPr sz="1400">
-                <a:solidFill>
-                  <a:srgbClr val="5F5F5F"/>
-                </a:solidFill>
-                <a:latin typeface="+mn-lt"/>
-                <a:ea typeface="ＭＳ Ｐゴシック" charset="-128"/>
-              </a:defRPr>
-            </a:lvl7pPr>
-            <a:lvl8pPr marL="3429000" indent="-228600" algn="l" rtl="0" fontAlgn="base">
-              <a:spcBef>
-                <a:spcPct val="20000"/>
-              </a:spcBef>
-              <a:spcAft>
-                <a:spcPct val="0"/>
-              </a:spcAft>
-              <a:buChar char="»"/>
-              <a:defRPr sz="1400">
-                <a:solidFill>
-                  <a:srgbClr val="5F5F5F"/>
-                </a:solidFill>
-                <a:latin typeface="+mn-lt"/>
-                <a:ea typeface="ＭＳ Ｐゴシック" charset="-128"/>
-              </a:defRPr>
-            </a:lvl8pPr>
-            <a:lvl9pPr marL="3886200" indent="-228600" algn="l" rtl="0" fontAlgn="base">
-              <a:spcBef>
-                <a:spcPct val="20000"/>
-              </a:spcBef>
-              <a:spcAft>
-                <a:spcPct val="0"/>
-              </a:spcAft>
-              <a:buChar char="»"/>
-              <a:defRPr sz="1400">
-                <a:solidFill>
-                  <a:srgbClr val="5F5F5F"/>
-                </a:solidFill>
-                <a:latin typeface="+mn-lt"/>
-                <a:ea typeface="ＭＳ Ｐゴシック" charset="-128"/>
-              </a:defRPr>
-            </a:lvl9pPr>
-          </a:lstStyle>
-          <a:p>
-            <a:pPr marL="344488" indent="-342900"/>
-            <a:r>
-              <a:rPr lang="en-US" dirty="0" smtClean="0"/>
-              <a:t>Interaction between Models:</a:t>
-            </a:r>
-          </a:p>
-          <a:p>
-            <a:pPr marL="800100" lvl="1" indent="-342900"/>
-            <a:r>
-              <a:rPr lang="en-US" dirty="0" smtClean="0"/>
-              <a:t>[</a:t>
-            </a:r>
-            <a:r>
-              <a:rPr lang="en-US" dirty="0"/>
-              <a:t>A*, W* ] and [P*, F*]</a:t>
-            </a:r>
-          </a:p>
-          <a:p>
-            <a:pPr marL="1208088" lvl="2" indent="-342900"/>
-            <a:r>
-              <a:rPr lang="en-US" dirty="0"/>
-              <a:t>Here A* is a conceptual model, and W* is an analytical model</a:t>
-            </a:r>
-          </a:p>
-          <a:p>
-            <a:pPr marL="1208088" lvl="2" indent="-342900"/>
-            <a:r>
-              <a:rPr lang="en-US" dirty="0" smtClean="0"/>
-              <a:t>A </a:t>
-            </a:r>
-            <a:r>
-              <a:rPr lang="en-US" dirty="0"/>
-              <a:t>specific instance of A*, is subject to a transformation </a:t>
-            </a:r>
-            <a:r>
-              <a:rPr lang="en-US" b="1" dirty="0">
-                <a:ln w="12700">
-                  <a:solidFill>
-                    <a:schemeClr val="tx2">
-                      <a:satMod val="155000"/>
-                    </a:schemeClr>
-                  </a:solidFill>
-                  <a:prstDash val="solid"/>
-                </a:ln>
-                <a:solidFill>
-                  <a:schemeClr val="bg2">
-                    <a:tint val="85000"/>
-                    <a:satMod val="155000"/>
-                  </a:schemeClr>
-                </a:solidFill>
-                <a:effectLst>
-                  <a:outerShdw blurRad="41275" dist="20320" dir="1800000" algn="tl" rotWithShape="0">
-                    <a:srgbClr val="000000">
-                      <a:alpha val="40000"/>
-                    </a:srgbClr>
-                  </a:outerShdw>
-                </a:effectLst>
-              </a:rPr>
-              <a:t>W</a:t>
-            </a:r>
-            <a:r>
-              <a:rPr lang="en-US" dirty="0"/>
-              <a:t> which converts into executable units </a:t>
-            </a:r>
-            <a:r>
-              <a:rPr lang="en-US" dirty="0" smtClean="0"/>
-              <a:t>(per W*) that </a:t>
-            </a:r>
-            <a:r>
-              <a:rPr lang="en-US" dirty="0"/>
-              <a:t>have performance requirements</a:t>
-            </a:r>
-          </a:p>
-          <a:p>
-            <a:pPr marL="1208088" lvl="2" indent="-342900"/>
-            <a:r>
-              <a:rPr lang="en-US" dirty="0" smtClean="0"/>
-              <a:t>Infrastructure modeled as I*, capability is exposed and federated per F*</a:t>
-            </a:r>
-          </a:p>
-          <a:p>
-            <a:pPr marL="1208088" lvl="2" indent="-342900"/>
-            <a:r>
-              <a:rPr lang="en-US" dirty="0" smtClean="0"/>
-              <a:t>I</a:t>
-            </a:r>
-            <a:r>
-              <a:rPr lang="en-US" dirty="0"/>
-              <a:t>* </a:t>
-            </a:r>
-            <a:r>
-              <a:rPr lang="en-US" dirty="0" smtClean="0"/>
-              <a:t>subject </a:t>
-            </a:r>
-            <a:r>
-              <a:rPr lang="en-US" dirty="0"/>
-              <a:t>to a transformation </a:t>
-            </a:r>
-            <a:r>
-              <a:rPr lang="en-US" b="1" dirty="0" smtClean="0">
-                <a:ln w="12700">
-                  <a:solidFill>
-                    <a:schemeClr val="tx2">
-                      <a:satMod val="155000"/>
-                    </a:schemeClr>
-                  </a:solidFill>
-                  <a:prstDash val="solid"/>
-                </a:ln>
-                <a:solidFill>
-                  <a:schemeClr val="bg2">
-                    <a:tint val="85000"/>
-                    <a:satMod val="155000"/>
-                  </a:schemeClr>
-                </a:solidFill>
-                <a:effectLst>
-                  <a:outerShdw blurRad="41275" dist="20320" dir="1800000" algn="tl" rotWithShape="0">
-                    <a:srgbClr val="000000">
-                      <a:alpha val="40000"/>
-                    </a:srgbClr>
-                  </a:outerShdw>
-                </a:effectLst>
-              </a:rPr>
-              <a:t>F </a:t>
-            </a:r>
-            <a:r>
-              <a:rPr lang="en-US" dirty="0" smtClean="0"/>
-              <a:t>(</a:t>
-            </a:r>
-            <a:r>
-              <a:rPr lang="en-US" dirty="0"/>
-              <a:t>aggregation of resources per F*</a:t>
-            </a:r>
-            <a:r>
-              <a:rPr lang="en-US" dirty="0" smtClean="0"/>
-              <a:t>) to provide a federated capability</a:t>
-            </a:r>
-            <a:endParaRPr lang="en-US" dirty="0"/>
-          </a:p>
-          <a:p>
-            <a:pPr marL="344488" indent="-342900"/>
-            <a:r>
-              <a:rPr lang="en-US" sz="2000" dirty="0" smtClean="0"/>
-              <a:t>Role of Simulation</a:t>
-            </a:r>
-          </a:p>
-          <a:p>
-            <a:pPr marL="800100" lvl="1" indent="-342900"/>
-            <a:r>
-              <a:rPr lang="en-US" sz="1800" dirty="0" smtClean="0"/>
-              <a:t>If we federate a given set of resources {I} what is the performance we expect?</a:t>
-            </a:r>
-          </a:p>
-          <a:p>
-            <a:pPr marL="800100" lvl="1" indent="-342900"/>
-            <a:r>
-              <a:rPr lang="en-US" dirty="0" smtClean="0"/>
-              <a:t>If we want a capability [C], what is the set of resources {I} we need to federate to get  this [C] with well-defined probability distribution?</a:t>
-            </a:r>
-          </a:p>
-          <a:p>
-            <a:pPr marL="800100" lvl="1" indent="-342900"/>
-            <a:r>
-              <a:rPr lang="en-US" sz="1800" dirty="0" smtClean="0"/>
-              <a:t>Given an instance of an application (model), what is the workload  independent of the underlying resources?</a:t>
-            </a:r>
-          </a:p>
-        </p:txBody>
-      </p:sp>
-    </p:spTree>
-    <p:extLst>
-      <p:ext uri="{BB962C8B-B14F-4D97-AF65-F5344CB8AC3E}">
-        <p14:creationId xmlns:p14="http://schemas.microsoft.com/office/powerpoint/2010/main" val="1704466999"/>
-      </p:ext>
-    </p:extLst>
-  </p:cSld>
-  <p:clrMapOvr>
-    <a:masterClrMapping/>
-  </p:clrMapOvr>
-  <p:timing>
-    <p:tnLst>
-      <p:par>
-        <p:cTn xmlns:p14="http://schemas.microsoft.com/office/powerpoint/2010/main" id="1" dur="indefinite" restart="never" nodeType="tmRoot"/>
-      </p:par>
-    </p:tnLst>
-  </p:timing>
-</p:sld>
-</file>
-
 <file path=ppt/slides/slide2.xml><?xml version="1.0" encoding="utf-8"?>
 <p:sld xmlns:a="http://schemas.openxmlformats.org/drawingml/2006/main" xmlns:r="http://schemas.openxmlformats.org/officeDocument/2006/relationships" xmlns:p="http://schemas.openxmlformats.org/presentationml/2006/main">
   <p:cSld>
@@ -6651,7 +7571,7 @@
       </p:grpSpPr>
       <p:sp>
         <p:nvSpPr>
-          <p:cNvPr id="58369" name="Title 1"/>
+          <p:cNvPr id="2" name="Title 1"/>
           <p:cNvSpPr>
             <a:spLocks noGrp="1"/>
           </p:cNvSpPr>
@@ -6659,231 +7579,158 @@
             <p:ph type="title"/>
           </p:nvPr>
         </p:nvSpPr>
-        <p:spPr/>
+        <p:spPr>
+          <a:xfrm>
+            <a:off x="282231" y="75986"/>
+            <a:ext cx="8741453" cy="690291"/>
+          </a:xfrm>
+        </p:spPr>
         <p:txBody>
           <a:bodyPr/>
           <a:lstStyle/>
           <a:p>
             <a:r>
-              <a:rPr lang="en-US" dirty="0" smtClean="0">
-                <a:latin typeface="Arial" charset="0"/>
-                <a:ea typeface="ＭＳ Ｐゴシック" charset="0"/>
-                <a:cs typeface="ＭＳ Ｐゴシック" charset="0"/>
-              </a:rPr>
-              <a:t>Mapping Tasks to Resources</a:t>
-            </a:r>
-            <a:endParaRPr lang="en-US" dirty="0">
-              <a:latin typeface="Arial" charset="0"/>
-              <a:ea typeface="ＭＳ Ｐゴシック" charset="0"/>
-              <a:cs typeface="ＭＳ Ｐゴシック" charset="0"/>
-            </a:endParaRPr>
+              <a:rPr lang="en-US" sz="2800" dirty="0" smtClean="0"/>
+              <a:t>AIMES: Demonstration of Flexible Federation (SC’13)</a:t>
+            </a:r>
+            <a:endParaRPr lang="en-US" sz="2800" dirty="0"/>
           </a:p>
         </p:txBody>
       </p:sp>
       <p:sp>
         <p:nvSpPr>
-          <p:cNvPr id="58370" name="Content Placeholder 2"/>
+          <p:cNvPr id="3" name="Content Placeholder 2"/>
           <p:cNvSpPr>
             <a:spLocks noGrp="1"/>
           </p:cNvSpPr>
           <p:nvPr>
-            <p:ph idx="1"/>
+            <p:ph sz="half" idx="2"/>
           </p:nvPr>
         </p:nvSpPr>
-        <p:spPr/>
+        <p:spPr>
+          <a:xfrm>
+            <a:off x="160421" y="1176421"/>
+            <a:ext cx="4400884" cy="4533900"/>
+          </a:xfrm>
+        </p:spPr>
         <p:txBody>
           <a:bodyPr/>
           <a:lstStyle/>
           <a:p>
             <a:r>
-              <a:rPr lang="en-US" dirty="0">
-                <a:latin typeface="Arial" charset="0"/>
-                <a:ea typeface="ＭＳ Ｐゴシック" charset="0"/>
-                <a:cs typeface="ＭＳ Ｐゴシック" charset="0"/>
-              </a:rPr>
-              <a:t>Different aspects of mapping tasks to resources</a:t>
+              <a:rPr lang="en-US" sz="2000" dirty="0" smtClean="0"/>
+              <a:t>Application say Bag-of-Tasks </a:t>
             </a:r>
           </a:p>
           <a:p>
             <a:pPr lvl="1"/>
             <a:r>
-              <a:rPr lang="en-US" dirty="0" smtClean="0">
-                <a:latin typeface="Arial" charset="0"/>
-                <a:ea typeface="ＭＳ Ｐゴシック" charset="0"/>
-              </a:rPr>
-              <a:t>Optimal </a:t>
-            </a:r>
-            <a:r>
-              <a:rPr lang="en-US" dirty="0">
-                <a:latin typeface="Arial" charset="0"/>
-                <a:ea typeface="ＭＳ Ｐゴシック" charset="0"/>
-              </a:rPr>
-              <a:t>Characterization: Finding the optimal workload </a:t>
-            </a:r>
-            <a:r>
-              <a:rPr lang="en-US" dirty="0" smtClean="0">
-                <a:latin typeface="Arial" charset="0"/>
-                <a:ea typeface="ＭＳ Ｐゴシック" charset="0"/>
-              </a:rPr>
-              <a:t>characterization </a:t>
-            </a:r>
-            <a:r>
-              <a:rPr lang="en-US" dirty="0">
-                <a:latin typeface="Arial" charset="0"/>
-                <a:ea typeface="ＭＳ Ｐゴシック" charset="0"/>
-              </a:rPr>
-              <a:t>(of an application)</a:t>
-            </a:r>
-          </a:p>
-          <a:p>
-            <a:pPr lvl="2"/>
-            <a:r>
-              <a:rPr lang="en-US" dirty="0">
-                <a:latin typeface="Arial" charset="0"/>
-                <a:ea typeface="ＭＳ Ｐゴシック" charset="0"/>
-              </a:rPr>
-              <a:t>Generality versus specificity. Class of Applications versus Many application classes/types</a:t>
-            </a:r>
-          </a:p>
-          <a:p>
-            <a:pPr lvl="2"/>
-            <a:r>
-              <a:rPr lang="en-US" dirty="0">
-                <a:latin typeface="Arial" charset="0"/>
-                <a:ea typeface="ＭＳ Ｐゴシック" charset="0"/>
-              </a:rPr>
-              <a:t>Different applications have different </a:t>
-            </a:r>
-            <a:r>
-              <a:rPr lang="en-US" dirty="0" smtClean="0">
-                <a:latin typeface="Arial" charset="0"/>
-                <a:ea typeface="ＭＳ Ｐゴシック" charset="0"/>
-              </a:rPr>
-              <a:t>metrics</a:t>
-            </a:r>
-          </a:p>
-          <a:p>
-            <a:pPr lvl="2"/>
-            <a:endParaRPr lang="en-US" dirty="0">
-              <a:latin typeface="Arial" charset="0"/>
-              <a:ea typeface="ＭＳ Ｐゴシック" charset="0"/>
-            </a:endParaRPr>
+              <a:rPr lang="en-US" sz="2000" dirty="0" smtClean="0"/>
+              <a:t>Say </a:t>
+            </a:r>
+            <a:r>
+              <a:rPr lang="en-US" sz="2000" dirty="0" err="1" smtClean="0"/>
+              <a:t>BoT</a:t>
+            </a:r>
+            <a:r>
+              <a:rPr lang="en-US" sz="2000" dirty="0" smtClean="0"/>
+              <a:t>(100, H, 10)</a:t>
+            </a:r>
+          </a:p>
+          <a:p>
+            <a:r>
+              <a:rPr lang="en-US" sz="2000" dirty="0" smtClean="0"/>
+              <a:t>Generate similar workload description from different application representations</a:t>
+            </a:r>
+          </a:p>
+          <a:p>
+            <a:r>
+              <a:rPr lang="en-US" sz="2000" dirty="0" smtClean="0"/>
+              <a:t>Bundles currently provide</a:t>
+            </a:r>
           </a:p>
           <a:p>
             <a:pPr lvl="1"/>
             <a:r>
-              <a:rPr lang="en-US" dirty="0" smtClean="0">
-                <a:latin typeface="Arial" charset="0"/>
-                <a:ea typeface="ＭＳ Ｐゴシック" charset="0"/>
-              </a:rPr>
-              <a:t>Optimal </a:t>
-            </a:r>
-            <a:r>
-              <a:rPr lang="en-US" dirty="0">
-                <a:latin typeface="Arial" charset="0"/>
-                <a:ea typeface="ＭＳ Ｐゴシック" charset="0"/>
-              </a:rPr>
-              <a:t>Federation: Finding the optimal </a:t>
-            </a:r>
-            <a:r>
-              <a:rPr lang="en-US" dirty="0" smtClean="0">
-                <a:latin typeface="Arial" charset="0"/>
-                <a:ea typeface="ＭＳ Ｐゴシック" charset="0"/>
-              </a:rPr>
-              <a:t>infrastructure </a:t>
-            </a:r>
-            <a:r>
-              <a:rPr lang="en-US" dirty="0">
-                <a:latin typeface="Arial" charset="0"/>
-                <a:ea typeface="ＭＳ Ｐゴシック" charset="0"/>
-              </a:rPr>
-              <a:t>configurations for a given workload </a:t>
-            </a:r>
-          </a:p>
-          <a:p>
-            <a:pPr lvl="2"/>
-            <a:r>
-              <a:rPr lang="en-US" dirty="0">
-                <a:latin typeface="Arial" charset="0"/>
-                <a:ea typeface="ＭＳ Ｐゴシック" charset="0"/>
-              </a:rPr>
-              <a:t>Irrespective of whether it is best representation of an application</a:t>
-            </a:r>
-          </a:p>
-          <a:p>
-            <a:pPr lvl="2"/>
-            <a:r>
-              <a:rPr lang="en-US" dirty="0">
-                <a:latin typeface="Arial" charset="0"/>
-                <a:ea typeface="ＭＳ Ｐゴシック" charset="0"/>
-              </a:rPr>
-              <a:t>Resources availability at extreme scale is </a:t>
-            </a:r>
-            <a:r>
-              <a:rPr lang="en-US" dirty="0" smtClean="0">
-                <a:latin typeface="Arial" charset="0"/>
-                <a:ea typeface="ＭＳ Ｐゴシック" charset="0"/>
-              </a:rPr>
-              <a:t>variable</a:t>
-            </a:r>
-          </a:p>
-          <a:p>
-            <a:pPr lvl="2"/>
-            <a:endParaRPr lang="en-US" dirty="0">
-              <a:latin typeface="Arial" charset="0"/>
-              <a:ea typeface="ＭＳ Ｐゴシック" charset="0"/>
-            </a:endParaRPr>
+              <a:rPr lang="en-US" sz="2000" dirty="0" smtClean="0"/>
+              <a:t>Info on resource availability</a:t>
+            </a:r>
           </a:p>
           <a:p>
             <a:pPr lvl="1"/>
             <a:r>
-              <a:rPr lang="en-US" dirty="0" smtClean="0">
-                <a:latin typeface="Arial" charset="0"/>
-                <a:ea typeface="ＭＳ Ｐゴシック" charset="0"/>
-              </a:rPr>
-              <a:t>Optimal </a:t>
-            </a:r>
-            <a:r>
-              <a:rPr lang="en-US" dirty="0">
-                <a:latin typeface="Arial" charset="0"/>
-                <a:ea typeface="ＭＳ Ｐゴシック" charset="0"/>
-              </a:rPr>
-              <a:t>Mapping: Workload to Resource Mapping</a:t>
-            </a:r>
-          </a:p>
-          <a:p>
-            <a:pPr lvl="2"/>
-            <a:r>
-              <a:rPr lang="en-US" dirty="0">
-                <a:latin typeface="Arial" charset="0"/>
-                <a:ea typeface="ＭＳ Ｐゴシック" charset="0"/>
-              </a:rPr>
-              <a:t>Static versus Dynamic </a:t>
-            </a:r>
-            <a:r>
-              <a:rPr lang="en-US" dirty="0" smtClean="0">
-                <a:latin typeface="Arial" charset="0"/>
-                <a:ea typeface="ＭＳ Ｐゴシック" charset="0"/>
-              </a:rPr>
-              <a:t>Mapping</a:t>
-            </a:r>
-            <a:endParaRPr lang="en-US" dirty="0">
-              <a:latin typeface="Arial" charset="0"/>
-              <a:ea typeface="ＭＳ Ｐゴシック" charset="0"/>
-            </a:endParaRPr>
+              <a:rPr lang="en-US" sz="2000" dirty="0" smtClean="0"/>
+              <a:t>Eventually resource properties</a:t>
+            </a:r>
+          </a:p>
+          <a:p>
+            <a:r>
+              <a:rPr lang="en-US" sz="2000" dirty="0" smtClean="0"/>
+              <a:t>Ultimately bundles (and I*) should be consistent with C* </a:t>
+            </a:r>
+          </a:p>
+          <a:p>
+            <a:r>
+              <a:rPr lang="en-US" sz="2000" dirty="0" smtClean="0"/>
+              <a:t>Formalize the advantages of dynamic and flexible federation</a:t>
+            </a:r>
+          </a:p>
+          <a:p>
+            <a:pPr lvl="1"/>
+            <a:r>
+              <a:rPr lang="en-US" sz="2000" dirty="0" smtClean="0"/>
+              <a:t>Performance improvements</a:t>
+            </a:r>
           </a:p>
         </p:txBody>
       </p:sp>
+      <p:pic>
+        <p:nvPicPr>
+          <p:cNvPr id="8" name="Content Placeholder 7" descr="aimes-scenario-no-adaptivity.png"/>
+          <p:cNvPicPr>
+            <a:picLocks noGrp="1" noChangeAspect="1"/>
+          </p:cNvPicPr>
+          <p:nvPr>
+            <p:ph sz="half" idx="1"/>
+          </p:nvPr>
+        </p:nvPicPr>
+        <p:blipFill>
+          <a:blip r:embed="rId3">
+            <a:extLst>
+              <a:ext uri="{28A0092B-C50C-407E-A947-70E740481C1C}">
+                <a14:useLocalDpi xmlns:a14="http://schemas.microsoft.com/office/drawing/2010/main" val="0"/>
+              </a:ext>
+            </a:extLst>
+          </a:blip>
+          <a:srcRect t="3245" b="3245"/>
+          <a:stretch>
+            <a:fillRect/>
+          </a:stretch>
+        </p:blipFill>
+        <p:spPr>
+          <a:xfrm>
+            <a:off x="4744118" y="1176421"/>
+            <a:ext cx="4038600" cy="4533900"/>
+          </a:xfrm>
+        </p:spPr>
+      </p:pic>
     </p:spTree>
     <p:extLst>
       <p:ext uri="{BB962C8B-B14F-4D97-AF65-F5344CB8AC3E}">
-        <p14:creationId xmlns:p14="http://schemas.microsoft.com/office/powerpoint/2010/main" val="1666342825"/>
+        <p14:creationId xmlns:p14="http://schemas.microsoft.com/office/powerpoint/2010/main" val="3612151942"/>
       </p:ext>
     </p:extLst>
   </p:cSld>
   <p:clrMapOvr>
     <a:masterClrMapping/>
   </p:clrMapOvr>
+  <p:timing>
+    <p:tnLst>
+      <p:par>
+        <p:cTn xmlns:p14="http://schemas.microsoft.com/office/powerpoint/2010/main" id="1" dur="indefinite" restart="never" nodeType="tmRoot"/>
+      </p:par>
+    </p:tnLst>
+  </p:timing>
 </p:sld>
 </file>
 
@@ -6921,6 +7768,737 @@
           <a:p>
             <a:r>
               <a:rPr lang="en-US" dirty="0" smtClean="0"/>
+              <a:t>NGMW: Interaction of Models and Simulation</a:t>
+            </a:r>
+            <a:endParaRPr lang="en-US" dirty="0"/>
+          </a:p>
+        </p:txBody>
+      </p:sp>
+      <p:sp>
+        <p:nvSpPr>
+          <p:cNvPr id="3" name="Shape 72"/>
+          <p:cNvSpPr txBox="1">
+            <a:spLocks/>
+          </p:cNvSpPr>
+          <p:nvPr/>
+        </p:nvSpPr>
+        <p:spPr bwMode="auto">
+          <a:xfrm>
+            <a:off x="282231" y="786259"/>
+            <a:ext cx="8596312" cy="5281613"/>
+          </a:xfrm>
+          <a:prstGeom prst="rect">
+            <a:avLst/>
+          </a:prstGeom>
+          <a:noFill/>
+          <a:ln>
+            <a:noFill/>
+          </a:ln>
+          <a:extLst>
+            <a:ext uri="{909E8E84-426E-40dd-AFC4-6F175D3DCCD1}">
+              <a14:hiddenFill xmlns:a14="http://schemas.microsoft.com/office/drawing/2010/main">
+                <a:solidFill>
+                  <a:srgbClr val="FFFFFF"/>
+                </a:solidFill>
+              </a14:hiddenFill>
+            </a:ext>
+            <a:ext uri="{91240B29-F687-4f45-9708-019B960494DF}">
+              <a14:hiddenLine xmlns:a14="http://schemas.microsoft.com/office/drawing/2010/main" w="9525">
+                <a:solidFill>
+                  <a:srgbClr val="000000"/>
+                </a:solidFill>
+                <a:miter lim="800000"/>
+                <a:headEnd/>
+                <a:tailEnd/>
+              </a14:hiddenLine>
+            </a:ext>
+            <a:ext uri="{FAA26D3D-D897-4be2-8F04-BA451C77F1D7}">
+              <ma14:placeholderFlag xmlns:ma14="http://schemas.microsoft.com/office/mac/drawingml/2011/main" val="1"/>
+            </a:ext>
+          </a:extLst>
+        </p:spPr>
+        <p:txBody>
+          <a:bodyPr vert="horz" wrap="square" lIns="91425" tIns="91425" rIns="91425" bIns="91425" numCol="1" anchor="t" anchorCtr="0" compatLnSpc="1">
+            <a:prstTxWarp prst="textNoShape">
+              <a:avLst/>
+            </a:prstTxWarp>
+            <a:noAutofit/>
+          </a:bodyPr>
+          <a:lstStyle>
+            <a:lvl1pPr marL="227013" indent="-227013" algn="l" rtl="0" eaLnBrk="0" fontAlgn="base" hangingPunct="0">
+              <a:spcBef>
+                <a:spcPts val="1200"/>
+              </a:spcBef>
+              <a:spcAft>
+                <a:spcPct val="0"/>
+              </a:spcAft>
+              <a:buClr>
+                <a:schemeClr val="tx1">
+                  <a:lumMod val="95000"/>
+                  <a:lumOff val="5000"/>
+                </a:schemeClr>
+              </a:buClr>
+              <a:buChar char="•"/>
+              <a:tabLst/>
+              <a:defRPr sz="2000">
+                <a:solidFill>
+                  <a:schemeClr val="tx1">
+                    <a:lumMod val="95000"/>
+                    <a:lumOff val="5000"/>
+                  </a:schemeClr>
+                </a:solidFill>
+                <a:latin typeface="+mn-lt"/>
+                <a:ea typeface="ＭＳ Ｐゴシック" charset="-128"/>
+                <a:cs typeface="ＭＳ Ｐゴシック" charset="-128"/>
+              </a:defRPr>
+            </a:lvl1pPr>
+            <a:lvl2pPr marL="682625" indent="-225425" algn="l" rtl="0" eaLnBrk="0" fontAlgn="base" hangingPunct="0">
+              <a:spcBef>
+                <a:spcPct val="20000"/>
+              </a:spcBef>
+              <a:spcAft>
+                <a:spcPct val="0"/>
+              </a:spcAft>
+              <a:buClr>
+                <a:schemeClr val="tx1">
+                  <a:lumMod val="95000"/>
+                  <a:lumOff val="5000"/>
+                </a:schemeClr>
+              </a:buClr>
+              <a:buChar char="–"/>
+              <a:defRPr sz="1800">
+                <a:solidFill>
+                  <a:srgbClr val="5F5F5F"/>
+                </a:solidFill>
+                <a:latin typeface="+mn-lt"/>
+                <a:ea typeface="ＭＳ Ｐゴシック" charset="-128"/>
+              </a:defRPr>
+            </a:lvl2pPr>
+            <a:lvl3pPr marL="1090613" indent="-176213" algn="l" rtl="0" eaLnBrk="0" fontAlgn="base" hangingPunct="0">
+              <a:spcBef>
+                <a:spcPct val="20000"/>
+              </a:spcBef>
+              <a:spcAft>
+                <a:spcPct val="0"/>
+              </a:spcAft>
+              <a:buClr>
+                <a:schemeClr val="tx1">
+                  <a:lumMod val="95000"/>
+                  <a:lumOff val="5000"/>
+                </a:schemeClr>
+              </a:buClr>
+              <a:buChar char="•"/>
+              <a:defRPr sz="1800">
+                <a:solidFill>
+                  <a:srgbClr val="5F5F5F"/>
+                </a:solidFill>
+                <a:latin typeface="+mn-lt"/>
+                <a:ea typeface="ＭＳ Ｐゴシック" charset="-128"/>
+              </a:defRPr>
+            </a:lvl3pPr>
+            <a:lvl4pPr marL="1600200" indent="-228600" algn="l" rtl="0" eaLnBrk="0" fontAlgn="base" hangingPunct="0">
+              <a:spcBef>
+                <a:spcPct val="20000"/>
+              </a:spcBef>
+              <a:spcAft>
+                <a:spcPct val="0"/>
+              </a:spcAft>
+              <a:buClr>
+                <a:schemeClr val="tx1">
+                  <a:lumMod val="95000"/>
+                  <a:lumOff val="5000"/>
+                </a:schemeClr>
+              </a:buClr>
+              <a:buChar char="–"/>
+              <a:defRPr sz="1800">
+                <a:solidFill>
+                  <a:srgbClr val="5F5F5F"/>
+                </a:solidFill>
+                <a:latin typeface="+mn-lt"/>
+                <a:ea typeface="ＭＳ Ｐゴシック" charset="-128"/>
+              </a:defRPr>
+            </a:lvl4pPr>
+            <a:lvl5pPr marL="2000250" indent="-171450" algn="l" rtl="0" eaLnBrk="0" fontAlgn="base" hangingPunct="0">
+              <a:spcBef>
+                <a:spcPct val="20000"/>
+              </a:spcBef>
+              <a:spcAft>
+                <a:spcPct val="0"/>
+              </a:spcAft>
+              <a:buClr>
+                <a:schemeClr val="tx1">
+                  <a:lumMod val="95000"/>
+                  <a:lumOff val="5000"/>
+                </a:schemeClr>
+              </a:buClr>
+              <a:buChar char="»"/>
+              <a:defRPr sz="1800">
+                <a:solidFill>
+                  <a:srgbClr val="5F5F5F"/>
+                </a:solidFill>
+                <a:latin typeface="+mn-lt"/>
+                <a:ea typeface="ＭＳ Ｐゴシック" charset="-128"/>
+              </a:defRPr>
+            </a:lvl5pPr>
+            <a:lvl6pPr marL="2514600" indent="-228600" algn="l" rtl="0" fontAlgn="base">
+              <a:spcBef>
+                <a:spcPct val="20000"/>
+              </a:spcBef>
+              <a:spcAft>
+                <a:spcPct val="0"/>
+              </a:spcAft>
+              <a:buChar char="»"/>
+              <a:defRPr sz="1400">
+                <a:solidFill>
+                  <a:srgbClr val="5F5F5F"/>
+                </a:solidFill>
+                <a:latin typeface="+mn-lt"/>
+                <a:ea typeface="ＭＳ Ｐゴシック" charset="-128"/>
+              </a:defRPr>
+            </a:lvl6pPr>
+            <a:lvl7pPr marL="2971800" indent="-228600" algn="l" rtl="0" fontAlgn="base">
+              <a:spcBef>
+                <a:spcPct val="20000"/>
+              </a:spcBef>
+              <a:spcAft>
+                <a:spcPct val="0"/>
+              </a:spcAft>
+              <a:buChar char="»"/>
+              <a:defRPr sz="1400">
+                <a:solidFill>
+                  <a:srgbClr val="5F5F5F"/>
+                </a:solidFill>
+                <a:latin typeface="+mn-lt"/>
+                <a:ea typeface="ＭＳ Ｐゴシック" charset="-128"/>
+              </a:defRPr>
+            </a:lvl7pPr>
+            <a:lvl8pPr marL="3429000" indent="-228600" algn="l" rtl="0" fontAlgn="base">
+              <a:spcBef>
+                <a:spcPct val="20000"/>
+              </a:spcBef>
+              <a:spcAft>
+                <a:spcPct val="0"/>
+              </a:spcAft>
+              <a:buChar char="»"/>
+              <a:defRPr sz="1400">
+                <a:solidFill>
+                  <a:srgbClr val="5F5F5F"/>
+                </a:solidFill>
+                <a:latin typeface="+mn-lt"/>
+                <a:ea typeface="ＭＳ Ｐゴシック" charset="-128"/>
+              </a:defRPr>
+            </a:lvl8pPr>
+            <a:lvl9pPr marL="3886200" indent="-228600" algn="l" rtl="0" fontAlgn="base">
+              <a:spcBef>
+                <a:spcPct val="20000"/>
+              </a:spcBef>
+              <a:spcAft>
+                <a:spcPct val="0"/>
+              </a:spcAft>
+              <a:buChar char="»"/>
+              <a:defRPr sz="1400">
+                <a:solidFill>
+                  <a:srgbClr val="5F5F5F"/>
+                </a:solidFill>
+                <a:latin typeface="+mn-lt"/>
+                <a:ea typeface="ＭＳ Ｐゴシック" charset="-128"/>
+              </a:defRPr>
+            </a:lvl9pPr>
+          </a:lstStyle>
+          <a:p>
+            <a:pPr marL="344488" indent="-342900"/>
+            <a:r>
+              <a:rPr lang="en-US" dirty="0" smtClean="0"/>
+              <a:t>Interaction between Models:</a:t>
+            </a:r>
+          </a:p>
+          <a:p>
+            <a:pPr marL="800100" lvl="1" indent="-342900"/>
+            <a:r>
+              <a:rPr lang="en-US" dirty="0" smtClean="0"/>
+              <a:t>[</a:t>
+            </a:r>
+            <a:r>
+              <a:rPr lang="en-US" dirty="0"/>
+              <a:t>A*, W* ] and [P*, F*]</a:t>
+            </a:r>
+          </a:p>
+          <a:p>
+            <a:pPr marL="1208088" lvl="2" indent="-342900"/>
+            <a:r>
+              <a:rPr lang="en-US" dirty="0"/>
+              <a:t>Here A* is a conceptual model, and W* is an analytical model</a:t>
+            </a:r>
+          </a:p>
+          <a:p>
+            <a:pPr marL="1208088" lvl="2" indent="-342900"/>
+            <a:r>
+              <a:rPr lang="en-US" dirty="0" smtClean="0"/>
+              <a:t>A </a:t>
+            </a:r>
+            <a:r>
+              <a:rPr lang="en-US" dirty="0"/>
+              <a:t>specific instance of A*, is subject to a transformation </a:t>
+            </a:r>
+            <a:r>
+              <a:rPr lang="en-US" b="1" dirty="0">
+                <a:ln w="12700">
+                  <a:solidFill>
+                    <a:schemeClr val="tx2">
+                      <a:satMod val="155000"/>
+                    </a:schemeClr>
+                  </a:solidFill>
+                  <a:prstDash val="solid"/>
+                </a:ln>
+                <a:solidFill>
+                  <a:schemeClr val="bg2">
+                    <a:tint val="85000"/>
+                    <a:satMod val="155000"/>
+                  </a:schemeClr>
+                </a:solidFill>
+                <a:effectLst>
+                  <a:outerShdw blurRad="41275" dist="20320" dir="1800000" algn="tl" rotWithShape="0">
+                    <a:srgbClr val="000000">
+                      <a:alpha val="40000"/>
+                    </a:srgbClr>
+                  </a:outerShdw>
+                </a:effectLst>
+              </a:rPr>
+              <a:t>W</a:t>
+            </a:r>
+            <a:r>
+              <a:rPr lang="en-US" dirty="0"/>
+              <a:t> which converts into executable units </a:t>
+            </a:r>
+            <a:r>
+              <a:rPr lang="en-US" dirty="0" smtClean="0"/>
+              <a:t>(per W*) that </a:t>
+            </a:r>
+            <a:r>
+              <a:rPr lang="en-US" dirty="0"/>
+              <a:t>have performance requirements</a:t>
+            </a:r>
+          </a:p>
+          <a:p>
+            <a:pPr marL="1208088" lvl="2" indent="-342900"/>
+            <a:r>
+              <a:rPr lang="en-US" dirty="0" smtClean="0"/>
+              <a:t>Infrastructure modeled as I*, capability is exposed and federated per F*</a:t>
+            </a:r>
+          </a:p>
+          <a:p>
+            <a:pPr marL="1208088" lvl="2" indent="-342900"/>
+            <a:r>
+              <a:rPr lang="en-US" dirty="0" smtClean="0"/>
+              <a:t>I</a:t>
+            </a:r>
+            <a:r>
+              <a:rPr lang="en-US" dirty="0"/>
+              <a:t>* </a:t>
+            </a:r>
+            <a:r>
+              <a:rPr lang="en-US" dirty="0" smtClean="0"/>
+              <a:t>subject </a:t>
+            </a:r>
+            <a:r>
+              <a:rPr lang="en-US" dirty="0"/>
+              <a:t>to a transformation </a:t>
+            </a:r>
+            <a:r>
+              <a:rPr lang="en-US" b="1" dirty="0" smtClean="0">
+                <a:ln w="12700">
+                  <a:solidFill>
+                    <a:schemeClr val="tx2">
+                      <a:satMod val="155000"/>
+                    </a:schemeClr>
+                  </a:solidFill>
+                  <a:prstDash val="solid"/>
+                </a:ln>
+                <a:solidFill>
+                  <a:schemeClr val="bg2">
+                    <a:tint val="85000"/>
+                    <a:satMod val="155000"/>
+                  </a:schemeClr>
+                </a:solidFill>
+                <a:effectLst>
+                  <a:outerShdw blurRad="41275" dist="20320" dir="1800000" algn="tl" rotWithShape="0">
+                    <a:srgbClr val="000000">
+                      <a:alpha val="40000"/>
+                    </a:srgbClr>
+                  </a:outerShdw>
+                </a:effectLst>
+              </a:rPr>
+              <a:t>F </a:t>
+            </a:r>
+            <a:r>
+              <a:rPr lang="en-US" dirty="0" smtClean="0"/>
+              <a:t>(</a:t>
+            </a:r>
+            <a:r>
+              <a:rPr lang="en-US" dirty="0"/>
+              <a:t>aggregation of resources per F*</a:t>
+            </a:r>
+            <a:r>
+              <a:rPr lang="en-US" dirty="0" smtClean="0"/>
+              <a:t>) to provide a federated capability</a:t>
+            </a:r>
+            <a:endParaRPr lang="en-US" dirty="0"/>
+          </a:p>
+          <a:p>
+            <a:pPr marL="344488" indent="-342900"/>
+            <a:r>
+              <a:rPr lang="en-US" sz="2000" dirty="0" smtClean="0"/>
+              <a:t>Role of Simulation</a:t>
+            </a:r>
+          </a:p>
+          <a:p>
+            <a:pPr marL="800100" lvl="1" indent="-342900"/>
+            <a:r>
+              <a:rPr lang="en-US" sz="1800" dirty="0" smtClean="0"/>
+              <a:t>If we federate a given set of </a:t>
+            </a:r>
+            <a:r>
+              <a:rPr lang="en-US" sz="1800" dirty="0" smtClean="0"/>
+              <a:t>infrastructure {</a:t>
+            </a:r>
+            <a:r>
+              <a:rPr lang="en-US" sz="1800" dirty="0" smtClean="0"/>
+              <a:t>I} what is the performance we expect?</a:t>
+            </a:r>
+          </a:p>
+          <a:p>
+            <a:pPr marL="800100" lvl="1" indent="-342900"/>
+            <a:r>
+              <a:rPr lang="en-US" dirty="0" smtClean="0"/>
+              <a:t>If we want a capability [C], what is the set </a:t>
+            </a:r>
+            <a:r>
+              <a:rPr lang="en-US" dirty="0" smtClean="0"/>
+              <a:t>of infrastructure {</a:t>
+            </a:r>
+            <a:r>
+              <a:rPr lang="en-US" dirty="0" smtClean="0"/>
+              <a:t>I} we need to federate to get  this [C] with well-defined probability distribution?</a:t>
+            </a:r>
+          </a:p>
+          <a:p>
+            <a:pPr marL="800100" lvl="1" indent="-342900"/>
+            <a:r>
+              <a:rPr lang="en-US" sz="1800" dirty="0" smtClean="0"/>
+              <a:t>Given an instance of an application (model), what is the workload  independent of the underlying resources?</a:t>
+            </a:r>
+          </a:p>
+        </p:txBody>
+      </p:sp>
+    </p:spTree>
+    <p:extLst>
+      <p:ext uri="{BB962C8B-B14F-4D97-AF65-F5344CB8AC3E}">
+        <p14:creationId xmlns:p14="http://schemas.microsoft.com/office/powerpoint/2010/main" val="1704466999"/>
+      </p:ext>
+    </p:extLst>
+  </p:cSld>
+  <p:clrMapOvr>
+    <a:masterClrMapping/>
+  </p:clrMapOvr>
+  <p:timing>
+    <p:tnLst>
+      <p:par>
+        <p:cTn xmlns:p14="http://schemas.microsoft.com/office/powerpoint/2010/main" id="1" dur="indefinite" restart="never" nodeType="tmRoot"/>
+      </p:par>
+    </p:tnLst>
+  </p:timing>
+</p:sld>
+</file>
+
+<file path=ppt/slides/slide22.xml><?xml version="1.0" encoding="utf-8"?>
+<p:sld xmlns:a="http://schemas.openxmlformats.org/drawingml/2006/main" xmlns:r="http://schemas.openxmlformats.org/officeDocument/2006/relationships" xmlns:p="http://schemas.openxmlformats.org/presentationml/2006/main">
+  <p:cSld>
+    <p:spTree>
+      <p:nvGrpSpPr>
+        <p:cNvPr id="1" name=""/>
+        <p:cNvGrpSpPr/>
+        <p:nvPr/>
+      </p:nvGrpSpPr>
+      <p:grpSpPr>
+        <a:xfrm>
+          <a:off x="0" y="0"/>
+          <a:ext cx="0" cy="0"/>
+          <a:chOff x="0" y="0"/>
+          <a:chExt cx="0" cy="0"/>
+        </a:xfrm>
+      </p:grpSpPr>
+      <p:sp>
+        <p:nvSpPr>
+          <p:cNvPr id="58369" name="Title 1"/>
+          <p:cNvSpPr>
+            <a:spLocks noGrp="1"/>
+          </p:cNvSpPr>
+          <p:nvPr>
+            <p:ph type="title"/>
+          </p:nvPr>
+        </p:nvSpPr>
+        <p:spPr/>
+        <p:txBody>
+          <a:bodyPr/>
+          <a:lstStyle/>
+          <a:p>
+            <a:r>
+              <a:rPr lang="en-US" dirty="0" smtClean="0">
+                <a:latin typeface="Arial" charset="0"/>
+                <a:ea typeface="ＭＳ Ｐゴシック" charset="0"/>
+                <a:cs typeface="ＭＳ Ｐゴシック" charset="0"/>
+              </a:rPr>
+              <a:t>Mapping Tasks to Resources</a:t>
+            </a:r>
+            <a:endParaRPr lang="en-US" dirty="0">
+              <a:latin typeface="Arial" charset="0"/>
+              <a:ea typeface="ＭＳ Ｐゴシック" charset="0"/>
+              <a:cs typeface="ＭＳ Ｐゴシック" charset="0"/>
+            </a:endParaRPr>
+          </a:p>
+        </p:txBody>
+      </p:sp>
+      <p:sp>
+        <p:nvSpPr>
+          <p:cNvPr id="58370" name="Content Placeholder 2"/>
+          <p:cNvSpPr>
+            <a:spLocks noGrp="1"/>
+          </p:cNvSpPr>
+          <p:nvPr>
+            <p:ph idx="1"/>
+          </p:nvPr>
+        </p:nvSpPr>
+        <p:spPr/>
+        <p:txBody>
+          <a:bodyPr/>
+          <a:lstStyle/>
+          <a:p>
+            <a:r>
+              <a:rPr lang="en-US" dirty="0">
+                <a:latin typeface="Arial" charset="0"/>
+                <a:ea typeface="ＭＳ Ｐゴシック" charset="0"/>
+                <a:cs typeface="ＭＳ Ｐゴシック" charset="0"/>
+              </a:rPr>
+              <a:t>Different aspects of mapping tasks to resources</a:t>
+            </a:r>
+          </a:p>
+          <a:p>
+            <a:pPr lvl="1"/>
+            <a:r>
+              <a:rPr lang="en-US" dirty="0" smtClean="0">
+                <a:latin typeface="Arial" charset="0"/>
+                <a:ea typeface="ＭＳ Ｐゴシック" charset="0"/>
+              </a:rPr>
+              <a:t>Optimal </a:t>
+            </a:r>
+            <a:r>
+              <a:rPr lang="en-US" dirty="0">
+                <a:latin typeface="Arial" charset="0"/>
+                <a:ea typeface="ＭＳ Ｐゴシック" charset="0"/>
+              </a:rPr>
+              <a:t>Characterization: Finding the optimal workload </a:t>
+            </a:r>
+            <a:r>
+              <a:rPr lang="en-US" dirty="0" smtClean="0">
+                <a:latin typeface="Arial" charset="0"/>
+                <a:ea typeface="ＭＳ Ｐゴシック" charset="0"/>
+              </a:rPr>
+              <a:t>characterization </a:t>
+            </a:r>
+            <a:r>
+              <a:rPr lang="en-US" dirty="0">
+                <a:latin typeface="Arial" charset="0"/>
+                <a:ea typeface="ＭＳ Ｐゴシック" charset="0"/>
+              </a:rPr>
+              <a:t>(of an application)</a:t>
+            </a:r>
+          </a:p>
+          <a:p>
+            <a:pPr lvl="2"/>
+            <a:r>
+              <a:rPr lang="en-US" dirty="0">
+                <a:latin typeface="Arial" charset="0"/>
+                <a:ea typeface="ＭＳ Ｐゴシック" charset="0"/>
+              </a:rPr>
+              <a:t>Generality versus specificity. Class of Applications versus Many application classes/types</a:t>
+            </a:r>
+          </a:p>
+          <a:p>
+            <a:pPr lvl="2"/>
+            <a:r>
+              <a:rPr lang="en-US" dirty="0">
+                <a:latin typeface="Arial" charset="0"/>
+                <a:ea typeface="ＭＳ Ｐゴシック" charset="0"/>
+              </a:rPr>
+              <a:t>Different applications have different </a:t>
+            </a:r>
+            <a:r>
+              <a:rPr lang="en-US" dirty="0" smtClean="0">
+                <a:latin typeface="Arial" charset="0"/>
+                <a:ea typeface="ＭＳ Ｐゴシック" charset="0"/>
+              </a:rPr>
+              <a:t>metrics</a:t>
+            </a:r>
+          </a:p>
+          <a:p>
+            <a:pPr lvl="2"/>
+            <a:endParaRPr lang="en-US" dirty="0">
+              <a:latin typeface="Arial" charset="0"/>
+              <a:ea typeface="ＭＳ Ｐゴシック" charset="0"/>
+            </a:endParaRPr>
+          </a:p>
+          <a:p>
+            <a:pPr lvl="1"/>
+            <a:r>
+              <a:rPr lang="en-US" dirty="0" smtClean="0">
+                <a:latin typeface="Arial" charset="0"/>
+                <a:ea typeface="ＭＳ Ｐゴシック" charset="0"/>
+              </a:rPr>
+              <a:t>Optimal </a:t>
+            </a:r>
+            <a:r>
+              <a:rPr lang="en-US" dirty="0">
+                <a:latin typeface="Arial" charset="0"/>
+                <a:ea typeface="ＭＳ Ｐゴシック" charset="0"/>
+              </a:rPr>
+              <a:t>Federation: Finding the optimal </a:t>
+            </a:r>
+            <a:r>
+              <a:rPr lang="en-US" dirty="0" smtClean="0">
+                <a:latin typeface="Arial" charset="0"/>
+                <a:ea typeface="ＭＳ Ｐゴシック" charset="0"/>
+              </a:rPr>
+              <a:t>infrastructure </a:t>
+            </a:r>
+            <a:r>
+              <a:rPr lang="en-US" dirty="0">
+                <a:latin typeface="Arial" charset="0"/>
+                <a:ea typeface="ＭＳ Ｐゴシック" charset="0"/>
+              </a:rPr>
+              <a:t>configurations for a given workload </a:t>
+            </a:r>
+          </a:p>
+          <a:p>
+            <a:pPr lvl="2"/>
+            <a:r>
+              <a:rPr lang="en-US" dirty="0">
+                <a:latin typeface="Arial" charset="0"/>
+                <a:ea typeface="ＭＳ Ｐゴシック" charset="0"/>
+              </a:rPr>
+              <a:t>Irrespective of whether it is best representation of an application</a:t>
+            </a:r>
+          </a:p>
+          <a:p>
+            <a:pPr lvl="2"/>
+            <a:r>
+              <a:rPr lang="en-US" dirty="0">
+                <a:latin typeface="Arial" charset="0"/>
+                <a:ea typeface="ＭＳ Ｐゴシック" charset="0"/>
+              </a:rPr>
+              <a:t>Resources availability at extreme scale is </a:t>
+            </a:r>
+            <a:r>
+              <a:rPr lang="en-US" dirty="0" smtClean="0">
+                <a:latin typeface="Arial" charset="0"/>
+                <a:ea typeface="ＭＳ Ｐゴシック" charset="0"/>
+              </a:rPr>
+              <a:t>variable</a:t>
+            </a:r>
+          </a:p>
+          <a:p>
+            <a:pPr lvl="2"/>
+            <a:endParaRPr lang="en-US" dirty="0">
+              <a:latin typeface="Arial" charset="0"/>
+              <a:ea typeface="ＭＳ Ｐゴシック" charset="0"/>
+            </a:endParaRPr>
+          </a:p>
+          <a:p>
+            <a:pPr lvl="1"/>
+            <a:r>
+              <a:rPr lang="en-US" dirty="0" smtClean="0">
+                <a:latin typeface="Arial" charset="0"/>
+                <a:ea typeface="ＭＳ Ｐゴシック" charset="0"/>
+              </a:rPr>
+              <a:t>Optimal </a:t>
+            </a:r>
+            <a:r>
+              <a:rPr lang="en-US" dirty="0">
+                <a:latin typeface="Arial" charset="0"/>
+                <a:ea typeface="ＭＳ Ｐゴシック" charset="0"/>
+              </a:rPr>
+              <a:t>Mapping: Workload to Resource Mapping</a:t>
+            </a:r>
+          </a:p>
+          <a:p>
+            <a:pPr lvl="2"/>
+            <a:r>
+              <a:rPr lang="en-US" dirty="0">
+                <a:latin typeface="Arial" charset="0"/>
+                <a:ea typeface="ＭＳ Ｐゴシック" charset="0"/>
+              </a:rPr>
+              <a:t>Static versus Dynamic </a:t>
+            </a:r>
+            <a:r>
+              <a:rPr lang="en-US" dirty="0" smtClean="0">
+                <a:latin typeface="Arial" charset="0"/>
+                <a:ea typeface="ＭＳ Ｐゴシック" charset="0"/>
+              </a:rPr>
+              <a:t>Mapping</a:t>
+            </a:r>
+            <a:endParaRPr lang="en-US" dirty="0">
+              <a:latin typeface="Arial" charset="0"/>
+              <a:ea typeface="ＭＳ Ｐゴシック" charset="0"/>
+            </a:endParaRPr>
+          </a:p>
+        </p:txBody>
+      </p:sp>
+    </p:spTree>
+    <p:extLst>
+      <p:ext uri="{BB962C8B-B14F-4D97-AF65-F5344CB8AC3E}">
+        <p14:creationId xmlns:p14="http://schemas.microsoft.com/office/powerpoint/2010/main" val="1666342825"/>
+      </p:ext>
+    </p:extLst>
+  </p:cSld>
+  <p:clrMapOvr>
+    <a:masterClrMapping/>
+  </p:clrMapOvr>
+</p:sld>
+</file>
+
+<file path=ppt/slides/slide23.xml><?xml version="1.0" encoding="utf-8"?>
+<p:sld xmlns:a="http://schemas.openxmlformats.org/drawingml/2006/main" xmlns:r="http://schemas.openxmlformats.org/officeDocument/2006/relationships" xmlns:p="http://schemas.openxmlformats.org/presentationml/2006/main">
+  <p:cSld>
+    <p:spTree>
+      <p:nvGrpSpPr>
+        <p:cNvPr id="1" name=""/>
+        <p:cNvGrpSpPr/>
+        <p:nvPr/>
+      </p:nvGrpSpPr>
+      <p:grpSpPr>
+        <a:xfrm>
+          <a:off x="0" y="0"/>
+          <a:ext cx="0" cy="0"/>
+          <a:chOff x="0" y="0"/>
+          <a:chExt cx="0" cy="0"/>
+        </a:xfrm>
+      </p:grpSpPr>
+      <p:sp>
+        <p:nvSpPr>
+          <p:cNvPr id="2" name="Title 1"/>
+          <p:cNvSpPr>
+            <a:spLocks noGrp="1"/>
+          </p:cNvSpPr>
+          <p:nvPr>
+            <p:ph type="title"/>
+          </p:nvPr>
+        </p:nvSpPr>
+        <p:spPr/>
+        <p:txBody>
+          <a:bodyPr/>
+          <a:lstStyle/>
+          <a:p>
+            <a:r>
+              <a:rPr lang="en-US" dirty="0" smtClean="0"/>
               <a:t>Organizer’s Questions</a:t>
             </a:r>
             <a:endParaRPr lang="en-US" dirty="0"/>
@@ -7084,7 +8662,7 @@
 </p:sld>
 </file>
 
-<file path=ppt/slides/slide22.xml><?xml version="1.0" encoding="utf-8"?>
+<file path=ppt/slides/slide24.xml><?xml version="1.0" encoding="utf-8"?>
 <p:sld xmlns:a="http://schemas.openxmlformats.org/drawingml/2006/main" xmlns:r="http://schemas.openxmlformats.org/officeDocument/2006/relationships" xmlns:p="http://schemas.openxmlformats.org/presentationml/2006/main">
   <p:cSld>
     <p:spTree>
@@ -7348,7 +8926,7 @@
 </p:sld>
 </file>
 
-<file path=ppt/slides/slide23.xml><?xml version="1.0" encoding="utf-8"?>
+<file path=ppt/slides/slide25.xml><?xml version="1.0" encoding="utf-8"?>
 <p:sld xmlns:a="http://schemas.openxmlformats.org/drawingml/2006/main" xmlns:r="http://schemas.openxmlformats.org/officeDocument/2006/relationships" xmlns:p="http://schemas.openxmlformats.org/presentationml/2006/main">
   <p:cSld>
     <p:spTree>
@@ -7433,8 +9011,21 @@
             </a:r>
             <a:r>
               <a:rPr lang="en-US" dirty="0" smtClean="0"/>
-              <a:t> (ATLAS/PANDA)</a:t>
-            </a:r>
+              <a:t> (ATLAS/PANDA</a:t>
+            </a:r>
+            <a:r>
+              <a:rPr lang="en-US" dirty="0" smtClean="0"/>
+              <a:t>)</a:t>
+            </a:r>
+          </a:p>
+          <a:p>
+            <a:r>
+              <a:rPr lang="en-US" dirty="0"/>
+              <a:t>AIMES: Integrated Middleware Framework for Extreme Collaborative Science, Office of Advanced Scientific Computing and Research, Department of Energy ER26115/DE- SC0008591</a:t>
+            </a:r>
+          </a:p>
+          <a:p>
+            <a:endParaRPr lang="en-US" dirty="0" smtClean="0"/>
           </a:p>
         </p:txBody>
       </p:sp>
@@ -7451,8 +9042,8 @@
 </p:sld>
 </file>
 
-<file path=ppt/slides/slide24.xml><?xml version="1.0" encoding="utf-8"?>
-<p:sld xmlns:a="http://schemas.openxmlformats.org/drawingml/2006/main" xmlns:r="http://schemas.openxmlformats.org/officeDocument/2006/relationships" xmlns:p="http://schemas.openxmlformats.org/presentationml/2006/main">
+<file path=ppt/slides/slide26.xml><?xml version="1.0" encoding="utf-8"?>
+<p:sld xmlns:a="http://schemas.openxmlformats.org/drawingml/2006/main" xmlns:r="http://schemas.openxmlformats.org/officeDocument/2006/relationships" xmlns:p="http://schemas.openxmlformats.org/presentationml/2006/main" show="0">
   <p:cSld>
     <p:spTree>
       <p:nvGrpSpPr>
@@ -7520,6 +9111,273 @@
     <p:extLst>
       <p:ext uri="{BB962C8B-B14F-4D97-AF65-F5344CB8AC3E}">
         <p14:creationId xmlns:p14="http://schemas.microsoft.com/office/powerpoint/2010/main" val="957286402"/>
+      </p:ext>
+    </p:extLst>
+  </p:cSld>
+  <p:clrMapOvr>
+    <a:masterClrMapping/>
+  </p:clrMapOvr>
+  <mc:AlternateContent xmlns:mc="http://schemas.openxmlformats.org/markup-compatibility/2006">
+    <mc:Choice xmlns:p14="http://schemas.microsoft.com/office/powerpoint/2010/main" Requires="p14">
+      <p:transition spd="slow" p14:dur="2000"/>
+    </mc:Choice>
+    <mc:Fallback>
+      <p:transition xmlns:p14="http://schemas.microsoft.com/office/powerpoint/2010/main" spd="slow"/>
+    </mc:Fallback>
+  </mc:AlternateContent>
+</p:sld>
+</file>
+
+<file path=ppt/slides/slide27.xml><?xml version="1.0" encoding="utf-8"?>
+<p:sld xmlns:a="http://schemas.openxmlformats.org/drawingml/2006/main" xmlns:r="http://schemas.openxmlformats.org/officeDocument/2006/relationships" xmlns:p="http://schemas.openxmlformats.org/presentationml/2006/main" show="0">
+  <p:cSld>
+    <p:spTree>
+      <p:nvGrpSpPr>
+        <p:cNvPr id="1" name=""/>
+        <p:cNvGrpSpPr/>
+        <p:nvPr/>
+      </p:nvGrpSpPr>
+      <p:grpSpPr>
+        <a:xfrm>
+          <a:off x="0" y="0"/>
+          <a:ext cx="0" cy="0"/>
+          <a:chOff x="0" y="0"/>
+          <a:chExt cx="0" cy="0"/>
+        </a:xfrm>
+      </p:grpSpPr>
+      <p:sp>
+        <p:nvSpPr>
+          <p:cNvPr id="2" name="Title 1"/>
+          <p:cNvSpPr>
+            <a:spLocks noGrp="1"/>
+          </p:cNvSpPr>
+          <p:nvPr>
+            <p:ph type="title"/>
+          </p:nvPr>
+        </p:nvSpPr>
+        <p:spPr/>
+        <p:txBody>
+          <a:bodyPr/>
+          <a:lstStyle/>
+          <a:p>
+            <a:r>
+              <a:rPr lang="en-US" dirty="0" smtClean="0"/>
+              <a:t>P* </a:t>
+            </a:r>
+            <a:endParaRPr lang="en-US" dirty="0"/>
+          </a:p>
+        </p:txBody>
+      </p:sp>
+      <p:sp>
+        <p:nvSpPr>
+          <p:cNvPr id="4" name="Content Placeholder 3"/>
+          <p:cNvSpPr>
+            <a:spLocks noGrp="1"/>
+          </p:cNvSpPr>
+          <p:nvPr>
+            <p:ph idx="1"/>
+          </p:nvPr>
+        </p:nvSpPr>
+        <p:spPr/>
+        <p:txBody>
+          <a:bodyPr/>
+          <a:lstStyle/>
+          <a:p>
+            <a:r>
+              <a:rPr lang="en-US" dirty="0" smtClean="0"/>
+              <a:t>Pilot-Jobs provide an abstraction for dynamic resource management. Currently abstraction is job based, but can be extended to include network and storage as other resource elements</a:t>
+            </a:r>
+          </a:p>
+          <a:p>
+            <a:r>
+              <a:rPr lang="en-US" dirty="0" smtClean="0"/>
+              <a:t>P</a:t>
+            </a:r>
+            <a:r>
+              <a:rPr lang="en-US" dirty="0"/>
+              <a:t>* is a conceptual model for </a:t>
+            </a:r>
+            <a:r>
+              <a:rPr lang="en-US" dirty="0" smtClean="0"/>
+              <a:t>Pilot-based resource</a:t>
+            </a:r>
+            <a:endParaRPr lang="en-US" dirty="0"/>
+          </a:p>
+        </p:txBody>
+      </p:sp>
+    </p:spTree>
+    <p:extLst>
+      <p:ext uri="{BB962C8B-B14F-4D97-AF65-F5344CB8AC3E}">
+        <p14:creationId xmlns:p14="http://schemas.microsoft.com/office/powerpoint/2010/main" val="1240035077"/>
+      </p:ext>
+    </p:extLst>
+  </p:cSld>
+  <p:clrMapOvr>
+    <a:masterClrMapping/>
+  </p:clrMapOvr>
+  <mc:AlternateContent xmlns:mc="http://schemas.openxmlformats.org/markup-compatibility/2006">
+    <mc:Choice xmlns:p14="http://schemas.microsoft.com/office/powerpoint/2010/main" Requires="p14">
+      <p:transition spd="slow" p14:dur="2000"/>
+    </mc:Choice>
+    <mc:Fallback>
+      <p:transition xmlns:p14="http://schemas.microsoft.com/office/powerpoint/2010/main" spd="slow"/>
+    </mc:Fallback>
+  </mc:AlternateContent>
+</p:sld>
+</file>
+
+<file path=ppt/slides/slide28.xml><?xml version="1.0" encoding="utf-8"?>
+<p:sld xmlns:a="http://schemas.openxmlformats.org/drawingml/2006/main" xmlns:r="http://schemas.openxmlformats.org/officeDocument/2006/relationships" xmlns:p="http://schemas.openxmlformats.org/presentationml/2006/main">
+  <p:cSld>
+    <p:spTree>
+      <p:nvGrpSpPr>
+        <p:cNvPr id="1" name=""/>
+        <p:cNvGrpSpPr/>
+        <p:nvPr/>
+      </p:nvGrpSpPr>
+      <p:grpSpPr>
+        <a:xfrm>
+          <a:off x="0" y="0"/>
+          <a:ext cx="0" cy="0"/>
+          <a:chOff x="0" y="0"/>
+          <a:chExt cx="0" cy="0"/>
+        </a:xfrm>
+      </p:grpSpPr>
+      <p:sp>
+        <p:nvSpPr>
+          <p:cNvPr id="2" name="Title 1"/>
+          <p:cNvSpPr>
+            <a:spLocks noGrp="1"/>
+          </p:cNvSpPr>
+          <p:nvPr>
+            <p:ph type="title"/>
+          </p:nvPr>
+        </p:nvSpPr>
+        <p:spPr/>
+        <p:txBody>
+          <a:bodyPr/>
+          <a:lstStyle/>
+          <a:p>
+            <a:r>
+              <a:rPr lang="en-US" dirty="0" smtClean="0"/>
+              <a:t>*.* : Putting it together</a:t>
+            </a:r>
+            <a:endParaRPr lang="en-US" dirty="0"/>
+          </a:p>
+        </p:txBody>
+      </p:sp>
+      <p:pic>
+        <p:nvPicPr>
+          <p:cNvPr id="4" name="Content Placeholder 3" descr="ngmw-schematic-3.png"/>
+          <p:cNvPicPr>
+            <a:picLocks noGrp="1" noChangeAspect="1"/>
+          </p:cNvPicPr>
+          <p:nvPr>
+            <p:ph sz="half" idx="1"/>
+          </p:nvPr>
+        </p:nvPicPr>
+        <p:blipFill>
+          <a:blip r:embed="rId3">
+            <a:extLst>
+              <a:ext uri="{28A0092B-C50C-407E-A947-70E740481C1C}">
+                <a14:useLocalDpi xmlns:a14="http://schemas.microsoft.com/office/drawing/2010/main" val="0"/>
+              </a:ext>
+            </a:extLst>
+          </a:blip>
+          <a:srcRect t="4" b="4"/>
+          <a:stretch>
+            <a:fillRect/>
+          </a:stretch>
+        </p:blipFill>
+        <p:spPr>
+          <a:xfrm>
+            <a:off x="4840808" y="1203158"/>
+            <a:ext cx="4038600" cy="4533900"/>
+          </a:xfrm>
+        </p:spPr>
+      </p:pic>
+      <p:sp>
+        <p:nvSpPr>
+          <p:cNvPr id="3" name="Content Placeholder 2"/>
+          <p:cNvSpPr>
+            <a:spLocks noGrp="1"/>
+          </p:cNvSpPr>
+          <p:nvPr>
+            <p:ph sz="half" idx="2"/>
+          </p:nvPr>
+        </p:nvSpPr>
+        <p:spPr>
+          <a:xfrm>
+            <a:off x="282231" y="1176421"/>
+            <a:ext cx="4279074" cy="4533900"/>
+          </a:xfrm>
+        </p:spPr>
+        <p:txBody>
+          <a:bodyPr/>
+          <a:lstStyle/>
+          <a:p>
+            <a:r>
+              <a:rPr lang="en-US" sz="2000" dirty="0" smtClean="0"/>
+              <a:t>P*: Decouples dynamic resource management from job and task management</a:t>
+            </a:r>
+          </a:p>
+          <a:p>
+            <a:r>
+              <a:rPr lang="en-US" sz="2000" dirty="0" smtClean="0"/>
+              <a:t>F*: Resource aggregation and provisioning decoupled from job and resource management</a:t>
+            </a:r>
+          </a:p>
+          <a:p>
+            <a:pPr lvl="1"/>
+            <a:r>
+              <a:rPr lang="en-US" sz="1800" dirty="0" smtClean="0"/>
+              <a:t>Furthers the separation of concerns</a:t>
+            </a:r>
+          </a:p>
+          <a:p>
+            <a:r>
+              <a:rPr lang="en-US" sz="2000" dirty="0" smtClean="0"/>
+              <a:t>C* provides, F</a:t>
+            </a:r>
+            <a:r>
+              <a:rPr lang="en-US" sz="2000" dirty="0"/>
+              <a:t>* </a:t>
+            </a:r>
+            <a:r>
+              <a:rPr lang="en-US" sz="2000" dirty="0" smtClean="0"/>
+              <a:t>decides</a:t>
+            </a:r>
+            <a:r>
+              <a:rPr lang="en-US" sz="2000" dirty="0"/>
+              <a:t>, P* </a:t>
+            </a:r>
+            <a:r>
+              <a:rPr lang="en-US" sz="2000" dirty="0" smtClean="0"/>
+              <a:t>executes</a:t>
+            </a:r>
+          </a:p>
+          <a:p>
+            <a:r>
+              <a:rPr lang="en-US" sz="2000" dirty="0" smtClean="0"/>
+              <a:t>Federate at the capability level</a:t>
+            </a:r>
+          </a:p>
+          <a:p>
+            <a:r>
+              <a:rPr lang="en-US" sz="2000" dirty="0" smtClean="0"/>
+              <a:t>P* creates the overlay at the resource level</a:t>
+            </a:r>
+            <a:endParaRPr lang="en-US" sz="2000" dirty="0"/>
+          </a:p>
+          <a:p>
+            <a:endParaRPr lang="en-US" sz="2000" dirty="0"/>
+          </a:p>
+        </p:txBody>
+      </p:sp>
+    </p:spTree>
+    <p:extLst>
+      <p:ext uri="{BB962C8B-B14F-4D97-AF65-F5344CB8AC3E}">
+        <p14:creationId xmlns:p14="http://schemas.microsoft.com/office/powerpoint/2010/main" val="1576754480"/>
       </p:ext>
     </p:extLst>
   </p:cSld>
@@ -7594,8 +9452,55 @@
           <a:p>
             <a:r>
               <a:rPr lang="en-US" dirty="0" smtClean="0"/>
-              <a:t>Support new science and new usage modes</a:t>
-            </a:r>
+              <a:t>Support new science and new usage </a:t>
+            </a:r>
+            <a:r>
+              <a:rPr lang="en-US" dirty="0" smtClean="0"/>
+              <a:t>modes</a:t>
+            </a:r>
+          </a:p>
+          <a:p>
+            <a:pPr lvl="1"/>
+            <a:r>
+              <a:rPr lang="en-US" sz="2000" dirty="0"/>
+              <a:t>Different modes of </a:t>
+            </a:r>
+            <a:r>
+              <a:rPr lang="en-US" sz="2000" dirty="0" err="1"/>
+              <a:t>exascale</a:t>
+            </a:r>
+            <a:r>
+              <a:rPr lang="en-US" sz="2000" dirty="0"/>
+              <a:t> computing</a:t>
+            </a:r>
+          </a:p>
+          <a:p>
+            <a:pPr lvl="2"/>
+            <a:r>
+              <a:rPr lang="en-US" sz="2000" dirty="0" smtClean="0"/>
+              <a:t>E.g. Coupling </a:t>
+            </a:r>
+            <a:r>
+              <a:rPr lang="en-US" sz="2000" dirty="0" err="1"/>
+              <a:t>exaflops</a:t>
+            </a:r>
+            <a:r>
+              <a:rPr lang="en-US" sz="2000" dirty="0"/>
+              <a:t> of computing with </a:t>
+            </a:r>
+            <a:r>
+              <a:rPr lang="en-US" sz="2000" dirty="0" err="1"/>
+              <a:t>exabytes</a:t>
+            </a:r>
+            <a:r>
+              <a:rPr lang="en-US" sz="2000" dirty="0"/>
+              <a:t> of </a:t>
+            </a:r>
+            <a:r>
+              <a:rPr lang="en-US" sz="2000" dirty="0" smtClean="0"/>
+              <a:t>data</a:t>
+            </a:r>
+            <a:endParaRPr lang="en-US" dirty="0" smtClean="0"/>
           </a:p>
           <a:p>
             <a:pPr lvl="1"/>
@@ -7615,48 +9520,6 @@
               <a:t>Complex, multi-component, distributed data and workflow based</a:t>
             </a:r>
             <a:endParaRPr lang="en-US" sz="2000" dirty="0"/>
-          </a:p>
-          <a:p>
-            <a:pPr lvl="1"/>
-            <a:r>
-              <a:rPr lang="en-US" sz="2000" dirty="0" smtClean="0"/>
-              <a:t>Different </a:t>
-            </a:r>
-            <a:r>
-              <a:rPr lang="en-US" sz="2000" dirty="0"/>
-              <a:t>modes of </a:t>
-            </a:r>
-            <a:r>
-              <a:rPr lang="en-US" sz="2000" dirty="0" err="1"/>
-              <a:t>exascale</a:t>
-            </a:r>
-            <a:r>
-              <a:rPr lang="en-US" sz="2000" dirty="0"/>
-              <a:t> computing</a:t>
-            </a:r>
-          </a:p>
-          <a:p>
-            <a:pPr lvl="2"/>
-            <a:r>
-              <a:rPr lang="en-US" sz="2000" dirty="0"/>
-              <a:t>Coupling </a:t>
-            </a:r>
-            <a:r>
-              <a:rPr lang="en-US" sz="2000" dirty="0" err="1"/>
-              <a:t>exaflops</a:t>
-            </a:r>
-            <a:r>
-              <a:rPr lang="en-US" sz="2000" dirty="0"/>
-              <a:t> of computing with </a:t>
-            </a:r>
-            <a:r>
-              <a:rPr lang="en-US" sz="2000" dirty="0" err="1"/>
-              <a:t>exabytes</a:t>
-            </a:r>
-            <a:r>
-              <a:rPr lang="en-US" sz="2000" dirty="0"/>
-              <a:t> of data</a:t>
-            </a:r>
           </a:p>
           <a:p>
             <a:pPr marL="457200" lvl="1" indent="0">
@@ -8298,7 +10161,15 @@
             </a:r>
             <a:r>
               <a:rPr lang="en-US" sz="2000" dirty="0" smtClean="0"/>
-              <a:t>analysis (ATLAS, HEP)</a:t>
+              <a:t>analysis </a:t>
+            </a:r>
+            <a:r>
+              <a:rPr lang="en-US" sz="2000" dirty="0" smtClean="0"/>
+              <a:t>(</a:t>
+            </a:r>
+            <a:r>
+              <a:rPr lang="en-US" sz="2000" dirty="0" smtClean="0"/>
+              <a:t>ATLAS, HEP)</a:t>
             </a:r>
           </a:p>
           <a:p>
@@ -8993,13 +10864,34 @@
               </a:buClr>
               <a:buSzPct val="100000"/>
             </a:pPr>
+            <a:endParaRPr lang="en-US" dirty="0" smtClean="0">
+              <a:solidFill>
+                <a:srgbClr val="000000"/>
+              </a:solidFill>
+            </a:endParaRPr>
+          </a:p>
+          <a:p>
+            <a:pPr marL="344488" indent="-342900">
+              <a:buClr>
+                <a:srgbClr val="000000"/>
+              </a:buClr>
+              <a:buSzPct val="100000"/>
+            </a:pPr>
             <a:r>
               <a:rPr lang="en-US" dirty="0" smtClean="0">
                 <a:solidFill>
                   <a:srgbClr val="000000"/>
                 </a:solidFill>
               </a:rPr>
-              <a:t>Functional Requirement</a:t>
+              <a:t>Functional </a:t>
+            </a:r>
+            <a:r>
+              <a:rPr lang="en-US" dirty="0" smtClean="0">
+                <a:solidFill>
+                  <a:srgbClr val="000000"/>
+                </a:solidFill>
+              </a:rPr>
+              <a:t>Requirement</a:t>
             </a:r>
             <a:endParaRPr lang="en-US" dirty="0">
               <a:solidFill>
@@ -9045,18 +10937,7 @@
                   </a:schemeClr>
                 </a:solidFill>
               </a:rPr>
-              <a:t>applications in conjunction with dynamic </a:t>
-            </a:r>
-            <a:r>
-              <a:rPr lang="en-US" sz="2000" dirty="0" smtClean="0">
-                <a:solidFill>
-                  <a:schemeClr val="tx1">
-                    <a:lumMod val="75000"/>
-                    <a:lumOff val="25000"/>
-                  </a:schemeClr>
-                </a:solidFill>
-              </a:rPr>
-              <a:t>resources</a:t>
+              <a:t>applications in conjunction with dynamic resources</a:t>
             </a:r>
             <a:endParaRPr lang="en" sz="2000" dirty="0">
               <a:solidFill>

--- a/presentations/radical-modsim.pptx
+++ b/presentations/radical-modsim.pptx
@@ -6950,7 +6950,23 @@
           <a:p>
             <a:r>
               <a:rPr lang="en-US" sz="2000" dirty="0"/>
-              <a:t>Transformation of Application workload via system workload to Infrastructure capability</a:t>
+              <a:t>Transformation of </a:t>
+            </a:r>
+            <a:r>
+              <a:rPr lang="en-US" sz="2000" dirty="0" smtClean="0"/>
+              <a:t>application </a:t>
+            </a:r>
+            <a:r>
+              <a:rPr lang="en-US" sz="2000" dirty="0"/>
+              <a:t>workload via system workload to </a:t>
+            </a:r>
+            <a:r>
+              <a:rPr lang="en-US" sz="2000" dirty="0" smtClean="0"/>
+              <a:t>infrastructure </a:t>
+            </a:r>
+            <a:r>
+              <a:rPr lang="en-US" sz="2000" dirty="0"/>
+              <a:t>capability</a:t>
             </a:r>
           </a:p>
           <a:p>
@@ -6974,15 +6990,19 @@
           <a:p>
             <a:pPr lvl="1"/>
             <a:r>
+              <a:rPr lang="en-US" sz="1600" dirty="0" err="1" smtClean="0"/>
+              <a:t>Adaptivity</a:t>
+            </a:r>
+            <a:r>
               <a:rPr lang="en-US" sz="1600" dirty="0" smtClean="0"/>
-              <a:t>Response can be either at A, W level</a:t>
+              <a:t> can be either at A, W level</a:t>
             </a:r>
           </a:p>
           <a:p>
             <a:pPr lvl="1"/>
             <a:r>
               <a:rPr lang="en-US" sz="1600" dirty="0" smtClean="0"/>
-              <a:t>Application may self-throttle number of tasks generated</a:t>
+              <a:t>Application may self-throttle number of tasks, or type of task generated</a:t>
             </a:r>
           </a:p>
           <a:p>
@@ -7369,7 +7389,29 @@
                   </a:schemeClr>
                 </a:solidFill>
               </a:rPr>
-              <a:t>Proposed Architecture for a model-based, capability-driven NGMW</a:t>
+              <a:t>Proposed </a:t>
+            </a:r>
+            <a:r>
+              <a:rPr lang="en-US" sz="2000" dirty="0" smtClean="0">
+                <a:solidFill>
+                  <a:schemeClr val="tx1">
+                    <a:lumMod val="65000"/>
+                    <a:lumOff val="35000"/>
+                  </a:schemeClr>
+                </a:solidFill>
+              </a:rPr>
+              <a:t>architecture </a:t>
+            </a:r>
+            <a:r>
+              <a:rPr lang="en-US" sz="2000" dirty="0" smtClean="0">
+                <a:solidFill>
+                  <a:schemeClr val="tx1">
+                    <a:lumMod val="65000"/>
+                    <a:lumOff val="35000"/>
+                  </a:schemeClr>
+                </a:solidFill>
+              </a:rPr>
+              <a:t>for a model-based, capability-driven NGMW</a:t>
             </a:r>
           </a:p>
           <a:p>
@@ -7388,11 +7430,74 @@
                   </a:schemeClr>
                 </a:solidFill>
               </a:rPr>
-              <a:t>Models at multiple levels and their integration</a:t>
-            </a:r>
-          </a:p>
-          <a:p>
-            <a:pPr marL="1717675" lvl="3" indent="-342900">
+              <a:t>Models at multiple levels and their </a:t>
+            </a:r>
+            <a:r>
+              <a:rPr lang="en-US" sz="2000" dirty="0" smtClean="0">
+                <a:solidFill>
+                  <a:schemeClr val="tx1">
+                    <a:lumMod val="65000"/>
+                    <a:lumOff val="35000"/>
+                  </a:schemeClr>
+                </a:solidFill>
+              </a:rPr>
+              <a:t>integration: Applications </a:t>
+            </a:r>
+            <a:r>
+              <a:rPr lang="en-US" sz="2000" dirty="0" smtClean="0">
+                <a:solidFill>
+                  <a:schemeClr val="tx1">
+                    <a:lumMod val="65000"/>
+                    <a:lumOff val="35000"/>
+                  </a:schemeClr>
+                </a:solidFill>
+              </a:rPr>
+              <a:t>(A*, W*),  Dynamic Resources </a:t>
+            </a:r>
+            <a:r>
+              <a:rPr lang="en-US" sz="2000" dirty="0" smtClean="0">
+                <a:solidFill>
+                  <a:schemeClr val="tx1">
+                    <a:lumMod val="65000"/>
+                    <a:lumOff val="35000"/>
+                  </a:schemeClr>
+                </a:solidFill>
+              </a:rPr>
+              <a:t>(P*), Infrastructure (I</a:t>
+            </a:r>
+            <a:r>
+              <a:rPr lang="en-US" sz="2000" dirty="0" smtClean="0">
+                <a:solidFill>
+                  <a:schemeClr val="tx1">
+                    <a:lumMod val="65000"/>
+                    <a:lumOff val="35000"/>
+                  </a:schemeClr>
+                </a:solidFill>
+              </a:rPr>
+              <a:t>*), </a:t>
+            </a:r>
+            <a:r>
+              <a:rPr lang="en-US" sz="2000" dirty="0" smtClean="0">
+                <a:solidFill>
+                  <a:schemeClr val="tx1">
+                    <a:lumMod val="65000"/>
+                    <a:lumOff val="35000"/>
+                  </a:schemeClr>
+                </a:solidFill>
+              </a:rPr>
+              <a:t>Federation (F*)</a:t>
+            </a:r>
+            <a:endParaRPr lang="en-US" sz="2000" dirty="0">
+              <a:solidFill>
+                <a:schemeClr val="tx1">
+                  <a:lumMod val="65000"/>
+                  <a:lumOff val="35000"/>
+                </a:schemeClr>
+              </a:solidFill>
+            </a:endParaRPr>
+          </a:p>
+          <a:p>
+            <a:pPr lvl="2">
               <a:buClr>
                 <a:srgbClr val="000000"/>
               </a:buClr>
@@ -7407,16 +7512,8 @@
                   </a:schemeClr>
                 </a:solidFill>
               </a:rPr>
-              <a:t>Applications (A*, W*),  Dynamic Resources and Infrastructure (P*, I*), Federation of Infrastructure (F*)</a:t>
-            </a:r>
-          </a:p>
-          <a:p>
-            <a:pPr marL="800100" lvl="1" indent="-342900">
-              <a:buClr>
-                <a:srgbClr val="000000"/>
-              </a:buClr>
-              <a:buSzPct val="100000"/>
-            </a:pPr>
+              <a:t>Putting </a:t>
+            </a:r>
             <a:r>
               <a:rPr lang="en-US" sz="2000" dirty="0" smtClean="0">
                 <a:solidFill>
@@ -7426,7 +7523,40 @@
                   </a:schemeClr>
                 </a:solidFill>
               </a:rPr>
-              <a:t>Putting it altogether: Conceptual and Implementation</a:t>
+              <a:t>it </a:t>
+            </a:r>
+            <a:r>
+              <a:rPr lang="en-US" sz="2000" dirty="0" smtClean="0">
+                <a:solidFill>
+                  <a:schemeClr val="tx1">
+                    <a:lumMod val="65000"/>
+                    <a:lumOff val="35000"/>
+                  </a:schemeClr>
+                </a:solidFill>
+              </a:rPr>
+              <a:t>all </a:t>
+            </a:r>
+            <a:r>
+              <a:rPr lang="en-US" sz="2000" dirty="0" smtClean="0">
+                <a:solidFill>
+                  <a:schemeClr val="tx1">
+                    <a:lumMod val="65000"/>
+                    <a:lumOff val="35000"/>
+                  </a:schemeClr>
+                </a:solidFill>
+              </a:rPr>
+              <a:t>together</a:t>
+            </a:r>
+            <a:r>
+              <a:rPr lang="en-US" sz="2000" dirty="0" smtClean="0">
+                <a:solidFill>
+                  <a:schemeClr val="tx1">
+                    <a:lumMod val="65000"/>
+                    <a:lumOff val="35000"/>
+                  </a:schemeClr>
+                </a:solidFill>
+              </a:rPr>
+              <a:t>: Conceptual and Implementation</a:t>
             </a:r>
           </a:p>
           <a:p>
@@ -7609,8 +7739,8 @@
         </p:nvSpPr>
         <p:spPr>
           <a:xfrm>
-            <a:off x="160421" y="1176421"/>
-            <a:ext cx="4400884" cy="4533900"/>
+            <a:off x="160420" y="1176421"/>
+            <a:ext cx="4583697" cy="4533900"/>
           </a:xfrm>
         </p:spPr>
         <p:txBody>
@@ -7646,7 +7776,7 @@
           <a:p>
             <a:r>
               <a:rPr lang="en-US" sz="2000" dirty="0" smtClean="0"/>
-              <a:t>Bundles currently provide</a:t>
+              <a:t>Bundles currently support federation</a:t>
             </a:r>
           </a:p>
           <a:p>
@@ -10114,23 +10244,23 @@
               </a:spcAft>
             </a:pPr>
             <a:r>
-              <a:rPr lang="en" sz="2200" dirty="0" smtClean="0"/>
+              <a:rPr lang="en" dirty="0" smtClean="0"/>
               <a:t>Support </a:t>
             </a:r>
             <a:r>
-              <a:rPr lang="en-US" sz="2200" dirty="0" smtClean="0"/>
+              <a:rPr lang="en-US" dirty="0" smtClean="0"/>
               <a:t>novel and </a:t>
             </a:r>
             <a:r>
-              <a:rPr lang="en" sz="2200" dirty="0" smtClean="0"/>
+              <a:rPr lang="en" dirty="0" smtClean="0"/>
               <a:t>broad range of </a:t>
             </a:r>
             <a:r>
-              <a:rPr lang="en-US" sz="2200" dirty="0"/>
+              <a:rPr lang="en-US" dirty="0"/>
               <a:t>a</a:t>
             </a:r>
             <a:r>
-              <a:rPr lang="en-US" sz="2200" dirty="0" smtClean="0"/>
+              <a:rPr lang="en-US" dirty="0" smtClean="0"/>
               <a:t>pplication requirements</a:t>
             </a:r>
           </a:p>
@@ -10228,22 +10358,22 @@
               </a:lnSpc>
             </a:pPr>
             <a:r>
-              <a:rPr lang="en-US" sz="2200" dirty="0" smtClean="0"/>
+              <a:rPr lang="en-US" dirty="0" smtClean="0"/>
               <a:t>Federate</a:t>
             </a:r>
             <a:r>
-              <a:rPr lang="en" sz="2200" dirty="0" smtClean="0"/>
+              <a:rPr lang="en" dirty="0" smtClean="0"/>
               <a:t> </a:t>
             </a:r>
             <a:r>
-              <a:rPr lang="en" sz="2200" dirty="0"/>
+              <a:rPr lang="en" dirty="0"/>
               <a:t>diversified set of </a:t>
             </a:r>
             <a:r>
-              <a:rPr lang="en" sz="2200" dirty="0" smtClean="0"/>
+              <a:rPr lang="en" dirty="0" smtClean="0"/>
               <a:t>resources</a:t>
             </a:r>
-            <a:endParaRPr lang="en-US" sz="2200" dirty="0" smtClean="0"/>
+            <a:endParaRPr lang="en-US" dirty="0" smtClean="0"/>
           </a:p>
           <a:p>
             <a:pPr lvl="1">
@@ -10277,7 +10407,7 @@
               </a:lnSpc>
             </a:pPr>
             <a:r>
-              <a:rPr lang="en-US" sz="2200" dirty="0" smtClean="0"/>
+              <a:rPr lang="en-US" dirty="0" smtClean="0"/>
               <a:t>Co-Design and Execution: Multi-level and Integrated</a:t>
             </a:r>
           </a:p>
@@ -10494,7 +10624,67 @@
                 <a:ea typeface="ＭＳ Ｐゴシック" charset="0"/>
                 <a:cs typeface="ＭＳ Ｐゴシック" charset="0"/>
               </a:rPr>
-              <a:t>Metrics of performance is varied</a:t>
+              <a:t>Metrics of performance is </a:t>
+            </a:r>
+            <a:r>
+              <a:rPr lang="en-US" sz="2000" dirty="0" smtClean="0">
+                <a:latin typeface="Arial" charset="0"/>
+                <a:ea typeface="ＭＳ Ｐゴシック" charset="0"/>
+                <a:cs typeface="ＭＳ Ｐゴシック" charset="0"/>
+              </a:rPr>
+              <a:t>varied</a:t>
+            </a:r>
+          </a:p>
+          <a:p>
+            <a:pPr marL="457200" lvl="1" indent="0">
+              <a:lnSpc>
+                <a:spcPct val="90000"/>
+              </a:lnSpc>
+              <a:buNone/>
+            </a:pPr>
+            <a:endParaRPr lang="en-US" sz="2000" dirty="0" smtClean="0">
+              <a:latin typeface="Arial" charset="0"/>
+              <a:ea typeface="ＭＳ Ｐゴシック" charset="0"/>
+              <a:cs typeface="ＭＳ Ｐゴシック" charset="0"/>
+            </a:endParaRPr>
+          </a:p>
+          <a:p>
+            <a:pPr marL="344488" indent="-342900">
+              <a:lnSpc>
+                <a:spcPct val="90000"/>
+              </a:lnSpc>
+            </a:pPr>
+            <a:r>
+              <a:rPr lang="en-US" dirty="0" smtClean="0">
+                <a:latin typeface="Arial" charset="0"/>
+                <a:ea typeface="ＭＳ Ｐゴシック" charset="0"/>
+                <a:cs typeface="ＭＳ Ｐゴシック" charset="0"/>
+              </a:rPr>
+              <a:t>Application </a:t>
+            </a:r>
+            <a:r>
+              <a:rPr lang="en-US" dirty="0" smtClean="0">
+                <a:latin typeface="Arial" charset="0"/>
+                <a:ea typeface="ＭＳ Ｐゴシック" charset="0"/>
+                <a:cs typeface="ＭＳ Ｐゴシック" charset="0"/>
+              </a:rPr>
+              <a:t>structure </a:t>
+            </a:r>
+            <a:r>
+              <a:rPr lang="en-US" dirty="0" smtClean="0">
+                <a:latin typeface="Arial" charset="0"/>
+                <a:ea typeface="ＭＳ Ｐゴシック" charset="0"/>
+                <a:cs typeface="ＭＳ Ｐゴシック" charset="0"/>
+              </a:rPr>
+              <a:t>simple, but </a:t>
+            </a:r>
+            <a:r>
+              <a:rPr lang="en-US" dirty="0" smtClean="0">
+                <a:latin typeface="Arial" charset="0"/>
+                <a:ea typeface="ＭＳ Ｐゴシック" charset="0"/>
+                <a:cs typeface="ＭＳ Ｐゴシック" charset="0"/>
+              </a:rPr>
+              <a:t>infrastructural requirements difficult</a:t>
             </a:r>
           </a:p>
           <a:p>
@@ -10509,8 +10699,44 @@
                 <a:ea typeface="ＭＳ Ｐゴシック" charset="0"/>
                 <a:cs typeface="ＭＳ Ｐゴシック" charset="0"/>
               </a:rPr>
-              <a:t>Composed of heterogeneous services</a:t>
-            </a:r>
+              <a:t>Task-level composition and coordination is important and varied</a:t>
+            </a:r>
+          </a:p>
+          <a:p>
+            <a:pPr lvl="1">
+              <a:lnSpc>
+                <a:spcPct val="90000"/>
+              </a:lnSpc>
+            </a:pPr>
+            <a:r>
+              <a:rPr lang="en-US" sz="2000" dirty="0" smtClean="0">
+                <a:latin typeface="Arial" charset="0"/>
+                <a:ea typeface="ＭＳ Ｐゴシック" charset="0"/>
+                <a:cs typeface="ＭＳ Ｐゴシック" charset="0"/>
+              </a:rPr>
+              <a:t>External data infrastructure, </a:t>
+            </a:r>
+            <a:r>
+              <a:rPr lang="en-US" sz="2000" dirty="0" smtClean="0">
+                <a:latin typeface="Arial" charset="0"/>
+                <a:ea typeface="ＭＳ Ｐゴシック" charset="0"/>
+                <a:cs typeface="ＭＳ Ｐゴシック" charset="0"/>
+              </a:rPr>
+              <a:t>repositories</a:t>
+            </a:r>
+          </a:p>
+          <a:p>
+            <a:pPr marL="457200" lvl="1" indent="0">
+              <a:lnSpc>
+                <a:spcPct val="90000"/>
+              </a:lnSpc>
+              <a:buNone/>
+            </a:pPr>
+            <a:endParaRPr lang="en-US" sz="2000" dirty="0" smtClean="0">
+              <a:latin typeface="Arial" charset="0"/>
+              <a:ea typeface="ＭＳ Ｐゴシック" charset="0"/>
+              <a:cs typeface="ＭＳ Ｐゴシック" charset="0"/>
+            </a:endParaRPr>
           </a:p>
           <a:p>
             <a:pPr marL="344488" indent="-342900">
@@ -10524,7 +10750,23 @@
                 <a:ea typeface="ＭＳ Ｐゴシック" charset="0"/>
                 <a:cs typeface="ＭＳ Ｐゴシック" charset="0"/>
               </a:rPr>
-              <a:t>In general application structure simple but infrastructural requirements difficult</a:t>
+              <a:t>Design point is to support </a:t>
+            </a:r>
+            <a:r>
+              <a:rPr lang="en-US" dirty="0" err="1" smtClean="0">
+                <a:latin typeface="Arial" charset="0"/>
+                <a:ea typeface="ＭＳ Ｐゴシック" charset="0"/>
+                <a:cs typeface="ＭＳ Ｐゴシック" charset="0"/>
+              </a:rPr>
+              <a:t>exascale</a:t>
+            </a:r>
+            <a:r>
+              <a:rPr lang="en-US" dirty="0" smtClean="0">
+                <a:latin typeface="Arial" charset="0"/>
+                <a:ea typeface="ＭＳ Ｐゴシック" charset="0"/>
+                <a:cs typeface="ＭＳ Ｐゴシック" charset="0"/>
+              </a:rPr>
+              <a:t> collectively for many scalable applications on “production” infrastructure</a:t>
             </a:r>
           </a:p>
           <a:p>
@@ -10539,7 +10781,47 @@
                 <a:ea typeface="ＭＳ Ｐゴシック" charset="0"/>
                 <a:cs typeface="ＭＳ Ｐゴシック" charset="0"/>
               </a:rPr>
-              <a:t>Task-level composition and coordination is important and varied</a:t>
+              <a:t>Community (HEP) applications, essentially similar</a:t>
+            </a:r>
+          </a:p>
+          <a:p>
+            <a:pPr marL="227013" lvl="1" indent="-227013">
+              <a:lnSpc>
+                <a:spcPct val="90000"/>
+              </a:lnSpc>
+              <a:spcBef>
+                <a:spcPts val="1200"/>
+              </a:spcBef>
+              <a:buFontTx/>
+              <a:buChar char="•"/>
+            </a:pPr>
+            <a:r>
+              <a:rPr lang="en-US" sz="2000" dirty="0">
+                <a:latin typeface="Arial" charset="0"/>
+                <a:ea typeface="ＭＳ Ｐゴシック" charset="0"/>
+                <a:cs typeface="ＭＳ Ｐゴシック" charset="0"/>
+              </a:rPr>
+              <a:t>Explains why DC software environment is </a:t>
+            </a:r>
+            <a:r>
+              <a:rPr lang="en-US" sz="2000" dirty="0" smtClean="0">
+                <a:latin typeface="Arial" charset="0"/>
+                <a:ea typeface="ＭＳ Ｐゴシック" charset="0"/>
+                <a:cs typeface="ＭＳ Ｐゴシック" charset="0"/>
+              </a:rPr>
+              <a:t>complex, points to an </a:t>
+            </a:r>
+            <a:r>
+              <a:rPr lang="en-US" sz="2000" dirty="0" smtClean="0"/>
+              <a:t>important </a:t>
+            </a:r>
+            <a:r>
+              <a:rPr lang="en-US" sz="2000" dirty="0"/>
+              <a:t>role for </a:t>
+            </a:r>
+            <a:r>
+              <a:rPr lang="en-US" sz="2000" dirty="0" smtClean="0"/>
+              <a:t>middleware</a:t>
             </a:r>
           </a:p>
           <a:p>
@@ -10552,149 +10834,49 @@
               <a:rPr lang="en-US" sz="2000" dirty="0" smtClean="0">
                 <a:latin typeface="Arial" charset="0"/>
                 <a:ea typeface="ＭＳ Ｐゴシック" charset="0"/>
-                <a:cs typeface="ＭＳ Ｐゴシック" charset="0"/>
-              </a:rPr>
-              <a:t>External data infrastructure, repositories</a:t>
-            </a:r>
-          </a:p>
-          <a:p>
-            <a:pPr marL="344488" indent="-342900">
-              <a:lnSpc>
-                <a:spcPct val="90000"/>
-              </a:lnSpc>
-            </a:pPr>
-            <a:r>
-              <a:rPr lang="en-US" dirty="0" smtClean="0">
+              </a:rPr>
+              <a:t>Integrate </a:t>
+            </a:r>
+            <a:r>
+              <a:rPr lang="en-US" sz="2000" dirty="0">
                 <a:latin typeface="Arial" charset="0"/>
                 <a:ea typeface="ＭＳ Ｐゴシック" charset="0"/>
-                <a:cs typeface="ＭＳ Ｐゴシック" charset="0"/>
-              </a:rPr>
-              <a:t>Design point is to support </a:t>
-            </a:r>
-            <a:r>
-              <a:rPr lang="en-US" dirty="0" err="1" smtClean="0">
-                <a:latin typeface="Arial" charset="0"/>
-                <a:ea typeface="ＭＳ Ｐゴシック" charset="0"/>
-                <a:cs typeface="ＭＳ Ｐゴシック" charset="0"/>
-              </a:rPr>
-              <a:t>exascale</a:t>
-            </a:r>
-            <a:r>
-              <a:rPr lang="en-US" dirty="0" smtClean="0">
-                <a:latin typeface="Arial" charset="0"/>
-                <a:ea typeface="ＭＳ Ｐゴシック" charset="0"/>
-                <a:cs typeface="ＭＳ Ｐゴシック" charset="0"/>
-              </a:rPr>
-              <a:t> collectively for many scalable applications on “production” infrastructure</a:t>
-            </a:r>
-          </a:p>
-          <a:p>
-            <a:pPr lvl="1">
-              <a:lnSpc>
-                <a:spcPct val="90000"/>
-              </a:lnSpc>
-            </a:pPr>
+              </a:rPr>
+              <a:t>services and extend </a:t>
+            </a:r>
             <a:r>
               <a:rPr lang="en-US" sz="2000" dirty="0" smtClean="0">
                 <a:latin typeface="Arial" charset="0"/>
                 <a:ea typeface="ＭＳ Ｐゴシック" charset="0"/>
-                <a:cs typeface="ＭＳ Ｐゴシック" charset="0"/>
-              </a:rPr>
-              <a:t>Community (HEP) applications, essentially similar</a:t>
-            </a:r>
-          </a:p>
-          <a:p>
-            <a:pPr>
-              <a:lnSpc>
-                <a:spcPct val="90000"/>
-              </a:lnSpc>
-            </a:pPr>
-            <a:r>
-              <a:rPr lang="en-US" dirty="0" smtClean="0"/>
-              <a:t>Important </a:t>
-            </a:r>
-            <a:r>
-              <a:rPr lang="en-US" dirty="0"/>
-              <a:t>role for </a:t>
-            </a:r>
-            <a:r>
-              <a:rPr lang="en-US" dirty="0" smtClean="0"/>
-              <a:t>middleware</a:t>
-            </a:r>
-          </a:p>
-          <a:p>
-            <a:pPr lvl="1">
-              <a:lnSpc>
-                <a:spcPct val="90000"/>
-              </a:lnSpc>
-            </a:pPr>
+              </a:rPr>
+              <a:t>tools</a:t>
+            </a:r>
+            <a:r>
+              <a:rPr lang="en-US" sz="2000" dirty="0" smtClean="0"/>
+              <a:t> amidst </a:t>
+            </a:r>
             <a:r>
               <a:rPr lang="en-US" sz="2000" dirty="0" smtClean="0">
                 <a:latin typeface="Arial" charset="0"/>
                 <a:ea typeface="ＭＳ Ｐゴシック" charset="0"/>
               </a:rPr>
-              <a:t>Integrate </a:t>
+              <a:t>heterogeneous </a:t>
             </a:r>
             <a:r>
               <a:rPr lang="en-US" sz="2000" dirty="0">
                 <a:latin typeface="Arial" charset="0"/>
                 <a:ea typeface="ＭＳ Ｐゴシック" charset="0"/>
               </a:rPr>
-              <a:t>services and extend </a:t>
+              <a:t>software and system access </a:t>
             </a:r>
             <a:r>
               <a:rPr lang="en-US" sz="2000" dirty="0" smtClean="0">
                 <a:latin typeface="Arial" charset="0"/>
                 <a:ea typeface="ＭＳ Ｐゴシック" charset="0"/>
               </a:rPr>
-              <a:t>tools</a:t>
-            </a:r>
-            <a:r>
-              <a:rPr lang="en-US" sz="2000" dirty="0" smtClean="0"/>
-              <a:t> amidst </a:t>
-            </a:r>
-            <a:r>
-              <a:rPr lang="en-US" sz="2000" dirty="0" smtClean="0">
-                <a:latin typeface="Arial" charset="0"/>
-                <a:ea typeface="ＭＳ Ｐゴシック" charset="0"/>
-              </a:rPr>
-              <a:t>heterogeneous </a:t>
-            </a:r>
-            <a:r>
-              <a:rPr lang="en-US" sz="2000" dirty="0">
-                <a:latin typeface="Arial" charset="0"/>
-                <a:ea typeface="ＭＳ Ｐゴシック" charset="0"/>
-              </a:rPr>
-              <a:t>software and system access </a:t>
-            </a:r>
-            <a:r>
-              <a:rPr lang="en-US" sz="2000" dirty="0" smtClean="0">
-                <a:latin typeface="Arial" charset="0"/>
-                <a:ea typeface="ＭＳ Ｐゴシック" charset="0"/>
-              </a:rPr>
               <a:t>layers</a:t>
             </a:r>
             <a:endParaRPr lang="en-US" sz="2000" dirty="0"/>
-          </a:p>
-          <a:p>
-            <a:pPr lvl="1">
-              <a:lnSpc>
-                <a:spcPct val="90000"/>
-              </a:lnSpc>
-            </a:pPr>
-            <a:r>
-              <a:rPr lang="en-US" sz="2000" dirty="0" smtClean="0">
-                <a:latin typeface="Arial" charset="0"/>
-                <a:ea typeface="ＭＳ Ｐゴシック" charset="0"/>
-                <a:cs typeface="ＭＳ Ｐゴシック" charset="0"/>
-              </a:rPr>
-              <a:t>Explains why DC software environment is complex</a:t>
-            </a:r>
-            <a:endParaRPr lang="en-US" sz="2000" dirty="0">
-              <a:latin typeface="Arial" charset="0"/>
-              <a:ea typeface="ＭＳ Ｐゴシック" charset="0"/>
-              <a:cs typeface="ＭＳ Ｐゴシック" charset="0"/>
-            </a:endParaRPr>
           </a:p>
         </p:txBody>
       </p:sp>

--- a/presentations/radical-modsim.pptx
+++ b/presentations/radical-modsim.pptx
@@ -5,7 +5,7 @@
     <p:sldMasterId id="2147483656" r:id="rId1"/>
   </p:sldMasterIdLst>
   <p:notesMasterIdLst>
-    <p:notesMasterId r:id="rId30"/>
+    <p:notesMasterId r:id="rId31"/>
   </p:notesMasterIdLst>
   <p:sldIdLst>
     <p:sldId id="256" r:id="rId2"/>
@@ -29,13 +29,14 @@
     <p:sldId id="331" r:id="rId20"/>
     <p:sldId id="346" r:id="rId21"/>
     <p:sldId id="328" r:id="rId22"/>
-    <p:sldId id="326" r:id="rId23"/>
-    <p:sldId id="295" r:id="rId24"/>
+    <p:sldId id="295" r:id="rId23"/>
+    <p:sldId id="348" r:id="rId24"/>
     <p:sldId id="284" r:id="rId25"/>
     <p:sldId id="336" r:id="rId26"/>
     <p:sldId id="341" r:id="rId27"/>
     <p:sldId id="342" r:id="rId28"/>
     <p:sldId id="347" r:id="rId29"/>
+    <p:sldId id="349" r:id="rId30"/>
   </p:sldIdLst>
   <p:sldSz cx="9144000" cy="6858000" type="screen4x3"/>
   <p:notesSz cx="6858000" cy="9144000"/>
@@ -8359,7 +8360,7 @@
       </p:grpSpPr>
       <p:sp>
         <p:nvSpPr>
-          <p:cNvPr id="58369" name="Title 1"/>
+          <p:cNvPr id="2" name="Title 1"/>
           <p:cNvSpPr>
             <a:spLocks noGrp="1"/>
           </p:cNvSpPr>
@@ -8373,24 +8374,16 @@
           <a:lstStyle/>
           <a:p>
             <a:r>
-              <a:rPr lang="en-US" dirty="0" smtClean="0">
-                <a:latin typeface="Arial" charset="0"/>
-                <a:ea typeface="ＭＳ Ｐゴシック" charset="0"/>
-                <a:cs typeface="ＭＳ Ｐゴシック" charset="0"/>
-              </a:rPr>
-              <a:t>Mapping Tasks to Resources</a:t>
-            </a:r>
-            <a:endParaRPr lang="en-US" dirty="0">
-              <a:latin typeface="Arial" charset="0"/>
-              <a:ea typeface="ＭＳ Ｐゴシック" charset="0"/>
-              <a:cs typeface="ＭＳ Ｐゴシック" charset="0"/>
-            </a:endParaRPr>
+              <a:rPr lang="en-US" dirty="0" smtClean="0"/>
+              <a:t>Organizer’s Questions</a:t>
+            </a:r>
+            <a:endParaRPr lang="en-US" dirty="0"/>
           </a:p>
         </p:txBody>
       </p:sp>
       <p:sp>
         <p:nvSpPr>
-          <p:cNvPr id="58370" name="Content Placeholder 2"/>
+          <p:cNvPr id="3" name="Content Placeholder 2"/>
           <p:cNvSpPr>
             <a:spLocks noGrp="1"/>
           </p:cNvSpPr>
@@ -8404,194 +8397,154 @@
           <a:lstStyle/>
           <a:p>
             <a:r>
-              <a:rPr lang="en-US" dirty="0">
-                <a:latin typeface="Arial" charset="0"/>
-                <a:ea typeface="ＭＳ Ｐゴシック" charset="0"/>
-                <a:cs typeface="ＭＳ Ｐゴシック" charset="0"/>
-              </a:rPr>
-              <a:t>Different aspects of mapping tasks to resources</a:t>
+              <a:rPr lang="en-US" dirty="0"/>
+              <a:t>W</a:t>
+            </a:r>
+            <a:r>
+              <a:rPr lang="en-US" dirty="0" smtClean="0"/>
+              <a:t>hat </a:t>
+            </a:r>
+            <a:r>
+              <a:rPr lang="en-US" dirty="0"/>
+              <a:t>is the major contribution of your </a:t>
+            </a:r>
+            <a:r>
+              <a:rPr lang="en-US" dirty="0" smtClean="0"/>
+              <a:t>research</a:t>
+            </a:r>
+            <a:r>
+              <a:rPr lang="en-US" dirty="0" smtClean="0"/>
+              <a:t>?</a:t>
             </a:r>
           </a:p>
           <a:p>
             <a:pPr lvl="1"/>
             <a:r>
-              <a:rPr lang="en-US" dirty="0" smtClean="0">
-                <a:latin typeface="Arial" charset="0"/>
-                <a:ea typeface="ＭＳ Ｐゴシック" charset="0"/>
-              </a:rPr>
-              <a:t>Optimal </a:t>
-            </a:r>
-            <a:r>
-              <a:rPr lang="en-US" dirty="0">
-                <a:latin typeface="Arial" charset="0"/>
-                <a:ea typeface="ＭＳ Ｐゴシック" charset="0"/>
-              </a:rPr>
-              <a:t>Characterization: Finding the optimal workload </a:t>
-            </a:r>
-            <a:r>
-              <a:rPr lang="en-US" dirty="0" smtClean="0">
-                <a:latin typeface="Arial" charset="0"/>
-                <a:ea typeface="ＭＳ Ｐゴシック" charset="0"/>
-              </a:rPr>
-              <a:t>characterization </a:t>
-            </a:r>
-            <a:r>
-              <a:rPr lang="en-US" dirty="0">
-                <a:latin typeface="Arial" charset="0"/>
-                <a:ea typeface="ＭＳ Ｐゴシック" charset="0"/>
-              </a:rPr>
-              <a:t>(of an application)</a:t>
+              <a:rPr lang="en-US" dirty="0" smtClean="0"/>
+              <a:t>Model-based, Capability-driven Middleware for Distributed </a:t>
+            </a:r>
+            <a:r>
+              <a:rPr lang="en-US" dirty="0" err="1" smtClean="0"/>
+              <a:t>Exascale</a:t>
+            </a:r>
+            <a:r>
+              <a:rPr lang="en-US" dirty="0" smtClean="0"/>
+              <a:t> </a:t>
+            </a:r>
+            <a:endParaRPr lang="en-US" dirty="0" smtClean="0"/>
+          </a:p>
+          <a:p>
+            <a:r>
+              <a:rPr lang="en-US" dirty="0"/>
+              <a:t>W</a:t>
+            </a:r>
+            <a:r>
+              <a:rPr lang="en-US" dirty="0" smtClean="0"/>
+              <a:t>hat </a:t>
+            </a:r>
+            <a:r>
+              <a:rPr lang="en-US" dirty="0"/>
+              <a:t>are the gaps you identify in the research coverage in your area</a:t>
+            </a:r>
+            <a:r>
+              <a:rPr lang="en-US" dirty="0" smtClean="0"/>
+              <a:t>?</a:t>
+            </a:r>
+          </a:p>
+          <a:p>
+            <a:pPr lvl="1"/>
+            <a:r>
+              <a:rPr lang="en-US" dirty="0" smtClean="0"/>
+              <a:t>Focus on NGMW for resource federation, relying upon advances in identity management federation to address policy/AAA issues of dynamic resource</a:t>
+            </a:r>
+            <a:endParaRPr lang="en-US" dirty="0" smtClean="0"/>
+          </a:p>
+          <a:p>
+            <a:r>
+              <a:rPr lang="en-US" dirty="0"/>
+              <a:t>W</a:t>
+            </a:r>
+            <a:r>
+              <a:rPr lang="en-US" dirty="0" smtClean="0"/>
+              <a:t>hat </a:t>
+            </a:r>
+            <a:r>
+              <a:rPr lang="en-US" dirty="0"/>
+              <a:t>is the bigger picture for your research area? (i.e., identify synergistic projects, complementary projects in technical sense, </a:t>
+            </a:r>
+            <a:r>
+              <a:rPr lang="en-US" dirty="0" err="1"/>
+              <a:t>etc</a:t>
+            </a:r>
+            <a:r>
+              <a:rPr lang="en-US" dirty="0"/>
+              <a:t>) </a:t>
+            </a:r>
+            <a:endParaRPr lang="en-US" dirty="0" smtClean="0"/>
+          </a:p>
+          <a:p>
+            <a:pPr lvl="1"/>
+            <a:r>
+              <a:rPr lang="en-US" dirty="0" smtClean="0"/>
+              <a:t>Projects that are working parts of the problem:</a:t>
             </a:r>
           </a:p>
           <a:p>
             <a:pPr lvl="2"/>
             <a:r>
-              <a:rPr lang="en-US" dirty="0">
-                <a:latin typeface="Arial" charset="0"/>
-                <a:ea typeface="ＭＳ Ｐゴシック" charset="0"/>
-              </a:rPr>
-              <a:t>Generality versus specificity. Class of Applications versus Many application classes/types</a:t>
+              <a:rPr lang="en-US" dirty="0" smtClean="0"/>
+              <a:t>Optimal workload characterization</a:t>
             </a:r>
           </a:p>
           <a:p>
             <a:pPr lvl="2"/>
             <a:r>
-              <a:rPr lang="en-US" dirty="0">
-                <a:latin typeface="Arial" charset="0"/>
-                <a:ea typeface="ＭＳ Ｐゴシック" charset="0"/>
-              </a:rPr>
-              <a:t>Different applications have different </a:t>
-            </a:r>
-            <a:r>
-              <a:rPr lang="en-US" dirty="0" smtClean="0">
-                <a:latin typeface="Arial" charset="0"/>
-                <a:ea typeface="ＭＳ Ｐゴシック" charset="0"/>
-              </a:rPr>
-              <a:t>metrics</a:t>
+              <a:rPr lang="en-US" dirty="0" smtClean="0"/>
+              <a:t>Optimal mapping (given a workload to resource)</a:t>
             </a:r>
           </a:p>
           <a:p>
             <a:pPr lvl="2"/>
-            <a:endParaRPr lang="en-US" dirty="0">
-              <a:latin typeface="Arial" charset="0"/>
-              <a:ea typeface="ＭＳ Ｐゴシック" charset="0"/>
-            </a:endParaRPr>
+            <a:r>
+              <a:rPr lang="en-US" dirty="0" smtClean="0"/>
+              <a:t>Static </a:t>
+            </a:r>
+            <a:r>
+              <a:rPr lang="en-US" dirty="0" err="1" smtClean="0"/>
+              <a:t>vs</a:t>
+            </a:r>
+            <a:r>
+              <a:rPr lang="en-US" dirty="0" smtClean="0"/>
+              <a:t> dynamic mapping </a:t>
+            </a:r>
           </a:p>
           <a:p>
             <a:pPr lvl="1"/>
             <a:r>
-              <a:rPr lang="en-US" dirty="0" smtClean="0">
-                <a:latin typeface="Arial" charset="0"/>
-                <a:ea typeface="ＭＳ Ｐゴシック" charset="0"/>
-              </a:rPr>
-              <a:t>Optimal </a:t>
-            </a:r>
-            <a:r>
-              <a:rPr lang="en-US" dirty="0">
-                <a:latin typeface="Arial" charset="0"/>
-                <a:ea typeface="ＭＳ Ｐゴシック" charset="0"/>
-              </a:rPr>
-              <a:t>Federation: Finding the optimal </a:t>
-            </a:r>
-            <a:r>
-              <a:rPr lang="en-US" dirty="0" smtClean="0">
-                <a:latin typeface="Arial" charset="0"/>
-                <a:ea typeface="ＭＳ Ｐゴシック" charset="0"/>
-              </a:rPr>
-              <a:t>infrastructure </a:t>
-            </a:r>
-            <a:r>
-              <a:rPr lang="en-US" dirty="0">
-                <a:latin typeface="Arial" charset="0"/>
-                <a:ea typeface="ＭＳ Ｐゴシック" charset="0"/>
-              </a:rPr>
-              <a:t>configurations for a given workload </a:t>
-            </a:r>
-          </a:p>
-          <a:p>
-            <a:pPr lvl="2"/>
-            <a:r>
-              <a:rPr lang="en-US" dirty="0">
-                <a:latin typeface="Arial" charset="0"/>
-                <a:ea typeface="ＭＳ Ｐゴシック" charset="0"/>
-              </a:rPr>
-              <a:t>Irrespective of whether it is best representation of an application</a:t>
-            </a:r>
-          </a:p>
-          <a:p>
-            <a:pPr lvl="2"/>
-            <a:r>
-              <a:rPr lang="en-US" dirty="0">
-                <a:latin typeface="Arial" charset="0"/>
-                <a:ea typeface="ＭＳ Ｐゴシック" charset="0"/>
-              </a:rPr>
-              <a:t>Resources availability at extreme scale is </a:t>
-            </a:r>
-            <a:r>
-              <a:rPr lang="en-US" dirty="0" smtClean="0">
-                <a:latin typeface="Arial" charset="0"/>
-                <a:ea typeface="ＭＳ Ｐゴシック" charset="0"/>
-              </a:rPr>
-              <a:t>variable</a:t>
-            </a:r>
-          </a:p>
-          <a:p>
-            <a:pPr lvl="2"/>
-            <a:endParaRPr lang="en-US" dirty="0">
-              <a:latin typeface="Arial" charset="0"/>
-              <a:ea typeface="ＭＳ Ｐゴシック" charset="0"/>
-            </a:endParaRPr>
-          </a:p>
-          <a:p>
-            <a:pPr lvl="1"/>
-            <a:r>
-              <a:rPr lang="en-US" dirty="0" smtClean="0">
-                <a:latin typeface="Arial" charset="0"/>
-                <a:ea typeface="ＭＳ Ｐゴシック" charset="0"/>
-              </a:rPr>
-              <a:t>Optimal </a:t>
-            </a:r>
-            <a:r>
-              <a:rPr lang="en-US" dirty="0">
-                <a:latin typeface="Arial" charset="0"/>
-                <a:ea typeface="ＭＳ Ｐゴシック" charset="0"/>
-              </a:rPr>
-              <a:t>Mapping: Workload to Resource Mapping</a:t>
-            </a:r>
-          </a:p>
-          <a:p>
-            <a:pPr lvl="2"/>
-            <a:r>
-              <a:rPr lang="en-US" dirty="0">
-                <a:latin typeface="Arial" charset="0"/>
-                <a:ea typeface="ＭＳ Ｐゴシック" charset="0"/>
-              </a:rPr>
-              <a:t>Static versus Dynamic </a:t>
-            </a:r>
-            <a:r>
-              <a:rPr lang="en-US" dirty="0" smtClean="0">
-                <a:latin typeface="Arial" charset="0"/>
-                <a:ea typeface="ＭＳ Ｐゴシック" charset="0"/>
-              </a:rPr>
-              <a:t>Mapping</a:t>
-            </a:r>
-            <a:endParaRPr lang="en-US" dirty="0">
-              <a:latin typeface="Arial" charset="0"/>
-              <a:ea typeface="ＭＳ Ｐゴシック" charset="0"/>
-            </a:endParaRPr>
+              <a:rPr lang="en-US" dirty="0" smtClean="0"/>
+              <a:t>Unclear which parts are going to be most critical, rewarding?</a:t>
+            </a:r>
+            <a:endParaRPr lang="en-US" dirty="0" smtClean="0"/>
           </a:p>
         </p:txBody>
       </p:sp>
     </p:spTree>
     <p:extLst>
       <p:ext uri="{BB962C8B-B14F-4D97-AF65-F5344CB8AC3E}">
-        <p14:creationId xmlns:p14="http://schemas.microsoft.com/office/powerpoint/2010/main" val="1666342825"/>
+        <p14:creationId xmlns:p14="http://schemas.microsoft.com/office/powerpoint/2010/main" val="2665645213"/>
       </p:ext>
     </p:extLst>
   </p:cSld>
   <p:clrMapOvr>
     <a:masterClrMapping/>
   </p:clrMapOvr>
+  <p:timing>
+    <p:tnLst>
+      <p:par>
+        <p:cTn xmlns:p14="http://schemas.microsoft.com/office/powerpoint/2010/main" id="1" dur="indefinite" restart="never" nodeType="tmRoot"/>
+      </p:par>
+    </p:tnLst>
+  </p:timing>
 </p:sld>
 </file>
 
@@ -8651,6 +8604,35 @@
           <a:lstStyle/>
           <a:p>
             <a:r>
+              <a:rPr lang="en-US" dirty="0" smtClean="0"/>
+              <a:t>How </a:t>
+            </a:r>
+            <a:r>
+              <a:rPr lang="en-US" dirty="0"/>
+              <a:t>do you see cross-pollination across projects funded by different funding agencies</a:t>
+            </a:r>
+            <a:r>
+              <a:rPr lang="en-US" dirty="0" smtClean="0"/>
+              <a:t>?</a:t>
+            </a:r>
+          </a:p>
+          <a:p>
+            <a:pPr lvl="1"/>
+            <a:r>
+              <a:rPr lang="en-US" dirty="0" smtClean="0"/>
+              <a:t>Integrated Modeling and Simulation</a:t>
+            </a:r>
+          </a:p>
+          <a:p>
+            <a:pPr lvl="1"/>
+            <a:r>
+              <a:rPr lang="en-US" dirty="0" smtClean="0"/>
+              <a:t>Need to use models of Infrastructure provided by community</a:t>
+            </a:r>
+            <a:endParaRPr lang="en-US" dirty="0" smtClean="0"/>
+          </a:p>
+          <a:p>
+            <a:r>
               <a:rPr lang="en-US" dirty="0"/>
               <a:t>W</a:t>
             </a:r>
@@ -8660,25 +8642,11 @@
             </a:r>
             <a:r>
               <a:rPr lang="en-US" dirty="0"/>
-              <a:t>is the major contribution of your </a:t>
-            </a:r>
-            <a:r>
-              <a:rPr lang="en-US" dirty="0" smtClean="0"/>
-              <a:t>research?</a:t>
-            </a:r>
-          </a:p>
-          <a:p>
-            <a:r>
-              <a:rPr lang="en-US" dirty="0"/>
-              <a:t>W</a:t>
-            </a:r>
-            <a:r>
-              <a:rPr lang="en-US" dirty="0" smtClean="0"/>
-              <a:t>hat </a:t>
-            </a:r>
-            <a:r>
-              <a:rPr lang="en-US" dirty="0"/>
-              <a:t>are the gaps you identify in the research coverage in your area</a:t>
+              <a:t>is the one thing that would make it easier/possible to leverage/use the results of other projects to further your own </a:t>
+            </a:r>
+            <a:r>
+              <a:rPr lang="en-US" dirty="0" smtClean="0"/>
+              <a:t>research</a:t>
             </a:r>
             <a:r>
               <a:rPr lang="en-US" dirty="0" smtClean="0"/>
@@ -8686,63 +8654,12 @@
             </a:r>
           </a:p>
           <a:p>
-            <a:r>
-              <a:rPr lang="en-US" dirty="0"/>
-              <a:t>W</a:t>
-            </a:r>
-            <a:r>
-              <a:rPr lang="en-US" dirty="0" smtClean="0"/>
-              <a:t>hat </a:t>
-            </a:r>
-            <a:r>
-              <a:rPr lang="en-US" dirty="0"/>
-              <a:t>is the bigger picture for your research area? (i.e., identify synergistic projects, complementary projects in technical sense, </a:t>
-            </a:r>
-            <a:r>
-              <a:rPr lang="en-US" dirty="0" err="1"/>
-              <a:t>etc</a:t>
-            </a:r>
-            <a:r>
-              <a:rPr lang="en-US" dirty="0"/>
-              <a:t>) </a:t>
+            <a:pPr lvl="1"/>
+            <a:r>
+              <a:rPr lang="en-US" dirty="0" smtClean="0"/>
+              <a:t>Well defined interfaces and semantics</a:t>
             </a:r>
             <a:endParaRPr lang="en-US" dirty="0" smtClean="0"/>
-          </a:p>
-          <a:p>
-            <a:r>
-              <a:rPr lang="en-US" dirty="0"/>
-              <a:t>H</a:t>
-            </a:r>
-            <a:r>
-              <a:rPr lang="en-US" dirty="0" smtClean="0"/>
-              <a:t>ow </a:t>
-            </a:r>
-            <a:r>
-              <a:rPr lang="en-US" dirty="0"/>
-              <a:t>do you see cross-pollination across projects funded by different funding agencies</a:t>
-            </a:r>
-            <a:r>
-              <a:rPr lang="en-US" dirty="0" smtClean="0"/>
-              <a:t>?</a:t>
-            </a:r>
-          </a:p>
-          <a:p>
-            <a:r>
-              <a:rPr lang="en-US" dirty="0"/>
-              <a:t>W</a:t>
-            </a:r>
-            <a:r>
-              <a:rPr lang="en-US" dirty="0" smtClean="0"/>
-              <a:t>hat </a:t>
-            </a:r>
-            <a:r>
-              <a:rPr lang="en-US" dirty="0"/>
-              <a:t>is the one thing that would make it easier/possible to leverage/use the results of other projects to further your own </a:t>
-            </a:r>
-            <a:r>
-              <a:rPr lang="en-US" dirty="0" smtClean="0"/>
-              <a:t>research?</a:t>
-            </a:r>
           </a:p>
           <a:p>
             <a:r>
@@ -8775,7 +8692,7 @@
     </p:spTree>
     <p:extLst>
       <p:ext uri="{BB962C8B-B14F-4D97-AF65-F5344CB8AC3E}">
-        <p14:creationId xmlns:p14="http://schemas.microsoft.com/office/powerpoint/2010/main" val="2665645213"/>
+        <p14:creationId xmlns:p14="http://schemas.microsoft.com/office/powerpoint/2010/main" val="1108541006"/>
       </p:ext>
     </p:extLst>
   </p:cSld>
@@ -9517,6 +9434,261 @@
 </p:sld>
 </file>
 
+<file path=ppt/slides/slide29.xml><?xml version="1.0" encoding="utf-8"?>
+<p:sld xmlns:a="http://schemas.openxmlformats.org/drawingml/2006/main" xmlns:r="http://schemas.openxmlformats.org/officeDocument/2006/relationships" xmlns:p="http://schemas.openxmlformats.org/presentationml/2006/main">
+  <p:cSld>
+    <p:spTree>
+      <p:nvGrpSpPr>
+        <p:cNvPr id="1" name=""/>
+        <p:cNvGrpSpPr/>
+        <p:nvPr/>
+      </p:nvGrpSpPr>
+      <p:grpSpPr>
+        <a:xfrm>
+          <a:off x="0" y="0"/>
+          <a:ext cx="0" cy="0"/>
+          <a:chOff x="0" y="0"/>
+          <a:chExt cx="0" cy="0"/>
+        </a:xfrm>
+      </p:grpSpPr>
+      <p:sp>
+        <p:nvSpPr>
+          <p:cNvPr id="58369" name="Title 1"/>
+          <p:cNvSpPr>
+            <a:spLocks noGrp="1"/>
+          </p:cNvSpPr>
+          <p:nvPr>
+            <p:ph type="title"/>
+          </p:nvPr>
+        </p:nvSpPr>
+        <p:spPr/>
+        <p:txBody>
+          <a:bodyPr/>
+          <a:lstStyle/>
+          <a:p>
+            <a:r>
+              <a:rPr lang="en-US" dirty="0" smtClean="0">
+                <a:latin typeface="Arial" charset="0"/>
+                <a:ea typeface="ＭＳ Ｐゴシック" charset="0"/>
+                <a:cs typeface="ＭＳ Ｐゴシック" charset="0"/>
+              </a:rPr>
+              <a:t>Mapping Tasks to Resources</a:t>
+            </a:r>
+            <a:endParaRPr lang="en-US" dirty="0">
+              <a:latin typeface="Arial" charset="0"/>
+              <a:ea typeface="ＭＳ Ｐゴシック" charset="0"/>
+              <a:cs typeface="ＭＳ Ｐゴシック" charset="0"/>
+            </a:endParaRPr>
+          </a:p>
+        </p:txBody>
+      </p:sp>
+      <p:sp>
+        <p:nvSpPr>
+          <p:cNvPr id="58370" name="Content Placeholder 2"/>
+          <p:cNvSpPr>
+            <a:spLocks noGrp="1"/>
+          </p:cNvSpPr>
+          <p:nvPr>
+            <p:ph idx="1"/>
+          </p:nvPr>
+        </p:nvSpPr>
+        <p:spPr/>
+        <p:txBody>
+          <a:bodyPr/>
+          <a:lstStyle/>
+          <a:p>
+            <a:r>
+              <a:rPr lang="en-US" dirty="0">
+                <a:latin typeface="Arial" charset="0"/>
+                <a:ea typeface="ＭＳ Ｐゴシック" charset="0"/>
+                <a:cs typeface="ＭＳ Ｐゴシック" charset="0"/>
+              </a:rPr>
+              <a:t>Different aspects of mapping tasks to resources</a:t>
+            </a:r>
+          </a:p>
+          <a:p>
+            <a:pPr lvl="1"/>
+            <a:r>
+              <a:rPr lang="en-US" dirty="0" smtClean="0">
+                <a:latin typeface="Arial" charset="0"/>
+                <a:ea typeface="ＭＳ Ｐゴシック" charset="0"/>
+              </a:rPr>
+              <a:t>Optimal </a:t>
+            </a:r>
+            <a:r>
+              <a:rPr lang="en-US" dirty="0">
+                <a:latin typeface="Arial" charset="0"/>
+                <a:ea typeface="ＭＳ Ｐゴシック" charset="0"/>
+              </a:rPr>
+              <a:t>Characterization: Finding the optimal workload </a:t>
+            </a:r>
+            <a:r>
+              <a:rPr lang="en-US" dirty="0" smtClean="0">
+                <a:latin typeface="Arial" charset="0"/>
+                <a:ea typeface="ＭＳ Ｐゴシック" charset="0"/>
+              </a:rPr>
+              <a:t>characterization </a:t>
+            </a:r>
+            <a:r>
+              <a:rPr lang="en-US" dirty="0">
+                <a:latin typeface="Arial" charset="0"/>
+                <a:ea typeface="ＭＳ Ｐゴシック" charset="0"/>
+              </a:rPr>
+              <a:t>(of an application)</a:t>
+            </a:r>
+          </a:p>
+          <a:p>
+            <a:pPr lvl="2"/>
+            <a:r>
+              <a:rPr lang="en-US" dirty="0">
+                <a:latin typeface="Arial" charset="0"/>
+                <a:ea typeface="ＭＳ Ｐゴシック" charset="0"/>
+              </a:rPr>
+              <a:t>Generality versus specificity. Class of Applications versus Many application classes/types</a:t>
+            </a:r>
+          </a:p>
+          <a:p>
+            <a:pPr lvl="2"/>
+            <a:r>
+              <a:rPr lang="en-US" dirty="0">
+                <a:latin typeface="Arial" charset="0"/>
+                <a:ea typeface="ＭＳ Ｐゴシック" charset="0"/>
+              </a:rPr>
+              <a:t>Different applications have different </a:t>
+            </a:r>
+            <a:r>
+              <a:rPr lang="en-US" dirty="0" smtClean="0">
+                <a:latin typeface="Arial" charset="0"/>
+                <a:ea typeface="ＭＳ Ｐゴシック" charset="0"/>
+              </a:rPr>
+              <a:t>metrics</a:t>
+            </a:r>
+          </a:p>
+          <a:p>
+            <a:pPr lvl="2"/>
+            <a:endParaRPr lang="en-US" dirty="0">
+              <a:latin typeface="Arial" charset="0"/>
+              <a:ea typeface="ＭＳ Ｐゴシック" charset="0"/>
+            </a:endParaRPr>
+          </a:p>
+          <a:p>
+            <a:pPr lvl="1"/>
+            <a:r>
+              <a:rPr lang="en-US" dirty="0" smtClean="0">
+                <a:latin typeface="Arial" charset="0"/>
+                <a:ea typeface="ＭＳ Ｐゴシック" charset="0"/>
+              </a:rPr>
+              <a:t>Optimal </a:t>
+            </a:r>
+            <a:r>
+              <a:rPr lang="en-US" dirty="0">
+                <a:latin typeface="Arial" charset="0"/>
+                <a:ea typeface="ＭＳ Ｐゴシック" charset="0"/>
+              </a:rPr>
+              <a:t>Federation: Finding the optimal </a:t>
+            </a:r>
+            <a:r>
+              <a:rPr lang="en-US" dirty="0" smtClean="0">
+                <a:latin typeface="Arial" charset="0"/>
+                <a:ea typeface="ＭＳ Ｐゴシック" charset="0"/>
+              </a:rPr>
+              <a:t>infrastructure </a:t>
+            </a:r>
+            <a:r>
+              <a:rPr lang="en-US" dirty="0">
+                <a:latin typeface="Arial" charset="0"/>
+                <a:ea typeface="ＭＳ Ｐゴシック" charset="0"/>
+              </a:rPr>
+              <a:t>configurations for a given workload </a:t>
+            </a:r>
+          </a:p>
+          <a:p>
+            <a:pPr lvl="2"/>
+            <a:r>
+              <a:rPr lang="en-US" dirty="0">
+                <a:latin typeface="Arial" charset="0"/>
+                <a:ea typeface="ＭＳ Ｐゴシック" charset="0"/>
+              </a:rPr>
+              <a:t>Irrespective of whether it is best representation of an application</a:t>
+            </a:r>
+          </a:p>
+          <a:p>
+            <a:pPr lvl="2"/>
+            <a:r>
+              <a:rPr lang="en-US" dirty="0">
+                <a:latin typeface="Arial" charset="0"/>
+                <a:ea typeface="ＭＳ Ｐゴシック" charset="0"/>
+              </a:rPr>
+              <a:t>Resources availability at extreme scale is </a:t>
+            </a:r>
+            <a:r>
+              <a:rPr lang="en-US" dirty="0" smtClean="0">
+                <a:latin typeface="Arial" charset="0"/>
+                <a:ea typeface="ＭＳ Ｐゴシック" charset="0"/>
+              </a:rPr>
+              <a:t>variable</a:t>
+            </a:r>
+          </a:p>
+          <a:p>
+            <a:pPr lvl="2"/>
+            <a:endParaRPr lang="en-US" dirty="0">
+              <a:latin typeface="Arial" charset="0"/>
+              <a:ea typeface="ＭＳ Ｐゴシック" charset="0"/>
+            </a:endParaRPr>
+          </a:p>
+          <a:p>
+            <a:pPr lvl="1"/>
+            <a:r>
+              <a:rPr lang="en-US" dirty="0" smtClean="0">
+                <a:latin typeface="Arial" charset="0"/>
+                <a:ea typeface="ＭＳ Ｐゴシック" charset="0"/>
+              </a:rPr>
+              <a:t>Optimal </a:t>
+            </a:r>
+            <a:r>
+              <a:rPr lang="en-US" dirty="0">
+                <a:latin typeface="Arial" charset="0"/>
+                <a:ea typeface="ＭＳ Ｐゴシック" charset="0"/>
+              </a:rPr>
+              <a:t>Mapping: Workload to Resource Mapping</a:t>
+            </a:r>
+          </a:p>
+          <a:p>
+            <a:pPr lvl="2"/>
+            <a:r>
+              <a:rPr lang="en-US" dirty="0">
+                <a:latin typeface="Arial" charset="0"/>
+                <a:ea typeface="ＭＳ Ｐゴシック" charset="0"/>
+              </a:rPr>
+              <a:t>Static versus Dynamic </a:t>
+            </a:r>
+            <a:r>
+              <a:rPr lang="en-US" dirty="0" smtClean="0">
+                <a:latin typeface="Arial" charset="0"/>
+                <a:ea typeface="ＭＳ Ｐゴシック" charset="0"/>
+              </a:rPr>
+              <a:t>Mapping</a:t>
+            </a:r>
+            <a:endParaRPr lang="en-US" dirty="0">
+              <a:latin typeface="Arial" charset="0"/>
+              <a:ea typeface="ＭＳ Ｐゴシック" charset="0"/>
+            </a:endParaRPr>
+          </a:p>
+        </p:txBody>
+      </p:sp>
+    </p:spTree>
+    <p:extLst>
+      <p:ext uri="{BB962C8B-B14F-4D97-AF65-F5344CB8AC3E}">
+        <p14:creationId xmlns:p14="http://schemas.microsoft.com/office/powerpoint/2010/main" val="797019325"/>
+      </p:ext>
+    </p:extLst>
+  </p:cSld>
+  <p:clrMapOvr>
+    <a:masterClrMapping/>
+  </p:clrMapOvr>
+</p:sld>
+</file>
+
 <file path=ppt/slides/slide3.xml><?xml version="1.0" encoding="utf-8"?>
 <p:sld xmlns:a="http://schemas.openxmlformats.org/drawingml/2006/main" xmlns:r="http://schemas.openxmlformats.org/officeDocument/2006/relationships" xmlns:p="http://schemas.openxmlformats.org/presentationml/2006/main">
   <p:cSld>
@@ -10624,7 +10796,7 @@
                 <a:ea typeface="ＭＳ Ｐゴシック" charset="0"/>
                 <a:cs typeface="ＭＳ Ｐゴシック" charset="0"/>
               </a:rPr>
-              <a:t>Metrics of performance is </a:t>
+              <a:t>Metrics of performance </a:t>
             </a:r>
             <a:r>
               <a:rPr lang="en-US" sz="2000" dirty="0" smtClean="0">
@@ -10781,27 +10953,7 @@
                 <a:ea typeface="ＭＳ Ｐゴシック" charset="0"/>
                 <a:cs typeface="ＭＳ Ｐゴシック" charset="0"/>
               </a:rPr>
-              <a:t>Community (HEP) applications, essentially similar</a:t>
-            </a:r>
-          </a:p>
-          <a:p>
-            <a:pPr marL="227013" lvl="1" indent="-227013">
-              <a:lnSpc>
-                <a:spcPct val="90000"/>
-              </a:lnSpc>
-              <a:spcBef>
-                <a:spcPts val="1200"/>
-              </a:spcBef>
-              <a:buFontTx/>
-              <a:buChar char="•"/>
-            </a:pPr>
-            <a:r>
-              <a:rPr lang="en-US" sz="2000" dirty="0">
-                <a:latin typeface="Arial" charset="0"/>
-                <a:ea typeface="ＭＳ Ｐゴシック" charset="0"/>
-                <a:cs typeface="ＭＳ Ｐゴシック" charset="0"/>
-              </a:rPr>
-              <a:t>Explains why DC software environment is </a:t>
+              <a:t>Community (HEP) applications, essentially </a:t>
             </a:r>
             <a:r>
               <a:rPr lang="en-US" sz="2000" dirty="0" smtClean="0">
@@ -10809,18 +10961,61 @@
                 <a:ea typeface="ＭＳ Ｐゴシック" charset="0"/>
                 <a:cs typeface="ＭＳ Ｐゴシック" charset="0"/>
               </a:rPr>
+              <a:t>similar</a:t>
+            </a:r>
+          </a:p>
+          <a:p>
+            <a:pPr>
+              <a:lnSpc>
+                <a:spcPct val="90000"/>
+              </a:lnSpc>
+            </a:pPr>
+            <a:endParaRPr lang="en-US" dirty="0" smtClean="0">
+              <a:latin typeface="Arial" charset="0"/>
+              <a:ea typeface="ＭＳ Ｐゴシック" charset="0"/>
+              <a:cs typeface="ＭＳ Ｐゴシック" charset="0"/>
+            </a:endParaRPr>
+          </a:p>
+          <a:p>
+            <a:pPr>
+              <a:lnSpc>
+                <a:spcPct val="90000"/>
+              </a:lnSpc>
+            </a:pPr>
+            <a:r>
+              <a:rPr lang="en-US" dirty="0" smtClean="0">
+                <a:latin typeface="Arial" charset="0"/>
+                <a:ea typeface="ＭＳ Ｐゴシック" charset="0"/>
+                <a:cs typeface="ＭＳ Ｐゴシック" charset="0"/>
+              </a:rPr>
+              <a:t>Explains </a:t>
+            </a:r>
+            <a:r>
+              <a:rPr lang="en-US" dirty="0">
+                <a:latin typeface="Arial" charset="0"/>
+                <a:ea typeface="ＭＳ Ｐゴシック" charset="0"/>
+                <a:cs typeface="ＭＳ Ｐゴシック" charset="0"/>
+              </a:rPr>
+              <a:t>why DC software environment is </a:t>
+            </a:r>
+            <a:r>
+              <a:rPr lang="en-US" dirty="0" smtClean="0">
+                <a:latin typeface="Arial" charset="0"/>
+                <a:ea typeface="ＭＳ Ｐゴシック" charset="0"/>
+                <a:cs typeface="ＭＳ Ｐゴシック" charset="0"/>
+              </a:rPr>
               <a:t>complex, points to an </a:t>
             </a:r>
             <a:r>
-              <a:rPr lang="en-US" sz="2000" dirty="0" smtClean="0"/>
+              <a:rPr lang="en-US" dirty="0" smtClean="0"/>
               <a:t>important </a:t>
             </a:r>
             <a:r>
-              <a:rPr lang="en-US" sz="2000" dirty="0"/>
+              <a:rPr lang="en-US" dirty="0"/>
               <a:t>role for </a:t>
             </a:r>
             <a:r>
-              <a:rPr lang="en-US" sz="2000" dirty="0" smtClean="0"/>
+              <a:rPr lang="en-US" dirty="0" smtClean="0"/>
               <a:t>middleware</a:t>
             </a:r>
           </a:p>
@@ -10838,36 +11033,18 @@
               <a:t>Integrate </a:t>
             </a:r>
             <a:r>
+              <a:rPr lang="en-US" sz="2000" dirty="0" smtClean="0">
+                <a:latin typeface="Arial" charset="0"/>
+                <a:ea typeface="ＭＳ Ｐゴシック" charset="0"/>
+              </a:rPr>
+              <a:t>services: heterogeneous software &amp; system </a:t>
+            </a:r>
+            <a:r>
               <a:rPr lang="en-US" sz="2000" dirty="0">
                 <a:latin typeface="Arial" charset="0"/>
                 <a:ea typeface="ＭＳ Ｐゴシック" charset="0"/>
               </a:rPr>
-              <a:t>services and extend </a:t>
-            </a:r>
-            <a:r>
-              <a:rPr lang="en-US" sz="2000" dirty="0" smtClean="0">
-                <a:latin typeface="Arial" charset="0"/>
-                <a:ea typeface="ＭＳ Ｐゴシック" charset="0"/>
-              </a:rPr>
-              <a:t>tools</a:t>
-            </a:r>
-            <a:r>
-              <a:rPr lang="en-US" sz="2000" dirty="0" smtClean="0"/>
-              <a:t> amidst </a:t>
-            </a:r>
-            <a:r>
-              <a:rPr lang="en-US" sz="2000" dirty="0" smtClean="0">
-                <a:latin typeface="Arial" charset="0"/>
-                <a:ea typeface="ＭＳ Ｐゴシック" charset="0"/>
-              </a:rPr>
-              <a:t>heterogeneous </a:t>
-            </a:r>
-            <a:r>
-              <a:rPr lang="en-US" sz="2000" dirty="0">
-                <a:latin typeface="Arial" charset="0"/>
-                <a:ea typeface="ＭＳ Ｐゴシック" charset="0"/>
-              </a:rPr>
-              <a:t>software and system access </a:t>
+              <a:t>access </a:t>
             </a:r>
             <a:r>
               <a:rPr lang="en-US" sz="2000" dirty="0" smtClean="0">
@@ -11040,11 +11217,12 @@
             </a:r>
           </a:p>
           <a:p>
-            <a:pPr marL="344488" indent="-342900">
+            <a:pPr marL="1588" indent="0">
               <a:buClr>
                 <a:srgbClr val="000000"/>
               </a:buClr>
               <a:buSzPct val="100000"/>
+              <a:buNone/>
             </a:pPr>
             <a:endParaRPr lang="en-US" dirty="0" smtClean="0">
               <a:solidFill>
@@ -11595,7 +11773,7 @@
               </a:rPr>
               <a:t>performance</a:t>
             </a:r>
-            <a:endParaRPr lang="en-US" dirty="0" smtClean="0">
+            <a:endParaRPr lang="en-US" sz="2000" dirty="0" smtClean="0">
               <a:solidFill>
                 <a:schemeClr val="tx1">
                   <a:lumMod val="65000"/>
@@ -11605,12 +11783,8 @@
             </a:endParaRPr>
           </a:p>
           <a:p>
-            <a:pPr marL="0" indent="0">
-              <a:buClr>
-                <a:srgbClr val="000000"/>
-              </a:buClr>
-              <a:buSzPct val="100000"/>
-              <a:buNone/>
+            <a:pPr marL="1322388" lvl="2" indent="-381000">
+              <a:buSzPct val="80000"/>
             </a:pPr>
             <a:endParaRPr lang="en-US" dirty="0">
               <a:solidFill>
@@ -11622,11 +11796,8 @@
             </a:endParaRPr>
           </a:p>
           <a:p>
-            <a:pPr lvl="1">
-              <a:buClr>
-                <a:srgbClr val="000000"/>
-              </a:buClr>
-              <a:buSzPct val="100000"/>
+            <a:pPr marL="914400" lvl="1" indent="-381000">
+              <a:buSzPct val="80000"/>
             </a:pPr>
             <a:r>
               <a:rPr lang="en-US" sz="2000" dirty="0" smtClean="0">
@@ -11637,10 +11808,10 @@
                   </a:schemeClr>
                 </a:solidFill>
               </a:rPr>
-              <a:t>Exposes well-</a:t>
-            </a:r>
-            <a:r>
-              <a:rPr lang="en" sz="2000" dirty="0" smtClean="0">
+              <a:t>Exposes </a:t>
+            </a:r>
+            <a:r>
+              <a:rPr lang="en-US" sz="2000" dirty="0" smtClean="0">
                 <a:solidFill>
                   <a:schemeClr val="tx1">
                     <a:lumMod val="65000"/>
@@ -11648,18 +11819,10 @@
                   </a:schemeClr>
                 </a:solidFill>
               </a:rPr>
-              <a:t>defined </a:t>
-            </a:r>
-            <a:r>
-              <a:rPr lang="en-US" sz="2000" dirty="0" smtClean="0">
-                <a:solidFill>
-                  <a:srgbClr val="800000"/>
-                </a:solidFill>
-              </a:rPr>
-              <a:t>capabilities</a:t>
-            </a:r>
-            <a:r>
-              <a:rPr lang="en-US" sz="2000" dirty="0" smtClean="0">
+              <a:t>well-</a:t>
+            </a:r>
+            <a:r>
+              <a:rPr lang="en" sz="2000" dirty="0" smtClean="0">
                 <a:solidFill>
                   <a:schemeClr val="tx1">
                     <a:lumMod val="65000"/>
@@ -11667,15 +11830,42 @@
                   </a:schemeClr>
                 </a:solidFill>
               </a:rPr>
-              <a:t> rather than technology</a:t>
-            </a:r>
-          </a:p>
-          <a:p>
-            <a:pPr lvl="3">
-              <a:buClr>
-                <a:srgbClr val="000000"/>
-              </a:buClr>
-              <a:buSzPct val="100000"/>
+              <a:t>defined </a:t>
+            </a:r>
+            <a:r>
+              <a:rPr lang="en-US" sz="2000" dirty="0" smtClean="0">
+                <a:solidFill>
+                  <a:srgbClr val="800000"/>
+                </a:solidFill>
+              </a:rPr>
+              <a:t>capabilities</a:t>
+            </a:r>
+            <a:r>
+              <a:rPr lang="en-US" sz="2000" dirty="0" smtClean="0">
+                <a:solidFill>
+                  <a:schemeClr val="tx1">
+                    <a:lumMod val="65000"/>
+                    <a:lumOff val="35000"/>
+                  </a:schemeClr>
+                </a:solidFill>
+              </a:rPr>
+              <a:t> rather than </a:t>
+            </a:r>
+            <a:r>
+              <a:rPr lang="en-US" sz="2000" dirty="0" smtClean="0">
+                <a:solidFill>
+                  <a:schemeClr val="tx1">
+                    <a:lumMod val="65000"/>
+                    <a:lumOff val="35000"/>
+                  </a:schemeClr>
+                </a:solidFill>
+              </a:rPr>
+              <a:t>technology</a:t>
+            </a:r>
+          </a:p>
+          <a:p>
+            <a:pPr marL="1322388" lvl="2" indent="-381000">
+              <a:buSzPct val="80000"/>
             </a:pPr>
             <a:r>
               <a:rPr lang="en" sz="2000" dirty="0" smtClean="0"/>
@@ -11687,20 +11877,21 @@
             </a:r>
             <a:r>
               <a:rPr lang="en-US" sz="2000" dirty="0" smtClean="0"/>
-              <a:t>approach used</a:t>
+              <a:t>approach </a:t>
+            </a:r>
+            <a:r>
+              <a:rPr lang="en-US" sz="2000" dirty="0" smtClean="0"/>
+              <a:t>used</a:t>
             </a:r>
             <a:endParaRPr lang="en-US" sz="2000" dirty="0"/>
           </a:p>
           <a:p>
-            <a:pPr lvl="3">
-              <a:buClr>
-                <a:srgbClr val="000000"/>
-              </a:buClr>
-              <a:buSzPct val="100000"/>
+            <a:pPr marL="1322388" lvl="2" indent="-381000">
+              <a:buSzPct val="80000"/>
             </a:pPr>
             <a:r>
               <a:rPr lang="en-US" sz="2000" dirty="0" smtClean="0"/>
-              <a:t>e.g</a:t>
+              <a:t>E.g</a:t>
             </a:r>
             <a:r>
               <a:rPr lang="en-US" sz="2000" dirty="0"/>
@@ -12247,7 +12438,7 @@
             </a:r>
           </a:p>
           <a:p>
-            <a:pPr marL="457200" lvl="1" indent="0">
+            <a:pPr>
               <a:lnSpc>
                 <a:spcPct val="115000"/>
               </a:lnSpc>
@@ -12257,17 +12448,25 @@
               <a:buClr>
                 <a:srgbClr val="000000"/>
               </a:buClr>
-              <a:buSzPct val="55000"/>
-              <a:buNone/>
+              <a:buSzPct val="100000"/>
+              <a:buFont typeface="Arial"/>
+              <a:buChar char="•"/>
             </a:pPr>
-            <a:endParaRPr lang="en-US" dirty="0" smtClean="0">
-              <a:solidFill>
-                <a:srgbClr val="000000"/>
-              </a:solidFill>
-            </a:endParaRPr>
-          </a:p>
-          <a:p>
-            <a:pPr>
+            <a:r>
+              <a:rPr lang="en-US" dirty="0" smtClean="0"/>
+              <a:t>Relationship </a:t>
+            </a:r>
+            <a:r>
+              <a:rPr lang="en-US" dirty="0"/>
+              <a:t>between models and </a:t>
+            </a:r>
+            <a:r>
+              <a:rPr lang="en-US" dirty="0" smtClean="0"/>
+              <a:t>reasoning</a:t>
+            </a:r>
+          </a:p>
+          <a:p>
+            <a:pPr lvl="1">
               <a:lnSpc>
                 <a:spcPct val="115000"/>
               </a:lnSpc>
@@ -12281,78 +12480,19 @@
             </a:pPr>
             <a:r>
               <a:rPr lang="en-US" dirty="0" smtClean="0"/>
-              <a:t>Relationship </a:t>
+              <a:t>Two </a:t>
             </a:r>
             <a:r>
               <a:rPr lang="en-US" dirty="0"/>
-              <a:t>between models and </a:t>
-            </a:r>
-            <a:r>
-              <a:rPr lang="en-US" dirty="0" smtClean="0"/>
-              <a:t>reasoning</a:t>
-            </a:r>
-          </a:p>
-          <a:p>
-            <a:pPr marL="1020762" lvl="1" indent="-514350"/>
-            <a:r>
-              <a:rPr lang="en-US" dirty="0"/>
-              <a:t>Two levels of conceptual abstractions to enable reasoning:</a:t>
-            </a:r>
-          </a:p>
-          <a:p>
-            <a:pPr marL="1020762" lvl="1" indent="-514350"/>
-            <a:r>
-              <a:rPr lang="en" dirty="0" smtClean="0"/>
-              <a:t>Models </a:t>
-            </a:r>
-            <a:r>
-              <a:rPr lang="en" dirty="0"/>
-              <a:t>that enable reasoning</a:t>
-            </a:r>
-            <a:r>
-              <a:rPr lang="en-US" dirty="0"/>
-              <a:t> at multiple, integrated levels to provide performance estimation and predictability</a:t>
-            </a:r>
-          </a:p>
-          <a:p>
-            <a:pPr lvl="3">
-              <a:buFont typeface="Arial"/>
-              <a:buChar char="•"/>
-            </a:pPr>
-            <a:r>
-              <a:rPr lang="en" dirty="0"/>
-              <a:t>When and how to distribute</a:t>
-            </a:r>
-            <a:r>
-              <a:rPr lang="en-US" dirty="0"/>
-              <a:t>? What and where?</a:t>
-            </a:r>
-          </a:p>
-          <a:p>
-            <a:pPr lvl="3">
-              <a:buFont typeface="Arial"/>
-              <a:buChar char="•"/>
-            </a:pPr>
-            <a:r>
-              <a:rPr lang="en-US" dirty="0"/>
-              <a:t> A </a:t>
-            </a:r>
-            <a:r>
-              <a:rPr lang="en-US" dirty="0" err="1"/>
-              <a:t>Linpack</a:t>
-            </a:r>
-            <a:r>
-              <a:rPr lang="en-US" dirty="0"/>
-              <a:t> for distributed systems/applications</a:t>
-            </a:r>
-            <a:r>
-              <a:rPr lang="en-US" dirty="0" smtClean="0"/>
-              <a:t>?</a:t>
-            </a:r>
-            <a:endParaRPr lang="en-US" dirty="0"/>
-          </a:p>
-          <a:p>
-            <a:pPr>
+              <a:t>levels of conceptual abstractions to enable </a:t>
+            </a:r>
+            <a:r>
+              <a:rPr lang="en-US" dirty="0" smtClean="0"/>
+              <a:t>reasoning:</a:t>
+            </a:r>
+          </a:p>
+          <a:p>
+            <a:pPr lvl="1">
               <a:lnSpc>
                 <a:spcPct val="115000"/>
               </a:lnSpc>
@@ -12364,24 +12504,68 @@
               </a:buClr>
               <a:buSzPct val="55000"/>
             </a:pPr>
-            <a:endParaRPr lang="en-US" dirty="0" smtClean="0"/>
+            <a:r>
+              <a:rPr lang="en" dirty="0" smtClean="0"/>
+              <a:t>Models </a:t>
+            </a:r>
+            <a:r>
+              <a:rPr lang="en" dirty="0"/>
+              <a:t>that enable reasoning</a:t>
+            </a:r>
+            <a:r>
+              <a:rPr lang="en-US" dirty="0"/>
+              <a:t> at multiple, integrated levels to provide performance estimation and predictability</a:t>
+            </a:r>
+          </a:p>
+          <a:p>
+            <a:pPr lvl="3">
+              <a:buFont typeface="Arial"/>
+              <a:buChar char="•"/>
+            </a:pPr>
+            <a:r>
+              <a:rPr lang="en" dirty="0"/>
+              <a:t>When and how to distribute</a:t>
+            </a:r>
+            <a:r>
+              <a:rPr lang="en-US" dirty="0"/>
+              <a:t>? What and where?</a:t>
+            </a:r>
+          </a:p>
+          <a:p>
+            <a:pPr lvl="3">
+              <a:buFont typeface="Arial"/>
+              <a:buChar char="•"/>
+            </a:pPr>
+            <a:r>
+              <a:rPr lang="en-US" dirty="0"/>
+              <a:t> A </a:t>
+            </a:r>
+            <a:r>
+              <a:rPr lang="en-US" dirty="0" err="1"/>
+              <a:t>Linpack</a:t>
+            </a:r>
+            <a:r>
+              <a:rPr lang="en-US" dirty="0"/>
+              <a:t> for distributed systems/applications</a:t>
+            </a:r>
+            <a:r>
+              <a:rPr lang="en-US" dirty="0" smtClean="0"/>
+              <a:t>?</a:t>
+            </a:r>
+            <a:endParaRPr lang="en-US" dirty="0"/>
           </a:p>
           <a:p>
             <a:pPr>
-              <a:lnSpc>
-                <a:spcPct val="115000"/>
-              </a:lnSpc>
-              <a:spcBef>
-                <a:spcPts val="500"/>
-              </a:spcBef>
-              <a:buClr>
-                <a:srgbClr val="000000"/>
-              </a:buClr>
-              <a:buSzPct val="55000"/>
+              <a:buFont typeface="Arial"/>
+              <a:buChar char="•"/>
             </a:pPr>
             <a:r>
               <a:rPr lang="en-US" dirty="0" smtClean="0"/>
-              <a:t>In turn need models of semantics – static and dynamic, and performance</a:t>
+              <a:t>In </a:t>
+            </a:r>
+            <a:r>
+              <a:rPr lang="en-US" dirty="0" smtClean="0"/>
+              <a:t>turn need models of semantics – static and dynamic, and performance</a:t>
             </a:r>
           </a:p>
           <a:p>

--- a/presentations/radical-modsim.pptx
+++ b/presentations/radical-modsim.pptx
@@ -31,12 +31,12 @@
     <p:sldId id="328" r:id="rId22"/>
     <p:sldId id="295" r:id="rId23"/>
     <p:sldId id="348" r:id="rId24"/>
-    <p:sldId id="284" r:id="rId25"/>
-    <p:sldId id="336" r:id="rId26"/>
-    <p:sldId id="341" r:id="rId27"/>
-    <p:sldId id="342" r:id="rId28"/>
-    <p:sldId id="347" r:id="rId29"/>
-    <p:sldId id="349" r:id="rId30"/>
+    <p:sldId id="336" r:id="rId25"/>
+    <p:sldId id="341" r:id="rId26"/>
+    <p:sldId id="342" r:id="rId27"/>
+    <p:sldId id="347" r:id="rId28"/>
+    <p:sldId id="349" r:id="rId29"/>
+    <p:sldId id="350" r:id="rId30"/>
   </p:sldIdLst>
   <p:sldSz cx="9144000" cy="6858000" type="screen4x3"/>
   <p:notesSz cx="6858000" cy="9144000"/>
@@ -1344,11 +1344,11 @@
 </file>
 
 <file path=ppt/notesSlides/notesSlide18.xml><?xml version="1.0" encoding="utf-8"?>
-<p:notes xmlns:a="http://schemas.openxmlformats.org/drawingml/2006/main" xmlns:r="http://schemas.openxmlformats.org/officeDocument/2006/relationships" xmlns:p="http://schemas.openxmlformats.org/presentationml/2006/main" showMasterSp="0" showMasterPhAnim="0">
+<p:notes xmlns:a="http://schemas.openxmlformats.org/drawingml/2006/main" xmlns:r="http://schemas.openxmlformats.org/officeDocument/2006/relationships" xmlns:p="http://schemas.openxmlformats.org/presentationml/2006/main">
   <p:cSld>
     <p:spTree>
       <p:nvGrpSpPr>
-        <p:cNvPr id="1" name="Shape 49"/>
+        <p:cNvPr id="1" name=""/>
         <p:cNvGrpSpPr/>
         <p:nvPr/>
       </p:nvGrpSpPr>
@@ -1362,12 +1362,12 @@
       </p:grpSpPr>
       <p:sp>
         <p:nvSpPr>
-          <p:cNvPr id="50" name="Shape 50"/>
+          <p:cNvPr id="2" name="Slide Image Placeholder 1"/>
           <p:cNvSpPr>
             <a:spLocks noGrp="1" noRot="1" noChangeAspect="1"/>
           </p:cNvSpPr>
           <p:nvPr>
-            <p:ph type="sldImg" idx="2"/>
+            <p:ph type="sldImg"/>
           </p:nvPr>
         </p:nvSpPr>
         <p:spPr>
@@ -1375,102 +1375,50 @@
             <a:off x="1143000" y="685800"/>
             <a:ext cx="4572000" cy="3429000"/>
           </a:xfrm>
-          <a:custGeom>
-            <a:avLst/>
-            <a:gdLst/>
-            <a:ahLst/>
-            <a:cxnLst/>
-            <a:rect l="0" t="0" r="0" b="0"/>
-            <a:pathLst>
-              <a:path w="120000" h="120000" extrusionOk="0">
-                <a:moveTo>
-                  <a:pt x="0" y="0"/>
-                </a:moveTo>
-                <a:lnTo>
-                  <a:pt x="120000" y="0"/>
-                </a:lnTo>
-                <a:lnTo>
-                  <a:pt x="120000" y="120000"/>
-                </a:lnTo>
-                <a:lnTo>
-                  <a:pt x="0" y="120000"/>
-                </a:lnTo>
-                <a:close/>
-              </a:path>
-            </a:pathLst>
-          </a:custGeom>
         </p:spPr>
       </p:sp>
       <p:sp>
         <p:nvSpPr>
-          <p:cNvPr id="51" name="Shape 51"/>
-          <p:cNvSpPr txBox="1">
+          <p:cNvPr id="3" name="Notes Placeholder 2"/>
+          <p:cNvSpPr>
             <a:spLocks noGrp="1"/>
           </p:cNvSpPr>
           <p:nvPr>
             <p:ph type="body" idx="1"/>
           </p:nvPr>
         </p:nvSpPr>
-        <p:spPr>
-          <a:xfrm>
-            <a:off x="685800" y="4343400"/>
-            <a:ext cx="5486399" cy="4114800"/>
-          </a:xfrm>
-          <a:prstGeom prst="rect">
-            <a:avLst/>
-          </a:prstGeom>
-        </p:spPr>
+        <p:spPr/>
         <p:txBody>
-          <a:bodyPr lIns="91425" tIns="91425" rIns="91425" bIns="91425" anchor="t" anchorCtr="0">
-            <a:noAutofit/>
-          </a:bodyPr>
+          <a:bodyPr/>
           <a:lstStyle/>
           <a:p>
             <a:r>
-              <a:rPr lang="en-US" dirty="0" smtClean="0">
-                <a:solidFill>
-                  <a:srgbClr val="606060"/>
-                </a:solidFill>
-              </a:rPr>
-              <a:t>D</a:t>
-            </a:r>
-            <a:r>
-              <a:rPr lang="en" dirty="0" smtClean="0">
-                <a:solidFill>
-                  <a:srgbClr val="606060"/>
-                </a:solidFill>
-              </a:rPr>
-              <a:t>ata generation </a:t>
-            </a:r>
-            <a:r>
-              <a:rPr lang="en-US" dirty="0" smtClean="0">
-                <a:solidFill>
-                  <a:srgbClr val="606060"/>
-                </a:solidFill>
-              </a:rPr>
-              <a:t>doubles every </a:t>
-            </a:r>
-            <a:r>
-              <a:rPr lang="en" dirty="0" smtClean="0">
-                <a:solidFill>
-                  <a:srgbClr val="606060"/>
-                </a:solidFill>
-              </a:rPr>
-              <a:t>&lt;&lt; 12 months</a:t>
-            </a:r>
-            <a:r>
-              <a:rPr lang="en-US" dirty="0" smtClean="0">
-                <a:solidFill>
-                  <a:srgbClr val="606060"/>
-                </a:solidFill>
-              </a:rPr>
-              <a:t>, i.e. faster than the doubling  rate of data storage (roughly 18 months)</a:t>
-            </a:r>
-            <a:endParaRPr dirty="0"/>
+              <a:rPr lang="en-US" dirty="0" smtClean="0"/>
+              <a:t>“Perfection is achieved, not when there is nothing more to add, but when   </a:t>
+            </a:r>
+          </a:p>
+          <a:p>
+            <a:r>
+              <a:rPr lang="en-US" dirty="0" smtClean="0"/>
+              <a:t>there is nothing left to take away”. </a:t>
+            </a:r>
+            <a:r>
+              <a:rPr lang="en-US" baseline="0" dirty="0" smtClean="0"/>
+              <a:t> Have we moved beyond perfection?</a:t>
+            </a:r>
+            <a:endParaRPr lang="en-US" dirty="0" smtClean="0"/>
+          </a:p>
+          <a:p>
+            <a:endParaRPr lang="en-US" dirty="0"/>
           </a:p>
         </p:txBody>
       </p:sp>
     </p:spTree>
+    <p:extLst>
+      <p:ext uri="{BB962C8B-B14F-4D97-AF65-F5344CB8AC3E}">
+        <p14:creationId xmlns:p14="http://schemas.microsoft.com/office/powerpoint/2010/main" val="396830456"/>
+      </p:ext>
+    </p:extLst>
   </p:cSld>
   <p:clrMapOvr>
     <a:masterClrMapping/>
@@ -1655,7 +1603,15 @@
           </a:bodyPr>
           <a:lstStyle/>
           <a:p>
-            <a:endParaRPr/>
+            <a:r>
+              <a:rPr lang="en-US" dirty="0" smtClean="0"/>
+              <a:t>Will try to end in</a:t>
+            </a:r>
+            <a:r>
+              <a:rPr lang="en-US" baseline="0" dirty="0" smtClean="0"/>
+              <a:t> a non-traditional way, by using the Organizers Qs as a way to summarize the talk</a:t>
+            </a:r>
+            <a:endParaRPr dirty="0"/>
           </a:p>
         </p:txBody>
       </p:sp>
@@ -1749,6 +1705,141 @@
         <p14:creationId xmlns:p14="http://schemas.microsoft.com/office/powerpoint/2010/main" val="1073575463"/>
       </p:ext>
     </p:extLst>
+  </p:cSld>
+  <p:clrMapOvr>
+    <a:masterClrMapping/>
+  </p:clrMapOvr>
+</p:notes>
+</file>
+
+<file path=ppt/notesSlides/notesSlide21.xml><?xml version="1.0" encoding="utf-8"?>
+<p:notes xmlns:a="http://schemas.openxmlformats.org/drawingml/2006/main" xmlns:r="http://schemas.openxmlformats.org/officeDocument/2006/relationships" xmlns:p="http://schemas.openxmlformats.org/presentationml/2006/main" showMasterSp="0" showMasterPhAnim="0">
+  <p:cSld>
+    <p:spTree>
+      <p:nvGrpSpPr>
+        <p:cNvPr id="1" name="Shape 49"/>
+        <p:cNvGrpSpPr/>
+        <p:nvPr/>
+      </p:nvGrpSpPr>
+      <p:grpSpPr>
+        <a:xfrm>
+          <a:off x="0" y="0"/>
+          <a:ext cx="0" cy="0"/>
+          <a:chOff x="0" y="0"/>
+          <a:chExt cx="0" cy="0"/>
+        </a:xfrm>
+      </p:grpSpPr>
+      <p:sp>
+        <p:nvSpPr>
+          <p:cNvPr id="50" name="Shape 50"/>
+          <p:cNvSpPr>
+            <a:spLocks noGrp="1" noRot="1" noChangeAspect="1"/>
+          </p:cNvSpPr>
+          <p:nvPr>
+            <p:ph type="sldImg" idx="2"/>
+          </p:nvPr>
+        </p:nvSpPr>
+        <p:spPr>
+          <a:xfrm>
+            <a:off x="1143000" y="685800"/>
+            <a:ext cx="4572000" cy="3429000"/>
+          </a:xfrm>
+          <a:custGeom>
+            <a:avLst/>
+            <a:gdLst/>
+            <a:ahLst/>
+            <a:cxnLst/>
+            <a:rect l="0" t="0" r="0" b="0"/>
+            <a:pathLst>
+              <a:path w="120000" h="120000" extrusionOk="0">
+                <a:moveTo>
+                  <a:pt x="0" y="0"/>
+                </a:moveTo>
+                <a:lnTo>
+                  <a:pt x="120000" y="0"/>
+                </a:lnTo>
+                <a:lnTo>
+                  <a:pt x="120000" y="120000"/>
+                </a:lnTo>
+                <a:lnTo>
+                  <a:pt x="0" y="120000"/>
+                </a:lnTo>
+                <a:close/>
+              </a:path>
+            </a:pathLst>
+          </a:custGeom>
+        </p:spPr>
+      </p:sp>
+      <p:sp>
+        <p:nvSpPr>
+          <p:cNvPr id="51" name="Shape 51"/>
+          <p:cNvSpPr txBox="1">
+            <a:spLocks noGrp="1"/>
+          </p:cNvSpPr>
+          <p:nvPr>
+            <p:ph type="body" idx="1"/>
+          </p:nvPr>
+        </p:nvSpPr>
+        <p:spPr>
+          <a:xfrm>
+            <a:off x="685800" y="4343400"/>
+            <a:ext cx="5486399" cy="4114800"/>
+          </a:xfrm>
+          <a:prstGeom prst="rect">
+            <a:avLst/>
+          </a:prstGeom>
+        </p:spPr>
+        <p:txBody>
+          <a:bodyPr lIns="91425" tIns="91425" rIns="91425" bIns="91425" anchor="t" anchorCtr="0">
+            <a:noAutofit/>
+          </a:bodyPr>
+          <a:lstStyle/>
+          <a:p>
+            <a:r>
+              <a:rPr lang="en-US" dirty="0" smtClean="0">
+                <a:solidFill>
+                  <a:srgbClr val="606060"/>
+                </a:solidFill>
+              </a:rPr>
+              <a:t>D</a:t>
+            </a:r>
+            <a:r>
+              <a:rPr lang="en" dirty="0" smtClean="0">
+                <a:solidFill>
+                  <a:srgbClr val="606060"/>
+                </a:solidFill>
+              </a:rPr>
+              <a:t>ata generation </a:t>
+            </a:r>
+            <a:r>
+              <a:rPr lang="en-US" dirty="0" smtClean="0">
+                <a:solidFill>
+                  <a:srgbClr val="606060"/>
+                </a:solidFill>
+              </a:rPr>
+              <a:t>doubles every </a:t>
+            </a:r>
+            <a:r>
+              <a:rPr lang="en" dirty="0" smtClean="0">
+                <a:solidFill>
+                  <a:srgbClr val="606060"/>
+                </a:solidFill>
+              </a:rPr>
+              <a:t>&lt;&lt; 12 months</a:t>
+            </a:r>
+            <a:r>
+              <a:rPr lang="en-US" dirty="0" smtClean="0">
+                <a:solidFill>
+                  <a:srgbClr val="606060"/>
+                </a:solidFill>
+              </a:rPr>
+              <a:t>, i.e. faster than the doubling  rate of data storage (roughly 18 months)</a:t>
+            </a:r>
+            <a:endParaRPr dirty="0"/>
+          </a:p>
+        </p:txBody>
+      </p:sp>
+    </p:spTree>
   </p:cSld>
   <p:clrMapOvr>
     <a:masterClrMapping/>
@@ -8421,15 +8512,38 @@
             <a:pPr lvl="1"/>
             <a:r>
               <a:rPr lang="en-US" dirty="0" smtClean="0"/>
-              <a:t>Model-based, Capability-driven Middleware for Distributed </a:t>
+              <a:t>Model-based, Capability-driven Middleware for DEC</a:t>
+            </a:r>
+          </a:p>
+          <a:p>
+            <a:pPr lvl="1"/>
+            <a:r>
+              <a:rPr lang="en-US" dirty="0" smtClean="0"/>
+              <a:t>DEC not a fringe effort but show one possible approach to synergize and couple modeling </a:t>
+            </a:r>
+            <a:r>
+              <a:rPr lang="en-US" dirty="0"/>
+              <a:t>DEC </a:t>
+            </a:r>
+            <a:r>
+              <a:rPr lang="en-US" dirty="0" smtClean="0"/>
+              <a:t>with traditional </a:t>
             </a:r>
             <a:r>
               <a:rPr lang="en-US" dirty="0" err="1" smtClean="0"/>
-              <a:t>Exascale</a:t>
+              <a:t>exascale</a:t>
             </a:r>
             <a:r>
               <a:rPr lang="en-US" dirty="0" smtClean="0"/>
               <a:t> </a:t>
+            </a:r>
+            <a:r>
+              <a:rPr lang="en-US" dirty="0"/>
+              <a:t>modeling </a:t>
+            </a:r>
+            <a:r>
+              <a:rPr lang="en-US" dirty="0" smtClean="0"/>
+              <a:t>efforts</a:t>
             </a:r>
             <a:endParaRPr lang="en-US" dirty="0" smtClean="0"/>
           </a:p>
@@ -8454,8 +8568,19 @@
           <a:p>
             <a:pPr lvl="1"/>
             <a:r>
-              <a:rPr lang="en-US" dirty="0" smtClean="0"/>
-              <a:t>Focus on NGMW for resource federation, relying upon advances in identity management federation to address policy/AAA issues of dynamic resource</a:t>
+              <a:rPr lang="en-US" dirty="0" err="1" smtClean="0"/>
+              <a:t>ModSim</a:t>
+            </a:r>
+            <a:r>
+              <a:rPr lang="en-US" dirty="0" smtClean="0"/>
+              <a:t> is necessary for DEC, but is it sufficient to capture requirements? </a:t>
+            </a:r>
+          </a:p>
+          <a:p>
+            <a:pPr lvl="2"/>
+            <a:r>
+              <a:rPr lang="en-US" dirty="0" smtClean="0"/>
+              <a:t>Focus on resource federation, relying upon advances in identity management to address policy/AAA issues of dynamic resource</a:t>
             </a:r>
             <a:endParaRPr lang="en-US" dirty="0" smtClean="0"/>
           </a:p>
@@ -8486,7 +8611,15 @@
             <a:pPr lvl="1"/>
             <a:r>
               <a:rPr lang="en-US" dirty="0" smtClean="0"/>
-              <a:t>Projects that are working parts of the problem:</a:t>
+              <a:t>Projects that focus on other aspects of the problem; unclear </a:t>
+            </a:r>
+            <a:r>
+              <a:rPr lang="en-US" dirty="0"/>
+              <a:t>which parts are going to be most critical, rewarding</a:t>
+            </a:r>
+            <a:r>
+              <a:rPr lang="en-US" dirty="0" smtClean="0"/>
+              <a:t>?</a:t>
             </a:r>
           </a:p>
           <a:p>
@@ -8507,24 +8640,8 @@
             <a:pPr lvl="2"/>
             <a:r>
               <a:rPr lang="en-US" dirty="0" smtClean="0"/>
-              <a:t>Static </a:t>
-            </a:r>
-            <a:r>
-              <a:rPr lang="en-US" dirty="0" err="1" smtClean="0"/>
-              <a:t>vs</a:t>
-            </a:r>
-            <a:r>
-              <a:rPr lang="en-US" dirty="0" smtClean="0"/>
-              <a:t> dynamic mapping </a:t>
-            </a:r>
-          </a:p>
-          <a:p>
-            <a:pPr lvl="1"/>
-            <a:r>
-              <a:rPr lang="en-US" dirty="0" smtClean="0"/>
-              <a:t>Unclear which parts are going to be most critical, rewarding?</a:t>
-            </a:r>
-            <a:endParaRPr lang="en-US" dirty="0" smtClean="0"/>
+              <a:t>Static versus dynamic mapping </a:t>
+            </a:r>
           </a:p>
         </p:txBody>
       </p:sp>
@@ -8627,7 +8744,14 @@
             <a:pPr lvl="1"/>
             <a:r>
               <a:rPr lang="en-US" dirty="0" smtClean="0"/>
-              <a:t>Need to use models of Infrastructure provided by community</a:t>
+              <a:t>Need to use models of infrastructure provided by HPC community</a:t>
+            </a:r>
+          </a:p>
+          <a:p>
+            <a:pPr lvl="1"/>
+            <a:r>
+              <a:rPr lang="en-US" dirty="0" smtClean="0"/>
+              <a:t>Abstractions that we develop – capability, Pilots for dynamic resources etc. may have a role </a:t>
             </a:r>
             <a:endParaRPr lang="en-US" dirty="0" smtClean="0"/>
           </a:p>
@@ -8668,8 +8792,30 @@
             </a:r>
             <a:r>
               <a:rPr lang="en-US" dirty="0"/>
-              <a:t>  would you like to most see solved/addressed other than what they are working on?</a:t>
-            </a:r>
+              <a:t>  would you like to most see solved/addressed other than what they are working on</a:t>
+            </a:r>
+            <a:r>
+              <a:rPr lang="en-US" dirty="0" smtClean="0"/>
+              <a:t>?</a:t>
+            </a:r>
+          </a:p>
+          <a:p>
+            <a:pPr lvl="1">
+              <a:lnSpc>
+                <a:spcPct val="90000"/>
+              </a:lnSpc>
+            </a:pPr>
+            <a:r>
+              <a:rPr lang="en-US" dirty="0" smtClean="0"/>
+              <a:t>Theoretical work on integrating models of varying specificity, granularity and scale</a:t>
+            </a:r>
+            <a:endParaRPr lang="en-US" dirty="0"/>
+          </a:p>
+          <a:p>
+            <a:pPr marL="457200" lvl="1" indent="0">
+              <a:buNone/>
+            </a:pPr>
+            <a:endParaRPr lang="en-US" dirty="0"/>
           </a:p>
           <a:p>
             <a:pPr marL="0" indent="0">
@@ -8710,270 +8856,6 @@
 </file>
 
 <file path=ppt/slides/slide24.xml><?xml version="1.0" encoding="utf-8"?>
-<p:sld xmlns:a="http://schemas.openxmlformats.org/drawingml/2006/main" xmlns:r="http://schemas.openxmlformats.org/officeDocument/2006/relationships" xmlns:p="http://schemas.openxmlformats.org/presentationml/2006/main">
-  <p:cSld>
-    <p:spTree>
-      <p:nvGrpSpPr>
-        <p:cNvPr id="1" name="Shape 46"/>
-        <p:cNvGrpSpPr/>
-        <p:nvPr/>
-      </p:nvGrpSpPr>
-      <p:grpSpPr>
-        <a:xfrm>
-          <a:off x="0" y="0"/>
-          <a:ext cx="0" cy="0"/>
-          <a:chOff x="0" y="0"/>
-          <a:chExt cx="0" cy="0"/>
-        </a:xfrm>
-      </p:grpSpPr>
-      <p:sp>
-        <p:nvSpPr>
-          <p:cNvPr id="47" name="Shape 47"/>
-          <p:cNvSpPr txBox="1">
-            <a:spLocks noGrp="1"/>
-          </p:cNvSpPr>
-          <p:nvPr>
-            <p:ph type="title"/>
-          </p:nvPr>
-        </p:nvSpPr>
-        <p:spPr>
-          <a:prstGeom prst="rect">
-            <a:avLst/>
-          </a:prstGeom>
-        </p:spPr>
-        <p:txBody>
-          <a:bodyPr lIns="91425" tIns="91425" rIns="91425" bIns="91425" anchor="b" anchorCtr="0">
-            <a:noAutofit/>
-          </a:bodyPr>
-          <a:lstStyle/>
-          <a:p>
-            <a:pPr lvl="0" rtl="0">
-              <a:buNone/>
-            </a:pPr>
-            <a:r>
-              <a:rPr lang="en-US" dirty="0" err="1" smtClean="0"/>
-              <a:t>ModSim</a:t>
-            </a:r>
-            <a:r>
-              <a:rPr lang="en-US" dirty="0" smtClean="0"/>
-              <a:t> Challenges</a:t>
-            </a:r>
-            <a:r>
-              <a:rPr lang="en" dirty="0"/>
-              <a:t>	</a:t>
-            </a:r>
-          </a:p>
-        </p:txBody>
-      </p:sp>
-      <p:sp>
-        <p:nvSpPr>
-          <p:cNvPr id="48" name="Shape 48"/>
-          <p:cNvSpPr txBox="1">
-            <a:spLocks noGrp="1"/>
-          </p:cNvSpPr>
-          <p:nvPr>
-            <p:ph idx="4294967295"/>
-          </p:nvPr>
-        </p:nvSpPr>
-        <p:spPr>
-          <a:xfrm>
-            <a:off x="282231" y="789713"/>
-            <a:ext cx="8715010" cy="5146675"/>
-          </a:xfrm>
-          <a:prstGeom prst="rect">
-            <a:avLst/>
-          </a:prstGeom>
-        </p:spPr>
-        <p:txBody>
-          <a:bodyPr lIns="91425" tIns="91425" rIns="91425" bIns="91425" anchor="t" anchorCtr="0">
-            <a:noAutofit/>
-          </a:bodyPr>
-          <a:lstStyle/>
-          <a:p>
-            <a:pPr>
-              <a:lnSpc>
-                <a:spcPct val="90000"/>
-              </a:lnSpc>
-            </a:pPr>
-            <a:r>
-              <a:rPr lang="en-US" dirty="0" smtClean="0"/>
-              <a:t>Overarching Consideration: How does modeling DEC couple to and synergize with HPC </a:t>
-            </a:r>
-            <a:r>
-              <a:rPr lang="en-US" dirty="0" err="1" smtClean="0"/>
-              <a:t>exascale</a:t>
-            </a:r>
-            <a:r>
-              <a:rPr lang="en-US" dirty="0" smtClean="0"/>
-              <a:t> modeling efforts?</a:t>
-            </a:r>
-          </a:p>
-          <a:p>
-            <a:pPr>
-              <a:lnSpc>
-                <a:spcPct val="90000"/>
-              </a:lnSpc>
-            </a:pPr>
-            <a:r>
-              <a:rPr lang="en-US" dirty="0" smtClean="0"/>
-              <a:t>Operational Challenges: </a:t>
-            </a:r>
-          </a:p>
-          <a:p>
-            <a:pPr lvl="1">
-              <a:lnSpc>
-                <a:spcPct val="90000"/>
-              </a:lnSpc>
-            </a:pPr>
-            <a:r>
-              <a:rPr lang="en-US" dirty="0" smtClean="0"/>
-              <a:t>Granularity</a:t>
-            </a:r>
-          </a:p>
-          <a:p>
-            <a:pPr lvl="2">
-              <a:lnSpc>
-                <a:spcPct val="90000"/>
-              </a:lnSpc>
-            </a:pPr>
-            <a:r>
-              <a:rPr lang="en-US" dirty="0" smtClean="0"/>
-              <a:t>Different models of varying specificity</a:t>
-            </a:r>
-          </a:p>
-          <a:p>
-            <a:pPr lvl="2">
-              <a:lnSpc>
-                <a:spcPct val="90000"/>
-              </a:lnSpc>
-            </a:pPr>
-            <a:r>
-              <a:rPr lang="en-US" dirty="0" smtClean="0"/>
-              <a:t>Some are analytical, some are conceptual </a:t>
-            </a:r>
-          </a:p>
-          <a:p>
-            <a:pPr lvl="1">
-              <a:lnSpc>
-                <a:spcPct val="90000"/>
-              </a:lnSpc>
-            </a:pPr>
-            <a:r>
-              <a:rPr lang="en-US" dirty="0" smtClean="0"/>
-              <a:t>Multi-scale</a:t>
-            </a:r>
-          </a:p>
-          <a:p>
-            <a:pPr lvl="2">
-              <a:lnSpc>
-                <a:spcPct val="90000"/>
-              </a:lnSpc>
-            </a:pPr>
-            <a:r>
-              <a:rPr lang="en-US" dirty="0" smtClean="0"/>
-              <a:t>Macroscopic versus microscopic consequences</a:t>
-            </a:r>
-          </a:p>
-          <a:p>
-            <a:pPr lvl="1">
-              <a:lnSpc>
-                <a:spcPct val="90000"/>
-              </a:lnSpc>
-            </a:pPr>
-            <a:r>
-              <a:rPr lang="en-US" dirty="0" smtClean="0"/>
-              <a:t>Many possible parameters, which should be used?</a:t>
-            </a:r>
-          </a:p>
-          <a:p>
-            <a:pPr lvl="2">
-              <a:lnSpc>
-                <a:spcPct val="90000"/>
-              </a:lnSpc>
-            </a:pPr>
-            <a:r>
-              <a:rPr lang="en-US" dirty="0" smtClean="0"/>
-              <a:t>Linking models that reason using different parameters, e.g., energy considerations may not play a role at large-scale distribution	</a:t>
-            </a:r>
-          </a:p>
-          <a:p>
-            <a:pPr lvl="1">
-              <a:lnSpc>
-                <a:spcPct val="90000"/>
-              </a:lnSpc>
-            </a:pPr>
-            <a:r>
-              <a:rPr lang="en-US" dirty="0" smtClean="0"/>
-              <a:t>Heterogeneity</a:t>
-            </a:r>
-          </a:p>
-          <a:p>
-            <a:pPr lvl="2">
-              <a:lnSpc>
-                <a:spcPct val="90000"/>
-              </a:lnSpc>
-            </a:pPr>
-            <a:r>
-              <a:rPr lang="en-US" dirty="0" smtClean="0"/>
-              <a:t>Federating heterogeneous distributed infrastructure</a:t>
-            </a:r>
-          </a:p>
-          <a:p>
-            <a:pPr lvl="1">
-              <a:lnSpc>
-                <a:spcPct val="90000"/>
-              </a:lnSpc>
-            </a:pPr>
-            <a:endParaRPr lang="en-US" dirty="0" smtClean="0"/>
-          </a:p>
-          <a:p>
-            <a:pPr marL="0" indent="0">
-              <a:lnSpc>
-                <a:spcPct val="90000"/>
-              </a:lnSpc>
-              <a:buNone/>
-            </a:pPr>
-            <a:endParaRPr lang="en-US" sz="2000" dirty="0"/>
-          </a:p>
-          <a:p>
-            <a:pPr marL="457200" lvl="1" indent="0">
-              <a:lnSpc>
-                <a:spcPct val="90000"/>
-              </a:lnSpc>
-              <a:buNone/>
-            </a:pPr>
-            <a:endParaRPr lang="en-US" sz="2000" dirty="0">
-              <a:solidFill>
-                <a:srgbClr val="606060"/>
-              </a:solidFill>
-            </a:endParaRPr>
-          </a:p>
-        </p:txBody>
-      </p:sp>
-    </p:spTree>
-    <p:extLst>
-      <p:ext uri="{BB962C8B-B14F-4D97-AF65-F5344CB8AC3E}">
-        <p14:creationId xmlns:p14="http://schemas.microsoft.com/office/powerpoint/2010/main" val="901666982"/>
-      </p:ext>
-    </p:extLst>
-  </p:cSld>
-  <p:clrMapOvr>
-    <a:masterClrMapping/>
-  </p:clrMapOvr>
-  <p:transition xmlns:p14="http://schemas.microsoft.com/office/powerpoint/2010/main" spd="slow">
-    <p:cut/>
-  </p:transition>
-  <p:timing>
-    <p:tnLst>
-      <p:par>
-        <p:cTn xmlns:p14="http://schemas.microsoft.com/office/powerpoint/2010/main" id="1" dur="indefinite" restart="never" nodeType="tmRoot"/>
-      </p:par>
-    </p:tnLst>
-  </p:timing>
-</p:sld>
-</file>
-
-<file path=ppt/slides/slide25.xml><?xml version="1.0" encoding="utf-8"?>
 <p:sld xmlns:a="http://schemas.openxmlformats.org/drawingml/2006/main" xmlns:r="http://schemas.openxmlformats.org/officeDocument/2006/relationships" xmlns:p="http://schemas.openxmlformats.org/presentationml/2006/main">
   <p:cSld>
     <p:spTree>
@@ -9036,7 +8918,7 @@
           <a:p>
             <a:r>
               <a:rPr lang="en-US" dirty="0" smtClean="0"/>
-              <a:t>Doug </a:t>
+              <a:t>Douglas </a:t>
             </a:r>
             <a:r>
               <a:rPr lang="en-US" dirty="0" err="1" smtClean="0"/>
@@ -9089,7 +8971,7 @@
 </p:sld>
 </file>
 
-<file path=ppt/slides/slide26.xml><?xml version="1.0" encoding="utf-8"?>
+<file path=ppt/slides/slide25.xml><?xml version="1.0" encoding="utf-8"?>
 <p:sld xmlns:a="http://schemas.openxmlformats.org/drawingml/2006/main" xmlns:r="http://schemas.openxmlformats.org/officeDocument/2006/relationships" xmlns:p="http://schemas.openxmlformats.org/presentationml/2006/main" show="0">
   <p:cSld>
     <p:spTree>
@@ -9175,7 +9057,7 @@
 </p:sld>
 </file>
 
-<file path=ppt/slides/slide27.xml><?xml version="1.0" encoding="utf-8"?>
+<file path=ppt/slides/slide26.xml><?xml version="1.0" encoding="utf-8"?>
 <p:sld xmlns:a="http://schemas.openxmlformats.org/drawingml/2006/main" xmlns:r="http://schemas.openxmlformats.org/officeDocument/2006/relationships" xmlns:p="http://schemas.openxmlformats.org/presentationml/2006/main" show="0">
   <p:cSld>
     <p:spTree>
@@ -9273,7 +9155,7 @@
 </p:sld>
 </file>
 
-<file path=ppt/slides/slide28.xml><?xml version="1.0" encoding="utf-8"?>
+<file path=ppt/slides/slide27.xml><?xml version="1.0" encoding="utf-8"?>
 <p:sld xmlns:a="http://schemas.openxmlformats.org/drawingml/2006/main" xmlns:r="http://schemas.openxmlformats.org/officeDocument/2006/relationships" xmlns:p="http://schemas.openxmlformats.org/presentationml/2006/main">
   <p:cSld>
     <p:spTree>
@@ -9434,7 +9316,7 @@
 </p:sld>
 </file>
 
-<file path=ppt/slides/slide29.xml><?xml version="1.0" encoding="utf-8"?>
+<file path=ppt/slides/slide28.xml><?xml version="1.0" encoding="utf-8"?>
 <p:sld xmlns:a="http://schemas.openxmlformats.org/drawingml/2006/main" xmlns:r="http://schemas.openxmlformats.org/officeDocument/2006/relationships" xmlns:p="http://schemas.openxmlformats.org/presentationml/2006/main">
   <p:cSld>
     <p:spTree>
@@ -9686,6 +9568,270 @@
   <p:clrMapOvr>
     <a:masterClrMapping/>
   </p:clrMapOvr>
+</p:sld>
+</file>
+
+<file path=ppt/slides/slide29.xml><?xml version="1.0" encoding="utf-8"?>
+<p:sld xmlns:a="http://schemas.openxmlformats.org/drawingml/2006/main" xmlns:r="http://schemas.openxmlformats.org/officeDocument/2006/relationships" xmlns:p="http://schemas.openxmlformats.org/presentationml/2006/main">
+  <p:cSld>
+    <p:spTree>
+      <p:nvGrpSpPr>
+        <p:cNvPr id="1" name="Shape 46"/>
+        <p:cNvGrpSpPr/>
+        <p:nvPr/>
+      </p:nvGrpSpPr>
+      <p:grpSpPr>
+        <a:xfrm>
+          <a:off x="0" y="0"/>
+          <a:ext cx="0" cy="0"/>
+          <a:chOff x="0" y="0"/>
+          <a:chExt cx="0" cy="0"/>
+        </a:xfrm>
+      </p:grpSpPr>
+      <p:sp>
+        <p:nvSpPr>
+          <p:cNvPr id="47" name="Shape 47"/>
+          <p:cNvSpPr txBox="1">
+            <a:spLocks noGrp="1"/>
+          </p:cNvSpPr>
+          <p:nvPr>
+            <p:ph type="title"/>
+          </p:nvPr>
+        </p:nvSpPr>
+        <p:spPr>
+          <a:prstGeom prst="rect">
+            <a:avLst/>
+          </a:prstGeom>
+        </p:spPr>
+        <p:txBody>
+          <a:bodyPr lIns="91425" tIns="91425" rIns="91425" bIns="91425" anchor="b" anchorCtr="0">
+            <a:noAutofit/>
+          </a:bodyPr>
+          <a:lstStyle/>
+          <a:p>
+            <a:pPr lvl="0" rtl="0">
+              <a:buNone/>
+            </a:pPr>
+            <a:r>
+              <a:rPr lang="en-US" dirty="0" err="1" smtClean="0"/>
+              <a:t>ModSim</a:t>
+            </a:r>
+            <a:r>
+              <a:rPr lang="en-US" dirty="0" smtClean="0"/>
+              <a:t> Challenges</a:t>
+            </a:r>
+            <a:r>
+              <a:rPr lang="en" dirty="0"/>
+              <a:t>	</a:t>
+            </a:r>
+          </a:p>
+        </p:txBody>
+      </p:sp>
+      <p:sp>
+        <p:nvSpPr>
+          <p:cNvPr id="48" name="Shape 48"/>
+          <p:cNvSpPr txBox="1">
+            <a:spLocks noGrp="1"/>
+          </p:cNvSpPr>
+          <p:nvPr>
+            <p:ph idx="4294967295"/>
+          </p:nvPr>
+        </p:nvSpPr>
+        <p:spPr>
+          <a:xfrm>
+            <a:off x="282231" y="789713"/>
+            <a:ext cx="8715010" cy="5146675"/>
+          </a:xfrm>
+          <a:prstGeom prst="rect">
+            <a:avLst/>
+          </a:prstGeom>
+        </p:spPr>
+        <p:txBody>
+          <a:bodyPr lIns="91425" tIns="91425" rIns="91425" bIns="91425" anchor="t" anchorCtr="0">
+            <a:noAutofit/>
+          </a:bodyPr>
+          <a:lstStyle/>
+          <a:p>
+            <a:pPr>
+              <a:lnSpc>
+                <a:spcPct val="90000"/>
+              </a:lnSpc>
+            </a:pPr>
+            <a:r>
+              <a:rPr lang="en-US" dirty="0" smtClean="0"/>
+              <a:t>Overarching Consideration: How does modeling DEC couple to and synergize with HPC </a:t>
+            </a:r>
+            <a:r>
+              <a:rPr lang="en-US" dirty="0" err="1" smtClean="0"/>
+              <a:t>exascale</a:t>
+            </a:r>
+            <a:r>
+              <a:rPr lang="en-US" dirty="0" smtClean="0"/>
+              <a:t> modeling efforts?</a:t>
+            </a:r>
+          </a:p>
+          <a:p>
+            <a:pPr>
+              <a:lnSpc>
+                <a:spcPct val="90000"/>
+              </a:lnSpc>
+            </a:pPr>
+            <a:r>
+              <a:rPr lang="en-US" dirty="0" smtClean="0"/>
+              <a:t>Operational Challenges: </a:t>
+            </a:r>
+          </a:p>
+          <a:p>
+            <a:pPr lvl="1">
+              <a:lnSpc>
+                <a:spcPct val="90000"/>
+              </a:lnSpc>
+            </a:pPr>
+            <a:r>
+              <a:rPr lang="en-US" dirty="0" smtClean="0"/>
+              <a:t>Granularity</a:t>
+            </a:r>
+          </a:p>
+          <a:p>
+            <a:pPr lvl="2">
+              <a:lnSpc>
+                <a:spcPct val="90000"/>
+              </a:lnSpc>
+            </a:pPr>
+            <a:r>
+              <a:rPr lang="en-US" dirty="0" smtClean="0"/>
+              <a:t>Different models of varying specificity</a:t>
+            </a:r>
+          </a:p>
+          <a:p>
+            <a:pPr lvl="2">
+              <a:lnSpc>
+                <a:spcPct val="90000"/>
+              </a:lnSpc>
+            </a:pPr>
+            <a:r>
+              <a:rPr lang="en-US" dirty="0" smtClean="0"/>
+              <a:t>Some are analytical, some are conceptual </a:t>
+            </a:r>
+          </a:p>
+          <a:p>
+            <a:pPr lvl="1">
+              <a:lnSpc>
+                <a:spcPct val="90000"/>
+              </a:lnSpc>
+            </a:pPr>
+            <a:r>
+              <a:rPr lang="en-US" dirty="0" smtClean="0"/>
+              <a:t>Multi-scale</a:t>
+            </a:r>
+          </a:p>
+          <a:p>
+            <a:pPr lvl="2">
+              <a:lnSpc>
+                <a:spcPct val="90000"/>
+              </a:lnSpc>
+            </a:pPr>
+            <a:r>
+              <a:rPr lang="en-US" dirty="0" smtClean="0"/>
+              <a:t>Macroscopic versus microscopic consequences</a:t>
+            </a:r>
+          </a:p>
+          <a:p>
+            <a:pPr lvl="1">
+              <a:lnSpc>
+                <a:spcPct val="90000"/>
+              </a:lnSpc>
+            </a:pPr>
+            <a:r>
+              <a:rPr lang="en-US" dirty="0" smtClean="0"/>
+              <a:t>Many possible parameters, which should be used?</a:t>
+            </a:r>
+          </a:p>
+          <a:p>
+            <a:pPr lvl="2">
+              <a:lnSpc>
+                <a:spcPct val="90000"/>
+              </a:lnSpc>
+            </a:pPr>
+            <a:r>
+              <a:rPr lang="en-US" dirty="0" smtClean="0"/>
+              <a:t>Linking models that reason using different parameters, e.g., energy considerations may not play a role at large-scale distribution	</a:t>
+            </a:r>
+          </a:p>
+          <a:p>
+            <a:pPr lvl="1">
+              <a:lnSpc>
+                <a:spcPct val="90000"/>
+              </a:lnSpc>
+            </a:pPr>
+            <a:r>
+              <a:rPr lang="en-US" dirty="0" smtClean="0"/>
+              <a:t>Heterogeneity</a:t>
+            </a:r>
+          </a:p>
+          <a:p>
+            <a:pPr lvl="2">
+              <a:lnSpc>
+                <a:spcPct val="90000"/>
+              </a:lnSpc>
+            </a:pPr>
+            <a:r>
+              <a:rPr lang="en-US" dirty="0" smtClean="0"/>
+              <a:t>Federating heterogeneous distributed infrastructure</a:t>
+            </a:r>
+          </a:p>
+          <a:p>
+            <a:pPr lvl="1">
+              <a:lnSpc>
+                <a:spcPct val="90000"/>
+              </a:lnSpc>
+            </a:pPr>
+            <a:endParaRPr lang="en-US" dirty="0" smtClean="0"/>
+          </a:p>
+          <a:p>
+            <a:pPr marL="0" indent="0">
+              <a:lnSpc>
+                <a:spcPct val="90000"/>
+              </a:lnSpc>
+              <a:buNone/>
+            </a:pPr>
+            <a:endParaRPr lang="en-US" sz="2000" dirty="0"/>
+          </a:p>
+          <a:p>
+            <a:pPr marL="457200" lvl="1" indent="0">
+              <a:lnSpc>
+                <a:spcPct val="90000"/>
+              </a:lnSpc>
+              <a:buNone/>
+            </a:pPr>
+            <a:endParaRPr lang="en-US" sz="2000" dirty="0">
+              <a:solidFill>
+                <a:srgbClr val="606060"/>
+              </a:solidFill>
+            </a:endParaRPr>
+          </a:p>
+        </p:txBody>
+      </p:sp>
+    </p:spTree>
+    <p:extLst>
+      <p:ext uri="{BB962C8B-B14F-4D97-AF65-F5344CB8AC3E}">
+        <p14:creationId xmlns:p14="http://schemas.microsoft.com/office/powerpoint/2010/main" val="2469319972"/>
+      </p:ext>
+    </p:extLst>
+  </p:cSld>
+  <p:clrMapOvr>
+    <a:masterClrMapping/>
+  </p:clrMapOvr>
+  <p:transition xmlns:p14="http://schemas.microsoft.com/office/powerpoint/2010/main" spd="slow">
+    <p:cut/>
+  </p:transition>
+  <p:timing>
+    <p:tnLst>
+      <p:par>
+        <p:cTn xmlns:p14="http://schemas.microsoft.com/office/powerpoint/2010/main" id="1" dur="indefinite" restart="never" nodeType="tmRoot"/>
+      </p:par>
+    </p:tnLst>
+  </p:timing>
 </p:sld>
 </file>
 
@@ -12436,6 +12582,22 @@
               <a:rPr lang="en-US" dirty="0" smtClean="0"/>
               <a:t>?</a:t>
             </a:r>
+          </a:p>
+          <a:p>
+            <a:pPr marL="457200" lvl="1" indent="0">
+              <a:lnSpc>
+                <a:spcPct val="115000"/>
+              </a:lnSpc>
+              <a:spcBef>
+                <a:spcPts val="500"/>
+              </a:spcBef>
+              <a:buClr>
+                <a:srgbClr val="000000"/>
+              </a:buClr>
+              <a:buSzPct val="55000"/>
+              <a:buNone/>
+            </a:pPr>
+            <a:endParaRPr lang="en-US" dirty="0" smtClean="0"/>
           </a:p>
           <a:p>
             <a:pPr>

--- a/presentations/radical-modsim.pptx
+++ b/presentations/radical-modsim.pptx
@@ -5,7 +5,7 @@
     <p:sldMasterId id="2147483656" r:id="rId1"/>
   </p:sldMasterIdLst>
   <p:notesMasterIdLst>
-    <p:notesMasterId r:id="rId31"/>
+    <p:notesMasterId r:id="rId26"/>
   </p:notesMasterIdLst>
   <p:sldIdLst>
     <p:sldId id="256" r:id="rId2"/>
@@ -32,11 +32,6 @@
     <p:sldId id="295" r:id="rId23"/>
     <p:sldId id="348" r:id="rId24"/>
     <p:sldId id="336" r:id="rId25"/>
-    <p:sldId id="341" r:id="rId26"/>
-    <p:sldId id="342" r:id="rId27"/>
-    <p:sldId id="347" r:id="rId28"/>
-    <p:sldId id="349" r:id="rId29"/>
-    <p:sldId id="350" r:id="rId30"/>
   </p:sldIdLst>
   <p:sldSz cx="9144000" cy="6858000" type="screen4x3"/>
   <p:notesSz cx="6858000" cy="9144000"/>
@@ -1426,100 +1421,6 @@
 </p:notes>
 </file>
 
-<file path=ppt/notesSlides/notesSlide19.xml><?xml version="1.0" encoding="utf-8"?>
-<p:notes xmlns:a="http://schemas.openxmlformats.org/drawingml/2006/main" xmlns:r="http://schemas.openxmlformats.org/officeDocument/2006/relationships" xmlns:p="http://schemas.openxmlformats.org/presentationml/2006/main">
-  <p:cSld>
-    <p:spTree>
-      <p:nvGrpSpPr>
-        <p:cNvPr id="1" name=""/>
-        <p:cNvGrpSpPr/>
-        <p:nvPr/>
-      </p:nvGrpSpPr>
-      <p:grpSpPr>
-        <a:xfrm>
-          <a:off x="0" y="0"/>
-          <a:ext cx="0" cy="0"/>
-          <a:chOff x="0" y="0"/>
-          <a:chExt cx="0" cy="0"/>
-        </a:xfrm>
-      </p:grpSpPr>
-      <p:sp>
-        <p:nvSpPr>
-          <p:cNvPr id="2" name="Slide Image Placeholder 1"/>
-          <p:cNvSpPr>
-            <a:spLocks noGrp="1" noRot="1" noChangeAspect="1"/>
-          </p:cNvSpPr>
-          <p:nvPr>
-            <p:ph type="sldImg"/>
-          </p:nvPr>
-        </p:nvSpPr>
-        <p:spPr/>
-      </p:sp>
-      <p:sp>
-        <p:nvSpPr>
-          <p:cNvPr id="3" name="Notes Placeholder 2"/>
-          <p:cNvSpPr>
-            <a:spLocks noGrp="1"/>
-          </p:cNvSpPr>
-          <p:nvPr>
-            <p:ph type="body" idx="1"/>
-          </p:nvPr>
-        </p:nvSpPr>
-        <p:spPr/>
-        <p:txBody>
-          <a:bodyPr/>
-          <a:lstStyle/>
-          <a:p>
-            <a:r>
-              <a:rPr lang="en-US" dirty="0" smtClean="0"/>
-              <a:t>Middleware</a:t>
-            </a:r>
-            <a:r>
-              <a:rPr lang="en-US" baseline="0" dirty="0" smtClean="0"/>
-              <a:t> </a:t>
-            </a:r>
-            <a:r>
-              <a:rPr lang="en-US" dirty="0" smtClean="0"/>
-              <a:t>capabilities as</a:t>
-            </a:r>
-            <a:r>
-              <a:rPr lang="en-US" baseline="0" dirty="0" smtClean="0"/>
-              <a:t> an abstraction to resources</a:t>
-            </a:r>
-          </a:p>
-          <a:p>
-            <a:endParaRPr lang="en-US" baseline="0" dirty="0" smtClean="0"/>
-          </a:p>
-          <a:p>
-            <a:r>
-              <a:rPr lang="en-US" baseline="0" dirty="0" smtClean="0"/>
-              <a:t>Middleware’s responsibility to support the set of capabilities that an application asks for and determine the collection of resources that can/must be used to provide capability</a:t>
-            </a:r>
-          </a:p>
-          <a:p>
-            <a:endParaRPr lang="en-US" baseline="0" dirty="0" smtClean="0"/>
-          </a:p>
-          <a:p>
-            <a:endParaRPr lang="en-US" baseline="0" dirty="0" smtClean="0"/>
-          </a:p>
-          <a:p>
-            <a:endParaRPr lang="en-US" dirty="0"/>
-          </a:p>
-        </p:txBody>
-      </p:sp>
-    </p:spTree>
-    <p:extLst>
-      <p:ext uri="{BB962C8B-B14F-4D97-AF65-F5344CB8AC3E}">
-        <p14:creationId xmlns:p14="http://schemas.microsoft.com/office/powerpoint/2010/main" val="357425583"/>
-      </p:ext>
-    </p:extLst>
-  </p:cSld>
-  <p:clrMapOvr>
-    <a:masterClrMapping/>
-  </p:clrMapOvr>
-</p:notes>
-</file>
-
 <file path=ppt/notesSlides/notesSlide2.xml><?xml version="1.0" encoding="utf-8"?>
 <p:notes xmlns:a="http://schemas.openxmlformats.org/drawingml/2006/main" xmlns:r="http://schemas.openxmlformats.org/officeDocument/2006/relationships" xmlns:p="http://schemas.openxmlformats.org/presentationml/2006/main" showMasterSp="0" showMasterPhAnim="0">
   <p:cSld>
@@ -1610,230 +1511,6 @@
             <a:r>
               <a:rPr lang="en-US" baseline="0" dirty="0" smtClean="0"/>
               <a:t> a non-traditional way, by using the Organizers Qs as a way to summarize the talk</a:t>
-            </a:r>
-            <a:endParaRPr dirty="0"/>
-          </a:p>
-        </p:txBody>
-      </p:sp>
-    </p:spTree>
-  </p:cSld>
-  <p:clrMapOvr>
-    <a:masterClrMapping/>
-  </p:clrMapOvr>
-</p:notes>
-</file>
-
-<file path=ppt/notesSlides/notesSlide20.xml><?xml version="1.0" encoding="utf-8"?>
-<p:notes xmlns:a="http://schemas.openxmlformats.org/drawingml/2006/main" xmlns:r="http://schemas.openxmlformats.org/officeDocument/2006/relationships" xmlns:p="http://schemas.openxmlformats.org/presentationml/2006/main">
-  <p:cSld>
-    <p:spTree>
-      <p:nvGrpSpPr>
-        <p:cNvPr id="1" name=""/>
-        <p:cNvGrpSpPr/>
-        <p:nvPr/>
-      </p:nvGrpSpPr>
-      <p:grpSpPr>
-        <a:xfrm>
-          <a:off x="0" y="0"/>
-          <a:ext cx="0" cy="0"/>
-          <a:chOff x="0" y="0"/>
-          <a:chExt cx="0" cy="0"/>
-        </a:xfrm>
-      </p:grpSpPr>
-      <p:sp>
-        <p:nvSpPr>
-          <p:cNvPr id="2" name="Slide Image Placeholder 1"/>
-          <p:cNvSpPr>
-            <a:spLocks noGrp="1" noRot="1" noChangeAspect="1"/>
-          </p:cNvSpPr>
-          <p:nvPr>
-            <p:ph type="sldImg"/>
-          </p:nvPr>
-        </p:nvSpPr>
-        <p:spPr>
-          <a:xfrm>
-            <a:off x="1143000" y="685800"/>
-            <a:ext cx="4572000" cy="3429000"/>
-          </a:xfrm>
-        </p:spPr>
-      </p:sp>
-      <p:sp>
-        <p:nvSpPr>
-          <p:cNvPr id="3" name="Notes Placeholder 2"/>
-          <p:cNvSpPr>
-            <a:spLocks noGrp="1"/>
-          </p:cNvSpPr>
-          <p:nvPr>
-            <p:ph type="body" idx="1"/>
-          </p:nvPr>
-        </p:nvSpPr>
-        <p:spPr/>
-        <p:txBody>
-          <a:bodyPr/>
-          <a:lstStyle/>
-          <a:p>
-            <a:pPr marL="0" marR="0" indent="0" algn="l" defTabSz="457200" rtl="0" eaLnBrk="1" fontAlgn="auto" latinLnBrk="0" hangingPunct="1">
-              <a:lnSpc>
-                <a:spcPct val="100000"/>
-              </a:lnSpc>
-              <a:spcBef>
-                <a:spcPts val="0"/>
-              </a:spcBef>
-              <a:spcAft>
-                <a:spcPts val="0"/>
-              </a:spcAft>
-              <a:buClrTx/>
-              <a:buSzTx/>
-              <a:buFontTx/>
-              <a:buNone/>
-              <a:tabLst/>
-              <a:defRPr/>
-            </a:pPr>
-            <a:r>
-              <a:rPr lang="en-US" dirty="0" smtClean="0"/>
-              <a:t>We take the schematic of NGMW and show how the different levels at which the Models work, (ii) how different models interact, especially (a) Andre and Christian’s work/interface, (ii) I* and F*.</a:t>
-            </a:r>
-          </a:p>
-          <a:p>
-            <a:endParaRPr lang="en-US" dirty="0"/>
-          </a:p>
-        </p:txBody>
-      </p:sp>
-    </p:spTree>
-    <p:extLst>
-      <p:ext uri="{BB962C8B-B14F-4D97-AF65-F5344CB8AC3E}">
-        <p14:creationId xmlns:p14="http://schemas.microsoft.com/office/powerpoint/2010/main" val="1073575463"/>
-      </p:ext>
-    </p:extLst>
-  </p:cSld>
-  <p:clrMapOvr>
-    <a:masterClrMapping/>
-  </p:clrMapOvr>
-</p:notes>
-</file>
-
-<file path=ppt/notesSlides/notesSlide21.xml><?xml version="1.0" encoding="utf-8"?>
-<p:notes xmlns:a="http://schemas.openxmlformats.org/drawingml/2006/main" xmlns:r="http://schemas.openxmlformats.org/officeDocument/2006/relationships" xmlns:p="http://schemas.openxmlformats.org/presentationml/2006/main" showMasterSp="0" showMasterPhAnim="0">
-  <p:cSld>
-    <p:spTree>
-      <p:nvGrpSpPr>
-        <p:cNvPr id="1" name="Shape 49"/>
-        <p:cNvGrpSpPr/>
-        <p:nvPr/>
-      </p:nvGrpSpPr>
-      <p:grpSpPr>
-        <a:xfrm>
-          <a:off x="0" y="0"/>
-          <a:ext cx="0" cy="0"/>
-          <a:chOff x="0" y="0"/>
-          <a:chExt cx="0" cy="0"/>
-        </a:xfrm>
-      </p:grpSpPr>
-      <p:sp>
-        <p:nvSpPr>
-          <p:cNvPr id="50" name="Shape 50"/>
-          <p:cNvSpPr>
-            <a:spLocks noGrp="1" noRot="1" noChangeAspect="1"/>
-          </p:cNvSpPr>
-          <p:nvPr>
-            <p:ph type="sldImg" idx="2"/>
-          </p:nvPr>
-        </p:nvSpPr>
-        <p:spPr>
-          <a:xfrm>
-            <a:off x="1143000" y="685800"/>
-            <a:ext cx="4572000" cy="3429000"/>
-          </a:xfrm>
-          <a:custGeom>
-            <a:avLst/>
-            <a:gdLst/>
-            <a:ahLst/>
-            <a:cxnLst/>
-            <a:rect l="0" t="0" r="0" b="0"/>
-            <a:pathLst>
-              <a:path w="120000" h="120000" extrusionOk="0">
-                <a:moveTo>
-                  <a:pt x="0" y="0"/>
-                </a:moveTo>
-                <a:lnTo>
-                  <a:pt x="120000" y="0"/>
-                </a:lnTo>
-                <a:lnTo>
-                  <a:pt x="120000" y="120000"/>
-                </a:lnTo>
-                <a:lnTo>
-                  <a:pt x="0" y="120000"/>
-                </a:lnTo>
-                <a:close/>
-              </a:path>
-            </a:pathLst>
-          </a:custGeom>
-        </p:spPr>
-      </p:sp>
-      <p:sp>
-        <p:nvSpPr>
-          <p:cNvPr id="51" name="Shape 51"/>
-          <p:cNvSpPr txBox="1">
-            <a:spLocks noGrp="1"/>
-          </p:cNvSpPr>
-          <p:nvPr>
-            <p:ph type="body" idx="1"/>
-          </p:nvPr>
-        </p:nvSpPr>
-        <p:spPr>
-          <a:xfrm>
-            <a:off x="685800" y="4343400"/>
-            <a:ext cx="5486399" cy="4114800"/>
-          </a:xfrm>
-          <a:prstGeom prst="rect">
-            <a:avLst/>
-          </a:prstGeom>
-        </p:spPr>
-        <p:txBody>
-          <a:bodyPr lIns="91425" tIns="91425" rIns="91425" bIns="91425" anchor="t" anchorCtr="0">
-            <a:noAutofit/>
-          </a:bodyPr>
-          <a:lstStyle/>
-          <a:p>
-            <a:r>
-              <a:rPr lang="en-US" dirty="0" smtClean="0">
-                <a:solidFill>
-                  <a:srgbClr val="606060"/>
-                </a:solidFill>
-              </a:rPr>
-              <a:t>D</a:t>
-            </a:r>
-            <a:r>
-              <a:rPr lang="en" dirty="0" smtClean="0">
-                <a:solidFill>
-                  <a:srgbClr val="606060"/>
-                </a:solidFill>
-              </a:rPr>
-              <a:t>ata generation </a:t>
-            </a:r>
-            <a:r>
-              <a:rPr lang="en-US" dirty="0" smtClean="0">
-                <a:solidFill>
-                  <a:srgbClr val="606060"/>
-                </a:solidFill>
-              </a:rPr>
-              <a:t>doubles every </a:t>
-            </a:r>
-            <a:r>
-              <a:rPr lang="en" dirty="0" smtClean="0">
-                <a:solidFill>
-                  <a:srgbClr val="606060"/>
-                </a:solidFill>
-              </a:rPr>
-              <a:t>&lt;&lt; 12 months</a:t>
-            </a:r>
-            <a:r>
-              <a:rPr lang="en-US" dirty="0" smtClean="0">
-                <a:solidFill>
-                  <a:srgbClr val="606060"/>
-                </a:solidFill>
-              </a:rPr>
-              <a:t>, i.e. faster than the doubling  rate of data storage (roughly 18 months)</a:t>
             </a:r>
             <a:endParaRPr dirty="0"/>
           </a:p>
@@ -2105,8 +1782,24 @@
             </a:pPr>
             <a:r>
               <a:rPr lang="en-US" dirty="0" smtClean="0"/>
-              <a:t>Sub problem X is better running on a non-leadership class machine? </a:t>
-            </a:r>
+              <a:t>Integration of Information</a:t>
+            </a:r>
+            <a:r>
+              <a:rPr lang="en-US" baseline="0" dirty="0" smtClean="0"/>
+              <a:t>: </a:t>
+            </a:r>
+            <a:r>
+              <a:rPr lang="en-US" dirty="0" smtClean="0"/>
+              <a:t>Applications/Services/Tools</a:t>
+            </a:r>
+            <a:r>
+              <a:rPr lang="en-US" baseline="0" dirty="0" smtClean="0"/>
+              <a:t> about resources – Critical role for middleware</a:t>
+            </a:r>
+            <a:endParaRPr lang="en-US" dirty="0" smtClean="0"/>
+          </a:p>
+          <a:p>
+            <a:endParaRPr lang="en-US" dirty="0" smtClean="0"/>
           </a:p>
           <a:p>
             <a:endParaRPr lang="en-US" dirty="0"/>
@@ -7006,15 +6699,11 @@
           <a:p>
             <a:r>
               <a:rPr lang="en-US" dirty="0" smtClean="0"/>
-              <a:t>Design </a:t>
-            </a:r>
-            <a:r>
-              <a:rPr lang="en-US" dirty="0" err="1" smtClean="0"/>
-              <a:t>Obj</a:t>
-            </a:r>
-            <a:r>
-              <a:rPr lang="en-US" dirty="0" smtClean="0"/>
-              <a:t>: Multi-level and Integrated Reasoning</a:t>
+              <a:t>Design Objective</a:t>
+            </a:r>
+            <a:r>
+              <a:rPr lang="en-US" dirty="0" smtClean="0"/>
+              <a:t>: Multi-level and Integrated</a:t>
             </a:r>
             <a:endParaRPr lang="en-US" dirty="0"/>
           </a:p>
@@ -7503,7 +7192,18 @@
                   </a:schemeClr>
                 </a:solidFill>
               </a:rPr>
-              <a:t>for a model-based, capability-driven NGMW</a:t>
+              <a:t>for a </a:t>
+            </a:r>
+            <a:r>
+              <a:rPr lang="en-US" sz="2000" dirty="0" smtClean="0">
+                <a:solidFill>
+                  <a:schemeClr val="tx1">
+                    <a:lumMod val="65000"/>
+                    <a:lumOff val="35000"/>
+                  </a:schemeClr>
+                </a:solidFill>
+              </a:rPr>
+              <a:t>capability-based NGMW</a:t>
             </a:r>
           </a:p>
           <a:p>
@@ -7522,7 +7222,18 @@
                   </a:schemeClr>
                 </a:solidFill>
               </a:rPr>
-              <a:t>Models at multiple levels and their </a:t>
+              <a:t>Models </a:t>
+            </a:r>
+            <a:r>
+              <a:rPr lang="en-US" sz="2000" dirty="0" smtClean="0">
+                <a:solidFill>
+                  <a:schemeClr val="tx1">
+                    <a:lumMod val="65000"/>
+                    <a:lumOff val="35000"/>
+                  </a:schemeClr>
+                </a:solidFill>
+              </a:rPr>
+              <a:t>at multiple levels and their </a:t>
             </a:r>
             <a:r>
               <a:rPr lang="en-US" sz="2000" dirty="0" smtClean="0">
@@ -8512,7 +8223,7 @@
             <a:pPr lvl="1"/>
             <a:r>
               <a:rPr lang="en-US" dirty="0" smtClean="0"/>
-              <a:t>Model-based, Capability-driven Middleware for DEC</a:t>
+              <a:t>Capability-based Middleware for DEC</a:t>
             </a:r>
           </a:p>
           <a:p>
@@ -8968,870 +8679,6 @@
   <p:clrMapOvr>
     <a:masterClrMapping/>
   </p:clrMapOvr>
-</p:sld>
-</file>
-
-<file path=ppt/slides/slide25.xml><?xml version="1.0" encoding="utf-8"?>
-<p:sld xmlns:a="http://schemas.openxmlformats.org/drawingml/2006/main" xmlns:r="http://schemas.openxmlformats.org/officeDocument/2006/relationships" xmlns:p="http://schemas.openxmlformats.org/presentationml/2006/main" show="0">
-  <p:cSld>
-    <p:spTree>
-      <p:nvGrpSpPr>
-        <p:cNvPr id="1" name=""/>
-        <p:cNvGrpSpPr/>
-        <p:nvPr/>
-      </p:nvGrpSpPr>
-      <p:grpSpPr>
-        <a:xfrm>
-          <a:off x="0" y="0"/>
-          <a:ext cx="0" cy="0"/>
-          <a:chOff x="0" y="0"/>
-          <a:chExt cx="0" cy="0"/>
-        </a:xfrm>
-      </p:grpSpPr>
-      <p:sp>
-        <p:nvSpPr>
-          <p:cNvPr id="6" name="Title 5"/>
-          <p:cNvSpPr>
-            <a:spLocks noGrp="1"/>
-          </p:cNvSpPr>
-          <p:nvPr>
-            <p:ph type="title"/>
-          </p:nvPr>
-        </p:nvSpPr>
-        <p:spPr/>
-        <p:txBody>
-          <a:bodyPr/>
-          <a:lstStyle/>
-          <a:p>
-            <a:r>
-              <a:rPr lang="en-US" dirty="0" smtClean="0"/>
-              <a:t>NGMW Schematic</a:t>
-            </a:r>
-            <a:endParaRPr lang="en-US" dirty="0"/>
-          </a:p>
-        </p:txBody>
-      </p:sp>
-      <p:pic>
-        <p:nvPicPr>
-          <p:cNvPr id="3" name="Content Placeholder 2" descr="ngmw-schematic-1.png"/>
-          <p:cNvPicPr>
-            <a:picLocks noGrp="1" noChangeAspect="1"/>
-          </p:cNvPicPr>
-          <p:nvPr>
-            <p:ph idx="1"/>
-          </p:nvPr>
-        </p:nvPicPr>
-        <p:blipFill>
-          <a:blip r:embed="rId3">
-            <a:extLst>
-              <a:ext uri="{28A0092B-C50C-407E-A947-70E740481C1C}">
-                <a14:useLocalDpi xmlns:a14="http://schemas.microsoft.com/office/drawing/2010/main" val="0"/>
-              </a:ext>
-            </a:extLst>
-          </a:blip>
-          <a:srcRect l="-2275" r="-2275"/>
-          <a:stretch>
-            <a:fillRect/>
-          </a:stretch>
-        </p:blipFill>
-        <p:spPr/>
-      </p:pic>
-    </p:spTree>
-    <p:extLst>
-      <p:ext uri="{BB962C8B-B14F-4D97-AF65-F5344CB8AC3E}">
-        <p14:creationId xmlns:p14="http://schemas.microsoft.com/office/powerpoint/2010/main" val="957286402"/>
-      </p:ext>
-    </p:extLst>
-  </p:cSld>
-  <p:clrMapOvr>
-    <a:masterClrMapping/>
-  </p:clrMapOvr>
-  <mc:AlternateContent xmlns:mc="http://schemas.openxmlformats.org/markup-compatibility/2006">
-    <mc:Choice xmlns:p14="http://schemas.microsoft.com/office/powerpoint/2010/main" Requires="p14">
-      <p:transition spd="slow" p14:dur="2000"/>
-    </mc:Choice>
-    <mc:Fallback>
-      <p:transition xmlns:p14="http://schemas.microsoft.com/office/powerpoint/2010/main" spd="slow"/>
-    </mc:Fallback>
-  </mc:AlternateContent>
-</p:sld>
-</file>
-
-<file path=ppt/slides/slide26.xml><?xml version="1.0" encoding="utf-8"?>
-<p:sld xmlns:a="http://schemas.openxmlformats.org/drawingml/2006/main" xmlns:r="http://schemas.openxmlformats.org/officeDocument/2006/relationships" xmlns:p="http://schemas.openxmlformats.org/presentationml/2006/main" show="0">
-  <p:cSld>
-    <p:spTree>
-      <p:nvGrpSpPr>
-        <p:cNvPr id="1" name=""/>
-        <p:cNvGrpSpPr/>
-        <p:nvPr/>
-      </p:nvGrpSpPr>
-      <p:grpSpPr>
-        <a:xfrm>
-          <a:off x="0" y="0"/>
-          <a:ext cx="0" cy="0"/>
-          <a:chOff x="0" y="0"/>
-          <a:chExt cx="0" cy="0"/>
-        </a:xfrm>
-      </p:grpSpPr>
-      <p:sp>
-        <p:nvSpPr>
-          <p:cNvPr id="2" name="Title 1"/>
-          <p:cNvSpPr>
-            <a:spLocks noGrp="1"/>
-          </p:cNvSpPr>
-          <p:nvPr>
-            <p:ph type="title"/>
-          </p:nvPr>
-        </p:nvSpPr>
-        <p:spPr/>
-        <p:txBody>
-          <a:bodyPr/>
-          <a:lstStyle/>
-          <a:p>
-            <a:r>
-              <a:rPr lang="en-US" dirty="0" smtClean="0"/>
-              <a:t>P* </a:t>
-            </a:r>
-            <a:endParaRPr lang="en-US" dirty="0"/>
-          </a:p>
-        </p:txBody>
-      </p:sp>
-      <p:sp>
-        <p:nvSpPr>
-          <p:cNvPr id="4" name="Content Placeholder 3"/>
-          <p:cNvSpPr>
-            <a:spLocks noGrp="1"/>
-          </p:cNvSpPr>
-          <p:nvPr>
-            <p:ph idx="1"/>
-          </p:nvPr>
-        </p:nvSpPr>
-        <p:spPr/>
-        <p:txBody>
-          <a:bodyPr/>
-          <a:lstStyle/>
-          <a:p>
-            <a:r>
-              <a:rPr lang="en-US" dirty="0" smtClean="0"/>
-              <a:t>Pilot-Jobs provide an abstraction for dynamic resource management. Currently abstraction is job based, but can be extended to include network and storage as other resource elements</a:t>
-            </a:r>
-          </a:p>
-          <a:p>
-            <a:r>
-              <a:rPr lang="en-US" dirty="0" smtClean="0"/>
-              <a:t>P</a:t>
-            </a:r>
-            <a:r>
-              <a:rPr lang="en-US" dirty="0"/>
-              <a:t>* is a conceptual model for </a:t>
-            </a:r>
-            <a:r>
-              <a:rPr lang="en-US" dirty="0" smtClean="0"/>
-              <a:t>Pilot-based resource</a:t>
-            </a:r>
-            <a:endParaRPr lang="en-US" dirty="0"/>
-          </a:p>
-        </p:txBody>
-      </p:sp>
-    </p:spTree>
-    <p:extLst>
-      <p:ext uri="{BB962C8B-B14F-4D97-AF65-F5344CB8AC3E}">
-        <p14:creationId xmlns:p14="http://schemas.microsoft.com/office/powerpoint/2010/main" val="1240035077"/>
-      </p:ext>
-    </p:extLst>
-  </p:cSld>
-  <p:clrMapOvr>
-    <a:masterClrMapping/>
-  </p:clrMapOvr>
-  <mc:AlternateContent xmlns:mc="http://schemas.openxmlformats.org/markup-compatibility/2006">
-    <mc:Choice xmlns:p14="http://schemas.microsoft.com/office/powerpoint/2010/main" Requires="p14">
-      <p:transition spd="slow" p14:dur="2000"/>
-    </mc:Choice>
-    <mc:Fallback>
-      <p:transition xmlns:p14="http://schemas.microsoft.com/office/powerpoint/2010/main" spd="slow"/>
-    </mc:Fallback>
-  </mc:AlternateContent>
-</p:sld>
-</file>
-
-<file path=ppt/slides/slide27.xml><?xml version="1.0" encoding="utf-8"?>
-<p:sld xmlns:a="http://schemas.openxmlformats.org/drawingml/2006/main" xmlns:r="http://schemas.openxmlformats.org/officeDocument/2006/relationships" xmlns:p="http://schemas.openxmlformats.org/presentationml/2006/main">
-  <p:cSld>
-    <p:spTree>
-      <p:nvGrpSpPr>
-        <p:cNvPr id="1" name=""/>
-        <p:cNvGrpSpPr/>
-        <p:nvPr/>
-      </p:nvGrpSpPr>
-      <p:grpSpPr>
-        <a:xfrm>
-          <a:off x="0" y="0"/>
-          <a:ext cx="0" cy="0"/>
-          <a:chOff x="0" y="0"/>
-          <a:chExt cx="0" cy="0"/>
-        </a:xfrm>
-      </p:grpSpPr>
-      <p:sp>
-        <p:nvSpPr>
-          <p:cNvPr id="2" name="Title 1"/>
-          <p:cNvSpPr>
-            <a:spLocks noGrp="1"/>
-          </p:cNvSpPr>
-          <p:nvPr>
-            <p:ph type="title"/>
-          </p:nvPr>
-        </p:nvSpPr>
-        <p:spPr/>
-        <p:txBody>
-          <a:bodyPr/>
-          <a:lstStyle/>
-          <a:p>
-            <a:r>
-              <a:rPr lang="en-US" dirty="0" smtClean="0"/>
-              <a:t>*.* : Putting it together</a:t>
-            </a:r>
-            <a:endParaRPr lang="en-US" dirty="0"/>
-          </a:p>
-        </p:txBody>
-      </p:sp>
-      <p:pic>
-        <p:nvPicPr>
-          <p:cNvPr id="4" name="Content Placeholder 3" descr="ngmw-schematic-3.png"/>
-          <p:cNvPicPr>
-            <a:picLocks noGrp="1" noChangeAspect="1"/>
-          </p:cNvPicPr>
-          <p:nvPr>
-            <p:ph sz="half" idx="1"/>
-          </p:nvPr>
-        </p:nvPicPr>
-        <p:blipFill>
-          <a:blip r:embed="rId3">
-            <a:extLst>
-              <a:ext uri="{28A0092B-C50C-407E-A947-70E740481C1C}">
-                <a14:useLocalDpi xmlns:a14="http://schemas.microsoft.com/office/drawing/2010/main" val="0"/>
-              </a:ext>
-            </a:extLst>
-          </a:blip>
-          <a:srcRect t="4" b="4"/>
-          <a:stretch>
-            <a:fillRect/>
-          </a:stretch>
-        </p:blipFill>
-        <p:spPr>
-          <a:xfrm>
-            <a:off x="4840808" y="1203158"/>
-            <a:ext cx="4038600" cy="4533900"/>
-          </a:xfrm>
-        </p:spPr>
-      </p:pic>
-      <p:sp>
-        <p:nvSpPr>
-          <p:cNvPr id="3" name="Content Placeholder 2"/>
-          <p:cNvSpPr>
-            <a:spLocks noGrp="1"/>
-          </p:cNvSpPr>
-          <p:nvPr>
-            <p:ph sz="half" idx="2"/>
-          </p:nvPr>
-        </p:nvSpPr>
-        <p:spPr>
-          <a:xfrm>
-            <a:off x="282231" y="1176421"/>
-            <a:ext cx="4279074" cy="4533900"/>
-          </a:xfrm>
-        </p:spPr>
-        <p:txBody>
-          <a:bodyPr/>
-          <a:lstStyle/>
-          <a:p>
-            <a:r>
-              <a:rPr lang="en-US" sz="2000" dirty="0" smtClean="0"/>
-              <a:t>P*: Decouples dynamic resource management from job and task management</a:t>
-            </a:r>
-          </a:p>
-          <a:p>
-            <a:r>
-              <a:rPr lang="en-US" sz="2000" dirty="0" smtClean="0"/>
-              <a:t>F*: Resource aggregation and provisioning decoupled from job and resource management</a:t>
-            </a:r>
-          </a:p>
-          <a:p>
-            <a:pPr lvl="1"/>
-            <a:r>
-              <a:rPr lang="en-US" sz="1800" dirty="0" smtClean="0"/>
-              <a:t>Furthers the separation of concerns</a:t>
-            </a:r>
-          </a:p>
-          <a:p>
-            <a:r>
-              <a:rPr lang="en-US" sz="2000" dirty="0" smtClean="0"/>
-              <a:t>C* provides, F</a:t>
-            </a:r>
-            <a:r>
-              <a:rPr lang="en-US" sz="2000" dirty="0"/>
-              <a:t>* </a:t>
-            </a:r>
-            <a:r>
-              <a:rPr lang="en-US" sz="2000" dirty="0" smtClean="0"/>
-              <a:t>decides</a:t>
-            </a:r>
-            <a:r>
-              <a:rPr lang="en-US" sz="2000" dirty="0"/>
-              <a:t>, P* </a:t>
-            </a:r>
-            <a:r>
-              <a:rPr lang="en-US" sz="2000" dirty="0" smtClean="0"/>
-              <a:t>executes</a:t>
-            </a:r>
-          </a:p>
-          <a:p>
-            <a:r>
-              <a:rPr lang="en-US" sz="2000" dirty="0" smtClean="0"/>
-              <a:t>Federate at the capability level</a:t>
-            </a:r>
-          </a:p>
-          <a:p>
-            <a:r>
-              <a:rPr lang="en-US" sz="2000" dirty="0" smtClean="0"/>
-              <a:t>P* creates the overlay at the resource level</a:t>
-            </a:r>
-            <a:endParaRPr lang="en-US" sz="2000" dirty="0"/>
-          </a:p>
-          <a:p>
-            <a:endParaRPr lang="en-US" sz="2000" dirty="0"/>
-          </a:p>
-        </p:txBody>
-      </p:sp>
-    </p:spTree>
-    <p:extLst>
-      <p:ext uri="{BB962C8B-B14F-4D97-AF65-F5344CB8AC3E}">
-        <p14:creationId xmlns:p14="http://schemas.microsoft.com/office/powerpoint/2010/main" val="1576754480"/>
-      </p:ext>
-    </p:extLst>
-  </p:cSld>
-  <p:clrMapOvr>
-    <a:masterClrMapping/>
-  </p:clrMapOvr>
-</p:sld>
-</file>
-
-<file path=ppt/slides/slide28.xml><?xml version="1.0" encoding="utf-8"?>
-<p:sld xmlns:a="http://schemas.openxmlformats.org/drawingml/2006/main" xmlns:r="http://schemas.openxmlformats.org/officeDocument/2006/relationships" xmlns:p="http://schemas.openxmlformats.org/presentationml/2006/main">
-  <p:cSld>
-    <p:spTree>
-      <p:nvGrpSpPr>
-        <p:cNvPr id="1" name=""/>
-        <p:cNvGrpSpPr/>
-        <p:nvPr/>
-      </p:nvGrpSpPr>
-      <p:grpSpPr>
-        <a:xfrm>
-          <a:off x="0" y="0"/>
-          <a:ext cx="0" cy="0"/>
-          <a:chOff x="0" y="0"/>
-          <a:chExt cx="0" cy="0"/>
-        </a:xfrm>
-      </p:grpSpPr>
-      <p:sp>
-        <p:nvSpPr>
-          <p:cNvPr id="58369" name="Title 1"/>
-          <p:cNvSpPr>
-            <a:spLocks noGrp="1"/>
-          </p:cNvSpPr>
-          <p:nvPr>
-            <p:ph type="title"/>
-          </p:nvPr>
-        </p:nvSpPr>
-        <p:spPr/>
-        <p:txBody>
-          <a:bodyPr/>
-          <a:lstStyle/>
-          <a:p>
-            <a:r>
-              <a:rPr lang="en-US" dirty="0" smtClean="0">
-                <a:latin typeface="Arial" charset="0"/>
-                <a:ea typeface="ＭＳ Ｐゴシック" charset="0"/>
-                <a:cs typeface="ＭＳ Ｐゴシック" charset="0"/>
-              </a:rPr>
-              <a:t>Mapping Tasks to Resources</a:t>
-            </a:r>
-            <a:endParaRPr lang="en-US" dirty="0">
-              <a:latin typeface="Arial" charset="0"/>
-              <a:ea typeface="ＭＳ Ｐゴシック" charset="0"/>
-              <a:cs typeface="ＭＳ Ｐゴシック" charset="0"/>
-            </a:endParaRPr>
-          </a:p>
-        </p:txBody>
-      </p:sp>
-      <p:sp>
-        <p:nvSpPr>
-          <p:cNvPr id="58370" name="Content Placeholder 2"/>
-          <p:cNvSpPr>
-            <a:spLocks noGrp="1"/>
-          </p:cNvSpPr>
-          <p:nvPr>
-            <p:ph idx="1"/>
-          </p:nvPr>
-        </p:nvSpPr>
-        <p:spPr/>
-        <p:txBody>
-          <a:bodyPr/>
-          <a:lstStyle/>
-          <a:p>
-            <a:r>
-              <a:rPr lang="en-US" dirty="0">
-                <a:latin typeface="Arial" charset="0"/>
-                <a:ea typeface="ＭＳ Ｐゴシック" charset="0"/>
-                <a:cs typeface="ＭＳ Ｐゴシック" charset="0"/>
-              </a:rPr>
-              <a:t>Different aspects of mapping tasks to resources</a:t>
-            </a:r>
-          </a:p>
-          <a:p>
-            <a:pPr lvl="1"/>
-            <a:r>
-              <a:rPr lang="en-US" dirty="0" smtClean="0">
-                <a:latin typeface="Arial" charset="0"/>
-                <a:ea typeface="ＭＳ Ｐゴシック" charset="0"/>
-              </a:rPr>
-              <a:t>Optimal </a:t>
-            </a:r>
-            <a:r>
-              <a:rPr lang="en-US" dirty="0">
-                <a:latin typeface="Arial" charset="0"/>
-                <a:ea typeface="ＭＳ Ｐゴシック" charset="0"/>
-              </a:rPr>
-              <a:t>Characterization: Finding the optimal workload </a:t>
-            </a:r>
-            <a:r>
-              <a:rPr lang="en-US" dirty="0" smtClean="0">
-                <a:latin typeface="Arial" charset="0"/>
-                <a:ea typeface="ＭＳ Ｐゴシック" charset="0"/>
-              </a:rPr>
-              <a:t>characterization </a:t>
-            </a:r>
-            <a:r>
-              <a:rPr lang="en-US" dirty="0">
-                <a:latin typeface="Arial" charset="0"/>
-                <a:ea typeface="ＭＳ Ｐゴシック" charset="0"/>
-              </a:rPr>
-              <a:t>(of an application)</a:t>
-            </a:r>
-          </a:p>
-          <a:p>
-            <a:pPr lvl="2"/>
-            <a:r>
-              <a:rPr lang="en-US" dirty="0">
-                <a:latin typeface="Arial" charset="0"/>
-                <a:ea typeface="ＭＳ Ｐゴシック" charset="0"/>
-              </a:rPr>
-              <a:t>Generality versus specificity. Class of Applications versus Many application classes/types</a:t>
-            </a:r>
-          </a:p>
-          <a:p>
-            <a:pPr lvl="2"/>
-            <a:r>
-              <a:rPr lang="en-US" dirty="0">
-                <a:latin typeface="Arial" charset="0"/>
-                <a:ea typeface="ＭＳ Ｐゴシック" charset="0"/>
-              </a:rPr>
-              <a:t>Different applications have different </a:t>
-            </a:r>
-            <a:r>
-              <a:rPr lang="en-US" dirty="0" smtClean="0">
-                <a:latin typeface="Arial" charset="0"/>
-                <a:ea typeface="ＭＳ Ｐゴシック" charset="0"/>
-              </a:rPr>
-              <a:t>metrics</a:t>
-            </a:r>
-          </a:p>
-          <a:p>
-            <a:pPr lvl="2"/>
-            <a:endParaRPr lang="en-US" dirty="0">
-              <a:latin typeface="Arial" charset="0"/>
-              <a:ea typeface="ＭＳ Ｐゴシック" charset="0"/>
-            </a:endParaRPr>
-          </a:p>
-          <a:p>
-            <a:pPr lvl="1"/>
-            <a:r>
-              <a:rPr lang="en-US" dirty="0" smtClean="0">
-                <a:latin typeface="Arial" charset="0"/>
-                <a:ea typeface="ＭＳ Ｐゴシック" charset="0"/>
-              </a:rPr>
-              <a:t>Optimal </a:t>
-            </a:r>
-            <a:r>
-              <a:rPr lang="en-US" dirty="0">
-                <a:latin typeface="Arial" charset="0"/>
-                <a:ea typeface="ＭＳ Ｐゴシック" charset="0"/>
-              </a:rPr>
-              <a:t>Federation: Finding the optimal </a:t>
-            </a:r>
-            <a:r>
-              <a:rPr lang="en-US" dirty="0" smtClean="0">
-                <a:latin typeface="Arial" charset="0"/>
-                <a:ea typeface="ＭＳ Ｐゴシック" charset="0"/>
-              </a:rPr>
-              <a:t>infrastructure </a:t>
-            </a:r>
-            <a:r>
-              <a:rPr lang="en-US" dirty="0">
-                <a:latin typeface="Arial" charset="0"/>
-                <a:ea typeface="ＭＳ Ｐゴシック" charset="0"/>
-              </a:rPr>
-              <a:t>configurations for a given workload </a:t>
-            </a:r>
-          </a:p>
-          <a:p>
-            <a:pPr lvl="2"/>
-            <a:r>
-              <a:rPr lang="en-US" dirty="0">
-                <a:latin typeface="Arial" charset="0"/>
-                <a:ea typeface="ＭＳ Ｐゴシック" charset="0"/>
-              </a:rPr>
-              <a:t>Irrespective of whether it is best representation of an application</a:t>
-            </a:r>
-          </a:p>
-          <a:p>
-            <a:pPr lvl="2"/>
-            <a:r>
-              <a:rPr lang="en-US" dirty="0">
-                <a:latin typeface="Arial" charset="0"/>
-                <a:ea typeface="ＭＳ Ｐゴシック" charset="0"/>
-              </a:rPr>
-              <a:t>Resources availability at extreme scale is </a:t>
-            </a:r>
-            <a:r>
-              <a:rPr lang="en-US" dirty="0" smtClean="0">
-                <a:latin typeface="Arial" charset="0"/>
-                <a:ea typeface="ＭＳ Ｐゴシック" charset="0"/>
-              </a:rPr>
-              <a:t>variable</a:t>
-            </a:r>
-          </a:p>
-          <a:p>
-            <a:pPr lvl="2"/>
-            <a:endParaRPr lang="en-US" dirty="0">
-              <a:latin typeface="Arial" charset="0"/>
-              <a:ea typeface="ＭＳ Ｐゴシック" charset="0"/>
-            </a:endParaRPr>
-          </a:p>
-          <a:p>
-            <a:pPr lvl="1"/>
-            <a:r>
-              <a:rPr lang="en-US" dirty="0" smtClean="0">
-                <a:latin typeface="Arial" charset="0"/>
-                <a:ea typeface="ＭＳ Ｐゴシック" charset="0"/>
-              </a:rPr>
-              <a:t>Optimal </a:t>
-            </a:r>
-            <a:r>
-              <a:rPr lang="en-US" dirty="0">
-                <a:latin typeface="Arial" charset="0"/>
-                <a:ea typeface="ＭＳ Ｐゴシック" charset="0"/>
-              </a:rPr>
-              <a:t>Mapping: Workload to Resource Mapping</a:t>
-            </a:r>
-          </a:p>
-          <a:p>
-            <a:pPr lvl="2"/>
-            <a:r>
-              <a:rPr lang="en-US" dirty="0">
-                <a:latin typeface="Arial" charset="0"/>
-                <a:ea typeface="ＭＳ Ｐゴシック" charset="0"/>
-              </a:rPr>
-              <a:t>Static versus Dynamic </a:t>
-            </a:r>
-            <a:r>
-              <a:rPr lang="en-US" dirty="0" smtClean="0">
-                <a:latin typeface="Arial" charset="0"/>
-                <a:ea typeface="ＭＳ Ｐゴシック" charset="0"/>
-              </a:rPr>
-              <a:t>Mapping</a:t>
-            </a:r>
-            <a:endParaRPr lang="en-US" dirty="0">
-              <a:latin typeface="Arial" charset="0"/>
-              <a:ea typeface="ＭＳ Ｐゴシック" charset="0"/>
-            </a:endParaRPr>
-          </a:p>
-        </p:txBody>
-      </p:sp>
-    </p:spTree>
-    <p:extLst>
-      <p:ext uri="{BB962C8B-B14F-4D97-AF65-F5344CB8AC3E}">
-        <p14:creationId xmlns:p14="http://schemas.microsoft.com/office/powerpoint/2010/main" val="797019325"/>
-      </p:ext>
-    </p:extLst>
-  </p:cSld>
-  <p:clrMapOvr>
-    <a:masterClrMapping/>
-  </p:clrMapOvr>
-</p:sld>
-</file>
-
-<file path=ppt/slides/slide29.xml><?xml version="1.0" encoding="utf-8"?>
-<p:sld xmlns:a="http://schemas.openxmlformats.org/drawingml/2006/main" xmlns:r="http://schemas.openxmlformats.org/officeDocument/2006/relationships" xmlns:p="http://schemas.openxmlformats.org/presentationml/2006/main">
-  <p:cSld>
-    <p:spTree>
-      <p:nvGrpSpPr>
-        <p:cNvPr id="1" name="Shape 46"/>
-        <p:cNvGrpSpPr/>
-        <p:nvPr/>
-      </p:nvGrpSpPr>
-      <p:grpSpPr>
-        <a:xfrm>
-          <a:off x="0" y="0"/>
-          <a:ext cx="0" cy="0"/>
-          <a:chOff x="0" y="0"/>
-          <a:chExt cx="0" cy="0"/>
-        </a:xfrm>
-      </p:grpSpPr>
-      <p:sp>
-        <p:nvSpPr>
-          <p:cNvPr id="47" name="Shape 47"/>
-          <p:cNvSpPr txBox="1">
-            <a:spLocks noGrp="1"/>
-          </p:cNvSpPr>
-          <p:nvPr>
-            <p:ph type="title"/>
-          </p:nvPr>
-        </p:nvSpPr>
-        <p:spPr>
-          <a:prstGeom prst="rect">
-            <a:avLst/>
-          </a:prstGeom>
-        </p:spPr>
-        <p:txBody>
-          <a:bodyPr lIns="91425" tIns="91425" rIns="91425" bIns="91425" anchor="b" anchorCtr="0">
-            <a:noAutofit/>
-          </a:bodyPr>
-          <a:lstStyle/>
-          <a:p>
-            <a:pPr lvl="0" rtl="0">
-              <a:buNone/>
-            </a:pPr>
-            <a:r>
-              <a:rPr lang="en-US" dirty="0" err="1" smtClean="0"/>
-              <a:t>ModSim</a:t>
-            </a:r>
-            <a:r>
-              <a:rPr lang="en-US" dirty="0" smtClean="0"/>
-              <a:t> Challenges</a:t>
-            </a:r>
-            <a:r>
-              <a:rPr lang="en" dirty="0"/>
-              <a:t>	</a:t>
-            </a:r>
-          </a:p>
-        </p:txBody>
-      </p:sp>
-      <p:sp>
-        <p:nvSpPr>
-          <p:cNvPr id="48" name="Shape 48"/>
-          <p:cNvSpPr txBox="1">
-            <a:spLocks noGrp="1"/>
-          </p:cNvSpPr>
-          <p:nvPr>
-            <p:ph idx="4294967295"/>
-          </p:nvPr>
-        </p:nvSpPr>
-        <p:spPr>
-          <a:xfrm>
-            <a:off x="282231" y="789713"/>
-            <a:ext cx="8715010" cy="5146675"/>
-          </a:xfrm>
-          <a:prstGeom prst="rect">
-            <a:avLst/>
-          </a:prstGeom>
-        </p:spPr>
-        <p:txBody>
-          <a:bodyPr lIns="91425" tIns="91425" rIns="91425" bIns="91425" anchor="t" anchorCtr="0">
-            <a:noAutofit/>
-          </a:bodyPr>
-          <a:lstStyle/>
-          <a:p>
-            <a:pPr>
-              <a:lnSpc>
-                <a:spcPct val="90000"/>
-              </a:lnSpc>
-            </a:pPr>
-            <a:r>
-              <a:rPr lang="en-US" dirty="0" smtClean="0"/>
-              <a:t>Overarching Consideration: How does modeling DEC couple to and synergize with HPC </a:t>
-            </a:r>
-            <a:r>
-              <a:rPr lang="en-US" dirty="0" err="1" smtClean="0"/>
-              <a:t>exascale</a:t>
-            </a:r>
-            <a:r>
-              <a:rPr lang="en-US" dirty="0" smtClean="0"/>
-              <a:t> modeling efforts?</a:t>
-            </a:r>
-          </a:p>
-          <a:p>
-            <a:pPr>
-              <a:lnSpc>
-                <a:spcPct val="90000"/>
-              </a:lnSpc>
-            </a:pPr>
-            <a:r>
-              <a:rPr lang="en-US" dirty="0" smtClean="0"/>
-              <a:t>Operational Challenges: </a:t>
-            </a:r>
-          </a:p>
-          <a:p>
-            <a:pPr lvl="1">
-              <a:lnSpc>
-                <a:spcPct val="90000"/>
-              </a:lnSpc>
-            </a:pPr>
-            <a:r>
-              <a:rPr lang="en-US" dirty="0" smtClean="0"/>
-              <a:t>Granularity</a:t>
-            </a:r>
-          </a:p>
-          <a:p>
-            <a:pPr lvl="2">
-              <a:lnSpc>
-                <a:spcPct val="90000"/>
-              </a:lnSpc>
-            </a:pPr>
-            <a:r>
-              <a:rPr lang="en-US" dirty="0" smtClean="0"/>
-              <a:t>Different models of varying specificity</a:t>
-            </a:r>
-          </a:p>
-          <a:p>
-            <a:pPr lvl="2">
-              <a:lnSpc>
-                <a:spcPct val="90000"/>
-              </a:lnSpc>
-            </a:pPr>
-            <a:r>
-              <a:rPr lang="en-US" dirty="0" smtClean="0"/>
-              <a:t>Some are analytical, some are conceptual </a:t>
-            </a:r>
-          </a:p>
-          <a:p>
-            <a:pPr lvl="1">
-              <a:lnSpc>
-                <a:spcPct val="90000"/>
-              </a:lnSpc>
-            </a:pPr>
-            <a:r>
-              <a:rPr lang="en-US" dirty="0" smtClean="0"/>
-              <a:t>Multi-scale</a:t>
-            </a:r>
-          </a:p>
-          <a:p>
-            <a:pPr lvl="2">
-              <a:lnSpc>
-                <a:spcPct val="90000"/>
-              </a:lnSpc>
-            </a:pPr>
-            <a:r>
-              <a:rPr lang="en-US" dirty="0" smtClean="0"/>
-              <a:t>Macroscopic versus microscopic consequences</a:t>
-            </a:r>
-          </a:p>
-          <a:p>
-            <a:pPr lvl="1">
-              <a:lnSpc>
-                <a:spcPct val="90000"/>
-              </a:lnSpc>
-            </a:pPr>
-            <a:r>
-              <a:rPr lang="en-US" dirty="0" smtClean="0"/>
-              <a:t>Many possible parameters, which should be used?</a:t>
-            </a:r>
-          </a:p>
-          <a:p>
-            <a:pPr lvl="2">
-              <a:lnSpc>
-                <a:spcPct val="90000"/>
-              </a:lnSpc>
-            </a:pPr>
-            <a:r>
-              <a:rPr lang="en-US" dirty="0" smtClean="0"/>
-              <a:t>Linking models that reason using different parameters, e.g., energy considerations may not play a role at large-scale distribution	</a:t>
-            </a:r>
-          </a:p>
-          <a:p>
-            <a:pPr lvl="1">
-              <a:lnSpc>
-                <a:spcPct val="90000"/>
-              </a:lnSpc>
-            </a:pPr>
-            <a:r>
-              <a:rPr lang="en-US" dirty="0" smtClean="0"/>
-              <a:t>Heterogeneity</a:t>
-            </a:r>
-          </a:p>
-          <a:p>
-            <a:pPr lvl="2">
-              <a:lnSpc>
-                <a:spcPct val="90000"/>
-              </a:lnSpc>
-            </a:pPr>
-            <a:r>
-              <a:rPr lang="en-US" dirty="0" smtClean="0"/>
-              <a:t>Federating heterogeneous distributed infrastructure</a:t>
-            </a:r>
-          </a:p>
-          <a:p>
-            <a:pPr lvl="1">
-              <a:lnSpc>
-                <a:spcPct val="90000"/>
-              </a:lnSpc>
-            </a:pPr>
-            <a:endParaRPr lang="en-US" dirty="0" smtClean="0"/>
-          </a:p>
-          <a:p>
-            <a:pPr marL="0" indent="0">
-              <a:lnSpc>
-                <a:spcPct val="90000"/>
-              </a:lnSpc>
-              <a:buNone/>
-            </a:pPr>
-            <a:endParaRPr lang="en-US" sz="2000" dirty="0"/>
-          </a:p>
-          <a:p>
-            <a:pPr marL="457200" lvl="1" indent="0">
-              <a:lnSpc>
-                <a:spcPct val="90000"/>
-              </a:lnSpc>
-              <a:buNone/>
-            </a:pPr>
-            <a:endParaRPr lang="en-US" sz="2000" dirty="0">
-              <a:solidFill>
-                <a:srgbClr val="606060"/>
-              </a:solidFill>
-            </a:endParaRPr>
-          </a:p>
-        </p:txBody>
-      </p:sp>
-    </p:spTree>
-    <p:extLst>
-      <p:ext uri="{BB962C8B-B14F-4D97-AF65-F5344CB8AC3E}">
-        <p14:creationId xmlns:p14="http://schemas.microsoft.com/office/powerpoint/2010/main" val="2469319972"/>
-      </p:ext>
-    </p:extLst>
-  </p:cSld>
-  <p:clrMapOvr>
-    <a:masterClrMapping/>
-  </p:clrMapOvr>
-  <p:transition xmlns:p14="http://schemas.microsoft.com/office/powerpoint/2010/main" spd="slow">
-    <p:cut/>
-  </p:transition>
-  <p:timing>
-    <p:tnLst>
-      <p:par>
-        <p:cTn xmlns:p14="http://schemas.microsoft.com/office/powerpoint/2010/main" id="1" dur="indefinite" restart="never" nodeType="tmRoot"/>
-      </p:par>
-    </p:tnLst>
-  </p:timing>
 </p:sld>
 </file>
 
@@ -11299,6 +10146,25 @@
               <a:buSzPct val="100000"/>
             </a:pPr>
             <a:r>
+              <a:rPr lang="en-US" sz="2000" dirty="0">
+                <a:solidFill>
+                  <a:schemeClr val="tx1">
+                    <a:lumMod val="65000"/>
+                    <a:lumOff val="35000"/>
+                  </a:schemeClr>
+                </a:solidFill>
+              </a:rPr>
+              <a:t>Support reasoning and predictable behavior</a:t>
+            </a:r>
+          </a:p>
+          <a:p>
+            <a:pPr marL="1208088" lvl="2" indent="-342900">
+              <a:buClr>
+                <a:srgbClr val="000000"/>
+              </a:buClr>
+              <a:buSzPct val="100000"/>
+            </a:pPr>
+            <a:r>
               <a:rPr lang="en-US" sz="2000" dirty="0" smtClean="0"/>
               <a:t>What </a:t>
             </a:r>
@@ -11320,8 +10186,29 @@
             </a:r>
             <a:r>
               <a:rPr lang="en-US" sz="2000" dirty="0"/>
-              <a:t>to distribute? </a:t>
-            </a:r>
+              <a:t>to distribute</a:t>
+            </a:r>
+            <a:r>
+              <a:rPr lang="en-US" sz="2000" dirty="0" smtClean="0"/>
+              <a:t>?</a:t>
+            </a:r>
+          </a:p>
+          <a:p>
+            <a:pPr marL="1208088" lvl="2" indent="-342900">
+              <a:buClr>
+                <a:srgbClr val="000000"/>
+              </a:buClr>
+              <a:buSzPct val="100000"/>
+            </a:pPr>
+            <a:r>
+              <a:rPr lang="en-US" sz="2000" dirty="0" smtClean="0"/>
+              <a:t>Estimate time to completion? </a:t>
+            </a:r>
+            <a:r>
+              <a:rPr lang="en-US" sz="2000" dirty="0" smtClean="0"/>
+              <a:t> </a:t>
+            </a:r>
+            <a:endParaRPr lang="en-US" sz="2000" dirty="0"/>
           </a:p>
           <a:p>
             <a:pPr marL="800100" lvl="1" indent="-342900">
@@ -11341,25 +10228,6 @@
             <a:r>
               <a:rPr lang="en-US" sz="2000" dirty="0" smtClean="0"/>
               <a:t>applications and resources (compute, data and networks) </a:t>
-            </a:r>
-          </a:p>
-          <a:p>
-            <a:pPr marL="800100" lvl="1" indent="-342900">
-              <a:buClr>
-                <a:srgbClr val="000000"/>
-              </a:buClr>
-              <a:buSzPct val="100000"/>
-            </a:pPr>
-            <a:r>
-              <a:rPr lang="en-US" sz="2000" dirty="0" smtClean="0">
-                <a:solidFill>
-                  <a:schemeClr val="tx1">
-                    <a:lumMod val="65000"/>
-                    <a:lumOff val="35000"/>
-                  </a:schemeClr>
-                </a:solidFill>
-              </a:rPr>
-              <a:t>Support reasoning and predictable behavior</a:t>
             </a:r>
           </a:p>
           <a:p>
@@ -11533,85 +10401,6 @@
                   <a:lumMod val="75000"/>
                   <a:lumOff val="25000"/>
                 </a:schemeClr>
-              </a:solidFill>
-            </a:endParaRPr>
-          </a:p>
-          <a:p>
-            <a:pPr marL="800100" lvl="1" indent="-342900">
-              <a:buClr>
-                <a:srgbClr val="000000"/>
-              </a:buClr>
-              <a:buSzPct val="100000"/>
-            </a:pPr>
-            <a:r>
-              <a:rPr lang="en-US" sz="2000" dirty="0">
-                <a:solidFill>
-                  <a:schemeClr val="tx1">
-                    <a:lumMod val="75000"/>
-                    <a:lumOff val="25000"/>
-                  </a:schemeClr>
-                </a:solidFill>
-              </a:rPr>
-              <a:t>Abstracted application communication and dataflow </a:t>
-            </a:r>
-            <a:r>
-              <a:rPr lang="en-US" sz="2000" dirty="0" smtClean="0">
-                <a:solidFill>
-                  <a:schemeClr val="tx1">
-                    <a:lumMod val="75000"/>
-                    <a:lumOff val="25000"/>
-                  </a:schemeClr>
-                </a:solidFill>
-              </a:rPr>
-              <a:t>representation that </a:t>
-            </a:r>
-            <a:r>
-              <a:rPr lang="en-US" sz="2000" dirty="0">
-                <a:solidFill>
-                  <a:schemeClr val="tx1">
-                    <a:lumMod val="75000"/>
-                    <a:lumOff val="25000"/>
-                  </a:schemeClr>
-                </a:solidFill>
-              </a:rPr>
-              <a:t>captures application logic yet is </a:t>
-            </a:r>
-            <a:r>
-              <a:rPr lang="en-US" sz="2000" dirty="0" smtClean="0">
-                <a:solidFill>
-                  <a:schemeClr val="tx1">
-                    <a:lumMod val="75000"/>
-                    <a:lumOff val="25000"/>
-                  </a:schemeClr>
-                </a:solidFill>
-              </a:rPr>
-              <a:t>not application-specific and allows for reasoning on distribution</a:t>
-            </a:r>
-            <a:r>
-              <a:rPr lang="en-US" sz="2000" dirty="0">
-                <a:solidFill>
-                  <a:schemeClr val="tx1">
-                    <a:lumMod val="75000"/>
-                    <a:lumOff val="25000"/>
-                  </a:schemeClr>
-                </a:solidFill>
-              </a:rPr>
-              <a:t>, scheduling, </a:t>
-            </a:r>
-            <a:r>
-              <a:rPr lang="en-US" sz="2000" dirty="0" smtClean="0">
-                <a:solidFill>
-                  <a:schemeClr val="tx1">
-                    <a:lumMod val="75000"/>
-                    <a:lumOff val="25000"/>
-                  </a:schemeClr>
-                </a:solidFill>
-              </a:rPr>
-              <a:t>placement</a:t>
-            </a:r>
-            <a:endParaRPr lang="en-US" sz="2000" dirty="0">
-              <a:solidFill>
-                <a:srgbClr val="800000"/>
               </a:solidFill>
             </a:endParaRPr>
           </a:p>
@@ -11758,10 +10547,10 @@
                   </a:schemeClr>
                 </a:solidFill>
               </a:rPr>
-              <a:t>Not </a:t>
-            </a:r>
-            <a:r>
-              <a:rPr lang="en-US" dirty="0">
+              <a:t>Does not just </a:t>
+            </a:r>
+            <a:r>
+              <a:rPr lang="en-US" dirty="0" smtClean="0">
                 <a:solidFill>
                   <a:schemeClr val="tx1">
                     <a:lumMod val="65000"/>
@@ -11769,7 +10558,7 @@
                   </a:schemeClr>
                 </a:solidFill>
               </a:rPr>
-              <a:t>just </a:t>
+              <a:t>“</a:t>
             </a:r>
             <a:r>
               <a:rPr lang="en-US" dirty="0" smtClean="0">
@@ -11780,7 +10569,18 @@
                   </a:schemeClr>
                 </a:solidFill>
               </a:rPr>
-              <a:t>“glues” different </a:t>
+              <a:t>glue” </a:t>
+            </a:r>
+            <a:r>
+              <a:rPr lang="en-US" dirty="0" smtClean="0">
+                <a:solidFill>
+                  <a:schemeClr val="tx1">
+                    <a:lumMod val="65000"/>
+                    <a:lumOff val="35000"/>
+                  </a:schemeClr>
+                </a:solidFill>
+              </a:rPr>
+              <a:t>different </a:t>
             </a:r>
             <a:r>
               <a:rPr lang="en-US" dirty="0">

--- a/presentations/radical-modsim.pptx
+++ b/presentations/radical-modsim.pptx
@@ -739,8 +739,36 @@
             </a:pPr>
             <a:r>
               <a:rPr lang="en-US" dirty="0" smtClean="0"/>
-              <a:t>Decomposition of application's problem and data space </a:t>
-            </a:r>
+              <a:t>Mostly</a:t>
+            </a:r>
+            <a:r>
+              <a:rPr lang="en-US" baseline="0" dirty="0" smtClean="0"/>
+              <a:t> Applications that are composed of multiple tasks – different degrees of coupling… homogenous or heterogeneous tasks</a:t>
+            </a:r>
+          </a:p>
+          <a:p>
+            <a:pPr marL="0" marR="0" lvl="1" indent="0" algn="l" defTabSz="457200" rtl="0" eaLnBrk="1" fontAlgn="auto" latinLnBrk="0" hangingPunct="1">
+              <a:lnSpc>
+                <a:spcPct val="100000"/>
+              </a:lnSpc>
+              <a:spcBef>
+                <a:spcPts val="0"/>
+              </a:spcBef>
+              <a:spcAft>
+                <a:spcPts val="0"/>
+              </a:spcAft>
+              <a:buClrTx/>
+              <a:buSzTx/>
+              <a:buFontTx/>
+              <a:buNone/>
+              <a:tabLst/>
+              <a:defRPr/>
+            </a:pPr>
+            <a:r>
+              <a:rPr lang="en-US" dirty="0" smtClean="0"/>
+              <a:t>Essential Vectors of an Application: Communication, Coordination, Execution Units, Environment</a:t>
+            </a:r>
+            <a:endParaRPr lang="en-US" dirty="0" smtClean="0"/>
           </a:p>
           <a:p>
             <a:endParaRPr lang="en-US" dirty="0"/>
@@ -1510,7 +1538,20 @@
             </a:r>
             <a:r>
               <a:rPr lang="en-US" baseline="0" dirty="0" smtClean="0"/>
-              <a:t> a non-traditional way, by using the Organizers Qs as a way to summarize the talk</a:t>
+              <a:t> a non-traditional way, by using the Organizers Qs as a way to summarize the </a:t>
+            </a:r>
+            <a:r>
+              <a:rPr lang="en-US" baseline="0" dirty="0" smtClean="0"/>
+              <a:t>talk</a:t>
+            </a:r>
+          </a:p>
+          <a:p>
+            <a:endParaRPr lang="en-US" baseline="0" dirty="0" smtClean="0"/>
+          </a:p>
+          <a:p>
+            <a:r>
+              <a:rPr lang="en-US" baseline="0" dirty="0" smtClean="0"/>
+              <a:t>Proposed Architecture is not to burden you with a solution, but to show you possible “shape of a solution”. Careful design and digging in is still required.</a:t>
             </a:r>
             <a:endParaRPr dirty="0"/>
           </a:p>
@@ -5118,8 +5159,41 @@
           <a:lstStyle/>
           <a:p>
             <a:r>
+              <a:rPr lang="en-US" dirty="0" smtClean="0"/>
+              <a:t>Analysis suggests that there </a:t>
+            </a:r>
+            <a:r>
+              <a:rPr lang="en-US" dirty="0" smtClean="0"/>
+              <a:t>are many application types</a:t>
+            </a:r>
+          </a:p>
+          <a:p>
+            <a:pPr lvl="1"/>
+            <a:r>
+              <a:rPr lang="en-US" dirty="0" smtClean="0"/>
+              <a:t>Two-tier  approach that supports specificity yet supports commonality</a:t>
+            </a:r>
+          </a:p>
+          <a:p>
+            <a:r>
+              <a:rPr lang="en-US" dirty="0" smtClean="0"/>
+              <a:t>A</a:t>
+            </a:r>
+            <a:r>
               <a:rPr lang="en-US" dirty="0"/>
-              <a:t>A* models the structure of some distributed application </a:t>
+              <a:t>* </a:t>
+            </a:r>
+            <a:r>
+              <a:rPr lang="en-US" dirty="0" smtClean="0"/>
+              <a:t>conceptual </a:t>
+            </a:r>
+            <a:r>
+              <a:rPr lang="en-US" dirty="0" smtClean="0"/>
+              <a:t>models of distributed </a:t>
+            </a:r>
+            <a:r>
+              <a:rPr lang="en-US" dirty="0"/>
+              <a:t>application </a:t>
             </a:r>
             <a:r>
               <a:rPr lang="en-US" dirty="0" smtClean="0"/>
@@ -5141,18 +5215,6 @@
             <a:pPr lvl="1"/>
             <a:r>
               <a:rPr lang="en-US" dirty="0" smtClean="0"/>
-              <a:t>Decomposition </a:t>
-            </a:r>
-            <a:r>
-              <a:rPr lang="en-US" dirty="0"/>
-              <a:t>of application's problem and data space </a:t>
-            </a:r>
-            <a:endParaRPr lang="en-US" dirty="0" smtClean="0"/>
-          </a:p>
-          <a:p>
-            <a:pPr lvl="1"/>
-            <a:r>
-              <a:rPr lang="en-US" dirty="0" smtClean="0"/>
               <a:t>Implications </a:t>
             </a:r>
             <a:r>
@@ -5164,7 +5226,11 @@
           <a:p>
             <a:r>
               <a:rPr lang="en-US" dirty="0" smtClean="0"/>
-              <a:t>Supports the derivation </a:t>
+              <a:t>A* supports </a:t>
+            </a:r>
+            <a:r>
+              <a:rPr lang="en-US" dirty="0" smtClean="0"/>
+              <a:t>the derivation </a:t>
             </a:r>
             <a:r>
               <a:rPr lang="en-US" dirty="0"/>
@@ -5174,6 +5240,7 @@
               <a:rPr lang="en-US" dirty="0" smtClean="0"/>
               <a:t>representation</a:t>
             </a:r>
+            <a:endParaRPr lang="en-US" dirty="0" smtClean="0"/>
           </a:p>
           <a:p>
             <a:r>
@@ -5197,7 +5264,19 @@
             </a:r>
             <a:r>
               <a:rPr lang="en-US" dirty="0"/>
-              <a:t>are small units of workload </a:t>
+              <a:t>are </a:t>
+            </a:r>
+            <a:r>
+              <a:rPr lang="en-US" dirty="0" smtClean="0"/>
+              <a:t>units </a:t>
+            </a:r>
+            <a:r>
+              <a:rPr lang="en-US" dirty="0"/>
+              <a:t>of </a:t>
+            </a:r>
+            <a:r>
+              <a:rPr lang="en-US" dirty="0" smtClean="0"/>
+              <a:t>application workload </a:t>
             </a:r>
             <a:r>
               <a:rPr lang="en-US" dirty="0" smtClean="0"/>
@@ -5216,10 +5295,37 @@
             <a:pPr lvl="1"/>
             <a:r>
               <a:rPr lang="en-US" dirty="0" smtClean="0"/>
-              <a:t>Constituents can be transformed directly either as system workload</a:t>
-            </a:r>
-          </a:p>
-          <a:p>
+              <a:t>Constituents </a:t>
+            </a:r>
+            <a:r>
+              <a:rPr lang="en-US" dirty="0" smtClean="0"/>
+              <a:t>can be transformed directly </a:t>
+            </a:r>
+            <a:r>
+              <a:rPr lang="en-US" dirty="0" smtClean="0"/>
+              <a:t>into system workload</a:t>
+            </a:r>
+          </a:p>
+          <a:p>
+            <a:r>
+              <a:rPr lang="en-US" smtClean="0"/>
+              <a:t>Multiple </a:t>
+            </a:r>
+            <a:r>
+              <a:rPr lang="en-US" dirty="0"/>
+              <a:t>application models </a:t>
+            </a:r>
+            <a:r>
+              <a:rPr lang="en-US" dirty="0" smtClean="0"/>
+              <a:t>can use </a:t>
+            </a:r>
+            <a:r>
+              <a:rPr lang="en-US" dirty="0"/>
+              <a:t>W*</a:t>
+            </a:r>
+          </a:p>
+          <a:p>
+            <a:pPr lvl="1"/>
             <a:r>
               <a:rPr lang="en-US" dirty="0" smtClean="0"/>
               <a:t>Workloads </a:t>
@@ -5230,47 +5336,27 @@
             </a:r>
             <a:r>
               <a:rPr lang="en-US" dirty="0" smtClean="0"/>
-              <a:t>static; no </a:t>
+              <a:t>static </a:t>
+            </a:r>
+          </a:p>
+          <a:p>
+            <a:pPr lvl="1"/>
+            <a:r>
+              <a:rPr lang="en-US" dirty="0" smtClean="0"/>
+              <a:t>Adaptive </a:t>
             </a:r>
             <a:r>
               <a:rPr lang="en-US" dirty="0"/>
-              <a:t>changes based on (non-predictable) application </a:t>
-            </a:r>
+              <a:t>applications result </a:t>
+            </a:r>
+            <a:r>
+              <a:rPr lang="en-US" dirty="0" smtClean="0"/>
+              <a:t>in different workloads units</a:t>
+            </a:r>
+          </a:p>
+          <a:p>
+            <a:pPr lvl="1"/>
             <a:endParaRPr lang="en-US" dirty="0" smtClean="0"/>
-          </a:p>
-          <a:p>
-            <a:pPr lvl="1"/>
-            <a:r>
-              <a:rPr lang="en-US" dirty="0" smtClean="0"/>
-              <a:t>representations </a:t>
-            </a:r>
-            <a:r>
-              <a:rPr lang="en-US" dirty="0"/>
-              <a:t>of W* will be used for simulations (WL description) and experiments (WL implementation) </a:t>
-            </a:r>
-            <a:endParaRPr lang="en-US" dirty="0" smtClean="0"/>
-          </a:p>
-          <a:p>
-            <a:r>
-              <a:rPr lang="en-US" dirty="0"/>
-              <a:t>Dynamic applications result in </a:t>
-            </a:r>
-            <a:r>
-              <a:rPr lang="en-US" dirty="0" smtClean="0"/>
-              <a:t>workloads </a:t>
-            </a:r>
-            <a:r>
-              <a:rPr lang="en-US" dirty="0"/>
-              <a:t>with </a:t>
-            </a:r>
-            <a:r>
-              <a:rPr lang="en-US" dirty="0" smtClean="0"/>
-              <a:t>a range </a:t>
-            </a:r>
-            <a:r>
-              <a:rPr lang="en-US" dirty="0"/>
-              <a:t>of properties </a:t>
-            </a:r>
           </a:p>
           <a:p>
             <a:endParaRPr lang="en-US" dirty="0"/>
@@ -5330,7 +5416,6 @@
               <a:rPr lang="en-US" dirty="0"/>
               <a:t>- Analytical HPDC Infrastructure Model </a:t>
             </a:r>
-            <a:endParaRPr lang="en-US" dirty="0"/>
           </a:p>
         </p:txBody>
       </p:sp>
@@ -6699,11 +6784,7 @@
           <a:p>
             <a:r>
               <a:rPr lang="en-US" dirty="0" smtClean="0"/>
-              <a:t>Design Objective</a:t>
-            </a:r>
-            <a:r>
-              <a:rPr lang="en-US" dirty="0" smtClean="0"/>
-              <a:t>: Multi-level and Integrated</a:t>
+              <a:t>Design Objective: Multi-level and Integrated</a:t>
             </a:r>
             <a:endParaRPr lang="en-US" dirty="0"/>
           </a:p>
@@ -7124,7 +7205,18 @@
                   </a:schemeClr>
                 </a:solidFill>
               </a:rPr>
-              <a:t>NGMW as a way to address DEC requirements</a:t>
+              <a:t>Next Gen Middleware (NGMW) </a:t>
+            </a:r>
+            <a:r>
+              <a:rPr lang="en-US" dirty="0" smtClean="0">
+                <a:solidFill>
+                  <a:schemeClr val="tx1">
+                    <a:lumMod val="65000"/>
+                    <a:lumOff val="35000"/>
+                  </a:schemeClr>
+                </a:solidFill>
+              </a:rPr>
+              <a:t>as a way to address DEC requirements</a:t>
             </a:r>
             <a:endParaRPr lang="en-US" dirty="0">
               <a:solidFill>
@@ -7170,40 +7262,7 @@
                   </a:schemeClr>
                 </a:solidFill>
               </a:rPr>
-              <a:t>Proposed </a:t>
-            </a:r>
-            <a:r>
-              <a:rPr lang="en-US" sz="2000" dirty="0" smtClean="0">
-                <a:solidFill>
-                  <a:schemeClr val="tx1">
-                    <a:lumMod val="65000"/>
-                    <a:lumOff val="35000"/>
-                  </a:schemeClr>
-                </a:solidFill>
-              </a:rPr>
-              <a:t>architecture </a:t>
-            </a:r>
-            <a:r>
-              <a:rPr lang="en-US" sz="2000" dirty="0" smtClean="0">
-                <a:solidFill>
-                  <a:schemeClr val="tx1">
-                    <a:lumMod val="65000"/>
-                    <a:lumOff val="35000"/>
-                  </a:schemeClr>
-                </a:solidFill>
-              </a:rPr>
-              <a:t>for a </a:t>
-            </a:r>
-            <a:r>
-              <a:rPr lang="en-US" sz="2000" dirty="0" smtClean="0">
-                <a:solidFill>
-                  <a:schemeClr val="tx1">
-                    <a:lumMod val="65000"/>
-                    <a:lumOff val="35000"/>
-                  </a:schemeClr>
-                </a:solidFill>
-              </a:rPr>
-              <a:t>capability-based NGMW</a:t>
+              <a:t>Proposed architecture for a capability-based NGMW</a:t>
             </a:r>
           </a:p>
           <a:p>
@@ -7222,73 +7281,7 @@
                   </a:schemeClr>
                 </a:solidFill>
               </a:rPr>
-              <a:t>Models </a:t>
-            </a:r>
-            <a:r>
-              <a:rPr lang="en-US" sz="2000" dirty="0" smtClean="0">
-                <a:solidFill>
-                  <a:schemeClr val="tx1">
-                    <a:lumMod val="65000"/>
-                    <a:lumOff val="35000"/>
-                  </a:schemeClr>
-                </a:solidFill>
-              </a:rPr>
-              <a:t>at multiple levels and their </a:t>
-            </a:r>
-            <a:r>
-              <a:rPr lang="en-US" sz="2000" dirty="0" smtClean="0">
-                <a:solidFill>
-                  <a:schemeClr val="tx1">
-                    <a:lumMod val="65000"/>
-                    <a:lumOff val="35000"/>
-                  </a:schemeClr>
-                </a:solidFill>
-              </a:rPr>
-              <a:t>integration: Applications </a:t>
-            </a:r>
-            <a:r>
-              <a:rPr lang="en-US" sz="2000" dirty="0" smtClean="0">
-                <a:solidFill>
-                  <a:schemeClr val="tx1">
-                    <a:lumMod val="65000"/>
-                    <a:lumOff val="35000"/>
-                  </a:schemeClr>
-                </a:solidFill>
-              </a:rPr>
-              <a:t>(A*, W*),  Dynamic Resources </a:t>
-            </a:r>
-            <a:r>
-              <a:rPr lang="en-US" sz="2000" dirty="0" smtClean="0">
-                <a:solidFill>
-                  <a:schemeClr val="tx1">
-                    <a:lumMod val="65000"/>
-                    <a:lumOff val="35000"/>
-                  </a:schemeClr>
-                </a:solidFill>
-              </a:rPr>
-              <a:t>(P*), Infrastructure (I</a:t>
-            </a:r>
-            <a:r>
-              <a:rPr lang="en-US" sz="2000" dirty="0" smtClean="0">
-                <a:solidFill>
-                  <a:schemeClr val="tx1">
-                    <a:lumMod val="65000"/>
-                    <a:lumOff val="35000"/>
-                  </a:schemeClr>
-                </a:solidFill>
-              </a:rPr>
-              <a:t>*), </a:t>
-            </a:r>
-            <a:r>
-              <a:rPr lang="en-US" sz="2000" dirty="0" smtClean="0">
-                <a:solidFill>
-                  <a:schemeClr val="tx1">
-                    <a:lumMod val="65000"/>
-                    <a:lumOff val="35000"/>
-                  </a:schemeClr>
-                </a:solidFill>
-              </a:rPr>
-              <a:t>Federation (F*)</a:t>
+              <a:t>Models at multiple levels and their integration: Applications (A*, W*),  Dynamic Resources (P*), Infrastructure (I*), Federation (F*)</a:t>
             </a:r>
             <a:endParaRPr lang="en-US" sz="2000" dirty="0">
               <a:solidFill>
@@ -7315,51 +7308,7 @@
                   </a:schemeClr>
                 </a:solidFill>
               </a:rPr>
-              <a:t>Putting </a:t>
-            </a:r>
-            <a:r>
-              <a:rPr lang="en-US" sz="2000" dirty="0" smtClean="0">
-                <a:solidFill>
-                  <a:schemeClr val="tx1">
-                    <a:lumMod val="65000"/>
-                    <a:lumOff val="35000"/>
-                  </a:schemeClr>
-                </a:solidFill>
-              </a:rPr>
-              <a:t>it </a:t>
-            </a:r>
-            <a:r>
-              <a:rPr lang="en-US" sz="2000" dirty="0" smtClean="0">
-                <a:solidFill>
-                  <a:schemeClr val="tx1">
-                    <a:lumMod val="65000"/>
-                    <a:lumOff val="35000"/>
-                  </a:schemeClr>
-                </a:solidFill>
-              </a:rPr>
-              <a:t>all </a:t>
-            </a:r>
-            <a:r>
-              <a:rPr lang="en-US" sz="2000" dirty="0" smtClean="0">
-                <a:solidFill>
-                  <a:schemeClr val="tx1">
-                    <a:lumMod val="65000"/>
-                    <a:lumOff val="35000"/>
-                  </a:schemeClr>
-                </a:solidFill>
-              </a:rPr>
-              <a:t>together</a:t>
-            </a:r>
-            <a:r>
-              <a:rPr lang="en-US" sz="2000" dirty="0" smtClean="0">
-                <a:solidFill>
-                  <a:schemeClr val="tx1">
-                    <a:lumMod val="65000"/>
-                    <a:lumOff val="35000"/>
-                  </a:schemeClr>
-                </a:solidFill>
-              </a:rPr>
-              <a:t>: Conceptual and Implementation</a:t>
+              <a:t>Putting it all together: Conceptual and Implementation</a:t>
             </a:r>
           </a:p>
           <a:p>
@@ -8088,30 +8037,14 @@
             <a:pPr marL="800100" lvl="1" indent="-342900"/>
             <a:r>
               <a:rPr lang="en-US" sz="1800" dirty="0" smtClean="0"/>
-              <a:t>If we federate a given set of </a:t>
-            </a:r>
-            <a:r>
-              <a:rPr lang="en-US" sz="1800" dirty="0" smtClean="0"/>
-              <a:t>infrastructure {</a:t>
-            </a:r>
-            <a:r>
-              <a:rPr lang="en-US" sz="1800" dirty="0" smtClean="0"/>
-              <a:t>I} what is the performance we expect?</a:t>
+              <a:t>If we federate a given set of infrastructure {I} what is the performance we expect?</a:t>
             </a:r>
           </a:p>
           <a:p>
             <a:pPr marL="800100" lvl="1" indent="-342900"/>
             <a:r>
               <a:rPr lang="en-US" dirty="0" smtClean="0"/>
-              <a:t>If we want a capability [C], what is the set </a:t>
-            </a:r>
-            <a:r>
-              <a:rPr lang="en-US" dirty="0" smtClean="0"/>
-              <a:t>of infrastructure {</a:t>
-            </a:r>
-            <a:r>
-              <a:rPr lang="en-US" dirty="0" smtClean="0"/>
-              <a:t>I} we need to federate to get  this [C] with well-defined probability distribution?</a:t>
+              <a:t>If we want a capability [C], what is the set of infrastructure {I} we need to federate to get  this [C] with well-defined probability distribution?</a:t>
             </a:r>
           </a:p>
           <a:p>
@@ -8212,11 +8145,7 @@
             </a:r>
             <a:r>
               <a:rPr lang="en-US" dirty="0" smtClean="0"/>
-              <a:t>research</a:t>
-            </a:r>
-            <a:r>
-              <a:rPr lang="en-US" dirty="0" smtClean="0"/>
-              <a:t>?</a:t>
+              <a:t>research?</a:t>
             </a:r>
           </a:p>
           <a:p>
@@ -8256,7 +8185,6 @@
               <a:rPr lang="en-US" dirty="0" smtClean="0"/>
               <a:t>efforts</a:t>
             </a:r>
-            <a:endParaRPr lang="en-US" dirty="0" smtClean="0"/>
           </a:p>
           <a:p>
             <a:r>
@@ -8293,7 +8221,6 @@
               <a:rPr lang="en-US" dirty="0" smtClean="0"/>
               <a:t>Focus on resource federation, relying upon advances in identity management to address policy/AAA issues of dynamic resource</a:t>
             </a:r>
-            <a:endParaRPr lang="en-US" dirty="0" smtClean="0"/>
           </a:p>
           <a:p>
             <a:r>
@@ -8464,7 +8391,6 @@
               <a:rPr lang="en-US" dirty="0" smtClean="0"/>
               <a:t>Abstractions that we develop – capability, Pilots for dynamic resources etc. may have a role </a:t>
             </a:r>
-            <a:endParaRPr lang="en-US" dirty="0" smtClean="0"/>
           </a:p>
           <a:p>
             <a:r>
@@ -8481,11 +8407,7 @@
             </a:r>
             <a:r>
               <a:rPr lang="en-US" dirty="0" smtClean="0"/>
-              <a:t>research</a:t>
-            </a:r>
-            <a:r>
-              <a:rPr lang="en-US" dirty="0" smtClean="0"/>
-              <a:t>?</a:t>
+              <a:t>research?</a:t>
             </a:r>
           </a:p>
           <a:p>
@@ -8494,7 +8416,6 @@
               <a:rPr lang="en-US" dirty="0" smtClean="0"/>
               <a:t>Well defined interfaces and semantics</a:t>
             </a:r>
-            <a:endParaRPr lang="en-US" dirty="0" smtClean="0"/>
           </a:p>
           <a:p>
             <a:r>
@@ -8651,18 +8572,35 @@
             </a:r>
             <a:r>
               <a:rPr lang="en-US" dirty="0" smtClean="0"/>
-              <a:t> (ATLAS/PANDA</a:t>
-            </a:r>
-            <a:r>
-              <a:rPr lang="en-US" dirty="0" smtClean="0"/>
-              <a:t>)</a:t>
+              <a:t> (ATLAS/PANDA)</a:t>
             </a:r>
           </a:p>
           <a:p>
             <a:r>
               <a:rPr lang="en-US" dirty="0"/>
-              <a:t>AIMES: Integrated Middleware Framework for Extreme Collaborative Science, Office of Advanced Scientific Computing and Research, Department of Energy ER26115/DE- SC0008591</a:t>
-            </a:r>
+              <a:t>AIMES: Integrated Middleware Framework for Extreme Collaborative Science, Office of Advanced Scientific Computing and Research, Department of Energy ER26115/DE- </a:t>
+            </a:r>
+            <a:r>
+              <a:rPr lang="en-US" dirty="0" smtClean="0"/>
+              <a:t>SC0008591</a:t>
+            </a:r>
+          </a:p>
+          <a:p>
+            <a:r>
+              <a:rPr lang="en-US" dirty="0"/>
+              <a:t>NSF CAREER Award, Division of Advanced </a:t>
+            </a:r>
+            <a:r>
+              <a:rPr lang="en-US" dirty="0" err="1"/>
+              <a:t>Cyberinfrastructure</a:t>
+            </a:r>
+            <a:r>
+              <a:rPr lang="en-US" dirty="0"/>
+              <a:t> (ACI), OCI-1253644</a:t>
+            </a:r>
+          </a:p>
+          <a:p>
+            <a:endParaRPr lang="en-US" dirty="0"/>
           </a:p>
           <a:p>
             <a:endParaRPr lang="en-US" dirty="0" smtClean="0"/>
@@ -8747,11 +8685,7 @@
           <a:p>
             <a:r>
               <a:rPr lang="en-US" dirty="0" smtClean="0"/>
-              <a:t>Support new science and new usage </a:t>
-            </a:r>
-            <a:r>
-              <a:rPr lang="en-US" dirty="0" smtClean="0"/>
-              <a:t>modes</a:t>
+              <a:t>Support new science and new usage modes</a:t>
             </a:r>
           </a:p>
           <a:p>
@@ -8844,22 +8778,23 @@
             <a:pPr lvl="1"/>
             <a:r>
               <a:rPr lang="en-US" sz="2000" dirty="0" smtClean="0"/>
-              <a:t>Synergistic and complementary; not competitive</a:t>
-            </a:r>
-          </a:p>
-          <a:p>
-            <a:pPr lvl="1"/>
+              <a:t>Workloads </a:t>
+            </a:r>
             <a:r>
               <a:rPr lang="en-US" sz="2000" dirty="0"/>
-              <a:t>Workloads from</a:t>
+              <a:t>from</a:t>
             </a:r>
             <a:r>
               <a:rPr lang="en" sz="2000" dirty="0"/>
-              <a:t> leadership machines </a:t>
+              <a:t> leadership </a:t>
+            </a:r>
+            <a:r>
+              <a:rPr lang="en-US" sz="2000" dirty="0" smtClean="0"/>
+              <a:t>to </a:t>
             </a:r>
             <a:r>
               <a:rPr lang="en-US" sz="2000" dirty="0"/>
-              <a:t>to other </a:t>
+              <a:t>other </a:t>
             </a:r>
             <a:r>
               <a:rPr lang="en" sz="2000" dirty="0"/>
@@ -8869,6 +8804,25 @@
               <a:rPr lang="en" sz="2000" dirty="0" smtClean="0"/>
               <a:t>machines</a:t>
             </a:r>
+            <a:endParaRPr lang="en-US" sz="2000" dirty="0" smtClean="0"/>
+          </a:p>
+          <a:p>
+            <a:pPr lvl="2"/>
+            <a:r>
+              <a:rPr lang="en-US" sz="2000" dirty="0"/>
+              <a:t>Synergistic and </a:t>
+            </a:r>
+            <a:r>
+              <a:rPr lang="en-US" sz="2000" dirty="0" smtClean="0"/>
+              <a:t>complementary, </a:t>
+            </a:r>
+            <a:r>
+              <a:rPr lang="en-US" sz="2000" dirty="0"/>
+              <a:t>not competitive</a:t>
+            </a:r>
+          </a:p>
+          <a:p>
+            <a:pPr lvl="1"/>
             <a:endParaRPr lang="en-US" sz="2000" dirty="0" smtClean="0"/>
           </a:p>
           <a:p>
@@ -9456,15 +9410,7 @@
             </a:r>
             <a:r>
               <a:rPr lang="en-US" sz="2000" dirty="0" smtClean="0"/>
-              <a:t>analysis </a:t>
-            </a:r>
-            <a:r>
-              <a:rPr lang="en-US" sz="2000" dirty="0" smtClean="0"/>
-              <a:t>(</a:t>
-            </a:r>
-            <a:r>
-              <a:rPr lang="en-US" sz="2000" dirty="0" smtClean="0"/>
-              <a:t>ATLAS, HEP)</a:t>
+              <a:t>analysis (ATLAS, HEP)</a:t>
             </a:r>
           </a:p>
           <a:p>
@@ -9697,12 +9643,16 @@
               <a:t>DEC </a:t>
             </a:r>
             <a:r>
-              <a:rPr lang="en-US" dirty="0" err="1" smtClean="0"/>
-              <a:t>vs</a:t>
-            </a:r>
-            <a:r>
-              <a:rPr lang="en-US" dirty="0" smtClean="0"/>
-              <a:t> Traditional EC</a:t>
+              <a:rPr lang="en-US" dirty="0" smtClean="0"/>
+              <a:t>in Relation to</a:t>
+            </a:r>
+            <a:r>
+              <a:rPr lang="en-US" dirty="0" smtClean="0"/>
+              <a:t> “Traditional” </a:t>
+            </a:r>
+            <a:r>
+              <a:rPr lang="en-US" dirty="0" smtClean="0"/>
+              <a:t>EC</a:t>
             </a:r>
             <a:endParaRPr lang="en-US" dirty="0"/>
           </a:p>
@@ -9797,8 +9747,13 @@
                 <a:ea typeface="ＭＳ Ｐゴシック" charset="0"/>
                 <a:cs typeface="ＭＳ Ｐゴシック" charset="0"/>
               </a:rPr>
-              <a:t>varied</a:t>
-            </a:r>
+              <a:t>varied, i.e. peak performance rarely useful!</a:t>
+            </a:r>
+            <a:endParaRPr lang="en-US" sz="2000" dirty="0" smtClean="0">
+              <a:latin typeface="Arial" charset="0"/>
+              <a:ea typeface="ＭＳ Ｐゴシック" charset="0"/>
+              <a:cs typeface="ＭＳ Ｐゴシック" charset="0"/>
+            </a:endParaRPr>
           </a:p>
           <a:p>
             <a:pPr marL="457200" lvl="1" indent="0">
@@ -9825,31 +9780,7 @@
                 <a:ea typeface="ＭＳ Ｐゴシック" charset="0"/>
                 <a:cs typeface="ＭＳ Ｐゴシック" charset="0"/>
               </a:rPr>
-              <a:t>Application </a:t>
-            </a:r>
-            <a:r>
-              <a:rPr lang="en-US" dirty="0" smtClean="0">
-                <a:latin typeface="Arial" charset="0"/>
-                <a:ea typeface="ＭＳ Ｐゴシック" charset="0"/>
-                <a:cs typeface="ＭＳ Ｐゴシック" charset="0"/>
-              </a:rPr>
-              <a:t>structure </a:t>
-            </a:r>
-            <a:r>
-              <a:rPr lang="en-US" dirty="0" smtClean="0">
-                <a:latin typeface="Arial" charset="0"/>
-                <a:ea typeface="ＭＳ Ｐゴシック" charset="0"/>
-                <a:cs typeface="ＭＳ Ｐゴシック" charset="0"/>
-              </a:rPr>
-              <a:t>simple, but </a:t>
-            </a:r>
-            <a:r>
-              <a:rPr lang="en-US" dirty="0" smtClean="0">
-                <a:latin typeface="Arial" charset="0"/>
-                <a:ea typeface="ＭＳ Ｐゴシック" charset="0"/>
-                <a:cs typeface="ＭＳ Ｐゴシック" charset="0"/>
-              </a:rPr>
-              <a:t>infrastructural requirements difficult</a:t>
+              <a:t>Application structure simple, but infrastructural requirements difficult</a:t>
             </a:r>
           </a:p>
           <a:p>
@@ -9879,15 +9810,7 @@
                 <a:ea typeface="ＭＳ Ｐゴシック" charset="0"/>
                 <a:cs typeface="ＭＳ Ｐゴシック" charset="0"/>
               </a:rPr>
-              <a:t>External data infrastructure, </a:t>
-            </a:r>
-            <a:r>
-              <a:rPr lang="en-US" sz="2000" dirty="0" smtClean="0">
-                <a:latin typeface="Arial" charset="0"/>
-                <a:ea typeface="ＭＳ Ｐゴシック" charset="0"/>
-                <a:cs typeface="ＭＳ Ｐゴシック" charset="0"/>
-              </a:rPr>
-              <a:t>repositories</a:t>
+              <a:t>External data infrastructure, repositories</a:t>
             </a:r>
           </a:p>
           <a:p>
@@ -9946,15 +9869,7 @@
                 <a:ea typeface="ＭＳ Ｐゴシック" charset="0"/>
                 <a:cs typeface="ＭＳ Ｐゴシック" charset="0"/>
               </a:rPr>
-              <a:t>Community (HEP) applications, essentially </a:t>
-            </a:r>
-            <a:r>
-              <a:rPr lang="en-US" sz="2000" dirty="0" smtClean="0">
-                <a:latin typeface="Arial" charset="0"/>
-                <a:ea typeface="ＭＳ Ｐゴシック" charset="0"/>
-                <a:cs typeface="ＭＳ Ｐゴシック" charset="0"/>
-              </a:rPr>
-              <a:t>similar</a:t>
+              <a:t>Community (HEP) applications, essentially similar</a:t>
             </a:r>
           </a:p>
           <a:p>
@@ -10023,14 +9938,7 @@
                 <a:latin typeface="Arial" charset="0"/>
                 <a:ea typeface="ＭＳ Ｐゴシック" charset="0"/>
               </a:rPr>
-              <a:t>Integrate </a:t>
-            </a:r>
-            <a:r>
-              <a:rPr lang="en-US" sz="2000" dirty="0" smtClean="0">
-                <a:latin typeface="Arial" charset="0"/>
-                <a:ea typeface="ＭＳ Ｐゴシック" charset="0"/>
-              </a:rPr>
-              <a:t>services: heterogeneous software &amp; system </a:t>
+              <a:t>Integrate services: heterogeneous software &amp; system </a:t>
             </a:r>
             <a:r>
               <a:rPr lang="en-US" sz="2000" dirty="0">
@@ -10202,11 +10110,7 @@
             </a:pPr>
             <a:r>
               <a:rPr lang="en-US" sz="2000" dirty="0" smtClean="0"/>
-              <a:t>Estimate time to completion? </a:t>
-            </a:r>
-            <a:r>
-              <a:rPr lang="en-US" sz="2000" dirty="0" smtClean="0"/>
-              <a:t> </a:t>
+              <a:t>Estimate time to completion?  </a:t>
             </a:r>
             <a:endParaRPr lang="en-US" sz="2000" dirty="0"/>
           </a:p>
@@ -10257,15 +10161,7 @@
                   <a:srgbClr val="000000"/>
                 </a:solidFill>
               </a:rPr>
-              <a:t>Functional </a:t>
-            </a:r>
-            <a:r>
-              <a:rPr lang="en-US" dirty="0" smtClean="0">
-                <a:solidFill>
-                  <a:srgbClr val="000000"/>
-                </a:solidFill>
-              </a:rPr>
-              <a:t>Requirement</a:t>
+              <a:t>Functional Requirement</a:t>
             </a:r>
             <a:endParaRPr lang="en-US" dirty="0">
               <a:solidFill>
@@ -10547,40 +10443,7 @@
                   </a:schemeClr>
                 </a:solidFill>
               </a:rPr>
-              <a:t>Does not just </a:t>
-            </a:r>
-            <a:r>
-              <a:rPr lang="en-US" dirty="0" smtClean="0">
-                <a:solidFill>
-                  <a:schemeClr val="tx1">
-                    <a:lumMod val="65000"/>
-                    <a:lumOff val="35000"/>
-                  </a:schemeClr>
-                </a:solidFill>
-              </a:rPr>
-              <a:t>“</a:t>
-            </a:r>
-            <a:r>
-              <a:rPr lang="en-US" dirty="0" smtClean="0">
-                <a:solidFill>
-                  <a:schemeClr val="tx1">
-                    <a:lumMod val="65000"/>
-                    <a:lumOff val="35000"/>
-                  </a:schemeClr>
-                </a:solidFill>
-              </a:rPr>
-              <a:t>glue” </a:t>
-            </a:r>
-            <a:r>
-              <a:rPr lang="en-US" dirty="0" smtClean="0">
-                <a:solidFill>
-                  <a:schemeClr val="tx1">
-                    <a:lumMod val="65000"/>
-                    <a:lumOff val="35000"/>
-                  </a:schemeClr>
-                </a:solidFill>
-              </a:rPr>
-              <a:t>different </a:t>
+              <a:t>Does not just “glue” different </a:t>
             </a:r>
             <a:r>
               <a:rPr lang="en-US" dirty="0">
@@ -10754,10 +10617,10 @@
                   </a:schemeClr>
                 </a:solidFill>
               </a:rPr>
-              <a:t>Exposes </a:t>
-            </a:r>
-            <a:r>
-              <a:rPr lang="en-US" sz="2000" dirty="0" smtClean="0">
+              <a:t>Exposes well-</a:t>
+            </a:r>
+            <a:r>
+              <a:rPr lang="en" sz="2000" dirty="0" smtClean="0">
                 <a:solidFill>
                   <a:schemeClr val="tx1">
                     <a:lumMod val="65000"/>
@@ -10765,10 +10628,18 @@
                   </a:schemeClr>
                 </a:solidFill>
               </a:rPr>
-              <a:t>well-</a:t>
-            </a:r>
-            <a:r>
-              <a:rPr lang="en" sz="2000" dirty="0" smtClean="0">
+              <a:t>defined </a:t>
+            </a:r>
+            <a:r>
+              <a:rPr lang="en-US" sz="2000" dirty="0" smtClean="0">
+                <a:solidFill>
+                  <a:srgbClr val="800000"/>
+                </a:solidFill>
+              </a:rPr>
+              <a:t>capabilities</a:t>
+            </a:r>
+            <a:r>
+              <a:rPr lang="en-US" sz="2000" dirty="0" smtClean="0">
                 <a:solidFill>
                   <a:schemeClr val="tx1">
                     <a:lumMod val="65000"/>
@@ -10776,37 +10647,7 @@
                   </a:schemeClr>
                 </a:solidFill>
               </a:rPr>
-              <a:t>defined </a:t>
-            </a:r>
-            <a:r>
-              <a:rPr lang="en-US" sz="2000" dirty="0" smtClean="0">
-                <a:solidFill>
-                  <a:srgbClr val="800000"/>
-                </a:solidFill>
-              </a:rPr>
-              <a:t>capabilities</a:t>
-            </a:r>
-            <a:r>
-              <a:rPr lang="en-US" sz="2000" dirty="0" smtClean="0">
-                <a:solidFill>
-                  <a:schemeClr val="tx1">
-                    <a:lumMod val="65000"/>
-                    <a:lumOff val="35000"/>
-                  </a:schemeClr>
-                </a:solidFill>
-              </a:rPr>
-              <a:t> rather than </a:t>
-            </a:r>
-            <a:r>
-              <a:rPr lang="en-US" sz="2000" dirty="0" smtClean="0">
-                <a:solidFill>
-                  <a:schemeClr val="tx1">
-                    <a:lumMod val="65000"/>
-                    <a:lumOff val="35000"/>
-                  </a:schemeClr>
-                </a:solidFill>
-              </a:rPr>
-              <a:t>technology</a:t>
+              <a:t> rather than technology</a:t>
             </a:r>
           </a:p>
           <a:p>
@@ -10814,20 +10655,28 @@
               <a:buSzPct val="80000"/>
             </a:pPr>
             <a:r>
-              <a:rPr lang="en" sz="2000" dirty="0" smtClean="0"/>
+              <a:rPr lang="en" sz="2000" dirty="0" smtClean="0">
+                <a:solidFill>
+                  <a:srgbClr val="800000"/>
+                </a:solidFill>
+              </a:rPr>
               <a:t>Capability</a:t>
             </a:r>
             <a:r>
+              <a:rPr lang="en-US" sz="2000" dirty="0">
+                <a:solidFill>
+                  <a:srgbClr val="800000"/>
+                </a:solidFill>
+              </a:rPr>
+              <a:t>:</a:t>
+            </a:r>
+            <a:r>
               <a:rPr lang="en-US" sz="2000" dirty="0"/>
-              <a:t>: Well-defined and aggregated functionality, without regard to how, or the specific </a:t>
+              <a:t> Well-defined and aggregated functionality, without regard to how, or the specific </a:t>
             </a:r>
             <a:r>
               <a:rPr lang="en-US" sz="2000" dirty="0" smtClean="0"/>
-              <a:t>approach </a:t>
-            </a:r>
-            <a:r>
-              <a:rPr lang="en-US" sz="2000" dirty="0" smtClean="0"/>
-              <a:t>used</a:t>
+              <a:t>approach used</a:t>
             </a:r>
             <a:endParaRPr lang="en-US" sz="2000" dirty="0"/>
           </a:p>
@@ -11523,11 +11372,7 @@
             </a:pPr>
             <a:r>
               <a:rPr lang="en-US" dirty="0" smtClean="0"/>
-              <a:t>In </a:t>
-            </a:r>
-            <a:r>
-              <a:rPr lang="en-US" dirty="0" smtClean="0"/>
-              <a:t>turn need models of semantics – static and dynamic, and performance</a:t>
+              <a:t>In turn need models of semantics – static and dynamic, and performance</a:t>
             </a:r>
           </a:p>
           <a:p>

--- a/presentations/radical-modsim.pptx
+++ b/presentations/radical-modsim.pptx
@@ -771,6 +771,33 @@
             <a:endParaRPr lang="en-US" dirty="0" smtClean="0"/>
           </a:p>
           <a:p>
+            <a:endParaRPr lang="en-US" dirty="0" smtClean="0"/>
+          </a:p>
+          <a:p>
+            <a:r>
+              <a:rPr lang="en-US" dirty="0" smtClean="0"/>
+              <a:t>Modeling Goal:</a:t>
+            </a:r>
+            <a:r>
+              <a:rPr lang="en-US" baseline="0" dirty="0" smtClean="0"/>
+              <a:t> </a:t>
+            </a:r>
+            <a:r>
+              <a:rPr lang="en-US" dirty="0" smtClean="0"/>
+              <a:t>Task level composition,</a:t>
+            </a:r>
+            <a:r>
+              <a:rPr lang="en-US" baseline="0" dirty="0" smtClean="0"/>
+              <a:t> </a:t>
+            </a:r>
+            <a:r>
+              <a:rPr lang="en-US" dirty="0" smtClean="0"/>
+              <a:t>Concurrency, Support</a:t>
+            </a:r>
+            <a:r>
+              <a:rPr lang="en-US" baseline="0" dirty="0" smtClean="0"/>
+              <a:t> Integrated Modeling </a:t>
+            </a:r>
             <a:endParaRPr lang="en-US" dirty="0"/>
           </a:p>
         </p:txBody>
@@ -5171,7 +5198,14 @@
             <a:pPr lvl="1"/>
             <a:r>
               <a:rPr lang="en-US" dirty="0" smtClean="0"/>
-              <a:t>Two-tier  approach that supports specificity yet supports commonality</a:t>
+              <a:t>Multiple application models (Skeleton, A* = [A1, A2, A3,..])</a:t>
+            </a:r>
+          </a:p>
+          <a:p>
+            <a:pPr lvl="1"/>
+            <a:r>
+              <a:rPr lang="en-US" dirty="0" smtClean="0"/>
+              <a:t>Two-tier (A*/W*) approach supports specificity yet supports commonality</a:t>
             </a:r>
           </a:p>
           <a:p>
@@ -5308,7 +5342,7 @@
           </a:p>
           <a:p>
             <a:r>
-              <a:rPr lang="en-US" smtClean="0"/>
+              <a:rPr lang="en-US" dirty="0" smtClean="0"/>
               <a:t>Multiple </a:t>
             </a:r>
             <a:r>
@@ -5414,7 +5448,15 @@
             </a:r>
             <a:r>
               <a:rPr lang="en-US" dirty="0"/>
-              <a:t>- Analytical HPDC Infrastructure Model </a:t>
+              <a:t>- </a:t>
+            </a:r>
+            <a:r>
+              <a:rPr lang="en-US" dirty="0" smtClean="0"/>
+              <a:t>An Analytical Infrastructure </a:t>
+            </a:r>
+            <a:r>
+              <a:rPr lang="en-US" dirty="0"/>
+              <a:t>Model </a:t>
             </a:r>
           </a:p>
         </p:txBody>
@@ -5441,8 +5483,8 @@
         </p:blipFill>
         <p:spPr>
           <a:xfrm>
-            <a:off x="508000" y="1168298"/>
-            <a:ext cx="8371408" cy="5128752"/>
+            <a:off x="508000" y="940648"/>
+            <a:ext cx="8117850" cy="4973409"/>
           </a:xfrm>
           <a:prstGeom prst="rect">
             <a:avLst/>
@@ -5457,8 +5499,8 @@
         </p:nvSpPr>
         <p:spPr>
           <a:xfrm>
-            <a:off x="282231" y="806382"/>
-            <a:ext cx="4852737" cy="307777"/>
+            <a:off x="749465" y="5860770"/>
+            <a:ext cx="7876385" cy="369332"/>
           </a:xfrm>
           <a:prstGeom prst="rect">
             <a:avLst/>
@@ -5472,26 +5514,26 @@
           <a:lstStyle/>
           <a:p>
             <a:r>
-              <a:rPr lang="en-US" dirty="0" smtClean="0"/>
+              <a:rPr lang="en-US" sz="1800" dirty="0" smtClean="0"/>
               <a:t>Slide courtesy: </a:t>
             </a:r>
             <a:r>
-              <a:rPr lang="en-US" dirty="0" err="1" smtClean="0"/>
+              <a:rPr lang="en-US" sz="1800" dirty="0" err="1" smtClean="0"/>
               <a:t>Straube</a:t>
             </a:r>
             <a:r>
-              <a:rPr lang="en-US" dirty="0" smtClean="0"/>
+              <a:rPr lang="en-US" sz="1800" dirty="0" smtClean="0"/>
               <a:t>, </a:t>
             </a:r>
             <a:r>
-              <a:rPr lang="en-US" dirty="0" err="1" smtClean="0"/>
+              <a:rPr lang="en-US" sz="1800" dirty="0" err="1" smtClean="0"/>
               <a:t>Kranzlmuller</a:t>
             </a:r>
             <a:r>
-              <a:rPr lang="en-US" dirty="0" smtClean="0"/>
+              <a:rPr lang="en-US" sz="1800" dirty="0" smtClean="0"/>
               <a:t> (LMU, Munich)</a:t>
             </a:r>
-            <a:endParaRPr lang="en-US" dirty="0"/>
+            <a:endParaRPr lang="en-US" sz="1800" dirty="0"/>
           </a:p>
         </p:txBody>
       </p:sp>
@@ -6020,8 +6062,17 @@
             </a:pPr>
             <a:r>
               <a:rPr lang="en-US" sz="2000" dirty="0" smtClean="0"/>
-              <a:t>Will extend to Compute, Data and Network</a:t>
-            </a:r>
+              <a:t>Effort </a:t>
+            </a:r>
+            <a:r>
+              <a:rPr lang="en-US" sz="2000" dirty="0" smtClean="0"/>
+              <a:t>underway to </a:t>
+            </a:r>
+            <a:r>
+              <a:rPr lang="en-US" sz="2000" dirty="0" smtClean="0"/>
+              <a:t>include other resource elements: Data, Network</a:t>
+            </a:r>
+            <a:endParaRPr lang="en-US" sz="2000" dirty="0" smtClean="0"/>
           </a:p>
           <a:p>
             <a:pPr eaLnBrk="1" hangingPunct="1">
@@ -6058,8 +6109,8 @@
         </p:blipFill>
         <p:spPr bwMode="auto">
           <a:xfrm>
-            <a:off x="4002088" y="1079500"/>
-            <a:ext cx="4319587" cy="4678363"/>
+            <a:off x="4145200" y="1079501"/>
+            <a:ext cx="4176475" cy="4523364"/>
           </a:xfrm>
           <a:prstGeom prst="rect">
             <a:avLst/>
@@ -6583,7 +6634,15 @@
             <a:pPr lvl="1"/>
             <a:r>
               <a:rPr lang="en-US" sz="1800" dirty="0" smtClean="0"/>
-              <a:t>Furthers the separation of concerns</a:t>
+              <a:t>Furthers </a:t>
+            </a:r>
+            <a:r>
+              <a:rPr lang="en-US" sz="1800" dirty="0" smtClean="0"/>
+              <a:t>separation </a:t>
+            </a:r>
+            <a:r>
+              <a:rPr lang="en-US" sz="1800" dirty="0" smtClean="0"/>
+              <a:t>of concerns</a:t>
             </a:r>
           </a:p>
           <a:p>
@@ -6600,8 +6659,12 @@
               <a:t>decides</a:t>
             </a:r>
             <a:r>
+              <a:rPr lang="en-US" sz="2000" dirty="0" smtClean="0"/>
+              <a:t>,  P</a:t>
+            </a:r>
+            <a:r>
               <a:rPr lang="en-US" sz="2000" dirty="0"/>
-              <a:t>, P* </a:t>
+              <a:t>* </a:t>
             </a:r>
             <a:r>
               <a:rPr lang="en-US" sz="2000" dirty="0" smtClean="0"/>
@@ -10396,10 +10459,14 @@
           <a:lstStyle/>
           <a:p>
             <a:r>
-              <a:rPr lang="en-US" sz="2400" dirty="0" smtClean="0"/>
-              <a:t>NGMW Design Objectives</a:t>
-            </a:r>
-            <a:endParaRPr lang="en" sz="2400" dirty="0"/>
+              <a:rPr lang="en-US" dirty="0" smtClean="0"/>
+              <a:t>NGMW </a:t>
+            </a:r>
+            <a:r>
+              <a:rPr lang="en-US" dirty="0" smtClean="0"/>
+              <a:t>Design Objectives</a:t>
+            </a:r>
+            <a:endParaRPr lang="en" dirty="0"/>
           </a:p>
         </p:txBody>
       </p:sp>
@@ -11118,7 +11185,9 @@
               <a:buClr>
                 <a:srgbClr val="000000"/>
               </a:buClr>
-              <a:buSzPct val="55000"/>
+              <a:buSzPct val="100000"/>
+              <a:buFont typeface="Lucida Grande"/>
+              <a:buChar char="-"/>
             </a:pPr>
             <a:r>
               <a:rPr lang="en-US" dirty="0" smtClean="0">
@@ -11129,10 +11198,10 @@
                   </a:schemeClr>
                 </a:solidFill>
               </a:rPr>
-              <a:t>Well</a:t>
-            </a:r>
-            <a:r>
-              <a:rPr lang="en-US" dirty="0">
+              <a:t>Single model of capability that </a:t>
+            </a:r>
+            <a:r>
+              <a:rPr lang="en-US" dirty="0" smtClean="0">
                 <a:solidFill>
                   <a:schemeClr val="tx1">
                     <a:lumMod val="65000"/>
@@ -11140,10 +11209,10 @@
                   </a:schemeClr>
                 </a:solidFill>
               </a:rPr>
-              <a:t>-defined </a:t>
-            </a:r>
-            <a:r>
-              <a:rPr lang="en" dirty="0">
+              <a:t>integrates across multiple-levels and across </a:t>
+            </a:r>
+            <a:r>
+              <a:rPr lang="en" dirty="0" smtClean="0">
                 <a:solidFill>
                   <a:schemeClr val="tx1">
                     <a:lumMod val="65000"/>
@@ -11151,10 +11220,10 @@
                   </a:schemeClr>
                 </a:solidFill>
               </a:rPr>
-              <a:t>capability amidst heterogeneous, dynamic resources requires </a:t>
-            </a:r>
-            <a:r>
-              <a:rPr lang="en" i="1" dirty="0">
+              <a:t>flexible </a:t>
+            </a:r>
+            <a:r>
+              <a:rPr lang="en-US" dirty="0" smtClean="0">
                 <a:solidFill>
                   <a:schemeClr val="tx1">
                     <a:lumMod val="65000"/>
@@ -11162,10 +11231,10 @@
                   </a:schemeClr>
                 </a:solidFill>
               </a:rPr>
-              <a:t>flexible </a:t>
-            </a:r>
-            <a:r>
-              <a:rPr lang="en-US" i="1" dirty="0">
+              <a:t>federation</a:t>
+            </a:r>
+            <a:r>
+              <a:rPr lang="en" dirty="0" smtClean="0">
                 <a:solidFill>
                   <a:schemeClr val="tx1">
                     <a:lumMod val="65000"/>
@@ -11173,31 +11242,9 @@
                   </a:schemeClr>
                 </a:solidFill>
               </a:rPr>
-              <a:t>federation</a:t>
-            </a:r>
-            <a:r>
-              <a:rPr lang="en" dirty="0">
-                <a:solidFill>
-                  <a:schemeClr val="tx1">
-                    <a:lumMod val="65000"/>
-                    <a:lumOff val="35000"/>
-                  </a:schemeClr>
-                </a:solidFill>
-              </a:rPr>
-              <a:t> of resources and </a:t>
-            </a:r>
-            <a:r>
-              <a:rPr lang="en" dirty="0" smtClean="0">
-                <a:solidFill>
-                  <a:schemeClr val="tx1">
-                    <a:lumMod val="65000"/>
-                    <a:lumOff val="35000"/>
-                  </a:schemeClr>
-                </a:solidFill>
-              </a:rPr>
-              <a:t>services</a:t>
-            </a:r>
-            <a:endParaRPr lang="en-US" dirty="0" smtClean="0">
+              <a:t> of resources </a:t>
+            </a:r>
+            <a:endParaRPr lang="en-US" dirty="0">
               <a:solidFill>
                 <a:schemeClr val="tx1">
                   <a:lumMod val="65000"/>
@@ -11217,11 +11264,17 @@
               <a:buClr>
                 <a:srgbClr val="000000"/>
               </a:buClr>
-              <a:buSzPct val="55000"/>
+              <a:buSzPct val="100000"/>
+              <a:buFont typeface="Lucida Grande"/>
+              <a:buChar char="-"/>
             </a:pPr>
             <a:r>
               <a:rPr lang="en-US" dirty="0" smtClean="0"/>
-              <a:t>What functional (property) units, and how to compose f</a:t>
+              <a:t>What </a:t>
+            </a:r>
+            <a:r>
+              <a:rPr lang="en-US" dirty="0" smtClean="0"/>
+              <a:t>functional (property) units, and how to compose f</a:t>
             </a:r>
             <a:r>
               <a:rPr lang="en" dirty="0" smtClean="0"/>
@@ -11265,16 +11318,9 @@
             </a:pPr>
             <a:r>
               <a:rPr lang="en-US" dirty="0" smtClean="0"/>
-              <a:t>Relationship </a:t>
-            </a:r>
-            <a:r>
-              <a:rPr lang="en-US" dirty="0"/>
-              <a:t>between models and </a:t>
-            </a:r>
-            <a:r>
-              <a:rPr lang="en-US" dirty="0" smtClean="0"/>
-              <a:t>reasoning</a:t>
-            </a:r>
+              <a:t>Role of Modeling</a:t>
+            </a:r>
+            <a:endParaRPr lang="en-US" dirty="0" smtClean="0"/>
           </a:p>
           <a:p>
             <a:pPr lvl="1">
@@ -11287,19 +11333,17 @@
               <a:buClr>
                 <a:srgbClr val="000000"/>
               </a:buClr>
-              <a:buSzPct val="55000"/>
+              <a:buSzPct val="100000"/>
+              <a:buFont typeface="Lucida Grande"/>
+              <a:buChar char="-"/>
             </a:pPr>
             <a:r>
               <a:rPr lang="en-US" dirty="0" smtClean="0"/>
-              <a:t>Two </a:t>
+              <a:t>Provide </a:t>
             </a:r>
             <a:r>
               <a:rPr lang="en-US" dirty="0"/>
-              <a:t>levels of conceptual abstractions to enable </a:t>
-            </a:r>
-            <a:r>
-              <a:rPr lang="en-US" dirty="0" smtClean="0"/>
-              <a:t>reasoning:</a:t>
+              <a:t>performance estimation and predictability</a:t>
             </a:r>
           </a:p>
           <a:p>
@@ -11313,70 +11357,76 @@
               <a:buClr>
                 <a:srgbClr val="000000"/>
               </a:buClr>
-              <a:buSzPct val="55000"/>
+              <a:buSzPct val="100000"/>
+              <a:buFont typeface="Lucida Grande"/>
+              <a:buChar char="-"/>
             </a:pPr>
             <a:r>
+              <a:rPr lang="en-US" dirty="0" smtClean="0"/>
+              <a:t>Support reasoning: </a:t>
+            </a:r>
+            <a:r>
               <a:rPr lang="en" dirty="0" smtClean="0"/>
-              <a:t>Models </a:t>
+              <a:t>When </a:t>
             </a:r>
             <a:r>
               <a:rPr lang="en" dirty="0"/>
-              <a:t>that enable reasoning</a:t>
+              <a:t>and how to distribute</a:t>
             </a:r>
             <a:r>
               <a:rPr lang="en-US" dirty="0"/>
-              <a:t> at multiple, integrated levels to provide performance estimation and predictability</a:t>
-            </a:r>
-          </a:p>
-          <a:p>
-            <a:pPr lvl="3">
-              <a:buFont typeface="Arial"/>
-              <a:buChar char="•"/>
+              <a:t>? What and where</a:t>
+            </a:r>
+            <a:r>
+              <a:rPr lang="en-US" dirty="0" smtClean="0"/>
+              <a:t>?</a:t>
+            </a:r>
+            <a:endParaRPr lang="en-US" dirty="0"/>
+          </a:p>
+          <a:p>
+            <a:pPr>
+              <a:buFont typeface="Lucida Grande"/>
+              <a:buChar char="-"/>
             </a:pPr>
             <a:r>
-              <a:rPr lang="en" dirty="0"/>
-              <a:t>When and how to distribute</a:t>
+              <a:rPr lang="en-US" dirty="0" smtClean="0"/>
+              <a:t>Requirements </a:t>
+            </a:r>
+            <a:r>
+              <a:rPr lang="en-US" smtClean="0"/>
+              <a:t>of Models </a:t>
+            </a:r>
+          </a:p>
+          <a:p>
+            <a:pPr lvl="1">
+              <a:buFont typeface="Lucida Grande"/>
+              <a:buChar char="-"/>
+            </a:pPr>
+            <a:r>
+              <a:rPr lang="en-US" dirty="0" smtClean="0"/>
+              <a:t>Need </a:t>
             </a:r>
             <a:r>
               <a:rPr lang="en-US" dirty="0"/>
-              <a:t>? What and where?</a:t>
-            </a:r>
-          </a:p>
-          <a:p>
-            <a:pPr lvl="3">
-              <a:buFont typeface="Arial"/>
-              <a:buChar char="•"/>
+              <a:t>multiple, integrated levels to meet two objectives</a:t>
+            </a:r>
+          </a:p>
+          <a:p>
+            <a:pPr lvl="1">
+              <a:buFont typeface="Lucida Grande"/>
+              <a:buChar char="-"/>
             </a:pPr>
             <a:r>
-              <a:rPr lang="en-US" dirty="0"/>
-              <a:t> A </a:t>
-            </a:r>
-            <a:r>
-              <a:rPr lang="en-US" dirty="0" err="1"/>
-              <a:t>Linpack</a:t>
-            </a:r>
-            <a:r>
-              <a:rPr lang="en-US" dirty="0"/>
-              <a:t> for distributed systems/applications</a:t>
-            </a:r>
-            <a:r>
-              <a:rPr lang="en-US" dirty="0" smtClean="0"/>
-              <a:t>?</a:t>
-            </a:r>
-            <a:endParaRPr lang="en-US" dirty="0"/>
-          </a:p>
-          <a:p>
-            <a:pPr>
-              <a:buFont typeface="Arial"/>
-              <a:buChar char="•"/>
-            </a:pPr>
-            <a:r>
-              <a:rPr lang="en-US" dirty="0" smtClean="0"/>
-              <a:t>In turn need models of semantics – static and dynamic, and performance</a:t>
-            </a:r>
-          </a:p>
-          <a:p>
-            <a:pPr lvl="1"/>
+              <a:rPr lang="en-US" dirty="0" smtClean="0"/>
+              <a:t>Need </a:t>
+            </a:r>
+            <a:r>
+              <a:rPr lang="en-US" dirty="0" smtClean="0"/>
+              <a:t>models of semantics – static and dynamic, and performance</a:t>
+            </a:r>
+          </a:p>
+          <a:p>
+            <a:pPr lvl="2"/>
             <a:r>
               <a:rPr lang="en" dirty="0" smtClean="0"/>
               <a:t>Models </a:t>

--- a/presentations/radical-modsim.pptx
+++ b/presentations/radical-modsim.pptx
@@ -5,33 +5,32 @@
     <p:sldMasterId id="2147483656" r:id="rId1"/>
   </p:sldMasterIdLst>
   <p:notesMasterIdLst>
-    <p:notesMasterId r:id="rId26"/>
+    <p:notesMasterId r:id="rId25"/>
   </p:notesMasterIdLst>
   <p:sldIdLst>
     <p:sldId id="256" r:id="rId2"/>
     <p:sldId id="269" r:id="rId3"/>
     <p:sldId id="315" r:id="rId4"/>
-    <p:sldId id="325" r:id="rId5"/>
+    <p:sldId id="349" r:id="rId5"/>
     <p:sldId id="307" r:id="rId6"/>
     <p:sldId id="337" r:id="rId7"/>
     <p:sldId id="330" r:id="rId8"/>
-    <p:sldId id="310" r:id="rId9"/>
-    <p:sldId id="309" r:id="rId10"/>
-    <p:sldId id="338" r:id="rId11"/>
-    <p:sldId id="339" r:id="rId12"/>
-    <p:sldId id="340" r:id="rId13"/>
-    <p:sldId id="285" r:id="rId14"/>
-    <p:sldId id="298" r:id="rId15"/>
-    <p:sldId id="343" r:id="rId16"/>
-    <p:sldId id="297" r:id="rId17"/>
-    <p:sldId id="344" r:id="rId18"/>
-    <p:sldId id="345" r:id="rId19"/>
-    <p:sldId id="331" r:id="rId20"/>
-    <p:sldId id="346" r:id="rId21"/>
-    <p:sldId id="328" r:id="rId22"/>
-    <p:sldId id="295" r:id="rId23"/>
-    <p:sldId id="348" r:id="rId24"/>
-    <p:sldId id="336" r:id="rId25"/>
+    <p:sldId id="350" r:id="rId9"/>
+    <p:sldId id="338" r:id="rId10"/>
+    <p:sldId id="339" r:id="rId11"/>
+    <p:sldId id="340" r:id="rId12"/>
+    <p:sldId id="285" r:id="rId13"/>
+    <p:sldId id="298" r:id="rId14"/>
+    <p:sldId id="343" r:id="rId15"/>
+    <p:sldId id="297" r:id="rId16"/>
+    <p:sldId id="344" r:id="rId17"/>
+    <p:sldId id="345" r:id="rId18"/>
+    <p:sldId id="331" r:id="rId19"/>
+    <p:sldId id="346" r:id="rId20"/>
+    <p:sldId id="328" r:id="rId21"/>
+    <p:sldId id="295" r:id="rId22"/>
+    <p:sldId id="348" r:id="rId23"/>
+    <p:sldId id="336" r:id="rId24"/>
   </p:sldIdLst>
   <p:sldSz cx="9144000" cy="6858000" type="screen4x3"/>
   <p:notesSz cx="6858000" cy="9144000"/>
@@ -720,63 +719,9 @@
           <a:bodyPr/>
           <a:lstStyle/>
           <a:p>
-            <a:pPr marL="0" marR="0" lvl="1" indent="0" algn="l" defTabSz="457200" rtl="0" eaLnBrk="1" fontAlgn="auto" latinLnBrk="0" hangingPunct="1">
-              <a:lnSpc>
-                <a:spcPct val="100000"/>
-              </a:lnSpc>
-              <a:spcBef>
-                <a:spcPts val="0"/>
-              </a:spcBef>
-              <a:spcAft>
-                <a:spcPts val="0"/>
-              </a:spcAft>
-              <a:buClrTx/>
-              <a:buSzTx/>
-              <a:buFontTx/>
-              <a:buNone/>
-              <a:tabLst/>
-              <a:defRPr/>
-            </a:pPr>
-            <a:r>
-              <a:rPr lang="en-US" dirty="0" smtClean="0"/>
-              <a:t>Mostly</a:t>
-            </a:r>
-            <a:r>
-              <a:rPr lang="en-US" baseline="0" dirty="0" smtClean="0"/>
-              <a:t> Applications that are composed of multiple tasks – different degrees of coupling… homogenous or heterogeneous tasks</a:t>
-            </a:r>
-          </a:p>
-          <a:p>
-            <a:pPr marL="0" marR="0" lvl="1" indent="0" algn="l" defTabSz="457200" rtl="0" eaLnBrk="1" fontAlgn="auto" latinLnBrk="0" hangingPunct="1">
-              <a:lnSpc>
-                <a:spcPct val="100000"/>
-              </a:lnSpc>
-              <a:spcBef>
-                <a:spcPts val="0"/>
-              </a:spcBef>
-              <a:spcAft>
-                <a:spcPts val="0"/>
-              </a:spcAft>
-              <a:buClrTx/>
-              <a:buSzTx/>
-              <a:buFontTx/>
-              <a:buNone/>
-              <a:tabLst/>
-              <a:defRPr/>
-            </a:pPr>
-            <a:r>
-              <a:rPr lang="en-US" dirty="0" smtClean="0"/>
-              <a:t>Essential Vectors of an Application: Communication, Coordination, Execution Units, Environment</a:t>
-            </a:r>
-            <a:endParaRPr lang="en-US" dirty="0" smtClean="0"/>
-          </a:p>
-          <a:p>
-            <a:endParaRPr lang="en-US" dirty="0" smtClean="0"/>
-          </a:p>
-          <a:p>
-            <a:r>
-              <a:rPr lang="en-US" dirty="0" smtClean="0"/>
-              <a:t>Modeling Goal:</a:t>
+            <a:r>
+              <a:rPr lang="en-US" dirty="0" smtClean="0"/>
+              <a:t>Middleware</a:t>
             </a:r>
             <a:r>
               <a:rPr lang="en-US" baseline="0" dirty="0" smtClean="0"/>
@@ -784,20 +729,29 @@
             </a:r>
             <a:r>
               <a:rPr lang="en-US" dirty="0" smtClean="0"/>
-              <a:t>Task level composition,</a:t>
+              <a:t>capabilities as</a:t>
             </a:r>
             <a:r>
               <a:rPr lang="en-US" baseline="0" dirty="0" smtClean="0"/>
-              <a:t> </a:t>
-            </a:r>
-            <a:r>
-              <a:rPr lang="en-US" dirty="0" smtClean="0"/>
-              <a:t>Concurrency, Support</a:t>
-            </a:r>
+              <a:t> an abstraction to resources</a:t>
+            </a:r>
+          </a:p>
+          <a:p>
+            <a:endParaRPr lang="en-US" baseline="0" dirty="0" smtClean="0"/>
+          </a:p>
+          <a:p>
             <a:r>
               <a:rPr lang="en-US" baseline="0" dirty="0" smtClean="0"/>
-              <a:t> Integrated Modeling </a:t>
-            </a:r>
+              <a:t>Middleware’s responsibility to support the set of capabilities that an application asks for and determine the collection of resources that can/must be used to provide capability</a:t>
+            </a:r>
+          </a:p>
+          <a:p>
+            <a:endParaRPr lang="en-US" baseline="0" dirty="0" smtClean="0"/>
+          </a:p>
+          <a:p>
+            <a:endParaRPr lang="en-US" baseline="0" dirty="0" smtClean="0"/>
+          </a:p>
+          <a:p>
             <a:endParaRPr lang="en-US" dirty="0"/>
           </a:p>
         </p:txBody>
@@ -805,7 +759,7 @@
     </p:spTree>
     <p:extLst>
       <p:ext uri="{BB962C8B-B14F-4D97-AF65-F5344CB8AC3E}">
-        <p14:creationId xmlns:p14="http://schemas.microsoft.com/office/powerpoint/2010/main" val="536234631"/>
+        <p14:creationId xmlns:p14="http://schemas.microsoft.com/office/powerpoint/2010/main" val="357425583"/>
       </p:ext>
     </p:extLst>
   </p:cSld>
@@ -864,94 +818,84 @@
           <a:bodyPr/>
           <a:lstStyle/>
           <a:p>
-            <a:pPr marL="285750" indent="-285750">
-              <a:buFont typeface="Wingdings" charset="2"/>
-              <a:buChar char="ü"/>
+            <a:pPr marL="0" marR="0" lvl="1" indent="0" algn="l" defTabSz="457200" rtl="0" eaLnBrk="1" fontAlgn="auto" latinLnBrk="0" hangingPunct="1">
+              <a:lnSpc>
+                <a:spcPct val="100000"/>
+              </a:lnSpc>
+              <a:spcBef>
+                <a:spcPts val="0"/>
+              </a:spcBef>
+              <a:spcAft>
+                <a:spcPts val="0"/>
+              </a:spcAft>
+              <a:buClrTx/>
+              <a:buSzTx/>
+              <a:buFontTx/>
+              <a:buNone/>
+              <a:tabLst/>
+              <a:defRPr/>
             </a:pPr>
             <a:r>
-              <a:rPr lang="de-DE" dirty="0" smtClean="0"/>
-              <a:t>Fast </a:t>
-            </a:r>
-            <a:r>
-              <a:rPr lang="de-DE" dirty="0" err="1" smtClean="0"/>
-              <a:t>modeling</a:t>
-            </a:r>
-            <a:endParaRPr lang="de-DE" dirty="0" smtClean="0"/>
-          </a:p>
-          <a:p>
-            <a:pPr marL="285750" indent="-285750">
-              <a:buFont typeface="Wingdings" charset="2"/>
-              <a:buChar char="ü"/>
+              <a:rPr lang="en-US" dirty="0" smtClean="0"/>
+              <a:t>Mostly</a:t>
+            </a:r>
+            <a:r>
+              <a:rPr lang="en-US" baseline="0" dirty="0" smtClean="0"/>
+              <a:t> Applications that are composed of multiple tasks – different degrees of coupling… homogenous or heterogeneous tasks</a:t>
+            </a:r>
+          </a:p>
+          <a:p>
+            <a:pPr marL="0" marR="0" lvl="1" indent="0" algn="l" defTabSz="457200" rtl="0" eaLnBrk="1" fontAlgn="auto" latinLnBrk="0" hangingPunct="1">
+              <a:lnSpc>
+                <a:spcPct val="100000"/>
+              </a:lnSpc>
+              <a:spcBef>
+                <a:spcPts val="0"/>
+              </a:spcBef>
+              <a:spcAft>
+                <a:spcPts val="0"/>
+              </a:spcAft>
+              <a:buClrTx/>
+              <a:buSzTx/>
+              <a:buFontTx/>
+              <a:buNone/>
+              <a:tabLst/>
+              <a:defRPr/>
             </a:pPr>
             <a:r>
-              <a:rPr lang="de-DE" dirty="0" smtClean="0"/>
-              <a:t>Easy </a:t>
-            </a:r>
-            <a:r>
-              <a:rPr lang="de-DE" dirty="0" err="1" smtClean="0"/>
-              <a:t>data</a:t>
-            </a:r>
-            <a:r>
-              <a:rPr lang="de-DE" dirty="0" smtClean="0"/>
+              <a:rPr lang="en-US" dirty="0" smtClean="0"/>
+              <a:t>Essential Vectors of an Application: Communication, Coordination, Execution Units, Environment</a:t>
+            </a:r>
+            <a:endParaRPr lang="en-US" dirty="0" smtClean="0"/>
+          </a:p>
+          <a:p>
+            <a:endParaRPr lang="en-US" dirty="0" smtClean="0"/>
+          </a:p>
+          <a:p>
+            <a:r>
+              <a:rPr lang="en-US" dirty="0" smtClean="0"/>
+              <a:t>Modeling Goal:</a:t>
+            </a:r>
+            <a:r>
+              <a:rPr lang="en-US" baseline="0" dirty="0" smtClean="0"/>
               <a:t> </a:t>
             </a:r>
             <a:r>
-              <a:rPr lang="de-DE" dirty="0" err="1" smtClean="0"/>
-              <a:t>integration</a:t>
-            </a:r>
-            <a:endParaRPr lang="de-DE" dirty="0" smtClean="0"/>
-          </a:p>
-          <a:p>
-            <a:pPr marL="285750" indent="-285750">
-              <a:buFont typeface="Wingdings" charset="2"/>
-              <a:buChar char="ü"/>
-            </a:pPr>
-            <a:r>
-              <a:rPr lang="de-DE" dirty="0" smtClean="0"/>
-              <a:t>Multiple </a:t>
-            </a:r>
-            <a:r>
-              <a:rPr lang="de-DE" dirty="0" err="1" smtClean="0"/>
-              <a:t>levels</a:t>
-            </a:r>
-            <a:r>
-              <a:rPr lang="de-DE" dirty="0" smtClean="0"/>
+              <a:rPr lang="en-US" dirty="0" smtClean="0"/>
+              <a:t>Task level composition,</a:t>
+            </a:r>
+            <a:r>
+              <a:rPr lang="en-US" baseline="0" dirty="0" smtClean="0"/>
               <a:t> </a:t>
             </a:r>
             <a:r>
-              <a:rPr lang="de-DE" dirty="0" err="1" smtClean="0"/>
-              <a:t>of</a:t>
-            </a:r>
-            <a:r>
-              <a:rPr lang="de-DE" dirty="0" smtClean="0"/>
-              <a:t> </a:t>
-            </a:r>
-            <a:r>
-              <a:rPr lang="de-DE" dirty="0" err="1" smtClean="0"/>
-              <a:t>granularity</a:t>
-            </a:r>
-            <a:endParaRPr lang="de-DE" dirty="0" smtClean="0"/>
-          </a:p>
-          <a:p>
-            <a:pPr marL="285750" indent="-285750">
-              <a:buFont typeface="Wingdings" charset="2"/>
-              <a:buChar char="ü"/>
-            </a:pPr>
-            <a:r>
-              <a:rPr lang="de-DE" dirty="0" err="1" smtClean="0"/>
-              <a:t>Redundancy</a:t>
-            </a:r>
-            <a:r>
-              <a:rPr lang="de-DE" dirty="0" smtClean="0"/>
-              <a:t> </a:t>
-            </a:r>
-            <a:r>
-              <a:rPr lang="de-DE" dirty="0" err="1" smtClean="0"/>
-              <a:t>handling</a:t>
-            </a:r>
-            <a:endParaRPr lang="de-DE" dirty="0" smtClean="0"/>
-          </a:p>
-          <a:p>
+              <a:rPr lang="en-US" dirty="0" smtClean="0"/>
+              <a:t>Concurrency, Support</a:t>
+            </a:r>
+            <a:r>
+              <a:rPr lang="en-US" baseline="0" dirty="0" smtClean="0"/>
+              <a:t> Integrated Modeling </a:t>
+            </a:r>
             <a:endParaRPr lang="en-US" dirty="0"/>
           </a:p>
         </p:txBody>
@@ -959,7 +903,7 @@
     </p:spTree>
     <p:extLst>
       <p:ext uri="{BB962C8B-B14F-4D97-AF65-F5344CB8AC3E}">
-        <p14:creationId xmlns:p14="http://schemas.microsoft.com/office/powerpoint/2010/main" val="3242815811"/>
+        <p14:creationId xmlns:p14="http://schemas.microsoft.com/office/powerpoint/2010/main" val="536234631"/>
       </p:ext>
     </p:extLst>
   </p:cSld>
@@ -1018,6 +962,94 @@
           <a:bodyPr/>
           <a:lstStyle/>
           <a:p>
+            <a:pPr marL="285750" indent="-285750">
+              <a:buFont typeface="Wingdings" charset="2"/>
+              <a:buChar char="ü"/>
+            </a:pPr>
+            <a:r>
+              <a:rPr lang="de-DE" dirty="0" smtClean="0"/>
+              <a:t>Fast </a:t>
+            </a:r>
+            <a:r>
+              <a:rPr lang="de-DE" dirty="0" err="1" smtClean="0"/>
+              <a:t>modeling</a:t>
+            </a:r>
+            <a:endParaRPr lang="de-DE" dirty="0" smtClean="0"/>
+          </a:p>
+          <a:p>
+            <a:pPr marL="285750" indent="-285750">
+              <a:buFont typeface="Wingdings" charset="2"/>
+              <a:buChar char="ü"/>
+            </a:pPr>
+            <a:r>
+              <a:rPr lang="de-DE" dirty="0" smtClean="0"/>
+              <a:t>Easy </a:t>
+            </a:r>
+            <a:r>
+              <a:rPr lang="de-DE" dirty="0" err="1" smtClean="0"/>
+              <a:t>data</a:t>
+            </a:r>
+            <a:r>
+              <a:rPr lang="de-DE" dirty="0" smtClean="0"/>
+              <a:t> </a:t>
+            </a:r>
+            <a:r>
+              <a:rPr lang="de-DE" dirty="0" err="1" smtClean="0"/>
+              <a:t>integration</a:t>
+            </a:r>
+            <a:endParaRPr lang="de-DE" dirty="0" smtClean="0"/>
+          </a:p>
+          <a:p>
+            <a:pPr marL="285750" indent="-285750">
+              <a:buFont typeface="Wingdings" charset="2"/>
+              <a:buChar char="ü"/>
+            </a:pPr>
+            <a:r>
+              <a:rPr lang="de-DE" dirty="0" smtClean="0"/>
+              <a:t>Multiple </a:t>
+            </a:r>
+            <a:r>
+              <a:rPr lang="de-DE" dirty="0" err="1" smtClean="0"/>
+              <a:t>levels</a:t>
+            </a:r>
+            <a:r>
+              <a:rPr lang="de-DE" dirty="0" smtClean="0"/>
+              <a:t> </a:t>
+            </a:r>
+            <a:r>
+              <a:rPr lang="de-DE" dirty="0" err="1" smtClean="0"/>
+              <a:t>of</a:t>
+            </a:r>
+            <a:r>
+              <a:rPr lang="de-DE" dirty="0" smtClean="0"/>
+              <a:t> </a:t>
+            </a:r>
+            <a:r>
+              <a:rPr lang="de-DE" dirty="0" err="1" smtClean="0"/>
+              <a:t>granularity</a:t>
+            </a:r>
+            <a:endParaRPr lang="de-DE" dirty="0" smtClean="0"/>
+          </a:p>
+          <a:p>
+            <a:pPr marL="285750" indent="-285750">
+              <a:buFont typeface="Wingdings" charset="2"/>
+              <a:buChar char="ü"/>
+            </a:pPr>
+            <a:r>
+              <a:rPr lang="de-DE" dirty="0" err="1" smtClean="0"/>
+              <a:t>Redundancy</a:t>
+            </a:r>
+            <a:r>
+              <a:rPr lang="de-DE" dirty="0" smtClean="0"/>
+              <a:t> </a:t>
+            </a:r>
+            <a:r>
+              <a:rPr lang="de-DE" dirty="0" err="1" smtClean="0"/>
+              <a:t>handling</a:t>
+            </a:r>
+            <a:endParaRPr lang="de-DE" dirty="0" smtClean="0"/>
+          </a:p>
+          <a:p>
             <a:endParaRPr lang="en-US" dirty="0"/>
           </a:p>
         </p:txBody>
@@ -1025,7 +1057,7 @@
     </p:spTree>
     <p:extLst>
       <p:ext uri="{BB962C8B-B14F-4D97-AF65-F5344CB8AC3E}">
-        <p14:creationId xmlns:p14="http://schemas.microsoft.com/office/powerpoint/2010/main" val="3821591872"/>
+        <p14:creationId xmlns:p14="http://schemas.microsoft.com/office/powerpoint/2010/main" val="3242815811"/>
       </p:ext>
     </p:extLst>
   </p:cSld>
@@ -1084,29 +1116,6 @@
           <a:bodyPr/>
           <a:lstStyle/>
           <a:p>
-            <a:pPr marL="0" marR="0" indent="0" algn="l" defTabSz="457200" rtl="0" eaLnBrk="1" fontAlgn="auto" latinLnBrk="0" hangingPunct="1">
-              <a:lnSpc>
-                <a:spcPct val="100000"/>
-              </a:lnSpc>
-              <a:spcBef>
-                <a:spcPts val="0"/>
-              </a:spcBef>
-              <a:spcAft>
-                <a:spcPts val="0"/>
-              </a:spcAft>
-              <a:buClrTx/>
-              <a:buSzTx/>
-              <a:buFontTx/>
-              <a:buNone/>
-              <a:tabLst/>
-              <a:defRPr/>
-            </a:pPr>
-            <a:r>
-              <a:rPr lang="en-US" dirty="0" smtClean="0"/>
-              <a:t>We take the schematic of NGMW and show how the different levels at which the Models work, (ii) how different models interact, especially (a) Andre and Christian’s work/interface, (ii) I* and F*.</a:t>
-            </a:r>
-          </a:p>
-          <a:p>
             <a:endParaRPr lang="en-US" dirty="0"/>
           </a:p>
         </p:txBody>
@@ -1114,7 +1123,7 @@
     </p:spTree>
     <p:extLst>
       <p:ext uri="{BB962C8B-B14F-4D97-AF65-F5344CB8AC3E}">
-        <p14:creationId xmlns:p14="http://schemas.microsoft.com/office/powerpoint/2010/main" val="1073575463"/>
+        <p14:creationId xmlns:p14="http://schemas.microsoft.com/office/powerpoint/2010/main" val="3821591872"/>
       </p:ext>
     </p:extLst>
   </p:cSld>
@@ -1192,12 +1201,10 @@
             </a:pPr>
             <a:r>
               <a:rPr lang="en-US" dirty="0" smtClean="0"/>
-              <a:t>We show</a:t>
-            </a:r>
-            <a:r>
-              <a:rPr lang="en-US" baseline="0" dirty="0" smtClean="0"/>
-              <a:t> how *.* meets the 